--- a/Kolloquium/Kolloquium.pptx
+++ b/Kolloquium/Kolloquium.pptx
@@ -5,18 +5,32 @@
     <p:sldMasterId id="2147483663" r:id="rId1"/>
   </p:sldMasterIdLst>
   <p:notesMasterIdLst>
-    <p:notesMasterId r:id="rId8"/>
+    <p:notesMasterId r:id="rId22"/>
   </p:notesMasterIdLst>
   <p:handoutMasterIdLst>
-    <p:handoutMasterId r:id="rId9"/>
+    <p:handoutMasterId r:id="rId23"/>
   </p:handoutMasterIdLst>
   <p:sldIdLst>
-    <p:sldId id="261" r:id="rId2"/>
-    <p:sldId id="277" r:id="rId3"/>
-    <p:sldId id="263" r:id="rId4"/>
-    <p:sldId id="268" r:id="rId5"/>
-    <p:sldId id="275" r:id="rId6"/>
-    <p:sldId id="276" r:id="rId7"/>
+    <p:sldId id="279" r:id="rId2"/>
+    <p:sldId id="287" r:id="rId3"/>
+    <p:sldId id="296" r:id="rId4"/>
+    <p:sldId id="294" r:id="rId5"/>
+    <p:sldId id="295" r:id="rId6"/>
+    <p:sldId id="288" r:id="rId7"/>
+    <p:sldId id="297" r:id="rId8"/>
+    <p:sldId id="289" r:id="rId9"/>
+    <p:sldId id="300" r:id="rId10"/>
+    <p:sldId id="301" r:id="rId11"/>
+    <p:sldId id="291" r:id="rId12"/>
+    <p:sldId id="302" r:id="rId13"/>
+    <p:sldId id="292" r:id="rId14"/>
+    <p:sldId id="303" r:id="rId15"/>
+    <p:sldId id="304" r:id="rId16"/>
+    <p:sldId id="277" r:id="rId17"/>
+    <p:sldId id="263" r:id="rId18"/>
+    <p:sldId id="268" r:id="rId19"/>
+    <p:sldId id="275" r:id="rId20"/>
+    <p:sldId id="276" r:id="rId21"/>
   </p:sldIdLst>
   <p:sldSz cx="9144000" cy="5143500" type="screen16x9"/>
   <p:notesSz cx="6797675" cy="9874250"/>
@@ -208,7 +222,7 @@
           <a:p>
             <a:fld id="{F4DF2165-45DD-4E6A-8D88-991CFCF20576}" type="datetimeFigureOut">
               <a:rPr lang="de-DE" smtClean="0"/>
-              <a:t>19.02.23</a:t>
+              <a:t>20.02.23</a:t>
             </a:fld>
             <a:endParaRPr lang="de-DE" dirty="0"/>
           </a:p>
@@ -373,7 +387,7 @@
           <a:p>
             <a:fld id="{DBB2A775-C49D-45BA-A919-7D687A0440E7}" type="datetimeFigureOut">
               <a:rPr lang="de-DE" smtClean="0"/>
-              <a:t>19.02.23</a:t>
+              <a:t>20.02.23</a:t>
             </a:fld>
             <a:endParaRPr lang="de-DE"/>
           </a:p>
@@ -719,7 +733,633 @@
     </p:spTree>
     <p:extLst>
       <p:ext uri="{BB962C8B-B14F-4D97-AF65-F5344CB8AC3E}">
-        <p14:creationId xmlns:p14="http://schemas.microsoft.com/office/powerpoint/2010/main" val="2629515849"/>
+        <p14:creationId xmlns:p14="http://schemas.microsoft.com/office/powerpoint/2010/main" val="3486550570"/>
+      </p:ext>
+    </p:extLst>
+  </p:cSld>
+  <p:clrMapOvr>
+    <a:masterClrMapping/>
+  </p:clrMapOvr>
+</p:notes>
+</file>
+
+<file path=ppt/notesSlides/notesSlide10.xml><?xml version="1.0" encoding="utf-8"?>
+<p:notes xmlns:a="http://schemas.openxmlformats.org/drawingml/2006/main" xmlns:r="http://schemas.openxmlformats.org/officeDocument/2006/relationships" xmlns:p="http://schemas.openxmlformats.org/presentationml/2006/main">
+  <p:cSld>
+    <p:spTree>
+      <p:nvGrpSpPr>
+        <p:cNvPr id="1" name=""/>
+        <p:cNvGrpSpPr/>
+        <p:nvPr/>
+      </p:nvGrpSpPr>
+      <p:grpSpPr>
+        <a:xfrm>
+          <a:off x="0" y="0"/>
+          <a:ext cx="0" cy="0"/>
+          <a:chOff x="0" y="0"/>
+          <a:chExt cx="0" cy="0"/>
+        </a:xfrm>
+      </p:grpSpPr>
+      <p:sp>
+        <p:nvSpPr>
+          <p:cNvPr id="2" name="Folienbildplatzhalter 1"/>
+          <p:cNvSpPr>
+            <a:spLocks noGrp="1" noRot="1" noChangeAspect="1"/>
+          </p:cNvSpPr>
+          <p:nvPr>
+            <p:ph type="sldImg"/>
+          </p:nvPr>
+        </p:nvSpPr>
+        <p:spPr>
+          <a:xfrm>
+            <a:off x="511175" y="1049338"/>
+            <a:ext cx="5924550" cy="3333750"/>
+          </a:xfrm>
+        </p:spPr>
+      </p:sp>
+      <p:sp>
+        <p:nvSpPr>
+          <p:cNvPr id="3" name="Notizenplatzhalter 2"/>
+          <p:cNvSpPr>
+            <a:spLocks noGrp="1"/>
+          </p:cNvSpPr>
+          <p:nvPr>
+            <p:ph type="body" idx="1"/>
+          </p:nvPr>
+        </p:nvSpPr>
+        <p:spPr/>
+        <p:txBody>
+          <a:bodyPr/>
+          <a:lstStyle/>
+          <a:p>
+            <a:endParaRPr lang="de-DE"/>
+          </a:p>
+        </p:txBody>
+      </p:sp>
+      <p:sp>
+        <p:nvSpPr>
+          <p:cNvPr id="4" name="Foliennummernplatzhalter 3"/>
+          <p:cNvSpPr>
+            <a:spLocks noGrp="1"/>
+          </p:cNvSpPr>
+          <p:nvPr>
+            <p:ph type="sldNum" sz="quarter" idx="10"/>
+          </p:nvPr>
+        </p:nvSpPr>
+        <p:spPr/>
+        <p:txBody>
+          <a:bodyPr/>
+          <a:lstStyle/>
+          <a:p>
+            <a:fld id="{2D6A0D67-EDAE-48EC-829F-B147F9799060}" type="slidenum">
+              <a:rPr lang="de-DE" smtClean="0"/>
+              <a:t>13</a:t>
+            </a:fld>
+            <a:endParaRPr lang="de-DE"/>
+          </a:p>
+        </p:txBody>
+      </p:sp>
+    </p:spTree>
+    <p:extLst>
+      <p:ext uri="{BB962C8B-B14F-4D97-AF65-F5344CB8AC3E}">
+        <p14:creationId xmlns:p14="http://schemas.microsoft.com/office/powerpoint/2010/main" val="2874107102"/>
+      </p:ext>
+    </p:extLst>
+  </p:cSld>
+  <p:clrMapOvr>
+    <a:masterClrMapping/>
+  </p:clrMapOvr>
+</p:notes>
+</file>
+
+<file path=ppt/notesSlides/notesSlide11.xml><?xml version="1.0" encoding="utf-8"?>
+<p:notes xmlns:a="http://schemas.openxmlformats.org/drawingml/2006/main" xmlns:r="http://schemas.openxmlformats.org/officeDocument/2006/relationships" xmlns:p="http://schemas.openxmlformats.org/presentationml/2006/main">
+  <p:cSld>
+    <p:spTree>
+      <p:nvGrpSpPr>
+        <p:cNvPr id="1" name=""/>
+        <p:cNvGrpSpPr/>
+        <p:nvPr/>
+      </p:nvGrpSpPr>
+      <p:grpSpPr>
+        <a:xfrm>
+          <a:off x="0" y="0"/>
+          <a:ext cx="0" cy="0"/>
+          <a:chOff x="0" y="0"/>
+          <a:chExt cx="0" cy="0"/>
+        </a:xfrm>
+      </p:grpSpPr>
+      <p:sp>
+        <p:nvSpPr>
+          <p:cNvPr id="2" name="Folienbildplatzhalter 1"/>
+          <p:cNvSpPr>
+            <a:spLocks noGrp="1" noRot="1" noChangeAspect="1"/>
+          </p:cNvSpPr>
+          <p:nvPr>
+            <p:ph type="sldImg"/>
+          </p:nvPr>
+        </p:nvSpPr>
+        <p:spPr>
+          <a:xfrm>
+            <a:off x="511175" y="1049338"/>
+            <a:ext cx="5924550" cy="3333750"/>
+          </a:xfrm>
+        </p:spPr>
+      </p:sp>
+      <p:sp>
+        <p:nvSpPr>
+          <p:cNvPr id="3" name="Notizenplatzhalter 2"/>
+          <p:cNvSpPr>
+            <a:spLocks noGrp="1"/>
+          </p:cNvSpPr>
+          <p:nvPr>
+            <p:ph type="body" idx="1"/>
+          </p:nvPr>
+        </p:nvSpPr>
+        <p:spPr/>
+        <p:txBody>
+          <a:bodyPr/>
+          <a:lstStyle/>
+          <a:p>
+            <a:endParaRPr lang="de-DE"/>
+          </a:p>
+        </p:txBody>
+      </p:sp>
+      <p:sp>
+        <p:nvSpPr>
+          <p:cNvPr id="4" name="Foliennummernplatzhalter 3"/>
+          <p:cNvSpPr>
+            <a:spLocks noGrp="1"/>
+          </p:cNvSpPr>
+          <p:nvPr>
+            <p:ph type="sldNum" sz="quarter" idx="10"/>
+          </p:nvPr>
+        </p:nvSpPr>
+        <p:spPr/>
+        <p:txBody>
+          <a:bodyPr/>
+          <a:lstStyle/>
+          <a:p>
+            <a:fld id="{2D6A0D67-EDAE-48EC-829F-B147F9799060}" type="slidenum">
+              <a:rPr lang="de-DE" smtClean="0"/>
+              <a:t>14</a:t>
+            </a:fld>
+            <a:endParaRPr lang="de-DE"/>
+          </a:p>
+        </p:txBody>
+      </p:sp>
+    </p:spTree>
+    <p:extLst>
+      <p:ext uri="{BB962C8B-B14F-4D97-AF65-F5344CB8AC3E}">
+        <p14:creationId xmlns:p14="http://schemas.microsoft.com/office/powerpoint/2010/main" val="2668859889"/>
+      </p:ext>
+    </p:extLst>
+  </p:cSld>
+  <p:clrMapOvr>
+    <a:masterClrMapping/>
+  </p:clrMapOvr>
+</p:notes>
+</file>
+
+<file path=ppt/notesSlides/notesSlide12.xml><?xml version="1.0" encoding="utf-8"?>
+<p:notes xmlns:a="http://schemas.openxmlformats.org/drawingml/2006/main" xmlns:r="http://schemas.openxmlformats.org/officeDocument/2006/relationships" xmlns:p="http://schemas.openxmlformats.org/presentationml/2006/main">
+  <p:cSld>
+    <p:spTree>
+      <p:nvGrpSpPr>
+        <p:cNvPr id="1" name=""/>
+        <p:cNvGrpSpPr/>
+        <p:nvPr/>
+      </p:nvGrpSpPr>
+      <p:grpSpPr>
+        <a:xfrm>
+          <a:off x="0" y="0"/>
+          <a:ext cx="0" cy="0"/>
+          <a:chOff x="0" y="0"/>
+          <a:chExt cx="0" cy="0"/>
+        </a:xfrm>
+      </p:grpSpPr>
+      <p:sp>
+        <p:nvSpPr>
+          <p:cNvPr id="2" name="Folienbildplatzhalter 1"/>
+          <p:cNvSpPr>
+            <a:spLocks noGrp="1" noRot="1" noChangeAspect="1"/>
+          </p:cNvSpPr>
+          <p:nvPr>
+            <p:ph type="sldImg"/>
+          </p:nvPr>
+        </p:nvSpPr>
+        <p:spPr>
+          <a:xfrm>
+            <a:off x="511175" y="1049338"/>
+            <a:ext cx="5924550" cy="3333750"/>
+          </a:xfrm>
+        </p:spPr>
+      </p:sp>
+      <p:sp>
+        <p:nvSpPr>
+          <p:cNvPr id="3" name="Notizenplatzhalter 2"/>
+          <p:cNvSpPr>
+            <a:spLocks noGrp="1"/>
+          </p:cNvSpPr>
+          <p:nvPr>
+            <p:ph type="body" idx="1"/>
+          </p:nvPr>
+        </p:nvSpPr>
+        <p:spPr/>
+        <p:txBody>
+          <a:bodyPr/>
+          <a:lstStyle/>
+          <a:p>
+            <a:endParaRPr lang="de-DE" dirty="0"/>
+          </a:p>
+        </p:txBody>
+      </p:sp>
+      <p:sp>
+        <p:nvSpPr>
+          <p:cNvPr id="4" name="Foliennummernplatzhalter 3"/>
+          <p:cNvSpPr>
+            <a:spLocks noGrp="1"/>
+          </p:cNvSpPr>
+          <p:nvPr>
+            <p:ph type="sldNum" sz="quarter" idx="10"/>
+          </p:nvPr>
+        </p:nvSpPr>
+        <p:spPr/>
+        <p:txBody>
+          <a:bodyPr/>
+          <a:lstStyle/>
+          <a:p>
+            <a:fld id="{2D6A0D67-EDAE-48EC-829F-B147F9799060}" type="slidenum">
+              <a:rPr lang="de-DE" smtClean="0"/>
+              <a:t>16</a:t>
+            </a:fld>
+            <a:endParaRPr lang="de-DE" dirty="0"/>
+          </a:p>
+        </p:txBody>
+      </p:sp>
+    </p:spTree>
+    <p:extLst>
+      <p:ext uri="{BB962C8B-B14F-4D97-AF65-F5344CB8AC3E}">
+        <p14:creationId xmlns:p14="http://schemas.microsoft.com/office/powerpoint/2010/main" val="3900583526"/>
+      </p:ext>
+    </p:extLst>
+  </p:cSld>
+  <p:clrMapOvr>
+    <a:masterClrMapping/>
+  </p:clrMapOvr>
+</p:notes>
+</file>
+
+<file path=ppt/notesSlides/notesSlide13.xml><?xml version="1.0" encoding="utf-8"?>
+<p:notes xmlns:a="http://schemas.openxmlformats.org/drawingml/2006/main" xmlns:r="http://schemas.openxmlformats.org/officeDocument/2006/relationships" xmlns:p="http://schemas.openxmlformats.org/presentationml/2006/main">
+  <p:cSld>
+    <p:spTree>
+      <p:nvGrpSpPr>
+        <p:cNvPr id="1" name=""/>
+        <p:cNvGrpSpPr/>
+        <p:nvPr/>
+      </p:nvGrpSpPr>
+      <p:grpSpPr>
+        <a:xfrm>
+          <a:off x="0" y="0"/>
+          <a:ext cx="0" cy="0"/>
+          <a:chOff x="0" y="0"/>
+          <a:chExt cx="0" cy="0"/>
+        </a:xfrm>
+      </p:grpSpPr>
+      <p:sp>
+        <p:nvSpPr>
+          <p:cNvPr id="2" name="Folienbildplatzhalter 1"/>
+          <p:cNvSpPr>
+            <a:spLocks noGrp="1" noRot="1" noChangeAspect="1"/>
+          </p:cNvSpPr>
+          <p:nvPr>
+            <p:ph type="sldImg"/>
+          </p:nvPr>
+        </p:nvSpPr>
+        <p:spPr>
+          <a:xfrm>
+            <a:off x="511175" y="1049338"/>
+            <a:ext cx="5924550" cy="3333750"/>
+          </a:xfrm>
+        </p:spPr>
+      </p:sp>
+      <p:sp>
+        <p:nvSpPr>
+          <p:cNvPr id="3" name="Notizenplatzhalter 2"/>
+          <p:cNvSpPr>
+            <a:spLocks noGrp="1"/>
+          </p:cNvSpPr>
+          <p:nvPr>
+            <p:ph type="body" idx="1"/>
+          </p:nvPr>
+        </p:nvSpPr>
+        <p:spPr/>
+        <p:txBody>
+          <a:bodyPr/>
+          <a:lstStyle/>
+          <a:p>
+            <a:endParaRPr lang="de-DE"/>
+          </a:p>
+        </p:txBody>
+      </p:sp>
+      <p:sp>
+        <p:nvSpPr>
+          <p:cNvPr id="4" name="Foliennummernplatzhalter 3"/>
+          <p:cNvSpPr>
+            <a:spLocks noGrp="1"/>
+          </p:cNvSpPr>
+          <p:nvPr>
+            <p:ph type="sldNum" sz="quarter" idx="10"/>
+          </p:nvPr>
+        </p:nvSpPr>
+        <p:spPr/>
+        <p:txBody>
+          <a:bodyPr/>
+          <a:lstStyle/>
+          <a:p>
+            <a:fld id="{2D6A0D67-EDAE-48EC-829F-B147F9799060}" type="slidenum">
+              <a:rPr lang="de-DE" smtClean="0"/>
+              <a:t>17</a:t>
+            </a:fld>
+            <a:endParaRPr lang="de-DE"/>
+          </a:p>
+        </p:txBody>
+      </p:sp>
+    </p:spTree>
+    <p:extLst>
+      <p:ext uri="{BB962C8B-B14F-4D97-AF65-F5344CB8AC3E}">
+        <p14:creationId xmlns:p14="http://schemas.microsoft.com/office/powerpoint/2010/main" val="447334487"/>
+      </p:ext>
+    </p:extLst>
+  </p:cSld>
+  <p:clrMapOvr>
+    <a:masterClrMapping/>
+  </p:clrMapOvr>
+</p:notes>
+</file>
+
+<file path=ppt/notesSlides/notesSlide14.xml><?xml version="1.0" encoding="utf-8"?>
+<p:notes xmlns:a="http://schemas.openxmlformats.org/drawingml/2006/main" xmlns:r="http://schemas.openxmlformats.org/officeDocument/2006/relationships" xmlns:p="http://schemas.openxmlformats.org/presentationml/2006/main">
+  <p:cSld>
+    <p:spTree>
+      <p:nvGrpSpPr>
+        <p:cNvPr id="1" name=""/>
+        <p:cNvGrpSpPr/>
+        <p:nvPr/>
+      </p:nvGrpSpPr>
+      <p:grpSpPr>
+        <a:xfrm>
+          <a:off x="0" y="0"/>
+          <a:ext cx="0" cy="0"/>
+          <a:chOff x="0" y="0"/>
+          <a:chExt cx="0" cy="0"/>
+        </a:xfrm>
+      </p:grpSpPr>
+      <p:sp>
+        <p:nvSpPr>
+          <p:cNvPr id="2" name="Folienbildplatzhalter 1"/>
+          <p:cNvSpPr>
+            <a:spLocks noGrp="1" noRot="1" noChangeAspect="1"/>
+          </p:cNvSpPr>
+          <p:nvPr>
+            <p:ph type="sldImg"/>
+          </p:nvPr>
+        </p:nvSpPr>
+        <p:spPr>
+          <a:xfrm>
+            <a:off x="511175" y="1049338"/>
+            <a:ext cx="5924550" cy="3333750"/>
+          </a:xfrm>
+        </p:spPr>
+      </p:sp>
+      <p:sp>
+        <p:nvSpPr>
+          <p:cNvPr id="3" name="Notizenplatzhalter 2"/>
+          <p:cNvSpPr>
+            <a:spLocks noGrp="1"/>
+          </p:cNvSpPr>
+          <p:nvPr>
+            <p:ph type="body" idx="1"/>
+          </p:nvPr>
+        </p:nvSpPr>
+        <p:spPr/>
+        <p:txBody>
+          <a:bodyPr/>
+          <a:lstStyle/>
+          <a:p>
+            <a:endParaRPr lang="de-DE"/>
+          </a:p>
+        </p:txBody>
+      </p:sp>
+      <p:sp>
+        <p:nvSpPr>
+          <p:cNvPr id="4" name="Foliennummernplatzhalter 3"/>
+          <p:cNvSpPr>
+            <a:spLocks noGrp="1"/>
+          </p:cNvSpPr>
+          <p:nvPr>
+            <p:ph type="sldNum" sz="quarter" idx="10"/>
+          </p:nvPr>
+        </p:nvSpPr>
+        <p:spPr/>
+        <p:txBody>
+          <a:bodyPr/>
+          <a:lstStyle/>
+          <a:p>
+            <a:fld id="{2D6A0D67-EDAE-48EC-829F-B147F9799060}" type="slidenum">
+              <a:rPr lang="de-DE" smtClean="0"/>
+              <a:t>18</a:t>
+            </a:fld>
+            <a:endParaRPr lang="de-DE"/>
+          </a:p>
+        </p:txBody>
+      </p:sp>
+    </p:spTree>
+    <p:extLst>
+      <p:ext uri="{BB962C8B-B14F-4D97-AF65-F5344CB8AC3E}">
+        <p14:creationId xmlns:p14="http://schemas.microsoft.com/office/powerpoint/2010/main" val="953450021"/>
+      </p:ext>
+    </p:extLst>
+  </p:cSld>
+  <p:clrMapOvr>
+    <a:masterClrMapping/>
+  </p:clrMapOvr>
+</p:notes>
+</file>
+
+<file path=ppt/notesSlides/notesSlide15.xml><?xml version="1.0" encoding="utf-8"?>
+<p:notes xmlns:a="http://schemas.openxmlformats.org/drawingml/2006/main" xmlns:r="http://schemas.openxmlformats.org/officeDocument/2006/relationships" xmlns:p="http://schemas.openxmlformats.org/presentationml/2006/main">
+  <p:cSld>
+    <p:spTree>
+      <p:nvGrpSpPr>
+        <p:cNvPr id="1" name=""/>
+        <p:cNvGrpSpPr/>
+        <p:nvPr/>
+      </p:nvGrpSpPr>
+      <p:grpSpPr>
+        <a:xfrm>
+          <a:off x="0" y="0"/>
+          <a:ext cx="0" cy="0"/>
+          <a:chOff x="0" y="0"/>
+          <a:chExt cx="0" cy="0"/>
+        </a:xfrm>
+      </p:grpSpPr>
+      <p:sp>
+        <p:nvSpPr>
+          <p:cNvPr id="2" name="Folienbildplatzhalter 1"/>
+          <p:cNvSpPr>
+            <a:spLocks noGrp="1" noRot="1" noChangeAspect="1"/>
+          </p:cNvSpPr>
+          <p:nvPr>
+            <p:ph type="sldImg"/>
+          </p:nvPr>
+        </p:nvSpPr>
+        <p:spPr>
+          <a:xfrm>
+            <a:off x="511175" y="1049338"/>
+            <a:ext cx="5924550" cy="3333750"/>
+          </a:xfrm>
+        </p:spPr>
+      </p:sp>
+      <p:sp>
+        <p:nvSpPr>
+          <p:cNvPr id="3" name="Notizenplatzhalter 2"/>
+          <p:cNvSpPr>
+            <a:spLocks noGrp="1"/>
+          </p:cNvSpPr>
+          <p:nvPr>
+            <p:ph type="body" idx="1"/>
+          </p:nvPr>
+        </p:nvSpPr>
+        <p:spPr/>
+        <p:txBody>
+          <a:bodyPr/>
+          <a:lstStyle/>
+          <a:p>
+            <a:endParaRPr lang="de-DE"/>
+          </a:p>
+        </p:txBody>
+      </p:sp>
+      <p:sp>
+        <p:nvSpPr>
+          <p:cNvPr id="4" name="Foliennummernplatzhalter 3"/>
+          <p:cNvSpPr>
+            <a:spLocks noGrp="1"/>
+          </p:cNvSpPr>
+          <p:nvPr>
+            <p:ph type="sldNum" sz="quarter" idx="10"/>
+          </p:nvPr>
+        </p:nvSpPr>
+        <p:spPr/>
+        <p:txBody>
+          <a:bodyPr/>
+          <a:lstStyle/>
+          <a:p>
+            <a:fld id="{2D6A0D67-EDAE-48EC-829F-B147F9799060}" type="slidenum">
+              <a:rPr lang="de-DE" smtClean="0"/>
+              <a:t>19</a:t>
+            </a:fld>
+            <a:endParaRPr lang="de-DE"/>
+          </a:p>
+        </p:txBody>
+      </p:sp>
+    </p:spTree>
+    <p:extLst>
+      <p:ext uri="{BB962C8B-B14F-4D97-AF65-F5344CB8AC3E}">
+        <p14:creationId xmlns:p14="http://schemas.microsoft.com/office/powerpoint/2010/main" val="2840433482"/>
+      </p:ext>
+    </p:extLst>
+  </p:cSld>
+  <p:clrMapOvr>
+    <a:masterClrMapping/>
+  </p:clrMapOvr>
+</p:notes>
+</file>
+
+<file path=ppt/notesSlides/notesSlide16.xml><?xml version="1.0" encoding="utf-8"?>
+<p:notes xmlns:a="http://schemas.openxmlformats.org/drawingml/2006/main" xmlns:r="http://schemas.openxmlformats.org/officeDocument/2006/relationships" xmlns:p="http://schemas.openxmlformats.org/presentationml/2006/main">
+  <p:cSld>
+    <p:spTree>
+      <p:nvGrpSpPr>
+        <p:cNvPr id="1" name=""/>
+        <p:cNvGrpSpPr/>
+        <p:nvPr/>
+      </p:nvGrpSpPr>
+      <p:grpSpPr>
+        <a:xfrm>
+          <a:off x="0" y="0"/>
+          <a:ext cx="0" cy="0"/>
+          <a:chOff x="0" y="0"/>
+          <a:chExt cx="0" cy="0"/>
+        </a:xfrm>
+      </p:grpSpPr>
+      <p:sp>
+        <p:nvSpPr>
+          <p:cNvPr id="2" name="Folienbildplatzhalter 1"/>
+          <p:cNvSpPr>
+            <a:spLocks noGrp="1" noRot="1" noChangeAspect="1"/>
+          </p:cNvSpPr>
+          <p:nvPr>
+            <p:ph type="sldImg"/>
+          </p:nvPr>
+        </p:nvSpPr>
+        <p:spPr>
+          <a:xfrm>
+            <a:off x="511175" y="1049338"/>
+            <a:ext cx="5924550" cy="3333750"/>
+          </a:xfrm>
+        </p:spPr>
+      </p:sp>
+      <p:sp>
+        <p:nvSpPr>
+          <p:cNvPr id="3" name="Notizenplatzhalter 2"/>
+          <p:cNvSpPr>
+            <a:spLocks noGrp="1"/>
+          </p:cNvSpPr>
+          <p:nvPr>
+            <p:ph type="body" idx="1"/>
+          </p:nvPr>
+        </p:nvSpPr>
+        <p:spPr/>
+        <p:txBody>
+          <a:bodyPr/>
+          <a:lstStyle/>
+          <a:p>
+            <a:endParaRPr lang="de-DE" dirty="0">
+              <a:latin typeface="Muli SemiBold" panose="00000700000000000000" pitchFamily="2" charset="0"/>
+            </a:endParaRPr>
+          </a:p>
+        </p:txBody>
+      </p:sp>
+      <p:sp>
+        <p:nvSpPr>
+          <p:cNvPr id="4" name="Foliennummernplatzhalter 3"/>
+          <p:cNvSpPr>
+            <a:spLocks noGrp="1"/>
+          </p:cNvSpPr>
+          <p:nvPr>
+            <p:ph type="sldNum" sz="quarter" idx="10"/>
+          </p:nvPr>
+        </p:nvSpPr>
+        <p:spPr/>
+        <p:txBody>
+          <a:bodyPr/>
+          <a:lstStyle/>
+          <a:p>
+            <a:fld id="{890D2026-B054-4C01-8473-47B83C1FFE3E}" type="slidenum">
+              <a:rPr lang="de-DE" smtClean="0"/>
+              <a:pPr/>
+              <a:t>20</a:t>
+            </a:fld>
+            <a:endParaRPr lang="de-DE"/>
+          </a:p>
+        </p:txBody>
+      </p:sp>
+    </p:spTree>
+    <p:extLst>
+      <p:ext uri="{BB962C8B-B14F-4D97-AF65-F5344CB8AC3E}">
+        <p14:creationId xmlns:p14="http://schemas.microsoft.com/office/powerpoint/2010/main" val="3919508275"/>
       </p:ext>
     </p:extLst>
   </p:cSld>
@@ -778,7 +1418,7 @@
           <a:bodyPr/>
           <a:lstStyle/>
           <a:p>
-            <a:endParaRPr lang="de-DE" dirty="0"/>
+            <a:endParaRPr lang="de-DE"/>
           </a:p>
         </p:txBody>
       </p:sp>
@@ -801,14 +1441,14 @@
               <a:rPr lang="de-DE" smtClean="0"/>
               <a:t>2</a:t>
             </a:fld>
-            <a:endParaRPr lang="de-DE" dirty="0"/>
+            <a:endParaRPr lang="de-DE"/>
           </a:p>
         </p:txBody>
       </p:sp>
     </p:spTree>
     <p:extLst>
       <p:ext uri="{BB962C8B-B14F-4D97-AF65-F5344CB8AC3E}">
-        <p14:creationId xmlns:p14="http://schemas.microsoft.com/office/powerpoint/2010/main" val="3900583526"/>
+        <p14:creationId xmlns:p14="http://schemas.microsoft.com/office/powerpoint/2010/main" val="2794811438"/>
       </p:ext>
     </p:extLst>
   </p:cSld>
@@ -897,7 +1537,7 @@
     </p:spTree>
     <p:extLst>
       <p:ext uri="{BB962C8B-B14F-4D97-AF65-F5344CB8AC3E}">
-        <p14:creationId xmlns:p14="http://schemas.microsoft.com/office/powerpoint/2010/main" val="447334487"/>
+        <p14:creationId xmlns:p14="http://schemas.microsoft.com/office/powerpoint/2010/main" val="3056695762"/>
       </p:ext>
     </p:extLst>
   </p:cSld>
@@ -986,7 +1626,7 @@
     </p:spTree>
     <p:extLst>
       <p:ext uri="{BB962C8B-B14F-4D97-AF65-F5344CB8AC3E}">
-        <p14:creationId xmlns:p14="http://schemas.microsoft.com/office/powerpoint/2010/main" val="953450021"/>
+        <p14:creationId xmlns:p14="http://schemas.microsoft.com/office/powerpoint/2010/main" val="219333744"/>
       </p:ext>
     </p:extLst>
   </p:cSld>
@@ -1066,7 +1706,7 @@
           <a:p>
             <a:fld id="{2D6A0D67-EDAE-48EC-829F-B147F9799060}" type="slidenum">
               <a:rPr lang="de-DE" smtClean="0"/>
-              <a:t>5</a:t>
+              <a:t>6</a:t>
             </a:fld>
             <a:endParaRPr lang="de-DE"/>
           </a:p>
@@ -1075,7 +1715,7 @@
     </p:spTree>
     <p:extLst>
       <p:ext uri="{BB962C8B-B14F-4D97-AF65-F5344CB8AC3E}">
-        <p14:creationId xmlns:p14="http://schemas.microsoft.com/office/powerpoint/2010/main" val="2840433482"/>
+        <p14:creationId xmlns:p14="http://schemas.microsoft.com/office/powerpoint/2010/main" val="2258795368"/>
       </p:ext>
     </p:extLst>
   </p:cSld>
@@ -1134,9 +1774,7 @@
           <a:bodyPr/>
           <a:lstStyle/>
           <a:p>
-            <a:endParaRPr lang="de-DE" dirty="0">
-              <a:latin typeface="Muli SemiBold" panose="00000700000000000000" pitchFamily="2" charset="0"/>
-            </a:endParaRPr>
+            <a:endParaRPr lang="de-DE"/>
           </a:p>
         </p:txBody>
       </p:sp>
@@ -1155,10 +1793,9 @@
           <a:bodyPr/>
           <a:lstStyle/>
           <a:p>
-            <a:fld id="{890D2026-B054-4C01-8473-47B83C1FFE3E}" type="slidenum">
+            <a:fld id="{2D6A0D67-EDAE-48EC-829F-B147F9799060}" type="slidenum">
               <a:rPr lang="de-DE" smtClean="0"/>
-              <a:pPr/>
-              <a:t>6</a:t>
+              <a:t>7</a:t>
             </a:fld>
             <a:endParaRPr lang="de-DE"/>
           </a:p>
@@ -1167,7 +1804,274 @@
     </p:spTree>
     <p:extLst>
       <p:ext uri="{BB962C8B-B14F-4D97-AF65-F5344CB8AC3E}">
-        <p14:creationId xmlns:p14="http://schemas.microsoft.com/office/powerpoint/2010/main" val="3919508275"/>
+        <p14:creationId xmlns:p14="http://schemas.microsoft.com/office/powerpoint/2010/main" val="2300688047"/>
+      </p:ext>
+    </p:extLst>
+  </p:cSld>
+  <p:clrMapOvr>
+    <a:masterClrMapping/>
+  </p:clrMapOvr>
+</p:notes>
+</file>
+
+<file path=ppt/notesSlides/notesSlide7.xml><?xml version="1.0" encoding="utf-8"?>
+<p:notes xmlns:a="http://schemas.openxmlformats.org/drawingml/2006/main" xmlns:r="http://schemas.openxmlformats.org/officeDocument/2006/relationships" xmlns:p="http://schemas.openxmlformats.org/presentationml/2006/main">
+  <p:cSld>
+    <p:spTree>
+      <p:nvGrpSpPr>
+        <p:cNvPr id="1" name=""/>
+        <p:cNvGrpSpPr/>
+        <p:nvPr/>
+      </p:nvGrpSpPr>
+      <p:grpSpPr>
+        <a:xfrm>
+          <a:off x="0" y="0"/>
+          <a:ext cx="0" cy="0"/>
+          <a:chOff x="0" y="0"/>
+          <a:chExt cx="0" cy="0"/>
+        </a:xfrm>
+      </p:grpSpPr>
+      <p:sp>
+        <p:nvSpPr>
+          <p:cNvPr id="2" name="Folienbildplatzhalter 1"/>
+          <p:cNvSpPr>
+            <a:spLocks noGrp="1" noRot="1" noChangeAspect="1"/>
+          </p:cNvSpPr>
+          <p:nvPr>
+            <p:ph type="sldImg"/>
+          </p:nvPr>
+        </p:nvSpPr>
+        <p:spPr>
+          <a:xfrm>
+            <a:off x="511175" y="1049338"/>
+            <a:ext cx="5924550" cy="3333750"/>
+          </a:xfrm>
+        </p:spPr>
+      </p:sp>
+      <p:sp>
+        <p:nvSpPr>
+          <p:cNvPr id="3" name="Notizenplatzhalter 2"/>
+          <p:cNvSpPr>
+            <a:spLocks noGrp="1"/>
+          </p:cNvSpPr>
+          <p:nvPr>
+            <p:ph type="body" idx="1"/>
+          </p:nvPr>
+        </p:nvSpPr>
+        <p:spPr/>
+        <p:txBody>
+          <a:bodyPr/>
+          <a:lstStyle/>
+          <a:p>
+            <a:endParaRPr lang="de-DE"/>
+          </a:p>
+        </p:txBody>
+      </p:sp>
+      <p:sp>
+        <p:nvSpPr>
+          <p:cNvPr id="4" name="Foliennummernplatzhalter 3"/>
+          <p:cNvSpPr>
+            <a:spLocks noGrp="1"/>
+          </p:cNvSpPr>
+          <p:nvPr>
+            <p:ph type="sldNum" sz="quarter" idx="10"/>
+          </p:nvPr>
+        </p:nvSpPr>
+        <p:spPr/>
+        <p:txBody>
+          <a:bodyPr/>
+          <a:lstStyle/>
+          <a:p>
+            <a:fld id="{2D6A0D67-EDAE-48EC-829F-B147F9799060}" type="slidenum">
+              <a:rPr lang="de-DE" smtClean="0"/>
+              <a:t>8</a:t>
+            </a:fld>
+            <a:endParaRPr lang="de-DE"/>
+          </a:p>
+        </p:txBody>
+      </p:sp>
+    </p:spTree>
+    <p:extLst>
+      <p:ext uri="{BB962C8B-B14F-4D97-AF65-F5344CB8AC3E}">
+        <p14:creationId xmlns:p14="http://schemas.microsoft.com/office/powerpoint/2010/main" val="3520414386"/>
+      </p:ext>
+    </p:extLst>
+  </p:cSld>
+  <p:clrMapOvr>
+    <a:masterClrMapping/>
+  </p:clrMapOvr>
+</p:notes>
+</file>
+
+<file path=ppt/notesSlides/notesSlide8.xml><?xml version="1.0" encoding="utf-8"?>
+<p:notes xmlns:a="http://schemas.openxmlformats.org/drawingml/2006/main" xmlns:r="http://schemas.openxmlformats.org/officeDocument/2006/relationships" xmlns:p="http://schemas.openxmlformats.org/presentationml/2006/main">
+  <p:cSld>
+    <p:spTree>
+      <p:nvGrpSpPr>
+        <p:cNvPr id="1" name=""/>
+        <p:cNvGrpSpPr/>
+        <p:nvPr/>
+      </p:nvGrpSpPr>
+      <p:grpSpPr>
+        <a:xfrm>
+          <a:off x="0" y="0"/>
+          <a:ext cx="0" cy="0"/>
+          <a:chOff x="0" y="0"/>
+          <a:chExt cx="0" cy="0"/>
+        </a:xfrm>
+      </p:grpSpPr>
+      <p:sp>
+        <p:nvSpPr>
+          <p:cNvPr id="2" name="Folienbildplatzhalter 1"/>
+          <p:cNvSpPr>
+            <a:spLocks noGrp="1" noRot="1" noChangeAspect="1"/>
+          </p:cNvSpPr>
+          <p:nvPr>
+            <p:ph type="sldImg"/>
+          </p:nvPr>
+        </p:nvSpPr>
+        <p:spPr>
+          <a:xfrm>
+            <a:off x="511175" y="1049338"/>
+            <a:ext cx="5924550" cy="3333750"/>
+          </a:xfrm>
+        </p:spPr>
+      </p:sp>
+      <p:sp>
+        <p:nvSpPr>
+          <p:cNvPr id="3" name="Notizenplatzhalter 2"/>
+          <p:cNvSpPr>
+            <a:spLocks noGrp="1"/>
+          </p:cNvSpPr>
+          <p:nvPr>
+            <p:ph type="body" idx="1"/>
+          </p:nvPr>
+        </p:nvSpPr>
+        <p:spPr/>
+        <p:txBody>
+          <a:bodyPr/>
+          <a:lstStyle/>
+          <a:p>
+            <a:endParaRPr lang="de-DE"/>
+          </a:p>
+        </p:txBody>
+      </p:sp>
+      <p:sp>
+        <p:nvSpPr>
+          <p:cNvPr id="4" name="Foliennummernplatzhalter 3"/>
+          <p:cNvSpPr>
+            <a:spLocks noGrp="1"/>
+          </p:cNvSpPr>
+          <p:nvPr>
+            <p:ph type="sldNum" sz="quarter" idx="10"/>
+          </p:nvPr>
+        </p:nvSpPr>
+        <p:spPr/>
+        <p:txBody>
+          <a:bodyPr/>
+          <a:lstStyle/>
+          <a:p>
+            <a:fld id="{2D6A0D67-EDAE-48EC-829F-B147F9799060}" type="slidenum">
+              <a:rPr lang="de-DE" smtClean="0"/>
+              <a:t>11</a:t>
+            </a:fld>
+            <a:endParaRPr lang="de-DE"/>
+          </a:p>
+        </p:txBody>
+      </p:sp>
+    </p:spTree>
+    <p:extLst>
+      <p:ext uri="{BB962C8B-B14F-4D97-AF65-F5344CB8AC3E}">
+        <p14:creationId xmlns:p14="http://schemas.microsoft.com/office/powerpoint/2010/main" val="1569347426"/>
+      </p:ext>
+    </p:extLst>
+  </p:cSld>
+  <p:clrMapOvr>
+    <a:masterClrMapping/>
+  </p:clrMapOvr>
+</p:notes>
+</file>
+
+<file path=ppt/notesSlides/notesSlide9.xml><?xml version="1.0" encoding="utf-8"?>
+<p:notes xmlns:a="http://schemas.openxmlformats.org/drawingml/2006/main" xmlns:r="http://schemas.openxmlformats.org/officeDocument/2006/relationships" xmlns:p="http://schemas.openxmlformats.org/presentationml/2006/main">
+  <p:cSld>
+    <p:spTree>
+      <p:nvGrpSpPr>
+        <p:cNvPr id="1" name=""/>
+        <p:cNvGrpSpPr/>
+        <p:nvPr/>
+      </p:nvGrpSpPr>
+      <p:grpSpPr>
+        <a:xfrm>
+          <a:off x="0" y="0"/>
+          <a:ext cx="0" cy="0"/>
+          <a:chOff x="0" y="0"/>
+          <a:chExt cx="0" cy="0"/>
+        </a:xfrm>
+      </p:grpSpPr>
+      <p:sp>
+        <p:nvSpPr>
+          <p:cNvPr id="2" name="Folienbildplatzhalter 1"/>
+          <p:cNvSpPr>
+            <a:spLocks noGrp="1" noRot="1" noChangeAspect="1"/>
+          </p:cNvSpPr>
+          <p:nvPr>
+            <p:ph type="sldImg"/>
+          </p:nvPr>
+        </p:nvSpPr>
+        <p:spPr>
+          <a:xfrm>
+            <a:off x="511175" y="1049338"/>
+            <a:ext cx="5924550" cy="3333750"/>
+          </a:xfrm>
+        </p:spPr>
+      </p:sp>
+      <p:sp>
+        <p:nvSpPr>
+          <p:cNvPr id="3" name="Notizenplatzhalter 2"/>
+          <p:cNvSpPr>
+            <a:spLocks noGrp="1"/>
+          </p:cNvSpPr>
+          <p:nvPr>
+            <p:ph type="body" idx="1"/>
+          </p:nvPr>
+        </p:nvSpPr>
+        <p:spPr/>
+        <p:txBody>
+          <a:bodyPr/>
+          <a:lstStyle/>
+          <a:p>
+            <a:endParaRPr lang="de-DE"/>
+          </a:p>
+        </p:txBody>
+      </p:sp>
+      <p:sp>
+        <p:nvSpPr>
+          <p:cNvPr id="4" name="Foliennummernplatzhalter 3"/>
+          <p:cNvSpPr>
+            <a:spLocks noGrp="1"/>
+          </p:cNvSpPr>
+          <p:nvPr>
+            <p:ph type="sldNum" sz="quarter" idx="10"/>
+          </p:nvPr>
+        </p:nvSpPr>
+        <p:spPr/>
+        <p:txBody>
+          <a:bodyPr/>
+          <a:lstStyle/>
+          <a:p>
+            <a:fld id="{2D6A0D67-EDAE-48EC-829F-B147F9799060}" type="slidenum">
+              <a:rPr lang="de-DE" smtClean="0"/>
+              <a:t>12</a:t>
+            </a:fld>
+            <a:endParaRPr lang="de-DE"/>
+          </a:p>
+        </p:txBody>
+      </p:sp>
+    </p:spTree>
+    <p:extLst>
+      <p:ext uri="{BB962C8B-B14F-4D97-AF65-F5344CB8AC3E}">
+        <p14:creationId xmlns:p14="http://schemas.microsoft.com/office/powerpoint/2010/main" val="2795021949"/>
       </p:ext>
     </p:extLst>
   </p:cSld>
@@ -1513,7 +2417,7 @@
                 <a:cs typeface="Open Sans" panose="020B0606030504020204" pitchFamily="34" charset="0"/>
               </a:rPr>
               <a:pPr algn="r"/>
-              <a:t>Sunday, February 19, 2023</a:t>
+              <a:t>Monday, February 20, 2023</a:t>
             </a:fld>
             <a:endParaRPr lang="de-DE" sz="1000" dirty="0">
               <a:latin typeface="Open Sans" panose="020B0606030504020204" pitchFamily="34" charset="0"/>
@@ -3810,14 +4714,26 @@
             <p:ph type="ctrTitle"/>
           </p:nvPr>
         </p:nvSpPr>
-        <p:spPr/>
+        <p:spPr>
+          <a:xfrm>
+            <a:off x="899063" y="2571749"/>
+            <a:ext cx="6840001" cy="762617"/>
+          </a:xfrm>
+        </p:spPr>
         <p:txBody>
           <a:bodyPr/>
           <a:lstStyle/>
           <a:p>
             <a:r>
-              <a:rPr lang="de-DE"/>
-              <a:t>1. Einführung und Klassifikation</a:t>
+              <a:rPr lang="de" dirty="0"/>
+              <a:t>Untersuchung des Einflusses von Ausreißern auf die Prognosegenauigkeit von</a:t>
+            </a:r>
+            <a:br>
+              <a:rPr lang="de" dirty="0"/>
+            </a:br>
+            <a:r>
+              <a:rPr lang="de" dirty="0"/>
+              <a:t>Feinstaubkonzentrationen</a:t>
             </a:r>
             <a:endParaRPr lang="de-DE" dirty="0"/>
           </a:p>
@@ -3833,15 +4749,21 @@
             <p:ph type="subTitle" idx="1"/>
           </p:nvPr>
         </p:nvSpPr>
-        <p:spPr/>
+        <p:spPr>
+          <a:xfrm>
+            <a:off x="913698" y="3771153"/>
+            <a:ext cx="6840000" cy="324000"/>
+          </a:xfrm>
+        </p:spPr>
         <p:txBody>
           <a:bodyPr/>
           <a:lstStyle/>
           <a:p>
             <a:r>
-              <a:rPr lang="de-DE" dirty="0"/>
-              <a:t>Datenintegration und -analyse</a:t>
-            </a:r>
+              <a:rPr lang="de-DE" altLang="ko-KR" dirty="0"/>
+              <a:t>Bachelorarbeit</a:t>
+            </a:r>
+            <a:endParaRPr lang="de-DE" dirty="0"/>
           </a:p>
         </p:txBody>
       </p:sp>
@@ -3866,6 +4788,10 @@
           <a:bodyPr/>
           <a:lstStyle/>
           <a:p>
+            <a:r>
+              <a:rPr lang="de-DE" dirty="0"/>
+              <a:t>TU Dresden / Database Research Group</a:t>
+            </a:r>
             <a:endParaRPr lang="en-DE"/>
           </a:p>
         </p:txBody>
@@ -3902,7 +4828,7 @@
     </p:spTree>
     <p:extLst>
       <p:ext uri="{BB962C8B-B14F-4D97-AF65-F5344CB8AC3E}">
-        <p14:creationId xmlns:p14="http://schemas.microsoft.com/office/powerpoint/2010/main" val="2518495170"/>
+        <p14:creationId xmlns:p14="http://schemas.microsoft.com/office/powerpoint/2010/main" val="1450018710"/>
       </p:ext>
     </p:extLst>
   </p:cSld>
@@ -3912,7 +4838,2074 @@
 </p:sld>
 </file>
 
-<file path=ppt/slides/slide2.xml><?xml version="1.0" encoding="utf-8"?>
+<file path=ppt/slides/slide10.xml><?xml version="1.0" encoding="utf-8"?>
+<p:sld xmlns:a="http://schemas.openxmlformats.org/drawingml/2006/main" xmlns:r="http://schemas.openxmlformats.org/officeDocument/2006/relationships" xmlns:p="http://schemas.openxmlformats.org/presentationml/2006/main">
+  <p:cSld>
+    <p:spTree>
+      <p:nvGrpSpPr>
+        <p:cNvPr id="1" name=""/>
+        <p:cNvGrpSpPr/>
+        <p:nvPr/>
+      </p:nvGrpSpPr>
+      <p:grpSpPr>
+        <a:xfrm>
+          <a:off x="0" y="0"/>
+          <a:ext cx="0" cy="0"/>
+          <a:chOff x="0" y="0"/>
+          <a:chExt cx="0" cy="0"/>
+        </a:xfrm>
+      </p:grpSpPr>
+      <p:graphicFrame>
+        <p:nvGraphicFramePr>
+          <p:cNvPr id="9" name="표 8">
+            <a:extLst>
+              <a:ext uri="{FF2B5EF4-FFF2-40B4-BE49-F238E27FC236}">
+                <a16:creationId xmlns:a16="http://schemas.microsoft.com/office/drawing/2014/main" id="{68CECD53-AA4D-8842-8FC0-9A749B775B88}"/>
+              </a:ext>
+            </a:extLst>
+          </p:cNvPr>
+          <p:cNvGraphicFramePr>
+            <a:graphicFrameLocks noGrp="1"/>
+          </p:cNvGraphicFramePr>
+          <p:nvPr>
+            <p:extLst>
+              <p:ext uri="{D42A27DB-BD31-4B8C-83A1-F6EECF244321}">
+                <p14:modId xmlns:p14="http://schemas.microsoft.com/office/powerpoint/2010/main" val="2512127360"/>
+              </p:ext>
+            </p:extLst>
+          </p:nvPr>
+        </p:nvGraphicFramePr>
+        <p:xfrm>
+          <a:off x="1635211" y="988540"/>
+          <a:ext cx="5873578" cy="3477912"/>
+        </p:xfrm>
+        <a:graphic>
+          <a:graphicData uri="http://schemas.openxmlformats.org/drawingml/2006/table">
+            <a:tbl>
+              <a:tblPr firstRow="1" bandRow="1">
+                <a:effectLst/>
+                <a:tableStyleId>{0660B408-B3CF-4A94-85FC-2B1E0A45F4A2}</a:tableStyleId>
+              </a:tblPr>
+              <a:tblGrid>
+                <a:gridCol w="1031335">
+                  <a:extLst>
+                    <a:ext uri="{9D8B030D-6E8A-4147-A177-3AD203B41FA5}">
+                      <a16:colId xmlns:a16="http://schemas.microsoft.com/office/drawing/2014/main" val="2131860217"/>
+                    </a:ext>
+                  </a:extLst>
+                </a:gridCol>
+                <a:gridCol w="559688">
+                  <a:extLst>
+                    <a:ext uri="{9D8B030D-6E8A-4147-A177-3AD203B41FA5}">
+                      <a16:colId xmlns:a16="http://schemas.microsoft.com/office/drawing/2014/main" val="3006874512"/>
+                    </a:ext>
+                  </a:extLst>
+                </a:gridCol>
+                <a:gridCol w="490513">
+                  <a:extLst>
+                    <a:ext uri="{9D8B030D-6E8A-4147-A177-3AD203B41FA5}">
+                      <a16:colId xmlns:a16="http://schemas.microsoft.com/office/drawing/2014/main" val="3474172221"/>
+                    </a:ext>
+                  </a:extLst>
+                </a:gridCol>
+                <a:gridCol w="509379">
+                  <a:extLst>
+                    <a:ext uri="{9D8B030D-6E8A-4147-A177-3AD203B41FA5}">
+                      <a16:colId xmlns:a16="http://schemas.microsoft.com/office/drawing/2014/main" val="2154563206"/>
+                    </a:ext>
+                  </a:extLst>
+                </a:gridCol>
+                <a:gridCol w="647728">
+                  <a:extLst>
+                    <a:ext uri="{9D8B030D-6E8A-4147-A177-3AD203B41FA5}">
+                      <a16:colId xmlns:a16="http://schemas.microsoft.com/office/drawing/2014/main" val="3976688158"/>
+                    </a:ext>
+                  </a:extLst>
+                </a:gridCol>
+                <a:gridCol w="528245">
+                  <a:extLst>
+                    <a:ext uri="{9D8B030D-6E8A-4147-A177-3AD203B41FA5}">
+                      <a16:colId xmlns:a16="http://schemas.microsoft.com/office/drawing/2014/main" val="1887927538"/>
+                    </a:ext>
+                  </a:extLst>
+                </a:gridCol>
+                <a:gridCol w="603708">
+                  <a:extLst>
+                    <a:ext uri="{9D8B030D-6E8A-4147-A177-3AD203B41FA5}">
+                      <a16:colId xmlns:a16="http://schemas.microsoft.com/office/drawing/2014/main" val="2061325442"/>
+                    </a:ext>
+                  </a:extLst>
+                </a:gridCol>
+                <a:gridCol w="515668">
+                  <a:extLst>
+                    <a:ext uri="{9D8B030D-6E8A-4147-A177-3AD203B41FA5}">
+                      <a16:colId xmlns:a16="http://schemas.microsoft.com/office/drawing/2014/main" val="660130742"/>
+                    </a:ext>
+                  </a:extLst>
+                </a:gridCol>
+                <a:gridCol w="484224">
+                  <a:extLst>
+                    <a:ext uri="{9D8B030D-6E8A-4147-A177-3AD203B41FA5}">
+                      <a16:colId xmlns:a16="http://schemas.microsoft.com/office/drawing/2014/main" val="346906480"/>
+                    </a:ext>
+                  </a:extLst>
+                </a:gridCol>
+                <a:gridCol w="503090">
+                  <a:extLst>
+                    <a:ext uri="{9D8B030D-6E8A-4147-A177-3AD203B41FA5}">
+                      <a16:colId xmlns:a16="http://schemas.microsoft.com/office/drawing/2014/main" val="1223097556"/>
+                    </a:ext>
+                  </a:extLst>
+                </a:gridCol>
+              </a:tblGrid>
+              <a:tr h="869478">
+                <a:tc>
+                  <a:txBody>
+                    <a:bodyPr/>
+                    <a:lstStyle/>
+                    <a:p>
+                      <a:pPr algn="r" latinLnBrk="1"/>
+                      <a:endParaRPr lang="ko-KR" altLang="en-US" sz="1200" dirty="0">
+                        <a:latin typeface="Open Sans" pitchFamily="2" charset="0"/>
+                        <a:cs typeface="Open Sans" pitchFamily="2" charset="0"/>
+                      </a:endParaRPr>
+                    </a:p>
+                  </a:txBody>
+                  <a:tcPr anchor="ctr">
+                    <a:solidFill>
+                      <a:srgbClr val="01305D"/>
+                    </a:solidFill>
+                  </a:tcPr>
+                </a:tc>
+                <a:tc>
+                  <a:txBody>
+                    <a:bodyPr/>
+                    <a:lstStyle/>
+                    <a:p>
+                      <a:pPr algn="ctr" latinLnBrk="1"/>
+                      <a:endParaRPr lang="ko-KR" altLang="en-US" sz="1200" dirty="0">
+                        <a:latin typeface="Open Sans" pitchFamily="2" charset="0"/>
+                        <a:cs typeface="Open Sans" pitchFamily="2" charset="0"/>
+                      </a:endParaRPr>
+                    </a:p>
+                  </a:txBody>
+                  <a:tcPr anchor="ctr">
+                    <a:solidFill>
+                      <a:srgbClr val="01305D"/>
+                    </a:solidFill>
+                  </a:tcPr>
+                </a:tc>
+                <a:tc>
+                  <a:txBody>
+                    <a:bodyPr/>
+                    <a:lstStyle/>
+                    <a:p>
+                      <a:pPr algn="ctr" latinLnBrk="1"/>
+                      <a:endParaRPr lang="ko-KR" altLang="en-US" sz="1200" dirty="0">
+                        <a:latin typeface="Open Sans" pitchFamily="2" charset="0"/>
+                        <a:cs typeface="Open Sans" pitchFamily="2" charset="0"/>
+                      </a:endParaRPr>
+                    </a:p>
+                  </a:txBody>
+                  <a:tcPr anchor="ctr">
+                    <a:solidFill>
+                      <a:srgbClr val="01305D"/>
+                    </a:solidFill>
+                  </a:tcPr>
+                </a:tc>
+                <a:tc>
+                  <a:txBody>
+                    <a:bodyPr/>
+                    <a:lstStyle/>
+                    <a:p>
+                      <a:pPr algn="ctr" latinLnBrk="1"/>
+                      <a:endParaRPr lang="ko-KR" altLang="en-US" sz="1200" dirty="0">
+                        <a:latin typeface="Open Sans" pitchFamily="2" charset="0"/>
+                        <a:cs typeface="Open Sans" pitchFamily="2" charset="0"/>
+                      </a:endParaRPr>
+                    </a:p>
+                  </a:txBody>
+                  <a:tcPr anchor="ctr">
+                    <a:solidFill>
+                      <a:srgbClr val="01305D"/>
+                    </a:solidFill>
+                  </a:tcPr>
+                </a:tc>
+                <a:tc>
+                  <a:txBody>
+                    <a:bodyPr/>
+                    <a:lstStyle/>
+                    <a:p>
+                      <a:pPr algn="ctr" latinLnBrk="1"/>
+                      <a:endParaRPr lang="ko-KR" altLang="en-US" sz="1200" dirty="0">
+                        <a:latin typeface="Open Sans" pitchFamily="2" charset="0"/>
+                        <a:cs typeface="Open Sans" pitchFamily="2" charset="0"/>
+                      </a:endParaRPr>
+                    </a:p>
+                  </a:txBody>
+                  <a:tcPr anchor="ctr">
+                    <a:solidFill>
+                      <a:srgbClr val="01305D"/>
+                    </a:solidFill>
+                  </a:tcPr>
+                </a:tc>
+                <a:tc>
+                  <a:txBody>
+                    <a:bodyPr/>
+                    <a:lstStyle/>
+                    <a:p>
+                      <a:pPr algn="ctr" latinLnBrk="1"/>
+                      <a:endParaRPr lang="ko-KR" altLang="en-US" sz="1200" dirty="0">
+                        <a:latin typeface="Open Sans" pitchFamily="2" charset="0"/>
+                        <a:cs typeface="Open Sans" pitchFamily="2" charset="0"/>
+                      </a:endParaRPr>
+                    </a:p>
+                  </a:txBody>
+                  <a:tcPr anchor="ctr">
+                    <a:solidFill>
+                      <a:srgbClr val="01305D"/>
+                    </a:solidFill>
+                  </a:tcPr>
+                </a:tc>
+                <a:tc>
+                  <a:txBody>
+                    <a:bodyPr/>
+                    <a:lstStyle/>
+                    <a:p>
+                      <a:pPr algn="ctr" latinLnBrk="1"/>
+                      <a:endParaRPr lang="ko-KR" altLang="en-US" sz="1200" dirty="0">
+                        <a:latin typeface="Open Sans" pitchFamily="2" charset="0"/>
+                        <a:cs typeface="Open Sans" pitchFamily="2" charset="0"/>
+                      </a:endParaRPr>
+                    </a:p>
+                  </a:txBody>
+                  <a:tcPr anchor="ctr">
+                    <a:solidFill>
+                      <a:srgbClr val="01305D"/>
+                    </a:solidFill>
+                  </a:tcPr>
+                </a:tc>
+                <a:tc>
+                  <a:txBody>
+                    <a:bodyPr/>
+                    <a:lstStyle/>
+                    <a:p>
+                      <a:pPr algn="ctr" latinLnBrk="1"/>
+                      <a:endParaRPr lang="ko-KR" altLang="en-US" sz="1200" dirty="0">
+                        <a:latin typeface="Open Sans" pitchFamily="2" charset="0"/>
+                        <a:cs typeface="Open Sans" pitchFamily="2" charset="0"/>
+                      </a:endParaRPr>
+                    </a:p>
+                  </a:txBody>
+                  <a:tcPr anchor="ctr">
+                    <a:solidFill>
+                      <a:srgbClr val="01305D"/>
+                    </a:solidFill>
+                  </a:tcPr>
+                </a:tc>
+                <a:tc>
+                  <a:txBody>
+                    <a:bodyPr/>
+                    <a:lstStyle/>
+                    <a:p>
+                      <a:pPr algn="ctr" latinLnBrk="1"/>
+                      <a:endParaRPr lang="ko-KR" altLang="en-US" sz="1200" dirty="0">
+                        <a:latin typeface="Open Sans" pitchFamily="2" charset="0"/>
+                        <a:cs typeface="Open Sans" pitchFamily="2" charset="0"/>
+                      </a:endParaRPr>
+                    </a:p>
+                  </a:txBody>
+                  <a:tcPr anchor="ctr">
+                    <a:solidFill>
+                      <a:srgbClr val="01305D"/>
+                    </a:solidFill>
+                  </a:tcPr>
+                </a:tc>
+                <a:tc>
+                  <a:txBody>
+                    <a:bodyPr/>
+                    <a:lstStyle/>
+                    <a:p>
+                      <a:pPr algn="ctr" latinLnBrk="1"/>
+                      <a:endParaRPr lang="ko-KR" altLang="en-US" sz="1200" dirty="0">
+                        <a:latin typeface="Open Sans" pitchFamily="2" charset="0"/>
+                        <a:cs typeface="Open Sans" pitchFamily="2" charset="0"/>
+                      </a:endParaRPr>
+                    </a:p>
+                  </a:txBody>
+                  <a:tcPr anchor="ctr">
+                    <a:solidFill>
+                      <a:srgbClr val="01305D"/>
+                    </a:solidFill>
+                  </a:tcPr>
+                </a:tc>
+                <a:extLst>
+                  <a:ext uri="{0D108BD9-81ED-4DB2-BD59-A6C34878D82A}">
+                    <a16:rowId xmlns:a16="http://schemas.microsoft.com/office/drawing/2014/main" val="4229836391"/>
+                  </a:ext>
+                </a:extLst>
+              </a:tr>
+              <a:tr h="869478">
+                <a:tc>
+                  <a:txBody>
+                    <a:bodyPr/>
+                    <a:lstStyle/>
+                    <a:p>
+                      <a:pPr algn="l" latinLnBrk="1"/>
+                      <a:r>
+                        <a:rPr lang="de-DE" altLang="ko-KR" sz="1200" dirty="0" err="1">
+                          <a:latin typeface="Open Sans" pitchFamily="2" charset="0"/>
+                          <a:cs typeface="Open Sans" pitchFamily="2" charset="0"/>
+                        </a:rPr>
+                        <a:t>iForest</a:t>
+                      </a:r>
+                      <a:endParaRPr lang="ko-KR" altLang="en-US" sz="1200" dirty="0">
+                        <a:latin typeface="Open Sans" pitchFamily="2" charset="0"/>
+                        <a:cs typeface="Open Sans" pitchFamily="2" charset="0"/>
+                      </a:endParaRPr>
+                    </a:p>
+                  </a:txBody>
+                  <a:tcPr anchor="ctr"/>
+                </a:tc>
+                <a:tc>
+                  <a:txBody>
+                    <a:bodyPr/>
+                    <a:lstStyle/>
+                    <a:p>
+                      <a:pPr algn="ctr" latinLnBrk="1"/>
+                      <a:endParaRPr lang="ko-KR" altLang="en-US" b="1" dirty="0">
+                        <a:latin typeface="Open Sans" pitchFamily="2" charset="0"/>
+                        <a:cs typeface="Open Sans" pitchFamily="2" charset="0"/>
+                      </a:endParaRPr>
+                    </a:p>
+                  </a:txBody>
+                  <a:tcPr anchor="ctr"/>
+                </a:tc>
+                <a:tc>
+                  <a:txBody>
+                    <a:bodyPr/>
+                    <a:lstStyle/>
+                    <a:p>
+                      <a:pPr algn="ctr" latinLnBrk="1"/>
+                      <a:endParaRPr lang="ko-KR" altLang="en-US" b="1" dirty="0">
+                        <a:latin typeface="Open Sans" pitchFamily="2" charset="0"/>
+                        <a:cs typeface="Open Sans" pitchFamily="2" charset="0"/>
+                      </a:endParaRPr>
+                    </a:p>
+                  </a:txBody>
+                  <a:tcPr anchor="ctr"/>
+                </a:tc>
+                <a:tc>
+                  <a:txBody>
+                    <a:bodyPr/>
+                    <a:lstStyle/>
+                    <a:p>
+                      <a:pPr algn="ctr"/>
+                      <a:endParaRPr lang="ko-KR" altLang="en-US" b="1" dirty="0">
+                        <a:latin typeface="Open Sans" pitchFamily="2" charset="0"/>
+                        <a:cs typeface="Open Sans" pitchFamily="2" charset="0"/>
+                      </a:endParaRPr>
+                    </a:p>
+                  </a:txBody>
+                  <a:tcPr anchor="ctr"/>
+                </a:tc>
+                <a:tc>
+                  <a:txBody>
+                    <a:bodyPr/>
+                    <a:lstStyle/>
+                    <a:p>
+                      <a:pPr algn="ctr"/>
+                      <a:endParaRPr lang="ko-KR" altLang="en-US" b="1" dirty="0">
+                        <a:latin typeface="Open Sans" pitchFamily="2" charset="0"/>
+                        <a:cs typeface="Open Sans" pitchFamily="2" charset="0"/>
+                      </a:endParaRPr>
+                    </a:p>
+                  </a:txBody>
+                  <a:tcPr anchor="ctr"/>
+                </a:tc>
+                <a:tc>
+                  <a:txBody>
+                    <a:bodyPr/>
+                    <a:lstStyle/>
+                    <a:p>
+                      <a:pPr algn="ctr" latinLnBrk="1"/>
+                      <a:endParaRPr lang="ko-KR" altLang="en-US" b="1" dirty="0">
+                        <a:latin typeface="Open Sans" pitchFamily="2" charset="0"/>
+                        <a:cs typeface="Open Sans" pitchFamily="2" charset="0"/>
+                      </a:endParaRPr>
+                    </a:p>
+                  </a:txBody>
+                  <a:tcPr anchor="ctr"/>
+                </a:tc>
+                <a:tc>
+                  <a:txBody>
+                    <a:bodyPr/>
+                    <a:lstStyle/>
+                    <a:p>
+                      <a:pPr algn="ctr" latinLnBrk="1"/>
+                      <a:endParaRPr lang="ko-KR" altLang="en-US" b="1" dirty="0">
+                        <a:latin typeface="Open Sans" pitchFamily="2" charset="0"/>
+                        <a:cs typeface="Open Sans" pitchFamily="2" charset="0"/>
+                      </a:endParaRPr>
+                    </a:p>
+                  </a:txBody>
+                  <a:tcPr anchor="ctr"/>
+                </a:tc>
+                <a:tc>
+                  <a:txBody>
+                    <a:bodyPr/>
+                    <a:lstStyle/>
+                    <a:p>
+                      <a:pPr algn="ctr" latinLnBrk="1"/>
+                      <a:endParaRPr lang="ko-KR" altLang="en-US" b="1" dirty="0">
+                        <a:latin typeface="Open Sans" pitchFamily="2" charset="0"/>
+                        <a:cs typeface="Open Sans" pitchFamily="2" charset="0"/>
+                      </a:endParaRPr>
+                    </a:p>
+                  </a:txBody>
+                  <a:tcPr anchor="ctr"/>
+                </a:tc>
+                <a:tc>
+                  <a:txBody>
+                    <a:bodyPr/>
+                    <a:lstStyle/>
+                    <a:p>
+                      <a:pPr algn="ctr" latinLnBrk="1"/>
+                      <a:endParaRPr lang="ko-KR" altLang="en-US" b="1" dirty="0">
+                        <a:latin typeface="Open Sans" pitchFamily="2" charset="0"/>
+                        <a:cs typeface="Open Sans" pitchFamily="2" charset="0"/>
+                      </a:endParaRPr>
+                    </a:p>
+                  </a:txBody>
+                  <a:tcPr anchor="ctr"/>
+                </a:tc>
+                <a:tc>
+                  <a:txBody>
+                    <a:bodyPr/>
+                    <a:lstStyle/>
+                    <a:p>
+                      <a:pPr algn="ctr"/>
+                      <a:endParaRPr lang="ko-KR" altLang="en-US" b="1" dirty="0">
+                        <a:latin typeface="Open Sans" pitchFamily="2" charset="0"/>
+                        <a:cs typeface="Open Sans" pitchFamily="2" charset="0"/>
+                      </a:endParaRPr>
+                    </a:p>
+                  </a:txBody>
+                  <a:tcPr anchor="ctr"/>
+                </a:tc>
+                <a:extLst>
+                  <a:ext uri="{0D108BD9-81ED-4DB2-BD59-A6C34878D82A}">
+                    <a16:rowId xmlns:a16="http://schemas.microsoft.com/office/drawing/2014/main" val="404177821"/>
+                  </a:ext>
+                </a:extLst>
+              </a:tr>
+              <a:tr h="869478">
+                <a:tc>
+                  <a:txBody>
+                    <a:bodyPr/>
+                    <a:lstStyle/>
+                    <a:p>
+                      <a:pPr algn="l" latinLnBrk="1"/>
+                      <a:r>
+                        <a:rPr lang="de-DE" altLang="ko-KR" sz="1200" dirty="0" err="1">
+                          <a:latin typeface="Open Sans" pitchFamily="2" charset="0"/>
+                          <a:cs typeface="Open Sans" pitchFamily="2" charset="0"/>
+                        </a:rPr>
+                        <a:t>iqr</a:t>
+                      </a:r>
+                      <a:endParaRPr lang="ko-KR" altLang="en-US" sz="1200" dirty="0">
+                        <a:latin typeface="Open Sans" pitchFamily="2" charset="0"/>
+                        <a:cs typeface="Open Sans" pitchFamily="2" charset="0"/>
+                      </a:endParaRPr>
+                    </a:p>
+                  </a:txBody>
+                  <a:tcPr anchor="ctr"/>
+                </a:tc>
+                <a:tc>
+                  <a:txBody>
+                    <a:bodyPr/>
+                    <a:lstStyle/>
+                    <a:p>
+                      <a:pPr marL="0" marR="0" lvl="0" indent="0" algn="ctr" defTabSz="685800" rtl="0" eaLnBrk="1" fontAlgn="auto" latinLnBrk="0" hangingPunct="1">
+                        <a:lnSpc>
+                          <a:spcPct val="100000"/>
+                        </a:lnSpc>
+                        <a:spcBef>
+                          <a:spcPts val="0"/>
+                        </a:spcBef>
+                        <a:spcAft>
+                          <a:spcPts val="0"/>
+                        </a:spcAft>
+                        <a:buClrTx/>
+                        <a:buSzTx/>
+                        <a:buFontTx/>
+                        <a:buNone/>
+                        <a:tabLst/>
+                        <a:defRPr/>
+                      </a:pPr>
+                      <a:endParaRPr kumimoji="0" lang="ko-KR" altLang="en-US" sz="1350" b="1" i="0" u="none" strike="noStrike" kern="1200" cap="none" spc="0" normalizeH="0" baseline="0" noProof="0" dirty="0">
+                        <a:ln>
+                          <a:noFill/>
+                        </a:ln>
+                        <a:solidFill>
+                          <a:srgbClr val="4C4D4D"/>
+                        </a:solidFill>
+                        <a:effectLst/>
+                        <a:uLnTx/>
+                        <a:uFillTx/>
+                        <a:latin typeface="Open Sans" pitchFamily="2" charset="0"/>
+                        <a:ea typeface="+mn-ea"/>
+                        <a:cs typeface="Open Sans" pitchFamily="2" charset="0"/>
+                      </a:endParaRPr>
+                    </a:p>
+                  </a:txBody>
+                  <a:tcPr anchor="ctr"/>
+                </a:tc>
+                <a:tc>
+                  <a:txBody>
+                    <a:bodyPr/>
+                    <a:lstStyle/>
+                    <a:p>
+                      <a:pPr marL="0" marR="0" lvl="0" indent="0" algn="ctr" defTabSz="685800" rtl="0" eaLnBrk="1" fontAlgn="auto" latinLnBrk="0" hangingPunct="1">
+                        <a:lnSpc>
+                          <a:spcPct val="100000"/>
+                        </a:lnSpc>
+                        <a:spcBef>
+                          <a:spcPts val="0"/>
+                        </a:spcBef>
+                        <a:spcAft>
+                          <a:spcPts val="0"/>
+                        </a:spcAft>
+                        <a:buClrTx/>
+                        <a:buSzTx/>
+                        <a:buFontTx/>
+                        <a:buNone/>
+                        <a:tabLst/>
+                        <a:defRPr/>
+                      </a:pPr>
+                      <a:endParaRPr kumimoji="0" lang="ko-KR" altLang="en-US" sz="1350" b="1" i="0" u="none" strike="noStrike" kern="1200" cap="none" spc="0" normalizeH="0" baseline="0" noProof="0" dirty="0">
+                        <a:ln>
+                          <a:noFill/>
+                        </a:ln>
+                        <a:solidFill>
+                          <a:srgbClr val="4C4D4D"/>
+                        </a:solidFill>
+                        <a:effectLst/>
+                        <a:uLnTx/>
+                        <a:uFillTx/>
+                        <a:latin typeface="Open Sans" pitchFamily="2" charset="0"/>
+                        <a:ea typeface="+mn-ea"/>
+                        <a:cs typeface="Open Sans" pitchFamily="2" charset="0"/>
+                      </a:endParaRPr>
+                    </a:p>
+                  </a:txBody>
+                  <a:tcPr anchor="ctr"/>
+                </a:tc>
+                <a:tc>
+                  <a:txBody>
+                    <a:bodyPr/>
+                    <a:lstStyle/>
+                    <a:p>
+                      <a:pPr algn="ctr" latinLnBrk="1"/>
+                      <a:endParaRPr lang="ko-KR" altLang="en-US" b="1" dirty="0">
+                        <a:latin typeface="Open Sans" pitchFamily="2" charset="0"/>
+                        <a:cs typeface="Open Sans" pitchFamily="2" charset="0"/>
+                      </a:endParaRPr>
+                    </a:p>
+                  </a:txBody>
+                  <a:tcPr anchor="ctr"/>
+                </a:tc>
+                <a:tc>
+                  <a:txBody>
+                    <a:bodyPr/>
+                    <a:lstStyle/>
+                    <a:p>
+                      <a:pPr algn="ctr" latinLnBrk="1"/>
+                      <a:endParaRPr lang="ko-KR" altLang="en-US" b="1" dirty="0">
+                        <a:latin typeface="Open Sans" pitchFamily="2" charset="0"/>
+                        <a:cs typeface="Open Sans" pitchFamily="2" charset="0"/>
+                      </a:endParaRPr>
+                    </a:p>
+                  </a:txBody>
+                  <a:tcPr anchor="ctr"/>
+                </a:tc>
+                <a:tc>
+                  <a:txBody>
+                    <a:bodyPr/>
+                    <a:lstStyle/>
+                    <a:p>
+                      <a:pPr algn="ctr"/>
+                      <a:endParaRPr lang="ko-KR" altLang="en-US" b="1" dirty="0">
+                        <a:latin typeface="Open Sans" pitchFamily="2" charset="0"/>
+                        <a:cs typeface="Open Sans" pitchFamily="2" charset="0"/>
+                      </a:endParaRPr>
+                    </a:p>
+                  </a:txBody>
+                  <a:tcPr anchor="ctr"/>
+                </a:tc>
+                <a:tc>
+                  <a:txBody>
+                    <a:bodyPr/>
+                    <a:lstStyle/>
+                    <a:p>
+                      <a:pPr algn="ctr" latinLnBrk="1"/>
+                      <a:endParaRPr lang="ko-KR" altLang="en-US" b="1" dirty="0">
+                        <a:latin typeface="Open Sans" pitchFamily="2" charset="0"/>
+                        <a:cs typeface="Open Sans" pitchFamily="2" charset="0"/>
+                      </a:endParaRPr>
+                    </a:p>
+                  </a:txBody>
+                  <a:tcPr anchor="ctr"/>
+                </a:tc>
+                <a:tc>
+                  <a:txBody>
+                    <a:bodyPr/>
+                    <a:lstStyle/>
+                    <a:p>
+                      <a:pPr algn="ctr"/>
+                      <a:endParaRPr lang="ko-KR" altLang="en-US" b="1" dirty="0">
+                        <a:latin typeface="Open Sans" pitchFamily="2" charset="0"/>
+                        <a:cs typeface="Open Sans" pitchFamily="2" charset="0"/>
+                      </a:endParaRPr>
+                    </a:p>
+                  </a:txBody>
+                  <a:tcPr anchor="ctr"/>
+                </a:tc>
+                <a:tc>
+                  <a:txBody>
+                    <a:bodyPr/>
+                    <a:lstStyle/>
+                    <a:p>
+                      <a:pPr algn="ctr" latinLnBrk="1"/>
+                      <a:endParaRPr lang="ko-KR" altLang="en-US" b="1" dirty="0">
+                        <a:latin typeface="Open Sans" pitchFamily="2" charset="0"/>
+                        <a:cs typeface="Open Sans" pitchFamily="2" charset="0"/>
+                      </a:endParaRPr>
+                    </a:p>
+                  </a:txBody>
+                  <a:tcPr anchor="ctr"/>
+                </a:tc>
+                <a:tc>
+                  <a:txBody>
+                    <a:bodyPr/>
+                    <a:lstStyle/>
+                    <a:p>
+                      <a:pPr algn="ctr"/>
+                      <a:endParaRPr lang="ko-KR" altLang="en-US" b="1" dirty="0">
+                        <a:latin typeface="Open Sans" pitchFamily="2" charset="0"/>
+                        <a:cs typeface="Open Sans" pitchFamily="2" charset="0"/>
+                      </a:endParaRPr>
+                    </a:p>
+                  </a:txBody>
+                  <a:tcPr anchor="ctr"/>
+                </a:tc>
+                <a:extLst>
+                  <a:ext uri="{0D108BD9-81ED-4DB2-BD59-A6C34878D82A}">
+                    <a16:rowId xmlns:a16="http://schemas.microsoft.com/office/drawing/2014/main" val="3032187768"/>
+                  </a:ext>
+                </a:extLst>
+              </a:tr>
+              <a:tr h="869478">
+                <a:tc>
+                  <a:txBody>
+                    <a:bodyPr/>
+                    <a:lstStyle/>
+                    <a:p>
+                      <a:pPr algn="l" latinLnBrk="1"/>
+                      <a:r>
+                        <a:rPr lang="de-DE" altLang="ko-KR" sz="1200" dirty="0">
+                          <a:latin typeface="Open Sans" pitchFamily="2" charset="0"/>
+                          <a:cs typeface="Open Sans" pitchFamily="2" charset="0"/>
+                        </a:rPr>
+                        <a:t>…</a:t>
+                      </a:r>
+                      <a:endParaRPr lang="ko-KR" altLang="en-US" sz="1200" dirty="0">
+                        <a:latin typeface="Open Sans" pitchFamily="2" charset="0"/>
+                        <a:cs typeface="Open Sans" pitchFamily="2" charset="0"/>
+                      </a:endParaRPr>
+                    </a:p>
+                  </a:txBody>
+                  <a:tcPr anchor="ctr"/>
+                </a:tc>
+                <a:tc>
+                  <a:txBody>
+                    <a:bodyPr/>
+                    <a:lstStyle/>
+                    <a:p>
+                      <a:pPr algn="ctr" latinLnBrk="1"/>
+                      <a:endParaRPr lang="ko-KR" altLang="en-US" b="1" dirty="0">
+                        <a:latin typeface="Open Sans" pitchFamily="2" charset="0"/>
+                        <a:cs typeface="Open Sans" pitchFamily="2" charset="0"/>
+                      </a:endParaRPr>
+                    </a:p>
+                  </a:txBody>
+                  <a:tcPr anchor="ctr"/>
+                </a:tc>
+                <a:tc>
+                  <a:txBody>
+                    <a:bodyPr/>
+                    <a:lstStyle/>
+                    <a:p>
+                      <a:pPr algn="ctr" latinLnBrk="1"/>
+                      <a:endParaRPr lang="ko-KR" altLang="en-US" b="1" dirty="0">
+                        <a:latin typeface="Open Sans" pitchFamily="2" charset="0"/>
+                        <a:cs typeface="Open Sans" pitchFamily="2" charset="0"/>
+                      </a:endParaRPr>
+                    </a:p>
+                  </a:txBody>
+                  <a:tcPr anchor="ctr"/>
+                </a:tc>
+                <a:tc>
+                  <a:txBody>
+                    <a:bodyPr/>
+                    <a:lstStyle/>
+                    <a:p>
+                      <a:pPr algn="ctr" latinLnBrk="1"/>
+                      <a:endParaRPr lang="ko-KR" altLang="en-US" b="1" dirty="0">
+                        <a:latin typeface="Open Sans" pitchFamily="2" charset="0"/>
+                        <a:cs typeface="Open Sans" pitchFamily="2" charset="0"/>
+                      </a:endParaRPr>
+                    </a:p>
+                  </a:txBody>
+                  <a:tcPr anchor="ctr"/>
+                </a:tc>
+                <a:tc>
+                  <a:txBody>
+                    <a:bodyPr/>
+                    <a:lstStyle/>
+                    <a:p>
+                      <a:pPr algn="ctr" latinLnBrk="1"/>
+                      <a:endParaRPr lang="ko-KR" altLang="en-US" b="1" dirty="0">
+                        <a:latin typeface="Open Sans" pitchFamily="2" charset="0"/>
+                        <a:cs typeface="Open Sans" pitchFamily="2" charset="0"/>
+                      </a:endParaRPr>
+                    </a:p>
+                  </a:txBody>
+                  <a:tcPr anchor="ctr"/>
+                </a:tc>
+                <a:tc>
+                  <a:txBody>
+                    <a:bodyPr/>
+                    <a:lstStyle/>
+                    <a:p>
+                      <a:pPr algn="ctr" latinLnBrk="1"/>
+                      <a:endParaRPr lang="ko-KR" altLang="en-US" b="1" dirty="0">
+                        <a:latin typeface="Open Sans" pitchFamily="2" charset="0"/>
+                        <a:cs typeface="Open Sans" pitchFamily="2" charset="0"/>
+                      </a:endParaRPr>
+                    </a:p>
+                  </a:txBody>
+                  <a:tcPr anchor="ctr"/>
+                </a:tc>
+                <a:tc>
+                  <a:txBody>
+                    <a:bodyPr/>
+                    <a:lstStyle/>
+                    <a:p>
+                      <a:pPr marL="0" marR="0" lvl="0" indent="0" algn="ctr" defTabSz="685800" rtl="0" eaLnBrk="1" fontAlgn="auto" latinLnBrk="1" hangingPunct="1">
+                        <a:lnSpc>
+                          <a:spcPct val="100000"/>
+                        </a:lnSpc>
+                        <a:spcBef>
+                          <a:spcPts val="0"/>
+                        </a:spcBef>
+                        <a:spcAft>
+                          <a:spcPts val="0"/>
+                        </a:spcAft>
+                        <a:buClrTx/>
+                        <a:buSzTx/>
+                        <a:buFontTx/>
+                        <a:buNone/>
+                        <a:tabLst/>
+                        <a:defRPr/>
+                      </a:pPr>
+                      <a:endParaRPr lang="ko-KR" altLang="en-US" b="1" dirty="0">
+                        <a:latin typeface="Open Sans" pitchFamily="2" charset="0"/>
+                        <a:cs typeface="Open Sans" pitchFamily="2" charset="0"/>
+                      </a:endParaRPr>
+                    </a:p>
+                  </a:txBody>
+                  <a:tcPr anchor="ctr"/>
+                </a:tc>
+                <a:tc>
+                  <a:txBody>
+                    <a:bodyPr/>
+                    <a:lstStyle/>
+                    <a:p>
+                      <a:pPr algn="ctr" latinLnBrk="1"/>
+                      <a:endParaRPr lang="ko-KR" altLang="en-US" b="1" dirty="0">
+                        <a:latin typeface="Open Sans" pitchFamily="2" charset="0"/>
+                        <a:cs typeface="Open Sans" pitchFamily="2" charset="0"/>
+                      </a:endParaRPr>
+                    </a:p>
+                  </a:txBody>
+                  <a:tcPr anchor="ctr"/>
+                </a:tc>
+                <a:tc>
+                  <a:txBody>
+                    <a:bodyPr/>
+                    <a:lstStyle/>
+                    <a:p>
+                      <a:pPr marL="0" marR="0" lvl="0" indent="0" algn="ctr" defTabSz="685800" rtl="0" eaLnBrk="1" fontAlgn="auto" latinLnBrk="0" hangingPunct="1">
+                        <a:lnSpc>
+                          <a:spcPct val="100000"/>
+                        </a:lnSpc>
+                        <a:spcBef>
+                          <a:spcPts val="0"/>
+                        </a:spcBef>
+                        <a:spcAft>
+                          <a:spcPts val="0"/>
+                        </a:spcAft>
+                        <a:buClrTx/>
+                        <a:buSzTx/>
+                        <a:buFontTx/>
+                        <a:buNone/>
+                        <a:tabLst/>
+                        <a:defRPr/>
+                      </a:pPr>
+                      <a:endParaRPr kumimoji="0" lang="ko-KR" altLang="en-US" sz="1350" b="1" i="0" u="none" strike="noStrike" kern="1200" cap="none" spc="0" normalizeH="0" baseline="0" noProof="0" dirty="0">
+                        <a:ln>
+                          <a:noFill/>
+                        </a:ln>
+                        <a:solidFill>
+                          <a:srgbClr val="4C4D4D"/>
+                        </a:solidFill>
+                        <a:effectLst/>
+                        <a:uLnTx/>
+                        <a:uFillTx/>
+                        <a:latin typeface="Open Sans" pitchFamily="2" charset="0"/>
+                        <a:ea typeface="+mn-ea"/>
+                        <a:cs typeface="Open Sans" pitchFamily="2" charset="0"/>
+                      </a:endParaRPr>
+                    </a:p>
+                  </a:txBody>
+                  <a:tcPr anchor="ctr"/>
+                </a:tc>
+                <a:tc>
+                  <a:txBody>
+                    <a:bodyPr/>
+                    <a:lstStyle/>
+                    <a:p>
+                      <a:pPr marL="0" marR="0" lvl="0" indent="0" algn="ctr" defTabSz="685800" rtl="0" eaLnBrk="1" fontAlgn="auto" latinLnBrk="0" hangingPunct="1">
+                        <a:lnSpc>
+                          <a:spcPct val="100000"/>
+                        </a:lnSpc>
+                        <a:spcBef>
+                          <a:spcPts val="0"/>
+                        </a:spcBef>
+                        <a:spcAft>
+                          <a:spcPts val="0"/>
+                        </a:spcAft>
+                        <a:buClrTx/>
+                        <a:buSzTx/>
+                        <a:buFontTx/>
+                        <a:buNone/>
+                        <a:tabLst/>
+                        <a:defRPr/>
+                      </a:pPr>
+                      <a:endParaRPr kumimoji="0" lang="ko-KR" altLang="en-US" sz="1350" b="1" i="0" u="none" strike="noStrike" kern="1200" cap="none" spc="0" normalizeH="0" baseline="0" noProof="0" dirty="0">
+                        <a:ln>
+                          <a:noFill/>
+                        </a:ln>
+                        <a:solidFill>
+                          <a:srgbClr val="4C4D4D"/>
+                        </a:solidFill>
+                        <a:effectLst/>
+                        <a:uLnTx/>
+                        <a:uFillTx/>
+                        <a:latin typeface="Open Sans" pitchFamily="2" charset="0"/>
+                        <a:ea typeface="+mn-ea"/>
+                        <a:cs typeface="Open Sans" pitchFamily="2" charset="0"/>
+                      </a:endParaRPr>
+                    </a:p>
+                  </a:txBody>
+                  <a:tcPr anchor="ctr"/>
+                </a:tc>
+                <a:extLst>
+                  <a:ext uri="{0D108BD9-81ED-4DB2-BD59-A6C34878D82A}">
+                    <a16:rowId xmlns:a16="http://schemas.microsoft.com/office/drawing/2014/main" val="3730798090"/>
+                  </a:ext>
+                </a:extLst>
+              </a:tr>
+            </a:tbl>
+          </a:graphicData>
+        </a:graphic>
+      </p:graphicFrame>
+      <p:sp>
+        <p:nvSpPr>
+          <p:cNvPr id="10" name="Titel 1">
+            <a:extLst>
+              <a:ext uri="{FF2B5EF4-FFF2-40B4-BE49-F238E27FC236}">
+                <a16:creationId xmlns:a16="http://schemas.microsoft.com/office/drawing/2014/main" id="{8DB2930B-2947-CD48-A160-3B39E3B1B477}"/>
+              </a:ext>
+            </a:extLst>
+          </p:cNvPr>
+          <p:cNvSpPr>
+            <a:spLocks noGrp="1"/>
+          </p:cNvSpPr>
+          <p:nvPr>
+            <p:ph type="title"/>
+          </p:nvPr>
+        </p:nvSpPr>
+        <p:spPr>
+          <a:xfrm>
+            <a:off x="180000" y="254870"/>
+            <a:ext cx="6480000" cy="432000"/>
+          </a:xfrm>
+        </p:spPr>
+        <p:txBody>
+          <a:bodyPr/>
+          <a:lstStyle/>
+          <a:p>
+            <a:r>
+              <a:rPr lang="de-DE" noProof="0" dirty="0"/>
+              <a:t>Motivation Datenintegration</a:t>
+            </a:r>
+          </a:p>
+        </p:txBody>
+      </p:sp>
+    </p:spTree>
+    <p:extLst>
+      <p:ext uri="{BB962C8B-B14F-4D97-AF65-F5344CB8AC3E}">
+        <p14:creationId xmlns:p14="http://schemas.microsoft.com/office/powerpoint/2010/main" val="3265317005"/>
+      </p:ext>
+    </p:extLst>
+  </p:cSld>
+  <p:clrMapOvr>
+    <a:masterClrMapping/>
+  </p:clrMapOvr>
+</p:sld>
+</file>
+
+<file path=ppt/slides/slide11.xml><?xml version="1.0" encoding="utf-8"?>
+<p:sld xmlns:a="http://schemas.openxmlformats.org/drawingml/2006/main" xmlns:r="http://schemas.openxmlformats.org/officeDocument/2006/relationships" xmlns:p="http://schemas.openxmlformats.org/presentationml/2006/main">
+  <p:cSld>
+    <p:spTree>
+      <p:nvGrpSpPr>
+        <p:cNvPr id="1" name=""/>
+        <p:cNvGrpSpPr/>
+        <p:nvPr/>
+      </p:nvGrpSpPr>
+      <p:grpSpPr>
+        <a:xfrm>
+          <a:off x="0" y="0"/>
+          <a:ext cx="0" cy="0"/>
+          <a:chOff x="0" y="0"/>
+          <a:chExt cx="0" cy="0"/>
+        </a:xfrm>
+      </p:grpSpPr>
+      <p:sp>
+        <p:nvSpPr>
+          <p:cNvPr id="2" name="Titel 1"/>
+          <p:cNvSpPr>
+            <a:spLocks noGrp="1"/>
+          </p:cNvSpPr>
+          <p:nvPr>
+            <p:ph type="title"/>
+          </p:nvPr>
+        </p:nvSpPr>
+        <p:spPr/>
+        <p:txBody>
+          <a:bodyPr/>
+          <a:lstStyle/>
+          <a:p>
+            <a:r>
+              <a:rPr lang="de" altLang="ko-KR" dirty="0"/>
+              <a:t>6. Fazit</a:t>
+            </a:r>
+            <a:endParaRPr lang="de-DE" noProof="0" dirty="0"/>
+          </a:p>
+        </p:txBody>
+      </p:sp>
+    </p:spTree>
+    <p:extLst>
+      <p:ext uri="{BB962C8B-B14F-4D97-AF65-F5344CB8AC3E}">
+        <p14:creationId xmlns:p14="http://schemas.microsoft.com/office/powerpoint/2010/main" val="4139453242"/>
+      </p:ext>
+    </p:extLst>
+  </p:cSld>
+  <p:clrMapOvr>
+    <a:masterClrMapping/>
+  </p:clrMapOvr>
+</p:sld>
+</file>
+
+<file path=ppt/slides/slide12.xml><?xml version="1.0" encoding="utf-8"?>
+<p:sld xmlns:a="http://schemas.openxmlformats.org/drawingml/2006/main" xmlns:r="http://schemas.openxmlformats.org/officeDocument/2006/relationships" xmlns:p="http://schemas.openxmlformats.org/presentationml/2006/main">
+  <p:cSld>
+    <p:spTree>
+      <p:nvGrpSpPr>
+        <p:cNvPr id="1" name=""/>
+        <p:cNvGrpSpPr/>
+        <p:nvPr/>
+      </p:nvGrpSpPr>
+      <p:grpSpPr>
+        <a:xfrm>
+          <a:off x="0" y="0"/>
+          <a:ext cx="0" cy="0"/>
+          <a:chOff x="0" y="0"/>
+          <a:chExt cx="0" cy="0"/>
+        </a:xfrm>
+      </p:grpSpPr>
+      <p:sp>
+        <p:nvSpPr>
+          <p:cNvPr id="2" name="Titel 1"/>
+          <p:cNvSpPr>
+            <a:spLocks noGrp="1"/>
+          </p:cNvSpPr>
+          <p:nvPr>
+            <p:ph type="title"/>
+          </p:nvPr>
+        </p:nvSpPr>
+        <p:spPr/>
+        <p:txBody>
+          <a:bodyPr/>
+          <a:lstStyle/>
+          <a:p>
+            <a:r>
+              <a:rPr lang="de-DE" noProof="0" dirty="0"/>
+              <a:t>Motivation Datenintegration</a:t>
+            </a:r>
+          </a:p>
+        </p:txBody>
+      </p:sp>
+      <p:sp>
+        <p:nvSpPr>
+          <p:cNvPr id="3" name="Inhaltsplatzhalter 2"/>
+          <p:cNvSpPr>
+            <a:spLocks noGrp="1"/>
+          </p:cNvSpPr>
+          <p:nvPr>
+            <p:ph idx="1"/>
+          </p:nvPr>
+        </p:nvSpPr>
+        <p:spPr/>
+        <p:txBody>
+          <a:bodyPr/>
+          <a:lstStyle/>
+          <a:p>
+            <a:pPr marL="81000" indent="0">
+              <a:buNone/>
+            </a:pPr>
+            <a:r>
+              <a:rPr lang="de-DE" noProof="0" dirty="0"/>
+              <a:t>Wachstum Datenvolumen</a:t>
+            </a:r>
+          </a:p>
+          <a:p>
+            <a:pPr lvl="1">
+              <a:lnSpc>
+                <a:spcPct val="100000"/>
+              </a:lnSpc>
+            </a:pPr>
+            <a:r>
+              <a:rPr lang="de-DE" noProof="0" dirty="0">
+                <a:solidFill>
+                  <a:schemeClr val="tx1"/>
+                </a:solidFill>
+              </a:rPr>
+              <a:t>IT Möglichkeiten und Business-Anforderungen</a:t>
+            </a:r>
+          </a:p>
+          <a:p>
+            <a:pPr lvl="1">
+              <a:lnSpc>
+                <a:spcPct val="100000"/>
+              </a:lnSpc>
+            </a:pPr>
+            <a:r>
+              <a:rPr lang="de-DE" noProof="0" dirty="0">
+                <a:solidFill>
+                  <a:schemeClr val="tx1"/>
+                </a:solidFill>
+              </a:rPr>
+              <a:t>Datenmenge Westeuropa: 538 </a:t>
+            </a:r>
+            <a:r>
+              <a:rPr lang="de-DE" noProof="0" dirty="0" err="1">
+                <a:solidFill>
+                  <a:schemeClr val="tx1"/>
+                </a:solidFill>
+              </a:rPr>
+              <a:t>Exabyte</a:t>
+            </a:r>
+            <a:r>
+              <a:rPr lang="de-DE" noProof="0" dirty="0">
+                <a:solidFill>
+                  <a:schemeClr val="tx1"/>
+                </a:solidFill>
+              </a:rPr>
+              <a:t> in 2012</a:t>
+            </a:r>
+          </a:p>
+          <a:p>
+            <a:pPr lvl="1">
+              <a:lnSpc>
+                <a:spcPct val="100000"/>
+              </a:lnSpc>
+            </a:pPr>
+            <a:r>
+              <a:rPr lang="de-DE" noProof="0" dirty="0">
+                <a:solidFill>
+                  <a:schemeClr val="tx1"/>
+                </a:solidFill>
+              </a:rPr>
+              <a:t>Jährliches Wachstum um 30% auf 5 </a:t>
+            </a:r>
+            <a:r>
+              <a:rPr lang="de-DE" noProof="0" dirty="0" err="1">
+                <a:solidFill>
+                  <a:schemeClr val="tx1"/>
+                </a:solidFill>
+              </a:rPr>
+              <a:t>Zettabyte</a:t>
+            </a:r>
+            <a:r>
+              <a:rPr lang="de-DE" noProof="0" dirty="0">
+                <a:solidFill>
+                  <a:schemeClr val="tx1"/>
+                </a:solidFill>
+              </a:rPr>
+              <a:t> </a:t>
+            </a:r>
+            <a:br>
+              <a:rPr lang="de-DE" noProof="0" dirty="0">
+                <a:solidFill>
+                  <a:schemeClr val="tx1"/>
+                </a:solidFill>
+              </a:rPr>
+            </a:br>
+            <a:r>
+              <a:rPr lang="de-DE" noProof="0" dirty="0">
+                <a:solidFill>
+                  <a:schemeClr val="tx1"/>
+                </a:solidFill>
+              </a:rPr>
+              <a:t>in 2020 [IDC]</a:t>
+            </a:r>
+          </a:p>
+          <a:p>
+            <a:pPr marL="81000" indent="0">
+              <a:buNone/>
+            </a:pPr>
+            <a:r>
+              <a:rPr lang="de-DE" noProof="0" dirty="0"/>
+              <a:t>Verteilte Informationen</a:t>
+            </a:r>
+          </a:p>
+          <a:p>
+            <a:pPr lvl="1">
+              <a:lnSpc>
+                <a:spcPct val="100000"/>
+              </a:lnSpc>
+            </a:pPr>
+            <a:r>
+              <a:rPr lang="de-DE" noProof="0" dirty="0"/>
+              <a:t>Vielzahl heterogener Systeme und Anwendungen </a:t>
+            </a:r>
+          </a:p>
+          <a:p>
+            <a:pPr lvl="1">
+              <a:lnSpc>
+                <a:spcPct val="100000"/>
+              </a:lnSpc>
+            </a:pPr>
+            <a:r>
+              <a:rPr lang="de-DE" noProof="0" dirty="0"/>
+              <a:t>Technische und organisatorische Gründe</a:t>
+            </a:r>
+          </a:p>
+          <a:p>
+            <a:pPr lvl="1"/>
+            <a:endParaRPr lang="de-DE" noProof="0" dirty="0"/>
+          </a:p>
+          <a:p>
+            <a:endParaRPr lang="de-DE" noProof="0" dirty="0"/>
+          </a:p>
+        </p:txBody>
+      </p:sp>
+      <p:sp>
+        <p:nvSpPr>
+          <p:cNvPr id="6" name="Inhaltsplatzhalter 5"/>
+          <p:cNvSpPr>
+            <a:spLocks noGrp="1"/>
+          </p:cNvSpPr>
+          <p:nvPr>
+            <p:ph idx="10"/>
+          </p:nvPr>
+        </p:nvSpPr>
+        <p:spPr/>
+        <p:txBody>
+          <a:bodyPr/>
+          <a:lstStyle/>
+          <a:p>
+            <a:pPr marL="81000">
+              <a:buNone/>
+            </a:pPr>
+            <a:r>
+              <a:rPr lang="de-DE" dirty="0"/>
+              <a:t>Notwendigkeit Integration</a:t>
+            </a:r>
+          </a:p>
+          <a:p>
+            <a:pPr lvl="1">
+              <a:lnSpc>
+                <a:spcPct val="100000"/>
+              </a:lnSpc>
+            </a:pPr>
+            <a:r>
+              <a:rPr lang="de-DE" dirty="0"/>
+              <a:t>“</a:t>
+            </a:r>
+            <a:r>
+              <a:rPr lang="de-DE" dirty="0" err="1"/>
+              <a:t>Application</a:t>
+            </a:r>
+            <a:r>
+              <a:rPr lang="de-DE" dirty="0"/>
+              <a:t> </a:t>
+            </a:r>
+            <a:r>
+              <a:rPr lang="de-DE" dirty="0" err="1"/>
+              <a:t>infrastructure</a:t>
+            </a:r>
+            <a:r>
+              <a:rPr lang="de-DE" dirty="0"/>
+              <a:t> </a:t>
+            </a:r>
+            <a:r>
+              <a:rPr lang="de-DE" dirty="0" err="1"/>
+              <a:t>and</a:t>
+            </a:r>
+            <a:r>
+              <a:rPr lang="de-DE" dirty="0"/>
+              <a:t> </a:t>
+            </a:r>
+            <a:r>
+              <a:rPr lang="de-DE" dirty="0" err="1"/>
+              <a:t>middleware</a:t>
+            </a:r>
+            <a:r>
+              <a:rPr lang="de-DE" dirty="0"/>
+              <a:t> </a:t>
+            </a:r>
+            <a:r>
+              <a:rPr lang="de-DE" dirty="0" err="1"/>
+              <a:t>market</a:t>
+            </a:r>
+            <a:r>
+              <a:rPr lang="de-DE" dirty="0"/>
+              <a:t>” wuchs um </a:t>
+            </a:r>
+            <a:r>
+              <a:rPr lang="de-DE" b="1" dirty="0"/>
+              <a:t>6.9% von 14.17 Mrd. USD in 2007 auf 15.15 </a:t>
+            </a:r>
+            <a:r>
+              <a:rPr lang="de-DE" b="1" dirty="0" err="1"/>
+              <a:t>Mrd</a:t>
+            </a:r>
+            <a:r>
+              <a:rPr lang="de-DE" b="1" dirty="0"/>
+              <a:t> USD in 2008</a:t>
+            </a:r>
+          </a:p>
+          <a:p>
+            <a:pPr lvl="1">
+              <a:lnSpc>
+                <a:spcPct val="100000"/>
+              </a:lnSpc>
+            </a:pPr>
+            <a:endParaRPr lang="de-DE" b="1" dirty="0"/>
+          </a:p>
+          <a:p>
+            <a:pPr lvl="1">
+              <a:lnSpc>
+                <a:spcPct val="100000"/>
+              </a:lnSpc>
+            </a:pPr>
+            <a:r>
+              <a:rPr lang="de-DE" dirty="0"/>
+              <a:t>Integration ist eine der größten und teuersten Herausforderungen von IT-Firmen</a:t>
+            </a:r>
+            <a:br>
+              <a:rPr lang="de-DE" dirty="0"/>
+            </a:br>
+            <a:r>
+              <a:rPr lang="de-DE" dirty="0"/>
+              <a:t>(</a:t>
+            </a:r>
+            <a:r>
+              <a:rPr lang="de-DE" b="1" dirty="0"/>
+              <a:t>40% </a:t>
+            </a:r>
+            <a:r>
+              <a:rPr lang="de-DE" dirty="0"/>
+              <a:t>des Budgets wird für Integrationssoftware und Integrationsprojekte ausgegeben)</a:t>
+            </a:r>
+          </a:p>
+          <a:p>
+            <a:endParaRPr lang="de-DE" dirty="0"/>
+          </a:p>
+        </p:txBody>
+      </p:sp>
+      <p:pic>
+        <p:nvPicPr>
+          <p:cNvPr id="9" name="Grafik 8"/>
+          <p:cNvPicPr>
+            <a:picLocks noChangeAspect="1"/>
+          </p:cNvPicPr>
+          <p:nvPr/>
+        </p:nvPicPr>
+        <p:blipFill rotWithShape="1">
+          <a:blip r:embed="rId3"/>
+          <a:srcRect t="4370" b="7437"/>
+          <a:stretch/>
+        </p:blipFill>
+        <p:spPr>
+          <a:xfrm>
+            <a:off x="3251303" y="3142012"/>
+            <a:ext cx="3408697" cy="1555751"/>
+          </a:xfrm>
+          <a:prstGeom prst="rect">
+            <a:avLst/>
+          </a:prstGeom>
+        </p:spPr>
+      </p:pic>
+    </p:spTree>
+    <p:extLst>
+      <p:ext uri="{BB962C8B-B14F-4D97-AF65-F5344CB8AC3E}">
+        <p14:creationId xmlns:p14="http://schemas.microsoft.com/office/powerpoint/2010/main" val="3352003876"/>
+      </p:ext>
+    </p:extLst>
+  </p:cSld>
+  <p:clrMapOvr>
+    <a:masterClrMapping/>
+  </p:clrMapOvr>
+  <p:timing>
+    <p:tnLst>
+      <p:par>
+        <p:cTn id="1" dur="indefinite" restart="never" nodeType="tmRoot">
+          <p:childTnLst>
+            <p:seq concurrent="1" nextAc="seek">
+              <p:cTn id="2" dur="indefinite" nodeType="mainSeq">
+                <p:childTnLst>
+                  <p:par>
+                    <p:cTn id="3" fill="hold">
+                      <p:stCondLst>
+                        <p:cond delay="indefinite"/>
+                      </p:stCondLst>
+                      <p:childTnLst>
+                        <p:par>
+                          <p:cTn id="4" fill="hold">
+                            <p:stCondLst>
+                              <p:cond delay="0"/>
+                            </p:stCondLst>
+                            <p:childTnLst>
+                              <p:par>
+                                <p:cTn id="5" presetID="1" presetClass="entr" presetSubtype="0" fill="hold" nodeType="clickEffect">
+                                  <p:stCondLst>
+                                    <p:cond delay="0"/>
+                                  </p:stCondLst>
+                                  <p:childTnLst>
+                                    <p:set>
+                                      <p:cBhvr>
+                                        <p:cTn id="6" dur="1" fill="hold">
+                                          <p:stCondLst>
+                                            <p:cond delay="0"/>
+                                          </p:stCondLst>
+                                        </p:cTn>
+                                        <p:tgtEl>
+                                          <p:spTgt spid="3">
+                                            <p:txEl>
+                                              <p:pRg st="4" end="4"/>
+                                            </p:txEl>
+                                          </p:spTgt>
+                                        </p:tgtEl>
+                                        <p:attrNameLst>
+                                          <p:attrName>style.visibility</p:attrName>
+                                        </p:attrNameLst>
+                                      </p:cBhvr>
+                                      <p:to>
+                                        <p:strVal val="visible"/>
+                                      </p:to>
+                                    </p:set>
+                                  </p:childTnLst>
+                                </p:cTn>
+                              </p:par>
+                              <p:par>
+                                <p:cTn id="7" presetID="1" presetClass="entr" presetSubtype="0" fill="hold" nodeType="withEffect">
+                                  <p:stCondLst>
+                                    <p:cond delay="0"/>
+                                  </p:stCondLst>
+                                  <p:childTnLst>
+                                    <p:set>
+                                      <p:cBhvr>
+                                        <p:cTn id="8" dur="1" fill="hold">
+                                          <p:stCondLst>
+                                            <p:cond delay="0"/>
+                                          </p:stCondLst>
+                                        </p:cTn>
+                                        <p:tgtEl>
+                                          <p:spTgt spid="3">
+                                            <p:txEl>
+                                              <p:pRg st="5" end="5"/>
+                                            </p:txEl>
+                                          </p:spTgt>
+                                        </p:tgtEl>
+                                        <p:attrNameLst>
+                                          <p:attrName>style.visibility</p:attrName>
+                                        </p:attrNameLst>
+                                      </p:cBhvr>
+                                      <p:to>
+                                        <p:strVal val="visible"/>
+                                      </p:to>
+                                    </p:set>
+                                  </p:childTnLst>
+                                </p:cTn>
+                              </p:par>
+                              <p:par>
+                                <p:cTn id="9" presetID="1" presetClass="entr" presetSubtype="0" fill="hold" nodeType="withEffect">
+                                  <p:stCondLst>
+                                    <p:cond delay="0"/>
+                                  </p:stCondLst>
+                                  <p:childTnLst>
+                                    <p:set>
+                                      <p:cBhvr>
+                                        <p:cTn id="10" dur="1" fill="hold">
+                                          <p:stCondLst>
+                                            <p:cond delay="0"/>
+                                          </p:stCondLst>
+                                        </p:cTn>
+                                        <p:tgtEl>
+                                          <p:spTgt spid="3">
+                                            <p:txEl>
+                                              <p:pRg st="6" end="6"/>
+                                            </p:txEl>
+                                          </p:spTgt>
+                                        </p:tgtEl>
+                                        <p:attrNameLst>
+                                          <p:attrName>style.visibility</p:attrName>
+                                        </p:attrNameLst>
+                                      </p:cBhvr>
+                                      <p:to>
+                                        <p:strVal val="visible"/>
+                                      </p:to>
+                                    </p:set>
+                                  </p:childTnLst>
+                                </p:cTn>
+                              </p:par>
+                            </p:childTnLst>
+                          </p:cTn>
+                        </p:par>
+                      </p:childTnLst>
+                    </p:cTn>
+                  </p:par>
+                </p:childTnLst>
+              </p:cTn>
+              <p:prevCondLst>
+                <p:cond evt="onPrev" delay="0">
+                  <p:tgtEl>
+                    <p:sldTgt/>
+                  </p:tgtEl>
+                </p:cond>
+              </p:prevCondLst>
+              <p:nextCondLst>
+                <p:cond evt="onNext" delay="0">
+                  <p:tgtEl>
+                    <p:sldTgt/>
+                  </p:tgtEl>
+                </p:cond>
+              </p:nextCondLst>
+            </p:seq>
+          </p:childTnLst>
+        </p:cTn>
+      </p:par>
+    </p:tnLst>
+  </p:timing>
+</p:sld>
+</file>
+
+<file path=ppt/slides/slide13.xml><?xml version="1.0" encoding="utf-8"?>
+<p:sld xmlns:a="http://schemas.openxmlformats.org/drawingml/2006/main" xmlns:r="http://schemas.openxmlformats.org/officeDocument/2006/relationships" xmlns:p="http://schemas.openxmlformats.org/presentationml/2006/main">
+  <p:cSld>
+    <p:spTree>
+      <p:nvGrpSpPr>
+        <p:cNvPr id="1" name=""/>
+        <p:cNvGrpSpPr/>
+        <p:nvPr/>
+      </p:nvGrpSpPr>
+      <p:grpSpPr>
+        <a:xfrm>
+          <a:off x="0" y="0"/>
+          <a:ext cx="0" cy="0"/>
+          <a:chOff x="0" y="0"/>
+          <a:chExt cx="0" cy="0"/>
+        </a:xfrm>
+      </p:grpSpPr>
+      <p:sp>
+        <p:nvSpPr>
+          <p:cNvPr id="2" name="Titel 1"/>
+          <p:cNvSpPr>
+            <a:spLocks noGrp="1"/>
+          </p:cNvSpPr>
+          <p:nvPr>
+            <p:ph type="title"/>
+          </p:nvPr>
+        </p:nvSpPr>
+        <p:spPr/>
+        <p:txBody>
+          <a:bodyPr/>
+          <a:lstStyle/>
+          <a:p>
+            <a:r>
+              <a:rPr lang="de" altLang="ko-KR" dirty="0"/>
+              <a:t>7. Ausblick</a:t>
+            </a:r>
+            <a:endParaRPr lang="de-DE" noProof="0" dirty="0"/>
+          </a:p>
+        </p:txBody>
+      </p:sp>
+    </p:spTree>
+    <p:extLst>
+      <p:ext uri="{BB962C8B-B14F-4D97-AF65-F5344CB8AC3E}">
+        <p14:creationId xmlns:p14="http://schemas.microsoft.com/office/powerpoint/2010/main" val="4050719037"/>
+      </p:ext>
+    </p:extLst>
+  </p:cSld>
+  <p:clrMapOvr>
+    <a:masterClrMapping/>
+  </p:clrMapOvr>
+</p:sld>
+</file>
+
+<file path=ppt/slides/slide14.xml><?xml version="1.0" encoding="utf-8"?>
+<p:sld xmlns:a="http://schemas.openxmlformats.org/drawingml/2006/main" xmlns:r="http://schemas.openxmlformats.org/officeDocument/2006/relationships" xmlns:p="http://schemas.openxmlformats.org/presentationml/2006/main">
+  <p:cSld>
+    <p:spTree>
+      <p:nvGrpSpPr>
+        <p:cNvPr id="1" name=""/>
+        <p:cNvGrpSpPr/>
+        <p:nvPr/>
+      </p:nvGrpSpPr>
+      <p:grpSpPr>
+        <a:xfrm>
+          <a:off x="0" y="0"/>
+          <a:ext cx="0" cy="0"/>
+          <a:chOff x="0" y="0"/>
+          <a:chExt cx="0" cy="0"/>
+        </a:xfrm>
+      </p:grpSpPr>
+      <p:sp>
+        <p:nvSpPr>
+          <p:cNvPr id="2" name="Titel 1"/>
+          <p:cNvSpPr>
+            <a:spLocks noGrp="1"/>
+          </p:cNvSpPr>
+          <p:nvPr>
+            <p:ph type="title"/>
+          </p:nvPr>
+        </p:nvSpPr>
+        <p:spPr/>
+        <p:txBody>
+          <a:bodyPr/>
+          <a:lstStyle/>
+          <a:p>
+            <a:r>
+              <a:rPr lang="de-DE" noProof="0" dirty="0"/>
+              <a:t>Motivation Datenintegration</a:t>
+            </a:r>
+          </a:p>
+        </p:txBody>
+      </p:sp>
+      <p:sp>
+        <p:nvSpPr>
+          <p:cNvPr id="3" name="Inhaltsplatzhalter 2"/>
+          <p:cNvSpPr>
+            <a:spLocks noGrp="1"/>
+          </p:cNvSpPr>
+          <p:nvPr>
+            <p:ph idx="1"/>
+          </p:nvPr>
+        </p:nvSpPr>
+        <p:spPr/>
+        <p:txBody>
+          <a:bodyPr/>
+          <a:lstStyle/>
+          <a:p>
+            <a:pPr marL="81000" indent="0">
+              <a:buNone/>
+            </a:pPr>
+            <a:r>
+              <a:rPr lang="de-DE" noProof="0" dirty="0"/>
+              <a:t>Wachstum Datenvolumen</a:t>
+            </a:r>
+          </a:p>
+          <a:p>
+            <a:pPr lvl="1">
+              <a:lnSpc>
+                <a:spcPct val="100000"/>
+              </a:lnSpc>
+            </a:pPr>
+            <a:r>
+              <a:rPr lang="de-DE" noProof="0" dirty="0">
+                <a:solidFill>
+                  <a:schemeClr val="tx1"/>
+                </a:solidFill>
+              </a:rPr>
+              <a:t>IT Möglichkeiten und Business-Anforderungen</a:t>
+            </a:r>
+          </a:p>
+          <a:p>
+            <a:pPr lvl="1">
+              <a:lnSpc>
+                <a:spcPct val="100000"/>
+              </a:lnSpc>
+            </a:pPr>
+            <a:r>
+              <a:rPr lang="de-DE" noProof="0" dirty="0">
+                <a:solidFill>
+                  <a:schemeClr val="tx1"/>
+                </a:solidFill>
+              </a:rPr>
+              <a:t>Datenmenge Westeuropa: 538 </a:t>
+            </a:r>
+            <a:r>
+              <a:rPr lang="de-DE" noProof="0" dirty="0" err="1">
+                <a:solidFill>
+                  <a:schemeClr val="tx1"/>
+                </a:solidFill>
+              </a:rPr>
+              <a:t>Exabyte</a:t>
+            </a:r>
+            <a:r>
+              <a:rPr lang="de-DE" noProof="0" dirty="0">
+                <a:solidFill>
+                  <a:schemeClr val="tx1"/>
+                </a:solidFill>
+              </a:rPr>
+              <a:t> in 2012</a:t>
+            </a:r>
+          </a:p>
+          <a:p>
+            <a:pPr lvl="1">
+              <a:lnSpc>
+                <a:spcPct val="100000"/>
+              </a:lnSpc>
+            </a:pPr>
+            <a:r>
+              <a:rPr lang="de-DE" noProof="0" dirty="0">
+                <a:solidFill>
+                  <a:schemeClr val="tx1"/>
+                </a:solidFill>
+              </a:rPr>
+              <a:t>Jährliches Wachstum um 30% auf 5 </a:t>
+            </a:r>
+            <a:r>
+              <a:rPr lang="de-DE" noProof="0" dirty="0" err="1">
+                <a:solidFill>
+                  <a:schemeClr val="tx1"/>
+                </a:solidFill>
+              </a:rPr>
+              <a:t>Zettabyte</a:t>
+            </a:r>
+            <a:r>
+              <a:rPr lang="de-DE" noProof="0" dirty="0">
+                <a:solidFill>
+                  <a:schemeClr val="tx1"/>
+                </a:solidFill>
+              </a:rPr>
+              <a:t> </a:t>
+            </a:r>
+            <a:br>
+              <a:rPr lang="de-DE" noProof="0" dirty="0">
+                <a:solidFill>
+                  <a:schemeClr val="tx1"/>
+                </a:solidFill>
+              </a:rPr>
+            </a:br>
+            <a:r>
+              <a:rPr lang="de-DE" noProof="0" dirty="0">
+                <a:solidFill>
+                  <a:schemeClr val="tx1"/>
+                </a:solidFill>
+              </a:rPr>
+              <a:t>in 2020 [IDC]</a:t>
+            </a:r>
+          </a:p>
+          <a:p>
+            <a:pPr marL="81000" indent="0">
+              <a:buNone/>
+            </a:pPr>
+            <a:r>
+              <a:rPr lang="de-DE" noProof="0" dirty="0"/>
+              <a:t>Verteilte Informationen</a:t>
+            </a:r>
+          </a:p>
+          <a:p>
+            <a:pPr lvl="1">
+              <a:lnSpc>
+                <a:spcPct val="100000"/>
+              </a:lnSpc>
+            </a:pPr>
+            <a:r>
+              <a:rPr lang="de-DE" noProof="0" dirty="0"/>
+              <a:t>Vielzahl heterogener Systeme und Anwendungen </a:t>
+            </a:r>
+          </a:p>
+          <a:p>
+            <a:pPr lvl="1">
+              <a:lnSpc>
+                <a:spcPct val="100000"/>
+              </a:lnSpc>
+            </a:pPr>
+            <a:r>
+              <a:rPr lang="de-DE" noProof="0" dirty="0"/>
+              <a:t>Technische und organisatorische Gründe</a:t>
+            </a:r>
+          </a:p>
+          <a:p>
+            <a:pPr lvl="1"/>
+            <a:endParaRPr lang="de-DE" noProof="0" dirty="0"/>
+          </a:p>
+          <a:p>
+            <a:endParaRPr lang="de-DE" noProof="0" dirty="0"/>
+          </a:p>
+        </p:txBody>
+      </p:sp>
+      <p:sp>
+        <p:nvSpPr>
+          <p:cNvPr id="6" name="Inhaltsplatzhalter 5"/>
+          <p:cNvSpPr>
+            <a:spLocks noGrp="1"/>
+          </p:cNvSpPr>
+          <p:nvPr>
+            <p:ph idx="10"/>
+          </p:nvPr>
+        </p:nvSpPr>
+        <p:spPr/>
+        <p:txBody>
+          <a:bodyPr/>
+          <a:lstStyle/>
+          <a:p>
+            <a:pPr marL="81000">
+              <a:buNone/>
+            </a:pPr>
+            <a:r>
+              <a:rPr lang="de-DE" dirty="0"/>
+              <a:t>Notwendigkeit Integration</a:t>
+            </a:r>
+          </a:p>
+          <a:p>
+            <a:pPr lvl="1">
+              <a:lnSpc>
+                <a:spcPct val="100000"/>
+              </a:lnSpc>
+            </a:pPr>
+            <a:r>
+              <a:rPr lang="de-DE" dirty="0"/>
+              <a:t>“</a:t>
+            </a:r>
+            <a:r>
+              <a:rPr lang="de-DE" dirty="0" err="1"/>
+              <a:t>Application</a:t>
+            </a:r>
+            <a:r>
+              <a:rPr lang="de-DE" dirty="0"/>
+              <a:t> </a:t>
+            </a:r>
+            <a:r>
+              <a:rPr lang="de-DE" dirty="0" err="1"/>
+              <a:t>infrastructure</a:t>
+            </a:r>
+            <a:r>
+              <a:rPr lang="de-DE" dirty="0"/>
+              <a:t> </a:t>
+            </a:r>
+            <a:r>
+              <a:rPr lang="de-DE" dirty="0" err="1"/>
+              <a:t>and</a:t>
+            </a:r>
+            <a:r>
+              <a:rPr lang="de-DE" dirty="0"/>
+              <a:t> </a:t>
+            </a:r>
+            <a:r>
+              <a:rPr lang="de-DE" dirty="0" err="1"/>
+              <a:t>middleware</a:t>
+            </a:r>
+            <a:r>
+              <a:rPr lang="de-DE" dirty="0"/>
+              <a:t> </a:t>
+            </a:r>
+            <a:r>
+              <a:rPr lang="de-DE" dirty="0" err="1"/>
+              <a:t>market</a:t>
+            </a:r>
+            <a:r>
+              <a:rPr lang="de-DE" dirty="0"/>
+              <a:t>” wuchs um </a:t>
+            </a:r>
+            <a:r>
+              <a:rPr lang="de-DE" b="1" dirty="0"/>
+              <a:t>6.9% von 14.17 Mrd. USD in 2007 auf 15.15 </a:t>
+            </a:r>
+            <a:r>
+              <a:rPr lang="de-DE" b="1" dirty="0" err="1"/>
+              <a:t>Mrd</a:t>
+            </a:r>
+            <a:r>
+              <a:rPr lang="de-DE" b="1" dirty="0"/>
+              <a:t> USD in 2008</a:t>
+            </a:r>
+          </a:p>
+          <a:p>
+            <a:pPr lvl="1">
+              <a:lnSpc>
+                <a:spcPct val="100000"/>
+              </a:lnSpc>
+            </a:pPr>
+            <a:endParaRPr lang="de-DE" b="1" dirty="0"/>
+          </a:p>
+          <a:p>
+            <a:pPr lvl="1">
+              <a:lnSpc>
+                <a:spcPct val="100000"/>
+              </a:lnSpc>
+            </a:pPr>
+            <a:r>
+              <a:rPr lang="de-DE" dirty="0"/>
+              <a:t>Integration ist eine der größten und teuersten Herausforderungen von IT-Firmen</a:t>
+            </a:r>
+            <a:br>
+              <a:rPr lang="de-DE" dirty="0"/>
+            </a:br>
+            <a:r>
+              <a:rPr lang="de-DE" dirty="0"/>
+              <a:t>(</a:t>
+            </a:r>
+            <a:r>
+              <a:rPr lang="de-DE" b="1" dirty="0"/>
+              <a:t>40% </a:t>
+            </a:r>
+            <a:r>
+              <a:rPr lang="de-DE" dirty="0"/>
+              <a:t>des Budgets wird für Integrationssoftware und Integrationsprojekte ausgegeben)</a:t>
+            </a:r>
+          </a:p>
+          <a:p>
+            <a:endParaRPr lang="de-DE" dirty="0"/>
+          </a:p>
+        </p:txBody>
+      </p:sp>
+      <p:pic>
+        <p:nvPicPr>
+          <p:cNvPr id="9" name="Grafik 8"/>
+          <p:cNvPicPr>
+            <a:picLocks noChangeAspect="1"/>
+          </p:cNvPicPr>
+          <p:nvPr/>
+        </p:nvPicPr>
+        <p:blipFill rotWithShape="1">
+          <a:blip r:embed="rId3"/>
+          <a:srcRect t="4370" b="7437"/>
+          <a:stretch/>
+        </p:blipFill>
+        <p:spPr>
+          <a:xfrm>
+            <a:off x="3251303" y="3142012"/>
+            <a:ext cx="3408697" cy="1555751"/>
+          </a:xfrm>
+          <a:prstGeom prst="rect">
+            <a:avLst/>
+          </a:prstGeom>
+        </p:spPr>
+      </p:pic>
+    </p:spTree>
+    <p:extLst>
+      <p:ext uri="{BB962C8B-B14F-4D97-AF65-F5344CB8AC3E}">
+        <p14:creationId xmlns:p14="http://schemas.microsoft.com/office/powerpoint/2010/main" val="1725420822"/>
+      </p:ext>
+    </p:extLst>
+  </p:cSld>
+  <p:clrMapOvr>
+    <a:masterClrMapping/>
+  </p:clrMapOvr>
+  <p:timing>
+    <p:tnLst>
+      <p:par>
+        <p:cTn id="1" dur="indefinite" restart="never" nodeType="tmRoot">
+          <p:childTnLst>
+            <p:seq concurrent="1" nextAc="seek">
+              <p:cTn id="2" dur="indefinite" nodeType="mainSeq">
+                <p:childTnLst>
+                  <p:par>
+                    <p:cTn id="3" fill="hold">
+                      <p:stCondLst>
+                        <p:cond delay="indefinite"/>
+                      </p:stCondLst>
+                      <p:childTnLst>
+                        <p:par>
+                          <p:cTn id="4" fill="hold">
+                            <p:stCondLst>
+                              <p:cond delay="0"/>
+                            </p:stCondLst>
+                            <p:childTnLst>
+                              <p:par>
+                                <p:cTn id="5" presetID="1" presetClass="entr" presetSubtype="0" fill="hold" nodeType="clickEffect">
+                                  <p:stCondLst>
+                                    <p:cond delay="0"/>
+                                  </p:stCondLst>
+                                  <p:childTnLst>
+                                    <p:set>
+                                      <p:cBhvr>
+                                        <p:cTn id="6" dur="1" fill="hold">
+                                          <p:stCondLst>
+                                            <p:cond delay="0"/>
+                                          </p:stCondLst>
+                                        </p:cTn>
+                                        <p:tgtEl>
+                                          <p:spTgt spid="3">
+                                            <p:txEl>
+                                              <p:pRg st="4" end="4"/>
+                                            </p:txEl>
+                                          </p:spTgt>
+                                        </p:tgtEl>
+                                        <p:attrNameLst>
+                                          <p:attrName>style.visibility</p:attrName>
+                                        </p:attrNameLst>
+                                      </p:cBhvr>
+                                      <p:to>
+                                        <p:strVal val="visible"/>
+                                      </p:to>
+                                    </p:set>
+                                  </p:childTnLst>
+                                </p:cTn>
+                              </p:par>
+                              <p:par>
+                                <p:cTn id="7" presetID="1" presetClass="entr" presetSubtype="0" fill="hold" nodeType="withEffect">
+                                  <p:stCondLst>
+                                    <p:cond delay="0"/>
+                                  </p:stCondLst>
+                                  <p:childTnLst>
+                                    <p:set>
+                                      <p:cBhvr>
+                                        <p:cTn id="8" dur="1" fill="hold">
+                                          <p:stCondLst>
+                                            <p:cond delay="0"/>
+                                          </p:stCondLst>
+                                        </p:cTn>
+                                        <p:tgtEl>
+                                          <p:spTgt spid="3">
+                                            <p:txEl>
+                                              <p:pRg st="5" end="5"/>
+                                            </p:txEl>
+                                          </p:spTgt>
+                                        </p:tgtEl>
+                                        <p:attrNameLst>
+                                          <p:attrName>style.visibility</p:attrName>
+                                        </p:attrNameLst>
+                                      </p:cBhvr>
+                                      <p:to>
+                                        <p:strVal val="visible"/>
+                                      </p:to>
+                                    </p:set>
+                                  </p:childTnLst>
+                                </p:cTn>
+                              </p:par>
+                              <p:par>
+                                <p:cTn id="9" presetID="1" presetClass="entr" presetSubtype="0" fill="hold" nodeType="withEffect">
+                                  <p:stCondLst>
+                                    <p:cond delay="0"/>
+                                  </p:stCondLst>
+                                  <p:childTnLst>
+                                    <p:set>
+                                      <p:cBhvr>
+                                        <p:cTn id="10" dur="1" fill="hold">
+                                          <p:stCondLst>
+                                            <p:cond delay="0"/>
+                                          </p:stCondLst>
+                                        </p:cTn>
+                                        <p:tgtEl>
+                                          <p:spTgt spid="3">
+                                            <p:txEl>
+                                              <p:pRg st="6" end="6"/>
+                                            </p:txEl>
+                                          </p:spTgt>
+                                        </p:tgtEl>
+                                        <p:attrNameLst>
+                                          <p:attrName>style.visibility</p:attrName>
+                                        </p:attrNameLst>
+                                      </p:cBhvr>
+                                      <p:to>
+                                        <p:strVal val="visible"/>
+                                      </p:to>
+                                    </p:set>
+                                  </p:childTnLst>
+                                </p:cTn>
+                              </p:par>
+                            </p:childTnLst>
+                          </p:cTn>
+                        </p:par>
+                      </p:childTnLst>
+                    </p:cTn>
+                  </p:par>
+                </p:childTnLst>
+              </p:cTn>
+              <p:prevCondLst>
+                <p:cond evt="onPrev" delay="0">
+                  <p:tgtEl>
+                    <p:sldTgt/>
+                  </p:tgtEl>
+                </p:cond>
+              </p:prevCondLst>
+              <p:nextCondLst>
+                <p:cond evt="onNext" delay="0">
+                  <p:tgtEl>
+                    <p:sldTgt/>
+                  </p:tgtEl>
+                </p:cond>
+              </p:nextCondLst>
+            </p:seq>
+          </p:childTnLst>
+        </p:cTn>
+      </p:par>
+    </p:tnLst>
+  </p:timing>
+</p:sld>
+</file>
+
+<file path=ppt/slides/slide15.xml><?xml version="1.0" encoding="utf-8"?>
+<p:sld xmlns:a="http://schemas.openxmlformats.org/drawingml/2006/main" xmlns:r="http://schemas.openxmlformats.org/officeDocument/2006/relationships" xmlns:p="http://schemas.openxmlformats.org/presentationml/2006/main">
+  <p:cSld>
+    <p:spTree>
+      <p:nvGrpSpPr>
+        <p:cNvPr id="1" name=""/>
+        <p:cNvGrpSpPr/>
+        <p:nvPr/>
+      </p:nvGrpSpPr>
+      <p:grpSpPr>
+        <a:xfrm>
+          <a:off x="0" y="0"/>
+          <a:ext cx="0" cy="0"/>
+          <a:chOff x="0" y="0"/>
+          <a:chExt cx="0" cy="0"/>
+        </a:xfrm>
+      </p:grpSpPr>
+    </p:spTree>
+    <p:extLst>
+      <p:ext uri="{BB962C8B-B14F-4D97-AF65-F5344CB8AC3E}">
+        <p14:creationId xmlns:p14="http://schemas.microsoft.com/office/powerpoint/2010/main" val="3503344376"/>
+      </p:ext>
+    </p:extLst>
+  </p:cSld>
+  <p:clrMapOvr>
+    <a:masterClrMapping/>
+  </p:clrMapOvr>
+</p:sld>
+</file>
+
+<file path=ppt/slides/slide16.xml><?xml version="1.0" encoding="utf-8"?>
 <p:sld xmlns:a="http://schemas.openxmlformats.org/drawingml/2006/main" xmlns:r="http://schemas.openxmlformats.org/officeDocument/2006/relationships" xmlns:p="http://schemas.openxmlformats.org/presentationml/2006/main">
   <p:cSld>
     <p:spTree>
@@ -4290,7 +7283,7 @@
 </p:sld>
 </file>
 
-<file path=ppt/slides/slide3.xml><?xml version="1.0" encoding="utf-8"?>
+<file path=ppt/slides/slide17.xml><?xml version="1.0" encoding="utf-8"?>
 <p:sld xmlns:a="http://schemas.openxmlformats.org/drawingml/2006/main" xmlns:r="http://schemas.openxmlformats.org/officeDocument/2006/relationships" xmlns:p="http://schemas.openxmlformats.org/presentationml/2006/main">
   <p:cSld>
     <p:spTree>
@@ -4781,7 +7774,7 @@
 </p:sld>
 </file>
 
-<file path=ppt/slides/slide4.xml><?xml version="1.0" encoding="utf-8"?>
+<file path=ppt/slides/slide18.xml><?xml version="1.0" encoding="utf-8"?>
 <p:sld xmlns:a="http://schemas.openxmlformats.org/drawingml/2006/main" xmlns:r="http://schemas.openxmlformats.org/officeDocument/2006/relationships" xmlns:p="http://schemas.openxmlformats.org/presentationml/2006/main">
   <p:cSld>
     <p:spTree>
@@ -4817,25 +7810,6 @@
               <a:rPr lang="de-DE" noProof="0" dirty="0"/>
               <a:t>Typen der Heterogenität</a:t>
             </a:r>
-          </a:p>
-        </p:txBody>
-      </p:sp>
-      <p:sp>
-        <p:nvSpPr>
-          <p:cNvPr id="5" name="Inhaltsplatzhalter 4"/>
-          <p:cNvSpPr>
-            <a:spLocks noGrp="1"/>
-          </p:cNvSpPr>
-          <p:nvPr>
-            <p:ph idx="1"/>
-          </p:nvPr>
-        </p:nvSpPr>
-        <p:spPr/>
-        <p:txBody>
-          <a:bodyPr/>
-          <a:lstStyle/>
-          <a:p>
-            <a:endParaRPr lang="de-DE" dirty="0"/>
           </a:p>
         </p:txBody>
       </p:sp>
@@ -6469,7 +9443,7 @@
 </p:sld>
 </file>
 
-<file path=ppt/slides/slide5.xml><?xml version="1.0" encoding="utf-8"?>
+<file path=ppt/slides/slide19.xml><?xml version="1.0" encoding="utf-8"?>
 <p:sld xmlns:a="http://schemas.openxmlformats.org/drawingml/2006/main" xmlns:r="http://schemas.openxmlformats.org/officeDocument/2006/relationships" xmlns:p="http://schemas.openxmlformats.org/presentationml/2006/main">
   <p:cSld>
     <p:spTree>
@@ -6516,7 +9490,60 @@
 </p:sld>
 </file>
 
-<file path=ppt/slides/slide6.xml><?xml version="1.0" encoding="utf-8"?>
+<file path=ppt/slides/slide2.xml><?xml version="1.0" encoding="utf-8"?>
+<p:sld xmlns:a="http://schemas.openxmlformats.org/drawingml/2006/main" xmlns:r="http://schemas.openxmlformats.org/officeDocument/2006/relationships" xmlns:p="http://schemas.openxmlformats.org/presentationml/2006/main">
+  <p:cSld>
+    <p:spTree>
+      <p:nvGrpSpPr>
+        <p:cNvPr id="1" name=""/>
+        <p:cNvGrpSpPr/>
+        <p:nvPr/>
+      </p:nvGrpSpPr>
+      <p:grpSpPr>
+        <a:xfrm>
+          <a:off x="0" y="0"/>
+          <a:ext cx="0" cy="0"/>
+          <a:chOff x="0" y="0"/>
+          <a:chExt cx="0" cy="0"/>
+        </a:xfrm>
+      </p:grpSpPr>
+      <p:sp>
+        <p:nvSpPr>
+          <p:cNvPr id="2" name="Titel 1"/>
+          <p:cNvSpPr>
+            <a:spLocks noGrp="1"/>
+          </p:cNvSpPr>
+          <p:nvPr>
+            <p:ph type="title"/>
+          </p:nvPr>
+        </p:nvSpPr>
+        <p:spPr/>
+        <p:txBody>
+          <a:bodyPr/>
+          <a:lstStyle/>
+          <a:p>
+            <a:r>
+              <a:rPr lang="de-DE" altLang="ko-KR" dirty="0"/>
+              <a:t>1. Einleitung</a:t>
+            </a:r>
+            <a:endParaRPr lang="de-DE" noProof="0" dirty="0"/>
+          </a:p>
+        </p:txBody>
+      </p:sp>
+    </p:spTree>
+    <p:extLst>
+      <p:ext uri="{BB962C8B-B14F-4D97-AF65-F5344CB8AC3E}">
+        <p14:creationId xmlns:p14="http://schemas.microsoft.com/office/powerpoint/2010/main" val="3696160132"/>
+      </p:ext>
+    </p:extLst>
+  </p:cSld>
+  <p:clrMapOvr>
+    <a:masterClrMapping/>
+  </p:clrMapOvr>
+</p:sld>
+</file>
+
+<file path=ppt/slides/slide20.xml><?xml version="1.0" encoding="utf-8"?>
 <p:sld xmlns:a="http://schemas.openxmlformats.org/drawingml/2006/main" xmlns:r="http://schemas.openxmlformats.org/officeDocument/2006/relationships" xmlns:p="http://schemas.openxmlformats.org/presentationml/2006/main">
   <p:cSld>
     <p:spTree>
@@ -8176,6 +11203,4500 @@
 </p:sld>
 </file>
 
+<file path=ppt/slides/slide3.xml><?xml version="1.0" encoding="utf-8"?>
+<p:sld xmlns:a="http://schemas.openxmlformats.org/drawingml/2006/main" xmlns:r="http://schemas.openxmlformats.org/officeDocument/2006/relationships" xmlns:p="http://schemas.openxmlformats.org/presentationml/2006/main">
+  <p:cSld>
+    <p:spTree>
+      <p:nvGrpSpPr>
+        <p:cNvPr id="1" name=""/>
+        <p:cNvGrpSpPr/>
+        <p:nvPr/>
+      </p:nvGrpSpPr>
+      <p:grpSpPr>
+        <a:xfrm>
+          <a:off x="0" y="0"/>
+          <a:ext cx="0" cy="0"/>
+          <a:chOff x="0" y="0"/>
+          <a:chExt cx="0" cy="0"/>
+        </a:xfrm>
+      </p:grpSpPr>
+      <p:pic>
+        <p:nvPicPr>
+          <p:cNvPr id="9" name="Grafik 8"/>
+          <p:cNvPicPr>
+            <a:picLocks noChangeAspect="1"/>
+          </p:cNvPicPr>
+          <p:nvPr/>
+        </p:nvPicPr>
+        <p:blipFill rotWithShape="1">
+          <a:blip r:embed="rId3"/>
+          <a:srcRect t="4370" b="7437"/>
+          <a:stretch/>
+        </p:blipFill>
+        <p:spPr>
+          <a:xfrm>
+            <a:off x="3251303" y="3142012"/>
+            <a:ext cx="3408697" cy="1555751"/>
+          </a:xfrm>
+          <a:prstGeom prst="rect">
+            <a:avLst/>
+          </a:prstGeom>
+        </p:spPr>
+      </p:pic>
+      <p:sp>
+        <p:nvSpPr>
+          <p:cNvPr id="2" name="Titel 1"/>
+          <p:cNvSpPr>
+            <a:spLocks noGrp="1"/>
+          </p:cNvSpPr>
+          <p:nvPr>
+            <p:ph type="title"/>
+          </p:nvPr>
+        </p:nvSpPr>
+        <p:spPr>
+          <a:xfrm>
+            <a:off x="180000" y="254870"/>
+            <a:ext cx="3947157" cy="432000"/>
+          </a:xfrm>
+        </p:spPr>
+        <p:txBody>
+          <a:bodyPr/>
+          <a:lstStyle/>
+          <a:p>
+            <a:r>
+              <a:rPr lang="de-DE" noProof="0" dirty="0"/>
+              <a:t>Motivation Datenintegration</a:t>
+            </a:r>
+          </a:p>
+        </p:txBody>
+      </p:sp>
+      <p:sp>
+        <p:nvSpPr>
+          <p:cNvPr id="3" name="Inhaltsplatzhalter 2"/>
+          <p:cNvSpPr>
+            <a:spLocks noGrp="1"/>
+          </p:cNvSpPr>
+          <p:nvPr>
+            <p:ph idx="1"/>
+          </p:nvPr>
+        </p:nvSpPr>
+        <p:spPr/>
+        <p:txBody>
+          <a:bodyPr/>
+          <a:lstStyle/>
+          <a:p>
+            <a:pPr marL="81000" indent="0">
+              <a:buNone/>
+            </a:pPr>
+            <a:r>
+              <a:rPr lang="de-DE" altLang="ko-KR" dirty="0"/>
+              <a:t>Zweck dieser Arbeit</a:t>
+            </a:r>
+          </a:p>
+          <a:p>
+            <a:pPr marL="81000" indent="0">
+              <a:buNone/>
+            </a:pPr>
+            <a:r>
+              <a:rPr lang="de-DE" noProof="0" dirty="0">
+                <a:solidFill>
+                  <a:schemeClr val="tx1"/>
+                </a:solidFill>
+              </a:rPr>
+              <a:t>IT Möglichkeiten und Business-Anforderung</a:t>
+            </a:r>
+          </a:p>
+          <a:p>
+            <a:pPr lvl="1">
+              <a:lnSpc>
+                <a:spcPct val="100000"/>
+              </a:lnSpc>
+            </a:pPr>
+            <a:r>
+              <a:rPr lang="de-DE" noProof="0" dirty="0">
+                <a:solidFill>
+                  <a:schemeClr val="tx1"/>
+                </a:solidFill>
+              </a:rPr>
+              <a:t>Datenmenge Westeuropa: 538 </a:t>
+            </a:r>
+            <a:r>
+              <a:rPr lang="de-DE" noProof="0" dirty="0" err="1">
+                <a:solidFill>
+                  <a:schemeClr val="tx1"/>
+                </a:solidFill>
+              </a:rPr>
+              <a:t>Exabyte</a:t>
+            </a:r>
+            <a:r>
+              <a:rPr lang="de-DE" noProof="0" dirty="0">
+                <a:solidFill>
+                  <a:schemeClr val="tx1"/>
+                </a:solidFill>
+              </a:rPr>
+              <a:t> in 2012</a:t>
+            </a:r>
+          </a:p>
+          <a:p>
+            <a:pPr lvl="1">
+              <a:lnSpc>
+                <a:spcPct val="100000"/>
+              </a:lnSpc>
+            </a:pPr>
+            <a:r>
+              <a:rPr lang="de-DE" noProof="0" dirty="0">
+                <a:solidFill>
+                  <a:schemeClr val="tx1"/>
+                </a:solidFill>
+              </a:rPr>
+              <a:t>Jährliches Wachstum um 30% auf 5 </a:t>
+            </a:r>
+            <a:r>
+              <a:rPr lang="de-DE" noProof="0" dirty="0" err="1">
+                <a:solidFill>
+                  <a:schemeClr val="tx1"/>
+                </a:solidFill>
+              </a:rPr>
+              <a:t>Zettabyte</a:t>
+            </a:r>
+            <a:r>
+              <a:rPr lang="de-DE" noProof="0" dirty="0">
+                <a:solidFill>
+                  <a:schemeClr val="tx1"/>
+                </a:solidFill>
+              </a:rPr>
+              <a:t> </a:t>
+            </a:r>
+            <a:br>
+              <a:rPr lang="de-DE" noProof="0" dirty="0">
+                <a:solidFill>
+                  <a:schemeClr val="tx1"/>
+                </a:solidFill>
+              </a:rPr>
+            </a:br>
+            <a:r>
+              <a:rPr lang="de-DE" noProof="0" dirty="0">
+                <a:solidFill>
+                  <a:schemeClr val="tx1"/>
+                </a:solidFill>
+              </a:rPr>
+              <a:t>in 2020 [IDC]</a:t>
+            </a:r>
+          </a:p>
+          <a:p>
+            <a:pPr marL="81000" indent="0">
+              <a:buNone/>
+            </a:pPr>
+            <a:r>
+              <a:rPr lang="de-DE" altLang="ko-KR" dirty="0"/>
+              <a:t>Warum wichtig</a:t>
+            </a:r>
+          </a:p>
+          <a:p>
+            <a:pPr lvl="1">
+              <a:lnSpc>
+                <a:spcPct val="100000"/>
+              </a:lnSpc>
+            </a:pPr>
+            <a:r>
+              <a:rPr lang="de-DE" noProof="0" dirty="0"/>
+              <a:t>Vielzahl heterogener Systeme und Anwendungen </a:t>
+            </a:r>
+          </a:p>
+          <a:p>
+            <a:pPr lvl="1">
+              <a:lnSpc>
+                <a:spcPct val="100000"/>
+              </a:lnSpc>
+            </a:pPr>
+            <a:r>
+              <a:rPr lang="de-DE" noProof="0" dirty="0"/>
+              <a:t>Technische und organisatorische Gründe</a:t>
+            </a:r>
+          </a:p>
+          <a:p>
+            <a:pPr lvl="1"/>
+            <a:endParaRPr lang="de-DE" noProof="0" dirty="0"/>
+          </a:p>
+          <a:p>
+            <a:endParaRPr lang="de-DE" noProof="0" dirty="0"/>
+          </a:p>
+        </p:txBody>
+      </p:sp>
+      <p:sp>
+        <p:nvSpPr>
+          <p:cNvPr id="6" name="Inhaltsplatzhalter 5"/>
+          <p:cNvSpPr>
+            <a:spLocks noGrp="1"/>
+          </p:cNvSpPr>
+          <p:nvPr>
+            <p:ph idx="10"/>
+          </p:nvPr>
+        </p:nvSpPr>
+        <p:spPr/>
+        <p:txBody>
+          <a:bodyPr/>
+          <a:lstStyle/>
+          <a:p>
+            <a:pPr marL="81000">
+              <a:buNone/>
+            </a:pPr>
+            <a:r>
+              <a:rPr lang="de-DE" dirty="0"/>
+              <a:t>Die Arbeit antwortet</a:t>
+            </a:r>
+          </a:p>
+          <a:p>
+            <a:pPr lvl="1">
+              <a:lnSpc>
+                <a:spcPct val="100000"/>
+              </a:lnSpc>
+            </a:pPr>
+            <a:r>
+              <a:rPr lang="de-DE" dirty="0"/>
+              <a:t>“</a:t>
+            </a:r>
+            <a:r>
+              <a:rPr lang="de-DE" dirty="0" err="1"/>
+              <a:t>Application</a:t>
+            </a:r>
+            <a:r>
+              <a:rPr lang="de-DE" dirty="0"/>
+              <a:t> </a:t>
+            </a:r>
+            <a:r>
+              <a:rPr lang="de-DE" dirty="0" err="1"/>
+              <a:t>infrastructure</a:t>
+            </a:r>
+            <a:r>
+              <a:rPr lang="de-DE" dirty="0"/>
+              <a:t> </a:t>
+            </a:r>
+            <a:r>
+              <a:rPr lang="de-DE" dirty="0" err="1"/>
+              <a:t>and</a:t>
+            </a:r>
+            <a:r>
+              <a:rPr lang="de-DE" dirty="0"/>
+              <a:t> </a:t>
+            </a:r>
+            <a:r>
+              <a:rPr lang="de-DE" dirty="0" err="1"/>
+              <a:t>middleware</a:t>
+            </a:r>
+            <a:r>
+              <a:rPr lang="de-DE" dirty="0"/>
+              <a:t> </a:t>
+            </a:r>
+            <a:r>
+              <a:rPr lang="de-DE" dirty="0" err="1"/>
+              <a:t>market</a:t>
+            </a:r>
+            <a:r>
+              <a:rPr lang="de-DE" dirty="0"/>
+              <a:t>” wuchs um </a:t>
+            </a:r>
+            <a:r>
+              <a:rPr lang="de-DE" b="1" dirty="0"/>
+              <a:t>6.9% von 14.17 Mrd. USD in 2007 auf 15.15 </a:t>
+            </a:r>
+            <a:r>
+              <a:rPr lang="de-DE" b="1" dirty="0" err="1"/>
+              <a:t>Mrd</a:t>
+            </a:r>
+            <a:r>
+              <a:rPr lang="de-DE" b="1" dirty="0"/>
+              <a:t> USD in 2008</a:t>
+            </a:r>
+          </a:p>
+          <a:p>
+            <a:pPr lvl="1">
+              <a:lnSpc>
+                <a:spcPct val="100000"/>
+              </a:lnSpc>
+            </a:pPr>
+            <a:endParaRPr lang="de-DE" b="1" dirty="0"/>
+          </a:p>
+          <a:p>
+            <a:pPr lvl="1">
+              <a:lnSpc>
+                <a:spcPct val="100000"/>
+              </a:lnSpc>
+            </a:pPr>
+            <a:r>
+              <a:rPr lang="de-DE" dirty="0"/>
+              <a:t>Integration ist eine der größten und teuersten Herausforderungen von IT-Firmen</a:t>
+            </a:r>
+            <a:br>
+              <a:rPr lang="de-DE" dirty="0"/>
+            </a:br>
+            <a:r>
+              <a:rPr lang="de-DE" dirty="0"/>
+              <a:t>(</a:t>
+            </a:r>
+            <a:r>
+              <a:rPr lang="de-DE" b="1" dirty="0"/>
+              <a:t>40% </a:t>
+            </a:r>
+            <a:r>
+              <a:rPr lang="de-DE" dirty="0"/>
+              <a:t>des Budgets wird für Integrationssoftware und Integrationsprojekte ausgegeben)</a:t>
+            </a:r>
+          </a:p>
+          <a:p>
+            <a:endParaRPr lang="de-DE" dirty="0"/>
+          </a:p>
+        </p:txBody>
+      </p:sp>
+    </p:spTree>
+    <p:extLst>
+      <p:ext uri="{BB962C8B-B14F-4D97-AF65-F5344CB8AC3E}">
+        <p14:creationId xmlns:p14="http://schemas.microsoft.com/office/powerpoint/2010/main" val="2607213355"/>
+      </p:ext>
+    </p:extLst>
+  </p:cSld>
+  <p:clrMapOvr>
+    <a:masterClrMapping/>
+  </p:clrMapOvr>
+  <p:timing>
+    <p:tnLst>
+      <p:par>
+        <p:cTn id="1" dur="indefinite" restart="never" nodeType="tmRoot">
+          <p:childTnLst>
+            <p:seq concurrent="1" nextAc="seek">
+              <p:cTn id="2" dur="indefinite" nodeType="mainSeq">
+                <p:childTnLst>
+                  <p:par>
+                    <p:cTn id="3" fill="hold">
+                      <p:stCondLst>
+                        <p:cond delay="indefinite"/>
+                      </p:stCondLst>
+                      <p:childTnLst>
+                        <p:par>
+                          <p:cTn id="4" fill="hold">
+                            <p:stCondLst>
+                              <p:cond delay="0"/>
+                            </p:stCondLst>
+                            <p:childTnLst>
+                              <p:par>
+                                <p:cTn id="5" presetID="1" presetClass="entr" presetSubtype="0" fill="hold" nodeType="clickEffect">
+                                  <p:stCondLst>
+                                    <p:cond delay="0"/>
+                                  </p:stCondLst>
+                                  <p:childTnLst>
+                                    <p:set>
+                                      <p:cBhvr>
+                                        <p:cTn id="6" dur="1" fill="hold">
+                                          <p:stCondLst>
+                                            <p:cond delay="0"/>
+                                          </p:stCondLst>
+                                        </p:cTn>
+                                        <p:tgtEl>
+                                          <p:spTgt spid="3">
+                                            <p:txEl>
+                                              <p:pRg st="4" end="4"/>
+                                            </p:txEl>
+                                          </p:spTgt>
+                                        </p:tgtEl>
+                                        <p:attrNameLst>
+                                          <p:attrName>style.visibility</p:attrName>
+                                        </p:attrNameLst>
+                                      </p:cBhvr>
+                                      <p:to>
+                                        <p:strVal val="visible"/>
+                                      </p:to>
+                                    </p:set>
+                                  </p:childTnLst>
+                                </p:cTn>
+                              </p:par>
+                              <p:par>
+                                <p:cTn id="7" presetID="1" presetClass="entr" presetSubtype="0" fill="hold" nodeType="withEffect">
+                                  <p:stCondLst>
+                                    <p:cond delay="0"/>
+                                  </p:stCondLst>
+                                  <p:childTnLst>
+                                    <p:set>
+                                      <p:cBhvr>
+                                        <p:cTn id="8" dur="1" fill="hold">
+                                          <p:stCondLst>
+                                            <p:cond delay="0"/>
+                                          </p:stCondLst>
+                                        </p:cTn>
+                                        <p:tgtEl>
+                                          <p:spTgt spid="3">
+                                            <p:txEl>
+                                              <p:pRg st="5" end="5"/>
+                                            </p:txEl>
+                                          </p:spTgt>
+                                        </p:tgtEl>
+                                        <p:attrNameLst>
+                                          <p:attrName>style.visibility</p:attrName>
+                                        </p:attrNameLst>
+                                      </p:cBhvr>
+                                      <p:to>
+                                        <p:strVal val="visible"/>
+                                      </p:to>
+                                    </p:set>
+                                  </p:childTnLst>
+                                </p:cTn>
+                              </p:par>
+                              <p:par>
+                                <p:cTn id="9" presetID="1" presetClass="entr" presetSubtype="0" fill="hold" nodeType="withEffect">
+                                  <p:stCondLst>
+                                    <p:cond delay="0"/>
+                                  </p:stCondLst>
+                                  <p:childTnLst>
+                                    <p:set>
+                                      <p:cBhvr>
+                                        <p:cTn id="10" dur="1" fill="hold">
+                                          <p:stCondLst>
+                                            <p:cond delay="0"/>
+                                          </p:stCondLst>
+                                        </p:cTn>
+                                        <p:tgtEl>
+                                          <p:spTgt spid="3">
+                                            <p:txEl>
+                                              <p:pRg st="6" end="6"/>
+                                            </p:txEl>
+                                          </p:spTgt>
+                                        </p:tgtEl>
+                                        <p:attrNameLst>
+                                          <p:attrName>style.visibility</p:attrName>
+                                        </p:attrNameLst>
+                                      </p:cBhvr>
+                                      <p:to>
+                                        <p:strVal val="visible"/>
+                                      </p:to>
+                                    </p:set>
+                                  </p:childTnLst>
+                                </p:cTn>
+                              </p:par>
+                            </p:childTnLst>
+                          </p:cTn>
+                        </p:par>
+                      </p:childTnLst>
+                    </p:cTn>
+                  </p:par>
+                </p:childTnLst>
+              </p:cTn>
+              <p:prevCondLst>
+                <p:cond evt="onPrev" delay="0">
+                  <p:tgtEl>
+                    <p:sldTgt/>
+                  </p:tgtEl>
+                </p:cond>
+              </p:prevCondLst>
+              <p:nextCondLst>
+                <p:cond evt="onNext" delay="0">
+                  <p:tgtEl>
+                    <p:sldTgt/>
+                  </p:tgtEl>
+                </p:cond>
+              </p:nextCondLst>
+            </p:seq>
+          </p:childTnLst>
+        </p:cTn>
+      </p:par>
+    </p:tnLst>
+  </p:timing>
+</p:sld>
+</file>
+
+<file path=ppt/slides/slide4.xml><?xml version="1.0" encoding="utf-8"?>
+<p:sld xmlns:a="http://schemas.openxmlformats.org/drawingml/2006/main" xmlns:r="http://schemas.openxmlformats.org/officeDocument/2006/relationships" xmlns:p="http://schemas.openxmlformats.org/presentationml/2006/main">
+  <p:cSld>
+    <p:spTree>
+      <p:nvGrpSpPr>
+        <p:cNvPr id="1" name=""/>
+        <p:cNvGrpSpPr/>
+        <p:nvPr/>
+      </p:nvGrpSpPr>
+      <p:grpSpPr>
+        <a:xfrm>
+          <a:off x="0" y="0"/>
+          <a:ext cx="0" cy="0"/>
+          <a:chOff x="0" y="0"/>
+          <a:chExt cx="0" cy="0"/>
+        </a:xfrm>
+      </p:grpSpPr>
+      <p:sp>
+        <p:nvSpPr>
+          <p:cNvPr id="2" name="Titel 1"/>
+          <p:cNvSpPr>
+            <a:spLocks noGrp="1"/>
+          </p:cNvSpPr>
+          <p:nvPr>
+            <p:ph type="title"/>
+          </p:nvPr>
+        </p:nvSpPr>
+        <p:spPr/>
+        <p:txBody>
+          <a:bodyPr/>
+          <a:lstStyle/>
+          <a:p>
+            <a:r>
+              <a:rPr lang="de-DE" altLang="ko-KR" dirty="0"/>
+              <a:t>2. Literaturüberblick</a:t>
+            </a:r>
+            <a:endParaRPr lang="de-DE" noProof="0" dirty="0"/>
+          </a:p>
+        </p:txBody>
+      </p:sp>
+    </p:spTree>
+    <p:extLst>
+      <p:ext uri="{BB962C8B-B14F-4D97-AF65-F5344CB8AC3E}">
+        <p14:creationId xmlns:p14="http://schemas.microsoft.com/office/powerpoint/2010/main" val="2628398102"/>
+      </p:ext>
+    </p:extLst>
+  </p:cSld>
+  <p:clrMapOvr>
+    <a:masterClrMapping/>
+  </p:clrMapOvr>
+</p:sld>
+</file>
+
+<file path=ppt/slides/slide5.xml><?xml version="1.0" encoding="utf-8"?>
+<p:sld xmlns:a="http://schemas.openxmlformats.org/drawingml/2006/main" xmlns:r="http://schemas.openxmlformats.org/officeDocument/2006/relationships" xmlns:p="http://schemas.openxmlformats.org/presentationml/2006/main">
+  <p:cSld>
+    <p:spTree>
+      <p:nvGrpSpPr>
+        <p:cNvPr id="1" name=""/>
+        <p:cNvGrpSpPr/>
+        <p:nvPr/>
+      </p:nvGrpSpPr>
+      <p:grpSpPr>
+        <a:xfrm>
+          <a:off x="0" y="0"/>
+          <a:ext cx="0" cy="0"/>
+          <a:chOff x="0" y="0"/>
+          <a:chExt cx="0" cy="0"/>
+        </a:xfrm>
+      </p:grpSpPr>
+      <p:graphicFrame>
+        <p:nvGraphicFramePr>
+          <p:cNvPr id="6" name="표 5">
+            <a:extLst>
+              <a:ext uri="{FF2B5EF4-FFF2-40B4-BE49-F238E27FC236}">
+                <a16:creationId xmlns:a16="http://schemas.microsoft.com/office/drawing/2014/main" id="{3C68488C-C57D-294B-90D1-F8FC3D8496BB}"/>
+              </a:ext>
+            </a:extLst>
+          </p:cNvPr>
+          <p:cNvGraphicFramePr>
+            <a:graphicFrameLocks noGrp="1"/>
+          </p:cNvGraphicFramePr>
+          <p:nvPr>
+            <p:extLst>
+              <p:ext uri="{D42A27DB-BD31-4B8C-83A1-F6EECF244321}">
+                <p14:modId xmlns:p14="http://schemas.microsoft.com/office/powerpoint/2010/main" val="987494583"/>
+              </p:ext>
+            </p:extLst>
+          </p:nvPr>
+        </p:nvGraphicFramePr>
+        <p:xfrm>
+          <a:off x="724930" y="1565910"/>
+          <a:ext cx="7694141" cy="2011680"/>
+        </p:xfrm>
+        <a:graphic>
+          <a:graphicData uri="http://schemas.openxmlformats.org/drawingml/2006/table">
+            <a:tbl>
+              <a:tblPr firstRow="1" bandRow="1">
+                <a:effectLst/>
+                <a:tableStyleId>{0660B408-B3CF-4A94-85FC-2B1E0A45F4A2}</a:tableStyleId>
+              </a:tblPr>
+              <a:tblGrid>
+                <a:gridCol w="1351006">
+                  <a:extLst>
+                    <a:ext uri="{9D8B030D-6E8A-4147-A177-3AD203B41FA5}">
+                      <a16:colId xmlns:a16="http://schemas.microsoft.com/office/drawing/2014/main" val="2131860217"/>
+                    </a:ext>
+                  </a:extLst>
+                </a:gridCol>
+                <a:gridCol w="733168">
+                  <a:extLst>
+                    <a:ext uri="{9D8B030D-6E8A-4147-A177-3AD203B41FA5}">
+                      <a16:colId xmlns:a16="http://schemas.microsoft.com/office/drawing/2014/main" val="3006874512"/>
+                    </a:ext>
+                  </a:extLst>
+                </a:gridCol>
+                <a:gridCol w="642551">
+                  <a:extLst>
+                    <a:ext uri="{9D8B030D-6E8A-4147-A177-3AD203B41FA5}">
+                      <a16:colId xmlns:a16="http://schemas.microsoft.com/office/drawing/2014/main" val="3474172221"/>
+                    </a:ext>
+                  </a:extLst>
+                </a:gridCol>
+                <a:gridCol w="667265">
+                  <a:extLst>
+                    <a:ext uri="{9D8B030D-6E8A-4147-A177-3AD203B41FA5}">
+                      <a16:colId xmlns:a16="http://schemas.microsoft.com/office/drawing/2014/main" val="2154563206"/>
+                    </a:ext>
+                  </a:extLst>
+                </a:gridCol>
+                <a:gridCol w="848497">
+                  <a:extLst>
+                    <a:ext uri="{9D8B030D-6E8A-4147-A177-3AD203B41FA5}">
+                      <a16:colId xmlns:a16="http://schemas.microsoft.com/office/drawing/2014/main" val="3976688158"/>
+                    </a:ext>
+                  </a:extLst>
+                </a:gridCol>
+                <a:gridCol w="691979">
+                  <a:extLst>
+                    <a:ext uri="{9D8B030D-6E8A-4147-A177-3AD203B41FA5}">
+                      <a16:colId xmlns:a16="http://schemas.microsoft.com/office/drawing/2014/main" val="1887927538"/>
+                    </a:ext>
+                  </a:extLst>
+                </a:gridCol>
+                <a:gridCol w="790832">
+                  <a:extLst>
+                    <a:ext uri="{9D8B030D-6E8A-4147-A177-3AD203B41FA5}">
+                      <a16:colId xmlns:a16="http://schemas.microsoft.com/office/drawing/2014/main" val="2061325442"/>
+                    </a:ext>
+                  </a:extLst>
+                </a:gridCol>
+                <a:gridCol w="675503">
+                  <a:extLst>
+                    <a:ext uri="{9D8B030D-6E8A-4147-A177-3AD203B41FA5}">
+                      <a16:colId xmlns:a16="http://schemas.microsoft.com/office/drawing/2014/main" val="660130742"/>
+                    </a:ext>
+                  </a:extLst>
+                </a:gridCol>
+                <a:gridCol w="634313">
+                  <a:extLst>
+                    <a:ext uri="{9D8B030D-6E8A-4147-A177-3AD203B41FA5}">
+                      <a16:colId xmlns:a16="http://schemas.microsoft.com/office/drawing/2014/main" val="346906480"/>
+                    </a:ext>
+                  </a:extLst>
+                </a:gridCol>
+                <a:gridCol w="659027">
+                  <a:extLst>
+                    <a:ext uri="{9D8B030D-6E8A-4147-A177-3AD203B41FA5}">
+                      <a16:colId xmlns:a16="http://schemas.microsoft.com/office/drawing/2014/main" val="1223097556"/>
+                    </a:ext>
+                  </a:extLst>
+                </a:gridCol>
+              </a:tblGrid>
+              <a:tr h="502920">
+                <a:tc>
+                  <a:txBody>
+                    <a:bodyPr/>
+                    <a:lstStyle/>
+                    <a:p>
+                      <a:pPr algn="r" latinLnBrk="1"/>
+                      <a:r>
+                        <a:rPr lang="de-DE" altLang="ko-KR" sz="1200" dirty="0">
+                          <a:latin typeface="Open Sans" pitchFamily="2" charset="0"/>
+                          <a:ea typeface="Open Sans" pitchFamily="2" charset="0"/>
+                          <a:cs typeface="Open Sans" pitchFamily="2" charset="0"/>
+                        </a:rPr>
+                        <a:t>-basiert</a:t>
+                      </a:r>
+                      <a:endParaRPr lang="ko-KR" altLang="en-US" sz="1200" dirty="0">
+                        <a:latin typeface="Open Sans" pitchFamily="2" charset="0"/>
+                        <a:cs typeface="Open Sans" pitchFamily="2" charset="0"/>
+                      </a:endParaRPr>
+                    </a:p>
+                  </a:txBody>
+                  <a:tcPr anchor="ctr">
+                    <a:solidFill>
+                      <a:srgbClr val="01305D"/>
+                    </a:solidFill>
+                  </a:tcPr>
+                </a:tc>
+                <a:tc>
+                  <a:txBody>
+                    <a:bodyPr/>
+                    <a:lstStyle/>
+                    <a:p>
+                      <a:pPr algn="ctr" latinLnBrk="1"/>
+                      <a:r>
+                        <a:rPr lang="de-DE" altLang="ko-KR" sz="1200" kern="1200" dirty="0">
+                          <a:effectLst/>
+                          <a:latin typeface="Open Sans" pitchFamily="2" charset="0"/>
+                          <a:ea typeface="Open Sans" pitchFamily="2" charset="0"/>
+                          <a:cs typeface="Open Sans" pitchFamily="2" charset="0"/>
+                        </a:rPr>
+                        <a:t>[SJLD15] </a:t>
+                      </a:r>
+                      <a:endParaRPr lang="ko-KR" altLang="en-US" sz="1200" dirty="0">
+                        <a:latin typeface="Open Sans" pitchFamily="2" charset="0"/>
+                        <a:cs typeface="Open Sans" pitchFamily="2" charset="0"/>
+                      </a:endParaRPr>
+                    </a:p>
+                  </a:txBody>
+                  <a:tcPr anchor="ctr">
+                    <a:solidFill>
+                      <a:srgbClr val="01305D"/>
+                    </a:solidFill>
+                  </a:tcPr>
+                </a:tc>
+                <a:tc>
+                  <a:txBody>
+                    <a:bodyPr/>
+                    <a:lstStyle/>
+                    <a:p>
+                      <a:pPr algn="ctr" latinLnBrk="1"/>
+                      <a:r>
+                        <a:rPr lang="de-DE" altLang="ko-KR" sz="1200" kern="1200" dirty="0">
+                          <a:effectLst/>
+                          <a:latin typeface="Open Sans" pitchFamily="2" charset="0"/>
+                          <a:ea typeface="Open Sans" pitchFamily="2" charset="0"/>
+                          <a:cs typeface="Open Sans" pitchFamily="2" charset="0"/>
+                        </a:rPr>
+                        <a:t>[AO22] </a:t>
+                      </a:r>
+                      <a:endParaRPr lang="ko-KR" altLang="en-US" sz="1200" dirty="0">
+                        <a:latin typeface="Open Sans" pitchFamily="2" charset="0"/>
+                        <a:cs typeface="Open Sans" pitchFamily="2" charset="0"/>
+                      </a:endParaRPr>
+                    </a:p>
+                  </a:txBody>
+                  <a:tcPr anchor="ctr">
+                    <a:solidFill>
+                      <a:srgbClr val="01305D"/>
+                    </a:solidFill>
+                  </a:tcPr>
+                </a:tc>
+                <a:tc>
+                  <a:txBody>
+                    <a:bodyPr/>
+                    <a:lstStyle/>
+                    <a:p>
+                      <a:pPr algn="ctr" latinLnBrk="1"/>
+                      <a:r>
+                        <a:rPr lang="de-DE" altLang="ko-KR" sz="1200" kern="1200" dirty="0">
+                          <a:effectLst/>
+                          <a:latin typeface="Open Sans" pitchFamily="2" charset="0"/>
+                          <a:ea typeface="Open Sans" pitchFamily="2" charset="0"/>
+                          <a:cs typeface="Open Sans" pitchFamily="2" charset="0"/>
+                        </a:rPr>
+                        <a:t>[JYK20]</a:t>
+                      </a:r>
+                      <a:endParaRPr lang="ko-KR" altLang="en-US" sz="1200" dirty="0">
+                        <a:latin typeface="Open Sans" pitchFamily="2" charset="0"/>
+                        <a:cs typeface="Open Sans" pitchFamily="2" charset="0"/>
+                      </a:endParaRPr>
+                    </a:p>
+                  </a:txBody>
+                  <a:tcPr anchor="ctr">
+                    <a:solidFill>
+                      <a:srgbClr val="01305D"/>
+                    </a:solidFill>
+                  </a:tcPr>
+                </a:tc>
+                <a:tc>
+                  <a:txBody>
+                    <a:bodyPr/>
+                    <a:lstStyle/>
+                    <a:p>
+                      <a:pPr algn="ctr" latinLnBrk="1"/>
+                      <a:r>
+                        <a:rPr lang="de-DE" altLang="ko-KR" sz="1200" kern="1200" dirty="0">
+                          <a:effectLst/>
+                          <a:latin typeface="Open Sans" pitchFamily="2" charset="0"/>
+                          <a:ea typeface="Open Sans" pitchFamily="2" charset="0"/>
+                          <a:cs typeface="Open Sans" pitchFamily="2" charset="0"/>
+                        </a:rPr>
+                        <a:t>[MKPT20] </a:t>
+                      </a:r>
+                      <a:endParaRPr lang="ko-KR" altLang="en-US" sz="1200" dirty="0">
+                        <a:latin typeface="Open Sans" pitchFamily="2" charset="0"/>
+                        <a:cs typeface="Open Sans" pitchFamily="2" charset="0"/>
+                      </a:endParaRPr>
+                    </a:p>
+                  </a:txBody>
+                  <a:tcPr anchor="ctr">
+                    <a:solidFill>
+                      <a:srgbClr val="01305D"/>
+                    </a:solidFill>
+                  </a:tcPr>
+                </a:tc>
+                <a:tc>
+                  <a:txBody>
+                    <a:bodyPr/>
+                    <a:lstStyle/>
+                    <a:p>
+                      <a:pPr algn="ctr" latinLnBrk="1"/>
+                      <a:r>
+                        <a:rPr lang="de-DE" altLang="ko-KR" sz="1200" kern="1200" dirty="0">
+                          <a:effectLst/>
+                          <a:latin typeface="Open Sans" pitchFamily="2" charset="0"/>
+                          <a:ea typeface="Open Sans" pitchFamily="2" charset="0"/>
+                          <a:cs typeface="Open Sans" pitchFamily="2" charset="0"/>
+                        </a:rPr>
+                        <a:t>[WD16]</a:t>
+                      </a:r>
+                      <a:endParaRPr lang="ko-KR" altLang="en-US" sz="1200" dirty="0">
+                        <a:latin typeface="Open Sans" pitchFamily="2" charset="0"/>
+                        <a:cs typeface="Open Sans" pitchFamily="2" charset="0"/>
+                      </a:endParaRPr>
+                    </a:p>
+                  </a:txBody>
+                  <a:tcPr anchor="ctr">
+                    <a:solidFill>
+                      <a:srgbClr val="01305D"/>
+                    </a:solidFill>
+                  </a:tcPr>
+                </a:tc>
+                <a:tc>
+                  <a:txBody>
+                    <a:bodyPr/>
+                    <a:lstStyle/>
+                    <a:p>
+                      <a:pPr algn="ctr" latinLnBrk="1"/>
+                      <a:r>
+                        <a:rPr lang="de-DE" altLang="ko-KR" sz="1200" kern="1200" dirty="0">
+                          <a:effectLst/>
+                          <a:latin typeface="Open Sans" pitchFamily="2" charset="0"/>
+                          <a:ea typeface="Open Sans" pitchFamily="2" charset="0"/>
+                          <a:cs typeface="Open Sans" pitchFamily="2" charset="0"/>
+                        </a:rPr>
+                        <a:t>[HZZ+13]</a:t>
+                      </a:r>
+                      <a:endParaRPr lang="ko-KR" altLang="en-US" sz="1200" dirty="0">
+                        <a:latin typeface="Open Sans" pitchFamily="2" charset="0"/>
+                        <a:cs typeface="Open Sans" pitchFamily="2" charset="0"/>
+                      </a:endParaRPr>
+                    </a:p>
+                  </a:txBody>
+                  <a:tcPr anchor="ctr">
+                    <a:solidFill>
+                      <a:srgbClr val="01305D"/>
+                    </a:solidFill>
+                  </a:tcPr>
+                </a:tc>
+                <a:tc>
+                  <a:txBody>
+                    <a:bodyPr/>
+                    <a:lstStyle/>
+                    <a:p>
+                      <a:pPr algn="ctr" latinLnBrk="1"/>
+                      <a:r>
+                        <a:rPr lang="de-DE" altLang="ko-KR" sz="1200" kern="1200" dirty="0">
+                          <a:effectLst/>
+                          <a:latin typeface="Open Sans" pitchFamily="2" charset="0"/>
+                          <a:ea typeface="Open Sans" pitchFamily="2" charset="0"/>
+                          <a:cs typeface="Open Sans" pitchFamily="2" charset="0"/>
+                        </a:rPr>
+                        <a:t>[LIPJ21]</a:t>
+                      </a:r>
+                      <a:endParaRPr lang="ko-KR" altLang="en-US" sz="1200" dirty="0">
+                        <a:latin typeface="Open Sans" pitchFamily="2" charset="0"/>
+                        <a:cs typeface="Open Sans" pitchFamily="2" charset="0"/>
+                      </a:endParaRPr>
+                    </a:p>
+                  </a:txBody>
+                  <a:tcPr anchor="ctr">
+                    <a:solidFill>
+                      <a:srgbClr val="01305D"/>
+                    </a:solidFill>
+                  </a:tcPr>
+                </a:tc>
+                <a:tc>
+                  <a:txBody>
+                    <a:bodyPr/>
+                    <a:lstStyle/>
+                    <a:p>
+                      <a:pPr algn="ctr" latinLnBrk="1"/>
+                      <a:r>
+                        <a:rPr lang="de-DE" altLang="ko-KR" sz="1200" kern="1200" dirty="0">
+                          <a:effectLst/>
+                          <a:latin typeface="Open Sans" pitchFamily="2" charset="0"/>
+                          <a:ea typeface="Open Sans" pitchFamily="2" charset="0"/>
+                          <a:cs typeface="Open Sans" pitchFamily="2" charset="0"/>
+                        </a:rPr>
+                        <a:t>[DF13] </a:t>
+                      </a:r>
+                      <a:endParaRPr lang="ko-KR" altLang="en-US" sz="1200" dirty="0">
+                        <a:latin typeface="Open Sans" pitchFamily="2" charset="0"/>
+                        <a:cs typeface="Open Sans" pitchFamily="2" charset="0"/>
+                      </a:endParaRPr>
+                    </a:p>
+                  </a:txBody>
+                  <a:tcPr anchor="ctr">
+                    <a:solidFill>
+                      <a:srgbClr val="01305D"/>
+                    </a:solidFill>
+                  </a:tcPr>
+                </a:tc>
+                <a:tc>
+                  <a:txBody>
+                    <a:bodyPr/>
+                    <a:lstStyle/>
+                    <a:p>
+                      <a:pPr algn="ctr" latinLnBrk="1"/>
+                      <a:r>
+                        <a:rPr lang="de-DE" altLang="ko-KR" sz="1200" dirty="0">
+                          <a:latin typeface="Open Sans" pitchFamily="2" charset="0"/>
+                          <a:ea typeface="Open Sans" pitchFamily="2" charset="0"/>
+                          <a:cs typeface="Open Sans" pitchFamily="2" charset="0"/>
+                        </a:rPr>
+                        <a:t>Diese Arbeit</a:t>
+                      </a:r>
+                      <a:endParaRPr lang="ko-KR" altLang="en-US" sz="1200" dirty="0">
+                        <a:latin typeface="Open Sans" pitchFamily="2" charset="0"/>
+                        <a:cs typeface="Open Sans" pitchFamily="2" charset="0"/>
+                      </a:endParaRPr>
+                    </a:p>
+                  </a:txBody>
+                  <a:tcPr anchor="ctr">
+                    <a:solidFill>
+                      <a:srgbClr val="01305D"/>
+                    </a:solidFill>
+                  </a:tcPr>
+                </a:tc>
+                <a:extLst>
+                  <a:ext uri="{0D108BD9-81ED-4DB2-BD59-A6C34878D82A}">
+                    <a16:rowId xmlns:a16="http://schemas.microsoft.com/office/drawing/2014/main" val="4229836391"/>
+                  </a:ext>
+                </a:extLst>
+              </a:tr>
+              <a:tr h="502920">
+                <a:tc>
+                  <a:txBody>
+                    <a:bodyPr/>
+                    <a:lstStyle/>
+                    <a:p>
+                      <a:pPr algn="l" latinLnBrk="1"/>
+                      <a:r>
+                        <a:rPr lang="de-DE" altLang="ko-KR" sz="1200" dirty="0">
+                          <a:latin typeface="Open Sans" pitchFamily="2" charset="0"/>
+                          <a:ea typeface="Open Sans" pitchFamily="2" charset="0"/>
+                          <a:cs typeface="Open Sans" pitchFamily="2" charset="0"/>
+                        </a:rPr>
+                        <a:t>Statistik-</a:t>
+                      </a:r>
+                      <a:endParaRPr lang="ko-KR" altLang="en-US" sz="1200" dirty="0">
+                        <a:latin typeface="Open Sans" pitchFamily="2" charset="0"/>
+                        <a:cs typeface="Open Sans" pitchFamily="2" charset="0"/>
+                      </a:endParaRPr>
+                    </a:p>
+                  </a:txBody>
+                  <a:tcPr anchor="ctr"/>
+                </a:tc>
+                <a:tc>
+                  <a:txBody>
+                    <a:bodyPr/>
+                    <a:lstStyle/>
+                    <a:p>
+                      <a:pPr algn="ctr" latinLnBrk="1"/>
+                      <a:r>
+                        <a:rPr kumimoji="0" lang="ko-KR" altLang="en-US" sz="1350" b="1" i="0" u="none" strike="noStrike" kern="1200" cap="none" spc="0" normalizeH="0" baseline="0" noProof="0" dirty="0">
+                          <a:ln>
+                            <a:noFill/>
+                          </a:ln>
+                          <a:solidFill>
+                            <a:srgbClr val="4C4D4D"/>
+                          </a:solidFill>
+                          <a:effectLst/>
+                          <a:uLnTx/>
+                          <a:uFillTx/>
+                          <a:latin typeface="Open Sans" pitchFamily="2" charset="0"/>
+                          <a:ea typeface="+mn-ea"/>
+                          <a:cs typeface="Open Sans" pitchFamily="2" charset="0"/>
+                        </a:rPr>
+                        <a:t>✗</a:t>
+                      </a:r>
+                      <a:endParaRPr lang="ko-KR" altLang="en-US" b="1" dirty="0">
+                        <a:latin typeface="Open Sans" pitchFamily="2" charset="0"/>
+                        <a:cs typeface="Open Sans" pitchFamily="2" charset="0"/>
+                      </a:endParaRPr>
+                    </a:p>
+                  </a:txBody>
+                  <a:tcPr anchor="ctr"/>
+                </a:tc>
+                <a:tc>
+                  <a:txBody>
+                    <a:bodyPr/>
+                    <a:lstStyle/>
+                    <a:p>
+                      <a:pPr algn="ctr" latinLnBrk="1"/>
+                      <a:r>
+                        <a:rPr kumimoji="0" lang="ko-KR" altLang="en-US" sz="1350" b="1" i="0" u="none" strike="noStrike" kern="1200" cap="none" spc="0" normalizeH="0" baseline="0" noProof="0" dirty="0">
+                          <a:ln>
+                            <a:noFill/>
+                          </a:ln>
+                          <a:solidFill>
+                            <a:srgbClr val="4C4D4D"/>
+                          </a:solidFill>
+                          <a:effectLst/>
+                          <a:uLnTx/>
+                          <a:uFillTx/>
+                          <a:latin typeface="Open Sans" pitchFamily="2" charset="0"/>
+                          <a:ea typeface="+mn-ea"/>
+                          <a:cs typeface="Open Sans" pitchFamily="2" charset="0"/>
+                        </a:rPr>
+                        <a:t>✗</a:t>
+                      </a:r>
+                      <a:endParaRPr lang="ko-KR" altLang="en-US" b="1" dirty="0">
+                        <a:latin typeface="Open Sans" pitchFamily="2" charset="0"/>
+                        <a:cs typeface="Open Sans" pitchFamily="2" charset="0"/>
+                      </a:endParaRPr>
+                    </a:p>
+                  </a:txBody>
+                  <a:tcPr anchor="ctr"/>
+                </a:tc>
+                <a:tc>
+                  <a:txBody>
+                    <a:bodyPr/>
+                    <a:lstStyle/>
+                    <a:p>
+                      <a:pPr algn="ctr"/>
+                      <a:r>
+                        <a:rPr lang="ko-KR" altLang="en-US" b="1" dirty="0">
+                          <a:latin typeface="Open Sans" pitchFamily="2" charset="0"/>
+                          <a:cs typeface="Open Sans" pitchFamily="2" charset="0"/>
+                        </a:rPr>
+                        <a:t>✓</a:t>
+                      </a:r>
+                    </a:p>
+                  </a:txBody>
+                  <a:tcPr anchor="ctr"/>
+                </a:tc>
+                <a:tc>
+                  <a:txBody>
+                    <a:bodyPr/>
+                    <a:lstStyle/>
+                    <a:p>
+                      <a:pPr algn="ctr"/>
+                      <a:r>
+                        <a:rPr lang="ko-KR" altLang="en-US" b="1" dirty="0">
+                          <a:latin typeface="Open Sans" pitchFamily="2" charset="0"/>
+                          <a:cs typeface="Open Sans" pitchFamily="2" charset="0"/>
+                        </a:rPr>
+                        <a:t>✓</a:t>
+                      </a:r>
+                    </a:p>
+                  </a:txBody>
+                  <a:tcPr anchor="ctr"/>
+                </a:tc>
+                <a:tc>
+                  <a:txBody>
+                    <a:bodyPr/>
+                    <a:lstStyle/>
+                    <a:p>
+                      <a:pPr algn="ctr" latinLnBrk="1"/>
+                      <a:r>
+                        <a:rPr kumimoji="0" lang="ko-KR" altLang="en-US" sz="1350" b="1" i="0" u="none" strike="noStrike" kern="1200" cap="none" spc="0" normalizeH="0" baseline="0" noProof="0">
+                          <a:ln>
+                            <a:noFill/>
+                          </a:ln>
+                          <a:solidFill>
+                            <a:srgbClr val="4C4D4D"/>
+                          </a:solidFill>
+                          <a:effectLst/>
+                          <a:uLnTx/>
+                          <a:uFillTx/>
+                          <a:latin typeface="Open Sans" pitchFamily="2" charset="0"/>
+                          <a:ea typeface="+mn-ea"/>
+                          <a:cs typeface="Open Sans" pitchFamily="2" charset="0"/>
+                        </a:rPr>
+                        <a:t>✗</a:t>
+                      </a:r>
+                      <a:endParaRPr lang="ko-KR" altLang="en-US" b="1" dirty="0">
+                        <a:latin typeface="Open Sans" pitchFamily="2" charset="0"/>
+                        <a:cs typeface="Open Sans" pitchFamily="2" charset="0"/>
+                      </a:endParaRPr>
+                    </a:p>
+                  </a:txBody>
+                  <a:tcPr anchor="ctr"/>
+                </a:tc>
+                <a:tc>
+                  <a:txBody>
+                    <a:bodyPr/>
+                    <a:lstStyle/>
+                    <a:p>
+                      <a:pPr algn="ctr" latinLnBrk="1"/>
+                      <a:r>
+                        <a:rPr kumimoji="0" lang="ko-KR" altLang="en-US" sz="1350" b="1" i="0" u="none" strike="noStrike" kern="1200" cap="none" spc="0" normalizeH="0" baseline="0" noProof="0" dirty="0">
+                          <a:ln>
+                            <a:noFill/>
+                          </a:ln>
+                          <a:solidFill>
+                            <a:srgbClr val="4C4D4D"/>
+                          </a:solidFill>
+                          <a:effectLst/>
+                          <a:uLnTx/>
+                          <a:uFillTx/>
+                          <a:latin typeface="Open Sans" pitchFamily="2" charset="0"/>
+                          <a:ea typeface="+mn-ea"/>
+                          <a:cs typeface="Open Sans" pitchFamily="2" charset="0"/>
+                        </a:rPr>
+                        <a:t>✗</a:t>
+                      </a:r>
+                      <a:endParaRPr lang="ko-KR" altLang="en-US" b="1" dirty="0">
+                        <a:latin typeface="Open Sans" pitchFamily="2" charset="0"/>
+                        <a:cs typeface="Open Sans" pitchFamily="2" charset="0"/>
+                      </a:endParaRPr>
+                    </a:p>
+                  </a:txBody>
+                  <a:tcPr anchor="ctr"/>
+                </a:tc>
+                <a:tc>
+                  <a:txBody>
+                    <a:bodyPr/>
+                    <a:lstStyle/>
+                    <a:p>
+                      <a:pPr algn="ctr" latinLnBrk="1"/>
+                      <a:r>
+                        <a:rPr kumimoji="0" lang="ko-KR" altLang="en-US" sz="1350" b="1" i="0" u="none" strike="noStrike" kern="1200" cap="none" spc="0" normalizeH="0" baseline="0" noProof="0">
+                          <a:ln>
+                            <a:noFill/>
+                          </a:ln>
+                          <a:solidFill>
+                            <a:srgbClr val="4C4D4D"/>
+                          </a:solidFill>
+                          <a:effectLst/>
+                          <a:uLnTx/>
+                          <a:uFillTx/>
+                          <a:latin typeface="Open Sans" pitchFamily="2" charset="0"/>
+                          <a:ea typeface="+mn-ea"/>
+                          <a:cs typeface="Open Sans" pitchFamily="2" charset="0"/>
+                        </a:rPr>
+                        <a:t>✗</a:t>
+                      </a:r>
+                      <a:endParaRPr lang="ko-KR" altLang="en-US" b="1" dirty="0">
+                        <a:latin typeface="Open Sans" pitchFamily="2" charset="0"/>
+                        <a:cs typeface="Open Sans" pitchFamily="2" charset="0"/>
+                      </a:endParaRPr>
+                    </a:p>
+                  </a:txBody>
+                  <a:tcPr anchor="ctr"/>
+                </a:tc>
+                <a:tc>
+                  <a:txBody>
+                    <a:bodyPr/>
+                    <a:lstStyle/>
+                    <a:p>
+                      <a:pPr algn="ctr" latinLnBrk="1"/>
+                      <a:r>
+                        <a:rPr kumimoji="0" lang="ko-KR" altLang="en-US" sz="1350" b="1" i="0" u="none" strike="noStrike" kern="1200" cap="none" spc="0" normalizeH="0" baseline="0" noProof="0" dirty="0">
+                          <a:ln>
+                            <a:noFill/>
+                          </a:ln>
+                          <a:solidFill>
+                            <a:srgbClr val="4C4D4D"/>
+                          </a:solidFill>
+                          <a:effectLst/>
+                          <a:uLnTx/>
+                          <a:uFillTx/>
+                          <a:latin typeface="Open Sans" pitchFamily="2" charset="0"/>
+                          <a:ea typeface="+mn-ea"/>
+                          <a:cs typeface="Open Sans" pitchFamily="2" charset="0"/>
+                        </a:rPr>
+                        <a:t>✗</a:t>
+                      </a:r>
+                      <a:endParaRPr lang="ko-KR" altLang="en-US" b="1" dirty="0">
+                        <a:latin typeface="Open Sans" pitchFamily="2" charset="0"/>
+                        <a:cs typeface="Open Sans" pitchFamily="2" charset="0"/>
+                      </a:endParaRPr>
+                    </a:p>
+                  </a:txBody>
+                  <a:tcPr anchor="ctr"/>
+                </a:tc>
+                <a:tc>
+                  <a:txBody>
+                    <a:bodyPr/>
+                    <a:lstStyle/>
+                    <a:p>
+                      <a:pPr algn="ctr"/>
+                      <a:r>
+                        <a:rPr lang="ko-KR" altLang="en-US" b="1" dirty="0">
+                          <a:latin typeface="Open Sans" pitchFamily="2" charset="0"/>
+                          <a:cs typeface="Open Sans" pitchFamily="2" charset="0"/>
+                        </a:rPr>
+                        <a:t>✓</a:t>
+                      </a:r>
+                    </a:p>
+                  </a:txBody>
+                  <a:tcPr anchor="ctr"/>
+                </a:tc>
+                <a:extLst>
+                  <a:ext uri="{0D108BD9-81ED-4DB2-BD59-A6C34878D82A}">
+                    <a16:rowId xmlns:a16="http://schemas.microsoft.com/office/drawing/2014/main" val="404177821"/>
+                  </a:ext>
+                </a:extLst>
+              </a:tr>
+              <a:tr h="502920">
+                <a:tc>
+                  <a:txBody>
+                    <a:bodyPr/>
+                    <a:lstStyle/>
+                    <a:p>
+                      <a:pPr algn="l" latinLnBrk="1"/>
+                      <a:r>
+                        <a:rPr lang="de-DE" altLang="ko-KR" sz="1200" dirty="0">
+                          <a:latin typeface="Open Sans" pitchFamily="2" charset="0"/>
+                          <a:ea typeface="Open Sans" pitchFamily="2" charset="0"/>
+                          <a:cs typeface="Open Sans" pitchFamily="2" charset="0"/>
+                        </a:rPr>
+                        <a:t>Cluster(Distanz)-</a:t>
+                      </a:r>
+                      <a:endParaRPr lang="ko-KR" altLang="en-US" sz="1200" dirty="0">
+                        <a:latin typeface="Open Sans" pitchFamily="2" charset="0"/>
+                        <a:cs typeface="Open Sans" pitchFamily="2" charset="0"/>
+                      </a:endParaRPr>
+                    </a:p>
+                  </a:txBody>
+                  <a:tcPr anchor="ctr"/>
+                </a:tc>
+                <a:tc>
+                  <a:txBody>
+                    <a:bodyPr/>
+                    <a:lstStyle/>
+                    <a:p>
+                      <a:pPr marL="0" marR="0" lvl="0" indent="0" algn="ctr" defTabSz="685800" rtl="0" eaLnBrk="1" fontAlgn="auto" latinLnBrk="0" hangingPunct="1">
+                        <a:lnSpc>
+                          <a:spcPct val="100000"/>
+                        </a:lnSpc>
+                        <a:spcBef>
+                          <a:spcPts val="0"/>
+                        </a:spcBef>
+                        <a:spcAft>
+                          <a:spcPts val="0"/>
+                        </a:spcAft>
+                        <a:buClrTx/>
+                        <a:buSzTx/>
+                        <a:buFontTx/>
+                        <a:buNone/>
+                        <a:tabLst/>
+                        <a:defRPr/>
+                      </a:pPr>
+                      <a:r>
+                        <a:rPr kumimoji="0" lang="ko-KR" altLang="en-US" sz="1350" b="1" i="0" u="none" strike="noStrike" kern="1200" cap="none" spc="0" normalizeH="0" baseline="0" noProof="0" dirty="0">
+                          <a:ln>
+                            <a:noFill/>
+                          </a:ln>
+                          <a:solidFill>
+                            <a:srgbClr val="4C4D4D"/>
+                          </a:solidFill>
+                          <a:effectLst/>
+                          <a:uLnTx/>
+                          <a:uFillTx/>
+                          <a:latin typeface="Open Sans" pitchFamily="2" charset="0"/>
+                          <a:ea typeface="+mn-ea"/>
+                          <a:cs typeface="Open Sans" pitchFamily="2" charset="0"/>
+                        </a:rPr>
+                        <a:t>✓</a:t>
+                      </a:r>
+                    </a:p>
+                  </a:txBody>
+                  <a:tcPr anchor="ctr"/>
+                </a:tc>
+                <a:tc>
+                  <a:txBody>
+                    <a:bodyPr/>
+                    <a:lstStyle/>
+                    <a:p>
+                      <a:pPr marL="0" marR="0" lvl="0" indent="0" algn="ctr" defTabSz="685800" rtl="0" eaLnBrk="1" fontAlgn="auto" latinLnBrk="0" hangingPunct="1">
+                        <a:lnSpc>
+                          <a:spcPct val="100000"/>
+                        </a:lnSpc>
+                        <a:spcBef>
+                          <a:spcPts val="0"/>
+                        </a:spcBef>
+                        <a:spcAft>
+                          <a:spcPts val="0"/>
+                        </a:spcAft>
+                        <a:buClrTx/>
+                        <a:buSzTx/>
+                        <a:buFontTx/>
+                        <a:buNone/>
+                        <a:tabLst/>
+                        <a:defRPr/>
+                      </a:pPr>
+                      <a:r>
+                        <a:rPr kumimoji="0" lang="ko-KR" altLang="en-US" sz="1350" b="1" i="0" u="none" strike="noStrike" kern="1200" cap="none" spc="0" normalizeH="0" baseline="0" noProof="0" dirty="0">
+                          <a:ln>
+                            <a:noFill/>
+                          </a:ln>
+                          <a:solidFill>
+                            <a:srgbClr val="4C4D4D"/>
+                          </a:solidFill>
+                          <a:effectLst/>
+                          <a:uLnTx/>
+                          <a:uFillTx/>
+                          <a:latin typeface="Open Sans" pitchFamily="2" charset="0"/>
+                          <a:ea typeface="+mn-ea"/>
+                          <a:cs typeface="Open Sans" pitchFamily="2" charset="0"/>
+                        </a:rPr>
+                        <a:t>✓</a:t>
+                      </a:r>
+                    </a:p>
+                  </a:txBody>
+                  <a:tcPr anchor="ctr"/>
+                </a:tc>
+                <a:tc>
+                  <a:txBody>
+                    <a:bodyPr/>
+                    <a:lstStyle/>
+                    <a:p>
+                      <a:pPr algn="ctr" latinLnBrk="1"/>
+                      <a:r>
+                        <a:rPr kumimoji="0" lang="ko-KR" altLang="en-US" sz="1350" b="1" i="0" u="none" strike="noStrike" kern="1200" cap="none" spc="0" normalizeH="0" baseline="0" noProof="0" dirty="0">
+                          <a:ln>
+                            <a:noFill/>
+                          </a:ln>
+                          <a:solidFill>
+                            <a:srgbClr val="4C4D4D"/>
+                          </a:solidFill>
+                          <a:effectLst/>
+                          <a:uLnTx/>
+                          <a:uFillTx/>
+                          <a:latin typeface="Open Sans" pitchFamily="2" charset="0"/>
+                          <a:ea typeface="+mn-ea"/>
+                          <a:cs typeface="Open Sans" pitchFamily="2" charset="0"/>
+                        </a:rPr>
+                        <a:t>✗</a:t>
+                      </a:r>
+                      <a:endParaRPr lang="ko-KR" altLang="en-US" b="1" dirty="0">
+                        <a:latin typeface="Open Sans" pitchFamily="2" charset="0"/>
+                        <a:cs typeface="Open Sans" pitchFamily="2" charset="0"/>
+                      </a:endParaRPr>
+                    </a:p>
+                  </a:txBody>
+                  <a:tcPr anchor="ctr"/>
+                </a:tc>
+                <a:tc>
+                  <a:txBody>
+                    <a:bodyPr/>
+                    <a:lstStyle/>
+                    <a:p>
+                      <a:pPr algn="ctr" latinLnBrk="1"/>
+                      <a:r>
+                        <a:rPr kumimoji="0" lang="ko-KR" altLang="en-US" sz="1350" b="1" i="0" u="none" strike="noStrike" kern="1200" cap="none" spc="0" normalizeH="0" baseline="0" noProof="0" dirty="0">
+                          <a:ln>
+                            <a:noFill/>
+                          </a:ln>
+                          <a:solidFill>
+                            <a:srgbClr val="4C4D4D"/>
+                          </a:solidFill>
+                          <a:effectLst/>
+                          <a:uLnTx/>
+                          <a:uFillTx/>
+                          <a:latin typeface="Open Sans" pitchFamily="2" charset="0"/>
+                          <a:ea typeface="+mn-ea"/>
+                          <a:cs typeface="Open Sans" pitchFamily="2" charset="0"/>
+                        </a:rPr>
+                        <a:t>✗</a:t>
+                      </a:r>
+                      <a:endParaRPr lang="ko-KR" altLang="en-US" b="1" dirty="0">
+                        <a:latin typeface="Open Sans" pitchFamily="2" charset="0"/>
+                        <a:cs typeface="Open Sans" pitchFamily="2" charset="0"/>
+                      </a:endParaRPr>
+                    </a:p>
+                  </a:txBody>
+                  <a:tcPr anchor="ctr"/>
+                </a:tc>
+                <a:tc>
+                  <a:txBody>
+                    <a:bodyPr/>
+                    <a:lstStyle/>
+                    <a:p>
+                      <a:pPr algn="ctr"/>
+                      <a:r>
+                        <a:rPr lang="ko-KR" altLang="en-US" b="1" dirty="0">
+                          <a:latin typeface="Open Sans" pitchFamily="2" charset="0"/>
+                          <a:cs typeface="Open Sans" pitchFamily="2" charset="0"/>
+                        </a:rPr>
+                        <a:t>✓</a:t>
+                      </a:r>
+                    </a:p>
+                  </a:txBody>
+                  <a:tcPr anchor="ctr"/>
+                </a:tc>
+                <a:tc>
+                  <a:txBody>
+                    <a:bodyPr/>
+                    <a:lstStyle/>
+                    <a:p>
+                      <a:pPr algn="ctr" latinLnBrk="1"/>
+                      <a:r>
+                        <a:rPr lang="ko-KR" altLang="en-US" b="1" dirty="0">
+                          <a:latin typeface="Open Sans" pitchFamily="2" charset="0"/>
+                          <a:cs typeface="Open Sans" pitchFamily="2" charset="0"/>
+                        </a:rPr>
+                        <a:t>✗</a:t>
+                      </a:r>
+                    </a:p>
+                  </a:txBody>
+                  <a:tcPr anchor="ctr"/>
+                </a:tc>
+                <a:tc>
+                  <a:txBody>
+                    <a:bodyPr/>
+                    <a:lstStyle/>
+                    <a:p>
+                      <a:pPr algn="ctr"/>
+                      <a:r>
+                        <a:rPr lang="ko-KR" altLang="en-US" b="1" dirty="0">
+                          <a:latin typeface="Open Sans" pitchFamily="2" charset="0"/>
+                          <a:cs typeface="Open Sans" pitchFamily="2" charset="0"/>
+                        </a:rPr>
+                        <a:t>✓</a:t>
+                      </a:r>
+                    </a:p>
+                  </a:txBody>
+                  <a:tcPr anchor="ctr"/>
+                </a:tc>
+                <a:tc>
+                  <a:txBody>
+                    <a:bodyPr/>
+                    <a:lstStyle/>
+                    <a:p>
+                      <a:pPr algn="ctr" latinLnBrk="1"/>
+                      <a:r>
+                        <a:rPr lang="ko-KR" altLang="en-US" b="1" dirty="0">
+                          <a:latin typeface="Open Sans" pitchFamily="2" charset="0"/>
+                          <a:cs typeface="Open Sans" pitchFamily="2" charset="0"/>
+                        </a:rPr>
+                        <a:t>✗</a:t>
+                      </a:r>
+                    </a:p>
+                  </a:txBody>
+                  <a:tcPr anchor="ctr"/>
+                </a:tc>
+                <a:tc>
+                  <a:txBody>
+                    <a:bodyPr/>
+                    <a:lstStyle/>
+                    <a:p>
+                      <a:pPr algn="ctr"/>
+                      <a:r>
+                        <a:rPr lang="ko-KR" altLang="en-US" b="1" dirty="0">
+                          <a:latin typeface="Open Sans" pitchFamily="2" charset="0"/>
+                          <a:cs typeface="Open Sans" pitchFamily="2" charset="0"/>
+                        </a:rPr>
+                        <a:t>✓</a:t>
+                      </a:r>
+                    </a:p>
+                  </a:txBody>
+                  <a:tcPr anchor="ctr"/>
+                </a:tc>
+                <a:extLst>
+                  <a:ext uri="{0D108BD9-81ED-4DB2-BD59-A6C34878D82A}">
+                    <a16:rowId xmlns:a16="http://schemas.microsoft.com/office/drawing/2014/main" val="3032187768"/>
+                  </a:ext>
+                </a:extLst>
+              </a:tr>
+              <a:tr h="502920">
+                <a:tc>
+                  <a:txBody>
+                    <a:bodyPr/>
+                    <a:lstStyle/>
+                    <a:p>
+                      <a:pPr algn="l" latinLnBrk="1"/>
+                      <a:r>
+                        <a:rPr lang="de-DE" altLang="ko-KR" sz="1200" dirty="0">
+                          <a:latin typeface="Open Sans" pitchFamily="2" charset="0"/>
+                          <a:ea typeface="Open Sans" pitchFamily="2" charset="0"/>
+                          <a:cs typeface="Open Sans" pitchFamily="2" charset="0"/>
+                        </a:rPr>
+                        <a:t>Dichte-</a:t>
+                      </a:r>
+                      <a:endParaRPr lang="ko-KR" altLang="en-US" sz="1200" dirty="0">
+                        <a:latin typeface="Open Sans" pitchFamily="2" charset="0"/>
+                        <a:cs typeface="Open Sans" pitchFamily="2" charset="0"/>
+                      </a:endParaRPr>
+                    </a:p>
+                  </a:txBody>
+                  <a:tcPr anchor="ctr"/>
+                </a:tc>
+                <a:tc>
+                  <a:txBody>
+                    <a:bodyPr/>
+                    <a:lstStyle/>
+                    <a:p>
+                      <a:pPr algn="ctr" latinLnBrk="1"/>
+                      <a:r>
+                        <a:rPr kumimoji="0" lang="ko-KR" altLang="en-US" sz="1350" b="1" i="0" u="none" strike="noStrike" kern="1200" cap="none" spc="0" normalizeH="0" baseline="0" noProof="0" dirty="0">
+                          <a:ln>
+                            <a:noFill/>
+                          </a:ln>
+                          <a:solidFill>
+                            <a:srgbClr val="4C4D4D"/>
+                          </a:solidFill>
+                          <a:effectLst/>
+                          <a:uLnTx/>
+                          <a:uFillTx/>
+                          <a:latin typeface="Open Sans" pitchFamily="2" charset="0"/>
+                          <a:ea typeface="+mn-ea"/>
+                          <a:cs typeface="Open Sans" pitchFamily="2" charset="0"/>
+                        </a:rPr>
+                        <a:t>✗</a:t>
+                      </a:r>
+                      <a:endParaRPr lang="ko-KR" altLang="en-US" b="1" dirty="0">
+                        <a:latin typeface="Open Sans" pitchFamily="2" charset="0"/>
+                        <a:cs typeface="Open Sans" pitchFamily="2" charset="0"/>
+                      </a:endParaRPr>
+                    </a:p>
+                  </a:txBody>
+                  <a:tcPr anchor="ctr"/>
+                </a:tc>
+                <a:tc>
+                  <a:txBody>
+                    <a:bodyPr/>
+                    <a:lstStyle/>
+                    <a:p>
+                      <a:pPr algn="ctr" latinLnBrk="1"/>
+                      <a:r>
+                        <a:rPr kumimoji="0" lang="ko-KR" altLang="en-US" sz="1350" b="1" i="0" u="none" strike="noStrike" kern="1200" cap="none" spc="0" normalizeH="0" baseline="0" noProof="0">
+                          <a:ln>
+                            <a:noFill/>
+                          </a:ln>
+                          <a:solidFill>
+                            <a:srgbClr val="4C4D4D"/>
+                          </a:solidFill>
+                          <a:effectLst/>
+                          <a:uLnTx/>
+                          <a:uFillTx/>
+                          <a:latin typeface="Open Sans" pitchFamily="2" charset="0"/>
+                          <a:ea typeface="+mn-ea"/>
+                          <a:cs typeface="Open Sans" pitchFamily="2" charset="0"/>
+                        </a:rPr>
+                        <a:t>✗</a:t>
+                      </a:r>
+                      <a:endParaRPr lang="ko-KR" altLang="en-US" b="1" dirty="0">
+                        <a:latin typeface="Open Sans" pitchFamily="2" charset="0"/>
+                        <a:cs typeface="Open Sans" pitchFamily="2" charset="0"/>
+                      </a:endParaRPr>
+                    </a:p>
+                  </a:txBody>
+                  <a:tcPr anchor="ctr"/>
+                </a:tc>
+                <a:tc>
+                  <a:txBody>
+                    <a:bodyPr/>
+                    <a:lstStyle/>
+                    <a:p>
+                      <a:pPr algn="ctr" latinLnBrk="1"/>
+                      <a:r>
+                        <a:rPr kumimoji="0" lang="ko-KR" altLang="en-US" sz="1350" b="1" i="0" u="none" strike="noStrike" kern="1200" cap="none" spc="0" normalizeH="0" baseline="0" noProof="0">
+                          <a:ln>
+                            <a:noFill/>
+                          </a:ln>
+                          <a:solidFill>
+                            <a:srgbClr val="4C4D4D"/>
+                          </a:solidFill>
+                          <a:effectLst/>
+                          <a:uLnTx/>
+                          <a:uFillTx/>
+                          <a:latin typeface="Open Sans" pitchFamily="2" charset="0"/>
+                          <a:ea typeface="+mn-ea"/>
+                          <a:cs typeface="Open Sans" pitchFamily="2" charset="0"/>
+                        </a:rPr>
+                        <a:t>✗</a:t>
+                      </a:r>
+                      <a:endParaRPr lang="ko-KR" altLang="en-US" b="1" dirty="0">
+                        <a:latin typeface="Open Sans" pitchFamily="2" charset="0"/>
+                        <a:cs typeface="Open Sans" pitchFamily="2" charset="0"/>
+                      </a:endParaRPr>
+                    </a:p>
+                  </a:txBody>
+                  <a:tcPr anchor="ctr"/>
+                </a:tc>
+                <a:tc>
+                  <a:txBody>
+                    <a:bodyPr/>
+                    <a:lstStyle/>
+                    <a:p>
+                      <a:pPr algn="ctr" latinLnBrk="1"/>
+                      <a:r>
+                        <a:rPr kumimoji="0" lang="ko-KR" altLang="en-US" sz="1350" b="1" i="0" u="none" strike="noStrike" kern="1200" cap="none" spc="0" normalizeH="0" baseline="0" noProof="0" dirty="0">
+                          <a:ln>
+                            <a:noFill/>
+                          </a:ln>
+                          <a:solidFill>
+                            <a:srgbClr val="4C4D4D"/>
+                          </a:solidFill>
+                          <a:effectLst/>
+                          <a:uLnTx/>
+                          <a:uFillTx/>
+                          <a:latin typeface="Open Sans" pitchFamily="2" charset="0"/>
+                          <a:ea typeface="+mn-ea"/>
+                          <a:cs typeface="Open Sans" pitchFamily="2" charset="0"/>
+                        </a:rPr>
+                        <a:t>✗</a:t>
+                      </a:r>
+                      <a:endParaRPr lang="ko-KR" altLang="en-US" b="1" dirty="0">
+                        <a:latin typeface="Open Sans" pitchFamily="2" charset="0"/>
+                        <a:cs typeface="Open Sans" pitchFamily="2" charset="0"/>
+                      </a:endParaRPr>
+                    </a:p>
+                  </a:txBody>
+                  <a:tcPr anchor="ctr"/>
+                </a:tc>
+                <a:tc>
+                  <a:txBody>
+                    <a:bodyPr/>
+                    <a:lstStyle/>
+                    <a:p>
+                      <a:pPr algn="ctr" latinLnBrk="1"/>
+                      <a:r>
+                        <a:rPr kumimoji="0" lang="ko-KR" altLang="en-US" sz="1350" b="1" i="0" u="none" strike="noStrike" kern="1200" cap="none" spc="0" normalizeH="0" baseline="0" noProof="0" dirty="0">
+                          <a:ln>
+                            <a:noFill/>
+                          </a:ln>
+                          <a:solidFill>
+                            <a:srgbClr val="4C4D4D"/>
+                          </a:solidFill>
+                          <a:effectLst/>
+                          <a:uLnTx/>
+                          <a:uFillTx/>
+                          <a:latin typeface="Open Sans" pitchFamily="2" charset="0"/>
+                          <a:ea typeface="+mn-ea"/>
+                          <a:cs typeface="Open Sans" pitchFamily="2" charset="0"/>
+                        </a:rPr>
+                        <a:t>✗</a:t>
+                      </a:r>
+                      <a:endParaRPr lang="ko-KR" altLang="en-US" b="1" dirty="0">
+                        <a:latin typeface="Open Sans" pitchFamily="2" charset="0"/>
+                        <a:cs typeface="Open Sans" pitchFamily="2" charset="0"/>
+                      </a:endParaRPr>
+                    </a:p>
+                  </a:txBody>
+                  <a:tcPr anchor="ctr"/>
+                </a:tc>
+                <a:tc>
+                  <a:txBody>
+                    <a:bodyPr/>
+                    <a:lstStyle/>
+                    <a:p>
+                      <a:pPr marL="0" marR="0" lvl="0" indent="0" algn="ctr" defTabSz="685800" rtl="0" eaLnBrk="1" fontAlgn="auto" latinLnBrk="1" hangingPunct="1">
+                        <a:lnSpc>
+                          <a:spcPct val="100000"/>
+                        </a:lnSpc>
+                        <a:spcBef>
+                          <a:spcPts val="0"/>
+                        </a:spcBef>
+                        <a:spcAft>
+                          <a:spcPts val="0"/>
+                        </a:spcAft>
+                        <a:buClrTx/>
+                        <a:buSzTx/>
+                        <a:buFontTx/>
+                        <a:buNone/>
+                        <a:tabLst/>
+                        <a:defRPr/>
+                      </a:pPr>
+                      <a:r>
+                        <a:rPr lang="ko-KR" altLang="en-US" b="1" dirty="0">
+                          <a:latin typeface="Open Sans" pitchFamily="2" charset="0"/>
+                          <a:cs typeface="Open Sans" pitchFamily="2" charset="0"/>
+                        </a:rPr>
+                        <a:t>✓</a:t>
+                      </a:r>
+                    </a:p>
+                  </a:txBody>
+                  <a:tcPr anchor="ctr"/>
+                </a:tc>
+                <a:tc>
+                  <a:txBody>
+                    <a:bodyPr/>
+                    <a:lstStyle/>
+                    <a:p>
+                      <a:pPr algn="ctr" latinLnBrk="1"/>
+                      <a:r>
+                        <a:rPr lang="ko-KR" altLang="en-US" b="1" dirty="0">
+                          <a:latin typeface="Open Sans" pitchFamily="2" charset="0"/>
+                          <a:cs typeface="Open Sans" pitchFamily="2" charset="0"/>
+                        </a:rPr>
+                        <a:t>✗</a:t>
+                      </a:r>
+                    </a:p>
+                  </a:txBody>
+                  <a:tcPr anchor="ctr"/>
+                </a:tc>
+                <a:tc>
+                  <a:txBody>
+                    <a:bodyPr/>
+                    <a:lstStyle/>
+                    <a:p>
+                      <a:pPr marL="0" marR="0" lvl="0" indent="0" algn="ctr" defTabSz="685800" rtl="0" eaLnBrk="1" fontAlgn="auto" latinLnBrk="0" hangingPunct="1">
+                        <a:lnSpc>
+                          <a:spcPct val="100000"/>
+                        </a:lnSpc>
+                        <a:spcBef>
+                          <a:spcPts val="0"/>
+                        </a:spcBef>
+                        <a:spcAft>
+                          <a:spcPts val="0"/>
+                        </a:spcAft>
+                        <a:buClrTx/>
+                        <a:buSzTx/>
+                        <a:buFontTx/>
+                        <a:buNone/>
+                        <a:tabLst/>
+                        <a:defRPr/>
+                      </a:pPr>
+                      <a:r>
+                        <a:rPr kumimoji="0" lang="ko-KR" altLang="en-US" sz="1350" b="1" i="0" u="none" strike="noStrike" kern="1200" cap="none" spc="0" normalizeH="0" baseline="0" noProof="0" dirty="0">
+                          <a:ln>
+                            <a:noFill/>
+                          </a:ln>
+                          <a:solidFill>
+                            <a:srgbClr val="4C4D4D"/>
+                          </a:solidFill>
+                          <a:effectLst/>
+                          <a:uLnTx/>
+                          <a:uFillTx/>
+                          <a:latin typeface="Open Sans" pitchFamily="2" charset="0"/>
+                          <a:ea typeface="+mn-ea"/>
+                          <a:cs typeface="Open Sans" pitchFamily="2" charset="0"/>
+                        </a:rPr>
+                        <a:t>✓</a:t>
+                      </a:r>
+                    </a:p>
+                  </a:txBody>
+                  <a:tcPr anchor="ctr"/>
+                </a:tc>
+                <a:tc>
+                  <a:txBody>
+                    <a:bodyPr/>
+                    <a:lstStyle/>
+                    <a:p>
+                      <a:pPr marL="0" marR="0" lvl="0" indent="0" algn="ctr" defTabSz="685800" rtl="0" eaLnBrk="1" fontAlgn="auto" latinLnBrk="0" hangingPunct="1">
+                        <a:lnSpc>
+                          <a:spcPct val="100000"/>
+                        </a:lnSpc>
+                        <a:spcBef>
+                          <a:spcPts val="0"/>
+                        </a:spcBef>
+                        <a:spcAft>
+                          <a:spcPts val="0"/>
+                        </a:spcAft>
+                        <a:buClrTx/>
+                        <a:buSzTx/>
+                        <a:buFontTx/>
+                        <a:buNone/>
+                        <a:tabLst/>
+                        <a:defRPr/>
+                      </a:pPr>
+                      <a:r>
+                        <a:rPr kumimoji="0" lang="ko-KR" altLang="en-US" sz="1350" b="1" i="0" u="none" strike="noStrike" kern="1200" cap="none" spc="0" normalizeH="0" baseline="0" noProof="0" dirty="0">
+                          <a:ln>
+                            <a:noFill/>
+                          </a:ln>
+                          <a:solidFill>
+                            <a:srgbClr val="4C4D4D"/>
+                          </a:solidFill>
+                          <a:effectLst/>
+                          <a:uLnTx/>
+                          <a:uFillTx/>
+                          <a:latin typeface="Open Sans" pitchFamily="2" charset="0"/>
+                          <a:ea typeface="+mn-ea"/>
+                          <a:cs typeface="Open Sans" pitchFamily="2" charset="0"/>
+                        </a:rPr>
+                        <a:t>✓</a:t>
+                      </a:r>
+                    </a:p>
+                  </a:txBody>
+                  <a:tcPr anchor="ctr"/>
+                </a:tc>
+                <a:extLst>
+                  <a:ext uri="{0D108BD9-81ED-4DB2-BD59-A6C34878D82A}">
+                    <a16:rowId xmlns:a16="http://schemas.microsoft.com/office/drawing/2014/main" val="3730798090"/>
+                  </a:ext>
+                </a:extLst>
+              </a:tr>
+            </a:tbl>
+          </a:graphicData>
+        </a:graphic>
+      </p:graphicFrame>
+      <p:sp>
+        <p:nvSpPr>
+          <p:cNvPr id="3" name="Titel 1">
+            <a:extLst>
+              <a:ext uri="{FF2B5EF4-FFF2-40B4-BE49-F238E27FC236}">
+                <a16:creationId xmlns:a16="http://schemas.microsoft.com/office/drawing/2014/main" id="{D55B45F6-E7BC-AF4A-BAB7-9E31CE4A214C}"/>
+              </a:ext>
+            </a:extLst>
+          </p:cNvPr>
+          <p:cNvSpPr>
+            <a:spLocks noGrp="1"/>
+          </p:cNvSpPr>
+          <p:nvPr>
+            <p:ph type="title"/>
+          </p:nvPr>
+        </p:nvSpPr>
+        <p:spPr>
+          <a:xfrm>
+            <a:off x="180000" y="254870"/>
+            <a:ext cx="6480000" cy="432000"/>
+          </a:xfrm>
+        </p:spPr>
+        <p:txBody>
+          <a:bodyPr/>
+          <a:lstStyle/>
+          <a:p>
+            <a:r>
+              <a:rPr lang="de-DE" noProof="0" dirty="0"/>
+              <a:t>Motivation Datenintegration</a:t>
+            </a:r>
+          </a:p>
+        </p:txBody>
+      </p:sp>
+    </p:spTree>
+    <p:extLst>
+      <p:ext uri="{BB962C8B-B14F-4D97-AF65-F5344CB8AC3E}">
+        <p14:creationId xmlns:p14="http://schemas.microsoft.com/office/powerpoint/2010/main" val="2659545051"/>
+      </p:ext>
+    </p:extLst>
+  </p:cSld>
+  <p:clrMapOvr>
+    <a:masterClrMapping/>
+  </p:clrMapOvr>
+</p:sld>
+</file>
+
+<file path=ppt/slides/slide6.xml><?xml version="1.0" encoding="utf-8"?>
+<p:sld xmlns:a="http://schemas.openxmlformats.org/drawingml/2006/main" xmlns:r="http://schemas.openxmlformats.org/officeDocument/2006/relationships" xmlns:p="http://schemas.openxmlformats.org/presentationml/2006/main">
+  <p:cSld>
+    <p:spTree>
+      <p:nvGrpSpPr>
+        <p:cNvPr id="1" name=""/>
+        <p:cNvGrpSpPr/>
+        <p:nvPr/>
+      </p:nvGrpSpPr>
+      <p:grpSpPr>
+        <a:xfrm>
+          <a:off x="0" y="0"/>
+          <a:ext cx="0" cy="0"/>
+          <a:chOff x="0" y="0"/>
+          <a:chExt cx="0" cy="0"/>
+        </a:xfrm>
+      </p:grpSpPr>
+      <p:sp>
+        <p:nvSpPr>
+          <p:cNvPr id="2" name="Titel 1"/>
+          <p:cNvSpPr>
+            <a:spLocks noGrp="1"/>
+          </p:cNvSpPr>
+          <p:nvPr>
+            <p:ph type="title"/>
+          </p:nvPr>
+        </p:nvSpPr>
+        <p:spPr/>
+        <p:txBody>
+          <a:bodyPr/>
+          <a:lstStyle/>
+          <a:p>
+            <a:r>
+              <a:rPr lang="de-DE" altLang="ko-KR" dirty="0"/>
+              <a:t>3. Methoden</a:t>
+            </a:r>
+            <a:endParaRPr lang="de-DE" noProof="0" dirty="0"/>
+          </a:p>
+        </p:txBody>
+      </p:sp>
+    </p:spTree>
+    <p:extLst>
+      <p:ext uri="{BB962C8B-B14F-4D97-AF65-F5344CB8AC3E}">
+        <p14:creationId xmlns:p14="http://schemas.microsoft.com/office/powerpoint/2010/main" val="3430434355"/>
+      </p:ext>
+    </p:extLst>
+  </p:cSld>
+  <p:clrMapOvr>
+    <a:masterClrMapping/>
+  </p:clrMapOvr>
+</p:sld>
+</file>
+
+<file path=ppt/slides/slide7.xml><?xml version="1.0" encoding="utf-8"?>
+<p:sld xmlns:a="http://schemas.openxmlformats.org/drawingml/2006/main" xmlns:r="http://schemas.openxmlformats.org/officeDocument/2006/relationships" xmlns:p="http://schemas.openxmlformats.org/presentationml/2006/main">
+  <p:cSld>
+    <p:spTree>
+      <p:nvGrpSpPr>
+        <p:cNvPr id="1" name=""/>
+        <p:cNvGrpSpPr/>
+        <p:nvPr/>
+      </p:nvGrpSpPr>
+      <p:grpSpPr>
+        <a:xfrm>
+          <a:off x="0" y="0"/>
+          <a:ext cx="0" cy="0"/>
+          <a:chOff x="0" y="0"/>
+          <a:chExt cx="0" cy="0"/>
+        </a:xfrm>
+      </p:grpSpPr>
+      <p:sp>
+        <p:nvSpPr>
+          <p:cNvPr id="2" name="Titel 1"/>
+          <p:cNvSpPr>
+            <a:spLocks noGrp="1"/>
+          </p:cNvSpPr>
+          <p:nvPr>
+            <p:ph type="title"/>
+          </p:nvPr>
+        </p:nvSpPr>
+        <p:spPr/>
+        <p:txBody>
+          <a:bodyPr/>
+          <a:lstStyle/>
+          <a:p>
+            <a:r>
+              <a:rPr lang="de-DE" noProof="0" dirty="0"/>
+              <a:t>Typen der Algorithmen</a:t>
+            </a:r>
+          </a:p>
+        </p:txBody>
+      </p:sp>
+      <p:sp>
+        <p:nvSpPr>
+          <p:cNvPr id="36" name="Rechteck 35"/>
+          <p:cNvSpPr/>
+          <p:nvPr/>
+        </p:nvSpPr>
+        <p:spPr>
+          <a:xfrm>
+            <a:off x="680407" y="2945044"/>
+            <a:ext cx="2874955" cy="1274060"/>
+          </a:xfrm>
+          <a:prstGeom prst="rect">
+            <a:avLst/>
+          </a:prstGeom>
+          <a:solidFill>
+            <a:schemeClr val="accent3">
+              <a:lumMod val="20000"/>
+              <a:lumOff val="80000"/>
+            </a:schemeClr>
+          </a:solidFill>
+          <a:ln w="15875">
+            <a:noFill/>
+          </a:ln>
+        </p:spPr>
+        <p:style>
+          <a:lnRef idx="2">
+            <a:schemeClr val="accent1">
+              <a:shade val="50000"/>
+            </a:schemeClr>
+          </a:lnRef>
+          <a:fillRef idx="1">
+            <a:schemeClr val="accent1"/>
+          </a:fillRef>
+          <a:effectRef idx="0">
+            <a:schemeClr val="accent1"/>
+          </a:effectRef>
+          <a:fontRef idx="minor">
+            <a:schemeClr val="lt1"/>
+          </a:fontRef>
+        </p:style>
+        <p:txBody>
+          <a:bodyPr rtlCol="0" anchor="ctr"/>
+          <a:lstStyle/>
+          <a:p>
+            <a:pPr algn="ctr"/>
+            <a:endParaRPr lang="de-DE" sz="1200" dirty="0">
+              <a:solidFill>
+                <a:schemeClr val="bg1"/>
+              </a:solidFill>
+              <a:latin typeface="Muli" panose="00000500000000000000" pitchFamily="2" charset="0"/>
+            </a:endParaRPr>
+          </a:p>
+        </p:txBody>
+      </p:sp>
+      <p:sp>
+        <p:nvSpPr>
+          <p:cNvPr id="14" name="Textfeld 13"/>
+          <p:cNvSpPr txBox="1"/>
+          <p:nvPr/>
+        </p:nvSpPr>
+        <p:spPr>
+          <a:xfrm>
+            <a:off x="676424" y="2964722"/>
+            <a:ext cx="2874955" cy="1183081"/>
+          </a:xfrm>
+          <a:prstGeom prst="rect">
+            <a:avLst/>
+          </a:prstGeom>
+          <a:solidFill>
+            <a:schemeClr val="accent3">
+              <a:lumMod val="20000"/>
+              <a:lumOff val="80000"/>
+            </a:schemeClr>
+          </a:solidFill>
+        </p:spPr>
+        <p:txBody>
+          <a:bodyPr wrap="square" rtlCol="0">
+            <a:spAutoFit/>
+          </a:bodyPr>
+          <a:lstStyle/>
+          <a:p>
+            <a:pPr algn="ctr"/>
+            <a:r>
+              <a:rPr lang="de-DE" sz="1200" dirty="0">
+                <a:solidFill>
+                  <a:srgbClr val="555555"/>
+                </a:solidFill>
+                <a:latin typeface="Muli" panose="00000500000000000000" pitchFamily="2" charset="0"/>
+              </a:rPr>
+              <a:t>Synonyms/Homonyms</a:t>
+            </a:r>
+          </a:p>
+          <a:p>
+            <a:pPr algn="ctr"/>
+            <a:endParaRPr lang="de-DE" sz="788" dirty="0">
+              <a:solidFill>
+                <a:srgbClr val="555555"/>
+              </a:solidFill>
+              <a:latin typeface="Muli" panose="00000500000000000000" pitchFamily="2" charset="0"/>
+            </a:endParaRPr>
+          </a:p>
+          <a:p>
+            <a:pPr algn="ctr"/>
+            <a:r>
+              <a:rPr lang="de-DE" sz="1200" dirty="0" err="1">
+                <a:solidFill>
+                  <a:srgbClr val="555555"/>
+                </a:solidFill>
+                <a:latin typeface="Muli" panose="00000500000000000000" pitchFamily="2" charset="0"/>
+              </a:rPr>
+              <a:t>Mappings</a:t>
+            </a:r>
+            <a:endParaRPr lang="de-DE" sz="1200" dirty="0">
+              <a:solidFill>
+                <a:srgbClr val="555555"/>
+              </a:solidFill>
+              <a:latin typeface="Muli" panose="00000500000000000000" pitchFamily="2" charset="0"/>
+            </a:endParaRPr>
+          </a:p>
+          <a:p>
+            <a:pPr algn="ctr"/>
+            <a:endParaRPr lang="de-DE" sz="750" dirty="0">
+              <a:solidFill>
+                <a:srgbClr val="555555"/>
+              </a:solidFill>
+              <a:latin typeface="Muli" panose="00000500000000000000" pitchFamily="2" charset="0"/>
+            </a:endParaRPr>
+          </a:p>
+          <a:p>
+            <a:pPr algn="ctr"/>
+            <a:r>
+              <a:rPr lang="de-DE" sz="1200" dirty="0">
+                <a:solidFill>
+                  <a:srgbClr val="555555"/>
+                </a:solidFill>
+                <a:latin typeface="Muli" panose="00000500000000000000" pitchFamily="2" charset="0"/>
+              </a:rPr>
+              <a:t>Union </a:t>
+            </a:r>
+            <a:r>
+              <a:rPr lang="de-DE" sz="1200" dirty="0" err="1">
+                <a:solidFill>
+                  <a:srgbClr val="555555"/>
+                </a:solidFill>
+                <a:latin typeface="Muli" panose="00000500000000000000" pitchFamily="2" charset="0"/>
+              </a:rPr>
+              <a:t>Types</a:t>
+            </a:r>
+            <a:endParaRPr lang="de-DE" sz="1200" dirty="0">
+              <a:solidFill>
+                <a:srgbClr val="555555"/>
+              </a:solidFill>
+              <a:latin typeface="Muli" panose="00000500000000000000" pitchFamily="2" charset="0"/>
+            </a:endParaRPr>
+          </a:p>
+          <a:p>
+            <a:pPr algn="ctr"/>
+            <a:endParaRPr lang="de-DE" sz="750" dirty="0">
+              <a:solidFill>
+                <a:srgbClr val="555555"/>
+              </a:solidFill>
+              <a:latin typeface="Muli" panose="00000500000000000000" pitchFamily="2" charset="0"/>
+            </a:endParaRPr>
+          </a:p>
+          <a:p>
+            <a:pPr algn="ctr"/>
+            <a:r>
+              <a:rPr lang="de-DE" sz="1200" dirty="0">
+                <a:solidFill>
+                  <a:srgbClr val="555555"/>
+                </a:solidFill>
+                <a:latin typeface="Muli" panose="00000500000000000000" pitchFamily="2" charset="0"/>
+              </a:rPr>
+              <a:t>Language </a:t>
+            </a:r>
+            <a:r>
+              <a:rPr lang="de-DE" sz="1200" dirty="0" err="1">
+                <a:solidFill>
+                  <a:srgbClr val="555555"/>
+                </a:solidFill>
+                <a:latin typeface="Muli" panose="00000500000000000000" pitchFamily="2" charset="0"/>
+              </a:rPr>
+              <a:t>Expressions</a:t>
+            </a:r>
+            <a:endParaRPr lang="de-DE" sz="1200" dirty="0">
+              <a:solidFill>
+                <a:srgbClr val="555555"/>
+              </a:solidFill>
+              <a:latin typeface="Muli" panose="00000500000000000000" pitchFamily="2" charset="0"/>
+            </a:endParaRPr>
+          </a:p>
+        </p:txBody>
+      </p:sp>
+      <p:sp>
+        <p:nvSpPr>
+          <p:cNvPr id="37" name="Rechteck 36"/>
+          <p:cNvSpPr/>
+          <p:nvPr/>
+        </p:nvSpPr>
+        <p:spPr>
+          <a:xfrm>
+            <a:off x="3641123" y="2945044"/>
+            <a:ext cx="1952368" cy="1274061"/>
+          </a:xfrm>
+          <a:prstGeom prst="rect">
+            <a:avLst/>
+          </a:prstGeom>
+          <a:solidFill>
+            <a:schemeClr val="accent3">
+              <a:lumMod val="20000"/>
+              <a:lumOff val="80000"/>
+            </a:schemeClr>
+          </a:solidFill>
+          <a:ln w="15875">
+            <a:noFill/>
+          </a:ln>
+        </p:spPr>
+        <p:style>
+          <a:lnRef idx="2">
+            <a:schemeClr val="accent1">
+              <a:shade val="50000"/>
+            </a:schemeClr>
+          </a:lnRef>
+          <a:fillRef idx="1">
+            <a:schemeClr val="accent1"/>
+          </a:fillRef>
+          <a:effectRef idx="0">
+            <a:schemeClr val="accent1"/>
+          </a:effectRef>
+          <a:fontRef idx="minor">
+            <a:schemeClr val="lt1"/>
+          </a:fontRef>
+        </p:style>
+        <p:txBody>
+          <a:bodyPr rtlCol="0" anchor="ctr"/>
+          <a:lstStyle/>
+          <a:p>
+            <a:pPr algn="ctr"/>
+            <a:endParaRPr lang="de-DE" sz="1200" dirty="0">
+              <a:solidFill>
+                <a:schemeClr val="bg1"/>
+              </a:solidFill>
+              <a:latin typeface="Muli" panose="00000500000000000000" pitchFamily="2" charset="0"/>
+            </a:endParaRPr>
+          </a:p>
+        </p:txBody>
+      </p:sp>
+      <p:sp>
+        <p:nvSpPr>
+          <p:cNvPr id="19" name="Textfeld 18"/>
+          <p:cNvSpPr txBox="1"/>
+          <p:nvPr/>
+        </p:nvSpPr>
+        <p:spPr>
+          <a:xfrm>
+            <a:off x="3641122" y="2964722"/>
+            <a:ext cx="1952367" cy="1015663"/>
+          </a:xfrm>
+          <a:prstGeom prst="rect">
+            <a:avLst/>
+          </a:prstGeom>
+          <a:solidFill>
+            <a:schemeClr val="accent3">
+              <a:lumMod val="20000"/>
+              <a:lumOff val="80000"/>
+            </a:schemeClr>
+          </a:solidFill>
+        </p:spPr>
+        <p:txBody>
+          <a:bodyPr wrap="square" rtlCol="0">
+            <a:spAutoFit/>
+          </a:bodyPr>
+          <a:lstStyle/>
+          <a:p>
+            <a:pPr algn="ctr"/>
+            <a:r>
+              <a:rPr lang="de-DE" sz="1200" dirty="0">
+                <a:solidFill>
+                  <a:srgbClr val="555555"/>
+                </a:solidFill>
+                <a:latin typeface="Muli" panose="00000500000000000000" pitchFamily="2" charset="0"/>
+              </a:rPr>
+              <a:t>Null Values</a:t>
+            </a:r>
+          </a:p>
+          <a:p>
+            <a:pPr algn="ctr"/>
+            <a:endParaRPr lang="de-DE" sz="1200" dirty="0">
+              <a:solidFill>
+                <a:srgbClr val="555555"/>
+              </a:solidFill>
+              <a:latin typeface="Muli" panose="00000500000000000000" pitchFamily="2" charset="0"/>
+            </a:endParaRPr>
+          </a:p>
+          <a:p>
+            <a:pPr algn="ctr"/>
+            <a:r>
+              <a:rPr lang="de-DE" sz="1200" dirty="0">
+                <a:solidFill>
+                  <a:srgbClr val="555555"/>
+                </a:solidFill>
+                <a:latin typeface="Muli" panose="00000500000000000000" pitchFamily="2" charset="0"/>
+              </a:rPr>
+              <a:t>Virtual Columns</a:t>
+            </a:r>
+          </a:p>
+          <a:p>
+            <a:pPr algn="ctr"/>
+            <a:endParaRPr lang="de-DE" sz="1200" dirty="0">
+              <a:solidFill>
+                <a:srgbClr val="555555"/>
+              </a:solidFill>
+              <a:latin typeface="Muli" panose="00000500000000000000" pitchFamily="2" charset="0"/>
+            </a:endParaRPr>
+          </a:p>
+          <a:p>
+            <a:pPr algn="ctr"/>
+            <a:r>
+              <a:rPr lang="de-DE" sz="1200" dirty="0" err="1">
+                <a:solidFill>
+                  <a:srgbClr val="555555"/>
+                </a:solidFill>
+                <a:latin typeface="Muli" panose="00000500000000000000" pitchFamily="2" charset="0"/>
+              </a:rPr>
+              <a:t>Semantic</a:t>
+            </a:r>
+            <a:r>
+              <a:rPr lang="de-DE" sz="1200" dirty="0">
+                <a:solidFill>
+                  <a:srgbClr val="555555"/>
+                </a:solidFill>
+                <a:latin typeface="Muli" panose="00000500000000000000" pitchFamily="2" charset="0"/>
+              </a:rPr>
+              <a:t> </a:t>
+            </a:r>
+            <a:r>
+              <a:rPr lang="de-DE" sz="1200" dirty="0" err="1">
+                <a:solidFill>
+                  <a:srgbClr val="555555"/>
+                </a:solidFill>
+                <a:latin typeface="Muli" panose="00000500000000000000" pitchFamily="2" charset="0"/>
+              </a:rPr>
+              <a:t>Incompatibility</a:t>
+            </a:r>
+            <a:endParaRPr lang="de-DE" sz="1200" dirty="0">
+              <a:solidFill>
+                <a:srgbClr val="555555"/>
+              </a:solidFill>
+              <a:latin typeface="Muli" panose="00000500000000000000" pitchFamily="2" charset="0"/>
+            </a:endParaRPr>
+          </a:p>
+        </p:txBody>
+      </p:sp>
+      <p:sp>
+        <p:nvSpPr>
+          <p:cNvPr id="33" name="Rechteck 32"/>
+          <p:cNvSpPr/>
+          <p:nvPr/>
+        </p:nvSpPr>
+        <p:spPr>
+          <a:xfrm>
+            <a:off x="5679250" y="2945043"/>
+            <a:ext cx="2877894" cy="1274062"/>
+          </a:xfrm>
+          <a:prstGeom prst="rect">
+            <a:avLst/>
+          </a:prstGeom>
+          <a:solidFill>
+            <a:schemeClr val="accent4">
+              <a:lumMod val="20000"/>
+              <a:lumOff val="80000"/>
+            </a:schemeClr>
+          </a:solidFill>
+          <a:ln w="15875">
+            <a:noFill/>
+          </a:ln>
+        </p:spPr>
+        <p:style>
+          <a:lnRef idx="2">
+            <a:schemeClr val="accent1">
+              <a:shade val="50000"/>
+            </a:schemeClr>
+          </a:lnRef>
+          <a:fillRef idx="1">
+            <a:schemeClr val="accent1"/>
+          </a:fillRef>
+          <a:effectRef idx="0">
+            <a:schemeClr val="accent1"/>
+          </a:effectRef>
+          <a:fontRef idx="minor">
+            <a:schemeClr val="lt1"/>
+          </a:fontRef>
+        </p:style>
+        <p:txBody>
+          <a:bodyPr rtlCol="0" anchor="ctr"/>
+          <a:lstStyle/>
+          <a:p>
+            <a:pPr algn="ctr"/>
+            <a:endParaRPr lang="de-DE" sz="1200" dirty="0">
+              <a:solidFill>
+                <a:schemeClr val="bg1"/>
+              </a:solidFill>
+              <a:latin typeface="+mj-lt"/>
+            </a:endParaRPr>
+          </a:p>
+        </p:txBody>
+      </p:sp>
+      <p:sp>
+        <p:nvSpPr>
+          <p:cNvPr id="22" name="Textfeld 21"/>
+          <p:cNvSpPr txBox="1"/>
+          <p:nvPr/>
+        </p:nvSpPr>
+        <p:spPr>
+          <a:xfrm>
+            <a:off x="5675267" y="2964722"/>
+            <a:ext cx="2874955" cy="646331"/>
+          </a:xfrm>
+          <a:prstGeom prst="rect">
+            <a:avLst/>
+          </a:prstGeom>
+          <a:noFill/>
+        </p:spPr>
+        <p:txBody>
+          <a:bodyPr wrap="square" rtlCol="0">
+            <a:spAutoFit/>
+          </a:bodyPr>
+          <a:lstStyle/>
+          <a:p>
+            <a:pPr algn="ctr"/>
+            <a:r>
+              <a:rPr lang="de-DE" sz="1200" dirty="0">
+                <a:solidFill>
+                  <a:srgbClr val="555555"/>
+                </a:solidFill>
+                <a:latin typeface="+mj-lt"/>
+              </a:rPr>
+              <a:t>Same </a:t>
+            </a:r>
+            <a:r>
+              <a:rPr lang="de-DE" sz="1200" dirty="0" err="1">
+                <a:solidFill>
+                  <a:srgbClr val="555555"/>
+                </a:solidFill>
+                <a:latin typeface="+mj-lt"/>
+              </a:rPr>
+              <a:t>attribute</a:t>
+            </a:r>
+            <a:r>
+              <a:rPr lang="de-DE" sz="1200" dirty="0">
+                <a:solidFill>
+                  <a:srgbClr val="555555"/>
+                </a:solidFill>
+                <a:latin typeface="+mj-lt"/>
+              </a:rPr>
+              <a:t> in different </a:t>
+            </a:r>
+            <a:r>
+              <a:rPr lang="de-DE" sz="1200" dirty="0" err="1">
+                <a:solidFill>
+                  <a:srgbClr val="555555"/>
+                </a:solidFill>
+                <a:latin typeface="+mj-lt"/>
+              </a:rPr>
+              <a:t>structures</a:t>
+            </a:r>
+            <a:endParaRPr lang="de-DE" sz="1200" dirty="0">
+              <a:solidFill>
+                <a:srgbClr val="555555"/>
+              </a:solidFill>
+              <a:latin typeface="+mj-lt"/>
+            </a:endParaRPr>
+          </a:p>
+          <a:p>
+            <a:pPr algn="ctr"/>
+            <a:endParaRPr lang="de-DE" sz="1200" dirty="0">
+              <a:solidFill>
+                <a:srgbClr val="555555"/>
+              </a:solidFill>
+              <a:latin typeface="+mj-lt"/>
+            </a:endParaRPr>
+          </a:p>
+          <a:p>
+            <a:pPr algn="ctr"/>
+            <a:r>
+              <a:rPr lang="de-DE" sz="1200" dirty="0">
+                <a:solidFill>
+                  <a:srgbClr val="555555"/>
+                </a:solidFill>
+                <a:latin typeface="+mj-lt"/>
+              </a:rPr>
+              <a:t>Handling Sets</a:t>
+            </a:r>
+          </a:p>
+        </p:txBody>
+      </p:sp>
+      <p:sp>
+        <p:nvSpPr>
+          <p:cNvPr id="29" name="Textfeld 28"/>
+          <p:cNvSpPr txBox="1"/>
+          <p:nvPr/>
+        </p:nvSpPr>
+        <p:spPr>
+          <a:xfrm>
+            <a:off x="1376655" y="4271552"/>
+            <a:ext cx="6819694" cy="323165"/>
+          </a:xfrm>
+          <a:prstGeom prst="rect">
+            <a:avLst/>
+          </a:prstGeom>
+          <a:noFill/>
+        </p:spPr>
+        <p:txBody>
+          <a:bodyPr wrap="square" rtlCol="0">
+            <a:spAutoFit/>
+          </a:bodyPr>
+          <a:lstStyle/>
+          <a:p>
+            <a:r>
+              <a:rPr lang="de-DE" sz="750" dirty="0">
+                <a:solidFill>
+                  <a:srgbClr val="555555"/>
+                </a:solidFill>
+                <a:latin typeface="Muli" panose="00000500000000000000" pitchFamily="2" charset="0"/>
+              </a:rPr>
+              <a:t>[Joachim Hammer, Mike </a:t>
+            </a:r>
+            <a:r>
+              <a:rPr lang="de-DE" sz="750" dirty="0" err="1">
+                <a:solidFill>
+                  <a:srgbClr val="555555"/>
+                </a:solidFill>
+                <a:latin typeface="Muli" panose="00000500000000000000" pitchFamily="2" charset="0"/>
+              </a:rPr>
+              <a:t>Stonebraker</a:t>
+            </a:r>
+            <a:r>
+              <a:rPr lang="de-DE" sz="750" dirty="0">
+                <a:solidFill>
+                  <a:srgbClr val="555555"/>
+                </a:solidFill>
+                <a:latin typeface="Muli" panose="00000500000000000000" pitchFamily="2" charset="0"/>
+              </a:rPr>
+              <a:t>, </a:t>
+            </a:r>
+            <a:r>
+              <a:rPr lang="de-DE" sz="750" dirty="0" err="1">
+                <a:solidFill>
+                  <a:srgbClr val="555555"/>
+                </a:solidFill>
+                <a:latin typeface="Muli" panose="00000500000000000000" pitchFamily="2" charset="0"/>
+              </a:rPr>
+              <a:t>Oguzhan</a:t>
+            </a:r>
+            <a:r>
+              <a:rPr lang="de-DE" sz="750" dirty="0">
+                <a:solidFill>
+                  <a:srgbClr val="555555"/>
+                </a:solidFill>
+                <a:latin typeface="Muli" panose="00000500000000000000" pitchFamily="2" charset="0"/>
+              </a:rPr>
+              <a:t> </a:t>
+            </a:r>
+            <a:r>
+              <a:rPr lang="de-DE" sz="750" dirty="0" err="1">
+                <a:solidFill>
+                  <a:srgbClr val="555555"/>
+                </a:solidFill>
+                <a:latin typeface="Muli" panose="00000500000000000000" pitchFamily="2" charset="0"/>
+              </a:rPr>
+              <a:t>Topsakal</a:t>
+            </a:r>
+            <a:r>
+              <a:rPr lang="de-DE" sz="750" dirty="0">
+                <a:solidFill>
+                  <a:srgbClr val="555555"/>
+                </a:solidFill>
+                <a:latin typeface="Muli" panose="00000500000000000000" pitchFamily="2" charset="0"/>
+              </a:rPr>
+              <a:t> : </a:t>
+            </a:r>
+            <a:r>
+              <a:rPr lang="en-US" sz="750" dirty="0">
+                <a:solidFill>
+                  <a:srgbClr val="555555"/>
+                </a:solidFill>
+                <a:latin typeface="Muli" panose="00000500000000000000" pitchFamily="2" charset="0"/>
+              </a:rPr>
+              <a:t>THALIA: Test Harness for the Assessment of Legacy Information </a:t>
+            </a:r>
+            <a:r>
+              <a:rPr lang="de-DE" sz="750" dirty="0">
+                <a:solidFill>
+                  <a:srgbClr val="555555"/>
+                </a:solidFill>
+                <a:latin typeface="Muli" panose="00000500000000000000" pitchFamily="2" charset="0"/>
+              </a:rPr>
+              <a:t>Integration Approaches, </a:t>
+            </a:r>
+            <a:r>
+              <a:rPr lang="de-DE" sz="750" dirty="0" err="1">
+                <a:solidFill>
+                  <a:srgbClr val="555555"/>
+                </a:solidFill>
+                <a:latin typeface="Muli" panose="00000500000000000000" pitchFamily="2" charset="0"/>
+              </a:rPr>
+              <a:t>technical</a:t>
+            </a:r>
+            <a:r>
+              <a:rPr lang="de-DE" sz="750" dirty="0">
+                <a:solidFill>
+                  <a:srgbClr val="555555"/>
+                </a:solidFill>
+                <a:latin typeface="Muli" panose="00000500000000000000" pitchFamily="2" charset="0"/>
+              </a:rPr>
+              <a:t> </a:t>
+            </a:r>
+            <a:r>
+              <a:rPr lang="de-DE" sz="750" dirty="0" err="1">
+                <a:solidFill>
+                  <a:srgbClr val="555555"/>
+                </a:solidFill>
+                <a:latin typeface="Muli" panose="00000500000000000000" pitchFamily="2" charset="0"/>
+              </a:rPr>
+              <a:t>report</a:t>
+            </a:r>
+            <a:r>
+              <a:rPr lang="de-DE" sz="750" dirty="0">
+                <a:solidFill>
+                  <a:srgbClr val="555555"/>
+                </a:solidFill>
+                <a:latin typeface="Muli" panose="00000500000000000000" pitchFamily="2" charset="0"/>
+              </a:rPr>
+              <a:t>, 2004]</a:t>
+            </a:r>
+          </a:p>
+        </p:txBody>
+      </p:sp>
+      <p:sp>
+        <p:nvSpPr>
+          <p:cNvPr id="4" name="Rechteck 3"/>
+          <p:cNvSpPr/>
+          <p:nvPr/>
+        </p:nvSpPr>
+        <p:spPr>
+          <a:xfrm>
+            <a:off x="676424" y="1313722"/>
+            <a:ext cx="7877370" cy="468000"/>
+          </a:xfrm>
+          <a:prstGeom prst="rect">
+            <a:avLst/>
+          </a:prstGeom>
+          <a:solidFill>
+            <a:srgbClr val="01305D"/>
+          </a:solidFill>
+          <a:ln w="15875">
+            <a:solidFill>
+              <a:schemeClr val="bg2">
+                <a:lumMod val="10000"/>
+              </a:schemeClr>
+            </a:solidFill>
+          </a:ln>
+        </p:spPr>
+        <p:style>
+          <a:lnRef idx="2">
+            <a:schemeClr val="accent1">
+              <a:shade val="50000"/>
+            </a:schemeClr>
+          </a:lnRef>
+          <a:fillRef idx="1">
+            <a:schemeClr val="accent1"/>
+          </a:fillRef>
+          <a:effectRef idx="0">
+            <a:schemeClr val="accent1"/>
+          </a:effectRef>
+          <a:fontRef idx="minor">
+            <a:schemeClr val="lt1"/>
+          </a:fontRef>
+        </p:style>
+        <p:txBody>
+          <a:bodyPr rtlCol="0" anchor="ctr"/>
+          <a:lstStyle/>
+          <a:p>
+            <a:pPr algn="ctr"/>
+            <a:r>
+              <a:rPr lang="de-DE" altLang="ko-KR" sz="1800" dirty="0">
+                <a:solidFill>
+                  <a:schemeClr val="bg1"/>
+                </a:solidFill>
+                <a:latin typeface="Muli SemiBold" panose="00000700000000000000" pitchFamily="2" charset="0"/>
+              </a:rPr>
+              <a:t>Algorithmen für </a:t>
+            </a:r>
+            <a:r>
+              <a:rPr lang="de-DE" altLang="ko-KR" sz="1800" dirty="0" err="1">
+                <a:solidFill>
+                  <a:schemeClr val="bg1"/>
+                </a:solidFill>
+                <a:latin typeface="Muli SemiBold" panose="00000700000000000000" pitchFamily="2" charset="0"/>
+              </a:rPr>
+              <a:t>Ausreißererkennung</a:t>
+            </a:r>
+            <a:endParaRPr lang="de-DE" sz="1013" dirty="0">
+              <a:solidFill>
+                <a:schemeClr val="bg1"/>
+              </a:solidFill>
+              <a:latin typeface="Muli SemiBold" panose="00000700000000000000" pitchFamily="2" charset="0"/>
+            </a:endParaRPr>
+          </a:p>
+        </p:txBody>
+      </p:sp>
+      <p:sp>
+        <p:nvSpPr>
+          <p:cNvPr id="31" name="Rechteck 30"/>
+          <p:cNvSpPr/>
+          <p:nvPr/>
+        </p:nvSpPr>
+        <p:spPr>
+          <a:xfrm>
+            <a:off x="676424" y="1843104"/>
+            <a:ext cx="2882322" cy="468000"/>
+          </a:xfrm>
+          <a:prstGeom prst="rect">
+            <a:avLst/>
+          </a:prstGeom>
+          <a:solidFill>
+            <a:srgbClr val="6494BC"/>
+          </a:solidFill>
+          <a:ln w="15875">
+            <a:solidFill>
+              <a:schemeClr val="accent3">
+                <a:lumMod val="50000"/>
+              </a:schemeClr>
+            </a:solidFill>
+          </a:ln>
+        </p:spPr>
+        <p:style>
+          <a:lnRef idx="2">
+            <a:schemeClr val="accent1">
+              <a:shade val="50000"/>
+            </a:schemeClr>
+          </a:lnRef>
+          <a:fillRef idx="1">
+            <a:schemeClr val="accent1"/>
+          </a:fillRef>
+          <a:effectRef idx="0">
+            <a:schemeClr val="accent1"/>
+          </a:effectRef>
+          <a:fontRef idx="minor">
+            <a:schemeClr val="lt1"/>
+          </a:fontRef>
+        </p:style>
+        <p:txBody>
+          <a:bodyPr rtlCol="0" anchor="ctr"/>
+          <a:lstStyle/>
+          <a:p>
+            <a:pPr algn="ctr"/>
+            <a:r>
+              <a:rPr lang="de-DE" sz="1500" dirty="0">
+                <a:solidFill>
+                  <a:schemeClr val="tx1"/>
+                </a:solidFill>
+                <a:latin typeface="Muli SemiBold" panose="00000700000000000000" pitchFamily="2" charset="0"/>
+              </a:rPr>
+              <a:t>Statistikbasiert</a:t>
+            </a:r>
+            <a:endParaRPr lang="de-DE" sz="1200" dirty="0">
+              <a:solidFill>
+                <a:schemeClr val="tx1"/>
+              </a:solidFill>
+              <a:latin typeface="Muli SemiBold" panose="00000700000000000000" pitchFamily="2" charset="0"/>
+            </a:endParaRPr>
+          </a:p>
+        </p:txBody>
+      </p:sp>
+      <p:sp>
+        <p:nvSpPr>
+          <p:cNvPr id="32" name="Rechteck 31"/>
+          <p:cNvSpPr/>
+          <p:nvPr/>
+        </p:nvSpPr>
+        <p:spPr>
+          <a:xfrm>
+            <a:off x="5675870" y="1843104"/>
+            <a:ext cx="2881274" cy="468000"/>
+          </a:xfrm>
+          <a:prstGeom prst="rect">
+            <a:avLst/>
+          </a:prstGeom>
+          <a:solidFill>
+            <a:schemeClr val="accent4">
+              <a:lumMod val="60000"/>
+              <a:lumOff val="40000"/>
+            </a:schemeClr>
+          </a:solidFill>
+          <a:ln w="15875">
+            <a:solidFill>
+              <a:schemeClr val="accent4"/>
+            </a:solidFill>
+          </a:ln>
+        </p:spPr>
+        <p:style>
+          <a:lnRef idx="2">
+            <a:schemeClr val="accent1">
+              <a:shade val="50000"/>
+            </a:schemeClr>
+          </a:lnRef>
+          <a:fillRef idx="1">
+            <a:schemeClr val="accent1"/>
+          </a:fillRef>
+          <a:effectRef idx="0">
+            <a:schemeClr val="accent1"/>
+          </a:effectRef>
+          <a:fontRef idx="minor">
+            <a:schemeClr val="lt1"/>
+          </a:fontRef>
+        </p:style>
+        <p:txBody>
+          <a:bodyPr rtlCol="0" anchor="ctr"/>
+          <a:lstStyle/>
+          <a:p>
+            <a:pPr algn="ctr"/>
+            <a:r>
+              <a:rPr lang="de-DE" sz="1500" dirty="0">
+                <a:solidFill>
+                  <a:schemeClr val="tx1"/>
+                </a:solidFill>
+                <a:latin typeface="Muli SemiBold" panose="00000700000000000000" pitchFamily="2" charset="0"/>
+              </a:rPr>
+              <a:t>Dichtebasiert</a:t>
+            </a:r>
+            <a:endParaRPr lang="de-DE" sz="1200" dirty="0">
+              <a:solidFill>
+                <a:schemeClr val="tx1"/>
+              </a:solidFill>
+              <a:latin typeface="Muli SemiBold" panose="00000700000000000000" pitchFamily="2" charset="0"/>
+            </a:endParaRPr>
+          </a:p>
+        </p:txBody>
+      </p:sp>
+      <p:sp>
+        <p:nvSpPr>
+          <p:cNvPr id="35" name="Rechteck 34"/>
+          <p:cNvSpPr/>
+          <p:nvPr/>
+        </p:nvSpPr>
+        <p:spPr>
+          <a:xfrm>
+            <a:off x="3641123" y="2405044"/>
+            <a:ext cx="1952368" cy="468000"/>
+          </a:xfrm>
+          <a:prstGeom prst="rect">
+            <a:avLst/>
+          </a:prstGeom>
+          <a:solidFill>
+            <a:schemeClr val="accent3">
+              <a:lumMod val="40000"/>
+              <a:lumOff val="60000"/>
+            </a:schemeClr>
+          </a:solidFill>
+          <a:ln w="15875">
+            <a:solidFill>
+              <a:schemeClr val="accent3">
+                <a:lumMod val="75000"/>
+              </a:schemeClr>
+            </a:solidFill>
+          </a:ln>
+        </p:spPr>
+        <p:style>
+          <a:lnRef idx="2">
+            <a:schemeClr val="accent1">
+              <a:shade val="50000"/>
+            </a:schemeClr>
+          </a:lnRef>
+          <a:fillRef idx="1">
+            <a:schemeClr val="accent1"/>
+          </a:fillRef>
+          <a:effectRef idx="0">
+            <a:schemeClr val="accent1"/>
+          </a:effectRef>
+          <a:fontRef idx="minor">
+            <a:schemeClr val="lt1"/>
+          </a:fontRef>
+        </p:style>
+        <p:txBody>
+          <a:bodyPr rtlCol="0" anchor="ctr"/>
+          <a:lstStyle/>
+          <a:p>
+            <a:pPr algn="ctr"/>
+            <a:r>
+              <a:rPr lang="de-DE" sz="1200" dirty="0">
+                <a:solidFill>
+                  <a:schemeClr val="tx1"/>
+                </a:solidFill>
+                <a:latin typeface="Muli SemiBold" panose="00000700000000000000" pitchFamily="2" charset="0"/>
+              </a:rPr>
+              <a:t>K-</a:t>
+            </a:r>
+            <a:r>
+              <a:rPr lang="de-DE" sz="1200" dirty="0" err="1">
+                <a:solidFill>
+                  <a:schemeClr val="tx1"/>
+                </a:solidFill>
+                <a:latin typeface="Muli SemiBold" panose="00000700000000000000" pitchFamily="2" charset="0"/>
+              </a:rPr>
+              <a:t>Means</a:t>
+            </a:r>
+            <a:r>
+              <a:rPr lang="de-DE" sz="1200" dirty="0">
+                <a:solidFill>
+                  <a:schemeClr val="tx1"/>
+                </a:solidFill>
+                <a:latin typeface="Muli SemiBold" panose="00000700000000000000" pitchFamily="2" charset="0"/>
+              </a:rPr>
+              <a:t> Clustering</a:t>
+            </a:r>
+            <a:endParaRPr lang="de-DE" sz="1800" dirty="0">
+              <a:solidFill>
+                <a:schemeClr val="tx1"/>
+              </a:solidFill>
+              <a:latin typeface="Muli SemiBold" panose="00000700000000000000" pitchFamily="2" charset="0"/>
+            </a:endParaRPr>
+          </a:p>
+        </p:txBody>
+      </p:sp>
+      <p:sp>
+        <p:nvSpPr>
+          <p:cNvPr id="21" name="Rechteck 20"/>
+          <p:cNvSpPr/>
+          <p:nvPr/>
+        </p:nvSpPr>
+        <p:spPr>
+          <a:xfrm>
+            <a:off x="676424" y="2405044"/>
+            <a:ext cx="1440700" cy="468000"/>
+          </a:xfrm>
+          <a:prstGeom prst="rect">
+            <a:avLst/>
+          </a:prstGeom>
+          <a:solidFill>
+            <a:srgbClr val="6494BC"/>
+          </a:solidFill>
+          <a:ln w="15875">
+            <a:solidFill>
+              <a:schemeClr val="accent3">
+                <a:lumMod val="75000"/>
+              </a:schemeClr>
+            </a:solidFill>
+          </a:ln>
+        </p:spPr>
+        <p:style>
+          <a:lnRef idx="2">
+            <a:schemeClr val="accent1">
+              <a:shade val="50000"/>
+            </a:schemeClr>
+          </a:lnRef>
+          <a:fillRef idx="1">
+            <a:schemeClr val="accent1"/>
+          </a:fillRef>
+          <a:effectRef idx="0">
+            <a:schemeClr val="accent1"/>
+          </a:effectRef>
+          <a:fontRef idx="minor">
+            <a:schemeClr val="lt1"/>
+          </a:fontRef>
+        </p:style>
+        <p:txBody>
+          <a:bodyPr rtlCol="0" anchor="ctr"/>
+          <a:lstStyle/>
+          <a:p>
+            <a:pPr algn="ctr"/>
+            <a:r>
+              <a:rPr lang="de-DE" sz="1200" dirty="0" err="1">
+                <a:solidFill>
+                  <a:schemeClr val="tx1"/>
+                </a:solidFill>
+                <a:latin typeface="Muli SemiBold" panose="00000700000000000000" pitchFamily="2" charset="0"/>
+              </a:rPr>
+              <a:t>Interquartile</a:t>
+            </a:r>
+            <a:r>
+              <a:rPr lang="de-DE" sz="1200" dirty="0">
+                <a:solidFill>
+                  <a:schemeClr val="tx1"/>
+                </a:solidFill>
+                <a:latin typeface="Muli SemiBold" panose="00000700000000000000" pitchFamily="2" charset="0"/>
+              </a:rPr>
+              <a:t> Range</a:t>
+            </a:r>
+            <a:endParaRPr lang="de-DE" sz="1800" dirty="0">
+              <a:solidFill>
+                <a:schemeClr val="tx1"/>
+              </a:solidFill>
+              <a:latin typeface="Muli SemiBold" panose="00000700000000000000" pitchFamily="2" charset="0"/>
+            </a:endParaRPr>
+          </a:p>
+        </p:txBody>
+      </p:sp>
+      <p:sp>
+        <p:nvSpPr>
+          <p:cNvPr id="15" name="Rechteck 30">
+            <a:extLst>
+              <a:ext uri="{FF2B5EF4-FFF2-40B4-BE49-F238E27FC236}">
+                <a16:creationId xmlns:a16="http://schemas.microsoft.com/office/drawing/2014/main" id="{AFA1A339-8C8D-9A40-B354-AB6C62EE6E35}"/>
+              </a:ext>
+            </a:extLst>
+          </p:cNvPr>
+          <p:cNvSpPr/>
+          <p:nvPr/>
+        </p:nvSpPr>
+        <p:spPr>
+          <a:xfrm>
+            <a:off x="3641124" y="1843104"/>
+            <a:ext cx="1952368" cy="468000"/>
+          </a:xfrm>
+          <a:prstGeom prst="rect">
+            <a:avLst/>
+          </a:prstGeom>
+          <a:solidFill>
+            <a:schemeClr val="accent3">
+              <a:lumMod val="60000"/>
+              <a:lumOff val="40000"/>
+            </a:schemeClr>
+          </a:solidFill>
+          <a:ln w="15875">
+            <a:solidFill>
+              <a:schemeClr val="accent3">
+                <a:lumMod val="50000"/>
+              </a:schemeClr>
+            </a:solidFill>
+          </a:ln>
+        </p:spPr>
+        <p:style>
+          <a:lnRef idx="2">
+            <a:schemeClr val="accent1">
+              <a:shade val="50000"/>
+            </a:schemeClr>
+          </a:lnRef>
+          <a:fillRef idx="1">
+            <a:schemeClr val="accent1"/>
+          </a:fillRef>
+          <a:effectRef idx="0">
+            <a:schemeClr val="accent1"/>
+          </a:effectRef>
+          <a:fontRef idx="minor">
+            <a:schemeClr val="lt1"/>
+          </a:fontRef>
+        </p:style>
+        <p:txBody>
+          <a:bodyPr rtlCol="0" anchor="ctr"/>
+          <a:lstStyle/>
+          <a:p>
+            <a:pPr algn="ctr"/>
+            <a:r>
+              <a:rPr lang="de-DE" sz="1500" dirty="0">
+                <a:solidFill>
+                  <a:schemeClr val="tx1"/>
+                </a:solidFill>
+                <a:latin typeface="Muli SemiBold" panose="00000700000000000000" pitchFamily="2" charset="0"/>
+              </a:rPr>
+              <a:t>Clusterbasiert</a:t>
+            </a:r>
+            <a:endParaRPr lang="de-DE" sz="1200" dirty="0">
+              <a:solidFill>
+                <a:schemeClr val="tx1"/>
+              </a:solidFill>
+              <a:latin typeface="Muli SemiBold" panose="00000700000000000000" pitchFamily="2" charset="0"/>
+            </a:endParaRPr>
+          </a:p>
+        </p:txBody>
+      </p:sp>
+      <p:sp>
+        <p:nvSpPr>
+          <p:cNvPr id="16" name="Rechteck 20">
+            <a:extLst>
+              <a:ext uri="{FF2B5EF4-FFF2-40B4-BE49-F238E27FC236}">
+                <a16:creationId xmlns:a16="http://schemas.microsoft.com/office/drawing/2014/main" id="{05363086-4B2E-0E4C-B781-AF3FACE73DBD}"/>
+              </a:ext>
+            </a:extLst>
+          </p:cNvPr>
+          <p:cNvSpPr/>
+          <p:nvPr/>
+        </p:nvSpPr>
+        <p:spPr>
+          <a:xfrm>
+            <a:off x="2114663" y="2405044"/>
+            <a:ext cx="1440700" cy="468000"/>
+          </a:xfrm>
+          <a:prstGeom prst="rect">
+            <a:avLst/>
+          </a:prstGeom>
+          <a:solidFill>
+            <a:srgbClr val="6494BC"/>
+          </a:solidFill>
+          <a:ln w="15875">
+            <a:solidFill>
+              <a:schemeClr val="accent3">
+                <a:lumMod val="75000"/>
+              </a:schemeClr>
+            </a:solidFill>
+          </a:ln>
+        </p:spPr>
+        <p:style>
+          <a:lnRef idx="2">
+            <a:schemeClr val="accent1">
+              <a:shade val="50000"/>
+            </a:schemeClr>
+          </a:lnRef>
+          <a:fillRef idx="1">
+            <a:schemeClr val="accent1"/>
+          </a:fillRef>
+          <a:effectRef idx="0">
+            <a:schemeClr val="accent1"/>
+          </a:effectRef>
+          <a:fontRef idx="minor">
+            <a:schemeClr val="lt1"/>
+          </a:fontRef>
+        </p:style>
+        <p:txBody>
+          <a:bodyPr rtlCol="0" anchor="ctr"/>
+          <a:lstStyle/>
+          <a:p>
+            <a:pPr algn="ctr"/>
+            <a:r>
+              <a:rPr lang="de-DE" sz="1200" dirty="0">
+                <a:solidFill>
+                  <a:schemeClr val="tx1"/>
+                </a:solidFill>
+                <a:latin typeface="Muli SemiBold" panose="00000700000000000000" pitchFamily="2" charset="0"/>
+              </a:rPr>
+              <a:t>Z-</a:t>
+            </a:r>
+            <a:r>
+              <a:rPr lang="de-DE" sz="1200" dirty="0" err="1">
+                <a:solidFill>
+                  <a:schemeClr val="tx1"/>
+                </a:solidFill>
+                <a:latin typeface="Muli SemiBold" panose="00000700000000000000" pitchFamily="2" charset="0"/>
+              </a:rPr>
+              <a:t>Scoer</a:t>
+            </a:r>
+            <a:r>
+              <a:rPr lang="de-DE" sz="1200" dirty="0">
+                <a:solidFill>
+                  <a:schemeClr val="tx1"/>
+                </a:solidFill>
+                <a:latin typeface="Muli SemiBold" panose="00000700000000000000" pitchFamily="2" charset="0"/>
+              </a:rPr>
+              <a:t> Filter</a:t>
+            </a:r>
+            <a:endParaRPr lang="de-DE" sz="1800" dirty="0">
+              <a:solidFill>
+                <a:schemeClr val="tx1"/>
+              </a:solidFill>
+              <a:latin typeface="Muli SemiBold" panose="00000700000000000000" pitchFamily="2" charset="0"/>
+            </a:endParaRPr>
+          </a:p>
+        </p:txBody>
+      </p:sp>
+      <p:sp>
+        <p:nvSpPr>
+          <p:cNvPr id="18" name="Rechteck 20">
+            <a:extLst>
+              <a:ext uri="{FF2B5EF4-FFF2-40B4-BE49-F238E27FC236}">
+                <a16:creationId xmlns:a16="http://schemas.microsoft.com/office/drawing/2014/main" id="{6C7675C3-4BCA-8942-BAD0-CF47142B54A6}"/>
+              </a:ext>
+            </a:extLst>
+          </p:cNvPr>
+          <p:cNvSpPr/>
+          <p:nvPr/>
+        </p:nvSpPr>
+        <p:spPr>
+          <a:xfrm>
+            <a:off x="5671283" y="2400473"/>
+            <a:ext cx="1440700" cy="468000"/>
+          </a:xfrm>
+          <a:prstGeom prst="rect">
+            <a:avLst/>
+          </a:prstGeom>
+          <a:solidFill>
+            <a:srgbClr val="6494BC"/>
+          </a:solidFill>
+          <a:ln w="15875">
+            <a:solidFill>
+              <a:schemeClr val="accent3">
+                <a:lumMod val="75000"/>
+              </a:schemeClr>
+            </a:solidFill>
+          </a:ln>
+        </p:spPr>
+        <p:style>
+          <a:lnRef idx="2">
+            <a:schemeClr val="accent1">
+              <a:shade val="50000"/>
+            </a:schemeClr>
+          </a:lnRef>
+          <a:fillRef idx="1">
+            <a:schemeClr val="accent1"/>
+          </a:fillRef>
+          <a:effectRef idx="0">
+            <a:schemeClr val="accent1"/>
+          </a:effectRef>
+          <a:fontRef idx="minor">
+            <a:schemeClr val="lt1"/>
+          </a:fontRef>
+        </p:style>
+        <p:txBody>
+          <a:bodyPr rtlCol="0" anchor="ctr"/>
+          <a:lstStyle/>
+          <a:p>
+            <a:pPr algn="ctr"/>
+            <a:r>
+              <a:rPr lang="en" sz="1200" dirty="0">
+                <a:solidFill>
+                  <a:schemeClr val="tx1"/>
+                </a:solidFill>
+                <a:latin typeface="Muli SemiBold" panose="00000700000000000000" pitchFamily="2" charset="0"/>
+              </a:rPr>
+              <a:t>Local Outlier Factor</a:t>
+            </a:r>
+            <a:endParaRPr lang="de-DE" sz="1800" dirty="0">
+              <a:solidFill>
+                <a:schemeClr val="tx1"/>
+              </a:solidFill>
+              <a:latin typeface="Muli SemiBold" panose="00000700000000000000" pitchFamily="2" charset="0"/>
+            </a:endParaRPr>
+          </a:p>
+        </p:txBody>
+      </p:sp>
+      <p:sp>
+        <p:nvSpPr>
+          <p:cNvPr id="20" name="Rechteck 20">
+            <a:extLst>
+              <a:ext uri="{FF2B5EF4-FFF2-40B4-BE49-F238E27FC236}">
+                <a16:creationId xmlns:a16="http://schemas.microsoft.com/office/drawing/2014/main" id="{6DA86ED3-2B6F-154D-83C0-BD1D4A0E658F}"/>
+              </a:ext>
+            </a:extLst>
+          </p:cNvPr>
+          <p:cNvSpPr/>
+          <p:nvPr/>
+        </p:nvSpPr>
+        <p:spPr>
+          <a:xfrm>
+            <a:off x="7109522" y="2400473"/>
+            <a:ext cx="1440700" cy="468000"/>
+          </a:xfrm>
+          <a:prstGeom prst="rect">
+            <a:avLst/>
+          </a:prstGeom>
+          <a:solidFill>
+            <a:srgbClr val="6494BC"/>
+          </a:solidFill>
+          <a:ln w="15875">
+            <a:solidFill>
+              <a:schemeClr val="accent3">
+                <a:lumMod val="75000"/>
+              </a:schemeClr>
+            </a:solidFill>
+          </a:ln>
+        </p:spPr>
+        <p:style>
+          <a:lnRef idx="2">
+            <a:schemeClr val="accent1">
+              <a:shade val="50000"/>
+            </a:schemeClr>
+          </a:lnRef>
+          <a:fillRef idx="1">
+            <a:schemeClr val="accent1"/>
+          </a:fillRef>
+          <a:effectRef idx="0">
+            <a:schemeClr val="accent1"/>
+          </a:effectRef>
+          <a:fontRef idx="minor">
+            <a:schemeClr val="lt1"/>
+          </a:fontRef>
+        </p:style>
+        <p:txBody>
+          <a:bodyPr rtlCol="0" anchor="ctr"/>
+          <a:lstStyle/>
+          <a:p>
+            <a:pPr algn="ctr"/>
+            <a:r>
+              <a:rPr lang="en" altLang="ko-KR" sz="1200" dirty="0">
+                <a:solidFill>
+                  <a:schemeClr val="tx1"/>
+                </a:solidFill>
+                <a:latin typeface="Muli SemiBold" panose="00000700000000000000" pitchFamily="2" charset="0"/>
+              </a:rPr>
+              <a:t>Isolation Forest</a:t>
+            </a:r>
+            <a:endParaRPr lang="de-DE" altLang="ko-KR" sz="1800" dirty="0">
+              <a:solidFill>
+                <a:schemeClr val="tx1"/>
+              </a:solidFill>
+              <a:latin typeface="Muli SemiBold" panose="00000700000000000000" pitchFamily="2" charset="0"/>
+            </a:endParaRPr>
+          </a:p>
+        </p:txBody>
+      </p:sp>
+    </p:spTree>
+    <p:extLst>
+      <p:ext uri="{BB962C8B-B14F-4D97-AF65-F5344CB8AC3E}">
+        <p14:creationId xmlns:p14="http://schemas.microsoft.com/office/powerpoint/2010/main" val="4014752962"/>
+      </p:ext>
+    </p:extLst>
+  </p:cSld>
+  <p:clrMapOvr>
+    <a:masterClrMapping/>
+  </p:clrMapOvr>
+  <p:timing>
+    <p:tnLst>
+      <p:par>
+        <p:cTn id="1" dur="indefinite" restart="never" nodeType="tmRoot">
+          <p:childTnLst>
+            <p:seq concurrent="1" nextAc="seek">
+              <p:cTn id="2" dur="indefinite" nodeType="mainSeq">
+                <p:childTnLst>
+                  <p:par>
+                    <p:cTn id="3" fill="hold">
+                      <p:stCondLst>
+                        <p:cond delay="indefinite"/>
+                      </p:stCondLst>
+                      <p:childTnLst>
+                        <p:par>
+                          <p:cTn id="4" fill="hold">
+                            <p:stCondLst>
+                              <p:cond delay="0"/>
+                            </p:stCondLst>
+                            <p:childTnLst>
+                              <p:par>
+                                <p:cTn id="5" presetID="47" presetClass="entr" presetSubtype="0" fill="hold" grpId="0" nodeType="clickEffect">
+                                  <p:stCondLst>
+                                    <p:cond delay="0"/>
+                                  </p:stCondLst>
+                                  <p:childTnLst>
+                                    <p:set>
+                                      <p:cBhvr>
+                                        <p:cTn id="6" dur="1" fill="hold">
+                                          <p:stCondLst>
+                                            <p:cond delay="0"/>
+                                          </p:stCondLst>
+                                        </p:cTn>
+                                        <p:tgtEl>
+                                          <p:spTgt spid="31"/>
+                                        </p:tgtEl>
+                                        <p:attrNameLst>
+                                          <p:attrName>style.visibility</p:attrName>
+                                        </p:attrNameLst>
+                                      </p:cBhvr>
+                                      <p:to>
+                                        <p:strVal val="visible"/>
+                                      </p:to>
+                                    </p:set>
+                                    <p:animEffect transition="in" filter="fade">
+                                      <p:cBhvr>
+                                        <p:cTn id="7" dur="500"/>
+                                        <p:tgtEl>
+                                          <p:spTgt spid="31"/>
+                                        </p:tgtEl>
+                                      </p:cBhvr>
+                                    </p:animEffect>
+                                    <p:anim calcmode="lin" valueType="num">
+                                      <p:cBhvr>
+                                        <p:cTn id="8" dur="500" fill="hold"/>
+                                        <p:tgtEl>
+                                          <p:spTgt spid="31"/>
+                                        </p:tgtEl>
+                                        <p:attrNameLst>
+                                          <p:attrName>ppt_x</p:attrName>
+                                        </p:attrNameLst>
+                                      </p:cBhvr>
+                                      <p:tavLst>
+                                        <p:tav tm="0">
+                                          <p:val>
+                                            <p:strVal val="#ppt_x"/>
+                                          </p:val>
+                                        </p:tav>
+                                        <p:tav tm="100000">
+                                          <p:val>
+                                            <p:strVal val="#ppt_x"/>
+                                          </p:val>
+                                        </p:tav>
+                                      </p:tavLst>
+                                    </p:anim>
+                                    <p:anim calcmode="lin" valueType="num">
+                                      <p:cBhvr>
+                                        <p:cTn id="9" dur="500" fill="hold"/>
+                                        <p:tgtEl>
+                                          <p:spTgt spid="31"/>
+                                        </p:tgtEl>
+                                        <p:attrNameLst>
+                                          <p:attrName>ppt_y</p:attrName>
+                                        </p:attrNameLst>
+                                      </p:cBhvr>
+                                      <p:tavLst>
+                                        <p:tav tm="0">
+                                          <p:val>
+                                            <p:strVal val="#ppt_y-.1"/>
+                                          </p:val>
+                                        </p:tav>
+                                        <p:tav tm="100000">
+                                          <p:val>
+                                            <p:strVal val="#ppt_y"/>
+                                          </p:val>
+                                        </p:tav>
+                                      </p:tavLst>
+                                    </p:anim>
+                                  </p:childTnLst>
+                                </p:cTn>
+                              </p:par>
+                              <p:par>
+                                <p:cTn id="10" presetID="47" presetClass="entr" presetSubtype="0" fill="hold" grpId="0" nodeType="withEffect">
+                                  <p:stCondLst>
+                                    <p:cond delay="0"/>
+                                  </p:stCondLst>
+                                  <p:childTnLst>
+                                    <p:set>
+                                      <p:cBhvr>
+                                        <p:cTn id="11" dur="1" fill="hold">
+                                          <p:stCondLst>
+                                            <p:cond delay="0"/>
+                                          </p:stCondLst>
+                                        </p:cTn>
+                                        <p:tgtEl>
+                                          <p:spTgt spid="32"/>
+                                        </p:tgtEl>
+                                        <p:attrNameLst>
+                                          <p:attrName>style.visibility</p:attrName>
+                                        </p:attrNameLst>
+                                      </p:cBhvr>
+                                      <p:to>
+                                        <p:strVal val="visible"/>
+                                      </p:to>
+                                    </p:set>
+                                    <p:animEffect transition="in" filter="fade">
+                                      <p:cBhvr>
+                                        <p:cTn id="12" dur="500"/>
+                                        <p:tgtEl>
+                                          <p:spTgt spid="32"/>
+                                        </p:tgtEl>
+                                      </p:cBhvr>
+                                    </p:animEffect>
+                                    <p:anim calcmode="lin" valueType="num">
+                                      <p:cBhvr>
+                                        <p:cTn id="13" dur="500" fill="hold"/>
+                                        <p:tgtEl>
+                                          <p:spTgt spid="32"/>
+                                        </p:tgtEl>
+                                        <p:attrNameLst>
+                                          <p:attrName>ppt_x</p:attrName>
+                                        </p:attrNameLst>
+                                      </p:cBhvr>
+                                      <p:tavLst>
+                                        <p:tav tm="0">
+                                          <p:val>
+                                            <p:strVal val="#ppt_x"/>
+                                          </p:val>
+                                        </p:tav>
+                                        <p:tav tm="100000">
+                                          <p:val>
+                                            <p:strVal val="#ppt_x"/>
+                                          </p:val>
+                                        </p:tav>
+                                      </p:tavLst>
+                                    </p:anim>
+                                    <p:anim calcmode="lin" valueType="num">
+                                      <p:cBhvr>
+                                        <p:cTn id="14" dur="500" fill="hold"/>
+                                        <p:tgtEl>
+                                          <p:spTgt spid="32"/>
+                                        </p:tgtEl>
+                                        <p:attrNameLst>
+                                          <p:attrName>ppt_y</p:attrName>
+                                        </p:attrNameLst>
+                                      </p:cBhvr>
+                                      <p:tavLst>
+                                        <p:tav tm="0">
+                                          <p:val>
+                                            <p:strVal val="#ppt_y-.1"/>
+                                          </p:val>
+                                        </p:tav>
+                                        <p:tav tm="100000">
+                                          <p:val>
+                                            <p:strVal val="#ppt_y"/>
+                                          </p:val>
+                                        </p:tav>
+                                      </p:tavLst>
+                                    </p:anim>
+                                  </p:childTnLst>
+                                </p:cTn>
+                              </p:par>
+                            </p:childTnLst>
+                          </p:cTn>
+                        </p:par>
+                      </p:childTnLst>
+                    </p:cTn>
+                  </p:par>
+                  <p:par>
+                    <p:cTn id="15" fill="hold">
+                      <p:stCondLst>
+                        <p:cond delay="indefinite"/>
+                      </p:stCondLst>
+                      <p:childTnLst>
+                        <p:par>
+                          <p:cTn id="16" fill="hold">
+                            <p:stCondLst>
+                              <p:cond delay="0"/>
+                            </p:stCondLst>
+                            <p:childTnLst>
+                              <p:par>
+                                <p:cTn id="17" presetID="47" presetClass="entr" presetSubtype="0" fill="hold" grpId="0" nodeType="clickEffect">
+                                  <p:stCondLst>
+                                    <p:cond delay="0"/>
+                                  </p:stCondLst>
+                                  <p:childTnLst>
+                                    <p:set>
+                                      <p:cBhvr>
+                                        <p:cTn id="18" dur="1" fill="hold">
+                                          <p:stCondLst>
+                                            <p:cond delay="0"/>
+                                          </p:stCondLst>
+                                        </p:cTn>
+                                        <p:tgtEl>
+                                          <p:spTgt spid="35"/>
+                                        </p:tgtEl>
+                                        <p:attrNameLst>
+                                          <p:attrName>style.visibility</p:attrName>
+                                        </p:attrNameLst>
+                                      </p:cBhvr>
+                                      <p:to>
+                                        <p:strVal val="visible"/>
+                                      </p:to>
+                                    </p:set>
+                                    <p:animEffect transition="in" filter="fade">
+                                      <p:cBhvr>
+                                        <p:cTn id="19" dur="500"/>
+                                        <p:tgtEl>
+                                          <p:spTgt spid="35"/>
+                                        </p:tgtEl>
+                                      </p:cBhvr>
+                                    </p:animEffect>
+                                    <p:anim calcmode="lin" valueType="num">
+                                      <p:cBhvr>
+                                        <p:cTn id="20" dur="500" fill="hold"/>
+                                        <p:tgtEl>
+                                          <p:spTgt spid="35"/>
+                                        </p:tgtEl>
+                                        <p:attrNameLst>
+                                          <p:attrName>ppt_x</p:attrName>
+                                        </p:attrNameLst>
+                                      </p:cBhvr>
+                                      <p:tavLst>
+                                        <p:tav tm="0">
+                                          <p:val>
+                                            <p:strVal val="#ppt_x"/>
+                                          </p:val>
+                                        </p:tav>
+                                        <p:tav tm="100000">
+                                          <p:val>
+                                            <p:strVal val="#ppt_x"/>
+                                          </p:val>
+                                        </p:tav>
+                                      </p:tavLst>
+                                    </p:anim>
+                                    <p:anim calcmode="lin" valueType="num">
+                                      <p:cBhvr>
+                                        <p:cTn id="21" dur="500" fill="hold"/>
+                                        <p:tgtEl>
+                                          <p:spTgt spid="35"/>
+                                        </p:tgtEl>
+                                        <p:attrNameLst>
+                                          <p:attrName>ppt_y</p:attrName>
+                                        </p:attrNameLst>
+                                      </p:cBhvr>
+                                      <p:tavLst>
+                                        <p:tav tm="0">
+                                          <p:val>
+                                            <p:strVal val="#ppt_y-.1"/>
+                                          </p:val>
+                                        </p:tav>
+                                        <p:tav tm="100000">
+                                          <p:val>
+                                            <p:strVal val="#ppt_y"/>
+                                          </p:val>
+                                        </p:tav>
+                                      </p:tavLst>
+                                    </p:anim>
+                                  </p:childTnLst>
+                                </p:cTn>
+                              </p:par>
+                              <p:par>
+                                <p:cTn id="22" presetID="26" presetClass="emph" presetSubtype="0" repeatCount="5000" fill="hold" grpId="1" nodeType="withEffect">
+                                  <p:stCondLst>
+                                    <p:cond delay="0"/>
+                                  </p:stCondLst>
+                                  <p:childTnLst>
+                                    <p:animEffect transition="out" filter="fade">
+                                      <p:cBhvr>
+                                        <p:cTn id="23" dur="1000" tmFilter="0, 0; .2, .5; .8, .5; 1, 0"/>
+                                        <p:tgtEl>
+                                          <p:spTgt spid="35"/>
+                                        </p:tgtEl>
+                                      </p:cBhvr>
+                                    </p:animEffect>
+                                    <p:animScale>
+                                      <p:cBhvr>
+                                        <p:cTn id="24" dur="500" autoRev="1" fill="hold"/>
+                                        <p:tgtEl>
+                                          <p:spTgt spid="35"/>
+                                        </p:tgtEl>
+                                      </p:cBhvr>
+                                      <p:by x="105000" y="105000"/>
+                                    </p:animScale>
+                                  </p:childTnLst>
+                                </p:cTn>
+                              </p:par>
+                            </p:childTnLst>
+                          </p:cTn>
+                        </p:par>
+                      </p:childTnLst>
+                    </p:cTn>
+                  </p:par>
+                  <p:par>
+                    <p:cTn id="25" fill="hold">
+                      <p:stCondLst>
+                        <p:cond delay="indefinite"/>
+                      </p:stCondLst>
+                      <p:childTnLst>
+                        <p:par>
+                          <p:cTn id="26" fill="hold">
+                            <p:stCondLst>
+                              <p:cond delay="0"/>
+                            </p:stCondLst>
+                            <p:childTnLst>
+                              <p:par>
+                                <p:cTn id="27" presetID="47" presetClass="entr" presetSubtype="0" fill="hold" grpId="0" nodeType="clickEffect">
+                                  <p:stCondLst>
+                                    <p:cond delay="0"/>
+                                  </p:stCondLst>
+                                  <p:childTnLst>
+                                    <p:set>
+                                      <p:cBhvr>
+                                        <p:cTn id="28" dur="1" fill="hold">
+                                          <p:stCondLst>
+                                            <p:cond delay="0"/>
+                                          </p:stCondLst>
+                                        </p:cTn>
+                                        <p:tgtEl>
+                                          <p:spTgt spid="21"/>
+                                        </p:tgtEl>
+                                        <p:attrNameLst>
+                                          <p:attrName>style.visibility</p:attrName>
+                                        </p:attrNameLst>
+                                      </p:cBhvr>
+                                      <p:to>
+                                        <p:strVal val="visible"/>
+                                      </p:to>
+                                    </p:set>
+                                    <p:animEffect transition="in" filter="fade">
+                                      <p:cBhvr>
+                                        <p:cTn id="29" dur="500"/>
+                                        <p:tgtEl>
+                                          <p:spTgt spid="21"/>
+                                        </p:tgtEl>
+                                      </p:cBhvr>
+                                    </p:animEffect>
+                                    <p:anim calcmode="lin" valueType="num">
+                                      <p:cBhvr>
+                                        <p:cTn id="30" dur="500" fill="hold"/>
+                                        <p:tgtEl>
+                                          <p:spTgt spid="21"/>
+                                        </p:tgtEl>
+                                        <p:attrNameLst>
+                                          <p:attrName>ppt_x</p:attrName>
+                                        </p:attrNameLst>
+                                      </p:cBhvr>
+                                      <p:tavLst>
+                                        <p:tav tm="0">
+                                          <p:val>
+                                            <p:strVal val="#ppt_x"/>
+                                          </p:val>
+                                        </p:tav>
+                                        <p:tav tm="100000">
+                                          <p:val>
+                                            <p:strVal val="#ppt_x"/>
+                                          </p:val>
+                                        </p:tav>
+                                      </p:tavLst>
+                                    </p:anim>
+                                    <p:anim calcmode="lin" valueType="num">
+                                      <p:cBhvr>
+                                        <p:cTn id="31" dur="500" fill="hold"/>
+                                        <p:tgtEl>
+                                          <p:spTgt spid="21"/>
+                                        </p:tgtEl>
+                                        <p:attrNameLst>
+                                          <p:attrName>ppt_y</p:attrName>
+                                        </p:attrNameLst>
+                                      </p:cBhvr>
+                                      <p:tavLst>
+                                        <p:tav tm="0">
+                                          <p:val>
+                                            <p:strVal val="#ppt_y-.1"/>
+                                          </p:val>
+                                        </p:tav>
+                                        <p:tav tm="100000">
+                                          <p:val>
+                                            <p:strVal val="#ppt_y"/>
+                                          </p:val>
+                                        </p:tav>
+                                      </p:tavLst>
+                                    </p:anim>
+                                  </p:childTnLst>
+                                </p:cTn>
+                              </p:par>
+                              <p:par>
+                                <p:cTn id="32" presetID="26" presetClass="emph" presetSubtype="0" repeatCount="5000" fill="hold" grpId="1" nodeType="withEffect">
+                                  <p:stCondLst>
+                                    <p:cond delay="0"/>
+                                  </p:stCondLst>
+                                  <p:childTnLst>
+                                    <p:animEffect transition="out" filter="fade">
+                                      <p:cBhvr>
+                                        <p:cTn id="33" dur="1000" tmFilter="0, 0; .2, .5; .8, .5; 1, 0"/>
+                                        <p:tgtEl>
+                                          <p:spTgt spid="21"/>
+                                        </p:tgtEl>
+                                      </p:cBhvr>
+                                    </p:animEffect>
+                                    <p:animScale>
+                                      <p:cBhvr>
+                                        <p:cTn id="34" dur="500" autoRev="1" fill="hold"/>
+                                        <p:tgtEl>
+                                          <p:spTgt spid="21"/>
+                                        </p:tgtEl>
+                                      </p:cBhvr>
+                                      <p:by x="105000" y="105000"/>
+                                    </p:animScale>
+                                  </p:childTnLst>
+                                </p:cTn>
+                              </p:par>
+                            </p:childTnLst>
+                          </p:cTn>
+                        </p:par>
+                      </p:childTnLst>
+                    </p:cTn>
+                  </p:par>
+                  <p:par>
+                    <p:cTn id="35" fill="hold">
+                      <p:stCondLst>
+                        <p:cond delay="indefinite"/>
+                      </p:stCondLst>
+                      <p:childTnLst>
+                        <p:par>
+                          <p:cTn id="36" fill="hold">
+                            <p:stCondLst>
+                              <p:cond delay="0"/>
+                            </p:stCondLst>
+                            <p:childTnLst>
+                              <p:par>
+                                <p:cTn id="37" presetID="47" presetClass="entr" presetSubtype="0" fill="hold" grpId="0" nodeType="clickEffect">
+                                  <p:stCondLst>
+                                    <p:cond delay="0"/>
+                                  </p:stCondLst>
+                                  <p:childTnLst>
+                                    <p:set>
+                                      <p:cBhvr>
+                                        <p:cTn id="38" dur="1" fill="hold">
+                                          <p:stCondLst>
+                                            <p:cond delay="0"/>
+                                          </p:stCondLst>
+                                        </p:cTn>
+                                        <p:tgtEl>
+                                          <p:spTgt spid="15"/>
+                                        </p:tgtEl>
+                                        <p:attrNameLst>
+                                          <p:attrName>style.visibility</p:attrName>
+                                        </p:attrNameLst>
+                                      </p:cBhvr>
+                                      <p:to>
+                                        <p:strVal val="visible"/>
+                                      </p:to>
+                                    </p:set>
+                                    <p:animEffect transition="in" filter="fade">
+                                      <p:cBhvr>
+                                        <p:cTn id="39" dur="500"/>
+                                        <p:tgtEl>
+                                          <p:spTgt spid="15"/>
+                                        </p:tgtEl>
+                                      </p:cBhvr>
+                                    </p:animEffect>
+                                    <p:anim calcmode="lin" valueType="num">
+                                      <p:cBhvr>
+                                        <p:cTn id="40" dur="500" fill="hold"/>
+                                        <p:tgtEl>
+                                          <p:spTgt spid="15"/>
+                                        </p:tgtEl>
+                                        <p:attrNameLst>
+                                          <p:attrName>ppt_x</p:attrName>
+                                        </p:attrNameLst>
+                                      </p:cBhvr>
+                                      <p:tavLst>
+                                        <p:tav tm="0">
+                                          <p:val>
+                                            <p:strVal val="#ppt_x"/>
+                                          </p:val>
+                                        </p:tav>
+                                        <p:tav tm="100000">
+                                          <p:val>
+                                            <p:strVal val="#ppt_x"/>
+                                          </p:val>
+                                        </p:tav>
+                                      </p:tavLst>
+                                    </p:anim>
+                                    <p:anim calcmode="lin" valueType="num">
+                                      <p:cBhvr>
+                                        <p:cTn id="41" dur="500" fill="hold"/>
+                                        <p:tgtEl>
+                                          <p:spTgt spid="15"/>
+                                        </p:tgtEl>
+                                        <p:attrNameLst>
+                                          <p:attrName>ppt_y</p:attrName>
+                                        </p:attrNameLst>
+                                      </p:cBhvr>
+                                      <p:tavLst>
+                                        <p:tav tm="0">
+                                          <p:val>
+                                            <p:strVal val="#ppt_y-.1"/>
+                                          </p:val>
+                                        </p:tav>
+                                        <p:tav tm="100000">
+                                          <p:val>
+                                            <p:strVal val="#ppt_y"/>
+                                          </p:val>
+                                        </p:tav>
+                                      </p:tavLst>
+                                    </p:anim>
+                                  </p:childTnLst>
+                                </p:cTn>
+                              </p:par>
+                            </p:childTnLst>
+                          </p:cTn>
+                        </p:par>
+                      </p:childTnLst>
+                    </p:cTn>
+                  </p:par>
+                  <p:par>
+                    <p:cTn id="42" fill="hold">
+                      <p:stCondLst>
+                        <p:cond delay="indefinite"/>
+                      </p:stCondLst>
+                      <p:childTnLst>
+                        <p:par>
+                          <p:cTn id="43" fill="hold">
+                            <p:stCondLst>
+                              <p:cond delay="0"/>
+                            </p:stCondLst>
+                            <p:childTnLst>
+                              <p:par>
+                                <p:cTn id="44" presetID="47" presetClass="entr" presetSubtype="0" fill="hold" grpId="0" nodeType="clickEffect">
+                                  <p:stCondLst>
+                                    <p:cond delay="0"/>
+                                  </p:stCondLst>
+                                  <p:childTnLst>
+                                    <p:set>
+                                      <p:cBhvr>
+                                        <p:cTn id="45" dur="1" fill="hold">
+                                          <p:stCondLst>
+                                            <p:cond delay="0"/>
+                                          </p:stCondLst>
+                                        </p:cTn>
+                                        <p:tgtEl>
+                                          <p:spTgt spid="16"/>
+                                        </p:tgtEl>
+                                        <p:attrNameLst>
+                                          <p:attrName>style.visibility</p:attrName>
+                                        </p:attrNameLst>
+                                      </p:cBhvr>
+                                      <p:to>
+                                        <p:strVal val="visible"/>
+                                      </p:to>
+                                    </p:set>
+                                    <p:animEffect transition="in" filter="fade">
+                                      <p:cBhvr>
+                                        <p:cTn id="46" dur="500"/>
+                                        <p:tgtEl>
+                                          <p:spTgt spid="16"/>
+                                        </p:tgtEl>
+                                      </p:cBhvr>
+                                    </p:animEffect>
+                                    <p:anim calcmode="lin" valueType="num">
+                                      <p:cBhvr>
+                                        <p:cTn id="47" dur="500" fill="hold"/>
+                                        <p:tgtEl>
+                                          <p:spTgt spid="16"/>
+                                        </p:tgtEl>
+                                        <p:attrNameLst>
+                                          <p:attrName>ppt_x</p:attrName>
+                                        </p:attrNameLst>
+                                      </p:cBhvr>
+                                      <p:tavLst>
+                                        <p:tav tm="0">
+                                          <p:val>
+                                            <p:strVal val="#ppt_x"/>
+                                          </p:val>
+                                        </p:tav>
+                                        <p:tav tm="100000">
+                                          <p:val>
+                                            <p:strVal val="#ppt_x"/>
+                                          </p:val>
+                                        </p:tav>
+                                      </p:tavLst>
+                                    </p:anim>
+                                    <p:anim calcmode="lin" valueType="num">
+                                      <p:cBhvr>
+                                        <p:cTn id="48" dur="500" fill="hold"/>
+                                        <p:tgtEl>
+                                          <p:spTgt spid="16"/>
+                                        </p:tgtEl>
+                                        <p:attrNameLst>
+                                          <p:attrName>ppt_y</p:attrName>
+                                        </p:attrNameLst>
+                                      </p:cBhvr>
+                                      <p:tavLst>
+                                        <p:tav tm="0">
+                                          <p:val>
+                                            <p:strVal val="#ppt_y-.1"/>
+                                          </p:val>
+                                        </p:tav>
+                                        <p:tav tm="100000">
+                                          <p:val>
+                                            <p:strVal val="#ppt_y"/>
+                                          </p:val>
+                                        </p:tav>
+                                      </p:tavLst>
+                                    </p:anim>
+                                  </p:childTnLst>
+                                </p:cTn>
+                              </p:par>
+                              <p:par>
+                                <p:cTn id="49" presetID="26" presetClass="emph" presetSubtype="0" repeatCount="5000" fill="hold" grpId="1" nodeType="withEffect">
+                                  <p:stCondLst>
+                                    <p:cond delay="0"/>
+                                  </p:stCondLst>
+                                  <p:childTnLst>
+                                    <p:animEffect transition="out" filter="fade">
+                                      <p:cBhvr>
+                                        <p:cTn id="50" dur="1000" tmFilter="0, 0; .2, .5; .8, .5; 1, 0"/>
+                                        <p:tgtEl>
+                                          <p:spTgt spid="16"/>
+                                        </p:tgtEl>
+                                      </p:cBhvr>
+                                    </p:animEffect>
+                                    <p:animScale>
+                                      <p:cBhvr>
+                                        <p:cTn id="51" dur="500" autoRev="1" fill="hold"/>
+                                        <p:tgtEl>
+                                          <p:spTgt spid="16"/>
+                                        </p:tgtEl>
+                                      </p:cBhvr>
+                                      <p:by x="105000" y="105000"/>
+                                    </p:animScale>
+                                  </p:childTnLst>
+                                </p:cTn>
+                              </p:par>
+                            </p:childTnLst>
+                          </p:cTn>
+                        </p:par>
+                      </p:childTnLst>
+                    </p:cTn>
+                  </p:par>
+                  <p:par>
+                    <p:cTn id="52" fill="hold">
+                      <p:stCondLst>
+                        <p:cond delay="indefinite"/>
+                      </p:stCondLst>
+                      <p:childTnLst>
+                        <p:par>
+                          <p:cTn id="53" fill="hold">
+                            <p:stCondLst>
+                              <p:cond delay="0"/>
+                            </p:stCondLst>
+                            <p:childTnLst>
+                              <p:par>
+                                <p:cTn id="54" presetID="47" presetClass="entr" presetSubtype="0" fill="hold" grpId="0" nodeType="clickEffect">
+                                  <p:stCondLst>
+                                    <p:cond delay="0"/>
+                                  </p:stCondLst>
+                                  <p:childTnLst>
+                                    <p:set>
+                                      <p:cBhvr>
+                                        <p:cTn id="55" dur="1" fill="hold">
+                                          <p:stCondLst>
+                                            <p:cond delay="0"/>
+                                          </p:stCondLst>
+                                        </p:cTn>
+                                        <p:tgtEl>
+                                          <p:spTgt spid="18"/>
+                                        </p:tgtEl>
+                                        <p:attrNameLst>
+                                          <p:attrName>style.visibility</p:attrName>
+                                        </p:attrNameLst>
+                                      </p:cBhvr>
+                                      <p:to>
+                                        <p:strVal val="visible"/>
+                                      </p:to>
+                                    </p:set>
+                                    <p:animEffect transition="in" filter="fade">
+                                      <p:cBhvr>
+                                        <p:cTn id="56" dur="500"/>
+                                        <p:tgtEl>
+                                          <p:spTgt spid="18"/>
+                                        </p:tgtEl>
+                                      </p:cBhvr>
+                                    </p:animEffect>
+                                    <p:anim calcmode="lin" valueType="num">
+                                      <p:cBhvr>
+                                        <p:cTn id="57" dur="500" fill="hold"/>
+                                        <p:tgtEl>
+                                          <p:spTgt spid="18"/>
+                                        </p:tgtEl>
+                                        <p:attrNameLst>
+                                          <p:attrName>ppt_x</p:attrName>
+                                        </p:attrNameLst>
+                                      </p:cBhvr>
+                                      <p:tavLst>
+                                        <p:tav tm="0">
+                                          <p:val>
+                                            <p:strVal val="#ppt_x"/>
+                                          </p:val>
+                                        </p:tav>
+                                        <p:tav tm="100000">
+                                          <p:val>
+                                            <p:strVal val="#ppt_x"/>
+                                          </p:val>
+                                        </p:tav>
+                                      </p:tavLst>
+                                    </p:anim>
+                                    <p:anim calcmode="lin" valueType="num">
+                                      <p:cBhvr>
+                                        <p:cTn id="58" dur="500" fill="hold"/>
+                                        <p:tgtEl>
+                                          <p:spTgt spid="18"/>
+                                        </p:tgtEl>
+                                        <p:attrNameLst>
+                                          <p:attrName>ppt_y</p:attrName>
+                                        </p:attrNameLst>
+                                      </p:cBhvr>
+                                      <p:tavLst>
+                                        <p:tav tm="0">
+                                          <p:val>
+                                            <p:strVal val="#ppt_y-.1"/>
+                                          </p:val>
+                                        </p:tav>
+                                        <p:tav tm="100000">
+                                          <p:val>
+                                            <p:strVal val="#ppt_y"/>
+                                          </p:val>
+                                        </p:tav>
+                                      </p:tavLst>
+                                    </p:anim>
+                                  </p:childTnLst>
+                                </p:cTn>
+                              </p:par>
+                              <p:par>
+                                <p:cTn id="59" presetID="26" presetClass="emph" presetSubtype="0" repeatCount="5000" fill="hold" grpId="1" nodeType="withEffect">
+                                  <p:stCondLst>
+                                    <p:cond delay="0"/>
+                                  </p:stCondLst>
+                                  <p:childTnLst>
+                                    <p:animEffect transition="out" filter="fade">
+                                      <p:cBhvr>
+                                        <p:cTn id="60" dur="1000" tmFilter="0, 0; .2, .5; .8, .5; 1, 0"/>
+                                        <p:tgtEl>
+                                          <p:spTgt spid="18"/>
+                                        </p:tgtEl>
+                                      </p:cBhvr>
+                                    </p:animEffect>
+                                    <p:animScale>
+                                      <p:cBhvr>
+                                        <p:cTn id="61" dur="500" autoRev="1" fill="hold"/>
+                                        <p:tgtEl>
+                                          <p:spTgt spid="18"/>
+                                        </p:tgtEl>
+                                      </p:cBhvr>
+                                      <p:by x="105000" y="105000"/>
+                                    </p:animScale>
+                                  </p:childTnLst>
+                                </p:cTn>
+                              </p:par>
+                            </p:childTnLst>
+                          </p:cTn>
+                        </p:par>
+                      </p:childTnLst>
+                    </p:cTn>
+                  </p:par>
+                  <p:par>
+                    <p:cTn id="62" fill="hold">
+                      <p:stCondLst>
+                        <p:cond delay="indefinite"/>
+                      </p:stCondLst>
+                      <p:childTnLst>
+                        <p:par>
+                          <p:cTn id="63" fill="hold">
+                            <p:stCondLst>
+                              <p:cond delay="0"/>
+                            </p:stCondLst>
+                            <p:childTnLst>
+                              <p:par>
+                                <p:cTn id="64" presetID="47" presetClass="entr" presetSubtype="0" fill="hold" grpId="0" nodeType="clickEffect">
+                                  <p:stCondLst>
+                                    <p:cond delay="0"/>
+                                  </p:stCondLst>
+                                  <p:childTnLst>
+                                    <p:set>
+                                      <p:cBhvr>
+                                        <p:cTn id="65" dur="1" fill="hold">
+                                          <p:stCondLst>
+                                            <p:cond delay="0"/>
+                                          </p:stCondLst>
+                                        </p:cTn>
+                                        <p:tgtEl>
+                                          <p:spTgt spid="20"/>
+                                        </p:tgtEl>
+                                        <p:attrNameLst>
+                                          <p:attrName>style.visibility</p:attrName>
+                                        </p:attrNameLst>
+                                      </p:cBhvr>
+                                      <p:to>
+                                        <p:strVal val="visible"/>
+                                      </p:to>
+                                    </p:set>
+                                    <p:animEffect transition="in" filter="fade">
+                                      <p:cBhvr>
+                                        <p:cTn id="66" dur="500"/>
+                                        <p:tgtEl>
+                                          <p:spTgt spid="20"/>
+                                        </p:tgtEl>
+                                      </p:cBhvr>
+                                    </p:animEffect>
+                                    <p:anim calcmode="lin" valueType="num">
+                                      <p:cBhvr>
+                                        <p:cTn id="67" dur="500" fill="hold"/>
+                                        <p:tgtEl>
+                                          <p:spTgt spid="20"/>
+                                        </p:tgtEl>
+                                        <p:attrNameLst>
+                                          <p:attrName>ppt_x</p:attrName>
+                                        </p:attrNameLst>
+                                      </p:cBhvr>
+                                      <p:tavLst>
+                                        <p:tav tm="0">
+                                          <p:val>
+                                            <p:strVal val="#ppt_x"/>
+                                          </p:val>
+                                        </p:tav>
+                                        <p:tav tm="100000">
+                                          <p:val>
+                                            <p:strVal val="#ppt_x"/>
+                                          </p:val>
+                                        </p:tav>
+                                      </p:tavLst>
+                                    </p:anim>
+                                    <p:anim calcmode="lin" valueType="num">
+                                      <p:cBhvr>
+                                        <p:cTn id="68" dur="500" fill="hold"/>
+                                        <p:tgtEl>
+                                          <p:spTgt spid="20"/>
+                                        </p:tgtEl>
+                                        <p:attrNameLst>
+                                          <p:attrName>ppt_y</p:attrName>
+                                        </p:attrNameLst>
+                                      </p:cBhvr>
+                                      <p:tavLst>
+                                        <p:tav tm="0">
+                                          <p:val>
+                                            <p:strVal val="#ppt_y-.1"/>
+                                          </p:val>
+                                        </p:tav>
+                                        <p:tav tm="100000">
+                                          <p:val>
+                                            <p:strVal val="#ppt_y"/>
+                                          </p:val>
+                                        </p:tav>
+                                      </p:tavLst>
+                                    </p:anim>
+                                  </p:childTnLst>
+                                </p:cTn>
+                              </p:par>
+                              <p:par>
+                                <p:cTn id="69" presetID="26" presetClass="emph" presetSubtype="0" repeatCount="5000" fill="hold" grpId="1" nodeType="withEffect">
+                                  <p:stCondLst>
+                                    <p:cond delay="0"/>
+                                  </p:stCondLst>
+                                  <p:childTnLst>
+                                    <p:animEffect transition="out" filter="fade">
+                                      <p:cBhvr>
+                                        <p:cTn id="70" dur="1000" tmFilter="0, 0; .2, .5; .8, .5; 1, 0"/>
+                                        <p:tgtEl>
+                                          <p:spTgt spid="20"/>
+                                        </p:tgtEl>
+                                      </p:cBhvr>
+                                    </p:animEffect>
+                                    <p:animScale>
+                                      <p:cBhvr>
+                                        <p:cTn id="71" dur="500" autoRev="1" fill="hold"/>
+                                        <p:tgtEl>
+                                          <p:spTgt spid="20"/>
+                                        </p:tgtEl>
+                                      </p:cBhvr>
+                                      <p:by x="105000" y="105000"/>
+                                    </p:animScale>
+                                  </p:childTnLst>
+                                </p:cTn>
+                              </p:par>
+                            </p:childTnLst>
+                          </p:cTn>
+                        </p:par>
+                      </p:childTnLst>
+                    </p:cTn>
+                  </p:par>
+                </p:childTnLst>
+              </p:cTn>
+              <p:prevCondLst>
+                <p:cond evt="onPrev" delay="0">
+                  <p:tgtEl>
+                    <p:sldTgt/>
+                  </p:tgtEl>
+                </p:cond>
+              </p:prevCondLst>
+              <p:nextCondLst>
+                <p:cond evt="onNext" delay="0">
+                  <p:tgtEl>
+                    <p:sldTgt/>
+                  </p:tgtEl>
+                </p:cond>
+              </p:nextCondLst>
+            </p:seq>
+          </p:childTnLst>
+        </p:cTn>
+      </p:par>
+    </p:tnLst>
+    <p:bldLst>
+      <p:bldP spid="31" grpId="0" animBg="1"/>
+      <p:bldP spid="32" grpId="0" animBg="1"/>
+      <p:bldP spid="35" grpId="0" animBg="1"/>
+      <p:bldP spid="35" grpId="1" animBg="1"/>
+      <p:bldP spid="21" grpId="0" animBg="1"/>
+      <p:bldP spid="21" grpId="1" animBg="1"/>
+      <p:bldP spid="15" grpId="0" animBg="1"/>
+      <p:bldP spid="16" grpId="0" animBg="1"/>
+      <p:bldP spid="16" grpId="1" animBg="1"/>
+      <p:bldP spid="18" grpId="0" animBg="1"/>
+      <p:bldP spid="18" grpId="1" animBg="1"/>
+      <p:bldP spid="20" grpId="0" animBg="1"/>
+      <p:bldP spid="20" grpId="1" animBg="1"/>
+    </p:bldLst>
+  </p:timing>
+</p:sld>
+</file>
+
+<file path=ppt/slides/slide8.xml><?xml version="1.0" encoding="utf-8"?>
+<p:sld xmlns:a="http://schemas.openxmlformats.org/drawingml/2006/main" xmlns:r="http://schemas.openxmlformats.org/officeDocument/2006/relationships" xmlns:p="http://schemas.openxmlformats.org/presentationml/2006/main">
+  <p:cSld>
+    <p:spTree>
+      <p:nvGrpSpPr>
+        <p:cNvPr id="1" name=""/>
+        <p:cNvGrpSpPr/>
+        <p:nvPr/>
+      </p:nvGrpSpPr>
+      <p:grpSpPr>
+        <a:xfrm>
+          <a:off x="0" y="0"/>
+          <a:ext cx="0" cy="0"/>
+          <a:chOff x="0" y="0"/>
+          <a:chExt cx="0" cy="0"/>
+        </a:xfrm>
+      </p:grpSpPr>
+      <p:sp>
+        <p:nvSpPr>
+          <p:cNvPr id="2" name="Titel 1"/>
+          <p:cNvSpPr>
+            <a:spLocks noGrp="1"/>
+          </p:cNvSpPr>
+          <p:nvPr>
+            <p:ph type="title"/>
+          </p:nvPr>
+        </p:nvSpPr>
+        <p:spPr/>
+        <p:txBody>
+          <a:bodyPr/>
+          <a:lstStyle/>
+          <a:p>
+            <a:r>
+              <a:rPr lang="de" altLang="ko-KR" dirty="0"/>
+              <a:t>4. Ergebnisse &amp; Diskussion</a:t>
+            </a:r>
+            <a:endParaRPr lang="de-DE" noProof="0" dirty="0"/>
+          </a:p>
+        </p:txBody>
+      </p:sp>
+    </p:spTree>
+    <p:extLst>
+      <p:ext uri="{BB962C8B-B14F-4D97-AF65-F5344CB8AC3E}">
+        <p14:creationId xmlns:p14="http://schemas.microsoft.com/office/powerpoint/2010/main" val="1044340049"/>
+      </p:ext>
+    </p:extLst>
+  </p:cSld>
+  <p:clrMapOvr>
+    <a:masterClrMapping/>
+  </p:clrMapOvr>
+</p:sld>
+</file>
+
+<file path=ppt/slides/slide9.xml><?xml version="1.0" encoding="utf-8"?>
+<p:sld xmlns:a="http://schemas.openxmlformats.org/drawingml/2006/main" xmlns:r="http://schemas.openxmlformats.org/officeDocument/2006/relationships" xmlns:p="http://schemas.openxmlformats.org/presentationml/2006/main">
+  <p:cSld>
+    <p:spTree>
+      <p:nvGrpSpPr>
+        <p:cNvPr id="1" name=""/>
+        <p:cNvGrpSpPr/>
+        <p:nvPr/>
+      </p:nvGrpSpPr>
+      <p:grpSpPr>
+        <a:xfrm>
+          <a:off x="0" y="0"/>
+          <a:ext cx="0" cy="0"/>
+          <a:chOff x="0" y="0"/>
+          <a:chExt cx="0" cy="0"/>
+        </a:xfrm>
+      </p:grpSpPr>
+      <p:pic>
+        <p:nvPicPr>
+          <p:cNvPr id="3" name="그림 2">
+            <a:extLst>
+              <a:ext uri="{FF2B5EF4-FFF2-40B4-BE49-F238E27FC236}">
+                <a16:creationId xmlns:a16="http://schemas.microsoft.com/office/drawing/2014/main" id="{C9BDF3E4-694D-244B-9A00-EB1AD5D6DE5D}"/>
+              </a:ext>
+            </a:extLst>
+          </p:cNvPr>
+          <p:cNvPicPr>
+            <a:picLocks noChangeAspect="1"/>
+          </p:cNvPicPr>
+          <p:nvPr/>
+        </p:nvPicPr>
+        <p:blipFill>
+          <a:blip r:embed="rId2">
+            <a:extLst>
+              <a:ext uri="{28A0092B-C50C-407E-A947-70E740481C1C}">
+                <a14:useLocalDpi xmlns:a14="http://schemas.microsoft.com/office/drawing/2010/main" val="0"/>
+              </a:ext>
+            </a:extLst>
+          </a:blip>
+          <a:stretch>
+            <a:fillRect/>
+          </a:stretch>
+        </p:blipFill>
+        <p:spPr>
+          <a:xfrm>
+            <a:off x="498621" y="675762"/>
+            <a:ext cx="2930163" cy="1895988"/>
+          </a:xfrm>
+          <a:prstGeom prst="rect">
+            <a:avLst/>
+          </a:prstGeom>
+        </p:spPr>
+      </p:pic>
+      <p:pic>
+        <p:nvPicPr>
+          <p:cNvPr id="4" name="그림 3">
+            <a:extLst>
+              <a:ext uri="{FF2B5EF4-FFF2-40B4-BE49-F238E27FC236}">
+                <a16:creationId xmlns:a16="http://schemas.microsoft.com/office/drawing/2014/main" id="{6EA4D951-D553-A24C-AD7C-317511526B91}"/>
+              </a:ext>
+            </a:extLst>
+          </p:cNvPr>
+          <p:cNvPicPr>
+            <a:picLocks noChangeAspect="1"/>
+          </p:cNvPicPr>
+          <p:nvPr/>
+        </p:nvPicPr>
+        <p:blipFill>
+          <a:blip r:embed="rId3">
+            <a:extLst>
+              <a:ext uri="{28A0092B-C50C-407E-A947-70E740481C1C}">
+                <a14:useLocalDpi xmlns:a14="http://schemas.microsoft.com/office/drawing/2010/main" val="0"/>
+              </a:ext>
+            </a:extLst>
+          </a:blip>
+          <a:stretch>
+            <a:fillRect/>
+          </a:stretch>
+        </p:blipFill>
+        <p:spPr>
+          <a:xfrm>
+            <a:off x="6659319" y="708627"/>
+            <a:ext cx="2064549" cy="3678217"/>
+          </a:xfrm>
+          <a:prstGeom prst="rect">
+            <a:avLst/>
+          </a:prstGeom>
+        </p:spPr>
+      </p:pic>
+      <p:pic>
+        <p:nvPicPr>
+          <p:cNvPr id="5" name="그림 4">
+            <a:extLst>
+              <a:ext uri="{FF2B5EF4-FFF2-40B4-BE49-F238E27FC236}">
+                <a16:creationId xmlns:a16="http://schemas.microsoft.com/office/drawing/2014/main" id="{85528231-84FF-E948-A766-38A7F28B1C64}"/>
+              </a:ext>
+            </a:extLst>
+          </p:cNvPr>
+          <p:cNvPicPr>
+            <a:picLocks noChangeAspect="1"/>
+          </p:cNvPicPr>
+          <p:nvPr/>
+        </p:nvPicPr>
+        <p:blipFill>
+          <a:blip r:embed="rId4">
+            <a:extLst>
+              <a:ext uri="{28A0092B-C50C-407E-A947-70E740481C1C}">
+                <a14:useLocalDpi xmlns:a14="http://schemas.microsoft.com/office/drawing/2010/main" val="0"/>
+              </a:ext>
+            </a:extLst>
+          </a:blip>
+          <a:stretch>
+            <a:fillRect/>
+          </a:stretch>
+        </p:blipFill>
+        <p:spPr>
+          <a:xfrm>
+            <a:off x="430549" y="2721750"/>
+            <a:ext cx="2797592" cy="1796387"/>
+          </a:xfrm>
+          <a:prstGeom prst="rect">
+            <a:avLst/>
+          </a:prstGeom>
+        </p:spPr>
+      </p:pic>
+      <p:pic>
+        <p:nvPicPr>
+          <p:cNvPr id="7" name="그림 6">
+            <a:extLst>
+              <a:ext uri="{FF2B5EF4-FFF2-40B4-BE49-F238E27FC236}">
+                <a16:creationId xmlns:a16="http://schemas.microsoft.com/office/drawing/2014/main" id="{A57580C8-7164-6146-AA08-DC2C8C572A04}"/>
+              </a:ext>
+            </a:extLst>
+          </p:cNvPr>
+          <p:cNvPicPr>
+            <a:picLocks noChangeAspect="1"/>
+          </p:cNvPicPr>
+          <p:nvPr/>
+        </p:nvPicPr>
+        <p:blipFill>
+          <a:blip r:embed="rId5">
+            <a:extLst>
+              <a:ext uri="{28A0092B-C50C-407E-A947-70E740481C1C}">
+                <a14:useLocalDpi xmlns:a14="http://schemas.microsoft.com/office/drawing/2010/main" val="0"/>
+              </a:ext>
+            </a:extLst>
+          </a:blip>
+          <a:stretch>
+            <a:fillRect/>
+          </a:stretch>
+        </p:blipFill>
+        <p:spPr>
+          <a:xfrm>
+            <a:off x="3716336" y="2795377"/>
+            <a:ext cx="2570118" cy="1649131"/>
+          </a:xfrm>
+          <a:prstGeom prst="rect">
+            <a:avLst/>
+          </a:prstGeom>
+        </p:spPr>
+      </p:pic>
+      <p:pic>
+        <p:nvPicPr>
+          <p:cNvPr id="8" name="그림 7">
+            <a:extLst>
+              <a:ext uri="{FF2B5EF4-FFF2-40B4-BE49-F238E27FC236}">
+                <a16:creationId xmlns:a16="http://schemas.microsoft.com/office/drawing/2014/main" id="{378DD809-C88A-AC4F-9727-B3D48DCC0EFE}"/>
+              </a:ext>
+            </a:extLst>
+          </p:cNvPr>
+          <p:cNvPicPr>
+            <a:picLocks noChangeAspect="1"/>
+          </p:cNvPicPr>
+          <p:nvPr/>
+        </p:nvPicPr>
+        <p:blipFill>
+          <a:blip r:embed="rId6">
+            <a:extLst>
+              <a:ext uri="{28A0092B-C50C-407E-A947-70E740481C1C}">
+                <a14:useLocalDpi xmlns:a14="http://schemas.microsoft.com/office/drawing/2010/main" val="0"/>
+              </a:ext>
+            </a:extLst>
+          </a:blip>
+          <a:stretch>
+            <a:fillRect/>
+          </a:stretch>
+        </p:blipFill>
+        <p:spPr>
+          <a:xfrm>
+            <a:off x="3612117" y="692664"/>
+            <a:ext cx="2930164" cy="1879086"/>
+          </a:xfrm>
+          <a:prstGeom prst="rect">
+            <a:avLst/>
+          </a:prstGeom>
+        </p:spPr>
+      </p:pic>
+      <p:sp>
+        <p:nvSpPr>
+          <p:cNvPr id="9" name="Titel 1">
+            <a:extLst>
+              <a:ext uri="{FF2B5EF4-FFF2-40B4-BE49-F238E27FC236}">
+                <a16:creationId xmlns:a16="http://schemas.microsoft.com/office/drawing/2014/main" id="{499727D9-A8E1-A14D-8FF1-EEEE7F1169D3}"/>
+              </a:ext>
+            </a:extLst>
+          </p:cNvPr>
+          <p:cNvSpPr>
+            <a:spLocks noGrp="1"/>
+          </p:cNvSpPr>
+          <p:nvPr>
+            <p:ph type="title"/>
+          </p:nvPr>
+        </p:nvSpPr>
+        <p:spPr>
+          <a:xfrm>
+            <a:off x="180000" y="254870"/>
+            <a:ext cx="6480000" cy="432000"/>
+          </a:xfrm>
+        </p:spPr>
+        <p:txBody>
+          <a:bodyPr/>
+          <a:lstStyle/>
+          <a:p>
+            <a:r>
+              <a:rPr lang="de-DE" noProof="0" dirty="0"/>
+              <a:t>Motivation Datenintegration</a:t>
+            </a:r>
+          </a:p>
+        </p:txBody>
+      </p:sp>
+    </p:spTree>
+    <p:extLst>
+      <p:ext uri="{BB962C8B-B14F-4D97-AF65-F5344CB8AC3E}">
+        <p14:creationId xmlns:p14="http://schemas.microsoft.com/office/powerpoint/2010/main" val="1846155174"/>
+      </p:ext>
+    </p:extLst>
+  </p:cSld>
+  <p:clrMapOvr>
+    <a:masterClrMapping/>
+  </p:clrMapOvr>
+</p:sld>
+</file>
+
 <file path=ppt/theme/theme1.xml><?xml version="1.0" encoding="utf-8"?>
 <a:theme xmlns:a="http://schemas.openxmlformats.org/drawingml/2006/main" name="DB_theme">
   <a:themeElements>

--- a/Kolloquium/Kolloquium.pptx
+++ b/Kolloquium/Kolloquium.pptx
@@ -5,32 +5,33 @@
     <p:sldMasterId id="2147483663" r:id="rId1"/>
   </p:sldMasterIdLst>
   <p:notesMasterIdLst>
-    <p:notesMasterId r:id="rId22"/>
+    <p:notesMasterId r:id="rId23"/>
   </p:notesMasterIdLst>
   <p:handoutMasterIdLst>
-    <p:handoutMasterId r:id="rId23"/>
+    <p:handoutMasterId r:id="rId24"/>
   </p:handoutMasterIdLst>
   <p:sldIdLst>
     <p:sldId id="279" r:id="rId2"/>
     <p:sldId id="287" r:id="rId3"/>
-    <p:sldId id="296" r:id="rId4"/>
-    <p:sldId id="294" r:id="rId5"/>
-    <p:sldId id="295" r:id="rId6"/>
-    <p:sldId id="288" r:id="rId7"/>
-    <p:sldId id="297" r:id="rId8"/>
-    <p:sldId id="289" r:id="rId9"/>
-    <p:sldId id="300" r:id="rId10"/>
-    <p:sldId id="301" r:id="rId11"/>
-    <p:sldId id="291" r:id="rId12"/>
-    <p:sldId id="302" r:id="rId13"/>
-    <p:sldId id="292" r:id="rId14"/>
-    <p:sldId id="303" r:id="rId15"/>
-    <p:sldId id="304" r:id="rId16"/>
-    <p:sldId id="277" r:id="rId17"/>
-    <p:sldId id="263" r:id="rId18"/>
-    <p:sldId id="268" r:id="rId19"/>
-    <p:sldId id="275" r:id="rId20"/>
-    <p:sldId id="276" r:id="rId21"/>
+    <p:sldId id="305" r:id="rId4"/>
+    <p:sldId id="296" r:id="rId5"/>
+    <p:sldId id="294" r:id="rId6"/>
+    <p:sldId id="295" r:id="rId7"/>
+    <p:sldId id="306" r:id="rId8"/>
+    <p:sldId id="307" r:id="rId9"/>
+    <p:sldId id="288" r:id="rId10"/>
+    <p:sldId id="297" r:id="rId11"/>
+    <p:sldId id="289" r:id="rId12"/>
+    <p:sldId id="300" r:id="rId13"/>
+    <p:sldId id="301" r:id="rId14"/>
+    <p:sldId id="291" r:id="rId15"/>
+    <p:sldId id="302" r:id="rId16"/>
+    <p:sldId id="304" r:id="rId17"/>
+    <p:sldId id="277" r:id="rId18"/>
+    <p:sldId id="263" r:id="rId19"/>
+    <p:sldId id="268" r:id="rId20"/>
+    <p:sldId id="275" r:id="rId21"/>
+    <p:sldId id="276" r:id="rId22"/>
   </p:sldIdLst>
   <p:sldSz cx="9144000" cy="5143500" type="screen16x9"/>
   <p:notesSz cx="6797675" cy="9874250"/>
@@ -222,7 +223,7 @@
           <a:p>
             <a:fld id="{F4DF2165-45DD-4E6A-8D88-991CFCF20576}" type="datetimeFigureOut">
               <a:rPr lang="de-DE" smtClean="0"/>
-              <a:t>20.02.23</a:t>
+              <a:t>22.02.23</a:t>
             </a:fld>
             <a:endParaRPr lang="de-DE" dirty="0"/>
           </a:p>
@@ -387,7 +388,7 @@
           <a:p>
             <a:fld id="{DBB2A775-C49D-45BA-A919-7D687A0440E7}" type="datetimeFigureOut">
               <a:rPr lang="de-DE" smtClean="0"/>
-              <a:t>20.02.23</a:t>
+              <a:t>22.02.23</a:t>
             </a:fld>
             <a:endParaRPr lang="de-DE"/>
           </a:p>
@@ -813,7 +814,7 @@
           <a:p>
             <a:fld id="{2D6A0D67-EDAE-48EC-829F-B147F9799060}" type="slidenum">
               <a:rPr lang="de-DE" smtClean="0"/>
-              <a:t>13</a:t>
+              <a:t>14</a:t>
             </a:fld>
             <a:endParaRPr lang="de-DE"/>
           </a:p>
@@ -822,7 +823,7 @@
     </p:spTree>
     <p:extLst>
       <p:ext uri="{BB962C8B-B14F-4D97-AF65-F5344CB8AC3E}">
-        <p14:creationId xmlns:p14="http://schemas.microsoft.com/office/powerpoint/2010/main" val="2874107102"/>
+        <p14:creationId xmlns:p14="http://schemas.microsoft.com/office/powerpoint/2010/main" val="1569347426"/>
       </p:ext>
     </p:extLst>
   </p:cSld>
@@ -902,7 +903,7 @@
           <a:p>
             <a:fld id="{2D6A0D67-EDAE-48EC-829F-B147F9799060}" type="slidenum">
               <a:rPr lang="de-DE" smtClean="0"/>
-              <a:t>14</a:t>
+              <a:t>15</a:t>
             </a:fld>
             <a:endParaRPr lang="de-DE"/>
           </a:p>
@@ -911,7 +912,7 @@
     </p:spTree>
     <p:extLst>
       <p:ext uri="{BB962C8B-B14F-4D97-AF65-F5344CB8AC3E}">
-        <p14:creationId xmlns:p14="http://schemas.microsoft.com/office/powerpoint/2010/main" val="2668859889"/>
+        <p14:creationId xmlns:p14="http://schemas.microsoft.com/office/powerpoint/2010/main" val="2795021949"/>
       </p:ext>
     </p:extLst>
   </p:cSld>
@@ -991,7 +992,7 @@
           <a:p>
             <a:fld id="{2D6A0D67-EDAE-48EC-829F-B147F9799060}" type="slidenum">
               <a:rPr lang="de-DE" smtClean="0"/>
-              <a:t>16</a:t>
+              <a:t>17</a:t>
             </a:fld>
             <a:endParaRPr lang="de-DE" dirty="0"/>
           </a:p>
@@ -1080,7 +1081,7 @@
           <a:p>
             <a:fld id="{2D6A0D67-EDAE-48EC-829F-B147F9799060}" type="slidenum">
               <a:rPr lang="de-DE" smtClean="0"/>
-              <a:t>17</a:t>
+              <a:t>18</a:t>
             </a:fld>
             <a:endParaRPr lang="de-DE"/>
           </a:p>
@@ -1169,7 +1170,7 @@
           <a:p>
             <a:fld id="{2D6A0D67-EDAE-48EC-829F-B147F9799060}" type="slidenum">
               <a:rPr lang="de-DE" smtClean="0"/>
-              <a:t>18</a:t>
+              <a:t>19</a:t>
             </a:fld>
             <a:endParaRPr lang="de-DE"/>
           </a:p>
@@ -1258,7 +1259,7 @@
           <a:p>
             <a:fld id="{2D6A0D67-EDAE-48EC-829F-B147F9799060}" type="slidenum">
               <a:rPr lang="de-DE" smtClean="0"/>
-              <a:t>19</a:t>
+              <a:t>20</a:t>
             </a:fld>
             <a:endParaRPr lang="de-DE"/>
           </a:p>
@@ -1350,7 +1351,7 @@
             <a:fld id="{890D2026-B054-4C01-8473-47B83C1FFE3E}" type="slidenum">
               <a:rPr lang="de-DE" smtClean="0"/>
               <a:pPr/>
-              <a:t>20</a:t>
+              <a:t>21</a:t>
             </a:fld>
             <a:endParaRPr lang="de-DE"/>
           </a:p>
@@ -1537,7 +1538,7 @@
     </p:spTree>
     <p:extLst>
       <p:ext uri="{BB962C8B-B14F-4D97-AF65-F5344CB8AC3E}">
-        <p14:creationId xmlns:p14="http://schemas.microsoft.com/office/powerpoint/2010/main" val="3056695762"/>
+        <p14:creationId xmlns:p14="http://schemas.microsoft.com/office/powerpoint/2010/main" val="2802761450"/>
       </p:ext>
     </p:extLst>
   </p:cSld>
@@ -1626,7 +1627,7 @@
     </p:spTree>
     <p:extLst>
       <p:ext uri="{BB962C8B-B14F-4D97-AF65-F5344CB8AC3E}">
-        <p14:creationId xmlns:p14="http://schemas.microsoft.com/office/powerpoint/2010/main" val="219333744"/>
+        <p14:creationId xmlns:p14="http://schemas.microsoft.com/office/powerpoint/2010/main" val="3056695762"/>
       </p:ext>
     </p:extLst>
   </p:cSld>
@@ -1706,7 +1707,7 @@
           <a:p>
             <a:fld id="{2D6A0D67-EDAE-48EC-829F-B147F9799060}" type="slidenum">
               <a:rPr lang="de-DE" smtClean="0"/>
-              <a:t>6</a:t>
+              <a:t>5</a:t>
             </a:fld>
             <a:endParaRPr lang="de-DE"/>
           </a:p>
@@ -1715,7 +1716,7 @@
     </p:spTree>
     <p:extLst>
       <p:ext uri="{BB962C8B-B14F-4D97-AF65-F5344CB8AC3E}">
-        <p14:creationId xmlns:p14="http://schemas.microsoft.com/office/powerpoint/2010/main" val="2258795368"/>
+        <p14:creationId xmlns:p14="http://schemas.microsoft.com/office/powerpoint/2010/main" val="219333744"/>
       </p:ext>
     </p:extLst>
   </p:cSld>
@@ -1804,7 +1805,7 @@
     </p:spTree>
     <p:extLst>
       <p:ext uri="{BB962C8B-B14F-4D97-AF65-F5344CB8AC3E}">
-        <p14:creationId xmlns:p14="http://schemas.microsoft.com/office/powerpoint/2010/main" val="2300688047"/>
+        <p14:creationId xmlns:p14="http://schemas.microsoft.com/office/powerpoint/2010/main" val="3161691168"/>
       </p:ext>
     </p:extLst>
   </p:cSld>
@@ -1884,7 +1885,7 @@
           <a:p>
             <a:fld id="{2D6A0D67-EDAE-48EC-829F-B147F9799060}" type="slidenum">
               <a:rPr lang="de-DE" smtClean="0"/>
-              <a:t>8</a:t>
+              <a:t>9</a:t>
             </a:fld>
             <a:endParaRPr lang="de-DE"/>
           </a:p>
@@ -1893,7 +1894,7 @@
     </p:spTree>
     <p:extLst>
       <p:ext uri="{BB962C8B-B14F-4D97-AF65-F5344CB8AC3E}">
-        <p14:creationId xmlns:p14="http://schemas.microsoft.com/office/powerpoint/2010/main" val="3520414386"/>
+        <p14:creationId xmlns:p14="http://schemas.microsoft.com/office/powerpoint/2010/main" val="2258795368"/>
       </p:ext>
     </p:extLst>
   </p:cSld>
@@ -1973,7 +1974,7 @@
           <a:p>
             <a:fld id="{2D6A0D67-EDAE-48EC-829F-B147F9799060}" type="slidenum">
               <a:rPr lang="de-DE" smtClean="0"/>
-              <a:t>11</a:t>
+              <a:t>10</a:t>
             </a:fld>
             <a:endParaRPr lang="de-DE"/>
           </a:p>
@@ -1982,7 +1983,7 @@
     </p:spTree>
     <p:extLst>
       <p:ext uri="{BB962C8B-B14F-4D97-AF65-F5344CB8AC3E}">
-        <p14:creationId xmlns:p14="http://schemas.microsoft.com/office/powerpoint/2010/main" val="1569347426"/>
+        <p14:creationId xmlns:p14="http://schemas.microsoft.com/office/powerpoint/2010/main" val="2300688047"/>
       </p:ext>
     </p:extLst>
   </p:cSld>
@@ -2062,7 +2063,7 @@
           <a:p>
             <a:fld id="{2D6A0D67-EDAE-48EC-829F-B147F9799060}" type="slidenum">
               <a:rPr lang="de-DE" smtClean="0"/>
-              <a:t>12</a:t>
+              <a:t>11</a:t>
             </a:fld>
             <a:endParaRPr lang="de-DE"/>
           </a:p>
@@ -2071,7 +2072,7 @@
     </p:spTree>
     <p:extLst>
       <p:ext uri="{BB962C8B-B14F-4D97-AF65-F5344CB8AC3E}">
-        <p14:creationId xmlns:p14="http://schemas.microsoft.com/office/powerpoint/2010/main" val="2795021949"/>
+        <p14:creationId xmlns:p14="http://schemas.microsoft.com/office/powerpoint/2010/main" val="3520414386"/>
       </p:ext>
     </p:extLst>
   </p:cSld>
@@ -2417,7 +2418,7 @@
                 <a:cs typeface="Open Sans" panose="020B0606030504020204" pitchFamily="34" charset="0"/>
               </a:rPr>
               <a:pPr algn="r"/>
-              <a:t>Monday, February 20, 2023</a:t>
+              <a:t>Wednesday, February 22, 2023</a:t>
             </a:fld>
             <a:endParaRPr lang="de-DE" sz="1000" dirty="0">
               <a:latin typeface="Open Sans" panose="020B0606030504020204" pitchFamily="34" charset="0"/>
@@ -4855,6 +4856,2602 @@
           <a:chExt cx="0" cy="0"/>
         </a:xfrm>
       </p:grpSpPr>
+      <p:sp>
+        <p:nvSpPr>
+          <p:cNvPr id="2" name="Titel 1"/>
+          <p:cNvSpPr>
+            <a:spLocks noGrp="1"/>
+          </p:cNvSpPr>
+          <p:nvPr>
+            <p:ph type="title"/>
+          </p:nvPr>
+        </p:nvSpPr>
+        <p:spPr/>
+        <p:txBody>
+          <a:bodyPr/>
+          <a:lstStyle/>
+          <a:p>
+            <a:r>
+              <a:rPr lang="de-DE" noProof="0" dirty="0"/>
+              <a:t>Art von Algorithmen</a:t>
+            </a:r>
+          </a:p>
+        </p:txBody>
+      </p:sp>
+      <p:sp>
+        <p:nvSpPr>
+          <p:cNvPr id="36" name="Rechteck 35"/>
+          <p:cNvSpPr/>
+          <p:nvPr/>
+        </p:nvSpPr>
+        <p:spPr>
+          <a:xfrm>
+            <a:off x="680407" y="2945044"/>
+            <a:ext cx="2874955" cy="1274060"/>
+          </a:xfrm>
+          <a:prstGeom prst="rect">
+            <a:avLst/>
+          </a:prstGeom>
+          <a:solidFill>
+            <a:schemeClr val="accent3">
+              <a:lumMod val="20000"/>
+              <a:lumOff val="80000"/>
+            </a:schemeClr>
+          </a:solidFill>
+          <a:ln w="15875">
+            <a:noFill/>
+          </a:ln>
+        </p:spPr>
+        <p:style>
+          <a:lnRef idx="2">
+            <a:schemeClr val="accent1">
+              <a:shade val="50000"/>
+            </a:schemeClr>
+          </a:lnRef>
+          <a:fillRef idx="1">
+            <a:schemeClr val="accent1"/>
+          </a:fillRef>
+          <a:effectRef idx="0">
+            <a:schemeClr val="accent1"/>
+          </a:effectRef>
+          <a:fontRef idx="minor">
+            <a:schemeClr val="lt1"/>
+          </a:fontRef>
+        </p:style>
+        <p:txBody>
+          <a:bodyPr rtlCol="0" anchor="ctr"/>
+          <a:lstStyle/>
+          <a:p>
+            <a:pPr algn="ctr"/>
+            <a:endParaRPr lang="de-DE" sz="1200" dirty="0">
+              <a:solidFill>
+                <a:schemeClr val="bg1"/>
+              </a:solidFill>
+              <a:latin typeface="Muli" panose="00000500000000000000" pitchFamily="2" charset="0"/>
+            </a:endParaRPr>
+          </a:p>
+        </p:txBody>
+      </p:sp>
+      <p:sp>
+        <p:nvSpPr>
+          <p:cNvPr id="14" name="Textfeld 13"/>
+          <p:cNvSpPr txBox="1"/>
+          <p:nvPr/>
+        </p:nvSpPr>
+        <p:spPr>
+          <a:xfrm>
+            <a:off x="676424" y="2964722"/>
+            <a:ext cx="2874955" cy="1183081"/>
+          </a:xfrm>
+          <a:prstGeom prst="rect">
+            <a:avLst/>
+          </a:prstGeom>
+          <a:solidFill>
+            <a:schemeClr val="accent3">
+              <a:lumMod val="20000"/>
+              <a:lumOff val="80000"/>
+            </a:schemeClr>
+          </a:solidFill>
+        </p:spPr>
+        <p:txBody>
+          <a:bodyPr wrap="square" rtlCol="0">
+            <a:spAutoFit/>
+          </a:bodyPr>
+          <a:lstStyle/>
+          <a:p>
+            <a:pPr algn="ctr"/>
+            <a:r>
+              <a:rPr lang="de-DE" sz="1200" dirty="0">
+                <a:solidFill>
+                  <a:srgbClr val="555555"/>
+                </a:solidFill>
+                <a:latin typeface="Muli" panose="00000500000000000000" pitchFamily="2" charset="0"/>
+              </a:rPr>
+              <a:t>Synonyms/Homonyms</a:t>
+            </a:r>
+          </a:p>
+          <a:p>
+            <a:pPr algn="ctr"/>
+            <a:endParaRPr lang="de-DE" sz="788" dirty="0">
+              <a:solidFill>
+                <a:srgbClr val="555555"/>
+              </a:solidFill>
+              <a:latin typeface="Muli" panose="00000500000000000000" pitchFamily="2" charset="0"/>
+            </a:endParaRPr>
+          </a:p>
+          <a:p>
+            <a:pPr algn="ctr"/>
+            <a:r>
+              <a:rPr lang="de-DE" sz="1200" dirty="0" err="1">
+                <a:solidFill>
+                  <a:srgbClr val="555555"/>
+                </a:solidFill>
+                <a:latin typeface="Muli" panose="00000500000000000000" pitchFamily="2" charset="0"/>
+              </a:rPr>
+              <a:t>Mappings</a:t>
+            </a:r>
+            <a:endParaRPr lang="de-DE" sz="1200" dirty="0">
+              <a:solidFill>
+                <a:srgbClr val="555555"/>
+              </a:solidFill>
+              <a:latin typeface="Muli" panose="00000500000000000000" pitchFamily="2" charset="0"/>
+            </a:endParaRPr>
+          </a:p>
+          <a:p>
+            <a:pPr algn="ctr"/>
+            <a:endParaRPr lang="de-DE" sz="750" dirty="0">
+              <a:solidFill>
+                <a:srgbClr val="555555"/>
+              </a:solidFill>
+              <a:latin typeface="Muli" panose="00000500000000000000" pitchFamily="2" charset="0"/>
+            </a:endParaRPr>
+          </a:p>
+          <a:p>
+            <a:pPr algn="ctr"/>
+            <a:r>
+              <a:rPr lang="de-DE" sz="1200" dirty="0">
+                <a:solidFill>
+                  <a:srgbClr val="555555"/>
+                </a:solidFill>
+                <a:latin typeface="Muli" panose="00000500000000000000" pitchFamily="2" charset="0"/>
+              </a:rPr>
+              <a:t>Union </a:t>
+            </a:r>
+            <a:r>
+              <a:rPr lang="de-DE" sz="1200" dirty="0" err="1">
+                <a:solidFill>
+                  <a:srgbClr val="555555"/>
+                </a:solidFill>
+                <a:latin typeface="Muli" panose="00000500000000000000" pitchFamily="2" charset="0"/>
+              </a:rPr>
+              <a:t>Types</a:t>
+            </a:r>
+            <a:endParaRPr lang="de-DE" sz="1200" dirty="0">
+              <a:solidFill>
+                <a:srgbClr val="555555"/>
+              </a:solidFill>
+              <a:latin typeface="Muli" panose="00000500000000000000" pitchFamily="2" charset="0"/>
+            </a:endParaRPr>
+          </a:p>
+          <a:p>
+            <a:pPr algn="ctr"/>
+            <a:endParaRPr lang="de-DE" sz="750" dirty="0">
+              <a:solidFill>
+                <a:srgbClr val="555555"/>
+              </a:solidFill>
+              <a:latin typeface="Muli" panose="00000500000000000000" pitchFamily="2" charset="0"/>
+            </a:endParaRPr>
+          </a:p>
+          <a:p>
+            <a:pPr algn="ctr"/>
+            <a:r>
+              <a:rPr lang="de-DE" sz="1200" dirty="0">
+                <a:solidFill>
+                  <a:srgbClr val="555555"/>
+                </a:solidFill>
+                <a:latin typeface="Muli" panose="00000500000000000000" pitchFamily="2" charset="0"/>
+              </a:rPr>
+              <a:t>Language </a:t>
+            </a:r>
+            <a:r>
+              <a:rPr lang="de-DE" sz="1200" dirty="0" err="1">
+                <a:solidFill>
+                  <a:srgbClr val="555555"/>
+                </a:solidFill>
+                <a:latin typeface="Muli" panose="00000500000000000000" pitchFamily="2" charset="0"/>
+              </a:rPr>
+              <a:t>Expressions</a:t>
+            </a:r>
+            <a:endParaRPr lang="de-DE" sz="1200" dirty="0">
+              <a:solidFill>
+                <a:srgbClr val="555555"/>
+              </a:solidFill>
+              <a:latin typeface="Muli" panose="00000500000000000000" pitchFamily="2" charset="0"/>
+            </a:endParaRPr>
+          </a:p>
+        </p:txBody>
+      </p:sp>
+      <p:sp>
+        <p:nvSpPr>
+          <p:cNvPr id="37" name="Rechteck 36"/>
+          <p:cNvSpPr/>
+          <p:nvPr/>
+        </p:nvSpPr>
+        <p:spPr>
+          <a:xfrm>
+            <a:off x="3641123" y="2945044"/>
+            <a:ext cx="1952368" cy="1274061"/>
+          </a:xfrm>
+          <a:prstGeom prst="rect">
+            <a:avLst/>
+          </a:prstGeom>
+          <a:solidFill>
+            <a:schemeClr val="accent3">
+              <a:lumMod val="20000"/>
+              <a:lumOff val="80000"/>
+            </a:schemeClr>
+          </a:solidFill>
+          <a:ln w="15875">
+            <a:noFill/>
+          </a:ln>
+        </p:spPr>
+        <p:style>
+          <a:lnRef idx="2">
+            <a:schemeClr val="accent1">
+              <a:shade val="50000"/>
+            </a:schemeClr>
+          </a:lnRef>
+          <a:fillRef idx="1">
+            <a:schemeClr val="accent1"/>
+          </a:fillRef>
+          <a:effectRef idx="0">
+            <a:schemeClr val="accent1"/>
+          </a:effectRef>
+          <a:fontRef idx="minor">
+            <a:schemeClr val="lt1"/>
+          </a:fontRef>
+        </p:style>
+        <p:txBody>
+          <a:bodyPr rtlCol="0" anchor="ctr"/>
+          <a:lstStyle/>
+          <a:p>
+            <a:pPr algn="ctr"/>
+            <a:endParaRPr lang="de-DE" sz="1200" dirty="0">
+              <a:solidFill>
+                <a:schemeClr val="bg1"/>
+              </a:solidFill>
+              <a:latin typeface="Muli" panose="00000500000000000000" pitchFamily="2" charset="0"/>
+            </a:endParaRPr>
+          </a:p>
+        </p:txBody>
+      </p:sp>
+      <p:sp>
+        <p:nvSpPr>
+          <p:cNvPr id="19" name="Textfeld 18"/>
+          <p:cNvSpPr txBox="1"/>
+          <p:nvPr/>
+        </p:nvSpPr>
+        <p:spPr>
+          <a:xfrm>
+            <a:off x="3641122" y="2964722"/>
+            <a:ext cx="1952367" cy="1015663"/>
+          </a:xfrm>
+          <a:prstGeom prst="rect">
+            <a:avLst/>
+          </a:prstGeom>
+          <a:solidFill>
+            <a:schemeClr val="accent3">
+              <a:lumMod val="20000"/>
+              <a:lumOff val="80000"/>
+            </a:schemeClr>
+          </a:solidFill>
+        </p:spPr>
+        <p:txBody>
+          <a:bodyPr wrap="square" rtlCol="0">
+            <a:spAutoFit/>
+          </a:bodyPr>
+          <a:lstStyle/>
+          <a:p>
+            <a:pPr algn="ctr"/>
+            <a:r>
+              <a:rPr lang="de-DE" sz="1200" dirty="0">
+                <a:solidFill>
+                  <a:srgbClr val="555555"/>
+                </a:solidFill>
+                <a:latin typeface="Muli" panose="00000500000000000000" pitchFamily="2" charset="0"/>
+              </a:rPr>
+              <a:t>Null Values</a:t>
+            </a:r>
+          </a:p>
+          <a:p>
+            <a:pPr algn="ctr"/>
+            <a:endParaRPr lang="de-DE" sz="1200" dirty="0">
+              <a:solidFill>
+                <a:srgbClr val="555555"/>
+              </a:solidFill>
+              <a:latin typeface="Muli" panose="00000500000000000000" pitchFamily="2" charset="0"/>
+            </a:endParaRPr>
+          </a:p>
+          <a:p>
+            <a:pPr algn="ctr"/>
+            <a:r>
+              <a:rPr lang="de-DE" sz="1200" dirty="0">
+                <a:solidFill>
+                  <a:srgbClr val="555555"/>
+                </a:solidFill>
+                <a:latin typeface="Muli" panose="00000500000000000000" pitchFamily="2" charset="0"/>
+              </a:rPr>
+              <a:t>Virtual Columns</a:t>
+            </a:r>
+          </a:p>
+          <a:p>
+            <a:pPr algn="ctr"/>
+            <a:endParaRPr lang="de-DE" sz="1200" dirty="0">
+              <a:solidFill>
+                <a:srgbClr val="555555"/>
+              </a:solidFill>
+              <a:latin typeface="Muli" panose="00000500000000000000" pitchFamily="2" charset="0"/>
+            </a:endParaRPr>
+          </a:p>
+          <a:p>
+            <a:pPr algn="ctr"/>
+            <a:r>
+              <a:rPr lang="de-DE" sz="1200" dirty="0" err="1">
+                <a:solidFill>
+                  <a:srgbClr val="555555"/>
+                </a:solidFill>
+                <a:latin typeface="Muli" panose="00000500000000000000" pitchFamily="2" charset="0"/>
+              </a:rPr>
+              <a:t>Semantic</a:t>
+            </a:r>
+            <a:r>
+              <a:rPr lang="de-DE" sz="1200" dirty="0">
+                <a:solidFill>
+                  <a:srgbClr val="555555"/>
+                </a:solidFill>
+                <a:latin typeface="Muli" panose="00000500000000000000" pitchFamily="2" charset="0"/>
+              </a:rPr>
+              <a:t> </a:t>
+            </a:r>
+            <a:r>
+              <a:rPr lang="de-DE" sz="1200" dirty="0" err="1">
+                <a:solidFill>
+                  <a:srgbClr val="555555"/>
+                </a:solidFill>
+                <a:latin typeface="Muli" panose="00000500000000000000" pitchFamily="2" charset="0"/>
+              </a:rPr>
+              <a:t>Incompatibility</a:t>
+            </a:r>
+            <a:endParaRPr lang="de-DE" sz="1200" dirty="0">
+              <a:solidFill>
+                <a:srgbClr val="555555"/>
+              </a:solidFill>
+              <a:latin typeface="Muli" panose="00000500000000000000" pitchFamily="2" charset="0"/>
+            </a:endParaRPr>
+          </a:p>
+        </p:txBody>
+      </p:sp>
+      <p:sp>
+        <p:nvSpPr>
+          <p:cNvPr id="33" name="Rechteck 32"/>
+          <p:cNvSpPr/>
+          <p:nvPr/>
+        </p:nvSpPr>
+        <p:spPr>
+          <a:xfrm>
+            <a:off x="5679250" y="2945043"/>
+            <a:ext cx="2877894" cy="1274062"/>
+          </a:xfrm>
+          <a:prstGeom prst="rect">
+            <a:avLst/>
+          </a:prstGeom>
+          <a:solidFill>
+            <a:schemeClr val="accent4">
+              <a:lumMod val="20000"/>
+              <a:lumOff val="80000"/>
+            </a:schemeClr>
+          </a:solidFill>
+          <a:ln w="15875">
+            <a:noFill/>
+          </a:ln>
+        </p:spPr>
+        <p:style>
+          <a:lnRef idx="2">
+            <a:schemeClr val="accent1">
+              <a:shade val="50000"/>
+            </a:schemeClr>
+          </a:lnRef>
+          <a:fillRef idx="1">
+            <a:schemeClr val="accent1"/>
+          </a:fillRef>
+          <a:effectRef idx="0">
+            <a:schemeClr val="accent1"/>
+          </a:effectRef>
+          <a:fontRef idx="minor">
+            <a:schemeClr val="lt1"/>
+          </a:fontRef>
+        </p:style>
+        <p:txBody>
+          <a:bodyPr rtlCol="0" anchor="ctr"/>
+          <a:lstStyle/>
+          <a:p>
+            <a:pPr algn="ctr"/>
+            <a:endParaRPr lang="de-DE" sz="1200" dirty="0">
+              <a:solidFill>
+                <a:schemeClr val="bg1"/>
+              </a:solidFill>
+              <a:latin typeface="+mj-lt"/>
+            </a:endParaRPr>
+          </a:p>
+        </p:txBody>
+      </p:sp>
+      <p:sp>
+        <p:nvSpPr>
+          <p:cNvPr id="22" name="Textfeld 21"/>
+          <p:cNvSpPr txBox="1"/>
+          <p:nvPr/>
+        </p:nvSpPr>
+        <p:spPr>
+          <a:xfrm>
+            <a:off x="5675267" y="2964722"/>
+            <a:ext cx="2874955" cy="646331"/>
+          </a:xfrm>
+          <a:prstGeom prst="rect">
+            <a:avLst/>
+          </a:prstGeom>
+          <a:noFill/>
+        </p:spPr>
+        <p:txBody>
+          <a:bodyPr wrap="square" rtlCol="0">
+            <a:spAutoFit/>
+          </a:bodyPr>
+          <a:lstStyle/>
+          <a:p>
+            <a:pPr algn="ctr"/>
+            <a:r>
+              <a:rPr lang="de-DE" sz="1200" dirty="0">
+                <a:solidFill>
+                  <a:srgbClr val="555555"/>
+                </a:solidFill>
+                <a:latin typeface="+mj-lt"/>
+              </a:rPr>
+              <a:t>Same </a:t>
+            </a:r>
+            <a:r>
+              <a:rPr lang="de-DE" sz="1200" dirty="0" err="1">
+                <a:solidFill>
+                  <a:srgbClr val="555555"/>
+                </a:solidFill>
+                <a:latin typeface="+mj-lt"/>
+              </a:rPr>
+              <a:t>attribute</a:t>
+            </a:r>
+            <a:r>
+              <a:rPr lang="de-DE" sz="1200" dirty="0">
+                <a:solidFill>
+                  <a:srgbClr val="555555"/>
+                </a:solidFill>
+                <a:latin typeface="+mj-lt"/>
+              </a:rPr>
+              <a:t> in different </a:t>
+            </a:r>
+            <a:r>
+              <a:rPr lang="de-DE" sz="1200" dirty="0" err="1">
+                <a:solidFill>
+                  <a:srgbClr val="555555"/>
+                </a:solidFill>
+                <a:latin typeface="+mj-lt"/>
+              </a:rPr>
+              <a:t>structures</a:t>
+            </a:r>
+            <a:endParaRPr lang="de-DE" sz="1200" dirty="0">
+              <a:solidFill>
+                <a:srgbClr val="555555"/>
+              </a:solidFill>
+              <a:latin typeface="+mj-lt"/>
+            </a:endParaRPr>
+          </a:p>
+          <a:p>
+            <a:pPr algn="ctr"/>
+            <a:endParaRPr lang="de-DE" sz="1200" dirty="0">
+              <a:solidFill>
+                <a:srgbClr val="555555"/>
+              </a:solidFill>
+              <a:latin typeface="+mj-lt"/>
+            </a:endParaRPr>
+          </a:p>
+          <a:p>
+            <a:pPr algn="ctr"/>
+            <a:r>
+              <a:rPr lang="de-DE" sz="1200" dirty="0">
+                <a:solidFill>
+                  <a:srgbClr val="555555"/>
+                </a:solidFill>
+                <a:latin typeface="+mj-lt"/>
+              </a:rPr>
+              <a:t>Handling Sets</a:t>
+            </a:r>
+          </a:p>
+        </p:txBody>
+      </p:sp>
+      <p:sp>
+        <p:nvSpPr>
+          <p:cNvPr id="29" name="Textfeld 28"/>
+          <p:cNvSpPr txBox="1"/>
+          <p:nvPr/>
+        </p:nvSpPr>
+        <p:spPr>
+          <a:xfrm>
+            <a:off x="1376655" y="4271552"/>
+            <a:ext cx="6819694" cy="323165"/>
+          </a:xfrm>
+          <a:prstGeom prst="rect">
+            <a:avLst/>
+          </a:prstGeom>
+          <a:noFill/>
+        </p:spPr>
+        <p:txBody>
+          <a:bodyPr wrap="square" rtlCol="0">
+            <a:spAutoFit/>
+          </a:bodyPr>
+          <a:lstStyle/>
+          <a:p>
+            <a:r>
+              <a:rPr lang="de-DE" sz="750" dirty="0">
+                <a:solidFill>
+                  <a:srgbClr val="555555"/>
+                </a:solidFill>
+                <a:latin typeface="Muli" panose="00000500000000000000" pitchFamily="2" charset="0"/>
+              </a:rPr>
+              <a:t>[Joachim Hammer, Mike </a:t>
+            </a:r>
+            <a:r>
+              <a:rPr lang="de-DE" sz="750" dirty="0" err="1">
+                <a:solidFill>
+                  <a:srgbClr val="555555"/>
+                </a:solidFill>
+                <a:latin typeface="Muli" panose="00000500000000000000" pitchFamily="2" charset="0"/>
+              </a:rPr>
+              <a:t>Stonebraker</a:t>
+            </a:r>
+            <a:r>
+              <a:rPr lang="de-DE" sz="750" dirty="0">
+                <a:solidFill>
+                  <a:srgbClr val="555555"/>
+                </a:solidFill>
+                <a:latin typeface="Muli" panose="00000500000000000000" pitchFamily="2" charset="0"/>
+              </a:rPr>
+              <a:t>, </a:t>
+            </a:r>
+            <a:r>
+              <a:rPr lang="de-DE" sz="750" dirty="0" err="1">
+                <a:solidFill>
+                  <a:srgbClr val="555555"/>
+                </a:solidFill>
+                <a:latin typeface="Muli" panose="00000500000000000000" pitchFamily="2" charset="0"/>
+              </a:rPr>
+              <a:t>Oguzhan</a:t>
+            </a:r>
+            <a:r>
+              <a:rPr lang="de-DE" sz="750" dirty="0">
+                <a:solidFill>
+                  <a:srgbClr val="555555"/>
+                </a:solidFill>
+                <a:latin typeface="Muli" panose="00000500000000000000" pitchFamily="2" charset="0"/>
+              </a:rPr>
+              <a:t> </a:t>
+            </a:r>
+            <a:r>
+              <a:rPr lang="de-DE" sz="750" dirty="0" err="1">
+                <a:solidFill>
+                  <a:srgbClr val="555555"/>
+                </a:solidFill>
+                <a:latin typeface="Muli" panose="00000500000000000000" pitchFamily="2" charset="0"/>
+              </a:rPr>
+              <a:t>Topsakal</a:t>
+            </a:r>
+            <a:r>
+              <a:rPr lang="de-DE" sz="750" dirty="0">
+                <a:solidFill>
+                  <a:srgbClr val="555555"/>
+                </a:solidFill>
+                <a:latin typeface="Muli" panose="00000500000000000000" pitchFamily="2" charset="0"/>
+              </a:rPr>
+              <a:t> : </a:t>
+            </a:r>
+            <a:r>
+              <a:rPr lang="en-US" sz="750" dirty="0">
+                <a:solidFill>
+                  <a:srgbClr val="555555"/>
+                </a:solidFill>
+                <a:latin typeface="Muli" panose="00000500000000000000" pitchFamily="2" charset="0"/>
+              </a:rPr>
+              <a:t>THALIA: Test Harness for the Assessment of Legacy Information </a:t>
+            </a:r>
+            <a:r>
+              <a:rPr lang="de-DE" sz="750" dirty="0">
+                <a:solidFill>
+                  <a:srgbClr val="555555"/>
+                </a:solidFill>
+                <a:latin typeface="Muli" panose="00000500000000000000" pitchFamily="2" charset="0"/>
+              </a:rPr>
+              <a:t>Integration Approaches, </a:t>
+            </a:r>
+            <a:r>
+              <a:rPr lang="de-DE" sz="750" dirty="0" err="1">
+                <a:solidFill>
+                  <a:srgbClr val="555555"/>
+                </a:solidFill>
+                <a:latin typeface="Muli" panose="00000500000000000000" pitchFamily="2" charset="0"/>
+              </a:rPr>
+              <a:t>technical</a:t>
+            </a:r>
+            <a:r>
+              <a:rPr lang="de-DE" sz="750" dirty="0">
+                <a:solidFill>
+                  <a:srgbClr val="555555"/>
+                </a:solidFill>
+                <a:latin typeface="Muli" panose="00000500000000000000" pitchFamily="2" charset="0"/>
+              </a:rPr>
+              <a:t> </a:t>
+            </a:r>
+            <a:r>
+              <a:rPr lang="de-DE" sz="750" dirty="0" err="1">
+                <a:solidFill>
+                  <a:srgbClr val="555555"/>
+                </a:solidFill>
+                <a:latin typeface="Muli" panose="00000500000000000000" pitchFamily="2" charset="0"/>
+              </a:rPr>
+              <a:t>report</a:t>
+            </a:r>
+            <a:r>
+              <a:rPr lang="de-DE" sz="750" dirty="0">
+                <a:solidFill>
+                  <a:srgbClr val="555555"/>
+                </a:solidFill>
+                <a:latin typeface="Muli" panose="00000500000000000000" pitchFamily="2" charset="0"/>
+              </a:rPr>
+              <a:t>, 2004]</a:t>
+            </a:r>
+          </a:p>
+        </p:txBody>
+      </p:sp>
+      <p:sp>
+        <p:nvSpPr>
+          <p:cNvPr id="4" name="Rechteck 3"/>
+          <p:cNvSpPr/>
+          <p:nvPr/>
+        </p:nvSpPr>
+        <p:spPr>
+          <a:xfrm>
+            <a:off x="676424" y="1313722"/>
+            <a:ext cx="7877370" cy="468000"/>
+          </a:xfrm>
+          <a:prstGeom prst="rect">
+            <a:avLst/>
+          </a:prstGeom>
+          <a:solidFill>
+            <a:srgbClr val="01305D"/>
+          </a:solidFill>
+          <a:ln w="15875">
+            <a:solidFill>
+              <a:schemeClr val="bg2">
+                <a:lumMod val="10000"/>
+              </a:schemeClr>
+            </a:solidFill>
+          </a:ln>
+        </p:spPr>
+        <p:style>
+          <a:lnRef idx="2">
+            <a:schemeClr val="accent1">
+              <a:shade val="50000"/>
+            </a:schemeClr>
+          </a:lnRef>
+          <a:fillRef idx="1">
+            <a:schemeClr val="accent1"/>
+          </a:fillRef>
+          <a:effectRef idx="0">
+            <a:schemeClr val="accent1"/>
+          </a:effectRef>
+          <a:fontRef idx="minor">
+            <a:schemeClr val="lt1"/>
+          </a:fontRef>
+        </p:style>
+        <p:txBody>
+          <a:bodyPr rtlCol="0" anchor="ctr"/>
+          <a:lstStyle/>
+          <a:p>
+            <a:pPr algn="ctr"/>
+            <a:r>
+              <a:rPr lang="de-DE" altLang="ko-KR" sz="1800" dirty="0">
+                <a:solidFill>
+                  <a:schemeClr val="bg1"/>
+                </a:solidFill>
+                <a:latin typeface="Muli SemiBold" panose="00000700000000000000" pitchFamily="2" charset="0"/>
+              </a:rPr>
+              <a:t>Algorithmen für </a:t>
+            </a:r>
+            <a:r>
+              <a:rPr lang="de-DE" altLang="ko-KR" sz="1800" dirty="0" err="1">
+                <a:solidFill>
+                  <a:schemeClr val="bg1"/>
+                </a:solidFill>
+                <a:latin typeface="Muli SemiBold" panose="00000700000000000000" pitchFamily="2" charset="0"/>
+              </a:rPr>
+              <a:t>Ausreißererkennung</a:t>
+            </a:r>
+            <a:endParaRPr lang="de-DE" sz="1013" dirty="0">
+              <a:solidFill>
+                <a:schemeClr val="bg1"/>
+              </a:solidFill>
+              <a:latin typeface="Muli SemiBold" panose="00000700000000000000" pitchFamily="2" charset="0"/>
+            </a:endParaRPr>
+          </a:p>
+        </p:txBody>
+      </p:sp>
+      <p:sp>
+        <p:nvSpPr>
+          <p:cNvPr id="31" name="Rechteck 30"/>
+          <p:cNvSpPr/>
+          <p:nvPr/>
+        </p:nvSpPr>
+        <p:spPr>
+          <a:xfrm>
+            <a:off x="676424" y="1843104"/>
+            <a:ext cx="2882322" cy="468000"/>
+          </a:xfrm>
+          <a:prstGeom prst="rect">
+            <a:avLst/>
+          </a:prstGeom>
+          <a:solidFill>
+            <a:srgbClr val="6494BC"/>
+          </a:solidFill>
+          <a:ln w="15875">
+            <a:solidFill>
+              <a:schemeClr val="accent3">
+                <a:lumMod val="50000"/>
+              </a:schemeClr>
+            </a:solidFill>
+          </a:ln>
+        </p:spPr>
+        <p:style>
+          <a:lnRef idx="2">
+            <a:schemeClr val="accent1">
+              <a:shade val="50000"/>
+            </a:schemeClr>
+          </a:lnRef>
+          <a:fillRef idx="1">
+            <a:schemeClr val="accent1"/>
+          </a:fillRef>
+          <a:effectRef idx="0">
+            <a:schemeClr val="accent1"/>
+          </a:effectRef>
+          <a:fontRef idx="minor">
+            <a:schemeClr val="lt1"/>
+          </a:fontRef>
+        </p:style>
+        <p:txBody>
+          <a:bodyPr rtlCol="0" anchor="ctr"/>
+          <a:lstStyle/>
+          <a:p>
+            <a:pPr algn="ctr"/>
+            <a:r>
+              <a:rPr lang="de-DE" sz="1500" dirty="0">
+                <a:solidFill>
+                  <a:schemeClr val="tx1"/>
+                </a:solidFill>
+                <a:latin typeface="Muli SemiBold" panose="00000700000000000000" pitchFamily="2" charset="0"/>
+              </a:rPr>
+              <a:t>Statistikbasiert</a:t>
+            </a:r>
+            <a:endParaRPr lang="de-DE" sz="1200" dirty="0">
+              <a:solidFill>
+                <a:schemeClr val="tx1"/>
+              </a:solidFill>
+              <a:latin typeface="Muli SemiBold" panose="00000700000000000000" pitchFamily="2" charset="0"/>
+            </a:endParaRPr>
+          </a:p>
+        </p:txBody>
+      </p:sp>
+      <p:sp>
+        <p:nvSpPr>
+          <p:cNvPr id="32" name="Rechteck 31"/>
+          <p:cNvSpPr/>
+          <p:nvPr/>
+        </p:nvSpPr>
+        <p:spPr>
+          <a:xfrm>
+            <a:off x="5675870" y="1843104"/>
+            <a:ext cx="2881274" cy="468000"/>
+          </a:xfrm>
+          <a:prstGeom prst="rect">
+            <a:avLst/>
+          </a:prstGeom>
+          <a:solidFill>
+            <a:schemeClr val="accent4">
+              <a:lumMod val="60000"/>
+              <a:lumOff val="40000"/>
+            </a:schemeClr>
+          </a:solidFill>
+          <a:ln w="15875">
+            <a:solidFill>
+              <a:schemeClr val="accent4"/>
+            </a:solidFill>
+          </a:ln>
+        </p:spPr>
+        <p:style>
+          <a:lnRef idx="2">
+            <a:schemeClr val="accent1">
+              <a:shade val="50000"/>
+            </a:schemeClr>
+          </a:lnRef>
+          <a:fillRef idx="1">
+            <a:schemeClr val="accent1"/>
+          </a:fillRef>
+          <a:effectRef idx="0">
+            <a:schemeClr val="accent1"/>
+          </a:effectRef>
+          <a:fontRef idx="minor">
+            <a:schemeClr val="lt1"/>
+          </a:fontRef>
+        </p:style>
+        <p:txBody>
+          <a:bodyPr rtlCol="0" anchor="ctr"/>
+          <a:lstStyle/>
+          <a:p>
+            <a:pPr algn="ctr"/>
+            <a:r>
+              <a:rPr lang="de-DE" sz="1500" dirty="0">
+                <a:solidFill>
+                  <a:schemeClr val="tx1"/>
+                </a:solidFill>
+                <a:latin typeface="Muli SemiBold" panose="00000700000000000000" pitchFamily="2" charset="0"/>
+              </a:rPr>
+              <a:t>Dichtebasiert</a:t>
+            </a:r>
+            <a:endParaRPr lang="de-DE" sz="1200" dirty="0">
+              <a:solidFill>
+                <a:schemeClr val="tx1"/>
+              </a:solidFill>
+              <a:latin typeface="Muli SemiBold" panose="00000700000000000000" pitchFamily="2" charset="0"/>
+            </a:endParaRPr>
+          </a:p>
+        </p:txBody>
+      </p:sp>
+      <p:sp>
+        <p:nvSpPr>
+          <p:cNvPr id="35" name="Rechteck 34"/>
+          <p:cNvSpPr/>
+          <p:nvPr/>
+        </p:nvSpPr>
+        <p:spPr>
+          <a:xfrm>
+            <a:off x="3641123" y="2405044"/>
+            <a:ext cx="1952368" cy="468000"/>
+          </a:xfrm>
+          <a:prstGeom prst="rect">
+            <a:avLst/>
+          </a:prstGeom>
+          <a:solidFill>
+            <a:schemeClr val="accent3">
+              <a:lumMod val="40000"/>
+              <a:lumOff val="60000"/>
+            </a:schemeClr>
+          </a:solidFill>
+          <a:ln w="15875">
+            <a:solidFill>
+              <a:schemeClr val="accent3">
+                <a:lumMod val="75000"/>
+              </a:schemeClr>
+            </a:solidFill>
+          </a:ln>
+        </p:spPr>
+        <p:style>
+          <a:lnRef idx="2">
+            <a:schemeClr val="accent1">
+              <a:shade val="50000"/>
+            </a:schemeClr>
+          </a:lnRef>
+          <a:fillRef idx="1">
+            <a:schemeClr val="accent1"/>
+          </a:fillRef>
+          <a:effectRef idx="0">
+            <a:schemeClr val="accent1"/>
+          </a:effectRef>
+          <a:fontRef idx="minor">
+            <a:schemeClr val="lt1"/>
+          </a:fontRef>
+        </p:style>
+        <p:txBody>
+          <a:bodyPr rtlCol="0" anchor="ctr"/>
+          <a:lstStyle/>
+          <a:p>
+            <a:pPr algn="ctr"/>
+            <a:r>
+              <a:rPr lang="de-DE" sz="1200" dirty="0">
+                <a:solidFill>
+                  <a:schemeClr val="tx1"/>
+                </a:solidFill>
+                <a:latin typeface="Muli SemiBold" panose="00000700000000000000" pitchFamily="2" charset="0"/>
+              </a:rPr>
+              <a:t>K-</a:t>
+            </a:r>
+            <a:r>
+              <a:rPr lang="de-DE" sz="1200" dirty="0" err="1">
+                <a:solidFill>
+                  <a:schemeClr val="tx1"/>
+                </a:solidFill>
+                <a:latin typeface="Muli SemiBold" panose="00000700000000000000" pitchFamily="2" charset="0"/>
+              </a:rPr>
+              <a:t>Means</a:t>
+            </a:r>
+            <a:r>
+              <a:rPr lang="de-DE" sz="1200" dirty="0">
+                <a:solidFill>
+                  <a:schemeClr val="tx1"/>
+                </a:solidFill>
+                <a:latin typeface="Muli SemiBold" panose="00000700000000000000" pitchFamily="2" charset="0"/>
+              </a:rPr>
+              <a:t> Clustering</a:t>
+            </a:r>
+            <a:endParaRPr lang="de-DE" sz="1800" dirty="0">
+              <a:solidFill>
+                <a:schemeClr val="tx1"/>
+              </a:solidFill>
+              <a:latin typeface="Muli SemiBold" panose="00000700000000000000" pitchFamily="2" charset="0"/>
+            </a:endParaRPr>
+          </a:p>
+        </p:txBody>
+      </p:sp>
+      <p:sp>
+        <p:nvSpPr>
+          <p:cNvPr id="21" name="Rechteck 20"/>
+          <p:cNvSpPr/>
+          <p:nvPr/>
+        </p:nvSpPr>
+        <p:spPr>
+          <a:xfrm>
+            <a:off x="676424" y="2405044"/>
+            <a:ext cx="1440700" cy="468000"/>
+          </a:xfrm>
+          <a:prstGeom prst="rect">
+            <a:avLst/>
+          </a:prstGeom>
+          <a:solidFill>
+            <a:srgbClr val="6494BC"/>
+          </a:solidFill>
+          <a:ln w="15875">
+            <a:solidFill>
+              <a:schemeClr val="accent3">
+                <a:lumMod val="75000"/>
+              </a:schemeClr>
+            </a:solidFill>
+          </a:ln>
+        </p:spPr>
+        <p:style>
+          <a:lnRef idx="2">
+            <a:schemeClr val="accent1">
+              <a:shade val="50000"/>
+            </a:schemeClr>
+          </a:lnRef>
+          <a:fillRef idx="1">
+            <a:schemeClr val="accent1"/>
+          </a:fillRef>
+          <a:effectRef idx="0">
+            <a:schemeClr val="accent1"/>
+          </a:effectRef>
+          <a:fontRef idx="minor">
+            <a:schemeClr val="lt1"/>
+          </a:fontRef>
+        </p:style>
+        <p:txBody>
+          <a:bodyPr rtlCol="0" anchor="ctr"/>
+          <a:lstStyle/>
+          <a:p>
+            <a:pPr algn="ctr"/>
+            <a:r>
+              <a:rPr lang="de-DE" sz="1200" dirty="0" err="1">
+                <a:solidFill>
+                  <a:schemeClr val="tx1"/>
+                </a:solidFill>
+                <a:latin typeface="Muli SemiBold" panose="00000700000000000000" pitchFamily="2" charset="0"/>
+              </a:rPr>
+              <a:t>Interquartile</a:t>
+            </a:r>
+            <a:r>
+              <a:rPr lang="de-DE" sz="1200" dirty="0">
+                <a:solidFill>
+                  <a:schemeClr val="tx1"/>
+                </a:solidFill>
+                <a:latin typeface="Muli SemiBold" panose="00000700000000000000" pitchFamily="2" charset="0"/>
+              </a:rPr>
+              <a:t> Range</a:t>
+            </a:r>
+            <a:endParaRPr lang="de-DE" sz="1800" dirty="0">
+              <a:solidFill>
+                <a:schemeClr val="tx1"/>
+              </a:solidFill>
+              <a:latin typeface="Muli SemiBold" panose="00000700000000000000" pitchFamily="2" charset="0"/>
+            </a:endParaRPr>
+          </a:p>
+        </p:txBody>
+      </p:sp>
+      <p:sp>
+        <p:nvSpPr>
+          <p:cNvPr id="15" name="Rechteck 30">
+            <a:extLst>
+              <a:ext uri="{FF2B5EF4-FFF2-40B4-BE49-F238E27FC236}">
+                <a16:creationId xmlns:a16="http://schemas.microsoft.com/office/drawing/2014/main" id="{AFA1A339-8C8D-9A40-B354-AB6C62EE6E35}"/>
+              </a:ext>
+            </a:extLst>
+          </p:cNvPr>
+          <p:cNvSpPr/>
+          <p:nvPr/>
+        </p:nvSpPr>
+        <p:spPr>
+          <a:xfrm>
+            <a:off x="3641124" y="1843104"/>
+            <a:ext cx="1952368" cy="468000"/>
+          </a:xfrm>
+          <a:prstGeom prst="rect">
+            <a:avLst/>
+          </a:prstGeom>
+          <a:solidFill>
+            <a:schemeClr val="accent3">
+              <a:lumMod val="60000"/>
+              <a:lumOff val="40000"/>
+            </a:schemeClr>
+          </a:solidFill>
+          <a:ln w="15875">
+            <a:solidFill>
+              <a:schemeClr val="accent3">
+                <a:lumMod val="50000"/>
+              </a:schemeClr>
+            </a:solidFill>
+          </a:ln>
+        </p:spPr>
+        <p:style>
+          <a:lnRef idx="2">
+            <a:schemeClr val="accent1">
+              <a:shade val="50000"/>
+            </a:schemeClr>
+          </a:lnRef>
+          <a:fillRef idx="1">
+            <a:schemeClr val="accent1"/>
+          </a:fillRef>
+          <a:effectRef idx="0">
+            <a:schemeClr val="accent1"/>
+          </a:effectRef>
+          <a:fontRef idx="minor">
+            <a:schemeClr val="lt1"/>
+          </a:fontRef>
+        </p:style>
+        <p:txBody>
+          <a:bodyPr rtlCol="0" anchor="ctr"/>
+          <a:lstStyle/>
+          <a:p>
+            <a:pPr algn="ctr"/>
+            <a:r>
+              <a:rPr lang="de-DE" sz="1500" dirty="0">
+                <a:solidFill>
+                  <a:schemeClr val="tx1"/>
+                </a:solidFill>
+                <a:latin typeface="Muli SemiBold" panose="00000700000000000000" pitchFamily="2" charset="0"/>
+              </a:rPr>
+              <a:t>Clusterbasiert</a:t>
+            </a:r>
+            <a:endParaRPr lang="de-DE" sz="1200" dirty="0">
+              <a:solidFill>
+                <a:schemeClr val="tx1"/>
+              </a:solidFill>
+              <a:latin typeface="Muli SemiBold" panose="00000700000000000000" pitchFamily="2" charset="0"/>
+            </a:endParaRPr>
+          </a:p>
+        </p:txBody>
+      </p:sp>
+      <p:sp>
+        <p:nvSpPr>
+          <p:cNvPr id="16" name="Rechteck 20">
+            <a:extLst>
+              <a:ext uri="{FF2B5EF4-FFF2-40B4-BE49-F238E27FC236}">
+                <a16:creationId xmlns:a16="http://schemas.microsoft.com/office/drawing/2014/main" id="{05363086-4B2E-0E4C-B781-AF3FACE73DBD}"/>
+              </a:ext>
+            </a:extLst>
+          </p:cNvPr>
+          <p:cNvSpPr/>
+          <p:nvPr/>
+        </p:nvSpPr>
+        <p:spPr>
+          <a:xfrm>
+            <a:off x="2114663" y="2405044"/>
+            <a:ext cx="1440700" cy="468000"/>
+          </a:xfrm>
+          <a:prstGeom prst="rect">
+            <a:avLst/>
+          </a:prstGeom>
+          <a:solidFill>
+            <a:srgbClr val="6494BC"/>
+          </a:solidFill>
+          <a:ln w="15875">
+            <a:solidFill>
+              <a:schemeClr val="accent3">
+                <a:lumMod val="75000"/>
+              </a:schemeClr>
+            </a:solidFill>
+          </a:ln>
+        </p:spPr>
+        <p:style>
+          <a:lnRef idx="2">
+            <a:schemeClr val="accent1">
+              <a:shade val="50000"/>
+            </a:schemeClr>
+          </a:lnRef>
+          <a:fillRef idx="1">
+            <a:schemeClr val="accent1"/>
+          </a:fillRef>
+          <a:effectRef idx="0">
+            <a:schemeClr val="accent1"/>
+          </a:effectRef>
+          <a:fontRef idx="minor">
+            <a:schemeClr val="lt1"/>
+          </a:fontRef>
+        </p:style>
+        <p:txBody>
+          <a:bodyPr rtlCol="0" anchor="ctr"/>
+          <a:lstStyle/>
+          <a:p>
+            <a:pPr algn="ctr"/>
+            <a:r>
+              <a:rPr lang="de-DE" sz="1200" dirty="0">
+                <a:solidFill>
+                  <a:schemeClr val="tx1"/>
+                </a:solidFill>
+                <a:latin typeface="Muli SemiBold" panose="00000700000000000000" pitchFamily="2" charset="0"/>
+              </a:rPr>
+              <a:t>Z-</a:t>
+            </a:r>
+            <a:r>
+              <a:rPr lang="de-DE" sz="1200" dirty="0" err="1">
+                <a:solidFill>
+                  <a:schemeClr val="tx1"/>
+                </a:solidFill>
+                <a:latin typeface="Muli SemiBold" panose="00000700000000000000" pitchFamily="2" charset="0"/>
+              </a:rPr>
+              <a:t>Scoer</a:t>
+            </a:r>
+            <a:r>
+              <a:rPr lang="de-DE" sz="1200" dirty="0">
+                <a:solidFill>
+                  <a:schemeClr val="tx1"/>
+                </a:solidFill>
+                <a:latin typeface="Muli SemiBold" panose="00000700000000000000" pitchFamily="2" charset="0"/>
+              </a:rPr>
+              <a:t> Filter</a:t>
+            </a:r>
+            <a:endParaRPr lang="de-DE" sz="1800" dirty="0">
+              <a:solidFill>
+                <a:schemeClr val="tx1"/>
+              </a:solidFill>
+              <a:latin typeface="Muli SemiBold" panose="00000700000000000000" pitchFamily="2" charset="0"/>
+            </a:endParaRPr>
+          </a:p>
+        </p:txBody>
+      </p:sp>
+      <p:sp>
+        <p:nvSpPr>
+          <p:cNvPr id="18" name="Rechteck 20">
+            <a:extLst>
+              <a:ext uri="{FF2B5EF4-FFF2-40B4-BE49-F238E27FC236}">
+                <a16:creationId xmlns:a16="http://schemas.microsoft.com/office/drawing/2014/main" id="{6C7675C3-4BCA-8942-BAD0-CF47142B54A6}"/>
+              </a:ext>
+            </a:extLst>
+          </p:cNvPr>
+          <p:cNvSpPr/>
+          <p:nvPr/>
+        </p:nvSpPr>
+        <p:spPr>
+          <a:xfrm>
+            <a:off x="5671283" y="2400473"/>
+            <a:ext cx="1440700" cy="468000"/>
+          </a:xfrm>
+          <a:prstGeom prst="rect">
+            <a:avLst/>
+          </a:prstGeom>
+          <a:solidFill>
+            <a:srgbClr val="6494BC"/>
+          </a:solidFill>
+          <a:ln w="15875">
+            <a:solidFill>
+              <a:schemeClr val="accent3">
+                <a:lumMod val="75000"/>
+              </a:schemeClr>
+            </a:solidFill>
+          </a:ln>
+        </p:spPr>
+        <p:style>
+          <a:lnRef idx="2">
+            <a:schemeClr val="accent1">
+              <a:shade val="50000"/>
+            </a:schemeClr>
+          </a:lnRef>
+          <a:fillRef idx="1">
+            <a:schemeClr val="accent1"/>
+          </a:fillRef>
+          <a:effectRef idx="0">
+            <a:schemeClr val="accent1"/>
+          </a:effectRef>
+          <a:fontRef idx="minor">
+            <a:schemeClr val="lt1"/>
+          </a:fontRef>
+        </p:style>
+        <p:txBody>
+          <a:bodyPr rtlCol="0" anchor="ctr"/>
+          <a:lstStyle/>
+          <a:p>
+            <a:pPr algn="ctr"/>
+            <a:r>
+              <a:rPr lang="en" sz="1200" dirty="0">
+                <a:solidFill>
+                  <a:schemeClr val="tx1"/>
+                </a:solidFill>
+                <a:latin typeface="Muli SemiBold" panose="00000700000000000000" pitchFamily="2" charset="0"/>
+              </a:rPr>
+              <a:t>Local Outlier Factor</a:t>
+            </a:r>
+            <a:endParaRPr lang="de-DE" sz="1800" dirty="0">
+              <a:solidFill>
+                <a:schemeClr val="tx1"/>
+              </a:solidFill>
+              <a:latin typeface="Muli SemiBold" panose="00000700000000000000" pitchFamily="2" charset="0"/>
+            </a:endParaRPr>
+          </a:p>
+        </p:txBody>
+      </p:sp>
+      <p:sp>
+        <p:nvSpPr>
+          <p:cNvPr id="20" name="Rechteck 20">
+            <a:extLst>
+              <a:ext uri="{FF2B5EF4-FFF2-40B4-BE49-F238E27FC236}">
+                <a16:creationId xmlns:a16="http://schemas.microsoft.com/office/drawing/2014/main" id="{6DA86ED3-2B6F-154D-83C0-BD1D4A0E658F}"/>
+              </a:ext>
+            </a:extLst>
+          </p:cNvPr>
+          <p:cNvSpPr/>
+          <p:nvPr/>
+        </p:nvSpPr>
+        <p:spPr>
+          <a:xfrm>
+            <a:off x="7109522" y="2400473"/>
+            <a:ext cx="1440700" cy="468000"/>
+          </a:xfrm>
+          <a:prstGeom prst="rect">
+            <a:avLst/>
+          </a:prstGeom>
+          <a:solidFill>
+            <a:srgbClr val="6494BC"/>
+          </a:solidFill>
+          <a:ln w="15875">
+            <a:solidFill>
+              <a:schemeClr val="accent3">
+                <a:lumMod val="75000"/>
+              </a:schemeClr>
+            </a:solidFill>
+          </a:ln>
+        </p:spPr>
+        <p:style>
+          <a:lnRef idx="2">
+            <a:schemeClr val="accent1">
+              <a:shade val="50000"/>
+            </a:schemeClr>
+          </a:lnRef>
+          <a:fillRef idx="1">
+            <a:schemeClr val="accent1"/>
+          </a:fillRef>
+          <a:effectRef idx="0">
+            <a:schemeClr val="accent1"/>
+          </a:effectRef>
+          <a:fontRef idx="minor">
+            <a:schemeClr val="lt1"/>
+          </a:fontRef>
+        </p:style>
+        <p:txBody>
+          <a:bodyPr rtlCol="0" anchor="ctr"/>
+          <a:lstStyle/>
+          <a:p>
+            <a:pPr algn="ctr"/>
+            <a:r>
+              <a:rPr lang="en" altLang="ko-KR" sz="1200" dirty="0">
+                <a:solidFill>
+                  <a:schemeClr val="tx1"/>
+                </a:solidFill>
+                <a:latin typeface="Muli SemiBold" panose="00000700000000000000" pitchFamily="2" charset="0"/>
+              </a:rPr>
+              <a:t>Isolation Forest</a:t>
+            </a:r>
+            <a:endParaRPr lang="de-DE" altLang="ko-KR" sz="1800" dirty="0">
+              <a:solidFill>
+                <a:schemeClr val="tx1"/>
+              </a:solidFill>
+              <a:latin typeface="Muli SemiBold" panose="00000700000000000000" pitchFamily="2" charset="0"/>
+            </a:endParaRPr>
+          </a:p>
+        </p:txBody>
+      </p:sp>
+    </p:spTree>
+    <p:extLst>
+      <p:ext uri="{BB962C8B-B14F-4D97-AF65-F5344CB8AC3E}">
+        <p14:creationId xmlns:p14="http://schemas.microsoft.com/office/powerpoint/2010/main" val="4014752962"/>
+      </p:ext>
+    </p:extLst>
+  </p:cSld>
+  <p:clrMapOvr>
+    <a:masterClrMapping/>
+  </p:clrMapOvr>
+  <p:timing>
+    <p:tnLst>
+      <p:par>
+        <p:cTn id="1" dur="indefinite" restart="never" nodeType="tmRoot">
+          <p:childTnLst>
+            <p:seq concurrent="1" nextAc="seek">
+              <p:cTn id="2" dur="indefinite" nodeType="mainSeq">
+                <p:childTnLst>
+                  <p:par>
+                    <p:cTn id="3" fill="hold">
+                      <p:stCondLst>
+                        <p:cond delay="indefinite"/>
+                      </p:stCondLst>
+                      <p:childTnLst>
+                        <p:par>
+                          <p:cTn id="4" fill="hold">
+                            <p:stCondLst>
+                              <p:cond delay="0"/>
+                            </p:stCondLst>
+                            <p:childTnLst>
+                              <p:par>
+                                <p:cTn id="5" presetID="47" presetClass="entr" presetSubtype="0" fill="hold" grpId="0" nodeType="clickEffect">
+                                  <p:stCondLst>
+                                    <p:cond delay="0"/>
+                                  </p:stCondLst>
+                                  <p:childTnLst>
+                                    <p:set>
+                                      <p:cBhvr>
+                                        <p:cTn id="6" dur="1" fill="hold">
+                                          <p:stCondLst>
+                                            <p:cond delay="0"/>
+                                          </p:stCondLst>
+                                        </p:cTn>
+                                        <p:tgtEl>
+                                          <p:spTgt spid="31"/>
+                                        </p:tgtEl>
+                                        <p:attrNameLst>
+                                          <p:attrName>style.visibility</p:attrName>
+                                        </p:attrNameLst>
+                                      </p:cBhvr>
+                                      <p:to>
+                                        <p:strVal val="visible"/>
+                                      </p:to>
+                                    </p:set>
+                                    <p:animEffect transition="in" filter="fade">
+                                      <p:cBhvr>
+                                        <p:cTn id="7" dur="500"/>
+                                        <p:tgtEl>
+                                          <p:spTgt spid="31"/>
+                                        </p:tgtEl>
+                                      </p:cBhvr>
+                                    </p:animEffect>
+                                    <p:anim calcmode="lin" valueType="num">
+                                      <p:cBhvr>
+                                        <p:cTn id="8" dur="500" fill="hold"/>
+                                        <p:tgtEl>
+                                          <p:spTgt spid="31"/>
+                                        </p:tgtEl>
+                                        <p:attrNameLst>
+                                          <p:attrName>ppt_x</p:attrName>
+                                        </p:attrNameLst>
+                                      </p:cBhvr>
+                                      <p:tavLst>
+                                        <p:tav tm="0">
+                                          <p:val>
+                                            <p:strVal val="#ppt_x"/>
+                                          </p:val>
+                                        </p:tav>
+                                        <p:tav tm="100000">
+                                          <p:val>
+                                            <p:strVal val="#ppt_x"/>
+                                          </p:val>
+                                        </p:tav>
+                                      </p:tavLst>
+                                    </p:anim>
+                                    <p:anim calcmode="lin" valueType="num">
+                                      <p:cBhvr>
+                                        <p:cTn id="9" dur="500" fill="hold"/>
+                                        <p:tgtEl>
+                                          <p:spTgt spid="31"/>
+                                        </p:tgtEl>
+                                        <p:attrNameLst>
+                                          <p:attrName>ppt_y</p:attrName>
+                                        </p:attrNameLst>
+                                      </p:cBhvr>
+                                      <p:tavLst>
+                                        <p:tav tm="0">
+                                          <p:val>
+                                            <p:strVal val="#ppt_y-.1"/>
+                                          </p:val>
+                                        </p:tav>
+                                        <p:tav tm="100000">
+                                          <p:val>
+                                            <p:strVal val="#ppt_y"/>
+                                          </p:val>
+                                        </p:tav>
+                                      </p:tavLst>
+                                    </p:anim>
+                                  </p:childTnLst>
+                                </p:cTn>
+                              </p:par>
+                              <p:par>
+                                <p:cTn id="10" presetID="47" presetClass="entr" presetSubtype="0" fill="hold" grpId="0" nodeType="withEffect">
+                                  <p:stCondLst>
+                                    <p:cond delay="0"/>
+                                  </p:stCondLst>
+                                  <p:childTnLst>
+                                    <p:set>
+                                      <p:cBhvr>
+                                        <p:cTn id="11" dur="1" fill="hold">
+                                          <p:stCondLst>
+                                            <p:cond delay="0"/>
+                                          </p:stCondLst>
+                                        </p:cTn>
+                                        <p:tgtEl>
+                                          <p:spTgt spid="32"/>
+                                        </p:tgtEl>
+                                        <p:attrNameLst>
+                                          <p:attrName>style.visibility</p:attrName>
+                                        </p:attrNameLst>
+                                      </p:cBhvr>
+                                      <p:to>
+                                        <p:strVal val="visible"/>
+                                      </p:to>
+                                    </p:set>
+                                    <p:animEffect transition="in" filter="fade">
+                                      <p:cBhvr>
+                                        <p:cTn id="12" dur="500"/>
+                                        <p:tgtEl>
+                                          <p:spTgt spid="32"/>
+                                        </p:tgtEl>
+                                      </p:cBhvr>
+                                    </p:animEffect>
+                                    <p:anim calcmode="lin" valueType="num">
+                                      <p:cBhvr>
+                                        <p:cTn id="13" dur="500" fill="hold"/>
+                                        <p:tgtEl>
+                                          <p:spTgt spid="32"/>
+                                        </p:tgtEl>
+                                        <p:attrNameLst>
+                                          <p:attrName>ppt_x</p:attrName>
+                                        </p:attrNameLst>
+                                      </p:cBhvr>
+                                      <p:tavLst>
+                                        <p:tav tm="0">
+                                          <p:val>
+                                            <p:strVal val="#ppt_x"/>
+                                          </p:val>
+                                        </p:tav>
+                                        <p:tav tm="100000">
+                                          <p:val>
+                                            <p:strVal val="#ppt_x"/>
+                                          </p:val>
+                                        </p:tav>
+                                      </p:tavLst>
+                                    </p:anim>
+                                    <p:anim calcmode="lin" valueType="num">
+                                      <p:cBhvr>
+                                        <p:cTn id="14" dur="500" fill="hold"/>
+                                        <p:tgtEl>
+                                          <p:spTgt spid="32"/>
+                                        </p:tgtEl>
+                                        <p:attrNameLst>
+                                          <p:attrName>ppt_y</p:attrName>
+                                        </p:attrNameLst>
+                                      </p:cBhvr>
+                                      <p:tavLst>
+                                        <p:tav tm="0">
+                                          <p:val>
+                                            <p:strVal val="#ppt_y-.1"/>
+                                          </p:val>
+                                        </p:tav>
+                                        <p:tav tm="100000">
+                                          <p:val>
+                                            <p:strVal val="#ppt_y"/>
+                                          </p:val>
+                                        </p:tav>
+                                      </p:tavLst>
+                                    </p:anim>
+                                  </p:childTnLst>
+                                </p:cTn>
+                              </p:par>
+                            </p:childTnLst>
+                          </p:cTn>
+                        </p:par>
+                      </p:childTnLst>
+                    </p:cTn>
+                  </p:par>
+                  <p:par>
+                    <p:cTn id="15" fill="hold">
+                      <p:stCondLst>
+                        <p:cond delay="indefinite"/>
+                      </p:stCondLst>
+                      <p:childTnLst>
+                        <p:par>
+                          <p:cTn id="16" fill="hold">
+                            <p:stCondLst>
+                              <p:cond delay="0"/>
+                            </p:stCondLst>
+                            <p:childTnLst>
+                              <p:par>
+                                <p:cTn id="17" presetID="47" presetClass="entr" presetSubtype="0" fill="hold" grpId="0" nodeType="clickEffect">
+                                  <p:stCondLst>
+                                    <p:cond delay="0"/>
+                                  </p:stCondLst>
+                                  <p:childTnLst>
+                                    <p:set>
+                                      <p:cBhvr>
+                                        <p:cTn id="18" dur="1" fill="hold">
+                                          <p:stCondLst>
+                                            <p:cond delay="0"/>
+                                          </p:stCondLst>
+                                        </p:cTn>
+                                        <p:tgtEl>
+                                          <p:spTgt spid="35"/>
+                                        </p:tgtEl>
+                                        <p:attrNameLst>
+                                          <p:attrName>style.visibility</p:attrName>
+                                        </p:attrNameLst>
+                                      </p:cBhvr>
+                                      <p:to>
+                                        <p:strVal val="visible"/>
+                                      </p:to>
+                                    </p:set>
+                                    <p:animEffect transition="in" filter="fade">
+                                      <p:cBhvr>
+                                        <p:cTn id="19" dur="500"/>
+                                        <p:tgtEl>
+                                          <p:spTgt spid="35"/>
+                                        </p:tgtEl>
+                                      </p:cBhvr>
+                                    </p:animEffect>
+                                    <p:anim calcmode="lin" valueType="num">
+                                      <p:cBhvr>
+                                        <p:cTn id="20" dur="500" fill="hold"/>
+                                        <p:tgtEl>
+                                          <p:spTgt spid="35"/>
+                                        </p:tgtEl>
+                                        <p:attrNameLst>
+                                          <p:attrName>ppt_x</p:attrName>
+                                        </p:attrNameLst>
+                                      </p:cBhvr>
+                                      <p:tavLst>
+                                        <p:tav tm="0">
+                                          <p:val>
+                                            <p:strVal val="#ppt_x"/>
+                                          </p:val>
+                                        </p:tav>
+                                        <p:tav tm="100000">
+                                          <p:val>
+                                            <p:strVal val="#ppt_x"/>
+                                          </p:val>
+                                        </p:tav>
+                                      </p:tavLst>
+                                    </p:anim>
+                                    <p:anim calcmode="lin" valueType="num">
+                                      <p:cBhvr>
+                                        <p:cTn id="21" dur="500" fill="hold"/>
+                                        <p:tgtEl>
+                                          <p:spTgt spid="35"/>
+                                        </p:tgtEl>
+                                        <p:attrNameLst>
+                                          <p:attrName>ppt_y</p:attrName>
+                                        </p:attrNameLst>
+                                      </p:cBhvr>
+                                      <p:tavLst>
+                                        <p:tav tm="0">
+                                          <p:val>
+                                            <p:strVal val="#ppt_y-.1"/>
+                                          </p:val>
+                                        </p:tav>
+                                        <p:tav tm="100000">
+                                          <p:val>
+                                            <p:strVal val="#ppt_y"/>
+                                          </p:val>
+                                        </p:tav>
+                                      </p:tavLst>
+                                    </p:anim>
+                                  </p:childTnLst>
+                                </p:cTn>
+                              </p:par>
+                              <p:par>
+                                <p:cTn id="22" presetID="26" presetClass="emph" presetSubtype="0" repeatCount="5000" fill="hold" grpId="1" nodeType="withEffect">
+                                  <p:stCondLst>
+                                    <p:cond delay="0"/>
+                                  </p:stCondLst>
+                                  <p:childTnLst>
+                                    <p:animEffect transition="out" filter="fade">
+                                      <p:cBhvr>
+                                        <p:cTn id="23" dur="1000" tmFilter="0, 0; .2, .5; .8, .5; 1, 0"/>
+                                        <p:tgtEl>
+                                          <p:spTgt spid="35"/>
+                                        </p:tgtEl>
+                                      </p:cBhvr>
+                                    </p:animEffect>
+                                    <p:animScale>
+                                      <p:cBhvr>
+                                        <p:cTn id="24" dur="500" autoRev="1" fill="hold"/>
+                                        <p:tgtEl>
+                                          <p:spTgt spid="35"/>
+                                        </p:tgtEl>
+                                      </p:cBhvr>
+                                      <p:by x="105000" y="105000"/>
+                                    </p:animScale>
+                                  </p:childTnLst>
+                                </p:cTn>
+                              </p:par>
+                            </p:childTnLst>
+                          </p:cTn>
+                        </p:par>
+                      </p:childTnLst>
+                    </p:cTn>
+                  </p:par>
+                  <p:par>
+                    <p:cTn id="25" fill="hold">
+                      <p:stCondLst>
+                        <p:cond delay="indefinite"/>
+                      </p:stCondLst>
+                      <p:childTnLst>
+                        <p:par>
+                          <p:cTn id="26" fill="hold">
+                            <p:stCondLst>
+                              <p:cond delay="0"/>
+                            </p:stCondLst>
+                            <p:childTnLst>
+                              <p:par>
+                                <p:cTn id="27" presetID="47" presetClass="entr" presetSubtype="0" fill="hold" grpId="0" nodeType="clickEffect">
+                                  <p:stCondLst>
+                                    <p:cond delay="0"/>
+                                  </p:stCondLst>
+                                  <p:childTnLst>
+                                    <p:set>
+                                      <p:cBhvr>
+                                        <p:cTn id="28" dur="1" fill="hold">
+                                          <p:stCondLst>
+                                            <p:cond delay="0"/>
+                                          </p:stCondLst>
+                                        </p:cTn>
+                                        <p:tgtEl>
+                                          <p:spTgt spid="21"/>
+                                        </p:tgtEl>
+                                        <p:attrNameLst>
+                                          <p:attrName>style.visibility</p:attrName>
+                                        </p:attrNameLst>
+                                      </p:cBhvr>
+                                      <p:to>
+                                        <p:strVal val="visible"/>
+                                      </p:to>
+                                    </p:set>
+                                    <p:animEffect transition="in" filter="fade">
+                                      <p:cBhvr>
+                                        <p:cTn id="29" dur="500"/>
+                                        <p:tgtEl>
+                                          <p:spTgt spid="21"/>
+                                        </p:tgtEl>
+                                      </p:cBhvr>
+                                    </p:animEffect>
+                                    <p:anim calcmode="lin" valueType="num">
+                                      <p:cBhvr>
+                                        <p:cTn id="30" dur="500" fill="hold"/>
+                                        <p:tgtEl>
+                                          <p:spTgt spid="21"/>
+                                        </p:tgtEl>
+                                        <p:attrNameLst>
+                                          <p:attrName>ppt_x</p:attrName>
+                                        </p:attrNameLst>
+                                      </p:cBhvr>
+                                      <p:tavLst>
+                                        <p:tav tm="0">
+                                          <p:val>
+                                            <p:strVal val="#ppt_x"/>
+                                          </p:val>
+                                        </p:tav>
+                                        <p:tav tm="100000">
+                                          <p:val>
+                                            <p:strVal val="#ppt_x"/>
+                                          </p:val>
+                                        </p:tav>
+                                      </p:tavLst>
+                                    </p:anim>
+                                    <p:anim calcmode="lin" valueType="num">
+                                      <p:cBhvr>
+                                        <p:cTn id="31" dur="500" fill="hold"/>
+                                        <p:tgtEl>
+                                          <p:spTgt spid="21"/>
+                                        </p:tgtEl>
+                                        <p:attrNameLst>
+                                          <p:attrName>ppt_y</p:attrName>
+                                        </p:attrNameLst>
+                                      </p:cBhvr>
+                                      <p:tavLst>
+                                        <p:tav tm="0">
+                                          <p:val>
+                                            <p:strVal val="#ppt_y-.1"/>
+                                          </p:val>
+                                        </p:tav>
+                                        <p:tav tm="100000">
+                                          <p:val>
+                                            <p:strVal val="#ppt_y"/>
+                                          </p:val>
+                                        </p:tav>
+                                      </p:tavLst>
+                                    </p:anim>
+                                  </p:childTnLst>
+                                </p:cTn>
+                              </p:par>
+                              <p:par>
+                                <p:cTn id="32" presetID="26" presetClass="emph" presetSubtype="0" repeatCount="5000" fill="hold" grpId="1" nodeType="withEffect">
+                                  <p:stCondLst>
+                                    <p:cond delay="0"/>
+                                  </p:stCondLst>
+                                  <p:childTnLst>
+                                    <p:animEffect transition="out" filter="fade">
+                                      <p:cBhvr>
+                                        <p:cTn id="33" dur="1000" tmFilter="0, 0; .2, .5; .8, .5; 1, 0"/>
+                                        <p:tgtEl>
+                                          <p:spTgt spid="21"/>
+                                        </p:tgtEl>
+                                      </p:cBhvr>
+                                    </p:animEffect>
+                                    <p:animScale>
+                                      <p:cBhvr>
+                                        <p:cTn id="34" dur="500" autoRev="1" fill="hold"/>
+                                        <p:tgtEl>
+                                          <p:spTgt spid="21"/>
+                                        </p:tgtEl>
+                                      </p:cBhvr>
+                                      <p:by x="105000" y="105000"/>
+                                    </p:animScale>
+                                  </p:childTnLst>
+                                </p:cTn>
+                              </p:par>
+                            </p:childTnLst>
+                          </p:cTn>
+                        </p:par>
+                      </p:childTnLst>
+                    </p:cTn>
+                  </p:par>
+                  <p:par>
+                    <p:cTn id="35" fill="hold">
+                      <p:stCondLst>
+                        <p:cond delay="indefinite"/>
+                      </p:stCondLst>
+                      <p:childTnLst>
+                        <p:par>
+                          <p:cTn id="36" fill="hold">
+                            <p:stCondLst>
+                              <p:cond delay="0"/>
+                            </p:stCondLst>
+                            <p:childTnLst>
+                              <p:par>
+                                <p:cTn id="37" presetID="47" presetClass="entr" presetSubtype="0" fill="hold" grpId="0" nodeType="clickEffect">
+                                  <p:stCondLst>
+                                    <p:cond delay="0"/>
+                                  </p:stCondLst>
+                                  <p:childTnLst>
+                                    <p:set>
+                                      <p:cBhvr>
+                                        <p:cTn id="38" dur="1" fill="hold">
+                                          <p:stCondLst>
+                                            <p:cond delay="0"/>
+                                          </p:stCondLst>
+                                        </p:cTn>
+                                        <p:tgtEl>
+                                          <p:spTgt spid="15"/>
+                                        </p:tgtEl>
+                                        <p:attrNameLst>
+                                          <p:attrName>style.visibility</p:attrName>
+                                        </p:attrNameLst>
+                                      </p:cBhvr>
+                                      <p:to>
+                                        <p:strVal val="visible"/>
+                                      </p:to>
+                                    </p:set>
+                                    <p:animEffect transition="in" filter="fade">
+                                      <p:cBhvr>
+                                        <p:cTn id="39" dur="500"/>
+                                        <p:tgtEl>
+                                          <p:spTgt spid="15"/>
+                                        </p:tgtEl>
+                                      </p:cBhvr>
+                                    </p:animEffect>
+                                    <p:anim calcmode="lin" valueType="num">
+                                      <p:cBhvr>
+                                        <p:cTn id="40" dur="500" fill="hold"/>
+                                        <p:tgtEl>
+                                          <p:spTgt spid="15"/>
+                                        </p:tgtEl>
+                                        <p:attrNameLst>
+                                          <p:attrName>ppt_x</p:attrName>
+                                        </p:attrNameLst>
+                                      </p:cBhvr>
+                                      <p:tavLst>
+                                        <p:tav tm="0">
+                                          <p:val>
+                                            <p:strVal val="#ppt_x"/>
+                                          </p:val>
+                                        </p:tav>
+                                        <p:tav tm="100000">
+                                          <p:val>
+                                            <p:strVal val="#ppt_x"/>
+                                          </p:val>
+                                        </p:tav>
+                                      </p:tavLst>
+                                    </p:anim>
+                                    <p:anim calcmode="lin" valueType="num">
+                                      <p:cBhvr>
+                                        <p:cTn id="41" dur="500" fill="hold"/>
+                                        <p:tgtEl>
+                                          <p:spTgt spid="15"/>
+                                        </p:tgtEl>
+                                        <p:attrNameLst>
+                                          <p:attrName>ppt_y</p:attrName>
+                                        </p:attrNameLst>
+                                      </p:cBhvr>
+                                      <p:tavLst>
+                                        <p:tav tm="0">
+                                          <p:val>
+                                            <p:strVal val="#ppt_y-.1"/>
+                                          </p:val>
+                                        </p:tav>
+                                        <p:tav tm="100000">
+                                          <p:val>
+                                            <p:strVal val="#ppt_y"/>
+                                          </p:val>
+                                        </p:tav>
+                                      </p:tavLst>
+                                    </p:anim>
+                                  </p:childTnLst>
+                                </p:cTn>
+                              </p:par>
+                            </p:childTnLst>
+                          </p:cTn>
+                        </p:par>
+                      </p:childTnLst>
+                    </p:cTn>
+                  </p:par>
+                  <p:par>
+                    <p:cTn id="42" fill="hold">
+                      <p:stCondLst>
+                        <p:cond delay="indefinite"/>
+                      </p:stCondLst>
+                      <p:childTnLst>
+                        <p:par>
+                          <p:cTn id="43" fill="hold">
+                            <p:stCondLst>
+                              <p:cond delay="0"/>
+                            </p:stCondLst>
+                            <p:childTnLst>
+                              <p:par>
+                                <p:cTn id="44" presetID="47" presetClass="entr" presetSubtype="0" fill="hold" grpId="0" nodeType="clickEffect">
+                                  <p:stCondLst>
+                                    <p:cond delay="0"/>
+                                  </p:stCondLst>
+                                  <p:childTnLst>
+                                    <p:set>
+                                      <p:cBhvr>
+                                        <p:cTn id="45" dur="1" fill="hold">
+                                          <p:stCondLst>
+                                            <p:cond delay="0"/>
+                                          </p:stCondLst>
+                                        </p:cTn>
+                                        <p:tgtEl>
+                                          <p:spTgt spid="16"/>
+                                        </p:tgtEl>
+                                        <p:attrNameLst>
+                                          <p:attrName>style.visibility</p:attrName>
+                                        </p:attrNameLst>
+                                      </p:cBhvr>
+                                      <p:to>
+                                        <p:strVal val="visible"/>
+                                      </p:to>
+                                    </p:set>
+                                    <p:animEffect transition="in" filter="fade">
+                                      <p:cBhvr>
+                                        <p:cTn id="46" dur="500"/>
+                                        <p:tgtEl>
+                                          <p:spTgt spid="16"/>
+                                        </p:tgtEl>
+                                      </p:cBhvr>
+                                    </p:animEffect>
+                                    <p:anim calcmode="lin" valueType="num">
+                                      <p:cBhvr>
+                                        <p:cTn id="47" dur="500" fill="hold"/>
+                                        <p:tgtEl>
+                                          <p:spTgt spid="16"/>
+                                        </p:tgtEl>
+                                        <p:attrNameLst>
+                                          <p:attrName>ppt_x</p:attrName>
+                                        </p:attrNameLst>
+                                      </p:cBhvr>
+                                      <p:tavLst>
+                                        <p:tav tm="0">
+                                          <p:val>
+                                            <p:strVal val="#ppt_x"/>
+                                          </p:val>
+                                        </p:tav>
+                                        <p:tav tm="100000">
+                                          <p:val>
+                                            <p:strVal val="#ppt_x"/>
+                                          </p:val>
+                                        </p:tav>
+                                      </p:tavLst>
+                                    </p:anim>
+                                    <p:anim calcmode="lin" valueType="num">
+                                      <p:cBhvr>
+                                        <p:cTn id="48" dur="500" fill="hold"/>
+                                        <p:tgtEl>
+                                          <p:spTgt spid="16"/>
+                                        </p:tgtEl>
+                                        <p:attrNameLst>
+                                          <p:attrName>ppt_y</p:attrName>
+                                        </p:attrNameLst>
+                                      </p:cBhvr>
+                                      <p:tavLst>
+                                        <p:tav tm="0">
+                                          <p:val>
+                                            <p:strVal val="#ppt_y-.1"/>
+                                          </p:val>
+                                        </p:tav>
+                                        <p:tav tm="100000">
+                                          <p:val>
+                                            <p:strVal val="#ppt_y"/>
+                                          </p:val>
+                                        </p:tav>
+                                      </p:tavLst>
+                                    </p:anim>
+                                  </p:childTnLst>
+                                </p:cTn>
+                              </p:par>
+                              <p:par>
+                                <p:cTn id="49" presetID="26" presetClass="emph" presetSubtype="0" repeatCount="5000" fill="hold" grpId="1" nodeType="withEffect">
+                                  <p:stCondLst>
+                                    <p:cond delay="0"/>
+                                  </p:stCondLst>
+                                  <p:childTnLst>
+                                    <p:animEffect transition="out" filter="fade">
+                                      <p:cBhvr>
+                                        <p:cTn id="50" dur="1000" tmFilter="0, 0; .2, .5; .8, .5; 1, 0"/>
+                                        <p:tgtEl>
+                                          <p:spTgt spid="16"/>
+                                        </p:tgtEl>
+                                      </p:cBhvr>
+                                    </p:animEffect>
+                                    <p:animScale>
+                                      <p:cBhvr>
+                                        <p:cTn id="51" dur="500" autoRev="1" fill="hold"/>
+                                        <p:tgtEl>
+                                          <p:spTgt spid="16"/>
+                                        </p:tgtEl>
+                                      </p:cBhvr>
+                                      <p:by x="105000" y="105000"/>
+                                    </p:animScale>
+                                  </p:childTnLst>
+                                </p:cTn>
+                              </p:par>
+                            </p:childTnLst>
+                          </p:cTn>
+                        </p:par>
+                      </p:childTnLst>
+                    </p:cTn>
+                  </p:par>
+                  <p:par>
+                    <p:cTn id="52" fill="hold">
+                      <p:stCondLst>
+                        <p:cond delay="indefinite"/>
+                      </p:stCondLst>
+                      <p:childTnLst>
+                        <p:par>
+                          <p:cTn id="53" fill="hold">
+                            <p:stCondLst>
+                              <p:cond delay="0"/>
+                            </p:stCondLst>
+                            <p:childTnLst>
+                              <p:par>
+                                <p:cTn id="54" presetID="47" presetClass="entr" presetSubtype="0" fill="hold" grpId="0" nodeType="clickEffect">
+                                  <p:stCondLst>
+                                    <p:cond delay="0"/>
+                                  </p:stCondLst>
+                                  <p:childTnLst>
+                                    <p:set>
+                                      <p:cBhvr>
+                                        <p:cTn id="55" dur="1" fill="hold">
+                                          <p:stCondLst>
+                                            <p:cond delay="0"/>
+                                          </p:stCondLst>
+                                        </p:cTn>
+                                        <p:tgtEl>
+                                          <p:spTgt spid="18"/>
+                                        </p:tgtEl>
+                                        <p:attrNameLst>
+                                          <p:attrName>style.visibility</p:attrName>
+                                        </p:attrNameLst>
+                                      </p:cBhvr>
+                                      <p:to>
+                                        <p:strVal val="visible"/>
+                                      </p:to>
+                                    </p:set>
+                                    <p:animEffect transition="in" filter="fade">
+                                      <p:cBhvr>
+                                        <p:cTn id="56" dur="500"/>
+                                        <p:tgtEl>
+                                          <p:spTgt spid="18"/>
+                                        </p:tgtEl>
+                                      </p:cBhvr>
+                                    </p:animEffect>
+                                    <p:anim calcmode="lin" valueType="num">
+                                      <p:cBhvr>
+                                        <p:cTn id="57" dur="500" fill="hold"/>
+                                        <p:tgtEl>
+                                          <p:spTgt spid="18"/>
+                                        </p:tgtEl>
+                                        <p:attrNameLst>
+                                          <p:attrName>ppt_x</p:attrName>
+                                        </p:attrNameLst>
+                                      </p:cBhvr>
+                                      <p:tavLst>
+                                        <p:tav tm="0">
+                                          <p:val>
+                                            <p:strVal val="#ppt_x"/>
+                                          </p:val>
+                                        </p:tav>
+                                        <p:tav tm="100000">
+                                          <p:val>
+                                            <p:strVal val="#ppt_x"/>
+                                          </p:val>
+                                        </p:tav>
+                                      </p:tavLst>
+                                    </p:anim>
+                                    <p:anim calcmode="lin" valueType="num">
+                                      <p:cBhvr>
+                                        <p:cTn id="58" dur="500" fill="hold"/>
+                                        <p:tgtEl>
+                                          <p:spTgt spid="18"/>
+                                        </p:tgtEl>
+                                        <p:attrNameLst>
+                                          <p:attrName>ppt_y</p:attrName>
+                                        </p:attrNameLst>
+                                      </p:cBhvr>
+                                      <p:tavLst>
+                                        <p:tav tm="0">
+                                          <p:val>
+                                            <p:strVal val="#ppt_y-.1"/>
+                                          </p:val>
+                                        </p:tav>
+                                        <p:tav tm="100000">
+                                          <p:val>
+                                            <p:strVal val="#ppt_y"/>
+                                          </p:val>
+                                        </p:tav>
+                                      </p:tavLst>
+                                    </p:anim>
+                                  </p:childTnLst>
+                                </p:cTn>
+                              </p:par>
+                              <p:par>
+                                <p:cTn id="59" presetID="26" presetClass="emph" presetSubtype="0" repeatCount="5000" fill="hold" grpId="1" nodeType="withEffect">
+                                  <p:stCondLst>
+                                    <p:cond delay="0"/>
+                                  </p:stCondLst>
+                                  <p:childTnLst>
+                                    <p:animEffect transition="out" filter="fade">
+                                      <p:cBhvr>
+                                        <p:cTn id="60" dur="1000" tmFilter="0, 0; .2, .5; .8, .5; 1, 0"/>
+                                        <p:tgtEl>
+                                          <p:spTgt spid="18"/>
+                                        </p:tgtEl>
+                                      </p:cBhvr>
+                                    </p:animEffect>
+                                    <p:animScale>
+                                      <p:cBhvr>
+                                        <p:cTn id="61" dur="500" autoRev="1" fill="hold"/>
+                                        <p:tgtEl>
+                                          <p:spTgt spid="18"/>
+                                        </p:tgtEl>
+                                      </p:cBhvr>
+                                      <p:by x="105000" y="105000"/>
+                                    </p:animScale>
+                                  </p:childTnLst>
+                                </p:cTn>
+                              </p:par>
+                            </p:childTnLst>
+                          </p:cTn>
+                        </p:par>
+                      </p:childTnLst>
+                    </p:cTn>
+                  </p:par>
+                  <p:par>
+                    <p:cTn id="62" fill="hold">
+                      <p:stCondLst>
+                        <p:cond delay="indefinite"/>
+                      </p:stCondLst>
+                      <p:childTnLst>
+                        <p:par>
+                          <p:cTn id="63" fill="hold">
+                            <p:stCondLst>
+                              <p:cond delay="0"/>
+                            </p:stCondLst>
+                            <p:childTnLst>
+                              <p:par>
+                                <p:cTn id="64" presetID="47" presetClass="entr" presetSubtype="0" fill="hold" grpId="0" nodeType="clickEffect">
+                                  <p:stCondLst>
+                                    <p:cond delay="0"/>
+                                  </p:stCondLst>
+                                  <p:childTnLst>
+                                    <p:set>
+                                      <p:cBhvr>
+                                        <p:cTn id="65" dur="1" fill="hold">
+                                          <p:stCondLst>
+                                            <p:cond delay="0"/>
+                                          </p:stCondLst>
+                                        </p:cTn>
+                                        <p:tgtEl>
+                                          <p:spTgt spid="20"/>
+                                        </p:tgtEl>
+                                        <p:attrNameLst>
+                                          <p:attrName>style.visibility</p:attrName>
+                                        </p:attrNameLst>
+                                      </p:cBhvr>
+                                      <p:to>
+                                        <p:strVal val="visible"/>
+                                      </p:to>
+                                    </p:set>
+                                    <p:animEffect transition="in" filter="fade">
+                                      <p:cBhvr>
+                                        <p:cTn id="66" dur="500"/>
+                                        <p:tgtEl>
+                                          <p:spTgt spid="20"/>
+                                        </p:tgtEl>
+                                      </p:cBhvr>
+                                    </p:animEffect>
+                                    <p:anim calcmode="lin" valueType="num">
+                                      <p:cBhvr>
+                                        <p:cTn id="67" dur="500" fill="hold"/>
+                                        <p:tgtEl>
+                                          <p:spTgt spid="20"/>
+                                        </p:tgtEl>
+                                        <p:attrNameLst>
+                                          <p:attrName>ppt_x</p:attrName>
+                                        </p:attrNameLst>
+                                      </p:cBhvr>
+                                      <p:tavLst>
+                                        <p:tav tm="0">
+                                          <p:val>
+                                            <p:strVal val="#ppt_x"/>
+                                          </p:val>
+                                        </p:tav>
+                                        <p:tav tm="100000">
+                                          <p:val>
+                                            <p:strVal val="#ppt_x"/>
+                                          </p:val>
+                                        </p:tav>
+                                      </p:tavLst>
+                                    </p:anim>
+                                    <p:anim calcmode="lin" valueType="num">
+                                      <p:cBhvr>
+                                        <p:cTn id="68" dur="500" fill="hold"/>
+                                        <p:tgtEl>
+                                          <p:spTgt spid="20"/>
+                                        </p:tgtEl>
+                                        <p:attrNameLst>
+                                          <p:attrName>ppt_y</p:attrName>
+                                        </p:attrNameLst>
+                                      </p:cBhvr>
+                                      <p:tavLst>
+                                        <p:tav tm="0">
+                                          <p:val>
+                                            <p:strVal val="#ppt_y-.1"/>
+                                          </p:val>
+                                        </p:tav>
+                                        <p:tav tm="100000">
+                                          <p:val>
+                                            <p:strVal val="#ppt_y"/>
+                                          </p:val>
+                                        </p:tav>
+                                      </p:tavLst>
+                                    </p:anim>
+                                  </p:childTnLst>
+                                </p:cTn>
+                              </p:par>
+                              <p:par>
+                                <p:cTn id="69" presetID="26" presetClass="emph" presetSubtype="0" repeatCount="5000" fill="hold" grpId="1" nodeType="withEffect">
+                                  <p:stCondLst>
+                                    <p:cond delay="0"/>
+                                  </p:stCondLst>
+                                  <p:childTnLst>
+                                    <p:animEffect transition="out" filter="fade">
+                                      <p:cBhvr>
+                                        <p:cTn id="70" dur="1000" tmFilter="0, 0; .2, .5; .8, .5; 1, 0"/>
+                                        <p:tgtEl>
+                                          <p:spTgt spid="20"/>
+                                        </p:tgtEl>
+                                      </p:cBhvr>
+                                    </p:animEffect>
+                                    <p:animScale>
+                                      <p:cBhvr>
+                                        <p:cTn id="71" dur="500" autoRev="1" fill="hold"/>
+                                        <p:tgtEl>
+                                          <p:spTgt spid="20"/>
+                                        </p:tgtEl>
+                                      </p:cBhvr>
+                                      <p:by x="105000" y="105000"/>
+                                    </p:animScale>
+                                  </p:childTnLst>
+                                </p:cTn>
+                              </p:par>
+                            </p:childTnLst>
+                          </p:cTn>
+                        </p:par>
+                      </p:childTnLst>
+                    </p:cTn>
+                  </p:par>
+                </p:childTnLst>
+              </p:cTn>
+              <p:prevCondLst>
+                <p:cond evt="onPrev" delay="0">
+                  <p:tgtEl>
+                    <p:sldTgt/>
+                  </p:tgtEl>
+                </p:cond>
+              </p:prevCondLst>
+              <p:nextCondLst>
+                <p:cond evt="onNext" delay="0">
+                  <p:tgtEl>
+                    <p:sldTgt/>
+                  </p:tgtEl>
+                </p:cond>
+              </p:nextCondLst>
+            </p:seq>
+          </p:childTnLst>
+        </p:cTn>
+      </p:par>
+    </p:tnLst>
+    <p:bldLst>
+      <p:bldP spid="31" grpId="0" animBg="1"/>
+      <p:bldP spid="32" grpId="0" animBg="1"/>
+      <p:bldP spid="35" grpId="0" animBg="1"/>
+      <p:bldP spid="35" grpId="1" animBg="1"/>
+      <p:bldP spid="21" grpId="0" animBg="1"/>
+      <p:bldP spid="21" grpId="1" animBg="1"/>
+      <p:bldP spid="15" grpId="0" animBg="1"/>
+      <p:bldP spid="16" grpId="0" animBg="1"/>
+      <p:bldP spid="16" grpId="1" animBg="1"/>
+      <p:bldP spid="18" grpId="0" animBg="1"/>
+      <p:bldP spid="18" grpId="1" animBg="1"/>
+      <p:bldP spid="20" grpId="0" animBg="1"/>
+      <p:bldP spid="20" grpId="1" animBg="1"/>
+    </p:bldLst>
+  </p:timing>
+</p:sld>
+</file>
+
+<file path=ppt/slides/slide11.xml><?xml version="1.0" encoding="utf-8"?>
+<p:sld xmlns:a="http://schemas.openxmlformats.org/drawingml/2006/main" xmlns:r="http://schemas.openxmlformats.org/officeDocument/2006/relationships" xmlns:p="http://schemas.openxmlformats.org/presentationml/2006/main">
+  <p:cSld>
+    <p:spTree>
+      <p:nvGrpSpPr>
+        <p:cNvPr id="1" name=""/>
+        <p:cNvGrpSpPr/>
+        <p:nvPr/>
+      </p:nvGrpSpPr>
+      <p:grpSpPr>
+        <a:xfrm>
+          <a:off x="0" y="0"/>
+          <a:ext cx="0" cy="0"/>
+          <a:chOff x="0" y="0"/>
+          <a:chExt cx="0" cy="0"/>
+        </a:xfrm>
+      </p:grpSpPr>
+      <p:sp>
+        <p:nvSpPr>
+          <p:cNvPr id="2" name="Titel 1"/>
+          <p:cNvSpPr>
+            <a:spLocks noGrp="1"/>
+          </p:cNvSpPr>
+          <p:nvPr>
+            <p:ph type="title"/>
+          </p:nvPr>
+        </p:nvSpPr>
+        <p:spPr/>
+        <p:txBody>
+          <a:bodyPr/>
+          <a:lstStyle/>
+          <a:p>
+            <a:r>
+              <a:rPr lang="de" altLang="ko-KR" dirty="0"/>
+              <a:t>5. Ergebnisse &amp; Diskussion</a:t>
+            </a:r>
+            <a:endParaRPr lang="de-DE" noProof="0" dirty="0"/>
+          </a:p>
+        </p:txBody>
+      </p:sp>
+    </p:spTree>
+    <p:extLst>
+      <p:ext uri="{BB962C8B-B14F-4D97-AF65-F5344CB8AC3E}">
+        <p14:creationId xmlns:p14="http://schemas.microsoft.com/office/powerpoint/2010/main" val="1044340049"/>
+      </p:ext>
+    </p:extLst>
+  </p:cSld>
+  <p:clrMapOvr>
+    <a:masterClrMapping/>
+  </p:clrMapOvr>
+</p:sld>
+</file>
+
+<file path=ppt/slides/slide12.xml><?xml version="1.0" encoding="utf-8"?>
+<p:sld xmlns:a="http://schemas.openxmlformats.org/drawingml/2006/main" xmlns:r="http://schemas.openxmlformats.org/officeDocument/2006/relationships" xmlns:p="http://schemas.openxmlformats.org/presentationml/2006/main">
+  <p:cSld>
+    <p:spTree>
+      <p:nvGrpSpPr>
+        <p:cNvPr id="1" name=""/>
+        <p:cNvGrpSpPr/>
+        <p:nvPr/>
+      </p:nvGrpSpPr>
+      <p:grpSpPr>
+        <a:xfrm>
+          <a:off x="0" y="0"/>
+          <a:ext cx="0" cy="0"/>
+          <a:chOff x="0" y="0"/>
+          <a:chExt cx="0" cy="0"/>
+        </a:xfrm>
+      </p:grpSpPr>
+      <p:pic>
+        <p:nvPicPr>
+          <p:cNvPr id="3" name="그림 2">
+            <a:extLst>
+              <a:ext uri="{FF2B5EF4-FFF2-40B4-BE49-F238E27FC236}">
+                <a16:creationId xmlns:a16="http://schemas.microsoft.com/office/drawing/2014/main" id="{C9BDF3E4-694D-244B-9A00-EB1AD5D6DE5D}"/>
+              </a:ext>
+            </a:extLst>
+          </p:cNvPr>
+          <p:cNvPicPr>
+            <a:picLocks noChangeAspect="1"/>
+          </p:cNvPicPr>
+          <p:nvPr/>
+        </p:nvPicPr>
+        <p:blipFill>
+          <a:blip r:embed="rId2">
+            <a:extLst>
+              <a:ext uri="{28A0092B-C50C-407E-A947-70E740481C1C}">
+                <a14:useLocalDpi xmlns:a14="http://schemas.microsoft.com/office/drawing/2010/main" val="0"/>
+              </a:ext>
+            </a:extLst>
+          </a:blip>
+          <a:stretch>
+            <a:fillRect/>
+          </a:stretch>
+        </p:blipFill>
+        <p:spPr>
+          <a:xfrm>
+            <a:off x="498621" y="675762"/>
+            <a:ext cx="2930163" cy="1895988"/>
+          </a:xfrm>
+          <a:prstGeom prst="rect">
+            <a:avLst/>
+          </a:prstGeom>
+        </p:spPr>
+      </p:pic>
+      <p:pic>
+        <p:nvPicPr>
+          <p:cNvPr id="4" name="그림 3">
+            <a:extLst>
+              <a:ext uri="{FF2B5EF4-FFF2-40B4-BE49-F238E27FC236}">
+                <a16:creationId xmlns:a16="http://schemas.microsoft.com/office/drawing/2014/main" id="{6EA4D951-D553-A24C-AD7C-317511526B91}"/>
+              </a:ext>
+            </a:extLst>
+          </p:cNvPr>
+          <p:cNvPicPr>
+            <a:picLocks noChangeAspect="1"/>
+          </p:cNvPicPr>
+          <p:nvPr/>
+        </p:nvPicPr>
+        <p:blipFill>
+          <a:blip r:embed="rId3">
+            <a:extLst>
+              <a:ext uri="{28A0092B-C50C-407E-A947-70E740481C1C}">
+                <a14:useLocalDpi xmlns:a14="http://schemas.microsoft.com/office/drawing/2010/main" val="0"/>
+              </a:ext>
+            </a:extLst>
+          </a:blip>
+          <a:stretch>
+            <a:fillRect/>
+          </a:stretch>
+        </p:blipFill>
+        <p:spPr>
+          <a:xfrm>
+            <a:off x="6659319" y="708627"/>
+            <a:ext cx="2064549" cy="3678217"/>
+          </a:xfrm>
+          <a:prstGeom prst="rect">
+            <a:avLst/>
+          </a:prstGeom>
+        </p:spPr>
+      </p:pic>
+      <p:pic>
+        <p:nvPicPr>
+          <p:cNvPr id="5" name="그림 4">
+            <a:extLst>
+              <a:ext uri="{FF2B5EF4-FFF2-40B4-BE49-F238E27FC236}">
+                <a16:creationId xmlns:a16="http://schemas.microsoft.com/office/drawing/2014/main" id="{85528231-84FF-E948-A766-38A7F28B1C64}"/>
+              </a:ext>
+            </a:extLst>
+          </p:cNvPr>
+          <p:cNvPicPr>
+            <a:picLocks noChangeAspect="1"/>
+          </p:cNvPicPr>
+          <p:nvPr/>
+        </p:nvPicPr>
+        <p:blipFill>
+          <a:blip r:embed="rId4">
+            <a:extLst>
+              <a:ext uri="{28A0092B-C50C-407E-A947-70E740481C1C}">
+                <a14:useLocalDpi xmlns:a14="http://schemas.microsoft.com/office/drawing/2010/main" val="0"/>
+              </a:ext>
+            </a:extLst>
+          </a:blip>
+          <a:stretch>
+            <a:fillRect/>
+          </a:stretch>
+        </p:blipFill>
+        <p:spPr>
+          <a:xfrm>
+            <a:off x="430549" y="2721750"/>
+            <a:ext cx="2797592" cy="1796387"/>
+          </a:xfrm>
+          <a:prstGeom prst="rect">
+            <a:avLst/>
+          </a:prstGeom>
+        </p:spPr>
+      </p:pic>
+      <p:pic>
+        <p:nvPicPr>
+          <p:cNvPr id="7" name="그림 6">
+            <a:extLst>
+              <a:ext uri="{FF2B5EF4-FFF2-40B4-BE49-F238E27FC236}">
+                <a16:creationId xmlns:a16="http://schemas.microsoft.com/office/drawing/2014/main" id="{A57580C8-7164-6146-AA08-DC2C8C572A04}"/>
+              </a:ext>
+            </a:extLst>
+          </p:cNvPr>
+          <p:cNvPicPr>
+            <a:picLocks noChangeAspect="1"/>
+          </p:cNvPicPr>
+          <p:nvPr/>
+        </p:nvPicPr>
+        <p:blipFill>
+          <a:blip r:embed="rId5">
+            <a:extLst>
+              <a:ext uri="{28A0092B-C50C-407E-A947-70E740481C1C}">
+                <a14:useLocalDpi xmlns:a14="http://schemas.microsoft.com/office/drawing/2010/main" val="0"/>
+              </a:ext>
+            </a:extLst>
+          </a:blip>
+          <a:stretch>
+            <a:fillRect/>
+          </a:stretch>
+        </p:blipFill>
+        <p:spPr>
+          <a:xfrm>
+            <a:off x="3716336" y="2795377"/>
+            <a:ext cx="2570118" cy="1649131"/>
+          </a:xfrm>
+          <a:prstGeom prst="rect">
+            <a:avLst/>
+          </a:prstGeom>
+        </p:spPr>
+      </p:pic>
+      <p:pic>
+        <p:nvPicPr>
+          <p:cNvPr id="8" name="그림 7">
+            <a:extLst>
+              <a:ext uri="{FF2B5EF4-FFF2-40B4-BE49-F238E27FC236}">
+                <a16:creationId xmlns:a16="http://schemas.microsoft.com/office/drawing/2014/main" id="{378DD809-C88A-AC4F-9727-B3D48DCC0EFE}"/>
+              </a:ext>
+            </a:extLst>
+          </p:cNvPr>
+          <p:cNvPicPr>
+            <a:picLocks noChangeAspect="1"/>
+          </p:cNvPicPr>
+          <p:nvPr/>
+        </p:nvPicPr>
+        <p:blipFill>
+          <a:blip r:embed="rId6">
+            <a:extLst>
+              <a:ext uri="{28A0092B-C50C-407E-A947-70E740481C1C}">
+                <a14:useLocalDpi xmlns:a14="http://schemas.microsoft.com/office/drawing/2010/main" val="0"/>
+              </a:ext>
+            </a:extLst>
+          </a:blip>
+          <a:stretch>
+            <a:fillRect/>
+          </a:stretch>
+        </p:blipFill>
+        <p:spPr>
+          <a:xfrm>
+            <a:off x="3612117" y="692664"/>
+            <a:ext cx="2930164" cy="1879086"/>
+          </a:xfrm>
+          <a:prstGeom prst="rect">
+            <a:avLst/>
+          </a:prstGeom>
+        </p:spPr>
+      </p:pic>
+      <p:sp>
+        <p:nvSpPr>
+          <p:cNvPr id="9" name="Titel 1">
+            <a:extLst>
+              <a:ext uri="{FF2B5EF4-FFF2-40B4-BE49-F238E27FC236}">
+                <a16:creationId xmlns:a16="http://schemas.microsoft.com/office/drawing/2014/main" id="{499727D9-A8E1-A14D-8FF1-EEEE7F1169D3}"/>
+              </a:ext>
+            </a:extLst>
+          </p:cNvPr>
+          <p:cNvSpPr>
+            <a:spLocks noGrp="1"/>
+          </p:cNvSpPr>
+          <p:nvPr>
+            <p:ph type="title"/>
+          </p:nvPr>
+        </p:nvSpPr>
+        <p:spPr>
+          <a:xfrm>
+            <a:off x="180000" y="254870"/>
+            <a:ext cx="6480000" cy="432000"/>
+          </a:xfrm>
+        </p:spPr>
+        <p:txBody>
+          <a:bodyPr/>
+          <a:lstStyle/>
+          <a:p>
+            <a:r>
+              <a:rPr lang="de-DE" noProof="0" dirty="0"/>
+              <a:t>Motivation Datenintegration</a:t>
+            </a:r>
+          </a:p>
+        </p:txBody>
+      </p:sp>
+    </p:spTree>
+    <p:extLst>
+      <p:ext uri="{BB962C8B-B14F-4D97-AF65-F5344CB8AC3E}">
+        <p14:creationId xmlns:p14="http://schemas.microsoft.com/office/powerpoint/2010/main" val="1846155174"/>
+      </p:ext>
+    </p:extLst>
+  </p:cSld>
+  <p:clrMapOvr>
+    <a:masterClrMapping/>
+  </p:clrMapOvr>
+</p:sld>
+</file>
+
+<file path=ppt/slides/slide13.xml><?xml version="1.0" encoding="utf-8"?>
+<p:sld xmlns:a="http://schemas.openxmlformats.org/drawingml/2006/main" xmlns:r="http://schemas.openxmlformats.org/officeDocument/2006/relationships" xmlns:p="http://schemas.openxmlformats.org/presentationml/2006/main">
+  <p:cSld>
+    <p:spTree>
+      <p:nvGrpSpPr>
+        <p:cNvPr id="1" name=""/>
+        <p:cNvGrpSpPr/>
+        <p:nvPr/>
+      </p:nvGrpSpPr>
+      <p:grpSpPr>
+        <a:xfrm>
+          <a:off x="0" y="0"/>
+          <a:ext cx="0" cy="0"/>
+          <a:chOff x="0" y="0"/>
+          <a:chExt cx="0" cy="0"/>
+        </a:xfrm>
+      </p:grpSpPr>
       <p:graphicFrame>
         <p:nvGraphicFramePr>
           <p:cNvPr id="9" name="표 8">
@@ -4870,7 +7467,7 @@
           <p:nvPr>
             <p:extLst>
               <p:ext uri="{D42A27DB-BD31-4B8C-83A1-F6EECF244321}">
-                <p14:modId xmlns:p14="http://schemas.microsoft.com/office/powerpoint/2010/main" val="2512127360"/>
+                <p14:modId xmlns:p14="http://schemas.microsoft.com/office/powerpoint/2010/main" val="1433978477"/>
               </p:ext>
             </p:extLst>
           </p:nvPr>
@@ -4983,6 +7580,13 @@
                     <a:lstStyle/>
                     <a:p>
                       <a:pPr algn="ctr" latinLnBrk="1"/>
+                      <a:r>
+                        <a:rPr lang="de-DE" altLang="ko-KR" sz="1200" dirty="0">
+                          <a:latin typeface="Open Sans" pitchFamily="2" charset="0"/>
+                          <a:cs typeface="Open Sans" pitchFamily="2" charset="0"/>
+                        </a:rPr>
+                        <a:t>215</a:t>
+                      </a:r>
                       <a:endParaRPr lang="ko-KR" altLang="en-US" sz="1200" dirty="0">
                         <a:latin typeface="Open Sans" pitchFamily="2" charset="0"/>
                         <a:cs typeface="Open Sans" pitchFamily="2" charset="0"/>
@@ -5001,6 +7605,13 @@
                     <a:lstStyle/>
                     <a:p>
                       <a:pPr algn="ctr" latinLnBrk="1"/>
+                      <a:r>
+                        <a:rPr lang="de-DE" altLang="ko-KR" sz="1200" dirty="0">
+                          <a:latin typeface="Open Sans" pitchFamily="2" charset="0"/>
+                          <a:cs typeface="Open Sans" pitchFamily="2" charset="0"/>
+                        </a:rPr>
+                        <a:t>216</a:t>
+                      </a:r>
                       <a:endParaRPr lang="ko-KR" altLang="en-US" sz="1200" dirty="0">
                         <a:latin typeface="Open Sans" pitchFamily="2" charset="0"/>
                         <a:cs typeface="Open Sans" pitchFamily="2" charset="0"/>
@@ -5777,7 +8388,7 @@
 </p:sld>
 </file>
 
-<file path=ppt/slides/slide11.xml><?xml version="1.0" encoding="utf-8"?>
+<file path=ppt/slides/slide14.xml><?xml version="1.0" encoding="utf-8"?>
 <p:sld xmlns:a="http://schemas.openxmlformats.org/drawingml/2006/main" xmlns:r="http://schemas.openxmlformats.org/officeDocument/2006/relationships" xmlns:p="http://schemas.openxmlformats.org/presentationml/2006/main">
   <p:cSld>
     <p:spTree>
@@ -5811,7 +8422,7 @@
           <a:p>
             <a:r>
               <a:rPr lang="de" altLang="ko-KR" dirty="0"/>
-              <a:t>6. Fazit</a:t>
+              <a:t>6. Fazit &amp; Ausblick</a:t>
             </a:r>
             <a:endParaRPr lang="de-DE" noProof="0" dirty="0"/>
           </a:p>
@@ -5830,7 +8441,7 @@
 </p:sld>
 </file>
 
-<file path=ppt/slides/slide12.xml><?xml version="1.0" encoding="utf-8"?>
+<file path=ppt/slides/slide15.xml><?xml version="1.0" encoding="utf-8"?>
 <p:sld xmlns:a="http://schemas.openxmlformats.org/drawingml/2006/main" xmlns:r="http://schemas.openxmlformats.org/officeDocument/2006/relationships" xmlns:p="http://schemas.openxmlformats.org/presentationml/2006/main">
   <p:cSld>
     <p:spTree>
@@ -6326,7 +8937,7 @@
 </p:sld>
 </file>
 
-<file path=ppt/slides/slide13.xml><?xml version="1.0" encoding="utf-8"?>
+<file path=ppt/slides/slide16.xml><?xml version="1.0" encoding="utf-8"?>
 <p:sld xmlns:a="http://schemas.openxmlformats.org/drawingml/2006/main" xmlns:r="http://schemas.openxmlformats.org/officeDocument/2006/relationships" xmlns:p="http://schemas.openxmlformats.org/presentationml/2006/main">
   <p:cSld>
     <p:spTree>
@@ -6345,553 +8956,49 @@
       </p:grpSpPr>
       <p:sp>
         <p:nvSpPr>
-          <p:cNvPr id="2" name="Titel 1"/>
-          <p:cNvSpPr>
-            <a:spLocks noGrp="1"/>
-          </p:cNvSpPr>
-          <p:nvPr>
-            <p:ph type="title"/>
-          </p:nvPr>
+          <p:cNvPr id="2" name="TextBox 1">
+            <a:extLst>
+              <a:ext uri="{FF2B5EF4-FFF2-40B4-BE49-F238E27FC236}">
+                <a16:creationId xmlns:a16="http://schemas.microsoft.com/office/drawing/2014/main" id="{52AE5563-B375-594B-AF49-DB773085D2C4}"/>
+              </a:ext>
+            </a:extLst>
+          </p:cNvPr>
+          <p:cNvSpPr txBox="1"/>
+          <p:nvPr/>
         </p:nvSpPr>
-        <p:spPr/>
-        <p:txBody>
-          <a:bodyPr/>
-          <a:lstStyle/>
-          <a:p>
-            <a:r>
-              <a:rPr lang="de" altLang="ko-KR" dirty="0"/>
-              <a:t>7. Ausblick</a:t>
-            </a:r>
-            <a:endParaRPr lang="de-DE" noProof="0" dirty="0"/>
-          </a:p>
-        </p:txBody>
-      </p:sp>
-    </p:spTree>
-    <p:extLst>
-      <p:ext uri="{BB962C8B-B14F-4D97-AF65-F5344CB8AC3E}">
-        <p14:creationId xmlns:p14="http://schemas.microsoft.com/office/powerpoint/2010/main" val="4050719037"/>
-      </p:ext>
-    </p:extLst>
-  </p:cSld>
-  <p:clrMapOvr>
-    <a:masterClrMapping/>
-  </p:clrMapOvr>
-</p:sld>
-</file>
-
-<file path=ppt/slides/slide14.xml><?xml version="1.0" encoding="utf-8"?>
-<p:sld xmlns:a="http://schemas.openxmlformats.org/drawingml/2006/main" xmlns:r="http://schemas.openxmlformats.org/officeDocument/2006/relationships" xmlns:p="http://schemas.openxmlformats.org/presentationml/2006/main">
-  <p:cSld>
-    <p:spTree>
-      <p:nvGrpSpPr>
-        <p:cNvPr id="1" name=""/>
-        <p:cNvGrpSpPr/>
-        <p:nvPr/>
-      </p:nvGrpSpPr>
-      <p:grpSpPr>
-        <a:xfrm>
-          <a:off x="0" y="0"/>
-          <a:ext cx="0" cy="0"/>
-          <a:chOff x="0" y="0"/>
-          <a:chExt cx="0" cy="0"/>
-        </a:xfrm>
-      </p:grpSpPr>
-      <p:sp>
-        <p:nvSpPr>
-          <p:cNvPr id="2" name="Titel 1"/>
-          <p:cNvSpPr>
-            <a:spLocks noGrp="1"/>
-          </p:cNvSpPr>
-          <p:nvPr>
-            <p:ph type="title"/>
-          </p:nvPr>
-        </p:nvSpPr>
-        <p:spPr/>
-        <p:txBody>
-          <a:bodyPr/>
-          <a:lstStyle/>
-          <a:p>
-            <a:r>
-              <a:rPr lang="de-DE" noProof="0" dirty="0"/>
-              <a:t>Motivation Datenintegration</a:t>
-            </a:r>
-          </a:p>
-        </p:txBody>
-      </p:sp>
-      <p:sp>
-        <p:nvSpPr>
-          <p:cNvPr id="3" name="Inhaltsplatzhalter 2"/>
-          <p:cNvSpPr>
-            <a:spLocks noGrp="1"/>
-          </p:cNvSpPr>
-          <p:nvPr>
-            <p:ph idx="1"/>
-          </p:nvPr>
-        </p:nvSpPr>
-        <p:spPr/>
-        <p:txBody>
-          <a:bodyPr/>
-          <a:lstStyle/>
-          <a:p>
-            <a:pPr marL="81000" indent="0">
-              <a:buNone/>
-            </a:pPr>
-            <a:r>
-              <a:rPr lang="de-DE" noProof="0" dirty="0"/>
-              <a:t>Wachstum Datenvolumen</a:t>
-            </a:r>
-          </a:p>
-          <a:p>
-            <a:pPr lvl="1">
-              <a:lnSpc>
-                <a:spcPct val="100000"/>
-              </a:lnSpc>
-            </a:pPr>
-            <a:r>
-              <a:rPr lang="de-DE" noProof="0" dirty="0">
-                <a:solidFill>
-                  <a:schemeClr val="tx1"/>
-                </a:solidFill>
-              </a:rPr>
-              <a:t>IT Möglichkeiten und Business-Anforderungen</a:t>
-            </a:r>
-          </a:p>
-          <a:p>
-            <a:pPr lvl="1">
-              <a:lnSpc>
-                <a:spcPct val="100000"/>
-              </a:lnSpc>
-            </a:pPr>
-            <a:r>
-              <a:rPr lang="de-DE" noProof="0" dirty="0">
-                <a:solidFill>
-                  <a:schemeClr val="tx1"/>
-                </a:solidFill>
-              </a:rPr>
-              <a:t>Datenmenge Westeuropa: 538 </a:t>
-            </a:r>
-            <a:r>
-              <a:rPr lang="de-DE" noProof="0" dirty="0" err="1">
-                <a:solidFill>
-                  <a:schemeClr val="tx1"/>
-                </a:solidFill>
-              </a:rPr>
-              <a:t>Exabyte</a:t>
-            </a:r>
-            <a:r>
-              <a:rPr lang="de-DE" noProof="0" dirty="0">
-                <a:solidFill>
-                  <a:schemeClr val="tx1"/>
-                </a:solidFill>
-              </a:rPr>
-              <a:t> in 2012</a:t>
-            </a:r>
-          </a:p>
-          <a:p>
-            <a:pPr lvl="1">
-              <a:lnSpc>
-                <a:spcPct val="100000"/>
-              </a:lnSpc>
-            </a:pPr>
-            <a:r>
-              <a:rPr lang="de-DE" noProof="0" dirty="0">
-                <a:solidFill>
-                  <a:schemeClr val="tx1"/>
-                </a:solidFill>
-              </a:rPr>
-              <a:t>Jährliches Wachstum um 30% auf 5 </a:t>
-            </a:r>
-            <a:r>
-              <a:rPr lang="de-DE" noProof="0" dirty="0" err="1">
-                <a:solidFill>
-                  <a:schemeClr val="tx1"/>
-                </a:solidFill>
-              </a:rPr>
-              <a:t>Zettabyte</a:t>
-            </a:r>
-            <a:r>
-              <a:rPr lang="de-DE" noProof="0" dirty="0">
-                <a:solidFill>
-                  <a:schemeClr val="tx1"/>
-                </a:solidFill>
-              </a:rPr>
-              <a:t> </a:t>
-            </a:r>
-            <a:br>
-              <a:rPr lang="de-DE" noProof="0" dirty="0">
-                <a:solidFill>
-                  <a:schemeClr val="tx1"/>
-                </a:solidFill>
-              </a:rPr>
-            </a:br>
-            <a:r>
-              <a:rPr lang="de-DE" noProof="0" dirty="0">
-                <a:solidFill>
-                  <a:schemeClr val="tx1"/>
-                </a:solidFill>
-              </a:rPr>
-              <a:t>in 2020 [IDC]</a:t>
-            </a:r>
-          </a:p>
-          <a:p>
-            <a:pPr marL="81000" indent="0">
-              <a:buNone/>
-            </a:pPr>
-            <a:r>
-              <a:rPr lang="de-DE" noProof="0" dirty="0"/>
-              <a:t>Verteilte Informationen</a:t>
-            </a:r>
-          </a:p>
-          <a:p>
-            <a:pPr lvl="1">
-              <a:lnSpc>
-                <a:spcPct val="100000"/>
-              </a:lnSpc>
-            </a:pPr>
-            <a:r>
-              <a:rPr lang="de-DE" noProof="0" dirty="0"/>
-              <a:t>Vielzahl heterogener Systeme und Anwendungen </a:t>
-            </a:r>
-          </a:p>
-          <a:p>
-            <a:pPr lvl="1">
-              <a:lnSpc>
-                <a:spcPct val="100000"/>
-              </a:lnSpc>
-            </a:pPr>
-            <a:r>
-              <a:rPr lang="de-DE" noProof="0" dirty="0"/>
-              <a:t>Technische und organisatorische Gründe</a:t>
-            </a:r>
-          </a:p>
-          <a:p>
-            <a:pPr lvl="1"/>
-            <a:endParaRPr lang="de-DE" noProof="0" dirty="0"/>
-          </a:p>
-          <a:p>
-            <a:endParaRPr lang="de-DE" noProof="0" dirty="0"/>
-          </a:p>
-        </p:txBody>
-      </p:sp>
-      <p:sp>
-        <p:nvSpPr>
-          <p:cNvPr id="6" name="Inhaltsplatzhalter 5"/>
-          <p:cNvSpPr>
-            <a:spLocks noGrp="1"/>
-          </p:cNvSpPr>
-          <p:nvPr>
-            <p:ph idx="10"/>
-          </p:nvPr>
-        </p:nvSpPr>
-        <p:spPr/>
-        <p:txBody>
-          <a:bodyPr/>
-          <a:lstStyle/>
-          <a:p>
-            <a:pPr marL="81000">
-              <a:buNone/>
-            </a:pPr>
-            <a:r>
-              <a:rPr lang="de-DE" dirty="0"/>
-              <a:t>Notwendigkeit Integration</a:t>
-            </a:r>
-          </a:p>
-          <a:p>
-            <a:pPr lvl="1">
-              <a:lnSpc>
-                <a:spcPct val="100000"/>
-              </a:lnSpc>
-            </a:pPr>
-            <a:r>
-              <a:rPr lang="de-DE" dirty="0"/>
-              <a:t>“</a:t>
-            </a:r>
-            <a:r>
-              <a:rPr lang="de-DE" dirty="0" err="1"/>
-              <a:t>Application</a:t>
-            </a:r>
-            <a:r>
-              <a:rPr lang="de-DE" dirty="0"/>
-              <a:t> </a:t>
-            </a:r>
-            <a:r>
-              <a:rPr lang="de-DE" dirty="0" err="1"/>
-              <a:t>infrastructure</a:t>
-            </a:r>
-            <a:r>
-              <a:rPr lang="de-DE" dirty="0"/>
-              <a:t> </a:t>
-            </a:r>
-            <a:r>
-              <a:rPr lang="de-DE" dirty="0" err="1"/>
-              <a:t>and</a:t>
-            </a:r>
-            <a:r>
-              <a:rPr lang="de-DE" dirty="0"/>
-              <a:t> </a:t>
-            </a:r>
-            <a:r>
-              <a:rPr lang="de-DE" dirty="0" err="1"/>
-              <a:t>middleware</a:t>
-            </a:r>
-            <a:r>
-              <a:rPr lang="de-DE" dirty="0"/>
-              <a:t> </a:t>
-            </a:r>
-            <a:r>
-              <a:rPr lang="de-DE" dirty="0" err="1"/>
-              <a:t>market</a:t>
-            </a:r>
-            <a:r>
-              <a:rPr lang="de-DE" dirty="0"/>
-              <a:t>” wuchs um </a:t>
-            </a:r>
-            <a:r>
-              <a:rPr lang="de-DE" b="1" dirty="0"/>
-              <a:t>6.9% von 14.17 Mrd. USD in 2007 auf 15.15 </a:t>
-            </a:r>
-            <a:r>
-              <a:rPr lang="de-DE" b="1" dirty="0" err="1"/>
-              <a:t>Mrd</a:t>
-            </a:r>
-            <a:r>
-              <a:rPr lang="de-DE" b="1" dirty="0"/>
-              <a:t> USD in 2008</a:t>
-            </a:r>
-          </a:p>
-          <a:p>
-            <a:pPr lvl="1">
-              <a:lnSpc>
-                <a:spcPct val="100000"/>
-              </a:lnSpc>
-            </a:pPr>
-            <a:endParaRPr lang="de-DE" b="1" dirty="0"/>
-          </a:p>
-          <a:p>
-            <a:pPr lvl="1">
-              <a:lnSpc>
-                <a:spcPct val="100000"/>
-              </a:lnSpc>
-            </a:pPr>
-            <a:r>
-              <a:rPr lang="de-DE" dirty="0"/>
-              <a:t>Integration ist eine der größten und teuersten Herausforderungen von IT-Firmen</a:t>
-            </a:r>
-            <a:br>
-              <a:rPr lang="de-DE" dirty="0"/>
-            </a:br>
-            <a:r>
-              <a:rPr lang="de-DE" dirty="0"/>
-              <a:t>(</a:t>
-            </a:r>
-            <a:r>
-              <a:rPr lang="de-DE" b="1" dirty="0"/>
-              <a:t>40% </a:t>
-            </a:r>
-            <a:r>
-              <a:rPr lang="de-DE" dirty="0"/>
-              <a:t>des Budgets wird für Integrationssoftware und Integrationsprojekte ausgegeben)</a:t>
-            </a:r>
-          </a:p>
-          <a:p>
-            <a:endParaRPr lang="de-DE" dirty="0"/>
-          </a:p>
-        </p:txBody>
-      </p:sp>
-      <p:pic>
-        <p:nvPicPr>
-          <p:cNvPr id="9" name="Grafik 8"/>
-          <p:cNvPicPr>
-            <a:picLocks noChangeAspect="1"/>
-          </p:cNvPicPr>
-          <p:nvPr/>
-        </p:nvPicPr>
-        <p:blipFill rotWithShape="1">
-          <a:blip r:embed="rId3"/>
-          <a:srcRect t="4370" b="7437"/>
-          <a:stretch/>
-        </p:blipFill>
         <p:spPr>
           <a:xfrm>
-            <a:off x="3251303" y="3142012"/>
-            <a:ext cx="3408697" cy="1555751"/>
+            <a:off x="2244279" y="2371695"/>
+            <a:ext cx="4655442" cy="400110"/>
           </a:xfrm>
           <a:prstGeom prst="rect">
             <a:avLst/>
           </a:prstGeom>
+          <a:noFill/>
         </p:spPr>
-      </p:pic>
-    </p:spTree>
-    <p:extLst>
-      <p:ext uri="{BB962C8B-B14F-4D97-AF65-F5344CB8AC3E}">
-        <p14:creationId xmlns:p14="http://schemas.microsoft.com/office/powerpoint/2010/main" val="1725420822"/>
-      </p:ext>
-    </p:extLst>
-  </p:cSld>
-  <p:clrMapOvr>
-    <a:masterClrMapping/>
-  </p:clrMapOvr>
-  <p:timing>
-    <p:tnLst>
-      <p:par>
-        <p:cTn id="1" dur="indefinite" restart="never" nodeType="tmRoot">
-          <p:childTnLst>
-            <p:seq concurrent="1" nextAc="seek">
-              <p:cTn id="2" dur="indefinite" nodeType="mainSeq">
-                <p:childTnLst>
-                  <p:par>
-                    <p:cTn id="3" fill="hold">
-                      <p:stCondLst>
-                        <p:cond delay="indefinite"/>
-                      </p:stCondLst>
-                      <p:childTnLst>
-                        <p:par>
-                          <p:cTn id="4" fill="hold">
-                            <p:stCondLst>
-                              <p:cond delay="0"/>
-                            </p:stCondLst>
-                            <p:childTnLst>
-                              <p:par>
-                                <p:cTn id="5" presetID="1" presetClass="entr" presetSubtype="0" fill="hold" nodeType="clickEffect">
-                                  <p:stCondLst>
-                                    <p:cond delay="0"/>
-                                  </p:stCondLst>
-                                  <p:childTnLst>
-                                    <p:set>
-                                      <p:cBhvr>
-                                        <p:cTn id="6" dur="1" fill="hold">
-                                          <p:stCondLst>
-                                            <p:cond delay="0"/>
-                                          </p:stCondLst>
-                                        </p:cTn>
-                                        <p:tgtEl>
-                                          <p:spTgt spid="3">
-                                            <p:txEl>
-                                              <p:pRg st="4" end="4"/>
-                                            </p:txEl>
-                                          </p:spTgt>
-                                        </p:tgtEl>
-                                        <p:attrNameLst>
-                                          <p:attrName>style.visibility</p:attrName>
-                                        </p:attrNameLst>
-                                      </p:cBhvr>
-                                      <p:to>
-                                        <p:strVal val="visible"/>
-                                      </p:to>
-                                    </p:set>
-                                  </p:childTnLst>
-                                </p:cTn>
-                              </p:par>
-                              <p:par>
-                                <p:cTn id="7" presetID="1" presetClass="entr" presetSubtype="0" fill="hold" nodeType="withEffect">
-                                  <p:stCondLst>
-                                    <p:cond delay="0"/>
-                                  </p:stCondLst>
-                                  <p:childTnLst>
-                                    <p:set>
-                                      <p:cBhvr>
-                                        <p:cTn id="8" dur="1" fill="hold">
-                                          <p:stCondLst>
-                                            <p:cond delay="0"/>
-                                          </p:stCondLst>
-                                        </p:cTn>
-                                        <p:tgtEl>
-                                          <p:spTgt spid="3">
-                                            <p:txEl>
-                                              <p:pRg st="5" end="5"/>
-                                            </p:txEl>
-                                          </p:spTgt>
-                                        </p:tgtEl>
-                                        <p:attrNameLst>
-                                          <p:attrName>style.visibility</p:attrName>
-                                        </p:attrNameLst>
-                                      </p:cBhvr>
-                                      <p:to>
-                                        <p:strVal val="visible"/>
-                                      </p:to>
-                                    </p:set>
-                                  </p:childTnLst>
-                                </p:cTn>
-                              </p:par>
-                              <p:par>
-                                <p:cTn id="9" presetID="1" presetClass="entr" presetSubtype="0" fill="hold" nodeType="withEffect">
-                                  <p:stCondLst>
-                                    <p:cond delay="0"/>
-                                  </p:stCondLst>
-                                  <p:childTnLst>
-                                    <p:set>
-                                      <p:cBhvr>
-                                        <p:cTn id="10" dur="1" fill="hold">
-                                          <p:stCondLst>
-                                            <p:cond delay="0"/>
-                                          </p:stCondLst>
-                                        </p:cTn>
-                                        <p:tgtEl>
-                                          <p:spTgt spid="3">
-                                            <p:txEl>
-                                              <p:pRg st="6" end="6"/>
-                                            </p:txEl>
-                                          </p:spTgt>
-                                        </p:tgtEl>
-                                        <p:attrNameLst>
-                                          <p:attrName>style.visibility</p:attrName>
-                                        </p:attrNameLst>
-                                      </p:cBhvr>
-                                      <p:to>
-                                        <p:strVal val="visible"/>
-                                      </p:to>
-                                    </p:set>
-                                  </p:childTnLst>
-                                </p:cTn>
-                              </p:par>
-                            </p:childTnLst>
-                          </p:cTn>
-                        </p:par>
-                      </p:childTnLst>
-                    </p:cTn>
-                  </p:par>
-                </p:childTnLst>
-              </p:cTn>
-              <p:prevCondLst>
-                <p:cond evt="onPrev" delay="0">
-                  <p:tgtEl>
-                    <p:sldTgt/>
-                  </p:tgtEl>
-                </p:cond>
-              </p:prevCondLst>
-              <p:nextCondLst>
-                <p:cond evt="onNext" delay="0">
-                  <p:tgtEl>
-                    <p:sldTgt/>
-                  </p:tgtEl>
-                </p:cond>
-              </p:nextCondLst>
-            </p:seq>
-          </p:childTnLst>
-        </p:cTn>
-      </p:par>
-    </p:tnLst>
-  </p:timing>
-</p:sld>
-</file>
-
-<file path=ppt/slides/slide15.xml><?xml version="1.0" encoding="utf-8"?>
-<p:sld xmlns:a="http://schemas.openxmlformats.org/drawingml/2006/main" xmlns:r="http://schemas.openxmlformats.org/officeDocument/2006/relationships" xmlns:p="http://schemas.openxmlformats.org/presentationml/2006/main">
-  <p:cSld>
-    <p:spTree>
-      <p:nvGrpSpPr>
-        <p:cNvPr id="1" name=""/>
-        <p:cNvGrpSpPr/>
-        <p:nvPr/>
-      </p:nvGrpSpPr>
-      <p:grpSpPr>
-        <a:xfrm>
-          <a:off x="0" y="0"/>
-          <a:ext cx="0" cy="0"/>
-          <a:chOff x="0" y="0"/>
-          <a:chExt cx="0" cy="0"/>
-        </a:xfrm>
-      </p:grpSpPr>
+        <p:txBody>
+          <a:bodyPr wrap="none" rtlCol="0">
+            <a:spAutoFit/>
+          </a:bodyPr>
+          <a:lstStyle/>
+          <a:p>
+            <a:pPr algn="ctr"/>
+            <a:r>
+              <a:rPr lang="de" altLang="ko-KR" sz="2000" dirty="0">
+                <a:latin typeface="Open Sans" pitchFamily="2" charset="0"/>
+                <a:ea typeface="Open Sans" pitchFamily="2" charset="0"/>
+                <a:cs typeface="Open Sans" pitchFamily="2" charset="0"/>
+              </a:rPr>
+              <a:t>Vielen Dank für Ihre Aufmerksamkeit!</a:t>
+            </a:r>
+            <a:endParaRPr kumimoji="1" lang="ko-KR" altLang="en-US" sz="2000" dirty="0">
+              <a:latin typeface="Open Sans" pitchFamily="2" charset="0"/>
+              <a:ea typeface="Open Sans" panose="020B0606030504020204" pitchFamily="34" charset="0"/>
+              <a:cs typeface="Open Sans" pitchFamily="2" charset="0"/>
+            </a:endParaRPr>
+          </a:p>
+        </p:txBody>
+      </p:sp>
     </p:spTree>
     <p:extLst>
       <p:ext uri="{BB962C8B-B14F-4D97-AF65-F5344CB8AC3E}">
@@ -6905,7 +9012,7 @@
 </p:sld>
 </file>
 
-<file path=ppt/slides/slide16.xml><?xml version="1.0" encoding="utf-8"?>
+<file path=ppt/slides/slide17.xml><?xml version="1.0" encoding="utf-8"?>
 <p:sld xmlns:a="http://schemas.openxmlformats.org/drawingml/2006/main" xmlns:r="http://schemas.openxmlformats.org/officeDocument/2006/relationships" xmlns:p="http://schemas.openxmlformats.org/presentationml/2006/main">
   <p:cSld>
     <p:spTree>
@@ -7283,7 +9390,7 @@
 </p:sld>
 </file>
 
-<file path=ppt/slides/slide17.xml><?xml version="1.0" encoding="utf-8"?>
+<file path=ppt/slides/slide18.xml><?xml version="1.0" encoding="utf-8"?>
 <p:sld xmlns:a="http://schemas.openxmlformats.org/drawingml/2006/main" xmlns:r="http://schemas.openxmlformats.org/officeDocument/2006/relationships" xmlns:p="http://schemas.openxmlformats.org/presentationml/2006/main">
   <p:cSld>
     <p:spTree>
@@ -7774,7 +9881,7 @@
 </p:sld>
 </file>
 
-<file path=ppt/slides/slide18.xml><?xml version="1.0" encoding="utf-8"?>
+<file path=ppt/slides/slide19.xml><?xml version="1.0" encoding="utf-8"?>
 <p:sld xmlns:a="http://schemas.openxmlformats.org/drawingml/2006/main" xmlns:r="http://schemas.openxmlformats.org/officeDocument/2006/relationships" xmlns:p="http://schemas.openxmlformats.org/presentationml/2006/main">
   <p:cSld>
     <p:spTree>
@@ -9443,53 +11550,6 @@
 </p:sld>
 </file>
 
-<file path=ppt/slides/slide19.xml><?xml version="1.0" encoding="utf-8"?>
-<p:sld xmlns:a="http://schemas.openxmlformats.org/drawingml/2006/main" xmlns:r="http://schemas.openxmlformats.org/officeDocument/2006/relationships" xmlns:p="http://schemas.openxmlformats.org/presentationml/2006/main">
-  <p:cSld>
-    <p:spTree>
-      <p:nvGrpSpPr>
-        <p:cNvPr id="1" name=""/>
-        <p:cNvGrpSpPr/>
-        <p:nvPr/>
-      </p:nvGrpSpPr>
-      <p:grpSpPr>
-        <a:xfrm>
-          <a:off x="0" y="0"/>
-          <a:ext cx="0" cy="0"/>
-          <a:chOff x="0" y="0"/>
-          <a:chExt cx="0" cy="0"/>
-        </a:xfrm>
-      </p:grpSpPr>
-      <p:sp>
-        <p:nvSpPr>
-          <p:cNvPr id="2" name="Titel 1"/>
-          <p:cNvSpPr>
-            <a:spLocks noGrp="1"/>
-          </p:cNvSpPr>
-          <p:nvPr>
-            <p:ph type="title"/>
-          </p:nvPr>
-        </p:nvSpPr>
-        <p:spPr/>
-        <p:txBody>
-          <a:bodyPr/>
-          <a:lstStyle/>
-          <a:p>
-            <a:r>
-              <a:rPr lang="de-DE" noProof="0" dirty="0"/>
-              <a:t>Klassifikation von Integrationsansätzen</a:t>
-            </a:r>
-          </a:p>
-        </p:txBody>
-      </p:sp>
-    </p:spTree>
-  </p:cSld>
-  <p:clrMapOvr>
-    <a:masterClrMapping/>
-  </p:clrMapOvr>
-</p:sld>
-</file>
-
 <file path=ppt/slides/slide2.xml><?xml version="1.0" encoding="utf-8"?>
 <p:sld xmlns:a="http://schemas.openxmlformats.org/drawingml/2006/main" xmlns:r="http://schemas.openxmlformats.org/officeDocument/2006/relationships" xmlns:p="http://schemas.openxmlformats.org/presentationml/2006/main">
   <p:cSld>
@@ -9524,9 +11584,64 @@
           <a:p>
             <a:r>
               <a:rPr lang="de-DE" altLang="ko-KR" dirty="0"/>
-              <a:t>1. Einleitung</a:t>
+              <a:t>1</a:t>
             </a:r>
             <a:endParaRPr lang="de-DE" noProof="0" dirty="0"/>
+          </a:p>
+        </p:txBody>
+      </p:sp>
+      <p:sp>
+        <p:nvSpPr>
+          <p:cNvPr id="3" name="Titel 1">
+            <a:extLst>
+              <a:ext uri="{FF2B5EF4-FFF2-40B4-BE49-F238E27FC236}">
+                <a16:creationId xmlns:a16="http://schemas.microsoft.com/office/drawing/2014/main" id="{51BD27C3-D04B-D34B-8CFD-1C8F8023BF59}"/>
+              </a:ext>
+            </a:extLst>
+          </p:cNvPr>
+          <p:cNvSpPr txBox="1">
+            <a:spLocks/>
+          </p:cNvSpPr>
+          <p:nvPr/>
+        </p:nvSpPr>
+        <p:spPr>
+          <a:xfrm>
+            <a:off x="180000" y="254870"/>
+            <a:ext cx="3947157" cy="432000"/>
+          </a:xfrm>
+          <a:prstGeom prst="rect">
+            <a:avLst/>
+          </a:prstGeom>
+          <a:ln>
+            <a:noFill/>
+          </a:ln>
+        </p:spPr>
+        <p:txBody>
+          <a:bodyPr anchor="t"/>
+          <a:lstStyle>
+            <a:lvl1pPr algn="l" defTabSz="685800" rtl="0" eaLnBrk="1" latinLnBrk="1" hangingPunct="1">
+              <a:lnSpc>
+                <a:spcPct val="90000"/>
+              </a:lnSpc>
+              <a:spcBef>
+                <a:spcPct val="0"/>
+              </a:spcBef>
+              <a:buNone/>
+              <a:defRPr sz="2400" b="1" kern="1200">
+                <a:solidFill>
+                  <a:srgbClr val="1F75BB"/>
+                </a:solidFill>
+                <a:latin typeface="Open Sans" panose="020B0606030504020204" pitchFamily="34" charset="0"/>
+                <a:ea typeface="Open Sans" panose="020B0606030504020204" pitchFamily="34" charset="0"/>
+                <a:cs typeface="Open Sans" panose="020B0606030504020204" pitchFamily="34" charset="0"/>
+              </a:defRPr>
+            </a:lvl1pPr>
+          </a:lstStyle>
+          <a:p>
+            <a:r>
+              <a:rPr lang="de-DE" dirty="0"/>
+              <a:t>Agenda</a:t>
+            </a:r>
           </a:p>
         </p:txBody>
       </p:sp>
@@ -9544,6 +11659,53 @@
 </file>
 
 <file path=ppt/slides/slide20.xml><?xml version="1.0" encoding="utf-8"?>
+<p:sld xmlns:a="http://schemas.openxmlformats.org/drawingml/2006/main" xmlns:r="http://schemas.openxmlformats.org/officeDocument/2006/relationships" xmlns:p="http://schemas.openxmlformats.org/presentationml/2006/main">
+  <p:cSld>
+    <p:spTree>
+      <p:nvGrpSpPr>
+        <p:cNvPr id="1" name=""/>
+        <p:cNvGrpSpPr/>
+        <p:nvPr/>
+      </p:nvGrpSpPr>
+      <p:grpSpPr>
+        <a:xfrm>
+          <a:off x="0" y="0"/>
+          <a:ext cx="0" cy="0"/>
+          <a:chOff x="0" y="0"/>
+          <a:chExt cx="0" cy="0"/>
+        </a:xfrm>
+      </p:grpSpPr>
+      <p:sp>
+        <p:nvSpPr>
+          <p:cNvPr id="2" name="Titel 1"/>
+          <p:cNvSpPr>
+            <a:spLocks noGrp="1"/>
+          </p:cNvSpPr>
+          <p:nvPr>
+            <p:ph type="title"/>
+          </p:nvPr>
+        </p:nvSpPr>
+        <p:spPr/>
+        <p:txBody>
+          <a:bodyPr/>
+          <a:lstStyle/>
+          <a:p>
+            <a:r>
+              <a:rPr lang="de-DE" noProof="0" dirty="0"/>
+              <a:t>Klassifikation von Integrationsansätzen</a:t>
+            </a:r>
+          </a:p>
+        </p:txBody>
+      </p:sp>
+    </p:spTree>
+  </p:cSld>
+  <p:clrMapOvr>
+    <a:masterClrMapping/>
+  </p:clrMapOvr>
+</p:sld>
+</file>
+
+<file path=ppt/slides/slide21.xml><?xml version="1.0" encoding="utf-8"?>
 <p:sld xmlns:a="http://schemas.openxmlformats.org/drawingml/2006/main" xmlns:r="http://schemas.openxmlformats.org/officeDocument/2006/relationships" xmlns:p="http://schemas.openxmlformats.org/presentationml/2006/main">
   <p:cSld>
     <p:spTree>
@@ -11220,6 +13382,59 @@
           <a:chExt cx="0" cy="0"/>
         </a:xfrm>
       </p:grpSpPr>
+      <p:sp>
+        <p:nvSpPr>
+          <p:cNvPr id="2" name="Titel 1"/>
+          <p:cNvSpPr>
+            <a:spLocks noGrp="1"/>
+          </p:cNvSpPr>
+          <p:nvPr>
+            <p:ph type="title"/>
+          </p:nvPr>
+        </p:nvSpPr>
+        <p:spPr/>
+        <p:txBody>
+          <a:bodyPr/>
+          <a:lstStyle/>
+          <a:p>
+            <a:r>
+              <a:rPr lang="de-DE" altLang="ko-KR" dirty="0"/>
+              <a:t>1. Einleitung</a:t>
+            </a:r>
+            <a:endParaRPr lang="de-DE" noProof="0" dirty="0"/>
+          </a:p>
+        </p:txBody>
+      </p:sp>
+    </p:spTree>
+    <p:extLst>
+      <p:ext uri="{BB962C8B-B14F-4D97-AF65-F5344CB8AC3E}">
+        <p14:creationId xmlns:p14="http://schemas.microsoft.com/office/powerpoint/2010/main" val="1569365601"/>
+      </p:ext>
+    </p:extLst>
+  </p:cSld>
+  <p:clrMapOvr>
+    <a:masterClrMapping/>
+  </p:clrMapOvr>
+</p:sld>
+</file>
+
+<file path=ppt/slides/slide4.xml><?xml version="1.0" encoding="utf-8"?>
+<p:sld xmlns:a="http://schemas.openxmlformats.org/drawingml/2006/main" xmlns:r="http://schemas.openxmlformats.org/officeDocument/2006/relationships" xmlns:p="http://schemas.openxmlformats.org/presentationml/2006/main">
+  <p:cSld>
+    <p:spTree>
+      <p:nvGrpSpPr>
+        <p:cNvPr id="1" name=""/>
+        <p:cNvGrpSpPr/>
+        <p:nvPr/>
+      </p:nvGrpSpPr>
+      <p:grpSpPr>
+        <a:xfrm>
+          <a:off x="0" y="0"/>
+          <a:ext cx="0" cy="0"/>
+          <a:chOff x="0" y="0"/>
+          <a:chExt cx="0" cy="0"/>
+        </a:xfrm>
+      </p:grpSpPr>
       <p:pic>
         <p:nvPicPr>
           <p:cNvPr id="9" name="Grafik 8"/>
@@ -11702,7 +13917,7 @@
 </p:sld>
 </file>
 
-<file path=ppt/slides/slide4.xml><?xml version="1.0" encoding="utf-8"?>
+<file path=ppt/slides/slide5.xml><?xml version="1.0" encoding="utf-8"?>
 <p:sld xmlns:a="http://schemas.openxmlformats.org/drawingml/2006/main" xmlns:r="http://schemas.openxmlformats.org/officeDocument/2006/relationships" xmlns:p="http://schemas.openxmlformats.org/presentationml/2006/main">
   <p:cSld>
     <p:spTree>
@@ -11736,7 +13951,7 @@
           <a:p>
             <a:r>
               <a:rPr lang="de-DE" altLang="ko-KR" dirty="0"/>
-              <a:t>2. Literaturüberblick</a:t>
+              <a:t>2. Grundlagen</a:t>
             </a:r>
             <a:endParaRPr lang="de-DE" noProof="0" dirty="0"/>
           </a:p>
@@ -11755,7 +13970,123 @@
 </p:sld>
 </file>
 
-<file path=ppt/slides/slide5.xml><?xml version="1.0" encoding="utf-8"?>
+<file path=ppt/slides/slide6.xml><?xml version="1.0" encoding="utf-8"?>
+<p:sld xmlns:a="http://schemas.openxmlformats.org/drawingml/2006/main" xmlns:r="http://schemas.openxmlformats.org/officeDocument/2006/relationships" xmlns:p="http://schemas.openxmlformats.org/presentationml/2006/main">
+  <p:cSld>
+    <p:spTree>
+      <p:nvGrpSpPr>
+        <p:cNvPr id="1" name=""/>
+        <p:cNvGrpSpPr/>
+        <p:nvPr/>
+      </p:nvGrpSpPr>
+      <p:grpSpPr>
+        <a:xfrm>
+          <a:off x="0" y="0"/>
+          <a:ext cx="0" cy="0"/>
+          <a:chOff x="0" y="0"/>
+          <a:chExt cx="0" cy="0"/>
+        </a:xfrm>
+      </p:grpSpPr>
+      <p:sp>
+        <p:nvSpPr>
+          <p:cNvPr id="3" name="Titel 1">
+            <a:extLst>
+              <a:ext uri="{FF2B5EF4-FFF2-40B4-BE49-F238E27FC236}">
+                <a16:creationId xmlns:a16="http://schemas.microsoft.com/office/drawing/2014/main" id="{D55B45F6-E7BC-AF4A-BAB7-9E31CE4A214C}"/>
+              </a:ext>
+            </a:extLst>
+          </p:cNvPr>
+          <p:cNvSpPr>
+            <a:spLocks noGrp="1"/>
+          </p:cNvSpPr>
+          <p:nvPr>
+            <p:ph type="title"/>
+          </p:nvPr>
+        </p:nvSpPr>
+        <p:spPr>
+          <a:xfrm>
+            <a:off x="180000" y="254870"/>
+            <a:ext cx="6480000" cy="432000"/>
+          </a:xfrm>
+        </p:spPr>
+        <p:txBody>
+          <a:bodyPr/>
+          <a:lstStyle/>
+          <a:p>
+            <a:r>
+              <a:rPr lang="de-DE" noProof="0" dirty="0"/>
+              <a:t>Motivation Datenintegration</a:t>
+            </a:r>
+          </a:p>
+        </p:txBody>
+      </p:sp>
+    </p:spTree>
+    <p:extLst>
+      <p:ext uri="{BB962C8B-B14F-4D97-AF65-F5344CB8AC3E}">
+        <p14:creationId xmlns:p14="http://schemas.microsoft.com/office/powerpoint/2010/main" val="2659545051"/>
+      </p:ext>
+    </p:extLst>
+  </p:cSld>
+  <p:clrMapOvr>
+    <a:masterClrMapping/>
+  </p:clrMapOvr>
+</p:sld>
+</file>
+
+<file path=ppt/slides/slide7.xml><?xml version="1.0" encoding="utf-8"?>
+<p:sld xmlns:a="http://schemas.openxmlformats.org/drawingml/2006/main" xmlns:r="http://schemas.openxmlformats.org/officeDocument/2006/relationships" xmlns:p="http://schemas.openxmlformats.org/presentationml/2006/main">
+  <p:cSld>
+    <p:spTree>
+      <p:nvGrpSpPr>
+        <p:cNvPr id="1" name=""/>
+        <p:cNvGrpSpPr/>
+        <p:nvPr/>
+      </p:nvGrpSpPr>
+      <p:grpSpPr>
+        <a:xfrm>
+          <a:off x="0" y="0"/>
+          <a:ext cx="0" cy="0"/>
+          <a:chOff x="0" y="0"/>
+          <a:chExt cx="0" cy="0"/>
+        </a:xfrm>
+      </p:grpSpPr>
+      <p:sp>
+        <p:nvSpPr>
+          <p:cNvPr id="2" name="Titel 1"/>
+          <p:cNvSpPr>
+            <a:spLocks noGrp="1"/>
+          </p:cNvSpPr>
+          <p:nvPr>
+            <p:ph type="title"/>
+          </p:nvPr>
+        </p:nvSpPr>
+        <p:spPr/>
+        <p:txBody>
+          <a:bodyPr/>
+          <a:lstStyle/>
+          <a:p>
+            <a:r>
+              <a:rPr lang="de-DE" altLang="ko-KR" dirty="0"/>
+              <a:t>3. Literaturüberblick</a:t>
+            </a:r>
+            <a:endParaRPr lang="de-DE" noProof="0" dirty="0"/>
+          </a:p>
+        </p:txBody>
+      </p:sp>
+    </p:spTree>
+    <p:extLst>
+      <p:ext uri="{BB962C8B-B14F-4D97-AF65-F5344CB8AC3E}">
+        <p14:creationId xmlns:p14="http://schemas.microsoft.com/office/powerpoint/2010/main" val="2415083388"/>
+      </p:ext>
+    </p:extLst>
+  </p:cSld>
+  <p:clrMapOvr>
+    <a:masterClrMapping/>
+  </p:clrMapOvr>
+</p:sld>
+</file>
+
+<file path=ppt/slides/slide8.xml><?xml version="1.0" encoding="utf-8"?>
 <p:sld xmlns:a="http://schemas.openxmlformats.org/drawingml/2006/main" xmlns:r="http://schemas.openxmlformats.org/officeDocument/2006/relationships" xmlns:p="http://schemas.openxmlformats.org/presentationml/2006/main">
   <p:cSld>
     <p:spTree>
@@ -11787,14 +14118,14 @@
           <p:nvPr>
             <p:extLst>
               <p:ext uri="{D42A27DB-BD31-4B8C-83A1-F6EECF244321}">
-                <p14:modId xmlns:p14="http://schemas.microsoft.com/office/powerpoint/2010/main" val="987494583"/>
+                <p14:modId xmlns:p14="http://schemas.microsoft.com/office/powerpoint/2010/main" val="2341467425"/>
               </p:ext>
             </p:extLst>
           </p:nvPr>
         </p:nvGraphicFramePr>
         <p:xfrm>
-          <a:off x="724930" y="1565910"/>
-          <a:ext cx="7694141" cy="2011680"/>
+          <a:off x="267729" y="1736352"/>
+          <a:ext cx="8608542" cy="1670796"/>
         </p:xfrm>
         <a:graphic>
           <a:graphicData uri="http://schemas.openxmlformats.org/drawingml/2006/table">
@@ -11804,70 +14135,70 @@
                 <a:tableStyleId>{0660B408-B3CF-4A94-85FC-2B1E0A45F4A2}</a:tableStyleId>
               </a:tblPr>
               <a:tblGrid>
-                <a:gridCol w="1351006">
+                <a:gridCol w="1894704">
                   <a:extLst>
                     <a:ext uri="{9D8B030D-6E8A-4147-A177-3AD203B41FA5}">
                       <a16:colId xmlns:a16="http://schemas.microsoft.com/office/drawing/2014/main" val="2131860217"/>
                     </a:ext>
                   </a:extLst>
                 </a:gridCol>
-                <a:gridCol w="733168">
+                <a:gridCol w="741405">
                   <a:extLst>
                     <a:ext uri="{9D8B030D-6E8A-4147-A177-3AD203B41FA5}">
                       <a16:colId xmlns:a16="http://schemas.microsoft.com/office/drawing/2014/main" val="3006874512"/>
                     </a:ext>
                   </a:extLst>
                 </a:gridCol>
-                <a:gridCol w="642551">
+                <a:gridCol w="634314">
                   <a:extLst>
                     <a:ext uri="{9D8B030D-6E8A-4147-A177-3AD203B41FA5}">
                       <a16:colId xmlns:a16="http://schemas.microsoft.com/office/drawing/2014/main" val="3474172221"/>
                     </a:ext>
                   </a:extLst>
                 </a:gridCol>
-                <a:gridCol w="667265">
+                <a:gridCol w="659027">
                   <a:extLst>
                     <a:ext uri="{9D8B030D-6E8A-4147-A177-3AD203B41FA5}">
                       <a16:colId xmlns:a16="http://schemas.microsoft.com/office/drawing/2014/main" val="2154563206"/>
                     </a:ext>
                   </a:extLst>
                 </a:gridCol>
-                <a:gridCol w="848497">
+                <a:gridCol w="817231">
                   <a:extLst>
                     <a:ext uri="{9D8B030D-6E8A-4147-A177-3AD203B41FA5}">
                       <a16:colId xmlns:a16="http://schemas.microsoft.com/office/drawing/2014/main" val="3976688158"/>
                     </a:ext>
                   </a:extLst>
                 </a:gridCol>
-                <a:gridCol w="691979">
+                <a:gridCol w="774217">
                   <a:extLst>
                     <a:ext uri="{9D8B030D-6E8A-4147-A177-3AD203B41FA5}">
                       <a16:colId xmlns:a16="http://schemas.microsoft.com/office/drawing/2014/main" val="1887927538"/>
                     </a:ext>
                   </a:extLst>
                 </a:gridCol>
-                <a:gridCol w="790832">
+                <a:gridCol w="884817">
                   <a:extLst>
                     <a:ext uri="{9D8B030D-6E8A-4147-A177-3AD203B41FA5}">
                       <a16:colId xmlns:a16="http://schemas.microsoft.com/office/drawing/2014/main" val="2061325442"/>
                     </a:ext>
                   </a:extLst>
                 </a:gridCol>
-                <a:gridCol w="675503">
+                <a:gridCol w="755782">
                   <a:extLst>
                     <a:ext uri="{9D8B030D-6E8A-4147-A177-3AD203B41FA5}">
                       <a16:colId xmlns:a16="http://schemas.microsoft.com/office/drawing/2014/main" val="660130742"/>
                     </a:ext>
                   </a:extLst>
                 </a:gridCol>
-                <a:gridCol w="634313">
+                <a:gridCol w="709697">
                   <a:extLst>
                     <a:ext uri="{9D8B030D-6E8A-4147-A177-3AD203B41FA5}">
                       <a16:colId xmlns:a16="http://schemas.microsoft.com/office/drawing/2014/main" val="346906480"/>
                     </a:ext>
                   </a:extLst>
                 </a:gridCol>
-                <a:gridCol w="659027">
+                <a:gridCol w="737348">
                   <a:extLst>
                     <a:ext uri="{9D8B030D-6E8A-4147-A177-3AD203B41FA5}">
                       <a16:colId xmlns:a16="http://schemas.microsoft.com/office/drawing/2014/main" val="1223097556"/>
@@ -11875,7 +14206,7 @@
                   </a:extLst>
                 </a:gridCol>
               </a:tblGrid>
-              <a:tr h="502920">
+              <a:tr h="429551">
                 <a:tc>
                   <a:txBody>
                     <a:bodyPr/>
@@ -11883,14 +14214,119 @@
                     <a:p>
                       <a:pPr algn="r" latinLnBrk="1"/>
                       <a:r>
-                        <a:rPr lang="de-DE" altLang="ko-KR" sz="1200" dirty="0">
+                        <a:rPr lang="de-DE" altLang="ko-KR" sz="1200" dirty="0" err="1">
+                          <a:solidFill>
+                            <a:schemeClr val="bg1"/>
+                          </a:solidFill>
                           <a:latin typeface="Open Sans" pitchFamily="2" charset="0"/>
                           <a:ea typeface="Open Sans" pitchFamily="2" charset="0"/>
                           <a:cs typeface="Open Sans" pitchFamily="2" charset="0"/>
                         </a:rPr>
-                        <a:t>-basiert</a:t>
+                        <a:t>verwendte</a:t>
+                      </a:r>
+                      <a:r>
+                        <a:rPr lang="de-DE" altLang="ko-KR" sz="1200" dirty="0">
+                          <a:solidFill>
+                            <a:schemeClr val="bg1"/>
+                          </a:solidFill>
+                          <a:latin typeface="Open Sans" pitchFamily="2" charset="0"/>
+                          <a:ea typeface="Open Sans" pitchFamily="2" charset="0"/>
+                          <a:cs typeface="Open Sans" pitchFamily="2" charset="0"/>
+                        </a:rPr>
+                        <a:t> Algorithmen</a:t>
                       </a:r>
                       <a:endParaRPr lang="ko-KR" altLang="en-US" sz="1200" dirty="0">
+                        <a:solidFill>
+                          <a:schemeClr val="bg1"/>
+                        </a:solidFill>
+                        <a:latin typeface="Open Sans" pitchFamily="2" charset="0"/>
+                        <a:cs typeface="Open Sans" pitchFamily="2" charset="0"/>
+                      </a:endParaRPr>
+                    </a:p>
+                  </a:txBody>
+                  <a:tcPr anchor="ctr">
+                    <a:lnR w="28575" cap="flat" cmpd="sng" algn="ctr">
+                      <a:solidFill>
+                        <a:schemeClr val="bg2">
+                          <a:lumMod val="10000"/>
+                        </a:schemeClr>
+                      </a:solidFill>
+                      <a:prstDash val="solid"/>
+                      <a:round/>
+                      <a:headEnd type="none" w="med" len="med"/>
+                      <a:tailEnd type="none" w="med" len="med"/>
+                    </a:lnR>
+                    <a:solidFill>
+                      <a:srgbClr val="01305D"/>
+                    </a:solidFill>
+                  </a:tcPr>
+                </a:tc>
+                <a:tc>
+                  <a:txBody>
+                    <a:bodyPr/>
+                    <a:lstStyle/>
+                    <a:p>
+                      <a:pPr algn="ctr" latinLnBrk="1"/>
+                      <a:r>
+                        <a:rPr lang="de-DE" altLang="ko-KR" sz="1200" kern="1200" dirty="0">
+                          <a:solidFill>
+                            <a:schemeClr val="bg1"/>
+                          </a:solidFill>
+                          <a:effectLst/>
+                          <a:latin typeface="Open Sans" pitchFamily="2" charset="0"/>
+                          <a:ea typeface="Open Sans" pitchFamily="2" charset="0"/>
+                          <a:cs typeface="Open Sans" pitchFamily="2" charset="0"/>
+                        </a:rPr>
+                        <a:t>[SJLD15] </a:t>
+                      </a:r>
+                      <a:endParaRPr lang="ko-KR" altLang="en-US" sz="1200" dirty="0">
+                        <a:solidFill>
+                          <a:schemeClr val="bg1"/>
+                        </a:solidFill>
+                        <a:latin typeface="Open Sans" pitchFamily="2" charset="0"/>
+                        <a:cs typeface="Open Sans" pitchFamily="2" charset="0"/>
+                      </a:endParaRPr>
+                    </a:p>
+                  </a:txBody>
+                  <a:tcPr anchor="ctr">
+                    <a:lnL w="28575" cap="flat" cmpd="sng" algn="ctr">
+                      <a:solidFill>
+                        <a:schemeClr val="bg2">
+                          <a:lumMod val="10000"/>
+                        </a:schemeClr>
+                      </a:solidFill>
+                      <a:prstDash val="solid"/>
+                      <a:round/>
+                      <a:headEnd type="none" w="med" len="med"/>
+                      <a:tailEnd type="none" w="med" len="med"/>
+                    </a:lnL>
+                    <a:solidFill>
+                      <a:srgbClr val="01305D"/>
+                    </a:solidFill>
+                  </a:tcPr>
+                </a:tc>
+                <a:tc>
+                  <a:txBody>
+                    <a:bodyPr/>
+                    <a:lstStyle/>
+                    <a:p>
+                      <a:pPr algn="ctr" latinLnBrk="1"/>
+                      <a:r>
+                        <a:rPr lang="de-DE" altLang="ko-KR" sz="1200" kern="1200" dirty="0">
+                          <a:solidFill>
+                            <a:schemeClr val="bg1"/>
+                          </a:solidFill>
+                          <a:effectLst/>
+                          <a:latin typeface="Open Sans" pitchFamily="2" charset="0"/>
+                          <a:ea typeface="Open Sans" pitchFamily="2" charset="0"/>
+                          <a:cs typeface="Open Sans" pitchFamily="2" charset="0"/>
+                        </a:rPr>
+                        <a:t>[AO22] </a:t>
+                      </a:r>
+                      <a:endParaRPr lang="ko-KR" altLang="en-US" sz="1200" dirty="0">
+                        <a:solidFill>
+                          <a:schemeClr val="bg1"/>
+                        </a:solidFill>
                         <a:latin typeface="Open Sans" pitchFamily="2" charset="0"/>
                         <a:cs typeface="Open Sans" pitchFamily="2" charset="0"/>
                       </a:endParaRPr>
@@ -11910,14 +14346,20 @@
                       <a:pPr algn="ctr" latinLnBrk="1"/>
                       <a:r>
                         <a:rPr lang="de-DE" altLang="ko-KR" sz="1200" kern="1200" dirty="0">
+                          <a:solidFill>
+                            <a:schemeClr val="bg1"/>
+                          </a:solidFill>
                           <a:effectLst/>
                           <a:latin typeface="Open Sans" pitchFamily="2" charset="0"/>
                           <a:ea typeface="Open Sans" pitchFamily="2" charset="0"/>
                           <a:cs typeface="Open Sans" pitchFamily="2" charset="0"/>
                         </a:rPr>
-                        <a:t>[SJLD15] </a:t>
+                        <a:t>[JYK20]</a:t>
                       </a:r>
                       <a:endParaRPr lang="ko-KR" altLang="en-US" sz="1200" dirty="0">
+                        <a:solidFill>
+                          <a:schemeClr val="bg1"/>
+                        </a:solidFill>
                         <a:latin typeface="Open Sans" pitchFamily="2" charset="0"/>
                         <a:cs typeface="Open Sans" pitchFamily="2" charset="0"/>
                       </a:endParaRPr>
@@ -11937,14 +14379,20 @@
                       <a:pPr algn="ctr" latinLnBrk="1"/>
                       <a:r>
                         <a:rPr lang="de-DE" altLang="ko-KR" sz="1200" kern="1200" dirty="0">
+                          <a:solidFill>
+                            <a:schemeClr val="bg1"/>
+                          </a:solidFill>
                           <a:effectLst/>
                           <a:latin typeface="Open Sans" pitchFamily="2" charset="0"/>
                           <a:ea typeface="Open Sans" pitchFamily="2" charset="0"/>
                           <a:cs typeface="Open Sans" pitchFamily="2" charset="0"/>
                         </a:rPr>
-                        <a:t>[AO22] </a:t>
+                        <a:t>[MKPT20] </a:t>
                       </a:r>
                       <a:endParaRPr lang="ko-KR" altLang="en-US" sz="1200" dirty="0">
+                        <a:solidFill>
+                          <a:schemeClr val="bg1"/>
+                        </a:solidFill>
                         <a:latin typeface="Open Sans" pitchFamily="2" charset="0"/>
                         <a:cs typeface="Open Sans" pitchFamily="2" charset="0"/>
                       </a:endParaRPr>
@@ -11964,14 +14412,20 @@
                       <a:pPr algn="ctr" latinLnBrk="1"/>
                       <a:r>
                         <a:rPr lang="de-DE" altLang="ko-KR" sz="1200" kern="1200" dirty="0">
+                          <a:solidFill>
+                            <a:schemeClr val="bg1"/>
+                          </a:solidFill>
                           <a:effectLst/>
                           <a:latin typeface="Open Sans" pitchFamily="2" charset="0"/>
                           <a:ea typeface="Open Sans" pitchFamily="2" charset="0"/>
                           <a:cs typeface="Open Sans" pitchFamily="2" charset="0"/>
                         </a:rPr>
-                        <a:t>[JYK20]</a:t>
+                        <a:t>[WD16]</a:t>
                       </a:r>
                       <a:endParaRPr lang="ko-KR" altLang="en-US" sz="1200" dirty="0">
+                        <a:solidFill>
+                          <a:schemeClr val="bg1"/>
+                        </a:solidFill>
                         <a:latin typeface="Open Sans" pitchFamily="2" charset="0"/>
                         <a:cs typeface="Open Sans" pitchFamily="2" charset="0"/>
                       </a:endParaRPr>
@@ -11991,14 +14445,20 @@
                       <a:pPr algn="ctr" latinLnBrk="1"/>
                       <a:r>
                         <a:rPr lang="de-DE" altLang="ko-KR" sz="1200" kern="1200" dirty="0">
+                          <a:solidFill>
+                            <a:schemeClr val="bg1"/>
+                          </a:solidFill>
                           <a:effectLst/>
                           <a:latin typeface="Open Sans" pitchFamily="2" charset="0"/>
                           <a:ea typeface="Open Sans" pitchFamily="2" charset="0"/>
                           <a:cs typeface="Open Sans" pitchFamily="2" charset="0"/>
                         </a:rPr>
-                        <a:t>[MKPT20] </a:t>
+                        <a:t>[HZZ+13]</a:t>
                       </a:r>
                       <a:endParaRPr lang="ko-KR" altLang="en-US" sz="1200" dirty="0">
+                        <a:solidFill>
+                          <a:schemeClr val="bg1"/>
+                        </a:solidFill>
                         <a:latin typeface="Open Sans" pitchFamily="2" charset="0"/>
                         <a:cs typeface="Open Sans" pitchFamily="2" charset="0"/>
                       </a:endParaRPr>
@@ -12018,14 +14478,20 @@
                       <a:pPr algn="ctr" latinLnBrk="1"/>
                       <a:r>
                         <a:rPr lang="de-DE" altLang="ko-KR" sz="1200" kern="1200" dirty="0">
+                          <a:solidFill>
+                            <a:schemeClr val="bg1"/>
+                          </a:solidFill>
                           <a:effectLst/>
                           <a:latin typeface="Open Sans" pitchFamily="2" charset="0"/>
                           <a:ea typeface="Open Sans" pitchFamily="2" charset="0"/>
                           <a:cs typeface="Open Sans" pitchFamily="2" charset="0"/>
                         </a:rPr>
-                        <a:t>[WD16]</a:t>
+                        <a:t>[LIPJ21]</a:t>
                       </a:r>
                       <a:endParaRPr lang="ko-KR" altLang="en-US" sz="1200" dirty="0">
+                        <a:solidFill>
+                          <a:schemeClr val="bg1"/>
+                        </a:solidFill>
                         <a:latin typeface="Open Sans" pitchFamily="2" charset="0"/>
                         <a:cs typeface="Open Sans" pitchFamily="2" charset="0"/>
                       </a:endParaRPr>
@@ -12045,60 +14511,9 @@
                       <a:pPr algn="ctr" latinLnBrk="1"/>
                       <a:r>
                         <a:rPr lang="de-DE" altLang="ko-KR" sz="1200" kern="1200" dirty="0">
-                          <a:effectLst/>
-                          <a:latin typeface="Open Sans" pitchFamily="2" charset="0"/>
-                          <a:ea typeface="Open Sans" pitchFamily="2" charset="0"/>
-                          <a:cs typeface="Open Sans" pitchFamily="2" charset="0"/>
-                        </a:rPr>
-                        <a:t>[HZZ+13]</a:t>
-                      </a:r>
-                      <a:endParaRPr lang="ko-KR" altLang="en-US" sz="1200" dirty="0">
-                        <a:latin typeface="Open Sans" pitchFamily="2" charset="0"/>
-                        <a:cs typeface="Open Sans" pitchFamily="2" charset="0"/>
-                      </a:endParaRPr>
-                    </a:p>
-                  </a:txBody>
-                  <a:tcPr anchor="ctr">
-                    <a:solidFill>
-                      <a:srgbClr val="01305D"/>
-                    </a:solidFill>
-                  </a:tcPr>
-                </a:tc>
-                <a:tc>
-                  <a:txBody>
-                    <a:bodyPr/>
-                    <a:lstStyle/>
-                    <a:p>
-                      <a:pPr algn="ctr" latinLnBrk="1"/>
-                      <a:r>
-                        <a:rPr lang="de-DE" altLang="ko-KR" sz="1200" kern="1200" dirty="0">
-                          <a:effectLst/>
-                          <a:latin typeface="Open Sans" pitchFamily="2" charset="0"/>
-                          <a:ea typeface="Open Sans" pitchFamily="2" charset="0"/>
-                          <a:cs typeface="Open Sans" pitchFamily="2" charset="0"/>
-                        </a:rPr>
-                        <a:t>[LIPJ21]</a:t>
-                      </a:r>
-                      <a:endParaRPr lang="ko-KR" altLang="en-US" sz="1200" dirty="0">
-                        <a:latin typeface="Open Sans" pitchFamily="2" charset="0"/>
-                        <a:cs typeface="Open Sans" pitchFamily="2" charset="0"/>
-                      </a:endParaRPr>
-                    </a:p>
-                  </a:txBody>
-                  <a:tcPr anchor="ctr">
-                    <a:solidFill>
-                      <a:srgbClr val="01305D"/>
-                    </a:solidFill>
-                  </a:tcPr>
-                </a:tc>
-                <a:tc>
-                  <a:txBody>
-                    <a:bodyPr/>
-                    <a:lstStyle/>
-                    <a:p>
-                      <a:pPr algn="ctr" latinLnBrk="1"/>
-                      <a:r>
-                        <a:rPr lang="de-DE" altLang="ko-KR" sz="1200" kern="1200" dirty="0">
+                          <a:solidFill>
+                            <a:schemeClr val="bg1"/>
+                          </a:solidFill>
                           <a:effectLst/>
                           <a:latin typeface="Open Sans" pitchFamily="2" charset="0"/>
                           <a:ea typeface="Open Sans" pitchFamily="2" charset="0"/>
@@ -12107,6 +14522,9 @@
                         <a:t>[DF13] </a:t>
                       </a:r>
                       <a:endParaRPr lang="ko-KR" altLang="en-US" sz="1200" dirty="0">
+                        <a:solidFill>
+                          <a:schemeClr val="bg1"/>
+                        </a:solidFill>
                         <a:latin typeface="Open Sans" pitchFamily="2" charset="0"/>
                         <a:cs typeface="Open Sans" pitchFamily="2" charset="0"/>
                       </a:endParaRPr>
@@ -12126,6 +14544,9 @@
                       <a:pPr algn="ctr" latinLnBrk="1"/>
                       <a:r>
                         <a:rPr lang="de-DE" altLang="ko-KR" sz="1200" dirty="0">
+                          <a:solidFill>
+                            <a:schemeClr val="bg1"/>
+                          </a:solidFill>
                           <a:latin typeface="Open Sans" pitchFamily="2" charset="0"/>
                           <a:ea typeface="Open Sans" pitchFamily="2" charset="0"/>
                           <a:cs typeface="Open Sans" pitchFamily="2" charset="0"/>
@@ -12133,6 +14554,9 @@
                         <a:t>Diese Arbeit</a:t>
                       </a:r>
                       <a:endParaRPr lang="ko-KR" altLang="en-US" sz="1200" dirty="0">
+                        <a:solidFill>
+                          <a:schemeClr val="bg1"/>
+                        </a:solidFill>
                         <a:latin typeface="Open Sans" pitchFamily="2" charset="0"/>
                         <a:cs typeface="Open Sans" pitchFamily="2" charset="0"/>
                       </a:endParaRPr>
@@ -12150,7 +14574,7 @@
                   </a:ext>
                 </a:extLst>
               </a:tr>
-              <a:tr h="502920">
+              <a:tr h="404532">
                 <a:tc>
                   <a:txBody>
                     <a:bodyPr/>
@@ -12163,9 +14587,175 @@
                           <a:ea typeface="Open Sans" pitchFamily="2" charset="0"/>
                           <a:cs typeface="Open Sans" pitchFamily="2" charset="0"/>
                         </a:rPr>
-                        <a:t>Statistik-</a:t>
+                        <a:t>Statistikbasiert</a:t>
                       </a:r>
                       <a:endParaRPr lang="ko-KR" altLang="en-US" sz="1200" dirty="0">
+                        <a:latin typeface="Open Sans" pitchFamily="2" charset="0"/>
+                        <a:cs typeface="Open Sans" pitchFamily="2" charset="0"/>
+                      </a:endParaRPr>
+                    </a:p>
+                  </a:txBody>
+                  <a:tcPr anchor="ctr">
+                    <a:lnR w="28575" cap="flat" cmpd="sng" algn="ctr">
+                      <a:solidFill>
+                        <a:schemeClr val="bg2">
+                          <a:lumMod val="10000"/>
+                        </a:schemeClr>
+                      </a:solidFill>
+                      <a:prstDash val="solid"/>
+                      <a:round/>
+                      <a:headEnd type="none" w="med" len="med"/>
+                      <a:tailEnd type="none" w="med" len="med"/>
+                    </a:lnR>
+                  </a:tcPr>
+                </a:tc>
+                <a:tc>
+                  <a:txBody>
+                    <a:bodyPr/>
+                    <a:lstStyle/>
+                    <a:p>
+                      <a:pPr algn="ctr" latinLnBrk="1"/>
+                      <a:r>
+                        <a:rPr kumimoji="0" lang="ko-KR" altLang="en-US" sz="1350" b="1" i="0" u="none" strike="noStrike" kern="1200" cap="none" spc="0" normalizeH="0" baseline="0" noProof="0" dirty="0">
+                          <a:ln>
+                            <a:noFill/>
+                          </a:ln>
+                          <a:solidFill>
+                            <a:srgbClr val="C00000"/>
+                          </a:solidFill>
+                          <a:effectLst/>
+                          <a:uLnTx/>
+                          <a:uFillTx/>
+                          <a:latin typeface="Open Sans" pitchFamily="2" charset="0"/>
+                          <a:ea typeface="+mn-ea"/>
+                          <a:cs typeface="Open Sans" pitchFamily="2" charset="0"/>
+                        </a:rPr>
+                        <a:t>✗</a:t>
+                      </a:r>
+                      <a:endParaRPr lang="ko-KR" altLang="en-US" b="1" dirty="0">
+                        <a:solidFill>
+                          <a:srgbClr val="C00000"/>
+                        </a:solidFill>
+                        <a:latin typeface="Open Sans" pitchFamily="2" charset="0"/>
+                        <a:cs typeface="Open Sans" pitchFamily="2" charset="0"/>
+                      </a:endParaRPr>
+                    </a:p>
+                  </a:txBody>
+                  <a:tcPr anchor="ctr">
+                    <a:lnL w="28575" cap="flat" cmpd="sng" algn="ctr">
+                      <a:solidFill>
+                        <a:schemeClr val="bg2">
+                          <a:lumMod val="10000"/>
+                        </a:schemeClr>
+                      </a:solidFill>
+                      <a:prstDash val="solid"/>
+                      <a:round/>
+                      <a:headEnd type="none" w="med" len="med"/>
+                      <a:tailEnd type="none" w="med" len="med"/>
+                    </a:lnL>
+                  </a:tcPr>
+                </a:tc>
+                <a:tc>
+                  <a:txBody>
+                    <a:bodyPr/>
+                    <a:lstStyle/>
+                    <a:p>
+                      <a:pPr algn="ctr" latinLnBrk="1"/>
+                      <a:r>
+                        <a:rPr kumimoji="0" lang="ko-KR" altLang="en-US" sz="1350" b="1" i="0" u="none" strike="noStrike" kern="1200" cap="none" spc="0" normalizeH="0" baseline="0" noProof="0" dirty="0">
+                          <a:ln>
+                            <a:noFill/>
+                          </a:ln>
+                          <a:solidFill>
+                            <a:srgbClr val="C00000"/>
+                          </a:solidFill>
+                          <a:effectLst/>
+                          <a:uLnTx/>
+                          <a:uFillTx/>
+                          <a:latin typeface="Open Sans" pitchFamily="2" charset="0"/>
+                          <a:ea typeface="+mn-ea"/>
+                          <a:cs typeface="Open Sans" pitchFamily="2" charset="0"/>
+                        </a:rPr>
+                        <a:t>✗</a:t>
+                      </a:r>
+                      <a:endParaRPr lang="ko-KR" altLang="en-US" b="1" dirty="0">
+                        <a:solidFill>
+                          <a:srgbClr val="C00000"/>
+                        </a:solidFill>
+                        <a:latin typeface="Open Sans" pitchFamily="2" charset="0"/>
+                        <a:cs typeface="Open Sans" pitchFamily="2" charset="0"/>
+                      </a:endParaRPr>
+                    </a:p>
+                  </a:txBody>
+                  <a:tcPr anchor="ctr"/>
+                </a:tc>
+                <a:tc>
+                  <a:txBody>
+                    <a:bodyPr/>
+                    <a:lstStyle/>
+                    <a:p>
+                      <a:pPr algn="ctr"/>
+                      <a:r>
+                        <a:rPr lang="ko-KR" altLang="en-US" b="1" dirty="0">
+                          <a:solidFill>
+                            <a:srgbClr val="00B050"/>
+                          </a:solidFill>
+                          <a:latin typeface="Open Sans" pitchFamily="2" charset="0"/>
+                          <a:cs typeface="Open Sans" pitchFamily="2" charset="0"/>
+                        </a:rPr>
+                        <a:t>✓</a:t>
+                      </a:r>
+                    </a:p>
+                  </a:txBody>
+                  <a:tcPr anchor="ctr"/>
+                </a:tc>
+                <a:tc>
+                  <a:txBody>
+                    <a:bodyPr/>
+                    <a:lstStyle/>
+                    <a:p>
+                      <a:pPr algn="ctr"/>
+                      <a:r>
+                        <a:rPr lang="ko-KR" altLang="en-US" b="1" dirty="0">
+                          <a:solidFill>
+                            <a:srgbClr val="00B050"/>
+                          </a:solidFill>
+                          <a:latin typeface="Open Sans" pitchFamily="2" charset="0"/>
+                          <a:cs typeface="Open Sans" pitchFamily="2" charset="0"/>
+                        </a:rPr>
+                        <a:t>✓</a:t>
+                      </a:r>
+                    </a:p>
+                  </a:txBody>
+                  <a:tcPr anchor="ctr"/>
+                </a:tc>
+                <a:tc>
+                  <a:txBody>
+                    <a:bodyPr/>
+                    <a:lstStyle/>
+                    <a:p>
+                      <a:pPr algn="ctr" latinLnBrk="1"/>
+                      <a:r>
+                        <a:rPr kumimoji="0" lang="ko-KR" altLang="en-US" sz="1350" b="1" i="0" u="none" strike="noStrike" kern="1200" cap="none" spc="0" normalizeH="0" baseline="0" noProof="0" dirty="0">
+                          <a:ln>
+                            <a:noFill/>
+                          </a:ln>
+                          <a:solidFill>
+                            <a:srgbClr val="C00000"/>
+                          </a:solidFill>
+                          <a:effectLst/>
+                          <a:uLnTx/>
+                          <a:uFillTx/>
+                          <a:latin typeface="Open Sans" pitchFamily="2" charset="0"/>
+                          <a:ea typeface="+mn-ea"/>
+                          <a:cs typeface="Open Sans" pitchFamily="2" charset="0"/>
+                        </a:rPr>
+                        <a:t>✗</a:t>
+                      </a:r>
+                      <a:endParaRPr lang="ko-KR" altLang="en-US" b="1" dirty="0">
+                        <a:solidFill>
+                          <a:srgbClr val="C00000"/>
+                        </a:solidFill>
                         <a:latin typeface="Open Sans" pitchFamily="2" charset="0"/>
                         <a:cs typeface="Open Sans" pitchFamily="2" charset="0"/>
                       </a:endParaRPr>
@@ -12185,7 +14775,7 @@
                             <a:noFill/>
                           </a:ln>
                           <a:solidFill>
-                            <a:srgbClr val="4C4D4D"/>
+                            <a:srgbClr val="C00000"/>
                           </a:solidFill>
                           <a:effectLst/>
                           <a:uLnTx/>
@@ -12197,6 +14787,9 @@
                         <a:t>✗</a:t>
                       </a:r>
                       <a:endParaRPr lang="ko-KR" altLang="en-US" b="1" dirty="0">
+                        <a:solidFill>
+                          <a:srgbClr val="C00000"/>
+                        </a:solidFill>
                         <a:latin typeface="Open Sans" pitchFamily="2" charset="0"/>
                         <a:cs typeface="Open Sans" pitchFamily="2" charset="0"/>
                       </a:endParaRPr>
@@ -12216,7 +14809,7 @@
                             <a:noFill/>
                           </a:ln>
                           <a:solidFill>
-                            <a:srgbClr val="4C4D4D"/>
+                            <a:srgbClr val="C00000"/>
                           </a:solidFill>
                           <a:effectLst/>
                           <a:uLnTx/>
@@ -12228,71 +14821,9 @@
                         <a:t>✗</a:t>
                       </a:r>
                       <a:endParaRPr lang="ko-KR" altLang="en-US" b="1" dirty="0">
-                        <a:latin typeface="Open Sans" pitchFamily="2" charset="0"/>
-                        <a:cs typeface="Open Sans" pitchFamily="2" charset="0"/>
-                      </a:endParaRPr>
-                    </a:p>
-                  </a:txBody>
-                  <a:tcPr anchor="ctr"/>
-                </a:tc>
-                <a:tc>
-                  <a:txBody>
-                    <a:bodyPr/>
-                    <a:lstStyle/>
-                    <a:p>
-                      <a:pPr algn="ctr"/>
-                      <a:r>
-                        <a:rPr lang="ko-KR" altLang="en-US" b="1" dirty="0">
-                          <a:latin typeface="Open Sans" pitchFamily="2" charset="0"/>
-                          <a:cs typeface="Open Sans" pitchFamily="2" charset="0"/>
-                        </a:rPr>
-                        <a:t>✓</a:t>
-                      </a:r>
-                    </a:p>
-                  </a:txBody>
-                  <a:tcPr anchor="ctr"/>
-                </a:tc>
-                <a:tc>
-                  <a:txBody>
-                    <a:bodyPr/>
-                    <a:lstStyle/>
-                    <a:p>
-                      <a:pPr algn="ctr"/>
-                      <a:r>
-                        <a:rPr lang="ko-KR" altLang="en-US" b="1" dirty="0">
-                          <a:latin typeface="Open Sans" pitchFamily="2" charset="0"/>
-                          <a:cs typeface="Open Sans" pitchFamily="2" charset="0"/>
-                        </a:rPr>
-                        <a:t>✓</a:t>
-                      </a:r>
-                    </a:p>
-                  </a:txBody>
-                  <a:tcPr anchor="ctr"/>
-                </a:tc>
-                <a:tc>
-                  <a:txBody>
-                    <a:bodyPr/>
-                    <a:lstStyle/>
-                    <a:p>
-                      <a:pPr algn="ctr" latinLnBrk="1"/>
-                      <a:r>
-                        <a:rPr kumimoji="0" lang="ko-KR" altLang="en-US" sz="1350" b="1" i="0" u="none" strike="noStrike" kern="1200" cap="none" spc="0" normalizeH="0" baseline="0" noProof="0">
-                          <a:ln>
-                            <a:noFill/>
-                          </a:ln>
-                          <a:solidFill>
-                            <a:srgbClr val="4C4D4D"/>
-                          </a:solidFill>
-                          <a:effectLst/>
-                          <a:uLnTx/>
-                          <a:uFillTx/>
-                          <a:latin typeface="Open Sans" pitchFamily="2" charset="0"/>
-                          <a:ea typeface="+mn-ea"/>
-                          <a:cs typeface="Open Sans" pitchFamily="2" charset="0"/>
-                        </a:rPr>
-                        <a:t>✗</a:t>
-                      </a:r>
-                      <a:endParaRPr lang="ko-KR" altLang="en-US" b="1" dirty="0">
+                        <a:solidFill>
+                          <a:srgbClr val="C00000"/>
+                        </a:solidFill>
                         <a:latin typeface="Open Sans" pitchFamily="2" charset="0"/>
                         <a:cs typeface="Open Sans" pitchFamily="2" charset="0"/>
                       </a:endParaRPr>
@@ -12312,7 +14843,7 @@
                             <a:noFill/>
                           </a:ln>
                           <a:solidFill>
-                            <a:srgbClr val="4C4D4D"/>
+                            <a:srgbClr val="C00000"/>
                           </a:solidFill>
                           <a:effectLst/>
                           <a:uLnTx/>
@@ -12324,6 +14855,9 @@
                         <a:t>✗</a:t>
                       </a:r>
                       <a:endParaRPr lang="ko-KR" altLang="en-US" b="1" dirty="0">
+                        <a:solidFill>
+                          <a:srgbClr val="C00000"/>
+                        </a:solidFill>
                         <a:latin typeface="Open Sans" pitchFamily="2" charset="0"/>
                         <a:cs typeface="Open Sans" pitchFamily="2" charset="0"/>
                       </a:endParaRPr>
@@ -12336,14 +14870,173 @@
                     <a:bodyPr/>
                     <a:lstStyle/>
                     <a:p>
-                      <a:pPr algn="ctr" latinLnBrk="1"/>
+                      <a:pPr algn="ctr"/>
                       <a:r>
-                        <a:rPr kumimoji="0" lang="ko-KR" altLang="en-US" sz="1350" b="1" i="0" u="none" strike="noStrike" kern="1200" cap="none" spc="0" normalizeH="0" baseline="0" noProof="0">
+                        <a:rPr lang="ko-KR" altLang="en-US" b="1" dirty="0">
+                          <a:solidFill>
+                            <a:srgbClr val="00B050"/>
+                          </a:solidFill>
+                          <a:latin typeface="Open Sans" pitchFamily="2" charset="0"/>
+                          <a:cs typeface="Open Sans" pitchFamily="2" charset="0"/>
+                        </a:rPr>
+                        <a:t>✓</a:t>
+                      </a:r>
+                    </a:p>
+                  </a:txBody>
+                  <a:tcPr anchor="ctr"/>
+                </a:tc>
+                <a:extLst>
+                  <a:ext uri="{0D108BD9-81ED-4DB2-BD59-A6C34878D82A}">
+                    <a16:rowId xmlns:a16="http://schemas.microsoft.com/office/drawing/2014/main" val="404177821"/>
+                  </a:ext>
+                </a:extLst>
+              </a:tr>
+              <a:tr h="404532">
+                <a:tc>
+                  <a:txBody>
+                    <a:bodyPr/>
+                    <a:lstStyle/>
+                    <a:p>
+                      <a:pPr algn="l" latinLnBrk="1"/>
+                      <a:r>
+                        <a:rPr lang="de-DE" altLang="ko-KR" sz="1200" dirty="0">
+                          <a:latin typeface="Open Sans" pitchFamily="2" charset="0"/>
+                          <a:ea typeface="Open Sans" pitchFamily="2" charset="0"/>
+                          <a:cs typeface="Open Sans" pitchFamily="2" charset="0"/>
+                        </a:rPr>
+                        <a:t>Cluster(Distanz) basiert</a:t>
+                      </a:r>
+                      <a:endParaRPr lang="ko-KR" altLang="en-US" sz="1200" dirty="0">
+                        <a:latin typeface="Open Sans" pitchFamily="2" charset="0"/>
+                        <a:cs typeface="Open Sans" pitchFamily="2" charset="0"/>
+                      </a:endParaRPr>
+                    </a:p>
+                  </a:txBody>
+                  <a:tcPr anchor="ctr">
+                    <a:lnR w="28575" cap="flat" cmpd="sng" algn="ctr">
+                      <a:solidFill>
+                        <a:schemeClr val="bg2">
+                          <a:lumMod val="10000"/>
+                        </a:schemeClr>
+                      </a:solidFill>
+                      <a:prstDash val="solid"/>
+                      <a:round/>
+                      <a:headEnd type="none" w="med" len="med"/>
+                      <a:tailEnd type="none" w="med" len="med"/>
+                    </a:lnR>
+                  </a:tcPr>
+                </a:tc>
+                <a:tc>
+                  <a:txBody>
+                    <a:bodyPr/>
+                    <a:lstStyle/>
+                    <a:p>
+                      <a:pPr marL="0" marR="0" lvl="0" indent="0" algn="ctr" defTabSz="685800" rtl="0" eaLnBrk="1" fontAlgn="auto" latinLnBrk="0" hangingPunct="1">
+                        <a:lnSpc>
+                          <a:spcPct val="100000"/>
+                        </a:lnSpc>
+                        <a:spcBef>
+                          <a:spcPts val="0"/>
+                        </a:spcBef>
+                        <a:spcAft>
+                          <a:spcPts val="0"/>
+                        </a:spcAft>
+                        <a:buClrTx/>
+                        <a:buSzTx/>
+                        <a:buFontTx/>
+                        <a:buNone/>
+                        <a:tabLst/>
+                        <a:defRPr/>
+                      </a:pPr>
+                      <a:r>
+                        <a:rPr kumimoji="0" lang="ko-KR" altLang="en-US" sz="1350" b="1" i="0" u="none" strike="noStrike" kern="1200" cap="none" spc="0" normalizeH="0" baseline="0" noProof="0" dirty="0">
                           <a:ln>
                             <a:noFill/>
                           </a:ln>
                           <a:solidFill>
-                            <a:srgbClr val="4C4D4D"/>
+                            <a:srgbClr val="00B050"/>
+                          </a:solidFill>
+                          <a:effectLst/>
+                          <a:uLnTx/>
+                          <a:uFillTx/>
+                          <a:latin typeface="Open Sans" pitchFamily="2" charset="0"/>
+                          <a:ea typeface="+mn-ea"/>
+                          <a:cs typeface="Open Sans" pitchFamily="2" charset="0"/>
+                        </a:rPr>
+                        <a:t>✓</a:t>
+                      </a:r>
+                    </a:p>
+                  </a:txBody>
+                  <a:tcPr anchor="ctr">
+                    <a:lnL w="28575" cap="flat" cmpd="sng" algn="ctr">
+                      <a:solidFill>
+                        <a:schemeClr val="bg2">
+                          <a:lumMod val="10000"/>
+                        </a:schemeClr>
+                      </a:solidFill>
+                      <a:prstDash val="solid"/>
+                      <a:round/>
+                      <a:headEnd type="none" w="med" len="med"/>
+                      <a:tailEnd type="none" w="med" len="med"/>
+                    </a:lnL>
+                  </a:tcPr>
+                </a:tc>
+                <a:tc>
+                  <a:txBody>
+                    <a:bodyPr/>
+                    <a:lstStyle/>
+                    <a:p>
+                      <a:pPr marL="0" marR="0" lvl="0" indent="0" algn="ctr" defTabSz="685800" rtl="0" eaLnBrk="1" fontAlgn="auto" latinLnBrk="0" hangingPunct="1">
+                        <a:lnSpc>
+                          <a:spcPct val="100000"/>
+                        </a:lnSpc>
+                        <a:spcBef>
+                          <a:spcPts val="0"/>
+                        </a:spcBef>
+                        <a:spcAft>
+                          <a:spcPts val="0"/>
+                        </a:spcAft>
+                        <a:buClrTx/>
+                        <a:buSzTx/>
+                        <a:buFontTx/>
+                        <a:buNone/>
+                        <a:tabLst/>
+                        <a:defRPr/>
+                      </a:pPr>
+                      <a:r>
+                        <a:rPr kumimoji="0" lang="ko-KR" altLang="en-US" sz="1350" b="1" i="0" u="none" strike="noStrike" kern="1200" cap="none" spc="0" normalizeH="0" baseline="0" noProof="0" dirty="0">
+                          <a:ln>
+                            <a:noFill/>
+                          </a:ln>
+                          <a:solidFill>
+                            <a:srgbClr val="00B050"/>
+                          </a:solidFill>
+                          <a:effectLst/>
+                          <a:uLnTx/>
+                          <a:uFillTx/>
+                          <a:latin typeface="Open Sans" pitchFamily="2" charset="0"/>
+                          <a:ea typeface="+mn-ea"/>
+                          <a:cs typeface="Open Sans" pitchFamily="2" charset="0"/>
+                        </a:rPr>
+                        <a:t>✓</a:t>
+                      </a:r>
+                    </a:p>
+                  </a:txBody>
+                  <a:tcPr anchor="ctr"/>
+                </a:tc>
+                <a:tc>
+                  <a:txBody>
+                    <a:bodyPr/>
+                    <a:lstStyle/>
+                    <a:p>
+                      <a:pPr algn="ctr" latinLnBrk="1"/>
+                      <a:r>
+                        <a:rPr kumimoji="0" lang="ko-KR" altLang="en-US" sz="1350" b="1" i="0" u="none" strike="noStrike" kern="1200" cap="none" spc="0" normalizeH="0" baseline="0" noProof="0" dirty="0">
+                          <a:ln>
+                            <a:noFill/>
+                          </a:ln>
+                          <a:solidFill>
+                            <a:srgbClr val="C00000"/>
                           </a:solidFill>
                           <a:effectLst/>
                           <a:uLnTx/>
@@ -12355,6 +15048,9 @@
                         <a:t>✗</a:t>
                       </a:r>
                       <a:endParaRPr lang="ko-KR" altLang="en-US" b="1" dirty="0">
+                        <a:solidFill>
+                          <a:srgbClr val="C00000"/>
+                        </a:solidFill>
                         <a:latin typeface="Open Sans" pitchFamily="2" charset="0"/>
                         <a:cs typeface="Open Sans" pitchFamily="2" charset="0"/>
                       </a:endParaRPr>
@@ -12374,7 +15070,7 @@
                             <a:noFill/>
                           </a:ln>
                           <a:solidFill>
-                            <a:srgbClr val="4C4D4D"/>
+                            <a:srgbClr val="C00000"/>
                           </a:solidFill>
                           <a:effectLst/>
                           <a:uLnTx/>
@@ -12386,6 +15082,9 @@
                         <a:t>✗</a:t>
                       </a:r>
                       <a:endParaRPr lang="ko-KR" altLang="en-US" b="1" dirty="0">
+                        <a:solidFill>
+                          <a:srgbClr val="C00000"/>
+                        </a:solidFill>
                         <a:latin typeface="Open Sans" pitchFamily="2" charset="0"/>
                         <a:cs typeface="Open Sans" pitchFamily="2" charset="0"/>
                       </a:endParaRPr>
@@ -12401,6 +15100,89 @@
                       <a:pPr algn="ctr"/>
                       <a:r>
                         <a:rPr lang="ko-KR" altLang="en-US" b="1" dirty="0">
+                          <a:solidFill>
+                            <a:srgbClr val="00B050"/>
+                          </a:solidFill>
+                          <a:latin typeface="Open Sans" pitchFamily="2" charset="0"/>
+                          <a:cs typeface="Open Sans" pitchFamily="2" charset="0"/>
+                        </a:rPr>
+                        <a:t>✓</a:t>
+                      </a:r>
+                    </a:p>
+                  </a:txBody>
+                  <a:tcPr anchor="ctr"/>
+                </a:tc>
+                <a:tc>
+                  <a:txBody>
+                    <a:bodyPr/>
+                    <a:lstStyle/>
+                    <a:p>
+                      <a:pPr algn="ctr" latinLnBrk="1"/>
+                      <a:r>
+                        <a:rPr lang="ko-KR" altLang="en-US" b="1" dirty="0">
+                          <a:solidFill>
+                            <a:srgbClr val="C00000"/>
+                          </a:solidFill>
+                          <a:latin typeface="Open Sans" pitchFamily="2" charset="0"/>
+                          <a:cs typeface="Open Sans" pitchFamily="2" charset="0"/>
+                        </a:rPr>
+                        <a:t>✗</a:t>
+                      </a:r>
+                    </a:p>
+                  </a:txBody>
+                  <a:tcPr anchor="ctr"/>
+                </a:tc>
+                <a:tc>
+                  <a:txBody>
+                    <a:bodyPr/>
+                    <a:lstStyle/>
+                    <a:p>
+                      <a:pPr algn="ctr"/>
+                      <a:r>
+                        <a:rPr lang="ko-KR" altLang="en-US" b="1" dirty="0">
+                          <a:solidFill>
+                            <a:srgbClr val="00B050"/>
+                          </a:solidFill>
+                          <a:latin typeface="Open Sans" pitchFamily="2" charset="0"/>
+                          <a:cs typeface="Open Sans" pitchFamily="2" charset="0"/>
+                        </a:rPr>
+                        <a:t>✓</a:t>
+                      </a:r>
+                    </a:p>
+                  </a:txBody>
+                  <a:tcPr anchor="ctr"/>
+                </a:tc>
+                <a:tc>
+                  <a:txBody>
+                    <a:bodyPr/>
+                    <a:lstStyle/>
+                    <a:p>
+                      <a:pPr algn="ctr" latinLnBrk="1"/>
+                      <a:r>
+                        <a:rPr lang="ko-KR" altLang="en-US" b="1" dirty="0">
+                          <a:solidFill>
+                            <a:srgbClr val="C00000"/>
+                          </a:solidFill>
+                          <a:latin typeface="Open Sans" pitchFamily="2" charset="0"/>
+                          <a:cs typeface="Open Sans" pitchFamily="2" charset="0"/>
+                        </a:rPr>
+                        <a:t>✗</a:t>
+                      </a:r>
+                    </a:p>
+                  </a:txBody>
+                  <a:tcPr anchor="ctr"/>
+                </a:tc>
+                <a:tc>
+                  <a:txBody>
+                    <a:bodyPr/>
+                    <a:lstStyle/>
+                    <a:p>
+                      <a:pPr algn="ctr"/>
+                      <a:r>
+                        <a:rPr lang="ko-KR" altLang="en-US" b="1" dirty="0">
+                          <a:solidFill>
+                            <a:srgbClr val="00B050"/>
+                          </a:solidFill>
                           <a:latin typeface="Open Sans" pitchFamily="2" charset="0"/>
                           <a:cs typeface="Open Sans" pitchFamily="2" charset="0"/>
                         </a:rPr>
@@ -12412,11 +15194,11 @@
                 </a:tc>
                 <a:extLst>
                   <a:ext uri="{0D108BD9-81ED-4DB2-BD59-A6C34878D82A}">
-                    <a16:rowId xmlns:a16="http://schemas.microsoft.com/office/drawing/2014/main" val="404177821"/>
+                    <a16:rowId xmlns:a16="http://schemas.microsoft.com/office/drawing/2014/main" val="3032187768"/>
                   </a:ext>
                 </a:extLst>
               </a:tr>
-              <a:tr h="502920">
+              <a:tr h="404532">
                 <a:tc>
                   <a:txBody>
                     <a:bodyPr/>
@@ -12429,12 +15211,262 @@
                           <a:ea typeface="Open Sans" pitchFamily="2" charset="0"/>
                           <a:cs typeface="Open Sans" pitchFamily="2" charset="0"/>
                         </a:rPr>
-                        <a:t>Cluster(Distanz)-</a:t>
+                        <a:t>Dichtebasiert</a:t>
                       </a:r>
                       <a:endParaRPr lang="ko-KR" altLang="en-US" sz="1200" dirty="0">
                         <a:latin typeface="Open Sans" pitchFamily="2" charset="0"/>
                         <a:cs typeface="Open Sans" pitchFamily="2" charset="0"/>
                       </a:endParaRPr>
+                    </a:p>
+                  </a:txBody>
+                  <a:tcPr anchor="ctr">
+                    <a:lnR w="28575" cap="flat" cmpd="sng" algn="ctr">
+                      <a:solidFill>
+                        <a:schemeClr val="bg2">
+                          <a:lumMod val="10000"/>
+                        </a:schemeClr>
+                      </a:solidFill>
+                      <a:prstDash val="solid"/>
+                      <a:round/>
+                      <a:headEnd type="none" w="med" len="med"/>
+                      <a:tailEnd type="none" w="med" len="med"/>
+                    </a:lnR>
+                  </a:tcPr>
+                </a:tc>
+                <a:tc>
+                  <a:txBody>
+                    <a:bodyPr/>
+                    <a:lstStyle/>
+                    <a:p>
+                      <a:pPr algn="ctr" latinLnBrk="1"/>
+                      <a:r>
+                        <a:rPr kumimoji="0" lang="ko-KR" altLang="en-US" sz="1350" b="1" i="0" u="none" strike="noStrike" kern="1200" cap="none" spc="0" normalizeH="0" baseline="0" noProof="0" dirty="0">
+                          <a:ln>
+                            <a:noFill/>
+                          </a:ln>
+                          <a:solidFill>
+                            <a:srgbClr val="C00000"/>
+                          </a:solidFill>
+                          <a:effectLst/>
+                          <a:uLnTx/>
+                          <a:uFillTx/>
+                          <a:latin typeface="Open Sans" pitchFamily="2" charset="0"/>
+                          <a:ea typeface="+mn-ea"/>
+                          <a:cs typeface="Open Sans" pitchFamily="2" charset="0"/>
+                        </a:rPr>
+                        <a:t>✗</a:t>
+                      </a:r>
+                      <a:endParaRPr lang="ko-KR" altLang="en-US" b="1" dirty="0">
+                        <a:solidFill>
+                          <a:srgbClr val="C00000"/>
+                        </a:solidFill>
+                        <a:latin typeface="Open Sans" pitchFamily="2" charset="0"/>
+                        <a:cs typeface="Open Sans" pitchFamily="2" charset="0"/>
+                      </a:endParaRPr>
+                    </a:p>
+                  </a:txBody>
+                  <a:tcPr anchor="ctr">
+                    <a:lnL w="28575" cap="flat" cmpd="sng" algn="ctr">
+                      <a:solidFill>
+                        <a:schemeClr val="bg2">
+                          <a:lumMod val="10000"/>
+                        </a:schemeClr>
+                      </a:solidFill>
+                      <a:prstDash val="solid"/>
+                      <a:round/>
+                      <a:headEnd type="none" w="med" len="med"/>
+                      <a:tailEnd type="none" w="med" len="med"/>
+                    </a:lnL>
+                  </a:tcPr>
+                </a:tc>
+                <a:tc>
+                  <a:txBody>
+                    <a:bodyPr/>
+                    <a:lstStyle/>
+                    <a:p>
+                      <a:pPr algn="ctr" latinLnBrk="1"/>
+                      <a:r>
+                        <a:rPr kumimoji="0" lang="ko-KR" altLang="en-US" sz="1350" b="1" i="0" u="none" strike="noStrike" kern="1200" cap="none" spc="0" normalizeH="0" baseline="0" noProof="0" dirty="0">
+                          <a:ln>
+                            <a:noFill/>
+                          </a:ln>
+                          <a:solidFill>
+                            <a:srgbClr val="C00000"/>
+                          </a:solidFill>
+                          <a:effectLst/>
+                          <a:uLnTx/>
+                          <a:uFillTx/>
+                          <a:latin typeface="Open Sans" pitchFamily="2" charset="0"/>
+                          <a:ea typeface="+mn-ea"/>
+                          <a:cs typeface="Open Sans" pitchFamily="2" charset="0"/>
+                        </a:rPr>
+                        <a:t>✗</a:t>
+                      </a:r>
+                      <a:endParaRPr lang="ko-KR" altLang="en-US" b="1" dirty="0">
+                        <a:solidFill>
+                          <a:srgbClr val="C00000"/>
+                        </a:solidFill>
+                        <a:latin typeface="Open Sans" pitchFamily="2" charset="0"/>
+                        <a:cs typeface="Open Sans" pitchFamily="2" charset="0"/>
+                      </a:endParaRPr>
+                    </a:p>
+                  </a:txBody>
+                  <a:tcPr anchor="ctr"/>
+                </a:tc>
+                <a:tc>
+                  <a:txBody>
+                    <a:bodyPr/>
+                    <a:lstStyle/>
+                    <a:p>
+                      <a:pPr algn="ctr" latinLnBrk="1"/>
+                      <a:r>
+                        <a:rPr kumimoji="0" lang="ko-KR" altLang="en-US" sz="1350" b="1" i="0" u="none" strike="noStrike" kern="1200" cap="none" spc="0" normalizeH="0" baseline="0" noProof="0" dirty="0">
+                          <a:ln>
+                            <a:noFill/>
+                          </a:ln>
+                          <a:solidFill>
+                            <a:srgbClr val="C00000"/>
+                          </a:solidFill>
+                          <a:effectLst/>
+                          <a:uLnTx/>
+                          <a:uFillTx/>
+                          <a:latin typeface="Open Sans" pitchFamily="2" charset="0"/>
+                          <a:ea typeface="+mn-ea"/>
+                          <a:cs typeface="Open Sans" pitchFamily="2" charset="0"/>
+                        </a:rPr>
+                        <a:t>✗</a:t>
+                      </a:r>
+                      <a:endParaRPr lang="ko-KR" altLang="en-US" b="1" dirty="0">
+                        <a:solidFill>
+                          <a:srgbClr val="C00000"/>
+                        </a:solidFill>
+                        <a:latin typeface="Open Sans" pitchFamily="2" charset="0"/>
+                        <a:cs typeface="Open Sans" pitchFamily="2" charset="0"/>
+                      </a:endParaRPr>
+                    </a:p>
+                  </a:txBody>
+                  <a:tcPr anchor="ctr"/>
+                </a:tc>
+                <a:tc>
+                  <a:txBody>
+                    <a:bodyPr/>
+                    <a:lstStyle/>
+                    <a:p>
+                      <a:pPr algn="ctr" latinLnBrk="1"/>
+                      <a:r>
+                        <a:rPr kumimoji="0" lang="ko-KR" altLang="en-US" sz="1350" b="1" i="0" u="none" strike="noStrike" kern="1200" cap="none" spc="0" normalizeH="0" baseline="0" noProof="0" dirty="0">
+                          <a:ln>
+                            <a:noFill/>
+                          </a:ln>
+                          <a:solidFill>
+                            <a:srgbClr val="C00000"/>
+                          </a:solidFill>
+                          <a:effectLst/>
+                          <a:uLnTx/>
+                          <a:uFillTx/>
+                          <a:latin typeface="Open Sans" pitchFamily="2" charset="0"/>
+                          <a:ea typeface="+mn-ea"/>
+                          <a:cs typeface="Open Sans" pitchFamily="2" charset="0"/>
+                        </a:rPr>
+                        <a:t>✗</a:t>
+                      </a:r>
+                      <a:endParaRPr lang="ko-KR" altLang="en-US" b="1" dirty="0">
+                        <a:solidFill>
+                          <a:srgbClr val="C00000"/>
+                        </a:solidFill>
+                        <a:latin typeface="Open Sans" pitchFamily="2" charset="0"/>
+                        <a:cs typeface="Open Sans" pitchFamily="2" charset="0"/>
+                      </a:endParaRPr>
+                    </a:p>
+                  </a:txBody>
+                  <a:tcPr anchor="ctr"/>
+                </a:tc>
+                <a:tc>
+                  <a:txBody>
+                    <a:bodyPr/>
+                    <a:lstStyle/>
+                    <a:p>
+                      <a:pPr algn="ctr" latinLnBrk="1"/>
+                      <a:r>
+                        <a:rPr kumimoji="0" lang="ko-KR" altLang="en-US" sz="1350" b="1" i="0" u="none" strike="noStrike" kern="1200" cap="none" spc="0" normalizeH="0" baseline="0" noProof="0" dirty="0">
+                          <a:ln>
+                            <a:noFill/>
+                          </a:ln>
+                          <a:solidFill>
+                            <a:srgbClr val="C00000"/>
+                          </a:solidFill>
+                          <a:effectLst/>
+                          <a:uLnTx/>
+                          <a:uFillTx/>
+                          <a:latin typeface="Open Sans" pitchFamily="2" charset="0"/>
+                          <a:ea typeface="+mn-ea"/>
+                          <a:cs typeface="Open Sans" pitchFamily="2" charset="0"/>
+                        </a:rPr>
+                        <a:t>✗</a:t>
+                      </a:r>
+                      <a:endParaRPr lang="ko-KR" altLang="en-US" b="1" dirty="0">
+                        <a:solidFill>
+                          <a:srgbClr val="C00000"/>
+                        </a:solidFill>
+                        <a:latin typeface="Open Sans" pitchFamily="2" charset="0"/>
+                        <a:cs typeface="Open Sans" pitchFamily="2" charset="0"/>
+                      </a:endParaRPr>
+                    </a:p>
+                  </a:txBody>
+                  <a:tcPr anchor="ctr"/>
+                </a:tc>
+                <a:tc>
+                  <a:txBody>
+                    <a:bodyPr/>
+                    <a:lstStyle/>
+                    <a:p>
+                      <a:pPr marL="0" marR="0" lvl="0" indent="0" algn="ctr" defTabSz="685800" rtl="0" eaLnBrk="1" fontAlgn="auto" latinLnBrk="1" hangingPunct="1">
+                        <a:lnSpc>
+                          <a:spcPct val="100000"/>
+                        </a:lnSpc>
+                        <a:spcBef>
+                          <a:spcPts val="0"/>
+                        </a:spcBef>
+                        <a:spcAft>
+                          <a:spcPts val="0"/>
+                        </a:spcAft>
+                        <a:buClrTx/>
+                        <a:buSzTx/>
+                        <a:buFontTx/>
+                        <a:buNone/>
+                        <a:tabLst/>
+                        <a:defRPr/>
+                      </a:pPr>
+                      <a:r>
+                        <a:rPr lang="ko-KR" altLang="en-US" b="1" dirty="0">
+                          <a:solidFill>
+                            <a:srgbClr val="00B050"/>
+                          </a:solidFill>
+                          <a:latin typeface="Open Sans" pitchFamily="2" charset="0"/>
+                          <a:cs typeface="Open Sans" pitchFamily="2" charset="0"/>
+                        </a:rPr>
+                        <a:t>✓</a:t>
+                      </a:r>
+                    </a:p>
+                  </a:txBody>
+                  <a:tcPr anchor="ctr"/>
+                </a:tc>
+                <a:tc>
+                  <a:txBody>
+                    <a:bodyPr/>
+                    <a:lstStyle/>
+                    <a:p>
+                      <a:pPr algn="ctr" latinLnBrk="1"/>
+                      <a:r>
+                        <a:rPr lang="ko-KR" altLang="en-US" b="1" dirty="0">
+                          <a:solidFill>
+                            <a:srgbClr val="C00000"/>
+                          </a:solidFill>
+                          <a:latin typeface="Open Sans" pitchFamily="2" charset="0"/>
+                          <a:cs typeface="Open Sans" pitchFamily="2" charset="0"/>
+                        </a:rPr>
+                        <a:t>✗</a:t>
+                      </a:r>
                     </a:p>
                   </a:txBody>
                   <a:tcPr anchor="ctr"/>
@@ -12467,7 +15499,7 @@
                             <a:noFill/>
                           </a:ln>
                           <a:solidFill>
-                            <a:srgbClr val="4C4D4D"/>
+                            <a:srgbClr val="00B050"/>
                           </a:solidFill>
                           <a:effectLst/>
                           <a:uLnTx/>
@@ -12510,474 +15542,7 @@
                             <a:noFill/>
                           </a:ln>
                           <a:solidFill>
-                            <a:srgbClr val="4C4D4D"/>
-                          </a:solidFill>
-                          <a:effectLst/>
-                          <a:uLnTx/>
-                          <a:uFillTx/>
-                          <a:latin typeface="Open Sans" pitchFamily="2" charset="0"/>
-                          <a:ea typeface="+mn-ea"/>
-                          <a:cs typeface="Open Sans" pitchFamily="2" charset="0"/>
-                        </a:rPr>
-                        <a:t>✓</a:t>
-                      </a:r>
-                    </a:p>
-                  </a:txBody>
-                  <a:tcPr anchor="ctr"/>
-                </a:tc>
-                <a:tc>
-                  <a:txBody>
-                    <a:bodyPr/>
-                    <a:lstStyle/>
-                    <a:p>
-                      <a:pPr algn="ctr" latinLnBrk="1"/>
-                      <a:r>
-                        <a:rPr kumimoji="0" lang="ko-KR" altLang="en-US" sz="1350" b="1" i="0" u="none" strike="noStrike" kern="1200" cap="none" spc="0" normalizeH="0" baseline="0" noProof="0" dirty="0">
-                          <a:ln>
-                            <a:noFill/>
-                          </a:ln>
-                          <a:solidFill>
-                            <a:srgbClr val="4C4D4D"/>
-                          </a:solidFill>
-                          <a:effectLst/>
-                          <a:uLnTx/>
-                          <a:uFillTx/>
-                          <a:latin typeface="Open Sans" pitchFamily="2" charset="0"/>
-                          <a:ea typeface="+mn-ea"/>
-                          <a:cs typeface="Open Sans" pitchFamily="2" charset="0"/>
-                        </a:rPr>
-                        <a:t>✗</a:t>
-                      </a:r>
-                      <a:endParaRPr lang="ko-KR" altLang="en-US" b="1" dirty="0">
-                        <a:latin typeface="Open Sans" pitchFamily="2" charset="0"/>
-                        <a:cs typeface="Open Sans" pitchFamily="2" charset="0"/>
-                      </a:endParaRPr>
-                    </a:p>
-                  </a:txBody>
-                  <a:tcPr anchor="ctr"/>
-                </a:tc>
-                <a:tc>
-                  <a:txBody>
-                    <a:bodyPr/>
-                    <a:lstStyle/>
-                    <a:p>
-                      <a:pPr algn="ctr" latinLnBrk="1"/>
-                      <a:r>
-                        <a:rPr kumimoji="0" lang="ko-KR" altLang="en-US" sz="1350" b="1" i="0" u="none" strike="noStrike" kern="1200" cap="none" spc="0" normalizeH="0" baseline="0" noProof="0" dirty="0">
-                          <a:ln>
-                            <a:noFill/>
-                          </a:ln>
-                          <a:solidFill>
-                            <a:srgbClr val="4C4D4D"/>
-                          </a:solidFill>
-                          <a:effectLst/>
-                          <a:uLnTx/>
-                          <a:uFillTx/>
-                          <a:latin typeface="Open Sans" pitchFamily="2" charset="0"/>
-                          <a:ea typeface="+mn-ea"/>
-                          <a:cs typeface="Open Sans" pitchFamily="2" charset="0"/>
-                        </a:rPr>
-                        <a:t>✗</a:t>
-                      </a:r>
-                      <a:endParaRPr lang="ko-KR" altLang="en-US" b="1" dirty="0">
-                        <a:latin typeface="Open Sans" pitchFamily="2" charset="0"/>
-                        <a:cs typeface="Open Sans" pitchFamily="2" charset="0"/>
-                      </a:endParaRPr>
-                    </a:p>
-                  </a:txBody>
-                  <a:tcPr anchor="ctr"/>
-                </a:tc>
-                <a:tc>
-                  <a:txBody>
-                    <a:bodyPr/>
-                    <a:lstStyle/>
-                    <a:p>
-                      <a:pPr algn="ctr"/>
-                      <a:r>
-                        <a:rPr lang="ko-KR" altLang="en-US" b="1" dirty="0">
-                          <a:latin typeface="Open Sans" pitchFamily="2" charset="0"/>
-                          <a:cs typeface="Open Sans" pitchFamily="2" charset="0"/>
-                        </a:rPr>
-                        <a:t>✓</a:t>
-                      </a:r>
-                    </a:p>
-                  </a:txBody>
-                  <a:tcPr anchor="ctr"/>
-                </a:tc>
-                <a:tc>
-                  <a:txBody>
-                    <a:bodyPr/>
-                    <a:lstStyle/>
-                    <a:p>
-                      <a:pPr algn="ctr" latinLnBrk="1"/>
-                      <a:r>
-                        <a:rPr lang="ko-KR" altLang="en-US" b="1" dirty="0">
-                          <a:latin typeface="Open Sans" pitchFamily="2" charset="0"/>
-                          <a:cs typeface="Open Sans" pitchFamily="2" charset="0"/>
-                        </a:rPr>
-                        <a:t>✗</a:t>
-                      </a:r>
-                    </a:p>
-                  </a:txBody>
-                  <a:tcPr anchor="ctr"/>
-                </a:tc>
-                <a:tc>
-                  <a:txBody>
-                    <a:bodyPr/>
-                    <a:lstStyle/>
-                    <a:p>
-                      <a:pPr algn="ctr"/>
-                      <a:r>
-                        <a:rPr lang="ko-KR" altLang="en-US" b="1" dirty="0">
-                          <a:latin typeface="Open Sans" pitchFamily="2" charset="0"/>
-                          <a:cs typeface="Open Sans" pitchFamily="2" charset="0"/>
-                        </a:rPr>
-                        <a:t>✓</a:t>
-                      </a:r>
-                    </a:p>
-                  </a:txBody>
-                  <a:tcPr anchor="ctr"/>
-                </a:tc>
-                <a:tc>
-                  <a:txBody>
-                    <a:bodyPr/>
-                    <a:lstStyle/>
-                    <a:p>
-                      <a:pPr algn="ctr" latinLnBrk="1"/>
-                      <a:r>
-                        <a:rPr lang="ko-KR" altLang="en-US" b="1" dirty="0">
-                          <a:latin typeface="Open Sans" pitchFamily="2" charset="0"/>
-                          <a:cs typeface="Open Sans" pitchFamily="2" charset="0"/>
-                        </a:rPr>
-                        <a:t>✗</a:t>
-                      </a:r>
-                    </a:p>
-                  </a:txBody>
-                  <a:tcPr anchor="ctr"/>
-                </a:tc>
-                <a:tc>
-                  <a:txBody>
-                    <a:bodyPr/>
-                    <a:lstStyle/>
-                    <a:p>
-                      <a:pPr algn="ctr"/>
-                      <a:r>
-                        <a:rPr lang="ko-KR" altLang="en-US" b="1" dirty="0">
-                          <a:latin typeface="Open Sans" pitchFamily="2" charset="0"/>
-                          <a:cs typeface="Open Sans" pitchFamily="2" charset="0"/>
-                        </a:rPr>
-                        <a:t>✓</a:t>
-                      </a:r>
-                    </a:p>
-                  </a:txBody>
-                  <a:tcPr anchor="ctr"/>
-                </a:tc>
-                <a:extLst>
-                  <a:ext uri="{0D108BD9-81ED-4DB2-BD59-A6C34878D82A}">
-                    <a16:rowId xmlns:a16="http://schemas.microsoft.com/office/drawing/2014/main" val="3032187768"/>
-                  </a:ext>
-                </a:extLst>
-              </a:tr>
-              <a:tr h="502920">
-                <a:tc>
-                  <a:txBody>
-                    <a:bodyPr/>
-                    <a:lstStyle/>
-                    <a:p>
-                      <a:pPr algn="l" latinLnBrk="1"/>
-                      <a:r>
-                        <a:rPr lang="de-DE" altLang="ko-KR" sz="1200" dirty="0">
-                          <a:latin typeface="Open Sans" pitchFamily="2" charset="0"/>
-                          <a:ea typeface="Open Sans" pitchFamily="2" charset="0"/>
-                          <a:cs typeface="Open Sans" pitchFamily="2" charset="0"/>
-                        </a:rPr>
-                        <a:t>Dichte-</a:t>
-                      </a:r>
-                      <a:endParaRPr lang="ko-KR" altLang="en-US" sz="1200" dirty="0">
-                        <a:latin typeface="Open Sans" pitchFamily="2" charset="0"/>
-                        <a:cs typeface="Open Sans" pitchFamily="2" charset="0"/>
-                      </a:endParaRPr>
-                    </a:p>
-                  </a:txBody>
-                  <a:tcPr anchor="ctr"/>
-                </a:tc>
-                <a:tc>
-                  <a:txBody>
-                    <a:bodyPr/>
-                    <a:lstStyle/>
-                    <a:p>
-                      <a:pPr algn="ctr" latinLnBrk="1"/>
-                      <a:r>
-                        <a:rPr kumimoji="0" lang="ko-KR" altLang="en-US" sz="1350" b="1" i="0" u="none" strike="noStrike" kern="1200" cap="none" spc="0" normalizeH="0" baseline="0" noProof="0" dirty="0">
-                          <a:ln>
-                            <a:noFill/>
-                          </a:ln>
-                          <a:solidFill>
-                            <a:srgbClr val="4C4D4D"/>
-                          </a:solidFill>
-                          <a:effectLst/>
-                          <a:uLnTx/>
-                          <a:uFillTx/>
-                          <a:latin typeface="Open Sans" pitchFamily="2" charset="0"/>
-                          <a:ea typeface="+mn-ea"/>
-                          <a:cs typeface="Open Sans" pitchFamily="2" charset="0"/>
-                        </a:rPr>
-                        <a:t>✗</a:t>
-                      </a:r>
-                      <a:endParaRPr lang="ko-KR" altLang="en-US" b="1" dirty="0">
-                        <a:latin typeface="Open Sans" pitchFamily="2" charset="0"/>
-                        <a:cs typeface="Open Sans" pitchFamily="2" charset="0"/>
-                      </a:endParaRPr>
-                    </a:p>
-                  </a:txBody>
-                  <a:tcPr anchor="ctr"/>
-                </a:tc>
-                <a:tc>
-                  <a:txBody>
-                    <a:bodyPr/>
-                    <a:lstStyle/>
-                    <a:p>
-                      <a:pPr algn="ctr" latinLnBrk="1"/>
-                      <a:r>
-                        <a:rPr kumimoji="0" lang="ko-KR" altLang="en-US" sz="1350" b="1" i="0" u="none" strike="noStrike" kern="1200" cap="none" spc="0" normalizeH="0" baseline="0" noProof="0">
-                          <a:ln>
-                            <a:noFill/>
-                          </a:ln>
-                          <a:solidFill>
-                            <a:srgbClr val="4C4D4D"/>
-                          </a:solidFill>
-                          <a:effectLst/>
-                          <a:uLnTx/>
-                          <a:uFillTx/>
-                          <a:latin typeface="Open Sans" pitchFamily="2" charset="0"/>
-                          <a:ea typeface="+mn-ea"/>
-                          <a:cs typeface="Open Sans" pitchFamily="2" charset="0"/>
-                        </a:rPr>
-                        <a:t>✗</a:t>
-                      </a:r>
-                      <a:endParaRPr lang="ko-KR" altLang="en-US" b="1" dirty="0">
-                        <a:latin typeface="Open Sans" pitchFamily="2" charset="0"/>
-                        <a:cs typeface="Open Sans" pitchFamily="2" charset="0"/>
-                      </a:endParaRPr>
-                    </a:p>
-                  </a:txBody>
-                  <a:tcPr anchor="ctr"/>
-                </a:tc>
-                <a:tc>
-                  <a:txBody>
-                    <a:bodyPr/>
-                    <a:lstStyle/>
-                    <a:p>
-                      <a:pPr algn="ctr" latinLnBrk="1"/>
-                      <a:r>
-                        <a:rPr kumimoji="0" lang="ko-KR" altLang="en-US" sz="1350" b="1" i="0" u="none" strike="noStrike" kern="1200" cap="none" spc="0" normalizeH="0" baseline="0" noProof="0">
-                          <a:ln>
-                            <a:noFill/>
-                          </a:ln>
-                          <a:solidFill>
-                            <a:srgbClr val="4C4D4D"/>
-                          </a:solidFill>
-                          <a:effectLst/>
-                          <a:uLnTx/>
-                          <a:uFillTx/>
-                          <a:latin typeface="Open Sans" pitchFamily="2" charset="0"/>
-                          <a:ea typeface="+mn-ea"/>
-                          <a:cs typeface="Open Sans" pitchFamily="2" charset="0"/>
-                        </a:rPr>
-                        <a:t>✗</a:t>
-                      </a:r>
-                      <a:endParaRPr lang="ko-KR" altLang="en-US" b="1" dirty="0">
-                        <a:latin typeface="Open Sans" pitchFamily="2" charset="0"/>
-                        <a:cs typeface="Open Sans" pitchFamily="2" charset="0"/>
-                      </a:endParaRPr>
-                    </a:p>
-                  </a:txBody>
-                  <a:tcPr anchor="ctr"/>
-                </a:tc>
-                <a:tc>
-                  <a:txBody>
-                    <a:bodyPr/>
-                    <a:lstStyle/>
-                    <a:p>
-                      <a:pPr algn="ctr" latinLnBrk="1"/>
-                      <a:r>
-                        <a:rPr kumimoji="0" lang="ko-KR" altLang="en-US" sz="1350" b="1" i="0" u="none" strike="noStrike" kern="1200" cap="none" spc="0" normalizeH="0" baseline="0" noProof="0" dirty="0">
-                          <a:ln>
-                            <a:noFill/>
-                          </a:ln>
-                          <a:solidFill>
-                            <a:srgbClr val="4C4D4D"/>
-                          </a:solidFill>
-                          <a:effectLst/>
-                          <a:uLnTx/>
-                          <a:uFillTx/>
-                          <a:latin typeface="Open Sans" pitchFamily="2" charset="0"/>
-                          <a:ea typeface="+mn-ea"/>
-                          <a:cs typeface="Open Sans" pitchFamily="2" charset="0"/>
-                        </a:rPr>
-                        <a:t>✗</a:t>
-                      </a:r>
-                      <a:endParaRPr lang="ko-KR" altLang="en-US" b="1" dirty="0">
-                        <a:latin typeface="Open Sans" pitchFamily="2" charset="0"/>
-                        <a:cs typeface="Open Sans" pitchFamily="2" charset="0"/>
-                      </a:endParaRPr>
-                    </a:p>
-                  </a:txBody>
-                  <a:tcPr anchor="ctr"/>
-                </a:tc>
-                <a:tc>
-                  <a:txBody>
-                    <a:bodyPr/>
-                    <a:lstStyle/>
-                    <a:p>
-                      <a:pPr algn="ctr" latinLnBrk="1"/>
-                      <a:r>
-                        <a:rPr kumimoji="0" lang="ko-KR" altLang="en-US" sz="1350" b="1" i="0" u="none" strike="noStrike" kern="1200" cap="none" spc="0" normalizeH="0" baseline="0" noProof="0" dirty="0">
-                          <a:ln>
-                            <a:noFill/>
-                          </a:ln>
-                          <a:solidFill>
-                            <a:srgbClr val="4C4D4D"/>
-                          </a:solidFill>
-                          <a:effectLst/>
-                          <a:uLnTx/>
-                          <a:uFillTx/>
-                          <a:latin typeface="Open Sans" pitchFamily="2" charset="0"/>
-                          <a:ea typeface="+mn-ea"/>
-                          <a:cs typeface="Open Sans" pitchFamily="2" charset="0"/>
-                        </a:rPr>
-                        <a:t>✗</a:t>
-                      </a:r>
-                      <a:endParaRPr lang="ko-KR" altLang="en-US" b="1" dirty="0">
-                        <a:latin typeface="Open Sans" pitchFamily="2" charset="0"/>
-                        <a:cs typeface="Open Sans" pitchFamily="2" charset="0"/>
-                      </a:endParaRPr>
-                    </a:p>
-                  </a:txBody>
-                  <a:tcPr anchor="ctr"/>
-                </a:tc>
-                <a:tc>
-                  <a:txBody>
-                    <a:bodyPr/>
-                    <a:lstStyle/>
-                    <a:p>
-                      <a:pPr marL="0" marR="0" lvl="0" indent="0" algn="ctr" defTabSz="685800" rtl="0" eaLnBrk="1" fontAlgn="auto" latinLnBrk="1" hangingPunct="1">
-                        <a:lnSpc>
-                          <a:spcPct val="100000"/>
-                        </a:lnSpc>
-                        <a:spcBef>
-                          <a:spcPts val="0"/>
-                        </a:spcBef>
-                        <a:spcAft>
-                          <a:spcPts val="0"/>
-                        </a:spcAft>
-                        <a:buClrTx/>
-                        <a:buSzTx/>
-                        <a:buFontTx/>
-                        <a:buNone/>
-                        <a:tabLst/>
-                        <a:defRPr/>
-                      </a:pPr>
-                      <a:r>
-                        <a:rPr lang="ko-KR" altLang="en-US" b="1" dirty="0">
-                          <a:latin typeface="Open Sans" pitchFamily="2" charset="0"/>
-                          <a:cs typeface="Open Sans" pitchFamily="2" charset="0"/>
-                        </a:rPr>
-                        <a:t>✓</a:t>
-                      </a:r>
-                    </a:p>
-                  </a:txBody>
-                  <a:tcPr anchor="ctr"/>
-                </a:tc>
-                <a:tc>
-                  <a:txBody>
-                    <a:bodyPr/>
-                    <a:lstStyle/>
-                    <a:p>
-                      <a:pPr algn="ctr" latinLnBrk="1"/>
-                      <a:r>
-                        <a:rPr lang="ko-KR" altLang="en-US" b="1" dirty="0">
-                          <a:latin typeface="Open Sans" pitchFamily="2" charset="0"/>
-                          <a:cs typeface="Open Sans" pitchFamily="2" charset="0"/>
-                        </a:rPr>
-                        <a:t>✗</a:t>
-                      </a:r>
-                    </a:p>
-                  </a:txBody>
-                  <a:tcPr anchor="ctr"/>
-                </a:tc>
-                <a:tc>
-                  <a:txBody>
-                    <a:bodyPr/>
-                    <a:lstStyle/>
-                    <a:p>
-                      <a:pPr marL="0" marR="0" lvl="0" indent="0" algn="ctr" defTabSz="685800" rtl="0" eaLnBrk="1" fontAlgn="auto" latinLnBrk="0" hangingPunct="1">
-                        <a:lnSpc>
-                          <a:spcPct val="100000"/>
-                        </a:lnSpc>
-                        <a:spcBef>
-                          <a:spcPts val="0"/>
-                        </a:spcBef>
-                        <a:spcAft>
-                          <a:spcPts val="0"/>
-                        </a:spcAft>
-                        <a:buClrTx/>
-                        <a:buSzTx/>
-                        <a:buFontTx/>
-                        <a:buNone/>
-                        <a:tabLst/>
-                        <a:defRPr/>
-                      </a:pPr>
-                      <a:r>
-                        <a:rPr kumimoji="0" lang="ko-KR" altLang="en-US" sz="1350" b="1" i="0" u="none" strike="noStrike" kern="1200" cap="none" spc="0" normalizeH="0" baseline="0" noProof="0" dirty="0">
-                          <a:ln>
-                            <a:noFill/>
-                          </a:ln>
-                          <a:solidFill>
-                            <a:srgbClr val="4C4D4D"/>
-                          </a:solidFill>
-                          <a:effectLst/>
-                          <a:uLnTx/>
-                          <a:uFillTx/>
-                          <a:latin typeface="Open Sans" pitchFamily="2" charset="0"/>
-                          <a:ea typeface="+mn-ea"/>
-                          <a:cs typeface="Open Sans" pitchFamily="2" charset="0"/>
-                        </a:rPr>
-                        <a:t>✓</a:t>
-                      </a:r>
-                    </a:p>
-                  </a:txBody>
-                  <a:tcPr anchor="ctr"/>
-                </a:tc>
-                <a:tc>
-                  <a:txBody>
-                    <a:bodyPr/>
-                    <a:lstStyle/>
-                    <a:p>
-                      <a:pPr marL="0" marR="0" lvl="0" indent="0" algn="ctr" defTabSz="685800" rtl="0" eaLnBrk="1" fontAlgn="auto" latinLnBrk="0" hangingPunct="1">
-                        <a:lnSpc>
-                          <a:spcPct val="100000"/>
-                        </a:lnSpc>
-                        <a:spcBef>
-                          <a:spcPts val="0"/>
-                        </a:spcBef>
-                        <a:spcAft>
-                          <a:spcPts val="0"/>
-                        </a:spcAft>
-                        <a:buClrTx/>
-                        <a:buSzTx/>
-                        <a:buFontTx/>
-                        <a:buNone/>
-                        <a:tabLst/>
-                        <a:defRPr/>
-                      </a:pPr>
-                      <a:r>
-                        <a:rPr kumimoji="0" lang="ko-KR" altLang="en-US" sz="1350" b="1" i="0" u="none" strike="noStrike" kern="1200" cap="none" spc="0" normalizeH="0" baseline="0" noProof="0" dirty="0">
-                          <a:ln>
-                            <a:noFill/>
-                          </a:ln>
-                          <a:solidFill>
-                            <a:srgbClr val="4C4D4D"/>
+                            <a:srgbClr val="00B050"/>
                           </a:solidFill>
                           <a:effectLst/>
                           <a:uLnTx/>
@@ -13038,7 +15603,7 @@
     </p:spTree>
     <p:extLst>
       <p:ext uri="{BB962C8B-B14F-4D97-AF65-F5344CB8AC3E}">
-        <p14:creationId xmlns:p14="http://schemas.microsoft.com/office/powerpoint/2010/main" val="2659545051"/>
+        <p14:creationId xmlns:p14="http://schemas.microsoft.com/office/powerpoint/2010/main" val="1172815167"/>
       </p:ext>
     </p:extLst>
   </p:cSld>
@@ -13048,7 +15613,7 @@
 </p:sld>
 </file>
 
-<file path=ppt/slides/slide6.xml><?xml version="1.0" encoding="utf-8"?>
+<file path=ppt/slides/slide9.xml><?xml version="1.0" encoding="utf-8"?>
 <p:sld xmlns:a="http://schemas.openxmlformats.org/drawingml/2006/main" xmlns:r="http://schemas.openxmlformats.org/officeDocument/2006/relationships" xmlns:p="http://schemas.openxmlformats.org/presentationml/2006/main">
   <p:cSld>
     <p:spTree>
@@ -13082,7 +15647,7 @@
           <a:p>
             <a:r>
               <a:rPr lang="de-DE" altLang="ko-KR" dirty="0"/>
-              <a:t>3. Methoden</a:t>
+              <a:t>4. Methoden</a:t>
             </a:r>
             <a:endParaRPr lang="de-DE" noProof="0" dirty="0"/>
           </a:p>
@@ -13092,2602 +15657,6 @@
     <p:extLst>
       <p:ext uri="{BB962C8B-B14F-4D97-AF65-F5344CB8AC3E}">
         <p14:creationId xmlns:p14="http://schemas.microsoft.com/office/powerpoint/2010/main" val="3430434355"/>
-      </p:ext>
-    </p:extLst>
-  </p:cSld>
-  <p:clrMapOvr>
-    <a:masterClrMapping/>
-  </p:clrMapOvr>
-</p:sld>
-</file>
-
-<file path=ppt/slides/slide7.xml><?xml version="1.0" encoding="utf-8"?>
-<p:sld xmlns:a="http://schemas.openxmlformats.org/drawingml/2006/main" xmlns:r="http://schemas.openxmlformats.org/officeDocument/2006/relationships" xmlns:p="http://schemas.openxmlformats.org/presentationml/2006/main">
-  <p:cSld>
-    <p:spTree>
-      <p:nvGrpSpPr>
-        <p:cNvPr id="1" name=""/>
-        <p:cNvGrpSpPr/>
-        <p:nvPr/>
-      </p:nvGrpSpPr>
-      <p:grpSpPr>
-        <a:xfrm>
-          <a:off x="0" y="0"/>
-          <a:ext cx="0" cy="0"/>
-          <a:chOff x="0" y="0"/>
-          <a:chExt cx="0" cy="0"/>
-        </a:xfrm>
-      </p:grpSpPr>
-      <p:sp>
-        <p:nvSpPr>
-          <p:cNvPr id="2" name="Titel 1"/>
-          <p:cNvSpPr>
-            <a:spLocks noGrp="1"/>
-          </p:cNvSpPr>
-          <p:nvPr>
-            <p:ph type="title"/>
-          </p:nvPr>
-        </p:nvSpPr>
-        <p:spPr/>
-        <p:txBody>
-          <a:bodyPr/>
-          <a:lstStyle/>
-          <a:p>
-            <a:r>
-              <a:rPr lang="de-DE" noProof="0" dirty="0"/>
-              <a:t>Typen der Algorithmen</a:t>
-            </a:r>
-          </a:p>
-        </p:txBody>
-      </p:sp>
-      <p:sp>
-        <p:nvSpPr>
-          <p:cNvPr id="36" name="Rechteck 35"/>
-          <p:cNvSpPr/>
-          <p:nvPr/>
-        </p:nvSpPr>
-        <p:spPr>
-          <a:xfrm>
-            <a:off x="680407" y="2945044"/>
-            <a:ext cx="2874955" cy="1274060"/>
-          </a:xfrm>
-          <a:prstGeom prst="rect">
-            <a:avLst/>
-          </a:prstGeom>
-          <a:solidFill>
-            <a:schemeClr val="accent3">
-              <a:lumMod val="20000"/>
-              <a:lumOff val="80000"/>
-            </a:schemeClr>
-          </a:solidFill>
-          <a:ln w="15875">
-            <a:noFill/>
-          </a:ln>
-        </p:spPr>
-        <p:style>
-          <a:lnRef idx="2">
-            <a:schemeClr val="accent1">
-              <a:shade val="50000"/>
-            </a:schemeClr>
-          </a:lnRef>
-          <a:fillRef idx="1">
-            <a:schemeClr val="accent1"/>
-          </a:fillRef>
-          <a:effectRef idx="0">
-            <a:schemeClr val="accent1"/>
-          </a:effectRef>
-          <a:fontRef idx="minor">
-            <a:schemeClr val="lt1"/>
-          </a:fontRef>
-        </p:style>
-        <p:txBody>
-          <a:bodyPr rtlCol="0" anchor="ctr"/>
-          <a:lstStyle/>
-          <a:p>
-            <a:pPr algn="ctr"/>
-            <a:endParaRPr lang="de-DE" sz="1200" dirty="0">
-              <a:solidFill>
-                <a:schemeClr val="bg1"/>
-              </a:solidFill>
-              <a:latin typeface="Muli" panose="00000500000000000000" pitchFamily="2" charset="0"/>
-            </a:endParaRPr>
-          </a:p>
-        </p:txBody>
-      </p:sp>
-      <p:sp>
-        <p:nvSpPr>
-          <p:cNvPr id="14" name="Textfeld 13"/>
-          <p:cNvSpPr txBox="1"/>
-          <p:nvPr/>
-        </p:nvSpPr>
-        <p:spPr>
-          <a:xfrm>
-            <a:off x="676424" y="2964722"/>
-            <a:ext cx="2874955" cy="1183081"/>
-          </a:xfrm>
-          <a:prstGeom prst="rect">
-            <a:avLst/>
-          </a:prstGeom>
-          <a:solidFill>
-            <a:schemeClr val="accent3">
-              <a:lumMod val="20000"/>
-              <a:lumOff val="80000"/>
-            </a:schemeClr>
-          </a:solidFill>
-        </p:spPr>
-        <p:txBody>
-          <a:bodyPr wrap="square" rtlCol="0">
-            <a:spAutoFit/>
-          </a:bodyPr>
-          <a:lstStyle/>
-          <a:p>
-            <a:pPr algn="ctr"/>
-            <a:r>
-              <a:rPr lang="de-DE" sz="1200" dirty="0">
-                <a:solidFill>
-                  <a:srgbClr val="555555"/>
-                </a:solidFill>
-                <a:latin typeface="Muli" panose="00000500000000000000" pitchFamily="2" charset="0"/>
-              </a:rPr>
-              <a:t>Synonyms/Homonyms</a:t>
-            </a:r>
-          </a:p>
-          <a:p>
-            <a:pPr algn="ctr"/>
-            <a:endParaRPr lang="de-DE" sz="788" dirty="0">
-              <a:solidFill>
-                <a:srgbClr val="555555"/>
-              </a:solidFill>
-              <a:latin typeface="Muli" panose="00000500000000000000" pitchFamily="2" charset="0"/>
-            </a:endParaRPr>
-          </a:p>
-          <a:p>
-            <a:pPr algn="ctr"/>
-            <a:r>
-              <a:rPr lang="de-DE" sz="1200" dirty="0" err="1">
-                <a:solidFill>
-                  <a:srgbClr val="555555"/>
-                </a:solidFill>
-                <a:latin typeface="Muli" panose="00000500000000000000" pitchFamily="2" charset="0"/>
-              </a:rPr>
-              <a:t>Mappings</a:t>
-            </a:r>
-            <a:endParaRPr lang="de-DE" sz="1200" dirty="0">
-              <a:solidFill>
-                <a:srgbClr val="555555"/>
-              </a:solidFill>
-              <a:latin typeface="Muli" panose="00000500000000000000" pitchFamily="2" charset="0"/>
-            </a:endParaRPr>
-          </a:p>
-          <a:p>
-            <a:pPr algn="ctr"/>
-            <a:endParaRPr lang="de-DE" sz="750" dirty="0">
-              <a:solidFill>
-                <a:srgbClr val="555555"/>
-              </a:solidFill>
-              <a:latin typeface="Muli" panose="00000500000000000000" pitchFamily="2" charset="0"/>
-            </a:endParaRPr>
-          </a:p>
-          <a:p>
-            <a:pPr algn="ctr"/>
-            <a:r>
-              <a:rPr lang="de-DE" sz="1200" dirty="0">
-                <a:solidFill>
-                  <a:srgbClr val="555555"/>
-                </a:solidFill>
-                <a:latin typeface="Muli" panose="00000500000000000000" pitchFamily="2" charset="0"/>
-              </a:rPr>
-              <a:t>Union </a:t>
-            </a:r>
-            <a:r>
-              <a:rPr lang="de-DE" sz="1200" dirty="0" err="1">
-                <a:solidFill>
-                  <a:srgbClr val="555555"/>
-                </a:solidFill>
-                <a:latin typeface="Muli" panose="00000500000000000000" pitchFamily="2" charset="0"/>
-              </a:rPr>
-              <a:t>Types</a:t>
-            </a:r>
-            <a:endParaRPr lang="de-DE" sz="1200" dirty="0">
-              <a:solidFill>
-                <a:srgbClr val="555555"/>
-              </a:solidFill>
-              <a:latin typeface="Muli" panose="00000500000000000000" pitchFamily="2" charset="0"/>
-            </a:endParaRPr>
-          </a:p>
-          <a:p>
-            <a:pPr algn="ctr"/>
-            <a:endParaRPr lang="de-DE" sz="750" dirty="0">
-              <a:solidFill>
-                <a:srgbClr val="555555"/>
-              </a:solidFill>
-              <a:latin typeface="Muli" panose="00000500000000000000" pitchFamily="2" charset="0"/>
-            </a:endParaRPr>
-          </a:p>
-          <a:p>
-            <a:pPr algn="ctr"/>
-            <a:r>
-              <a:rPr lang="de-DE" sz="1200" dirty="0">
-                <a:solidFill>
-                  <a:srgbClr val="555555"/>
-                </a:solidFill>
-                <a:latin typeface="Muli" panose="00000500000000000000" pitchFamily="2" charset="0"/>
-              </a:rPr>
-              <a:t>Language </a:t>
-            </a:r>
-            <a:r>
-              <a:rPr lang="de-DE" sz="1200" dirty="0" err="1">
-                <a:solidFill>
-                  <a:srgbClr val="555555"/>
-                </a:solidFill>
-                <a:latin typeface="Muli" panose="00000500000000000000" pitchFamily="2" charset="0"/>
-              </a:rPr>
-              <a:t>Expressions</a:t>
-            </a:r>
-            <a:endParaRPr lang="de-DE" sz="1200" dirty="0">
-              <a:solidFill>
-                <a:srgbClr val="555555"/>
-              </a:solidFill>
-              <a:latin typeface="Muli" panose="00000500000000000000" pitchFamily="2" charset="0"/>
-            </a:endParaRPr>
-          </a:p>
-        </p:txBody>
-      </p:sp>
-      <p:sp>
-        <p:nvSpPr>
-          <p:cNvPr id="37" name="Rechteck 36"/>
-          <p:cNvSpPr/>
-          <p:nvPr/>
-        </p:nvSpPr>
-        <p:spPr>
-          <a:xfrm>
-            <a:off x="3641123" y="2945044"/>
-            <a:ext cx="1952368" cy="1274061"/>
-          </a:xfrm>
-          <a:prstGeom prst="rect">
-            <a:avLst/>
-          </a:prstGeom>
-          <a:solidFill>
-            <a:schemeClr val="accent3">
-              <a:lumMod val="20000"/>
-              <a:lumOff val="80000"/>
-            </a:schemeClr>
-          </a:solidFill>
-          <a:ln w="15875">
-            <a:noFill/>
-          </a:ln>
-        </p:spPr>
-        <p:style>
-          <a:lnRef idx="2">
-            <a:schemeClr val="accent1">
-              <a:shade val="50000"/>
-            </a:schemeClr>
-          </a:lnRef>
-          <a:fillRef idx="1">
-            <a:schemeClr val="accent1"/>
-          </a:fillRef>
-          <a:effectRef idx="0">
-            <a:schemeClr val="accent1"/>
-          </a:effectRef>
-          <a:fontRef idx="minor">
-            <a:schemeClr val="lt1"/>
-          </a:fontRef>
-        </p:style>
-        <p:txBody>
-          <a:bodyPr rtlCol="0" anchor="ctr"/>
-          <a:lstStyle/>
-          <a:p>
-            <a:pPr algn="ctr"/>
-            <a:endParaRPr lang="de-DE" sz="1200" dirty="0">
-              <a:solidFill>
-                <a:schemeClr val="bg1"/>
-              </a:solidFill>
-              <a:latin typeface="Muli" panose="00000500000000000000" pitchFamily="2" charset="0"/>
-            </a:endParaRPr>
-          </a:p>
-        </p:txBody>
-      </p:sp>
-      <p:sp>
-        <p:nvSpPr>
-          <p:cNvPr id="19" name="Textfeld 18"/>
-          <p:cNvSpPr txBox="1"/>
-          <p:nvPr/>
-        </p:nvSpPr>
-        <p:spPr>
-          <a:xfrm>
-            <a:off x="3641122" y="2964722"/>
-            <a:ext cx="1952367" cy="1015663"/>
-          </a:xfrm>
-          <a:prstGeom prst="rect">
-            <a:avLst/>
-          </a:prstGeom>
-          <a:solidFill>
-            <a:schemeClr val="accent3">
-              <a:lumMod val="20000"/>
-              <a:lumOff val="80000"/>
-            </a:schemeClr>
-          </a:solidFill>
-        </p:spPr>
-        <p:txBody>
-          <a:bodyPr wrap="square" rtlCol="0">
-            <a:spAutoFit/>
-          </a:bodyPr>
-          <a:lstStyle/>
-          <a:p>
-            <a:pPr algn="ctr"/>
-            <a:r>
-              <a:rPr lang="de-DE" sz="1200" dirty="0">
-                <a:solidFill>
-                  <a:srgbClr val="555555"/>
-                </a:solidFill>
-                <a:latin typeface="Muli" panose="00000500000000000000" pitchFamily="2" charset="0"/>
-              </a:rPr>
-              <a:t>Null Values</a:t>
-            </a:r>
-          </a:p>
-          <a:p>
-            <a:pPr algn="ctr"/>
-            <a:endParaRPr lang="de-DE" sz="1200" dirty="0">
-              <a:solidFill>
-                <a:srgbClr val="555555"/>
-              </a:solidFill>
-              <a:latin typeface="Muli" panose="00000500000000000000" pitchFamily="2" charset="0"/>
-            </a:endParaRPr>
-          </a:p>
-          <a:p>
-            <a:pPr algn="ctr"/>
-            <a:r>
-              <a:rPr lang="de-DE" sz="1200" dirty="0">
-                <a:solidFill>
-                  <a:srgbClr val="555555"/>
-                </a:solidFill>
-                <a:latin typeface="Muli" panose="00000500000000000000" pitchFamily="2" charset="0"/>
-              </a:rPr>
-              <a:t>Virtual Columns</a:t>
-            </a:r>
-          </a:p>
-          <a:p>
-            <a:pPr algn="ctr"/>
-            <a:endParaRPr lang="de-DE" sz="1200" dirty="0">
-              <a:solidFill>
-                <a:srgbClr val="555555"/>
-              </a:solidFill>
-              <a:latin typeface="Muli" panose="00000500000000000000" pitchFamily="2" charset="0"/>
-            </a:endParaRPr>
-          </a:p>
-          <a:p>
-            <a:pPr algn="ctr"/>
-            <a:r>
-              <a:rPr lang="de-DE" sz="1200" dirty="0" err="1">
-                <a:solidFill>
-                  <a:srgbClr val="555555"/>
-                </a:solidFill>
-                <a:latin typeface="Muli" panose="00000500000000000000" pitchFamily="2" charset="0"/>
-              </a:rPr>
-              <a:t>Semantic</a:t>
-            </a:r>
-            <a:r>
-              <a:rPr lang="de-DE" sz="1200" dirty="0">
-                <a:solidFill>
-                  <a:srgbClr val="555555"/>
-                </a:solidFill>
-                <a:latin typeface="Muli" panose="00000500000000000000" pitchFamily="2" charset="0"/>
-              </a:rPr>
-              <a:t> </a:t>
-            </a:r>
-            <a:r>
-              <a:rPr lang="de-DE" sz="1200" dirty="0" err="1">
-                <a:solidFill>
-                  <a:srgbClr val="555555"/>
-                </a:solidFill>
-                <a:latin typeface="Muli" panose="00000500000000000000" pitchFamily="2" charset="0"/>
-              </a:rPr>
-              <a:t>Incompatibility</a:t>
-            </a:r>
-            <a:endParaRPr lang="de-DE" sz="1200" dirty="0">
-              <a:solidFill>
-                <a:srgbClr val="555555"/>
-              </a:solidFill>
-              <a:latin typeface="Muli" panose="00000500000000000000" pitchFamily="2" charset="0"/>
-            </a:endParaRPr>
-          </a:p>
-        </p:txBody>
-      </p:sp>
-      <p:sp>
-        <p:nvSpPr>
-          <p:cNvPr id="33" name="Rechteck 32"/>
-          <p:cNvSpPr/>
-          <p:nvPr/>
-        </p:nvSpPr>
-        <p:spPr>
-          <a:xfrm>
-            <a:off x="5679250" y="2945043"/>
-            <a:ext cx="2877894" cy="1274062"/>
-          </a:xfrm>
-          <a:prstGeom prst="rect">
-            <a:avLst/>
-          </a:prstGeom>
-          <a:solidFill>
-            <a:schemeClr val="accent4">
-              <a:lumMod val="20000"/>
-              <a:lumOff val="80000"/>
-            </a:schemeClr>
-          </a:solidFill>
-          <a:ln w="15875">
-            <a:noFill/>
-          </a:ln>
-        </p:spPr>
-        <p:style>
-          <a:lnRef idx="2">
-            <a:schemeClr val="accent1">
-              <a:shade val="50000"/>
-            </a:schemeClr>
-          </a:lnRef>
-          <a:fillRef idx="1">
-            <a:schemeClr val="accent1"/>
-          </a:fillRef>
-          <a:effectRef idx="0">
-            <a:schemeClr val="accent1"/>
-          </a:effectRef>
-          <a:fontRef idx="minor">
-            <a:schemeClr val="lt1"/>
-          </a:fontRef>
-        </p:style>
-        <p:txBody>
-          <a:bodyPr rtlCol="0" anchor="ctr"/>
-          <a:lstStyle/>
-          <a:p>
-            <a:pPr algn="ctr"/>
-            <a:endParaRPr lang="de-DE" sz="1200" dirty="0">
-              <a:solidFill>
-                <a:schemeClr val="bg1"/>
-              </a:solidFill>
-              <a:latin typeface="+mj-lt"/>
-            </a:endParaRPr>
-          </a:p>
-        </p:txBody>
-      </p:sp>
-      <p:sp>
-        <p:nvSpPr>
-          <p:cNvPr id="22" name="Textfeld 21"/>
-          <p:cNvSpPr txBox="1"/>
-          <p:nvPr/>
-        </p:nvSpPr>
-        <p:spPr>
-          <a:xfrm>
-            <a:off x="5675267" y="2964722"/>
-            <a:ext cx="2874955" cy="646331"/>
-          </a:xfrm>
-          <a:prstGeom prst="rect">
-            <a:avLst/>
-          </a:prstGeom>
-          <a:noFill/>
-        </p:spPr>
-        <p:txBody>
-          <a:bodyPr wrap="square" rtlCol="0">
-            <a:spAutoFit/>
-          </a:bodyPr>
-          <a:lstStyle/>
-          <a:p>
-            <a:pPr algn="ctr"/>
-            <a:r>
-              <a:rPr lang="de-DE" sz="1200" dirty="0">
-                <a:solidFill>
-                  <a:srgbClr val="555555"/>
-                </a:solidFill>
-                <a:latin typeface="+mj-lt"/>
-              </a:rPr>
-              <a:t>Same </a:t>
-            </a:r>
-            <a:r>
-              <a:rPr lang="de-DE" sz="1200" dirty="0" err="1">
-                <a:solidFill>
-                  <a:srgbClr val="555555"/>
-                </a:solidFill>
-                <a:latin typeface="+mj-lt"/>
-              </a:rPr>
-              <a:t>attribute</a:t>
-            </a:r>
-            <a:r>
-              <a:rPr lang="de-DE" sz="1200" dirty="0">
-                <a:solidFill>
-                  <a:srgbClr val="555555"/>
-                </a:solidFill>
-                <a:latin typeface="+mj-lt"/>
-              </a:rPr>
-              <a:t> in different </a:t>
-            </a:r>
-            <a:r>
-              <a:rPr lang="de-DE" sz="1200" dirty="0" err="1">
-                <a:solidFill>
-                  <a:srgbClr val="555555"/>
-                </a:solidFill>
-                <a:latin typeface="+mj-lt"/>
-              </a:rPr>
-              <a:t>structures</a:t>
-            </a:r>
-            <a:endParaRPr lang="de-DE" sz="1200" dirty="0">
-              <a:solidFill>
-                <a:srgbClr val="555555"/>
-              </a:solidFill>
-              <a:latin typeface="+mj-lt"/>
-            </a:endParaRPr>
-          </a:p>
-          <a:p>
-            <a:pPr algn="ctr"/>
-            <a:endParaRPr lang="de-DE" sz="1200" dirty="0">
-              <a:solidFill>
-                <a:srgbClr val="555555"/>
-              </a:solidFill>
-              <a:latin typeface="+mj-lt"/>
-            </a:endParaRPr>
-          </a:p>
-          <a:p>
-            <a:pPr algn="ctr"/>
-            <a:r>
-              <a:rPr lang="de-DE" sz="1200" dirty="0">
-                <a:solidFill>
-                  <a:srgbClr val="555555"/>
-                </a:solidFill>
-                <a:latin typeface="+mj-lt"/>
-              </a:rPr>
-              <a:t>Handling Sets</a:t>
-            </a:r>
-          </a:p>
-        </p:txBody>
-      </p:sp>
-      <p:sp>
-        <p:nvSpPr>
-          <p:cNvPr id="29" name="Textfeld 28"/>
-          <p:cNvSpPr txBox="1"/>
-          <p:nvPr/>
-        </p:nvSpPr>
-        <p:spPr>
-          <a:xfrm>
-            <a:off x="1376655" y="4271552"/>
-            <a:ext cx="6819694" cy="323165"/>
-          </a:xfrm>
-          <a:prstGeom prst="rect">
-            <a:avLst/>
-          </a:prstGeom>
-          <a:noFill/>
-        </p:spPr>
-        <p:txBody>
-          <a:bodyPr wrap="square" rtlCol="0">
-            <a:spAutoFit/>
-          </a:bodyPr>
-          <a:lstStyle/>
-          <a:p>
-            <a:r>
-              <a:rPr lang="de-DE" sz="750" dirty="0">
-                <a:solidFill>
-                  <a:srgbClr val="555555"/>
-                </a:solidFill>
-                <a:latin typeface="Muli" panose="00000500000000000000" pitchFamily="2" charset="0"/>
-              </a:rPr>
-              <a:t>[Joachim Hammer, Mike </a:t>
-            </a:r>
-            <a:r>
-              <a:rPr lang="de-DE" sz="750" dirty="0" err="1">
-                <a:solidFill>
-                  <a:srgbClr val="555555"/>
-                </a:solidFill>
-                <a:latin typeface="Muli" panose="00000500000000000000" pitchFamily="2" charset="0"/>
-              </a:rPr>
-              <a:t>Stonebraker</a:t>
-            </a:r>
-            <a:r>
-              <a:rPr lang="de-DE" sz="750" dirty="0">
-                <a:solidFill>
-                  <a:srgbClr val="555555"/>
-                </a:solidFill>
-                <a:latin typeface="Muli" panose="00000500000000000000" pitchFamily="2" charset="0"/>
-              </a:rPr>
-              <a:t>, </a:t>
-            </a:r>
-            <a:r>
-              <a:rPr lang="de-DE" sz="750" dirty="0" err="1">
-                <a:solidFill>
-                  <a:srgbClr val="555555"/>
-                </a:solidFill>
-                <a:latin typeface="Muli" panose="00000500000000000000" pitchFamily="2" charset="0"/>
-              </a:rPr>
-              <a:t>Oguzhan</a:t>
-            </a:r>
-            <a:r>
-              <a:rPr lang="de-DE" sz="750" dirty="0">
-                <a:solidFill>
-                  <a:srgbClr val="555555"/>
-                </a:solidFill>
-                <a:latin typeface="Muli" panose="00000500000000000000" pitchFamily="2" charset="0"/>
-              </a:rPr>
-              <a:t> </a:t>
-            </a:r>
-            <a:r>
-              <a:rPr lang="de-DE" sz="750" dirty="0" err="1">
-                <a:solidFill>
-                  <a:srgbClr val="555555"/>
-                </a:solidFill>
-                <a:latin typeface="Muli" panose="00000500000000000000" pitchFamily="2" charset="0"/>
-              </a:rPr>
-              <a:t>Topsakal</a:t>
-            </a:r>
-            <a:r>
-              <a:rPr lang="de-DE" sz="750" dirty="0">
-                <a:solidFill>
-                  <a:srgbClr val="555555"/>
-                </a:solidFill>
-                <a:latin typeface="Muli" panose="00000500000000000000" pitchFamily="2" charset="0"/>
-              </a:rPr>
-              <a:t> : </a:t>
-            </a:r>
-            <a:r>
-              <a:rPr lang="en-US" sz="750" dirty="0">
-                <a:solidFill>
-                  <a:srgbClr val="555555"/>
-                </a:solidFill>
-                <a:latin typeface="Muli" panose="00000500000000000000" pitchFamily="2" charset="0"/>
-              </a:rPr>
-              <a:t>THALIA: Test Harness for the Assessment of Legacy Information </a:t>
-            </a:r>
-            <a:r>
-              <a:rPr lang="de-DE" sz="750" dirty="0">
-                <a:solidFill>
-                  <a:srgbClr val="555555"/>
-                </a:solidFill>
-                <a:latin typeface="Muli" panose="00000500000000000000" pitchFamily="2" charset="0"/>
-              </a:rPr>
-              <a:t>Integration Approaches, </a:t>
-            </a:r>
-            <a:r>
-              <a:rPr lang="de-DE" sz="750" dirty="0" err="1">
-                <a:solidFill>
-                  <a:srgbClr val="555555"/>
-                </a:solidFill>
-                <a:latin typeface="Muli" panose="00000500000000000000" pitchFamily="2" charset="0"/>
-              </a:rPr>
-              <a:t>technical</a:t>
-            </a:r>
-            <a:r>
-              <a:rPr lang="de-DE" sz="750" dirty="0">
-                <a:solidFill>
-                  <a:srgbClr val="555555"/>
-                </a:solidFill>
-                <a:latin typeface="Muli" panose="00000500000000000000" pitchFamily="2" charset="0"/>
-              </a:rPr>
-              <a:t> </a:t>
-            </a:r>
-            <a:r>
-              <a:rPr lang="de-DE" sz="750" dirty="0" err="1">
-                <a:solidFill>
-                  <a:srgbClr val="555555"/>
-                </a:solidFill>
-                <a:latin typeface="Muli" panose="00000500000000000000" pitchFamily="2" charset="0"/>
-              </a:rPr>
-              <a:t>report</a:t>
-            </a:r>
-            <a:r>
-              <a:rPr lang="de-DE" sz="750" dirty="0">
-                <a:solidFill>
-                  <a:srgbClr val="555555"/>
-                </a:solidFill>
-                <a:latin typeface="Muli" panose="00000500000000000000" pitchFamily="2" charset="0"/>
-              </a:rPr>
-              <a:t>, 2004]</a:t>
-            </a:r>
-          </a:p>
-        </p:txBody>
-      </p:sp>
-      <p:sp>
-        <p:nvSpPr>
-          <p:cNvPr id="4" name="Rechteck 3"/>
-          <p:cNvSpPr/>
-          <p:nvPr/>
-        </p:nvSpPr>
-        <p:spPr>
-          <a:xfrm>
-            <a:off x="676424" y="1313722"/>
-            <a:ext cx="7877370" cy="468000"/>
-          </a:xfrm>
-          <a:prstGeom prst="rect">
-            <a:avLst/>
-          </a:prstGeom>
-          <a:solidFill>
-            <a:srgbClr val="01305D"/>
-          </a:solidFill>
-          <a:ln w="15875">
-            <a:solidFill>
-              <a:schemeClr val="bg2">
-                <a:lumMod val="10000"/>
-              </a:schemeClr>
-            </a:solidFill>
-          </a:ln>
-        </p:spPr>
-        <p:style>
-          <a:lnRef idx="2">
-            <a:schemeClr val="accent1">
-              <a:shade val="50000"/>
-            </a:schemeClr>
-          </a:lnRef>
-          <a:fillRef idx="1">
-            <a:schemeClr val="accent1"/>
-          </a:fillRef>
-          <a:effectRef idx="0">
-            <a:schemeClr val="accent1"/>
-          </a:effectRef>
-          <a:fontRef idx="minor">
-            <a:schemeClr val="lt1"/>
-          </a:fontRef>
-        </p:style>
-        <p:txBody>
-          <a:bodyPr rtlCol="0" anchor="ctr"/>
-          <a:lstStyle/>
-          <a:p>
-            <a:pPr algn="ctr"/>
-            <a:r>
-              <a:rPr lang="de-DE" altLang="ko-KR" sz="1800" dirty="0">
-                <a:solidFill>
-                  <a:schemeClr val="bg1"/>
-                </a:solidFill>
-                <a:latin typeface="Muli SemiBold" panose="00000700000000000000" pitchFamily="2" charset="0"/>
-              </a:rPr>
-              <a:t>Algorithmen für </a:t>
-            </a:r>
-            <a:r>
-              <a:rPr lang="de-DE" altLang="ko-KR" sz="1800" dirty="0" err="1">
-                <a:solidFill>
-                  <a:schemeClr val="bg1"/>
-                </a:solidFill>
-                <a:latin typeface="Muli SemiBold" panose="00000700000000000000" pitchFamily="2" charset="0"/>
-              </a:rPr>
-              <a:t>Ausreißererkennung</a:t>
-            </a:r>
-            <a:endParaRPr lang="de-DE" sz="1013" dirty="0">
-              <a:solidFill>
-                <a:schemeClr val="bg1"/>
-              </a:solidFill>
-              <a:latin typeface="Muli SemiBold" panose="00000700000000000000" pitchFamily="2" charset="0"/>
-            </a:endParaRPr>
-          </a:p>
-        </p:txBody>
-      </p:sp>
-      <p:sp>
-        <p:nvSpPr>
-          <p:cNvPr id="31" name="Rechteck 30"/>
-          <p:cNvSpPr/>
-          <p:nvPr/>
-        </p:nvSpPr>
-        <p:spPr>
-          <a:xfrm>
-            <a:off x="676424" y="1843104"/>
-            <a:ext cx="2882322" cy="468000"/>
-          </a:xfrm>
-          <a:prstGeom prst="rect">
-            <a:avLst/>
-          </a:prstGeom>
-          <a:solidFill>
-            <a:srgbClr val="6494BC"/>
-          </a:solidFill>
-          <a:ln w="15875">
-            <a:solidFill>
-              <a:schemeClr val="accent3">
-                <a:lumMod val="50000"/>
-              </a:schemeClr>
-            </a:solidFill>
-          </a:ln>
-        </p:spPr>
-        <p:style>
-          <a:lnRef idx="2">
-            <a:schemeClr val="accent1">
-              <a:shade val="50000"/>
-            </a:schemeClr>
-          </a:lnRef>
-          <a:fillRef idx="1">
-            <a:schemeClr val="accent1"/>
-          </a:fillRef>
-          <a:effectRef idx="0">
-            <a:schemeClr val="accent1"/>
-          </a:effectRef>
-          <a:fontRef idx="minor">
-            <a:schemeClr val="lt1"/>
-          </a:fontRef>
-        </p:style>
-        <p:txBody>
-          <a:bodyPr rtlCol="0" anchor="ctr"/>
-          <a:lstStyle/>
-          <a:p>
-            <a:pPr algn="ctr"/>
-            <a:r>
-              <a:rPr lang="de-DE" sz="1500" dirty="0">
-                <a:solidFill>
-                  <a:schemeClr val="tx1"/>
-                </a:solidFill>
-                <a:latin typeface="Muli SemiBold" panose="00000700000000000000" pitchFamily="2" charset="0"/>
-              </a:rPr>
-              <a:t>Statistikbasiert</a:t>
-            </a:r>
-            <a:endParaRPr lang="de-DE" sz="1200" dirty="0">
-              <a:solidFill>
-                <a:schemeClr val="tx1"/>
-              </a:solidFill>
-              <a:latin typeface="Muli SemiBold" panose="00000700000000000000" pitchFamily="2" charset="0"/>
-            </a:endParaRPr>
-          </a:p>
-        </p:txBody>
-      </p:sp>
-      <p:sp>
-        <p:nvSpPr>
-          <p:cNvPr id="32" name="Rechteck 31"/>
-          <p:cNvSpPr/>
-          <p:nvPr/>
-        </p:nvSpPr>
-        <p:spPr>
-          <a:xfrm>
-            <a:off x="5675870" y="1843104"/>
-            <a:ext cx="2881274" cy="468000"/>
-          </a:xfrm>
-          <a:prstGeom prst="rect">
-            <a:avLst/>
-          </a:prstGeom>
-          <a:solidFill>
-            <a:schemeClr val="accent4">
-              <a:lumMod val="60000"/>
-              <a:lumOff val="40000"/>
-            </a:schemeClr>
-          </a:solidFill>
-          <a:ln w="15875">
-            <a:solidFill>
-              <a:schemeClr val="accent4"/>
-            </a:solidFill>
-          </a:ln>
-        </p:spPr>
-        <p:style>
-          <a:lnRef idx="2">
-            <a:schemeClr val="accent1">
-              <a:shade val="50000"/>
-            </a:schemeClr>
-          </a:lnRef>
-          <a:fillRef idx="1">
-            <a:schemeClr val="accent1"/>
-          </a:fillRef>
-          <a:effectRef idx="0">
-            <a:schemeClr val="accent1"/>
-          </a:effectRef>
-          <a:fontRef idx="minor">
-            <a:schemeClr val="lt1"/>
-          </a:fontRef>
-        </p:style>
-        <p:txBody>
-          <a:bodyPr rtlCol="0" anchor="ctr"/>
-          <a:lstStyle/>
-          <a:p>
-            <a:pPr algn="ctr"/>
-            <a:r>
-              <a:rPr lang="de-DE" sz="1500" dirty="0">
-                <a:solidFill>
-                  <a:schemeClr val="tx1"/>
-                </a:solidFill>
-                <a:latin typeface="Muli SemiBold" panose="00000700000000000000" pitchFamily="2" charset="0"/>
-              </a:rPr>
-              <a:t>Dichtebasiert</a:t>
-            </a:r>
-            <a:endParaRPr lang="de-DE" sz="1200" dirty="0">
-              <a:solidFill>
-                <a:schemeClr val="tx1"/>
-              </a:solidFill>
-              <a:latin typeface="Muli SemiBold" panose="00000700000000000000" pitchFamily="2" charset="0"/>
-            </a:endParaRPr>
-          </a:p>
-        </p:txBody>
-      </p:sp>
-      <p:sp>
-        <p:nvSpPr>
-          <p:cNvPr id="35" name="Rechteck 34"/>
-          <p:cNvSpPr/>
-          <p:nvPr/>
-        </p:nvSpPr>
-        <p:spPr>
-          <a:xfrm>
-            <a:off x="3641123" y="2405044"/>
-            <a:ext cx="1952368" cy="468000"/>
-          </a:xfrm>
-          <a:prstGeom prst="rect">
-            <a:avLst/>
-          </a:prstGeom>
-          <a:solidFill>
-            <a:schemeClr val="accent3">
-              <a:lumMod val="40000"/>
-              <a:lumOff val="60000"/>
-            </a:schemeClr>
-          </a:solidFill>
-          <a:ln w="15875">
-            <a:solidFill>
-              <a:schemeClr val="accent3">
-                <a:lumMod val="75000"/>
-              </a:schemeClr>
-            </a:solidFill>
-          </a:ln>
-        </p:spPr>
-        <p:style>
-          <a:lnRef idx="2">
-            <a:schemeClr val="accent1">
-              <a:shade val="50000"/>
-            </a:schemeClr>
-          </a:lnRef>
-          <a:fillRef idx="1">
-            <a:schemeClr val="accent1"/>
-          </a:fillRef>
-          <a:effectRef idx="0">
-            <a:schemeClr val="accent1"/>
-          </a:effectRef>
-          <a:fontRef idx="minor">
-            <a:schemeClr val="lt1"/>
-          </a:fontRef>
-        </p:style>
-        <p:txBody>
-          <a:bodyPr rtlCol="0" anchor="ctr"/>
-          <a:lstStyle/>
-          <a:p>
-            <a:pPr algn="ctr"/>
-            <a:r>
-              <a:rPr lang="de-DE" sz="1200" dirty="0">
-                <a:solidFill>
-                  <a:schemeClr val="tx1"/>
-                </a:solidFill>
-                <a:latin typeface="Muli SemiBold" panose="00000700000000000000" pitchFamily="2" charset="0"/>
-              </a:rPr>
-              <a:t>K-</a:t>
-            </a:r>
-            <a:r>
-              <a:rPr lang="de-DE" sz="1200" dirty="0" err="1">
-                <a:solidFill>
-                  <a:schemeClr val="tx1"/>
-                </a:solidFill>
-                <a:latin typeface="Muli SemiBold" panose="00000700000000000000" pitchFamily="2" charset="0"/>
-              </a:rPr>
-              <a:t>Means</a:t>
-            </a:r>
-            <a:r>
-              <a:rPr lang="de-DE" sz="1200" dirty="0">
-                <a:solidFill>
-                  <a:schemeClr val="tx1"/>
-                </a:solidFill>
-                <a:latin typeface="Muli SemiBold" panose="00000700000000000000" pitchFamily="2" charset="0"/>
-              </a:rPr>
-              <a:t> Clustering</a:t>
-            </a:r>
-            <a:endParaRPr lang="de-DE" sz="1800" dirty="0">
-              <a:solidFill>
-                <a:schemeClr val="tx1"/>
-              </a:solidFill>
-              <a:latin typeface="Muli SemiBold" panose="00000700000000000000" pitchFamily="2" charset="0"/>
-            </a:endParaRPr>
-          </a:p>
-        </p:txBody>
-      </p:sp>
-      <p:sp>
-        <p:nvSpPr>
-          <p:cNvPr id="21" name="Rechteck 20"/>
-          <p:cNvSpPr/>
-          <p:nvPr/>
-        </p:nvSpPr>
-        <p:spPr>
-          <a:xfrm>
-            <a:off x="676424" y="2405044"/>
-            <a:ext cx="1440700" cy="468000"/>
-          </a:xfrm>
-          <a:prstGeom prst="rect">
-            <a:avLst/>
-          </a:prstGeom>
-          <a:solidFill>
-            <a:srgbClr val="6494BC"/>
-          </a:solidFill>
-          <a:ln w="15875">
-            <a:solidFill>
-              <a:schemeClr val="accent3">
-                <a:lumMod val="75000"/>
-              </a:schemeClr>
-            </a:solidFill>
-          </a:ln>
-        </p:spPr>
-        <p:style>
-          <a:lnRef idx="2">
-            <a:schemeClr val="accent1">
-              <a:shade val="50000"/>
-            </a:schemeClr>
-          </a:lnRef>
-          <a:fillRef idx="1">
-            <a:schemeClr val="accent1"/>
-          </a:fillRef>
-          <a:effectRef idx="0">
-            <a:schemeClr val="accent1"/>
-          </a:effectRef>
-          <a:fontRef idx="minor">
-            <a:schemeClr val="lt1"/>
-          </a:fontRef>
-        </p:style>
-        <p:txBody>
-          <a:bodyPr rtlCol="0" anchor="ctr"/>
-          <a:lstStyle/>
-          <a:p>
-            <a:pPr algn="ctr"/>
-            <a:r>
-              <a:rPr lang="de-DE" sz="1200" dirty="0" err="1">
-                <a:solidFill>
-                  <a:schemeClr val="tx1"/>
-                </a:solidFill>
-                <a:latin typeface="Muli SemiBold" panose="00000700000000000000" pitchFamily="2" charset="0"/>
-              </a:rPr>
-              <a:t>Interquartile</a:t>
-            </a:r>
-            <a:r>
-              <a:rPr lang="de-DE" sz="1200" dirty="0">
-                <a:solidFill>
-                  <a:schemeClr val="tx1"/>
-                </a:solidFill>
-                <a:latin typeface="Muli SemiBold" panose="00000700000000000000" pitchFamily="2" charset="0"/>
-              </a:rPr>
-              <a:t> Range</a:t>
-            </a:r>
-            <a:endParaRPr lang="de-DE" sz="1800" dirty="0">
-              <a:solidFill>
-                <a:schemeClr val="tx1"/>
-              </a:solidFill>
-              <a:latin typeface="Muli SemiBold" panose="00000700000000000000" pitchFamily="2" charset="0"/>
-            </a:endParaRPr>
-          </a:p>
-        </p:txBody>
-      </p:sp>
-      <p:sp>
-        <p:nvSpPr>
-          <p:cNvPr id="15" name="Rechteck 30">
-            <a:extLst>
-              <a:ext uri="{FF2B5EF4-FFF2-40B4-BE49-F238E27FC236}">
-                <a16:creationId xmlns:a16="http://schemas.microsoft.com/office/drawing/2014/main" id="{AFA1A339-8C8D-9A40-B354-AB6C62EE6E35}"/>
-              </a:ext>
-            </a:extLst>
-          </p:cNvPr>
-          <p:cNvSpPr/>
-          <p:nvPr/>
-        </p:nvSpPr>
-        <p:spPr>
-          <a:xfrm>
-            <a:off x="3641124" y="1843104"/>
-            <a:ext cx="1952368" cy="468000"/>
-          </a:xfrm>
-          <a:prstGeom prst="rect">
-            <a:avLst/>
-          </a:prstGeom>
-          <a:solidFill>
-            <a:schemeClr val="accent3">
-              <a:lumMod val="60000"/>
-              <a:lumOff val="40000"/>
-            </a:schemeClr>
-          </a:solidFill>
-          <a:ln w="15875">
-            <a:solidFill>
-              <a:schemeClr val="accent3">
-                <a:lumMod val="50000"/>
-              </a:schemeClr>
-            </a:solidFill>
-          </a:ln>
-        </p:spPr>
-        <p:style>
-          <a:lnRef idx="2">
-            <a:schemeClr val="accent1">
-              <a:shade val="50000"/>
-            </a:schemeClr>
-          </a:lnRef>
-          <a:fillRef idx="1">
-            <a:schemeClr val="accent1"/>
-          </a:fillRef>
-          <a:effectRef idx="0">
-            <a:schemeClr val="accent1"/>
-          </a:effectRef>
-          <a:fontRef idx="minor">
-            <a:schemeClr val="lt1"/>
-          </a:fontRef>
-        </p:style>
-        <p:txBody>
-          <a:bodyPr rtlCol="0" anchor="ctr"/>
-          <a:lstStyle/>
-          <a:p>
-            <a:pPr algn="ctr"/>
-            <a:r>
-              <a:rPr lang="de-DE" sz="1500" dirty="0">
-                <a:solidFill>
-                  <a:schemeClr val="tx1"/>
-                </a:solidFill>
-                <a:latin typeface="Muli SemiBold" panose="00000700000000000000" pitchFamily="2" charset="0"/>
-              </a:rPr>
-              <a:t>Clusterbasiert</a:t>
-            </a:r>
-            <a:endParaRPr lang="de-DE" sz="1200" dirty="0">
-              <a:solidFill>
-                <a:schemeClr val="tx1"/>
-              </a:solidFill>
-              <a:latin typeface="Muli SemiBold" panose="00000700000000000000" pitchFamily="2" charset="0"/>
-            </a:endParaRPr>
-          </a:p>
-        </p:txBody>
-      </p:sp>
-      <p:sp>
-        <p:nvSpPr>
-          <p:cNvPr id="16" name="Rechteck 20">
-            <a:extLst>
-              <a:ext uri="{FF2B5EF4-FFF2-40B4-BE49-F238E27FC236}">
-                <a16:creationId xmlns:a16="http://schemas.microsoft.com/office/drawing/2014/main" id="{05363086-4B2E-0E4C-B781-AF3FACE73DBD}"/>
-              </a:ext>
-            </a:extLst>
-          </p:cNvPr>
-          <p:cNvSpPr/>
-          <p:nvPr/>
-        </p:nvSpPr>
-        <p:spPr>
-          <a:xfrm>
-            <a:off x="2114663" y="2405044"/>
-            <a:ext cx="1440700" cy="468000"/>
-          </a:xfrm>
-          <a:prstGeom prst="rect">
-            <a:avLst/>
-          </a:prstGeom>
-          <a:solidFill>
-            <a:srgbClr val="6494BC"/>
-          </a:solidFill>
-          <a:ln w="15875">
-            <a:solidFill>
-              <a:schemeClr val="accent3">
-                <a:lumMod val="75000"/>
-              </a:schemeClr>
-            </a:solidFill>
-          </a:ln>
-        </p:spPr>
-        <p:style>
-          <a:lnRef idx="2">
-            <a:schemeClr val="accent1">
-              <a:shade val="50000"/>
-            </a:schemeClr>
-          </a:lnRef>
-          <a:fillRef idx="1">
-            <a:schemeClr val="accent1"/>
-          </a:fillRef>
-          <a:effectRef idx="0">
-            <a:schemeClr val="accent1"/>
-          </a:effectRef>
-          <a:fontRef idx="minor">
-            <a:schemeClr val="lt1"/>
-          </a:fontRef>
-        </p:style>
-        <p:txBody>
-          <a:bodyPr rtlCol="0" anchor="ctr"/>
-          <a:lstStyle/>
-          <a:p>
-            <a:pPr algn="ctr"/>
-            <a:r>
-              <a:rPr lang="de-DE" sz="1200" dirty="0">
-                <a:solidFill>
-                  <a:schemeClr val="tx1"/>
-                </a:solidFill>
-                <a:latin typeface="Muli SemiBold" panose="00000700000000000000" pitchFamily="2" charset="0"/>
-              </a:rPr>
-              <a:t>Z-</a:t>
-            </a:r>
-            <a:r>
-              <a:rPr lang="de-DE" sz="1200" dirty="0" err="1">
-                <a:solidFill>
-                  <a:schemeClr val="tx1"/>
-                </a:solidFill>
-                <a:latin typeface="Muli SemiBold" panose="00000700000000000000" pitchFamily="2" charset="0"/>
-              </a:rPr>
-              <a:t>Scoer</a:t>
-            </a:r>
-            <a:r>
-              <a:rPr lang="de-DE" sz="1200" dirty="0">
-                <a:solidFill>
-                  <a:schemeClr val="tx1"/>
-                </a:solidFill>
-                <a:latin typeface="Muli SemiBold" panose="00000700000000000000" pitchFamily="2" charset="0"/>
-              </a:rPr>
-              <a:t> Filter</a:t>
-            </a:r>
-            <a:endParaRPr lang="de-DE" sz="1800" dirty="0">
-              <a:solidFill>
-                <a:schemeClr val="tx1"/>
-              </a:solidFill>
-              <a:latin typeface="Muli SemiBold" panose="00000700000000000000" pitchFamily="2" charset="0"/>
-            </a:endParaRPr>
-          </a:p>
-        </p:txBody>
-      </p:sp>
-      <p:sp>
-        <p:nvSpPr>
-          <p:cNvPr id="18" name="Rechteck 20">
-            <a:extLst>
-              <a:ext uri="{FF2B5EF4-FFF2-40B4-BE49-F238E27FC236}">
-                <a16:creationId xmlns:a16="http://schemas.microsoft.com/office/drawing/2014/main" id="{6C7675C3-4BCA-8942-BAD0-CF47142B54A6}"/>
-              </a:ext>
-            </a:extLst>
-          </p:cNvPr>
-          <p:cNvSpPr/>
-          <p:nvPr/>
-        </p:nvSpPr>
-        <p:spPr>
-          <a:xfrm>
-            <a:off x="5671283" y="2400473"/>
-            <a:ext cx="1440700" cy="468000"/>
-          </a:xfrm>
-          <a:prstGeom prst="rect">
-            <a:avLst/>
-          </a:prstGeom>
-          <a:solidFill>
-            <a:srgbClr val="6494BC"/>
-          </a:solidFill>
-          <a:ln w="15875">
-            <a:solidFill>
-              <a:schemeClr val="accent3">
-                <a:lumMod val="75000"/>
-              </a:schemeClr>
-            </a:solidFill>
-          </a:ln>
-        </p:spPr>
-        <p:style>
-          <a:lnRef idx="2">
-            <a:schemeClr val="accent1">
-              <a:shade val="50000"/>
-            </a:schemeClr>
-          </a:lnRef>
-          <a:fillRef idx="1">
-            <a:schemeClr val="accent1"/>
-          </a:fillRef>
-          <a:effectRef idx="0">
-            <a:schemeClr val="accent1"/>
-          </a:effectRef>
-          <a:fontRef idx="minor">
-            <a:schemeClr val="lt1"/>
-          </a:fontRef>
-        </p:style>
-        <p:txBody>
-          <a:bodyPr rtlCol="0" anchor="ctr"/>
-          <a:lstStyle/>
-          <a:p>
-            <a:pPr algn="ctr"/>
-            <a:r>
-              <a:rPr lang="en" sz="1200" dirty="0">
-                <a:solidFill>
-                  <a:schemeClr val="tx1"/>
-                </a:solidFill>
-                <a:latin typeface="Muli SemiBold" panose="00000700000000000000" pitchFamily="2" charset="0"/>
-              </a:rPr>
-              <a:t>Local Outlier Factor</a:t>
-            </a:r>
-            <a:endParaRPr lang="de-DE" sz="1800" dirty="0">
-              <a:solidFill>
-                <a:schemeClr val="tx1"/>
-              </a:solidFill>
-              <a:latin typeface="Muli SemiBold" panose="00000700000000000000" pitchFamily="2" charset="0"/>
-            </a:endParaRPr>
-          </a:p>
-        </p:txBody>
-      </p:sp>
-      <p:sp>
-        <p:nvSpPr>
-          <p:cNvPr id="20" name="Rechteck 20">
-            <a:extLst>
-              <a:ext uri="{FF2B5EF4-FFF2-40B4-BE49-F238E27FC236}">
-                <a16:creationId xmlns:a16="http://schemas.microsoft.com/office/drawing/2014/main" id="{6DA86ED3-2B6F-154D-83C0-BD1D4A0E658F}"/>
-              </a:ext>
-            </a:extLst>
-          </p:cNvPr>
-          <p:cNvSpPr/>
-          <p:nvPr/>
-        </p:nvSpPr>
-        <p:spPr>
-          <a:xfrm>
-            <a:off x="7109522" y="2400473"/>
-            <a:ext cx="1440700" cy="468000"/>
-          </a:xfrm>
-          <a:prstGeom prst="rect">
-            <a:avLst/>
-          </a:prstGeom>
-          <a:solidFill>
-            <a:srgbClr val="6494BC"/>
-          </a:solidFill>
-          <a:ln w="15875">
-            <a:solidFill>
-              <a:schemeClr val="accent3">
-                <a:lumMod val="75000"/>
-              </a:schemeClr>
-            </a:solidFill>
-          </a:ln>
-        </p:spPr>
-        <p:style>
-          <a:lnRef idx="2">
-            <a:schemeClr val="accent1">
-              <a:shade val="50000"/>
-            </a:schemeClr>
-          </a:lnRef>
-          <a:fillRef idx="1">
-            <a:schemeClr val="accent1"/>
-          </a:fillRef>
-          <a:effectRef idx="0">
-            <a:schemeClr val="accent1"/>
-          </a:effectRef>
-          <a:fontRef idx="minor">
-            <a:schemeClr val="lt1"/>
-          </a:fontRef>
-        </p:style>
-        <p:txBody>
-          <a:bodyPr rtlCol="0" anchor="ctr"/>
-          <a:lstStyle/>
-          <a:p>
-            <a:pPr algn="ctr"/>
-            <a:r>
-              <a:rPr lang="en" altLang="ko-KR" sz="1200" dirty="0">
-                <a:solidFill>
-                  <a:schemeClr val="tx1"/>
-                </a:solidFill>
-                <a:latin typeface="Muli SemiBold" panose="00000700000000000000" pitchFamily="2" charset="0"/>
-              </a:rPr>
-              <a:t>Isolation Forest</a:t>
-            </a:r>
-            <a:endParaRPr lang="de-DE" altLang="ko-KR" sz="1800" dirty="0">
-              <a:solidFill>
-                <a:schemeClr val="tx1"/>
-              </a:solidFill>
-              <a:latin typeface="Muli SemiBold" panose="00000700000000000000" pitchFamily="2" charset="0"/>
-            </a:endParaRPr>
-          </a:p>
-        </p:txBody>
-      </p:sp>
-    </p:spTree>
-    <p:extLst>
-      <p:ext uri="{BB962C8B-B14F-4D97-AF65-F5344CB8AC3E}">
-        <p14:creationId xmlns:p14="http://schemas.microsoft.com/office/powerpoint/2010/main" val="4014752962"/>
-      </p:ext>
-    </p:extLst>
-  </p:cSld>
-  <p:clrMapOvr>
-    <a:masterClrMapping/>
-  </p:clrMapOvr>
-  <p:timing>
-    <p:tnLst>
-      <p:par>
-        <p:cTn id="1" dur="indefinite" restart="never" nodeType="tmRoot">
-          <p:childTnLst>
-            <p:seq concurrent="1" nextAc="seek">
-              <p:cTn id="2" dur="indefinite" nodeType="mainSeq">
-                <p:childTnLst>
-                  <p:par>
-                    <p:cTn id="3" fill="hold">
-                      <p:stCondLst>
-                        <p:cond delay="indefinite"/>
-                      </p:stCondLst>
-                      <p:childTnLst>
-                        <p:par>
-                          <p:cTn id="4" fill="hold">
-                            <p:stCondLst>
-                              <p:cond delay="0"/>
-                            </p:stCondLst>
-                            <p:childTnLst>
-                              <p:par>
-                                <p:cTn id="5" presetID="47" presetClass="entr" presetSubtype="0" fill="hold" grpId="0" nodeType="clickEffect">
-                                  <p:stCondLst>
-                                    <p:cond delay="0"/>
-                                  </p:stCondLst>
-                                  <p:childTnLst>
-                                    <p:set>
-                                      <p:cBhvr>
-                                        <p:cTn id="6" dur="1" fill="hold">
-                                          <p:stCondLst>
-                                            <p:cond delay="0"/>
-                                          </p:stCondLst>
-                                        </p:cTn>
-                                        <p:tgtEl>
-                                          <p:spTgt spid="31"/>
-                                        </p:tgtEl>
-                                        <p:attrNameLst>
-                                          <p:attrName>style.visibility</p:attrName>
-                                        </p:attrNameLst>
-                                      </p:cBhvr>
-                                      <p:to>
-                                        <p:strVal val="visible"/>
-                                      </p:to>
-                                    </p:set>
-                                    <p:animEffect transition="in" filter="fade">
-                                      <p:cBhvr>
-                                        <p:cTn id="7" dur="500"/>
-                                        <p:tgtEl>
-                                          <p:spTgt spid="31"/>
-                                        </p:tgtEl>
-                                      </p:cBhvr>
-                                    </p:animEffect>
-                                    <p:anim calcmode="lin" valueType="num">
-                                      <p:cBhvr>
-                                        <p:cTn id="8" dur="500" fill="hold"/>
-                                        <p:tgtEl>
-                                          <p:spTgt spid="31"/>
-                                        </p:tgtEl>
-                                        <p:attrNameLst>
-                                          <p:attrName>ppt_x</p:attrName>
-                                        </p:attrNameLst>
-                                      </p:cBhvr>
-                                      <p:tavLst>
-                                        <p:tav tm="0">
-                                          <p:val>
-                                            <p:strVal val="#ppt_x"/>
-                                          </p:val>
-                                        </p:tav>
-                                        <p:tav tm="100000">
-                                          <p:val>
-                                            <p:strVal val="#ppt_x"/>
-                                          </p:val>
-                                        </p:tav>
-                                      </p:tavLst>
-                                    </p:anim>
-                                    <p:anim calcmode="lin" valueType="num">
-                                      <p:cBhvr>
-                                        <p:cTn id="9" dur="500" fill="hold"/>
-                                        <p:tgtEl>
-                                          <p:spTgt spid="31"/>
-                                        </p:tgtEl>
-                                        <p:attrNameLst>
-                                          <p:attrName>ppt_y</p:attrName>
-                                        </p:attrNameLst>
-                                      </p:cBhvr>
-                                      <p:tavLst>
-                                        <p:tav tm="0">
-                                          <p:val>
-                                            <p:strVal val="#ppt_y-.1"/>
-                                          </p:val>
-                                        </p:tav>
-                                        <p:tav tm="100000">
-                                          <p:val>
-                                            <p:strVal val="#ppt_y"/>
-                                          </p:val>
-                                        </p:tav>
-                                      </p:tavLst>
-                                    </p:anim>
-                                  </p:childTnLst>
-                                </p:cTn>
-                              </p:par>
-                              <p:par>
-                                <p:cTn id="10" presetID="47" presetClass="entr" presetSubtype="0" fill="hold" grpId="0" nodeType="withEffect">
-                                  <p:stCondLst>
-                                    <p:cond delay="0"/>
-                                  </p:stCondLst>
-                                  <p:childTnLst>
-                                    <p:set>
-                                      <p:cBhvr>
-                                        <p:cTn id="11" dur="1" fill="hold">
-                                          <p:stCondLst>
-                                            <p:cond delay="0"/>
-                                          </p:stCondLst>
-                                        </p:cTn>
-                                        <p:tgtEl>
-                                          <p:spTgt spid="32"/>
-                                        </p:tgtEl>
-                                        <p:attrNameLst>
-                                          <p:attrName>style.visibility</p:attrName>
-                                        </p:attrNameLst>
-                                      </p:cBhvr>
-                                      <p:to>
-                                        <p:strVal val="visible"/>
-                                      </p:to>
-                                    </p:set>
-                                    <p:animEffect transition="in" filter="fade">
-                                      <p:cBhvr>
-                                        <p:cTn id="12" dur="500"/>
-                                        <p:tgtEl>
-                                          <p:spTgt spid="32"/>
-                                        </p:tgtEl>
-                                      </p:cBhvr>
-                                    </p:animEffect>
-                                    <p:anim calcmode="lin" valueType="num">
-                                      <p:cBhvr>
-                                        <p:cTn id="13" dur="500" fill="hold"/>
-                                        <p:tgtEl>
-                                          <p:spTgt spid="32"/>
-                                        </p:tgtEl>
-                                        <p:attrNameLst>
-                                          <p:attrName>ppt_x</p:attrName>
-                                        </p:attrNameLst>
-                                      </p:cBhvr>
-                                      <p:tavLst>
-                                        <p:tav tm="0">
-                                          <p:val>
-                                            <p:strVal val="#ppt_x"/>
-                                          </p:val>
-                                        </p:tav>
-                                        <p:tav tm="100000">
-                                          <p:val>
-                                            <p:strVal val="#ppt_x"/>
-                                          </p:val>
-                                        </p:tav>
-                                      </p:tavLst>
-                                    </p:anim>
-                                    <p:anim calcmode="lin" valueType="num">
-                                      <p:cBhvr>
-                                        <p:cTn id="14" dur="500" fill="hold"/>
-                                        <p:tgtEl>
-                                          <p:spTgt spid="32"/>
-                                        </p:tgtEl>
-                                        <p:attrNameLst>
-                                          <p:attrName>ppt_y</p:attrName>
-                                        </p:attrNameLst>
-                                      </p:cBhvr>
-                                      <p:tavLst>
-                                        <p:tav tm="0">
-                                          <p:val>
-                                            <p:strVal val="#ppt_y-.1"/>
-                                          </p:val>
-                                        </p:tav>
-                                        <p:tav tm="100000">
-                                          <p:val>
-                                            <p:strVal val="#ppt_y"/>
-                                          </p:val>
-                                        </p:tav>
-                                      </p:tavLst>
-                                    </p:anim>
-                                  </p:childTnLst>
-                                </p:cTn>
-                              </p:par>
-                            </p:childTnLst>
-                          </p:cTn>
-                        </p:par>
-                      </p:childTnLst>
-                    </p:cTn>
-                  </p:par>
-                  <p:par>
-                    <p:cTn id="15" fill="hold">
-                      <p:stCondLst>
-                        <p:cond delay="indefinite"/>
-                      </p:stCondLst>
-                      <p:childTnLst>
-                        <p:par>
-                          <p:cTn id="16" fill="hold">
-                            <p:stCondLst>
-                              <p:cond delay="0"/>
-                            </p:stCondLst>
-                            <p:childTnLst>
-                              <p:par>
-                                <p:cTn id="17" presetID="47" presetClass="entr" presetSubtype="0" fill="hold" grpId="0" nodeType="clickEffect">
-                                  <p:stCondLst>
-                                    <p:cond delay="0"/>
-                                  </p:stCondLst>
-                                  <p:childTnLst>
-                                    <p:set>
-                                      <p:cBhvr>
-                                        <p:cTn id="18" dur="1" fill="hold">
-                                          <p:stCondLst>
-                                            <p:cond delay="0"/>
-                                          </p:stCondLst>
-                                        </p:cTn>
-                                        <p:tgtEl>
-                                          <p:spTgt spid="35"/>
-                                        </p:tgtEl>
-                                        <p:attrNameLst>
-                                          <p:attrName>style.visibility</p:attrName>
-                                        </p:attrNameLst>
-                                      </p:cBhvr>
-                                      <p:to>
-                                        <p:strVal val="visible"/>
-                                      </p:to>
-                                    </p:set>
-                                    <p:animEffect transition="in" filter="fade">
-                                      <p:cBhvr>
-                                        <p:cTn id="19" dur="500"/>
-                                        <p:tgtEl>
-                                          <p:spTgt spid="35"/>
-                                        </p:tgtEl>
-                                      </p:cBhvr>
-                                    </p:animEffect>
-                                    <p:anim calcmode="lin" valueType="num">
-                                      <p:cBhvr>
-                                        <p:cTn id="20" dur="500" fill="hold"/>
-                                        <p:tgtEl>
-                                          <p:spTgt spid="35"/>
-                                        </p:tgtEl>
-                                        <p:attrNameLst>
-                                          <p:attrName>ppt_x</p:attrName>
-                                        </p:attrNameLst>
-                                      </p:cBhvr>
-                                      <p:tavLst>
-                                        <p:tav tm="0">
-                                          <p:val>
-                                            <p:strVal val="#ppt_x"/>
-                                          </p:val>
-                                        </p:tav>
-                                        <p:tav tm="100000">
-                                          <p:val>
-                                            <p:strVal val="#ppt_x"/>
-                                          </p:val>
-                                        </p:tav>
-                                      </p:tavLst>
-                                    </p:anim>
-                                    <p:anim calcmode="lin" valueType="num">
-                                      <p:cBhvr>
-                                        <p:cTn id="21" dur="500" fill="hold"/>
-                                        <p:tgtEl>
-                                          <p:spTgt spid="35"/>
-                                        </p:tgtEl>
-                                        <p:attrNameLst>
-                                          <p:attrName>ppt_y</p:attrName>
-                                        </p:attrNameLst>
-                                      </p:cBhvr>
-                                      <p:tavLst>
-                                        <p:tav tm="0">
-                                          <p:val>
-                                            <p:strVal val="#ppt_y-.1"/>
-                                          </p:val>
-                                        </p:tav>
-                                        <p:tav tm="100000">
-                                          <p:val>
-                                            <p:strVal val="#ppt_y"/>
-                                          </p:val>
-                                        </p:tav>
-                                      </p:tavLst>
-                                    </p:anim>
-                                  </p:childTnLst>
-                                </p:cTn>
-                              </p:par>
-                              <p:par>
-                                <p:cTn id="22" presetID="26" presetClass="emph" presetSubtype="0" repeatCount="5000" fill="hold" grpId="1" nodeType="withEffect">
-                                  <p:stCondLst>
-                                    <p:cond delay="0"/>
-                                  </p:stCondLst>
-                                  <p:childTnLst>
-                                    <p:animEffect transition="out" filter="fade">
-                                      <p:cBhvr>
-                                        <p:cTn id="23" dur="1000" tmFilter="0, 0; .2, .5; .8, .5; 1, 0"/>
-                                        <p:tgtEl>
-                                          <p:spTgt spid="35"/>
-                                        </p:tgtEl>
-                                      </p:cBhvr>
-                                    </p:animEffect>
-                                    <p:animScale>
-                                      <p:cBhvr>
-                                        <p:cTn id="24" dur="500" autoRev="1" fill="hold"/>
-                                        <p:tgtEl>
-                                          <p:spTgt spid="35"/>
-                                        </p:tgtEl>
-                                      </p:cBhvr>
-                                      <p:by x="105000" y="105000"/>
-                                    </p:animScale>
-                                  </p:childTnLst>
-                                </p:cTn>
-                              </p:par>
-                            </p:childTnLst>
-                          </p:cTn>
-                        </p:par>
-                      </p:childTnLst>
-                    </p:cTn>
-                  </p:par>
-                  <p:par>
-                    <p:cTn id="25" fill="hold">
-                      <p:stCondLst>
-                        <p:cond delay="indefinite"/>
-                      </p:stCondLst>
-                      <p:childTnLst>
-                        <p:par>
-                          <p:cTn id="26" fill="hold">
-                            <p:stCondLst>
-                              <p:cond delay="0"/>
-                            </p:stCondLst>
-                            <p:childTnLst>
-                              <p:par>
-                                <p:cTn id="27" presetID="47" presetClass="entr" presetSubtype="0" fill="hold" grpId="0" nodeType="clickEffect">
-                                  <p:stCondLst>
-                                    <p:cond delay="0"/>
-                                  </p:stCondLst>
-                                  <p:childTnLst>
-                                    <p:set>
-                                      <p:cBhvr>
-                                        <p:cTn id="28" dur="1" fill="hold">
-                                          <p:stCondLst>
-                                            <p:cond delay="0"/>
-                                          </p:stCondLst>
-                                        </p:cTn>
-                                        <p:tgtEl>
-                                          <p:spTgt spid="21"/>
-                                        </p:tgtEl>
-                                        <p:attrNameLst>
-                                          <p:attrName>style.visibility</p:attrName>
-                                        </p:attrNameLst>
-                                      </p:cBhvr>
-                                      <p:to>
-                                        <p:strVal val="visible"/>
-                                      </p:to>
-                                    </p:set>
-                                    <p:animEffect transition="in" filter="fade">
-                                      <p:cBhvr>
-                                        <p:cTn id="29" dur="500"/>
-                                        <p:tgtEl>
-                                          <p:spTgt spid="21"/>
-                                        </p:tgtEl>
-                                      </p:cBhvr>
-                                    </p:animEffect>
-                                    <p:anim calcmode="lin" valueType="num">
-                                      <p:cBhvr>
-                                        <p:cTn id="30" dur="500" fill="hold"/>
-                                        <p:tgtEl>
-                                          <p:spTgt spid="21"/>
-                                        </p:tgtEl>
-                                        <p:attrNameLst>
-                                          <p:attrName>ppt_x</p:attrName>
-                                        </p:attrNameLst>
-                                      </p:cBhvr>
-                                      <p:tavLst>
-                                        <p:tav tm="0">
-                                          <p:val>
-                                            <p:strVal val="#ppt_x"/>
-                                          </p:val>
-                                        </p:tav>
-                                        <p:tav tm="100000">
-                                          <p:val>
-                                            <p:strVal val="#ppt_x"/>
-                                          </p:val>
-                                        </p:tav>
-                                      </p:tavLst>
-                                    </p:anim>
-                                    <p:anim calcmode="lin" valueType="num">
-                                      <p:cBhvr>
-                                        <p:cTn id="31" dur="500" fill="hold"/>
-                                        <p:tgtEl>
-                                          <p:spTgt spid="21"/>
-                                        </p:tgtEl>
-                                        <p:attrNameLst>
-                                          <p:attrName>ppt_y</p:attrName>
-                                        </p:attrNameLst>
-                                      </p:cBhvr>
-                                      <p:tavLst>
-                                        <p:tav tm="0">
-                                          <p:val>
-                                            <p:strVal val="#ppt_y-.1"/>
-                                          </p:val>
-                                        </p:tav>
-                                        <p:tav tm="100000">
-                                          <p:val>
-                                            <p:strVal val="#ppt_y"/>
-                                          </p:val>
-                                        </p:tav>
-                                      </p:tavLst>
-                                    </p:anim>
-                                  </p:childTnLst>
-                                </p:cTn>
-                              </p:par>
-                              <p:par>
-                                <p:cTn id="32" presetID="26" presetClass="emph" presetSubtype="0" repeatCount="5000" fill="hold" grpId="1" nodeType="withEffect">
-                                  <p:stCondLst>
-                                    <p:cond delay="0"/>
-                                  </p:stCondLst>
-                                  <p:childTnLst>
-                                    <p:animEffect transition="out" filter="fade">
-                                      <p:cBhvr>
-                                        <p:cTn id="33" dur="1000" tmFilter="0, 0; .2, .5; .8, .5; 1, 0"/>
-                                        <p:tgtEl>
-                                          <p:spTgt spid="21"/>
-                                        </p:tgtEl>
-                                      </p:cBhvr>
-                                    </p:animEffect>
-                                    <p:animScale>
-                                      <p:cBhvr>
-                                        <p:cTn id="34" dur="500" autoRev="1" fill="hold"/>
-                                        <p:tgtEl>
-                                          <p:spTgt spid="21"/>
-                                        </p:tgtEl>
-                                      </p:cBhvr>
-                                      <p:by x="105000" y="105000"/>
-                                    </p:animScale>
-                                  </p:childTnLst>
-                                </p:cTn>
-                              </p:par>
-                            </p:childTnLst>
-                          </p:cTn>
-                        </p:par>
-                      </p:childTnLst>
-                    </p:cTn>
-                  </p:par>
-                  <p:par>
-                    <p:cTn id="35" fill="hold">
-                      <p:stCondLst>
-                        <p:cond delay="indefinite"/>
-                      </p:stCondLst>
-                      <p:childTnLst>
-                        <p:par>
-                          <p:cTn id="36" fill="hold">
-                            <p:stCondLst>
-                              <p:cond delay="0"/>
-                            </p:stCondLst>
-                            <p:childTnLst>
-                              <p:par>
-                                <p:cTn id="37" presetID="47" presetClass="entr" presetSubtype="0" fill="hold" grpId="0" nodeType="clickEffect">
-                                  <p:stCondLst>
-                                    <p:cond delay="0"/>
-                                  </p:stCondLst>
-                                  <p:childTnLst>
-                                    <p:set>
-                                      <p:cBhvr>
-                                        <p:cTn id="38" dur="1" fill="hold">
-                                          <p:stCondLst>
-                                            <p:cond delay="0"/>
-                                          </p:stCondLst>
-                                        </p:cTn>
-                                        <p:tgtEl>
-                                          <p:spTgt spid="15"/>
-                                        </p:tgtEl>
-                                        <p:attrNameLst>
-                                          <p:attrName>style.visibility</p:attrName>
-                                        </p:attrNameLst>
-                                      </p:cBhvr>
-                                      <p:to>
-                                        <p:strVal val="visible"/>
-                                      </p:to>
-                                    </p:set>
-                                    <p:animEffect transition="in" filter="fade">
-                                      <p:cBhvr>
-                                        <p:cTn id="39" dur="500"/>
-                                        <p:tgtEl>
-                                          <p:spTgt spid="15"/>
-                                        </p:tgtEl>
-                                      </p:cBhvr>
-                                    </p:animEffect>
-                                    <p:anim calcmode="lin" valueType="num">
-                                      <p:cBhvr>
-                                        <p:cTn id="40" dur="500" fill="hold"/>
-                                        <p:tgtEl>
-                                          <p:spTgt spid="15"/>
-                                        </p:tgtEl>
-                                        <p:attrNameLst>
-                                          <p:attrName>ppt_x</p:attrName>
-                                        </p:attrNameLst>
-                                      </p:cBhvr>
-                                      <p:tavLst>
-                                        <p:tav tm="0">
-                                          <p:val>
-                                            <p:strVal val="#ppt_x"/>
-                                          </p:val>
-                                        </p:tav>
-                                        <p:tav tm="100000">
-                                          <p:val>
-                                            <p:strVal val="#ppt_x"/>
-                                          </p:val>
-                                        </p:tav>
-                                      </p:tavLst>
-                                    </p:anim>
-                                    <p:anim calcmode="lin" valueType="num">
-                                      <p:cBhvr>
-                                        <p:cTn id="41" dur="500" fill="hold"/>
-                                        <p:tgtEl>
-                                          <p:spTgt spid="15"/>
-                                        </p:tgtEl>
-                                        <p:attrNameLst>
-                                          <p:attrName>ppt_y</p:attrName>
-                                        </p:attrNameLst>
-                                      </p:cBhvr>
-                                      <p:tavLst>
-                                        <p:tav tm="0">
-                                          <p:val>
-                                            <p:strVal val="#ppt_y-.1"/>
-                                          </p:val>
-                                        </p:tav>
-                                        <p:tav tm="100000">
-                                          <p:val>
-                                            <p:strVal val="#ppt_y"/>
-                                          </p:val>
-                                        </p:tav>
-                                      </p:tavLst>
-                                    </p:anim>
-                                  </p:childTnLst>
-                                </p:cTn>
-                              </p:par>
-                            </p:childTnLst>
-                          </p:cTn>
-                        </p:par>
-                      </p:childTnLst>
-                    </p:cTn>
-                  </p:par>
-                  <p:par>
-                    <p:cTn id="42" fill="hold">
-                      <p:stCondLst>
-                        <p:cond delay="indefinite"/>
-                      </p:stCondLst>
-                      <p:childTnLst>
-                        <p:par>
-                          <p:cTn id="43" fill="hold">
-                            <p:stCondLst>
-                              <p:cond delay="0"/>
-                            </p:stCondLst>
-                            <p:childTnLst>
-                              <p:par>
-                                <p:cTn id="44" presetID="47" presetClass="entr" presetSubtype="0" fill="hold" grpId="0" nodeType="clickEffect">
-                                  <p:stCondLst>
-                                    <p:cond delay="0"/>
-                                  </p:stCondLst>
-                                  <p:childTnLst>
-                                    <p:set>
-                                      <p:cBhvr>
-                                        <p:cTn id="45" dur="1" fill="hold">
-                                          <p:stCondLst>
-                                            <p:cond delay="0"/>
-                                          </p:stCondLst>
-                                        </p:cTn>
-                                        <p:tgtEl>
-                                          <p:spTgt spid="16"/>
-                                        </p:tgtEl>
-                                        <p:attrNameLst>
-                                          <p:attrName>style.visibility</p:attrName>
-                                        </p:attrNameLst>
-                                      </p:cBhvr>
-                                      <p:to>
-                                        <p:strVal val="visible"/>
-                                      </p:to>
-                                    </p:set>
-                                    <p:animEffect transition="in" filter="fade">
-                                      <p:cBhvr>
-                                        <p:cTn id="46" dur="500"/>
-                                        <p:tgtEl>
-                                          <p:spTgt spid="16"/>
-                                        </p:tgtEl>
-                                      </p:cBhvr>
-                                    </p:animEffect>
-                                    <p:anim calcmode="lin" valueType="num">
-                                      <p:cBhvr>
-                                        <p:cTn id="47" dur="500" fill="hold"/>
-                                        <p:tgtEl>
-                                          <p:spTgt spid="16"/>
-                                        </p:tgtEl>
-                                        <p:attrNameLst>
-                                          <p:attrName>ppt_x</p:attrName>
-                                        </p:attrNameLst>
-                                      </p:cBhvr>
-                                      <p:tavLst>
-                                        <p:tav tm="0">
-                                          <p:val>
-                                            <p:strVal val="#ppt_x"/>
-                                          </p:val>
-                                        </p:tav>
-                                        <p:tav tm="100000">
-                                          <p:val>
-                                            <p:strVal val="#ppt_x"/>
-                                          </p:val>
-                                        </p:tav>
-                                      </p:tavLst>
-                                    </p:anim>
-                                    <p:anim calcmode="lin" valueType="num">
-                                      <p:cBhvr>
-                                        <p:cTn id="48" dur="500" fill="hold"/>
-                                        <p:tgtEl>
-                                          <p:spTgt spid="16"/>
-                                        </p:tgtEl>
-                                        <p:attrNameLst>
-                                          <p:attrName>ppt_y</p:attrName>
-                                        </p:attrNameLst>
-                                      </p:cBhvr>
-                                      <p:tavLst>
-                                        <p:tav tm="0">
-                                          <p:val>
-                                            <p:strVal val="#ppt_y-.1"/>
-                                          </p:val>
-                                        </p:tav>
-                                        <p:tav tm="100000">
-                                          <p:val>
-                                            <p:strVal val="#ppt_y"/>
-                                          </p:val>
-                                        </p:tav>
-                                      </p:tavLst>
-                                    </p:anim>
-                                  </p:childTnLst>
-                                </p:cTn>
-                              </p:par>
-                              <p:par>
-                                <p:cTn id="49" presetID="26" presetClass="emph" presetSubtype="0" repeatCount="5000" fill="hold" grpId="1" nodeType="withEffect">
-                                  <p:stCondLst>
-                                    <p:cond delay="0"/>
-                                  </p:stCondLst>
-                                  <p:childTnLst>
-                                    <p:animEffect transition="out" filter="fade">
-                                      <p:cBhvr>
-                                        <p:cTn id="50" dur="1000" tmFilter="0, 0; .2, .5; .8, .5; 1, 0"/>
-                                        <p:tgtEl>
-                                          <p:spTgt spid="16"/>
-                                        </p:tgtEl>
-                                      </p:cBhvr>
-                                    </p:animEffect>
-                                    <p:animScale>
-                                      <p:cBhvr>
-                                        <p:cTn id="51" dur="500" autoRev="1" fill="hold"/>
-                                        <p:tgtEl>
-                                          <p:spTgt spid="16"/>
-                                        </p:tgtEl>
-                                      </p:cBhvr>
-                                      <p:by x="105000" y="105000"/>
-                                    </p:animScale>
-                                  </p:childTnLst>
-                                </p:cTn>
-                              </p:par>
-                            </p:childTnLst>
-                          </p:cTn>
-                        </p:par>
-                      </p:childTnLst>
-                    </p:cTn>
-                  </p:par>
-                  <p:par>
-                    <p:cTn id="52" fill="hold">
-                      <p:stCondLst>
-                        <p:cond delay="indefinite"/>
-                      </p:stCondLst>
-                      <p:childTnLst>
-                        <p:par>
-                          <p:cTn id="53" fill="hold">
-                            <p:stCondLst>
-                              <p:cond delay="0"/>
-                            </p:stCondLst>
-                            <p:childTnLst>
-                              <p:par>
-                                <p:cTn id="54" presetID="47" presetClass="entr" presetSubtype="0" fill="hold" grpId="0" nodeType="clickEffect">
-                                  <p:stCondLst>
-                                    <p:cond delay="0"/>
-                                  </p:stCondLst>
-                                  <p:childTnLst>
-                                    <p:set>
-                                      <p:cBhvr>
-                                        <p:cTn id="55" dur="1" fill="hold">
-                                          <p:stCondLst>
-                                            <p:cond delay="0"/>
-                                          </p:stCondLst>
-                                        </p:cTn>
-                                        <p:tgtEl>
-                                          <p:spTgt spid="18"/>
-                                        </p:tgtEl>
-                                        <p:attrNameLst>
-                                          <p:attrName>style.visibility</p:attrName>
-                                        </p:attrNameLst>
-                                      </p:cBhvr>
-                                      <p:to>
-                                        <p:strVal val="visible"/>
-                                      </p:to>
-                                    </p:set>
-                                    <p:animEffect transition="in" filter="fade">
-                                      <p:cBhvr>
-                                        <p:cTn id="56" dur="500"/>
-                                        <p:tgtEl>
-                                          <p:spTgt spid="18"/>
-                                        </p:tgtEl>
-                                      </p:cBhvr>
-                                    </p:animEffect>
-                                    <p:anim calcmode="lin" valueType="num">
-                                      <p:cBhvr>
-                                        <p:cTn id="57" dur="500" fill="hold"/>
-                                        <p:tgtEl>
-                                          <p:spTgt spid="18"/>
-                                        </p:tgtEl>
-                                        <p:attrNameLst>
-                                          <p:attrName>ppt_x</p:attrName>
-                                        </p:attrNameLst>
-                                      </p:cBhvr>
-                                      <p:tavLst>
-                                        <p:tav tm="0">
-                                          <p:val>
-                                            <p:strVal val="#ppt_x"/>
-                                          </p:val>
-                                        </p:tav>
-                                        <p:tav tm="100000">
-                                          <p:val>
-                                            <p:strVal val="#ppt_x"/>
-                                          </p:val>
-                                        </p:tav>
-                                      </p:tavLst>
-                                    </p:anim>
-                                    <p:anim calcmode="lin" valueType="num">
-                                      <p:cBhvr>
-                                        <p:cTn id="58" dur="500" fill="hold"/>
-                                        <p:tgtEl>
-                                          <p:spTgt spid="18"/>
-                                        </p:tgtEl>
-                                        <p:attrNameLst>
-                                          <p:attrName>ppt_y</p:attrName>
-                                        </p:attrNameLst>
-                                      </p:cBhvr>
-                                      <p:tavLst>
-                                        <p:tav tm="0">
-                                          <p:val>
-                                            <p:strVal val="#ppt_y-.1"/>
-                                          </p:val>
-                                        </p:tav>
-                                        <p:tav tm="100000">
-                                          <p:val>
-                                            <p:strVal val="#ppt_y"/>
-                                          </p:val>
-                                        </p:tav>
-                                      </p:tavLst>
-                                    </p:anim>
-                                  </p:childTnLst>
-                                </p:cTn>
-                              </p:par>
-                              <p:par>
-                                <p:cTn id="59" presetID="26" presetClass="emph" presetSubtype="0" repeatCount="5000" fill="hold" grpId="1" nodeType="withEffect">
-                                  <p:stCondLst>
-                                    <p:cond delay="0"/>
-                                  </p:stCondLst>
-                                  <p:childTnLst>
-                                    <p:animEffect transition="out" filter="fade">
-                                      <p:cBhvr>
-                                        <p:cTn id="60" dur="1000" tmFilter="0, 0; .2, .5; .8, .5; 1, 0"/>
-                                        <p:tgtEl>
-                                          <p:spTgt spid="18"/>
-                                        </p:tgtEl>
-                                      </p:cBhvr>
-                                    </p:animEffect>
-                                    <p:animScale>
-                                      <p:cBhvr>
-                                        <p:cTn id="61" dur="500" autoRev="1" fill="hold"/>
-                                        <p:tgtEl>
-                                          <p:spTgt spid="18"/>
-                                        </p:tgtEl>
-                                      </p:cBhvr>
-                                      <p:by x="105000" y="105000"/>
-                                    </p:animScale>
-                                  </p:childTnLst>
-                                </p:cTn>
-                              </p:par>
-                            </p:childTnLst>
-                          </p:cTn>
-                        </p:par>
-                      </p:childTnLst>
-                    </p:cTn>
-                  </p:par>
-                  <p:par>
-                    <p:cTn id="62" fill="hold">
-                      <p:stCondLst>
-                        <p:cond delay="indefinite"/>
-                      </p:stCondLst>
-                      <p:childTnLst>
-                        <p:par>
-                          <p:cTn id="63" fill="hold">
-                            <p:stCondLst>
-                              <p:cond delay="0"/>
-                            </p:stCondLst>
-                            <p:childTnLst>
-                              <p:par>
-                                <p:cTn id="64" presetID="47" presetClass="entr" presetSubtype="0" fill="hold" grpId="0" nodeType="clickEffect">
-                                  <p:stCondLst>
-                                    <p:cond delay="0"/>
-                                  </p:stCondLst>
-                                  <p:childTnLst>
-                                    <p:set>
-                                      <p:cBhvr>
-                                        <p:cTn id="65" dur="1" fill="hold">
-                                          <p:stCondLst>
-                                            <p:cond delay="0"/>
-                                          </p:stCondLst>
-                                        </p:cTn>
-                                        <p:tgtEl>
-                                          <p:spTgt spid="20"/>
-                                        </p:tgtEl>
-                                        <p:attrNameLst>
-                                          <p:attrName>style.visibility</p:attrName>
-                                        </p:attrNameLst>
-                                      </p:cBhvr>
-                                      <p:to>
-                                        <p:strVal val="visible"/>
-                                      </p:to>
-                                    </p:set>
-                                    <p:animEffect transition="in" filter="fade">
-                                      <p:cBhvr>
-                                        <p:cTn id="66" dur="500"/>
-                                        <p:tgtEl>
-                                          <p:spTgt spid="20"/>
-                                        </p:tgtEl>
-                                      </p:cBhvr>
-                                    </p:animEffect>
-                                    <p:anim calcmode="lin" valueType="num">
-                                      <p:cBhvr>
-                                        <p:cTn id="67" dur="500" fill="hold"/>
-                                        <p:tgtEl>
-                                          <p:spTgt spid="20"/>
-                                        </p:tgtEl>
-                                        <p:attrNameLst>
-                                          <p:attrName>ppt_x</p:attrName>
-                                        </p:attrNameLst>
-                                      </p:cBhvr>
-                                      <p:tavLst>
-                                        <p:tav tm="0">
-                                          <p:val>
-                                            <p:strVal val="#ppt_x"/>
-                                          </p:val>
-                                        </p:tav>
-                                        <p:tav tm="100000">
-                                          <p:val>
-                                            <p:strVal val="#ppt_x"/>
-                                          </p:val>
-                                        </p:tav>
-                                      </p:tavLst>
-                                    </p:anim>
-                                    <p:anim calcmode="lin" valueType="num">
-                                      <p:cBhvr>
-                                        <p:cTn id="68" dur="500" fill="hold"/>
-                                        <p:tgtEl>
-                                          <p:spTgt spid="20"/>
-                                        </p:tgtEl>
-                                        <p:attrNameLst>
-                                          <p:attrName>ppt_y</p:attrName>
-                                        </p:attrNameLst>
-                                      </p:cBhvr>
-                                      <p:tavLst>
-                                        <p:tav tm="0">
-                                          <p:val>
-                                            <p:strVal val="#ppt_y-.1"/>
-                                          </p:val>
-                                        </p:tav>
-                                        <p:tav tm="100000">
-                                          <p:val>
-                                            <p:strVal val="#ppt_y"/>
-                                          </p:val>
-                                        </p:tav>
-                                      </p:tavLst>
-                                    </p:anim>
-                                  </p:childTnLst>
-                                </p:cTn>
-                              </p:par>
-                              <p:par>
-                                <p:cTn id="69" presetID="26" presetClass="emph" presetSubtype="0" repeatCount="5000" fill="hold" grpId="1" nodeType="withEffect">
-                                  <p:stCondLst>
-                                    <p:cond delay="0"/>
-                                  </p:stCondLst>
-                                  <p:childTnLst>
-                                    <p:animEffect transition="out" filter="fade">
-                                      <p:cBhvr>
-                                        <p:cTn id="70" dur="1000" tmFilter="0, 0; .2, .5; .8, .5; 1, 0"/>
-                                        <p:tgtEl>
-                                          <p:spTgt spid="20"/>
-                                        </p:tgtEl>
-                                      </p:cBhvr>
-                                    </p:animEffect>
-                                    <p:animScale>
-                                      <p:cBhvr>
-                                        <p:cTn id="71" dur="500" autoRev="1" fill="hold"/>
-                                        <p:tgtEl>
-                                          <p:spTgt spid="20"/>
-                                        </p:tgtEl>
-                                      </p:cBhvr>
-                                      <p:by x="105000" y="105000"/>
-                                    </p:animScale>
-                                  </p:childTnLst>
-                                </p:cTn>
-                              </p:par>
-                            </p:childTnLst>
-                          </p:cTn>
-                        </p:par>
-                      </p:childTnLst>
-                    </p:cTn>
-                  </p:par>
-                </p:childTnLst>
-              </p:cTn>
-              <p:prevCondLst>
-                <p:cond evt="onPrev" delay="0">
-                  <p:tgtEl>
-                    <p:sldTgt/>
-                  </p:tgtEl>
-                </p:cond>
-              </p:prevCondLst>
-              <p:nextCondLst>
-                <p:cond evt="onNext" delay="0">
-                  <p:tgtEl>
-                    <p:sldTgt/>
-                  </p:tgtEl>
-                </p:cond>
-              </p:nextCondLst>
-            </p:seq>
-          </p:childTnLst>
-        </p:cTn>
-      </p:par>
-    </p:tnLst>
-    <p:bldLst>
-      <p:bldP spid="31" grpId="0" animBg="1"/>
-      <p:bldP spid="32" grpId="0" animBg="1"/>
-      <p:bldP spid="35" grpId="0" animBg="1"/>
-      <p:bldP spid="35" grpId="1" animBg="1"/>
-      <p:bldP spid="21" grpId="0" animBg="1"/>
-      <p:bldP spid="21" grpId="1" animBg="1"/>
-      <p:bldP spid="15" grpId="0" animBg="1"/>
-      <p:bldP spid="16" grpId="0" animBg="1"/>
-      <p:bldP spid="16" grpId="1" animBg="1"/>
-      <p:bldP spid="18" grpId="0" animBg="1"/>
-      <p:bldP spid="18" grpId="1" animBg="1"/>
-      <p:bldP spid="20" grpId="0" animBg="1"/>
-      <p:bldP spid="20" grpId="1" animBg="1"/>
-    </p:bldLst>
-  </p:timing>
-</p:sld>
-</file>
-
-<file path=ppt/slides/slide8.xml><?xml version="1.0" encoding="utf-8"?>
-<p:sld xmlns:a="http://schemas.openxmlformats.org/drawingml/2006/main" xmlns:r="http://schemas.openxmlformats.org/officeDocument/2006/relationships" xmlns:p="http://schemas.openxmlformats.org/presentationml/2006/main">
-  <p:cSld>
-    <p:spTree>
-      <p:nvGrpSpPr>
-        <p:cNvPr id="1" name=""/>
-        <p:cNvGrpSpPr/>
-        <p:nvPr/>
-      </p:nvGrpSpPr>
-      <p:grpSpPr>
-        <a:xfrm>
-          <a:off x="0" y="0"/>
-          <a:ext cx="0" cy="0"/>
-          <a:chOff x="0" y="0"/>
-          <a:chExt cx="0" cy="0"/>
-        </a:xfrm>
-      </p:grpSpPr>
-      <p:sp>
-        <p:nvSpPr>
-          <p:cNvPr id="2" name="Titel 1"/>
-          <p:cNvSpPr>
-            <a:spLocks noGrp="1"/>
-          </p:cNvSpPr>
-          <p:nvPr>
-            <p:ph type="title"/>
-          </p:nvPr>
-        </p:nvSpPr>
-        <p:spPr/>
-        <p:txBody>
-          <a:bodyPr/>
-          <a:lstStyle/>
-          <a:p>
-            <a:r>
-              <a:rPr lang="de" altLang="ko-KR" dirty="0"/>
-              <a:t>4. Ergebnisse &amp; Diskussion</a:t>
-            </a:r>
-            <a:endParaRPr lang="de-DE" noProof="0" dirty="0"/>
-          </a:p>
-        </p:txBody>
-      </p:sp>
-    </p:spTree>
-    <p:extLst>
-      <p:ext uri="{BB962C8B-B14F-4D97-AF65-F5344CB8AC3E}">
-        <p14:creationId xmlns:p14="http://schemas.microsoft.com/office/powerpoint/2010/main" val="1044340049"/>
-      </p:ext>
-    </p:extLst>
-  </p:cSld>
-  <p:clrMapOvr>
-    <a:masterClrMapping/>
-  </p:clrMapOvr>
-</p:sld>
-</file>
-
-<file path=ppt/slides/slide9.xml><?xml version="1.0" encoding="utf-8"?>
-<p:sld xmlns:a="http://schemas.openxmlformats.org/drawingml/2006/main" xmlns:r="http://schemas.openxmlformats.org/officeDocument/2006/relationships" xmlns:p="http://schemas.openxmlformats.org/presentationml/2006/main">
-  <p:cSld>
-    <p:spTree>
-      <p:nvGrpSpPr>
-        <p:cNvPr id="1" name=""/>
-        <p:cNvGrpSpPr/>
-        <p:nvPr/>
-      </p:nvGrpSpPr>
-      <p:grpSpPr>
-        <a:xfrm>
-          <a:off x="0" y="0"/>
-          <a:ext cx="0" cy="0"/>
-          <a:chOff x="0" y="0"/>
-          <a:chExt cx="0" cy="0"/>
-        </a:xfrm>
-      </p:grpSpPr>
-      <p:pic>
-        <p:nvPicPr>
-          <p:cNvPr id="3" name="그림 2">
-            <a:extLst>
-              <a:ext uri="{FF2B5EF4-FFF2-40B4-BE49-F238E27FC236}">
-                <a16:creationId xmlns:a16="http://schemas.microsoft.com/office/drawing/2014/main" id="{C9BDF3E4-694D-244B-9A00-EB1AD5D6DE5D}"/>
-              </a:ext>
-            </a:extLst>
-          </p:cNvPr>
-          <p:cNvPicPr>
-            <a:picLocks noChangeAspect="1"/>
-          </p:cNvPicPr>
-          <p:nvPr/>
-        </p:nvPicPr>
-        <p:blipFill>
-          <a:blip r:embed="rId2">
-            <a:extLst>
-              <a:ext uri="{28A0092B-C50C-407E-A947-70E740481C1C}">
-                <a14:useLocalDpi xmlns:a14="http://schemas.microsoft.com/office/drawing/2010/main" val="0"/>
-              </a:ext>
-            </a:extLst>
-          </a:blip>
-          <a:stretch>
-            <a:fillRect/>
-          </a:stretch>
-        </p:blipFill>
-        <p:spPr>
-          <a:xfrm>
-            <a:off x="498621" y="675762"/>
-            <a:ext cx="2930163" cy="1895988"/>
-          </a:xfrm>
-          <a:prstGeom prst="rect">
-            <a:avLst/>
-          </a:prstGeom>
-        </p:spPr>
-      </p:pic>
-      <p:pic>
-        <p:nvPicPr>
-          <p:cNvPr id="4" name="그림 3">
-            <a:extLst>
-              <a:ext uri="{FF2B5EF4-FFF2-40B4-BE49-F238E27FC236}">
-                <a16:creationId xmlns:a16="http://schemas.microsoft.com/office/drawing/2014/main" id="{6EA4D951-D553-A24C-AD7C-317511526B91}"/>
-              </a:ext>
-            </a:extLst>
-          </p:cNvPr>
-          <p:cNvPicPr>
-            <a:picLocks noChangeAspect="1"/>
-          </p:cNvPicPr>
-          <p:nvPr/>
-        </p:nvPicPr>
-        <p:blipFill>
-          <a:blip r:embed="rId3">
-            <a:extLst>
-              <a:ext uri="{28A0092B-C50C-407E-A947-70E740481C1C}">
-                <a14:useLocalDpi xmlns:a14="http://schemas.microsoft.com/office/drawing/2010/main" val="0"/>
-              </a:ext>
-            </a:extLst>
-          </a:blip>
-          <a:stretch>
-            <a:fillRect/>
-          </a:stretch>
-        </p:blipFill>
-        <p:spPr>
-          <a:xfrm>
-            <a:off x="6659319" y="708627"/>
-            <a:ext cx="2064549" cy="3678217"/>
-          </a:xfrm>
-          <a:prstGeom prst="rect">
-            <a:avLst/>
-          </a:prstGeom>
-        </p:spPr>
-      </p:pic>
-      <p:pic>
-        <p:nvPicPr>
-          <p:cNvPr id="5" name="그림 4">
-            <a:extLst>
-              <a:ext uri="{FF2B5EF4-FFF2-40B4-BE49-F238E27FC236}">
-                <a16:creationId xmlns:a16="http://schemas.microsoft.com/office/drawing/2014/main" id="{85528231-84FF-E948-A766-38A7F28B1C64}"/>
-              </a:ext>
-            </a:extLst>
-          </p:cNvPr>
-          <p:cNvPicPr>
-            <a:picLocks noChangeAspect="1"/>
-          </p:cNvPicPr>
-          <p:nvPr/>
-        </p:nvPicPr>
-        <p:blipFill>
-          <a:blip r:embed="rId4">
-            <a:extLst>
-              <a:ext uri="{28A0092B-C50C-407E-A947-70E740481C1C}">
-                <a14:useLocalDpi xmlns:a14="http://schemas.microsoft.com/office/drawing/2010/main" val="0"/>
-              </a:ext>
-            </a:extLst>
-          </a:blip>
-          <a:stretch>
-            <a:fillRect/>
-          </a:stretch>
-        </p:blipFill>
-        <p:spPr>
-          <a:xfrm>
-            <a:off x="430549" y="2721750"/>
-            <a:ext cx="2797592" cy="1796387"/>
-          </a:xfrm>
-          <a:prstGeom prst="rect">
-            <a:avLst/>
-          </a:prstGeom>
-        </p:spPr>
-      </p:pic>
-      <p:pic>
-        <p:nvPicPr>
-          <p:cNvPr id="7" name="그림 6">
-            <a:extLst>
-              <a:ext uri="{FF2B5EF4-FFF2-40B4-BE49-F238E27FC236}">
-                <a16:creationId xmlns:a16="http://schemas.microsoft.com/office/drawing/2014/main" id="{A57580C8-7164-6146-AA08-DC2C8C572A04}"/>
-              </a:ext>
-            </a:extLst>
-          </p:cNvPr>
-          <p:cNvPicPr>
-            <a:picLocks noChangeAspect="1"/>
-          </p:cNvPicPr>
-          <p:nvPr/>
-        </p:nvPicPr>
-        <p:blipFill>
-          <a:blip r:embed="rId5">
-            <a:extLst>
-              <a:ext uri="{28A0092B-C50C-407E-A947-70E740481C1C}">
-                <a14:useLocalDpi xmlns:a14="http://schemas.microsoft.com/office/drawing/2010/main" val="0"/>
-              </a:ext>
-            </a:extLst>
-          </a:blip>
-          <a:stretch>
-            <a:fillRect/>
-          </a:stretch>
-        </p:blipFill>
-        <p:spPr>
-          <a:xfrm>
-            <a:off x="3716336" y="2795377"/>
-            <a:ext cx="2570118" cy="1649131"/>
-          </a:xfrm>
-          <a:prstGeom prst="rect">
-            <a:avLst/>
-          </a:prstGeom>
-        </p:spPr>
-      </p:pic>
-      <p:pic>
-        <p:nvPicPr>
-          <p:cNvPr id="8" name="그림 7">
-            <a:extLst>
-              <a:ext uri="{FF2B5EF4-FFF2-40B4-BE49-F238E27FC236}">
-                <a16:creationId xmlns:a16="http://schemas.microsoft.com/office/drawing/2014/main" id="{378DD809-C88A-AC4F-9727-B3D48DCC0EFE}"/>
-              </a:ext>
-            </a:extLst>
-          </p:cNvPr>
-          <p:cNvPicPr>
-            <a:picLocks noChangeAspect="1"/>
-          </p:cNvPicPr>
-          <p:nvPr/>
-        </p:nvPicPr>
-        <p:blipFill>
-          <a:blip r:embed="rId6">
-            <a:extLst>
-              <a:ext uri="{28A0092B-C50C-407E-A947-70E740481C1C}">
-                <a14:useLocalDpi xmlns:a14="http://schemas.microsoft.com/office/drawing/2010/main" val="0"/>
-              </a:ext>
-            </a:extLst>
-          </a:blip>
-          <a:stretch>
-            <a:fillRect/>
-          </a:stretch>
-        </p:blipFill>
-        <p:spPr>
-          <a:xfrm>
-            <a:off x="3612117" y="692664"/>
-            <a:ext cx="2930164" cy="1879086"/>
-          </a:xfrm>
-          <a:prstGeom prst="rect">
-            <a:avLst/>
-          </a:prstGeom>
-        </p:spPr>
-      </p:pic>
-      <p:sp>
-        <p:nvSpPr>
-          <p:cNvPr id="9" name="Titel 1">
-            <a:extLst>
-              <a:ext uri="{FF2B5EF4-FFF2-40B4-BE49-F238E27FC236}">
-                <a16:creationId xmlns:a16="http://schemas.microsoft.com/office/drawing/2014/main" id="{499727D9-A8E1-A14D-8FF1-EEEE7F1169D3}"/>
-              </a:ext>
-            </a:extLst>
-          </p:cNvPr>
-          <p:cNvSpPr>
-            <a:spLocks noGrp="1"/>
-          </p:cNvSpPr>
-          <p:nvPr>
-            <p:ph type="title"/>
-          </p:nvPr>
-        </p:nvSpPr>
-        <p:spPr>
-          <a:xfrm>
-            <a:off x="180000" y="254870"/>
-            <a:ext cx="6480000" cy="432000"/>
-          </a:xfrm>
-        </p:spPr>
-        <p:txBody>
-          <a:bodyPr/>
-          <a:lstStyle/>
-          <a:p>
-            <a:r>
-              <a:rPr lang="de-DE" noProof="0" dirty="0"/>
-              <a:t>Motivation Datenintegration</a:t>
-            </a:r>
-          </a:p>
-        </p:txBody>
-      </p:sp>
-    </p:spTree>
-    <p:extLst>
-      <p:ext uri="{BB962C8B-B14F-4D97-AF65-F5344CB8AC3E}">
-        <p14:creationId xmlns:p14="http://schemas.microsoft.com/office/powerpoint/2010/main" val="1846155174"/>
       </p:ext>
     </p:extLst>
   </p:cSld>

--- a/Kolloquium/Kolloquium.pptx
+++ b/Kolloquium/Kolloquium.pptx
@@ -223,7 +223,7 @@
           <a:p>
             <a:fld id="{F4DF2165-45DD-4E6A-8D88-991CFCF20576}" type="datetimeFigureOut">
               <a:rPr lang="de-DE" smtClean="0"/>
-              <a:t>22.02.23</a:t>
+              <a:t>22.02.2023</a:t>
             </a:fld>
             <a:endParaRPr lang="de-DE" dirty="0"/>
           </a:p>
@@ -388,7 +388,7 @@
           <a:p>
             <a:fld id="{DBB2A775-C49D-45BA-A919-7D687A0440E7}" type="datetimeFigureOut">
               <a:rPr lang="de-DE" smtClean="0"/>
-              <a:t>22.02.23</a:t>
+              <a:t>22.02.2023</a:t>
             </a:fld>
             <a:endParaRPr lang="de-DE"/>
           </a:p>
@@ -4727,14 +4727,7 @@
           <a:p>
             <a:r>
               <a:rPr lang="de" dirty="0"/>
-              <a:t>Untersuchung des Einflusses von Ausreißern auf die Prognosegenauigkeit von</a:t>
-            </a:r>
-            <a:br>
-              <a:rPr lang="de" dirty="0"/>
-            </a:br>
-            <a:r>
-              <a:rPr lang="de" dirty="0"/>
-              <a:t>Feinstaubkonzentrationen</a:t>
+              <a:t>Untersuchung des Einflusses von Ausreißern auf die Prognosegenauigkeit von Feinstaubkonzentrationen</a:t>
             </a:r>
             <a:endParaRPr lang="de-DE" dirty="0"/>
           </a:p>
@@ -7224,7 +7217,7 @@
           <p:nvPr/>
         </p:nvPicPr>
         <p:blipFill>
-          <a:blip r:embed="rId2">
+          <a:blip r:embed="rId2" cstate="print">
             <a:extLst>
               <a:ext uri="{28A0092B-C50C-407E-A947-70E740481C1C}">
                 <a14:useLocalDpi xmlns:a14="http://schemas.microsoft.com/office/drawing/2010/main" val="0"/>
@@ -7296,7 +7289,7 @@
           <p:nvPr/>
         </p:nvPicPr>
         <p:blipFill>
-          <a:blip r:embed="rId4">
+          <a:blip r:embed="rId4" cstate="print">
             <a:extLst>
               <a:ext uri="{28A0092B-C50C-407E-A947-70E740481C1C}">
                 <a14:useLocalDpi xmlns:a14="http://schemas.microsoft.com/office/drawing/2010/main" val="0"/>
@@ -7332,7 +7325,7 @@
           <p:nvPr/>
         </p:nvPicPr>
         <p:blipFill>
-          <a:blip r:embed="rId5">
+          <a:blip r:embed="rId5" cstate="print">
             <a:extLst>
               <a:ext uri="{28A0092B-C50C-407E-A947-70E740481C1C}">
                 <a14:useLocalDpi xmlns:a14="http://schemas.microsoft.com/office/drawing/2010/main" val="0"/>
@@ -7368,7 +7361,7 @@
           <p:nvPr/>
         </p:nvPicPr>
         <p:blipFill>
-          <a:blip r:embed="rId6">
+          <a:blip r:embed="rId6" cstate="print">
             <a:extLst>
               <a:ext uri="{28A0092B-C50C-407E-A947-70E740481C1C}">
                 <a14:useLocalDpi xmlns:a14="http://schemas.microsoft.com/office/drawing/2010/main" val="0"/>
@@ -11577,16 +11570,56 @@
             <p:ph type="title"/>
           </p:nvPr>
         </p:nvSpPr>
-        <p:spPr/>
+        <p:spPr>
+          <a:xfrm>
+            <a:off x="792000" y="2008907"/>
+            <a:ext cx="7560000" cy="2045983"/>
+          </a:xfrm>
+        </p:spPr>
         <p:txBody>
           <a:bodyPr/>
           <a:lstStyle/>
           <a:p>
             <a:r>
-              <a:rPr lang="de-DE" altLang="ko-KR" dirty="0"/>
-              <a:t>1</a:t>
-            </a:r>
-            <a:endParaRPr lang="de-DE" noProof="0" dirty="0"/>
+              <a:rPr lang="de-DE" altLang="ko-KR" sz="2000" dirty="0"/>
+              <a:t>1. Einleitung</a:t>
+            </a:r>
+            <a:br>
+              <a:rPr lang="de-DE" altLang="ko-KR" sz="2000" dirty="0"/>
+            </a:br>
+            <a:r>
+              <a:rPr lang="de-DE" altLang="ko-KR" sz="2000" dirty="0"/>
+              <a:t>2. Vorbetrachtungen</a:t>
+            </a:r>
+            <a:br>
+              <a:rPr lang="de-DE" altLang="ko-KR" sz="2000" dirty="0"/>
+            </a:br>
+            <a:r>
+              <a:rPr lang="de-DE" altLang="ko-KR" sz="2000" dirty="0"/>
+              <a:t>3. Literaturüberblick</a:t>
+            </a:r>
+            <a:br>
+              <a:rPr lang="de-DE" altLang="ko-KR" sz="2000" dirty="0"/>
+            </a:br>
+            <a:r>
+              <a:rPr lang="de-DE" altLang="ko-KR" sz="2000" dirty="0"/>
+              <a:t>4. Methoden</a:t>
+            </a:r>
+            <a:br>
+              <a:rPr lang="de-DE" altLang="ko-KR" sz="2000" dirty="0"/>
+            </a:br>
+            <a:r>
+              <a:rPr lang="de-DE" altLang="ko-KR" sz="2000" dirty="0"/>
+              <a:t>5. Ergebnisse &amp; Diskussion</a:t>
+            </a:r>
+            <a:br>
+              <a:rPr lang="de-DE" altLang="ko-KR" sz="2000" dirty="0"/>
+            </a:br>
+            <a:r>
+              <a:rPr lang="de-DE" altLang="ko-KR" sz="2000" dirty="0"/>
+              <a:t>6. Fazit &amp; Ausblick</a:t>
+            </a:r>
+            <a:endParaRPr lang="de-DE" sz="2000" noProof="0" dirty="0"/>
           </a:p>
         </p:txBody>
       </p:sp>
@@ -13471,7 +13504,7 @@
         <p:spPr>
           <a:xfrm>
             <a:off x="180000" y="254870"/>
-            <a:ext cx="3947157" cy="432000"/>
+            <a:ext cx="4248000" cy="432000"/>
           </a:xfrm>
         </p:spPr>
         <p:txBody>
@@ -13495,7 +13528,12 @@
             <p:ph idx="1"/>
           </p:nvPr>
         </p:nvSpPr>
-        <p:spPr/>
+        <p:spPr>
+          <a:xfrm>
+            <a:off x="180000" y="918992"/>
+            <a:ext cx="4248000" cy="3780000"/>
+          </a:xfrm>
+        </p:spPr>
         <p:txBody>
           <a:bodyPr/>
           <a:lstStyle/>
@@ -13513,124 +13551,58 @@
               <a:buNone/>
             </a:pPr>
             <a:r>
-              <a:rPr lang="de-DE" noProof="0" dirty="0">
+              <a:rPr lang="de-DE" dirty="0">
                 <a:solidFill>
                   <a:schemeClr val="tx1"/>
                 </a:solidFill>
               </a:rPr>
-              <a:t>IT Möglichkeiten und Business-Anforderung</a:t>
-            </a:r>
-          </a:p>
-          <a:p>
-            <a:pPr lvl="1">
-              <a:lnSpc>
-                <a:spcPct val="100000"/>
-              </a:lnSpc>
-            </a:pPr>
-            <a:r>
-              <a:rPr lang="de-DE" noProof="0" dirty="0">
-                <a:solidFill>
-                  <a:schemeClr val="tx1"/>
-                </a:solidFill>
-              </a:rPr>
-              <a:t>Datenmenge Westeuropa: 538 </a:t>
-            </a:r>
-            <a:r>
-              <a:rPr lang="de-DE" noProof="0" dirty="0" err="1">
-                <a:solidFill>
-                  <a:schemeClr val="tx1"/>
-                </a:solidFill>
-              </a:rPr>
-              <a:t>Exabyte</a:t>
-            </a:r>
-            <a:r>
-              <a:rPr lang="de-DE" noProof="0" dirty="0">
-                <a:solidFill>
-                  <a:schemeClr val="tx1"/>
-                </a:solidFill>
-              </a:rPr>
-              <a:t> in 2012</a:t>
-            </a:r>
-          </a:p>
-          <a:p>
-            <a:pPr lvl="1">
-              <a:lnSpc>
-                <a:spcPct val="100000"/>
-              </a:lnSpc>
-            </a:pPr>
-            <a:r>
-              <a:rPr lang="de-DE" noProof="0" dirty="0">
-                <a:solidFill>
-                  <a:schemeClr val="tx1"/>
-                </a:solidFill>
-              </a:rPr>
-              <a:t>Jährliches Wachstum um 30% auf 5 </a:t>
-            </a:r>
-            <a:r>
-              <a:rPr lang="de-DE" noProof="0" dirty="0" err="1">
-                <a:solidFill>
-                  <a:schemeClr val="tx1"/>
-                </a:solidFill>
-              </a:rPr>
-              <a:t>Zettabyte</a:t>
-            </a:r>
-            <a:r>
-              <a:rPr lang="de-DE" noProof="0" dirty="0">
-                <a:solidFill>
-                  <a:schemeClr val="tx1"/>
-                </a:solidFill>
-              </a:rPr>
-              <a:t> </a:t>
-            </a:r>
-            <a:br>
-              <a:rPr lang="de-DE" noProof="0" dirty="0">
-                <a:solidFill>
-                  <a:schemeClr val="tx1"/>
-                </a:solidFill>
-              </a:rPr>
-            </a:br>
-            <a:r>
-              <a:rPr lang="de-DE" noProof="0" dirty="0">
-                <a:solidFill>
-                  <a:schemeClr val="tx1"/>
-                </a:solidFill>
-              </a:rPr>
-              <a:t>in 2020 [IDC]</a:t>
+              <a:t>Bedarf von BigData erhöht sich, Low-Cost-Sensor, UmweltMessen kommt häufig Ausreißer</a:t>
             </a:r>
           </a:p>
           <a:p>
             <a:pPr marL="81000" indent="0">
               <a:buNone/>
             </a:pPr>
+            <a:endParaRPr lang="de-DE" altLang="ko-KR" dirty="0">
+              <a:solidFill>
+                <a:schemeClr val="tx1"/>
+              </a:solidFill>
+            </a:endParaRPr>
+          </a:p>
+          <a:p>
+            <a:pPr marL="81000" indent="0">
+              <a:buNone/>
+            </a:pPr>
             <a:r>
               <a:rPr lang="de-DE" altLang="ko-KR" dirty="0"/>
               <a:t>Warum wichtig</a:t>
             </a:r>
           </a:p>
           <a:p>
-            <a:pPr lvl="1">
-              <a:lnSpc>
-                <a:spcPct val="100000"/>
-              </a:lnSpc>
+            <a:pPr marL="81000" indent="0">
+              <a:buNone/>
             </a:pPr>
             <a:r>
-              <a:rPr lang="de-DE" noProof="0" dirty="0"/>
-              <a:t>Vielzahl heterogener Systeme und Anwendungen </a:t>
-            </a:r>
-          </a:p>
-          <a:p>
-            <a:pPr lvl="1">
-              <a:lnSpc>
-                <a:spcPct val="100000"/>
-              </a:lnSpc>
+              <a:rPr lang="de-DE" altLang="ko-KR" dirty="0">
+                <a:solidFill>
+                  <a:schemeClr val="tx1"/>
+                </a:solidFill>
+              </a:rPr>
+              <a:t>Umwelt und Zeitreihen wichtig</a:t>
+            </a:r>
+          </a:p>
+          <a:p>
+            <a:pPr marL="81000" indent="0">
+              <a:buNone/>
             </a:pPr>
             <a:r>
-              <a:rPr lang="de-DE" noProof="0" dirty="0"/>
-              <a:t>Technische und organisatorische Gründe</a:t>
-            </a:r>
-          </a:p>
-          <a:p>
-            <a:pPr lvl="1"/>
+              <a:rPr lang="de-DE" altLang="ko-KR" dirty="0">
+                <a:solidFill>
+                  <a:schemeClr val="tx1"/>
+                </a:solidFill>
+              </a:rPr>
+              <a:t>(Abbildung in der Arbeit)</a:t>
+            </a:r>
             <a:endParaRPr lang="de-DE" noProof="0" dirty="0"/>
           </a:p>
           <a:p>
@@ -13669,97 +13641,8 @@
             </a:pPr>
             <a:r>
               <a:rPr lang="de-DE" dirty="0"/>
-              <a:t>“</a:t>
-            </a:r>
-            <a:r>
-              <a:rPr lang="de-DE" dirty="0" err="1"/>
-              <a:t>Application</a:t>
-            </a:r>
-            <a:r>
-              <a:rPr lang="de-DE" dirty="0"/>
-              <a:t> </a:t>
-            </a:r>
-            <a:r>
-              <a:rPr lang="de-DE" dirty="0" err="1"/>
-              <a:t>infrastructure</a:t>
-            </a:r>
-            <a:r>
-              <a:rPr lang="de-DE" dirty="0"/>
-              <a:t> </a:t>
-            </a:r>
-            <a:r>
-              <a:rPr lang="de-DE" dirty="0" err="1"/>
-              <a:t>and</a:t>
-            </a:r>
-            <a:r>
-              <a:rPr lang="de-DE" dirty="0"/>
-              <a:t> </a:t>
-            </a:r>
-            <a:r>
-              <a:rPr lang="de-DE" dirty="0" err="1"/>
-              <a:t>middleware</a:t>
-            </a:r>
-            <a:r>
-              <a:rPr lang="de-DE" dirty="0"/>
-              <a:t> </a:t>
-            </a:r>
-            <a:r>
-              <a:rPr lang="de-DE" dirty="0" err="1"/>
-              <a:t>market</a:t>
-            </a:r>
-            <a:r>
-              <a:rPr lang="de-DE" dirty="0"/>
-              <a:t>” wuchs um </a:t>
-            </a:r>
-            <a:r>
-              <a:rPr lang="de-DE" b="1" dirty="0"/>
-              <a:t>6.9% von 14.17 Mrd. USD in 2007 auf 15.15 </a:t>
-            </a:r>
-            <a:r>
-              <a:rPr lang="de-DE" b="1" dirty="0" err="1"/>
-              <a:t>Mrd</a:t>
-            </a:r>
-            <a:r>
-              <a:rPr lang="de-DE" b="1" dirty="0"/>
-              <a:t> USD in 2008</a:t>
-            </a:r>
-          </a:p>
-          <a:p>
-            <a:pPr lvl="1">
-              <a:lnSpc>
-                <a:spcPct val="100000"/>
-              </a:lnSpc>
-            </a:pPr>
-            <a:endParaRPr lang="de-DE" b="1" dirty="0"/>
-          </a:p>
-          <a:p>
-            <a:pPr lvl="1">
-              <a:lnSpc>
-                <a:spcPct val="100000"/>
-              </a:lnSpc>
-            </a:pPr>
-            <a:r>
-              <a:rPr lang="de-DE" dirty="0"/>
-              <a:t>Integration ist eine der größten und teuersten Herausforderungen von IT-Firmen</a:t>
-            </a:r>
-            <a:br>
-              <a:rPr lang="de-DE" dirty="0"/>
-            </a:br>
-            <a:r>
-              <a:rPr lang="de-DE" dirty="0"/>
-              <a:t>(</a:t>
-            </a:r>
-            <a:r>
-              <a:rPr lang="de-DE" b="1" dirty="0"/>
-              <a:t>40% </a:t>
-            </a:r>
-            <a:r>
-              <a:rPr lang="de-DE" dirty="0"/>
-              <a:t>des Budgets wird für Integrationssoftware und Integrationsprojekte ausgegeben)</a:t>
-            </a:r>
-          </a:p>
-          <a:p>
-            <a:endParaRPr lang="de-DE" dirty="0"/>
+              <a:t>...</a:t>
+            </a:r>
           </a:p>
         </p:txBody>
       </p:sp>
@@ -13773,147 +13656,6 @@
   <p:clrMapOvr>
     <a:masterClrMapping/>
   </p:clrMapOvr>
-  <p:timing>
-    <p:tnLst>
-      <p:par>
-        <p:cTn id="1" dur="indefinite" restart="never" nodeType="tmRoot">
-          <p:childTnLst>
-            <p:seq concurrent="1" nextAc="seek">
-              <p:cTn id="2" dur="indefinite" nodeType="mainSeq">
-                <p:childTnLst>
-                  <p:par>
-                    <p:cTn id="3" fill="hold">
-                      <p:stCondLst>
-                        <p:cond delay="indefinite"/>
-                      </p:stCondLst>
-                      <p:childTnLst>
-                        <p:par>
-                          <p:cTn id="4" fill="hold">
-                            <p:stCondLst>
-                              <p:cond delay="0"/>
-                            </p:stCondLst>
-                            <p:childTnLst>
-                              <p:par>
-                                <p:cTn id="5" presetID="1" presetClass="entr" presetSubtype="0" fill="hold" nodeType="clickEffect">
-                                  <p:stCondLst>
-                                    <p:cond delay="0"/>
-                                  </p:stCondLst>
-                                  <p:childTnLst>
-                                    <p:set>
-                                      <p:cBhvr>
-                                        <p:cTn id="6" dur="1" fill="hold">
-                                          <p:stCondLst>
-                                            <p:cond delay="0"/>
-                                          </p:stCondLst>
-                                        </p:cTn>
-                                        <p:tgtEl>
-                                          <p:spTgt spid="3">
-                                            <p:txEl>
-                                              <p:pRg st="4" end="4"/>
-                                            </p:txEl>
-                                          </p:spTgt>
-                                        </p:tgtEl>
-                                        <p:attrNameLst>
-                                          <p:attrName>style.visibility</p:attrName>
-                                        </p:attrNameLst>
-                                      </p:cBhvr>
-                                      <p:to>
-                                        <p:strVal val="visible"/>
-                                      </p:to>
-                                    </p:set>
-                                  </p:childTnLst>
-                                </p:cTn>
-                              </p:par>
-                              <p:par>
-                                <p:cTn id="7" presetID="1" presetClass="entr" presetSubtype="0" fill="hold" nodeType="withEffect">
-                                  <p:stCondLst>
-                                    <p:cond delay="0"/>
-                                  </p:stCondLst>
-                                  <p:childTnLst>
-                                    <p:set>
-                                      <p:cBhvr>
-                                        <p:cTn id="8" dur="1" fill="hold">
-                                          <p:stCondLst>
-                                            <p:cond delay="0"/>
-                                          </p:stCondLst>
-                                        </p:cTn>
-                                        <p:tgtEl>
-                                          <p:spTgt spid="3">
-                                            <p:txEl>
-                                              <p:pRg st="5" end="5"/>
-                                            </p:txEl>
-                                          </p:spTgt>
-                                        </p:tgtEl>
-                                        <p:attrNameLst>
-                                          <p:attrName>style.visibility</p:attrName>
-                                        </p:attrNameLst>
-                                      </p:cBhvr>
-                                      <p:to>
-                                        <p:strVal val="visible"/>
-                                      </p:to>
-                                    </p:set>
-                                  </p:childTnLst>
-                                </p:cTn>
-                              </p:par>
-                              <p:par>
-                                <p:cTn id="9" presetID="1" presetClass="entr" presetSubtype="0" fill="hold" nodeType="withEffect">
-                                  <p:stCondLst>
-                                    <p:cond delay="0"/>
-                                  </p:stCondLst>
-                                  <p:childTnLst>
-                                    <p:set>
-                                      <p:cBhvr>
-                                        <p:cTn id="10" dur="1" fill="hold">
-                                          <p:stCondLst>
-                                            <p:cond delay="0"/>
-                                          </p:stCondLst>
-                                        </p:cTn>
-                                        <p:tgtEl>
-                                          <p:spTgt spid="3">
-                                            <p:txEl>
-                                              <p:pRg st="6" end="6"/>
-                                            </p:txEl>
-                                          </p:spTgt>
-                                        </p:tgtEl>
-                                        <p:attrNameLst>
-                                          <p:attrName>style.visibility</p:attrName>
-                                        </p:attrNameLst>
-                                      </p:cBhvr>
-                                      <p:to>
-                                        <p:strVal val="visible"/>
-                                      </p:to>
-                                    </p:set>
-                                  </p:childTnLst>
-                                </p:cTn>
-                              </p:par>
-                            </p:childTnLst>
-                          </p:cTn>
-                        </p:par>
-                      </p:childTnLst>
-                    </p:cTn>
-                  </p:par>
-                </p:childTnLst>
-              </p:cTn>
-              <p:prevCondLst>
-                <p:cond evt="onPrev" delay="0">
-                  <p:tgtEl>
-                    <p:sldTgt/>
-                  </p:tgtEl>
-                </p:cond>
-              </p:prevCondLst>
-              <p:nextCondLst>
-                <p:cond evt="onNext" delay="0">
-                  <p:tgtEl>
-                    <p:sldTgt/>
-                  </p:tgtEl>
-                </p:cond>
-              </p:nextCondLst>
-            </p:seq>
-          </p:childTnLst>
-        </p:cTn>
-      </p:par>
-    </p:tnLst>
-  </p:timing>
 </p:sld>
 </file>
 
@@ -13951,7 +13693,11 @@
           <a:p>
             <a:r>
               <a:rPr lang="de-DE" altLang="ko-KR" dirty="0"/>
-              <a:t>2. Grundlagen</a:t>
+              <a:t>2. </a:t>
+            </a:r>
+            <a:r>
+              <a:rPr lang="de-DE" altLang="ko-KR" sz="2400" dirty="0"/>
+              <a:t>Vorbetrachtungen</a:t>
             </a:r>
             <a:endParaRPr lang="de-DE" noProof="0" dirty="0"/>
           </a:p>
@@ -14017,6 +13763,89 @@
               <a:rPr lang="de-DE" noProof="0" dirty="0"/>
               <a:t>Motivation Datenintegration</a:t>
             </a:r>
+          </a:p>
+        </p:txBody>
+      </p:sp>
+      <p:sp>
+        <p:nvSpPr>
+          <p:cNvPr id="2" name="TextBox 1">
+            <a:extLst>
+              <a:ext uri="{FF2B5EF4-FFF2-40B4-BE49-F238E27FC236}">
+                <a16:creationId xmlns:a16="http://schemas.microsoft.com/office/drawing/2014/main" id="{52CBE89B-6D14-FF08-D693-7FA8A6E15562}"/>
+              </a:ext>
+            </a:extLst>
+          </p:cNvPr>
+          <p:cNvSpPr txBox="1"/>
+          <p:nvPr/>
+        </p:nvSpPr>
+        <p:spPr>
+          <a:xfrm>
+            <a:off x="548640" y="1556087"/>
+            <a:ext cx="1930337" cy="1015663"/>
+          </a:xfrm>
+          <a:prstGeom prst="rect">
+            <a:avLst/>
+          </a:prstGeom>
+          <a:noFill/>
+        </p:spPr>
+        <p:txBody>
+          <a:bodyPr wrap="none" rtlCol="0">
+            <a:spAutoFit/>
+          </a:bodyPr>
+          <a:lstStyle/>
+          <a:p>
+            <a:pPr algn="l"/>
+            <a:r>
+              <a:rPr lang="de-DE" altLang="ko-KR" sz="1200" dirty="0">
+                <a:latin typeface="Open Sans" panose="020B0606030504020204" pitchFamily="34" charset="0"/>
+                <a:ea typeface="Open Sans" panose="020B0606030504020204" pitchFamily="34" charset="0"/>
+                <a:cs typeface="Open Sans" panose="020B0606030504020204" pitchFamily="34" charset="0"/>
+              </a:rPr>
+              <a:t>Anomalie</a:t>
+            </a:r>
+          </a:p>
+          <a:p>
+            <a:pPr algn="l"/>
+            <a:endParaRPr lang="de-DE" altLang="ko-KR" sz="1200" dirty="0">
+              <a:latin typeface="Open Sans" panose="020B0606030504020204" pitchFamily="34" charset="0"/>
+              <a:ea typeface="Open Sans" panose="020B0606030504020204" pitchFamily="34" charset="0"/>
+              <a:cs typeface="Open Sans" panose="020B0606030504020204" pitchFamily="34" charset="0"/>
+            </a:endParaRPr>
+          </a:p>
+          <a:p>
+            <a:pPr algn="l"/>
+            <a:r>
+              <a:rPr lang="de-DE" altLang="ko-KR" sz="1200" dirty="0">
+                <a:latin typeface="Open Sans" panose="020B0606030504020204" pitchFamily="34" charset="0"/>
+                <a:ea typeface="Open Sans" panose="020B0606030504020204" pitchFamily="34" charset="0"/>
+                <a:cs typeface="Open Sans" panose="020B0606030504020204" pitchFamily="34" charset="0"/>
+              </a:rPr>
+              <a:t>Zeitreihen</a:t>
+            </a:r>
+          </a:p>
+          <a:p>
+            <a:pPr algn="l"/>
+            <a:endParaRPr lang="de-DE" altLang="ko-KR" sz="1200" dirty="0">
+              <a:latin typeface="Open Sans" panose="020B0606030504020204" pitchFamily="34" charset="0"/>
+              <a:ea typeface="Open Sans" panose="020B0606030504020204" pitchFamily="34" charset="0"/>
+              <a:cs typeface="Open Sans" panose="020B0606030504020204" pitchFamily="34" charset="0"/>
+            </a:endParaRPr>
+          </a:p>
+          <a:p>
+            <a:pPr algn="l"/>
+            <a:r>
+              <a:rPr lang="de-DE" altLang="ko-KR" sz="1200" dirty="0">
+                <a:latin typeface="Open Sans" panose="020B0606030504020204" pitchFamily="34" charset="0"/>
+                <a:ea typeface="Open Sans" panose="020B0606030504020204" pitchFamily="34" charset="0"/>
+                <a:cs typeface="Open Sans" panose="020B0606030504020204" pitchFamily="34" charset="0"/>
+              </a:rPr>
+              <a:t>Modellierung der Feinst.</a:t>
+            </a:r>
+            <a:endParaRPr lang="ko-KR" altLang="en-US" sz="1200" dirty="0" err="1">
+              <a:latin typeface="Open Sans" panose="020B0606030504020204" pitchFamily="34" charset="0"/>
+              <a:ea typeface="Open Sans" panose="020B0606030504020204" pitchFamily="34" charset="0"/>
+              <a:cs typeface="Open Sans" panose="020B0606030504020204" pitchFamily="34" charset="0"/>
+            </a:endParaRPr>
           </a:p>
         </p:txBody>
       </p:sp>

--- a/Kolloquium/Kolloquium.pptx
+++ b/Kolloquium/Kolloquium.pptx
@@ -5,33 +5,32 @@
     <p:sldMasterId id="2147483663" r:id="rId1"/>
   </p:sldMasterIdLst>
   <p:notesMasterIdLst>
-    <p:notesMasterId r:id="rId23"/>
+    <p:notesMasterId r:id="rId22"/>
   </p:notesMasterIdLst>
   <p:handoutMasterIdLst>
-    <p:handoutMasterId r:id="rId24"/>
+    <p:handoutMasterId r:id="rId23"/>
   </p:handoutMasterIdLst>
   <p:sldIdLst>
     <p:sldId id="279" r:id="rId2"/>
     <p:sldId id="287" r:id="rId3"/>
     <p:sldId id="305" r:id="rId4"/>
     <p:sldId id="296" r:id="rId5"/>
-    <p:sldId id="294" r:id="rId6"/>
-    <p:sldId id="295" r:id="rId7"/>
-    <p:sldId id="306" r:id="rId8"/>
-    <p:sldId id="307" r:id="rId9"/>
-    <p:sldId id="288" r:id="rId10"/>
-    <p:sldId id="297" r:id="rId11"/>
-    <p:sldId id="289" r:id="rId12"/>
+    <p:sldId id="295" r:id="rId6"/>
+    <p:sldId id="306" r:id="rId7"/>
+    <p:sldId id="307" r:id="rId8"/>
+    <p:sldId id="288" r:id="rId9"/>
+    <p:sldId id="297" r:id="rId10"/>
+    <p:sldId id="289" r:id="rId11"/>
+    <p:sldId id="301" r:id="rId12"/>
     <p:sldId id="300" r:id="rId13"/>
-    <p:sldId id="301" r:id="rId14"/>
-    <p:sldId id="291" r:id="rId15"/>
-    <p:sldId id="302" r:id="rId16"/>
-    <p:sldId id="304" r:id="rId17"/>
-    <p:sldId id="277" r:id="rId18"/>
-    <p:sldId id="263" r:id="rId19"/>
-    <p:sldId id="268" r:id="rId20"/>
-    <p:sldId id="275" r:id="rId21"/>
-    <p:sldId id="276" r:id="rId22"/>
+    <p:sldId id="291" r:id="rId14"/>
+    <p:sldId id="302" r:id="rId15"/>
+    <p:sldId id="304" r:id="rId16"/>
+    <p:sldId id="277" r:id="rId17"/>
+    <p:sldId id="263" r:id="rId18"/>
+    <p:sldId id="268" r:id="rId19"/>
+    <p:sldId id="275" r:id="rId20"/>
+    <p:sldId id="276" r:id="rId21"/>
   </p:sldIdLst>
   <p:sldSz cx="9144000" cy="5143500" type="screen16x9"/>
   <p:notesSz cx="6797675" cy="9874250"/>
@@ -223,7 +222,7 @@
           <a:p>
             <a:fld id="{F4DF2165-45DD-4E6A-8D88-991CFCF20576}" type="datetimeFigureOut">
               <a:rPr lang="de-DE" smtClean="0"/>
-              <a:t>22.02.2023</a:t>
+              <a:t>23.02.23</a:t>
             </a:fld>
             <a:endParaRPr lang="de-DE" dirty="0"/>
           </a:p>
@@ -388,7 +387,7 @@
           <a:p>
             <a:fld id="{DBB2A775-C49D-45BA-A919-7D687A0440E7}" type="datetimeFigureOut">
               <a:rPr lang="de-DE" smtClean="0"/>
-              <a:t>22.02.2023</a:t>
+              <a:t>23.02.23</a:t>
             </a:fld>
             <a:endParaRPr lang="de-DE"/>
           </a:p>
@@ -823,7 +822,7 @@
     </p:spTree>
     <p:extLst>
       <p:ext uri="{BB962C8B-B14F-4D97-AF65-F5344CB8AC3E}">
-        <p14:creationId xmlns:p14="http://schemas.microsoft.com/office/powerpoint/2010/main" val="1569347426"/>
+        <p14:creationId xmlns:p14="http://schemas.microsoft.com/office/powerpoint/2010/main" val="2795021949"/>
       </p:ext>
     </p:extLst>
   </p:cSld>
@@ -882,7 +881,7 @@
           <a:bodyPr/>
           <a:lstStyle/>
           <a:p>
-            <a:endParaRPr lang="de-DE"/>
+            <a:endParaRPr lang="de-DE" dirty="0"/>
           </a:p>
         </p:txBody>
       </p:sp>
@@ -903,16 +902,16 @@
           <a:p>
             <a:fld id="{2D6A0D67-EDAE-48EC-829F-B147F9799060}" type="slidenum">
               <a:rPr lang="de-DE" smtClean="0"/>
-              <a:t>15</a:t>
+              <a:t>16</a:t>
             </a:fld>
-            <a:endParaRPr lang="de-DE"/>
+            <a:endParaRPr lang="de-DE" dirty="0"/>
           </a:p>
         </p:txBody>
       </p:sp>
     </p:spTree>
     <p:extLst>
       <p:ext uri="{BB962C8B-B14F-4D97-AF65-F5344CB8AC3E}">
-        <p14:creationId xmlns:p14="http://schemas.microsoft.com/office/powerpoint/2010/main" val="2795021949"/>
+        <p14:creationId xmlns:p14="http://schemas.microsoft.com/office/powerpoint/2010/main" val="3900583526"/>
       </p:ext>
     </p:extLst>
   </p:cSld>
@@ -971,7 +970,7 @@
           <a:bodyPr/>
           <a:lstStyle/>
           <a:p>
-            <a:endParaRPr lang="de-DE" dirty="0"/>
+            <a:endParaRPr lang="de-DE"/>
           </a:p>
         </p:txBody>
       </p:sp>
@@ -994,14 +993,14 @@
               <a:rPr lang="de-DE" smtClean="0"/>
               <a:t>17</a:t>
             </a:fld>
-            <a:endParaRPr lang="de-DE" dirty="0"/>
+            <a:endParaRPr lang="de-DE"/>
           </a:p>
         </p:txBody>
       </p:sp>
     </p:spTree>
     <p:extLst>
       <p:ext uri="{BB962C8B-B14F-4D97-AF65-F5344CB8AC3E}">
-        <p14:creationId xmlns:p14="http://schemas.microsoft.com/office/powerpoint/2010/main" val="3900583526"/>
+        <p14:creationId xmlns:p14="http://schemas.microsoft.com/office/powerpoint/2010/main" val="447334487"/>
       </p:ext>
     </p:extLst>
   </p:cSld>
@@ -1090,7 +1089,7 @@
     </p:spTree>
     <p:extLst>
       <p:ext uri="{BB962C8B-B14F-4D97-AF65-F5344CB8AC3E}">
-        <p14:creationId xmlns:p14="http://schemas.microsoft.com/office/powerpoint/2010/main" val="447334487"/>
+        <p14:creationId xmlns:p14="http://schemas.microsoft.com/office/powerpoint/2010/main" val="953450021"/>
       </p:ext>
     </p:extLst>
   </p:cSld>
@@ -1179,7 +1178,7 @@
     </p:spTree>
     <p:extLst>
       <p:ext uri="{BB962C8B-B14F-4D97-AF65-F5344CB8AC3E}">
-        <p14:creationId xmlns:p14="http://schemas.microsoft.com/office/powerpoint/2010/main" val="953450021"/>
+        <p14:creationId xmlns:p14="http://schemas.microsoft.com/office/powerpoint/2010/main" val="2840433482"/>
       </p:ext>
     </p:extLst>
   </p:cSld>
@@ -1238,7 +1237,9 @@
           <a:bodyPr/>
           <a:lstStyle/>
           <a:p>
-            <a:endParaRPr lang="de-DE"/>
+            <a:endParaRPr lang="de-DE" dirty="0">
+              <a:latin typeface="Muli SemiBold" panose="00000700000000000000" pitchFamily="2" charset="0"/>
+            </a:endParaRPr>
           </a:p>
         </p:txBody>
       </p:sp>
@@ -1257,101 +1258,10 @@
           <a:bodyPr/>
           <a:lstStyle/>
           <a:p>
-            <a:fld id="{2D6A0D67-EDAE-48EC-829F-B147F9799060}" type="slidenum">
-              <a:rPr lang="de-DE" smtClean="0"/>
-              <a:t>20</a:t>
-            </a:fld>
-            <a:endParaRPr lang="de-DE"/>
-          </a:p>
-        </p:txBody>
-      </p:sp>
-    </p:spTree>
-    <p:extLst>
-      <p:ext uri="{BB962C8B-B14F-4D97-AF65-F5344CB8AC3E}">
-        <p14:creationId xmlns:p14="http://schemas.microsoft.com/office/powerpoint/2010/main" val="2840433482"/>
-      </p:ext>
-    </p:extLst>
-  </p:cSld>
-  <p:clrMapOvr>
-    <a:masterClrMapping/>
-  </p:clrMapOvr>
-</p:notes>
-</file>
-
-<file path=ppt/notesSlides/notesSlide16.xml><?xml version="1.0" encoding="utf-8"?>
-<p:notes xmlns:a="http://schemas.openxmlformats.org/drawingml/2006/main" xmlns:r="http://schemas.openxmlformats.org/officeDocument/2006/relationships" xmlns:p="http://schemas.openxmlformats.org/presentationml/2006/main">
-  <p:cSld>
-    <p:spTree>
-      <p:nvGrpSpPr>
-        <p:cNvPr id="1" name=""/>
-        <p:cNvGrpSpPr/>
-        <p:nvPr/>
-      </p:nvGrpSpPr>
-      <p:grpSpPr>
-        <a:xfrm>
-          <a:off x="0" y="0"/>
-          <a:ext cx="0" cy="0"/>
-          <a:chOff x="0" y="0"/>
-          <a:chExt cx="0" cy="0"/>
-        </a:xfrm>
-      </p:grpSpPr>
-      <p:sp>
-        <p:nvSpPr>
-          <p:cNvPr id="2" name="Folienbildplatzhalter 1"/>
-          <p:cNvSpPr>
-            <a:spLocks noGrp="1" noRot="1" noChangeAspect="1"/>
-          </p:cNvSpPr>
-          <p:nvPr>
-            <p:ph type="sldImg"/>
-          </p:nvPr>
-        </p:nvSpPr>
-        <p:spPr>
-          <a:xfrm>
-            <a:off x="511175" y="1049338"/>
-            <a:ext cx="5924550" cy="3333750"/>
-          </a:xfrm>
-        </p:spPr>
-      </p:sp>
-      <p:sp>
-        <p:nvSpPr>
-          <p:cNvPr id="3" name="Notizenplatzhalter 2"/>
-          <p:cNvSpPr>
-            <a:spLocks noGrp="1"/>
-          </p:cNvSpPr>
-          <p:nvPr>
-            <p:ph type="body" idx="1"/>
-          </p:nvPr>
-        </p:nvSpPr>
-        <p:spPr/>
-        <p:txBody>
-          <a:bodyPr/>
-          <a:lstStyle/>
-          <a:p>
-            <a:endParaRPr lang="de-DE" dirty="0">
-              <a:latin typeface="Muli SemiBold" panose="00000700000000000000" pitchFamily="2" charset="0"/>
-            </a:endParaRPr>
-          </a:p>
-        </p:txBody>
-      </p:sp>
-      <p:sp>
-        <p:nvSpPr>
-          <p:cNvPr id="4" name="Foliennummernplatzhalter 3"/>
-          <p:cNvSpPr>
-            <a:spLocks noGrp="1"/>
-          </p:cNvSpPr>
-          <p:nvPr>
-            <p:ph type="sldNum" sz="quarter" idx="10"/>
-          </p:nvPr>
-        </p:nvSpPr>
-        <p:spPr/>
-        <p:txBody>
-          <a:bodyPr/>
-          <a:lstStyle/>
-          <a:p>
             <a:fld id="{890D2026-B054-4C01-8473-47B83C1FFE3E}" type="slidenum">
               <a:rPr lang="de-DE" smtClean="0"/>
               <a:pPr/>
-              <a:t>21</a:t>
+              <a:t>20</a:t>
             </a:fld>
             <a:endParaRPr lang="de-DE"/>
           </a:p>
@@ -1707,7 +1617,7 @@
           <a:p>
             <a:fld id="{2D6A0D67-EDAE-48EC-829F-B147F9799060}" type="slidenum">
               <a:rPr lang="de-DE" smtClean="0"/>
-              <a:t>5</a:t>
+              <a:t>6</a:t>
             </a:fld>
             <a:endParaRPr lang="de-DE"/>
           </a:p>
@@ -1716,7 +1626,7 @@
     </p:spTree>
     <p:extLst>
       <p:ext uri="{BB962C8B-B14F-4D97-AF65-F5344CB8AC3E}">
-        <p14:creationId xmlns:p14="http://schemas.microsoft.com/office/powerpoint/2010/main" val="219333744"/>
+        <p14:creationId xmlns:p14="http://schemas.microsoft.com/office/powerpoint/2010/main" val="3161691168"/>
       </p:ext>
     </p:extLst>
   </p:cSld>
@@ -1796,7 +1706,7 @@
           <a:p>
             <a:fld id="{2D6A0D67-EDAE-48EC-829F-B147F9799060}" type="slidenum">
               <a:rPr lang="de-DE" smtClean="0"/>
-              <a:t>7</a:t>
+              <a:t>8</a:t>
             </a:fld>
             <a:endParaRPr lang="de-DE"/>
           </a:p>
@@ -1805,7 +1715,7 @@
     </p:spTree>
     <p:extLst>
       <p:ext uri="{BB962C8B-B14F-4D97-AF65-F5344CB8AC3E}">
-        <p14:creationId xmlns:p14="http://schemas.microsoft.com/office/powerpoint/2010/main" val="3161691168"/>
+        <p14:creationId xmlns:p14="http://schemas.microsoft.com/office/powerpoint/2010/main" val="2258795368"/>
       </p:ext>
     </p:extLst>
   </p:cSld>
@@ -1894,7 +1804,7 @@
     </p:spTree>
     <p:extLst>
       <p:ext uri="{BB962C8B-B14F-4D97-AF65-F5344CB8AC3E}">
-        <p14:creationId xmlns:p14="http://schemas.microsoft.com/office/powerpoint/2010/main" val="2258795368"/>
+        <p14:creationId xmlns:p14="http://schemas.microsoft.com/office/powerpoint/2010/main" val="2300688047"/>
       </p:ext>
     </p:extLst>
   </p:cSld>
@@ -1983,7 +1893,7 @@
     </p:spTree>
     <p:extLst>
       <p:ext uri="{BB962C8B-B14F-4D97-AF65-F5344CB8AC3E}">
-        <p14:creationId xmlns:p14="http://schemas.microsoft.com/office/powerpoint/2010/main" val="2300688047"/>
+        <p14:creationId xmlns:p14="http://schemas.microsoft.com/office/powerpoint/2010/main" val="3520414386"/>
       </p:ext>
     </p:extLst>
   </p:cSld>
@@ -2063,7 +1973,7 @@
           <a:p>
             <a:fld id="{2D6A0D67-EDAE-48EC-829F-B147F9799060}" type="slidenum">
               <a:rPr lang="de-DE" smtClean="0"/>
-              <a:t>11</a:t>
+              <a:t>13</a:t>
             </a:fld>
             <a:endParaRPr lang="de-DE"/>
           </a:p>
@@ -2072,7 +1982,7 @@
     </p:spTree>
     <p:extLst>
       <p:ext uri="{BB962C8B-B14F-4D97-AF65-F5344CB8AC3E}">
-        <p14:creationId xmlns:p14="http://schemas.microsoft.com/office/powerpoint/2010/main" val="3520414386"/>
+        <p14:creationId xmlns:p14="http://schemas.microsoft.com/office/powerpoint/2010/main" val="1569347426"/>
       </p:ext>
     </p:extLst>
   </p:cSld>
@@ -2418,7 +2328,7 @@
                 <a:cs typeface="Open Sans" panose="020B0606030504020204" pitchFamily="34" charset="0"/>
               </a:rPr>
               <a:pPr algn="r"/>
-              <a:t>Wednesday, February 22, 2023</a:t>
+              <a:t>Thursday, February 23, 2023</a:t>
             </a:fld>
             <a:endParaRPr lang="de-DE" sz="1000" dirty="0">
               <a:latin typeface="Open Sans" panose="020B0606030504020204" pitchFamily="34" charset="0"/>
@@ -4715,12 +4625,7 @@
             <p:ph type="ctrTitle"/>
           </p:nvPr>
         </p:nvSpPr>
-        <p:spPr>
-          <a:xfrm>
-            <a:off x="899063" y="2571749"/>
-            <a:ext cx="6840001" cy="762617"/>
-          </a:xfrm>
-        </p:spPr>
+        <p:spPr/>
         <p:txBody>
           <a:bodyPr/>
           <a:lstStyle/>
@@ -4743,12 +4648,7 @@
             <p:ph type="subTitle" idx="1"/>
           </p:nvPr>
         </p:nvSpPr>
-        <p:spPr>
-          <a:xfrm>
-            <a:off x="913698" y="3771153"/>
-            <a:ext cx="6840000" cy="324000"/>
-          </a:xfrm>
-        </p:spPr>
+        <p:spPr/>
         <p:txBody>
           <a:bodyPr/>
           <a:lstStyle/>
@@ -4774,10 +4674,18 @@
             <a:spLocks noGrp="1"/>
           </p:cNvSpPr>
           <p:nvPr>
-            <p:ph type="body" sz="quarter" idx="12"/>
+            <p:ph type="body" sz="quarter" idx="4294967295"/>
           </p:nvPr>
         </p:nvSpPr>
-        <p:spPr/>
+        <p:spPr>
+          <a:xfrm>
+            <a:off x="0" y="2206625"/>
+            <a:ext cx="4348163" cy="180975"/>
+          </a:xfrm>
+          <a:prstGeom prst="rect">
+            <a:avLst/>
+          </a:prstGeom>
+        </p:spPr>
         <p:txBody>
           <a:bodyPr/>
           <a:lstStyle/>
@@ -4803,10 +4711,18 @@
             <a:spLocks noGrp="1"/>
           </p:cNvSpPr>
           <p:nvPr>
-            <p:ph type="body" sz="quarter" idx="13"/>
+            <p:ph type="body" sz="quarter" idx="4294967295"/>
           </p:nvPr>
         </p:nvSpPr>
-        <p:spPr/>
+        <p:spPr>
+          <a:xfrm>
+            <a:off x="0" y="1951038"/>
+            <a:ext cx="4348163" cy="179387"/>
+          </a:xfrm>
+          <a:prstGeom prst="rect">
+            <a:avLst/>
+          </a:prstGeom>
+        </p:spPr>
         <p:txBody>
           <a:bodyPr/>
           <a:lstStyle/>
@@ -4865,2306 +4781,6 @@
           <a:lstStyle/>
           <a:p>
             <a:r>
-              <a:rPr lang="de-DE" noProof="0" dirty="0"/>
-              <a:t>Art von Algorithmen</a:t>
-            </a:r>
-          </a:p>
-        </p:txBody>
-      </p:sp>
-      <p:sp>
-        <p:nvSpPr>
-          <p:cNvPr id="36" name="Rechteck 35"/>
-          <p:cNvSpPr/>
-          <p:nvPr/>
-        </p:nvSpPr>
-        <p:spPr>
-          <a:xfrm>
-            <a:off x="680407" y="2945044"/>
-            <a:ext cx="2874955" cy="1274060"/>
-          </a:xfrm>
-          <a:prstGeom prst="rect">
-            <a:avLst/>
-          </a:prstGeom>
-          <a:solidFill>
-            <a:schemeClr val="accent3">
-              <a:lumMod val="20000"/>
-              <a:lumOff val="80000"/>
-            </a:schemeClr>
-          </a:solidFill>
-          <a:ln w="15875">
-            <a:noFill/>
-          </a:ln>
-        </p:spPr>
-        <p:style>
-          <a:lnRef idx="2">
-            <a:schemeClr val="accent1">
-              <a:shade val="50000"/>
-            </a:schemeClr>
-          </a:lnRef>
-          <a:fillRef idx="1">
-            <a:schemeClr val="accent1"/>
-          </a:fillRef>
-          <a:effectRef idx="0">
-            <a:schemeClr val="accent1"/>
-          </a:effectRef>
-          <a:fontRef idx="minor">
-            <a:schemeClr val="lt1"/>
-          </a:fontRef>
-        </p:style>
-        <p:txBody>
-          <a:bodyPr rtlCol="0" anchor="ctr"/>
-          <a:lstStyle/>
-          <a:p>
-            <a:pPr algn="ctr"/>
-            <a:endParaRPr lang="de-DE" sz="1200" dirty="0">
-              <a:solidFill>
-                <a:schemeClr val="bg1"/>
-              </a:solidFill>
-              <a:latin typeface="Muli" panose="00000500000000000000" pitchFamily="2" charset="0"/>
-            </a:endParaRPr>
-          </a:p>
-        </p:txBody>
-      </p:sp>
-      <p:sp>
-        <p:nvSpPr>
-          <p:cNvPr id="14" name="Textfeld 13"/>
-          <p:cNvSpPr txBox="1"/>
-          <p:nvPr/>
-        </p:nvSpPr>
-        <p:spPr>
-          <a:xfrm>
-            <a:off x="676424" y="2964722"/>
-            <a:ext cx="2874955" cy="1183081"/>
-          </a:xfrm>
-          <a:prstGeom prst="rect">
-            <a:avLst/>
-          </a:prstGeom>
-          <a:solidFill>
-            <a:schemeClr val="accent3">
-              <a:lumMod val="20000"/>
-              <a:lumOff val="80000"/>
-            </a:schemeClr>
-          </a:solidFill>
-        </p:spPr>
-        <p:txBody>
-          <a:bodyPr wrap="square" rtlCol="0">
-            <a:spAutoFit/>
-          </a:bodyPr>
-          <a:lstStyle/>
-          <a:p>
-            <a:pPr algn="ctr"/>
-            <a:r>
-              <a:rPr lang="de-DE" sz="1200" dirty="0">
-                <a:solidFill>
-                  <a:srgbClr val="555555"/>
-                </a:solidFill>
-                <a:latin typeface="Muli" panose="00000500000000000000" pitchFamily="2" charset="0"/>
-              </a:rPr>
-              <a:t>Synonyms/Homonyms</a:t>
-            </a:r>
-          </a:p>
-          <a:p>
-            <a:pPr algn="ctr"/>
-            <a:endParaRPr lang="de-DE" sz="788" dirty="0">
-              <a:solidFill>
-                <a:srgbClr val="555555"/>
-              </a:solidFill>
-              <a:latin typeface="Muli" panose="00000500000000000000" pitchFamily="2" charset="0"/>
-            </a:endParaRPr>
-          </a:p>
-          <a:p>
-            <a:pPr algn="ctr"/>
-            <a:r>
-              <a:rPr lang="de-DE" sz="1200" dirty="0" err="1">
-                <a:solidFill>
-                  <a:srgbClr val="555555"/>
-                </a:solidFill>
-                <a:latin typeface="Muli" panose="00000500000000000000" pitchFamily="2" charset="0"/>
-              </a:rPr>
-              <a:t>Mappings</a:t>
-            </a:r>
-            <a:endParaRPr lang="de-DE" sz="1200" dirty="0">
-              <a:solidFill>
-                <a:srgbClr val="555555"/>
-              </a:solidFill>
-              <a:latin typeface="Muli" panose="00000500000000000000" pitchFamily="2" charset="0"/>
-            </a:endParaRPr>
-          </a:p>
-          <a:p>
-            <a:pPr algn="ctr"/>
-            <a:endParaRPr lang="de-DE" sz="750" dirty="0">
-              <a:solidFill>
-                <a:srgbClr val="555555"/>
-              </a:solidFill>
-              <a:latin typeface="Muli" panose="00000500000000000000" pitchFamily="2" charset="0"/>
-            </a:endParaRPr>
-          </a:p>
-          <a:p>
-            <a:pPr algn="ctr"/>
-            <a:r>
-              <a:rPr lang="de-DE" sz="1200" dirty="0">
-                <a:solidFill>
-                  <a:srgbClr val="555555"/>
-                </a:solidFill>
-                <a:latin typeface="Muli" panose="00000500000000000000" pitchFamily="2" charset="0"/>
-              </a:rPr>
-              <a:t>Union </a:t>
-            </a:r>
-            <a:r>
-              <a:rPr lang="de-DE" sz="1200" dirty="0" err="1">
-                <a:solidFill>
-                  <a:srgbClr val="555555"/>
-                </a:solidFill>
-                <a:latin typeface="Muli" panose="00000500000000000000" pitchFamily="2" charset="0"/>
-              </a:rPr>
-              <a:t>Types</a:t>
-            </a:r>
-            <a:endParaRPr lang="de-DE" sz="1200" dirty="0">
-              <a:solidFill>
-                <a:srgbClr val="555555"/>
-              </a:solidFill>
-              <a:latin typeface="Muli" panose="00000500000000000000" pitchFamily="2" charset="0"/>
-            </a:endParaRPr>
-          </a:p>
-          <a:p>
-            <a:pPr algn="ctr"/>
-            <a:endParaRPr lang="de-DE" sz="750" dirty="0">
-              <a:solidFill>
-                <a:srgbClr val="555555"/>
-              </a:solidFill>
-              <a:latin typeface="Muli" panose="00000500000000000000" pitchFamily="2" charset="0"/>
-            </a:endParaRPr>
-          </a:p>
-          <a:p>
-            <a:pPr algn="ctr"/>
-            <a:r>
-              <a:rPr lang="de-DE" sz="1200" dirty="0">
-                <a:solidFill>
-                  <a:srgbClr val="555555"/>
-                </a:solidFill>
-                <a:latin typeface="Muli" panose="00000500000000000000" pitchFamily="2" charset="0"/>
-              </a:rPr>
-              <a:t>Language </a:t>
-            </a:r>
-            <a:r>
-              <a:rPr lang="de-DE" sz="1200" dirty="0" err="1">
-                <a:solidFill>
-                  <a:srgbClr val="555555"/>
-                </a:solidFill>
-                <a:latin typeface="Muli" panose="00000500000000000000" pitchFamily="2" charset="0"/>
-              </a:rPr>
-              <a:t>Expressions</a:t>
-            </a:r>
-            <a:endParaRPr lang="de-DE" sz="1200" dirty="0">
-              <a:solidFill>
-                <a:srgbClr val="555555"/>
-              </a:solidFill>
-              <a:latin typeface="Muli" panose="00000500000000000000" pitchFamily="2" charset="0"/>
-            </a:endParaRPr>
-          </a:p>
-        </p:txBody>
-      </p:sp>
-      <p:sp>
-        <p:nvSpPr>
-          <p:cNvPr id="37" name="Rechteck 36"/>
-          <p:cNvSpPr/>
-          <p:nvPr/>
-        </p:nvSpPr>
-        <p:spPr>
-          <a:xfrm>
-            <a:off x="3641123" y="2945044"/>
-            <a:ext cx="1952368" cy="1274061"/>
-          </a:xfrm>
-          <a:prstGeom prst="rect">
-            <a:avLst/>
-          </a:prstGeom>
-          <a:solidFill>
-            <a:schemeClr val="accent3">
-              <a:lumMod val="20000"/>
-              <a:lumOff val="80000"/>
-            </a:schemeClr>
-          </a:solidFill>
-          <a:ln w="15875">
-            <a:noFill/>
-          </a:ln>
-        </p:spPr>
-        <p:style>
-          <a:lnRef idx="2">
-            <a:schemeClr val="accent1">
-              <a:shade val="50000"/>
-            </a:schemeClr>
-          </a:lnRef>
-          <a:fillRef idx="1">
-            <a:schemeClr val="accent1"/>
-          </a:fillRef>
-          <a:effectRef idx="0">
-            <a:schemeClr val="accent1"/>
-          </a:effectRef>
-          <a:fontRef idx="minor">
-            <a:schemeClr val="lt1"/>
-          </a:fontRef>
-        </p:style>
-        <p:txBody>
-          <a:bodyPr rtlCol="0" anchor="ctr"/>
-          <a:lstStyle/>
-          <a:p>
-            <a:pPr algn="ctr"/>
-            <a:endParaRPr lang="de-DE" sz="1200" dirty="0">
-              <a:solidFill>
-                <a:schemeClr val="bg1"/>
-              </a:solidFill>
-              <a:latin typeface="Muli" panose="00000500000000000000" pitchFamily="2" charset="0"/>
-            </a:endParaRPr>
-          </a:p>
-        </p:txBody>
-      </p:sp>
-      <p:sp>
-        <p:nvSpPr>
-          <p:cNvPr id="19" name="Textfeld 18"/>
-          <p:cNvSpPr txBox="1"/>
-          <p:nvPr/>
-        </p:nvSpPr>
-        <p:spPr>
-          <a:xfrm>
-            <a:off x="3641122" y="2964722"/>
-            <a:ext cx="1952367" cy="1015663"/>
-          </a:xfrm>
-          <a:prstGeom prst="rect">
-            <a:avLst/>
-          </a:prstGeom>
-          <a:solidFill>
-            <a:schemeClr val="accent3">
-              <a:lumMod val="20000"/>
-              <a:lumOff val="80000"/>
-            </a:schemeClr>
-          </a:solidFill>
-        </p:spPr>
-        <p:txBody>
-          <a:bodyPr wrap="square" rtlCol="0">
-            <a:spAutoFit/>
-          </a:bodyPr>
-          <a:lstStyle/>
-          <a:p>
-            <a:pPr algn="ctr"/>
-            <a:r>
-              <a:rPr lang="de-DE" sz="1200" dirty="0">
-                <a:solidFill>
-                  <a:srgbClr val="555555"/>
-                </a:solidFill>
-                <a:latin typeface="Muli" panose="00000500000000000000" pitchFamily="2" charset="0"/>
-              </a:rPr>
-              <a:t>Null Values</a:t>
-            </a:r>
-          </a:p>
-          <a:p>
-            <a:pPr algn="ctr"/>
-            <a:endParaRPr lang="de-DE" sz="1200" dirty="0">
-              <a:solidFill>
-                <a:srgbClr val="555555"/>
-              </a:solidFill>
-              <a:latin typeface="Muli" panose="00000500000000000000" pitchFamily="2" charset="0"/>
-            </a:endParaRPr>
-          </a:p>
-          <a:p>
-            <a:pPr algn="ctr"/>
-            <a:r>
-              <a:rPr lang="de-DE" sz="1200" dirty="0">
-                <a:solidFill>
-                  <a:srgbClr val="555555"/>
-                </a:solidFill>
-                <a:latin typeface="Muli" panose="00000500000000000000" pitchFamily="2" charset="0"/>
-              </a:rPr>
-              <a:t>Virtual Columns</a:t>
-            </a:r>
-          </a:p>
-          <a:p>
-            <a:pPr algn="ctr"/>
-            <a:endParaRPr lang="de-DE" sz="1200" dirty="0">
-              <a:solidFill>
-                <a:srgbClr val="555555"/>
-              </a:solidFill>
-              <a:latin typeface="Muli" panose="00000500000000000000" pitchFamily="2" charset="0"/>
-            </a:endParaRPr>
-          </a:p>
-          <a:p>
-            <a:pPr algn="ctr"/>
-            <a:r>
-              <a:rPr lang="de-DE" sz="1200" dirty="0" err="1">
-                <a:solidFill>
-                  <a:srgbClr val="555555"/>
-                </a:solidFill>
-                <a:latin typeface="Muli" panose="00000500000000000000" pitchFamily="2" charset="0"/>
-              </a:rPr>
-              <a:t>Semantic</a:t>
-            </a:r>
-            <a:r>
-              <a:rPr lang="de-DE" sz="1200" dirty="0">
-                <a:solidFill>
-                  <a:srgbClr val="555555"/>
-                </a:solidFill>
-                <a:latin typeface="Muli" panose="00000500000000000000" pitchFamily="2" charset="0"/>
-              </a:rPr>
-              <a:t> </a:t>
-            </a:r>
-            <a:r>
-              <a:rPr lang="de-DE" sz="1200" dirty="0" err="1">
-                <a:solidFill>
-                  <a:srgbClr val="555555"/>
-                </a:solidFill>
-                <a:latin typeface="Muli" panose="00000500000000000000" pitchFamily="2" charset="0"/>
-              </a:rPr>
-              <a:t>Incompatibility</a:t>
-            </a:r>
-            <a:endParaRPr lang="de-DE" sz="1200" dirty="0">
-              <a:solidFill>
-                <a:srgbClr val="555555"/>
-              </a:solidFill>
-              <a:latin typeface="Muli" panose="00000500000000000000" pitchFamily="2" charset="0"/>
-            </a:endParaRPr>
-          </a:p>
-        </p:txBody>
-      </p:sp>
-      <p:sp>
-        <p:nvSpPr>
-          <p:cNvPr id="33" name="Rechteck 32"/>
-          <p:cNvSpPr/>
-          <p:nvPr/>
-        </p:nvSpPr>
-        <p:spPr>
-          <a:xfrm>
-            <a:off x="5679250" y="2945043"/>
-            <a:ext cx="2877894" cy="1274062"/>
-          </a:xfrm>
-          <a:prstGeom prst="rect">
-            <a:avLst/>
-          </a:prstGeom>
-          <a:solidFill>
-            <a:schemeClr val="accent4">
-              <a:lumMod val="20000"/>
-              <a:lumOff val="80000"/>
-            </a:schemeClr>
-          </a:solidFill>
-          <a:ln w="15875">
-            <a:noFill/>
-          </a:ln>
-        </p:spPr>
-        <p:style>
-          <a:lnRef idx="2">
-            <a:schemeClr val="accent1">
-              <a:shade val="50000"/>
-            </a:schemeClr>
-          </a:lnRef>
-          <a:fillRef idx="1">
-            <a:schemeClr val="accent1"/>
-          </a:fillRef>
-          <a:effectRef idx="0">
-            <a:schemeClr val="accent1"/>
-          </a:effectRef>
-          <a:fontRef idx="minor">
-            <a:schemeClr val="lt1"/>
-          </a:fontRef>
-        </p:style>
-        <p:txBody>
-          <a:bodyPr rtlCol="0" anchor="ctr"/>
-          <a:lstStyle/>
-          <a:p>
-            <a:pPr algn="ctr"/>
-            <a:endParaRPr lang="de-DE" sz="1200" dirty="0">
-              <a:solidFill>
-                <a:schemeClr val="bg1"/>
-              </a:solidFill>
-              <a:latin typeface="+mj-lt"/>
-            </a:endParaRPr>
-          </a:p>
-        </p:txBody>
-      </p:sp>
-      <p:sp>
-        <p:nvSpPr>
-          <p:cNvPr id="22" name="Textfeld 21"/>
-          <p:cNvSpPr txBox="1"/>
-          <p:nvPr/>
-        </p:nvSpPr>
-        <p:spPr>
-          <a:xfrm>
-            <a:off x="5675267" y="2964722"/>
-            <a:ext cx="2874955" cy="646331"/>
-          </a:xfrm>
-          <a:prstGeom prst="rect">
-            <a:avLst/>
-          </a:prstGeom>
-          <a:noFill/>
-        </p:spPr>
-        <p:txBody>
-          <a:bodyPr wrap="square" rtlCol="0">
-            <a:spAutoFit/>
-          </a:bodyPr>
-          <a:lstStyle/>
-          <a:p>
-            <a:pPr algn="ctr"/>
-            <a:r>
-              <a:rPr lang="de-DE" sz="1200" dirty="0">
-                <a:solidFill>
-                  <a:srgbClr val="555555"/>
-                </a:solidFill>
-                <a:latin typeface="+mj-lt"/>
-              </a:rPr>
-              <a:t>Same </a:t>
-            </a:r>
-            <a:r>
-              <a:rPr lang="de-DE" sz="1200" dirty="0" err="1">
-                <a:solidFill>
-                  <a:srgbClr val="555555"/>
-                </a:solidFill>
-                <a:latin typeface="+mj-lt"/>
-              </a:rPr>
-              <a:t>attribute</a:t>
-            </a:r>
-            <a:r>
-              <a:rPr lang="de-DE" sz="1200" dirty="0">
-                <a:solidFill>
-                  <a:srgbClr val="555555"/>
-                </a:solidFill>
-                <a:latin typeface="+mj-lt"/>
-              </a:rPr>
-              <a:t> in different </a:t>
-            </a:r>
-            <a:r>
-              <a:rPr lang="de-DE" sz="1200" dirty="0" err="1">
-                <a:solidFill>
-                  <a:srgbClr val="555555"/>
-                </a:solidFill>
-                <a:latin typeface="+mj-lt"/>
-              </a:rPr>
-              <a:t>structures</a:t>
-            </a:r>
-            <a:endParaRPr lang="de-DE" sz="1200" dirty="0">
-              <a:solidFill>
-                <a:srgbClr val="555555"/>
-              </a:solidFill>
-              <a:latin typeface="+mj-lt"/>
-            </a:endParaRPr>
-          </a:p>
-          <a:p>
-            <a:pPr algn="ctr"/>
-            <a:endParaRPr lang="de-DE" sz="1200" dirty="0">
-              <a:solidFill>
-                <a:srgbClr val="555555"/>
-              </a:solidFill>
-              <a:latin typeface="+mj-lt"/>
-            </a:endParaRPr>
-          </a:p>
-          <a:p>
-            <a:pPr algn="ctr"/>
-            <a:r>
-              <a:rPr lang="de-DE" sz="1200" dirty="0">
-                <a:solidFill>
-                  <a:srgbClr val="555555"/>
-                </a:solidFill>
-                <a:latin typeface="+mj-lt"/>
-              </a:rPr>
-              <a:t>Handling Sets</a:t>
-            </a:r>
-          </a:p>
-        </p:txBody>
-      </p:sp>
-      <p:sp>
-        <p:nvSpPr>
-          <p:cNvPr id="29" name="Textfeld 28"/>
-          <p:cNvSpPr txBox="1"/>
-          <p:nvPr/>
-        </p:nvSpPr>
-        <p:spPr>
-          <a:xfrm>
-            <a:off x="1376655" y="4271552"/>
-            <a:ext cx="6819694" cy="323165"/>
-          </a:xfrm>
-          <a:prstGeom prst="rect">
-            <a:avLst/>
-          </a:prstGeom>
-          <a:noFill/>
-        </p:spPr>
-        <p:txBody>
-          <a:bodyPr wrap="square" rtlCol="0">
-            <a:spAutoFit/>
-          </a:bodyPr>
-          <a:lstStyle/>
-          <a:p>
-            <a:r>
-              <a:rPr lang="de-DE" sz="750" dirty="0">
-                <a:solidFill>
-                  <a:srgbClr val="555555"/>
-                </a:solidFill>
-                <a:latin typeface="Muli" panose="00000500000000000000" pitchFamily="2" charset="0"/>
-              </a:rPr>
-              <a:t>[Joachim Hammer, Mike </a:t>
-            </a:r>
-            <a:r>
-              <a:rPr lang="de-DE" sz="750" dirty="0" err="1">
-                <a:solidFill>
-                  <a:srgbClr val="555555"/>
-                </a:solidFill>
-                <a:latin typeface="Muli" panose="00000500000000000000" pitchFamily="2" charset="0"/>
-              </a:rPr>
-              <a:t>Stonebraker</a:t>
-            </a:r>
-            <a:r>
-              <a:rPr lang="de-DE" sz="750" dirty="0">
-                <a:solidFill>
-                  <a:srgbClr val="555555"/>
-                </a:solidFill>
-                <a:latin typeface="Muli" panose="00000500000000000000" pitchFamily="2" charset="0"/>
-              </a:rPr>
-              <a:t>, </a:t>
-            </a:r>
-            <a:r>
-              <a:rPr lang="de-DE" sz="750" dirty="0" err="1">
-                <a:solidFill>
-                  <a:srgbClr val="555555"/>
-                </a:solidFill>
-                <a:latin typeface="Muli" panose="00000500000000000000" pitchFamily="2" charset="0"/>
-              </a:rPr>
-              <a:t>Oguzhan</a:t>
-            </a:r>
-            <a:r>
-              <a:rPr lang="de-DE" sz="750" dirty="0">
-                <a:solidFill>
-                  <a:srgbClr val="555555"/>
-                </a:solidFill>
-                <a:latin typeface="Muli" panose="00000500000000000000" pitchFamily="2" charset="0"/>
-              </a:rPr>
-              <a:t> </a:t>
-            </a:r>
-            <a:r>
-              <a:rPr lang="de-DE" sz="750" dirty="0" err="1">
-                <a:solidFill>
-                  <a:srgbClr val="555555"/>
-                </a:solidFill>
-                <a:latin typeface="Muli" panose="00000500000000000000" pitchFamily="2" charset="0"/>
-              </a:rPr>
-              <a:t>Topsakal</a:t>
-            </a:r>
-            <a:r>
-              <a:rPr lang="de-DE" sz="750" dirty="0">
-                <a:solidFill>
-                  <a:srgbClr val="555555"/>
-                </a:solidFill>
-                <a:latin typeface="Muli" panose="00000500000000000000" pitchFamily="2" charset="0"/>
-              </a:rPr>
-              <a:t> : </a:t>
-            </a:r>
-            <a:r>
-              <a:rPr lang="en-US" sz="750" dirty="0">
-                <a:solidFill>
-                  <a:srgbClr val="555555"/>
-                </a:solidFill>
-                <a:latin typeface="Muli" panose="00000500000000000000" pitchFamily="2" charset="0"/>
-              </a:rPr>
-              <a:t>THALIA: Test Harness for the Assessment of Legacy Information </a:t>
-            </a:r>
-            <a:r>
-              <a:rPr lang="de-DE" sz="750" dirty="0">
-                <a:solidFill>
-                  <a:srgbClr val="555555"/>
-                </a:solidFill>
-                <a:latin typeface="Muli" panose="00000500000000000000" pitchFamily="2" charset="0"/>
-              </a:rPr>
-              <a:t>Integration Approaches, </a:t>
-            </a:r>
-            <a:r>
-              <a:rPr lang="de-DE" sz="750" dirty="0" err="1">
-                <a:solidFill>
-                  <a:srgbClr val="555555"/>
-                </a:solidFill>
-                <a:latin typeface="Muli" panose="00000500000000000000" pitchFamily="2" charset="0"/>
-              </a:rPr>
-              <a:t>technical</a:t>
-            </a:r>
-            <a:r>
-              <a:rPr lang="de-DE" sz="750" dirty="0">
-                <a:solidFill>
-                  <a:srgbClr val="555555"/>
-                </a:solidFill>
-                <a:latin typeface="Muli" panose="00000500000000000000" pitchFamily="2" charset="0"/>
-              </a:rPr>
-              <a:t> </a:t>
-            </a:r>
-            <a:r>
-              <a:rPr lang="de-DE" sz="750" dirty="0" err="1">
-                <a:solidFill>
-                  <a:srgbClr val="555555"/>
-                </a:solidFill>
-                <a:latin typeface="Muli" panose="00000500000000000000" pitchFamily="2" charset="0"/>
-              </a:rPr>
-              <a:t>report</a:t>
-            </a:r>
-            <a:r>
-              <a:rPr lang="de-DE" sz="750" dirty="0">
-                <a:solidFill>
-                  <a:srgbClr val="555555"/>
-                </a:solidFill>
-                <a:latin typeface="Muli" panose="00000500000000000000" pitchFamily="2" charset="0"/>
-              </a:rPr>
-              <a:t>, 2004]</a:t>
-            </a:r>
-          </a:p>
-        </p:txBody>
-      </p:sp>
-      <p:sp>
-        <p:nvSpPr>
-          <p:cNvPr id="4" name="Rechteck 3"/>
-          <p:cNvSpPr/>
-          <p:nvPr/>
-        </p:nvSpPr>
-        <p:spPr>
-          <a:xfrm>
-            <a:off x="676424" y="1313722"/>
-            <a:ext cx="7877370" cy="468000"/>
-          </a:xfrm>
-          <a:prstGeom prst="rect">
-            <a:avLst/>
-          </a:prstGeom>
-          <a:solidFill>
-            <a:srgbClr val="01305D"/>
-          </a:solidFill>
-          <a:ln w="15875">
-            <a:solidFill>
-              <a:schemeClr val="bg2">
-                <a:lumMod val="10000"/>
-              </a:schemeClr>
-            </a:solidFill>
-          </a:ln>
-        </p:spPr>
-        <p:style>
-          <a:lnRef idx="2">
-            <a:schemeClr val="accent1">
-              <a:shade val="50000"/>
-            </a:schemeClr>
-          </a:lnRef>
-          <a:fillRef idx="1">
-            <a:schemeClr val="accent1"/>
-          </a:fillRef>
-          <a:effectRef idx="0">
-            <a:schemeClr val="accent1"/>
-          </a:effectRef>
-          <a:fontRef idx="minor">
-            <a:schemeClr val="lt1"/>
-          </a:fontRef>
-        </p:style>
-        <p:txBody>
-          <a:bodyPr rtlCol="0" anchor="ctr"/>
-          <a:lstStyle/>
-          <a:p>
-            <a:pPr algn="ctr"/>
-            <a:r>
-              <a:rPr lang="de-DE" altLang="ko-KR" sz="1800" dirty="0">
-                <a:solidFill>
-                  <a:schemeClr val="bg1"/>
-                </a:solidFill>
-                <a:latin typeface="Muli SemiBold" panose="00000700000000000000" pitchFamily="2" charset="0"/>
-              </a:rPr>
-              <a:t>Algorithmen für </a:t>
-            </a:r>
-            <a:r>
-              <a:rPr lang="de-DE" altLang="ko-KR" sz="1800" dirty="0" err="1">
-                <a:solidFill>
-                  <a:schemeClr val="bg1"/>
-                </a:solidFill>
-                <a:latin typeface="Muli SemiBold" panose="00000700000000000000" pitchFamily="2" charset="0"/>
-              </a:rPr>
-              <a:t>Ausreißererkennung</a:t>
-            </a:r>
-            <a:endParaRPr lang="de-DE" sz="1013" dirty="0">
-              <a:solidFill>
-                <a:schemeClr val="bg1"/>
-              </a:solidFill>
-              <a:latin typeface="Muli SemiBold" panose="00000700000000000000" pitchFamily="2" charset="0"/>
-            </a:endParaRPr>
-          </a:p>
-        </p:txBody>
-      </p:sp>
-      <p:sp>
-        <p:nvSpPr>
-          <p:cNvPr id="31" name="Rechteck 30"/>
-          <p:cNvSpPr/>
-          <p:nvPr/>
-        </p:nvSpPr>
-        <p:spPr>
-          <a:xfrm>
-            <a:off x="676424" y="1843104"/>
-            <a:ext cx="2882322" cy="468000"/>
-          </a:xfrm>
-          <a:prstGeom prst="rect">
-            <a:avLst/>
-          </a:prstGeom>
-          <a:solidFill>
-            <a:srgbClr val="6494BC"/>
-          </a:solidFill>
-          <a:ln w="15875">
-            <a:solidFill>
-              <a:schemeClr val="accent3">
-                <a:lumMod val="50000"/>
-              </a:schemeClr>
-            </a:solidFill>
-          </a:ln>
-        </p:spPr>
-        <p:style>
-          <a:lnRef idx="2">
-            <a:schemeClr val="accent1">
-              <a:shade val="50000"/>
-            </a:schemeClr>
-          </a:lnRef>
-          <a:fillRef idx="1">
-            <a:schemeClr val="accent1"/>
-          </a:fillRef>
-          <a:effectRef idx="0">
-            <a:schemeClr val="accent1"/>
-          </a:effectRef>
-          <a:fontRef idx="minor">
-            <a:schemeClr val="lt1"/>
-          </a:fontRef>
-        </p:style>
-        <p:txBody>
-          <a:bodyPr rtlCol="0" anchor="ctr"/>
-          <a:lstStyle/>
-          <a:p>
-            <a:pPr algn="ctr"/>
-            <a:r>
-              <a:rPr lang="de-DE" sz="1500" dirty="0">
-                <a:solidFill>
-                  <a:schemeClr val="tx1"/>
-                </a:solidFill>
-                <a:latin typeface="Muli SemiBold" panose="00000700000000000000" pitchFamily="2" charset="0"/>
-              </a:rPr>
-              <a:t>Statistikbasiert</a:t>
-            </a:r>
-            <a:endParaRPr lang="de-DE" sz="1200" dirty="0">
-              <a:solidFill>
-                <a:schemeClr val="tx1"/>
-              </a:solidFill>
-              <a:latin typeface="Muli SemiBold" panose="00000700000000000000" pitchFamily="2" charset="0"/>
-            </a:endParaRPr>
-          </a:p>
-        </p:txBody>
-      </p:sp>
-      <p:sp>
-        <p:nvSpPr>
-          <p:cNvPr id="32" name="Rechteck 31"/>
-          <p:cNvSpPr/>
-          <p:nvPr/>
-        </p:nvSpPr>
-        <p:spPr>
-          <a:xfrm>
-            <a:off x="5675870" y="1843104"/>
-            <a:ext cx="2881274" cy="468000"/>
-          </a:xfrm>
-          <a:prstGeom prst="rect">
-            <a:avLst/>
-          </a:prstGeom>
-          <a:solidFill>
-            <a:schemeClr val="accent4">
-              <a:lumMod val="60000"/>
-              <a:lumOff val="40000"/>
-            </a:schemeClr>
-          </a:solidFill>
-          <a:ln w="15875">
-            <a:solidFill>
-              <a:schemeClr val="accent4"/>
-            </a:solidFill>
-          </a:ln>
-        </p:spPr>
-        <p:style>
-          <a:lnRef idx="2">
-            <a:schemeClr val="accent1">
-              <a:shade val="50000"/>
-            </a:schemeClr>
-          </a:lnRef>
-          <a:fillRef idx="1">
-            <a:schemeClr val="accent1"/>
-          </a:fillRef>
-          <a:effectRef idx="0">
-            <a:schemeClr val="accent1"/>
-          </a:effectRef>
-          <a:fontRef idx="minor">
-            <a:schemeClr val="lt1"/>
-          </a:fontRef>
-        </p:style>
-        <p:txBody>
-          <a:bodyPr rtlCol="0" anchor="ctr"/>
-          <a:lstStyle/>
-          <a:p>
-            <a:pPr algn="ctr"/>
-            <a:r>
-              <a:rPr lang="de-DE" sz="1500" dirty="0">
-                <a:solidFill>
-                  <a:schemeClr val="tx1"/>
-                </a:solidFill>
-                <a:latin typeface="Muli SemiBold" panose="00000700000000000000" pitchFamily="2" charset="0"/>
-              </a:rPr>
-              <a:t>Dichtebasiert</a:t>
-            </a:r>
-            <a:endParaRPr lang="de-DE" sz="1200" dirty="0">
-              <a:solidFill>
-                <a:schemeClr val="tx1"/>
-              </a:solidFill>
-              <a:latin typeface="Muli SemiBold" panose="00000700000000000000" pitchFamily="2" charset="0"/>
-            </a:endParaRPr>
-          </a:p>
-        </p:txBody>
-      </p:sp>
-      <p:sp>
-        <p:nvSpPr>
-          <p:cNvPr id="35" name="Rechteck 34"/>
-          <p:cNvSpPr/>
-          <p:nvPr/>
-        </p:nvSpPr>
-        <p:spPr>
-          <a:xfrm>
-            <a:off x="3641123" y="2405044"/>
-            <a:ext cx="1952368" cy="468000"/>
-          </a:xfrm>
-          <a:prstGeom prst="rect">
-            <a:avLst/>
-          </a:prstGeom>
-          <a:solidFill>
-            <a:schemeClr val="accent3">
-              <a:lumMod val="40000"/>
-              <a:lumOff val="60000"/>
-            </a:schemeClr>
-          </a:solidFill>
-          <a:ln w="15875">
-            <a:solidFill>
-              <a:schemeClr val="accent3">
-                <a:lumMod val="75000"/>
-              </a:schemeClr>
-            </a:solidFill>
-          </a:ln>
-        </p:spPr>
-        <p:style>
-          <a:lnRef idx="2">
-            <a:schemeClr val="accent1">
-              <a:shade val="50000"/>
-            </a:schemeClr>
-          </a:lnRef>
-          <a:fillRef idx="1">
-            <a:schemeClr val="accent1"/>
-          </a:fillRef>
-          <a:effectRef idx="0">
-            <a:schemeClr val="accent1"/>
-          </a:effectRef>
-          <a:fontRef idx="minor">
-            <a:schemeClr val="lt1"/>
-          </a:fontRef>
-        </p:style>
-        <p:txBody>
-          <a:bodyPr rtlCol="0" anchor="ctr"/>
-          <a:lstStyle/>
-          <a:p>
-            <a:pPr algn="ctr"/>
-            <a:r>
-              <a:rPr lang="de-DE" sz="1200" dirty="0">
-                <a:solidFill>
-                  <a:schemeClr val="tx1"/>
-                </a:solidFill>
-                <a:latin typeface="Muli SemiBold" panose="00000700000000000000" pitchFamily="2" charset="0"/>
-              </a:rPr>
-              <a:t>K-</a:t>
-            </a:r>
-            <a:r>
-              <a:rPr lang="de-DE" sz="1200" dirty="0" err="1">
-                <a:solidFill>
-                  <a:schemeClr val="tx1"/>
-                </a:solidFill>
-                <a:latin typeface="Muli SemiBold" panose="00000700000000000000" pitchFamily="2" charset="0"/>
-              </a:rPr>
-              <a:t>Means</a:t>
-            </a:r>
-            <a:r>
-              <a:rPr lang="de-DE" sz="1200" dirty="0">
-                <a:solidFill>
-                  <a:schemeClr val="tx1"/>
-                </a:solidFill>
-                <a:latin typeface="Muli SemiBold" panose="00000700000000000000" pitchFamily="2" charset="0"/>
-              </a:rPr>
-              <a:t> Clustering</a:t>
-            </a:r>
-            <a:endParaRPr lang="de-DE" sz="1800" dirty="0">
-              <a:solidFill>
-                <a:schemeClr val="tx1"/>
-              </a:solidFill>
-              <a:latin typeface="Muli SemiBold" panose="00000700000000000000" pitchFamily="2" charset="0"/>
-            </a:endParaRPr>
-          </a:p>
-        </p:txBody>
-      </p:sp>
-      <p:sp>
-        <p:nvSpPr>
-          <p:cNvPr id="21" name="Rechteck 20"/>
-          <p:cNvSpPr/>
-          <p:nvPr/>
-        </p:nvSpPr>
-        <p:spPr>
-          <a:xfrm>
-            <a:off x="676424" y="2405044"/>
-            <a:ext cx="1440700" cy="468000"/>
-          </a:xfrm>
-          <a:prstGeom prst="rect">
-            <a:avLst/>
-          </a:prstGeom>
-          <a:solidFill>
-            <a:srgbClr val="6494BC"/>
-          </a:solidFill>
-          <a:ln w="15875">
-            <a:solidFill>
-              <a:schemeClr val="accent3">
-                <a:lumMod val="75000"/>
-              </a:schemeClr>
-            </a:solidFill>
-          </a:ln>
-        </p:spPr>
-        <p:style>
-          <a:lnRef idx="2">
-            <a:schemeClr val="accent1">
-              <a:shade val="50000"/>
-            </a:schemeClr>
-          </a:lnRef>
-          <a:fillRef idx="1">
-            <a:schemeClr val="accent1"/>
-          </a:fillRef>
-          <a:effectRef idx="0">
-            <a:schemeClr val="accent1"/>
-          </a:effectRef>
-          <a:fontRef idx="minor">
-            <a:schemeClr val="lt1"/>
-          </a:fontRef>
-        </p:style>
-        <p:txBody>
-          <a:bodyPr rtlCol="0" anchor="ctr"/>
-          <a:lstStyle/>
-          <a:p>
-            <a:pPr algn="ctr"/>
-            <a:r>
-              <a:rPr lang="de-DE" sz="1200" dirty="0" err="1">
-                <a:solidFill>
-                  <a:schemeClr val="tx1"/>
-                </a:solidFill>
-                <a:latin typeface="Muli SemiBold" panose="00000700000000000000" pitchFamily="2" charset="0"/>
-              </a:rPr>
-              <a:t>Interquartile</a:t>
-            </a:r>
-            <a:r>
-              <a:rPr lang="de-DE" sz="1200" dirty="0">
-                <a:solidFill>
-                  <a:schemeClr val="tx1"/>
-                </a:solidFill>
-                <a:latin typeface="Muli SemiBold" panose="00000700000000000000" pitchFamily="2" charset="0"/>
-              </a:rPr>
-              <a:t> Range</a:t>
-            </a:r>
-            <a:endParaRPr lang="de-DE" sz="1800" dirty="0">
-              <a:solidFill>
-                <a:schemeClr val="tx1"/>
-              </a:solidFill>
-              <a:latin typeface="Muli SemiBold" panose="00000700000000000000" pitchFamily="2" charset="0"/>
-            </a:endParaRPr>
-          </a:p>
-        </p:txBody>
-      </p:sp>
-      <p:sp>
-        <p:nvSpPr>
-          <p:cNvPr id="15" name="Rechteck 30">
-            <a:extLst>
-              <a:ext uri="{FF2B5EF4-FFF2-40B4-BE49-F238E27FC236}">
-                <a16:creationId xmlns:a16="http://schemas.microsoft.com/office/drawing/2014/main" id="{AFA1A339-8C8D-9A40-B354-AB6C62EE6E35}"/>
-              </a:ext>
-            </a:extLst>
-          </p:cNvPr>
-          <p:cNvSpPr/>
-          <p:nvPr/>
-        </p:nvSpPr>
-        <p:spPr>
-          <a:xfrm>
-            <a:off x="3641124" y="1843104"/>
-            <a:ext cx="1952368" cy="468000"/>
-          </a:xfrm>
-          <a:prstGeom prst="rect">
-            <a:avLst/>
-          </a:prstGeom>
-          <a:solidFill>
-            <a:schemeClr val="accent3">
-              <a:lumMod val="60000"/>
-              <a:lumOff val="40000"/>
-            </a:schemeClr>
-          </a:solidFill>
-          <a:ln w="15875">
-            <a:solidFill>
-              <a:schemeClr val="accent3">
-                <a:lumMod val="50000"/>
-              </a:schemeClr>
-            </a:solidFill>
-          </a:ln>
-        </p:spPr>
-        <p:style>
-          <a:lnRef idx="2">
-            <a:schemeClr val="accent1">
-              <a:shade val="50000"/>
-            </a:schemeClr>
-          </a:lnRef>
-          <a:fillRef idx="1">
-            <a:schemeClr val="accent1"/>
-          </a:fillRef>
-          <a:effectRef idx="0">
-            <a:schemeClr val="accent1"/>
-          </a:effectRef>
-          <a:fontRef idx="minor">
-            <a:schemeClr val="lt1"/>
-          </a:fontRef>
-        </p:style>
-        <p:txBody>
-          <a:bodyPr rtlCol="0" anchor="ctr"/>
-          <a:lstStyle/>
-          <a:p>
-            <a:pPr algn="ctr"/>
-            <a:r>
-              <a:rPr lang="de-DE" sz="1500" dirty="0">
-                <a:solidFill>
-                  <a:schemeClr val="tx1"/>
-                </a:solidFill>
-                <a:latin typeface="Muli SemiBold" panose="00000700000000000000" pitchFamily="2" charset="0"/>
-              </a:rPr>
-              <a:t>Clusterbasiert</a:t>
-            </a:r>
-            <a:endParaRPr lang="de-DE" sz="1200" dirty="0">
-              <a:solidFill>
-                <a:schemeClr val="tx1"/>
-              </a:solidFill>
-              <a:latin typeface="Muli SemiBold" panose="00000700000000000000" pitchFamily="2" charset="0"/>
-            </a:endParaRPr>
-          </a:p>
-        </p:txBody>
-      </p:sp>
-      <p:sp>
-        <p:nvSpPr>
-          <p:cNvPr id="16" name="Rechteck 20">
-            <a:extLst>
-              <a:ext uri="{FF2B5EF4-FFF2-40B4-BE49-F238E27FC236}">
-                <a16:creationId xmlns:a16="http://schemas.microsoft.com/office/drawing/2014/main" id="{05363086-4B2E-0E4C-B781-AF3FACE73DBD}"/>
-              </a:ext>
-            </a:extLst>
-          </p:cNvPr>
-          <p:cNvSpPr/>
-          <p:nvPr/>
-        </p:nvSpPr>
-        <p:spPr>
-          <a:xfrm>
-            <a:off x="2114663" y="2405044"/>
-            <a:ext cx="1440700" cy="468000"/>
-          </a:xfrm>
-          <a:prstGeom prst="rect">
-            <a:avLst/>
-          </a:prstGeom>
-          <a:solidFill>
-            <a:srgbClr val="6494BC"/>
-          </a:solidFill>
-          <a:ln w="15875">
-            <a:solidFill>
-              <a:schemeClr val="accent3">
-                <a:lumMod val="75000"/>
-              </a:schemeClr>
-            </a:solidFill>
-          </a:ln>
-        </p:spPr>
-        <p:style>
-          <a:lnRef idx="2">
-            <a:schemeClr val="accent1">
-              <a:shade val="50000"/>
-            </a:schemeClr>
-          </a:lnRef>
-          <a:fillRef idx="1">
-            <a:schemeClr val="accent1"/>
-          </a:fillRef>
-          <a:effectRef idx="0">
-            <a:schemeClr val="accent1"/>
-          </a:effectRef>
-          <a:fontRef idx="minor">
-            <a:schemeClr val="lt1"/>
-          </a:fontRef>
-        </p:style>
-        <p:txBody>
-          <a:bodyPr rtlCol="0" anchor="ctr"/>
-          <a:lstStyle/>
-          <a:p>
-            <a:pPr algn="ctr"/>
-            <a:r>
-              <a:rPr lang="de-DE" sz="1200" dirty="0">
-                <a:solidFill>
-                  <a:schemeClr val="tx1"/>
-                </a:solidFill>
-                <a:latin typeface="Muli SemiBold" panose="00000700000000000000" pitchFamily="2" charset="0"/>
-              </a:rPr>
-              <a:t>Z-</a:t>
-            </a:r>
-            <a:r>
-              <a:rPr lang="de-DE" sz="1200" dirty="0" err="1">
-                <a:solidFill>
-                  <a:schemeClr val="tx1"/>
-                </a:solidFill>
-                <a:latin typeface="Muli SemiBold" panose="00000700000000000000" pitchFamily="2" charset="0"/>
-              </a:rPr>
-              <a:t>Scoer</a:t>
-            </a:r>
-            <a:r>
-              <a:rPr lang="de-DE" sz="1200" dirty="0">
-                <a:solidFill>
-                  <a:schemeClr val="tx1"/>
-                </a:solidFill>
-                <a:latin typeface="Muli SemiBold" panose="00000700000000000000" pitchFamily="2" charset="0"/>
-              </a:rPr>
-              <a:t> Filter</a:t>
-            </a:r>
-            <a:endParaRPr lang="de-DE" sz="1800" dirty="0">
-              <a:solidFill>
-                <a:schemeClr val="tx1"/>
-              </a:solidFill>
-              <a:latin typeface="Muli SemiBold" panose="00000700000000000000" pitchFamily="2" charset="0"/>
-            </a:endParaRPr>
-          </a:p>
-        </p:txBody>
-      </p:sp>
-      <p:sp>
-        <p:nvSpPr>
-          <p:cNvPr id="18" name="Rechteck 20">
-            <a:extLst>
-              <a:ext uri="{FF2B5EF4-FFF2-40B4-BE49-F238E27FC236}">
-                <a16:creationId xmlns:a16="http://schemas.microsoft.com/office/drawing/2014/main" id="{6C7675C3-4BCA-8942-BAD0-CF47142B54A6}"/>
-              </a:ext>
-            </a:extLst>
-          </p:cNvPr>
-          <p:cNvSpPr/>
-          <p:nvPr/>
-        </p:nvSpPr>
-        <p:spPr>
-          <a:xfrm>
-            <a:off x="5671283" y="2400473"/>
-            <a:ext cx="1440700" cy="468000"/>
-          </a:xfrm>
-          <a:prstGeom prst="rect">
-            <a:avLst/>
-          </a:prstGeom>
-          <a:solidFill>
-            <a:srgbClr val="6494BC"/>
-          </a:solidFill>
-          <a:ln w="15875">
-            <a:solidFill>
-              <a:schemeClr val="accent3">
-                <a:lumMod val="75000"/>
-              </a:schemeClr>
-            </a:solidFill>
-          </a:ln>
-        </p:spPr>
-        <p:style>
-          <a:lnRef idx="2">
-            <a:schemeClr val="accent1">
-              <a:shade val="50000"/>
-            </a:schemeClr>
-          </a:lnRef>
-          <a:fillRef idx="1">
-            <a:schemeClr val="accent1"/>
-          </a:fillRef>
-          <a:effectRef idx="0">
-            <a:schemeClr val="accent1"/>
-          </a:effectRef>
-          <a:fontRef idx="minor">
-            <a:schemeClr val="lt1"/>
-          </a:fontRef>
-        </p:style>
-        <p:txBody>
-          <a:bodyPr rtlCol="0" anchor="ctr"/>
-          <a:lstStyle/>
-          <a:p>
-            <a:pPr algn="ctr"/>
-            <a:r>
-              <a:rPr lang="en" sz="1200" dirty="0">
-                <a:solidFill>
-                  <a:schemeClr val="tx1"/>
-                </a:solidFill>
-                <a:latin typeface="Muli SemiBold" panose="00000700000000000000" pitchFamily="2" charset="0"/>
-              </a:rPr>
-              <a:t>Local Outlier Factor</a:t>
-            </a:r>
-            <a:endParaRPr lang="de-DE" sz="1800" dirty="0">
-              <a:solidFill>
-                <a:schemeClr val="tx1"/>
-              </a:solidFill>
-              <a:latin typeface="Muli SemiBold" panose="00000700000000000000" pitchFamily="2" charset="0"/>
-            </a:endParaRPr>
-          </a:p>
-        </p:txBody>
-      </p:sp>
-      <p:sp>
-        <p:nvSpPr>
-          <p:cNvPr id="20" name="Rechteck 20">
-            <a:extLst>
-              <a:ext uri="{FF2B5EF4-FFF2-40B4-BE49-F238E27FC236}">
-                <a16:creationId xmlns:a16="http://schemas.microsoft.com/office/drawing/2014/main" id="{6DA86ED3-2B6F-154D-83C0-BD1D4A0E658F}"/>
-              </a:ext>
-            </a:extLst>
-          </p:cNvPr>
-          <p:cNvSpPr/>
-          <p:nvPr/>
-        </p:nvSpPr>
-        <p:spPr>
-          <a:xfrm>
-            <a:off x="7109522" y="2400473"/>
-            <a:ext cx="1440700" cy="468000"/>
-          </a:xfrm>
-          <a:prstGeom prst="rect">
-            <a:avLst/>
-          </a:prstGeom>
-          <a:solidFill>
-            <a:srgbClr val="6494BC"/>
-          </a:solidFill>
-          <a:ln w="15875">
-            <a:solidFill>
-              <a:schemeClr val="accent3">
-                <a:lumMod val="75000"/>
-              </a:schemeClr>
-            </a:solidFill>
-          </a:ln>
-        </p:spPr>
-        <p:style>
-          <a:lnRef idx="2">
-            <a:schemeClr val="accent1">
-              <a:shade val="50000"/>
-            </a:schemeClr>
-          </a:lnRef>
-          <a:fillRef idx="1">
-            <a:schemeClr val="accent1"/>
-          </a:fillRef>
-          <a:effectRef idx="0">
-            <a:schemeClr val="accent1"/>
-          </a:effectRef>
-          <a:fontRef idx="minor">
-            <a:schemeClr val="lt1"/>
-          </a:fontRef>
-        </p:style>
-        <p:txBody>
-          <a:bodyPr rtlCol="0" anchor="ctr"/>
-          <a:lstStyle/>
-          <a:p>
-            <a:pPr algn="ctr"/>
-            <a:r>
-              <a:rPr lang="en" altLang="ko-KR" sz="1200" dirty="0">
-                <a:solidFill>
-                  <a:schemeClr val="tx1"/>
-                </a:solidFill>
-                <a:latin typeface="Muli SemiBold" panose="00000700000000000000" pitchFamily="2" charset="0"/>
-              </a:rPr>
-              <a:t>Isolation Forest</a:t>
-            </a:r>
-            <a:endParaRPr lang="de-DE" altLang="ko-KR" sz="1800" dirty="0">
-              <a:solidFill>
-                <a:schemeClr val="tx1"/>
-              </a:solidFill>
-              <a:latin typeface="Muli SemiBold" panose="00000700000000000000" pitchFamily="2" charset="0"/>
-            </a:endParaRPr>
-          </a:p>
-        </p:txBody>
-      </p:sp>
-    </p:spTree>
-    <p:extLst>
-      <p:ext uri="{BB962C8B-B14F-4D97-AF65-F5344CB8AC3E}">
-        <p14:creationId xmlns:p14="http://schemas.microsoft.com/office/powerpoint/2010/main" val="4014752962"/>
-      </p:ext>
-    </p:extLst>
-  </p:cSld>
-  <p:clrMapOvr>
-    <a:masterClrMapping/>
-  </p:clrMapOvr>
-  <p:timing>
-    <p:tnLst>
-      <p:par>
-        <p:cTn id="1" dur="indefinite" restart="never" nodeType="tmRoot">
-          <p:childTnLst>
-            <p:seq concurrent="1" nextAc="seek">
-              <p:cTn id="2" dur="indefinite" nodeType="mainSeq">
-                <p:childTnLst>
-                  <p:par>
-                    <p:cTn id="3" fill="hold">
-                      <p:stCondLst>
-                        <p:cond delay="indefinite"/>
-                      </p:stCondLst>
-                      <p:childTnLst>
-                        <p:par>
-                          <p:cTn id="4" fill="hold">
-                            <p:stCondLst>
-                              <p:cond delay="0"/>
-                            </p:stCondLst>
-                            <p:childTnLst>
-                              <p:par>
-                                <p:cTn id="5" presetID="47" presetClass="entr" presetSubtype="0" fill="hold" grpId="0" nodeType="clickEffect">
-                                  <p:stCondLst>
-                                    <p:cond delay="0"/>
-                                  </p:stCondLst>
-                                  <p:childTnLst>
-                                    <p:set>
-                                      <p:cBhvr>
-                                        <p:cTn id="6" dur="1" fill="hold">
-                                          <p:stCondLst>
-                                            <p:cond delay="0"/>
-                                          </p:stCondLst>
-                                        </p:cTn>
-                                        <p:tgtEl>
-                                          <p:spTgt spid="31"/>
-                                        </p:tgtEl>
-                                        <p:attrNameLst>
-                                          <p:attrName>style.visibility</p:attrName>
-                                        </p:attrNameLst>
-                                      </p:cBhvr>
-                                      <p:to>
-                                        <p:strVal val="visible"/>
-                                      </p:to>
-                                    </p:set>
-                                    <p:animEffect transition="in" filter="fade">
-                                      <p:cBhvr>
-                                        <p:cTn id="7" dur="500"/>
-                                        <p:tgtEl>
-                                          <p:spTgt spid="31"/>
-                                        </p:tgtEl>
-                                      </p:cBhvr>
-                                    </p:animEffect>
-                                    <p:anim calcmode="lin" valueType="num">
-                                      <p:cBhvr>
-                                        <p:cTn id="8" dur="500" fill="hold"/>
-                                        <p:tgtEl>
-                                          <p:spTgt spid="31"/>
-                                        </p:tgtEl>
-                                        <p:attrNameLst>
-                                          <p:attrName>ppt_x</p:attrName>
-                                        </p:attrNameLst>
-                                      </p:cBhvr>
-                                      <p:tavLst>
-                                        <p:tav tm="0">
-                                          <p:val>
-                                            <p:strVal val="#ppt_x"/>
-                                          </p:val>
-                                        </p:tav>
-                                        <p:tav tm="100000">
-                                          <p:val>
-                                            <p:strVal val="#ppt_x"/>
-                                          </p:val>
-                                        </p:tav>
-                                      </p:tavLst>
-                                    </p:anim>
-                                    <p:anim calcmode="lin" valueType="num">
-                                      <p:cBhvr>
-                                        <p:cTn id="9" dur="500" fill="hold"/>
-                                        <p:tgtEl>
-                                          <p:spTgt spid="31"/>
-                                        </p:tgtEl>
-                                        <p:attrNameLst>
-                                          <p:attrName>ppt_y</p:attrName>
-                                        </p:attrNameLst>
-                                      </p:cBhvr>
-                                      <p:tavLst>
-                                        <p:tav tm="0">
-                                          <p:val>
-                                            <p:strVal val="#ppt_y-.1"/>
-                                          </p:val>
-                                        </p:tav>
-                                        <p:tav tm="100000">
-                                          <p:val>
-                                            <p:strVal val="#ppt_y"/>
-                                          </p:val>
-                                        </p:tav>
-                                      </p:tavLst>
-                                    </p:anim>
-                                  </p:childTnLst>
-                                </p:cTn>
-                              </p:par>
-                              <p:par>
-                                <p:cTn id="10" presetID="47" presetClass="entr" presetSubtype="0" fill="hold" grpId="0" nodeType="withEffect">
-                                  <p:stCondLst>
-                                    <p:cond delay="0"/>
-                                  </p:stCondLst>
-                                  <p:childTnLst>
-                                    <p:set>
-                                      <p:cBhvr>
-                                        <p:cTn id="11" dur="1" fill="hold">
-                                          <p:stCondLst>
-                                            <p:cond delay="0"/>
-                                          </p:stCondLst>
-                                        </p:cTn>
-                                        <p:tgtEl>
-                                          <p:spTgt spid="32"/>
-                                        </p:tgtEl>
-                                        <p:attrNameLst>
-                                          <p:attrName>style.visibility</p:attrName>
-                                        </p:attrNameLst>
-                                      </p:cBhvr>
-                                      <p:to>
-                                        <p:strVal val="visible"/>
-                                      </p:to>
-                                    </p:set>
-                                    <p:animEffect transition="in" filter="fade">
-                                      <p:cBhvr>
-                                        <p:cTn id="12" dur="500"/>
-                                        <p:tgtEl>
-                                          <p:spTgt spid="32"/>
-                                        </p:tgtEl>
-                                      </p:cBhvr>
-                                    </p:animEffect>
-                                    <p:anim calcmode="lin" valueType="num">
-                                      <p:cBhvr>
-                                        <p:cTn id="13" dur="500" fill="hold"/>
-                                        <p:tgtEl>
-                                          <p:spTgt spid="32"/>
-                                        </p:tgtEl>
-                                        <p:attrNameLst>
-                                          <p:attrName>ppt_x</p:attrName>
-                                        </p:attrNameLst>
-                                      </p:cBhvr>
-                                      <p:tavLst>
-                                        <p:tav tm="0">
-                                          <p:val>
-                                            <p:strVal val="#ppt_x"/>
-                                          </p:val>
-                                        </p:tav>
-                                        <p:tav tm="100000">
-                                          <p:val>
-                                            <p:strVal val="#ppt_x"/>
-                                          </p:val>
-                                        </p:tav>
-                                      </p:tavLst>
-                                    </p:anim>
-                                    <p:anim calcmode="lin" valueType="num">
-                                      <p:cBhvr>
-                                        <p:cTn id="14" dur="500" fill="hold"/>
-                                        <p:tgtEl>
-                                          <p:spTgt spid="32"/>
-                                        </p:tgtEl>
-                                        <p:attrNameLst>
-                                          <p:attrName>ppt_y</p:attrName>
-                                        </p:attrNameLst>
-                                      </p:cBhvr>
-                                      <p:tavLst>
-                                        <p:tav tm="0">
-                                          <p:val>
-                                            <p:strVal val="#ppt_y-.1"/>
-                                          </p:val>
-                                        </p:tav>
-                                        <p:tav tm="100000">
-                                          <p:val>
-                                            <p:strVal val="#ppt_y"/>
-                                          </p:val>
-                                        </p:tav>
-                                      </p:tavLst>
-                                    </p:anim>
-                                  </p:childTnLst>
-                                </p:cTn>
-                              </p:par>
-                            </p:childTnLst>
-                          </p:cTn>
-                        </p:par>
-                      </p:childTnLst>
-                    </p:cTn>
-                  </p:par>
-                  <p:par>
-                    <p:cTn id="15" fill="hold">
-                      <p:stCondLst>
-                        <p:cond delay="indefinite"/>
-                      </p:stCondLst>
-                      <p:childTnLst>
-                        <p:par>
-                          <p:cTn id="16" fill="hold">
-                            <p:stCondLst>
-                              <p:cond delay="0"/>
-                            </p:stCondLst>
-                            <p:childTnLst>
-                              <p:par>
-                                <p:cTn id="17" presetID="47" presetClass="entr" presetSubtype="0" fill="hold" grpId="0" nodeType="clickEffect">
-                                  <p:stCondLst>
-                                    <p:cond delay="0"/>
-                                  </p:stCondLst>
-                                  <p:childTnLst>
-                                    <p:set>
-                                      <p:cBhvr>
-                                        <p:cTn id="18" dur="1" fill="hold">
-                                          <p:stCondLst>
-                                            <p:cond delay="0"/>
-                                          </p:stCondLst>
-                                        </p:cTn>
-                                        <p:tgtEl>
-                                          <p:spTgt spid="35"/>
-                                        </p:tgtEl>
-                                        <p:attrNameLst>
-                                          <p:attrName>style.visibility</p:attrName>
-                                        </p:attrNameLst>
-                                      </p:cBhvr>
-                                      <p:to>
-                                        <p:strVal val="visible"/>
-                                      </p:to>
-                                    </p:set>
-                                    <p:animEffect transition="in" filter="fade">
-                                      <p:cBhvr>
-                                        <p:cTn id="19" dur="500"/>
-                                        <p:tgtEl>
-                                          <p:spTgt spid="35"/>
-                                        </p:tgtEl>
-                                      </p:cBhvr>
-                                    </p:animEffect>
-                                    <p:anim calcmode="lin" valueType="num">
-                                      <p:cBhvr>
-                                        <p:cTn id="20" dur="500" fill="hold"/>
-                                        <p:tgtEl>
-                                          <p:spTgt spid="35"/>
-                                        </p:tgtEl>
-                                        <p:attrNameLst>
-                                          <p:attrName>ppt_x</p:attrName>
-                                        </p:attrNameLst>
-                                      </p:cBhvr>
-                                      <p:tavLst>
-                                        <p:tav tm="0">
-                                          <p:val>
-                                            <p:strVal val="#ppt_x"/>
-                                          </p:val>
-                                        </p:tav>
-                                        <p:tav tm="100000">
-                                          <p:val>
-                                            <p:strVal val="#ppt_x"/>
-                                          </p:val>
-                                        </p:tav>
-                                      </p:tavLst>
-                                    </p:anim>
-                                    <p:anim calcmode="lin" valueType="num">
-                                      <p:cBhvr>
-                                        <p:cTn id="21" dur="500" fill="hold"/>
-                                        <p:tgtEl>
-                                          <p:spTgt spid="35"/>
-                                        </p:tgtEl>
-                                        <p:attrNameLst>
-                                          <p:attrName>ppt_y</p:attrName>
-                                        </p:attrNameLst>
-                                      </p:cBhvr>
-                                      <p:tavLst>
-                                        <p:tav tm="0">
-                                          <p:val>
-                                            <p:strVal val="#ppt_y-.1"/>
-                                          </p:val>
-                                        </p:tav>
-                                        <p:tav tm="100000">
-                                          <p:val>
-                                            <p:strVal val="#ppt_y"/>
-                                          </p:val>
-                                        </p:tav>
-                                      </p:tavLst>
-                                    </p:anim>
-                                  </p:childTnLst>
-                                </p:cTn>
-                              </p:par>
-                              <p:par>
-                                <p:cTn id="22" presetID="26" presetClass="emph" presetSubtype="0" repeatCount="5000" fill="hold" grpId="1" nodeType="withEffect">
-                                  <p:stCondLst>
-                                    <p:cond delay="0"/>
-                                  </p:stCondLst>
-                                  <p:childTnLst>
-                                    <p:animEffect transition="out" filter="fade">
-                                      <p:cBhvr>
-                                        <p:cTn id="23" dur="1000" tmFilter="0, 0; .2, .5; .8, .5; 1, 0"/>
-                                        <p:tgtEl>
-                                          <p:spTgt spid="35"/>
-                                        </p:tgtEl>
-                                      </p:cBhvr>
-                                    </p:animEffect>
-                                    <p:animScale>
-                                      <p:cBhvr>
-                                        <p:cTn id="24" dur="500" autoRev="1" fill="hold"/>
-                                        <p:tgtEl>
-                                          <p:spTgt spid="35"/>
-                                        </p:tgtEl>
-                                      </p:cBhvr>
-                                      <p:by x="105000" y="105000"/>
-                                    </p:animScale>
-                                  </p:childTnLst>
-                                </p:cTn>
-                              </p:par>
-                            </p:childTnLst>
-                          </p:cTn>
-                        </p:par>
-                      </p:childTnLst>
-                    </p:cTn>
-                  </p:par>
-                  <p:par>
-                    <p:cTn id="25" fill="hold">
-                      <p:stCondLst>
-                        <p:cond delay="indefinite"/>
-                      </p:stCondLst>
-                      <p:childTnLst>
-                        <p:par>
-                          <p:cTn id="26" fill="hold">
-                            <p:stCondLst>
-                              <p:cond delay="0"/>
-                            </p:stCondLst>
-                            <p:childTnLst>
-                              <p:par>
-                                <p:cTn id="27" presetID="47" presetClass="entr" presetSubtype="0" fill="hold" grpId="0" nodeType="clickEffect">
-                                  <p:stCondLst>
-                                    <p:cond delay="0"/>
-                                  </p:stCondLst>
-                                  <p:childTnLst>
-                                    <p:set>
-                                      <p:cBhvr>
-                                        <p:cTn id="28" dur="1" fill="hold">
-                                          <p:stCondLst>
-                                            <p:cond delay="0"/>
-                                          </p:stCondLst>
-                                        </p:cTn>
-                                        <p:tgtEl>
-                                          <p:spTgt spid="21"/>
-                                        </p:tgtEl>
-                                        <p:attrNameLst>
-                                          <p:attrName>style.visibility</p:attrName>
-                                        </p:attrNameLst>
-                                      </p:cBhvr>
-                                      <p:to>
-                                        <p:strVal val="visible"/>
-                                      </p:to>
-                                    </p:set>
-                                    <p:animEffect transition="in" filter="fade">
-                                      <p:cBhvr>
-                                        <p:cTn id="29" dur="500"/>
-                                        <p:tgtEl>
-                                          <p:spTgt spid="21"/>
-                                        </p:tgtEl>
-                                      </p:cBhvr>
-                                    </p:animEffect>
-                                    <p:anim calcmode="lin" valueType="num">
-                                      <p:cBhvr>
-                                        <p:cTn id="30" dur="500" fill="hold"/>
-                                        <p:tgtEl>
-                                          <p:spTgt spid="21"/>
-                                        </p:tgtEl>
-                                        <p:attrNameLst>
-                                          <p:attrName>ppt_x</p:attrName>
-                                        </p:attrNameLst>
-                                      </p:cBhvr>
-                                      <p:tavLst>
-                                        <p:tav tm="0">
-                                          <p:val>
-                                            <p:strVal val="#ppt_x"/>
-                                          </p:val>
-                                        </p:tav>
-                                        <p:tav tm="100000">
-                                          <p:val>
-                                            <p:strVal val="#ppt_x"/>
-                                          </p:val>
-                                        </p:tav>
-                                      </p:tavLst>
-                                    </p:anim>
-                                    <p:anim calcmode="lin" valueType="num">
-                                      <p:cBhvr>
-                                        <p:cTn id="31" dur="500" fill="hold"/>
-                                        <p:tgtEl>
-                                          <p:spTgt spid="21"/>
-                                        </p:tgtEl>
-                                        <p:attrNameLst>
-                                          <p:attrName>ppt_y</p:attrName>
-                                        </p:attrNameLst>
-                                      </p:cBhvr>
-                                      <p:tavLst>
-                                        <p:tav tm="0">
-                                          <p:val>
-                                            <p:strVal val="#ppt_y-.1"/>
-                                          </p:val>
-                                        </p:tav>
-                                        <p:tav tm="100000">
-                                          <p:val>
-                                            <p:strVal val="#ppt_y"/>
-                                          </p:val>
-                                        </p:tav>
-                                      </p:tavLst>
-                                    </p:anim>
-                                  </p:childTnLst>
-                                </p:cTn>
-                              </p:par>
-                              <p:par>
-                                <p:cTn id="32" presetID="26" presetClass="emph" presetSubtype="0" repeatCount="5000" fill="hold" grpId="1" nodeType="withEffect">
-                                  <p:stCondLst>
-                                    <p:cond delay="0"/>
-                                  </p:stCondLst>
-                                  <p:childTnLst>
-                                    <p:animEffect transition="out" filter="fade">
-                                      <p:cBhvr>
-                                        <p:cTn id="33" dur="1000" tmFilter="0, 0; .2, .5; .8, .5; 1, 0"/>
-                                        <p:tgtEl>
-                                          <p:spTgt spid="21"/>
-                                        </p:tgtEl>
-                                      </p:cBhvr>
-                                    </p:animEffect>
-                                    <p:animScale>
-                                      <p:cBhvr>
-                                        <p:cTn id="34" dur="500" autoRev="1" fill="hold"/>
-                                        <p:tgtEl>
-                                          <p:spTgt spid="21"/>
-                                        </p:tgtEl>
-                                      </p:cBhvr>
-                                      <p:by x="105000" y="105000"/>
-                                    </p:animScale>
-                                  </p:childTnLst>
-                                </p:cTn>
-                              </p:par>
-                            </p:childTnLst>
-                          </p:cTn>
-                        </p:par>
-                      </p:childTnLst>
-                    </p:cTn>
-                  </p:par>
-                  <p:par>
-                    <p:cTn id="35" fill="hold">
-                      <p:stCondLst>
-                        <p:cond delay="indefinite"/>
-                      </p:stCondLst>
-                      <p:childTnLst>
-                        <p:par>
-                          <p:cTn id="36" fill="hold">
-                            <p:stCondLst>
-                              <p:cond delay="0"/>
-                            </p:stCondLst>
-                            <p:childTnLst>
-                              <p:par>
-                                <p:cTn id="37" presetID="47" presetClass="entr" presetSubtype="0" fill="hold" grpId="0" nodeType="clickEffect">
-                                  <p:stCondLst>
-                                    <p:cond delay="0"/>
-                                  </p:stCondLst>
-                                  <p:childTnLst>
-                                    <p:set>
-                                      <p:cBhvr>
-                                        <p:cTn id="38" dur="1" fill="hold">
-                                          <p:stCondLst>
-                                            <p:cond delay="0"/>
-                                          </p:stCondLst>
-                                        </p:cTn>
-                                        <p:tgtEl>
-                                          <p:spTgt spid="15"/>
-                                        </p:tgtEl>
-                                        <p:attrNameLst>
-                                          <p:attrName>style.visibility</p:attrName>
-                                        </p:attrNameLst>
-                                      </p:cBhvr>
-                                      <p:to>
-                                        <p:strVal val="visible"/>
-                                      </p:to>
-                                    </p:set>
-                                    <p:animEffect transition="in" filter="fade">
-                                      <p:cBhvr>
-                                        <p:cTn id="39" dur="500"/>
-                                        <p:tgtEl>
-                                          <p:spTgt spid="15"/>
-                                        </p:tgtEl>
-                                      </p:cBhvr>
-                                    </p:animEffect>
-                                    <p:anim calcmode="lin" valueType="num">
-                                      <p:cBhvr>
-                                        <p:cTn id="40" dur="500" fill="hold"/>
-                                        <p:tgtEl>
-                                          <p:spTgt spid="15"/>
-                                        </p:tgtEl>
-                                        <p:attrNameLst>
-                                          <p:attrName>ppt_x</p:attrName>
-                                        </p:attrNameLst>
-                                      </p:cBhvr>
-                                      <p:tavLst>
-                                        <p:tav tm="0">
-                                          <p:val>
-                                            <p:strVal val="#ppt_x"/>
-                                          </p:val>
-                                        </p:tav>
-                                        <p:tav tm="100000">
-                                          <p:val>
-                                            <p:strVal val="#ppt_x"/>
-                                          </p:val>
-                                        </p:tav>
-                                      </p:tavLst>
-                                    </p:anim>
-                                    <p:anim calcmode="lin" valueType="num">
-                                      <p:cBhvr>
-                                        <p:cTn id="41" dur="500" fill="hold"/>
-                                        <p:tgtEl>
-                                          <p:spTgt spid="15"/>
-                                        </p:tgtEl>
-                                        <p:attrNameLst>
-                                          <p:attrName>ppt_y</p:attrName>
-                                        </p:attrNameLst>
-                                      </p:cBhvr>
-                                      <p:tavLst>
-                                        <p:tav tm="0">
-                                          <p:val>
-                                            <p:strVal val="#ppt_y-.1"/>
-                                          </p:val>
-                                        </p:tav>
-                                        <p:tav tm="100000">
-                                          <p:val>
-                                            <p:strVal val="#ppt_y"/>
-                                          </p:val>
-                                        </p:tav>
-                                      </p:tavLst>
-                                    </p:anim>
-                                  </p:childTnLst>
-                                </p:cTn>
-                              </p:par>
-                            </p:childTnLst>
-                          </p:cTn>
-                        </p:par>
-                      </p:childTnLst>
-                    </p:cTn>
-                  </p:par>
-                  <p:par>
-                    <p:cTn id="42" fill="hold">
-                      <p:stCondLst>
-                        <p:cond delay="indefinite"/>
-                      </p:stCondLst>
-                      <p:childTnLst>
-                        <p:par>
-                          <p:cTn id="43" fill="hold">
-                            <p:stCondLst>
-                              <p:cond delay="0"/>
-                            </p:stCondLst>
-                            <p:childTnLst>
-                              <p:par>
-                                <p:cTn id="44" presetID="47" presetClass="entr" presetSubtype="0" fill="hold" grpId="0" nodeType="clickEffect">
-                                  <p:stCondLst>
-                                    <p:cond delay="0"/>
-                                  </p:stCondLst>
-                                  <p:childTnLst>
-                                    <p:set>
-                                      <p:cBhvr>
-                                        <p:cTn id="45" dur="1" fill="hold">
-                                          <p:stCondLst>
-                                            <p:cond delay="0"/>
-                                          </p:stCondLst>
-                                        </p:cTn>
-                                        <p:tgtEl>
-                                          <p:spTgt spid="16"/>
-                                        </p:tgtEl>
-                                        <p:attrNameLst>
-                                          <p:attrName>style.visibility</p:attrName>
-                                        </p:attrNameLst>
-                                      </p:cBhvr>
-                                      <p:to>
-                                        <p:strVal val="visible"/>
-                                      </p:to>
-                                    </p:set>
-                                    <p:animEffect transition="in" filter="fade">
-                                      <p:cBhvr>
-                                        <p:cTn id="46" dur="500"/>
-                                        <p:tgtEl>
-                                          <p:spTgt spid="16"/>
-                                        </p:tgtEl>
-                                      </p:cBhvr>
-                                    </p:animEffect>
-                                    <p:anim calcmode="lin" valueType="num">
-                                      <p:cBhvr>
-                                        <p:cTn id="47" dur="500" fill="hold"/>
-                                        <p:tgtEl>
-                                          <p:spTgt spid="16"/>
-                                        </p:tgtEl>
-                                        <p:attrNameLst>
-                                          <p:attrName>ppt_x</p:attrName>
-                                        </p:attrNameLst>
-                                      </p:cBhvr>
-                                      <p:tavLst>
-                                        <p:tav tm="0">
-                                          <p:val>
-                                            <p:strVal val="#ppt_x"/>
-                                          </p:val>
-                                        </p:tav>
-                                        <p:tav tm="100000">
-                                          <p:val>
-                                            <p:strVal val="#ppt_x"/>
-                                          </p:val>
-                                        </p:tav>
-                                      </p:tavLst>
-                                    </p:anim>
-                                    <p:anim calcmode="lin" valueType="num">
-                                      <p:cBhvr>
-                                        <p:cTn id="48" dur="500" fill="hold"/>
-                                        <p:tgtEl>
-                                          <p:spTgt spid="16"/>
-                                        </p:tgtEl>
-                                        <p:attrNameLst>
-                                          <p:attrName>ppt_y</p:attrName>
-                                        </p:attrNameLst>
-                                      </p:cBhvr>
-                                      <p:tavLst>
-                                        <p:tav tm="0">
-                                          <p:val>
-                                            <p:strVal val="#ppt_y-.1"/>
-                                          </p:val>
-                                        </p:tav>
-                                        <p:tav tm="100000">
-                                          <p:val>
-                                            <p:strVal val="#ppt_y"/>
-                                          </p:val>
-                                        </p:tav>
-                                      </p:tavLst>
-                                    </p:anim>
-                                  </p:childTnLst>
-                                </p:cTn>
-                              </p:par>
-                              <p:par>
-                                <p:cTn id="49" presetID="26" presetClass="emph" presetSubtype="0" repeatCount="5000" fill="hold" grpId="1" nodeType="withEffect">
-                                  <p:stCondLst>
-                                    <p:cond delay="0"/>
-                                  </p:stCondLst>
-                                  <p:childTnLst>
-                                    <p:animEffect transition="out" filter="fade">
-                                      <p:cBhvr>
-                                        <p:cTn id="50" dur="1000" tmFilter="0, 0; .2, .5; .8, .5; 1, 0"/>
-                                        <p:tgtEl>
-                                          <p:spTgt spid="16"/>
-                                        </p:tgtEl>
-                                      </p:cBhvr>
-                                    </p:animEffect>
-                                    <p:animScale>
-                                      <p:cBhvr>
-                                        <p:cTn id="51" dur="500" autoRev="1" fill="hold"/>
-                                        <p:tgtEl>
-                                          <p:spTgt spid="16"/>
-                                        </p:tgtEl>
-                                      </p:cBhvr>
-                                      <p:by x="105000" y="105000"/>
-                                    </p:animScale>
-                                  </p:childTnLst>
-                                </p:cTn>
-                              </p:par>
-                            </p:childTnLst>
-                          </p:cTn>
-                        </p:par>
-                      </p:childTnLst>
-                    </p:cTn>
-                  </p:par>
-                  <p:par>
-                    <p:cTn id="52" fill="hold">
-                      <p:stCondLst>
-                        <p:cond delay="indefinite"/>
-                      </p:stCondLst>
-                      <p:childTnLst>
-                        <p:par>
-                          <p:cTn id="53" fill="hold">
-                            <p:stCondLst>
-                              <p:cond delay="0"/>
-                            </p:stCondLst>
-                            <p:childTnLst>
-                              <p:par>
-                                <p:cTn id="54" presetID="47" presetClass="entr" presetSubtype="0" fill="hold" grpId="0" nodeType="clickEffect">
-                                  <p:stCondLst>
-                                    <p:cond delay="0"/>
-                                  </p:stCondLst>
-                                  <p:childTnLst>
-                                    <p:set>
-                                      <p:cBhvr>
-                                        <p:cTn id="55" dur="1" fill="hold">
-                                          <p:stCondLst>
-                                            <p:cond delay="0"/>
-                                          </p:stCondLst>
-                                        </p:cTn>
-                                        <p:tgtEl>
-                                          <p:spTgt spid="18"/>
-                                        </p:tgtEl>
-                                        <p:attrNameLst>
-                                          <p:attrName>style.visibility</p:attrName>
-                                        </p:attrNameLst>
-                                      </p:cBhvr>
-                                      <p:to>
-                                        <p:strVal val="visible"/>
-                                      </p:to>
-                                    </p:set>
-                                    <p:animEffect transition="in" filter="fade">
-                                      <p:cBhvr>
-                                        <p:cTn id="56" dur="500"/>
-                                        <p:tgtEl>
-                                          <p:spTgt spid="18"/>
-                                        </p:tgtEl>
-                                      </p:cBhvr>
-                                    </p:animEffect>
-                                    <p:anim calcmode="lin" valueType="num">
-                                      <p:cBhvr>
-                                        <p:cTn id="57" dur="500" fill="hold"/>
-                                        <p:tgtEl>
-                                          <p:spTgt spid="18"/>
-                                        </p:tgtEl>
-                                        <p:attrNameLst>
-                                          <p:attrName>ppt_x</p:attrName>
-                                        </p:attrNameLst>
-                                      </p:cBhvr>
-                                      <p:tavLst>
-                                        <p:tav tm="0">
-                                          <p:val>
-                                            <p:strVal val="#ppt_x"/>
-                                          </p:val>
-                                        </p:tav>
-                                        <p:tav tm="100000">
-                                          <p:val>
-                                            <p:strVal val="#ppt_x"/>
-                                          </p:val>
-                                        </p:tav>
-                                      </p:tavLst>
-                                    </p:anim>
-                                    <p:anim calcmode="lin" valueType="num">
-                                      <p:cBhvr>
-                                        <p:cTn id="58" dur="500" fill="hold"/>
-                                        <p:tgtEl>
-                                          <p:spTgt spid="18"/>
-                                        </p:tgtEl>
-                                        <p:attrNameLst>
-                                          <p:attrName>ppt_y</p:attrName>
-                                        </p:attrNameLst>
-                                      </p:cBhvr>
-                                      <p:tavLst>
-                                        <p:tav tm="0">
-                                          <p:val>
-                                            <p:strVal val="#ppt_y-.1"/>
-                                          </p:val>
-                                        </p:tav>
-                                        <p:tav tm="100000">
-                                          <p:val>
-                                            <p:strVal val="#ppt_y"/>
-                                          </p:val>
-                                        </p:tav>
-                                      </p:tavLst>
-                                    </p:anim>
-                                  </p:childTnLst>
-                                </p:cTn>
-                              </p:par>
-                              <p:par>
-                                <p:cTn id="59" presetID="26" presetClass="emph" presetSubtype="0" repeatCount="5000" fill="hold" grpId="1" nodeType="withEffect">
-                                  <p:stCondLst>
-                                    <p:cond delay="0"/>
-                                  </p:stCondLst>
-                                  <p:childTnLst>
-                                    <p:animEffect transition="out" filter="fade">
-                                      <p:cBhvr>
-                                        <p:cTn id="60" dur="1000" tmFilter="0, 0; .2, .5; .8, .5; 1, 0"/>
-                                        <p:tgtEl>
-                                          <p:spTgt spid="18"/>
-                                        </p:tgtEl>
-                                      </p:cBhvr>
-                                    </p:animEffect>
-                                    <p:animScale>
-                                      <p:cBhvr>
-                                        <p:cTn id="61" dur="500" autoRev="1" fill="hold"/>
-                                        <p:tgtEl>
-                                          <p:spTgt spid="18"/>
-                                        </p:tgtEl>
-                                      </p:cBhvr>
-                                      <p:by x="105000" y="105000"/>
-                                    </p:animScale>
-                                  </p:childTnLst>
-                                </p:cTn>
-                              </p:par>
-                            </p:childTnLst>
-                          </p:cTn>
-                        </p:par>
-                      </p:childTnLst>
-                    </p:cTn>
-                  </p:par>
-                  <p:par>
-                    <p:cTn id="62" fill="hold">
-                      <p:stCondLst>
-                        <p:cond delay="indefinite"/>
-                      </p:stCondLst>
-                      <p:childTnLst>
-                        <p:par>
-                          <p:cTn id="63" fill="hold">
-                            <p:stCondLst>
-                              <p:cond delay="0"/>
-                            </p:stCondLst>
-                            <p:childTnLst>
-                              <p:par>
-                                <p:cTn id="64" presetID="47" presetClass="entr" presetSubtype="0" fill="hold" grpId="0" nodeType="clickEffect">
-                                  <p:stCondLst>
-                                    <p:cond delay="0"/>
-                                  </p:stCondLst>
-                                  <p:childTnLst>
-                                    <p:set>
-                                      <p:cBhvr>
-                                        <p:cTn id="65" dur="1" fill="hold">
-                                          <p:stCondLst>
-                                            <p:cond delay="0"/>
-                                          </p:stCondLst>
-                                        </p:cTn>
-                                        <p:tgtEl>
-                                          <p:spTgt spid="20"/>
-                                        </p:tgtEl>
-                                        <p:attrNameLst>
-                                          <p:attrName>style.visibility</p:attrName>
-                                        </p:attrNameLst>
-                                      </p:cBhvr>
-                                      <p:to>
-                                        <p:strVal val="visible"/>
-                                      </p:to>
-                                    </p:set>
-                                    <p:animEffect transition="in" filter="fade">
-                                      <p:cBhvr>
-                                        <p:cTn id="66" dur="500"/>
-                                        <p:tgtEl>
-                                          <p:spTgt spid="20"/>
-                                        </p:tgtEl>
-                                      </p:cBhvr>
-                                    </p:animEffect>
-                                    <p:anim calcmode="lin" valueType="num">
-                                      <p:cBhvr>
-                                        <p:cTn id="67" dur="500" fill="hold"/>
-                                        <p:tgtEl>
-                                          <p:spTgt spid="20"/>
-                                        </p:tgtEl>
-                                        <p:attrNameLst>
-                                          <p:attrName>ppt_x</p:attrName>
-                                        </p:attrNameLst>
-                                      </p:cBhvr>
-                                      <p:tavLst>
-                                        <p:tav tm="0">
-                                          <p:val>
-                                            <p:strVal val="#ppt_x"/>
-                                          </p:val>
-                                        </p:tav>
-                                        <p:tav tm="100000">
-                                          <p:val>
-                                            <p:strVal val="#ppt_x"/>
-                                          </p:val>
-                                        </p:tav>
-                                      </p:tavLst>
-                                    </p:anim>
-                                    <p:anim calcmode="lin" valueType="num">
-                                      <p:cBhvr>
-                                        <p:cTn id="68" dur="500" fill="hold"/>
-                                        <p:tgtEl>
-                                          <p:spTgt spid="20"/>
-                                        </p:tgtEl>
-                                        <p:attrNameLst>
-                                          <p:attrName>ppt_y</p:attrName>
-                                        </p:attrNameLst>
-                                      </p:cBhvr>
-                                      <p:tavLst>
-                                        <p:tav tm="0">
-                                          <p:val>
-                                            <p:strVal val="#ppt_y-.1"/>
-                                          </p:val>
-                                        </p:tav>
-                                        <p:tav tm="100000">
-                                          <p:val>
-                                            <p:strVal val="#ppt_y"/>
-                                          </p:val>
-                                        </p:tav>
-                                      </p:tavLst>
-                                    </p:anim>
-                                  </p:childTnLst>
-                                </p:cTn>
-                              </p:par>
-                              <p:par>
-                                <p:cTn id="69" presetID="26" presetClass="emph" presetSubtype="0" repeatCount="5000" fill="hold" grpId="1" nodeType="withEffect">
-                                  <p:stCondLst>
-                                    <p:cond delay="0"/>
-                                  </p:stCondLst>
-                                  <p:childTnLst>
-                                    <p:animEffect transition="out" filter="fade">
-                                      <p:cBhvr>
-                                        <p:cTn id="70" dur="1000" tmFilter="0, 0; .2, .5; .8, .5; 1, 0"/>
-                                        <p:tgtEl>
-                                          <p:spTgt spid="20"/>
-                                        </p:tgtEl>
-                                      </p:cBhvr>
-                                    </p:animEffect>
-                                    <p:animScale>
-                                      <p:cBhvr>
-                                        <p:cTn id="71" dur="500" autoRev="1" fill="hold"/>
-                                        <p:tgtEl>
-                                          <p:spTgt spid="20"/>
-                                        </p:tgtEl>
-                                      </p:cBhvr>
-                                      <p:by x="105000" y="105000"/>
-                                    </p:animScale>
-                                  </p:childTnLst>
-                                </p:cTn>
-                              </p:par>
-                            </p:childTnLst>
-                          </p:cTn>
-                        </p:par>
-                      </p:childTnLst>
-                    </p:cTn>
-                  </p:par>
-                </p:childTnLst>
-              </p:cTn>
-              <p:prevCondLst>
-                <p:cond evt="onPrev" delay="0">
-                  <p:tgtEl>
-                    <p:sldTgt/>
-                  </p:tgtEl>
-                </p:cond>
-              </p:prevCondLst>
-              <p:nextCondLst>
-                <p:cond evt="onNext" delay="0">
-                  <p:tgtEl>
-                    <p:sldTgt/>
-                  </p:tgtEl>
-                </p:cond>
-              </p:nextCondLst>
-            </p:seq>
-          </p:childTnLst>
-        </p:cTn>
-      </p:par>
-    </p:tnLst>
-    <p:bldLst>
-      <p:bldP spid="31" grpId="0" animBg="1"/>
-      <p:bldP spid="32" grpId="0" animBg="1"/>
-      <p:bldP spid="35" grpId="0" animBg="1"/>
-      <p:bldP spid="35" grpId="1" animBg="1"/>
-      <p:bldP spid="21" grpId="0" animBg="1"/>
-      <p:bldP spid="21" grpId="1" animBg="1"/>
-      <p:bldP spid="15" grpId="0" animBg="1"/>
-      <p:bldP spid="16" grpId="0" animBg="1"/>
-      <p:bldP spid="16" grpId="1" animBg="1"/>
-      <p:bldP spid="18" grpId="0" animBg="1"/>
-      <p:bldP spid="18" grpId="1" animBg="1"/>
-      <p:bldP spid="20" grpId="0" animBg="1"/>
-      <p:bldP spid="20" grpId="1" animBg="1"/>
-    </p:bldLst>
-  </p:timing>
-</p:sld>
-</file>
-
-<file path=ppt/slides/slide11.xml><?xml version="1.0" encoding="utf-8"?>
-<p:sld xmlns:a="http://schemas.openxmlformats.org/drawingml/2006/main" xmlns:r="http://schemas.openxmlformats.org/officeDocument/2006/relationships" xmlns:p="http://schemas.openxmlformats.org/presentationml/2006/main">
-  <p:cSld>
-    <p:spTree>
-      <p:nvGrpSpPr>
-        <p:cNvPr id="1" name=""/>
-        <p:cNvGrpSpPr/>
-        <p:nvPr/>
-      </p:nvGrpSpPr>
-      <p:grpSpPr>
-        <a:xfrm>
-          <a:off x="0" y="0"/>
-          <a:ext cx="0" cy="0"/>
-          <a:chOff x="0" y="0"/>
-          <a:chExt cx="0" cy="0"/>
-        </a:xfrm>
-      </p:grpSpPr>
-      <p:sp>
-        <p:nvSpPr>
-          <p:cNvPr id="2" name="Titel 1"/>
-          <p:cNvSpPr>
-            <a:spLocks noGrp="1"/>
-          </p:cNvSpPr>
-          <p:nvPr>
-            <p:ph type="title"/>
-          </p:nvPr>
-        </p:nvSpPr>
-        <p:spPr/>
-        <p:txBody>
-          <a:bodyPr/>
-          <a:lstStyle/>
-          <a:p>
-            <a:r>
               <a:rPr lang="de" altLang="ko-KR" dirty="0"/>
               <a:t>5. Ergebnisse &amp; Diskussion</a:t>
             </a:r>
@@ -7185,250 +4801,7 @@
 </p:sld>
 </file>
 
-<file path=ppt/slides/slide12.xml><?xml version="1.0" encoding="utf-8"?>
-<p:sld xmlns:a="http://schemas.openxmlformats.org/drawingml/2006/main" xmlns:r="http://schemas.openxmlformats.org/officeDocument/2006/relationships" xmlns:p="http://schemas.openxmlformats.org/presentationml/2006/main">
-  <p:cSld>
-    <p:spTree>
-      <p:nvGrpSpPr>
-        <p:cNvPr id="1" name=""/>
-        <p:cNvGrpSpPr/>
-        <p:nvPr/>
-      </p:nvGrpSpPr>
-      <p:grpSpPr>
-        <a:xfrm>
-          <a:off x="0" y="0"/>
-          <a:ext cx="0" cy="0"/>
-          <a:chOff x="0" y="0"/>
-          <a:chExt cx="0" cy="0"/>
-        </a:xfrm>
-      </p:grpSpPr>
-      <p:pic>
-        <p:nvPicPr>
-          <p:cNvPr id="3" name="그림 2">
-            <a:extLst>
-              <a:ext uri="{FF2B5EF4-FFF2-40B4-BE49-F238E27FC236}">
-                <a16:creationId xmlns:a16="http://schemas.microsoft.com/office/drawing/2014/main" id="{C9BDF3E4-694D-244B-9A00-EB1AD5D6DE5D}"/>
-              </a:ext>
-            </a:extLst>
-          </p:cNvPr>
-          <p:cNvPicPr>
-            <a:picLocks noChangeAspect="1"/>
-          </p:cNvPicPr>
-          <p:nvPr/>
-        </p:nvPicPr>
-        <p:blipFill>
-          <a:blip r:embed="rId2" cstate="print">
-            <a:extLst>
-              <a:ext uri="{28A0092B-C50C-407E-A947-70E740481C1C}">
-                <a14:useLocalDpi xmlns:a14="http://schemas.microsoft.com/office/drawing/2010/main" val="0"/>
-              </a:ext>
-            </a:extLst>
-          </a:blip>
-          <a:stretch>
-            <a:fillRect/>
-          </a:stretch>
-        </p:blipFill>
-        <p:spPr>
-          <a:xfrm>
-            <a:off x="498621" y="675762"/>
-            <a:ext cx="2930163" cy="1895988"/>
-          </a:xfrm>
-          <a:prstGeom prst="rect">
-            <a:avLst/>
-          </a:prstGeom>
-        </p:spPr>
-      </p:pic>
-      <p:pic>
-        <p:nvPicPr>
-          <p:cNvPr id="4" name="그림 3">
-            <a:extLst>
-              <a:ext uri="{FF2B5EF4-FFF2-40B4-BE49-F238E27FC236}">
-                <a16:creationId xmlns:a16="http://schemas.microsoft.com/office/drawing/2014/main" id="{6EA4D951-D553-A24C-AD7C-317511526B91}"/>
-              </a:ext>
-            </a:extLst>
-          </p:cNvPr>
-          <p:cNvPicPr>
-            <a:picLocks noChangeAspect="1"/>
-          </p:cNvPicPr>
-          <p:nvPr/>
-        </p:nvPicPr>
-        <p:blipFill>
-          <a:blip r:embed="rId3">
-            <a:extLst>
-              <a:ext uri="{28A0092B-C50C-407E-A947-70E740481C1C}">
-                <a14:useLocalDpi xmlns:a14="http://schemas.microsoft.com/office/drawing/2010/main" val="0"/>
-              </a:ext>
-            </a:extLst>
-          </a:blip>
-          <a:stretch>
-            <a:fillRect/>
-          </a:stretch>
-        </p:blipFill>
-        <p:spPr>
-          <a:xfrm>
-            <a:off x="6659319" y="708627"/>
-            <a:ext cx="2064549" cy="3678217"/>
-          </a:xfrm>
-          <a:prstGeom prst="rect">
-            <a:avLst/>
-          </a:prstGeom>
-        </p:spPr>
-      </p:pic>
-      <p:pic>
-        <p:nvPicPr>
-          <p:cNvPr id="5" name="그림 4">
-            <a:extLst>
-              <a:ext uri="{FF2B5EF4-FFF2-40B4-BE49-F238E27FC236}">
-                <a16:creationId xmlns:a16="http://schemas.microsoft.com/office/drawing/2014/main" id="{85528231-84FF-E948-A766-38A7F28B1C64}"/>
-              </a:ext>
-            </a:extLst>
-          </p:cNvPr>
-          <p:cNvPicPr>
-            <a:picLocks noChangeAspect="1"/>
-          </p:cNvPicPr>
-          <p:nvPr/>
-        </p:nvPicPr>
-        <p:blipFill>
-          <a:blip r:embed="rId4" cstate="print">
-            <a:extLst>
-              <a:ext uri="{28A0092B-C50C-407E-A947-70E740481C1C}">
-                <a14:useLocalDpi xmlns:a14="http://schemas.microsoft.com/office/drawing/2010/main" val="0"/>
-              </a:ext>
-            </a:extLst>
-          </a:blip>
-          <a:stretch>
-            <a:fillRect/>
-          </a:stretch>
-        </p:blipFill>
-        <p:spPr>
-          <a:xfrm>
-            <a:off x="430549" y="2721750"/>
-            <a:ext cx="2797592" cy="1796387"/>
-          </a:xfrm>
-          <a:prstGeom prst="rect">
-            <a:avLst/>
-          </a:prstGeom>
-        </p:spPr>
-      </p:pic>
-      <p:pic>
-        <p:nvPicPr>
-          <p:cNvPr id="7" name="그림 6">
-            <a:extLst>
-              <a:ext uri="{FF2B5EF4-FFF2-40B4-BE49-F238E27FC236}">
-                <a16:creationId xmlns:a16="http://schemas.microsoft.com/office/drawing/2014/main" id="{A57580C8-7164-6146-AA08-DC2C8C572A04}"/>
-              </a:ext>
-            </a:extLst>
-          </p:cNvPr>
-          <p:cNvPicPr>
-            <a:picLocks noChangeAspect="1"/>
-          </p:cNvPicPr>
-          <p:nvPr/>
-        </p:nvPicPr>
-        <p:blipFill>
-          <a:blip r:embed="rId5" cstate="print">
-            <a:extLst>
-              <a:ext uri="{28A0092B-C50C-407E-A947-70E740481C1C}">
-                <a14:useLocalDpi xmlns:a14="http://schemas.microsoft.com/office/drawing/2010/main" val="0"/>
-              </a:ext>
-            </a:extLst>
-          </a:blip>
-          <a:stretch>
-            <a:fillRect/>
-          </a:stretch>
-        </p:blipFill>
-        <p:spPr>
-          <a:xfrm>
-            <a:off x="3716336" y="2795377"/>
-            <a:ext cx="2570118" cy="1649131"/>
-          </a:xfrm>
-          <a:prstGeom prst="rect">
-            <a:avLst/>
-          </a:prstGeom>
-        </p:spPr>
-      </p:pic>
-      <p:pic>
-        <p:nvPicPr>
-          <p:cNvPr id="8" name="그림 7">
-            <a:extLst>
-              <a:ext uri="{FF2B5EF4-FFF2-40B4-BE49-F238E27FC236}">
-                <a16:creationId xmlns:a16="http://schemas.microsoft.com/office/drawing/2014/main" id="{378DD809-C88A-AC4F-9727-B3D48DCC0EFE}"/>
-              </a:ext>
-            </a:extLst>
-          </p:cNvPr>
-          <p:cNvPicPr>
-            <a:picLocks noChangeAspect="1"/>
-          </p:cNvPicPr>
-          <p:nvPr/>
-        </p:nvPicPr>
-        <p:blipFill>
-          <a:blip r:embed="rId6" cstate="print">
-            <a:extLst>
-              <a:ext uri="{28A0092B-C50C-407E-A947-70E740481C1C}">
-                <a14:useLocalDpi xmlns:a14="http://schemas.microsoft.com/office/drawing/2010/main" val="0"/>
-              </a:ext>
-            </a:extLst>
-          </a:blip>
-          <a:stretch>
-            <a:fillRect/>
-          </a:stretch>
-        </p:blipFill>
-        <p:spPr>
-          <a:xfrm>
-            <a:off x="3612117" y="692664"/>
-            <a:ext cx="2930164" cy="1879086"/>
-          </a:xfrm>
-          <a:prstGeom prst="rect">
-            <a:avLst/>
-          </a:prstGeom>
-        </p:spPr>
-      </p:pic>
-      <p:sp>
-        <p:nvSpPr>
-          <p:cNvPr id="9" name="Titel 1">
-            <a:extLst>
-              <a:ext uri="{FF2B5EF4-FFF2-40B4-BE49-F238E27FC236}">
-                <a16:creationId xmlns:a16="http://schemas.microsoft.com/office/drawing/2014/main" id="{499727D9-A8E1-A14D-8FF1-EEEE7F1169D3}"/>
-              </a:ext>
-            </a:extLst>
-          </p:cNvPr>
-          <p:cNvSpPr>
-            <a:spLocks noGrp="1"/>
-          </p:cNvSpPr>
-          <p:nvPr>
-            <p:ph type="title"/>
-          </p:nvPr>
-        </p:nvSpPr>
-        <p:spPr>
-          <a:xfrm>
-            <a:off x="180000" y="254870"/>
-            <a:ext cx="6480000" cy="432000"/>
-          </a:xfrm>
-        </p:spPr>
-        <p:txBody>
-          <a:bodyPr/>
-          <a:lstStyle/>
-          <a:p>
-            <a:r>
-              <a:rPr lang="de-DE" noProof="0" dirty="0"/>
-              <a:t>Motivation Datenintegration</a:t>
-            </a:r>
-          </a:p>
-        </p:txBody>
-      </p:sp>
-    </p:spTree>
-    <p:extLst>
-      <p:ext uri="{BB962C8B-B14F-4D97-AF65-F5344CB8AC3E}">
-        <p14:creationId xmlns:p14="http://schemas.microsoft.com/office/powerpoint/2010/main" val="1846155174"/>
-      </p:ext>
-    </p:extLst>
-  </p:cSld>
-  <p:clrMapOvr>
-    <a:masterClrMapping/>
-  </p:clrMapOvr>
-</p:sld>
-</file>
-
-<file path=ppt/slides/slide13.xml><?xml version="1.0" encoding="utf-8"?>
+<file path=ppt/slides/slide11.xml><?xml version="1.0" encoding="utf-8"?>
 <p:sld xmlns:a="http://schemas.openxmlformats.org/drawingml/2006/main" xmlns:r="http://schemas.openxmlformats.org/officeDocument/2006/relationships" xmlns:p="http://schemas.openxmlformats.org/presentationml/2006/main">
   <p:cSld>
     <p:spTree>
@@ -8381,7 +5754,214 @@
 </p:sld>
 </file>
 
-<file path=ppt/slides/slide14.xml><?xml version="1.0" encoding="utf-8"?>
+<file path=ppt/slides/slide12.xml><?xml version="1.0" encoding="utf-8"?>
+<p:sld xmlns:a="http://schemas.openxmlformats.org/drawingml/2006/main" xmlns:r="http://schemas.openxmlformats.org/officeDocument/2006/relationships" xmlns:p="http://schemas.openxmlformats.org/presentationml/2006/main">
+  <p:cSld>
+    <p:spTree>
+      <p:nvGrpSpPr>
+        <p:cNvPr id="1" name=""/>
+        <p:cNvGrpSpPr/>
+        <p:nvPr/>
+      </p:nvGrpSpPr>
+      <p:grpSpPr>
+        <a:xfrm>
+          <a:off x="0" y="0"/>
+          <a:ext cx="0" cy="0"/>
+          <a:chOff x="0" y="0"/>
+          <a:chExt cx="0" cy="0"/>
+        </a:xfrm>
+      </p:grpSpPr>
+      <p:pic>
+        <p:nvPicPr>
+          <p:cNvPr id="3" name="그림 2">
+            <a:extLst>
+              <a:ext uri="{FF2B5EF4-FFF2-40B4-BE49-F238E27FC236}">
+                <a16:creationId xmlns:a16="http://schemas.microsoft.com/office/drawing/2014/main" id="{C9BDF3E4-694D-244B-9A00-EB1AD5D6DE5D}"/>
+              </a:ext>
+            </a:extLst>
+          </p:cNvPr>
+          <p:cNvPicPr>
+            <a:picLocks noChangeAspect="1"/>
+          </p:cNvPicPr>
+          <p:nvPr/>
+        </p:nvPicPr>
+        <p:blipFill>
+          <a:blip r:embed="rId2" cstate="print">
+            <a:extLst>
+              <a:ext uri="{28A0092B-C50C-407E-A947-70E740481C1C}">
+                <a14:useLocalDpi xmlns:a14="http://schemas.microsoft.com/office/drawing/2010/main" val="0"/>
+              </a:ext>
+            </a:extLst>
+          </a:blip>
+          <a:stretch>
+            <a:fillRect/>
+          </a:stretch>
+        </p:blipFill>
+        <p:spPr>
+          <a:xfrm>
+            <a:off x="498621" y="675762"/>
+            <a:ext cx="2930163" cy="1895988"/>
+          </a:xfrm>
+          <a:prstGeom prst="rect">
+            <a:avLst/>
+          </a:prstGeom>
+        </p:spPr>
+      </p:pic>
+      <p:pic>
+        <p:nvPicPr>
+          <p:cNvPr id="5" name="그림 4">
+            <a:extLst>
+              <a:ext uri="{FF2B5EF4-FFF2-40B4-BE49-F238E27FC236}">
+                <a16:creationId xmlns:a16="http://schemas.microsoft.com/office/drawing/2014/main" id="{85528231-84FF-E948-A766-38A7F28B1C64}"/>
+              </a:ext>
+            </a:extLst>
+          </p:cNvPr>
+          <p:cNvPicPr>
+            <a:picLocks noChangeAspect="1"/>
+          </p:cNvPicPr>
+          <p:nvPr/>
+        </p:nvPicPr>
+        <p:blipFill>
+          <a:blip r:embed="rId3" cstate="print">
+            <a:extLst>
+              <a:ext uri="{28A0092B-C50C-407E-A947-70E740481C1C}">
+                <a14:useLocalDpi xmlns:a14="http://schemas.microsoft.com/office/drawing/2010/main" val="0"/>
+              </a:ext>
+            </a:extLst>
+          </a:blip>
+          <a:stretch>
+            <a:fillRect/>
+          </a:stretch>
+        </p:blipFill>
+        <p:spPr>
+          <a:xfrm>
+            <a:off x="430549" y="2721750"/>
+            <a:ext cx="2797592" cy="1796387"/>
+          </a:xfrm>
+          <a:prstGeom prst="rect">
+            <a:avLst/>
+          </a:prstGeom>
+        </p:spPr>
+      </p:pic>
+      <p:pic>
+        <p:nvPicPr>
+          <p:cNvPr id="7" name="그림 6">
+            <a:extLst>
+              <a:ext uri="{FF2B5EF4-FFF2-40B4-BE49-F238E27FC236}">
+                <a16:creationId xmlns:a16="http://schemas.microsoft.com/office/drawing/2014/main" id="{A57580C8-7164-6146-AA08-DC2C8C572A04}"/>
+              </a:ext>
+            </a:extLst>
+          </p:cNvPr>
+          <p:cNvPicPr>
+            <a:picLocks noChangeAspect="1"/>
+          </p:cNvPicPr>
+          <p:nvPr/>
+        </p:nvPicPr>
+        <p:blipFill>
+          <a:blip r:embed="rId4" cstate="print">
+            <a:extLst>
+              <a:ext uri="{28A0092B-C50C-407E-A947-70E740481C1C}">
+                <a14:useLocalDpi xmlns:a14="http://schemas.microsoft.com/office/drawing/2010/main" val="0"/>
+              </a:ext>
+            </a:extLst>
+          </a:blip>
+          <a:stretch>
+            <a:fillRect/>
+          </a:stretch>
+        </p:blipFill>
+        <p:spPr>
+          <a:xfrm>
+            <a:off x="3716336" y="2795377"/>
+            <a:ext cx="2570118" cy="1649131"/>
+          </a:xfrm>
+          <a:prstGeom prst="rect">
+            <a:avLst/>
+          </a:prstGeom>
+        </p:spPr>
+      </p:pic>
+      <p:pic>
+        <p:nvPicPr>
+          <p:cNvPr id="8" name="그림 7">
+            <a:extLst>
+              <a:ext uri="{FF2B5EF4-FFF2-40B4-BE49-F238E27FC236}">
+                <a16:creationId xmlns:a16="http://schemas.microsoft.com/office/drawing/2014/main" id="{378DD809-C88A-AC4F-9727-B3D48DCC0EFE}"/>
+              </a:ext>
+            </a:extLst>
+          </p:cNvPr>
+          <p:cNvPicPr>
+            <a:picLocks noChangeAspect="1"/>
+          </p:cNvPicPr>
+          <p:nvPr/>
+        </p:nvPicPr>
+        <p:blipFill>
+          <a:blip r:embed="rId5" cstate="print">
+            <a:extLst>
+              <a:ext uri="{28A0092B-C50C-407E-A947-70E740481C1C}">
+                <a14:useLocalDpi xmlns:a14="http://schemas.microsoft.com/office/drawing/2010/main" val="0"/>
+              </a:ext>
+            </a:extLst>
+          </a:blip>
+          <a:stretch>
+            <a:fillRect/>
+          </a:stretch>
+        </p:blipFill>
+        <p:spPr>
+          <a:xfrm>
+            <a:off x="3612117" y="692664"/>
+            <a:ext cx="2930164" cy="1879086"/>
+          </a:xfrm>
+          <a:prstGeom prst="rect">
+            <a:avLst/>
+          </a:prstGeom>
+        </p:spPr>
+      </p:pic>
+      <p:sp>
+        <p:nvSpPr>
+          <p:cNvPr id="9" name="Titel 1">
+            <a:extLst>
+              <a:ext uri="{FF2B5EF4-FFF2-40B4-BE49-F238E27FC236}">
+                <a16:creationId xmlns:a16="http://schemas.microsoft.com/office/drawing/2014/main" id="{499727D9-A8E1-A14D-8FF1-EEEE7F1169D3}"/>
+              </a:ext>
+            </a:extLst>
+          </p:cNvPr>
+          <p:cNvSpPr>
+            <a:spLocks noGrp="1"/>
+          </p:cNvSpPr>
+          <p:nvPr>
+            <p:ph type="title"/>
+          </p:nvPr>
+        </p:nvSpPr>
+        <p:spPr>
+          <a:xfrm>
+            <a:off x="180000" y="254870"/>
+            <a:ext cx="6480000" cy="432000"/>
+          </a:xfrm>
+        </p:spPr>
+        <p:txBody>
+          <a:bodyPr/>
+          <a:lstStyle/>
+          <a:p>
+            <a:r>
+              <a:rPr lang="de-DE" noProof="0" dirty="0"/>
+              <a:t>Motivation Datenintegration</a:t>
+            </a:r>
+          </a:p>
+        </p:txBody>
+      </p:sp>
+    </p:spTree>
+    <p:extLst>
+      <p:ext uri="{BB962C8B-B14F-4D97-AF65-F5344CB8AC3E}">
+        <p14:creationId xmlns:p14="http://schemas.microsoft.com/office/powerpoint/2010/main" val="1846155174"/>
+      </p:ext>
+    </p:extLst>
+  </p:cSld>
+  <p:clrMapOvr>
+    <a:masterClrMapping/>
+  </p:clrMapOvr>
+</p:sld>
+</file>
+
+<file path=ppt/slides/slide13.xml><?xml version="1.0" encoding="utf-8"?>
 <p:sld xmlns:a="http://schemas.openxmlformats.org/drawingml/2006/main" xmlns:r="http://schemas.openxmlformats.org/officeDocument/2006/relationships" xmlns:p="http://schemas.openxmlformats.org/presentationml/2006/main">
   <p:cSld>
     <p:spTree>
@@ -8434,7 +6014,7 @@
 </p:sld>
 </file>
 
-<file path=ppt/slides/slide15.xml><?xml version="1.0" encoding="utf-8"?>
+<file path=ppt/slides/slide14.xml><?xml version="1.0" encoding="utf-8"?>
 <p:sld xmlns:a="http://schemas.openxmlformats.org/drawingml/2006/main" xmlns:r="http://schemas.openxmlformats.org/officeDocument/2006/relationships" xmlns:p="http://schemas.openxmlformats.org/presentationml/2006/main">
   <p:cSld>
     <p:spTree>
@@ -8930,7 +6510,7 @@
 </p:sld>
 </file>
 
-<file path=ppt/slides/slide16.xml><?xml version="1.0" encoding="utf-8"?>
+<file path=ppt/slides/slide15.xml><?xml version="1.0" encoding="utf-8"?>
 <p:sld xmlns:a="http://schemas.openxmlformats.org/drawingml/2006/main" xmlns:r="http://schemas.openxmlformats.org/officeDocument/2006/relationships" xmlns:p="http://schemas.openxmlformats.org/presentationml/2006/main">
   <p:cSld>
     <p:spTree>
@@ -9005,7 +6585,7 @@
 </p:sld>
 </file>
 
-<file path=ppt/slides/slide17.xml><?xml version="1.0" encoding="utf-8"?>
+<file path=ppt/slides/slide16.xml><?xml version="1.0" encoding="utf-8"?>
 <p:sld xmlns:a="http://schemas.openxmlformats.org/drawingml/2006/main" xmlns:r="http://schemas.openxmlformats.org/officeDocument/2006/relationships" xmlns:p="http://schemas.openxmlformats.org/presentationml/2006/main">
   <p:cSld>
     <p:spTree>
@@ -9383,7 +6963,7 @@
 </p:sld>
 </file>
 
-<file path=ppt/slides/slide18.xml><?xml version="1.0" encoding="utf-8"?>
+<file path=ppt/slides/slide17.xml><?xml version="1.0" encoding="utf-8"?>
 <p:sld xmlns:a="http://schemas.openxmlformats.org/drawingml/2006/main" xmlns:r="http://schemas.openxmlformats.org/officeDocument/2006/relationships" xmlns:p="http://schemas.openxmlformats.org/presentationml/2006/main">
   <p:cSld>
     <p:spTree>
@@ -9874,7 +7454,7 @@
 </p:sld>
 </file>
 
-<file path=ppt/slides/slide19.xml><?xml version="1.0" encoding="utf-8"?>
+<file path=ppt/slides/slide18.xml><?xml version="1.0" encoding="utf-8"?>
 <p:sld xmlns:a="http://schemas.openxmlformats.org/drawingml/2006/main" xmlns:r="http://schemas.openxmlformats.org/officeDocument/2006/relationships" xmlns:p="http://schemas.openxmlformats.org/presentationml/2006/main">
   <p:cSld>
     <p:spTree>
@@ -11543,6 +9123,53 @@
 </p:sld>
 </file>
 
+<file path=ppt/slides/slide19.xml><?xml version="1.0" encoding="utf-8"?>
+<p:sld xmlns:a="http://schemas.openxmlformats.org/drawingml/2006/main" xmlns:r="http://schemas.openxmlformats.org/officeDocument/2006/relationships" xmlns:p="http://schemas.openxmlformats.org/presentationml/2006/main">
+  <p:cSld>
+    <p:spTree>
+      <p:nvGrpSpPr>
+        <p:cNvPr id="1" name=""/>
+        <p:cNvGrpSpPr/>
+        <p:nvPr/>
+      </p:nvGrpSpPr>
+      <p:grpSpPr>
+        <a:xfrm>
+          <a:off x="0" y="0"/>
+          <a:ext cx="0" cy="0"/>
+          <a:chOff x="0" y="0"/>
+          <a:chExt cx="0" cy="0"/>
+        </a:xfrm>
+      </p:grpSpPr>
+      <p:sp>
+        <p:nvSpPr>
+          <p:cNvPr id="2" name="Titel 1"/>
+          <p:cNvSpPr>
+            <a:spLocks noGrp="1"/>
+          </p:cNvSpPr>
+          <p:nvPr>
+            <p:ph type="title"/>
+          </p:nvPr>
+        </p:nvSpPr>
+        <p:spPr/>
+        <p:txBody>
+          <a:bodyPr/>
+          <a:lstStyle/>
+          <a:p>
+            <a:r>
+              <a:rPr lang="de-DE" noProof="0" dirty="0"/>
+              <a:t>Klassifikation von Integrationsansätzen</a:t>
+            </a:r>
+          </a:p>
+        </p:txBody>
+      </p:sp>
+    </p:spTree>
+  </p:cSld>
+  <p:clrMapOvr>
+    <a:masterClrMapping/>
+  </p:clrMapOvr>
+</p:sld>
+</file>
+
 <file path=ppt/slides/slide2.xml><?xml version="1.0" encoding="utf-8"?>
 <p:sld xmlns:a="http://schemas.openxmlformats.org/drawingml/2006/main" xmlns:r="http://schemas.openxmlformats.org/officeDocument/2006/relationships" xmlns:p="http://schemas.openxmlformats.org/presentationml/2006/main">
   <p:cSld>
@@ -11692,53 +9319,6 @@
 </file>
 
 <file path=ppt/slides/slide20.xml><?xml version="1.0" encoding="utf-8"?>
-<p:sld xmlns:a="http://schemas.openxmlformats.org/drawingml/2006/main" xmlns:r="http://schemas.openxmlformats.org/officeDocument/2006/relationships" xmlns:p="http://schemas.openxmlformats.org/presentationml/2006/main">
-  <p:cSld>
-    <p:spTree>
-      <p:nvGrpSpPr>
-        <p:cNvPr id="1" name=""/>
-        <p:cNvGrpSpPr/>
-        <p:nvPr/>
-      </p:nvGrpSpPr>
-      <p:grpSpPr>
-        <a:xfrm>
-          <a:off x="0" y="0"/>
-          <a:ext cx="0" cy="0"/>
-          <a:chOff x="0" y="0"/>
-          <a:chExt cx="0" cy="0"/>
-        </a:xfrm>
-      </p:grpSpPr>
-      <p:sp>
-        <p:nvSpPr>
-          <p:cNvPr id="2" name="Titel 1"/>
-          <p:cNvSpPr>
-            <a:spLocks noGrp="1"/>
-          </p:cNvSpPr>
-          <p:nvPr>
-            <p:ph type="title"/>
-          </p:nvPr>
-        </p:nvSpPr>
-        <p:spPr/>
-        <p:txBody>
-          <a:bodyPr/>
-          <a:lstStyle/>
-          <a:p>
-            <a:r>
-              <a:rPr lang="de-DE" noProof="0" dirty="0"/>
-              <a:t>Klassifikation von Integrationsansätzen</a:t>
-            </a:r>
-          </a:p>
-        </p:txBody>
-      </p:sp>
-    </p:spTree>
-  </p:cSld>
-  <p:clrMapOvr>
-    <a:masterClrMapping/>
-  </p:clrMapOvr>
-</p:sld>
-</file>
-
-<file path=ppt/slides/slide21.xml><?xml version="1.0" encoding="utf-8"?>
 <p:sld xmlns:a="http://schemas.openxmlformats.org/drawingml/2006/main" xmlns:r="http://schemas.openxmlformats.org/officeDocument/2006/relationships" xmlns:p="http://schemas.openxmlformats.org/presentationml/2006/main">
   <p:cSld>
     <p:spTree>
@@ -13556,7 +11136,23 @@
                   <a:schemeClr val="tx1"/>
                 </a:solidFill>
               </a:rPr>
-              <a:t>Bedarf von BigData erhöht sich, Low-Cost-Sensor, UmweltMessen kommt häufig Ausreißer</a:t>
+              <a:t>Bedarf von </a:t>
+            </a:r>
+            <a:r>
+              <a:rPr lang="de-DE" dirty="0" err="1">
+                <a:solidFill>
+                  <a:schemeClr val="tx1"/>
+                </a:solidFill>
+              </a:rPr>
+              <a:t>Monitering</a:t>
+            </a:r>
+            <a:r>
+              <a:rPr lang="de-DE" dirty="0">
+                <a:solidFill>
+                  <a:schemeClr val="tx1"/>
+                </a:solidFill>
+              </a:rPr>
+              <a:t> erhöht sich, Low-Cost-Sensor, UmweltMessen kommt häufig Ausreißer</a:t>
             </a:r>
           </a:p>
           <a:p>
@@ -13660,63 +11256,6 @@
 </file>
 
 <file path=ppt/slides/slide5.xml><?xml version="1.0" encoding="utf-8"?>
-<p:sld xmlns:a="http://schemas.openxmlformats.org/drawingml/2006/main" xmlns:r="http://schemas.openxmlformats.org/officeDocument/2006/relationships" xmlns:p="http://schemas.openxmlformats.org/presentationml/2006/main">
-  <p:cSld>
-    <p:spTree>
-      <p:nvGrpSpPr>
-        <p:cNvPr id="1" name=""/>
-        <p:cNvGrpSpPr/>
-        <p:nvPr/>
-      </p:nvGrpSpPr>
-      <p:grpSpPr>
-        <a:xfrm>
-          <a:off x="0" y="0"/>
-          <a:ext cx="0" cy="0"/>
-          <a:chOff x="0" y="0"/>
-          <a:chExt cx="0" cy="0"/>
-        </a:xfrm>
-      </p:grpSpPr>
-      <p:sp>
-        <p:nvSpPr>
-          <p:cNvPr id="2" name="Titel 1"/>
-          <p:cNvSpPr>
-            <a:spLocks noGrp="1"/>
-          </p:cNvSpPr>
-          <p:nvPr>
-            <p:ph type="title"/>
-          </p:nvPr>
-        </p:nvSpPr>
-        <p:spPr/>
-        <p:txBody>
-          <a:bodyPr/>
-          <a:lstStyle/>
-          <a:p>
-            <a:r>
-              <a:rPr lang="de-DE" altLang="ko-KR" dirty="0"/>
-              <a:t>2. </a:t>
-            </a:r>
-            <a:r>
-              <a:rPr lang="de-DE" altLang="ko-KR" sz="2400" dirty="0"/>
-              <a:t>Vorbetrachtungen</a:t>
-            </a:r>
-            <a:endParaRPr lang="de-DE" noProof="0" dirty="0"/>
-          </a:p>
-        </p:txBody>
-      </p:sp>
-    </p:spTree>
-    <p:extLst>
-      <p:ext uri="{BB962C8B-B14F-4D97-AF65-F5344CB8AC3E}">
-        <p14:creationId xmlns:p14="http://schemas.microsoft.com/office/powerpoint/2010/main" val="2628398102"/>
-      </p:ext>
-    </p:extLst>
-  </p:cSld>
-  <p:clrMapOvr>
-    <a:masterClrMapping/>
-  </p:clrMapOvr>
-</p:sld>
-</file>
-
-<file path=ppt/slides/slide6.xml><?xml version="1.0" encoding="utf-8"?>
 <p:sld xmlns:a="http://schemas.openxmlformats.org/drawingml/2006/main" xmlns:r="http://schemas.openxmlformats.org/officeDocument/2006/relationships" xmlns:p="http://schemas.openxmlformats.org/presentationml/2006/main">
   <p:cSld>
     <p:spTree>
@@ -13862,7 +11401,7 @@
 </p:sld>
 </file>
 
-<file path=ppt/slides/slide7.xml><?xml version="1.0" encoding="utf-8"?>
+<file path=ppt/slides/slide6.xml><?xml version="1.0" encoding="utf-8"?>
 <p:sld xmlns:a="http://schemas.openxmlformats.org/drawingml/2006/main" xmlns:r="http://schemas.openxmlformats.org/officeDocument/2006/relationships" xmlns:p="http://schemas.openxmlformats.org/presentationml/2006/main">
   <p:cSld>
     <p:spTree>
@@ -13915,7 +11454,7 @@
 </p:sld>
 </file>
 
-<file path=ppt/slides/slide8.xml><?xml version="1.0" encoding="utf-8"?>
+<file path=ppt/slides/slide7.xml><?xml version="1.0" encoding="utf-8"?>
 <p:sld xmlns:a="http://schemas.openxmlformats.org/drawingml/2006/main" xmlns:r="http://schemas.openxmlformats.org/officeDocument/2006/relationships" xmlns:p="http://schemas.openxmlformats.org/presentationml/2006/main">
   <p:cSld>
     <p:spTree>
@@ -15442,6 +12981,59 @@
 </p:sld>
 </file>
 
+<file path=ppt/slides/slide8.xml><?xml version="1.0" encoding="utf-8"?>
+<p:sld xmlns:a="http://schemas.openxmlformats.org/drawingml/2006/main" xmlns:r="http://schemas.openxmlformats.org/officeDocument/2006/relationships" xmlns:p="http://schemas.openxmlformats.org/presentationml/2006/main">
+  <p:cSld>
+    <p:spTree>
+      <p:nvGrpSpPr>
+        <p:cNvPr id="1" name=""/>
+        <p:cNvGrpSpPr/>
+        <p:nvPr/>
+      </p:nvGrpSpPr>
+      <p:grpSpPr>
+        <a:xfrm>
+          <a:off x="0" y="0"/>
+          <a:ext cx="0" cy="0"/>
+          <a:chOff x="0" y="0"/>
+          <a:chExt cx="0" cy="0"/>
+        </a:xfrm>
+      </p:grpSpPr>
+      <p:sp>
+        <p:nvSpPr>
+          <p:cNvPr id="2" name="Titel 1"/>
+          <p:cNvSpPr>
+            <a:spLocks noGrp="1"/>
+          </p:cNvSpPr>
+          <p:nvPr>
+            <p:ph type="title"/>
+          </p:nvPr>
+        </p:nvSpPr>
+        <p:spPr/>
+        <p:txBody>
+          <a:bodyPr/>
+          <a:lstStyle/>
+          <a:p>
+            <a:r>
+              <a:rPr lang="de-DE" altLang="ko-KR" dirty="0"/>
+              <a:t>4. Methoden</a:t>
+            </a:r>
+            <a:endParaRPr lang="de-DE" noProof="0" dirty="0"/>
+          </a:p>
+        </p:txBody>
+      </p:sp>
+    </p:spTree>
+    <p:extLst>
+      <p:ext uri="{BB962C8B-B14F-4D97-AF65-F5344CB8AC3E}">
+        <p14:creationId xmlns:p14="http://schemas.microsoft.com/office/powerpoint/2010/main" val="3430434355"/>
+      </p:ext>
+    </p:extLst>
+  </p:cSld>
+  <p:clrMapOvr>
+    <a:masterClrMapping/>
+  </p:clrMapOvr>
+</p:sld>
+</file>
+
 <file path=ppt/slides/slide9.xml><?xml version="1.0" encoding="utf-8"?>
 <p:sld xmlns:a="http://schemas.openxmlformats.org/drawingml/2006/main" xmlns:r="http://schemas.openxmlformats.org/officeDocument/2006/relationships" xmlns:p="http://schemas.openxmlformats.org/presentationml/2006/main">
   <p:cSld>
@@ -15475,23 +13067,2270 @@
           <a:lstStyle/>
           <a:p>
             <a:r>
-              <a:rPr lang="de-DE" altLang="ko-KR" dirty="0"/>
-              <a:t>4. Methoden</a:t>
-            </a:r>
-            <a:endParaRPr lang="de-DE" noProof="0" dirty="0"/>
+              <a:rPr lang="de-DE" noProof="0" dirty="0"/>
+              <a:t>Art von Algorithmen</a:t>
+            </a:r>
+          </a:p>
+        </p:txBody>
+      </p:sp>
+      <p:sp>
+        <p:nvSpPr>
+          <p:cNvPr id="36" name="Rechteck 35"/>
+          <p:cNvSpPr/>
+          <p:nvPr/>
+        </p:nvSpPr>
+        <p:spPr>
+          <a:xfrm>
+            <a:off x="680407" y="2945044"/>
+            <a:ext cx="2874955" cy="1274060"/>
+          </a:xfrm>
+          <a:prstGeom prst="rect">
+            <a:avLst/>
+          </a:prstGeom>
+          <a:solidFill>
+            <a:schemeClr val="accent3">
+              <a:lumMod val="20000"/>
+              <a:lumOff val="80000"/>
+            </a:schemeClr>
+          </a:solidFill>
+          <a:ln w="15875">
+            <a:noFill/>
+          </a:ln>
+        </p:spPr>
+        <p:style>
+          <a:lnRef idx="2">
+            <a:schemeClr val="accent1">
+              <a:shade val="50000"/>
+            </a:schemeClr>
+          </a:lnRef>
+          <a:fillRef idx="1">
+            <a:schemeClr val="accent1"/>
+          </a:fillRef>
+          <a:effectRef idx="0">
+            <a:schemeClr val="accent1"/>
+          </a:effectRef>
+          <a:fontRef idx="minor">
+            <a:schemeClr val="lt1"/>
+          </a:fontRef>
+        </p:style>
+        <p:txBody>
+          <a:bodyPr rtlCol="0" anchor="ctr"/>
+          <a:lstStyle/>
+          <a:p>
+            <a:pPr algn="ctr"/>
+            <a:endParaRPr lang="de-DE" sz="1200" dirty="0">
+              <a:solidFill>
+                <a:schemeClr val="bg1"/>
+              </a:solidFill>
+              <a:latin typeface="Muli" panose="00000500000000000000" pitchFamily="2" charset="0"/>
+            </a:endParaRPr>
+          </a:p>
+        </p:txBody>
+      </p:sp>
+      <p:sp>
+        <p:nvSpPr>
+          <p:cNvPr id="14" name="Textfeld 13"/>
+          <p:cNvSpPr txBox="1"/>
+          <p:nvPr/>
+        </p:nvSpPr>
+        <p:spPr>
+          <a:xfrm>
+            <a:off x="676424" y="2964722"/>
+            <a:ext cx="2874955" cy="1183081"/>
+          </a:xfrm>
+          <a:prstGeom prst="rect">
+            <a:avLst/>
+          </a:prstGeom>
+          <a:solidFill>
+            <a:schemeClr val="accent3">
+              <a:lumMod val="20000"/>
+              <a:lumOff val="80000"/>
+            </a:schemeClr>
+          </a:solidFill>
+        </p:spPr>
+        <p:txBody>
+          <a:bodyPr wrap="square" rtlCol="0">
+            <a:spAutoFit/>
+          </a:bodyPr>
+          <a:lstStyle/>
+          <a:p>
+            <a:pPr algn="ctr"/>
+            <a:r>
+              <a:rPr lang="de-DE" sz="1200" dirty="0">
+                <a:solidFill>
+                  <a:srgbClr val="555555"/>
+                </a:solidFill>
+                <a:latin typeface="Muli" panose="00000500000000000000" pitchFamily="2" charset="0"/>
+              </a:rPr>
+              <a:t>Synonyms/Homonyms</a:t>
+            </a:r>
+          </a:p>
+          <a:p>
+            <a:pPr algn="ctr"/>
+            <a:endParaRPr lang="de-DE" sz="788" dirty="0">
+              <a:solidFill>
+                <a:srgbClr val="555555"/>
+              </a:solidFill>
+              <a:latin typeface="Muli" panose="00000500000000000000" pitchFamily="2" charset="0"/>
+            </a:endParaRPr>
+          </a:p>
+          <a:p>
+            <a:pPr algn="ctr"/>
+            <a:r>
+              <a:rPr lang="de-DE" sz="1200" dirty="0" err="1">
+                <a:solidFill>
+                  <a:srgbClr val="555555"/>
+                </a:solidFill>
+                <a:latin typeface="Muli" panose="00000500000000000000" pitchFamily="2" charset="0"/>
+              </a:rPr>
+              <a:t>Mappings</a:t>
+            </a:r>
+            <a:endParaRPr lang="de-DE" sz="1200" dirty="0">
+              <a:solidFill>
+                <a:srgbClr val="555555"/>
+              </a:solidFill>
+              <a:latin typeface="Muli" panose="00000500000000000000" pitchFamily="2" charset="0"/>
+            </a:endParaRPr>
+          </a:p>
+          <a:p>
+            <a:pPr algn="ctr"/>
+            <a:endParaRPr lang="de-DE" sz="750" dirty="0">
+              <a:solidFill>
+                <a:srgbClr val="555555"/>
+              </a:solidFill>
+              <a:latin typeface="Muli" panose="00000500000000000000" pitchFamily="2" charset="0"/>
+            </a:endParaRPr>
+          </a:p>
+          <a:p>
+            <a:pPr algn="ctr"/>
+            <a:r>
+              <a:rPr lang="de-DE" sz="1200" dirty="0">
+                <a:solidFill>
+                  <a:srgbClr val="555555"/>
+                </a:solidFill>
+                <a:latin typeface="Muli" panose="00000500000000000000" pitchFamily="2" charset="0"/>
+              </a:rPr>
+              <a:t>Union </a:t>
+            </a:r>
+            <a:r>
+              <a:rPr lang="de-DE" sz="1200" dirty="0" err="1">
+                <a:solidFill>
+                  <a:srgbClr val="555555"/>
+                </a:solidFill>
+                <a:latin typeface="Muli" panose="00000500000000000000" pitchFamily="2" charset="0"/>
+              </a:rPr>
+              <a:t>Types</a:t>
+            </a:r>
+            <a:endParaRPr lang="de-DE" sz="1200" dirty="0">
+              <a:solidFill>
+                <a:srgbClr val="555555"/>
+              </a:solidFill>
+              <a:latin typeface="Muli" panose="00000500000000000000" pitchFamily="2" charset="0"/>
+            </a:endParaRPr>
+          </a:p>
+          <a:p>
+            <a:pPr algn="ctr"/>
+            <a:endParaRPr lang="de-DE" sz="750" dirty="0">
+              <a:solidFill>
+                <a:srgbClr val="555555"/>
+              </a:solidFill>
+              <a:latin typeface="Muli" panose="00000500000000000000" pitchFamily="2" charset="0"/>
+            </a:endParaRPr>
+          </a:p>
+          <a:p>
+            <a:pPr algn="ctr"/>
+            <a:r>
+              <a:rPr lang="de-DE" sz="1200" dirty="0">
+                <a:solidFill>
+                  <a:srgbClr val="555555"/>
+                </a:solidFill>
+                <a:latin typeface="Muli" panose="00000500000000000000" pitchFamily="2" charset="0"/>
+              </a:rPr>
+              <a:t>Language </a:t>
+            </a:r>
+            <a:r>
+              <a:rPr lang="de-DE" sz="1200" dirty="0" err="1">
+                <a:solidFill>
+                  <a:srgbClr val="555555"/>
+                </a:solidFill>
+                <a:latin typeface="Muli" panose="00000500000000000000" pitchFamily="2" charset="0"/>
+              </a:rPr>
+              <a:t>Expressions</a:t>
+            </a:r>
+            <a:endParaRPr lang="de-DE" sz="1200" dirty="0">
+              <a:solidFill>
+                <a:srgbClr val="555555"/>
+              </a:solidFill>
+              <a:latin typeface="Muli" panose="00000500000000000000" pitchFamily="2" charset="0"/>
+            </a:endParaRPr>
+          </a:p>
+        </p:txBody>
+      </p:sp>
+      <p:sp>
+        <p:nvSpPr>
+          <p:cNvPr id="37" name="Rechteck 36"/>
+          <p:cNvSpPr/>
+          <p:nvPr/>
+        </p:nvSpPr>
+        <p:spPr>
+          <a:xfrm>
+            <a:off x="3641123" y="2945044"/>
+            <a:ext cx="1952368" cy="1274061"/>
+          </a:xfrm>
+          <a:prstGeom prst="rect">
+            <a:avLst/>
+          </a:prstGeom>
+          <a:solidFill>
+            <a:schemeClr val="accent3">
+              <a:lumMod val="20000"/>
+              <a:lumOff val="80000"/>
+            </a:schemeClr>
+          </a:solidFill>
+          <a:ln w="15875">
+            <a:noFill/>
+          </a:ln>
+        </p:spPr>
+        <p:style>
+          <a:lnRef idx="2">
+            <a:schemeClr val="accent1">
+              <a:shade val="50000"/>
+            </a:schemeClr>
+          </a:lnRef>
+          <a:fillRef idx="1">
+            <a:schemeClr val="accent1"/>
+          </a:fillRef>
+          <a:effectRef idx="0">
+            <a:schemeClr val="accent1"/>
+          </a:effectRef>
+          <a:fontRef idx="minor">
+            <a:schemeClr val="lt1"/>
+          </a:fontRef>
+        </p:style>
+        <p:txBody>
+          <a:bodyPr rtlCol="0" anchor="ctr"/>
+          <a:lstStyle/>
+          <a:p>
+            <a:pPr algn="ctr"/>
+            <a:endParaRPr lang="de-DE" sz="1200" dirty="0">
+              <a:solidFill>
+                <a:schemeClr val="bg1"/>
+              </a:solidFill>
+              <a:latin typeface="Muli" panose="00000500000000000000" pitchFamily="2" charset="0"/>
+            </a:endParaRPr>
+          </a:p>
+        </p:txBody>
+      </p:sp>
+      <p:sp>
+        <p:nvSpPr>
+          <p:cNvPr id="19" name="Textfeld 18"/>
+          <p:cNvSpPr txBox="1"/>
+          <p:nvPr/>
+        </p:nvSpPr>
+        <p:spPr>
+          <a:xfrm>
+            <a:off x="3641122" y="2964722"/>
+            <a:ext cx="1952367" cy="1015663"/>
+          </a:xfrm>
+          <a:prstGeom prst="rect">
+            <a:avLst/>
+          </a:prstGeom>
+          <a:solidFill>
+            <a:schemeClr val="accent3">
+              <a:lumMod val="20000"/>
+              <a:lumOff val="80000"/>
+            </a:schemeClr>
+          </a:solidFill>
+        </p:spPr>
+        <p:txBody>
+          <a:bodyPr wrap="square" rtlCol="0">
+            <a:spAutoFit/>
+          </a:bodyPr>
+          <a:lstStyle/>
+          <a:p>
+            <a:pPr algn="ctr"/>
+            <a:r>
+              <a:rPr lang="de-DE" sz="1200" dirty="0">
+                <a:solidFill>
+                  <a:srgbClr val="555555"/>
+                </a:solidFill>
+                <a:latin typeface="Muli" panose="00000500000000000000" pitchFamily="2" charset="0"/>
+              </a:rPr>
+              <a:t>Null Values</a:t>
+            </a:r>
+          </a:p>
+          <a:p>
+            <a:pPr algn="ctr"/>
+            <a:endParaRPr lang="de-DE" sz="1200" dirty="0">
+              <a:solidFill>
+                <a:srgbClr val="555555"/>
+              </a:solidFill>
+              <a:latin typeface="Muli" panose="00000500000000000000" pitchFamily="2" charset="0"/>
+            </a:endParaRPr>
+          </a:p>
+          <a:p>
+            <a:pPr algn="ctr"/>
+            <a:r>
+              <a:rPr lang="de-DE" sz="1200" dirty="0">
+                <a:solidFill>
+                  <a:srgbClr val="555555"/>
+                </a:solidFill>
+                <a:latin typeface="Muli" panose="00000500000000000000" pitchFamily="2" charset="0"/>
+              </a:rPr>
+              <a:t>Virtual Columns</a:t>
+            </a:r>
+          </a:p>
+          <a:p>
+            <a:pPr algn="ctr"/>
+            <a:endParaRPr lang="de-DE" sz="1200" dirty="0">
+              <a:solidFill>
+                <a:srgbClr val="555555"/>
+              </a:solidFill>
+              <a:latin typeface="Muli" panose="00000500000000000000" pitchFamily="2" charset="0"/>
+            </a:endParaRPr>
+          </a:p>
+          <a:p>
+            <a:pPr algn="ctr"/>
+            <a:r>
+              <a:rPr lang="de-DE" sz="1200" dirty="0" err="1">
+                <a:solidFill>
+                  <a:srgbClr val="555555"/>
+                </a:solidFill>
+                <a:latin typeface="Muli" panose="00000500000000000000" pitchFamily="2" charset="0"/>
+              </a:rPr>
+              <a:t>Semantic</a:t>
+            </a:r>
+            <a:r>
+              <a:rPr lang="de-DE" sz="1200" dirty="0">
+                <a:solidFill>
+                  <a:srgbClr val="555555"/>
+                </a:solidFill>
+                <a:latin typeface="Muli" panose="00000500000000000000" pitchFamily="2" charset="0"/>
+              </a:rPr>
+              <a:t> </a:t>
+            </a:r>
+            <a:r>
+              <a:rPr lang="de-DE" sz="1200" dirty="0" err="1">
+                <a:solidFill>
+                  <a:srgbClr val="555555"/>
+                </a:solidFill>
+                <a:latin typeface="Muli" panose="00000500000000000000" pitchFamily="2" charset="0"/>
+              </a:rPr>
+              <a:t>Incompatibility</a:t>
+            </a:r>
+            <a:endParaRPr lang="de-DE" sz="1200" dirty="0">
+              <a:solidFill>
+                <a:srgbClr val="555555"/>
+              </a:solidFill>
+              <a:latin typeface="Muli" panose="00000500000000000000" pitchFamily="2" charset="0"/>
+            </a:endParaRPr>
+          </a:p>
+        </p:txBody>
+      </p:sp>
+      <p:sp>
+        <p:nvSpPr>
+          <p:cNvPr id="33" name="Rechteck 32"/>
+          <p:cNvSpPr/>
+          <p:nvPr/>
+        </p:nvSpPr>
+        <p:spPr>
+          <a:xfrm>
+            <a:off x="5679250" y="2945043"/>
+            <a:ext cx="2877894" cy="1274062"/>
+          </a:xfrm>
+          <a:prstGeom prst="rect">
+            <a:avLst/>
+          </a:prstGeom>
+          <a:solidFill>
+            <a:schemeClr val="accent4">
+              <a:lumMod val="20000"/>
+              <a:lumOff val="80000"/>
+            </a:schemeClr>
+          </a:solidFill>
+          <a:ln w="15875">
+            <a:noFill/>
+          </a:ln>
+        </p:spPr>
+        <p:style>
+          <a:lnRef idx="2">
+            <a:schemeClr val="accent1">
+              <a:shade val="50000"/>
+            </a:schemeClr>
+          </a:lnRef>
+          <a:fillRef idx="1">
+            <a:schemeClr val="accent1"/>
+          </a:fillRef>
+          <a:effectRef idx="0">
+            <a:schemeClr val="accent1"/>
+          </a:effectRef>
+          <a:fontRef idx="minor">
+            <a:schemeClr val="lt1"/>
+          </a:fontRef>
+        </p:style>
+        <p:txBody>
+          <a:bodyPr rtlCol="0" anchor="ctr"/>
+          <a:lstStyle/>
+          <a:p>
+            <a:pPr algn="ctr"/>
+            <a:endParaRPr lang="de-DE" sz="1200" dirty="0">
+              <a:solidFill>
+                <a:schemeClr val="bg1"/>
+              </a:solidFill>
+              <a:latin typeface="+mj-lt"/>
+            </a:endParaRPr>
+          </a:p>
+        </p:txBody>
+      </p:sp>
+      <p:sp>
+        <p:nvSpPr>
+          <p:cNvPr id="22" name="Textfeld 21"/>
+          <p:cNvSpPr txBox="1"/>
+          <p:nvPr/>
+        </p:nvSpPr>
+        <p:spPr>
+          <a:xfrm>
+            <a:off x="5675267" y="2964722"/>
+            <a:ext cx="2874955" cy="646331"/>
+          </a:xfrm>
+          <a:prstGeom prst="rect">
+            <a:avLst/>
+          </a:prstGeom>
+          <a:noFill/>
+        </p:spPr>
+        <p:txBody>
+          <a:bodyPr wrap="square" rtlCol="0">
+            <a:spAutoFit/>
+          </a:bodyPr>
+          <a:lstStyle/>
+          <a:p>
+            <a:pPr algn="ctr"/>
+            <a:r>
+              <a:rPr lang="de-DE" sz="1200" dirty="0">
+                <a:solidFill>
+                  <a:srgbClr val="555555"/>
+                </a:solidFill>
+                <a:latin typeface="+mj-lt"/>
+              </a:rPr>
+              <a:t>Same </a:t>
+            </a:r>
+            <a:r>
+              <a:rPr lang="de-DE" sz="1200" dirty="0" err="1">
+                <a:solidFill>
+                  <a:srgbClr val="555555"/>
+                </a:solidFill>
+                <a:latin typeface="+mj-lt"/>
+              </a:rPr>
+              <a:t>attribute</a:t>
+            </a:r>
+            <a:r>
+              <a:rPr lang="de-DE" sz="1200" dirty="0">
+                <a:solidFill>
+                  <a:srgbClr val="555555"/>
+                </a:solidFill>
+                <a:latin typeface="+mj-lt"/>
+              </a:rPr>
+              <a:t> in different </a:t>
+            </a:r>
+            <a:r>
+              <a:rPr lang="de-DE" sz="1200" dirty="0" err="1">
+                <a:solidFill>
+                  <a:srgbClr val="555555"/>
+                </a:solidFill>
+                <a:latin typeface="+mj-lt"/>
+              </a:rPr>
+              <a:t>structures</a:t>
+            </a:r>
+            <a:endParaRPr lang="de-DE" sz="1200" dirty="0">
+              <a:solidFill>
+                <a:srgbClr val="555555"/>
+              </a:solidFill>
+              <a:latin typeface="+mj-lt"/>
+            </a:endParaRPr>
+          </a:p>
+          <a:p>
+            <a:pPr algn="ctr"/>
+            <a:endParaRPr lang="de-DE" sz="1200" dirty="0">
+              <a:solidFill>
+                <a:srgbClr val="555555"/>
+              </a:solidFill>
+              <a:latin typeface="+mj-lt"/>
+            </a:endParaRPr>
+          </a:p>
+          <a:p>
+            <a:pPr algn="ctr"/>
+            <a:r>
+              <a:rPr lang="de-DE" sz="1200" dirty="0">
+                <a:solidFill>
+                  <a:srgbClr val="555555"/>
+                </a:solidFill>
+                <a:latin typeface="+mj-lt"/>
+              </a:rPr>
+              <a:t>Handling Sets</a:t>
+            </a:r>
+          </a:p>
+        </p:txBody>
+      </p:sp>
+      <p:sp>
+        <p:nvSpPr>
+          <p:cNvPr id="29" name="Textfeld 28"/>
+          <p:cNvSpPr txBox="1"/>
+          <p:nvPr/>
+        </p:nvSpPr>
+        <p:spPr>
+          <a:xfrm>
+            <a:off x="1376655" y="4271552"/>
+            <a:ext cx="6819694" cy="323165"/>
+          </a:xfrm>
+          <a:prstGeom prst="rect">
+            <a:avLst/>
+          </a:prstGeom>
+          <a:noFill/>
+        </p:spPr>
+        <p:txBody>
+          <a:bodyPr wrap="square" rtlCol="0">
+            <a:spAutoFit/>
+          </a:bodyPr>
+          <a:lstStyle/>
+          <a:p>
+            <a:r>
+              <a:rPr lang="de-DE" sz="750" dirty="0">
+                <a:solidFill>
+                  <a:srgbClr val="555555"/>
+                </a:solidFill>
+                <a:latin typeface="Muli" panose="00000500000000000000" pitchFamily="2" charset="0"/>
+              </a:rPr>
+              <a:t>[Joachim Hammer, Mike </a:t>
+            </a:r>
+            <a:r>
+              <a:rPr lang="de-DE" sz="750" dirty="0" err="1">
+                <a:solidFill>
+                  <a:srgbClr val="555555"/>
+                </a:solidFill>
+                <a:latin typeface="Muli" panose="00000500000000000000" pitchFamily="2" charset="0"/>
+              </a:rPr>
+              <a:t>Stonebraker</a:t>
+            </a:r>
+            <a:r>
+              <a:rPr lang="de-DE" sz="750" dirty="0">
+                <a:solidFill>
+                  <a:srgbClr val="555555"/>
+                </a:solidFill>
+                <a:latin typeface="Muli" panose="00000500000000000000" pitchFamily="2" charset="0"/>
+              </a:rPr>
+              <a:t>, </a:t>
+            </a:r>
+            <a:r>
+              <a:rPr lang="de-DE" sz="750" dirty="0" err="1">
+                <a:solidFill>
+                  <a:srgbClr val="555555"/>
+                </a:solidFill>
+                <a:latin typeface="Muli" panose="00000500000000000000" pitchFamily="2" charset="0"/>
+              </a:rPr>
+              <a:t>Oguzhan</a:t>
+            </a:r>
+            <a:r>
+              <a:rPr lang="de-DE" sz="750" dirty="0">
+                <a:solidFill>
+                  <a:srgbClr val="555555"/>
+                </a:solidFill>
+                <a:latin typeface="Muli" panose="00000500000000000000" pitchFamily="2" charset="0"/>
+              </a:rPr>
+              <a:t> </a:t>
+            </a:r>
+            <a:r>
+              <a:rPr lang="de-DE" sz="750" dirty="0" err="1">
+                <a:solidFill>
+                  <a:srgbClr val="555555"/>
+                </a:solidFill>
+                <a:latin typeface="Muli" panose="00000500000000000000" pitchFamily="2" charset="0"/>
+              </a:rPr>
+              <a:t>Topsakal</a:t>
+            </a:r>
+            <a:r>
+              <a:rPr lang="de-DE" sz="750" dirty="0">
+                <a:solidFill>
+                  <a:srgbClr val="555555"/>
+                </a:solidFill>
+                <a:latin typeface="Muli" panose="00000500000000000000" pitchFamily="2" charset="0"/>
+              </a:rPr>
+              <a:t> : </a:t>
+            </a:r>
+            <a:r>
+              <a:rPr lang="en-US" sz="750" dirty="0">
+                <a:solidFill>
+                  <a:srgbClr val="555555"/>
+                </a:solidFill>
+                <a:latin typeface="Muli" panose="00000500000000000000" pitchFamily="2" charset="0"/>
+              </a:rPr>
+              <a:t>THALIA: Test Harness for the Assessment of Legacy Information </a:t>
+            </a:r>
+            <a:r>
+              <a:rPr lang="de-DE" sz="750" dirty="0">
+                <a:solidFill>
+                  <a:srgbClr val="555555"/>
+                </a:solidFill>
+                <a:latin typeface="Muli" panose="00000500000000000000" pitchFamily="2" charset="0"/>
+              </a:rPr>
+              <a:t>Integration Approaches, </a:t>
+            </a:r>
+            <a:r>
+              <a:rPr lang="de-DE" sz="750" dirty="0" err="1">
+                <a:solidFill>
+                  <a:srgbClr val="555555"/>
+                </a:solidFill>
+                <a:latin typeface="Muli" panose="00000500000000000000" pitchFamily="2" charset="0"/>
+              </a:rPr>
+              <a:t>technical</a:t>
+            </a:r>
+            <a:r>
+              <a:rPr lang="de-DE" sz="750" dirty="0">
+                <a:solidFill>
+                  <a:srgbClr val="555555"/>
+                </a:solidFill>
+                <a:latin typeface="Muli" panose="00000500000000000000" pitchFamily="2" charset="0"/>
+              </a:rPr>
+              <a:t> </a:t>
+            </a:r>
+            <a:r>
+              <a:rPr lang="de-DE" sz="750" dirty="0" err="1">
+                <a:solidFill>
+                  <a:srgbClr val="555555"/>
+                </a:solidFill>
+                <a:latin typeface="Muli" panose="00000500000000000000" pitchFamily="2" charset="0"/>
+              </a:rPr>
+              <a:t>report</a:t>
+            </a:r>
+            <a:r>
+              <a:rPr lang="de-DE" sz="750" dirty="0">
+                <a:solidFill>
+                  <a:srgbClr val="555555"/>
+                </a:solidFill>
+                <a:latin typeface="Muli" panose="00000500000000000000" pitchFamily="2" charset="0"/>
+              </a:rPr>
+              <a:t>, 2004]</a:t>
+            </a:r>
+          </a:p>
+        </p:txBody>
+      </p:sp>
+      <p:sp>
+        <p:nvSpPr>
+          <p:cNvPr id="4" name="Rechteck 3"/>
+          <p:cNvSpPr/>
+          <p:nvPr/>
+        </p:nvSpPr>
+        <p:spPr>
+          <a:xfrm>
+            <a:off x="676424" y="1313722"/>
+            <a:ext cx="7877370" cy="468000"/>
+          </a:xfrm>
+          <a:prstGeom prst="rect">
+            <a:avLst/>
+          </a:prstGeom>
+          <a:solidFill>
+            <a:srgbClr val="01305D"/>
+          </a:solidFill>
+          <a:ln w="15875">
+            <a:solidFill>
+              <a:schemeClr val="bg2">
+                <a:lumMod val="10000"/>
+              </a:schemeClr>
+            </a:solidFill>
+          </a:ln>
+        </p:spPr>
+        <p:style>
+          <a:lnRef idx="2">
+            <a:schemeClr val="accent1">
+              <a:shade val="50000"/>
+            </a:schemeClr>
+          </a:lnRef>
+          <a:fillRef idx="1">
+            <a:schemeClr val="accent1"/>
+          </a:fillRef>
+          <a:effectRef idx="0">
+            <a:schemeClr val="accent1"/>
+          </a:effectRef>
+          <a:fontRef idx="minor">
+            <a:schemeClr val="lt1"/>
+          </a:fontRef>
+        </p:style>
+        <p:txBody>
+          <a:bodyPr rtlCol="0" anchor="ctr"/>
+          <a:lstStyle/>
+          <a:p>
+            <a:pPr algn="ctr"/>
+            <a:r>
+              <a:rPr lang="de-DE" altLang="ko-KR" sz="1800" dirty="0">
+                <a:solidFill>
+                  <a:schemeClr val="bg1"/>
+                </a:solidFill>
+                <a:latin typeface="Muli SemiBold" panose="00000700000000000000" pitchFamily="2" charset="0"/>
+              </a:rPr>
+              <a:t>Algorithmen für </a:t>
+            </a:r>
+            <a:r>
+              <a:rPr lang="de-DE" altLang="ko-KR" sz="1800" dirty="0" err="1">
+                <a:solidFill>
+                  <a:schemeClr val="bg1"/>
+                </a:solidFill>
+                <a:latin typeface="Muli SemiBold" panose="00000700000000000000" pitchFamily="2" charset="0"/>
+              </a:rPr>
+              <a:t>Ausreißererkennung</a:t>
+            </a:r>
+            <a:endParaRPr lang="de-DE" sz="1013" dirty="0">
+              <a:solidFill>
+                <a:schemeClr val="bg1"/>
+              </a:solidFill>
+              <a:latin typeface="Muli SemiBold" panose="00000700000000000000" pitchFamily="2" charset="0"/>
+            </a:endParaRPr>
+          </a:p>
+        </p:txBody>
+      </p:sp>
+      <p:sp>
+        <p:nvSpPr>
+          <p:cNvPr id="31" name="Rechteck 30"/>
+          <p:cNvSpPr/>
+          <p:nvPr/>
+        </p:nvSpPr>
+        <p:spPr>
+          <a:xfrm>
+            <a:off x="676424" y="1843104"/>
+            <a:ext cx="2882322" cy="468000"/>
+          </a:xfrm>
+          <a:prstGeom prst="rect">
+            <a:avLst/>
+          </a:prstGeom>
+          <a:solidFill>
+            <a:srgbClr val="6494BC"/>
+          </a:solidFill>
+          <a:ln w="15875">
+            <a:solidFill>
+              <a:schemeClr val="accent3">
+                <a:lumMod val="50000"/>
+              </a:schemeClr>
+            </a:solidFill>
+          </a:ln>
+        </p:spPr>
+        <p:style>
+          <a:lnRef idx="2">
+            <a:schemeClr val="accent1">
+              <a:shade val="50000"/>
+            </a:schemeClr>
+          </a:lnRef>
+          <a:fillRef idx="1">
+            <a:schemeClr val="accent1"/>
+          </a:fillRef>
+          <a:effectRef idx="0">
+            <a:schemeClr val="accent1"/>
+          </a:effectRef>
+          <a:fontRef idx="minor">
+            <a:schemeClr val="lt1"/>
+          </a:fontRef>
+        </p:style>
+        <p:txBody>
+          <a:bodyPr rtlCol="0" anchor="ctr"/>
+          <a:lstStyle/>
+          <a:p>
+            <a:pPr algn="ctr"/>
+            <a:r>
+              <a:rPr lang="de-DE" sz="1500" dirty="0">
+                <a:solidFill>
+                  <a:schemeClr val="tx1"/>
+                </a:solidFill>
+                <a:latin typeface="Muli SemiBold" panose="00000700000000000000" pitchFamily="2" charset="0"/>
+              </a:rPr>
+              <a:t>Statistikbasiert</a:t>
+            </a:r>
+            <a:endParaRPr lang="de-DE" sz="1200" dirty="0">
+              <a:solidFill>
+                <a:schemeClr val="tx1"/>
+              </a:solidFill>
+              <a:latin typeface="Muli SemiBold" panose="00000700000000000000" pitchFamily="2" charset="0"/>
+            </a:endParaRPr>
+          </a:p>
+        </p:txBody>
+      </p:sp>
+      <p:sp>
+        <p:nvSpPr>
+          <p:cNvPr id="32" name="Rechteck 31"/>
+          <p:cNvSpPr/>
+          <p:nvPr/>
+        </p:nvSpPr>
+        <p:spPr>
+          <a:xfrm>
+            <a:off x="5675870" y="1843104"/>
+            <a:ext cx="2881274" cy="468000"/>
+          </a:xfrm>
+          <a:prstGeom prst="rect">
+            <a:avLst/>
+          </a:prstGeom>
+          <a:solidFill>
+            <a:schemeClr val="accent4">
+              <a:lumMod val="60000"/>
+              <a:lumOff val="40000"/>
+            </a:schemeClr>
+          </a:solidFill>
+          <a:ln w="15875">
+            <a:solidFill>
+              <a:schemeClr val="accent4"/>
+            </a:solidFill>
+          </a:ln>
+        </p:spPr>
+        <p:style>
+          <a:lnRef idx="2">
+            <a:schemeClr val="accent1">
+              <a:shade val="50000"/>
+            </a:schemeClr>
+          </a:lnRef>
+          <a:fillRef idx="1">
+            <a:schemeClr val="accent1"/>
+          </a:fillRef>
+          <a:effectRef idx="0">
+            <a:schemeClr val="accent1"/>
+          </a:effectRef>
+          <a:fontRef idx="minor">
+            <a:schemeClr val="lt1"/>
+          </a:fontRef>
+        </p:style>
+        <p:txBody>
+          <a:bodyPr rtlCol="0" anchor="ctr"/>
+          <a:lstStyle/>
+          <a:p>
+            <a:pPr algn="ctr"/>
+            <a:r>
+              <a:rPr lang="de-DE" sz="1500" dirty="0">
+                <a:solidFill>
+                  <a:schemeClr val="tx1"/>
+                </a:solidFill>
+                <a:latin typeface="Muli SemiBold" panose="00000700000000000000" pitchFamily="2" charset="0"/>
+              </a:rPr>
+              <a:t>Dichtebasiert</a:t>
+            </a:r>
+            <a:endParaRPr lang="de-DE" sz="1200" dirty="0">
+              <a:solidFill>
+                <a:schemeClr val="tx1"/>
+              </a:solidFill>
+              <a:latin typeface="Muli SemiBold" panose="00000700000000000000" pitchFamily="2" charset="0"/>
+            </a:endParaRPr>
+          </a:p>
+        </p:txBody>
+      </p:sp>
+      <p:sp>
+        <p:nvSpPr>
+          <p:cNvPr id="35" name="Rechteck 34"/>
+          <p:cNvSpPr/>
+          <p:nvPr/>
+        </p:nvSpPr>
+        <p:spPr>
+          <a:xfrm>
+            <a:off x="3641123" y="2405044"/>
+            <a:ext cx="1952368" cy="468000"/>
+          </a:xfrm>
+          <a:prstGeom prst="rect">
+            <a:avLst/>
+          </a:prstGeom>
+          <a:solidFill>
+            <a:schemeClr val="accent3">
+              <a:lumMod val="40000"/>
+              <a:lumOff val="60000"/>
+            </a:schemeClr>
+          </a:solidFill>
+          <a:ln w="15875">
+            <a:solidFill>
+              <a:schemeClr val="accent3">
+                <a:lumMod val="75000"/>
+              </a:schemeClr>
+            </a:solidFill>
+          </a:ln>
+        </p:spPr>
+        <p:style>
+          <a:lnRef idx="2">
+            <a:schemeClr val="accent1">
+              <a:shade val="50000"/>
+            </a:schemeClr>
+          </a:lnRef>
+          <a:fillRef idx="1">
+            <a:schemeClr val="accent1"/>
+          </a:fillRef>
+          <a:effectRef idx="0">
+            <a:schemeClr val="accent1"/>
+          </a:effectRef>
+          <a:fontRef idx="minor">
+            <a:schemeClr val="lt1"/>
+          </a:fontRef>
+        </p:style>
+        <p:txBody>
+          <a:bodyPr rtlCol="0" anchor="ctr"/>
+          <a:lstStyle/>
+          <a:p>
+            <a:pPr algn="ctr"/>
+            <a:r>
+              <a:rPr lang="de-DE" sz="1200" dirty="0">
+                <a:solidFill>
+                  <a:schemeClr val="tx1"/>
+                </a:solidFill>
+                <a:latin typeface="Muli SemiBold" panose="00000700000000000000" pitchFamily="2" charset="0"/>
+              </a:rPr>
+              <a:t>K-</a:t>
+            </a:r>
+            <a:r>
+              <a:rPr lang="de-DE" sz="1200" dirty="0" err="1">
+                <a:solidFill>
+                  <a:schemeClr val="tx1"/>
+                </a:solidFill>
+                <a:latin typeface="Muli SemiBold" panose="00000700000000000000" pitchFamily="2" charset="0"/>
+              </a:rPr>
+              <a:t>Means</a:t>
+            </a:r>
+            <a:r>
+              <a:rPr lang="de-DE" sz="1200" dirty="0">
+                <a:solidFill>
+                  <a:schemeClr val="tx1"/>
+                </a:solidFill>
+                <a:latin typeface="Muli SemiBold" panose="00000700000000000000" pitchFamily="2" charset="0"/>
+              </a:rPr>
+              <a:t> Clustering</a:t>
+            </a:r>
+            <a:endParaRPr lang="de-DE" sz="1800" dirty="0">
+              <a:solidFill>
+                <a:schemeClr val="tx1"/>
+              </a:solidFill>
+              <a:latin typeface="Muli SemiBold" panose="00000700000000000000" pitchFamily="2" charset="0"/>
+            </a:endParaRPr>
+          </a:p>
+        </p:txBody>
+      </p:sp>
+      <p:sp>
+        <p:nvSpPr>
+          <p:cNvPr id="21" name="Rechteck 20"/>
+          <p:cNvSpPr/>
+          <p:nvPr/>
+        </p:nvSpPr>
+        <p:spPr>
+          <a:xfrm>
+            <a:off x="676424" y="2405044"/>
+            <a:ext cx="1440700" cy="468000"/>
+          </a:xfrm>
+          <a:prstGeom prst="rect">
+            <a:avLst/>
+          </a:prstGeom>
+          <a:solidFill>
+            <a:srgbClr val="6494BC"/>
+          </a:solidFill>
+          <a:ln w="15875">
+            <a:solidFill>
+              <a:schemeClr val="accent3">
+                <a:lumMod val="75000"/>
+              </a:schemeClr>
+            </a:solidFill>
+          </a:ln>
+        </p:spPr>
+        <p:style>
+          <a:lnRef idx="2">
+            <a:schemeClr val="accent1">
+              <a:shade val="50000"/>
+            </a:schemeClr>
+          </a:lnRef>
+          <a:fillRef idx="1">
+            <a:schemeClr val="accent1"/>
+          </a:fillRef>
+          <a:effectRef idx="0">
+            <a:schemeClr val="accent1"/>
+          </a:effectRef>
+          <a:fontRef idx="minor">
+            <a:schemeClr val="lt1"/>
+          </a:fontRef>
+        </p:style>
+        <p:txBody>
+          <a:bodyPr rtlCol="0" anchor="ctr"/>
+          <a:lstStyle/>
+          <a:p>
+            <a:pPr algn="ctr"/>
+            <a:r>
+              <a:rPr lang="de-DE" sz="1200" dirty="0" err="1">
+                <a:solidFill>
+                  <a:schemeClr val="tx1"/>
+                </a:solidFill>
+                <a:latin typeface="Muli SemiBold" panose="00000700000000000000" pitchFamily="2" charset="0"/>
+              </a:rPr>
+              <a:t>Interquartile</a:t>
+            </a:r>
+            <a:r>
+              <a:rPr lang="de-DE" sz="1200" dirty="0">
+                <a:solidFill>
+                  <a:schemeClr val="tx1"/>
+                </a:solidFill>
+                <a:latin typeface="Muli SemiBold" panose="00000700000000000000" pitchFamily="2" charset="0"/>
+              </a:rPr>
+              <a:t> Range</a:t>
+            </a:r>
+            <a:endParaRPr lang="de-DE" sz="1800" dirty="0">
+              <a:solidFill>
+                <a:schemeClr val="tx1"/>
+              </a:solidFill>
+              <a:latin typeface="Muli SemiBold" panose="00000700000000000000" pitchFamily="2" charset="0"/>
+            </a:endParaRPr>
+          </a:p>
+        </p:txBody>
+      </p:sp>
+      <p:sp>
+        <p:nvSpPr>
+          <p:cNvPr id="15" name="Rechteck 30">
+            <a:extLst>
+              <a:ext uri="{FF2B5EF4-FFF2-40B4-BE49-F238E27FC236}">
+                <a16:creationId xmlns:a16="http://schemas.microsoft.com/office/drawing/2014/main" id="{AFA1A339-8C8D-9A40-B354-AB6C62EE6E35}"/>
+              </a:ext>
+            </a:extLst>
+          </p:cNvPr>
+          <p:cNvSpPr/>
+          <p:nvPr/>
+        </p:nvSpPr>
+        <p:spPr>
+          <a:xfrm>
+            <a:off x="3641124" y="1843104"/>
+            <a:ext cx="1952368" cy="468000"/>
+          </a:xfrm>
+          <a:prstGeom prst="rect">
+            <a:avLst/>
+          </a:prstGeom>
+          <a:solidFill>
+            <a:schemeClr val="accent3">
+              <a:lumMod val="60000"/>
+              <a:lumOff val="40000"/>
+            </a:schemeClr>
+          </a:solidFill>
+          <a:ln w="15875">
+            <a:solidFill>
+              <a:schemeClr val="accent3">
+                <a:lumMod val="50000"/>
+              </a:schemeClr>
+            </a:solidFill>
+          </a:ln>
+        </p:spPr>
+        <p:style>
+          <a:lnRef idx="2">
+            <a:schemeClr val="accent1">
+              <a:shade val="50000"/>
+            </a:schemeClr>
+          </a:lnRef>
+          <a:fillRef idx="1">
+            <a:schemeClr val="accent1"/>
+          </a:fillRef>
+          <a:effectRef idx="0">
+            <a:schemeClr val="accent1"/>
+          </a:effectRef>
+          <a:fontRef idx="minor">
+            <a:schemeClr val="lt1"/>
+          </a:fontRef>
+        </p:style>
+        <p:txBody>
+          <a:bodyPr rtlCol="0" anchor="ctr"/>
+          <a:lstStyle/>
+          <a:p>
+            <a:pPr algn="ctr"/>
+            <a:r>
+              <a:rPr lang="de-DE" sz="1500" dirty="0">
+                <a:solidFill>
+                  <a:schemeClr val="tx1"/>
+                </a:solidFill>
+                <a:latin typeface="Muli SemiBold" panose="00000700000000000000" pitchFamily="2" charset="0"/>
+              </a:rPr>
+              <a:t>Clusterbasiert</a:t>
+            </a:r>
+            <a:endParaRPr lang="de-DE" sz="1200" dirty="0">
+              <a:solidFill>
+                <a:schemeClr val="tx1"/>
+              </a:solidFill>
+              <a:latin typeface="Muli SemiBold" panose="00000700000000000000" pitchFamily="2" charset="0"/>
+            </a:endParaRPr>
+          </a:p>
+        </p:txBody>
+      </p:sp>
+      <p:sp>
+        <p:nvSpPr>
+          <p:cNvPr id="16" name="Rechteck 20">
+            <a:extLst>
+              <a:ext uri="{FF2B5EF4-FFF2-40B4-BE49-F238E27FC236}">
+                <a16:creationId xmlns:a16="http://schemas.microsoft.com/office/drawing/2014/main" id="{05363086-4B2E-0E4C-B781-AF3FACE73DBD}"/>
+              </a:ext>
+            </a:extLst>
+          </p:cNvPr>
+          <p:cNvSpPr/>
+          <p:nvPr/>
+        </p:nvSpPr>
+        <p:spPr>
+          <a:xfrm>
+            <a:off x="2114663" y="2405044"/>
+            <a:ext cx="1440700" cy="468000"/>
+          </a:xfrm>
+          <a:prstGeom prst="rect">
+            <a:avLst/>
+          </a:prstGeom>
+          <a:solidFill>
+            <a:srgbClr val="6494BC"/>
+          </a:solidFill>
+          <a:ln w="15875">
+            <a:solidFill>
+              <a:schemeClr val="accent3">
+                <a:lumMod val="75000"/>
+              </a:schemeClr>
+            </a:solidFill>
+          </a:ln>
+        </p:spPr>
+        <p:style>
+          <a:lnRef idx="2">
+            <a:schemeClr val="accent1">
+              <a:shade val="50000"/>
+            </a:schemeClr>
+          </a:lnRef>
+          <a:fillRef idx="1">
+            <a:schemeClr val="accent1"/>
+          </a:fillRef>
+          <a:effectRef idx="0">
+            <a:schemeClr val="accent1"/>
+          </a:effectRef>
+          <a:fontRef idx="minor">
+            <a:schemeClr val="lt1"/>
+          </a:fontRef>
+        </p:style>
+        <p:txBody>
+          <a:bodyPr rtlCol="0" anchor="ctr"/>
+          <a:lstStyle/>
+          <a:p>
+            <a:pPr algn="ctr"/>
+            <a:r>
+              <a:rPr lang="de-DE" sz="1200" dirty="0">
+                <a:solidFill>
+                  <a:schemeClr val="tx1"/>
+                </a:solidFill>
+                <a:latin typeface="Muli SemiBold" panose="00000700000000000000" pitchFamily="2" charset="0"/>
+              </a:rPr>
+              <a:t>Z-</a:t>
+            </a:r>
+            <a:r>
+              <a:rPr lang="de-DE" sz="1200" dirty="0" err="1">
+                <a:solidFill>
+                  <a:schemeClr val="tx1"/>
+                </a:solidFill>
+                <a:latin typeface="Muli SemiBold" panose="00000700000000000000" pitchFamily="2" charset="0"/>
+              </a:rPr>
+              <a:t>Scoer</a:t>
+            </a:r>
+            <a:r>
+              <a:rPr lang="de-DE" sz="1200" dirty="0">
+                <a:solidFill>
+                  <a:schemeClr val="tx1"/>
+                </a:solidFill>
+                <a:latin typeface="Muli SemiBold" panose="00000700000000000000" pitchFamily="2" charset="0"/>
+              </a:rPr>
+              <a:t> Filter</a:t>
+            </a:r>
+            <a:endParaRPr lang="de-DE" sz="1800" dirty="0">
+              <a:solidFill>
+                <a:schemeClr val="tx1"/>
+              </a:solidFill>
+              <a:latin typeface="Muli SemiBold" panose="00000700000000000000" pitchFamily="2" charset="0"/>
+            </a:endParaRPr>
+          </a:p>
+        </p:txBody>
+      </p:sp>
+      <p:sp>
+        <p:nvSpPr>
+          <p:cNvPr id="18" name="Rechteck 20">
+            <a:extLst>
+              <a:ext uri="{FF2B5EF4-FFF2-40B4-BE49-F238E27FC236}">
+                <a16:creationId xmlns:a16="http://schemas.microsoft.com/office/drawing/2014/main" id="{6C7675C3-4BCA-8942-BAD0-CF47142B54A6}"/>
+              </a:ext>
+            </a:extLst>
+          </p:cNvPr>
+          <p:cNvSpPr/>
+          <p:nvPr/>
+        </p:nvSpPr>
+        <p:spPr>
+          <a:xfrm>
+            <a:off x="5671283" y="2400473"/>
+            <a:ext cx="1440700" cy="468000"/>
+          </a:xfrm>
+          <a:prstGeom prst="rect">
+            <a:avLst/>
+          </a:prstGeom>
+          <a:solidFill>
+            <a:srgbClr val="6494BC"/>
+          </a:solidFill>
+          <a:ln w="15875">
+            <a:solidFill>
+              <a:schemeClr val="accent3">
+                <a:lumMod val="75000"/>
+              </a:schemeClr>
+            </a:solidFill>
+          </a:ln>
+        </p:spPr>
+        <p:style>
+          <a:lnRef idx="2">
+            <a:schemeClr val="accent1">
+              <a:shade val="50000"/>
+            </a:schemeClr>
+          </a:lnRef>
+          <a:fillRef idx="1">
+            <a:schemeClr val="accent1"/>
+          </a:fillRef>
+          <a:effectRef idx="0">
+            <a:schemeClr val="accent1"/>
+          </a:effectRef>
+          <a:fontRef idx="minor">
+            <a:schemeClr val="lt1"/>
+          </a:fontRef>
+        </p:style>
+        <p:txBody>
+          <a:bodyPr rtlCol="0" anchor="ctr"/>
+          <a:lstStyle/>
+          <a:p>
+            <a:pPr algn="ctr"/>
+            <a:r>
+              <a:rPr lang="en" sz="1200" dirty="0">
+                <a:solidFill>
+                  <a:schemeClr val="tx1"/>
+                </a:solidFill>
+                <a:latin typeface="Muli SemiBold" panose="00000700000000000000" pitchFamily="2" charset="0"/>
+              </a:rPr>
+              <a:t>Local Outlier Factor</a:t>
+            </a:r>
+            <a:endParaRPr lang="de-DE" sz="1800" dirty="0">
+              <a:solidFill>
+                <a:schemeClr val="tx1"/>
+              </a:solidFill>
+              <a:latin typeface="Muli SemiBold" panose="00000700000000000000" pitchFamily="2" charset="0"/>
+            </a:endParaRPr>
+          </a:p>
+        </p:txBody>
+      </p:sp>
+      <p:sp>
+        <p:nvSpPr>
+          <p:cNvPr id="20" name="Rechteck 20">
+            <a:extLst>
+              <a:ext uri="{FF2B5EF4-FFF2-40B4-BE49-F238E27FC236}">
+                <a16:creationId xmlns:a16="http://schemas.microsoft.com/office/drawing/2014/main" id="{6DA86ED3-2B6F-154D-83C0-BD1D4A0E658F}"/>
+              </a:ext>
+            </a:extLst>
+          </p:cNvPr>
+          <p:cNvSpPr/>
+          <p:nvPr/>
+        </p:nvSpPr>
+        <p:spPr>
+          <a:xfrm>
+            <a:off x="7109522" y="2400473"/>
+            <a:ext cx="1440700" cy="468000"/>
+          </a:xfrm>
+          <a:prstGeom prst="rect">
+            <a:avLst/>
+          </a:prstGeom>
+          <a:solidFill>
+            <a:srgbClr val="6494BC"/>
+          </a:solidFill>
+          <a:ln w="15875">
+            <a:solidFill>
+              <a:schemeClr val="accent3">
+                <a:lumMod val="75000"/>
+              </a:schemeClr>
+            </a:solidFill>
+          </a:ln>
+        </p:spPr>
+        <p:style>
+          <a:lnRef idx="2">
+            <a:schemeClr val="accent1">
+              <a:shade val="50000"/>
+            </a:schemeClr>
+          </a:lnRef>
+          <a:fillRef idx="1">
+            <a:schemeClr val="accent1"/>
+          </a:fillRef>
+          <a:effectRef idx="0">
+            <a:schemeClr val="accent1"/>
+          </a:effectRef>
+          <a:fontRef idx="minor">
+            <a:schemeClr val="lt1"/>
+          </a:fontRef>
+        </p:style>
+        <p:txBody>
+          <a:bodyPr rtlCol="0" anchor="ctr"/>
+          <a:lstStyle/>
+          <a:p>
+            <a:pPr algn="ctr"/>
+            <a:r>
+              <a:rPr lang="en" altLang="ko-KR" sz="1200" dirty="0">
+                <a:solidFill>
+                  <a:schemeClr val="tx1"/>
+                </a:solidFill>
+                <a:latin typeface="Muli SemiBold" panose="00000700000000000000" pitchFamily="2" charset="0"/>
+              </a:rPr>
+              <a:t>Isolation Forest</a:t>
+            </a:r>
+            <a:endParaRPr lang="de-DE" altLang="ko-KR" sz="1800" dirty="0">
+              <a:solidFill>
+                <a:schemeClr val="tx1"/>
+              </a:solidFill>
+              <a:latin typeface="Muli SemiBold" panose="00000700000000000000" pitchFamily="2" charset="0"/>
+            </a:endParaRPr>
           </a:p>
         </p:txBody>
       </p:sp>
     </p:spTree>
     <p:extLst>
       <p:ext uri="{BB962C8B-B14F-4D97-AF65-F5344CB8AC3E}">
-        <p14:creationId xmlns:p14="http://schemas.microsoft.com/office/powerpoint/2010/main" val="3430434355"/>
+        <p14:creationId xmlns:p14="http://schemas.microsoft.com/office/powerpoint/2010/main" val="4014752962"/>
       </p:ext>
     </p:extLst>
   </p:cSld>
   <p:clrMapOvr>
     <a:masterClrMapping/>
   </p:clrMapOvr>
+  <p:timing>
+    <p:tnLst>
+      <p:par>
+        <p:cTn id="1" dur="indefinite" restart="never" nodeType="tmRoot">
+          <p:childTnLst>
+            <p:seq concurrent="1" nextAc="seek">
+              <p:cTn id="2" dur="indefinite" nodeType="mainSeq">
+                <p:childTnLst>
+                  <p:par>
+                    <p:cTn id="3" fill="hold">
+                      <p:stCondLst>
+                        <p:cond delay="indefinite"/>
+                      </p:stCondLst>
+                      <p:childTnLst>
+                        <p:par>
+                          <p:cTn id="4" fill="hold">
+                            <p:stCondLst>
+                              <p:cond delay="0"/>
+                            </p:stCondLst>
+                            <p:childTnLst>
+                              <p:par>
+                                <p:cTn id="5" presetID="47" presetClass="entr" presetSubtype="0" fill="hold" grpId="0" nodeType="clickEffect">
+                                  <p:stCondLst>
+                                    <p:cond delay="0"/>
+                                  </p:stCondLst>
+                                  <p:childTnLst>
+                                    <p:set>
+                                      <p:cBhvr>
+                                        <p:cTn id="6" dur="1" fill="hold">
+                                          <p:stCondLst>
+                                            <p:cond delay="0"/>
+                                          </p:stCondLst>
+                                        </p:cTn>
+                                        <p:tgtEl>
+                                          <p:spTgt spid="31"/>
+                                        </p:tgtEl>
+                                        <p:attrNameLst>
+                                          <p:attrName>style.visibility</p:attrName>
+                                        </p:attrNameLst>
+                                      </p:cBhvr>
+                                      <p:to>
+                                        <p:strVal val="visible"/>
+                                      </p:to>
+                                    </p:set>
+                                    <p:animEffect transition="in" filter="fade">
+                                      <p:cBhvr>
+                                        <p:cTn id="7" dur="500"/>
+                                        <p:tgtEl>
+                                          <p:spTgt spid="31"/>
+                                        </p:tgtEl>
+                                      </p:cBhvr>
+                                    </p:animEffect>
+                                    <p:anim calcmode="lin" valueType="num">
+                                      <p:cBhvr>
+                                        <p:cTn id="8" dur="500" fill="hold"/>
+                                        <p:tgtEl>
+                                          <p:spTgt spid="31"/>
+                                        </p:tgtEl>
+                                        <p:attrNameLst>
+                                          <p:attrName>ppt_x</p:attrName>
+                                        </p:attrNameLst>
+                                      </p:cBhvr>
+                                      <p:tavLst>
+                                        <p:tav tm="0">
+                                          <p:val>
+                                            <p:strVal val="#ppt_x"/>
+                                          </p:val>
+                                        </p:tav>
+                                        <p:tav tm="100000">
+                                          <p:val>
+                                            <p:strVal val="#ppt_x"/>
+                                          </p:val>
+                                        </p:tav>
+                                      </p:tavLst>
+                                    </p:anim>
+                                    <p:anim calcmode="lin" valueType="num">
+                                      <p:cBhvr>
+                                        <p:cTn id="9" dur="500" fill="hold"/>
+                                        <p:tgtEl>
+                                          <p:spTgt spid="31"/>
+                                        </p:tgtEl>
+                                        <p:attrNameLst>
+                                          <p:attrName>ppt_y</p:attrName>
+                                        </p:attrNameLst>
+                                      </p:cBhvr>
+                                      <p:tavLst>
+                                        <p:tav tm="0">
+                                          <p:val>
+                                            <p:strVal val="#ppt_y-.1"/>
+                                          </p:val>
+                                        </p:tav>
+                                        <p:tav tm="100000">
+                                          <p:val>
+                                            <p:strVal val="#ppt_y"/>
+                                          </p:val>
+                                        </p:tav>
+                                      </p:tavLst>
+                                    </p:anim>
+                                  </p:childTnLst>
+                                </p:cTn>
+                              </p:par>
+                              <p:par>
+                                <p:cTn id="10" presetID="47" presetClass="entr" presetSubtype="0" fill="hold" grpId="0" nodeType="withEffect">
+                                  <p:stCondLst>
+                                    <p:cond delay="0"/>
+                                  </p:stCondLst>
+                                  <p:childTnLst>
+                                    <p:set>
+                                      <p:cBhvr>
+                                        <p:cTn id="11" dur="1" fill="hold">
+                                          <p:stCondLst>
+                                            <p:cond delay="0"/>
+                                          </p:stCondLst>
+                                        </p:cTn>
+                                        <p:tgtEl>
+                                          <p:spTgt spid="32"/>
+                                        </p:tgtEl>
+                                        <p:attrNameLst>
+                                          <p:attrName>style.visibility</p:attrName>
+                                        </p:attrNameLst>
+                                      </p:cBhvr>
+                                      <p:to>
+                                        <p:strVal val="visible"/>
+                                      </p:to>
+                                    </p:set>
+                                    <p:animEffect transition="in" filter="fade">
+                                      <p:cBhvr>
+                                        <p:cTn id="12" dur="500"/>
+                                        <p:tgtEl>
+                                          <p:spTgt spid="32"/>
+                                        </p:tgtEl>
+                                      </p:cBhvr>
+                                    </p:animEffect>
+                                    <p:anim calcmode="lin" valueType="num">
+                                      <p:cBhvr>
+                                        <p:cTn id="13" dur="500" fill="hold"/>
+                                        <p:tgtEl>
+                                          <p:spTgt spid="32"/>
+                                        </p:tgtEl>
+                                        <p:attrNameLst>
+                                          <p:attrName>ppt_x</p:attrName>
+                                        </p:attrNameLst>
+                                      </p:cBhvr>
+                                      <p:tavLst>
+                                        <p:tav tm="0">
+                                          <p:val>
+                                            <p:strVal val="#ppt_x"/>
+                                          </p:val>
+                                        </p:tav>
+                                        <p:tav tm="100000">
+                                          <p:val>
+                                            <p:strVal val="#ppt_x"/>
+                                          </p:val>
+                                        </p:tav>
+                                      </p:tavLst>
+                                    </p:anim>
+                                    <p:anim calcmode="lin" valueType="num">
+                                      <p:cBhvr>
+                                        <p:cTn id="14" dur="500" fill="hold"/>
+                                        <p:tgtEl>
+                                          <p:spTgt spid="32"/>
+                                        </p:tgtEl>
+                                        <p:attrNameLst>
+                                          <p:attrName>ppt_y</p:attrName>
+                                        </p:attrNameLst>
+                                      </p:cBhvr>
+                                      <p:tavLst>
+                                        <p:tav tm="0">
+                                          <p:val>
+                                            <p:strVal val="#ppt_y-.1"/>
+                                          </p:val>
+                                        </p:tav>
+                                        <p:tav tm="100000">
+                                          <p:val>
+                                            <p:strVal val="#ppt_y"/>
+                                          </p:val>
+                                        </p:tav>
+                                      </p:tavLst>
+                                    </p:anim>
+                                  </p:childTnLst>
+                                </p:cTn>
+                              </p:par>
+                            </p:childTnLst>
+                          </p:cTn>
+                        </p:par>
+                      </p:childTnLst>
+                    </p:cTn>
+                  </p:par>
+                  <p:par>
+                    <p:cTn id="15" fill="hold">
+                      <p:stCondLst>
+                        <p:cond delay="indefinite"/>
+                      </p:stCondLst>
+                      <p:childTnLst>
+                        <p:par>
+                          <p:cTn id="16" fill="hold">
+                            <p:stCondLst>
+                              <p:cond delay="0"/>
+                            </p:stCondLst>
+                            <p:childTnLst>
+                              <p:par>
+                                <p:cTn id="17" presetID="47" presetClass="entr" presetSubtype="0" fill="hold" grpId="0" nodeType="clickEffect">
+                                  <p:stCondLst>
+                                    <p:cond delay="0"/>
+                                  </p:stCondLst>
+                                  <p:childTnLst>
+                                    <p:set>
+                                      <p:cBhvr>
+                                        <p:cTn id="18" dur="1" fill="hold">
+                                          <p:stCondLst>
+                                            <p:cond delay="0"/>
+                                          </p:stCondLst>
+                                        </p:cTn>
+                                        <p:tgtEl>
+                                          <p:spTgt spid="35"/>
+                                        </p:tgtEl>
+                                        <p:attrNameLst>
+                                          <p:attrName>style.visibility</p:attrName>
+                                        </p:attrNameLst>
+                                      </p:cBhvr>
+                                      <p:to>
+                                        <p:strVal val="visible"/>
+                                      </p:to>
+                                    </p:set>
+                                    <p:animEffect transition="in" filter="fade">
+                                      <p:cBhvr>
+                                        <p:cTn id="19" dur="500"/>
+                                        <p:tgtEl>
+                                          <p:spTgt spid="35"/>
+                                        </p:tgtEl>
+                                      </p:cBhvr>
+                                    </p:animEffect>
+                                    <p:anim calcmode="lin" valueType="num">
+                                      <p:cBhvr>
+                                        <p:cTn id="20" dur="500" fill="hold"/>
+                                        <p:tgtEl>
+                                          <p:spTgt spid="35"/>
+                                        </p:tgtEl>
+                                        <p:attrNameLst>
+                                          <p:attrName>ppt_x</p:attrName>
+                                        </p:attrNameLst>
+                                      </p:cBhvr>
+                                      <p:tavLst>
+                                        <p:tav tm="0">
+                                          <p:val>
+                                            <p:strVal val="#ppt_x"/>
+                                          </p:val>
+                                        </p:tav>
+                                        <p:tav tm="100000">
+                                          <p:val>
+                                            <p:strVal val="#ppt_x"/>
+                                          </p:val>
+                                        </p:tav>
+                                      </p:tavLst>
+                                    </p:anim>
+                                    <p:anim calcmode="lin" valueType="num">
+                                      <p:cBhvr>
+                                        <p:cTn id="21" dur="500" fill="hold"/>
+                                        <p:tgtEl>
+                                          <p:spTgt spid="35"/>
+                                        </p:tgtEl>
+                                        <p:attrNameLst>
+                                          <p:attrName>ppt_y</p:attrName>
+                                        </p:attrNameLst>
+                                      </p:cBhvr>
+                                      <p:tavLst>
+                                        <p:tav tm="0">
+                                          <p:val>
+                                            <p:strVal val="#ppt_y-.1"/>
+                                          </p:val>
+                                        </p:tav>
+                                        <p:tav tm="100000">
+                                          <p:val>
+                                            <p:strVal val="#ppt_y"/>
+                                          </p:val>
+                                        </p:tav>
+                                      </p:tavLst>
+                                    </p:anim>
+                                  </p:childTnLst>
+                                </p:cTn>
+                              </p:par>
+                              <p:par>
+                                <p:cTn id="22" presetID="26" presetClass="emph" presetSubtype="0" repeatCount="5000" fill="hold" grpId="1" nodeType="withEffect">
+                                  <p:stCondLst>
+                                    <p:cond delay="0"/>
+                                  </p:stCondLst>
+                                  <p:childTnLst>
+                                    <p:animEffect transition="out" filter="fade">
+                                      <p:cBhvr>
+                                        <p:cTn id="23" dur="1000" tmFilter="0, 0; .2, .5; .8, .5; 1, 0"/>
+                                        <p:tgtEl>
+                                          <p:spTgt spid="35"/>
+                                        </p:tgtEl>
+                                      </p:cBhvr>
+                                    </p:animEffect>
+                                    <p:animScale>
+                                      <p:cBhvr>
+                                        <p:cTn id="24" dur="500" autoRev="1" fill="hold"/>
+                                        <p:tgtEl>
+                                          <p:spTgt spid="35"/>
+                                        </p:tgtEl>
+                                      </p:cBhvr>
+                                      <p:by x="105000" y="105000"/>
+                                    </p:animScale>
+                                  </p:childTnLst>
+                                </p:cTn>
+                              </p:par>
+                            </p:childTnLst>
+                          </p:cTn>
+                        </p:par>
+                      </p:childTnLst>
+                    </p:cTn>
+                  </p:par>
+                  <p:par>
+                    <p:cTn id="25" fill="hold">
+                      <p:stCondLst>
+                        <p:cond delay="indefinite"/>
+                      </p:stCondLst>
+                      <p:childTnLst>
+                        <p:par>
+                          <p:cTn id="26" fill="hold">
+                            <p:stCondLst>
+                              <p:cond delay="0"/>
+                            </p:stCondLst>
+                            <p:childTnLst>
+                              <p:par>
+                                <p:cTn id="27" presetID="47" presetClass="entr" presetSubtype="0" fill="hold" grpId="0" nodeType="clickEffect">
+                                  <p:stCondLst>
+                                    <p:cond delay="0"/>
+                                  </p:stCondLst>
+                                  <p:childTnLst>
+                                    <p:set>
+                                      <p:cBhvr>
+                                        <p:cTn id="28" dur="1" fill="hold">
+                                          <p:stCondLst>
+                                            <p:cond delay="0"/>
+                                          </p:stCondLst>
+                                        </p:cTn>
+                                        <p:tgtEl>
+                                          <p:spTgt spid="21"/>
+                                        </p:tgtEl>
+                                        <p:attrNameLst>
+                                          <p:attrName>style.visibility</p:attrName>
+                                        </p:attrNameLst>
+                                      </p:cBhvr>
+                                      <p:to>
+                                        <p:strVal val="visible"/>
+                                      </p:to>
+                                    </p:set>
+                                    <p:animEffect transition="in" filter="fade">
+                                      <p:cBhvr>
+                                        <p:cTn id="29" dur="500"/>
+                                        <p:tgtEl>
+                                          <p:spTgt spid="21"/>
+                                        </p:tgtEl>
+                                      </p:cBhvr>
+                                    </p:animEffect>
+                                    <p:anim calcmode="lin" valueType="num">
+                                      <p:cBhvr>
+                                        <p:cTn id="30" dur="500" fill="hold"/>
+                                        <p:tgtEl>
+                                          <p:spTgt spid="21"/>
+                                        </p:tgtEl>
+                                        <p:attrNameLst>
+                                          <p:attrName>ppt_x</p:attrName>
+                                        </p:attrNameLst>
+                                      </p:cBhvr>
+                                      <p:tavLst>
+                                        <p:tav tm="0">
+                                          <p:val>
+                                            <p:strVal val="#ppt_x"/>
+                                          </p:val>
+                                        </p:tav>
+                                        <p:tav tm="100000">
+                                          <p:val>
+                                            <p:strVal val="#ppt_x"/>
+                                          </p:val>
+                                        </p:tav>
+                                      </p:tavLst>
+                                    </p:anim>
+                                    <p:anim calcmode="lin" valueType="num">
+                                      <p:cBhvr>
+                                        <p:cTn id="31" dur="500" fill="hold"/>
+                                        <p:tgtEl>
+                                          <p:spTgt spid="21"/>
+                                        </p:tgtEl>
+                                        <p:attrNameLst>
+                                          <p:attrName>ppt_y</p:attrName>
+                                        </p:attrNameLst>
+                                      </p:cBhvr>
+                                      <p:tavLst>
+                                        <p:tav tm="0">
+                                          <p:val>
+                                            <p:strVal val="#ppt_y-.1"/>
+                                          </p:val>
+                                        </p:tav>
+                                        <p:tav tm="100000">
+                                          <p:val>
+                                            <p:strVal val="#ppt_y"/>
+                                          </p:val>
+                                        </p:tav>
+                                      </p:tavLst>
+                                    </p:anim>
+                                  </p:childTnLst>
+                                </p:cTn>
+                              </p:par>
+                              <p:par>
+                                <p:cTn id="32" presetID="26" presetClass="emph" presetSubtype="0" repeatCount="5000" fill="hold" grpId="1" nodeType="withEffect">
+                                  <p:stCondLst>
+                                    <p:cond delay="0"/>
+                                  </p:stCondLst>
+                                  <p:childTnLst>
+                                    <p:animEffect transition="out" filter="fade">
+                                      <p:cBhvr>
+                                        <p:cTn id="33" dur="1000" tmFilter="0, 0; .2, .5; .8, .5; 1, 0"/>
+                                        <p:tgtEl>
+                                          <p:spTgt spid="21"/>
+                                        </p:tgtEl>
+                                      </p:cBhvr>
+                                    </p:animEffect>
+                                    <p:animScale>
+                                      <p:cBhvr>
+                                        <p:cTn id="34" dur="500" autoRev="1" fill="hold"/>
+                                        <p:tgtEl>
+                                          <p:spTgt spid="21"/>
+                                        </p:tgtEl>
+                                      </p:cBhvr>
+                                      <p:by x="105000" y="105000"/>
+                                    </p:animScale>
+                                  </p:childTnLst>
+                                </p:cTn>
+                              </p:par>
+                            </p:childTnLst>
+                          </p:cTn>
+                        </p:par>
+                      </p:childTnLst>
+                    </p:cTn>
+                  </p:par>
+                  <p:par>
+                    <p:cTn id="35" fill="hold">
+                      <p:stCondLst>
+                        <p:cond delay="indefinite"/>
+                      </p:stCondLst>
+                      <p:childTnLst>
+                        <p:par>
+                          <p:cTn id="36" fill="hold">
+                            <p:stCondLst>
+                              <p:cond delay="0"/>
+                            </p:stCondLst>
+                            <p:childTnLst>
+                              <p:par>
+                                <p:cTn id="37" presetID="47" presetClass="entr" presetSubtype="0" fill="hold" grpId="0" nodeType="clickEffect">
+                                  <p:stCondLst>
+                                    <p:cond delay="0"/>
+                                  </p:stCondLst>
+                                  <p:childTnLst>
+                                    <p:set>
+                                      <p:cBhvr>
+                                        <p:cTn id="38" dur="1" fill="hold">
+                                          <p:stCondLst>
+                                            <p:cond delay="0"/>
+                                          </p:stCondLst>
+                                        </p:cTn>
+                                        <p:tgtEl>
+                                          <p:spTgt spid="15"/>
+                                        </p:tgtEl>
+                                        <p:attrNameLst>
+                                          <p:attrName>style.visibility</p:attrName>
+                                        </p:attrNameLst>
+                                      </p:cBhvr>
+                                      <p:to>
+                                        <p:strVal val="visible"/>
+                                      </p:to>
+                                    </p:set>
+                                    <p:animEffect transition="in" filter="fade">
+                                      <p:cBhvr>
+                                        <p:cTn id="39" dur="500"/>
+                                        <p:tgtEl>
+                                          <p:spTgt spid="15"/>
+                                        </p:tgtEl>
+                                      </p:cBhvr>
+                                    </p:animEffect>
+                                    <p:anim calcmode="lin" valueType="num">
+                                      <p:cBhvr>
+                                        <p:cTn id="40" dur="500" fill="hold"/>
+                                        <p:tgtEl>
+                                          <p:spTgt spid="15"/>
+                                        </p:tgtEl>
+                                        <p:attrNameLst>
+                                          <p:attrName>ppt_x</p:attrName>
+                                        </p:attrNameLst>
+                                      </p:cBhvr>
+                                      <p:tavLst>
+                                        <p:tav tm="0">
+                                          <p:val>
+                                            <p:strVal val="#ppt_x"/>
+                                          </p:val>
+                                        </p:tav>
+                                        <p:tav tm="100000">
+                                          <p:val>
+                                            <p:strVal val="#ppt_x"/>
+                                          </p:val>
+                                        </p:tav>
+                                      </p:tavLst>
+                                    </p:anim>
+                                    <p:anim calcmode="lin" valueType="num">
+                                      <p:cBhvr>
+                                        <p:cTn id="41" dur="500" fill="hold"/>
+                                        <p:tgtEl>
+                                          <p:spTgt spid="15"/>
+                                        </p:tgtEl>
+                                        <p:attrNameLst>
+                                          <p:attrName>ppt_y</p:attrName>
+                                        </p:attrNameLst>
+                                      </p:cBhvr>
+                                      <p:tavLst>
+                                        <p:tav tm="0">
+                                          <p:val>
+                                            <p:strVal val="#ppt_y-.1"/>
+                                          </p:val>
+                                        </p:tav>
+                                        <p:tav tm="100000">
+                                          <p:val>
+                                            <p:strVal val="#ppt_y"/>
+                                          </p:val>
+                                        </p:tav>
+                                      </p:tavLst>
+                                    </p:anim>
+                                  </p:childTnLst>
+                                </p:cTn>
+                              </p:par>
+                            </p:childTnLst>
+                          </p:cTn>
+                        </p:par>
+                      </p:childTnLst>
+                    </p:cTn>
+                  </p:par>
+                  <p:par>
+                    <p:cTn id="42" fill="hold">
+                      <p:stCondLst>
+                        <p:cond delay="indefinite"/>
+                      </p:stCondLst>
+                      <p:childTnLst>
+                        <p:par>
+                          <p:cTn id="43" fill="hold">
+                            <p:stCondLst>
+                              <p:cond delay="0"/>
+                            </p:stCondLst>
+                            <p:childTnLst>
+                              <p:par>
+                                <p:cTn id="44" presetID="47" presetClass="entr" presetSubtype="0" fill="hold" grpId="0" nodeType="clickEffect">
+                                  <p:stCondLst>
+                                    <p:cond delay="0"/>
+                                  </p:stCondLst>
+                                  <p:childTnLst>
+                                    <p:set>
+                                      <p:cBhvr>
+                                        <p:cTn id="45" dur="1" fill="hold">
+                                          <p:stCondLst>
+                                            <p:cond delay="0"/>
+                                          </p:stCondLst>
+                                        </p:cTn>
+                                        <p:tgtEl>
+                                          <p:spTgt spid="16"/>
+                                        </p:tgtEl>
+                                        <p:attrNameLst>
+                                          <p:attrName>style.visibility</p:attrName>
+                                        </p:attrNameLst>
+                                      </p:cBhvr>
+                                      <p:to>
+                                        <p:strVal val="visible"/>
+                                      </p:to>
+                                    </p:set>
+                                    <p:animEffect transition="in" filter="fade">
+                                      <p:cBhvr>
+                                        <p:cTn id="46" dur="500"/>
+                                        <p:tgtEl>
+                                          <p:spTgt spid="16"/>
+                                        </p:tgtEl>
+                                      </p:cBhvr>
+                                    </p:animEffect>
+                                    <p:anim calcmode="lin" valueType="num">
+                                      <p:cBhvr>
+                                        <p:cTn id="47" dur="500" fill="hold"/>
+                                        <p:tgtEl>
+                                          <p:spTgt spid="16"/>
+                                        </p:tgtEl>
+                                        <p:attrNameLst>
+                                          <p:attrName>ppt_x</p:attrName>
+                                        </p:attrNameLst>
+                                      </p:cBhvr>
+                                      <p:tavLst>
+                                        <p:tav tm="0">
+                                          <p:val>
+                                            <p:strVal val="#ppt_x"/>
+                                          </p:val>
+                                        </p:tav>
+                                        <p:tav tm="100000">
+                                          <p:val>
+                                            <p:strVal val="#ppt_x"/>
+                                          </p:val>
+                                        </p:tav>
+                                      </p:tavLst>
+                                    </p:anim>
+                                    <p:anim calcmode="lin" valueType="num">
+                                      <p:cBhvr>
+                                        <p:cTn id="48" dur="500" fill="hold"/>
+                                        <p:tgtEl>
+                                          <p:spTgt spid="16"/>
+                                        </p:tgtEl>
+                                        <p:attrNameLst>
+                                          <p:attrName>ppt_y</p:attrName>
+                                        </p:attrNameLst>
+                                      </p:cBhvr>
+                                      <p:tavLst>
+                                        <p:tav tm="0">
+                                          <p:val>
+                                            <p:strVal val="#ppt_y-.1"/>
+                                          </p:val>
+                                        </p:tav>
+                                        <p:tav tm="100000">
+                                          <p:val>
+                                            <p:strVal val="#ppt_y"/>
+                                          </p:val>
+                                        </p:tav>
+                                      </p:tavLst>
+                                    </p:anim>
+                                  </p:childTnLst>
+                                </p:cTn>
+                              </p:par>
+                              <p:par>
+                                <p:cTn id="49" presetID="26" presetClass="emph" presetSubtype="0" repeatCount="5000" fill="hold" grpId="1" nodeType="withEffect">
+                                  <p:stCondLst>
+                                    <p:cond delay="0"/>
+                                  </p:stCondLst>
+                                  <p:childTnLst>
+                                    <p:animEffect transition="out" filter="fade">
+                                      <p:cBhvr>
+                                        <p:cTn id="50" dur="1000" tmFilter="0, 0; .2, .5; .8, .5; 1, 0"/>
+                                        <p:tgtEl>
+                                          <p:spTgt spid="16"/>
+                                        </p:tgtEl>
+                                      </p:cBhvr>
+                                    </p:animEffect>
+                                    <p:animScale>
+                                      <p:cBhvr>
+                                        <p:cTn id="51" dur="500" autoRev="1" fill="hold"/>
+                                        <p:tgtEl>
+                                          <p:spTgt spid="16"/>
+                                        </p:tgtEl>
+                                      </p:cBhvr>
+                                      <p:by x="105000" y="105000"/>
+                                    </p:animScale>
+                                  </p:childTnLst>
+                                </p:cTn>
+                              </p:par>
+                            </p:childTnLst>
+                          </p:cTn>
+                        </p:par>
+                      </p:childTnLst>
+                    </p:cTn>
+                  </p:par>
+                  <p:par>
+                    <p:cTn id="52" fill="hold">
+                      <p:stCondLst>
+                        <p:cond delay="indefinite"/>
+                      </p:stCondLst>
+                      <p:childTnLst>
+                        <p:par>
+                          <p:cTn id="53" fill="hold">
+                            <p:stCondLst>
+                              <p:cond delay="0"/>
+                            </p:stCondLst>
+                            <p:childTnLst>
+                              <p:par>
+                                <p:cTn id="54" presetID="47" presetClass="entr" presetSubtype="0" fill="hold" grpId="0" nodeType="clickEffect">
+                                  <p:stCondLst>
+                                    <p:cond delay="0"/>
+                                  </p:stCondLst>
+                                  <p:childTnLst>
+                                    <p:set>
+                                      <p:cBhvr>
+                                        <p:cTn id="55" dur="1" fill="hold">
+                                          <p:stCondLst>
+                                            <p:cond delay="0"/>
+                                          </p:stCondLst>
+                                        </p:cTn>
+                                        <p:tgtEl>
+                                          <p:spTgt spid="18"/>
+                                        </p:tgtEl>
+                                        <p:attrNameLst>
+                                          <p:attrName>style.visibility</p:attrName>
+                                        </p:attrNameLst>
+                                      </p:cBhvr>
+                                      <p:to>
+                                        <p:strVal val="visible"/>
+                                      </p:to>
+                                    </p:set>
+                                    <p:animEffect transition="in" filter="fade">
+                                      <p:cBhvr>
+                                        <p:cTn id="56" dur="500"/>
+                                        <p:tgtEl>
+                                          <p:spTgt spid="18"/>
+                                        </p:tgtEl>
+                                      </p:cBhvr>
+                                    </p:animEffect>
+                                    <p:anim calcmode="lin" valueType="num">
+                                      <p:cBhvr>
+                                        <p:cTn id="57" dur="500" fill="hold"/>
+                                        <p:tgtEl>
+                                          <p:spTgt spid="18"/>
+                                        </p:tgtEl>
+                                        <p:attrNameLst>
+                                          <p:attrName>ppt_x</p:attrName>
+                                        </p:attrNameLst>
+                                      </p:cBhvr>
+                                      <p:tavLst>
+                                        <p:tav tm="0">
+                                          <p:val>
+                                            <p:strVal val="#ppt_x"/>
+                                          </p:val>
+                                        </p:tav>
+                                        <p:tav tm="100000">
+                                          <p:val>
+                                            <p:strVal val="#ppt_x"/>
+                                          </p:val>
+                                        </p:tav>
+                                      </p:tavLst>
+                                    </p:anim>
+                                    <p:anim calcmode="lin" valueType="num">
+                                      <p:cBhvr>
+                                        <p:cTn id="58" dur="500" fill="hold"/>
+                                        <p:tgtEl>
+                                          <p:spTgt spid="18"/>
+                                        </p:tgtEl>
+                                        <p:attrNameLst>
+                                          <p:attrName>ppt_y</p:attrName>
+                                        </p:attrNameLst>
+                                      </p:cBhvr>
+                                      <p:tavLst>
+                                        <p:tav tm="0">
+                                          <p:val>
+                                            <p:strVal val="#ppt_y-.1"/>
+                                          </p:val>
+                                        </p:tav>
+                                        <p:tav tm="100000">
+                                          <p:val>
+                                            <p:strVal val="#ppt_y"/>
+                                          </p:val>
+                                        </p:tav>
+                                      </p:tavLst>
+                                    </p:anim>
+                                  </p:childTnLst>
+                                </p:cTn>
+                              </p:par>
+                              <p:par>
+                                <p:cTn id="59" presetID="26" presetClass="emph" presetSubtype="0" repeatCount="5000" fill="hold" grpId="1" nodeType="withEffect">
+                                  <p:stCondLst>
+                                    <p:cond delay="0"/>
+                                  </p:stCondLst>
+                                  <p:childTnLst>
+                                    <p:animEffect transition="out" filter="fade">
+                                      <p:cBhvr>
+                                        <p:cTn id="60" dur="1000" tmFilter="0, 0; .2, .5; .8, .5; 1, 0"/>
+                                        <p:tgtEl>
+                                          <p:spTgt spid="18"/>
+                                        </p:tgtEl>
+                                      </p:cBhvr>
+                                    </p:animEffect>
+                                    <p:animScale>
+                                      <p:cBhvr>
+                                        <p:cTn id="61" dur="500" autoRev="1" fill="hold"/>
+                                        <p:tgtEl>
+                                          <p:spTgt spid="18"/>
+                                        </p:tgtEl>
+                                      </p:cBhvr>
+                                      <p:by x="105000" y="105000"/>
+                                    </p:animScale>
+                                  </p:childTnLst>
+                                </p:cTn>
+                              </p:par>
+                            </p:childTnLst>
+                          </p:cTn>
+                        </p:par>
+                      </p:childTnLst>
+                    </p:cTn>
+                  </p:par>
+                  <p:par>
+                    <p:cTn id="62" fill="hold">
+                      <p:stCondLst>
+                        <p:cond delay="indefinite"/>
+                      </p:stCondLst>
+                      <p:childTnLst>
+                        <p:par>
+                          <p:cTn id="63" fill="hold">
+                            <p:stCondLst>
+                              <p:cond delay="0"/>
+                            </p:stCondLst>
+                            <p:childTnLst>
+                              <p:par>
+                                <p:cTn id="64" presetID="47" presetClass="entr" presetSubtype="0" fill="hold" grpId="0" nodeType="clickEffect">
+                                  <p:stCondLst>
+                                    <p:cond delay="0"/>
+                                  </p:stCondLst>
+                                  <p:childTnLst>
+                                    <p:set>
+                                      <p:cBhvr>
+                                        <p:cTn id="65" dur="1" fill="hold">
+                                          <p:stCondLst>
+                                            <p:cond delay="0"/>
+                                          </p:stCondLst>
+                                        </p:cTn>
+                                        <p:tgtEl>
+                                          <p:spTgt spid="20"/>
+                                        </p:tgtEl>
+                                        <p:attrNameLst>
+                                          <p:attrName>style.visibility</p:attrName>
+                                        </p:attrNameLst>
+                                      </p:cBhvr>
+                                      <p:to>
+                                        <p:strVal val="visible"/>
+                                      </p:to>
+                                    </p:set>
+                                    <p:animEffect transition="in" filter="fade">
+                                      <p:cBhvr>
+                                        <p:cTn id="66" dur="500"/>
+                                        <p:tgtEl>
+                                          <p:spTgt spid="20"/>
+                                        </p:tgtEl>
+                                      </p:cBhvr>
+                                    </p:animEffect>
+                                    <p:anim calcmode="lin" valueType="num">
+                                      <p:cBhvr>
+                                        <p:cTn id="67" dur="500" fill="hold"/>
+                                        <p:tgtEl>
+                                          <p:spTgt spid="20"/>
+                                        </p:tgtEl>
+                                        <p:attrNameLst>
+                                          <p:attrName>ppt_x</p:attrName>
+                                        </p:attrNameLst>
+                                      </p:cBhvr>
+                                      <p:tavLst>
+                                        <p:tav tm="0">
+                                          <p:val>
+                                            <p:strVal val="#ppt_x"/>
+                                          </p:val>
+                                        </p:tav>
+                                        <p:tav tm="100000">
+                                          <p:val>
+                                            <p:strVal val="#ppt_x"/>
+                                          </p:val>
+                                        </p:tav>
+                                      </p:tavLst>
+                                    </p:anim>
+                                    <p:anim calcmode="lin" valueType="num">
+                                      <p:cBhvr>
+                                        <p:cTn id="68" dur="500" fill="hold"/>
+                                        <p:tgtEl>
+                                          <p:spTgt spid="20"/>
+                                        </p:tgtEl>
+                                        <p:attrNameLst>
+                                          <p:attrName>ppt_y</p:attrName>
+                                        </p:attrNameLst>
+                                      </p:cBhvr>
+                                      <p:tavLst>
+                                        <p:tav tm="0">
+                                          <p:val>
+                                            <p:strVal val="#ppt_y-.1"/>
+                                          </p:val>
+                                        </p:tav>
+                                        <p:tav tm="100000">
+                                          <p:val>
+                                            <p:strVal val="#ppt_y"/>
+                                          </p:val>
+                                        </p:tav>
+                                      </p:tavLst>
+                                    </p:anim>
+                                  </p:childTnLst>
+                                </p:cTn>
+                              </p:par>
+                              <p:par>
+                                <p:cTn id="69" presetID="26" presetClass="emph" presetSubtype="0" repeatCount="5000" fill="hold" grpId="1" nodeType="withEffect">
+                                  <p:stCondLst>
+                                    <p:cond delay="0"/>
+                                  </p:stCondLst>
+                                  <p:childTnLst>
+                                    <p:animEffect transition="out" filter="fade">
+                                      <p:cBhvr>
+                                        <p:cTn id="70" dur="1000" tmFilter="0, 0; .2, .5; .8, .5; 1, 0"/>
+                                        <p:tgtEl>
+                                          <p:spTgt spid="20"/>
+                                        </p:tgtEl>
+                                      </p:cBhvr>
+                                    </p:animEffect>
+                                    <p:animScale>
+                                      <p:cBhvr>
+                                        <p:cTn id="71" dur="500" autoRev="1" fill="hold"/>
+                                        <p:tgtEl>
+                                          <p:spTgt spid="20"/>
+                                        </p:tgtEl>
+                                      </p:cBhvr>
+                                      <p:by x="105000" y="105000"/>
+                                    </p:animScale>
+                                  </p:childTnLst>
+                                </p:cTn>
+                              </p:par>
+                            </p:childTnLst>
+                          </p:cTn>
+                        </p:par>
+                      </p:childTnLst>
+                    </p:cTn>
+                  </p:par>
+                </p:childTnLst>
+              </p:cTn>
+              <p:prevCondLst>
+                <p:cond evt="onPrev" delay="0">
+                  <p:tgtEl>
+                    <p:sldTgt/>
+                  </p:tgtEl>
+                </p:cond>
+              </p:prevCondLst>
+              <p:nextCondLst>
+                <p:cond evt="onNext" delay="0">
+                  <p:tgtEl>
+                    <p:sldTgt/>
+                  </p:tgtEl>
+                </p:cond>
+              </p:nextCondLst>
+            </p:seq>
+          </p:childTnLst>
+        </p:cTn>
+      </p:par>
+    </p:tnLst>
+    <p:bldLst>
+      <p:bldP spid="31" grpId="0" animBg="1"/>
+      <p:bldP spid="32" grpId="0" animBg="1"/>
+      <p:bldP spid="35" grpId="0" animBg="1"/>
+      <p:bldP spid="35" grpId="1" animBg="1"/>
+      <p:bldP spid="21" grpId="0" animBg="1"/>
+      <p:bldP spid="21" grpId="1" animBg="1"/>
+      <p:bldP spid="15" grpId="0" animBg="1"/>
+      <p:bldP spid="16" grpId="0" animBg="1"/>
+      <p:bldP spid="16" grpId="1" animBg="1"/>
+      <p:bldP spid="18" grpId="0" animBg="1"/>
+      <p:bldP spid="18" grpId="1" animBg="1"/>
+      <p:bldP spid="20" grpId="0" animBg="1"/>
+      <p:bldP spid="20" grpId="1" animBg="1"/>
+    </p:bldLst>
+  </p:timing>
 </p:sld>
 </file>
 

--- a/Kolloquium/Kolloquium.pptx
+++ b/Kolloquium/Kolloquium.pptx
@@ -5,10 +5,10 @@
     <p:sldMasterId id="2147483663" r:id="rId1"/>
   </p:sldMasterIdLst>
   <p:notesMasterIdLst>
-    <p:notesMasterId r:id="rId22"/>
+    <p:notesMasterId r:id="rId23"/>
   </p:notesMasterIdLst>
   <p:handoutMasterIdLst>
-    <p:handoutMasterId r:id="rId23"/>
+    <p:handoutMasterId r:id="rId24"/>
   </p:handoutMasterIdLst>
   <p:sldIdLst>
     <p:sldId id="279" r:id="rId2"/>
@@ -19,18 +19,19 @@
     <p:sldId id="306" r:id="rId7"/>
     <p:sldId id="307" r:id="rId8"/>
     <p:sldId id="288" r:id="rId9"/>
-    <p:sldId id="297" r:id="rId10"/>
-    <p:sldId id="289" r:id="rId11"/>
-    <p:sldId id="301" r:id="rId12"/>
-    <p:sldId id="300" r:id="rId13"/>
-    <p:sldId id="291" r:id="rId14"/>
-    <p:sldId id="302" r:id="rId15"/>
-    <p:sldId id="304" r:id="rId16"/>
-    <p:sldId id="277" r:id="rId17"/>
-    <p:sldId id="263" r:id="rId18"/>
-    <p:sldId id="268" r:id="rId19"/>
-    <p:sldId id="275" r:id="rId20"/>
-    <p:sldId id="276" r:id="rId21"/>
+    <p:sldId id="308" r:id="rId10"/>
+    <p:sldId id="297" r:id="rId11"/>
+    <p:sldId id="289" r:id="rId12"/>
+    <p:sldId id="301" r:id="rId13"/>
+    <p:sldId id="300" r:id="rId14"/>
+    <p:sldId id="291" r:id="rId15"/>
+    <p:sldId id="302" r:id="rId16"/>
+    <p:sldId id="304" r:id="rId17"/>
+    <p:sldId id="277" r:id="rId18"/>
+    <p:sldId id="263" r:id="rId19"/>
+    <p:sldId id="268" r:id="rId20"/>
+    <p:sldId id="275" r:id="rId21"/>
+    <p:sldId id="276" r:id="rId22"/>
   </p:sldIdLst>
   <p:sldSz cx="9144000" cy="5143500" type="screen16x9"/>
   <p:notesSz cx="6797675" cy="9874250"/>
@@ -222,7 +223,7 @@
           <a:p>
             <a:fld id="{F4DF2165-45DD-4E6A-8D88-991CFCF20576}" type="datetimeFigureOut">
               <a:rPr lang="de-DE" smtClean="0"/>
-              <a:t>23.02.23</a:t>
+              <a:t>24.02.2023</a:t>
             </a:fld>
             <a:endParaRPr lang="de-DE" dirty="0"/>
           </a:p>
@@ -387,7 +388,7 @@
           <a:p>
             <a:fld id="{DBB2A775-C49D-45BA-A919-7D687A0440E7}" type="datetimeFigureOut">
               <a:rPr lang="de-DE" smtClean="0"/>
-              <a:t>23.02.23</a:t>
+              <a:t>24.02.2023</a:t>
             </a:fld>
             <a:endParaRPr lang="de-DE"/>
           </a:p>
@@ -822,7 +823,7 @@
     </p:spTree>
     <p:extLst>
       <p:ext uri="{BB962C8B-B14F-4D97-AF65-F5344CB8AC3E}">
-        <p14:creationId xmlns:p14="http://schemas.microsoft.com/office/powerpoint/2010/main" val="2795021949"/>
+        <p14:creationId xmlns:p14="http://schemas.microsoft.com/office/powerpoint/2010/main" val="1569347426"/>
       </p:ext>
     </p:extLst>
   </p:cSld>
@@ -881,7 +882,7 @@
           <a:bodyPr/>
           <a:lstStyle/>
           <a:p>
-            <a:endParaRPr lang="de-DE" dirty="0"/>
+            <a:endParaRPr lang="de-DE"/>
           </a:p>
         </p:txBody>
       </p:sp>
@@ -902,16 +903,16 @@
           <a:p>
             <a:fld id="{2D6A0D67-EDAE-48EC-829F-B147F9799060}" type="slidenum">
               <a:rPr lang="de-DE" smtClean="0"/>
-              <a:t>16</a:t>
+              <a:t>15</a:t>
             </a:fld>
-            <a:endParaRPr lang="de-DE" dirty="0"/>
+            <a:endParaRPr lang="de-DE"/>
           </a:p>
         </p:txBody>
       </p:sp>
     </p:spTree>
     <p:extLst>
       <p:ext uri="{BB962C8B-B14F-4D97-AF65-F5344CB8AC3E}">
-        <p14:creationId xmlns:p14="http://schemas.microsoft.com/office/powerpoint/2010/main" val="3900583526"/>
+        <p14:creationId xmlns:p14="http://schemas.microsoft.com/office/powerpoint/2010/main" val="2795021949"/>
       </p:ext>
     </p:extLst>
   </p:cSld>
@@ -970,7 +971,7 @@
           <a:bodyPr/>
           <a:lstStyle/>
           <a:p>
-            <a:endParaRPr lang="de-DE"/>
+            <a:endParaRPr lang="de-DE" dirty="0"/>
           </a:p>
         </p:txBody>
       </p:sp>
@@ -993,14 +994,14 @@
               <a:rPr lang="de-DE" smtClean="0"/>
               <a:t>17</a:t>
             </a:fld>
-            <a:endParaRPr lang="de-DE"/>
+            <a:endParaRPr lang="de-DE" dirty="0"/>
           </a:p>
         </p:txBody>
       </p:sp>
     </p:spTree>
     <p:extLst>
       <p:ext uri="{BB962C8B-B14F-4D97-AF65-F5344CB8AC3E}">
-        <p14:creationId xmlns:p14="http://schemas.microsoft.com/office/powerpoint/2010/main" val="447334487"/>
+        <p14:creationId xmlns:p14="http://schemas.microsoft.com/office/powerpoint/2010/main" val="3900583526"/>
       </p:ext>
     </p:extLst>
   </p:cSld>
@@ -1089,7 +1090,7 @@
     </p:spTree>
     <p:extLst>
       <p:ext uri="{BB962C8B-B14F-4D97-AF65-F5344CB8AC3E}">
-        <p14:creationId xmlns:p14="http://schemas.microsoft.com/office/powerpoint/2010/main" val="953450021"/>
+        <p14:creationId xmlns:p14="http://schemas.microsoft.com/office/powerpoint/2010/main" val="447334487"/>
       </p:ext>
     </p:extLst>
   </p:cSld>
@@ -1178,7 +1179,7 @@
     </p:spTree>
     <p:extLst>
       <p:ext uri="{BB962C8B-B14F-4D97-AF65-F5344CB8AC3E}">
-        <p14:creationId xmlns:p14="http://schemas.microsoft.com/office/powerpoint/2010/main" val="2840433482"/>
+        <p14:creationId xmlns:p14="http://schemas.microsoft.com/office/powerpoint/2010/main" val="953450021"/>
       </p:ext>
     </p:extLst>
   </p:cSld>
@@ -1237,9 +1238,7 @@
           <a:bodyPr/>
           <a:lstStyle/>
           <a:p>
-            <a:endParaRPr lang="de-DE" dirty="0">
-              <a:latin typeface="Muli SemiBold" panose="00000700000000000000" pitchFamily="2" charset="0"/>
-            </a:endParaRPr>
+            <a:endParaRPr lang="de-DE"/>
           </a:p>
         </p:txBody>
       </p:sp>
@@ -1258,10 +1257,101 @@
           <a:bodyPr/>
           <a:lstStyle/>
           <a:p>
+            <a:fld id="{2D6A0D67-EDAE-48EC-829F-B147F9799060}" type="slidenum">
+              <a:rPr lang="de-DE" smtClean="0"/>
+              <a:t>20</a:t>
+            </a:fld>
+            <a:endParaRPr lang="de-DE"/>
+          </a:p>
+        </p:txBody>
+      </p:sp>
+    </p:spTree>
+    <p:extLst>
+      <p:ext uri="{BB962C8B-B14F-4D97-AF65-F5344CB8AC3E}">
+        <p14:creationId xmlns:p14="http://schemas.microsoft.com/office/powerpoint/2010/main" val="2840433482"/>
+      </p:ext>
+    </p:extLst>
+  </p:cSld>
+  <p:clrMapOvr>
+    <a:masterClrMapping/>
+  </p:clrMapOvr>
+</p:notes>
+</file>
+
+<file path=ppt/notesSlides/notesSlide16.xml><?xml version="1.0" encoding="utf-8"?>
+<p:notes xmlns:a="http://schemas.openxmlformats.org/drawingml/2006/main" xmlns:r="http://schemas.openxmlformats.org/officeDocument/2006/relationships" xmlns:p="http://schemas.openxmlformats.org/presentationml/2006/main">
+  <p:cSld>
+    <p:spTree>
+      <p:nvGrpSpPr>
+        <p:cNvPr id="1" name=""/>
+        <p:cNvGrpSpPr/>
+        <p:nvPr/>
+      </p:nvGrpSpPr>
+      <p:grpSpPr>
+        <a:xfrm>
+          <a:off x="0" y="0"/>
+          <a:ext cx="0" cy="0"/>
+          <a:chOff x="0" y="0"/>
+          <a:chExt cx="0" cy="0"/>
+        </a:xfrm>
+      </p:grpSpPr>
+      <p:sp>
+        <p:nvSpPr>
+          <p:cNvPr id="2" name="Folienbildplatzhalter 1"/>
+          <p:cNvSpPr>
+            <a:spLocks noGrp="1" noRot="1" noChangeAspect="1"/>
+          </p:cNvSpPr>
+          <p:nvPr>
+            <p:ph type="sldImg"/>
+          </p:nvPr>
+        </p:nvSpPr>
+        <p:spPr>
+          <a:xfrm>
+            <a:off x="511175" y="1049338"/>
+            <a:ext cx="5924550" cy="3333750"/>
+          </a:xfrm>
+        </p:spPr>
+      </p:sp>
+      <p:sp>
+        <p:nvSpPr>
+          <p:cNvPr id="3" name="Notizenplatzhalter 2"/>
+          <p:cNvSpPr>
+            <a:spLocks noGrp="1"/>
+          </p:cNvSpPr>
+          <p:nvPr>
+            <p:ph type="body" idx="1"/>
+          </p:nvPr>
+        </p:nvSpPr>
+        <p:spPr/>
+        <p:txBody>
+          <a:bodyPr/>
+          <a:lstStyle/>
+          <a:p>
+            <a:endParaRPr lang="de-DE" dirty="0">
+              <a:latin typeface="Muli SemiBold" panose="00000700000000000000" pitchFamily="2" charset="0"/>
+            </a:endParaRPr>
+          </a:p>
+        </p:txBody>
+      </p:sp>
+      <p:sp>
+        <p:nvSpPr>
+          <p:cNvPr id="4" name="Foliennummernplatzhalter 3"/>
+          <p:cNvSpPr>
+            <a:spLocks noGrp="1"/>
+          </p:cNvSpPr>
+          <p:nvPr>
+            <p:ph type="sldNum" sz="quarter" idx="10"/>
+          </p:nvPr>
+        </p:nvSpPr>
+        <p:spPr/>
+        <p:txBody>
+          <a:bodyPr/>
+          <a:lstStyle/>
+          <a:p>
             <a:fld id="{890D2026-B054-4C01-8473-47B83C1FFE3E}" type="slidenum">
               <a:rPr lang="de-DE" smtClean="0"/>
               <a:pPr/>
-              <a:t>20</a:t>
+              <a:t>21</a:t>
             </a:fld>
             <a:endParaRPr lang="de-DE"/>
           </a:p>
@@ -1804,7 +1894,7 @@
     </p:spTree>
     <p:extLst>
       <p:ext uri="{BB962C8B-B14F-4D97-AF65-F5344CB8AC3E}">
-        <p14:creationId xmlns:p14="http://schemas.microsoft.com/office/powerpoint/2010/main" val="2300688047"/>
+        <p14:creationId xmlns:p14="http://schemas.microsoft.com/office/powerpoint/2010/main" val="923937074"/>
       </p:ext>
     </p:extLst>
   </p:cSld>
@@ -1893,7 +1983,7 @@
     </p:spTree>
     <p:extLst>
       <p:ext uri="{BB962C8B-B14F-4D97-AF65-F5344CB8AC3E}">
-        <p14:creationId xmlns:p14="http://schemas.microsoft.com/office/powerpoint/2010/main" val="3520414386"/>
+        <p14:creationId xmlns:p14="http://schemas.microsoft.com/office/powerpoint/2010/main" val="2300688047"/>
       </p:ext>
     </p:extLst>
   </p:cSld>
@@ -1973,7 +2063,7 @@
           <a:p>
             <a:fld id="{2D6A0D67-EDAE-48EC-829F-B147F9799060}" type="slidenum">
               <a:rPr lang="de-DE" smtClean="0"/>
-              <a:t>13</a:t>
+              <a:t>11</a:t>
             </a:fld>
             <a:endParaRPr lang="de-DE"/>
           </a:p>
@@ -1982,7 +2072,7 @@
     </p:spTree>
     <p:extLst>
       <p:ext uri="{BB962C8B-B14F-4D97-AF65-F5344CB8AC3E}">
-        <p14:creationId xmlns:p14="http://schemas.microsoft.com/office/powerpoint/2010/main" val="1569347426"/>
+        <p14:creationId xmlns:p14="http://schemas.microsoft.com/office/powerpoint/2010/main" val="3520414386"/>
       </p:ext>
     </p:extLst>
   </p:cSld>
@@ -2328,7 +2418,7 @@
                 <a:cs typeface="Open Sans" panose="020B0606030504020204" pitchFamily="34" charset="0"/>
               </a:rPr>
               <a:pPr algn="r"/>
-              <a:t>Thursday, February 23, 2023</a:t>
+              <a:t>Friday, February 24, 2023</a:t>
             </a:fld>
             <a:endParaRPr lang="de-DE" sz="1000" dirty="0">
               <a:latin typeface="Open Sans" panose="020B0606030504020204" pitchFamily="34" charset="0"/>
@@ -4781,6 +4871,2306 @@
           <a:lstStyle/>
           <a:p>
             <a:r>
+              <a:rPr lang="de-DE" noProof="0" dirty="0"/>
+              <a:t>Art von Algorithmen</a:t>
+            </a:r>
+          </a:p>
+        </p:txBody>
+      </p:sp>
+      <p:sp>
+        <p:nvSpPr>
+          <p:cNvPr id="36" name="Rechteck 35"/>
+          <p:cNvSpPr/>
+          <p:nvPr/>
+        </p:nvSpPr>
+        <p:spPr>
+          <a:xfrm>
+            <a:off x="680407" y="2945044"/>
+            <a:ext cx="2874955" cy="1274060"/>
+          </a:xfrm>
+          <a:prstGeom prst="rect">
+            <a:avLst/>
+          </a:prstGeom>
+          <a:solidFill>
+            <a:schemeClr val="accent3">
+              <a:lumMod val="20000"/>
+              <a:lumOff val="80000"/>
+            </a:schemeClr>
+          </a:solidFill>
+          <a:ln w="15875">
+            <a:noFill/>
+          </a:ln>
+        </p:spPr>
+        <p:style>
+          <a:lnRef idx="2">
+            <a:schemeClr val="accent1">
+              <a:shade val="50000"/>
+            </a:schemeClr>
+          </a:lnRef>
+          <a:fillRef idx="1">
+            <a:schemeClr val="accent1"/>
+          </a:fillRef>
+          <a:effectRef idx="0">
+            <a:schemeClr val="accent1"/>
+          </a:effectRef>
+          <a:fontRef idx="minor">
+            <a:schemeClr val="lt1"/>
+          </a:fontRef>
+        </p:style>
+        <p:txBody>
+          <a:bodyPr rtlCol="0" anchor="ctr"/>
+          <a:lstStyle/>
+          <a:p>
+            <a:pPr algn="ctr"/>
+            <a:endParaRPr lang="de-DE" sz="1200" dirty="0">
+              <a:solidFill>
+                <a:schemeClr val="bg1"/>
+              </a:solidFill>
+              <a:latin typeface="Muli" panose="00000500000000000000" pitchFamily="2" charset="0"/>
+            </a:endParaRPr>
+          </a:p>
+        </p:txBody>
+      </p:sp>
+      <p:sp>
+        <p:nvSpPr>
+          <p:cNvPr id="14" name="Textfeld 13"/>
+          <p:cNvSpPr txBox="1"/>
+          <p:nvPr/>
+        </p:nvSpPr>
+        <p:spPr>
+          <a:xfrm>
+            <a:off x="676424" y="2964722"/>
+            <a:ext cx="2874955" cy="1183081"/>
+          </a:xfrm>
+          <a:prstGeom prst="rect">
+            <a:avLst/>
+          </a:prstGeom>
+          <a:solidFill>
+            <a:schemeClr val="accent3">
+              <a:lumMod val="20000"/>
+              <a:lumOff val="80000"/>
+            </a:schemeClr>
+          </a:solidFill>
+        </p:spPr>
+        <p:txBody>
+          <a:bodyPr wrap="square" rtlCol="0">
+            <a:spAutoFit/>
+          </a:bodyPr>
+          <a:lstStyle/>
+          <a:p>
+            <a:pPr algn="ctr"/>
+            <a:r>
+              <a:rPr lang="de-DE" sz="1200" dirty="0">
+                <a:solidFill>
+                  <a:srgbClr val="555555"/>
+                </a:solidFill>
+                <a:latin typeface="Muli" panose="00000500000000000000" pitchFamily="2" charset="0"/>
+              </a:rPr>
+              <a:t>Synonyms/Homonyms</a:t>
+            </a:r>
+          </a:p>
+          <a:p>
+            <a:pPr algn="ctr"/>
+            <a:endParaRPr lang="de-DE" sz="788" dirty="0">
+              <a:solidFill>
+                <a:srgbClr val="555555"/>
+              </a:solidFill>
+              <a:latin typeface="Muli" panose="00000500000000000000" pitchFamily="2" charset="0"/>
+            </a:endParaRPr>
+          </a:p>
+          <a:p>
+            <a:pPr algn="ctr"/>
+            <a:r>
+              <a:rPr lang="de-DE" sz="1200" dirty="0" err="1">
+                <a:solidFill>
+                  <a:srgbClr val="555555"/>
+                </a:solidFill>
+                <a:latin typeface="Muli" panose="00000500000000000000" pitchFamily="2" charset="0"/>
+              </a:rPr>
+              <a:t>Mappings</a:t>
+            </a:r>
+            <a:endParaRPr lang="de-DE" sz="1200" dirty="0">
+              <a:solidFill>
+                <a:srgbClr val="555555"/>
+              </a:solidFill>
+              <a:latin typeface="Muli" panose="00000500000000000000" pitchFamily="2" charset="0"/>
+            </a:endParaRPr>
+          </a:p>
+          <a:p>
+            <a:pPr algn="ctr"/>
+            <a:endParaRPr lang="de-DE" sz="750" dirty="0">
+              <a:solidFill>
+                <a:srgbClr val="555555"/>
+              </a:solidFill>
+              <a:latin typeface="Muli" panose="00000500000000000000" pitchFamily="2" charset="0"/>
+            </a:endParaRPr>
+          </a:p>
+          <a:p>
+            <a:pPr algn="ctr"/>
+            <a:r>
+              <a:rPr lang="de-DE" sz="1200" dirty="0">
+                <a:solidFill>
+                  <a:srgbClr val="555555"/>
+                </a:solidFill>
+                <a:latin typeface="Muli" panose="00000500000000000000" pitchFamily="2" charset="0"/>
+              </a:rPr>
+              <a:t>Union </a:t>
+            </a:r>
+            <a:r>
+              <a:rPr lang="de-DE" sz="1200" dirty="0" err="1">
+                <a:solidFill>
+                  <a:srgbClr val="555555"/>
+                </a:solidFill>
+                <a:latin typeface="Muli" panose="00000500000000000000" pitchFamily="2" charset="0"/>
+              </a:rPr>
+              <a:t>Types</a:t>
+            </a:r>
+            <a:endParaRPr lang="de-DE" sz="1200" dirty="0">
+              <a:solidFill>
+                <a:srgbClr val="555555"/>
+              </a:solidFill>
+              <a:latin typeface="Muli" panose="00000500000000000000" pitchFamily="2" charset="0"/>
+            </a:endParaRPr>
+          </a:p>
+          <a:p>
+            <a:pPr algn="ctr"/>
+            <a:endParaRPr lang="de-DE" sz="750" dirty="0">
+              <a:solidFill>
+                <a:srgbClr val="555555"/>
+              </a:solidFill>
+              <a:latin typeface="Muli" panose="00000500000000000000" pitchFamily="2" charset="0"/>
+            </a:endParaRPr>
+          </a:p>
+          <a:p>
+            <a:pPr algn="ctr"/>
+            <a:r>
+              <a:rPr lang="de-DE" sz="1200" dirty="0">
+                <a:solidFill>
+                  <a:srgbClr val="555555"/>
+                </a:solidFill>
+                <a:latin typeface="Muli" panose="00000500000000000000" pitchFamily="2" charset="0"/>
+              </a:rPr>
+              <a:t>Language </a:t>
+            </a:r>
+            <a:r>
+              <a:rPr lang="de-DE" sz="1200" dirty="0" err="1">
+                <a:solidFill>
+                  <a:srgbClr val="555555"/>
+                </a:solidFill>
+                <a:latin typeface="Muli" panose="00000500000000000000" pitchFamily="2" charset="0"/>
+              </a:rPr>
+              <a:t>Expressions</a:t>
+            </a:r>
+            <a:endParaRPr lang="de-DE" sz="1200" dirty="0">
+              <a:solidFill>
+                <a:srgbClr val="555555"/>
+              </a:solidFill>
+              <a:latin typeface="Muli" panose="00000500000000000000" pitchFamily="2" charset="0"/>
+            </a:endParaRPr>
+          </a:p>
+        </p:txBody>
+      </p:sp>
+      <p:sp>
+        <p:nvSpPr>
+          <p:cNvPr id="37" name="Rechteck 36"/>
+          <p:cNvSpPr/>
+          <p:nvPr/>
+        </p:nvSpPr>
+        <p:spPr>
+          <a:xfrm>
+            <a:off x="3641123" y="2945044"/>
+            <a:ext cx="1952368" cy="1274061"/>
+          </a:xfrm>
+          <a:prstGeom prst="rect">
+            <a:avLst/>
+          </a:prstGeom>
+          <a:solidFill>
+            <a:schemeClr val="accent3">
+              <a:lumMod val="20000"/>
+              <a:lumOff val="80000"/>
+            </a:schemeClr>
+          </a:solidFill>
+          <a:ln w="15875">
+            <a:noFill/>
+          </a:ln>
+        </p:spPr>
+        <p:style>
+          <a:lnRef idx="2">
+            <a:schemeClr val="accent1">
+              <a:shade val="50000"/>
+            </a:schemeClr>
+          </a:lnRef>
+          <a:fillRef idx="1">
+            <a:schemeClr val="accent1"/>
+          </a:fillRef>
+          <a:effectRef idx="0">
+            <a:schemeClr val="accent1"/>
+          </a:effectRef>
+          <a:fontRef idx="minor">
+            <a:schemeClr val="lt1"/>
+          </a:fontRef>
+        </p:style>
+        <p:txBody>
+          <a:bodyPr rtlCol="0" anchor="ctr"/>
+          <a:lstStyle/>
+          <a:p>
+            <a:pPr algn="ctr"/>
+            <a:endParaRPr lang="de-DE" sz="1200" dirty="0">
+              <a:solidFill>
+                <a:schemeClr val="bg1"/>
+              </a:solidFill>
+              <a:latin typeface="Muli" panose="00000500000000000000" pitchFamily="2" charset="0"/>
+            </a:endParaRPr>
+          </a:p>
+        </p:txBody>
+      </p:sp>
+      <p:sp>
+        <p:nvSpPr>
+          <p:cNvPr id="19" name="Textfeld 18"/>
+          <p:cNvSpPr txBox="1"/>
+          <p:nvPr/>
+        </p:nvSpPr>
+        <p:spPr>
+          <a:xfrm>
+            <a:off x="3641122" y="2964722"/>
+            <a:ext cx="1952367" cy="1015663"/>
+          </a:xfrm>
+          <a:prstGeom prst="rect">
+            <a:avLst/>
+          </a:prstGeom>
+          <a:solidFill>
+            <a:schemeClr val="accent3">
+              <a:lumMod val="20000"/>
+              <a:lumOff val="80000"/>
+            </a:schemeClr>
+          </a:solidFill>
+        </p:spPr>
+        <p:txBody>
+          <a:bodyPr wrap="square" rtlCol="0">
+            <a:spAutoFit/>
+          </a:bodyPr>
+          <a:lstStyle/>
+          <a:p>
+            <a:pPr algn="ctr"/>
+            <a:r>
+              <a:rPr lang="de-DE" sz="1200" dirty="0">
+                <a:solidFill>
+                  <a:srgbClr val="555555"/>
+                </a:solidFill>
+                <a:latin typeface="Muli" panose="00000500000000000000" pitchFamily="2" charset="0"/>
+              </a:rPr>
+              <a:t>Null Values</a:t>
+            </a:r>
+          </a:p>
+          <a:p>
+            <a:pPr algn="ctr"/>
+            <a:endParaRPr lang="de-DE" sz="1200" dirty="0">
+              <a:solidFill>
+                <a:srgbClr val="555555"/>
+              </a:solidFill>
+              <a:latin typeface="Muli" panose="00000500000000000000" pitchFamily="2" charset="0"/>
+            </a:endParaRPr>
+          </a:p>
+          <a:p>
+            <a:pPr algn="ctr"/>
+            <a:r>
+              <a:rPr lang="de-DE" sz="1200" dirty="0">
+                <a:solidFill>
+                  <a:srgbClr val="555555"/>
+                </a:solidFill>
+                <a:latin typeface="Muli" panose="00000500000000000000" pitchFamily="2" charset="0"/>
+              </a:rPr>
+              <a:t>Virtual Columns</a:t>
+            </a:r>
+          </a:p>
+          <a:p>
+            <a:pPr algn="ctr"/>
+            <a:endParaRPr lang="de-DE" sz="1200" dirty="0">
+              <a:solidFill>
+                <a:srgbClr val="555555"/>
+              </a:solidFill>
+              <a:latin typeface="Muli" panose="00000500000000000000" pitchFamily="2" charset="0"/>
+            </a:endParaRPr>
+          </a:p>
+          <a:p>
+            <a:pPr algn="ctr"/>
+            <a:r>
+              <a:rPr lang="de-DE" sz="1200" dirty="0" err="1">
+                <a:solidFill>
+                  <a:srgbClr val="555555"/>
+                </a:solidFill>
+                <a:latin typeface="Muli" panose="00000500000000000000" pitchFamily="2" charset="0"/>
+              </a:rPr>
+              <a:t>Semantic</a:t>
+            </a:r>
+            <a:r>
+              <a:rPr lang="de-DE" sz="1200" dirty="0">
+                <a:solidFill>
+                  <a:srgbClr val="555555"/>
+                </a:solidFill>
+                <a:latin typeface="Muli" panose="00000500000000000000" pitchFamily="2" charset="0"/>
+              </a:rPr>
+              <a:t> </a:t>
+            </a:r>
+            <a:r>
+              <a:rPr lang="de-DE" sz="1200" dirty="0" err="1">
+                <a:solidFill>
+                  <a:srgbClr val="555555"/>
+                </a:solidFill>
+                <a:latin typeface="Muli" panose="00000500000000000000" pitchFamily="2" charset="0"/>
+              </a:rPr>
+              <a:t>Incompatibility</a:t>
+            </a:r>
+            <a:endParaRPr lang="de-DE" sz="1200" dirty="0">
+              <a:solidFill>
+                <a:srgbClr val="555555"/>
+              </a:solidFill>
+              <a:latin typeface="Muli" panose="00000500000000000000" pitchFamily="2" charset="0"/>
+            </a:endParaRPr>
+          </a:p>
+        </p:txBody>
+      </p:sp>
+      <p:sp>
+        <p:nvSpPr>
+          <p:cNvPr id="33" name="Rechteck 32"/>
+          <p:cNvSpPr/>
+          <p:nvPr/>
+        </p:nvSpPr>
+        <p:spPr>
+          <a:xfrm>
+            <a:off x="5679250" y="2945043"/>
+            <a:ext cx="2877894" cy="1274062"/>
+          </a:xfrm>
+          <a:prstGeom prst="rect">
+            <a:avLst/>
+          </a:prstGeom>
+          <a:solidFill>
+            <a:schemeClr val="accent4">
+              <a:lumMod val="20000"/>
+              <a:lumOff val="80000"/>
+            </a:schemeClr>
+          </a:solidFill>
+          <a:ln w="15875">
+            <a:noFill/>
+          </a:ln>
+        </p:spPr>
+        <p:style>
+          <a:lnRef idx="2">
+            <a:schemeClr val="accent1">
+              <a:shade val="50000"/>
+            </a:schemeClr>
+          </a:lnRef>
+          <a:fillRef idx="1">
+            <a:schemeClr val="accent1"/>
+          </a:fillRef>
+          <a:effectRef idx="0">
+            <a:schemeClr val="accent1"/>
+          </a:effectRef>
+          <a:fontRef idx="minor">
+            <a:schemeClr val="lt1"/>
+          </a:fontRef>
+        </p:style>
+        <p:txBody>
+          <a:bodyPr rtlCol="0" anchor="ctr"/>
+          <a:lstStyle/>
+          <a:p>
+            <a:pPr algn="ctr"/>
+            <a:endParaRPr lang="de-DE" sz="1200" dirty="0">
+              <a:solidFill>
+                <a:schemeClr val="bg1"/>
+              </a:solidFill>
+              <a:latin typeface="+mj-lt"/>
+            </a:endParaRPr>
+          </a:p>
+        </p:txBody>
+      </p:sp>
+      <p:sp>
+        <p:nvSpPr>
+          <p:cNvPr id="22" name="Textfeld 21"/>
+          <p:cNvSpPr txBox="1"/>
+          <p:nvPr/>
+        </p:nvSpPr>
+        <p:spPr>
+          <a:xfrm>
+            <a:off x="5675267" y="2964722"/>
+            <a:ext cx="2874955" cy="646331"/>
+          </a:xfrm>
+          <a:prstGeom prst="rect">
+            <a:avLst/>
+          </a:prstGeom>
+          <a:noFill/>
+        </p:spPr>
+        <p:txBody>
+          <a:bodyPr wrap="square" rtlCol="0">
+            <a:spAutoFit/>
+          </a:bodyPr>
+          <a:lstStyle/>
+          <a:p>
+            <a:pPr algn="ctr"/>
+            <a:r>
+              <a:rPr lang="de-DE" sz="1200" dirty="0">
+                <a:solidFill>
+                  <a:srgbClr val="555555"/>
+                </a:solidFill>
+                <a:latin typeface="+mj-lt"/>
+              </a:rPr>
+              <a:t>Same </a:t>
+            </a:r>
+            <a:r>
+              <a:rPr lang="de-DE" sz="1200" dirty="0" err="1">
+                <a:solidFill>
+                  <a:srgbClr val="555555"/>
+                </a:solidFill>
+                <a:latin typeface="+mj-lt"/>
+              </a:rPr>
+              <a:t>attribute</a:t>
+            </a:r>
+            <a:r>
+              <a:rPr lang="de-DE" sz="1200" dirty="0">
+                <a:solidFill>
+                  <a:srgbClr val="555555"/>
+                </a:solidFill>
+                <a:latin typeface="+mj-lt"/>
+              </a:rPr>
+              <a:t> in different </a:t>
+            </a:r>
+            <a:r>
+              <a:rPr lang="de-DE" sz="1200" dirty="0" err="1">
+                <a:solidFill>
+                  <a:srgbClr val="555555"/>
+                </a:solidFill>
+                <a:latin typeface="+mj-lt"/>
+              </a:rPr>
+              <a:t>structures</a:t>
+            </a:r>
+            <a:endParaRPr lang="de-DE" sz="1200" dirty="0">
+              <a:solidFill>
+                <a:srgbClr val="555555"/>
+              </a:solidFill>
+              <a:latin typeface="+mj-lt"/>
+            </a:endParaRPr>
+          </a:p>
+          <a:p>
+            <a:pPr algn="ctr"/>
+            <a:endParaRPr lang="de-DE" sz="1200" dirty="0">
+              <a:solidFill>
+                <a:srgbClr val="555555"/>
+              </a:solidFill>
+              <a:latin typeface="+mj-lt"/>
+            </a:endParaRPr>
+          </a:p>
+          <a:p>
+            <a:pPr algn="ctr"/>
+            <a:r>
+              <a:rPr lang="de-DE" sz="1200" dirty="0">
+                <a:solidFill>
+                  <a:srgbClr val="555555"/>
+                </a:solidFill>
+                <a:latin typeface="+mj-lt"/>
+              </a:rPr>
+              <a:t>Handling Sets</a:t>
+            </a:r>
+          </a:p>
+        </p:txBody>
+      </p:sp>
+      <p:sp>
+        <p:nvSpPr>
+          <p:cNvPr id="29" name="Textfeld 28"/>
+          <p:cNvSpPr txBox="1"/>
+          <p:nvPr/>
+        </p:nvSpPr>
+        <p:spPr>
+          <a:xfrm>
+            <a:off x="1376655" y="4271552"/>
+            <a:ext cx="6819694" cy="323165"/>
+          </a:xfrm>
+          <a:prstGeom prst="rect">
+            <a:avLst/>
+          </a:prstGeom>
+          <a:noFill/>
+        </p:spPr>
+        <p:txBody>
+          <a:bodyPr wrap="square" rtlCol="0">
+            <a:spAutoFit/>
+          </a:bodyPr>
+          <a:lstStyle/>
+          <a:p>
+            <a:r>
+              <a:rPr lang="de-DE" sz="750" dirty="0">
+                <a:solidFill>
+                  <a:srgbClr val="555555"/>
+                </a:solidFill>
+                <a:latin typeface="Muli" panose="00000500000000000000" pitchFamily="2" charset="0"/>
+              </a:rPr>
+              <a:t>[Joachim Hammer, Mike </a:t>
+            </a:r>
+            <a:r>
+              <a:rPr lang="de-DE" sz="750" dirty="0" err="1">
+                <a:solidFill>
+                  <a:srgbClr val="555555"/>
+                </a:solidFill>
+                <a:latin typeface="Muli" panose="00000500000000000000" pitchFamily="2" charset="0"/>
+              </a:rPr>
+              <a:t>Stonebraker</a:t>
+            </a:r>
+            <a:r>
+              <a:rPr lang="de-DE" sz="750" dirty="0">
+                <a:solidFill>
+                  <a:srgbClr val="555555"/>
+                </a:solidFill>
+                <a:latin typeface="Muli" panose="00000500000000000000" pitchFamily="2" charset="0"/>
+              </a:rPr>
+              <a:t>, </a:t>
+            </a:r>
+            <a:r>
+              <a:rPr lang="de-DE" sz="750" dirty="0" err="1">
+                <a:solidFill>
+                  <a:srgbClr val="555555"/>
+                </a:solidFill>
+                <a:latin typeface="Muli" panose="00000500000000000000" pitchFamily="2" charset="0"/>
+              </a:rPr>
+              <a:t>Oguzhan</a:t>
+            </a:r>
+            <a:r>
+              <a:rPr lang="de-DE" sz="750" dirty="0">
+                <a:solidFill>
+                  <a:srgbClr val="555555"/>
+                </a:solidFill>
+                <a:latin typeface="Muli" panose="00000500000000000000" pitchFamily="2" charset="0"/>
+              </a:rPr>
+              <a:t> </a:t>
+            </a:r>
+            <a:r>
+              <a:rPr lang="de-DE" sz="750" dirty="0" err="1">
+                <a:solidFill>
+                  <a:srgbClr val="555555"/>
+                </a:solidFill>
+                <a:latin typeface="Muli" panose="00000500000000000000" pitchFamily="2" charset="0"/>
+              </a:rPr>
+              <a:t>Topsakal</a:t>
+            </a:r>
+            <a:r>
+              <a:rPr lang="de-DE" sz="750" dirty="0">
+                <a:solidFill>
+                  <a:srgbClr val="555555"/>
+                </a:solidFill>
+                <a:latin typeface="Muli" panose="00000500000000000000" pitchFamily="2" charset="0"/>
+              </a:rPr>
+              <a:t> : </a:t>
+            </a:r>
+            <a:r>
+              <a:rPr lang="en-US" sz="750" dirty="0">
+                <a:solidFill>
+                  <a:srgbClr val="555555"/>
+                </a:solidFill>
+                <a:latin typeface="Muli" panose="00000500000000000000" pitchFamily="2" charset="0"/>
+              </a:rPr>
+              <a:t>THALIA: Test Harness for the Assessment of Legacy Information </a:t>
+            </a:r>
+            <a:r>
+              <a:rPr lang="de-DE" sz="750" dirty="0">
+                <a:solidFill>
+                  <a:srgbClr val="555555"/>
+                </a:solidFill>
+                <a:latin typeface="Muli" panose="00000500000000000000" pitchFamily="2" charset="0"/>
+              </a:rPr>
+              <a:t>Integration Approaches, </a:t>
+            </a:r>
+            <a:r>
+              <a:rPr lang="de-DE" sz="750" dirty="0" err="1">
+                <a:solidFill>
+                  <a:srgbClr val="555555"/>
+                </a:solidFill>
+                <a:latin typeface="Muli" panose="00000500000000000000" pitchFamily="2" charset="0"/>
+              </a:rPr>
+              <a:t>technical</a:t>
+            </a:r>
+            <a:r>
+              <a:rPr lang="de-DE" sz="750" dirty="0">
+                <a:solidFill>
+                  <a:srgbClr val="555555"/>
+                </a:solidFill>
+                <a:latin typeface="Muli" panose="00000500000000000000" pitchFamily="2" charset="0"/>
+              </a:rPr>
+              <a:t> </a:t>
+            </a:r>
+            <a:r>
+              <a:rPr lang="de-DE" sz="750" dirty="0" err="1">
+                <a:solidFill>
+                  <a:srgbClr val="555555"/>
+                </a:solidFill>
+                <a:latin typeface="Muli" panose="00000500000000000000" pitchFamily="2" charset="0"/>
+              </a:rPr>
+              <a:t>report</a:t>
+            </a:r>
+            <a:r>
+              <a:rPr lang="de-DE" sz="750" dirty="0">
+                <a:solidFill>
+                  <a:srgbClr val="555555"/>
+                </a:solidFill>
+                <a:latin typeface="Muli" panose="00000500000000000000" pitchFamily="2" charset="0"/>
+              </a:rPr>
+              <a:t>, 2004]</a:t>
+            </a:r>
+          </a:p>
+        </p:txBody>
+      </p:sp>
+      <p:sp>
+        <p:nvSpPr>
+          <p:cNvPr id="4" name="Rechteck 3"/>
+          <p:cNvSpPr/>
+          <p:nvPr/>
+        </p:nvSpPr>
+        <p:spPr>
+          <a:xfrm>
+            <a:off x="676424" y="1313722"/>
+            <a:ext cx="7877370" cy="468000"/>
+          </a:xfrm>
+          <a:prstGeom prst="rect">
+            <a:avLst/>
+          </a:prstGeom>
+          <a:solidFill>
+            <a:srgbClr val="01305D"/>
+          </a:solidFill>
+          <a:ln w="15875">
+            <a:solidFill>
+              <a:schemeClr val="bg2">
+                <a:lumMod val="10000"/>
+              </a:schemeClr>
+            </a:solidFill>
+          </a:ln>
+        </p:spPr>
+        <p:style>
+          <a:lnRef idx="2">
+            <a:schemeClr val="accent1">
+              <a:shade val="50000"/>
+            </a:schemeClr>
+          </a:lnRef>
+          <a:fillRef idx="1">
+            <a:schemeClr val="accent1"/>
+          </a:fillRef>
+          <a:effectRef idx="0">
+            <a:schemeClr val="accent1"/>
+          </a:effectRef>
+          <a:fontRef idx="minor">
+            <a:schemeClr val="lt1"/>
+          </a:fontRef>
+        </p:style>
+        <p:txBody>
+          <a:bodyPr rtlCol="0" anchor="ctr"/>
+          <a:lstStyle/>
+          <a:p>
+            <a:pPr algn="ctr"/>
+            <a:r>
+              <a:rPr lang="de-DE" altLang="ko-KR" sz="1800" dirty="0">
+                <a:solidFill>
+                  <a:schemeClr val="bg1"/>
+                </a:solidFill>
+                <a:latin typeface="Muli SemiBold" panose="00000700000000000000" pitchFamily="2" charset="0"/>
+              </a:rPr>
+              <a:t>Algorithmen für </a:t>
+            </a:r>
+            <a:r>
+              <a:rPr lang="de-DE" altLang="ko-KR" sz="1800" dirty="0" err="1">
+                <a:solidFill>
+                  <a:schemeClr val="bg1"/>
+                </a:solidFill>
+                <a:latin typeface="Muli SemiBold" panose="00000700000000000000" pitchFamily="2" charset="0"/>
+              </a:rPr>
+              <a:t>Ausreißererkennung</a:t>
+            </a:r>
+            <a:endParaRPr lang="de-DE" sz="1013" dirty="0">
+              <a:solidFill>
+                <a:schemeClr val="bg1"/>
+              </a:solidFill>
+              <a:latin typeface="Muli SemiBold" panose="00000700000000000000" pitchFamily="2" charset="0"/>
+            </a:endParaRPr>
+          </a:p>
+        </p:txBody>
+      </p:sp>
+      <p:sp>
+        <p:nvSpPr>
+          <p:cNvPr id="31" name="Rechteck 30"/>
+          <p:cNvSpPr/>
+          <p:nvPr/>
+        </p:nvSpPr>
+        <p:spPr>
+          <a:xfrm>
+            <a:off x="676424" y="1843104"/>
+            <a:ext cx="2882322" cy="468000"/>
+          </a:xfrm>
+          <a:prstGeom prst="rect">
+            <a:avLst/>
+          </a:prstGeom>
+          <a:solidFill>
+            <a:srgbClr val="6494BC"/>
+          </a:solidFill>
+          <a:ln w="15875">
+            <a:solidFill>
+              <a:schemeClr val="accent3">
+                <a:lumMod val="50000"/>
+              </a:schemeClr>
+            </a:solidFill>
+          </a:ln>
+        </p:spPr>
+        <p:style>
+          <a:lnRef idx="2">
+            <a:schemeClr val="accent1">
+              <a:shade val="50000"/>
+            </a:schemeClr>
+          </a:lnRef>
+          <a:fillRef idx="1">
+            <a:schemeClr val="accent1"/>
+          </a:fillRef>
+          <a:effectRef idx="0">
+            <a:schemeClr val="accent1"/>
+          </a:effectRef>
+          <a:fontRef idx="minor">
+            <a:schemeClr val="lt1"/>
+          </a:fontRef>
+        </p:style>
+        <p:txBody>
+          <a:bodyPr rtlCol="0" anchor="ctr"/>
+          <a:lstStyle/>
+          <a:p>
+            <a:pPr algn="ctr"/>
+            <a:r>
+              <a:rPr lang="de-DE" sz="1500" dirty="0">
+                <a:solidFill>
+                  <a:schemeClr val="tx1"/>
+                </a:solidFill>
+                <a:latin typeface="Muli SemiBold" panose="00000700000000000000" pitchFamily="2" charset="0"/>
+              </a:rPr>
+              <a:t>Statistikbasiert</a:t>
+            </a:r>
+            <a:endParaRPr lang="de-DE" sz="1200" dirty="0">
+              <a:solidFill>
+                <a:schemeClr val="tx1"/>
+              </a:solidFill>
+              <a:latin typeface="Muli SemiBold" panose="00000700000000000000" pitchFamily="2" charset="0"/>
+            </a:endParaRPr>
+          </a:p>
+        </p:txBody>
+      </p:sp>
+      <p:sp>
+        <p:nvSpPr>
+          <p:cNvPr id="32" name="Rechteck 31"/>
+          <p:cNvSpPr/>
+          <p:nvPr/>
+        </p:nvSpPr>
+        <p:spPr>
+          <a:xfrm>
+            <a:off x="5675870" y="1843104"/>
+            <a:ext cx="2881274" cy="468000"/>
+          </a:xfrm>
+          <a:prstGeom prst="rect">
+            <a:avLst/>
+          </a:prstGeom>
+          <a:solidFill>
+            <a:schemeClr val="accent4">
+              <a:lumMod val="60000"/>
+              <a:lumOff val="40000"/>
+            </a:schemeClr>
+          </a:solidFill>
+          <a:ln w="15875">
+            <a:solidFill>
+              <a:schemeClr val="accent4"/>
+            </a:solidFill>
+          </a:ln>
+        </p:spPr>
+        <p:style>
+          <a:lnRef idx="2">
+            <a:schemeClr val="accent1">
+              <a:shade val="50000"/>
+            </a:schemeClr>
+          </a:lnRef>
+          <a:fillRef idx="1">
+            <a:schemeClr val="accent1"/>
+          </a:fillRef>
+          <a:effectRef idx="0">
+            <a:schemeClr val="accent1"/>
+          </a:effectRef>
+          <a:fontRef idx="minor">
+            <a:schemeClr val="lt1"/>
+          </a:fontRef>
+        </p:style>
+        <p:txBody>
+          <a:bodyPr rtlCol="0" anchor="ctr"/>
+          <a:lstStyle/>
+          <a:p>
+            <a:pPr algn="ctr"/>
+            <a:r>
+              <a:rPr lang="de-DE" sz="1500" dirty="0">
+                <a:solidFill>
+                  <a:schemeClr val="tx1"/>
+                </a:solidFill>
+                <a:latin typeface="Muli SemiBold" panose="00000700000000000000" pitchFamily="2" charset="0"/>
+              </a:rPr>
+              <a:t>Dichtebasiert</a:t>
+            </a:r>
+            <a:endParaRPr lang="de-DE" sz="1200" dirty="0">
+              <a:solidFill>
+                <a:schemeClr val="tx1"/>
+              </a:solidFill>
+              <a:latin typeface="Muli SemiBold" panose="00000700000000000000" pitchFamily="2" charset="0"/>
+            </a:endParaRPr>
+          </a:p>
+        </p:txBody>
+      </p:sp>
+      <p:sp>
+        <p:nvSpPr>
+          <p:cNvPr id="35" name="Rechteck 34"/>
+          <p:cNvSpPr/>
+          <p:nvPr/>
+        </p:nvSpPr>
+        <p:spPr>
+          <a:xfrm>
+            <a:off x="3641123" y="2405044"/>
+            <a:ext cx="1952368" cy="468000"/>
+          </a:xfrm>
+          <a:prstGeom prst="rect">
+            <a:avLst/>
+          </a:prstGeom>
+          <a:solidFill>
+            <a:schemeClr val="accent3">
+              <a:lumMod val="40000"/>
+              <a:lumOff val="60000"/>
+            </a:schemeClr>
+          </a:solidFill>
+          <a:ln w="15875">
+            <a:solidFill>
+              <a:schemeClr val="accent3">
+                <a:lumMod val="75000"/>
+              </a:schemeClr>
+            </a:solidFill>
+          </a:ln>
+        </p:spPr>
+        <p:style>
+          <a:lnRef idx="2">
+            <a:schemeClr val="accent1">
+              <a:shade val="50000"/>
+            </a:schemeClr>
+          </a:lnRef>
+          <a:fillRef idx="1">
+            <a:schemeClr val="accent1"/>
+          </a:fillRef>
+          <a:effectRef idx="0">
+            <a:schemeClr val="accent1"/>
+          </a:effectRef>
+          <a:fontRef idx="minor">
+            <a:schemeClr val="lt1"/>
+          </a:fontRef>
+        </p:style>
+        <p:txBody>
+          <a:bodyPr rtlCol="0" anchor="ctr"/>
+          <a:lstStyle/>
+          <a:p>
+            <a:pPr algn="ctr"/>
+            <a:r>
+              <a:rPr lang="de-DE" sz="1200" dirty="0">
+                <a:solidFill>
+                  <a:schemeClr val="tx1"/>
+                </a:solidFill>
+                <a:latin typeface="Muli SemiBold" panose="00000700000000000000" pitchFamily="2" charset="0"/>
+              </a:rPr>
+              <a:t>K-</a:t>
+            </a:r>
+            <a:r>
+              <a:rPr lang="de-DE" sz="1200" dirty="0" err="1">
+                <a:solidFill>
+                  <a:schemeClr val="tx1"/>
+                </a:solidFill>
+                <a:latin typeface="Muli SemiBold" panose="00000700000000000000" pitchFamily="2" charset="0"/>
+              </a:rPr>
+              <a:t>Means</a:t>
+            </a:r>
+            <a:r>
+              <a:rPr lang="de-DE" sz="1200" dirty="0">
+                <a:solidFill>
+                  <a:schemeClr val="tx1"/>
+                </a:solidFill>
+                <a:latin typeface="Muli SemiBold" panose="00000700000000000000" pitchFamily="2" charset="0"/>
+              </a:rPr>
+              <a:t> Clustering</a:t>
+            </a:r>
+            <a:endParaRPr lang="de-DE" sz="1800" dirty="0">
+              <a:solidFill>
+                <a:schemeClr val="tx1"/>
+              </a:solidFill>
+              <a:latin typeface="Muli SemiBold" panose="00000700000000000000" pitchFamily="2" charset="0"/>
+            </a:endParaRPr>
+          </a:p>
+        </p:txBody>
+      </p:sp>
+      <p:sp>
+        <p:nvSpPr>
+          <p:cNvPr id="21" name="Rechteck 20"/>
+          <p:cNvSpPr/>
+          <p:nvPr/>
+        </p:nvSpPr>
+        <p:spPr>
+          <a:xfrm>
+            <a:off x="676424" y="2405044"/>
+            <a:ext cx="1440700" cy="468000"/>
+          </a:xfrm>
+          <a:prstGeom prst="rect">
+            <a:avLst/>
+          </a:prstGeom>
+          <a:solidFill>
+            <a:srgbClr val="6494BC"/>
+          </a:solidFill>
+          <a:ln w="15875">
+            <a:solidFill>
+              <a:schemeClr val="accent3">
+                <a:lumMod val="75000"/>
+              </a:schemeClr>
+            </a:solidFill>
+          </a:ln>
+        </p:spPr>
+        <p:style>
+          <a:lnRef idx="2">
+            <a:schemeClr val="accent1">
+              <a:shade val="50000"/>
+            </a:schemeClr>
+          </a:lnRef>
+          <a:fillRef idx="1">
+            <a:schemeClr val="accent1"/>
+          </a:fillRef>
+          <a:effectRef idx="0">
+            <a:schemeClr val="accent1"/>
+          </a:effectRef>
+          <a:fontRef idx="minor">
+            <a:schemeClr val="lt1"/>
+          </a:fontRef>
+        </p:style>
+        <p:txBody>
+          <a:bodyPr rtlCol="0" anchor="ctr"/>
+          <a:lstStyle/>
+          <a:p>
+            <a:pPr algn="ctr"/>
+            <a:r>
+              <a:rPr lang="de-DE" sz="1200" dirty="0" err="1">
+                <a:solidFill>
+                  <a:schemeClr val="tx1"/>
+                </a:solidFill>
+                <a:latin typeface="Muli SemiBold" panose="00000700000000000000" pitchFamily="2" charset="0"/>
+              </a:rPr>
+              <a:t>Interquartile</a:t>
+            </a:r>
+            <a:r>
+              <a:rPr lang="de-DE" sz="1200" dirty="0">
+                <a:solidFill>
+                  <a:schemeClr val="tx1"/>
+                </a:solidFill>
+                <a:latin typeface="Muli SemiBold" panose="00000700000000000000" pitchFamily="2" charset="0"/>
+              </a:rPr>
+              <a:t> Range</a:t>
+            </a:r>
+            <a:endParaRPr lang="de-DE" sz="1800" dirty="0">
+              <a:solidFill>
+                <a:schemeClr val="tx1"/>
+              </a:solidFill>
+              <a:latin typeface="Muli SemiBold" panose="00000700000000000000" pitchFamily="2" charset="0"/>
+            </a:endParaRPr>
+          </a:p>
+        </p:txBody>
+      </p:sp>
+      <p:sp>
+        <p:nvSpPr>
+          <p:cNvPr id="15" name="Rechteck 30">
+            <a:extLst>
+              <a:ext uri="{FF2B5EF4-FFF2-40B4-BE49-F238E27FC236}">
+                <a16:creationId xmlns:a16="http://schemas.microsoft.com/office/drawing/2014/main" id="{AFA1A339-8C8D-9A40-B354-AB6C62EE6E35}"/>
+              </a:ext>
+            </a:extLst>
+          </p:cNvPr>
+          <p:cNvSpPr/>
+          <p:nvPr/>
+        </p:nvSpPr>
+        <p:spPr>
+          <a:xfrm>
+            <a:off x="3641124" y="1843104"/>
+            <a:ext cx="1952368" cy="468000"/>
+          </a:xfrm>
+          <a:prstGeom prst="rect">
+            <a:avLst/>
+          </a:prstGeom>
+          <a:solidFill>
+            <a:schemeClr val="accent3">
+              <a:lumMod val="60000"/>
+              <a:lumOff val="40000"/>
+            </a:schemeClr>
+          </a:solidFill>
+          <a:ln w="15875">
+            <a:solidFill>
+              <a:schemeClr val="accent3">
+                <a:lumMod val="50000"/>
+              </a:schemeClr>
+            </a:solidFill>
+          </a:ln>
+        </p:spPr>
+        <p:style>
+          <a:lnRef idx="2">
+            <a:schemeClr val="accent1">
+              <a:shade val="50000"/>
+            </a:schemeClr>
+          </a:lnRef>
+          <a:fillRef idx="1">
+            <a:schemeClr val="accent1"/>
+          </a:fillRef>
+          <a:effectRef idx="0">
+            <a:schemeClr val="accent1"/>
+          </a:effectRef>
+          <a:fontRef idx="minor">
+            <a:schemeClr val="lt1"/>
+          </a:fontRef>
+        </p:style>
+        <p:txBody>
+          <a:bodyPr rtlCol="0" anchor="ctr"/>
+          <a:lstStyle/>
+          <a:p>
+            <a:pPr algn="ctr"/>
+            <a:r>
+              <a:rPr lang="de-DE" sz="1500" dirty="0">
+                <a:solidFill>
+                  <a:schemeClr val="tx1"/>
+                </a:solidFill>
+                <a:latin typeface="Muli SemiBold" panose="00000700000000000000" pitchFamily="2" charset="0"/>
+              </a:rPr>
+              <a:t>Clusterbasiert</a:t>
+            </a:r>
+            <a:endParaRPr lang="de-DE" sz="1200" dirty="0">
+              <a:solidFill>
+                <a:schemeClr val="tx1"/>
+              </a:solidFill>
+              <a:latin typeface="Muli SemiBold" panose="00000700000000000000" pitchFamily="2" charset="0"/>
+            </a:endParaRPr>
+          </a:p>
+        </p:txBody>
+      </p:sp>
+      <p:sp>
+        <p:nvSpPr>
+          <p:cNvPr id="16" name="Rechteck 20">
+            <a:extLst>
+              <a:ext uri="{FF2B5EF4-FFF2-40B4-BE49-F238E27FC236}">
+                <a16:creationId xmlns:a16="http://schemas.microsoft.com/office/drawing/2014/main" id="{05363086-4B2E-0E4C-B781-AF3FACE73DBD}"/>
+              </a:ext>
+            </a:extLst>
+          </p:cNvPr>
+          <p:cNvSpPr/>
+          <p:nvPr/>
+        </p:nvSpPr>
+        <p:spPr>
+          <a:xfrm>
+            <a:off x="2114663" y="2405044"/>
+            <a:ext cx="1440700" cy="468000"/>
+          </a:xfrm>
+          <a:prstGeom prst="rect">
+            <a:avLst/>
+          </a:prstGeom>
+          <a:solidFill>
+            <a:srgbClr val="6494BC"/>
+          </a:solidFill>
+          <a:ln w="15875">
+            <a:solidFill>
+              <a:schemeClr val="accent3">
+                <a:lumMod val="75000"/>
+              </a:schemeClr>
+            </a:solidFill>
+          </a:ln>
+        </p:spPr>
+        <p:style>
+          <a:lnRef idx="2">
+            <a:schemeClr val="accent1">
+              <a:shade val="50000"/>
+            </a:schemeClr>
+          </a:lnRef>
+          <a:fillRef idx="1">
+            <a:schemeClr val="accent1"/>
+          </a:fillRef>
+          <a:effectRef idx="0">
+            <a:schemeClr val="accent1"/>
+          </a:effectRef>
+          <a:fontRef idx="minor">
+            <a:schemeClr val="lt1"/>
+          </a:fontRef>
+        </p:style>
+        <p:txBody>
+          <a:bodyPr rtlCol="0" anchor="ctr"/>
+          <a:lstStyle/>
+          <a:p>
+            <a:pPr algn="ctr"/>
+            <a:r>
+              <a:rPr lang="de-DE" sz="1200" dirty="0">
+                <a:solidFill>
+                  <a:schemeClr val="tx1"/>
+                </a:solidFill>
+                <a:latin typeface="Muli SemiBold" panose="00000700000000000000" pitchFamily="2" charset="0"/>
+              </a:rPr>
+              <a:t>Z-</a:t>
+            </a:r>
+            <a:r>
+              <a:rPr lang="de-DE" sz="1200" dirty="0" err="1">
+                <a:solidFill>
+                  <a:schemeClr val="tx1"/>
+                </a:solidFill>
+                <a:latin typeface="Muli SemiBold" panose="00000700000000000000" pitchFamily="2" charset="0"/>
+              </a:rPr>
+              <a:t>Scoer</a:t>
+            </a:r>
+            <a:r>
+              <a:rPr lang="de-DE" sz="1200" dirty="0">
+                <a:solidFill>
+                  <a:schemeClr val="tx1"/>
+                </a:solidFill>
+                <a:latin typeface="Muli SemiBold" panose="00000700000000000000" pitchFamily="2" charset="0"/>
+              </a:rPr>
+              <a:t> Filter</a:t>
+            </a:r>
+            <a:endParaRPr lang="de-DE" sz="1800" dirty="0">
+              <a:solidFill>
+                <a:schemeClr val="tx1"/>
+              </a:solidFill>
+              <a:latin typeface="Muli SemiBold" panose="00000700000000000000" pitchFamily="2" charset="0"/>
+            </a:endParaRPr>
+          </a:p>
+        </p:txBody>
+      </p:sp>
+      <p:sp>
+        <p:nvSpPr>
+          <p:cNvPr id="18" name="Rechteck 20">
+            <a:extLst>
+              <a:ext uri="{FF2B5EF4-FFF2-40B4-BE49-F238E27FC236}">
+                <a16:creationId xmlns:a16="http://schemas.microsoft.com/office/drawing/2014/main" id="{6C7675C3-4BCA-8942-BAD0-CF47142B54A6}"/>
+              </a:ext>
+            </a:extLst>
+          </p:cNvPr>
+          <p:cNvSpPr/>
+          <p:nvPr/>
+        </p:nvSpPr>
+        <p:spPr>
+          <a:xfrm>
+            <a:off x="5671283" y="2400473"/>
+            <a:ext cx="1440700" cy="468000"/>
+          </a:xfrm>
+          <a:prstGeom prst="rect">
+            <a:avLst/>
+          </a:prstGeom>
+          <a:solidFill>
+            <a:srgbClr val="6494BC"/>
+          </a:solidFill>
+          <a:ln w="15875">
+            <a:solidFill>
+              <a:schemeClr val="accent3">
+                <a:lumMod val="75000"/>
+              </a:schemeClr>
+            </a:solidFill>
+          </a:ln>
+        </p:spPr>
+        <p:style>
+          <a:lnRef idx="2">
+            <a:schemeClr val="accent1">
+              <a:shade val="50000"/>
+            </a:schemeClr>
+          </a:lnRef>
+          <a:fillRef idx="1">
+            <a:schemeClr val="accent1"/>
+          </a:fillRef>
+          <a:effectRef idx="0">
+            <a:schemeClr val="accent1"/>
+          </a:effectRef>
+          <a:fontRef idx="minor">
+            <a:schemeClr val="lt1"/>
+          </a:fontRef>
+        </p:style>
+        <p:txBody>
+          <a:bodyPr rtlCol="0" anchor="ctr"/>
+          <a:lstStyle/>
+          <a:p>
+            <a:pPr algn="ctr"/>
+            <a:r>
+              <a:rPr lang="en" sz="1200" dirty="0">
+                <a:solidFill>
+                  <a:schemeClr val="tx1"/>
+                </a:solidFill>
+                <a:latin typeface="Muli SemiBold" panose="00000700000000000000" pitchFamily="2" charset="0"/>
+              </a:rPr>
+              <a:t>Local Outlier Factor</a:t>
+            </a:r>
+            <a:endParaRPr lang="de-DE" sz="1800" dirty="0">
+              <a:solidFill>
+                <a:schemeClr val="tx1"/>
+              </a:solidFill>
+              <a:latin typeface="Muli SemiBold" panose="00000700000000000000" pitchFamily="2" charset="0"/>
+            </a:endParaRPr>
+          </a:p>
+        </p:txBody>
+      </p:sp>
+      <p:sp>
+        <p:nvSpPr>
+          <p:cNvPr id="20" name="Rechteck 20">
+            <a:extLst>
+              <a:ext uri="{FF2B5EF4-FFF2-40B4-BE49-F238E27FC236}">
+                <a16:creationId xmlns:a16="http://schemas.microsoft.com/office/drawing/2014/main" id="{6DA86ED3-2B6F-154D-83C0-BD1D4A0E658F}"/>
+              </a:ext>
+            </a:extLst>
+          </p:cNvPr>
+          <p:cNvSpPr/>
+          <p:nvPr/>
+        </p:nvSpPr>
+        <p:spPr>
+          <a:xfrm>
+            <a:off x="7109522" y="2400473"/>
+            <a:ext cx="1440700" cy="468000"/>
+          </a:xfrm>
+          <a:prstGeom prst="rect">
+            <a:avLst/>
+          </a:prstGeom>
+          <a:solidFill>
+            <a:srgbClr val="6494BC"/>
+          </a:solidFill>
+          <a:ln w="15875">
+            <a:solidFill>
+              <a:schemeClr val="accent3">
+                <a:lumMod val="75000"/>
+              </a:schemeClr>
+            </a:solidFill>
+          </a:ln>
+        </p:spPr>
+        <p:style>
+          <a:lnRef idx="2">
+            <a:schemeClr val="accent1">
+              <a:shade val="50000"/>
+            </a:schemeClr>
+          </a:lnRef>
+          <a:fillRef idx="1">
+            <a:schemeClr val="accent1"/>
+          </a:fillRef>
+          <a:effectRef idx="0">
+            <a:schemeClr val="accent1"/>
+          </a:effectRef>
+          <a:fontRef idx="minor">
+            <a:schemeClr val="lt1"/>
+          </a:fontRef>
+        </p:style>
+        <p:txBody>
+          <a:bodyPr rtlCol="0" anchor="ctr"/>
+          <a:lstStyle/>
+          <a:p>
+            <a:pPr algn="ctr"/>
+            <a:r>
+              <a:rPr lang="en" altLang="ko-KR" sz="1200" dirty="0">
+                <a:solidFill>
+                  <a:schemeClr val="tx1"/>
+                </a:solidFill>
+                <a:latin typeface="Muli SemiBold" panose="00000700000000000000" pitchFamily="2" charset="0"/>
+              </a:rPr>
+              <a:t>Isolation Forest</a:t>
+            </a:r>
+            <a:endParaRPr lang="de-DE" altLang="ko-KR" sz="1800" dirty="0">
+              <a:solidFill>
+                <a:schemeClr val="tx1"/>
+              </a:solidFill>
+              <a:latin typeface="Muli SemiBold" panose="00000700000000000000" pitchFamily="2" charset="0"/>
+            </a:endParaRPr>
+          </a:p>
+        </p:txBody>
+      </p:sp>
+    </p:spTree>
+    <p:extLst>
+      <p:ext uri="{BB962C8B-B14F-4D97-AF65-F5344CB8AC3E}">
+        <p14:creationId xmlns:p14="http://schemas.microsoft.com/office/powerpoint/2010/main" val="4014752962"/>
+      </p:ext>
+    </p:extLst>
+  </p:cSld>
+  <p:clrMapOvr>
+    <a:masterClrMapping/>
+  </p:clrMapOvr>
+  <p:timing>
+    <p:tnLst>
+      <p:par>
+        <p:cTn id="1" dur="indefinite" restart="never" nodeType="tmRoot">
+          <p:childTnLst>
+            <p:seq concurrent="1" nextAc="seek">
+              <p:cTn id="2" dur="indefinite" nodeType="mainSeq">
+                <p:childTnLst>
+                  <p:par>
+                    <p:cTn id="3" fill="hold">
+                      <p:stCondLst>
+                        <p:cond delay="indefinite"/>
+                      </p:stCondLst>
+                      <p:childTnLst>
+                        <p:par>
+                          <p:cTn id="4" fill="hold">
+                            <p:stCondLst>
+                              <p:cond delay="0"/>
+                            </p:stCondLst>
+                            <p:childTnLst>
+                              <p:par>
+                                <p:cTn id="5" presetID="47" presetClass="entr" presetSubtype="0" fill="hold" grpId="0" nodeType="clickEffect">
+                                  <p:stCondLst>
+                                    <p:cond delay="0"/>
+                                  </p:stCondLst>
+                                  <p:childTnLst>
+                                    <p:set>
+                                      <p:cBhvr>
+                                        <p:cTn id="6" dur="1" fill="hold">
+                                          <p:stCondLst>
+                                            <p:cond delay="0"/>
+                                          </p:stCondLst>
+                                        </p:cTn>
+                                        <p:tgtEl>
+                                          <p:spTgt spid="31"/>
+                                        </p:tgtEl>
+                                        <p:attrNameLst>
+                                          <p:attrName>style.visibility</p:attrName>
+                                        </p:attrNameLst>
+                                      </p:cBhvr>
+                                      <p:to>
+                                        <p:strVal val="visible"/>
+                                      </p:to>
+                                    </p:set>
+                                    <p:animEffect transition="in" filter="fade">
+                                      <p:cBhvr>
+                                        <p:cTn id="7" dur="500"/>
+                                        <p:tgtEl>
+                                          <p:spTgt spid="31"/>
+                                        </p:tgtEl>
+                                      </p:cBhvr>
+                                    </p:animEffect>
+                                    <p:anim calcmode="lin" valueType="num">
+                                      <p:cBhvr>
+                                        <p:cTn id="8" dur="500" fill="hold"/>
+                                        <p:tgtEl>
+                                          <p:spTgt spid="31"/>
+                                        </p:tgtEl>
+                                        <p:attrNameLst>
+                                          <p:attrName>ppt_x</p:attrName>
+                                        </p:attrNameLst>
+                                      </p:cBhvr>
+                                      <p:tavLst>
+                                        <p:tav tm="0">
+                                          <p:val>
+                                            <p:strVal val="#ppt_x"/>
+                                          </p:val>
+                                        </p:tav>
+                                        <p:tav tm="100000">
+                                          <p:val>
+                                            <p:strVal val="#ppt_x"/>
+                                          </p:val>
+                                        </p:tav>
+                                      </p:tavLst>
+                                    </p:anim>
+                                    <p:anim calcmode="lin" valueType="num">
+                                      <p:cBhvr>
+                                        <p:cTn id="9" dur="500" fill="hold"/>
+                                        <p:tgtEl>
+                                          <p:spTgt spid="31"/>
+                                        </p:tgtEl>
+                                        <p:attrNameLst>
+                                          <p:attrName>ppt_y</p:attrName>
+                                        </p:attrNameLst>
+                                      </p:cBhvr>
+                                      <p:tavLst>
+                                        <p:tav tm="0">
+                                          <p:val>
+                                            <p:strVal val="#ppt_y-.1"/>
+                                          </p:val>
+                                        </p:tav>
+                                        <p:tav tm="100000">
+                                          <p:val>
+                                            <p:strVal val="#ppt_y"/>
+                                          </p:val>
+                                        </p:tav>
+                                      </p:tavLst>
+                                    </p:anim>
+                                  </p:childTnLst>
+                                </p:cTn>
+                              </p:par>
+                              <p:par>
+                                <p:cTn id="10" presetID="47" presetClass="entr" presetSubtype="0" fill="hold" grpId="0" nodeType="withEffect">
+                                  <p:stCondLst>
+                                    <p:cond delay="0"/>
+                                  </p:stCondLst>
+                                  <p:childTnLst>
+                                    <p:set>
+                                      <p:cBhvr>
+                                        <p:cTn id="11" dur="1" fill="hold">
+                                          <p:stCondLst>
+                                            <p:cond delay="0"/>
+                                          </p:stCondLst>
+                                        </p:cTn>
+                                        <p:tgtEl>
+                                          <p:spTgt spid="32"/>
+                                        </p:tgtEl>
+                                        <p:attrNameLst>
+                                          <p:attrName>style.visibility</p:attrName>
+                                        </p:attrNameLst>
+                                      </p:cBhvr>
+                                      <p:to>
+                                        <p:strVal val="visible"/>
+                                      </p:to>
+                                    </p:set>
+                                    <p:animEffect transition="in" filter="fade">
+                                      <p:cBhvr>
+                                        <p:cTn id="12" dur="500"/>
+                                        <p:tgtEl>
+                                          <p:spTgt spid="32"/>
+                                        </p:tgtEl>
+                                      </p:cBhvr>
+                                    </p:animEffect>
+                                    <p:anim calcmode="lin" valueType="num">
+                                      <p:cBhvr>
+                                        <p:cTn id="13" dur="500" fill="hold"/>
+                                        <p:tgtEl>
+                                          <p:spTgt spid="32"/>
+                                        </p:tgtEl>
+                                        <p:attrNameLst>
+                                          <p:attrName>ppt_x</p:attrName>
+                                        </p:attrNameLst>
+                                      </p:cBhvr>
+                                      <p:tavLst>
+                                        <p:tav tm="0">
+                                          <p:val>
+                                            <p:strVal val="#ppt_x"/>
+                                          </p:val>
+                                        </p:tav>
+                                        <p:tav tm="100000">
+                                          <p:val>
+                                            <p:strVal val="#ppt_x"/>
+                                          </p:val>
+                                        </p:tav>
+                                      </p:tavLst>
+                                    </p:anim>
+                                    <p:anim calcmode="lin" valueType="num">
+                                      <p:cBhvr>
+                                        <p:cTn id="14" dur="500" fill="hold"/>
+                                        <p:tgtEl>
+                                          <p:spTgt spid="32"/>
+                                        </p:tgtEl>
+                                        <p:attrNameLst>
+                                          <p:attrName>ppt_y</p:attrName>
+                                        </p:attrNameLst>
+                                      </p:cBhvr>
+                                      <p:tavLst>
+                                        <p:tav tm="0">
+                                          <p:val>
+                                            <p:strVal val="#ppt_y-.1"/>
+                                          </p:val>
+                                        </p:tav>
+                                        <p:tav tm="100000">
+                                          <p:val>
+                                            <p:strVal val="#ppt_y"/>
+                                          </p:val>
+                                        </p:tav>
+                                      </p:tavLst>
+                                    </p:anim>
+                                  </p:childTnLst>
+                                </p:cTn>
+                              </p:par>
+                            </p:childTnLst>
+                          </p:cTn>
+                        </p:par>
+                      </p:childTnLst>
+                    </p:cTn>
+                  </p:par>
+                  <p:par>
+                    <p:cTn id="15" fill="hold">
+                      <p:stCondLst>
+                        <p:cond delay="indefinite"/>
+                      </p:stCondLst>
+                      <p:childTnLst>
+                        <p:par>
+                          <p:cTn id="16" fill="hold">
+                            <p:stCondLst>
+                              <p:cond delay="0"/>
+                            </p:stCondLst>
+                            <p:childTnLst>
+                              <p:par>
+                                <p:cTn id="17" presetID="47" presetClass="entr" presetSubtype="0" fill="hold" grpId="0" nodeType="clickEffect">
+                                  <p:stCondLst>
+                                    <p:cond delay="0"/>
+                                  </p:stCondLst>
+                                  <p:childTnLst>
+                                    <p:set>
+                                      <p:cBhvr>
+                                        <p:cTn id="18" dur="1" fill="hold">
+                                          <p:stCondLst>
+                                            <p:cond delay="0"/>
+                                          </p:stCondLst>
+                                        </p:cTn>
+                                        <p:tgtEl>
+                                          <p:spTgt spid="35"/>
+                                        </p:tgtEl>
+                                        <p:attrNameLst>
+                                          <p:attrName>style.visibility</p:attrName>
+                                        </p:attrNameLst>
+                                      </p:cBhvr>
+                                      <p:to>
+                                        <p:strVal val="visible"/>
+                                      </p:to>
+                                    </p:set>
+                                    <p:animEffect transition="in" filter="fade">
+                                      <p:cBhvr>
+                                        <p:cTn id="19" dur="500"/>
+                                        <p:tgtEl>
+                                          <p:spTgt spid="35"/>
+                                        </p:tgtEl>
+                                      </p:cBhvr>
+                                    </p:animEffect>
+                                    <p:anim calcmode="lin" valueType="num">
+                                      <p:cBhvr>
+                                        <p:cTn id="20" dur="500" fill="hold"/>
+                                        <p:tgtEl>
+                                          <p:spTgt spid="35"/>
+                                        </p:tgtEl>
+                                        <p:attrNameLst>
+                                          <p:attrName>ppt_x</p:attrName>
+                                        </p:attrNameLst>
+                                      </p:cBhvr>
+                                      <p:tavLst>
+                                        <p:tav tm="0">
+                                          <p:val>
+                                            <p:strVal val="#ppt_x"/>
+                                          </p:val>
+                                        </p:tav>
+                                        <p:tav tm="100000">
+                                          <p:val>
+                                            <p:strVal val="#ppt_x"/>
+                                          </p:val>
+                                        </p:tav>
+                                      </p:tavLst>
+                                    </p:anim>
+                                    <p:anim calcmode="lin" valueType="num">
+                                      <p:cBhvr>
+                                        <p:cTn id="21" dur="500" fill="hold"/>
+                                        <p:tgtEl>
+                                          <p:spTgt spid="35"/>
+                                        </p:tgtEl>
+                                        <p:attrNameLst>
+                                          <p:attrName>ppt_y</p:attrName>
+                                        </p:attrNameLst>
+                                      </p:cBhvr>
+                                      <p:tavLst>
+                                        <p:tav tm="0">
+                                          <p:val>
+                                            <p:strVal val="#ppt_y-.1"/>
+                                          </p:val>
+                                        </p:tav>
+                                        <p:tav tm="100000">
+                                          <p:val>
+                                            <p:strVal val="#ppt_y"/>
+                                          </p:val>
+                                        </p:tav>
+                                      </p:tavLst>
+                                    </p:anim>
+                                  </p:childTnLst>
+                                </p:cTn>
+                              </p:par>
+                              <p:par>
+                                <p:cTn id="22" presetID="26" presetClass="emph" presetSubtype="0" repeatCount="5000" fill="hold" grpId="1" nodeType="withEffect">
+                                  <p:stCondLst>
+                                    <p:cond delay="0"/>
+                                  </p:stCondLst>
+                                  <p:childTnLst>
+                                    <p:animEffect transition="out" filter="fade">
+                                      <p:cBhvr>
+                                        <p:cTn id="23" dur="1000" tmFilter="0, 0; .2, .5; .8, .5; 1, 0"/>
+                                        <p:tgtEl>
+                                          <p:spTgt spid="35"/>
+                                        </p:tgtEl>
+                                      </p:cBhvr>
+                                    </p:animEffect>
+                                    <p:animScale>
+                                      <p:cBhvr>
+                                        <p:cTn id="24" dur="500" autoRev="1" fill="hold"/>
+                                        <p:tgtEl>
+                                          <p:spTgt spid="35"/>
+                                        </p:tgtEl>
+                                      </p:cBhvr>
+                                      <p:by x="105000" y="105000"/>
+                                    </p:animScale>
+                                  </p:childTnLst>
+                                </p:cTn>
+                              </p:par>
+                            </p:childTnLst>
+                          </p:cTn>
+                        </p:par>
+                      </p:childTnLst>
+                    </p:cTn>
+                  </p:par>
+                  <p:par>
+                    <p:cTn id="25" fill="hold">
+                      <p:stCondLst>
+                        <p:cond delay="indefinite"/>
+                      </p:stCondLst>
+                      <p:childTnLst>
+                        <p:par>
+                          <p:cTn id="26" fill="hold">
+                            <p:stCondLst>
+                              <p:cond delay="0"/>
+                            </p:stCondLst>
+                            <p:childTnLst>
+                              <p:par>
+                                <p:cTn id="27" presetID="47" presetClass="entr" presetSubtype="0" fill="hold" grpId="0" nodeType="clickEffect">
+                                  <p:stCondLst>
+                                    <p:cond delay="0"/>
+                                  </p:stCondLst>
+                                  <p:childTnLst>
+                                    <p:set>
+                                      <p:cBhvr>
+                                        <p:cTn id="28" dur="1" fill="hold">
+                                          <p:stCondLst>
+                                            <p:cond delay="0"/>
+                                          </p:stCondLst>
+                                        </p:cTn>
+                                        <p:tgtEl>
+                                          <p:spTgt spid="21"/>
+                                        </p:tgtEl>
+                                        <p:attrNameLst>
+                                          <p:attrName>style.visibility</p:attrName>
+                                        </p:attrNameLst>
+                                      </p:cBhvr>
+                                      <p:to>
+                                        <p:strVal val="visible"/>
+                                      </p:to>
+                                    </p:set>
+                                    <p:animEffect transition="in" filter="fade">
+                                      <p:cBhvr>
+                                        <p:cTn id="29" dur="500"/>
+                                        <p:tgtEl>
+                                          <p:spTgt spid="21"/>
+                                        </p:tgtEl>
+                                      </p:cBhvr>
+                                    </p:animEffect>
+                                    <p:anim calcmode="lin" valueType="num">
+                                      <p:cBhvr>
+                                        <p:cTn id="30" dur="500" fill="hold"/>
+                                        <p:tgtEl>
+                                          <p:spTgt spid="21"/>
+                                        </p:tgtEl>
+                                        <p:attrNameLst>
+                                          <p:attrName>ppt_x</p:attrName>
+                                        </p:attrNameLst>
+                                      </p:cBhvr>
+                                      <p:tavLst>
+                                        <p:tav tm="0">
+                                          <p:val>
+                                            <p:strVal val="#ppt_x"/>
+                                          </p:val>
+                                        </p:tav>
+                                        <p:tav tm="100000">
+                                          <p:val>
+                                            <p:strVal val="#ppt_x"/>
+                                          </p:val>
+                                        </p:tav>
+                                      </p:tavLst>
+                                    </p:anim>
+                                    <p:anim calcmode="lin" valueType="num">
+                                      <p:cBhvr>
+                                        <p:cTn id="31" dur="500" fill="hold"/>
+                                        <p:tgtEl>
+                                          <p:spTgt spid="21"/>
+                                        </p:tgtEl>
+                                        <p:attrNameLst>
+                                          <p:attrName>ppt_y</p:attrName>
+                                        </p:attrNameLst>
+                                      </p:cBhvr>
+                                      <p:tavLst>
+                                        <p:tav tm="0">
+                                          <p:val>
+                                            <p:strVal val="#ppt_y-.1"/>
+                                          </p:val>
+                                        </p:tav>
+                                        <p:tav tm="100000">
+                                          <p:val>
+                                            <p:strVal val="#ppt_y"/>
+                                          </p:val>
+                                        </p:tav>
+                                      </p:tavLst>
+                                    </p:anim>
+                                  </p:childTnLst>
+                                </p:cTn>
+                              </p:par>
+                              <p:par>
+                                <p:cTn id="32" presetID="26" presetClass="emph" presetSubtype="0" repeatCount="5000" fill="hold" grpId="1" nodeType="withEffect">
+                                  <p:stCondLst>
+                                    <p:cond delay="0"/>
+                                  </p:stCondLst>
+                                  <p:childTnLst>
+                                    <p:animEffect transition="out" filter="fade">
+                                      <p:cBhvr>
+                                        <p:cTn id="33" dur="1000" tmFilter="0, 0; .2, .5; .8, .5; 1, 0"/>
+                                        <p:tgtEl>
+                                          <p:spTgt spid="21"/>
+                                        </p:tgtEl>
+                                      </p:cBhvr>
+                                    </p:animEffect>
+                                    <p:animScale>
+                                      <p:cBhvr>
+                                        <p:cTn id="34" dur="500" autoRev="1" fill="hold"/>
+                                        <p:tgtEl>
+                                          <p:spTgt spid="21"/>
+                                        </p:tgtEl>
+                                      </p:cBhvr>
+                                      <p:by x="105000" y="105000"/>
+                                    </p:animScale>
+                                  </p:childTnLst>
+                                </p:cTn>
+                              </p:par>
+                            </p:childTnLst>
+                          </p:cTn>
+                        </p:par>
+                      </p:childTnLst>
+                    </p:cTn>
+                  </p:par>
+                  <p:par>
+                    <p:cTn id="35" fill="hold">
+                      <p:stCondLst>
+                        <p:cond delay="indefinite"/>
+                      </p:stCondLst>
+                      <p:childTnLst>
+                        <p:par>
+                          <p:cTn id="36" fill="hold">
+                            <p:stCondLst>
+                              <p:cond delay="0"/>
+                            </p:stCondLst>
+                            <p:childTnLst>
+                              <p:par>
+                                <p:cTn id="37" presetID="47" presetClass="entr" presetSubtype="0" fill="hold" grpId="0" nodeType="clickEffect">
+                                  <p:stCondLst>
+                                    <p:cond delay="0"/>
+                                  </p:stCondLst>
+                                  <p:childTnLst>
+                                    <p:set>
+                                      <p:cBhvr>
+                                        <p:cTn id="38" dur="1" fill="hold">
+                                          <p:stCondLst>
+                                            <p:cond delay="0"/>
+                                          </p:stCondLst>
+                                        </p:cTn>
+                                        <p:tgtEl>
+                                          <p:spTgt spid="15"/>
+                                        </p:tgtEl>
+                                        <p:attrNameLst>
+                                          <p:attrName>style.visibility</p:attrName>
+                                        </p:attrNameLst>
+                                      </p:cBhvr>
+                                      <p:to>
+                                        <p:strVal val="visible"/>
+                                      </p:to>
+                                    </p:set>
+                                    <p:animEffect transition="in" filter="fade">
+                                      <p:cBhvr>
+                                        <p:cTn id="39" dur="500"/>
+                                        <p:tgtEl>
+                                          <p:spTgt spid="15"/>
+                                        </p:tgtEl>
+                                      </p:cBhvr>
+                                    </p:animEffect>
+                                    <p:anim calcmode="lin" valueType="num">
+                                      <p:cBhvr>
+                                        <p:cTn id="40" dur="500" fill="hold"/>
+                                        <p:tgtEl>
+                                          <p:spTgt spid="15"/>
+                                        </p:tgtEl>
+                                        <p:attrNameLst>
+                                          <p:attrName>ppt_x</p:attrName>
+                                        </p:attrNameLst>
+                                      </p:cBhvr>
+                                      <p:tavLst>
+                                        <p:tav tm="0">
+                                          <p:val>
+                                            <p:strVal val="#ppt_x"/>
+                                          </p:val>
+                                        </p:tav>
+                                        <p:tav tm="100000">
+                                          <p:val>
+                                            <p:strVal val="#ppt_x"/>
+                                          </p:val>
+                                        </p:tav>
+                                      </p:tavLst>
+                                    </p:anim>
+                                    <p:anim calcmode="lin" valueType="num">
+                                      <p:cBhvr>
+                                        <p:cTn id="41" dur="500" fill="hold"/>
+                                        <p:tgtEl>
+                                          <p:spTgt spid="15"/>
+                                        </p:tgtEl>
+                                        <p:attrNameLst>
+                                          <p:attrName>ppt_y</p:attrName>
+                                        </p:attrNameLst>
+                                      </p:cBhvr>
+                                      <p:tavLst>
+                                        <p:tav tm="0">
+                                          <p:val>
+                                            <p:strVal val="#ppt_y-.1"/>
+                                          </p:val>
+                                        </p:tav>
+                                        <p:tav tm="100000">
+                                          <p:val>
+                                            <p:strVal val="#ppt_y"/>
+                                          </p:val>
+                                        </p:tav>
+                                      </p:tavLst>
+                                    </p:anim>
+                                  </p:childTnLst>
+                                </p:cTn>
+                              </p:par>
+                            </p:childTnLst>
+                          </p:cTn>
+                        </p:par>
+                      </p:childTnLst>
+                    </p:cTn>
+                  </p:par>
+                  <p:par>
+                    <p:cTn id="42" fill="hold">
+                      <p:stCondLst>
+                        <p:cond delay="indefinite"/>
+                      </p:stCondLst>
+                      <p:childTnLst>
+                        <p:par>
+                          <p:cTn id="43" fill="hold">
+                            <p:stCondLst>
+                              <p:cond delay="0"/>
+                            </p:stCondLst>
+                            <p:childTnLst>
+                              <p:par>
+                                <p:cTn id="44" presetID="47" presetClass="entr" presetSubtype="0" fill="hold" grpId="0" nodeType="clickEffect">
+                                  <p:stCondLst>
+                                    <p:cond delay="0"/>
+                                  </p:stCondLst>
+                                  <p:childTnLst>
+                                    <p:set>
+                                      <p:cBhvr>
+                                        <p:cTn id="45" dur="1" fill="hold">
+                                          <p:stCondLst>
+                                            <p:cond delay="0"/>
+                                          </p:stCondLst>
+                                        </p:cTn>
+                                        <p:tgtEl>
+                                          <p:spTgt spid="16"/>
+                                        </p:tgtEl>
+                                        <p:attrNameLst>
+                                          <p:attrName>style.visibility</p:attrName>
+                                        </p:attrNameLst>
+                                      </p:cBhvr>
+                                      <p:to>
+                                        <p:strVal val="visible"/>
+                                      </p:to>
+                                    </p:set>
+                                    <p:animEffect transition="in" filter="fade">
+                                      <p:cBhvr>
+                                        <p:cTn id="46" dur="500"/>
+                                        <p:tgtEl>
+                                          <p:spTgt spid="16"/>
+                                        </p:tgtEl>
+                                      </p:cBhvr>
+                                    </p:animEffect>
+                                    <p:anim calcmode="lin" valueType="num">
+                                      <p:cBhvr>
+                                        <p:cTn id="47" dur="500" fill="hold"/>
+                                        <p:tgtEl>
+                                          <p:spTgt spid="16"/>
+                                        </p:tgtEl>
+                                        <p:attrNameLst>
+                                          <p:attrName>ppt_x</p:attrName>
+                                        </p:attrNameLst>
+                                      </p:cBhvr>
+                                      <p:tavLst>
+                                        <p:tav tm="0">
+                                          <p:val>
+                                            <p:strVal val="#ppt_x"/>
+                                          </p:val>
+                                        </p:tav>
+                                        <p:tav tm="100000">
+                                          <p:val>
+                                            <p:strVal val="#ppt_x"/>
+                                          </p:val>
+                                        </p:tav>
+                                      </p:tavLst>
+                                    </p:anim>
+                                    <p:anim calcmode="lin" valueType="num">
+                                      <p:cBhvr>
+                                        <p:cTn id="48" dur="500" fill="hold"/>
+                                        <p:tgtEl>
+                                          <p:spTgt spid="16"/>
+                                        </p:tgtEl>
+                                        <p:attrNameLst>
+                                          <p:attrName>ppt_y</p:attrName>
+                                        </p:attrNameLst>
+                                      </p:cBhvr>
+                                      <p:tavLst>
+                                        <p:tav tm="0">
+                                          <p:val>
+                                            <p:strVal val="#ppt_y-.1"/>
+                                          </p:val>
+                                        </p:tav>
+                                        <p:tav tm="100000">
+                                          <p:val>
+                                            <p:strVal val="#ppt_y"/>
+                                          </p:val>
+                                        </p:tav>
+                                      </p:tavLst>
+                                    </p:anim>
+                                  </p:childTnLst>
+                                </p:cTn>
+                              </p:par>
+                              <p:par>
+                                <p:cTn id="49" presetID="26" presetClass="emph" presetSubtype="0" repeatCount="5000" fill="hold" grpId="1" nodeType="withEffect">
+                                  <p:stCondLst>
+                                    <p:cond delay="0"/>
+                                  </p:stCondLst>
+                                  <p:childTnLst>
+                                    <p:animEffect transition="out" filter="fade">
+                                      <p:cBhvr>
+                                        <p:cTn id="50" dur="1000" tmFilter="0, 0; .2, .5; .8, .5; 1, 0"/>
+                                        <p:tgtEl>
+                                          <p:spTgt spid="16"/>
+                                        </p:tgtEl>
+                                      </p:cBhvr>
+                                    </p:animEffect>
+                                    <p:animScale>
+                                      <p:cBhvr>
+                                        <p:cTn id="51" dur="500" autoRev="1" fill="hold"/>
+                                        <p:tgtEl>
+                                          <p:spTgt spid="16"/>
+                                        </p:tgtEl>
+                                      </p:cBhvr>
+                                      <p:by x="105000" y="105000"/>
+                                    </p:animScale>
+                                  </p:childTnLst>
+                                </p:cTn>
+                              </p:par>
+                            </p:childTnLst>
+                          </p:cTn>
+                        </p:par>
+                      </p:childTnLst>
+                    </p:cTn>
+                  </p:par>
+                  <p:par>
+                    <p:cTn id="52" fill="hold">
+                      <p:stCondLst>
+                        <p:cond delay="indefinite"/>
+                      </p:stCondLst>
+                      <p:childTnLst>
+                        <p:par>
+                          <p:cTn id="53" fill="hold">
+                            <p:stCondLst>
+                              <p:cond delay="0"/>
+                            </p:stCondLst>
+                            <p:childTnLst>
+                              <p:par>
+                                <p:cTn id="54" presetID="47" presetClass="entr" presetSubtype="0" fill="hold" grpId="0" nodeType="clickEffect">
+                                  <p:stCondLst>
+                                    <p:cond delay="0"/>
+                                  </p:stCondLst>
+                                  <p:childTnLst>
+                                    <p:set>
+                                      <p:cBhvr>
+                                        <p:cTn id="55" dur="1" fill="hold">
+                                          <p:stCondLst>
+                                            <p:cond delay="0"/>
+                                          </p:stCondLst>
+                                        </p:cTn>
+                                        <p:tgtEl>
+                                          <p:spTgt spid="18"/>
+                                        </p:tgtEl>
+                                        <p:attrNameLst>
+                                          <p:attrName>style.visibility</p:attrName>
+                                        </p:attrNameLst>
+                                      </p:cBhvr>
+                                      <p:to>
+                                        <p:strVal val="visible"/>
+                                      </p:to>
+                                    </p:set>
+                                    <p:animEffect transition="in" filter="fade">
+                                      <p:cBhvr>
+                                        <p:cTn id="56" dur="500"/>
+                                        <p:tgtEl>
+                                          <p:spTgt spid="18"/>
+                                        </p:tgtEl>
+                                      </p:cBhvr>
+                                    </p:animEffect>
+                                    <p:anim calcmode="lin" valueType="num">
+                                      <p:cBhvr>
+                                        <p:cTn id="57" dur="500" fill="hold"/>
+                                        <p:tgtEl>
+                                          <p:spTgt spid="18"/>
+                                        </p:tgtEl>
+                                        <p:attrNameLst>
+                                          <p:attrName>ppt_x</p:attrName>
+                                        </p:attrNameLst>
+                                      </p:cBhvr>
+                                      <p:tavLst>
+                                        <p:tav tm="0">
+                                          <p:val>
+                                            <p:strVal val="#ppt_x"/>
+                                          </p:val>
+                                        </p:tav>
+                                        <p:tav tm="100000">
+                                          <p:val>
+                                            <p:strVal val="#ppt_x"/>
+                                          </p:val>
+                                        </p:tav>
+                                      </p:tavLst>
+                                    </p:anim>
+                                    <p:anim calcmode="lin" valueType="num">
+                                      <p:cBhvr>
+                                        <p:cTn id="58" dur="500" fill="hold"/>
+                                        <p:tgtEl>
+                                          <p:spTgt spid="18"/>
+                                        </p:tgtEl>
+                                        <p:attrNameLst>
+                                          <p:attrName>ppt_y</p:attrName>
+                                        </p:attrNameLst>
+                                      </p:cBhvr>
+                                      <p:tavLst>
+                                        <p:tav tm="0">
+                                          <p:val>
+                                            <p:strVal val="#ppt_y-.1"/>
+                                          </p:val>
+                                        </p:tav>
+                                        <p:tav tm="100000">
+                                          <p:val>
+                                            <p:strVal val="#ppt_y"/>
+                                          </p:val>
+                                        </p:tav>
+                                      </p:tavLst>
+                                    </p:anim>
+                                  </p:childTnLst>
+                                </p:cTn>
+                              </p:par>
+                              <p:par>
+                                <p:cTn id="59" presetID="26" presetClass="emph" presetSubtype="0" repeatCount="5000" fill="hold" grpId="1" nodeType="withEffect">
+                                  <p:stCondLst>
+                                    <p:cond delay="0"/>
+                                  </p:stCondLst>
+                                  <p:childTnLst>
+                                    <p:animEffect transition="out" filter="fade">
+                                      <p:cBhvr>
+                                        <p:cTn id="60" dur="1000" tmFilter="0, 0; .2, .5; .8, .5; 1, 0"/>
+                                        <p:tgtEl>
+                                          <p:spTgt spid="18"/>
+                                        </p:tgtEl>
+                                      </p:cBhvr>
+                                    </p:animEffect>
+                                    <p:animScale>
+                                      <p:cBhvr>
+                                        <p:cTn id="61" dur="500" autoRev="1" fill="hold"/>
+                                        <p:tgtEl>
+                                          <p:spTgt spid="18"/>
+                                        </p:tgtEl>
+                                      </p:cBhvr>
+                                      <p:by x="105000" y="105000"/>
+                                    </p:animScale>
+                                  </p:childTnLst>
+                                </p:cTn>
+                              </p:par>
+                            </p:childTnLst>
+                          </p:cTn>
+                        </p:par>
+                      </p:childTnLst>
+                    </p:cTn>
+                  </p:par>
+                  <p:par>
+                    <p:cTn id="62" fill="hold">
+                      <p:stCondLst>
+                        <p:cond delay="indefinite"/>
+                      </p:stCondLst>
+                      <p:childTnLst>
+                        <p:par>
+                          <p:cTn id="63" fill="hold">
+                            <p:stCondLst>
+                              <p:cond delay="0"/>
+                            </p:stCondLst>
+                            <p:childTnLst>
+                              <p:par>
+                                <p:cTn id="64" presetID="47" presetClass="entr" presetSubtype="0" fill="hold" grpId="0" nodeType="clickEffect">
+                                  <p:stCondLst>
+                                    <p:cond delay="0"/>
+                                  </p:stCondLst>
+                                  <p:childTnLst>
+                                    <p:set>
+                                      <p:cBhvr>
+                                        <p:cTn id="65" dur="1" fill="hold">
+                                          <p:stCondLst>
+                                            <p:cond delay="0"/>
+                                          </p:stCondLst>
+                                        </p:cTn>
+                                        <p:tgtEl>
+                                          <p:spTgt spid="20"/>
+                                        </p:tgtEl>
+                                        <p:attrNameLst>
+                                          <p:attrName>style.visibility</p:attrName>
+                                        </p:attrNameLst>
+                                      </p:cBhvr>
+                                      <p:to>
+                                        <p:strVal val="visible"/>
+                                      </p:to>
+                                    </p:set>
+                                    <p:animEffect transition="in" filter="fade">
+                                      <p:cBhvr>
+                                        <p:cTn id="66" dur="500"/>
+                                        <p:tgtEl>
+                                          <p:spTgt spid="20"/>
+                                        </p:tgtEl>
+                                      </p:cBhvr>
+                                    </p:animEffect>
+                                    <p:anim calcmode="lin" valueType="num">
+                                      <p:cBhvr>
+                                        <p:cTn id="67" dur="500" fill="hold"/>
+                                        <p:tgtEl>
+                                          <p:spTgt spid="20"/>
+                                        </p:tgtEl>
+                                        <p:attrNameLst>
+                                          <p:attrName>ppt_x</p:attrName>
+                                        </p:attrNameLst>
+                                      </p:cBhvr>
+                                      <p:tavLst>
+                                        <p:tav tm="0">
+                                          <p:val>
+                                            <p:strVal val="#ppt_x"/>
+                                          </p:val>
+                                        </p:tav>
+                                        <p:tav tm="100000">
+                                          <p:val>
+                                            <p:strVal val="#ppt_x"/>
+                                          </p:val>
+                                        </p:tav>
+                                      </p:tavLst>
+                                    </p:anim>
+                                    <p:anim calcmode="lin" valueType="num">
+                                      <p:cBhvr>
+                                        <p:cTn id="68" dur="500" fill="hold"/>
+                                        <p:tgtEl>
+                                          <p:spTgt spid="20"/>
+                                        </p:tgtEl>
+                                        <p:attrNameLst>
+                                          <p:attrName>ppt_y</p:attrName>
+                                        </p:attrNameLst>
+                                      </p:cBhvr>
+                                      <p:tavLst>
+                                        <p:tav tm="0">
+                                          <p:val>
+                                            <p:strVal val="#ppt_y-.1"/>
+                                          </p:val>
+                                        </p:tav>
+                                        <p:tav tm="100000">
+                                          <p:val>
+                                            <p:strVal val="#ppt_y"/>
+                                          </p:val>
+                                        </p:tav>
+                                      </p:tavLst>
+                                    </p:anim>
+                                  </p:childTnLst>
+                                </p:cTn>
+                              </p:par>
+                              <p:par>
+                                <p:cTn id="69" presetID="26" presetClass="emph" presetSubtype="0" repeatCount="5000" fill="hold" grpId="1" nodeType="withEffect">
+                                  <p:stCondLst>
+                                    <p:cond delay="0"/>
+                                  </p:stCondLst>
+                                  <p:childTnLst>
+                                    <p:animEffect transition="out" filter="fade">
+                                      <p:cBhvr>
+                                        <p:cTn id="70" dur="1000" tmFilter="0, 0; .2, .5; .8, .5; 1, 0"/>
+                                        <p:tgtEl>
+                                          <p:spTgt spid="20"/>
+                                        </p:tgtEl>
+                                      </p:cBhvr>
+                                    </p:animEffect>
+                                    <p:animScale>
+                                      <p:cBhvr>
+                                        <p:cTn id="71" dur="500" autoRev="1" fill="hold"/>
+                                        <p:tgtEl>
+                                          <p:spTgt spid="20"/>
+                                        </p:tgtEl>
+                                      </p:cBhvr>
+                                      <p:by x="105000" y="105000"/>
+                                    </p:animScale>
+                                  </p:childTnLst>
+                                </p:cTn>
+                              </p:par>
+                            </p:childTnLst>
+                          </p:cTn>
+                        </p:par>
+                      </p:childTnLst>
+                    </p:cTn>
+                  </p:par>
+                </p:childTnLst>
+              </p:cTn>
+              <p:prevCondLst>
+                <p:cond evt="onPrev" delay="0">
+                  <p:tgtEl>
+                    <p:sldTgt/>
+                  </p:tgtEl>
+                </p:cond>
+              </p:prevCondLst>
+              <p:nextCondLst>
+                <p:cond evt="onNext" delay="0">
+                  <p:tgtEl>
+                    <p:sldTgt/>
+                  </p:tgtEl>
+                </p:cond>
+              </p:nextCondLst>
+            </p:seq>
+          </p:childTnLst>
+        </p:cTn>
+      </p:par>
+    </p:tnLst>
+    <p:bldLst>
+      <p:bldP spid="31" grpId="0" animBg="1"/>
+      <p:bldP spid="32" grpId="0" animBg="1"/>
+      <p:bldP spid="35" grpId="0" animBg="1"/>
+      <p:bldP spid="35" grpId="1" animBg="1"/>
+      <p:bldP spid="21" grpId="0" animBg="1"/>
+      <p:bldP spid="21" grpId="1" animBg="1"/>
+      <p:bldP spid="15" grpId="0" animBg="1"/>
+      <p:bldP spid="16" grpId="0" animBg="1"/>
+      <p:bldP spid="16" grpId="1" animBg="1"/>
+      <p:bldP spid="18" grpId="0" animBg="1"/>
+      <p:bldP spid="18" grpId="1" animBg="1"/>
+      <p:bldP spid="20" grpId="0" animBg="1"/>
+      <p:bldP spid="20" grpId="1" animBg="1"/>
+    </p:bldLst>
+  </p:timing>
+</p:sld>
+</file>
+
+<file path=ppt/slides/slide11.xml><?xml version="1.0" encoding="utf-8"?>
+<p:sld xmlns:a="http://schemas.openxmlformats.org/drawingml/2006/main" xmlns:r="http://schemas.openxmlformats.org/officeDocument/2006/relationships" xmlns:p="http://schemas.openxmlformats.org/presentationml/2006/main">
+  <p:cSld>
+    <p:spTree>
+      <p:nvGrpSpPr>
+        <p:cNvPr id="1" name=""/>
+        <p:cNvGrpSpPr/>
+        <p:nvPr/>
+      </p:nvGrpSpPr>
+      <p:grpSpPr>
+        <a:xfrm>
+          <a:off x="0" y="0"/>
+          <a:ext cx="0" cy="0"/>
+          <a:chOff x="0" y="0"/>
+          <a:chExt cx="0" cy="0"/>
+        </a:xfrm>
+      </p:grpSpPr>
+      <p:sp>
+        <p:nvSpPr>
+          <p:cNvPr id="2" name="Titel 1"/>
+          <p:cNvSpPr>
+            <a:spLocks noGrp="1"/>
+          </p:cNvSpPr>
+          <p:nvPr>
+            <p:ph type="title"/>
+          </p:nvPr>
+        </p:nvSpPr>
+        <p:spPr/>
+        <p:txBody>
+          <a:bodyPr/>
+          <a:lstStyle/>
+          <a:p>
+            <a:r>
               <a:rPr lang="de" altLang="ko-KR" dirty="0"/>
               <a:t>5. Ergebnisse &amp; Diskussion</a:t>
             </a:r>
@@ -4801,7 +7191,7 @@
 </p:sld>
 </file>
 
-<file path=ppt/slides/slide11.xml><?xml version="1.0" encoding="utf-8"?>
+<file path=ppt/slides/slide12.xml><?xml version="1.0" encoding="utf-8"?>
 <p:sld xmlns:a="http://schemas.openxmlformats.org/drawingml/2006/main" xmlns:r="http://schemas.openxmlformats.org/officeDocument/2006/relationships" xmlns:p="http://schemas.openxmlformats.org/presentationml/2006/main">
   <p:cSld>
     <p:spTree>
@@ -5754,7 +8144,7 @@
 </p:sld>
 </file>
 
-<file path=ppt/slides/slide12.xml><?xml version="1.0" encoding="utf-8"?>
+<file path=ppt/slides/slide13.xml><?xml version="1.0" encoding="utf-8"?>
 <p:sld xmlns:a="http://schemas.openxmlformats.org/drawingml/2006/main" xmlns:r="http://schemas.openxmlformats.org/officeDocument/2006/relationships" xmlns:p="http://schemas.openxmlformats.org/presentationml/2006/main">
   <p:cSld>
     <p:spTree>
@@ -5961,7 +8351,7 @@
 </p:sld>
 </file>
 
-<file path=ppt/slides/slide13.xml><?xml version="1.0" encoding="utf-8"?>
+<file path=ppt/slides/slide14.xml><?xml version="1.0" encoding="utf-8"?>
 <p:sld xmlns:a="http://schemas.openxmlformats.org/drawingml/2006/main" xmlns:r="http://schemas.openxmlformats.org/officeDocument/2006/relationships" xmlns:p="http://schemas.openxmlformats.org/presentationml/2006/main">
   <p:cSld>
     <p:spTree>
@@ -6014,7 +8404,7 @@
 </p:sld>
 </file>
 
-<file path=ppt/slides/slide14.xml><?xml version="1.0" encoding="utf-8"?>
+<file path=ppt/slides/slide15.xml><?xml version="1.0" encoding="utf-8"?>
 <p:sld xmlns:a="http://schemas.openxmlformats.org/drawingml/2006/main" xmlns:r="http://schemas.openxmlformats.org/officeDocument/2006/relationships" xmlns:p="http://schemas.openxmlformats.org/presentationml/2006/main">
   <p:cSld>
     <p:spTree>
@@ -6510,7 +8900,7 @@
 </p:sld>
 </file>
 
-<file path=ppt/slides/slide15.xml><?xml version="1.0" encoding="utf-8"?>
+<file path=ppt/slides/slide16.xml><?xml version="1.0" encoding="utf-8"?>
 <p:sld xmlns:a="http://schemas.openxmlformats.org/drawingml/2006/main" xmlns:r="http://schemas.openxmlformats.org/officeDocument/2006/relationships" xmlns:p="http://schemas.openxmlformats.org/presentationml/2006/main">
   <p:cSld>
     <p:spTree>
@@ -6585,7 +8975,7 @@
 </p:sld>
 </file>
 
-<file path=ppt/slides/slide16.xml><?xml version="1.0" encoding="utf-8"?>
+<file path=ppt/slides/slide17.xml><?xml version="1.0" encoding="utf-8"?>
 <p:sld xmlns:a="http://schemas.openxmlformats.org/drawingml/2006/main" xmlns:r="http://schemas.openxmlformats.org/officeDocument/2006/relationships" xmlns:p="http://schemas.openxmlformats.org/presentationml/2006/main">
   <p:cSld>
     <p:spTree>
@@ -6963,7 +9353,7 @@
 </p:sld>
 </file>
 
-<file path=ppt/slides/slide17.xml><?xml version="1.0" encoding="utf-8"?>
+<file path=ppt/slides/slide18.xml><?xml version="1.0" encoding="utf-8"?>
 <p:sld xmlns:a="http://schemas.openxmlformats.org/drawingml/2006/main" xmlns:r="http://schemas.openxmlformats.org/officeDocument/2006/relationships" xmlns:p="http://schemas.openxmlformats.org/presentationml/2006/main">
   <p:cSld>
     <p:spTree>
@@ -7454,7 +9844,7 @@
 </p:sld>
 </file>
 
-<file path=ppt/slides/slide18.xml><?xml version="1.0" encoding="utf-8"?>
+<file path=ppt/slides/slide19.xml><?xml version="1.0" encoding="utf-8"?>
 <p:sld xmlns:a="http://schemas.openxmlformats.org/drawingml/2006/main" xmlns:r="http://schemas.openxmlformats.org/officeDocument/2006/relationships" xmlns:p="http://schemas.openxmlformats.org/presentationml/2006/main">
   <p:cSld>
     <p:spTree>
@@ -9123,53 +11513,6 @@
 </p:sld>
 </file>
 
-<file path=ppt/slides/slide19.xml><?xml version="1.0" encoding="utf-8"?>
-<p:sld xmlns:a="http://schemas.openxmlformats.org/drawingml/2006/main" xmlns:r="http://schemas.openxmlformats.org/officeDocument/2006/relationships" xmlns:p="http://schemas.openxmlformats.org/presentationml/2006/main">
-  <p:cSld>
-    <p:spTree>
-      <p:nvGrpSpPr>
-        <p:cNvPr id="1" name=""/>
-        <p:cNvGrpSpPr/>
-        <p:nvPr/>
-      </p:nvGrpSpPr>
-      <p:grpSpPr>
-        <a:xfrm>
-          <a:off x="0" y="0"/>
-          <a:ext cx="0" cy="0"/>
-          <a:chOff x="0" y="0"/>
-          <a:chExt cx="0" cy="0"/>
-        </a:xfrm>
-      </p:grpSpPr>
-      <p:sp>
-        <p:nvSpPr>
-          <p:cNvPr id="2" name="Titel 1"/>
-          <p:cNvSpPr>
-            <a:spLocks noGrp="1"/>
-          </p:cNvSpPr>
-          <p:nvPr>
-            <p:ph type="title"/>
-          </p:nvPr>
-        </p:nvSpPr>
-        <p:spPr/>
-        <p:txBody>
-          <a:bodyPr/>
-          <a:lstStyle/>
-          <a:p>
-            <a:r>
-              <a:rPr lang="de-DE" noProof="0" dirty="0"/>
-              <a:t>Klassifikation von Integrationsansätzen</a:t>
-            </a:r>
-          </a:p>
-        </p:txBody>
-      </p:sp>
-    </p:spTree>
-  </p:cSld>
-  <p:clrMapOvr>
-    <a:masterClrMapping/>
-  </p:clrMapOvr>
-</p:sld>
-</file>
-
 <file path=ppt/slides/slide2.xml><?xml version="1.0" encoding="utf-8"?>
 <p:sld xmlns:a="http://schemas.openxmlformats.org/drawingml/2006/main" xmlns:r="http://schemas.openxmlformats.org/officeDocument/2006/relationships" xmlns:p="http://schemas.openxmlformats.org/presentationml/2006/main">
   <p:cSld>
@@ -9319,6 +11662,53 @@
 </file>
 
 <file path=ppt/slides/slide20.xml><?xml version="1.0" encoding="utf-8"?>
+<p:sld xmlns:a="http://schemas.openxmlformats.org/drawingml/2006/main" xmlns:r="http://schemas.openxmlformats.org/officeDocument/2006/relationships" xmlns:p="http://schemas.openxmlformats.org/presentationml/2006/main">
+  <p:cSld>
+    <p:spTree>
+      <p:nvGrpSpPr>
+        <p:cNvPr id="1" name=""/>
+        <p:cNvGrpSpPr/>
+        <p:nvPr/>
+      </p:nvGrpSpPr>
+      <p:grpSpPr>
+        <a:xfrm>
+          <a:off x="0" y="0"/>
+          <a:ext cx="0" cy="0"/>
+          <a:chOff x="0" y="0"/>
+          <a:chExt cx="0" cy="0"/>
+        </a:xfrm>
+      </p:grpSpPr>
+      <p:sp>
+        <p:nvSpPr>
+          <p:cNvPr id="2" name="Titel 1"/>
+          <p:cNvSpPr>
+            <a:spLocks noGrp="1"/>
+          </p:cNvSpPr>
+          <p:nvPr>
+            <p:ph type="title"/>
+          </p:nvPr>
+        </p:nvSpPr>
+        <p:spPr/>
+        <p:txBody>
+          <a:bodyPr/>
+          <a:lstStyle/>
+          <a:p>
+            <a:r>
+              <a:rPr lang="de-DE" noProof="0" dirty="0"/>
+              <a:t>Klassifikation von Integrationsansätzen</a:t>
+            </a:r>
+          </a:p>
+        </p:txBody>
+      </p:sp>
+    </p:spTree>
+  </p:cSld>
+  <p:clrMapOvr>
+    <a:masterClrMapping/>
+  </p:clrMapOvr>
+</p:sld>
+</file>
+
+<file path=ppt/slides/slide21.xml><?xml version="1.0" encoding="utf-8"?>
 <p:sld xmlns:a="http://schemas.openxmlformats.org/drawingml/2006/main" xmlns:r="http://schemas.openxmlformats.org/officeDocument/2006/relationships" xmlns:p="http://schemas.openxmlformats.org/presentationml/2006/main">
   <p:cSld>
     <p:spTree>
@@ -13067,2270 +15457,59 @@
           <a:lstStyle/>
           <a:p>
             <a:r>
-              <a:rPr lang="de-DE" noProof="0" dirty="0"/>
-              <a:t>Art von Algorithmen</a:t>
-            </a:r>
+              <a:rPr lang="de-DE" altLang="ko-KR" dirty="0"/>
+              <a:t>4. Methoden</a:t>
+            </a:r>
+            <a:endParaRPr lang="de-DE" noProof="0" dirty="0"/>
           </a:p>
         </p:txBody>
       </p:sp>
-      <p:sp>
-        <p:nvSpPr>
-          <p:cNvPr id="36" name="Rechteck 35"/>
-          <p:cNvSpPr/>
+      <p:pic>
+        <p:nvPicPr>
+          <p:cNvPr id="8" name="그림 7">
+            <a:extLst>
+              <a:ext uri="{FF2B5EF4-FFF2-40B4-BE49-F238E27FC236}">
+                <a16:creationId xmlns:a16="http://schemas.microsoft.com/office/drawing/2014/main" id="{7DDD0B63-A09B-8681-A8EA-7A7D2005C320}"/>
+              </a:ext>
+            </a:extLst>
+          </p:cNvPr>
+          <p:cNvPicPr>
+            <a:picLocks noChangeAspect="1"/>
+          </p:cNvPicPr>
           <p:nvPr/>
-        </p:nvSpPr>
+        </p:nvPicPr>
+        <p:blipFill>
+          <a:blip r:embed="rId3">
+            <a:extLst>
+              <a:ext uri="{28A0092B-C50C-407E-A947-70E740481C1C}">
+                <a14:useLocalDpi xmlns:a14="http://schemas.microsoft.com/office/drawing/2010/main" val="0"/>
+              </a:ext>
+            </a:extLst>
+          </a:blip>
+          <a:stretch>
+            <a:fillRect/>
+          </a:stretch>
+        </p:blipFill>
         <p:spPr>
           <a:xfrm>
-            <a:off x="680407" y="2945044"/>
-            <a:ext cx="2874955" cy="1274060"/>
+            <a:off x="1037419" y="685430"/>
+            <a:ext cx="7069162" cy="4069443"/>
           </a:xfrm>
           <a:prstGeom prst="rect">
             <a:avLst/>
           </a:prstGeom>
-          <a:solidFill>
-            <a:schemeClr val="accent3">
-              <a:lumMod val="20000"/>
-              <a:lumOff val="80000"/>
-            </a:schemeClr>
-          </a:solidFill>
-          <a:ln w="15875">
-            <a:noFill/>
-          </a:ln>
         </p:spPr>
-        <p:style>
-          <a:lnRef idx="2">
-            <a:schemeClr val="accent1">
-              <a:shade val="50000"/>
-            </a:schemeClr>
-          </a:lnRef>
-          <a:fillRef idx="1">
-            <a:schemeClr val="accent1"/>
-          </a:fillRef>
-          <a:effectRef idx="0">
-            <a:schemeClr val="accent1"/>
-          </a:effectRef>
-          <a:fontRef idx="minor">
-            <a:schemeClr val="lt1"/>
-          </a:fontRef>
-        </p:style>
-        <p:txBody>
-          <a:bodyPr rtlCol="0" anchor="ctr"/>
-          <a:lstStyle/>
-          <a:p>
-            <a:pPr algn="ctr"/>
-            <a:endParaRPr lang="de-DE" sz="1200" dirty="0">
-              <a:solidFill>
-                <a:schemeClr val="bg1"/>
-              </a:solidFill>
-              <a:latin typeface="Muli" panose="00000500000000000000" pitchFamily="2" charset="0"/>
-            </a:endParaRPr>
-          </a:p>
-        </p:txBody>
-      </p:sp>
-      <p:sp>
-        <p:nvSpPr>
-          <p:cNvPr id="14" name="Textfeld 13"/>
-          <p:cNvSpPr txBox="1"/>
-          <p:nvPr/>
-        </p:nvSpPr>
-        <p:spPr>
-          <a:xfrm>
-            <a:off x="676424" y="2964722"/>
-            <a:ext cx="2874955" cy="1183081"/>
-          </a:xfrm>
-          <a:prstGeom prst="rect">
-            <a:avLst/>
-          </a:prstGeom>
-          <a:solidFill>
-            <a:schemeClr val="accent3">
-              <a:lumMod val="20000"/>
-              <a:lumOff val="80000"/>
-            </a:schemeClr>
-          </a:solidFill>
-        </p:spPr>
-        <p:txBody>
-          <a:bodyPr wrap="square" rtlCol="0">
-            <a:spAutoFit/>
-          </a:bodyPr>
-          <a:lstStyle/>
-          <a:p>
-            <a:pPr algn="ctr"/>
-            <a:r>
-              <a:rPr lang="de-DE" sz="1200" dirty="0">
-                <a:solidFill>
-                  <a:srgbClr val="555555"/>
-                </a:solidFill>
-                <a:latin typeface="Muli" panose="00000500000000000000" pitchFamily="2" charset="0"/>
-              </a:rPr>
-              <a:t>Synonyms/Homonyms</a:t>
-            </a:r>
-          </a:p>
-          <a:p>
-            <a:pPr algn="ctr"/>
-            <a:endParaRPr lang="de-DE" sz="788" dirty="0">
-              <a:solidFill>
-                <a:srgbClr val="555555"/>
-              </a:solidFill>
-              <a:latin typeface="Muli" panose="00000500000000000000" pitchFamily="2" charset="0"/>
-            </a:endParaRPr>
-          </a:p>
-          <a:p>
-            <a:pPr algn="ctr"/>
-            <a:r>
-              <a:rPr lang="de-DE" sz="1200" dirty="0" err="1">
-                <a:solidFill>
-                  <a:srgbClr val="555555"/>
-                </a:solidFill>
-                <a:latin typeface="Muli" panose="00000500000000000000" pitchFamily="2" charset="0"/>
-              </a:rPr>
-              <a:t>Mappings</a:t>
-            </a:r>
-            <a:endParaRPr lang="de-DE" sz="1200" dirty="0">
-              <a:solidFill>
-                <a:srgbClr val="555555"/>
-              </a:solidFill>
-              <a:latin typeface="Muli" panose="00000500000000000000" pitchFamily="2" charset="0"/>
-            </a:endParaRPr>
-          </a:p>
-          <a:p>
-            <a:pPr algn="ctr"/>
-            <a:endParaRPr lang="de-DE" sz="750" dirty="0">
-              <a:solidFill>
-                <a:srgbClr val="555555"/>
-              </a:solidFill>
-              <a:latin typeface="Muli" panose="00000500000000000000" pitchFamily="2" charset="0"/>
-            </a:endParaRPr>
-          </a:p>
-          <a:p>
-            <a:pPr algn="ctr"/>
-            <a:r>
-              <a:rPr lang="de-DE" sz="1200" dirty="0">
-                <a:solidFill>
-                  <a:srgbClr val="555555"/>
-                </a:solidFill>
-                <a:latin typeface="Muli" panose="00000500000000000000" pitchFamily="2" charset="0"/>
-              </a:rPr>
-              <a:t>Union </a:t>
-            </a:r>
-            <a:r>
-              <a:rPr lang="de-DE" sz="1200" dirty="0" err="1">
-                <a:solidFill>
-                  <a:srgbClr val="555555"/>
-                </a:solidFill>
-                <a:latin typeface="Muli" panose="00000500000000000000" pitchFamily="2" charset="0"/>
-              </a:rPr>
-              <a:t>Types</a:t>
-            </a:r>
-            <a:endParaRPr lang="de-DE" sz="1200" dirty="0">
-              <a:solidFill>
-                <a:srgbClr val="555555"/>
-              </a:solidFill>
-              <a:latin typeface="Muli" panose="00000500000000000000" pitchFamily="2" charset="0"/>
-            </a:endParaRPr>
-          </a:p>
-          <a:p>
-            <a:pPr algn="ctr"/>
-            <a:endParaRPr lang="de-DE" sz="750" dirty="0">
-              <a:solidFill>
-                <a:srgbClr val="555555"/>
-              </a:solidFill>
-              <a:latin typeface="Muli" panose="00000500000000000000" pitchFamily="2" charset="0"/>
-            </a:endParaRPr>
-          </a:p>
-          <a:p>
-            <a:pPr algn="ctr"/>
-            <a:r>
-              <a:rPr lang="de-DE" sz="1200" dirty="0">
-                <a:solidFill>
-                  <a:srgbClr val="555555"/>
-                </a:solidFill>
-                <a:latin typeface="Muli" panose="00000500000000000000" pitchFamily="2" charset="0"/>
-              </a:rPr>
-              <a:t>Language </a:t>
-            </a:r>
-            <a:r>
-              <a:rPr lang="de-DE" sz="1200" dirty="0" err="1">
-                <a:solidFill>
-                  <a:srgbClr val="555555"/>
-                </a:solidFill>
-                <a:latin typeface="Muli" panose="00000500000000000000" pitchFamily="2" charset="0"/>
-              </a:rPr>
-              <a:t>Expressions</a:t>
-            </a:r>
-            <a:endParaRPr lang="de-DE" sz="1200" dirty="0">
-              <a:solidFill>
-                <a:srgbClr val="555555"/>
-              </a:solidFill>
-              <a:latin typeface="Muli" panose="00000500000000000000" pitchFamily="2" charset="0"/>
-            </a:endParaRPr>
-          </a:p>
-        </p:txBody>
-      </p:sp>
-      <p:sp>
-        <p:nvSpPr>
-          <p:cNvPr id="37" name="Rechteck 36"/>
-          <p:cNvSpPr/>
-          <p:nvPr/>
-        </p:nvSpPr>
-        <p:spPr>
-          <a:xfrm>
-            <a:off x="3641123" y="2945044"/>
-            <a:ext cx="1952368" cy="1274061"/>
-          </a:xfrm>
-          <a:prstGeom prst="rect">
-            <a:avLst/>
-          </a:prstGeom>
-          <a:solidFill>
-            <a:schemeClr val="accent3">
-              <a:lumMod val="20000"/>
-              <a:lumOff val="80000"/>
-            </a:schemeClr>
-          </a:solidFill>
-          <a:ln w="15875">
-            <a:noFill/>
-          </a:ln>
-        </p:spPr>
-        <p:style>
-          <a:lnRef idx="2">
-            <a:schemeClr val="accent1">
-              <a:shade val="50000"/>
-            </a:schemeClr>
-          </a:lnRef>
-          <a:fillRef idx="1">
-            <a:schemeClr val="accent1"/>
-          </a:fillRef>
-          <a:effectRef idx="0">
-            <a:schemeClr val="accent1"/>
-          </a:effectRef>
-          <a:fontRef idx="minor">
-            <a:schemeClr val="lt1"/>
-          </a:fontRef>
-        </p:style>
-        <p:txBody>
-          <a:bodyPr rtlCol="0" anchor="ctr"/>
-          <a:lstStyle/>
-          <a:p>
-            <a:pPr algn="ctr"/>
-            <a:endParaRPr lang="de-DE" sz="1200" dirty="0">
-              <a:solidFill>
-                <a:schemeClr val="bg1"/>
-              </a:solidFill>
-              <a:latin typeface="Muli" panose="00000500000000000000" pitchFamily="2" charset="0"/>
-            </a:endParaRPr>
-          </a:p>
-        </p:txBody>
-      </p:sp>
-      <p:sp>
-        <p:nvSpPr>
-          <p:cNvPr id="19" name="Textfeld 18"/>
-          <p:cNvSpPr txBox="1"/>
-          <p:nvPr/>
-        </p:nvSpPr>
-        <p:spPr>
-          <a:xfrm>
-            <a:off x="3641122" y="2964722"/>
-            <a:ext cx="1952367" cy="1015663"/>
-          </a:xfrm>
-          <a:prstGeom prst="rect">
-            <a:avLst/>
-          </a:prstGeom>
-          <a:solidFill>
-            <a:schemeClr val="accent3">
-              <a:lumMod val="20000"/>
-              <a:lumOff val="80000"/>
-            </a:schemeClr>
-          </a:solidFill>
-        </p:spPr>
-        <p:txBody>
-          <a:bodyPr wrap="square" rtlCol="0">
-            <a:spAutoFit/>
-          </a:bodyPr>
-          <a:lstStyle/>
-          <a:p>
-            <a:pPr algn="ctr"/>
-            <a:r>
-              <a:rPr lang="de-DE" sz="1200" dirty="0">
-                <a:solidFill>
-                  <a:srgbClr val="555555"/>
-                </a:solidFill>
-                <a:latin typeface="Muli" panose="00000500000000000000" pitchFamily="2" charset="0"/>
-              </a:rPr>
-              <a:t>Null Values</a:t>
-            </a:r>
-          </a:p>
-          <a:p>
-            <a:pPr algn="ctr"/>
-            <a:endParaRPr lang="de-DE" sz="1200" dirty="0">
-              <a:solidFill>
-                <a:srgbClr val="555555"/>
-              </a:solidFill>
-              <a:latin typeface="Muli" panose="00000500000000000000" pitchFamily="2" charset="0"/>
-            </a:endParaRPr>
-          </a:p>
-          <a:p>
-            <a:pPr algn="ctr"/>
-            <a:r>
-              <a:rPr lang="de-DE" sz="1200" dirty="0">
-                <a:solidFill>
-                  <a:srgbClr val="555555"/>
-                </a:solidFill>
-                <a:latin typeface="Muli" panose="00000500000000000000" pitchFamily="2" charset="0"/>
-              </a:rPr>
-              <a:t>Virtual Columns</a:t>
-            </a:r>
-          </a:p>
-          <a:p>
-            <a:pPr algn="ctr"/>
-            <a:endParaRPr lang="de-DE" sz="1200" dirty="0">
-              <a:solidFill>
-                <a:srgbClr val="555555"/>
-              </a:solidFill>
-              <a:latin typeface="Muli" panose="00000500000000000000" pitchFamily="2" charset="0"/>
-            </a:endParaRPr>
-          </a:p>
-          <a:p>
-            <a:pPr algn="ctr"/>
-            <a:r>
-              <a:rPr lang="de-DE" sz="1200" dirty="0" err="1">
-                <a:solidFill>
-                  <a:srgbClr val="555555"/>
-                </a:solidFill>
-                <a:latin typeface="Muli" panose="00000500000000000000" pitchFamily="2" charset="0"/>
-              </a:rPr>
-              <a:t>Semantic</a:t>
-            </a:r>
-            <a:r>
-              <a:rPr lang="de-DE" sz="1200" dirty="0">
-                <a:solidFill>
-                  <a:srgbClr val="555555"/>
-                </a:solidFill>
-                <a:latin typeface="Muli" panose="00000500000000000000" pitchFamily="2" charset="0"/>
-              </a:rPr>
-              <a:t> </a:t>
-            </a:r>
-            <a:r>
-              <a:rPr lang="de-DE" sz="1200" dirty="0" err="1">
-                <a:solidFill>
-                  <a:srgbClr val="555555"/>
-                </a:solidFill>
-                <a:latin typeface="Muli" panose="00000500000000000000" pitchFamily="2" charset="0"/>
-              </a:rPr>
-              <a:t>Incompatibility</a:t>
-            </a:r>
-            <a:endParaRPr lang="de-DE" sz="1200" dirty="0">
-              <a:solidFill>
-                <a:srgbClr val="555555"/>
-              </a:solidFill>
-              <a:latin typeface="Muli" panose="00000500000000000000" pitchFamily="2" charset="0"/>
-            </a:endParaRPr>
-          </a:p>
-        </p:txBody>
-      </p:sp>
-      <p:sp>
-        <p:nvSpPr>
-          <p:cNvPr id="33" name="Rechteck 32"/>
-          <p:cNvSpPr/>
-          <p:nvPr/>
-        </p:nvSpPr>
-        <p:spPr>
-          <a:xfrm>
-            <a:off x="5679250" y="2945043"/>
-            <a:ext cx="2877894" cy="1274062"/>
-          </a:xfrm>
-          <a:prstGeom prst="rect">
-            <a:avLst/>
-          </a:prstGeom>
-          <a:solidFill>
-            <a:schemeClr val="accent4">
-              <a:lumMod val="20000"/>
-              <a:lumOff val="80000"/>
-            </a:schemeClr>
-          </a:solidFill>
-          <a:ln w="15875">
-            <a:noFill/>
-          </a:ln>
-        </p:spPr>
-        <p:style>
-          <a:lnRef idx="2">
-            <a:schemeClr val="accent1">
-              <a:shade val="50000"/>
-            </a:schemeClr>
-          </a:lnRef>
-          <a:fillRef idx="1">
-            <a:schemeClr val="accent1"/>
-          </a:fillRef>
-          <a:effectRef idx="0">
-            <a:schemeClr val="accent1"/>
-          </a:effectRef>
-          <a:fontRef idx="minor">
-            <a:schemeClr val="lt1"/>
-          </a:fontRef>
-        </p:style>
-        <p:txBody>
-          <a:bodyPr rtlCol="0" anchor="ctr"/>
-          <a:lstStyle/>
-          <a:p>
-            <a:pPr algn="ctr"/>
-            <a:endParaRPr lang="de-DE" sz="1200" dirty="0">
-              <a:solidFill>
-                <a:schemeClr val="bg1"/>
-              </a:solidFill>
-              <a:latin typeface="+mj-lt"/>
-            </a:endParaRPr>
-          </a:p>
-        </p:txBody>
-      </p:sp>
-      <p:sp>
-        <p:nvSpPr>
-          <p:cNvPr id="22" name="Textfeld 21"/>
-          <p:cNvSpPr txBox="1"/>
-          <p:nvPr/>
-        </p:nvSpPr>
-        <p:spPr>
-          <a:xfrm>
-            <a:off x="5675267" y="2964722"/>
-            <a:ext cx="2874955" cy="646331"/>
-          </a:xfrm>
-          <a:prstGeom prst="rect">
-            <a:avLst/>
-          </a:prstGeom>
-          <a:noFill/>
-        </p:spPr>
-        <p:txBody>
-          <a:bodyPr wrap="square" rtlCol="0">
-            <a:spAutoFit/>
-          </a:bodyPr>
-          <a:lstStyle/>
-          <a:p>
-            <a:pPr algn="ctr"/>
-            <a:r>
-              <a:rPr lang="de-DE" sz="1200" dirty="0">
-                <a:solidFill>
-                  <a:srgbClr val="555555"/>
-                </a:solidFill>
-                <a:latin typeface="+mj-lt"/>
-              </a:rPr>
-              <a:t>Same </a:t>
-            </a:r>
-            <a:r>
-              <a:rPr lang="de-DE" sz="1200" dirty="0" err="1">
-                <a:solidFill>
-                  <a:srgbClr val="555555"/>
-                </a:solidFill>
-                <a:latin typeface="+mj-lt"/>
-              </a:rPr>
-              <a:t>attribute</a:t>
-            </a:r>
-            <a:r>
-              <a:rPr lang="de-DE" sz="1200" dirty="0">
-                <a:solidFill>
-                  <a:srgbClr val="555555"/>
-                </a:solidFill>
-                <a:latin typeface="+mj-lt"/>
-              </a:rPr>
-              <a:t> in different </a:t>
-            </a:r>
-            <a:r>
-              <a:rPr lang="de-DE" sz="1200" dirty="0" err="1">
-                <a:solidFill>
-                  <a:srgbClr val="555555"/>
-                </a:solidFill>
-                <a:latin typeface="+mj-lt"/>
-              </a:rPr>
-              <a:t>structures</a:t>
-            </a:r>
-            <a:endParaRPr lang="de-DE" sz="1200" dirty="0">
-              <a:solidFill>
-                <a:srgbClr val="555555"/>
-              </a:solidFill>
-              <a:latin typeface="+mj-lt"/>
-            </a:endParaRPr>
-          </a:p>
-          <a:p>
-            <a:pPr algn="ctr"/>
-            <a:endParaRPr lang="de-DE" sz="1200" dirty="0">
-              <a:solidFill>
-                <a:srgbClr val="555555"/>
-              </a:solidFill>
-              <a:latin typeface="+mj-lt"/>
-            </a:endParaRPr>
-          </a:p>
-          <a:p>
-            <a:pPr algn="ctr"/>
-            <a:r>
-              <a:rPr lang="de-DE" sz="1200" dirty="0">
-                <a:solidFill>
-                  <a:srgbClr val="555555"/>
-                </a:solidFill>
-                <a:latin typeface="+mj-lt"/>
-              </a:rPr>
-              <a:t>Handling Sets</a:t>
-            </a:r>
-          </a:p>
-        </p:txBody>
-      </p:sp>
-      <p:sp>
-        <p:nvSpPr>
-          <p:cNvPr id="29" name="Textfeld 28"/>
-          <p:cNvSpPr txBox="1"/>
-          <p:nvPr/>
-        </p:nvSpPr>
-        <p:spPr>
-          <a:xfrm>
-            <a:off x="1376655" y="4271552"/>
-            <a:ext cx="6819694" cy="323165"/>
-          </a:xfrm>
-          <a:prstGeom prst="rect">
-            <a:avLst/>
-          </a:prstGeom>
-          <a:noFill/>
-        </p:spPr>
-        <p:txBody>
-          <a:bodyPr wrap="square" rtlCol="0">
-            <a:spAutoFit/>
-          </a:bodyPr>
-          <a:lstStyle/>
-          <a:p>
-            <a:r>
-              <a:rPr lang="de-DE" sz="750" dirty="0">
-                <a:solidFill>
-                  <a:srgbClr val="555555"/>
-                </a:solidFill>
-                <a:latin typeface="Muli" panose="00000500000000000000" pitchFamily="2" charset="0"/>
-              </a:rPr>
-              <a:t>[Joachim Hammer, Mike </a:t>
-            </a:r>
-            <a:r>
-              <a:rPr lang="de-DE" sz="750" dirty="0" err="1">
-                <a:solidFill>
-                  <a:srgbClr val="555555"/>
-                </a:solidFill>
-                <a:latin typeface="Muli" panose="00000500000000000000" pitchFamily="2" charset="0"/>
-              </a:rPr>
-              <a:t>Stonebraker</a:t>
-            </a:r>
-            <a:r>
-              <a:rPr lang="de-DE" sz="750" dirty="0">
-                <a:solidFill>
-                  <a:srgbClr val="555555"/>
-                </a:solidFill>
-                <a:latin typeface="Muli" panose="00000500000000000000" pitchFamily="2" charset="0"/>
-              </a:rPr>
-              <a:t>, </a:t>
-            </a:r>
-            <a:r>
-              <a:rPr lang="de-DE" sz="750" dirty="0" err="1">
-                <a:solidFill>
-                  <a:srgbClr val="555555"/>
-                </a:solidFill>
-                <a:latin typeface="Muli" panose="00000500000000000000" pitchFamily="2" charset="0"/>
-              </a:rPr>
-              <a:t>Oguzhan</a:t>
-            </a:r>
-            <a:r>
-              <a:rPr lang="de-DE" sz="750" dirty="0">
-                <a:solidFill>
-                  <a:srgbClr val="555555"/>
-                </a:solidFill>
-                <a:latin typeface="Muli" panose="00000500000000000000" pitchFamily="2" charset="0"/>
-              </a:rPr>
-              <a:t> </a:t>
-            </a:r>
-            <a:r>
-              <a:rPr lang="de-DE" sz="750" dirty="0" err="1">
-                <a:solidFill>
-                  <a:srgbClr val="555555"/>
-                </a:solidFill>
-                <a:latin typeface="Muli" panose="00000500000000000000" pitchFamily="2" charset="0"/>
-              </a:rPr>
-              <a:t>Topsakal</a:t>
-            </a:r>
-            <a:r>
-              <a:rPr lang="de-DE" sz="750" dirty="0">
-                <a:solidFill>
-                  <a:srgbClr val="555555"/>
-                </a:solidFill>
-                <a:latin typeface="Muli" panose="00000500000000000000" pitchFamily="2" charset="0"/>
-              </a:rPr>
-              <a:t> : </a:t>
-            </a:r>
-            <a:r>
-              <a:rPr lang="en-US" sz="750" dirty="0">
-                <a:solidFill>
-                  <a:srgbClr val="555555"/>
-                </a:solidFill>
-                <a:latin typeface="Muli" panose="00000500000000000000" pitchFamily="2" charset="0"/>
-              </a:rPr>
-              <a:t>THALIA: Test Harness for the Assessment of Legacy Information </a:t>
-            </a:r>
-            <a:r>
-              <a:rPr lang="de-DE" sz="750" dirty="0">
-                <a:solidFill>
-                  <a:srgbClr val="555555"/>
-                </a:solidFill>
-                <a:latin typeface="Muli" panose="00000500000000000000" pitchFamily="2" charset="0"/>
-              </a:rPr>
-              <a:t>Integration Approaches, </a:t>
-            </a:r>
-            <a:r>
-              <a:rPr lang="de-DE" sz="750" dirty="0" err="1">
-                <a:solidFill>
-                  <a:srgbClr val="555555"/>
-                </a:solidFill>
-                <a:latin typeface="Muli" panose="00000500000000000000" pitchFamily="2" charset="0"/>
-              </a:rPr>
-              <a:t>technical</a:t>
-            </a:r>
-            <a:r>
-              <a:rPr lang="de-DE" sz="750" dirty="0">
-                <a:solidFill>
-                  <a:srgbClr val="555555"/>
-                </a:solidFill>
-                <a:latin typeface="Muli" panose="00000500000000000000" pitchFamily="2" charset="0"/>
-              </a:rPr>
-              <a:t> </a:t>
-            </a:r>
-            <a:r>
-              <a:rPr lang="de-DE" sz="750" dirty="0" err="1">
-                <a:solidFill>
-                  <a:srgbClr val="555555"/>
-                </a:solidFill>
-                <a:latin typeface="Muli" panose="00000500000000000000" pitchFamily="2" charset="0"/>
-              </a:rPr>
-              <a:t>report</a:t>
-            </a:r>
-            <a:r>
-              <a:rPr lang="de-DE" sz="750" dirty="0">
-                <a:solidFill>
-                  <a:srgbClr val="555555"/>
-                </a:solidFill>
-                <a:latin typeface="Muli" panose="00000500000000000000" pitchFamily="2" charset="0"/>
-              </a:rPr>
-              <a:t>, 2004]</a:t>
-            </a:r>
-          </a:p>
-        </p:txBody>
-      </p:sp>
-      <p:sp>
-        <p:nvSpPr>
-          <p:cNvPr id="4" name="Rechteck 3"/>
-          <p:cNvSpPr/>
-          <p:nvPr/>
-        </p:nvSpPr>
-        <p:spPr>
-          <a:xfrm>
-            <a:off x="676424" y="1313722"/>
-            <a:ext cx="7877370" cy="468000"/>
-          </a:xfrm>
-          <a:prstGeom prst="rect">
-            <a:avLst/>
-          </a:prstGeom>
-          <a:solidFill>
-            <a:srgbClr val="01305D"/>
-          </a:solidFill>
-          <a:ln w="15875">
-            <a:solidFill>
-              <a:schemeClr val="bg2">
-                <a:lumMod val="10000"/>
-              </a:schemeClr>
-            </a:solidFill>
-          </a:ln>
-        </p:spPr>
-        <p:style>
-          <a:lnRef idx="2">
-            <a:schemeClr val="accent1">
-              <a:shade val="50000"/>
-            </a:schemeClr>
-          </a:lnRef>
-          <a:fillRef idx="1">
-            <a:schemeClr val="accent1"/>
-          </a:fillRef>
-          <a:effectRef idx="0">
-            <a:schemeClr val="accent1"/>
-          </a:effectRef>
-          <a:fontRef idx="minor">
-            <a:schemeClr val="lt1"/>
-          </a:fontRef>
-        </p:style>
-        <p:txBody>
-          <a:bodyPr rtlCol="0" anchor="ctr"/>
-          <a:lstStyle/>
-          <a:p>
-            <a:pPr algn="ctr"/>
-            <a:r>
-              <a:rPr lang="de-DE" altLang="ko-KR" sz="1800" dirty="0">
-                <a:solidFill>
-                  <a:schemeClr val="bg1"/>
-                </a:solidFill>
-                <a:latin typeface="Muli SemiBold" panose="00000700000000000000" pitchFamily="2" charset="0"/>
-              </a:rPr>
-              <a:t>Algorithmen für </a:t>
-            </a:r>
-            <a:r>
-              <a:rPr lang="de-DE" altLang="ko-KR" sz="1800" dirty="0" err="1">
-                <a:solidFill>
-                  <a:schemeClr val="bg1"/>
-                </a:solidFill>
-                <a:latin typeface="Muli SemiBold" panose="00000700000000000000" pitchFamily="2" charset="0"/>
-              </a:rPr>
-              <a:t>Ausreißererkennung</a:t>
-            </a:r>
-            <a:endParaRPr lang="de-DE" sz="1013" dirty="0">
-              <a:solidFill>
-                <a:schemeClr val="bg1"/>
-              </a:solidFill>
-              <a:latin typeface="Muli SemiBold" panose="00000700000000000000" pitchFamily="2" charset="0"/>
-            </a:endParaRPr>
-          </a:p>
-        </p:txBody>
-      </p:sp>
-      <p:sp>
-        <p:nvSpPr>
-          <p:cNvPr id="31" name="Rechteck 30"/>
-          <p:cNvSpPr/>
-          <p:nvPr/>
-        </p:nvSpPr>
-        <p:spPr>
-          <a:xfrm>
-            <a:off x="676424" y="1843104"/>
-            <a:ext cx="2882322" cy="468000"/>
-          </a:xfrm>
-          <a:prstGeom prst="rect">
-            <a:avLst/>
-          </a:prstGeom>
-          <a:solidFill>
-            <a:srgbClr val="6494BC"/>
-          </a:solidFill>
-          <a:ln w="15875">
-            <a:solidFill>
-              <a:schemeClr val="accent3">
-                <a:lumMod val="50000"/>
-              </a:schemeClr>
-            </a:solidFill>
-          </a:ln>
-        </p:spPr>
-        <p:style>
-          <a:lnRef idx="2">
-            <a:schemeClr val="accent1">
-              <a:shade val="50000"/>
-            </a:schemeClr>
-          </a:lnRef>
-          <a:fillRef idx="1">
-            <a:schemeClr val="accent1"/>
-          </a:fillRef>
-          <a:effectRef idx="0">
-            <a:schemeClr val="accent1"/>
-          </a:effectRef>
-          <a:fontRef idx="minor">
-            <a:schemeClr val="lt1"/>
-          </a:fontRef>
-        </p:style>
-        <p:txBody>
-          <a:bodyPr rtlCol="0" anchor="ctr"/>
-          <a:lstStyle/>
-          <a:p>
-            <a:pPr algn="ctr"/>
-            <a:r>
-              <a:rPr lang="de-DE" sz="1500" dirty="0">
-                <a:solidFill>
-                  <a:schemeClr val="tx1"/>
-                </a:solidFill>
-                <a:latin typeface="Muli SemiBold" panose="00000700000000000000" pitchFamily="2" charset="0"/>
-              </a:rPr>
-              <a:t>Statistikbasiert</a:t>
-            </a:r>
-            <a:endParaRPr lang="de-DE" sz="1200" dirty="0">
-              <a:solidFill>
-                <a:schemeClr val="tx1"/>
-              </a:solidFill>
-              <a:latin typeface="Muli SemiBold" panose="00000700000000000000" pitchFamily="2" charset="0"/>
-            </a:endParaRPr>
-          </a:p>
-        </p:txBody>
-      </p:sp>
-      <p:sp>
-        <p:nvSpPr>
-          <p:cNvPr id="32" name="Rechteck 31"/>
-          <p:cNvSpPr/>
-          <p:nvPr/>
-        </p:nvSpPr>
-        <p:spPr>
-          <a:xfrm>
-            <a:off x="5675870" y="1843104"/>
-            <a:ext cx="2881274" cy="468000"/>
-          </a:xfrm>
-          <a:prstGeom prst="rect">
-            <a:avLst/>
-          </a:prstGeom>
-          <a:solidFill>
-            <a:schemeClr val="accent4">
-              <a:lumMod val="60000"/>
-              <a:lumOff val="40000"/>
-            </a:schemeClr>
-          </a:solidFill>
-          <a:ln w="15875">
-            <a:solidFill>
-              <a:schemeClr val="accent4"/>
-            </a:solidFill>
-          </a:ln>
-        </p:spPr>
-        <p:style>
-          <a:lnRef idx="2">
-            <a:schemeClr val="accent1">
-              <a:shade val="50000"/>
-            </a:schemeClr>
-          </a:lnRef>
-          <a:fillRef idx="1">
-            <a:schemeClr val="accent1"/>
-          </a:fillRef>
-          <a:effectRef idx="0">
-            <a:schemeClr val="accent1"/>
-          </a:effectRef>
-          <a:fontRef idx="minor">
-            <a:schemeClr val="lt1"/>
-          </a:fontRef>
-        </p:style>
-        <p:txBody>
-          <a:bodyPr rtlCol="0" anchor="ctr"/>
-          <a:lstStyle/>
-          <a:p>
-            <a:pPr algn="ctr"/>
-            <a:r>
-              <a:rPr lang="de-DE" sz="1500" dirty="0">
-                <a:solidFill>
-                  <a:schemeClr val="tx1"/>
-                </a:solidFill>
-                <a:latin typeface="Muli SemiBold" panose="00000700000000000000" pitchFamily="2" charset="0"/>
-              </a:rPr>
-              <a:t>Dichtebasiert</a:t>
-            </a:r>
-            <a:endParaRPr lang="de-DE" sz="1200" dirty="0">
-              <a:solidFill>
-                <a:schemeClr val="tx1"/>
-              </a:solidFill>
-              <a:latin typeface="Muli SemiBold" panose="00000700000000000000" pitchFamily="2" charset="0"/>
-            </a:endParaRPr>
-          </a:p>
-        </p:txBody>
-      </p:sp>
-      <p:sp>
-        <p:nvSpPr>
-          <p:cNvPr id="35" name="Rechteck 34"/>
-          <p:cNvSpPr/>
-          <p:nvPr/>
-        </p:nvSpPr>
-        <p:spPr>
-          <a:xfrm>
-            <a:off x="3641123" y="2405044"/>
-            <a:ext cx="1952368" cy="468000"/>
-          </a:xfrm>
-          <a:prstGeom prst="rect">
-            <a:avLst/>
-          </a:prstGeom>
-          <a:solidFill>
-            <a:schemeClr val="accent3">
-              <a:lumMod val="40000"/>
-              <a:lumOff val="60000"/>
-            </a:schemeClr>
-          </a:solidFill>
-          <a:ln w="15875">
-            <a:solidFill>
-              <a:schemeClr val="accent3">
-                <a:lumMod val="75000"/>
-              </a:schemeClr>
-            </a:solidFill>
-          </a:ln>
-        </p:spPr>
-        <p:style>
-          <a:lnRef idx="2">
-            <a:schemeClr val="accent1">
-              <a:shade val="50000"/>
-            </a:schemeClr>
-          </a:lnRef>
-          <a:fillRef idx="1">
-            <a:schemeClr val="accent1"/>
-          </a:fillRef>
-          <a:effectRef idx="0">
-            <a:schemeClr val="accent1"/>
-          </a:effectRef>
-          <a:fontRef idx="minor">
-            <a:schemeClr val="lt1"/>
-          </a:fontRef>
-        </p:style>
-        <p:txBody>
-          <a:bodyPr rtlCol="0" anchor="ctr"/>
-          <a:lstStyle/>
-          <a:p>
-            <a:pPr algn="ctr"/>
-            <a:r>
-              <a:rPr lang="de-DE" sz="1200" dirty="0">
-                <a:solidFill>
-                  <a:schemeClr val="tx1"/>
-                </a:solidFill>
-                <a:latin typeface="Muli SemiBold" panose="00000700000000000000" pitchFamily="2" charset="0"/>
-              </a:rPr>
-              <a:t>K-</a:t>
-            </a:r>
-            <a:r>
-              <a:rPr lang="de-DE" sz="1200" dirty="0" err="1">
-                <a:solidFill>
-                  <a:schemeClr val="tx1"/>
-                </a:solidFill>
-                <a:latin typeface="Muli SemiBold" panose="00000700000000000000" pitchFamily="2" charset="0"/>
-              </a:rPr>
-              <a:t>Means</a:t>
-            </a:r>
-            <a:r>
-              <a:rPr lang="de-DE" sz="1200" dirty="0">
-                <a:solidFill>
-                  <a:schemeClr val="tx1"/>
-                </a:solidFill>
-                <a:latin typeface="Muli SemiBold" panose="00000700000000000000" pitchFamily="2" charset="0"/>
-              </a:rPr>
-              <a:t> Clustering</a:t>
-            </a:r>
-            <a:endParaRPr lang="de-DE" sz="1800" dirty="0">
-              <a:solidFill>
-                <a:schemeClr val="tx1"/>
-              </a:solidFill>
-              <a:latin typeface="Muli SemiBold" panose="00000700000000000000" pitchFamily="2" charset="0"/>
-            </a:endParaRPr>
-          </a:p>
-        </p:txBody>
-      </p:sp>
-      <p:sp>
-        <p:nvSpPr>
-          <p:cNvPr id="21" name="Rechteck 20"/>
-          <p:cNvSpPr/>
-          <p:nvPr/>
-        </p:nvSpPr>
-        <p:spPr>
-          <a:xfrm>
-            <a:off x="676424" y="2405044"/>
-            <a:ext cx="1440700" cy="468000"/>
-          </a:xfrm>
-          <a:prstGeom prst="rect">
-            <a:avLst/>
-          </a:prstGeom>
-          <a:solidFill>
-            <a:srgbClr val="6494BC"/>
-          </a:solidFill>
-          <a:ln w="15875">
-            <a:solidFill>
-              <a:schemeClr val="accent3">
-                <a:lumMod val="75000"/>
-              </a:schemeClr>
-            </a:solidFill>
-          </a:ln>
-        </p:spPr>
-        <p:style>
-          <a:lnRef idx="2">
-            <a:schemeClr val="accent1">
-              <a:shade val="50000"/>
-            </a:schemeClr>
-          </a:lnRef>
-          <a:fillRef idx="1">
-            <a:schemeClr val="accent1"/>
-          </a:fillRef>
-          <a:effectRef idx="0">
-            <a:schemeClr val="accent1"/>
-          </a:effectRef>
-          <a:fontRef idx="minor">
-            <a:schemeClr val="lt1"/>
-          </a:fontRef>
-        </p:style>
-        <p:txBody>
-          <a:bodyPr rtlCol="0" anchor="ctr"/>
-          <a:lstStyle/>
-          <a:p>
-            <a:pPr algn="ctr"/>
-            <a:r>
-              <a:rPr lang="de-DE" sz="1200" dirty="0" err="1">
-                <a:solidFill>
-                  <a:schemeClr val="tx1"/>
-                </a:solidFill>
-                <a:latin typeface="Muli SemiBold" panose="00000700000000000000" pitchFamily="2" charset="0"/>
-              </a:rPr>
-              <a:t>Interquartile</a:t>
-            </a:r>
-            <a:r>
-              <a:rPr lang="de-DE" sz="1200" dirty="0">
-                <a:solidFill>
-                  <a:schemeClr val="tx1"/>
-                </a:solidFill>
-                <a:latin typeface="Muli SemiBold" panose="00000700000000000000" pitchFamily="2" charset="0"/>
-              </a:rPr>
-              <a:t> Range</a:t>
-            </a:r>
-            <a:endParaRPr lang="de-DE" sz="1800" dirty="0">
-              <a:solidFill>
-                <a:schemeClr val="tx1"/>
-              </a:solidFill>
-              <a:latin typeface="Muli SemiBold" panose="00000700000000000000" pitchFamily="2" charset="0"/>
-            </a:endParaRPr>
-          </a:p>
-        </p:txBody>
-      </p:sp>
-      <p:sp>
-        <p:nvSpPr>
-          <p:cNvPr id="15" name="Rechteck 30">
-            <a:extLst>
-              <a:ext uri="{FF2B5EF4-FFF2-40B4-BE49-F238E27FC236}">
-                <a16:creationId xmlns:a16="http://schemas.microsoft.com/office/drawing/2014/main" id="{AFA1A339-8C8D-9A40-B354-AB6C62EE6E35}"/>
-              </a:ext>
-            </a:extLst>
-          </p:cNvPr>
-          <p:cNvSpPr/>
-          <p:nvPr/>
-        </p:nvSpPr>
-        <p:spPr>
-          <a:xfrm>
-            <a:off x="3641124" y="1843104"/>
-            <a:ext cx="1952368" cy="468000"/>
-          </a:xfrm>
-          <a:prstGeom prst="rect">
-            <a:avLst/>
-          </a:prstGeom>
-          <a:solidFill>
-            <a:schemeClr val="accent3">
-              <a:lumMod val="60000"/>
-              <a:lumOff val="40000"/>
-            </a:schemeClr>
-          </a:solidFill>
-          <a:ln w="15875">
-            <a:solidFill>
-              <a:schemeClr val="accent3">
-                <a:lumMod val="50000"/>
-              </a:schemeClr>
-            </a:solidFill>
-          </a:ln>
-        </p:spPr>
-        <p:style>
-          <a:lnRef idx="2">
-            <a:schemeClr val="accent1">
-              <a:shade val="50000"/>
-            </a:schemeClr>
-          </a:lnRef>
-          <a:fillRef idx="1">
-            <a:schemeClr val="accent1"/>
-          </a:fillRef>
-          <a:effectRef idx="0">
-            <a:schemeClr val="accent1"/>
-          </a:effectRef>
-          <a:fontRef idx="minor">
-            <a:schemeClr val="lt1"/>
-          </a:fontRef>
-        </p:style>
-        <p:txBody>
-          <a:bodyPr rtlCol="0" anchor="ctr"/>
-          <a:lstStyle/>
-          <a:p>
-            <a:pPr algn="ctr"/>
-            <a:r>
-              <a:rPr lang="de-DE" sz="1500" dirty="0">
-                <a:solidFill>
-                  <a:schemeClr val="tx1"/>
-                </a:solidFill>
-                <a:latin typeface="Muli SemiBold" panose="00000700000000000000" pitchFamily="2" charset="0"/>
-              </a:rPr>
-              <a:t>Clusterbasiert</a:t>
-            </a:r>
-            <a:endParaRPr lang="de-DE" sz="1200" dirty="0">
-              <a:solidFill>
-                <a:schemeClr val="tx1"/>
-              </a:solidFill>
-              <a:latin typeface="Muli SemiBold" panose="00000700000000000000" pitchFamily="2" charset="0"/>
-            </a:endParaRPr>
-          </a:p>
-        </p:txBody>
-      </p:sp>
-      <p:sp>
-        <p:nvSpPr>
-          <p:cNvPr id="16" name="Rechteck 20">
-            <a:extLst>
-              <a:ext uri="{FF2B5EF4-FFF2-40B4-BE49-F238E27FC236}">
-                <a16:creationId xmlns:a16="http://schemas.microsoft.com/office/drawing/2014/main" id="{05363086-4B2E-0E4C-B781-AF3FACE73DBD}"/>
-              </a:ext>
-            </a:extLst>
-          </p:cNvPr>
-          <p:cNvSpPr/>
-          <p:nvPr/>
-        </p:nvSpPr>
-        <p:spPr>
-          <a:xfrm>
-            <a:off x="2114663" y="2405044"/>
-            <a:ext cx="1440700" cy="468000"/>
-          </a:xfrm>
-          <a:prstGeom prst="rect">
-            <a:avLst/>
-          </a:prstGeom>
-          <a:solidFill>
-            <a:srgbClr val="6494BC"/>
-          </a:solidFill>
-          <a:ln w="15875">
-            <a:solidFill>
-              <a:schemeClr val="accent3">
-                <a:lumMod val="75000"/>
-              </a:schemeClr>
-            </a:solidFill>
-          </a:ln>
-        </p:spPr>
-        <p:style>
-          <a:lnRef idx="2">
-            <a:schemeClr val="accent1">
-              <a:shade val="50000"/>
-            </a:schemeClr>
-          </a:lnRef>
-          <a:fillRef idx="1">
-            <a:schemeClr val="accent1"/>
-          </a:fillRef>
-          <a:effectRef idx="0">
-            <a:schemeClr val="accent1"/>
-          </a:effectRef>
-          <a:fontRef idx="minor">
-            <a:schemeClr val="lt1"/>
-          </a:fontRef>
-        </p:style>
-        <p:txBody>
-          <a:bodyPr rtlCol="0" anchor="ctr"/>
-          <a:lstStyle/>
-          <a:p>
-            <a:pPr algn="ctr"/>
-            <a:r>
-              <a:rPr lang="de-DE" sz="1200" dirty="0">
-                <a:solidFill>
-                  <a:schemeClr val="tx1"/>
-                </a:solidFill>
-                <a:latin typeface="Muli SemiBold" panose="00000700000000000000" pitchFamily="2" charset="0"/>
-              </a:rPr>
-              <a:t>Z-</a:t>
-            </a:r>
-            <a:r>
-              <a:rPr lang="de-DE" sz="1200" dirty="0" err="1">
-                <a:solidFill>
-                  <a:schemeClr val="tx1"/>
-                </a:solidFill>
-                <a:latin typeface="Muli SemiBold" panose="00000700000000000000" pitchFamily="2" charset="0"/>
-              </a:rPr>
-              <a:t>Scoer</a:t>
-            </a:r>
-            <a:r>
-              <a:rPr lang="de-DE" sz="1200" dirty="0">
-                <a:solidFill>
-                  <a:schemeClr val="tx1"/>
-                </a:solidFill>
-                <a:latin typeface="Muli SemiBold" panose="00000700000000000000" pitchFamily="2" charset="0"/>
-              </a:rPr>
-              <a:t> Filter</a:t>
-            </a:r>
-            <a:endParaRPr lang="de-DE" sz="1800" dirty="0">
-              <a:solidFill>
-                <a:schemeClr val="tx1"/>
-              </a:solidFill>
-              <a:latin typeface="Muli SemiBold" panose="00000700000000000000" pitchFamily="2" charset="0"/>
-            </a:endParaRPr>
-          </a:p>
-        </p:txBody>
-      </p:sp>
-      <p:sp>
-        <p:nvSpPr>
-          <p:cNvPr id="18" name="Rechteck 20">
-            <a:extLst>
-              <a:ext uri="{FF2B5EF4-FFF2-40B4-BE49-F238E27FC236}">
-                <a16:creationId xmlns:a16="http://schemas.microsoft.com/office/drawing/2014/main" id="{6C7675C3-4BCA-8942-BAD0-CF47142B54A6}"/>
-              </a:ext>
-            </a:extLst>
-          </p:cNvPr>
-          <p:cNvSpPr/>
-          <p:nvPr/>
-        </p:nvSpPr>
-        <p:spPr>
-          <a:xfrm>
-            <a:off x="5671283" y="2400473"/>
-            <a:ext cx="1440700" cy="468000"/>
-          </a:xfrm>
-          <a:prstGeom prst="rect">
-            <a:avLst/>
-          </a:prstGeom>
-          <a:solidFill>
-            <a:srgbClr val="6494BC"/>
-          </a:solidFill>
-          <a:ln w="15875">
-            <a:solidFill>
-              <a:schemeClr val="accent3">
-                <a:lumMod val="75000"/>
-              </a:schemeClr>
-            </a:solidFill>
-          </a:ln>
-        </p:spPr>
-        <p:style>
-          <a:lnRef idx="2">
-            <a:schemeClr val="accent1">
-              <a:shade val="50000"/>
-            </a:schemeClr>
-          </a:lnRef>
-          <a:fillRef idx="1">
-            <a:schemeClr val="accent1"/>
-          </a:fillRef>
-          <a:effectRef idx="0">
-            <a:schemeClr val="accent1"/>
-          </a:effectRef>
-          <a:fontRef idx="minor">
-            <a:schemeClr val="lt1"/>
-          </a:fontRef>
-        </p:style>
-        <p:txBody>
-          <a:bodyPr rtlCol="0" anchor="ctr"/>
-          <a:lstStyle/>
-          <a:p>
-            <a:pPr algn="ctr"/>
-            <a:r>
-              <a:rPr lang="en" sz="1200" dirty="0">
-                <a:solidFill>
-                  <a:schemeClr val="tx1"/>
-                </a:solidFill>
-                <a:latin typeface="Muli SemiBold" panose="00000700000000000000" pitchFamily="2" charset="0"/>
-              </a:rPr>
-              <a:t>Local Outlier Factor</a:t>
-            </a:r>
-            <a:endParaRPr lang="de-DE" sz="1800" dirty="0">
-              <a:solidFill>
-                <a:schemeClr val="tx1"/>
-              </a:solidFill>
-              <a:latin typeface="Muli SemiBold" panose="00000700000000000000" pitchFamily="2" charset="0"/>
-            </a:endParaRPr>
-          </a:p>
-        </p:txBody>
-      </p:sp>
-      <p:sp>
-        <p:nvSpPr>
-          <p:cNvPr id="20" name="Rechteck 20">
-            <a:extLst>
-              <a:ext uri="{FF2B5EF4-FFF2-40B4-BE49-F238E27FC236}">
-                <a16:creationId xmlns:a16="http://schemas.microsoft.com/office/drawing/2014/main" id="{6DA86ED3-2B6F-154D-83C0-BD1D4A0E658F}"/>
-              </a:ext>
-            </a:extLst>
-          </p:cNvPr>
-          <p:cNvSpPr/>
-          <p:nvPr/>
-        </p:nvSpPr>
-        <p:spPr>
-          <a:xfrm>
-            <a:off x="7109522" y="2400473"/>
-            <a:ext cx="1440700" cy="468000"/>
-          </a:xfrm>
-          <a:prstGeom prst="rect">
-            <a:avLst/>
-          </a:prstGeom>
-          <a:solidFill>
-            <a:srgbClr val="6494BC"/>
-          </a:solidFill>
-          <a:ln w="15875">
-            <a:solidFill>
-              <a:schemeClr val="accent3">
-                <a:lumMod val="75000"/>
-              </a:schemeClr>
-            </a:solidFill>
-          </a:ln>
-        </p:spPr>
-        <p:style>
-          <a:lnRef idx="2">
-            <a:schemeClr val="accent1">
-              <a:shade val="50000"/>
-            </a:schemeClr>
-          </a:lnRef>
-          <a:fillRef idx="1">
-            <a:schemeClr val="accent1"/>
-          </a:fillRef>
-          <a:effectRef idx="0">
-            <a:schemeClr val="accent1"/>
-          </a:effectRef>
-          <a:fontRef idx="minor">
-            <a:schemeClr val="lt1"/>
-          </a:fontRef>
-        </p:style>
-        <p:txBody>
-          <a:bodyPr rtlCol="0" anchor="ctr"/>
-          <a:lstStyle/>
-          <a:p>
-            <a:pPr algn="ctr"/>
-            <a:r>
-              <a:rPr lang="en" altLang="ko-KR" sz="1200" dirty="0">
-                <a:solidFill>
-                  <a:schemeClr val="tx1"/>
-                </a:solidFill>
-                <a:latin typeface="Muli SemiBold" panose="00000700000000000000" pitchFamily="2" charset="0"/>
-              </a:rPr>
-              <a:t>Isolation Forest</a:t>
-            </a:r>
-            <a:endParaRPr lang="de-DE" altLang="ko-KR" sz="1800" dirty="0">
-              <a:solidFill>
-                <a:schemeClr val="tx1"/>
-              </a:solidFill>
-              <a:latin typeface="Muli SemiBold" panose="00000700000000000000" pitchFamily="2" charset="0"/>
-            </a:endParaRPr>
-          </a:p>
-        </p:txBody>
-      </p:sp>
+      </p:pic>
     </p:spTree>
     <p:extLst>
       <p:ext uri="{BB962C8B-B14F-4D97-AF65-F5344CB8AC3E}">
-        <p14:creationId xmlns:p14="http://schemas.microsoft.com/office/powerpoint/2010/main" val="4014752962"/>
+        <p14:creationId xmlns:p14="http://schemas.microsoft.com/office/powerpoint/2010/main" val="590788187"/>
       </p:ext>
     </p:extLst>
   </p:cSld>
   <p:clrMapOvr>
     <a:masterClrMapping/>
   </p:clrMapOvr>
-  <p:timing>
-    <p:tnLst>
-      <p:par>
-        <p:cTn id="1" dur="indefinite" restart="never" nodeType="tmRoot">
-          <p:childTnLst>
-            <p:seq concurrent="1" nextAc="seek">
-              <p:cTn id="2" dur="indefinite" nodeType="mainSeq">
-                <p:childTnLst>
-                  <p:par>
-                    <p:cTn id="3" fill="hold">
-                      <p:stCondLst>
-                        <p:cond delay="indefinite"/>
-                      </p:stCondLst>
-                      <p:childTnLst>
-                        <p:par>
-                          <p:cTn id="4" fill="hold">
-                            <p:stCondLst>
-                              <p:cond delay="0"/>
-                            </p:stCondLst>
-                            <p:childTnLst>
-                              <p:par>
-                                <p:cTn id="5" presetID="47" presetClass="entr" presetSubtype="0" fill="hold" grpId="0" nodeType="clickEffect">
-                                  <p:stCondLst>
-                                    <p:cond delay="0"/>
-                                  </p:stCondLst>
-                                  <p:childTnLst>
-                                    <p:set>
-                                      <p:cBhvr>
-                                        <p:cTn id="6" dur="1" fill="hold">
-                                          <p:stCondLst>
-                                            <p:cond delay="0"/>
-                                          </p:stCondLst>
-                                        </p:cTn>
-                                        <p:tgtEl>
-                                          <p:spTgt spid="31"/>
-                                        </p:tgtEl>
-                                        <p:attrNameLst>
-                                          <p:attrName>style.visibility</p:attrName>
-                                        </p:attrNameLst>
-                                      </p:cBhvr>
-                                      <p:to>
-                                        <p:strVal val="visible"/>
-                                      </p:to>
-                                    </p:set>
-                                    <p:animEffect transition="in" filter="fade">
-                                      <p:cBhvr>
-                                        <p:cTn id="7" dur="500"/>
-                                        <p:tgtEl>
-                                          <p:spTgt spid="31"/>
-                                        </p:tgtEl>
-                                      </p:cBhvr>
-                                    </p:animEffect>
-                                    <p:anim calcmode="lin" valueType="num">
-                                      <p:cBhvr>
-                                        <p:cTn id="8" dur="500" fill="hold"/>
-                                        <p:tgtEl>
-                                          <p:spTgt spid="31"/>
-                                        </p:tgtEl>
-                                        <p:attrNameLst>
-                                          <p:attrName>ppt_x</p:attrName>
-                                        </p:attrNameLst>
-                                      </p:cBhvr>
-                                      <p:tavLst>
-                                        <p:tav tm="0">
-                                          <p:val>
-                                            <p:strVal val="#ppt_x"/>
-                                          </p:val>
-                                        </p:tav>
-                                        <p:tav tm="100000">
-                                          <p:val>
-                                            <p:strVal val="#ppt_x"/>
-                                          </p:val>
-                                        </p:tav>
-                                      </p:tavLst>
-                                    </p:anim>
-                                    <p:anim calcmode="lin" valueType="num">
-                                      <p:cBhvr>
-                                        <p:cTn id="9" dur="500" fill="hold"/>
-                                        <p:tgtEl>
-                                          <p:spTgt spid="31"/>
-                                        </p:tgtEl>
-                                        <p:attrNameLst>
-                                          <p:attrName>ppt_y</p:attrName>
-                                        </p:attrNameLst>
-                                      </p:cBhvr>
-                                      <p:tavLst>
-                                        <p:tav tm="0">
-                                          <p:val>
-                                            <p:strVal val="#ppt_y-.1"/>
-                                          </p:val>
-                                        </p:tav>
-                                        <p:tav tm="100000">
-                                          <p:val>
-                                            <p:strVal val="#ppt_y"/>
-                                          </p:val>
-                                        </p:tav>
-                                      </p:tavLst>
-                                    </p:anim>
-                                  </p:childTnLst>
-                                </p:cTn>
-                              </p:par>
-                              <p:par>
-                                <p:cTn id="10" presetID="47" presetClass="entr" presetSubtype="0" fill="hold" grpId="0" nodeType="withEffect">
-                                  <p:stCondLst>
-                                    <p:cond delay="0"/>
-                                  </p:stCondLst>
-                                  <p:childTnLst>
-                                    <p:set>
-                                      <p:cBhvr>
-                                        <p:cTn id="11" dur="1" fill="hold">
-                                          <p:stCondLst>
-                                            <p:cond delay="0"/>
-                                          </p:stCondLst>
-                                        </p:cTn>
-                                        <p:tgtEl>
-                                          <p:spTgt spid="32"/>
-                                        </p:tgtEl>
-                                        <p:attrNameLst>
-                                          <p:attrName>style.visibility</p:attrName>
-                                        </p:attrNameLst>
-                                      </p:cBhvr>
-                                      <p:to>
-                                        <p:strVal val="visible"/>
-                                      </p:to>
-                                    </p:set>
-                                    <p:animEffect transition="in" filter="fade">
-                                      <p:cBhvr>
-                                        <p:cTn id="12" dur="500"/>
-                                        <p:tgtEl>
-                                          <p:spTgt spid="32"/>
-                                        </p:tgtEl>
-                                      </p:cBhvr>
-                                    </p:animEffect>
-                                    <p:anim calcmode="lin" valueType="num">
-                                      <p:cBhvr>
-                                        <p:cTn id="13" dur="500" fill="hold"/>
-                                        <p:tgtEl>
-                                          <p:spTgt spid="32"/>
-                                        </p:tgtEl>
-                                        <p:attrNameLst>
-                                          <p:attrName>ppt_x</p:attrName>
-                                        </p:attrNameLst>
-                                      </p:cBhvr>
-                                      <p:tavLst>
-                                        <p:tav tm="0">
-                                          <p:val>
-                                            <p:strVal val="#ppt_x"/>
-                                          </p:val>
-                                        </p:tav>
-                                        <p:tav tm="100000">
-                                          <p:val>
-                                            <p:strVal val="#ppt_x"/>
-                                          </p:val>
-                                        </p:tav>
-                                      </p:tavLst>
-                                    </p:anim>
-                                    <p:anim calcmode="lin" valueType="num">
-                                      <p:cBhvr>
-                                        <p:cTn id="14" dur="500" fill="hold"/>
-                                        <p:tgtEl>
-                                          <p:spTgt spid="32"/>
-                                        </p:tgtEl>
-                                        <p:attrNameLst>
-                                          <p:attrName>ppt_y</p:attrName>
-                                        </p:attrNameLst>
-                                      </p:cBhvr>
-                                      <p:tavLst>
-                                        <p:tav tm="0">
-                                          <p:val>
-                                            <p:strVal val="#ppt_y-.1"/>
-                                          </p:val>
-                                        </p:tav>
-                                        <p:tav tm="100000">
-                                          <p:val>
-                                            <p:strVal val="#ppt_y"/>
-                                          </p:val>
-                                        </p:tav>
-                                      </p:tavLst>
-                                    </p:anim>
-                                  </p:childTnLst>
-                                </p:cTn>
-                              </p:par>
-                            </p:childTnLst>
-                          </p:cTn>
-                        </p:par>
-                      </p:childTnLst>
-                    </p:cTn>
-                  </p:par>
-                  <p:par>
-                    <p:cTn id="15" fill="hold">
-                      <p:stCondLst>
-                        <p:cond delay="indefinite"/>
-                      </p:stCondLst>
-                      <p:childTnLst>
-                        <p:par>
-                          <p:cTn id="16" fill="hold">
-                            <p:stCondLst>
-                              <p:cond delay="0"/>
-                            </p:stCondLst>
-                            <p:childTnLst>
-                              <p:par>
-                                <p:cTn id="17" presetID="47" presetClass="entr" presetSubtype="0" fill="hold" grpId="0" nodeType="clickEffect">
-                                  <p:stCondLst>
-                                    <p:cond delay="0"/>
-                                  </p:stCondLst>
-                                  <p:childTnLst>
-                                    <p:set>
-                                      <p:cBhvr>
-                                        <p:cTn id="18" dur="1" fill="hold">
-                                          <p:stCondLst>
-                                            <p:cond delay="0"/>
-                                          </p:stCondLst>
-                                        </p:cTn>
-                                        <p:tgtEl>
-                                          <p:spTgt spid="35"/>
-                                        </p:tgtEl>
-                                        <p:attrNameLst>
-                                          <p:attrName>style.visibility</p:attrName>
-                                        </p:attrNameLst>
-                                      </p:cBhvr>
-                                      <p:to>
-                                        <p:strVal val="visible"/>
-                                      </p:to>
-                                    </p:set>
-                                    <p:animEffect transition="in" filter="fade">
-                                      <p:cBhvr>
-                                        <p:cTn id="19" dur="500"/>
-                                        <p:tgtEl>
-                                          <p:spTgt spid="35"/>
-                                        </p:tgtEl>
-                                      </p:cBhvr>
-                                    </p:animEffect>
-                                    <p:anim calcmode="lin" valueType="num">
-                                      <p:cBhvr>
-                                        <p:cTn id="20" dur="500" fill="hold"/>
-                                        <p:tgtEl>
-                                          <p:spTgt spid="35"/>
-                                        </p:tgtEl>
-                                        <p:attrNameLst>
-                                          <p:attrName>ppt_x</p:attrName>
-                                        </p:attrNameLst>
-                                      </p:cBhvr>
-                                      <p:tavLst>
-                                        <p:tav tm="0">
-                                          <p:val>
-                                            <p:strVal val="#ppt_x"/>
-                                          </p:val>
-                                        </p:tav>
-                                        <p:tav tm="100000">
-                                          <p:val>
-                                            <p:strVal val="#ppt_x"/>
-                                          </p:val>
-                                        </p:tav>
-                                      </p:tavLst>
-                                    </p:anim>
-                                    <p:anim calcmode="lin" valueType="num">
-                                      <p:cBhvr>
-                                        <p:cTn id="21" dur="500" fill="hold"/>
-                                        <p:tgtEl>
-                                          <p:spTgt spid="35"/>
-                                        </p:tgtEl>
-                                        <p:attrNameLst>
-                                          <p:attrName>ppt_y</p:attrName>
-                                        </p:attrNameLst>
-                                      </p:cBhvr>
-                                      <p:tavLst>
-                                        <p:tav tm="0">
-                                          <p:val>
-                                            <p:strVal val="#ppt_y-.1"/>
-                                          </p:val>
-                                        </p:tav>
-                                        <p:tav tm="100000">
-                                          <p:val>
-                                            <p:strVal val="#ppt_y"/>
-                                          </p:val>
-                                        </p:tav>
-                                      </p:tavLst>
-                                    </p:anim>
-                                  </p:childTnLst>
-                                </p:cTn>
-                              </p:par>
-                              <p:par>
-                                <p:cTn id="22" presetID="26" presetClass="emph" presetSubtype="0" repeatCount="5000" fill="hold" grpId="1" nodeType="withEffect">
-                                  <p:stCondLst>
-                                    <p:cond delay="0"/>
-                                  </p:stCondLst>
-                                  <p:childTnLst>
-                                    <p:animEffect transition="out" filter="fade">
-                                      <p:cBhvr>
-                                        <p:cTn id="23" dur="1000" tmFilter="0, 0; .2, .5; .8, .5; 1, 0"/>
-                                        <p:tgtEl>
-                                          <p:spTgt spid="35"/>
-                                        </p:tgtEl>
-                                      </p:cBhvr>
-                                    </p:animEffect>
-                                    <p:animScale>
-                                      <p:cBhvr>
-                                        <p:cTn id="24" dur="500" autoRev="1" fill="hold"/>
-                                        <p:tgtEl>
-                                          <p:spTgt spid="35"/>
-                                        </p:tgtEl>
-                                      </p:cBhvr>
-                                      <p:by x="105000" y="105000"/>
-                                    </p:animScale>
-                                  </p:childTnLst>
-                                </p:cTn>
-                              </p:par>
-                            </p:childTnLst>
-                          </p:cTn>
-                        </p:par>
-                      </p:childTnLst>
-                    </p:cTn>
-                  </p:par>
-                  <p:par>
-                    <p:cTn id="25" fill="hold">
-                      <p:stCondLst>
-                        <p:cond delay="indefinite"/>
-                      </p:stCondLst>
-                      <p:childTnLst>
-                        <p:par>
-                          <p:cTn id="26" fill="hold">
-                            <p:stCondLst>
-                              <p:cond delay="0"/>
-                            </p:stCondLst>
-                            <p:childTnLst>
-                              <p:par>
-                                <p:cTn id="27" presetID="47" presetClass="entr" presetSubtype="0" fill="hold" grpId="0" nodeType="clickEffect">
-                                  <p:stCondLst>
-                                    <p:cond delay="0"/>
-                                  </p:stCondLst>
-                                  <p:childTnLst>
-                                    <p:set>
-                                      <p:cBhvr>
-                                        <p:cTn id="28" dur="1" fill="hold">
-                                          <p:stCondLst>
-                                            <p:cond delay="0"/>
-                                          </p:stCondLst>
-                                        </p:cTn>
-                                        <p:tgtEl>
-                                          <p:spTgt spid="21"/>
-                                        </p:tgtEl>
-                                        <p:attrNameLst>
-                                          <p:attrName>style.visibility</p:attrName>
-                                        </p:attrNameLst>
-                                      </p:cBhvr>
-                                      <p:to>
-                                        <p:strVal val="visible"/>
-                                      </p:to>
-                                    </p:set>
-                                    <p:animEffect transition="in" filter="fade">
-                                      <p:cBhvr>
-                                        <p:cTn id="29" dur="500"/>
-                                        <p:tgtEl>
-                                          <p:spTgt spid="21"/>
-                                        </p:tgtEl>
-                                      </p:cBhvr>
-                                    </p:animEffect>
-                                    <p:anim calcmode="lin" valueType="num">
-                                      <p:cBhvr>
-                                        <p:cTn id="30" dur="500" fill="hold"/>
-                                        <p:tgtEl>
-                                          <p:spTgt spid="21"/>
-                                        </p:tgtEl>
-                                        <p:attrNameLst>
-                                          <p:attrName>ppt_x</p:attrName>
-                                        </p:attrNameLst>
-                                      </p:cBhvr>
-                                      <p:tavLst>
-                                        <p:tav tm="0">
-                                          <p:val>
-                                            <p:strVal val="#ppt_x"/>
-                                          </p:val>
-                                        </p:tav>
-                                        <p:tav tm="100000">
-                                          <p:val>
-                                            <p:strVal val="#ppt_x"/>
-                                          </p:val>
-                                        </p:tav>
-                                      </p:tavLst>
-                                    </p:anim>
-                                    <p:anim calcmode="lin" valueType="num">
-                                      <p:cBhvr>
-                                        <p:cTn id="31" dur="500" fill="hold"/>
-                                        <p:tgtEl>
-                                          <p:spTgt spid="21"/>
-                                        </p:tgtEl>
-                                        <p:attrNameLst>
-                                          <p:attrName>ppt_y</p:attrName>
-                                        </p:attrNameLst>
-                                      </p:cBhvr>
-                                      <p:tavLst>
-                                        <p:tav tm="0">
-                                          <p:val>
-                                            <p:strVal val="#ppt_y-.1"/>
-                                          </p:val>
-                                        </p:tav>
-                                        <p:tav tm="100000">
-                                          <p:val>
-                                            <p:strVal val="#ppt_y"/>
-                                          </p:val>
-                                        </p:tav>
-                                      </p:tavLst>
-                                    </p:anim>
-                                  </p:childTnLst>
-                                </p:cTn>
-                              </p:par>
-                              <p:par>
-                                <p:cTn id="32" presetID="26" presetClass="emph" presetSubtype="0" repeatCount="5000" fill="hold" grpId="1" nodeType="withEffect">
-                                  <p:stCondLst>
-                                    <p:cond delay="0"/>
-                                  </p:stCondLst>
-                                  <p:childTnLst>
-                                    <p:animEffect transition="out" filter="fade">
-                                      <p:cBhvr>
-                                        <p:cTn id="33" dur="1000" tmFilter="0, 0; .2, .5; .8, .5; 1, 0"/>
-                                        <p:tgtEl>
-                                          <p:spTgt spid="21"/>
-                                        </p:tgtEl>
-                                      </p:cBhvr>
-                                    </p:animEffect>
-                                    <p:animScale>
-                                      <p:cBhvr>
-                                        <p:cTn id="34" dur="500" autoRev="1" fill="hold"/>
-                                        <p:tgtEl>
-                                          <p:spTgt spid="21"/>
-                                        </p:tgtEl>
-                                      </p:cBhvr>
-                                      <p:by x="105000" y="105000"/>
-                                    </p:animScale>
-                                  </p:childTnLst>
-                                </p:cTn>
-                              </p:par>
-                            </p:childTnLst>
-                          </p:cTn>
-                        </p:par>
-                      </p:childTnLst>
-                    </p:cTn>
-                  </p:par>
-                  <p:par>
-                    <p:cTn id="35" fill="hold">
-                      <p:stCondLst>
-                        <p:cond delay="indefinite"/>
-                      </p:stCondLst>
-                      <p:childTnLst>
-                        <p:par>
-                          <p:cTn id="36" fill="hold">
-                            <p:stCondLst>
-                              <p:cond delay="0"/>
-                            </p:stCondLst>
-                            <p:childTnLst>
-                              <p:par>
-                                <p:cTn id="37" presetID="47" presetClass="entr" presetSubtype="0" fill="hold" grpId="0" nodeType="clickEffect">
-                                  <p:stCondLst>
-                                    <p:cond delay="0"/>
-                                  </p:stCondLst>
-                                  <p:childTnLst>
-                                    <p:set>
-                                      <p:cBhvr>
-                                        <p:cTn id="38" dur="1" fill="hold">
-                                          <p:stCondLst>
-                                            <p:cond delay="0"/>
-                                          </p:stCondLst>
-                                        </p:cTn>
-                                        <p:tgtEl>
-                                          <p:spTgt spid="15"/>
-                                        </p:tgtEl>
-                                        <p:attrNameLst>
-                                          <p:attrName>style.visibility</p:attrName>
-                                        </p:attrNameLst>
-                                      </p:cBhvr>
-                                      <p:to>
-                                        <p:strVal val="visible"/>
-                                      </p:to>
-                                    </p:set>
-                                    <p:animEffect transition="in" filter="fade">
-                                      <p:cBhvr>
-                                        <p:cTn id="39" dur="500"/>
-                                        <p:tgtEl>
-                                          <p:spTgt spid="15"/>
-                                        </p:tgtEl>
-                                      </p:cBhvr>
-                                    </p:animEffect>
-                                    <p:anim calcmode="lin" valueType="num">
-                                      <p:cBhvr>
-                                        <p:cTn id="40" dur="500" fill="hold"/>
-                                        <p:tgtEl>
-                                          <p:spTgt spid="15"/>
-                                        </p:tgtEl>
-                                        <p:attrNameLst>
-                                          <p:attrName>ppt_x</p:attrName>
-                                        </p:attrNameLst>
-                                      </p:cBhvr>
-                                      <p:tavLst>
-                                        <p:tav tm="0">
-                                          <p:val>
-                                            <p:strVal val="#ppt_x"/>
-                                          </p:val>
-                                        </p:tav>
-                                        <p:tav tm="100000">
-                                          <p:val>
-                                            <p:strVal val="#ppt_x"/>
-                                          </p:val>
-                                        </p:tav>
-                                      </p:tavLst>
-                                    </p:anim>
-                                    <p:anim calcmode="lin" valueType="num">
-                                      <p:cBhvr>
-                                        <p:cTn id="41" dur="500" fill="hold"/>
-                                        <p:tgtEl>
-                                          <p:spTgt spid="15"/>
-                                        </p:tgtEl>
-                                        <p:attrNameLst>
-                                          <p:attrName>ppt_y</p:attrName>
-                                        </p:attrNameLst>
-                                      </p:cBhvr>
-                                      <p:tavLst>
-                                        <p:tav tm="0">
-                                          <p:val>
-                                            <p:strVal val="#ppt_y-.1"/>
-                                          </p:val>
-                                        </p:tav>
-                                        <p:tav tm="100000">
-                                          <p:val>
-                                            <p:strVal val="#ppt_y"/>
-                                          </p:val>
-                                        </p:tav>
-                                      </p:tavLst>
-                                    </p:anim>
-                                  </p:childTnLst>
-                                </p:cTn>
-                              </p:par>
-                            </p:childTnLst>
-                          </p:cTn>
-                        </p:par>
-                      </p:childTnLst>
-                    </p:cTn>
-                  </p:par>
-                  <p:par>
-                    <p:cTn id="42" fill="hold">
-                      <p:stCondLst>
-                        <p:cond delay="indefinite"/>
-                      </p:stCondLst>
-                      <p:childTnLst>
-                        <p:par>
-                          <p:cTn id="43" fill="hold">
-                            <p:stCondLst>
-                              <p:cond delay="0"/>
-                            </p:stCondLst>
-                            <p:childTnLst>
-                              <p:par>
-                                <p:cTn id="44" presetID="47" presetClass="entr" presetSubtype="0" fill="hold" grpId="0" nodeType="clickEffect">
-                                  <p:stCondLst>
-                                    <p:cond delay="0"/>
-                                  </p:stCondLst>
-                                  <p:childTnLst>
-                                    <p:set>
-                                      <p:cBhvr>
-                                        <p:cTn id="45" dur="1" fill="hold">
-                                          <p:stCondLst>
-                                            <p:cond delay="0"/>
-                                          </p:stCondLst>
-                                        </p:cTn>
-                                        <p:tgtEl>
-                                          <p:spTgt spid="16"/>
-                                        </p:tgtEl>
-                                        <p:attrNameLst>
-                                          <p:attrName>style.visibility</p:attrName>
-                                        </p:attrNameLst>
-                                      </p:cBhvr>
-                                      <p:to>
-                                        <p:strVal val="visible"/>
-                                      </p:to>
-                                    </p:set>
-                                    <p:animEffect transition="in" filter="fade">
-                                      <p:cBhvr>
-                                        <p:cTn id="46" dur="500"/>
-                                        <p:tgtEl>
-                                          <p:spTgt spid="16"/>
-                                        </p:tgtEl>
-                                      </p:cBhvr>
-                                    </p:animEffect>
-                                    <p:anim calcmode="lin" valueType="num">
-                                      <p:cBhvr>
-                                        <p:cTn id="47" dur="500" fill="hold"/>
-                                        <p:tgtEl>
-                                          <p:spTgt spid="16"/>
-                                        </p:tgtEl>
-                                        <p:attrNameLst>
-                                          <p:attrName>ppt_x</p:attrName>
-                                        </p:attrNameLst>
-                                      </p:cBhvr>
-                                      <p:tavLst>
-                                        <p:tav tm="0">
-                                          <p:val>
-                                            <p:strVal val="#ppt_x"/>
-                                          </p:val>
-                                        </p:tav>
-                                        <p:tav tm="100000">
-                                          <p:val>
-                                            <p:strVal val="#ppt_x"/>
-                                          </p:val>
-                                        </p:tav>
-                                      </p:tavLst>
-                                    </p:anim>
-                                    <p:anim calcmode="lin" valueType="num">
-                                      <p:cBhvr>
-                                        <p:cTn id="48" dur="500" fill="hold"/>
-                                        <p:tgtEl>
-                                          <p:spTgt spid="16"/>
-                                        </p:tgtEl>
-                                        <p:attrNameLst>
-                                          <p:attrName>ppt_y</p:attrName>
-                                        </p:attrNameLst>
-                                      </p:cBhvr>
-                                      <p:tavLst>
-                                        <p:tav tm="0">
-                                          <p:val>
-                                            <p:strVal val="#ppt_y-.1"/>
-                                          </p:val>
-                                        </p:tav>
-                                        <p:tav tm="100000">
-                                          <p:val>
-                                            <p:strVal val="#ppt_y"/>
-                                          </p:val>
-                                        </p:tav>
-                                      </p:tavLst>
-                                    </p:anim>
-                                  </p:childTnLst>
-                                </p:cTn>
-                              </p:par>
-                              <p:par>
-                                <p:cTn id="49" presetID="26" presetClass="emph" presetSubtype="0" repeatCount="5000" fill="hold" grpId="1" nodeType="withEffect">
-                                  <p:stCondLst>
-                                    <p:cond delay="0"/>
-                                  </p:stCondLst>
-                                  <p:childTnLst>
-                                    <p:animEffect transition="out" filter="fade">
-                                      <p:cBhvr>
-                                        <p:cTn id="50" dur="1000" tmFilter="0, 0; .2, .5; .8, .5; 1, 0"/>
-                                        <p:tgtEl>
-                                          <p:spTgt spid="16"/>
-                                        </p:tgtEl>
-                                      </p:cBhvr>
-                                    </p:animEffect>
-                                    <p:animScale>
-                                      <p:cBhvr>
-                                        <p:cTn id="51" dur="500" autoRev="1" fill="hold"/>
-                                        <p:tgtEl>
-                                          <p:spTgt spid="16"/>
-                                        </p:tgtEl>
-                                      </p:cBhvr>
-                                      <p:by x="105000" y="105000"/>
-                                    </p:animScale>
-                                  </p:childTnLst>
-                                </p:cTn>
-                              </p:par>
-                            </p:childTnLst>
-                          </p:cTn>
-                        </p:par>
-                      </p:childTnLst>
-                    </p:cTn>
-                  </p:par>
-                  <p:par>
-                    <p:cTn id="52" fill="hold">
-                      <p:stCondLst>
-                        <p:cond delay="indefinite"/>
-                      </p:stCondLst>
-                      <p:childTnLst>
-                        <p:par>
-                          <p:cTn id="53" fill="hold">
-                            <p:stCondLst>
-                              <p:cond delay="0"/>
-                            </p:stCondLst>
-                            <p:childTnLst>
-                              <p:par>
-                                <p:cTn id="54" presetID="47" presetClass="entr" presetSubtype="0" fill="hold" grpId="0" nodeType="clickEffect">
-                                  <p:stCondLst>
-                                    <p:cond delay="0"/>
-                                  </p:stCondLst>
-                                  <p:childTnLst>
-                                    <p:set>
-                                      <p:cBhvr>
-                                        <p:cTn id="55" dur="1" fill="hold">
-                                          <p:stCondLst>
-                                            <p:cond delay="0"/>
-                                          </p:stCondLst>
-                                        </p:cTn>
-                                        <p:tgtEl>
-                                          <p:spTgt spid="18"/>
-                                        </p:tgtEl>
-                                        <p:attrNameLst>
-                                          <p:attrName>style.visibility</p:attrName>
-                                        </p:attrNameLst>
-                                      </p:cBhvr>
-                                      <p:to>
-                                        <p:strVal val="visible"/>
-                                      </p:to>
-                                    </p:set>
-                                    <p:animEffect transition="in" filter="fade">
-                                      <p:cBhvr>
-                                        <p:cTn id="56" dur="500"/>
-                                        <p:tgtEl>
-                                          <p:spTgt spid="18"/>
-                                        </p:tgtEl>
-                                      </p:cBhvr>
-                                    </p:animEffect>
-                                    <p:anim calcmode="lin" valueType="num">
-                                      <p:cBhvr>
-                                        <p:cTn id="57" dur="500" fill="hold"/>
-                                        <p:tgtEl>
-                                          <p:spTgt spid="18"/>
-                                        </p:tgtEl>
-                                        <p:attrNameLst>
-                                          <p:attrName>ppt_x</p:attrName>
-                                        </p:attrNameLst>
-                                      </p:cBhvr>
-                                      <p:tavLst>
-                                        <p:tav tm="0">
-                                          <p:val>
-                                            <p:strVal val="#ppt_x"/>
-                                          </p:val>
-                                        </p:tav>
-                                        <p:tav tm="100000">
-                                          <p:val>
-                                            <p:strVal val="#ppt_x"/>
-                                          </p:val>
-                                        </p:tav>
-                                      </p:tavLst>
-                                    </p:anim>
-                                    <p:anim calcmode="lin" valueType="num">
-                                      <p:cBhvr>
-                                        <p:cTn id="58" dur="500" fill="hold"/>
-                                        <p:tgtEl>
-                                          <p:spTgt spid="18"/>
-                                        </p:tgtEl>
-                                        <p:attrNameLst>
-                                          <p:attrName>ppt_y</p:attrName>
-                                        </p:attrNameLst>
-                                      </p:cBhvr>
-                                      <p:tavLst>
-                                        <p:tav tm="0">
-                                          <p:val>
-                                            <p:strVal val="#ppt_y-.1"/>
-                                          </p:val>
-                                        </p:tav>
-                                        <p:tav tm="100000">
-                                          <p:val>
-                                            <p:strVal val="#ppt_y"/>
-                                          </p:val>
-                                        </p:tav>
-                                      </p:tavLst>
-                                    </p:anim>
-                                  </p:childTnLst>
-                                </p:cTn>
-                              </p:par>
-                              <p:par>
-                                <p:cTn id="59" presetID="26" presetClass="emph" presetSubtype="0" repeatCount="5000" fill="hold" grpId="1" nodeType="withEffect">
-                                  <p:stCondLst>
-                                    <p:cond delay="0"/>
-                                  </p:stCondLst>
-                                  <p:childTnLst>
-                                    <p:animEffect transition="out" filter="fade">
-                                      <p:cBhvr>
-                                        <p:cTn id="60" dur="1000" tmFilter="0, 0; .2, .5; .8, .5; 1, 0"/>
-                                        <p:tgtEl>
-                                          <p:spTgt spid="18"/>
-                                        </p:tgtEl>
-                                      </p:cBhvr>
-                                    </p:animEffect>
-                                    <p:animScale>
-                                      <p:cBhvr>
-                                        <p:cTn id="61" dur="500" autoRev="1" fill="hold"/>
-                                        <p:tgtEl>
-                                          <p:spTgt spid="18"/>
-                                        </p:tgtEl>
-                                      </p:cBhvr>
-                                      <p:by x="105000" y="105000"/>
-                                    </p:animScale>
-                                  </p:childTnLst>
-                                </p:cTn>
-                              </p:par>
-                            </p:childTnLst>
-                          </p:cTn>
-                        </p:par>
-                      </p:childTnLst>
-                    </p:cTn>
-                  </p:par>
-                  <p:par>
-                    <p:cTn id="62" fill="hold">
-                      <p:stCondLst>
-                        <p:cond delay="indefinite"/>
-                      </p:stCondLst>
-                      <p:childTnLst>
-                        <p:par>
-                          <p:cTn id="63" fill="hold">
-                            <p:stCondLst>
-                              <p:cond delay="0"/>
-                            </p:stCondLst>
-                            <p:childTnLst>
-                              <p:par>
-                                <p:cTn id="64" presetID="47" presetClass="entr" presetSubtype="0" fill="hold" grpId="0" nodeType="clickEffect">
-                                  <p:stCondLst>
-                                    <p:cond delay="0"/>
-                                  </p:stCondLst>
-                                  <p:childTnLst>
-                                    <p:set>
-                                      <p:cBhvr>
-                                        <p:cTn id="65" dur="1" fill="hold">
-                                          <p:stCondLst>
-                                            <p:cond delay="0"/>
-                                          </p:stCondLst>
-                                        </p:cTn>
-                                        <p:tgtEl>
-                                          <p:spTgt spid="20"/>
-                                        </p:tgtEl>
-                                        <p:attrNameLst>
-                                          <p:attrName>style.visibility</p:attrName>
-                                        </p:attrNameLst>
-                                      </p:cBhvr>
-                                      <p:to>
-                                        <p:strVal val="visible"/>
-                                      </p:to>
-                                    </p:set>
-                                    <p:animEffect transition="in" filter="fade">
-                                      <p:cBhvr>
-                                        <p:cTn id="66" dur="500"/>
-                                        <p:tgtEl>
-                                          <p:spTgt spid="20"/>
-                                        </p:tgtEl>
-                                      </p:cBhvr>
-                                    </p:animEffect>
-                                    <p:anim calcmode="lin" valueType="num">
-                                      <p:cBhvr>
-                                        <p:cTn id="67" dur="500" fill="hold"/>
-                                        <p:tgtEl>
-                                          <p:spTgt spid="20"/>
-                                        </p:tgtEl>
-                                        <p:attrNameLst>
-                                          <p:attrName>ppt_x</p:attrName>
-                                        </p:attrNameLst>
-                                      </p:cBhvr>
-                                      <p:tavLst>
-                                        <p:tav tm="0">
-                                          <p:val>
-                                            <p:strVal val="#ppt_x"/>
-                                          </p:val>
-                                        </p:tav>
-                                        <p:tav tm="100000">
-                                          <p:val>
-                                            <p:strVal val="#ppt_x"/>
-                                          </p:val>
-                                        </p:tav>
-                                      </p:tavLst>
-                                    </p:anim>
-                                    <p:anim calcmode="lin" valueType="num">
-                                      <p:cBhvr>
-                                        <p:cTn id="68" dur="500" fill="hold"/>
-                                        <p:tgtEl>
-                                          <p:spTgt spid="20"/>
-                                        </p:tgtEl>
-                                        <p:attrNameLst>
-                                          <p:attrName>ppt_y</p:attrName>
-                                        </p:attrNameLst>
-                                      </p:cBhvr>
-                                      <p:tavLst>
-                                        <p:tav tm="0">
-                                          <p:val>
-                                            <p:strVal val="#ppt_y-.1"/>
-                                          </p:val>
-                                        </p:tav>
-                                        <p:tav tm="100000">
-                                          <p:val>
-                                            <p:strVal val="#ppt_y"/>
-                                          </p:val>
-                                        </p:tav>
-                                      </p:tavLst>
-                                    </p:anim>
-                                  </p:childTnLst>
-                                </p:cTn>
-                              </p:par>
-                              <p:par>
-                                <p:cTn id="69" presetID="26" presetClass="emph" presetSubtype="0" repeatCount="5000" fill="hold" grpId="1" nodeType="withEffect">
-                                  <p:stCondLst>
-                                    <p:cond delay="0"/>
-                                  </p:stCondLst>
-                                  <p:childTnLst>
-                                    <p:animEffect transition="out" filter="fade">
-                                      <p:cBhvr>
-                                        <p:cTn id="70" dur="1000" tmFilter="0, 0; .2, .5; .8, .5; 1, 0"/>
-                                        <p:tgtEl>
-                                          <p:spTgt spid="20"/>
-                                        </p:tgtEl>
-                                      </p:cBhvr>
-                                    </p:animEffect>
-                                    <p:animScale>
-                                      <p:cBhvr>
-                                        <p:cTn id="71" dur="500" autoRev="1" fill="hold"/>
-                                        <p:tgtEl>
-                                          <p:spTgt spid="20"/>
-                                        </p:tgtEl>
-                                      </p:cBhvr>
-                                      <p:by x="105000" y="105000"/>
-                                    </p:animScale>
-                                  </p:childTnLst>
-                                </p:cTn>
-                              </p:par>
-                            </p:childTnLst>
-                          </p:cTn>
-                        </p:par>
-                      </p:childTnLst>
-                    </p:cTn>
-                  </p:par>
-                </p:childTnLst>
-              </p:cTn>
-              <p:prevCondLst>
-                <p:cond evt="onPrev" delay="0">
-                  <p:tgtEl>
-                    <p:sldTgt/>
-                  </p:tgtEl>
-                </p:cond>
-              </p:prevCondLst>
-              <p:nextCondLst>
-                <p:cond evt="onNext" delay="0">
-                  <p:tgtEl>
-                    <p:sldTgt/>
-                  </p:tgtEl>
-                </p:cond>
-              </p:nextCondLst>
-            </p:seq>
-          </p:childTnLst>
-        </p:cTn>
-      </p:par>
-    </p:tnLst>
-    <p:bldLst>
-      <p:bldP spid="31" grpId="0" animBg="1"/>
-      <p:bldP spid="32" grpId="0" animBg="1"/>
-      <p:bldP spid="35" grpId="0" animBg="1"/>
-      <p:bldP spid="35" grpId="1" animBg="1"/>
-      <p:bldP spid="21" grpId="0" animBg="1"/>
-      <p:bldP spid="21" grpId="1" animBg="1"/>
-      <p:bldP spid="15" grpId="0" animBg="1"/>
-      <p:bldP spid="16" grpId="0" animBg="1"/>
-      <p:bldP spid="16" grpId="1" animBg="1"/>
-      <p:bldP spid="18" grpId="0" animBg="1"/>
-      <p:bldP spid="18" grpId="1" animBg="1"/>
-      <p:bldP spid="20" grpId="0" animBg="1"/>
-      <p:bldP spid="20" grpId="1" animBg="1"/>
-    </p:bldLst>
-  </p:timing>
 </p:sld>
 </file>
 

--- a/Kolloquium/Kolloquium.pptx
+++ b/Kolloquium/Kolloquium.pptx
@@ -5,33 +5,34 @@
     <p:sldMasterId id="2147483663" r:id="rId1"/>
   </p:sldMasterIdLst>
   <p:notesMasterIdLst>
-    <p:notesMasterId r:id="rId23"/>
+    <p:notesMasterId r:id="rId24"/>
   </p:notesMasterIdLst>
   <p:handoutMasterIdLst>
-    <p:handoutMasterId r:id="rId24"/>
+    <p:handoutMasterId r:id="rId25"/>
   </p:handoutMasterIdLst>
   <p:sldIdLst>
     <p:sldId id="279" r:id="rId2"/>
     <p:sldId id="287" r:id="rId3"/>
     <p:sldId id="305" r:id="rId4"/>
-    <p:sldId id="296" r:id="rId5"/>
-    <p:sldId id="295" r:id="rId6"/>
-    <p:sldId id="306" r:id="rId7"/>
-    <p:sldId id="307" r:id="rId8"/>
-    <p:sldId id="288" r:id="rId9"/>
-    <p:sldId id="308" r:id="rId10"/>
-    <p:sldId id="297" r:id="rId11"/>
-    <p:sldId id="289" r:id="rId12"/>
-    <p:sldId id="301" r:id="rId13"/>
-    <p:sldId id="300" r:id="rId14"/>
-    <p:sldId id="291" r:id="rId15"/>
-    <p:sldId id="302" r:id="rId16"/>
-    <p:sldId id="304" r:id="rId17"/>
-    <p:sldId id="277" r:id="rId18"/>
-    <p:sldId id="263" r:id="rId19"/>
-    <p:sldId id="268" r:id="rId20"/>
-    <p:sldId id="275" r:id="rId21"/>
-    <p:sldId id="276" r:id="rId22"/>
+    <p:sldId id="309" r:id="rId5"/>
+    <p:sldId id="296" r:id="rId6"/>
+    <p:sldId id="295" r:id="rId7"/>
+    <p:sldId id="306" r:id="rId8"/>
+    <p:sldId id="307" r:id="rId9"/>
+    <p:sldId id="288" r:id="rId10"/>
+    <p:sldId id="308" r:id="rId11"/>
+    <p:sldId id="297" r:id="rId12"/>
+    <p:sldId id="289" r:id="rId13"/>
+    <p:sldId id="301" r:id="rId14"/>
+    <p:sldId id="300" r:id="rId15"/>
+    <p:sldId id="291" r:id="rId16"/>
+    <p:sldId id="302" r:id="rId17"/>
+    <p:sldId id="304" r:id="rId18"/>
+    <p:sldId id="277" r:id="rId19"/>
+    <p:sldId id="263" r:id="rId20"/>
+    <p:sldId id="268" r:id="rId21"/>
+    <p:sldId id="275" r:id="rId22"/>
+    <p:sldId id="276" r:id="rId23"/>
   </p:sldIdLst>
   <p:sldSz cx="9144000" cy="5143500" type="screen16x9"/>
   <p:notesSz cx="6797675" cy="9874250"/>
@@ -141,6 +142,6819 @@
 </p:presentation>
 </file>
 
+<file path=ppt/diagrams/colors1.xml><?xml version="1.0" encoding="utf-8"?>
+<dgm:colorsDef xmlns:dgm="http://schemas.openxmlformats.org/drawingml/2006/diagram" xmlns:a="http://schemas.openxmlformats.org/drawingml/2006/main" uniqueId="urn:microsoft.com/office/officeart/2005/8/colors/accent1_2">
+  <dgm:title val=""/>
+  <dgm:desc val=""/>
+  <dgm:catLst>
+    <dgm:cat type="accent1" pri="11200"/>
+  </dgm:catLst>
+  <dgm:styleLbl name="node0">
+    <dgm:fillClrLst meth="repeat">
+      <a:schemeClr val="accent1"/>
+    </dgm:fillClrLst>
+    <dgm:linClrLst meth="repeat">
+      <a:schemeClr val="lt1"/>
+    </dgm:linClrLst>
+    <dgm:effectClrLst/>
+    <dgm:txLinClrLst/>
+    <dgm:txFillClrLst/>
+    <dgm:txEffectClrLst/>
+  </dgm:styleLbl>
+  <dgm:styleLbl name="alignNode1">
+    <dgm:fillClrLst meth="repeat">
+      <a:schemeClr val="accent1"/>
+    </dgm:fillClrLst>
+    <dgm:linClrLst meth="repeat">
+      <a:schemeClr val="accent1"/>
+    </dgm:linClrLst>
+    <dgm:effectClrLst/>
+    <dgm:txLinClrLst/>
+    <dgm:txFillClrLst/>
+    <dgm:txEffectClrLst/>
+  </dgm:styleLbl>
+  <dgm:styleLbl name="node1">
+    <dgm:fillClrLst meth="repeat">
+      <a:schemeClr val="accent1"/>
+    </dgm:fillClrLst>
+    <dgm:linClrLst meth="repeat">
+      <a:schemeClr val="lt1"/>
+    </dgm:linClrLst>
+    <dgm:effectClrLst/>
+    <dgm:txLinClrLst/>
+    <dgm:txFillClrLst/>
+    <dgm:txEffectClrLst/>
+  </dgm:styleLbl>
+  <dgm:styleLbl name="lnNode1">
+    <dgm:fillClrLst meth="repeat">
+      <a:schemeClr val="accent1"/>
+    </dgm:fillClrLst>
+    <dgm:linClrLst meth="repeat">
+      <a:schemeClr val="lt1"/>
+    </dgm:linClrLst>
+    <dgm:effectClrLst/>
+    <dgm:txLinClrLst/>
+    <dgm:txFillClrLst/>
+    <dgm:txEffectClrLst/>
+  </dgm:styleLbl>
+  <dgm:styleLbl name="vennNode1">
+    <dgm:fillClrLst meth="repeat">
+      <a:schemeClr val="accent1">
+        <a:alpha val="50000"/>
+      </a:schemeClr>
+    </dgm:fillClrLst>
+    <dgm:linClrLst meth="repeat">
+      <a:schemeClr val="lt1"/>
+    </dgm:linClrLst>
+    <dgm:effectClrLst/>
+    <dgm:txLinClrLst/>
+    <dgm:txFillClrLst/>
+    <dgm:txEffectClrLst/>
+  </dgm:styleLbl>
+  <dgm:styleLbl name="node2">
+    <dgm:fillClrLst meth="repeat">
+      <a:schemeClr val="accent1"/>
+    </dgm:fillClrLst>
+    <dgm:linClrLst meth="repeat">
+      <a:schemeClr val="lt1"/>
+    </dgm:linClrLst>
+    <dgm:effectClrLst/>
+    <dgm:txLinClrLst/>
+    <dgm:txFillClrLst/>
+    <dgm:txEffectClrLst/>
+  </dgm:styleLbl>
+  <dgm:styleLbl name="node3">
+    <dgm:fillClrLst meth="repeat">
+      <a:schemeClr val="accent1"/>
+    </dgm:fillClrLst>
+    <dgm:linClrLst meth="repeat">
+      <a:schemeClr val="lt1"/>
+    </dgm:linClrLst>
+    <dgm:effectClrLst/>
+    <dgm:txLinClrLst/>
+    <dgm:txFillClrLst/>
+    <dgm:txEffectClrLst/>
+  </dgm:styleLbl>
+  <dgm:styleLbl name="node4">
+    <dgm:fillClrLst meth="repeat">
+      <a:schemeClr val="accent1"/>
+    </dgm:fillClrLst>
+    <dgm:linClrLst meth="repeat">
+      <a:schemeClr val="lt1"/>
+    </dgm:linClrLst>
+    <dgm:effectClrLst/>
+    <dgm:txLinClrLst/>
+    <dgm:txFillClrLst/>
+    <dgm:txEffectClrLst/>
+  </dgm:styleLbl>
+  <dgm:styleLbl name="fgImgPlace1">
+    <dgm:fillClrLst meth="repeat">
+      <a:schemeClr val="accent1">
+        <a:tint val="50000"/>
+      </a:schemeClr>
+    </dgm:fillClrLst>
+    <dgm:linClrLst meth="repeat">
+      <a:schemeClr val="lt1"/>
+    </dgm:linClrLst>
+    <dgm:effectClrLst/>
+    <dgm:txLinClrLst/>
+    <dgm:txFillClrLst meth="repeat">
+      <a:schemeClr val="lt1"/>
+    </dgm:txFillClrLst>
+    <dgm:txEffectClrLst/>
+  </dgm:styleLbl>
+  <dgm:styleLbl name="alignImgPlace1">
+    <dgm:fillClrLst meth="repeat">
+      <a:schemeClr val="accent1">
+        <a:tint val="50000"/>
+      </a:schemeClr>
+    </dgm:fillClrLst>
+    <dgm:linClrLst meth="repeat">
+      <a:schemeClr val="lt1"/>
+    </dgm:linClrLst>
+    <dgm:effectClrLst/>
+    <dgm:txLinClrLst/>
+    <dgm:txFillClrLst meth="repeat">
+      <a:schemeClr val="lt1"/>
+    </dgm:txFillClrLst>
+    <dgm:txEffectClrLst/>
+  </dgm:styleLbl>
+  <dgm:styleLbl name="bgImgPlace1">
+    <dgm:fillClrLst meth="repeat">
+      <a:schemeClr val="accent1">
+        <a:tint val="50000"/>
+      </a:schemeClr>
+    </dgm:fillClrLst>
+    <dgm:linClrLst meth="repeat">
+      <a:schemeClr val="lt1"/>
+    </dgm:linClrLst>
+    <dgm:effectClrLst/>
+    <dgm:txLinClrLst/>
+    <dgm:txFillClrLst meth="repeat">
+      <a:schemeClr val="lt1"/>
+    </dgm:txFillClrLst>
+    <dgm:txEffectClrLst/>
+  </dgm:styleLbl>
+  <dgm:styleLbl name="sibTrans2D1">
+    <dgm:fillClrLst meth="repeat">
+      <a:schemeClr val="accent1">
+        <a:tint val="60000"/>
+      </a:schemeClr>
+    </dgm:fillClrLst>
+    <dgm:linClrLst meth="repeat">
+      <a:schemeClr val="accent1">
+        <a:tint val="60000"/>
+      </a:schemeClr>
+    </dgm:linClrLst>
+    <dgm:effectClrLst/>
+    <dgm:txLinClrLst/>
+    <dgm:txFillClrLst/>
+    <dgm:txEffectClrLst/>
+  </dgm:styleLbl>
+  <dgm:styleLbl name="fgSibTrans2D1">
+    <dgm:fillClrLst meth="repeat">
+      <a:schemeClr val="accent1">
+        <a:tint val="60000"/>
+      </a:schemeClr>
+    </dgm:fillClrLst>
+    <dgm:linClrLst meth="repeat">
+      <a:schemeClr val="accent1">
+        <a:tint val="60000"/>
+      </a:schemeClr>
+    </dgm:linClrLst>
+    <dgm:effectClrLst/>
+    <dgm:txLinClrLst/>
+    <dgm:txFillClrLst/>
+    <dgm:txEffectClrLst/>
+  </dgm:styleLbl>
+  <dgm:styleLbl name="bgSibTrans2D1">
+    <dgm:fillClrLst meth="repeat">
+      <a:schemeClr val="accent1">
+        <a:tint val="60000"/>
+      </a:schemeClr>
+    </dgm:fillClrLst>
+    <dgm:linClrLst meth="repeat">
+      <a:schemeClr val="accent1">
+        <a:tint val="60000"/>
+      </a:schemeClr>
+    </dgm:linClrLst>
+    <dgm:effectClrLst/>
+    <dgm:txLinClrLst/>
+    <dgm:txFillClrLst/>
+    <dgm:txEffectClrLst/>
+  </dgm:styleLbl>
+  <dgm:styleLbl name="sibTrans1D1">
+    <dgm:fillClrLst meth="repeat">
+      <a:schemeClr val="accent1"/>
+    </dgm:fillClrLst>
+    <dgm:linClrLst meth="repeat">
+      <a:schemeClr val="accent1"/>
+    </dgm:linClrLst>
+    <dgm:effectClrLst/>
+    <dgm:txLinClrLst/>
+    <dgm:txFillClrLst meth="repeat">
+      <a:schemeClr val="tx1"/>
+    </dgm:txFillClrLst>
+    <dgm:txEffectClrLst/>
+  </dgm:styleLbl>
+  <dgm:styleLbl name="callout">
+    <dgm:fillClrLst meth="repeat">
+      <a:schemeClr val="accent1"/>
+    </dgm:fillClrLst>
+    <dgm:linClrLst meth="repeat">
+      <a:schemeClr val="accent1">
+        <a:tint val="50000"/>
+      </a:schemeClr>
+    </dgm:linClrLst>
+    <dgm:effectClrLst/>
+    <dgm:txLinClrLst/>
+    <dgm:txFillClrLst meth="repeat">
+      <a:schemeClr val="tx1"/>
+    </dgm:txFillClrLst>
+    <dgm:txEffectClrLst/>
+  </dgm:styleLbl>
+  <dgm:styleLbl name="asst0">
+    <dgm:fillClrLst meth="repeat">
+      <a:schemeClr val="accent1"/>
+    </dgm:fillClrLst>
+    <dgm:linClrLst meth="repeat">
+      <a:schemeClr val="lt1"/>
+    </dgm:linClrLst>
+    <dgm:effectClrLst/>
+    <dgm:txLinClrLst/>
+    <dgm:txFillClrLst/>
+    <dgm:txEffectClrLst/>
+  </dgm:styleLbl>
+  <dgm:styleLbl name="asst1">
+    <dgm:fillClrLst meth="repeat">
+      <a:schemeClr val="accent1"/>
+    </dgm:fillClrLst>
+    <dgm:linClrLst meth="repeat">
+      <a:schemeClr val="lt1"/>
+    </dgm:linClrLst>
+    <dgm:effectClrLst/>
+    <dgm:txLinClrLst/>
+    <dgm:txFillClrLst/>
+    <dgm:txEffectClrLst/>
+  </dgm:styleLbl>
+  <dgm:styleLbl name="asst2">
+    <dgm:fillClrLst meth="repeat">
+      <a:schemeClr val="accent1"/>
+    </dgm:fillClrLst>
+    <dgm:linClrLst meth="repeat">
+      <a:schemeClr val="lt1"/>
+    </dgm:linClrLst>
+    <dgm:effectClrLst/>
+    <dgm:txLinClrLst/>
+    <dgm:txFillClrLst/>
+    <dgm:txEffectClrLst/>
+  </dgm:styleLbl>
+  <dgm:styleLbl name="asst3">
+    <dgm:fillClrLst meth="repeat">
+      <a:schemeClr val="accent1"/>
+    </dgm:fillClrLst>
+    <dgm:linClrLst meth="repeat">
+      <a:schemeClr val="lt1"/>
+    </dgm:linClrLst>
+    <dgm:effectClrLst/>
+    <dgm:txLinClrLst/>
+    <dgm:txFillClrLst/>
+    <dgm:txEffectClrLst/>
+  </dgm:styleLbl>
+  <dgm:styleLbl name="asst4">
+    <dgm:fillClrLst meth="repeat">
+      <a:schemeClr val="accent1"/>
+    </dgm:fillClrLst>
+    <dgm:linClrLst meth="repeat">
+      <a:schemeClr val="lt1"/>
+    </dgm:linClrLst>
+    <dgm:effectClrLst/>
+    <dgm:txLinClrLst/>
+    <dgm:txFillClrLst/>
+    <dgm:txEffectClrLst/>
+  </dgm:styleLbl>
+  <dgm:styleLbl name="parChTrans2D1">
+    <dgm:fillClrLst meth="repeat">
+      <a:schemeClr val="accent1">
+        <a:tint val="60000"/>
+      </a:schemeClr>
+    </dgm:fillClrLst>
+    <dgm:linClrLst meth="repeat">
+      <a:schemeClr val="accent1">
+        <a:tint val="60000"/>
+      </a:schemeClr>
+    </dgm:linClrLst>
+    <dgm:effectClrLst/>
+    <dgm:txLinClrLst/>
+    <dgm:txFillClrLst meth="repeat">
+      <a:schemeClr val="lt1"/>
+    </dgm:txFillClrLst>
+    <dgm:txEffectClrLst/>
+  </dgm:styleLbl>
+  <dgm:styleLbl name="parChTrans2D2">
+    <dgm:fillClrLst meth="repeat">
+      <a:schemeClr val="accent1"/>
+    </dgm:fillClrLst>
+    <dgm:linClrLst meth="repeat">
+      <a:schemeClr val="accent1"/>
+    </dgm:linClrLst>
+    <dgm:effectClrLst/>
+    <dgm:txLinClrLst/>
+    <dgm:txFillClrLst meth="repeat">
+      <a:schemeClr val="lt1"/>
+    </dgm:txFillClrLst>
+    <dgm:txEffectClrLst/>
+  </dgm:styleLbl>
+  <dgm:styleLbl name="parChTrans2D3">
+    <dgm:fillClrLst meth="repeat">
+      <a:schemeClr val="accent1"/>
+    </dgm:fillClrLst>
+    <dgm:linClrLst meth="repeat">
+      <a:schemeClr val="accent1"/>
+    </dgm:linClrLst>
+    <dgm:effectClrLst/>
+    <dgm:txLinClrLst/>
+    <dgm:txFillClrLst meth="repeat">
+      <a:schemeClr val="lt1"/>
+    </dgm:txFillClrLst>
+    <dgm:txEffectClrLst/>
+  </dgm:styleLbl>
+  <dgm:styleLbl name="parChTrans2D4">
+    <dgm:fillClrLst meth="repeat">
+      <a:schemeClr val="accent1"/>
+    </dgm:fillClrLst>
+    <dgm:linClrLst meth="repeat">
+      <a:schemeClr val="accent1"/>
+    </dgm:linClrLst>
+    <dgm:effectClrLst/>
+    <dgm:txLinClrLst/>
+    <dgm:txFillClrLst meth="repeat">
+      <a:schemeClr val="lt1"/>
+    </dgm:txFillClrLst>
+    <dgm:txEffectClrLst/>
+  </dgm:styleLbl>
+  <dgm:styleLbl name="parChTrans1D1">
+    <dgm:fillClrLst meth="repeat">
+      <a:schemeClr val="accent1"/>
+    </dgm:fillClrLst>
+    <dgm:linClrLst meth="repeat">
+      <a:schemeClr val="accent1">
+        <a:shade val="60000"/>
+      </a:schemeClr>
+    </dgm:linClrLst>
+    <dgm:effectClrLst/>
+    <dgm:txLinClrLst/>
+    <dgm:txFillClrLst meth="repeat">
+      <a:schemeClr val="tx1"/>
+    </dgm:txFillClrLst>
+    <dgm:txEffectClrLst/>
+  </dgm:styleLbl>
+  <dgm:styleLbl name="parChTrans1D2">
+    <dgm:fillClrLst meth="repeat">
+      <a:schemeClr val="accent1"/>
+    </dgm:fillClrLst>
+    <dgm:linClrLst meth="repeat">
+      <a:schemeClr val="accent1">
+        <a:shade val="60000"/>
+      </a:schemeClr>
+    </dgm:linClrLst>
+    <dgm:effectClrLst/>
+    <dgm:txLinClrLst/>
+    <dgm:txFillClrLst meth="repeat">
+      <a:schemeClr val="tx1"/>
+    </dgm:txFillClrLst>
+    <dgm:txEffectClrLst/>
+  </dgm:styleLbl>
+  <dgm:styleLbl name="parChTrans1D3">
+    <dgm:fillClrLst meth="repeat">
+      <a:schemeClr val="accent1"/>
+    </dgm:fillClrLst>
+    <dgm:linClrLst meth="repeat">
+      <a:schemeClr val="accent1">
+        <a:shade val="80000"/>
+      </a:schemeClr>
+    </dgm:linClrLst>
+    <dgm:effectClrLst/>
+    <dgm:txLinClrLst/>
+    <dgm:txFillClrLst meth="repeat">
+      <a:schemeClr val="tx1"/>
+    </dgm:txFillClrLst>
+    <dgm:txEffectClrLst/>
+  </dgm:styleLbl>
+  <dgm:styleLbl name="parChTrans1D4">
+    <dgm:fillClrLst meth="repeat">
+      <a:schemeClr val="accent1"/>
+    </dgm:fillClrLst>
+    <dgm:linClrLst meth="repeat">
+      <a:schemeClr val="accent1">
+        <a:shade val="80000"/>
+      </a:schemeClr>
+    </dgm:linClrLst>
+    <dgm:effectClrLst/>
+    <dgm:txLinClrLst/>
+    <dgm:txFillClrLst meth="repeat">
+      <a:schemeClr val="tx1"/>
+    </dgm:txFillClrLst>
+    <dgm:txEffectClrLst/>
+  </dgm:styleLbl>
+  <dgm:styleLbl name="fgAcc1">
+    <dgm:fillClrLst meth="repeat">
+      <a:schemeClr val="lt1">
+        <a:alpha val="90000"/>
+      </a:schemeClr>
+    </dgm:fillClrLst>
+    <dgm:linClrLst meth="repeat">
+      <a:schemeClr val="accent1"/>
+    </dgm:linClrLst>
+    <dgm:effectClrLst/>
+    <dgm:txLinClrLst/>
+    <dgm:txFillClrLst meth="repeat">
+      <a:schemeClr val="dk1"/>
+    </dgm:txFillClrLst>
+    <dgm:txEffectClrLst/>
+  </dgm:styleLbl>
+  <dgm:styleLbl name="conFgAcc1">
+    <dgm:fillClrLst meth="repeat">
+      <a:schemeClr val="lt1">
+        <a:alpha val="90000"/>
+      </a:schemeClr>
+    </dgm:fillClrLst>
+    <dgm:linClrLst meth="repeat">
+      <a:schemeClr val="accent1"/>
+    </dgm:linClrLst>
+    <dgm:effectClrLst/>
+    <dgm:txLinClrLst/>
+    <dgm:txFillClrLst meth="repeat">
+      <a:schemeClr val="dk1"/>
+    </dgm:txFillClrLst>
+    <dgm:txEffectClrLst/>
+  </dgm:styleLbl>
+  <dgm:styleLbl name="alignAcc1">
+    <dgm:fillClrLst meth="repeat">
+      <a:schemeClr val="lt1">
+        <a:alpha val="90000"/>
+      </a:schemeClr>
+    </dgm:fillClrLst>
+    <dgm:linClrLst meth="repeat">
+      <a:schemeClr val="accent1"/>
+    </dgm:linClrLst>
+    <dgm:effectClrLst/>
+    <dgm:txLinClrLst/>
+    <dgm:txFillClrLst meth="repeat">
+      <a:schemeClr val="dk1"/>
+    </dgm:txFillClrLst>
+    <dgm:txEffectClrLst/>
+  </dgm:styleLbl>
+  <dgm:styleLbl name="trAlignAcc1">
+    <dgm:fillClrLst meth="repeat">
+      <a:schemeClr val="lt1">
+        <a:alpha val="40000"/>
+      </a:schemeClr>
+    </dgm:fillClrLst>
+    <dgm:linClrLst meth="repeat">
+      <a:schemeClr val="accent1"/>
+    </dgm:linClrLst>
+    <dgm:effectClrLst/>
+    <dgm:txLinClrLst/>
+    <dgm:txFillClrLst meth="repeat">
+      <a:schemeClr val="dk1"/>
+    </dgm:txFillClrLst>
+    <dgm:txEffectClrLst/>
+  </dgm:styleLbl>
+  <dgm:styleLbl name="bgAcc1">
+    <dgm:fillClrLst meth="repeat">
+      <a:schemeClr val="lt1">
+        <a:alpha val="90000"/>
+      </a:schemeClr>
+    </dgm:fillClrLst>
+    <dgm:linClrLst meth="repeat">
+      <a:schemeClr val="accent1"/>
+    </dgm:linClrLst>
+    <dgm:effectClrLst/>
+    <dgm:txLinClrLst/>
+    <dgm:txFillClrLst meth="repeat">
+      <a:schemeClr val="dk1"/>
+    </dgm:txFillClrLst>
+    <dgm:txEffectClrLst/>
+  </dgm:styleLbl>
+  <dgm:styleLbl name="solidFgAcc1">
+    <dgm:fillClrLst meth="repeat">
+      <a:schemeClr val="lt1"/>
+    </dgm:fillClrLst>
+    <dgm:linClrLst meth="repeat">
+      <a:schemeClr val="accent1"/>
+    </dgm:linClrLst>
+    <dgm:effectClrLst/>
+    <dgm:txLinClrLst/>
+    <dgm:txFillClrLst meth="repeat">
+      <a:schemeClr val="dk1"/>
+    </dgm:txFillClrLst>
+    <dgm:txEffectClrLst/>
+  </dgm:styleLbl>
+  <dgm:styleLbl name="solidAlignAcc1">
+    <dgm:fillClrLst meth="repeat">
+      <a:schemeClr val="lt1"/>
+    </dgm:fillClrLst>
+    <dgm:linClrLst meth="repeat">
+      <a:schemeClr val="accent1"/>
+    </dgm:linClrLst>
+    <dgm:effectClrLst/>
+    <dgm:txLinClrLst/>
+    <dgm:txFillClrLst meth="repeat">
+      <a:schemeClr val="dk1"/>
+    </dgm:txFillClrLst>
+    <dgm:txEffectClrLst/>
+  </dgm:styleLbl>
+  <dgm:styleLbl name="solidBgAcc1">
+    <dgm:fillClrLst meth="repeat">
+      <a:schemeClr val="lt1"/>
+    </dgm:fillClrLst>
+    <dgm:linClrLst meth="repeat">
+      <a:schemeClr val="accent1"/>
+    </dgm:linClrLst>
+    <dgm:effectClrLst/>
+    <dgm:txLinClrLst/>
+    <dgm:txFillClrLst meth="repeat">
+      <a:schemeClr val="dk1"/>
+    </dgm:txFillClrLst>
+    <dgm:txEffectClrLst/>
+  </dgm:styleLbl>
+  <dgm:styleLbl name="fgAccFollowNode1">
+    <dgm:fillClrLst meth="repeat">
+      <a:schemeClr val="accent1">
+        <a:alpha val="90000"/>
+        <a:tint val="40000"/>
+      </a:schemeClr>
+    </dgm:fillClrLst>
+    <dgm:linClrLst meth="repeat">
+      <a:schemeClr val="accent1">
+        <a:alpha val="90000"/>
+        <a:tint val="40000"/>
+      </a:schemeClr>
+    </dgm:linClrLst>
+    <dgm:effectClrLst/>
+    <dgm:txLinClrLst/>
+    <dgm:txFillClrLst meth="repeat">
+      <a:schemeClr val="dk1"/>
+    </dgm:txFillClrLst>
+    <dgm:txEffectClrLst/>
+  </dgm:styleLbl>
+  <dgm:styleLbl name="alignAccFollowNode1">
+    <dgm:fillClrLst meth="repeat">
+      <a:schemeClr val="accent1">
+        <a:alpha val="90000"/>
+        <a:tint val="40000"/>
+      </a:schemeClr>
+    </dgm:fillClrLst>
+    <dgm:linClrLst meth="repeat">
+      <a:schemeClr val="accent1">
+        <a:alpha val="90000"/>
+        <a:tint val="40000"/>
+      </a:schemeClr>
+    </dgm:linClrLst>
+    <dgm:effectClrLst/>
+    <dgm:txLinClrLst/>
+    <dgm:txFillClrLst meth="repeat">
+      <a:schemeClr val="dk1"/>
+    </dgm:txFillClrLst>
+    <dgm:txEffectClrLst/>
+  </dgm:styleLbl>
+  <dgm:styleLbl name="bgAccFollowNode1">
+    <dgm:fillClrLst meth="repeat">
+      <a:schemeClr val="accent1">
+        <a:alpha val="90000"/>
+        <a:tint val="40000"/>
+      </a:schemeClr>
+    </dgm:fillClrLst>
+    <dgm:linClrLst meth="repeat">
+      <a:schemeClr val="accent1">
+        <a:alpha val="90000"/>
+        <a:tint val="40000"/>
+      </a:schemeClr>
+    </dgm:linClrLst>
+    <dgm:effectClrLst/>
+    <dgm:txLinClrLst/>
+    <dgm:txFillClrLst meth="repeat">
+      <a:schemeClr val="dk1"/>
+    </dgm:txFillClrLst>
+    <dgm:txEffectClrLst/>
+  </dgm:styleLbl>
+  <dgm:styleLbl name="fgAcc0">
+    <dgm:fillClrLst meth="repeat">
+      <a:schemeClr val="lt1">
+        <a:alpha val="90000"/>
+      </a:schemeClr>
+    </dgm:fillClrLst>
+    <dgm:linClrLst meth="repeat">
+      <a:schemeClr val="accent1"/>
+    </dgm:linClrLst>
+    <dgm:effectClrLst/>
+    <dgm:txLinClrLst/>
+    <dgm:txFillClrLst meth="repeat">
+      <a:schemeClr val="dk1"/>
+    </dgm:txFillClrLst>
+    <dgm:txEffectClrLst/>
+  </dgm:styleLbl>
+  <dgm:styleLbl name="fgAcc2">
+    <dgm:fillClrLst meth="repeat">
+      <a:schemeClr val="lt1">
+        <a:alpha val="90000"/>
+      </a:schemeClr>
+    </dgm:fillClrLst>
+    <dgm:linClrLst meth="repeat">
+      <a:schemeClr val="accent1"/>
+    </dgm:linClrLst>
+    <dgm:effectClrLst/>
+    <dgm:txLinClrLst/>
+    <dgm:txFillClrLst meth="repeat">
+      <a:schemeClr val="dk1"/>
+    </dgm:txFillClrLst>
+    <dgm:txEffectClrLst/>
+  </dgm:styleLbl>
+  <dgm:styleLbl name="fgAcc3">
+    <dgm:fillClrLst meth="repeat">
+      <a:schemeClr val="lt1">
+        <a:alpha val="90000"/>
+      </a:schemeClr>
+    </dgm:fillClrLst>
+    <dgm:linClrLst meth="repeat">
+      <a:schemeClr val="accent1"/>
+    </dgm:linClrLst>
+    <dgm:effectClrLst/>
+    <dgm:txLinClrLst/>
+    <dgm:txFillClrLst meth="repeat">
+      <a:schemeClr val="dk1"/>
+    </dgm:txFillClrLst>
+    <dgm:txEffectClrLst/>
+  </dgm:styleLbl>
+  <dgm:styleLbl name="fgAcc4">
+    <dgm:fillClrLst meth="repeat">
+      <a:schemeClr val="lt1">
+        <a:alpha val="90000"/>
+      </a:schemeClr>
+    </dgm:fillClrLst>
+    <dgm:linClrLst meth="repeat">
+      <a:schemeClr val="accent1"/>
+    </dgm:linClrLst>
+    <dgm:effectClrLst/>
+    <dgm:txLinClrLst/>
+    <dgm:txFillClrLst meth="repeat">
+      <a:schemeClr val="dk1"/>
+    </dgm:txFillClrLst>
+    <dgm:txEffectClrLst/>
+  </dgm:styleLbl>
+  <dgm:styleLbl name="bgShp">
+    <dgm:fillClrLst meth="repeat">
+      <a:schemeClr val="accent1">
+        <a:tint val="40000"/>
+      </a:schemeClr>
+    </dgm:fillClrLst>
+    <dgm:linClrLst meth="repeat">
+      <a:schemeClr val="accent1"/>
+    </dgm:linClrLst>
+    <dgm:effectClrLst/>
+    <dgm:txLinClrLst/>
+    <dgm:txFillClrLst meth="repeat">
+      <a:schemeClr val="dk1"/>
+    </dgm:txFillClrLst>
+    <dgm:txEffectClrLst/>
+  </dgm:styleLbl>
+  <dgm:styleLbl name="dkBgShp">
+    <dgm:fillClrLst meth="repeat">
+      <a:schemeClr val="accent1">
+        <a:shade val="80000"/>
+      </a:schemeClr>
+    </dgm:fillClrLst>
+    <dgm:linClrLst meth="repeat">
+      <a:schemeClr val="accent1"/>
+    </dgm:linClrLst>
+    <dgm:effectClrLst/>
+    <dgm:txLinClrLst/>
+    <dgm:txFillClrLst meth="repeat">
+      <a:schemeClr val="lt1"/>
+    </dgm:txFillClrLst>
+    <dgm:txEffectClrLst/>
+  </dgm:styleLbl>
+  <dgm:styleLbl name="trBgShp">
+    <dgm:fillClrLst meth="repeat">
+      <a:schemeClr val="accent1">
+        <a:tint val="50000"/>
+        <a:alpha val="40000"/>
+      </a:schemeClr>
+    </dgm:fillClrLst>
+    <dgm:linClrLst meth="repeat">
+      <a:schemeClr val="accent1"/>
+    </dgm:linClrLst>
+    <dgm:effectClrLst/>
+    <dgm:txLinClrLst/>
+    <dgm:txFillClrLst meth="repeat">
+      <a:schemeClr val="lt1"/>
+    </dgm:txFillClrLst>
+    <dgm:txEffectClrLst/>
+  </dgm:styleLbl>
+  <dgm:styleLbl name="fgShp">
+    <dgm:fillClrLst meth="repeat">
+      <a:schemeClr val="accent1">
+        <a:tint val="60000"/>
+      </a:schemeClr>
+    </dgm:fillClrLst>
+    <dgm:linClrLst meth="repeat">
+      <a:schemeClr val="lt1"/>
+    </dgm:linClrLst>
+    <dgm:effectClrLst/>
+    <dgm:txLinClrLst/>
+    <dgm:txFillClrLst meth="repeat">
+      <a:schemeClr val="dk1"/>
+    </dgm:txFillClrLst>
+    <dgm:txEffectClrLst/>
+  </dgm:styleLbl>
+  <dgm:styleLbl name="revTx">
+    <dgm:fillClrLst meth="repeat">
+      <a:schemeClr val="lt1">
+        <a:alpha val="0"/>
+      </a:schemeClr>
+    </dgm:fillClrLst>
+    <dgm:linClrLst meth="repeat">
+      <a:schemeClr val="dk1">
+        <a:alpha val="0"/>
+      </a:schemeClr>
+    </dgm:linClrLst>
+    <dgm:effectClrLst/>
+    <dgm:txLinClrLst/>
+    <dgm:txFillClrLst meth="repeat">
+      <a:schemeClr val="tx1"/>
+    </dgm:txFillClrLst>
+    <dgm:txEffectClrLst/>
+  </dgm:styleLbl>
+</dgm:colorsDef>
+</file>
+
+<file path=ppt/diagrams/colors2.xml><?xml version="1.0" encoding="utf-8"?>
+<dgm:colorsDef xmlns:dgm="http://schemas.openxmlformats.org/drawingml/2006/diagram" xmlns:a="http://schemas.openxmlformats.org/drawingml/2006/main" uniqueId="urn:microsoft.com/office/officeart/2005/8/colors/accent1_2">
+  <dgm:title val=""/>
+  <dgm:desc val=""/>
+  <dgm:catLst>
+    <dgm:cat type="accent1" pri="11200"/>
+  </dgm:catLst>
+  <dgm:styleLbl name="node0">
+    <dgm:fillClrLst meth="repeat">
+      <a:schemeClr val="accent1"/>
+    </dgm:fillClrLst>
+    <dgm:linClrLst meth="repeat">
+      <a:schemeClr val="lt1"/>
+    </dgm:linClrLst>
+    <dgm:effectClrLst/>
+    <dgm:txLinClrLst/>
+    <dgm:txFillClrLst/>
+    <dgm:txEffectClrLst/>
+  </dgm:styleLbl>
+  <dgm:styleLbl name="alignNode1">
+    <dgm:fillClrLst meth="repeat">
+      <a:schemeClr val="accent1"/>
+    </dgm:fillClrLst>
+    <dgm:linClrLst meth="repeat">
+      <a:schemeClr val="accent1"/>
+    </dgm:linClrLst>
+    <dgm:effectClrLst/>
+    <dgm:txLinClrLst/>
+    <dgm:txFillClrLst/>
+    <dgm:txEffectClrLst/>
+  </dgm:styleLbl>
+  <dgm:styleLbl name="node1">
+    <dgm:fillClrLst meth="repeat">
+      <a:schemeClr val="accent1"/>
+    </dgm:fillClrLst>
+    <dgm:linClrLst meth="repeat">
+      <a:schemeClr val="lt1"/>
+    </dgm:linClrLst>
+    <dgm:effectClrLst/>
+    <dgm:txLinClrLst/>
+    <dgm:txFillClrLst/>
+    <dgm:txEffectClrLst/>
+  </dgm:styleLbl>
+  <dgm:styleLbl name="lnNode1">
+    <dgm:fillClrLst meth="repeat">
+      <a:schemeClr val="accent1"/>
+    </dgm:fillClrLst>
+    <dgm:linClrLst meth="repeat">
+      <a:schemeClr val="lt1"/>
+    </dgm:linClrLst>
+    <dgm:effectClrLst/>
+    <dgm:txLinClrLst/>
+    <dgm:txFillClrLst/>
+    <dgm:txEffectClrLst/>
+  </dgm:styleLbl>
+  <dgm:styleLbl name="vennNode1">
+    <dgm:fillClrLst meth="repeat">
+      <a:schemeClr val="accent1">
+        <a:alpha val="50000"/>
+      </a:schemeClr>
+    </dgm:fillClrLst>
+    <dgm:linClrLst meth="repeat">
+      <a:schemeClr val="lt1"/>
+    </dgm:linClrLst>
+    <dgm:effectClrLst/>
+    <dgm:txLinClrLst/>
+    <dgm:txFillClrLst/>
+    <dgm:txEffectClrLst/>
+  </dgm:styleLbl>
+  <dgm:styleLbl name="node2">
+    <dgm:fillClrLst meth="repeat">
+      <a:schemeClr val="accent1"/>
+    </dgm:fillClrLst>
+    <dgm:linClrLst meth="repeat">
+      <a:schemeClr val="lt1"/>
+    </dgm:linClrLst>
+    <dgm:effectClrLst/>
+    <dgm:txLinClrLst/>
+    <dgm:txFillClrLst/>
+    <dgm:txEffectClrLst/>
+  </dgm:styleLbl>
+  <dgm:styleLbl name="node3">
+    <dgm:fillClrLst meth="repeat">
+      <a:schemeClr val="accent1"/>
+    </dgm:fillClrLst>
+    <dgm:linClrLst meth="repeat">
+      <a:schemeClr val="lt1"/>
+    </dgm:linClrLst>
+    <dgm:effectClrLst/>
+    <dgm:txLinClrLst/>
+    <dgm:txFillClrLst/>
+    <dgm:txEffectClrLst/>
+  </dgm:styleLbl>
+  <dgm:styleLbl name="node4">
+    <dgm:fillClrLst meth="repeat">
+      <a:schemeClr val="accent1"/>
+    </dgm:fillClrLst>
+    <dgm:linClrLst meth="repeat">
+      <a:schemeClr val="lt1"/>
+    </dgm:linClrLst>
+    <dgm:effectClrLst/>
+    <dgm:txLinClrLst/>
+    <dgm:txFillClrLst/>
+    <dgm:txEffectClrLst/>
+  </dgm:styleLbl>
+  <dgm:styleLbl name="fgImgPlace1">
+    <dgm:fillClrLst meth="repeat">
+      <a:schemeClr val="accent1">
+        <a:tint val="50000"/>
+      </a:schemeClr>
+    </dgm:fillClrLst>
+    <dgm:linClrLst meth="repeat">
+      <a:schemeClr val="lt1"/>
+    </dgm:linClrLst>
+    <dgm:effectClrLst/>
+    <dgm:txLinClrLst/>
+    <dgm:txFillClrLst meth="repeat">
+      <a:schemeClr val="lt1"/>
+    </dgm:txFillClrLst>
+    <dgm:txEffectClrLst/>
+  </dgm:styleLbl>
+  <dgm:styleLbl name="alignImgPlace1">
+    <dgm:fillClrLst meth="repeat">
+      <a:schemeClr val="accent1">
+        <a:tint val="50000"/>
+      </a:schemeClr>
+    </dgm:fillClrLst>
+    <dgm:linClrLst meth="repeat">
+      <a:schemeClr val="lt1"/>
+    </dgm:linClrLst>
+    <dgm:effectClrLst/>
+    <dgm:txLinClrLst/>
+    <dgm:txFillClrLst meth="repeat">
+      <a:schemeClr val="lt1"/>
+    </dgm:txFillClrLst>
+    <dgm:txEffectClrLst/>
+  </dgm:styleLbl>
+  <dgm:styleLbl name="bgImgPlace1">
+    <dgm:fillClrLst meth="repeat">
+      <a:schemeClr val="accent1">
+        <a:tint val="50000"/>
+      </a:schemeClr>
+    </dgm:fillClrLst>
+    <dgm:linClrLst meth="repeat">
+      <a:schemeClr val="lt1"/>
+    </dgm:linClrLst>
+    <dgm:effectClrLst/>
+    <dgm:txLinClrLst/>
+    <dgm:txFillClrLst meth="repeat">
+      <a:schemeClr val="lt1"/>
+    </dgm:txFillClrLst>
+    <dgm:txEffectClrLst/>
+  </dgm:styleLbl>
+  <dgm:styleLbl name="sibTrans2D1">
+    <dgm:fillClrLst meth="repeat">
+      <a:schemeClr val="accent1">
+        <a:tint val="60000"/>
+      </a:schemeClr>
+    </dgm:fillClrLst>
+    <dgm:linClrLst meth="repeat">
+      <a:schemeClr val="accent1">
+        <a:tint val="60000"/>
+      </a:schemeClr>
+    </dgm:linClrLst>
+    <dgm:effectClrLst/>
+    <dgm:txLinClrLst/>
+    <dgm:txFillClrLst/>
+    <dgm:txEffectClrLst/>
+  </dgm:styleLbl>
+  <dgm:styleLbl name="fgSibTrans2D1">
+    <dgm:fillClrLst meth="repeat">
+      <a:schemeClr val="accent1">
+        <a:tint val="60000"/>
+      </a:schemeClr>
+    </dgm:fillClrLst>
+    <dgm:linClrLst meth="repeat">
+      <a:schemeClr val="accent1">
+        <a:tint val="60000"/>
+      </a:schemeClr>
+    </dgm:linClrLst>
+    <dgm:effectClrLst/>
+    <dgm:txLinClrLst/>
+    <dgm:txFillClrLst/>
+    <dgm:txEffectClrLst/>
+  </dgm:styleLbl>
+  <dgm:styleLbl name="bgSibTrans2D1">
+    <dgm:fillClrLst meth="repeat">
+      <a:schemeClr val="accent1">
+        <a:tint val="60000"/>
+      </a:schemeClr>
+    </dgm:fillClrLst>
+    <dgm:linClrLst meth="repeat">
+      <a:schemeClr val="accent1">
+        <a:tint val="60000"/>
+      </a:schemeClr>
+    </dgm:linClrLst>
+    <dgm:effectClrLst/>
+    <dgm:txLinClrLst/>
+    <dgm:txFillClrLst/>
+    <dgm:txEffectClrLst/>
+  </dgm:styleLbl>
+  <dgm:styleLbl name="sibTrans1D1">
+    <dgm:fillClrLst meth="repeat">
+      <a:schemeClr val="accent1"/>
+    </dgm:fillClrLst>
+    <dgm:linClrLst meth="repeat">
+      <a:schemeClr val="accent1"/>
+    </dgm:linClrLst>
+    <dgm:effectClrLst/>
+    <dgm:txLinClrLst/>
+    <dgm:txFillClrLst meth="repeat">
+      <a:schemeClr val="tx1"/>
+    </dgm:txFillClrLst>
+    <dgm:txEffectClrLst/>
+  </dgm:styleLbl>
+  <dgm:styleLbl name="callout">
+    <dgm:fillClrLst meth="repeat">
+      <a:schemeClr val="accent1"/>
+    </dgm:fillClrLst>
+    <dgm:linClrLst meth="repeat">
+      <a:schemeClr val="accent1">
+        <a:tint val="50000"/>
+      </a:schemeClr>
+    </dgm:linClrLst>
+    <dgm:effectClrLst/>
+    <dgm:txLinClrLst/>
+    <dgm:txFillClrLst meth="repeat">
+      <a:schemeClr val="tx1"/>
+    </dgm:txFillClrLst>
+    <dgm:txEffectClrLst/>
+  </dgm:styleLbl>
+  <dgm:styleLbl name="asst0">
+    <dgm:fillClrLst meth="repeat">
+      <a:schemeClr val="accent1"/>
+    </dgm:fillClrLst>
+    <dgm:linClrLst meth="repeat">
+      <a:schemeClr val="lt1"/>
+    </dgm:linClrLst>
+    <dgm:effectClrLst/>
+    <dgm:txLinClrLst/>
+    <dgm:txFillClrLst/>
+    <dgm:txEffectClrLst/>
+  </dgm:styleLbl>
+  <dgm:styleLbl name="asst1">
+    <dgm:fillClrLst meth="repeat">
+      <a:schemeClr val="accent1"/>
+    </dgm:fillClrLst>
+    <dgm:linClrLst meth="repeat">
+      <a:schemeClr val="lt1"/>
+    </dgm:linClrLst>
+    <dgm:effectClrLst/>
+    <dgm:txLinClrLst/>
+    <dgm:txFillClrLst/>
+    <dgm:txEffectClrLst/>
+  </dgm:styleLbl>
+  <dgm:styleLbl name="asst2">
+    <dgm:fillClrLst meth="repeat">
+      <a:schemeClr val="accent1"/>
+    </dgm:fillClrLst>
+    <dgm:linClrLst meth="repeat">
+      <a:schemeClr val="lt1"/>
+    </dgm:linClrLst>
+    <dgm:effectClrLst/>
+    <dgm:txLinClrLst/>
+    <dgm:txFillClrLst/>
+    <dgm:txEffectClrLst/>
+  </dgm:styleLbl>
+  <dgm:styleLbl name="asst3">
+    <dgm:fillClrLst meth="repeat">
+      <a:schemeClr val="accent1"/>
+    </dgm:fillClrLst>
+    <dgm:linClrLst meth="repeat">
+      <a:schemeClr val="lt1"/>
+    </dgm:linClrLst>
+    <dgm:effectClrLst/>
+    <dgm:txLinClrLst/>
+    <dgm:txFillClrLst/>
+    <dgm:txEffectClrLst/>
+  </dgm:styleLbl>
+  <dgm:styleLbl name="asst4">
+    <dgm:fillClrLst meth="repeat">
+      <a:schemeClr val="accent1"/>
+    </dgm:fillClrLst>
+    <dgm:linClrLst meth="repeat">
+      <a:schemeClr val="lt1"/>
+    </dgm:linClrLst>
+    <dgm:effectClrLst/>
+    <dgm:txLinClrLst/>
+    <dgm:txFillClrLst/>
+    <dgm:txEffectClrLst/>
+  </dgm:styleLbl>
+  <dgm:styleLbl name="parChTrans2D1">
+    <dgm:fillClrLst meth="repeat">
+      <a:schemeClr val="accent1">
+        <a:tint val="60000"/>
+      </a:schemeClr>
+    </dgm:fillClrLst>
+    <dgm:linClrLst meth="repeat">
+      <a:schemeClr val="accent1">
+        <a:tint val="60000"/>
+      </a:schemeClr>
+    </dgm:linClrLst>
+    <dgm:effectClrLst/>
+    <dgm:txLinClrLst/>
+    <dgm:txFillClrLst meth="repeat">
+      <a:schemeClr val="lt1"/>
+    </dgm:txFillClrLst>
+    <dgm:txEffectClrLst/>
+  </dgm:styleLbl>
+  <dgm:styleLbl name="parChTrans2D2">
+    <dgm:fillClrLst meth="repeat">
+      <a:schemeClr val="accent1"/>
+    </dgm:fillClrLst>
+    <dgm:linClrLst meth="repeat">
+      <a:schemeClr val="accent1"/>
+    </dgm:linClrLst>
+    <dgm:effectClrLst/>
+    <dgm:txLinClrLst/>
+    <dgm:txFillClrLst meth="repeat">
+      <a:schemeClr val="lt1"/>
+    </dgm:txFillClrLst>
+    <dgm:txEffectClrLst/>
+  </dgm:styleLbl>
+  <dgm:styleLbl name="parChTrans2D3">
+    <dgm:fillClrLst meth="repeat">
+      <a:schemeClr val="accent1"/>
+    </dgm:fillClrLst>
+    <dgm:linClrLst meth="repeat">
+      <a:schemeClr val="accent1"/>
+    </dgm:linClrLst>
+    <dgm:effectClrLst/>
+    <dgm:txLinClrLst/>
+    <dgm:txFillClrLst meth="repeat">
+      <a:schemeClr val="lt1"/>
+    </dgm:txFillClrLst>
+    <dgm:txEffectClrLst/>
+  </dgm:styleLbl>
+  <dgm:styleLbl name="parChTrans2D4">
+    <dgm:fillClrLst meth="repeat">
+      <a:schemeClr val="accent1"/>
+    </dgm:fillClrLst>
+    <dgm:linClrLst meth="repeat">
+      <a:schemeClr val="accent1"/>
+    </dgm:linClrLst>
+    <dgm:effectClrLst/>
+    <dgm:txLinClrLst/>
+    <dgm:txFillClrLst meth="repeat">
+      <a:schemeClr val="lt1"/>
+    </dgm:txFillClrLst>
+    <dgm:txEffectClrLst/>
+  </dgm:styleLbl>
+  <dgm:styleLbl name="parChTrans1D1">
+    <dgm:fillClrLst meth="repeat">
+      <a:schemeClr val="accent1"/>
+    </dgm:fillClrLst>
+    <dgm:linClrLst meth="repeat">
+      <a:schemeClr val="accent1">
+        <a:shade val="60000"/>
+      </a:schemeClr>
+    </dgm:linClrLst>
+    <dgm:effectClrLst/>
+    <dgm:txLinClrLst/>
+    <dgm:txFillClrLst meth="repeat">
+      <a:schemeClr val="tx1"/>
+    </dgm:txFillClrLst>
+    <dgm:txEffectClrLst/>
+  </dgm:styleLbl>
+  <dgm:styleLbl name="parChTrans1D2">
+    <dgm:fillClrLst meth="repeat">
+      <a:schemeClr val="accent1"/>
+    </dgm:fillClrLst>
+    <dgm:linClrLst meth="repeat">
+      <a:schemeClr val="accent1">
+        <a:shade val="60000"/>
+      </a:schemeClr>
+    </dgm:linClrLst>
+    <dgm:effectClrLst/>
+    <dgm:txLinClrLst/>
+    <dgm:txFillClrLst meth="repeat">
+      <a:schemeClr val="tx1"/>
+    </dgm:txFillClrLst>
+    <dgm:txEffectClrLst/>
+  </dgm:styleLbl>
+  <dgm:styleLbl name="parChTrans1D3">
+    <dgm:fillClrLst meth="repeat">
+      <a:schemeClr val="accent1"/>
+    </dgm:fillClrLst>
+    <dgm:linClrLst meth="repeat">
+      <a:schemeClr val="accent1">
+        <a:shade val="80000"/>
+      </a:schemeClr>
+    </dgm:linClrLst>
+    <dgm:effectClrLst/>
+    <dgm:txLinClrLst/>
+    <dgm:txFillClrLst meth="repeat">
+      <a:schemeClr val="tx1"/>
+    </dgm:txFillClrLst>
+    <dgm:txEffectClrLst/>
+  </dgm:styleLbl>
+  <dgm:styleLbl name="parChTrans1D4">
+    <dgm:fillClrLst meth="repeat">
+      <a:schemeClr val="accent1"/>
+    </dgm:fillClrLst>
+    <dgm:linClrLst meth="repeat">
+      <a:schemeClr val="accent1">
+        <a:shade val="80000"/>
+      </a:schemeClr>
+    </dgm:linClrLst>
+    <dgm:effectClrLst/>
+    <dgm:txLinClrLst/>
+    <dgm:txFillClrLst meth="repeat">
+      <a:schemeClr val="tx1"/>
+    </dgm:txFillClrLst>
+    <dgm:txEffectClrLst/>
+  </dgm:styleLbl>
+  <dgm:styleLbl name="fgAcc1">
+    <dgm:fillClrLst meth="repeat">
+      <a:schemeClr val="lt1">
+        <a:alpha val="90000"/>
+      </a:schemeClr>
+    </dgm:fillClrLst>
+    <dgm:linClrLst meth="repeat">
+      <a:schemeClr val="accent1"/>
+    </dgm:linClrLst>
+    <dgm:effectClrLst/>
+    <dgm:txLinClrLst/>
+    <dgm:txFillClrLst meth="repeat">
+      <a:schemeClr val="dk1"/>
+    </dgm:txFillClrLst>
+    <dgm:txEffectClrLst/>
+  </dgm:styleLbl>
+  <dgm:styleLbl name="conFgAcc1">
+    <dgm:fillClrLst meth="repeat">
+      <a:schemeClr val="lt1">
+        <a:alpha val="90000"/>
+      </a:schemeClr>
+    </dgm:fillClrLst>
+    <dgm:linClrLst meth="repeat">
+      <a:schemeClr val="accent1"/>
+    </dgm:linClrLst>
+    <dgm:effectClrLst/>
+    <dgm:txLinClrLst/>
+    <dgm:txFillClrLst meth="repeat">
+      <a:schemeClr val="dk1"/>
+    </dgm:txFillClrLst>
+    <dgm:txEffectClrLst/>
+  </dgm:styleLbl>
+  <dgm:styleLbl name="alignAcc1">
+    <dgm:fillClrLst meth="repeat">
+      <a:schemeClr val="lt1">
+        <a:alpha val="90000"/>
+      </a:schemeClr>
+    </dgm:fillClrLst>
+    <dgm:linClrLst meth="repeat">
+      <a:schemeClr val="accent1"/>
+    </dgm:linClrLst>
+    <dgm:effectClrLst/>
+    <dgm:txLinClrLst/>
+    <dgm:txFillClrLst meth="repeat">
+      <a:schemeClr val="dk1"/>
+    </dgm:txFillClrLst>
+    <dgm:txEffectClrLst/>
+  </dgm:styleLbl>
+  <dgm:styleLbl name="trAlignAcc1">
+    <dgm:fillClrLst meth="repeat">
+      <a:schemeClr val="lt1">
+        <a:alpha val="40000"/>
+      </a:schemeClr>
+    </dgm:fillClrLst>
+    <dgm:linClrLst meth="repeat">
+      <a:schemeClr val="accent1"/>
+    </dgm:linClrLst>
+    <dgm:effectClrLst/>
+    <dgm:txLinClrLst/>
+    <dgm:txFillClrLst meth="repeat">
+      <a:schemeClr val="dk1"/>
+    </dgm:txFillClrLst>
+    <dgm:txEffectClrLst/>
+  </dgm:styleLbl>
+  <dgm:styleLbl name="bgAcc1">
+    <dgm:fillClrLst meth="repeat">
+      <a:schemeClr val="lt1">
+        <a:alpha val="90000"/>
+      </a:schemeClr>
+    </dgm:fillClrLst>
+    <dgm:linClrLst meth="repeat">
+      <a:schemeClr val="accent1"/>
+    </dgm:linClrLst>
+    <dgm:effectClrLst/>
+    <dgm:txLinClrLst/>
+    <dgm:txFillClrLst meth="repeat">
+      <a:schemeClr val="dk1"/>
+    </dgm:txFillClrLst>
+    <dgm:txEffectClrLst/>
+  </dgm:styleLbl>
+  <dgm:styleLbl name="solidFgAcc1">
+    <dgm:fillClrLst meth="repeat">
+      <a:schemeClr val="lt1"/>
+    </dgm:fillClrLst>
+    <dgm:linClrLst meth="repeat">
+      <a:schemeClr val="accent1"/>
+    </dgm:linClrLst>
+    <dgm:effectClrLst/>
+    <dgm:txLinClrLst/>
+    <dgm:txFillClrLst meth="repeat">
+      <a:schemeClr val="dk1"/>
+    </dgm:txFillClrLst>
+    <dgm:txEffectClrLst/>
+  </dgm:styleLbl>
+  <dgm:styleLbl name="solidAlignAcc1">
+    <dgm:fillClrLst meth="repeat">
+      <a:schemeClr val="lt1"/>
+    </dgm:fillClrLst>
+    <dgm:linClrLst meth="repeat">
+      <a:schemeClr val="accent1"/>
+    </dgm:linClrLst>
+    <dgm:effectClrLst/>
+    <dgm:txLinClrLst/>
+    <dgm:txFillClrLst meth="repeat">
+      <a:schemeClr val="dk1"/>
+    </dgm:txFillClrLst>
+    <dgm:txEffectClrLst/>
+  </dgm:styleLbl>
+  <dgm:styleLbl name="solidBgAcc1">
+    <dgm:fillClrLst meth="repeat">
+      <a:schemeClr val="lt1"/>
+    </dgm:fillClrLst>
+    <dgm:linClrLst meth="repeat">
+      <a:schemeClr val="accent1"/>
+    </dgm:linClrLst>
+    <dgm:effectClrLst/>
+    <dgm:txLinClrLst/>
+    <dgm:txFillClrLst meth="repeat">
+      <a:schemeClr val="dk1"/>
+    </dgm:txFillClrLst>
+    <dgm:txEffectClrLst/>
+  </dgm:styleLbl>
+  <dgm:styleLbl name="fgAccFollowNode1">
+    <dgm:fillClrLst meth="repeat">
+      <a:schemeClr val="accent1">
+        <a:alpha val="90000"/>
+        <a:tint val="40000"/>
+      </a:schemeClr>
+    </dgm:fillClrLst>
+    <dgm:linClrLst meth="repeat">
+      <a:schemeClr val="accent1">
+        <a:alpha val="90000"/>
+        <a:tint val="40000"/>
+      </a:schemeClr>
+    </dgm:linClrLst>
+    <dgm:effectClrLst/>
+    <dgm:txLinClrLst/>
+    <dgm:txFillClrLst meth="repeat">
+      <a:schemeClr val="dk1"/>
+    </dgm:txFillClrLst>
+    <dgm:txEffectClrLst/>
+  </dgm:styleLbl>
+  <dgm:styleLbl name="alignAccFollowNode1">
+    <dgm:fillClrLst meth="repeat">
+      <a:schemeClr val="accent1">
+        <a:alpha val="90000"/>
+        <a:tint val="40000"/>
+      </a:schemeClr>
+    </dgm:fillClrLst>
+    <dgm:linClrLst meth="repeat">
+      <a:schemeClr val="accent1">
+        <a:alpha val="90000"/>
+        <a:tint val="40000"/>
+      </a:schemeClr>
+    </dgm:linClrLst>
+    <dgm:effectClrLst/>
+    <dgm:txLinClrLst/>
+    <dgm:txFillClrLst meth="repeat">
+      <a:schemeClr val="dk1"/>
+    </dgm:txFillClrLst>
+    <dgm:txEffectClrLst/>
+  </dgm:styleLbl>
+  <dgm:styleLbl name="bgAccFollowNode1">
+    <dgm:fillClrLst meth="repeat">
+      <a:schemeClr val="accent1">
+        <a:alpha val="90000"/>
+        <a:tint val="40000"/>
+      </a:schemeClr>
+    </dgm:fillClrLst>
+    <dgm:linClrLst meth="repeat">
+      <a:schemeClr val="accent1">
+        <a:alpha val="90000"/>
+        <a:tint val="40000"/>
+      </a:schemeClr>
+    </dgm:linClrLst>
+    <dgm:effectClrLst/>
+    <dgm:txLinClrLst/>
+    <dgm:txFillClrLst meth="repeat">
+      <a:schemeClr val="dk1"/>
+    </dgm:txFillClrLst>
+    <dgm:txEffectClrLst/>
+  </dgm:styleLbl>
+  <dgm:styleLbl name="fgAcc0">
+    <dgm:fillClrLst meth="repeat">
+      <a:schemeClr val="lt1">
+        <a:alpha val="90000"/>
+      </a:schemeClr>
+    </dgm:fillClrLst>
+    <dgm:linClrLst meth="repeat">
+      <a:schemeClr val="accent1"/>
+    </dgm:linClrLst>
+    <dgm:effectClrLst/>
+    <dgm:txLinClrLst/>
+    <dgm:txFillClrLst meth="repeat">
+      <a:schemeClr val="dk1"/>
+    </dgm:txFillClrLst>
+    <dgm:txEffectClrLst/>
+  </dgm:styleLbl>
+  <dgm:styleLbl name="fgAcc2">
+    <dgm:fillClrLst meth="repeat">
+      <a:schemeClr val="lt1">
+        <a:alpha val="90000"/>
+      </a:schemeClr>
+    </dgm:fillClrLst>
+    <dgm:linClrLst meth="repeat">
+      <a:schemeClr val="accent1"/>
+    </dgm:linClrLst>
+    <dgm:effectClrLst/>
+    <dgm:txLinClrLst/>
+    <dgm:txFillClrLst meth="repeat">
+      <a:schemeClr val="dk1"/>
+    </dgm:txFillClrLst>
+    <dgm:txEffectClrLst/>
+  </dgm:styleLbl>
+  <dgm:styleLbl name="fgAcc3">
+    <dgm:fillClrLst meth="repeat">
+      <a:schemeClr val="lt1">
+        <a:alpha val="90000"/>
+      </a:schemeClr>
+    </dgm:fillClrLst>
+    <dgm:linClrLst meth="repeat">
+      <a:schemeClr val="accent1"/>
+    </dgm:linClrLst>
+    <dgm:effectClrLst/>
+    <dgm:txLinClrLst/>
+    <dgm:txFillClrLst meth="repeat">
+      <a:schemeClr val="dk1"/>
+    </dgm:txFillClrLst>
+    <dgm:txEffectClrLst/>
+  </dgm:styleLbl>
+  <dgm:styleLbl name="fgAcc4">
+    <dgm:fillClrLst meth="repeat">
+      <a:schemeClr val="lt1">
+        <a:alpha val="90000"/>
+      </a:schemeClr>
+    </dgm:fillClrLst>
+    <dgm:linClrLst meth="repeat">
+      <a:schemeClr val="accent1"/>
+    </dgm:linClrLst>
+    <dgm:effectClrLst/>
+    <dgm:txLinClrLst/>
+    <dgm:txFillClrLst meth="repeat">
+      <a:schemeClr val="dk1"/>
+    </dgm:txFillClrLst>
+    <dgm:txEffectClrLst/>
+  </dgm:styleLbl>
+  <dgm:styleLbl name="bgShp">
+    <dgm:fillClrLst meth="repeat">
+      <a:schemeClr val="accent1">
+        <a:tint val="40000"/>
+      </a:schemeClr>
+    </dgm:fillClrLst>
+    <dgm:linClrLst meth="repeat">
+      <a:schemeClr val="accent1"/>
+    </dgm:linClrLst>
+    <dgm:effectClrLst/>
+    <dgm:txLinClrLst/>
+    <dgm:txFillClrLst meth="repeat">
+      <a:schemeClr val="dk1"/>
+    </dgm:txFillClrLst>
+    <dgm:txEffectClrLst/>
+  </dgm:styleLbl>
+  <dgm:styleLbl name="dkBgShp">
+    <dgm:fillClrLst meth="repeat">
+      <a:schemeClr val="accent1">
+        <a:shade val="80000"/>
+      </a:schemeClr>
+    </dgm:fillClrLst>
+    <dgm:linClrLst meth="repeat">
+      <a:schemeClr val="accent1"/>
+    </dgm:linClrLst>
+    <dgm:effectClrLst/>
+    <dgm:txLinClrLst/>
+    <dgm:txFillClrLst meth="repeat">
+      <a:schemeClr val="lt1"/>
+    </dgm:txFillClrLst>
+    <dgm:txEffectClrLst/>
+  </dgm:styleLbl>
+  <dgm:styleLbl name="trBgShp">
+    <dgm:fillClrLst meth="repeat">
+      <a:schemeClr val="accent1">
+        <a:tint val="50000"/>
+        <a:alpha val="40000"/>
+      </a:schemeClr>
+    </dgm:fillClrLst>
+    <dgm:linClrLst meth="repeat">
+      <a:schemeClr val="accent1"/>
+    </dgm:linClrLst>
+    <dgm:effectClrLst/>
+    <dgm:txLinClrLst/>
+    <dgm:txFillClrLst meth="repeat">
+      <a:schemeClr val="lt1"/>
+    </dgm:txFillClrLst>
+    <dgm:txEffectClrLst/>
+  </dgm:styleLbl>
+  <dgm:styleLbl name="fgShp">
+    <dgm:fillClrLst meth="repeat">
+      <a:schemeClr val="accent1">
+        <a:tint val="60000"/>
+      </a:schemeClr>
+    </dgm:fillClrLst>
+    <dgm:linClrLst meth="repeat">
+      <a:schemeClr val="lt1"/>
+    </dgm:linClrLst>
+    <dgm:effectClrLst/>
+    <dgm:txLinClrLst/>
+    <dgm:txFillClrLst meth="repeat">
+      <a:schemeClr val="dk1"/>
+    </dgm:txFillClrLst>
+    <dgm:txEffectClrLst/>
+  </dgm:styleLbl>
+  <dgm:styleLbl name="revTx">
+    <dgm:fillClrLst meth="repeat">
+      <a:schemeClr val="lt1">
+        <a:alpha val="0"/>
+      </a:schemeClr>
+    </dgm:fillClrLst>
+    <dgm:linClrLst meth="repeat">
+      <a:schemeClr val="dk1">
+        <a:alpha val="0"/>
+      </a:schemeClr>
+    </dgm:linClrLst>
+    <dgm:effectClrLst/>
+    <dgm:txLinClrLst/>
+    <dgm:txFillClrLst meth="repeat">
+      <a:schemeClr val="tx1"/>
+    </dgm:txFillClrLst>
+    <dgm:txEffectClrLst/>
+  </dgm:styleLbl>
+</dgm:colorsDef>
+</file>
+
+<file path=ppt/diagrams/data1.xml><?xml version="1.0" encoding="utf-8"?>
+<dgm:dataModel xmlns:dgm="http://schemas.openxmlformats.org/drawingml/2006/diagram" xmlns:a="http://schemas.openxmlformats.org/drawingml/2006/main">
+  <dgm:ptLst>
+    <dgm:pt modelId="{35305242-E757-421D-BAF2-45B468B325E9}" type="doc">
+      <dgm:prSet loTypeId="urn:microsoft.com/office/officeart/2005/8/layout/cycle5" loCatId="cycle" qsTypeId="urn:microsoft.com/office/officeart/2005/8/quickstyle/3d5" qsCatId="3D" csTypeId="urn:microsoft.com/office/officeart/2005/8/colors/accent1_2" csCatId="accent1" phldr="1"/>
+      <dgm:spPr/>
+      <dgm:t>
+        <a:bodyPr/>
+        <a:lstStyle/>
+        <a:p>
+          <a:pPr latinLnBrk="1"/>
+          <a:endParaRPr lang="ko-KR" altLang="en-US"/>
+        </a:p>
+      </dgm:t>
+    </dgm:pt>
+    <dgm:pt modelId="{E5B08DCA-9889-456D-9E61-346B6482CC8F}">
+      <dgm:prSet phldrT="[텍스트]"/>
+      <dgm:spPr>
+        <a:solidFill>
+          <a:srgbClr val="02305A"/>
+        </a:solidFill>
+      </dgm:spPr>
+      <dgm:t>
+        <a:bodyPr/>
+        <a:lstStyle/>
+        <a:p>
+          <a:pPr latinLnBrk="1"/>
+          <a:r>
+            <a:rPr lang="en-US" altLang="ko-KR" dirty="0" err="1">
+              <a:latin typeface="Palatino Linotype" panose="02040502050505030304" pitchFamily="18" charset="0"/>
+            </a:rPr>
+            <a:t>Entfernen</a:t>
+          </a:r>
+          <a:r>
+            <a:rPr lang="en-US" altLang="ko-KR" dirty="0">
+              <a:latin typeface="Palatino Linotype" panose="02040502050505030304" pitchFamily="18" charset="0"/>
+            </a:rPr>
+            <a:t> un</a:t>
+          </a:r>
+          <a:r>
+            <a:rPr lang="de-DE" altLang="ko-KR" dirty="0">
+              <a:latin typeface="Palatino Linotype" panose="02040502050505030304" pitchFamily="18" charset="0"/>
+            </a:rPr>
+            <a:t>vollständiger </a:t>
+          </a:r>
+          <a:r>
+            <a:rPr lang="en-US" altLang="ko-KR" dirty="0" err="1">
+              <a:latin typeface="Palatino Linotype" panose="02040502050505030304" pitchFamily="18" charset="0"/>
+            </a:rPr>
+            <a:t>Daten</a:t>
+          </a:r>
+          <a:endParaRPr lang="ko-KR" altLang="en-US" dirty="0">
+            <a:latin typeface="Palatino Linotype" panose="02040502050505030304" pitchFamily="18" charset="0"/>
+          </a:endParaRPr>
+        </a:p>
+      </dgm:t>
+    </dgm:pt>
+    <dgm:pt modelId="{CD8DDBEA-EDB4-4667-B7E8-417DD02EC9DF}" type="parTrans" cxnId="{B062EC1E-C72D-418F-8E79-23B9F34B0200}">
+      <dgm:prSet/>
+      <dgm:spPr/>
+      <dgm:t>
+        <a:bodyPr/>
+        <a:lstStyle/>
+        <a:p>
+          <a:pPr latinLnBrk="1"/>
+          <a:endParaRPr lang="ko-KR" altLang="en-US">
+            <a:latin typeface="Palatino Linotype" panose="02040502050505030304" pitchFamily="18" charset="0"/>
+          </a:endParaRPr>
+        </a:p>
+      </dgm:t>
+    </dgm:pt>
+    <dgm:pt modelId="{B072B0CC-9B9A-4E62-93DB-B80E4BBEA298}" type="sibTrans" cxnId="{B062EC1E-C72D-418F-8E79-23B9F34B0200}">
+      <dgm:prSet/>
+      <dgm:spPr>
+        <a:ln w="31750">
+          <a:solidFill>
+            <a:srgbClr val="02305A"/>
+          </a:solidFill>
+        </a:ln>
+      </dgm:spPr>
+      <dgm:t>
+        <a:bodyPr/>
+        <a:lstStyle/>
+        <a:p>
+          <a:pPr latinLnBrk="1"/>
+          <a:endParaRPr lang="ko-KR" altLang="en-US">
+            <a:latin typeface="Palatino Linotype" panose="02040502050505030304" pitchFamily="18" charset="0"/>
+          </a:endParaRPr>
+        </a:p>
+      </dgm:t>
+    </dgm:pt>
+    <dgm:pt modelId="{943DBB35-2D60-4CA2-B62D-E86A5903155C}">
+      <dgm:prSet phldrT="[텍스트]"/>
+      <dgm:spPr>
+        <a:solidFill>
+          <a:srgbClr val="02305A"/>
+        </a:solidFill>
+      </dgm:spPr>
+      <dgm:t>
+        <a:bodyPr/>
+        <a:lstStyle/>
+        <a:p>
+          <a:pPr latinLnBrk="1"/>
+          <a:r>
+            <a:rPr lang="en-US" altLang="ko-KR" dirty="0" err="1">
+              <a:latin typeface="Palatino Linotype" panose="02040502050505030304" pitchFamily="18" charset="0"/>
+            </a:rPr>
+            <a:t>Entfernen</a:t>
+          </a:r>
+          <a:r>
+            <a:rPr lang="en-US" altLang="ko-KR" dirty="0">
+              <a:latin typeface="Palatino Linotype" panose="02040502050505030304" pitchFamily="18" charset="0"/>
+            </a:rPr>
+            <a:t> der </a:t>
+          </a:r>
+          <a:r>
+            <a:rPr lang="en-US" altLang="ko-KR" dirty="0" err="1">
+              <a:latin typeface="Palatino Linotype" panose="02040502050505030304" pitchFamily="18" charset="0"/>
+            </a:rPr>
+            <a:t>Anomaliedaten</a:t>
+          </a:r>
+          <a:endParaRPr lang="ko-KR" altLang="en-US" dirty="0">
+            <a:latin typeface="Palatino Linotype" panose="02040502050505030304" pitchFamily="18" charset="0"/>
+          </a:endParaRPr>
+        </a:p>
+      </dgm:t>
+    </dgm:pt>
+    <dgm:pt modelId="{828EB966-251A-411B-B5B4-24B4CDA92845}" type="parTrans" cxnId="{B2295D5B-4522-475C-ABE2-F89FB98ABA24}">
+      <dgm:prSet/>
+      <dgm:spPr/>
+      <dgm:t>
+        <a:bodyPr/>
+        <a:lstStyle/>
+        <a:p>
+          <a:pPr latinLnBrk="1"/>
+          <a:endParaRPr lang="ko-KR" altLang="en-US">
+            <a:latin typeface="Palatino Linotype" panose="02040502050505030304" pitchFamily="18" charset="0"/>
+          </a:endParaRPr>
+        </a:p>
+      </dgm:t>
+    </dgm:pt>
+    <dgm:pt modelId="{0CA6A66E-448E-4344-8665-762578B40DB9}" type="sibTrans" cxnId="{B2295D5B-4522-475C-ABE2-F89FB98ABA24}">
+      <dgm:prSet/>
+      <dgm:spPr>
+        <a:ln w="31750">
+          <a:solidFill>
+            <a:srgbClr val="02305A"/>
+          </a:solidFill>
+        </a:ln>
+      </dgm:spPr>
+      <dgm:t>
+        <a:bodyPr/>
+        <a:lstStyle/>
+        <a:p>
+          <a:pPr latinLnBrk="1"/>
+          <a:endParaRPr lang="ko-KR" altLang="en-US">
+            <a:latin typeface="Palatino Linotype" panose="02040502050505030304" pitchFamily="18" charset="0"/>
+          </a:endParaRPr>
+        </a:p>
+      </dgm:t>
+    </dgm:pt>
+    <dgm:pt modelId="{F5D95043-689D-478E-9DCF-79145D74A373}">
+      <dgm:prSet phldrT="[텍스트]"/>
+      <dgm:spPr>
+        <a:solidFill>
+          <a:srgbClr val="02305A"/>
+        </a:solidFill>
+      </dgm:spPr>
+      <dgm:t>
+        <a:bodyPr/>
+        <a:lstStyle/>
+        <a:p>
+          <a:pPr latinLnBrk="1"/>
+          <a:r>
+            <a:rPr lang="en-US" altLang="ko-KR" dirty="0" err="1">
+              <a:latin typeface="Palatino Linotype" panose="02040502050505030304" pitchFamily="18" charset="0"/>
+            </a:rPr>
+            <a:t>Datenbereinigung</a:t>
+          </a:r>
+          <a:endParaRPr lang="ko-KR" altLang="en-US" dirty="0">
+            <a:latin typeface="Palatino Linotype" panose="02040502050505030304" pitchFamily="18" charset="0"/>
+          </a:endParaRPr>
+        </a:p>
+      </dgm:t>
+    </dgm:pt>
+    <dgm:pt modelId="{6A51A49F-DFF8-4941-9A4B-530614140811}" type="parTrans" cxnId="{C8CD27DF-48D9-4D1A-8FCE-4938E4851E01}">
+      <dgm:prSet/>
+      <dgm:spPr/>
+      <dgm:t>
+        <a:bodyPr/>
+        <a:lstStyle/>
+        <a:p>
+          <a:pPr latinLnBrk="1"/>
+          <a:endParaRPr lang="ko-KR" altLang="en-US">
+            <a:latin typeface="Palatino Linotype" panose="02040502050505030304" pitchFamily="18" charset="0"/>
+          </a:endParaRPr>
+        </a:p>
+      </dgm:t>
+    </dgm:pt>
+    <dgm:pt modelId="{DAF9ED51-E79A-40B2-BFF2-535FAF081D56}" type="sibTrans" cxnId="{C8CD27DF-48D9-4D1A-8FCE-4938E4851E01}">
+      <dgm:prSet/>
+      <dgm:spPr>
+        <a:ln w="31750">
+          <a:solidFill>
+            <a:srgbClr val="02305A"/>
+          </a:solidFill>
+        </a:ln>
+      </dgm:spPr>
+      <dgm:t>
+        <a:bodyPr/>
+        <a:lstStyle/>
+        <a:p>
+          <a:pPr latinLnBrk="1"/>
+          <a:endParaRPr lang="ko-KR" altLang="en-US">
+            <a:latin typeface="Palatino Linotype" panose="02040502050505030304" pitchFamily="18" charset="0"/>
+          </a:endParaRPr>
+        </a:p>
+      </dgm:t>
+    </dgm:pt>
+    <dgm:pt modelId="{899F3441-5998-473E-B363-F6E1896B47B8}">
+      <dgm:prSet phldrT="[텍스트]"/>
+      <dgm:spPr>
+        <a:solidFill>
+          <a:srgbClr val="02305A"/>
+        </a:solidFill>
+      </dgm:spPr>
+      <dgm:t>
+        <a:bodyPr/>
+        <a:lstStyle/>
+        <a:p>
+          <a:pPr latinLnBrk="1"/>
+          <a:endParaRPr lang="ko-KR" altLang="en-US" dirty="0">
+            <a:latin typeface="Palatino Linotype" panose="02040502050505030304" pitchFamily="18" charset="0"/>
+          </a:endParaRPr>
+        </a:p>
+      </dgm:t>
+    </dgm:pt>
+    <dgm:pt modelId="{C75FB8E3-441B-4D5D-8BA9-2E18E04B675A}" type="parTrans" cxnId="{4EE91C7A-C1D9-4235-9066-46F215F0DDCD}">
+      <dgm:prSet/>
+      <dgm:spPr/>
+      <dgm:t>
+        <a:bodyPr/>
+        <a:lstStyle/>
+        <a:p>
+          <a:pPr latinLnBrk="1"/>
+          <a:endParaRPr lang="ko-KR" altLang="en-US"/>
+        </a:p>
+      </dgm:t>
+    </dgm:pt>
+    <dgm:pt modelId="{F4170429-8D3F-4969-B91E-AC3A9153E859}" type="sibTrans" cxnId="{4EE91C7A-C1D9-4235-9066-46F215F0DDCD}">
+      <dgm:prSet/>
+      <dgm:spPr/>
+      <dgm:t>
+        <a:bodyPr/>
+        <a:lstStyle/>
+        <a:p>
+          <a:pPr latinLnBrk="1"/>
+          <a:endParaRPr lang="ko-KR" altLang="en-US"/>
+        </a:p>
+      </dgm:t>
+    </dgm:pt>
+    <dgm:pt modelId="{1AAF8DAA-7FE7-4DC3-9FA9-BAB5A193E67F}">
+      <dgm:prSet phldrT="[텍스트]"/>
+      <dgm:spPr>
+        <a:solidFill>
+          <a:srgbClr val="02305A"/>
+        </a:solidFill>
+      </dgm:spPr>
+      <dgm:t>
+        <a:bodyPr/>
+        <a:lstStyle/>
+        <a:p>
+          <a:pPr latinLnBrk="1"/>
+          <a:endParaRPr lang="ko-KR" altLang="en-US" dirty="0">
+            <a:latin typeface="Palatino Linotype" panose="02040502050505030304" pitchFamily="18" charset="0"/>
+          </a:endParaRPr>
+        </a:p>
+      </dgm:t>
+    </dgm:pt>
+    <dgm:pt modelId="{2D089053-4A6A-4EF4-A57F-70BE7ED4C760}" type="parTrans" cxnId="{6C06A5F5-F8C9-45D8-9120-38C367953ECD}">
+      <dgm:prSet/>
+      <dgm:spPr/>
+      <dgm:t>
+        <a:bodyPr/>
+        <a:lstStyle/>
+        <a:p>
+          <a:pPr latinLnBrk="1"/>
+          <a:endParaRPr lang="ko-KR" altLang="en-US"/>
+        </a:p>
+      </dgm:t>
+    </dgm:pt>
+    <dgm:pt modelId="{CD6DF016-4216-4364-96C6-05726CE2C1DF}" type="sibTrans" cxnId="{6C06A5F5-F8C9-45D8-9120-38C367953ECD}">
+      <dgm:prSet/>
+      <dgm:spPr/>
+      <dgm:t>
+        <a:bodyPr/>
+        <a:lstStyle/>
+        <a:p>
+          <a:pPr latinLnBrk="1"/>
+          <a:endParaRPr lang="ko-KR" altLang="en-US"/>
+        </a:p>
+      </dgm:t>
+    </dgm:pt>
+    <dgm:pt modelId="{0D6D388D-C498-4788-9FB9-1355F25229E7}">
+      <dgm:prSet phldrT="[텍스트]"/>
+      <dgm:spPr>
+        <a:solidFill>
+          <a:srgbClr val="02305A"/>
+        </a:solidFill>
+      </dgm:spPr>
+      <dgm:t>
+        <a:bodyPr/>
+        <a:lstStyle/>
+        <a:p>
+          <a:pPr latinLnBrk="1"/>
+          <a:endParaRPr lang="ko-KR" altLang="en-US" dirty="0">
+            <a:latin typeface="Palatino Linotype" panose="02040502050505030304" pitchFamily="18" charset="0"/>
+          </a:endParaRPr>
+        </a:p>
+      </dgm:t>
+    </dgm:pt>
+    <dgm:pt modelId="{E9C01E1F-9381-4218-9BCB-964ACD067E5A}" type="sibTrans" cxnId="{BE3987B2-F1E0-4CDE-8CFB-8C574F8E7022}">
+      <dgm:prSet/>
+      <dgm:spPr>
+        <a:ln w="31750">
+          <a:solidFill>
+            <a:srgbClr val="02305A"/>
+          </a:solidFill>
+        </a:ln>
+      </dgm:spPr>
+      <dgm:t>
+        <a:bodyPr/>
+        <a:lstStyle/>
+        <a:p>
+          <a:pPr latinLnBrk="1"/>
+          <a:endParaRPr lang="ko-KR" altLang="en-US"/>
+        </a:p>
+      </dgm:t>
+    </dgm:pt>
+    <dgm:pt modelId="{B6F53765-BB1B-4471-BF3C-76300C4F60F4}" type="parTrans" cxnId="{BE3987B2-F1E0-4CDE-8CFB-8C574F8E7022}">
+      <dgm:prSet/>
+      <dgm:spPr/>
+      <dgm:t>
+        <a:bodyPr/>
+        <a:lstStyle/>
+        <a:p>
+          <a:pPr latinLnBrk="1"/>
+          <a:endParaRPr lang="ko-KR" altLang="en-US"/>
+        </a:p>
+      </dgm:t>
+    </dgm:pt>
+    <dgm:pt modelId="{2791ACC9-839D-4390-9778-661963D0C19E}" type="pres">
+      <dgm:prSet presAssocID="{35305242-E757-421D-BAF2-45B468B325E9}" presName="cycle" presStyleCnt="0">
+        <dgm:presLayoutVars>
+          <dgm:dir/>
+          <dgm:resizeHandles val="exact"/>
+        </dgm:presLayoutVars>
+      </dgm:prSet>
+      <dgm:spPr/>
+    </dgm:pt>
+    <dgm:pt modelId="{58B9514E-A927-4294-9ED4-5204981A04BA}" type="pres">
+      <dgm:prSet presAssocID="{0D6D388D-C498-4788-9FB9-1355F25229E7}" presName="node" presStyleLbl="node1" presStyleIdx="0" presStyleCnt="6" custRadScaleRad="176158" custRadScaleInc="-334874">
+        <dgm:presLayoutVars>
+          <dgm:bulletEnabled val="1"/>
+        </dgm:presLayoutVars>
+      </dgm:prSet>
+      <dgm:spPr/>
+    </dgm:pt>
+    <dgm:pt modelId="{6B147270-2AC8-4609-8D19-8399E0A07558}" type="pres">
+      <dgm:prSet presAssocID="{0D6D388D-C498-4788-9FB9-1355F25229E7}" presName="spNode" presStyleCnt="0"/>
+      <dgm:spPr/>
+    </dgm:pt>
+    <dgm:pt modelId="{FFAFAA70-DFC4-41DD-A721-E46A991CD4CF}" type="pres">
+      <dgm:prSet presAssocID="{E9C01E1F-9381-4218-9BCB-964ACD067E5A}" presName="sibTrans" presStyleLbl="sibTrans1D1" presStyleIdx="0" presStyleCnt="6"/>
+      <dgm:spPr/>
+    </dgm:pt>
+    <dgm:pt modelId="{FFC3AABA-57E9-4119-BBC3-F94F75C20B7F}" type="pres">
+      <dgm:prSet presAssocID="{E5B08DCA-9889-456D-9E61-346B6482CC8F}" presName="node" presStyleLbl="node1" presStyleIdx="1" presStyleCnt="6" custRadScaleRad="59854" custRadScaleInc="-38977">
+        <dgm:presLayoutVars>
+          <dgm:bulletEnabled val="1"/>
+        </dgm:presLayoutVars>
+      </dgm:prSet>
+      <dgm:spPr/>
+    </dgm:pt>
+    <dgm:pt modelId="{07CE22B9-08D1-468D-B226-BA2DF1262DC1}" type="pres">
+      <dgm:prSet presAssocID="{E5B08DCA-9889-456D-9E61-346B6482CC8F}" presName="spNode" presStyleCnt="0"/>
+      <dgm:spPr/>
+    </dgm:pt>
+    <dgm:pt modelId="{AB69BEC0-8296-4D79-8B4D-DB7A3D892A19}" type="pres">
+      <dgm:prSet presAssocID="{B072B0CC-9B9A-4E62-93DB-B80E4BBEA298}" presName="sibTrans" presStyleLbl="sibTrans1D1" presStyleIdx="1" presStyleCnt="6"/>
+      <dgm:spPr/>
+    </dgm:pt>
+    <dgm:pt modelId="{F4B42199-956C-4331-A5D5-288FFCE16D9D}" type="pres">
+      <dgm:prSet presAssocID="{943DBB35-2D60-4CA2-B62D-E86A5903155C}" presName="node" presStyleLbl="node1" presStyleIdx="2" presStyleCnt="6" custRadScaleRad="167315" custRadScaleInc="-130680">
+        <dgm:presLayoutVars>
+          <dgm:bulletEnabled val="1"/>
+        </dgm:presLayoutVars>
+      </dgm:prSet>
+      <dgm:spPr/>
+    </dgm:pt>
+    <dgm:pt modelId="{3359BA0B-045A-4EE0-8C08-F2DECADAFDD0}" type="pres">
+      <dgm:prSet presAssocID="{943DBB35-2D60-4CA2-B62D-E86A5903155C}" presName="spNode" presStyleCnt="0"/>
+      <dgm:spPr/>
+    </dgm:pt>
+    <dgm:pt modelId="{C159BF99-BD07-4B95-8A2A-D194A7218805}" type="pres">
+      <dgm:prSet presAssocID="{0CA6A66E-448E-4344-8665-762578B40DB9}" presName="sibTrans" presStyleLbl="sibTrans1D1" presStyleIdx="2" presStyleCnt="6"/>
+      <dgm:spPr/>
+    </dgm:pt>
+    <dgm:pt modelId="{6229E11A-BD8F-4F8A-9E9B-01489C72DD44}" type="pres">
+      <dgm:prSet presAssocID="{F5D95043-689D-478E-9DCF-79145D74A373}" presName="node" presStyleLbl="node1" presStyleIdx="3" presStyleCnt="6" custRadScaleRad="77683" custRadScaleInc="-177444">
+        <dgm:presLayoutVars>
+          <dgm:bulletEnabled val="1"/>
+        </dgm:presLayoutVars>
+      </dgm:prSet>
+      <dgm:spPr/>
+    </dgm:pt>
+    <dgm:pt modelId="{BE741CC4-FC56-413E-983D-FC466FAF8513}" type="pres">
+      <dgm:prSet presAssocID="{F5D95043-689D-478E-9DCF-79145D74A373}" presName="spNode" presStyleCnt="0"/>
+      <dgm:spPr/>
+    </dgm:pt>
+    <dgm:pt modelId="{0221D519-0CFD-49D5-BC99-48CB878A440E}" type="pres">
+      <dgm:prSet presAssocID="{DAF9ED51-E79A-40B2-BFF2-535FAF081D56}" presName="sibTrans" presStyleLbl="sibTrans1D1" presStyleIdx="3" presStyleCnt="6"/>
+      <dgm:spPr/>
+    </dgm:pt>
+    <dgm:pt modelId="{14588959-D302-4E7F-B6C8-EB4E855A7744}" type="pres">
+      <dgm:prSet presAssocID="{1AAF8DAA-7FE7-4DC3-9FA9-BAB5A193E67F}" presName="node" presStyleLbl="node1" presStyleIdx="4" presStyleCnt="6" custRadScaleRad="149750" custRadScaleInc="-9028">
+        <dgm:presLayoutVars>
+          <dgm:bulletEnabled val="1"/>
+        </dgm:presLayoutVars>
+      </dgm:prSet>
+      <dgm:spPr/>
+    </dgm:pt>
+    <dgm:pt modelId="{86991239-61AC-483A-99C8-DA35D443711D}" type="pres">
+      <dgm:prSet presAssocID="{1AAF8DAA-7FE7-4DC3-9FA9-BAB5A193E67F}" presName="spNode" presStyleCnt="0"/>
+      <dgm:spPr/>
+    </dgm:pt>
+    <dgm:pt modelId="{6D6B942E-1335-4BEB-B49A-3C30485E26C2}" type="pres">
+      <dgm:prSet presAssocID="{CD6DF016-4216-4364-96C6-05726CE2C1DF}" presName="sibTrans" presStyleLbl="sibTrans1D1" presStyleIdx="4" presStyleCnt="6"/>
+      <dgm:spPr/>
+    </dgm:pt>
+    <dgm:pt modelId="{B14FDCCB-8168-4FF2-8E4D-ED10492710C3}" type="pres">
+      <dgm:prSet presAssocID="{899F3441-5998-473E-B363-F6E1896B47B8}" presName="node" presStyleLbl="node1" presStyleIdx="5" presStyleCnt="6" custRadScaleRad="202013" custRadScaleInc="-150593">
+        <dgm:presLayoutVars>
+          <dgm:bulletEnabled val="1"/>
+        </dgm:presLayoutVars>
+      </dgm:prSet>
+      <dgm:spPr/>
+    </dgm:pt>
+    <dgm:pt modelId="{5E0586B0-98E1-4D7B-80E4-758DE8082D62}" type="pres">
+      <dgm:prSet presAssocID="{899F3441-5998-473E-B363-F6E1896B47B8}" presName="spNode" presStyleCnt="0"/>
+      <dgm:spPr/>
+    </dgm:pt>
+    <dgm:pt modelId="{62F3254E-0DB5-4746-920C-7EFFC84C3055}" type="pres">
+      <dgm:prSet presAssocID="{F4170429-8D3F-4969-B91E-AC3A9153E859}" presName="sibTrans" presStyleLbl="sibTrans1D1" presStyleIdx="5" presStyleCnt="6"/>
+      <dgm:spPr/>
+    </dgm:pt>
+  </dgm:ptLst>
+  <dgm:cxnLst>
+    <dgm:cxn modelId="{3B71F216-BE0B-47A5-8C1D-0B102150A688}" type="presOf" srcId="{DAF9ED51-E79A-40B2-BFF2-535FAF081D56}" destId="{0221D519-0CFD-49D5-BC99-48CB878A440E}" srcOrd="0" destOrd="0" presId="urn:microsoft.com/office/officeart/2005/8/layout/cycle5"/>
+    <dgm:cxn modelId="{B062EC1E-C72D-418F-8E79-23B9F34B0200}" srcId="{35305242-E757-421D-BAF2-45B468B325E9}" destId="{E5B08DCA-9889-456D-9E61-346B6482CC8F}" srcOrd="1" destOrd="0" parTransId="{CD8DDBEA-EDB4-4667-B7E8-417DD02EC9DF}" sibTransId="{B072B0CC-9B9A-4E62-93DB-B80E4BBEA298}"/>
+    <dgm:cxn modelId="{33138A2D-BB5E-413D-ACE9-0456A98EED8A}" type="presOf" srcId="{B072B0CC-9B9A-4E62-93DB-B80E4BBEA298}" destId="{AB69BEC0-8296-4D79-8B4D-DB7A3D892A19}" srcOrd="0" destOrd="0" presId="urn:microsoft.com/office/officeart/2005/8/layout/cycle5"/>
+    <dgm:cxn modelId="{BD688D3B-1A81-4A74-91BF-8EB766FA57FB}" type="presOf" srcId="{35305242-E757-421D-BAF2-45B468B325E9}" destId="{2791ACC9-839D-4390-9778-661963D0C19E}" srcOrd="0" destOrd="0" presId="urn:microsoft.com/office/officeart/2005/8/layout/cycle5"/>
+    <dgm:cxn modelId="{B2295D5B-4522-475C-ABE2-F89FB98ABA24}" srcId="{35305242-E757-421D-BAF2-45B468B325E9}" destId="{943DBB35-2D60-4CA2-B62D-E86A5903155C}" srcOrd="2" destOrd="0" parTransId="{828EB966-251A-411B-B5B4-24B4CDA92845}" sibTransId="{0CA6A66E-448E-4344-8665-762578B40DB9}"/>
+    <dgm:cxn modelId="{EB883867-8C80-4BF1-94BE-05ADC620D347}" type="presOf" srcId="{F5D95043-689D-478E-9DCF-79145D74A373}" destId="{6229E11A-BD8F-4F8A-9E9B-01489C72DD44}" srcOrd="0" destOrd="0" presId="urn:microsoft.com/office/officeart/2005/8/layout/cycle5"/>
+    <dgm:cxn modelId="{28CA1569-4A48-40B5-9621-38265996D2B8}" type="presOf" srcId="{943DBB35-2D60-4CA2-B62D-E86A5903155C}" destId="{F4B42199-956C-4331-A5D5-288FFCE16D9D}" srcOrd="0" destOrd="0" presId="urn:microsoft.com/office/officeart/2005/8/layout/cycle5"/>
+    <dgm:cxn modelId="{E00FEF70-93AE-433F-BE20-FA1E3B39FBBA}" type="presOf" srcId="{E9C01E1F-9381-4218-9BCB-964ACD067E5A}" destId="{FFAFAA70-DFC4-41DD-A721-E46A991CD4CF}" srcOrd="0" destOrd="0" presId="urn:microsoft.com/office/officeart/2005/8/layout/cycle5"/>
+    <dgm:cxn modelId="{730B9F74-8CC9-474E-BE9B-4CF3A31DC7DD}" type="presOf" srcId="{899F3441-5998-473E-B363-F6E1896B47B8}" destId="{B14FDCCB-8168-4FF2-8E4D-ED10492710C3}" srcOrd="0" destOrd="0" presId="urn:microsoft.com/office/officeart/2005/8/layout/cycle5"/>
+    <dgm:cxn modelId="{4EE91C7A-C1D9-4235-9066-46F215F0DDCD}" srcId="{35305242-E757-421D-BAF2-45B468B325E9}" destId="{899F3441-5998-473E-B363-F6E1896B47B8}" srcOrd="5" destOrd="0" parTransId="{C75FB8E3-441B-4D5D-8BA9-2E18E04B675A}" sibTransId="{F4170429-8D3F-4969-B91E-AC3A9153E859}"/>
+    <dgm:cxn modelId="{9758237F-A067-4D49-9914-AD5EE995A5B5}" type="presOf" srcId="{1AAF8DAA-7FE7-4DC3-9FA9-BAB5A193E67F}" destId="{14588959-D302-4E7F-B6C8-EB4E855A7744}" srcOrd="0" destOrd="0" presId="urn:microsoft.com/office/officeart/2005/8/layout/cycle5"/>
+    <dgm:cxn modelId="{BE3987B2-F1E0-4CDE-8CFB-8C574F8E7022}" srcId="{35305242-E757-421D-BAF2-45B468B325E9}" destId="{0D6D388D-C498-4788-9FB9-1355F25229E7}" srcOrd="0" destOrd="0" parTransId="{B6F53765-BB1B-4471-BF3C-76300C4F60F4}" sibTransId="{E9C01E1F-9381-4218-9BCB-964ACD067E5A}"/>
+    <dgm:cxn modelId="{9EB9FBBE-362B-4BC0-82E9-49C70E0708AB}" type="presOf" srcId="{CD6DF016-4216-4364-96C6-05726CE2C1DF}" destId="{6D6B942E-1335-4BEB-B49A-3C30485E26C2}" srcOrd="0" destOrd="0" presId="urn:microsoft.com/office/officeart/2005/8/layout/cycle5"/>
+    <dgm:cxn modelId="{EFE2AFD4-8434-4D13-A304-A9981E5C137C}" type="presOf" srcId="{F4170429-8D3F-4969-B91E-AC3A9153E859}" destId="{62F3254E-0DB5-4746-920C-7EFFC84C3055}" srcOrd="0" destOrd="0" presId="urn:microsoft.com/office/officeart/2005/8/layout/cycle5"/>
+    <dgm:cxn modelId="{C8CD27DF-48D9-4D1A-8FCE-4938E4851E01}" srcId="{35305242-E757-421D-BAF2-45B468B325E9}" destId="{F5D95043-689D-478E-9DCF-79145D74A373}" srcOrd="3" destOrd="0" parTransId="{6A51A49F-DFF8-4941-9A4B-530614140811}" sibTransId="{DAF9ED51-E79A-40B2-BFF2-535FAF081D56}"/>
+    <dgm:cxn modelId="{B23B09E7-94E8-4D29-97A4-71D3813C4299}" type="presOf" srcId="{0D6D388D-C498-4788-9FB9-1355F25229E7}" destId="{58B9514E-A927-4294-9ED4-5204981A04BA}" srcOrd="0" destOrd="0" presId="urn:microsoft.com/office/officeart/2005/8/layout/cycle5"/>
+    <dgm:cxn modelId="{509AD1F0-FD38-47C8-A570-3F9F501B7457}" type="presOf" srcId="{0CA6A66E-448E-4344-8665-762578B40DB9}" destId="{C159BF99-BD07-4B95-8A2A-D194A7218805}" srcOrd="0" destOrd="0" presId="urn:microsoft.com/office/officeart/2005/8/layout/cycle5"/>
+    <dgm:cxn modelId="{6C06A5F5-F8C9-45D8-9120-38C367953ECD}" srcId="{35305242-E757-421D-BAF2-45B468B325E9}" destId="{1AAF8DAA-7FE7-4DC3-9FA9-BAB5A193E67F}" srcOrd="4" destOrd="0" parTransId="{2D089053-4A6A-4EF4-A57F-70BE7ED4C760}" sibTransId="{CD6DF016-4216-4364-96C6-05726CE2C1DF}"/>
+    <dgm:cxn modelId="{200005FB-9491-49C9-8E3F-4D58F42165C2}" type="presOf" srcId="{E5B08DCA-9889-456D-9E61-346B6482CC8F}" destId="{FFC3AABA-57E9-4119-BBC3-F94F75C20B7F}" srcOrd="0" destOrd="0" presId="urn:microsoft.com/office/officeart/2005/8/layout/cycle5"/>
+    <dgm:cxn modelId="{169CD9A2-C6C9-4862-AE25-6DD7B31590DE}" type="presParOf" srcId="{2791ACC9-839D-4390-9778-661963D0C19E}" destId="{58B9514E-A927-4294-9ED4-5204981A04BA}" srcOrd="0" destOrd="0" presId="urn:microsoft.com/office/officeart/2005/8/layout/cycle5"/>
+    <dgm:cxn modelId="{D8BFF1A6-37AF-4A33-94BF-4BF4DE0C8B52}" type="presParOf" srcId="{2791ACC9-839D-4390-9778-661963D0C19E}" destId="{6B147270-2AC8-4609-8D19-8399E0A07558}" srcOrd="1" destOrd="0" presId="urn:microsoft.com/office/officeart/2005/8/layout/cycle5"/>
+    <dgm:cxn modelId="{A190D987-27DA-4DC8-B870-695CB327B538}" type="presParOf" srcId="{2791ACC9-839D-4390-9778-661963D0C19E}" destId="{FFAFAA70-DFC4-41DD-A721-E46A991CD4CF}" srcOrd="2" destOrd="0" presId="urn:microsoft.com/office/officeart/2005/8/layout/cycle5"/>
+    <dgm:cxn modelId="{D6FEB55F-057D-4102-87B0-ED607C7913E1}" type="presParOf" srcId="{2791ACC9-839D-4390-9778-661963D0C19E}" destId="{FFC3AABA-57E9-4119-BBC3-F94F75C20B7F}" srcOrd="3" destOrd="0" presId="urn:microsoft.com/office/officeart/2005/8/layout/cycle5"/>
+    <dgm:cxn modelId="{84E27AEF-1193-4E44-B0D3-849BFF5140CD}" type="presParOf" srcId="{2791ACC9-839D-4390-9778-661963D0C19E}" destId="{07CE22B9-08D1-468D-B226-BA2DF1262DC1}" srcOrd="4" destOrd="0" presId="urn:microsoft.com/office/officeart/2005/8/layout/cycle5"/>
+    <dgm:cxn modelId="{4BC3EA0B-64BE-4AC7-A079-AAFDE5B06693}" type="presParOf" srcId="{2791ACC9-839D-4390-9778-661963D0C19E}" destId="{AB69BEC0-8296-4D79-8B4D-DB7A3D892A19}" srcOrd="5" destOrd="0" presId="urn:microsoft.com/office/officeart/2005/8/layout/cycle5"/>
+    <dgm:cxn modelId="{756540AC-D92E-4702-B3B0-717F04EFEDD1}" type="presParOf" srcId="{2791ACC9-839D-4390-9778-661963D0C19E}" destId="{F4B42199-956C-4331-A5D5-288FFCE16D9D}" srcOrd="6" destOrd="0" presId="urn:microsoft.com/office/officeart/2005/8/layout/cycle5"/>
+    <dgm:cxn modelId="{0DF74DA8-D79E-4F73-92FD-B8433006FD5F}" type="presParOf" srcId="{2791ACC9-839D-4390-9778-661963D0C19E}" destId="{3359BA0B-045A-4EE0-8C08-F2DECADAFDD0}" srcOrd="7" destOrd="0" presId="urn:microsoft.com/office/officeart/2005/8/layout/cycle5"/>
+    <dgm:cxn modelId="{8890863F-8C77-4C6F-BD04-D65BBBDDCC78}" type="presParOf" srcId="{2791ACC9-839D-4390-9778-661963D0C19E}" destId="{C159BF99-BD07-4B95-8A2A-D194A7218805}" srcOrd="8" destOrd="0" presId="urn:microsoft.com/office/officeart/2005/8/layout/cycle5"/>
+    <dgm:cxn modelId="{33458729-1C72-4B0E-B6F6-C48D825D873A}" type="presParOf" srcId="{2791ACC9-839D-4390-9778-661963D0C19E}" destId="{6229E11A-BD8F-4F8A-9E9B-01489C72DD44}" srcOrd="9" destOrd="0" presId="urn:microsoft.com/office/officeart/2005/8/layout/cycle5"/>
+    <dgm:cxn modelId="{7D4CD2A9-5D7A-462A-9CFB-47ED9E54C38F}" type="presParOf" srcId="{2791ACC9-839D-4390-9778-661963D0C19E}" destId="{BE741CC4-FC56-413E-983D-FC466FAF8513}" srcOrd="10" destOrd="0" presId="urn:microsoft.com/office/officeart/2005/8/layout/cycle5"/>
+    <dgm:cxn modelId="{B672BF79-6A24-4C7B-9273-D2E6604DE73B}" type="presParOf" srcId="{2791ACC9-839D-4390-9778-661963D0C19E}" destId="{0221D519-0CFD-49D5-BC99-48CB878A440E}" srcOrd="11" destOrd="0" presId="urn:microsoft.com/office/officeart/2005/8/layout/cycle5"/>
+    <dgm:cxn modelId="{CF4E03B1-D75C-44E3-9930-BA94072DCB82}" type="presParOf" srcId="{2791ACC9-839D-4390-9778-661963D0C19E}" destId="{14588959-D302-4E7F-B6C8-EB4E855A7744}" srcOrd="12" destOrd="0" presId="urn:microsoft.com/office/officeart/2005/8/layout/cycle5"/>
+    <dgm:cxn modelId="{C6A40CBB-D649-46AF-B45C-DF46105F69EA}" type="presParOf" srcId="{2791ACC9-839D-4390-9778-661963D0C19E}" destId="{86991239-61AC-483A-99C8-DA35D443711D}" srcOrd="13" destOrd="0" presId="urn:microsoft.com/office/officeart/2005/8/layout/cycle5"/>
+    <dgm:cxn modelId="{05F130D2-ADB8-4EBA-BA09-68508226630F}" type="presParOf" srcId="{2791ACC9-839D-4390-9778-661963D0C19E}" destId="{6D6B942E-1335-4BEB-B49A-3C30485E26C2}" srcOrd="14" destOrd="0" presId="urn:microsoft.com/office/officeart/2005/8/layout/cycle5"/>
+    <dgm:cxn modelId="{C54230F6-8C25-4ADB-AB34-64DEECE62EE1}" type="presParOf" srcId="{2791ACC9-839D-4390-9778-661963D0C19E}" destId="{B14FDCCB-8168-4FF2-8E4D-ED10492710C3}" srcOrd="15" destOrd="0" presId="urn:microsoft.com/office/officeart/2005/8/layout/cycle5"/>
+    <dgm:cxn modelId="{5ADE2605-0488-4101-B22E-B14B81E4AA63}" type="presParOf" srcId="{2791ACC9-839D-4390-9778-661963D0C19E}" destId="{5E0586B0-98E1-4D7B-80E4-758DE8082D62}" srcOrd="16" destOrd="0" presId="urn:microsoft.com/office/officeart/2005/8/layout/cycle5"/>
+    <dgm:cxn modelId="{89C00879-5757-4C55-A77B-227C0D229EFC}" type="presParOf" srcId="{2791ACC9-839D-4390-9778-661963D0C19E}" destId="{62F3254E-0DB5-4746-920C-7EFFC84C3055}" srcOrd="17" destOrd="0" presId="urn:microsoft.com/office/officeart/2005/8/layout/cycle5"/>
+  </dgm:cxnLst>
+  <dgm:bg/>
+  <dgm:whole>
+    <a:ln>
+      <a:noFill/>
+    </a:ln>
+  </dgm:whole>
+  <dgm:extLst>
+    <a:ext uri="http://schemas.microsoft.com/office/drawing/2008/diagram">
+      <dsp:dataModelExt xmlns:dsp="http://schemas.microsoft.com/office/drawing/2008/diagram" relId="rId7" minVer="http://schemas.openxmlformats.org/drawingml/2006/diagram"/>
+    </a:ext>
+  </dgm:extLst>
+</dgm:dataModel>
+</file>
+
+<file path=ppt/diagrams/data2.xml><?xml version="1.0" encoding="utf-8"?>
+<dgm:dataModel xmlns:dgm="http://schemas.openxmlformats.org/drawingml/2006/diagram" xmlns:a="http://schemas.openxmlformats.org/drawingml/2006/main">
+  <dgm:ptLst>
+    <dgm:pt modelId="{35305242-E757-421D-BAF2-45B468B325E9}" type="doc">
+      <dgm:prSet loTypeId="urn:microsoft.com/office/officeart/2005/8/layout/cycle5" loCatId="cycle" qsTypeId="urn:microsoft.com/office/officeart/2005/8/quickstyle/3d5" qsCatId="3D" csTypeId="urn:microsoft.com/office/officeart/2005/8/colors/accent1_2" csCatId="accent1" phldr="1"/>
+      <dgm:spPr/>
+      <dgm:t>
+        <a:bodyPr/>
+        <a:lstStyle/>
+        <a:p>
+          <a:pPr latinLnBrk="1"/>
+          <a:endParaRPr lang="ko-KR" altLang="en-US"/>
+        </a:p>
+      </dgm:t>
+    </dgm:pt>
+    <dgm:pt modelId="{E5B08DCA-9889-456D-9E61-346B6482CC8F}">
+      <dgm:prSet phldrT="[텍스트]"/>
+      <dgm:spPr>
+        <a:solidFill>
+          <a:srgbClr val="02305A"/>
+        </a:solidFill>
+      </dgm:spPr>
+      <dgm:t>
+        <a:bodyPr/>
+        <a:lstStyle/>
+        <a:p>
+          <a:pPr latinLnBrk="1"/>
+          <a:r>
+            <a:rPr lang="en-US" altLang="ko-KR" dirty="0" err="1">
+              <a:latin typeface="Palatino Linotype" panose="02040502050505030304" pitchFamily="18" charset="0"/>
+            </a:rPr>
+            <a:t>Datenbeschaffung</a:t>
+          </a:r>
+          <a:endParaRPr lang="ko-KR" altLang="en-US" dirty="0">
+            <a:latin typeface="Palatino Linotype" panose="02040502050505030304" pitchFamily="18" charset="0"/>
+          </a:endParaRPr>
+        </a:p>
+      </dgm:t>
+    </dgm:pt>
+    <dgm:pt modelId="{CD8DDBEA-EDB4-4667-B7E8-417DD02EC9DF}" type="parTrans" cxnId="{B062EC1E-C72D-418F-8E79-23B9F34B0200}">
+      <dgm:prSet/>
+      <dgm:spPr/>
+      <dgm:t>
+        <a:bodyPr/>
+        <a:lstStyle/>
+        <a:p>
+          <a:pPr latinLnBrk="1"/>
+          <a:endParaRPr lang="ko-KR" altLang="en-US">
+            <a:latin typeface="Palatino Linotype" panose="02040502050505030304" pitchFamily="18" charset="0"/>
+          </a:endParaRPr>
+        </a:p>
+      </dgm:t>
+    </dgm:pt>
+    <dgm:pt modelId="{B072B0CC-9B9A-4E62-93DB-B80E4BBEA298}" type="sibTrans" cxnId="{B062EC1E-C72D-418F-8E79-23B9F34B0200}">
+      <dgm:prSet/>
+      <dgm:spPr>
+        <a:ln w="31750">
+          <a:solidFill>
+            <a:srgbClr val="02305A"/>
+          </a:solidFill>
+        </a:ln>
+      </dgm:spPr>
+      <dgm:t>
+        <a:bodyPr/>
+        <a:lstStyle/>
+        <a:p>
+          <a:pPr latinLnBrk="1"/>
+          <a:endParaRPr lang="ko-KR" altLang="en-US">
+            <a:latin typeface="Palatino Linotype" panose="02040502050505030304" pitchFamily="18" charset="0"/>
+          </a:endParaRPr>
+        </a:p>
+      </dgm:t>
+    </dgm:pt>
+    <dgm:pt modelId="{943DBB35-2D60-4CA2-B62D-E86A5903155C}">
+      <dgm:prSet phldrT="[텍스트]"/>
+      <dgm:spPr>
+        <a:solidFill>
+          <a:srgbClr val="02305A"/>
+        </a:solidFill>
+      </dgm:spPr>
+      <dgm:t>
+        <a:bodyPr/>
+        <a:lstStyle/>
+        <a:p>
+          <a:pPr latinLnBrk="1"/>
+          <a:r>
+            <a:rPr lang="en-US" altLang="ko-KR" dirty="0" err="1">
+              <a:latin typeface="Palatino Linotype" panose="02040502050505030304" pitchFamily="18" charset="0"/>
+            </a:rPr>
+            <a:t>Inspektion</a:t>
+          </a:r>
+          <a:r>
+            <a:rPr lang="en-US" altLang="ko-KR" dirty="0">
+              <a:latin typeface="Palatino Linotype" panose="02040502050505030304" pitchFamily="18" charset="0"/>
+            </a:rPr>
+            <a:t> und </a:t>
+          </a:r>
+          <a:r>
+            <a:rPr lang="en-US" altLang="ko-KR" dirty="0" err="1">
+              <a:latin typeface="Palatino Linotype" panose="02040502050505030304" pitchFamily="18" charset="0"/>
+            </a:rPr>
+            <a:t>Erkundung</a:t>
+          </a:r>
+          <a:endParaRPr lang="ko-KR" altLang="en-US" dirty="0">
+            <a:latin typeface="Palatino Linotype" panose="02040502050505030304" pitchFamily="18" charset="0"/>
+          </a:endParaRPr>
+        </a:p>
+      </dgm:t>
+    </dgm:pt>
+    <dgm:pt modelId="{828EB966-251A-411B-B5B4-24B4CDA92845}" type="parTrans" cxnId="{B2295D5B-4522-475C-ABE2-F89FB98ABA24}">
+      <dgm:prSet/>
+      <dgm:spPr/>
+      <dgm:t>
+        <a:bodyPr/>
+        <a:lstStyle/>
+        <a:p>
+          <a:pPr latinLnBrk="1"/>
+          <a:endParaRPr lang="ko-KR" altLang="en-US">
+            <a:latin typeface="Palatino Linotype" panose="02040502050505030304" pitchFamily="18" charset="0"/>
+          </a:endParaRPr>
+        </a:p>
+      </dgm:t>
+    </dgm:pt>
+    <dgm:pt modelId="{0CA6A66E-448E-4344-8665-762578B40DB9}" type="sibTrans" cxnId="{B2295D5B-4522-475C-ABE2-F89FB98ABA24}">
+      <dgm:prSet/>
+      <dgm:spPr>
+        <a:ln w="31750">
+          <a:solidFill>
+            <a:srgbClr val="02305A"/>
+          </a:solidFill>
+        </a:ln>
+      </dgm:spPr>
+      <dgm:t>
+        <a:bodyPr/>
+        <a:lstStyle/>
+        <a:p>
+          <a:pPr latinLnBrk="1"/>
+          <a:endParaRPr lang="ko-KR" altLang="en-US">
+            <a:latin typeface="Palatino Linotype" panose="02040502050505030304" pitchFamily="18" charset="0"/>
+          </a:endParaRPr>
+        </a:p>
+      </dgm:t>
+    </dgm:pt>
+    <dgm:pt modelId="{F5D95043-689D-478E-9DCF-79145D74A373}">
+      <dgm:prSet phldrT="[텍스트]"/>
+      <dgm:spPr>
+        <a:solidFill>
+          <a:srgbClr val="02305A"/>
+        </a:solidFill>
+      </dgm:spPr>
+      <dgm:t>
+        <a:bodyPr/>
+        <a:lstStyle/>
+        <a:p>
+          <a:pPr latinLnBrk="1"/>
+          <a:r>
+            <a:rPr lang="en-US" altLang="ko-KR" dirty="0" err="1">
+              <a:latin typeface="Palatino Linotype" panose="02040502050505030304" pitchFamily="18" charset="0"/>
+            </a:rPr>
+            <a:t>Vorverarbeitung</a:t>
+          </a:r>
+          <a:r>
+            <a:rPr lang="en-US" altLang="ko-KR" dirty="0">
+              <a:latin typeface="Palatino Linotype" panose="02040502050505030304" pitchFamily="18" charset="0"/>
+            </a:rPr>
+            <a:t> und </a:t>
+          </a:r>
+          <a:r>
+            <a:rPr lang="en-US" altLang="ko-KR" dirty="0" err="1">
+              <a:latin typeface="Palatino Linotype" panose="02040502050505030304" pitchFamily="18" charset="0"/>
+            </a:rPr>
+            <a:t>Bereinigung</a:t>
+          </a:r>
+          <a:endParaRPr lang="ko-KR" altLang="en-US" dirty="0">
+            <a:latin typeface="Palatino Linotype" panose="02040502050505030304" pitchFamily="18" charset="0"/>
+          </a:endParaRPr>
+        </a:p>
+      </dgm:t>
+    </dgm:pt>
+    <dgm:pt modelId="{6A51A49F-DFF8-4941-9A4B-530614140811}" type="parTrans" cxnId="{C8CD27DF-48D9-4D1A-8FCE-4938E4851E01}">
+      <dgm:prSet/>
+      <dgm:spPr/>
+      <dgm:t>
+        <a:bodyPr/>
+        <a:lstStyle/>
+        <a:p>
+          <a:pPr latinLnBrk="1"/>
+          <a:endParaRPr lang="ko-KR" altLang="en-US">
+            <a:latin typeface="Palatino Linotype" panose="02040502050505030304" pitchFamily="18" charset="0"/>
+          </a:endParaRPr>
+        </a:p>
+      </dgm:t>
+    </dgm:pt>
+    <dgm:pt modelId="{DAF9ED51-E79A-40B2-BFF2-535FAF081D56}" type="sibTrans" cxnId="{C8CD27DF-48D9-4D1A-8FCE-4938E4851E01}">
+      <dgm:prSet/>
+      <dgm:spPr>
+        <a:ln w="31750">
+          <a:solidFill>
+            <a:srgbClr val="02305A"/>
+          </a:solidFill>
+        </a:ln>
+      </dgm:spPr>
+      <dgm:t>
+        <a:bodyPr/>
+        <a:lstStyle/>
+        <a:p>
+          <a:pPr latinLnBrk="1"/>
+          <a:endParaRPr lang="ko-KR" altLang="en-US">
+            <a:latin typeface="Palatino Linotype" panose="02040502050505030304" pitchFamily="18" charset="0"/>
+          </a:endParaRPr>
+        </a:p>
+      </dgm:t>
+    </dgm:pt>
+    <dgm:pt modelId="{1D200A8A-9290-4098-B108-D85A6A3686B3}">
+      <dgm:prSet phldrT="[텍스트]"/>
+      <dgm:spPr>
+        <a:solidFill>
+          <a:srgbClr val="02305A"/>
+        </a:solidFill>
+      </dgm:spPr>
+      <dgm:t>
+        <a:bodyPr/>
+        <a:lstStyle/>
+        <a:p>
+          <a:pPr latinLnBrk="1"/>
+          <a:r>
+            <a:rPr lang="en-US" altLang="ko-KR" dirty="0" err="1">
+              <a:latin typeface="Palatino Linotype" panose="02040502050505030304" pitchFamily="18" charset="0"/>
+            </a:rPr>
+            <a:t>Modellierung</a:t>
+          </a:r>
+          <a:r>
+            <a:rPr lang="en-US" altLang="ko-KR" dirty="0">
+              <a:latin typeface="Palatino Linotype" panose="02040502050505030304" pitchFamily="18" charset="0"/>
+            </a:rPr>
+            <a:t> und Training</a:t>
+          </a:r>
+          <a:endParaRPr lang="ko-KR" altLang="en-US" dirty="0">
+            <a:latin typeface="Palatino Linotype" panose="02040502050505030304" pitchFamily="18" charset="0"/>
+          </a:endParaRPr>
+        </a:p>
+      </dgm:t>
+    </dgm:pt>
+    <dgm:pt modelId="{05926FB4-0148-454F-8EDE-4A287AA53285}" type="parTrans" cxnId="{A0F45D4A-AD12-4F6A-A650-2234E73FCF48}">
+      <dgm:prSet/>
+      <dgm:spPr/>
+      <dgm:t>
+        <a:bodyPr/>
+        <a:lstStyle/>
+        <a:p>
+          <a:pPr latinLnBrk="1"/>
+          <a:endParaRPr lang="ko-KR" altLang="en-US">
+            <a:latin typeface="Palatino Linotype" panose="02040502050505030304" pitchFamily="18" charset="0"/>
+          </a:endParaRPr>
+        </a:p>
+      </dgm:t>
+    </dgm:pt>
+    <dgm:pt modelId="{6FA6D2BD-F96B-4F63-B50C-72841BD322CF}" type="sibTrans" cxnId="{A0F45D4A-AD12-4F6A-A650-2234E73FCF48}">
+      <dgm:prSet/>
+      <dgm:spPr>
+        <a:ln w="31750">
+          <a:solidFill>
+            <a:srgbClr val="02305A"/>
+          </a:solidFill>
+        </a:ln>
+      </dgm:spPr>
+      <dgm:t>
+        <a:bodyPr/>
+        <a:lstStyle/>
+        <a:p>
+          <a:pPr latinLnBrk="1"/>
+          <a:endParaRPr lang="ko-KR" altLang="en-US">
+            <a:latin typeface="Palatino Linotype" panose="02040502050505030304" pitchFamily="18" charset="0"/>
+          </a:endParaRPr>
+        </a:p>
+      </dgm:t>
+    </dgm:pt>
+    <dgm:pt modelId="{644997BA-8EC5-47D7-89C6-4327BA742021}">
+      <dgm:prSet phldrT="[텍스트]"/>
+      <dgm:spPr>
+        <a:solidFill>
+          <a:srgbClr val="02305A"/>
+        </a:solidFill>
+      </dgm:spPr>
+      <dgm:t>
+        <a:bodyPr/>
+        <a:lstStyle/>
+        <a:p>
+          <a:pPr latinLnBrk="1"/>
+          <a:r>
+            <a:rPr lang="en-US" altLang="ko-KR" dirty="0">
+              <a:latin typeface="Palatino Linotype" panose="02040502050505030304" pitchFamily="18" charset="0"/>
+            </a:rPr>
+            <a:t>Evaluation</a:t>
+          </a:r>
+          <a:endParaRPr lang="ko-KR" altLang="en-US" dirty="0">
+            <a:latin typeface="Palatino Linotype" panose="02040502050505030304" pitchFamily="18" charset="0"/>
+          </a:endParaRPr>
+        </a:p>
+      </dgm:t>
+    </dgm:pt>
+    <dgm:pt modelId="{CB74BFEB-D6CA-4B6D-9BD3-83DDB9C07422}" type="parTrans" cxnId="{B170C329-42E4-4EB8-BC25-435BC73B7CC5}">
+      <dgm:prSet/>
+      <dgm:spPr/>
+      <dgm:t>
+        <a:bodyPr/>
+        <a:lstStyle/>
+        <a:p>
+          <a:pPr latinLnBrk="1"/>
+          <a:endParaRPr lang="ko-KR" altLang="en-US">
+            <a:latin typeface="Palatino Linotype" panose="02040502050505030304" pitchFamily="18" charset="0"/>
+          </a:endParaRPr>
+        </a:p>
+      </dgm:t>
+    </dgm:pt>
+    <dgm:pt modelId="{49A5E209-A81F-48D1-B516-7A5A647DFB3D}" type="sibTrans" cxnId="{B170C329-42E4-4EB8-BC25-435BC73B7CC5}">
+      <dgm:prSet/>
+      <dgm:spPr>
+        <a:ln w="31750">
+          <a:solidFill>
+            <a:srgbClr val="02305A"/>
+          </a:solidFill>
+        </a:ln>
+      </dgm:spPr>
+      <dgm:t>
+        <a:bodyPr/>
+        <a:lstStyle/>
+        <a:p>
+          <a:pPr latinLnBrk="1"/>
+          <a:endParaRPr lang="ko-KR" altLang="en-US">
+            <a:latin typeface="Palatino Linotype" panose="02040502050505030304" pitchFamily="18" charset="0"/>
+          </a:endParaRPr>
+        </a:p>
+      </dgm:t>
+    </dgm:pt>
+    <dgm:pt modelId="{05BD9468-C5A9-4679-9A7A-7638A3950E36}">
+      <dgm:prSet phldrT="[텍스트]"/>
+      <dgm:spPr>
+        <a:solidFill>
+          <a:srgbClr val="02305A"/>
+        </a:solidFill>
+      </dgm:spPr>
+      <dgm:t>
+        <a:bodyPr/>
+        <a:lstStyle/>
+        <a:p>
+          <a:pPr latinLnBrk="1"/>
+          <a:r>
+            <a:rPr lang="en-US" altLang="ko-KR" dirty="0" err="1">
+              <a:latin typeface="Palatino Linotype" panose="02040502050505030304" pitchFamily="18" charset="0"/>
+            </a:rPr>
+            <a:t>Bereitstellung</a:t>
+          </a:r>
+          <a:endParaRPr lang="ko-KR" altLang="en-US" dirty="0">
+            <a:latin typeface="Palatino Linotype" panose="02040502050505030304" pitchFamily="18" charset="0"/>
+          </a:endParaRPr>
+        </a:p>
+      </dgm:t>
+    </dgm:pt>
+    <dgm:pt modelId="{53DCF15C-0C88-443B-BC9E-E641CE62AF27}" type="parTrans" cxnId="{34854B60-8B20-4E5E-91A0-8641F29AA65C}">
+      <dgm:prSet/>
+      <dgm:spPr/>
+      <dgm:t>
+        <a:bodyPr/>
+        <a:lstStyle/>
+        <a:p>
+          <a:pPr latinLnBrk="1"/>
+          <a:endParaRPr lang="ko-KR" altLang="en-US">
+            <a:latin typeface="Palatino Linotype" panose="02040502050505030304" pitchFamily="18" charset="0"/>
+          </a:endParaRPr>
+        </a:p>
+      </dgm:t>
+    </dgm:pt>
+    <dgm:pt modelId="{AAFCD113-FA77-4480-9B6C-0FA7148F9CC2}" type="sibTrans" cxnId="{34854B60-8B20-4E5E-91A0-8641F29AA65C}">
+      <dgm:prSet/>
+      <dgm:spPr>
+        <a:ln w="31750">
+          <a:solidFill>
+            <a:srgbClr val="02305A"/>
+          </a:solidFill>
+          <a:prstDash val="dash"/>
+        </a:ln>
+      </dgm:spPr>
+      <dgm:t>
+        <a:bodyPr/>
+        <a:lstStyle/>
+        <a:p>
+          <a:pPr latinLnBrk="1"/>
+          <a:endParaRPr lang="ko-KR" altLang="en-US">
+            <a:latin typeface="Palatino Linotype" panose="02040502050505030304" pitchFamily="18" charset="0"/>
+          </a:endParaRPr>
+        </a:p>
+      </dgm:t>
+    </dgm:pt>
+    <dgm:pt modelId="{2791ACC9-839D-4390-9778-661963D0C19E}" type="pres">
+      <dgm:prSet presAssocID="{35305242-E757-421D-BAF2-45B468B325E9}" presName="cycle" presStyleCnt="0">
+        <dgm:presLayoutVars>
+          <dgm:dir/>
+          <dgm:resizeHandles val="exact"/>
+        </dgm:presLayoutVars>
+      </dgm:prSet>
+      <dgm:spPr/>
+    </dgm:pt>
+    <dgm:pt modelId="{FFC3AABA-57E9-4119-BBC3-F94F75C20B7F}" type="pres">
+      <dgm:prSet presAssocID="{E5B08DCA-9889-456D-9E61-346B6482CC8F}" presName="node" presStyleLbl="node1" presStyleIdx="0" presStyleCnt="6">
+        <dgm:presLayoutVars>
+          <dgm:bulletEnabled val="1"/>
+        </dgm:presLayoutVars>
+      </dgm:prSet>
+      <dgm:spPr/>
+    </dgm:pt>
+    <dgm:pt modelId="{07CE22B9-08D1-468D-B226-BA2DF1262DC1}" type="pres">
+      <dgm:prSet presAssocID="{E5B08DCA-9889-456D-9E61-346B6482CC8F}" presName="spNode" presStyleCnt="0"/>
+      <dgm:spPr/>
+    </dgm:pt>
+    <dgm:pt modelId="{AB69BEC0-8296-4D79-8B4D-DB7A3D892A19}" type="pres">
+      <dgm:prSet presAssocID="{B072B0CC-9B9A-4E62-93DB-B80E4BBEA298}" presName="sibTrans" presStyleLbl="sibTrans1D1" presStyleIdx="0" presStyleCnt="6"/>
+      <dgm:spPr/>
+    </dgm:pt>
+    <dgm:pt modelId="{F4B42199-956C-4331-A5D5-288FFCE16D9D}" type="pres">
+      <dgm:prSet presAssocID="{943DBB35-2D60-4CA2-B62D-E86A5903155C}" presName="node" presStyleLbl="node1" presStyleIdx="1" presStyleCnt="6">
+        <dgm:presLayoutVars>
+          <dgm:bulletEnabled val="1"/>
+        </dgm:presLayoutVars>
+      </dgm:prSet>
+      <dgm:spPr/>
+    </dgm:pt>
+    <dgm:pt modelId="{3359BA0B-045A-4EE0-8C08-F2DECADAFDD0}" type="pres">
+      <dgm:prSet presAssocID="{943DBB35-2D60-4CA2-B62D-E86A5903155C}" presName="spNode" presStyleCnt="0"/>
+      <dgm:spPr/>
+    </dgm:pt>
+    <dgm:pt modelId="{C159BF99-BD07-4B95-8A2A-D194A7218805}" type="pres">
+      <dgm:prSet presAssocID="{0CA6A66E-448E-4344-8665-762578B40DB9}" presName="sibTrans" presStyleLbl="sibTrans1D1" presStyleIdx="1" presStyleCnt="6"/>
+      <dgm:spPr/>
+    </dgm:pt>
+    <dgm:pt modelId="{6229E11A-BD8F-4F8A-9E9B-01489C72DD44}" type="pres">
+      <dgm:prSet presAssocID="{F5D95043-689D-478E-9DCF-79145D74A373}" presName="node" presStyleLbl="node1" presStyleIdx="2" presStyleCnt="6">
+        <dgm:presLayoutVars>
+          <dgm:bulletEnabled val="1"/>
+        </dgm:presLayoutVars>
+      </dgm:prSet>
+      <dgm:spPr/>
+    </dgm:pt>
+    <dgm:pt modelId="{BE741CC4-FC56-413E-983D-FC466FAF8513}" type="pres">
+      <dgm:prSet presAssocID="{F5D95043-689D-478E-9DCF-79145D74A373}" presName="spNode" presStyleCnt="0"/>
+      <dgm:spPr/>
+    </dgm:pt>
+    <dgm:pt modelId="{0221D519-0CFD-49D5-BC99-48CB878A440E}" type="pres">
+      <dgm:prSet presAssocID="{DAF9ED51-E79A-40B2-BFF2-535FAF081D56}" presName="sibTrans" presStyleLbl="sibTrans1D1" presStyleIdx="2" presStyleCnt="6"/>
+      <dgm:spPr/>
+    </dgm:pt>
+    <dgm:pt modelId="{AB5D372E-2FFE-41FC-AE98-A72B3E11EE33}" type="pres">
+      <dgm:prSet presAssocID="{1D200A8A-9290-4098-B108-D85A6A3686B3}" presName="node" presStyleLbl="node1" presStyleIdx="3" presStyleCnt="6">
+        <dgm:presLayoutVars>
+          <dgm:bulletEnabled val="1"/>
+        </dgm:presLayoutVars>
+      </dgm:prSet>
+      <dgm:spPr/>
+    </dgm:pt>
+    <dgm:pt modelId="{C004A9B1-90DF-4C5E-B897-B4978DD57584}" type="pres">
+      <dgm:prSet presAssocID="{1D200A8A-9290-4098-B108-D85A6A3686B3}" presName="spNode" presStyleCnt="0"/>
+      <dgm:spPr/>
+    </dgm:pt>
+    <dgm:pt modelId="{D9D73B21-DA7C-4588-8386-F3AE54FCB942}" type="pres">
+      <dgm:prSet presAssocID="{6FA6D2BD-F96B-4F63-B50C-72841BD322CF}" presName="sibTrans" presStyleLbl="sibTrans1D1" presStyleIdx="3" presStyleCnt="6"/>
+      <dgm:spPr/>
+    </dgm:pt>
+    <dgm:pt modelId="{759280D0-A7DA-4338-AB52-9B8E3A59B047}" type="pres">
+      <dgm:prSet presAssocID="{644997BA-8EC5-47D7-89C6-4327BA742021}" presName="node" presStyleLbl="node1" presStyleIdx="4" presStyleCnt="6">
+        <dgm:presLayoutVars>
+          <dgm:bulletEnabled val="1"/>
+        </dgm:presLayoutVars>
+      </dgm:prSet>
+      <dgm:spPr/>
+    </dgm:pt>
+    <dgm:pt modelId="{0918E3B3-ABE0-457F-B9FC-F7BEE44D05EB}" type="pres">
+      <dgm:prSet presAssocID="{644997BA-8EC5-47D7-89C6-4327BA742021}" presName="spNode" presStyleCnt="0"/>
+      <dgm:spPr/>
+    </dgm:pt>
+    <dgm:pt modelId="{9BBE3379-52E1-40EA-9B00-1AE573351B0D}" type="pres">
+      <dgm:prSet presAssocID="{49A5E209-A81F-48D1-B516-7A5A647DFB3D}" presName="sibTrans" presStyleLbl="sibTrans1D1" presStyleIdx="4" presStyleCnt="6"/>
+      <dgm:spPr/>
+    </dgm:pt>
+    <dgm:pt modelId="{AC1BDEDB-8721-4AB1-A5AA-95E1A8492529}" type="pres">
+      <dgm:prSet presAssocID="{05BD9468-C5A9-4679-9A7A-7638A3950E36}" presName="node" presStyleLbl="node1" presStyleIdx="5" presStyleCnt="6">
+        <dgm:presLayoutVars>
+          <dgm:bulletEnabled val="1"/>
+        </dgm:presLayoutVars>
+      </dgm:prSet>
+      <dgm:spPr/>
+    </dgm:pt>
+    <dgm:pt modelId="{02344566-566B-4FAF-A374-EA464C70AB52}" type="pres">
+      <dgm:prSet presAssocID="{05BD9468-C5A9-4679-9A7A-7638A3950E36}" presName="spNode" presStyleCnt="0"/>
+      <dgm:spPr/>
+    </dgm:pt>
+    <dgm:pt modelId="{E86061B7-3097-4D3B-ADDA-DB94833CB3C9}" type="pres">
+      <dgm:prSet presAssocID="{AAFCD113-FA77-4480-9B6C-0FA7148F9CC2}" presName="sibTrans" presStyleLbl="sibTrans1D1" presStyleIdx="5" presStyleCnt="6"/>
+      <dgm:spPr/>
+    </dgm:pt>
+  </dgm:ptLst>
+  <dgm:cxnLst>
+    <dgm:cxn modelId="{3B71F216-BE0B-47A5-8C1D-0B102150A688}" type="presOf" srcId="{DAF9ED51-E79A-40B2-BFF2-535FAF081D56}" destId="{0221D519-0CFD-49D5-BC99-48CB878A440E}" srcOrd="0" destOrd="0" presId="urn:microsoft.com/office/officeart/2005/8/layout/cycle5"/>
+    <dgm:cxn modelId="{B062EC1E-C72D-418F-8E79-23B9F34B0200}" srcId="{35305242-E757-421D-BAF2-45B468B325E9}" destId="{E5B08DCA-9889-456D-9E61-346B6482CC8F}" srcOrd="0" destOrd="0" parTransId="{CD8DDBEA-EDB4-4667-B7E8-417DD02EC9DF}" sibTransId="{B072B0CC-9B9A-4E62-93DB-B80E4BBEA298}"/>
+    <dgm:cxn modelId="{B170C329-42E4-4EB8-BC25-435BC73B7CC5}" srcId="{35305242-E757-421D-BAF2-45B468B325E9}" destId="{644997BA-8EC5-47D7-89C6-4327BA742021}" srcOrd="4" destOrd="0" parTransId="{CB74BFEB-D6CA-4B6D-9BD3-83DDB9C07422}" sibTransId="{49A5E209-A81F-48D1-B516-7A5A647DFB3D}"/>
+    <dgm:cxn modelId="{33138A2D-BB5E-413D-ACE9-0456A98EED8A}" type="presOf" srcId="{B072B0CC-9B9A-4E62-93DB-B80E4BBEA298}" destId="{AB69BEC0-8296-4D79-8B4D-DB7A3D892A19}" srcOrd="0" destOrd="0" presId="urn:microsoft.com/office/officeart/2005/8/layout/cycle5"/>
+    <dgm:cxn modelId="{BD688D3B-1A81-4A74-91BF-8EB766FA57FB}" type="presOf" srcId="{35305242-E757-421D-BAF2-45B468B325E9}" destId="{2791ACC9-839D-4390-9778-661963D0C19E}" srcOrd="0" destOrd="0" presId="urn:microsoft.com/office/officeart/2005/8/layout/cycle5"/>
+    <dgm:cxn modelId="{A0F45D4A-AD12-4F6A-A650-2234E73FCF48}" srcId="{35305242-E757-421D-BAF2-45B468B325E9}" destId="{1D200A8A-9290-4098-B108-D85A6A3686B3}" srcOrd="3" destOrd="0" parTransId="{05926FB4-0148-454F-8EDE-4A287AA53285}" sibTransId="{6FA6D2BD-F96B-4F63-B50C-72841BD322CF}"/>
+    <dgm:cxn modelId="{0A3BE856-E1E3-4F30-94D1-7AA7CBD3A90F}" type="presOf" srcId="{AAFCD113-FA77-4480-9B6C-0FA7148F9CC2}" destId="{E86061B7-3097-4D3B-ADDA-DB94833CB3C9}" srcOrd="0" destOrd="0" presId="urn:microsoft.com/office/officeart/2005/8/layout/cycle5"/>
+    <dgm:cxn modelId="{B2295D5B-4522-475C-ABE2-F89FB98ABA24}" srcId="{35305242-E757-421D-BAF2-45B468B325E9}" destId="{943DBB35-2D60-4CA2-B62D-E86A5903155C}" srcOrd="1" destOrd="0" parTransId="{828EB966-251A-411B-B5B4-24B4CDA92845}" sibTransId="{0CA6A66E-448E-4344-8665-762578B40DB9}"/>
+    <dgm:cxn modelId="{34854B60-8B20-4E5E-91A0-8641F29AA65C}" srcId="{35305242-E757-421D-BAF2-45B468B325E9}" destId="{05BD9468-C5A9-4679-9A7A-7638A3950E36}" srcOrd="5" destOrd="0" parTransId="{53DCF15C-0C88-443B-BC9E-E641CE62AF27}" sibTransId="{AAFCD113-FA77-4480-9B6C-0FA7148F9CC2}"/>
+    <dgm:cxn modelId="{DC6BB465-1BE7-4085-B26E-6A9C55287F3E}" type="presOf" srcId="{1D200A8A-9290-4098-B108-D85A6A3686B3}" destId="{AB5D372E-2FFE-41FC-AE98-A72B3E11EE33}" srcOrd="0" destOrd="0" presId="urn:microsoft.com/office/officeart/2005/8/layout/cycle5"/>
+    <dgm:cxn modelId="{EB883867-8C80-4BF1-94BE-05ADC620D347}" type="presOf" srcId="{F5D95043-689D-478E-9DCF-79145D74A373}" destId="{6229E11A-BD8F-4F8A-9E9B-01489C72DD44}" srcOrd="0" destOrd="0" presId="urn:microsoft.com/office/officeart/2005/8/layout/cycle5"/>
+    <dgm:cxn modelId="{28CA1569-4A48-40B5-9621-38265996D2B8}" type="presOf" srcId="{943DBB35-2D60-4CA2-B62D-E86A5903155C}" destId="{F4B42199-956C-4331-A5D5-288FFCE16D9D}" srcOrd="0" destOrd="0" presId="urn:microsoft.com/office/officeart/2005/8/layout/cycle5"/>
+    <dgm:cxn modelId="{B60B7D81-4825-4188-AE97-B6AE96BCAF06}" type="presOf" srcId="{05BD9468-C5A9-4679-9A7A-7638A3950E36}" destId="{AC1BDEDB-8721-4AB1-A5AA-95E1A8492529}" srcOrd="0" destOrd="0" presId="urn:microsoft.com/office/officeart/2005/8/layout/cycle5"/>
+    <dgm:cxn modelId="{85B9CE8F-4C22-4FDB-A26F-171CABAA7280}" type="presOf" srcId="{644997BA-8EC5-47D7-89C6-4327BA742021}" destId="{759280D0-A7DA-4338-AB52-9B8E3A59B047}" srcOrd="0" destOrd="0" presId="urn:microsoft.com/office/officeart/2005/8/layout/cycle5"/>
+    <dgm:cxn modelId="{E99AD3B0-4A0A-461E-B984-63A0EA12D668}" type="presOf" srcId="{6FA6D2BD-F96B-4F63-B50C-72841BD322CF}" destId="{D9D73B21-DA7C-4588-8386-F3AE54FCB942}" srcOrd="0" destOrd="0" presId="urn:microsoft.com/office/officeart/2005/8/layout/cycle5"/>
+    <dgm:cxn modelId="{010DF6B9-D7E5-437D-BC6B-090B62CEE663}" type="presOf" srcId="{49A5E209-A81F-48D1-B516-7A5A647DFB3D}" destId="{9BBE3379-52E1-40EA-9B00-1AE573351B0D}" srcOrd="0" destOrd="0" presId="urn:microsoft.com/office/officeart/2005/8/layout/cycle5"/>
+    <dgm:cxn modelId="{C8CD27DF-48D9-4D1A-8FCE-4938E4851E01}" srcId="{35305242-E757-421D-BAF2-45B468B325E9}" destId="{F5D95043-689D-478E-9DCF-79145D74A373}" srcOrd="2" destOrd="0" parTransId="{6A51A49F-DFF8-4941-9A4B-530614140811}" sibTransId="{DAF9ED51-E79A-40B2-BFF2-535FAF081D56}"/>
+    <dgm:cxn modelId="{509AD1F0-FD38-47C8-A570-3F9F501B7457}" type="presOf" srcId="{0CA6A66E-448E-4344-8665-762578B40DB9}" destId="{C159BF99-BD07-4B95-8A2A-D194A7218805}" srcOrd="0" destOrd="0" presId="urn:microsoft.com/office/officeart/2005/8/layout/cycle5"/>
+    <dgm:cxn modelId="{200005FB-9491-49C9-8E3F-4D58F42165C2}" type="presOf" srcId="{E5B08DCA-9889-456D-9E61-346B6482CC8F}" destId="{FFC3AABA-57E9-4119-BBC3-F94F75C20B7F}" srcOrd="0" destOrd="0" presId="urn:microsoft.com/office/officeart/2005/8/layout/cycle5"/>
+    <dgm:cxn modelId="{D6FEB55F-057D-4102-87B0-ED607C7913E1}" type="presParOf" srcId="{2791ACC9-839D-4390-9778-661963D0C19E}" destId="{FFC3AABA-57E9-4119-BBC3-F94F75C20B7F}" srcOrd="0" destOrd="0" presId="urn:microsoft.com/office/officeart/2005/8/layout/cycle5"/>
+    <dgm:cxn modelId="{84E27AEF-1193-4E44-B0D3-849BFF5140CD}" type="presParOf" srcId="{2791ACC9-839D-4390-9778-661963D0C19E}" destId="{07CE22B9-08D1-468D-B226-BA2DF1262DC1}" srcOrd="1" destOrd="0" presId="urn:microsoft.com/office/officeart/2005/8/layout/cycle5"/>
+    <dgm:cxn modelId="{4BC3EA0B-64BE-4AC7-A079-AAFDE5B06693}" type="presParOf" srcId="{2791ACC9-839D-4390-9778-661963D0C19E}" destId="{AB69BEC0-8296-4D79-8B4D-DB7A3D892A19}" srcOrd="2" destOrd="0" presId="urn:microsoft.com/office/officeart/2005/8/layout/cycle5"/>
+    <dgm:cxn modelId="{756540AC-D92E-4702-B3B0-717F04EFEDD1}" type="presParOf" srcId="{2791ACC9-839D-4390-9778-661963D0C19E}" destId="{F4B42199-956C-4331-A5D5-288FFCE16D9D}" srcOrd="3" destOrd="0" presId="urn:microsoft.com/office/officeart/2005/8/layout/cycle5"/>
+    <dgm:cxn modelId="{0DF74DA8-D79E-4F73-92FD-B8433006FD5F}" type="presParOf" srcId="{2791ACC9-839D-4390-9778-661963D0C19E}" destId="{3359BA0B-045A-4EE0-8C08-F2DECADAFDD0}" srcOrd="4" destOrd="0" presId="urn:microsoft.com/office/officeart/2005/8/layout/cycle5"/>
+    <dgm:cxn modelId="{8890863F-8C77-4C6F-BD04-D65BBBDDCC78}" type="presParOf" srcId="{2791ACC9-839D-4390-9778-661963D0C19E}" destId="{C159BF99-BD07-4B95-8A2A-D194A7218805}" srcOrd="5" destOrd="0" presId="urn:microsoft.com/office/officeart/2005/8/layout/cycle5"/>
+    <dgm:cxn modelId="{33458729-1C72-4B0E-B6F6-C48D825D873A}" type="presParOf" srcId="{2791ACC9-839D-4390-9778-661963D0C19E}" destId="{6229E11A-BD8F-4F8A-9E9B-01489C72DD44}" srcOrd="6" destOrd="0" presId="urn:microsoft.com/office/officeart/2005/8/layout/cycle5"/>
+    <dgm:cxn modelId="{7D4CD2A9-5D7A-462A-9CFB-47ED9E54C38F}" type="presParOf" srcId="{2791ACC9-839D-4390-9778-661963D0C19E}" destId="{BE741CC4-FC56-413E-983D-FC466FAF8513}" srcOrd="7" destOrd="0" presId="urn:microsoft.com/office/officeart/2005/8/layout/cycle5"/>
+    <dgm:cxn modelId="{B672BF79-6A24-4C7B-9273-D2E6604DE73B}" type="presParOf" srcId="{2791ACC9-839D-4390-9778-661963D0C19E}" destId="{0221D519-0CFD-49D5-BC99-48CB878A440E}" srcOrd="8" destOrd="0" presId="urn:microsoft.com/office/officeart/2005/8/layout/cycle5"/>
+    <dgm:cxn modelId="{F7195FAB-BE5C-4804-B516-00AE289C39BA}" type="presParOf" srcId="{2791ACC9-839D-4390-9778-661963D0C19E}" destId="{AB5D372E-2FFE-41FC-AE98-A72B3E11EE33}" srcOrd="9" destOrd="0" presId="urn:microsoft.com/office/officeart/2005/8/layout/cycle5"/>
+    <dgm:cxn modelId="{E106726E-C652-4646-915D-30B600334F75}" type="presParOf" srcId="{2791ACC9-839D-4390-9778-661963D0C19E}" destId="{C004A9B1-90DF-4C5E-B897-B4978DD57584}" srcOrd="10" destOrd="0" presId="urn:microsoft.com/office/officeart/2005/8/layout/cycle5"/>
+    <dgm:cxn modelId="{555ABEE8-34EE-40A4-9E28-DCF09BCD8A8A}" type="presParOf" srcId="{2791ACC9-839D-4390-9778-661963D0C19E}" destId="{D9D73B21-DA7C-4588-8386-F3AE54FCB942}" srcOrd="11" destOrd="0" presId="urn:microsoft.com/office/officeart/2005/8/layout/cycle5"/>
+    <dgm:cxn modelId="{8AD48B5C-CDC8-4623-A7E1-D4D492582B85}" type="presParOf" srcId="{2791ACC9-839D-4390-9778-661963D0C19E}" destId="{759280D0-A7DA-4338-AB52-9B8E3A59B047}" srcOrd="12" destOrd="0" presId="urn:microsoft.com/office/officeart/2005/8/layout/cycle5"/>
+    <dgm:cxn modelId="{6780F9D4-5E02-4627-B30E-2AE74B6125C1}" type="presParOf" srcId="{2791ACC9-839D-4390-9778-661963D0C19E}" destId="{0918E3B3-ABE0-457F-B9FC-F7BEE44D05EB}" srcOrd="13" destOrd="0" presId="urn:microsoft.com/office/officeart/2005/8/layout/cycle5"/>
+    <dgm:cxn modelId="{B3B7728E-2894-4A56-9C50-B42AD503B1B9}" type="presParOf" srcId="{2791ACC9-839D-4390-9778-661963D0C19E}" destId="{9BBE3379-52E1-40EA-9B00-1AE573351B0D}" srcOrd="14" destOrd="0" presId="urn:microsoft.com/office/officeart/2005/8/layout/cycle5"/>
+    <dgm:cxn modelId="{EB218344-2DB5-4BD8-8FEF-9FBCFDB73A28}" type="presParOf" srcId="{2791ACC9-839D-4390-9778-661963D0C19E}" destId="{AC1BDEDB-8721-4AB1-A5AA-95E1A8492529}" srcOrd="15" destOrd="0" presId="urn:microsoft.com/office/officeart/2005/8/layout/cycle5"/>
+    <dgm:cxn modelId="{D2C08B4E-7887-4DCB-AEA7-8395BF49EF7F}" type="presParOf" srcId="{2791ACC9-839D-4390-9778-661963D0C19E}" destId="{02344566-566B-4FAF-A374-EA464C70AB52}" srcOrd="16" destOrd="0" presId="urn:microsoft.com/office/officeart/2005/8/layout/cycle5"/>
+    <dgm:cxn modelId="{DB01088F-3406-49BD-B40E-A8EF246E475C}" type="presParOf" srcId="{2791ACC9-839D-4390-9778-661963D0C19E}" destId="{E86061B7-3097-4D3B-ADDA-DB94833CB3C9}" srcOrd="17" destOrd="0" presId="urn:microsoft.com/office/officeart/2005/8/layout/cycle5"/>
+  </dgm:cxnLst>
+  <dgm:bg/>
+  <dgm:whole>
+    <a:ln>
+      <a:noFill/>
+    </a:ln>
+  </dgm:whole>
+  <dgm:extLst>
+    <a:ext uri="http://schemas.microsoft.com/office/drawing/2008/diagram">
+      <dsp:dataModelExt xmlns:dsp="http://schemas.microsoft.com/office/drawing/2008/diagram" relId="rId12" minVer="http://schemas.openxmlformats.org/drawingml/2006/diagram"/>
+    </a:ext>
+  </dgm:extLst>
+</dgm:dataModel>
+</file>
+
+<file path=ppt/diagrams/drawing1.xml><?xml version="1.0" encoding="utf-8"?>
+<dsp:drawing xmlns:dgm="http://schemas.openxmlformats.org/drawingml/2006/diagram" xmlns:dsp="http://schemas.microsoft.com/office/drawing/2008/diagram" xmlns:a="http://schemas.openxmlformats.org/drawingml/2006/main">
+  <dsp:spTree>
+    <dsp:nvGrpSpPr>
+      <dsp:cNvPr id="0" name=""/>
+      <dsp:cNvGrpSpPr/>
+    </dsp:nvGrpSpPr>
+    <dsp:grpSpPr/>
+    <dsp:sp modelId="{58B9514E-A927-4294-9ED4-5204981A04BA}">
+      <dsp:nvSpPr>
+        <dsp:cNvPr id="0" name=""/>
+        <dsp:cNvSpPr/>
+      </dsp:nvSpPr>
+      <dsp:spPr>
+        <a:xfrm>
+          <a:off x="0" y="513799"/>
+          <a:ext cx="1073933" cy="698056"/>
+        </a:xfrm>
+        <a:prstGeom prst="roundRect">
+          <a:avLst/>
+        </a:prstGeom>
+        <a:solidFill>
+          <a:srgbClr val="02305A"/>
+        </a:solidFill>
+        <a:ln>
+          <a:noFill/>
+        </a:ln>
+        <a:effectLst/>
+        <a:sp3d extrusionH="381000" contourW="38100" prstMaterial="matte">
+          <a:contourClr>
+            <a:schemeClr val="lt1"/>
+          </a:contourClr>
+        </a:sp3d>
+      </dsp:spPr>
+      <dsp:style>
+        <a:lnRef idx="0">
+          <a:scrgbClr r="0" g="0" b="0"/>
+        </a:lnRef>
+        <a:fillRef idx="1">
+          <a:scrgbClr r="0" g="0" b="0"/>
+        </a:fillRef>
+        <a:effectRef idx="0">
+          <a:scrgbClr r="0" g="0" b="0"/>
+        </a:effectRef>
+        <a:fontRef idx="minor">
+          <a:schemeClr val="lt1"/>
+        </a:fontRef>
+      </dsp:style>
+      <dsp:txBody>
+        <a:bodyPr spcFirstLastPara="0" vert="horz" wrap="square" lIns="34290" tIns="34290" rIns="34290" bIns="34290" numCol="1" spcCol="1270" anchor="ctr" anchorCtr="0">
+          <a:noAutofit/>
+        </a:bodyPr>
+        <a:lstStyle/>
+        <a:p>
+          <a:pPr marL="0" lvl="0" indent="0" algn="ctr" defTabSz="400050" latinLnBrk="1">
+            <a:lnSpc>
+              <a:spcPct val="90000"/>
+            </a:lnSpc>
+            <a:spcBef>
+              <a:spcPct val="0"/>
+            </a:spcBef>
+            <a:spcAft>
+              <a:spcPct val="35000"/>
+            </a:spcAft>
+            <a:buNone/>
+          </a:pPr>
+          <a:endParaRPr lang="ko-KR" altLang="en-US" sz="900" kern="1200" dirty="0">
+            <a:latin typeface="Palatino Linotype" panose="02040502050505030304" pitchFamily="18" charset="0"/>
+          </a:endParaRPr>
+        </a:p>
+      </dsp:txBody>
+      <dsp:txXfrm>
+        <a:off x="34076" y="547875"/>
+        <a:ext cx="1005781" cy="629904"/>
+      </dsp:txXfrm>
+    </dsp:sp>
+    <dsp:sp modelId="{FFAFAA70-DFC4-41DD-A721-E46A991CD4CF}">
+      <dsp:nvSpPr>
+        <dsp:cNvPr id="0" name=""/>
+        <dsp:cNvSpPr/>
+      </dsp:nvSpPr>
+      <dsp:spPr>
+        <a:xfrm>
+          <a:off x="145873" y="124866"/>
+          <a:ext cx="3289167" cy="3289167"/>
+        </a:xfrm>
+        <a:custGeom>
+          <a:avLst/>
+          <a:gdLst/>
+          <a:ahLst/>
+          <a:cxnLst/>
+          <a:rect l="0" t="0" r="0" b="0"/>
+          <a:pathLst>
+            <a:path>
+              <a:moveTo>
+                <a:pt x="1024228" y="121489"/>
+              </a:moveTo>
+              <a:arcTo wR="1644583" hR="1644583" stAng="14870339" swAng="4074568"/>
+            </a:path>
+          </a:pathLst>
+        </a:custGeom>
+        <a:noFill/>
+        <a:ln w="31750" cap="flat" cmpd="sng" algn="ctr">
+          <a:solidFill>
+            <a:srgbClr val="02305A"/>
+          </a:solidFill>
+          <a:prstDash val="solid"/>
+          <a:miter lim="800000"/>
+          <a:tailEnd type="arrow"/>
+        </a:ln>
+        <a:effectLst/>
+        <a:sp3d z="-40000" prstMaterial="matte"/>
+      </dsp:spPr>
+      <dsp:style>
+        <a:lnRef idx="1">
+          <a:scrgbClr r="0" g="0" b="0"/>
+        </a:lnRef>
+        <a:fillRef idx="0">
+          <a:scrgbClr r="0" g="0" b="0"/>
+        </a:fillRef>
+        <a:effectRef idx="0">
+          <a:scrgbClr r="0" g="0" b="0"/>
+        </a:effectRef>
+        <a:fontRef idx="minor"/>
+      </dsp:style>
+    </dsp:sp>
+    <dsp:sp modelId="{FFC3AABA-57E9-4119-BBC3-F94F75C20B7F}">
+      <dsp:nvSpPr>
+        <dsp:cNvPr id="0" name=""/>
+        <dsp:cNvSpPr/>
+      </dsp:nvSpPr>
+      <dsp:spPr>
+        <a:xfrm>
+          <a:off x="3257900" y="1043693"/>
+          <a:ext cx="1073933" cy="698056"/>
+        </a:xfrm>
+        <a:prstGeom prst="roundRect">
+          <a:avLst/>
+        </a:prstGeom>
+        <a:solidFill>
+          <a:srgbClr val="02305A"/>
+        </a:solidFill>
+        <a:ln>
+          <a:noFill/>
+        </a:ln>
+        <a:effectLst/>
+        <a:sp3d extrusionH="381000" contourW="38100" prstMaterial="matte">
+          <a:contourClr>
+            <a:schemeClr val="lt1"/>
+          </a:contourClr>
+        </a:sp3d>
+      </dsp:spPr>
+      <dsp:style>
+        <a:lnRef idx="0">
+          <a:scrgbClr r="0" g="0" b="0"/>
+        </a:lnRef>
+        <a:fillRef idx="1">
+          <a:scrgbClr r="0" g="0" b="0"/>
+        </a:fillRef>
+        <a:effectRef idx="0">
+          <a:scrgbClr r="0" g="0" b="0"/>
+        </a:effectRef>
+        <a:fontRef idx="minor">
+          <a:schemeClr val="lt1"/>
+        </a:fontRef>
+      </dsp:style>
+      <dsp:txBody>
+        <a:bodyPr spcFirstLastPara="0" vert="horz" wrap="square" lIns="34290" tIns="34290" rIns="34290" bIns="34290" numCol="1" spcCol="1270" anchor="ctr" anchorCtr="0">
+          <a:noAutofit/>
+        </a:bodyPr>
+        <a:lstStyle/>
+        <a:p>
+          <a:pPr marL="0" lvl="0" indent="0" algn="ctr" defTabSz="400050" latinLnBrk="1">
+            <a:lnSpc>
+              <a:spcPct val="90000"/>
+            </a:lnSpc>
+            <a:spcBef>
+              <a:spcPct val="0"/>
+            </a:spcBef>
+            <a:spcAft>
+              <a:spcPct val="35000"/>
+            </a:spcAft>
+            <a:buNone/>
+          </a:pPr>
+          <a:r>
+            <a:rPr lang="en-US" altLang="ko-KR" sz="900" kern="1200" dirty="0" err="1">
+              <a:latin typeface="Palatino Linotype" panose="02040502050505030304" pitchFamily="18" charset="0"/>
+            </a:rPr>
+            <a:t>Entfernen</a:t>
+          </a:r>
+          <a:r>
+            <a:rPr lang="en-US" altLang="ko-KR" sz="900" kern="1200" dirty="0">
+              <a:latin typeface="Palatino Linotype" panose="02040502050505030304" pitchFamily="18" charset="0"/>
+            </a:rPr>
+            <a:t> un</a:t>
+          </a:r>
+          <a:r>
+            <a:rPr lang="de-DE" altLang="ko-KR" sz="900" kern="1200" dirty="0">
+              <a:latin typeface="Palatino Linotype" panose="02040502050505030304" pitchFamily="18" charset="0"/>
+            </a:rPr>
+            <a:t>vollständiger </a:t>
+          </a:r>
+          <a:r>
+            <a:rPr lang="en-US" altLang="ko-KR" sz="900" kern="1200" dirty="0" err="1">
+              <a:latin typeface="Palatino Linotype" panose="02040502050505030304" pitchFamily="18" charset="0"/>
+            </a:rPr>
+            <a:t>Daten</a:t>
+          </a:r>
+          <a:endParaRPr lang="ko-KR" altLang="en-US" sz="900" kern="1200" dirty="0">
+            <a:latin typeface="Palatino Linotype" panose="02040502050505030304" pitchFamily="18" charset="0"/>
+          </a:endParaRPr>
+        </a:p>
+      </dsp:txBody>
+      <dsp:txXfrm>
+        <a:off x="3291976" y="1077769"/>
+        <a:ext cx="1005781" cy="629904"/>
+      </dsp:txXfrm>
+    </dsp:sp>
+    <dsp:sp modelId="{AB69BEC0-8296-4D79-8B4D-DB7A3D892A19}">
+      <dsp:nvSpPr>
+        <dsp:cNvPr id="0" name=""/>
+        <dsp:cNvSpPr/>
+      </dsp:nvSpPr>
+      <dsp:spPr>
+        <a:xfrm>
+          <a:off x="3002731" y="1594886"/>
+          <a:ext cx="3289167" cy="3289167"/>
+        </a:xfrm>
+        <a:custGeom>
+          <a:avLst/>
+          <a:gdLst/>
+          <a:ahLst/>
+          <a:cxnLst/>
+          <a:rect l="0" t="0" r="0" b="0"/>
+          <a:pathLst>
+            <a:path>
+              <a:moveTo>
+                <a:pt x="1254693" y="46885"/>
+              </a:moveTo>
+              <a:arcTo wR="1644583" hR="1644583" stAng="15377160" swAng="2052279"/>
+            </a:path>
+          </a:pathLst>
+        </a:custGeom>
+        <a:noFill/>
+        <a:ln w="31750" cap="flat" cmpd="sng" algn="ctr">
+          <a:solidFill>
+            <a:srgbClr val="02305A"/>
+          </a:solidFill>
+          <a:prstDash val="solid"/>
+          <a:miter lim="800000"/>
+          <a:tailEnd type="arrow"/>
+        </a:ln>
+        <a:effectLst/>
+        <a:sp3d z="-40000" prstMaterial="matte"/>
+      </dsp:spPr>
+      <dsp:style>
+        <a:lnRef idx="1">
+          <a:scrgbClr r="0" g="0" b="0"/>
+        </a:lnRef>
+        <a:fillRef idx="0">
+          <a:scrgbClr r="0" g="0" b="0"/>
+        </a:fillRef>
+        <a:effectRef idx="0">
+          <a:scrgbClr r="0" g="0" b="0"/>
+        </a:effectRef>
+        <a:fontRef idx="minor"/>
+      </dsp:style>
+    </dsp:sp>
+    <dsp:sp modelId="{F4B42199-956C-4331-A5D5-288FFCE16D9D}">
+      <dsp:nvSpPr>
+        <dsp:cNvPr id="0" name=""/>
+        <dsp:cNvSpPr/>
+      </dsp:nvSpPr>
+      <dsp:spPr>
+        <a:xfrm>
+          <a:off x="4960127" y="1832374"/>
+          <a:ext cx="1073933" cy="698056"/>
+        </a:xfrm>
+        <a:prstGeom prst="roundRect">
+          <a:avLst/>
+        </a:prstGeom>
+        <a:solidFill>
+          <a:srgbClr val="02305A"/>
+        </a:solidFill>
+        <a:ln>
+          <a:noFill/>
+        </a:ln>
+        <a:effectLst/>
+        <a:sp3d extrusionH="381000" contourW="38100" prstMaterial="matte">
+          <a:contourClr>
+            <a:schemeClr val="lt1"/>
+          </a:contourClr>
+        </a:sp3d>
+      </dsp:spPr>
+      <dsp:style>
+        <a:lnRef idx="0">
+          <a:scrgbClr r="0" g="0" b="0"/>
+        </a:lnRef>
+        <a:fillRef idx="1">
+          <a:scrgbClr r="0" g="0" b="0"/>
+        </a:fillRef>
+        <a:effectRef idx="0">
+          <a:scrgbClr r="0" g="0" b="0"/>
+        </a:effectRef>
+        <a:fontRef idx="minor">
+          <a:schemeClr val="lt1"/>
+        </a:fontRef>
+      </dsp:style>
+      <dsp:txBody>
+        <a:bodyPr spcFirstLastPara="0" vert="horz" wrap="square" lIns="34290" tIns="34290" rIns="34290" bIns="34290" numCol="1" spcCol="1270" anchor="ctr" anchorCtr="0">
+          <a:noAutofit/>
+        </a:bodyPr>
+        <a:lstStyle/>
+        <a:p>
+          <a:pPr marL="0" lvl="0" indent="0" algn="ctr" defTabSz="400050" latinLnBrk="1">
+            <a:lnSpc>
+              <a:spcPct val="90000"/>
+            </a:lnSpc>
+            <a:spcBef>
+              <a:spcPct val="0"/>
+            </a:spcBef>
+            <a:spcAft>
+              <a:spcPct val="35000"/>
+            </a:spcAft>
+            <a:buNone/>
+          </a:pPr>
+          <a:r>
+            <a:rPr lang="en-US" altLang="ko-KR" sz="900" kern="1200" dirty="0" err="1">
+              <a:latin typeface="Palatino Linotype" panose="02040502050505030304" pitchFamily="18" charset="0"/>
+            </a:rPr>
+            <a:t>Entfernen</a:t>
+          </a:r>
+          <a:r>
+            <a:rPr lang="en-US" altLang="ko-KR" sz="900" kern="1200" dirty="0">
+              <a:latin typeface="Palatino Linotype" panose="02040502050505030304" pitchFamily="18" charset="0"/>
+            </a:rPr>
+            <a:t> der </a:t>
+          </a:r>
+          <a:r>
+            <a:rPr lang="en-US" altLang="ko-KR" sz="900" kern="1200" dirty="0" err="1">
+              <a:latin typeface="Palatino Linotype" panose="02040502050505030304" pitchFamily="18" charset="0"/>
+            </a:rPr>
+            <a:t>Anomaliedaten</a:t>
+          </a:r>
+          <a:endParaRPr lang="ko-KR" altLang="en-US" sz="900" kern="1200" dirty="0">
+            <a:latin typeface="Palatino Linotype" panose="02040502050505030304" pitchFamily="18" charset="0"/>
+          </a:endParaRPr>
+        </a:p>
+      </dsp:txBody>
+      <dsp:txXfrm>
+        <a:off x="4994203" y="1866450"/>
+        <a:ext cx="1005781" cy="629904"/>
+      </dsp:txXfrm>
+    </dsp:sp>
+    <dsp:sp modelId="{C159BF99-BD07-4B95-8A2A-D194A7218805}">
+      <dsp:nvSpPr>
+        <dsp:cNvPr id="0" name=""/>
+        <dsp:cNvSpPr/>
+      </dsp:nvSpPr>
+      <dsp:spPr>
+        <a:xfrm>
+          <a:off x="2952054" y="-522483"/>
+          <a:ext cx="3289167" cy="3289167"/>
+        </a:xfrm>
+        <a:custGeom>
+          <a:avLst/>
+          <a:gdLst/>
+          <a:ahLst/>
+          <a:cxnLst/>
+          <a:rect l="0" t="0" r="0" b="0"/>
+          <a:pathLst>
+            <a:path>
+              <a:moveTo>
+                <a:pt x="2249752" y="3173775"/>
+              </a:moveTo>
+              <a:arcTo wR="1644583" hR="1644583" stAng="4104546" swAng="1798766"/>
+            </a:path>
+          </a:pathLst>
+        </a:custGeom>
+        <a:noFill/>
+        <a:ln w="31750" cap="flat" cmpd="sng" algn="ctr">
+          <a:solidFill>
+            <a:srgbClr val="02305A"/>
+          </a:solidFill>
+          <a:prstDash val="solid"/>
+          <a:miter lim="800000"/>
+          <a:tailEnd type="arrow"/>
+        </a:ln>
+        <a:effectLst/>
+        <a:sp3d z="-40000" prstMaterial="matte"/>
+      </dsp:spPr>
+      <dsp:style>
+        <a:lnRef idx="1">
+          <a:scrgbClr r="0" g="0" b="0"/>
+        </a:lnRef>
+        <a:fillRef idx="0">
+          <a:scrgbClr r="0" g="0" b="0"/>
+        </a:fillRef>
+        <a:effectRef idx="0">
+          <a:scrgbClr r="0" g="0" b="0"/>
+        </a:effectRef>
+        <a:fontRef idx="minor"/>
+      </dsp:style>
+    </dsp:sp>
+    <dsp:sp modelId="{6229E11A-BD8F-4F8A-9E9B-01489C72DD44}">
+      <dsp:nvSpPr>
+        <dsp:cNvPr id="0" name=""/>
+        <dsp:cNvSpPr/>
+      </dsp:nvSpPr>
+      <dsp:spPr>
+        <a:xfrm>
+          <a:off x="3221744" y="2687173"/>
+          <a:ext cx="1073933" cy="698056"/>
+        </a:xfrm>
+        <a:prstGeom prst="roundRect">
+          <a:avLst/>
+        </a:prstGeom>
+        <a:solidFill>
+          <a:srgbClr val="02305A"/>
+        </a:solidFill>
+        <a:ln>
+          <a:noFill/>
+        </a:ln>
+        <a:effectLst/>
+        <a:sp3d extrusionH="381000" contourW="38100" prstMaterial="matte">
+          <a:contourClr>
+            <a:schemeClr val="lt1"/>
+          </a:contourClr>
+        </a:sp3d>
+      </dsp:spPr>
+      <dsp:style>
+        <a:lnRef idx="0">
+          <a:scrgbClr r="0" g="0" b="0"/>
+        </a:lnRef>
+        <a:fillRef idx="1">
+          <a:scrgbClr r="0" g="0" b="0"/>
+        </a:fillRef>
+        <a:effectRef idx="0">
+          <a:scrgbClr r="0" g="0" b="0"/>
+        </a:effectRef>
+        <a:fontRef idx="minor">
+          <a:schemeClr val="lt1"/>
+        </a:fontRef>
+      </dsp:style>
+      <dsp:txBody>
+        <a:bodyPr spcFirstLastPara="0" vert="horz" wrap="square" lIns="34290" tIns="34290" rIns="34290" bIns="34290" numCol="1" spcCol="1270" anchor="ctr" anchorCtr="0">
+          <a:noAutofit/>
+        </a:bodyPr>
+        <a:lstStyle/>
+        <a:p>
+          <a:pPr marL="0" lvl="0" indent="0" algn="ctr" defTabSz="400050" latinLnBrk="1">
+            <a:lnSpc>
+              <a:spcPct val="90000"/>
+            </a:lnSpc>
+            <a:spcBef>
+              <a:spcPct val="0"/>
+            </a:spcBef>
+            <a:spcAft>
+              <a:spcPct val="35000"/>
+            </a:spcAft>
+            <a:buNone/>
+          </a:pPr>
+          <a:r>
+            <a:rPr lang="en-US" altLang="ko-KR" sz="900" kern="1200" dirty="0" err="1">
+              <a:latin typeface="Palatino Linotype" panose="02040502050505030304" pitchFamily="18" charset="0"/>
+            </a:rPr>
+            <a:t>Datenbereinigung</a:t>
+          </a:r>
+          <a:endParaRPr lang="ko-KR" altLang="en-US" sz="900" kern="1200" dirty="0">
+            <a:latin typeface="Palatino Linotype" panose="02040502050505030304" pitchFamily="18" charset="0"/>
+          </a:endParaRPr>
+        </a:p>
+      </dsp:txBody>
+      <dsp:txXfrm>
+        <a:off x="3255820" y="2721249"/>
+        <a:ext cx="1005781" cy="629904"/>
+      </dsp:txXfrm>
+    </dsp:sp>
+    <dsp:sp modelId="{0221D519-0CFD-49D5-BC99-48CB878A440E}">
+      <dsp:nvSpPr>
+        <dsp:cNvPr id="0" name=""/>
+        <dsp:cNvSpPr/>
+      </dsp:nvSpPr>
+      <dsp:spPr>
+        <a:xfrm>
+          <a:off x="321386" y="550518"/>
+          <a:ext cx="3289167" cy="3289167"/>
+        </a:xfrm>
+        <a:custGeom>
+          <a:avLst/>
+          <a:gdLst/>
+          <a:ahLst/>
+          <a:cxnLst/>
+          <a:rect l="0" t="0" r="0" b="0"/>
+          <a:pathLst>
+            <a:path>
+              <a:moveTo>
+                <a:pt x="2595944" y="2986063"/>
+              </a:moveTo>
+              <a:arcTo wR="1644583" hR="1644583" stAng="3279373" swAng="2953039"/>
+            </a:path>
+          </a:pathLst>
+        </a:custGeom>
+        <a:noFill/>
+        <a:ln w="31750" cap="flat" cmpd="sng" algn="ctr">
+          <a:solidFill>
+            <a:srgbClr val="02305A"/>
+          </a:solidFill>
+          <a:prstDash val="solid"/>
+          <a:miter lim="800000"/>
+          <a:tailEnd type="arrow"/>
+        </a:ln>
+        <a:effectLst/>
+        <a:sp3d z="-40000" prstMaterial="matte"/>
+      </dsp:spPr>
+      <dsp:style>
+        <a:lnRef idx="1">
+          <a:scrgbClr r="0" g="0" b="0"/>
+        </a:lnRef>
+        <a:fillRef idx="0">
+          <a:scrgbClr r="0" g="0" b="0"/>
+        </a:fillRef>
+        <a:effectRef idx="0">
+          <a:scrgbClr r="0" g="0" b="0"/>
+        </a:effectRef>
+        <a:fontRef idx="minor"/>
+      </dsp:style>
+    </dsp:sp>
+    <dsp:sp modelId="{14588959-D302-4E7F-B6C8-EB4E855A7744}">
+      <dsp:nvSpPr>
+        <dsp:cNvPr id="0" name=""/>
+        <dsp:cNvSpPr/>
+      </dsp:nvSpPr>
+      <dsp:spPr>
+        <a:xfrm>
+          <a:off x="387105" y="2944918"/>
+          <a:ext cx="1073933" cy="698056"/>
+        </a:xfrm>
+        <a:prstGeom prst="roundRect">
+          <a:avLst/>
+        </a:prstGeom>
+        <a:solidFill>
+          <a:srgbClr val="02305A"/>
+        </a:solidFill>
+        <a:ln>
+          <a:noFill/>
+        </a:ln>
+        <a:effectLst/>
+        <a:sp3d extrusionH="381000" contourW="38100" prstMaterial="matte">
+          <a:contourClr>
+            <a:schemeClr val="lt1"/>
+          </a:contourClr>
+        </a:sp3d>
+      </dsp:spPr>
+      <dsp:style>
+        <a:lnRef idx="0">
+          <a:scrgbClr r="0" g="0" b="0"/>
+        </a:lnRef>
+        <a:fillRef idx="1">
+          <a:scrgbClr r="0" g="0" b="0"/>
+        </a:fillRef>
+        <a:effectRef idx="0">
+          <a:scrgbClr r="0" g="0" b="0"/>
+        </a:effectRef>
+        <a:fontRef idx="minor">
+          <a:schemeClr val="lt1"/>
+        </a:fontRef>
+      </dsp:style>
+      <dsp:txBody>
+        <a:bodyPr spcFirstLastPara="0" vert="horz" wrap="square" lIns="34290" tIns="34290" rIns="34290" bIns="34290" numCol="1" spcCol="1270" anchor="ctr" anchorCtr="0">
+          <a:noAutofit/>
+        </a:bodyPr>
+        <a:lstStyle/>
+        <a:p>
+          <a:pPr marL="0" lvl="0" indent="0" algn="ctr" defTabSz="400050" latinLnBrk="1">
+            <a:lnSpc>
+              <a:spcPct val="90000"/>
+            </a:lnSpc>
+            <a:spcBef>
+              <a:spcPct val="0"/>
+            </a:spcBef>
+            <a:spcAft>
+              <a:spcPct val="35000"/>
+            </a:spcAft>
+            <a:buNone/>
+          </a:pPr>
+          <a:endParaRPr lang="ko-KR" altLang="en-US" sz="900" kern="1200" dirty="0">
+            <a:latin typeface="Palatino Linotype" panose="02040502050505030304" pitchFamily="18" charset="0"/>
+          </a:endParaRPr>
+        </a:p>
+      </dsp:txBody>
+      <dsp:txXfrm>
+        <a:off x="421181" y="2978994"/>
+        <a:ext cx="1005781" cy="629904"/>
+      </dsp:txXfrm>
+    </dsp:sp>
+    <dsp:sp modelId="{6D6B942E-1335-4BEB-B49A-3C30485E26C2}">
+      <dsp:nvSpPr>
+        <dsp:cNvPr id="0" name=""/>
+        <dsp:cNvSpPr/>
+      </dsp:nvSpPr>
+      <dsp:spPr>
+        <a:xfrm>
+          <a:off x="553090" y="530439"/>
+          <a:ext cx="3289167" cy="3289167"/>
+        </a:xfrm>
+        <a:custGeom>
+          <a:avLst/>
+          <a:gdLst/>
+          <a:ahLst/>
+          <a:cxnLst/>
+          <a:rect l="0" t="0" r="0" b="0"/>
+          <a:pathLst>
+            <a:path>
+              <a:moveTo>
+                <a:pt x="137451" y="2302770"/>
+              </a:moveTo>
+              <a:arcTo wR="1644583" hR="1644583" stAng="9384504" swAng="785770"/>
+            </a:path>
+          </a:pathLst>
+        </a:custGeom>
+        <a:noFill/>
+        <a:ln w="6350" cap="flat" cmpd="sng" algn="ctr">
+          <a:solidFill>
+            <a:schemeClr val="accent1">
+              <a:hueOff val="0"/>
+              <a:satOff val="0"/>
+              <a:lumOff val="0"/>
+              <a:alphaOff val="0"/>
+            </a:schemeClr>
+          </a:solidFill>
+          <a:prstDash val="solid"/>
+          <a:miter lim="800000"/>
+          <a:tailEnd type="arrow"/>
+        </a:ln>
+        <a:effectLst/>
+        <a:sp3d z="-40000" prstMaterial="matte"/>
+      </dsp:spPr>
+      <dsp:style>
+        <a:lnRef idx="1">
+          <a:scrgbClr r="0" g="0" b="0"/>
+        </a:lnRef>
+        <a:fillRef idx="0">
+          <a:scrgbClr r="0" g="0" b="0"/>
+        </a:fillRef>
+        <a:effectRef idx="0">
+          <a:scrgbClr r="0" g="0" b="0"/>
+        </a:effectRef>
+        <a:fontRef idx="minor"/>
+      </dsp:style>
+    </dsp:sp>
+    <dsp:sp modelId="{B14FDCCB-8168-4FF2-8E4D-ED10492710C3}">
+      <dsp:nvSpPr>
+        <dsp:cNvPr id="0" name=""/>
+        <dsp:cNvSpPr/>
+      </dsp:nvSpPr>
+      <dsp:spPr>
+        <a:xfrm>
+          <a:off x="0" y="1653822"/>
+          <a:ext cx="1073933" cy="698056"/>
+        </a:xfrm>
+        <a:prstGeom prst="roundRect">
+          <a:avLst/>
+        </a:prstGeom>
+        <a:solidFill>
+          <a:srgbClr val="02305A"/>
+        </a:solidFill>
+        <a:ln>
+          <a:noFill/>
+        </a:ln>
+        <a:effectLst/>
+        <a:sp3d extrusionH="381000" contourW="38100" prstMaterial="matte">
+          <a:contourClr>
+            <a:schemeClr val="lt1"/>
+          </a:contourClr>
+        </a:sp3d>
+      </dsp:spPr>
+      <dsp:style>
+        <a:lnRef idx="0">
+          <a:scrgbClr r="0" g="0" b="0"/>
+        </a:lnRef>
+        <a:fillRef idx="1">
+          <a:scrgbClr r="0" g="0" b="0"/>
+        </a:fillRef>
+        <a:effectRef idx="0">
+          <a:scrgbClr r="0" g="0" b="0"/>
+        </a:effectRef>
+        <a:fontRef idx="minor">
+          <a:schemeClr val="lt1"/>
+        </a:fontRef>
+      </dsp:style>
+      <dsp:txBody>
+        <a:bodyPr spcFirstLastPara="0" vert="horz" wrap="square" lIns="34290" tIns="34290" rIns="34290" bIns="34290" numCol="1" spcCol="1270" anchor="ctr" anchorCtr="0">
+          <a:noAutofit/>
+        </a:bodyPr>
+        <a:lstStyle/>
+        <a:p>
+          <a:pPr marL="0" lvl="0" indent="0" algn="ctr" defTabSz="400050" latinLnBrk="1">
+            <a:lnSpc>
+              <a:spcPct val="90000"/>
+            </a:lnSpc>
+            <a:spcBef>
+              <a:spcPct val="0"/>
+            </a:spcBef>
+            <a:spcAft>
+              <a:spcPct val="35000"/>
+            </a:spcAft>
+            <a:buNone/>
+          </a:pPr>
+          <a:endParaRPr lang="ko-KR" altLang="en-US" sz="900" kern="1200" dirty="0">
+            <a:latin typeface="Palatino Linotype" panose="02040502050505030304" pitchFamily="18" charset="0"/>
+          </a:endParaRPr>
+        </a:p>
+      </dsp:txBody>
+      <dsp:txXfrm>
+        <a:off x="34076" y="1687898"/>
+        <a:ext cx="1005781" cy="629904"/>
+      </dsp:txXfrm>
+    </dsp:sp>
+    <dsp:sp modelId="{62F3254E-0DB5-4746-920C-7EFFC84C3055}">
+      <dsp:nvSpPr>
+        <dsp:cNvPr id="0" name=""/>
+        <dsp:cNvSpPr/>
+      </dsp:nvSpPr>
+      <dsp:spPr>
+        <a:xfrm>
+          <a:off x="374470" y="-750878"/>
+          <a:ext cx="3289167" cy="3289167"/>
+        </a:xfrm>
+        <a:custGeom>
+          <a:avLst/>
+          <a:gdLst/>
+          <a:ahLst/>
+          <a:cxnLst/>
+          <a:rect l="0" t="0" r="0" b="0"/>
+          <a:pathLst>
+            <a:path>
+              <a:moveTo>
+                <a:pt x="145291" y="2320438"/>
+              </a:moveTo>
+              <a:arcTo wR="1644583" hR="1644583" stAng="9344098" swAng="590815"/>
+            </a:path>
+          </a:pathLst>
+        </a:custGeom>
+        <a:noFill/>
+        <a:ln w="6350" cap="flat" cmpd="sng" algn="ctr">
+          <a:solidFill>
+            <a:schemeClr val="accent1">
+              <a:hueOff val="0"/>
+              <a:satOff val="0"/>
+              <a:lumOff val="0"/>
+              <a:alphaOff val="0"/>
+            </a:schemeClr>
+          </a:solidFill>
+          <a:prstDash val="solid"/>
+          <a:miter lim="800000"/>
+          <a:tailEnd type="arrow"/>
+        </a:ln>
+        <a:effectLst/>
+        <a:sp3d z="-40000" prstMaterial="matte"/>
+      </dsp:spPr>
+      <dsp:style>
+        <a:lnRef idx="1">
+          <a:scrgbClr r="0" g="0" b="0"/>
+        </a:lnRef>
+        <a:fillRef idx="0">
+          <a:scrgbClr r="0" g="0" b="0"/>
+        </a:fillRef>
+        <a:effectRef idx="0">
+          <a:scrgbClr r="0" g="0" b="0"/>
+        </a:effectRef>
+        <a:fontRef idx="minor"/>
+      </dsp:style>
+    </dsp:sp>
+  </dsp:spTree>
+</dsp:drawing>
+</file>
+
+<file path=ppt/diagrams/drawing2.xml><?xml version="1.0" encoding="utf-8"?>
+<dsp:drawing xmlns:dgm="http://schemas.openxmlformats.org/drawingml/2006/diagram" xmlns:dsp="http://schemas.microsoft.com/office/drawing/2008/diagram" xmlns:a="http://schemas.openxmlformats.org/drawingml/2006/main">
+  <dsp:spTree>
+    <dsp:nvGrpSpPr>
+      <dsp:cNvPr id="0" name=""/>
+      <dsp:cNvGrpSpPr/>
+    </dsp:nvGrpSpPr>
+    <dsp:grpSpPr/>
+    <dsp:sp modelId="{FFC3AABA-57E9-4119-BBC3-F94F75C20B7F}">
+      <dsp:nvSpPr>
+        <dsp:cNvPr id="0" name=""/>
+        <dsp:cNvSpPr/>
+      </dsp:nvSpPr>
+      <dsp:spPr>
+        <a:xfrm>
+          <a:off x="2579259" y="1920"/>
+          <a:ext cx="1074310" cy="698302"/>
+        </a:xfrm>
+        <a:prstGeom prst="roundRect">
+          <a:avLst/>
+        </a:prstGeom>
+        <a:solidFill>
+          <a:srgbClr val="02305A"/>
+        </a:solidFill>
+        <a:ln>
+          <a:noFill/>
+        </a:ln>
+        <a:effectLst/>
+        <a:sp3d extrusionH="381000" contourW="38100" prstMaterial="matte">
+          <a:contourClr>
+            <a:schemeClr val="lt1"/>
+          </a:contourClr>
+        </a:sp3d>
+      </dsp:spPr>
+      <dsp:style>
+        <a:lnRef idx="0">
+          <a:scrgbClr r="0" g="0" b="0"/>
+        </a:lnRef>
+        <a:fillRef idx="1">
+          <a:scrgbClr r="0" g="0" b="0"/>
+        </a:fillRef>
+        <a:effectRef idx="0">
+          <a:scrgbClr r="0" g="0" b="0"/>
+        </a:effectRef>
+        <a:fontRef idx="minor">
+          <a:schemeClr val="lt1"/>
+        </a:fontRef>
+      </dsp:style>
+      <dsp:txBody>
+        <a:bodyPr spcFirstLastPara="0" vert="horz" wrap="square" lIns="34290" tIns="34290" rIns="34290" bIns="34290" numCol="1" spcCol="1270" anchor="ctr" anchorCtr="0">
+          <a:noAutofit/>
+        </a:bodyPr>
+        <a:lstStyle/>
+        <a:p>
+          <a:pPr marL="0" lvl="0" indent="0" algn="ctr" defTabSz="400050" latinLnBrk="1">
+            <a:lnSpc>
+              <a:spcPct val="90000"/>
+            </a:lnSpc>
+            <a:spcBef>
+              <a:spcPct val="0"/>
+            </a:spcBef>
+            <a:spcAft>
+              <a:spcPct val="35000"/>
+            </a:spcAft>
+            <a:buNone/>
+          </a:pPr>
+          <a:r>
+            <a:rPr lang="en-US" altLang="ko-KR" sz="900" kern="1200" dirty="0" err="1">
+              <a:latin typeface="Palatino Linotype" panose="02040502050505030304" pitchFamily="18" charset="0"/>
+            </a:rPr>
+            <a:t>Datenbeschaffung</a:t>
+          </a:r>
+          <a:endParaRPr lang="ko-KR" altLang="en-US" sz="900" kern="1200" dirty="0">
+            <a:latin typeface="Palatino Linotype" panose="02040502050505030304" pitchFamily="18" charset="0"/>
+          </a:endParaRPr>
+        </a:p>
+      </dsp:txBody>
+      <dsp:txXfrm>
+        <a:off x="2613347" y="36008"/>
+        <a:ext cx="1006134" cy="630126"/>
+      </dsp:txXfrm>
+    </dsp:sp>
+    <dsp:sp modelId="{AB69BEC0-8296-4D79-8B4D-DB7A3D892A19}">
+      <dsp:nvSpPr>
+        <dsp:cNvPr id="0" name=""/>
+        <dsp:cNvSpPr/>
+      </dsp:nvSpPr>
+      <dsp:spPr>
+        <a:xfrm>
+          <a:off x="1469810" y="351071"/>
+          <a:ext cx="3293208" cy="3293208"/>
+        </a:xfrm>
+        <a:custGeom>
+          <a:avLst/>
+          <a:gdLst/>
+          <a:ahLst/>
+          <a:cxnLst/>
+          <a:rect l="0" t="0" r="0" b="0"/>
+          <a:pathLst>
+            <a:path>
+              <a:moveTo>
+                <a:pt x="2319200" y="143633"/>
+              </a:moveTo>
+              <a:arcTo wR="1646604" hR="1646604" stAng="17646543" swAng="925201"/>
+            </a:path>
+          </a:pathLst>
+        </a:custGeom>
+        <a:noFill/>
+        <a:ln w="31750" cap="flat" cmpd="sng" algn="ctr">
+          <a:solidFill>
+            <a:srgbClr val="02305A"/>
+          </a:solidFill>
+          <a:prstDash val="solid"/>
+          <a:miter lim="800000"/>
+          <a:tailEnd type="arrow"/>
+        </a:ln>
+        <a:effectLst/>
+        <a:sp3d z="-40000" prstMaterial="matte"/>
+      </dsp:spPr>
+      <dsp:style>
+        <a:lnRef idx="1">
+          <a:scrgbClr r="0" g="0" b="0"/>
+        </a:lnRef>
+        <a:fillRef idx="0">
+          <a:scrgbClr r="0" g="0" b="0"/>
+        </a:fillRef>
+        <a:effectRef idx="0">
+          <a:scrgbClr r="0" g="0" b="0"/>
+        </a:effectRef>
+        <a:fontRef idx="minor"/>
+      </dsp:style>
+    </dsp:sp>
+    <dsp:sp modelId="{F4B42199-956C-4331-A5D5-288FFCE16D9D}">
+      <dsp:nvSpPr>
+        <dsp:cNvPr id="0" name=""/>
+        <dsp:cNvSpPr/>
+      </dsp:nvSpPr>
+      <dsp:spPr>
+        <a:xfrm>
+          <a:off x="4005260" y="825222"/>
+          <a:ext cx="1074310" cy="698302"/>
+        </a:xfrm>
+        <a:prstGeom prst="roundRect">
+          <a:avLst/>
+        </a:prstGeom>
+        <a:solidFill>
+          <a:srgbClr val="02305A"/>
+        </a:solidFill>
+        <a:ln>
+          <a:noFill/>
+        </a:ln>
+        <a:effectLst/>
+        <a:sp3d extrusionH="381000" contourW="38100" prstMaterial="matte">
+          <a:contourClr>
+            <a:schemeClr val="lt1"/>
+          </a:contourClr>
+        </a:sp3d>
+      </dsp:spPr>
+      <dsp:style>
+        <a:lnRef idx="0">
+          <a:scrgbClr r="0" g="0" b="0"/>
+        </a:lnRef>
+        <a:fillRef idx="1">
+          <a:scrgbClr r="0" g="0" b="0"/>
+        </a:fillRef>
+        <a:effectRef idx="0">
+          <a:scrgbClr r="0" g="0" b="0"/>
+        </a:effectRef>
+        <a:fontRef idx="minor">
+          <a:schemeClr val="lt1"/>
+        </a:fontRef>
+      </dsp:style>
+      <dsp:txBody>
+        <a:bodyPr spcFirstLastPara="0" vert="horz" wrap="square" lIns="34290" tIns="34290" rIns="34290" bIns="34290" numCol="1" spcCol="1270" anchor="ctr" anchorCtr="0">
+          <a:noAutofit/>
+        </a:bodyPr>
+        <a:lstStyle/>
+        <a:p>
+          <a:pPr marL="0" lvl="0" indent="0" algn="ctr" defTabSz="400050" latinLnBrk="1">
+            <a:lnSpc>
+              <a:spcPct val="90000"/>
+            </a:lnSpc>
+            <a:spcBef>
+              <a:spcPct val="0"/>
+            </a:spcBef>
+            <a:spcAft>
+              <a:spcPct val="35000"/>
+            </a:spcAft>
+            <a:buNone/>
+          </a:pPr>
+          <a:r>
+            <a:rPr lang="en-US" altLang="ko-KR" sz="900" kern="1200" dirty="0" err="1">
+              <a:latin typeface="Palatino Linotype" panose="02040502050505030304" pitchFamily="18" charset="0"/>
+            </a:rPr>
+            <a:t>Inspektion</a:t>
+          </a:r>
+          <a:r>
+            <a:rPr lang="en-US" altLang="ko-KR" sz="900" kern="1200" dirty="0">
+              <a:latin typeface="Palatino Linotype" panose="02040502050505030304" pitchFamily="18" charset="0"/>
+            </a:rPr>
+            <a:t> und </a:t>
+          </a:r>
+          <a:r>
+            <a:rPr lang="en-US" altLang="ko-KR" sz="900" kern="1200" dirty="0" err="1">
+              <a:latin typeface="Palatino Linotype" panose="02040502050505030304" pitchFamily="18" charset="0"/>
+            </a:rPr>
+            <a:t>Erkundung</a:t>
+          </a:r>
+          <a:endParaRPr lang="ko-KR" altLang="en-US" sz="900" kern="1200" dirty="0">
+            <a:latin typeface="Palatino Linotype" panose="02040502050505030304" pitchFamily="18" charset="0"/>
+          </a:endParaRPr>
+        </a:p>
+      </dsp:txBody>
+      <dsp:txXfrm>
+        <a:off x="4039348" y="859310"/>
+        <a:ext cx="1006134" cy="630126"/>
+      </dsp:txXfrm>
+    </dsp:sp>
+    <dsp:sp modelId="{C159BF99-BD07-4B95-8A2A-D194A7218805}">
+      <dsp:nvSpPr>
+        <dsp:cNvPr id="0" name=""/>
+        <dsp:cNvSpPr/>
+      </dsp:nvSpPr>
+      <dsp:spPr>
+        <a:xfrm>
+          <a:off x="1469810" y="351071"/>
+          <a:ext cx="3293208" cy="3293208"/>
+        </a:xfrm>
+        <a:custGeom>
+          <a:avLst/>
+          <a:gdLst/>
+          <a:ahLst/>
+          <a:cxnLst/>
+          <a:rect l="0" t="0" r="0" b="0"/>
+          <a:pathLst>
+            <a:path>
+              <a:moveTo>
+                <a:pt x="3267508" y="1356820"/>
+              </a:moveTo>
+              <a:arcTo wR="1646604" hR="1646604" stAng="20991828" swAng="1216343"/>
+            </a:path>
+          </a:pathLst>
+        </a:custGeom>
+        <a:noFill/>
+        <a:ln w="31750" cap="flat" cmpd="sng" algn="ctr">
+          <a:solidFill>
+            <a:srgbClr val="02305A"/>
+          </a:solidFill>
+          <a:prstDash val="solid"/>
+          <a:miter lim="800000"/>
+          <a:tailEnd type="arrow"/>
+        </a:ln>
+        <a:effectLst/>
+        <a:sp3d z="-40000" prstMaterial="matte"/>
+      </dsp:spPr>
+      <dsp:style>
+        <a:lnRef idx="1">
+          <a:scrgbClr r="0" g="0" b="0"/>
+        </a:lnRef>
+        <a:fillRef idx="0">
+          <a:scrgbClr r="0" g="0" b="0"/>
+        </a:fillRef>
+        <a:effectRef idx="0">
+          <a:scrgbClr r="0" g="0" b="0"/>
+        </a:effectRef>
+        <a:fontRef idx="minor"/>
+      </dsp:style>
+    </dsp:sp>
+    <dsp:sp modelId="{6229E11A-BD8F-4F8A-9E9B-01489C72DD44}">
+      <dsp:nvSpPr>
+        <dsp:cNvPr id="0" name=""/>
+        <dsp:cNvSpPr/>
+      </dsp:nvSpPr>
+      <dsp:spPr>
+        <a:xfrm>
+          <a:off x="4005260" y="2471827"/>
+          <a:ext cx="1074310" cy="698302"/>
+        </a:xfrm>
+        <a:prstGeom prst="roundRect">
+          <a:avLst/>
+        </a:prstGeom>
+        <a:solidFill>
+          <a:srgbClr val="02305A"/>
+        </a:solidFill>
+        <a:ln>
+          <a:noFill/>
+        </a:ln>
+        <a:effectLst/>
+        <a:sp3d extrusionH="381000" contourW="38100" prstMaterial="matte">
+          <a:contourClr>
+            <a:schemeClr val="lt1"/>
+          </a:contourClr>
+        </a:sp3d>
+      </dsp:spPr>
+      <dsp:style>
+        <a:lnRef idx="0">
+          <a:scrgbClr r="0" g="0" b="0"/>
+        </a:lnRef>
+        <a:fillRef idx="1">
+          <a:scrgbClr r="0" g="0" b="0"/>
+        </a:fillRef>
+        <a:effectRef idx="0">
+          <a:scrgbClr r="0" g="0" b="0"/>
+        </a:effectRef>
+        <a:fontRef idx="minor">
+          <a:schemeClr val="lt1"/>
+        </a:fontRef>
+      </dsp:style>
+      <dsp:txBody>
+        <a:bodyPr spcFirstLastPara="0" vert="horz" wrap="square" lIns="34290" tIns="34290" rIns="34290" bIns="34290" numCol="1" spcCol="1270" anchor="ctr" anchorCtr="0">
+          <a:noAutofit/>
+        </a:bodyPr>
+        <a:lstStyle/>
+        <a:p>
+          <a:pPr marL="0" lvl="0" indent="0" algn="ctr" defTabSz="400050" latinLnBrk="1">
+            <a:lnSpc>
+              <a:spcPct val="90000"/>
+            </a:lnSpc>
+            <a:spcBef>
+              <a:spcPct val="0"/>
+            </a:spcBef>
+            <a:spcAft>
+              <a:spcPct val="35000"/>
+            </a:spcAft>
+            <a:buNone/>
+          </a:pPr>
+          <a:r>
+            <a:rPr lang="en-US" altLang="ko-KR" sz="900" kern="1200" dirty="0" err="1">
+              <a:latin typeface="Palatino Linotype" panose="02040502050505030304" pitchFamily="18" charset="0"/>
+            </a:rPr>
+            <a:t>Vorverarbeitung</a:t>
+          </a:r>
+          <a:r>
+            <a:rPr lang="en-US" altLang="ko-KR" sz="900" kern="1200" dirty="0">
+              <a:latin typeface="Palatino Linotype" panose="02040502050505030304" pitchFamily="18" charset="0"/>
+            </a:rPr>
+            <a:t> und </a:t>
+          </a:r>
+          <a:r>
+            <a:rPr lang="en-US" altLang="ko-KR" sz="900" kern="1200" dirty="0" err="1">
+              <a:latin typeface="Palatino Linotype" panose="02040502050505030304" pitchFamily="18" charset="0"/>
+            </a:rPr>
+            <a:t>Bereinigung</a:t>
+          </a:r>
+          <a:endParaRPr lang="ko-KR" altLang="en-US" sz="900" kern="1200" dirty="0">
+            <a:latin typeface="Palatino Linotype" panose="02040502050505030304" pitchFamily="18" charset="0"/>
+          </a:endParaRPr>
+        </a:p>
+      </dsp:txBody>
+      <dsp:txXfrm>
+        <a:off x="4039348" y="2505915"/>
+        <a:ext cx="1006134" cy="630126"/>
+      </dsp:txXfrm>
+    </dsp:sp>
+    <dsp:sp modelId="{0221D519-0CFD-49D5-BC99-48CB878A440E}">
+      <dsp:nvSpPr>
+        <dsp:cNvPr id="0" name=""/>
+        <dsp:cNvSpPr/>
+      </dsp:nvSpPr>
+      <dsp:spPr>
+        <a:xfrm>
+          <a:off x="1469810" y="351071"/>
+          <a:ext cx="3293208" cy="3293208"/>
+        </a:xfrm>
+        <a:custGeom>
+          <a:avLst/>
+          <a:gdLst/>
+          <a:ahLst/>
+          <a:cxnLst/>
+          <a:rect l="0" t="0" r="0" b="0"/>
+          <a:pathLst>
+            <a:path>
+              <a:moveTo>
+                <a:pt x="2694617" y="2916633"/>
+              </a:moveTo>
+              <a:arcTo wR="1646604" hR="1646604" stAng="3028256" swAng="925201"/>
+            </a:path>
+          </a:pathLst>
+        </a:custGeom>
+        <a:noFill/>
+        <a:ln w="31750" cap="flat" cmpd="sng" algn="ctr">
+          <a:solidFill>
+            <a:srgbClr val="02305A"/>
+          </a:solidFill>
+          <a:prstDash val="solid"/>
+          <a:miter lim="800000"/>
+          <a:tailEnd type="arrow"/>
+        </a:ln>
+        <a:effectLst/>
+        <a:sp3d z="-40000" prstMaterial="matte"/>
+      </dsp:spPr>
+      <dsp:style>
+        <a:lnRef idx="1">
+          <a:scrgbClr r="0" g="0" b="0"/>
+        </a:lnRef>
+        <a:fillRef idx="0">
+          <a:scrgbClr r="0" g="0" b="0"/>
+        </a:fillRef>
+        <a:effectRef idx="0">
+          <a:scrgbClr r="0" g="0" b="0"/>
+        </a:effectRef>
+        <a:fontRef idx="minor"/>
+      </dsp:style>
+    </dsp:sp>
+    <dsp:sp modelId="{AB5D372E-2FFE-41FC-AE98-A72B3E11EE33}">
+      <dsp:nvSpPr>
+        <dsp:cNvPr id="0" name=""/>
+        <dsp:cNvSpPr/>
+      </dsp:nvSpPr>
+      <dsp:spPr>
+        <a:xfrm>
+          <a:off x="2579259" y="3295129"/>
+          <a:ext cx="1074310" cy="698302"/>
+        </a:xfrm>
+        <a:prstGeom prst="roundRect">
+          <a:avLst/>
+        </a:prstGeom>
+        <a:solidFill>
+          <a:srgbClr val="02305A"/>
+        </a:solidFill>
+        <a:ln>
+          <a:noFill/>
+        </a:ln>
+        <a:effectLst/>
+        <a:sp3d extrusionH="381000" contourW="38100" prstMaterial="matte">
+          <a:contourClr>
+            <a:schemeClr val="lt1"/>
+          </a:contourClr>
+        </a:sp3d>
+      </dsp:spPr>
+      <dsp:style>
+        <a:lnRef idx="0">
+          <a:scrgbClr r="0" g="0" b="0"/>
+        </a:lnRef>
+        <a:fillRef idx="1">
+          <a:scrgbClr r="0" g="0" b="0"/>
+        </a:fillRef>
+        <a:effectRef idx="0">
+          <a:scrgbClr r="0" g="0" b="0"/>
+        </a:effectRef>
+        <a:fontRef idx="minor">
+          <a:schemeClr val="lt1"/>
+        </a:fontRef>
+      </dsp:style>
+      <dsp:txBody>
+        <a:bodyPr spcFirstLastPara="0" vert="horz" wrap="square" lIns="34290" tIns="34290" rIns="34290" bIns="34290" numCol="1" spcCol="1270" anchor="ctr" anchorCtr="0">
+          <a:noAutofit/>
+        </a:bodyPr>
+        <a:lstStyle/>
+        <a:p>
+          <a:pPr marL="0" lvl="0" indent="0" algn="ctr" defTabSz="400050" latinLnBrk="1">
+            <a:lnSpc>
+              <a:spcPct val="90000"/>
+            </a:lnSpc>
+            <a:spcBef>
+              <a:spcPct val="0"/>
+            </a:spcBef>
+            <a:spcAft>
+              <a:spcPct val="35000"/>
+            </a:spcAft>
+            <a:buNone/>
+          </a:pPr>
+          <a:r>
+            <a:rPr lang="en-US" altLang="ko-KR" sz="900" kern="1200" dirty="0" err="1">
+              <a:latin typeface="Palatino Linotype" panose="02040502050505030304" pitchFamily="18" charset="0"/>
+            </a:rPr>
+            <a:t>Modellierung</a:t>
+          </a:r>
+          <a:r>
+            <a:rPr lang="en-US" altLang="ko-KR" sz="900" kern="1200" dirty="0">
+              <a:latin typeface="Palatino Linotype" panose="02040502050505030304" pitchFamily="18" charset="0"/>
+            </a:rPr>
+            <a:t> und Training</a:t>
+          </a:r>
+          <a:endParaRPr lang="ko-KR" altLang="en-US" sz="900" kern="1200" dirty="0">
+            <a:latin typeface="Palatino Linotype" panose="02040502050505030304" pitchFamily="18" charset="0"/>
+          </a:endParaRPr>
+        </a:p>
+      </dsp:txBody>
+      <dsp:txXfrm>
+        <a:off x="2613347" y="3329217"/>
+        <a:ext cx="1006134" cy="630126"/>
+      </dsp:txXfrm>
+    </dsp:sp>
+    <dsp:sp modelId="{D9D73B21-DA7C-4588-8386-F3AE54FCB942}">
+      <dsp:nvSpPr>
+        <dsp:cNvPr id="0" name=""/>
+        <dsp:cNvSpPr/>
+      </dsp:nvSpPr>
+      <dsp:spPr>
+        <a:xfrm>
+          <a:off x="1469810" y="351071"/>
+          <a:ext cx="3293208" cy="3293208"/>
+        </a:xfrm>
+        <a:custGeom>
+          <a:avLst/>
+          <a:gdLst/>
+          <a:ahLst/>
+          <a:cxnLst/>
+          <a:rect l="0" t="0" r="0" b="0"/>
+          <a:pathLst>
+            <a:path>
+              <a:moveTo>
+                <a:pt x="974008" y="3149574"/>
+              </a:moveTo>
+              <a:arcTo wR="1646604" hR="1646604" stAng="6846543" swAng="925201"/>
+            </a:path>
+          </a:pathLst>
+        </a:custGeom>
+        <a:noFill/>
+        <a:ln w="31750" cap="flat" cmpd="sng" algn="ctr">
+          <a:solidFill>
+            <a:srgbClr val="02305A"/>
+          </a:solidFill>
+          <a:prstDash val="solid"/>
+          <a:miter lim="800000"/>
+          <a:tailEnd type="arrow"/>
+        </a:ln>
+        <a:effectLst/>
+        <a:sp3d z="-40000" prstMaterial="matte"/>
+      </dsp:spPr>
+      <dsp:style>
+        <a:lnRef idx="1">
+          <a:scrgbClr r="0" g="0" b="0"/>
+        </a:lnRef>
+        <a:fillRef idx="0">
+          <a:scrgbClr r="0" g="0" b="0"/>
+        </a:fillRef>
+        <a:effectRef idx="0">
+          <a:scrgbClr r="0" g="0" b="0"/>
+        </a:effectRef>
+        <a:fontRef idx="minor"/>
+      </dsp:style>
+    </dsp:sp>
+    <dsp:sp modelId="{759280D0-A7DA-4338-AB52-9B8E3A59B047}">
+      <dsp:nvSpPr>
+        <dsp:cNvPr id="0" name=""/>
+        <dsp:cNvSpPr/>
+      </dsp:nvSpPr>
+      <dsp:spPr>
+        <a:xfrm>
+          <a:off x="1153257" y="2471827"/>
+          <a:ext cx="1074310" cy="698302"/>
+        </a:xfrm>
+        <a:prstGeom prst="roundRect">
+          <a:avLst/>
+        </a:prstGeom>
+        <a:solidFill>
+          <a:srgbClr val="02305A"/>
+        </a:solidFill>
+        <a:ln>
+          <a:noFill/>
+        </a:ln>
+        <a:effectLst/>
+        <a:sp3d extrusionH="381000" contourW="38100" prstMaterial="matte">
+          <a:contourClr>
+            <a:schemeClr val="lt1"/>
+          </a:contourClr>
+        </a:sp3d>
+      </dsp:spPr>
+      <dsp:style>
+        <a:lnRef idx="0">
+          <a:scrgbClr r="0" g="0" b="0"/>
+        </a:lnRef>
+        <a:fillRef idx="1">
+          <a:scrgbClr r="0" g="0" b="0"/>
+        </a:fillRef>
+        <a:effectRef idx="0">
+          <a:scrgbClr r="0" g="0" b="0"/>
+        </a:effectRef>
+        <a:fontRef idx="minor">
+          <a:schemeClr val="lt1"/>
+        </a:fontRef>
+      </dsp:style>
+      <dsp:txBody>
+        <a:bodyPr spcFirstLastPara="0" vert="horz" wrap="square" lIns="34290" tIns="34290" rIns="34290" bIns="34290" numCol="1" spcCol="1270" anchor="ctr" anchorCtr="0">
+          <a:noAutofit/>
+        </a:bodyPr>
+        <a:lstStyle/>
+        <a:p>
+          <a:pPr marL="0" lvl="0" indent="0" algn="ctr" defTabSz="400050" latinLnBrk="1">
+            <a:lnSpc>
+              <a:spcPct val="90000"/>
+            </a:lnSpc>
+            <a:spcBef>
+              <a:spcPct val="0"/>
+            </a:spcBef>
+            <a:spcAft>
+              <a:spcPct val="35000"/>
+            </a:spcAft>
+            <a:buNone/>
+          </a:pPr>
+          <a:r>
+            <a:rPr lang="en-US" altLang="ko-KR" sz="900" kern="1200" dirty="0">
+              <a:latin typeface="Palatino Linotype" panose="02040502050505030304" pitchFamily="18" charset="0"/>
+            </a:rPr>
+            <a:t>Evaluation</a:t>
+          </a:r>
+          <a:endParaRPr lang="ko-KR" altLang="en-US" sz="900" kern="1200" dirty="0">
+            <a:latin typeface="Palatino Linotype" panose="02040502050505030304" pitchFamily="18" charset="0"/>
+          </a:endParaRPr>
+        </a:p>
+      </dsp:txBody>
+      <dsp:txXfrm>
+        <a:off x="1187345" y="2505915"/>
+        <a:ext cx="1006134" cy="630126"/>
+      </dsp:txXfrm>
+    </dsp:sp>
+    <dsp:sp modelId="{9BBE3379-52E1-40EA-9B00-1AE573351B0D}">
+      <dsp:nvSpPr>
+        <dsp:cNvPr id="0" name=""/>
+        <dsp:cNvSpPr/>
+      </dsp:nvSpPr>
+      <dsp:spPr>
+        <a:xfrm>
+          <a:off x="1469810" y="351071"/>
+          <a:ext cx="3293208" cy="3293208"/>
+        </a:xfrm>
+        <a:custGeom>
+          <a:avLst/>
+          <a:gdLst/>
+          <a:ahLst/>
+          <a:cxnLst/>
+          <a:rect l="0" t="0" r="0" b="0"/>
+          <a:pathLst>
+            <a:path>
+              <a:moveTo>
+                <a:pt x="25699" y="1936387"/>
+              </a:moveTo>
+              <a:arcTo wR="1646604" hR="1646604" stAng="10191828" swAng="1216343"/>
+            </a:path>
+          </a:pathLst>
+        </a:custGeom>
+        <a:noFill/>
+        <a:ln w="31750" cap="flat" cmpd="sng" algn="ctr">
+          <a:solidFill>
+            <a:srgbClr val="02305A"/>
+          </a:solidFill>
+          <a:prstDash val="solid"/>
+          <a:miter lim="800000"/>
+          <a:tailEnd type="arrow"/>
+        </a:ln>
+        <a:effectLst/>
+        <a:sp3d z="-40000" prstMaterial="matte"/>
+      </dsp:spPr>
+      <dsp:style>
+        <a:lnRef idx="1">
+          <a:scrgbClr r="0" g="0" b="0"/>
+        </a:lnRef>
+        <a:fillRef idx="0">
+          <a:scrgbClr r="0" g="0" b="0"/>
+        </a:fillRef>
+        <a:effectRef idx="0">
+          <a:scrgbClr r="0" g="0" b="0"/>
+        </a:effectRef>
+        <a:fontRef idx="minor"/>
+      </dsp:style>
+    </dsp:sp>
+    <dsp:sp modelId="{AC1BDEDB-8721-4AB1-A5AA-95E1A8492529}">
+      <dsp:nvSpPr>
+        <dsp:cNvPr id="0" name=""/>
+        <dsp:cNvSpPr/>
+      </dsp:nvSpPr>
+      <dsp:spPr>
+        <a:xfrm>
+          <a:off x="1153257" y="825222"/>
+          <a:ext cx="1074310" cy="698302"/>
+        </a:xfrm>
+        <a:prstGeom prst="roundRect">
+          <a:avLst/>
+        </a:prstGeom>
+        <a:solidFill>
+          <a:srgbClr val="02305A"/>
+        </a:solidFill>
+        <a:ln>
+          <a:noFill/>
+        </a:ln>
+        <a:effectLst/>
+        <a:sp3d extrusionH="381000" contourW="38100" prstMaterial="matte">
+          <a:contourClr>
+            <a:schemeClr val="lt1"/>
+          </a:contourClr>
+        </a:sp3d>
+      </dsp:spPr>
+      <dsp:style>
+        <a:lnRef idx="0">
+          <a:scrgbClr r="0" g="0" b="0"/>
+        </a:lnRef>
+        <a:fillRef idx="1">
+          <a:scrgbClr r="0" g="0" b="0"/>
+        </a:fillRef>
+        <a:effectRef idx="0">
+          <a:scrgbClr r="0" g="0" b="0"/>
+        </a:effectRef>
+        <a:fontRef idx="minor">
+          <a:schemeClr val="lt1"/>
+        </a:fontRef>
+      </dsp:style>
+      <dsp:txBody>
+        <a:bodyPr spcFirstLastPara="0" vert="horz" wrap="square" lIns="34290" tIns="34290" rIns="34290" bIns="34290" numCol="1" spcCol="1270" anchor="ctr" anchorCtr="0">
+          <a:noAutofit/>
+        </a:bodyPr>
+        <a:lstStyle/>
+        <a:p>
+          <a:pPr marL="0" lvl="0" indent="0" algn="ctr" defTabSz="400050" latinLnBrk="1">
+            <a:lnSpc>
+              <a:spcPct val="90000"/>
+            </a:lnSpc>
+            <a:spcBef>
+              <a:spcPct val="0"/>
+            </a:spcBef>
+            <a:spcAft>
+              <a:spcPct val="35000"/>
+            </a:spcAft>
+            <a:buNone/>
+          </a:pPr>
+          <a:r>
+            <a:rPr lang="en-US" altLang="ko-KR" sz="900" kern="1200" dirty="0" err="1">
+              <a:latin typeface="Palatino Linotype" panose="02040502050505030304" pitchFamily="18" charset="0"/>
+            </a:rPr>
+            <a:t>Bereitstellung</a:t>
+          </a:r>
+          <a:endParaRPr lang="ko-KR" altLang="en-US" sz="900" kern="1200" dirty="0">
+            <a:latin typeface="Palatino Linotype" panose="02040502050505030304" pitchFamily="18" charset="0"/>
+          </a:endParaRPr>
+        </a:p>
+      </dsp:txBody>
+      <dsp:txXfrm>
+        <a:off x="1187345" y="859310"/>
+        <a:ext cx="1006134" cy="630126"/>
+      </dsp:txXfrm>
+    </dsp:sp>
+    <dsp:sp modelId="{E86061B7-3097-4D3B-ADDA-DB94833CB3C9}">
+      <dsp:nvSpPr>
+        <dsp:cNvPr id="0" name=""/>
+        <dsp:cNvSpPr/>
+      </dsp:nvSpPr>
+      <dsp:spPr>
+        <a:xfrm>
+          <a:off x="1469810" y="351071"/>
+          <a:ext cx="3293208" cy="3293208"/>
+        </a:xfrm>
+        <a:custGeom>
+          <a:avLst/>
+          <a:gdLst/>
+          <a:ahLst/>
+          <a:cxnLst/>
+          <a:rect l="0" t="0" r="0" b="0"/>
+          <a:pathLst>
+            <a:path>
+              <a:moveTo>
+                <a:pt x="598590" y="376575"/>
+              </a:moveTo>
+              <a:arcTo wR="1646604" hR="1646604" stAng="13828256" swAng="925201"/>
+            </a:path>
+          </a:pathLst>
+        </a:custGeom>
+        <a:noFill/>
+        <a:ln w="31750" cap="flat" cmpd="sng" algn="ctr">
+          <a:solidFill>
+            <a:srgbClr val="02305A"/>
+          </a:solidFill>
+          <a:prstDash val="dash"/>
+          <a:miter lim="800000"/>
+          <a:tailEnd type="arrow"/>
+        </a:ln>
+        <a:effectLst/>
+        <a:sp3d z="-40000" prstMaterial="matte"/>
+      </dsp:spPr>
+      <dsp:style>
+        <a:lnRef idx="1">
+          <a:scrgbClr r="0" g="0" b="0"/>
+        </a:lnRef>
+        <a:fillRef idx="0">
+          <a:scrgbClr r="0" g="0" b="0"/>
+        </a:fillRef>
+        <a:effectRef idx="0">
+          <a:scrgbClr r="0" g="0" b="0"/>
+        </a:effectRef>
+        <a:fontRef idx="minor"/>
+      </dsp:style>
+    </dsp:sp>
+  </dsp:spTree>
+</dsp:drawing>
+</file>
+
+<file path=ppt/diagrams/layout1.xml><?xml version="1.0" encoding="utf-8"?>
+<dgm:layoutDef xmlns:dgm="http://schemas.openxmlformats.org/drawingml/2006/diagram" xmlns:a="http://schemas.openxmlformats.org/drawingml/2006/main" uniqueId="urn:microsoft.com/office/officeart/2005/8/layout/cycle5">
+  <dgm:title val=""/>
+  <dgm:desc val=""/>
+  <dgm:catLst>
+    <dgm:cat type="cycle" pri="3000"/>
+  </dgm:catLst>
+  <dgm:sampData>
+    <dgm:dataModel>
+      <dgm:ptLst>
+        <dgm:pt modelId="0" type="doc"/>
+        <dgm:pt modelId="1">
+          <dgm:prSet phldr="1"/>
+        </dgm:pt>
+        <dgm:pt modelId="2">
+          <dgm:prSet phldr="1"/>
+        </dgm:pt>
+        <dgm:pt modelId="3">
+          <dgm:prSet phldr="1"/>
+        </dgm:pt>
+        <dgm:pt modelId="4">
+          <dgm:prSet phldr="1"/>
+        </dgm:pt>
+        <dgm:pt modelId="5">
+          <dgm:prSet phldr="1"/>
+        </dgm:pt>
+      </dgm:ptLst>
+      <dgm:cxnLst>
+        <dgm:cxn modelId="6" srcId="0" destId="1" srcOrd="0" destOrd="0"/>
+        <dgm:cxn modelId="7" srcId="0" destId="2" srcOrd="1" destOrd="0"/>
+        <dgm:cxn modelId="8" srcId="0" destId="3" srcOrd="2" destOrd="0"/>
+        <dgm:cxn modelId="9" srcId="0" destId="4" srcOrd="3" destOrd="0"/>
+        <dgm:cxn modelId="10" srcId="0" destId="5" srcOrd="4" destOrd="0"/>
+      </dgm:cxnLst>
+      <dgm:bg/>
+      <dgm:whole/>
+    </dgm:dataModel>
+  </dgm:sampData>
+  <dgm:styleData>
+    <dgm:dataModel>
+      <dgm:ptLst>
+        <dgm:pt modelId="0" type="doc"/>
+        <dgm:pt modelId="1"/>
+        <dgm:pt modelId="2"/>
+        <dgm:pt modelId="3"/>
+      </dgm:ptLst>
+      <dgm:cxnLst>
+        <dgm:cxn modelId="4" srcId="0" destId="1" srcOrd="0" destOrd="0"/>
+        <dgm:cxn modelId="5" srcId="0" destId="2" srcOrd="1" destOrd="0"/>
+        <dgm:cxn modelId="6" srcId="0" destId="3" srcOrd="2" destOrd="0"/>
+      </dgm:cxnLst>
+      <dgm:bg/>
+      <dgm:whole/>
+    </dgm:dataModel>
+  </dgm:styleData>
+  <dgm:clrData>
+    <dgm:dataModel>
+      <dgm:ptLst>
+        <dgm:pt modelId="0" type="doc"/>
+        <dgm:pt modelId="1"/>
+        <dgm:pt modelId="2"/>
+        <dgm:pt modelId="3"/>
+        <dgm:pt modelId="4"/>
+        <dgm:pt modelId="5"/>
+        <dgm:pt modelId="6"/>
+      </dgm:ptLst>
+      <dgm:cxnLst>
+        <dgm:cxn modelId="7" srcId="0" destId="1" srcOrd="0" destOrd="0"/>
+        <dgm:cxn modelId="8" srcId="0" destId="2" srcOrd="1" destOrd="0"/>
+        <dgm:cxn modelId="9" srcId="0" destId="3" srcOrd="2" destOrd="0"/>
+        <dgm:cxn modelId="10" srcId="0" destId="4" srcOrd="3" destOrd="0"/>
+        <dgm:cxn modelId="11" srcId="0" destId="5" srcOrd="4" destOrd="0"/>
+        <dgm:cxn modelId="12" srcId="0" destId="6" srcOrd="5" destOrd="0"/>
+      </dgm:cxnLst>
+      <dgm:bg/>
+      <dgm:whole/>
+    </dgm:dataModel>
+  </dgm:clrData>
+  <dgm:layoutNode name="cycle">
+    <dgm:varLst>
+      <dgm:dir/>
+      <dgm:resizeHandles val="exact"/>
+    </dgm:varLst>
+    <dgm:choose name="Name0">
+      <dgm:if name="Name1" func="var" arg="dir" op="equ" val="norm">
+        <dgm:choose name="Name2">
+          <dgm:if name="Name3" axis="ch" ptType="node" func="cnt" op="gt" val="2">
+            <dgm:alg type="cycle">
+              <dgm:param type="stAng" val="0"/>
+              <dgm:param type="spanAng" val="360"/>
+            </dgm:alg>
+          </dgm:if>
+          <dgm:else name="Name4">
+            <dgm:alg type="cycle">
+              <dgm:param type="stAng" val="-90"/>
+              <dgm:param type="spanAng" val="360"/>
+            </dgm:alg>
+          </dgm:else>
+        </dgm:choose>
+      </dgm:if>
+      <dgm:else name="Name5">
+        <dgm:choose name="Name6">
+          <dgm:if name="Name7" axis="ch" ptType="node" func="cnt" op="gt" val="2">
+            <dgm:alg type="cycle">
+              <dgm:param type="stAng" val="0"/>
+              <dgm:param type="spanAng" val="-360"/>
+            </dgm:alg>
+          </dgm:if>
+          <dgm:else name="Name8">
+            <dgm:alg type="cycle">
+              <dgm:param type="stAng" val="90"/>
+              <dgm:param type="spanAng" val="-360"/>
+            </dgm:alg>
+          </dgm:else>
+        </dgm:choose>
+      </dgm:else>
+    </dgm:choose>
+    <dgm:shape xmlns:r="http://schemas.openxmlformats.org/officeDocument/2006/relationships" r:blip="">
+      <dgm:adjLst/>
+    </dgm:shape>
+    <dgm:presOf/>
+    <dgm:choose name="Name9">
+      <dgm:if name="Name10" func="var" arg="dir" op="equ" val="norm">
+        <dgm:constrLst>
+          <dgm:constr type="w" for="ch" forName="node" refType="w"/>
+          <dgm:constr type="w" for="ch" ptType="sibTrans" refType="w" refFor="ch" refForName="node" op="equ" fact="0.3"/>
+          <dgm:constr type="diam" for="ch" ptType="sibTrans" refType="diam" op="equ"/>
+          <dgm:constr type="sibSp" refType="w" refFor="ch" refForName="node" op="equ" fact="0.15"/>
+          <dgm:constr type="w" for="ch" forName="spNode" refType="sibSp" fact="1.6"/>
+          <dgm:constr type="primFontSz" for="ch" forName="node" op="equ" val="65"/>
+        </dgm:constrLst>
+      </dgm:if>
+      <dgm:else name="Name11">
+        <dgm:constrLst>
+          <dgm:constr type="w" for="ch" forName="node" refType="w"/>
+          <dgm:constr type="w" for="ch" ptType="sibTrans" refType="w" refFor="ch" refForName="node" op="equ" fact="0.3"/>
+          <dgm:constr type="diam" for="ch" ptType="sibTrans" refType="diam" fact="-1"/>
+          <dgm:constr type="diam" for="ch" refType="diam" op="equ" fact="-1"/>
+          <dgm:constr type="sibSp" refType="w" refFor="ch" refForName="node" op="equ" fact="0.15"/>
+          <dgm:constr type="w" for="ch" forName="spNode" refType="sibSp" fact="1.6"/>
+          <dgm:constr type="primFontSz" for="ch" forName="node" op="equ" val="65"/>
+        </dgm:constrLst>
+      </dgm:else>
+    </dgm:choose>
+    <dgm:ruleLst/>
+    <dgm:forEach name="Name12" axis="ch" ptType="node">
+      <dgm:layoutNode name="node">
+        <dgm:varLst>
+          <dgm:bulletEnabled val="1"/>
+        </dgm:varLst>
+        <dgm:alg type="tx"/>
+        <dgm:shape xmlns:r="http://schemas.openxmlformats.org/officeDocument/2006/relationships" type="roundRect" r:blip="">
+          <dgm:adjLst/>
+        </dgm:shape>
+        <dgm:presOf axis="desOrSelf" ptType="node"/>
+        <dgm:constrLst>
+          <dgm:constr type="h" refType="w" fact="0.65"/>
+          <dgm:constr type="tMarg" refType="primFontSz" fact="0.3"/>
+          <dgm:constr type="bMarg" refType="primFontSz" fact="0.3"/>
+          <dgm:constr type="lMarg" refType="primFontSz" fact="0.3"/>
+          <dgm:constr type="rMarg" refType="primFontSz" fact="0.3"/>
+        </dgm:constrLst>
+        <dgm:ruleLst>
+          <dgm:rule type="primFontSz" val="5" fact="NaN" max="NaN"/>
+        </dgm:ruleLst>
+      </dgm:layoutNode>
+      <dgm:choose name="Name13">
+        <dgm:if name="Name14" axis="par ch" ptType="doc node" func="cnt" op="gt" val="1">
+          <dgm:layoutNode name="spNode">
+            <dgm:alg type="sp"/>
+            <dgm:shape xmlns:r="http://schemas.openxmlformats.org/officeDocument/2006/relationships" r:blip="">
+              <dgm:adjLst/>
+            </dgm:shape>
+            <dgm:presOf/>
+            <dgm:constrLst>
+              <dgm:constr type="h" refType="w"/>
+            </dgm:constrLst>
+            <dgm:ruleLst/>
+          </dgm:layoutNode>
+          <dgm:forEach name="Name15" axis="followSib" ptType="sibTrans" hideLastTrans="0" cnt="1">
+            <dgm:layoutNode name="sibTrans">
+              <dgm:alg type="conn">
+                <dgm:param type="dim" val="1D"/>
+                <dgm:param type="connRout" val="curve"/>
+                <dgm:param type="begPts" val="radial"/>
+                <dgm:param type="endPts" val="radial"/>
+              </dgm:alg>
+              <dgm:shape xmlns:r="http://schemas.openxmlformats.org/officeDocument/2006/relationships" type="conn" r:blip="">
+                <dgm:adjLst/>
+              </dgm:shape>
+              <dgm:presOf axis="self"/>
+              <dgm:constrLst>
+                <dgm:constr type="h" refType="w" fact="0.65"/>
+                <dgm:constr type="connDist"/>
+                <dgm:constr type="begPad" refType="connDist" fact="0.2"/>
+                <dgm:constr type="endPad" refType="connDist" fact="0.2"/>
+              </dgm:constrLst>
+              <dgm:ruleLst/>
+            </dgm:layoutNode>
+          </dgm:forEach>
+        </dgm:if>
+        <dgm:else name="Name16"/>
+      </dgm:choose>
+    </dgm:forEach>
+  </dgm:layoutNode>
+</dgm:layoutDef>
+</file>
+
+<file path=ppt/diagrams/layout2.xml><?xml version="1.0" encoding="utf-8"?>
+<dgm:layoutDef xmlns:dgm="http://schemas.openxmlformats.org/drawingml/2006/diagram" xmlns:a="http://schemas.openxmlformats.org/drawingml/2006/main" uniqueId="urn:microsoft.com/office/officeart/2005/8/layout/cycle5">
+  <dgm:title val=""/>
+  <dgm:desc val=""/>
+  <dgm:catLst>
+    <dgm:cat type="cycle" pri="3000"/>
+  </dgm:catLst>
+  <dgm:sampData>
+    <dgm:dataModel>
+      <dgm:ptLst>
+        <dgm:pt modelId="0" type="doc"/>
+        <dgm:pt modelId="1">
+          <dgm:prSet phldr="1"/>
+        </dgm:pt>
+        <dgm:pt modelId="2">
+          <dgm:prSet phldr="1"/>
+        </dgm:pt>
+        <dgm:pt modelId="3">
+          <dgm:prSet phldr="1"/>
+        </dgm:pt>
+        <dgm:pt modelId="4">
+          <dgm:prSet phldr="1"/>
+        </dgm:pt>
+        <dgm:pt modelId="5">
+          <dgm:prSet phldr="1"/>
+        </dgm:pt>
+      </dgm:ptLst>
+      <dgm:cxnLst>
+        <dgm:cxn modelId="6" srcId="0" destId="1" srcOrd="0" destOrd="0"/>
+        <dgm:cxn modelId="7" srcId="0" destId="2" srcOrd="1" destOrd="0"/>
+        <dgm:cxn modelId="8" srcId="0" destId="3" srcOrd="2" destOrd="0"/>
+        <dgm:cxn modelId="9" srcId="0" destId="4" srcOrd="3" destOrd="0"/>
+        <dgm:cxn modelId="10" srcId="0" destId="5" srcOrd="4" destOrd="0"/>
+      </dgm:cxnLst>
+      <dgm:bg/>
+      <dgm:whole/>
+    </dgm:dataModel>
+  </dgm:sampData>
+  <dgm:styleData>
+    <dgm:dataModel>
+      <dgm:ptLst>
+        <dgm:pt modelId="0" type="doc"/>
+        <dgm:pt modelId="1"/>
+        <dgm:pt modelId="2"/>
+        <dgm:pt modelId="3"/>
+      </dgm:ptLst>
+      <dgm:cxnLst>
+        <dgm:cxn modelId="4" srcId="0" destId="1" srcOrd="0" destOrd="0"/>
+        <dgm:cxn modelId="5" srcId="0" destId="2" srcOrd="1" destOrd="0"/>
+        <dgm:cxn modelId="6" srcId="0" destId="3" srcOrd="2" destOrd="0"/>
+      </dgm:cxnLst>
+      <dgm:bg/>
+      <dgm:whole/>
+    </dgm:dataModel>
+  </dgm:styleData>
+  <dgm:clrData>
+    <dgm:dataModel>
+      <dgm:ptLst>
+        <dgm:pt modelId="0" type="doc"/>
+        <dgm:pt modelId="1"/>
+        <dgm:pt modelId="2"/>
+        <dgm:pt modelId="3"/>
+        <dgm:pt modelId="4"/>
+        <dgm:pt modelId="5"/>
+        <dgm:pt modelId="6"/>
+      </dgm:ptLst>
+      <dgm:cxnLst>
+        <dgm:cxn modelId="7" srcId="0" destId="1" srcOrd="0" destOrd="0"/>
+        <dgm:cxn modelId="8" srcId="0" destId="2" srcOrd="1" destOrd="0"/>
+        <dgm:cxn modelId="9" srcId="0" destId="3" srcOrd="2" destOrd="0"/>
+        <dgm:cxn modelId="10" srcId="0" destId="4" srcOrd="3" destOrd="0"/>
+        <dgm:cxn modelId="11" srcId="0" destId="5" srcOrd="4" destOrd="0"/>
+        <dgm:cxn modelId="12" srcId="0" destId="6" srcOrd="5" destOrd="0"/>
+      </dgm:cxnLst>
+      <dgm:bg/>
+      <dgm:whole/>
+    </dgm:dataModel>
+  </dgm:clrData>
+  <dgm:layoutNode name="cycle">
+    <dgm:varLst>
+      <dgm:dir/>
+      <dgm:resizeHandles val="exact"/>
+    </dgm:varLst>
+    <dgm:choose name="Name0">
+      <dgm:if name="Name1" func="var" arg="dir" op="equ" val="norm">
+        <dgm:choose name="Name2">
+          <dgm:if name="Name3" axis="ch" ptType="node" func="cnt" op="gt" val="2">
+            <dgm:alg type="cycle">
+              <dgm:param type="stAng" val="0"/>
+              <dgm:param type="spanAng" val="360"/>
+            </dgm:alg>
+          </dgm:if>
+          <dgm:else name="Name4">
+            <dgm:alg type="cycle">
+              <dgm:param type="stAng" val="-90"/>
+              <dgm:param type="spanAng" val="360"/>
+            </dgm:alg>
+          </dgm:else>
+        </dgm:choose>
+      </dgm:if>
+      <dgm:else name="Name5">
+        <dgm:choose name="Name6">
+          <dgm:if name="Name7" axis="ch" ptType="node" func="cnt" op="gt" val="2">
+            <dgm:alg type="cycle">
+              <dgm:param type="stAng" val="0"/>
+              <dgm:param type="spanAng" val="-360"/>
+            </dgm:alg>
+          </dgm:if>
+          <dgm:else name="Name8">
+            <dgm:alg type="cycle">
+              <dgm:param type="stAng" val="90"/>
+              <dgm:param type="spanAng" val="-360"/>
+            </dgm:alg>
+          </dgm:else>
+        </dgm:choose>
+      </dgm:else>
+    </dgm:choose>
+    <dgm:shape xmlns:r="http://schemas.openxmlformats.org/officeDocument/2006/relationships" r:blip="">
+      <dgm:adjLst/>
+    </dgm:shape>
+    <dgm:presOf/>
+    <dgm:choose name="Name9">
+      <dgm:if name="Name10" func="var" arg="dir" op="equ" val="norm">
+        <dgm:constrLst>
+          <dgm:constr type="w" for="ch" forName="node" refType="w"/>
+          <dgm:constr type="w" for="ch" ptType="sibTrans" refType="w" refFor="ch" refForName="node" op="equ" fact="0.3"/>
+          <dgm:constr type="diam" for="ch" ptType="sibTrans" refType="diam" op="equ"/>
+          <dgm:constr type="sibSp" refType="w" refFor="ch" refForName="node" op="equ" fact="0.15"/>
+          <dgm:constr type="w" for="ch" forName="spNode" refType="sibSp" fact="1.6"/>
+          <dgm:constr type="primFontSz" for="ch" forName="node" op="equ" val="65"/>
+        </dgm:constrLst>
+      </dgm:if>
+      <dgm:else name="Name11">
+        <dgm:constrLst>
+          <dgm:constr type="w" for="ch" forName="node" refType="w"/>
+          <dgm:constr type="w" for="ch" ptType="sibTrans" refType="w" refFor="ch" refForName="node" op="equ" fact="0.3"/>
+          <dgm:constr type="diam" for="ch" ptType="sibTrans" refType="diam" fact="-1"/>
+          <dgm:constr type="diam" for="ch" refType="diam" op="equ" fact="-1"/>
+          <dgm:constr type="sibSp" refType="w" refFor="ch" refForName="node" op="equ" fact="0.15"/>
+          <dgm:constr type="w" for="ch" forName="spNode" refType="sibSp" fact="1.6"/>
+          <dgm:constr type="primFontSz" for="ch" forName="node" op="equ" val="65"/>
+        </dgm:constrLst>
+      </dgm:else>
+    </dgm:choose>
+    <dgm:ruleLst/>
+    <dgm:forEach name="Name12" axis="ch" ptType="node">
+      <dgm:layoutNode name="node">
+        <dgm:varLst>
+          <dgm:bulletEnabled val="1"/>
+        </dgm:varLst>
+        <dgm:alg type="tx"/>
+        <dgm:shape xmlns:r="http://schemas.openxmlformats.org/officeDocument/2006/relationships" type="roundRect" r:blip="">
+          <dgm:adjLst/>
+        </dgm:shape>
+        <dgm:presOf axis="desOrSelf" ptType="node"/>
+        <dgm:constrLst>
+          <dgm:constr type="h" refType="w" fact="0.65"/>
+          <dgm:constr type="tMarg" refType="primFontSz" fact="0.3"/>
+          <dgm:constr type="bMarg" refType="primFontSz" fact="0.3"/>
+          <dgm:constr type="lMarg" refType="primFontSz" fact="0.3"/>
+          <dgm:constr type="rMarg" refType="primFontSz" fact="0.3"/>
+        </dgm:constrLst>
+        <dgm:ruleLst>
+          <dgm:rule type="primFontSz" val="5" fact="NaN" max="NaN"/>
+        </dgm:ruleLst>
+      </dgm:layoutNode>
+      <dgm:choose name="Name13">
+        <dgm:if name="Name14" axis="par ch" ptType="doc node" func="cnt" op="gt" val="1">
+          <dgm:layoutNode name="spNode">
+            <dgm:alg type="sp"/>
+            <dgm:shape xmlns:r="http://schemas.openxmlformats.org/officeDocument/2006/relationships" r:blip="">
+              <dgm:adjLst/>
+            </dgm:shape>
+            <dgm:presOf/>
+            <dgm:constrLst>
+              <dgm:constr type="h" refType="w"/>
+            </dgm:constrLst>
+            <dgm:ruleLst/>
+          </dgm:layoutNode>
+          <dgm:forEach name="Name15" axis="followSib" ptType="sibTrans" hideLastTrans="0" cnt="1">
+            <dgm:layoutNode name="sibTrans">
+              <dgm:alg type="conn">
+                <dgm:param type="dim" val="1D"/>
+                <dgm:param type="connRout" val="curve"/>
+                <dgm:param type="begPts" val="radial"/>
+                <dgm:param type="endPts" val="radial"/>
+              </dgm:alg>
+              <dgm:shape xmlns:r="http://schemas.openxmlformats.org/officeDocument/2006/relationships" type="conn" r:blip="">
+                <dgm:adjLst/>
+              </dgm:shape>
+              <dgm:presOf axis="self"/>
+              <dgm:constrLst>
+                <dgm:constr type="h" refType="w" fact="0.65"/>
+                <dgm:constr type="connDist"/>
+                <dgm:constr type="begPad" refType="connDist" fact="0.2"/>
+                <dgm:constr type="endPad" refType="connDist" fact="0.2"/>
+              </dgm:constrLst>
+              <dgm:ruleLst/>
+            </dgm:layoutNode>
+          </dgm:forEach>
+        </dgm:if>
+        <dgm:else name="Name16"/>
+      </dgm:choose>
+    </dgm:forEach>
+  </dgm:layoutNode>
+</dgm:layoutDef>
+</file>
+
+<file path=ppt/diagrams/quickStyle1.xml><?xml version="1.0" encoding="utf-8"?>
+<dgm:styleDef xmlns:dgm="http://schemas.openxmlformats.org/drawingml/2006/diagram" xmlns:a="http://schemas.openxmlformats.org/drawingml/2006/main" uniqueId="urn:microsoft.com/office/officeart/2005/8/quickstyle/3d5">
+  <dgm:title val=""/>
+  <dgm:desc val=""/>
+  <dgm:catLst>
+    <dgm:cat type="3D" pri="11500"/>
+  </dgm:catLst>
+  <dgm:scene3d>
+    <a:camera prst="isometricOffAxis2Left" zoom="95000"/>
+    <a:lightRig rig="flat" dir="t"/>
+  </dgm:scene3d>
+  <dgm:styleLbl name="node0">
+    <dgm:scene3d>
+      <a:camera prst="orthographicFront"/>
+      <a:lightRig rig="threePt" dir="t"/>
+    </dgm:scene3d>
+    <dgm:sp3d extrusionH="381000" contourW="38100" prstMaterial="matte">
+      <a:contourClr>
+        <a:schemeClr val="lt1"/>
+      </a:contourClr>
+    </dgm:sp3d>
+    <dgm:txPr/>
+    <dgm:style>
+      <a:lnRef idx="0">
+        <a:scrgbClr r="0" g="0" b="0"/>
+      </a:lnRef>
+      <a:fillRef idx="1">
+        <a:scrgbClr r="0" g="0" b="0"/>
+      </a:fillRef>
+      <a:effectRef idx="0">
+        <a:scrgbClr r="0" g="0" b="0"/>
+      </a:effectRef>
+      <a:fontRef idx="minor">
+        <a:schemeClr val="lt1"/>
+      </a:fontRef>
+    </dgm:style>
+  </dgm:styleLbl>
+  <dgm:styleLbl name="lnNode1">
+    <dgm:scene3d>
+      <a:camera prst="orthographicFront"/>
+      <a:lightRig rig="threePt" dir="t"/>
+    </dgm:scene3d>
+    <dgm:sp3d extrusionH="381000" contourW="38100" prstMaterial="matte">
+      <a:contourClr>
+        <a:schemeClr val="lt1"/>
+      </a:contourClr>
+    </dgm:sp3d>
+    <dgm:txPr/>
+    <dgm:style>
+      <a:lnRef idx="0">
+        <a:scrgbClr r="0" g="0" b="0"/>
+      </a:lnRef>
+      <a:fillRef idx="1">
+        <a:scrgbClr r="0" g="0" b="0"/>
+      </a:fillRef>
+      <a:effectRef idx="0">
+        <a:scrgbClr r="0" g="0" b="0"/>
+      </a:effectRef>
+      <a:fontRef idx="minor">
+        <a:schemeClr val="lt1"/>
+      </a:fontRef>
+    </dgm:style>
+  </dgm:styleLbl>
+  <dgm:styleLbl name="vennNode1">
+    <dgm:scene3d>
+      <a:camera prst="orthographicFront"/>
+      <a:lightRig rig="threePt" dir="t"/>
+    </dgm:scene3d>
+    <dgm:sp3d extrusionH="381000" contourW="38100" prstMaterial="matte">
+      <a:contourClr>
+        <a:schemeClr val="lt1"/>
+      </a:contourClr>
+    </dgm:sp3d>
+    <dgm:txPr/>
+    <dgm:style>
+      <a:lnRef idx="0">
+        <a:scrgbClr r="0" g="0" b="0"/>
+      </a:lnRef>
+      <a:fillRef idx="1">
+        <a:scrgbClr r="0" g="0" b="0"/>
+      </a:fillRef>
+      <a:effectRef idx="0">
+        <a:scrgbClr r="0" g="0" b="0"/>
+      </a:effectRef>
+      <a:fontRef idx="minor">
+        <a:schemeClr val="tx1"/>
+      </a:fontRef>
+    </dgm:style>
+  </dgm:styleLbl>
+  <dgm:styleLbl name="alignNode1">
+    <dgm:scene3d>
+      <a:camera prst="orthographicFront"/>
+      <a:lightRig rig="threePt" dir="t"/>
+    </dgm:scene3d>
+    <dgm:sp3d extrusionH="381000" contourW="38100" prstMaterial="matte">
+      <a:contourClr>
+        <a:schemeClr val="lt1"/>
+      </a:contourClr>
+    </dgm:sp3d>
+    <dgm:txPr/>
+    <dgm:style>
+      <a:lnRef idx="1">
+        <a:scrgbClr r="0" g="0" b="0"/>
+      </a:lnRef>
+      <a:fillRef idx="1">
+        <a:scrgbClr r="0" g="0" b="0"/>
+      </a:fillRef>
+      <a:effectRef idx="0">
+        <a:scrgbClr r="0" g="0" b="0"/>
+      </a:effectRef>
+      <a:fontRef idx="minor">
+        <a:schemeClr val="lt1"/>
+      </a:fontRef>
+    </dgm:style>
+  </dgm:styleLbl>
+  <dgm:styleLbl name="node1">
+    <dgm:scene3d>
+      <a:camera prst="orthographicFront"/>
+      <a:lightRig rig="threePt" dir="t"/>
+    </dgm:scene3d>
+    <dgm:sp3d extrusionH="381000" contourW="38100" prstMaterial="matte">
+      <a:contourClr>
+        <a:schemeClr val="lt1"/>
+      </a:contourClr>
+    </dgm:sp3d>
+    <dgm:txPr/>
+    <dgm:style>
+      <a:lnRef idx="0">
+        <a:scrgbClr r="0" g="0" b="0"/>
+      </a:lnRef>
+      <a:fillRef idx="1">
+        <a:scrgbClr r="0" g="0" b="0"/>
+      </a:fillRef>
+      <a:effectRef idx="0">
+        <a:scrgbClr r="0" g="0" b="0"/>
+      </a:effectRef>
+      <a:fontRef idx="minor">
+        <a:schemeClr val="lt1"/>
+      </a:fontRef>
+    </dgm:style>
+  </dgm:styleLbl>
+  <dgm:styleLbl name="node2">
+    <dgm:scene3d>
+      <a:camera prst="orthographicFront"/>
+      <a:lightRig rig="threePt" dir="t"/>
+    </dgm:scene3d>
+    <dgm:sp3d extrusionH="381000" contourW="38100" prstMaterial="matte">
+      <a:contourClr>
+        <a:schemeClr val="lt1"/>
+      </a:contourClr>
+    </dgm:sp3d>
+    <dgm:txPr/>
+    <dgm:style>
+      <a:lnRef idx="0">
+        <a:scrgbClr r="0" g="0" b="0"/>
+      </a:lnRef>
+      <a:fillRef idx="1">
+        <a:scrgbClr r="0" g="0" b="0"/>
+      </a:fillRef>
+      <a:effectRef idx="0">
+        <a:scrgbClr r="0" g="0" b="0"/>
+      </a:effectRef>
+      <a:fontRef idx="minor">
+        <a:schemeClr val="lt1"/>
+      </a:fontRef>
+    </dgm:style>
+  </dgm:styleLbl>
+  <dgm:styleLbl name="node3">
+    <dgm:scene3d>
+      <a:camera prst="orthographicFront"/>
+      <a:lightRig rig="threePt" dir="t"/>
+    </dgm:scene3d>
+    <dgm:sp3d extrusionH="381000" contourW="38100" prstMaterial="matte">
+      <a:contourClr>
+        <a:schemeClr val="lt1"/>
+      </a:contourClr>
+    </dgm:sp3d>
+    <dgm:txPr/>
+    <dgm:style>
+      <a:lnRef idx="0">
+        <a:scrgbClr r="0" g="0" b="0"/>
+      </a:lnRef>
+      <a:fillRef idx="1">
+        <a:scrgbClr r="0" g="0" b="0"/>
+      </a:fillRef>
+      <a:effectRef idx="0">
+        <a:scrgbClr r="0" g="0" b="0"/>
+      </a:effectRef>
+      <a:fontRef idx="minor">
+        <a:schemeClr val="lt1"/>
+      </a:fontRef>
+    </dgm:style>
+  </dgm:styleLbl>
+  <dgm:styleLbl name="node4">
+    <dgm:scene3d>
+      <a:camera prst="orthographicFront"/>
+      <a:lightRig rig="threePt" dir="t"/>
+    </dgm:scene3d>
+    <dgm:sp3d extrusionH="381000" contourW="38100" prstMaterial="matte">
+      <a:contourClr>
+        <a:schemeClr val="lt1"/>
+      </a:contourClr>
+    </dgm:sp3d>
+    <dgm:txPr/>
+    <dgm:style>
+      <a:lnRef idx="0">
+        <a:scrgbClr r="0" g="0" b="0"/>
+      </a:lnRef>
+      <a:fillRef idx="1">
+        <a:scrgbClr r="0" g="0" b="0"/>
+      </a:fillRef>
+      <a:effectRef idx="0">
+        <a:scrgbClr r="0" g="0" b="0"/>
+      </a:effectRef>
+      <a:fontRef idx="minor">
+        <a:schemeClr val="lt1"/>
+      </a:fontRef>
+    </dgm:style>
+  </dgm:styleLbl>
+  <dgm:styleLbl name="fgImgPlace1">
+    <dgm:scene3d>
+      <a:camera prst="orthographicFront"/>
+      <a:lightRig rig="threePt" dir="t"/>
+    </dgm:scene3d>
+    <dgm:sp3d z="57150" extrusionH="63500" contourW="12700" prstMaterial="matte">
+      <a:contourClr>
+        <a:schemeClr val="lt1"/>
+      </a:contourClr>
+    </dgm:sp3d>
+    <dgm:txPr/>
+    <dgm:style>
+      <a:lnRef idx="0">
+        <a:scrgbClr r="0" g="0" b="0"/>
+      </a:lnRef>
+      <a:fillRef idx="1">
+        <a:scrgbClr r="0" g="0" b="0"/>
+      </a:fillRef>
+      <a:effectRef idx="0">
+        <a:scrgbClr r="0" g="0" b="0"/>
+      </a:effectRef>
+      <a:fontRef idx="minor"/>
+    </dgm:style>
+  </dgm:styleLbl>
+  <dgm:styleLbl name="alignImgPlace1">
+    <dgm:scene3d>
+      <a:camera prst="orthographicFront"/>
+      <a:lightRig rig="threePt" dir="t"/>
+    </dgm:scene3d>
+    <dgm:sp3d extrusionH="63500" contourW="12700" prstMaterial="matte">
+      <a:contourClr>
+        <a:schemeClr val="lt1"/>
+      </a:contourClr>
+    </dgm:sp3d>
+    <dgm:txPr/>
+    <dgm:style>
+      <a:lnRef idx="0">
+        <a:scrgbClr r="0" g="0" b="0"/>
+      </a:lnRef>
+      <a:fillRef idx="1">
+        <a:scrgbClr r="0" g="0" b="0"/>
+      </a:fillRef>
+      <a:effectRef idx="0">
+        <a:scrgbClr r="0" g="0" b="0"/>
+      </a:effectRef>
+      <a:fontRef idx="minor"/>
+    </dgm:style>
+  </dgm:styleLbl>
+  <dgm:styleLbl name="bgImgPlace1">
+    <dgm:scene3d>
+      <a:camera prst="orthographicFront"/>
+      <a:lightRig rig="threePt" dir="t"/>
+    </dgm:scene3d>
+    <dgm:sp3d z="-381000" extrusionH="63500" contourW="12700" prstMaterial="matte">
+      <a:contourClr>
+        <a:schemeClr val="lt1"/>
+      </a:contourClr>
+    </dgm:sp3d>
+    <dgm:txPr/>
+    <dgm:style>
+      <a:lnRef idx="0">
+        <a:scrgbClr r="0" g="0" b="0"/>
+      </a:lnRef>
+      <a:fillRef idx="1">
+        <a:scrgbClr r="0" g="0" b="0"/>
+      </a:fillRef>
+      <a:effectRef idx="0">
+        <a:scrgbClr r="0" g="0" b="0"/>
+      </a:effectRef>
+      <a:fontRef idx="minor"/>
+    </dgm:style>
+  </dgm:styleLbl>
+  <dgm:styleLbl name="sibTrans2D1">
+    <dgm:scene3d>
+      <a:camera prst="orthographicFront"/>
+      <a:lightRig rig="threePt" dir="t"/>
+    </dgm:scene3d>
+    <dgm:sp3d z="-52400" extrusionH="181000" contourW="38100" prstMaterial="matte">
+      <a:contourClr>
+        <a:schemeClr val="lt1"/>
+      </a:contourClr>
+    </dgm:sp3d>
+    <dgm:txPr/>
+    <dgm:style>
+      <a:lnRef idx="0">
+        <a:scrgbClr r="0" g="0" b="0"/>
+      </a:lnRef>
+      <a:fillRef idx="1">
+        <a:scrgbClr r="0" g="0" b="0"/>
+      </a:fillRef>
+      <a:effectRef idx="0">
+        <a:scrgbClr r="0" g="0" b="0"/>
+      </a:effectRef>
+      <a:fontRef idx="minor">
+        <a:schemeClr val="lt1"/>
+      </a:fontRef>
+    </dgm:style>
+  </dgm:styleLbl>
+  <dgm:styleLbl name="fgSibTrans2D1">
+    <dgm:scene3d>
+      <a:camera prst="orthographicFront"/>
+      <a:lightRig rig="threePt" dir="t"/>
+    </dgm:scene3d>
+    <dgm:sp3d z="57150" extrusionH="63500" contourW="12700" prstMaterial="matte">
+      <a:contourClr>
+        <a:schemeClr val="dk1">
+          <a:tint val="20000"/>
+        </a:schemeClr>
+      </a:contourClr>
+    </dgm:sp3d>
+    <dgm:txPr/>
+    <dgm:style>
+      <a:lnRef idx="0">
+        <a:scrgbClr r="0" g="0" b="0"/>
+      </a:lnRef>
+      <a:fillRef idx="1">
+        <a:scrgbClr r="0" g="0" b="0"/>
+      </a:fillRef>
+      <a:effectRef idx="0">
+        <a:scrgbClr r="0" g="0" b="0"/>
+      </a:effectRef>
+      <a:fontRef idx="minor">
+        <a:schemeClr val="lt1"/>
+      </a:fontRef>
+    </dgm:style>
+  </dgm:styleLbl>
+  <dgm:styleLbl name="bgSibTrans2D1">
+    <dgm:scene3d>
+      <a:camera prst="orthographicFront"/>
+      <a:lightRig rig="threePt" dir="t"/>
+    </dgm:scene3d>
+    <dgm:sp3d z="-381000" extrusionH="63500" contourW="12700" prstMaterial="matte">
+      <a:contourClr>
+        <a:schemeClr val="dk1">
+          <a:tint val="20000"/>
+        </a:schemeClr>
+      </a:contourClr>
+    </dgm:sp3d>
+    <dgm:txPr/>
+    <dgm:style>
+      <a:lnRef idx="0">
+        <a:scrgbClr r="0" g="0" b="0"/>
+      </a:lnRef>
+      <a:fillRef idx="1">
+        <a:scrgbClr r="0" g="0" b="0"/>
+      </a:fillRef>
+      <a:effectRef idx="0">
+        <a:scrgbClr r="0" g="0" b="0"/>
+      </a:effectRef>
+      <a:fontRef idx="minor">
+        <a:schemeClr val="lt1"/>
+      </a:fontRef>
+    </dgm:style>
+  </dgm:styleLbl>
+  <dgm:styleLbl name="sibTrans1D1">
+    <dgm:scene3d>
+      <a:camera prst="orthographicFront"/>
+      <a:lightRig rig="threePt" dir="t"/>
+    </dgm:scene3d>
+    <dgm:sp3d z="-40000" prstMaterial="matte"/>
+    <dgm:txPr/>
+    <dgm:style>
+      <a:lnRef idx="1">
+        <a:scrgbClr r="0" g="0" b="0"/>
+      </a:lnRef>
+      <a:fillRef idx="0">
+        <a:scrgbClr r="0" g="0" b="0"/>
+      </a:fillRef>
+      <a:effectRef idx="0">
+        <a:scrgbClr r="0" g="0" b="0"/>
+      </a:effectRef>
+      <a:fontRef idx="minor"/>
+    </dgm:style>
+  </dgm:styleLbl>
+  <dgm:styleLbl name="callout">
+    <dgm:scene3d>
+      <a:camera prst="orthographicFront"/>
+      <a:lightRig rig="threePt" dir="t"/>
+    </dgm:scene3d>
+    <dgm:sp3d z="127000" prstMaterial="matte"/>
+    <dgm:txPr/>
+    <dgm:style>
+      <a:lnRef idx="2">
+        <a:scrgbClr r="0" g="0" b="0"/>
+      </a:lnRef>
+      <a:fillRef idx="1">
+        <a:scrgbClr r="0" g="0" b="0"/>
+      </a:fillRef>
+      <a:effectRef idx="0">
+        <a:scrgbClr r="0" g="0" b="0"/>
+      </a:effectRef>
+      <a:fontRef idx="minor"/>
+    </dgm:style>
+  </dgm:styleLbl>
+  <dgm:styleLbl name="asst0">
+    <dgm:scene3d>
+      <a:camera prst="orthographicFront"/>
+      <a:lightRig rig="threePt" dir="t"/>
+    </dgm:scene3d>
+    <dgm:sp3d extrusionH="381000" contourW="38100" prstMaterial="matte">
+      <a:contourClr>
+        <a:schemeClr val="lt1"/>
+      </a:contourClr>
+    </dgm:sp3d>
+    <dgm:txPr/>
+    <dgm:style>
+      <a:lnRef idx="0">
+        <a:scrgbClr r="0" g="0" b="0"/>
+      </a:lnRef>
+      <a:fillRef idx="1">
+        <a:scrgbClr r="0" g="0" b="0"/>
+      </a:fillRef>
+      <a:effectRef idx="0">
+        <a:scrgbClr r="0" g="0" b="0"/>
+      </a:effectRef>
+      <a:fontRef idx="minor">
+        <a:schemeClr val="lt1"/>
+      </a:fontRef>
+    </dgm:style>
+  </dgm:styleLbl>
+  <dgm:styleLbl name="asst1">
+    <dgm:scene3d>
+      <a:camera prst="orthographicFront"/>
+      <a:lightRig rig="threePt" dir="t"/>
+    </dgm:scene3d>
+    <dgm:sp3d extrusionH="381000" contourW="38100" prstMaterial="matte">
+      <a:contourClr>
+        <a:schemeClr val="lt1"/>
+      </a:contourClr>
+    </dgm:sp3d>
+    <dgm:txPr/>
+    <dgm:style>
+      <a:lnRef idx="0">
+        <a:scrgbClr r="0" g="0" b="0"/>
+      </a:lnRef>
+      <a:fillRef idx="1">
+        <a:scrgbClr r="0" g="0" b="0"/>
+      </a:fillRef>
+      <a:effectRef idx="0">
+        <a:scrgbClr r="0" g="0" b="0"/>
+      </a:effectRef>
+      <a:fontRef idx="minor">
+        <a:schemeClr val="lt1"/>
+      </a:fontRef>
+    </dgm:style>
+  </dgm:styleLbl>
+  <dgm:styleLbl name="asst2">
+    <dgm:scene3d>
+      <a:camera prst="orthographicFront"/>
+      <a:lightRig rig="threePt" dir="t"/>
+    </dgm:scene3d>
+    <dgm:sp3d extrusionH="381000" contourW="38100" prstMaterial="matte">
+      <a:contourClr>
+        <a:schemeClr val="lt1"/>
+      </a:contourClr>
+    </dgm:sp3d>
+    <dgm:txPr/>
+    <dgm:style>
+      <a:lnRef idx="0">
+        <a:scrgbClr r="0" g="0" b="0"/>
+      </a:lnRef>
+      <a:fillRef idx="1">
+        <a:scrgbClr r="0" g="0" b="0"/>
+      </a:fillRef>
+      <a:effectRef idx="0">
+        <a:scrgbClr r="0" g="0" b="0"/>
+      </a:effectRef>
+      <a:fontRef idx="minor">
+        <a:schemeClr val="lt1"/>
+      </a:fontRef>
+    </dgm:style>
+  </dgm:styleLbl>
+  <dgm:styleLbl name="asst3">
+    <dgm:scene3d>
+      <a:camera prst="orthographicFront"/>
+      <a:lightRig rig="threePt" dir="t"/>
+    </dgm:scene3d>
+    <dgm:sp3d extrusionH="381000" contourW="38100" prstMaterial="matte">
+      <a:contourClr>
+        <a:schemeClr val="lt1"/>
+      </a:contourClr>
+    </dgm:sp3d>
+    <dgm:txPr/>
+    <dgm:style>
+      <a:lnRef idx="0">
+        <a:scrgbClr r="0" g="0" b="0"/>
+      </a:lnRef>
+      <a:fillRef idx="1">
+        <a:scrgbClr r="0" g="0" b="0"/>
+      </a:fillRef>
+      <a:effectRef idx="0">
+        <a:scrgbClr r="0" g="0" b="0"/>
+      </a:effectRef>
+      <a:fontRef idx="minor">
+        <a:schemeClr val="lt1"/>
+      </a:fontRef>
+    </dgm:style>
+  </dgm:styleLbl>
+  <dgm:styleLbl name="parChTrans2D1">
+    <dgm:scene3d>
+      <a:camera prst="orthographicFront"/>
+      <a:lightRig rig="threePt" dir="t"/>
+    </dgm:scene3d>
+    <dgm:sp3d z="52400" extrusionH="381000" contourW="38100" prstMaterial="matte">
+      <a:contourClr>
+        <a:schemeClr val="lt1"/>
+      </a:contourClr>
+    </dgm:sp3d>
+    <dgm:txPr/>
+    <dgm:style>
+      <a:lnRef idx="0">
+        <a:scrgbClr r="0" g="0" b="0"/>
+      </a:lnRef>
+      <a:fillRef idx="1">
+        <a:scrgbClr r="0" g="0" b="0"/>
+      </a:fillRef>
+      <a:effectRef idx="0">
+        <a:scrgbClr r="0" g="0" b="0"/>
+      </a:effectRef>
+      <a:fontRef idx="minor">
+        <a:schemeClr val="lt1"/>
+      </a:fontRef>
+    </dgm:style>
+  </dgm:styleLbl>
+  <dgm:styleLbl name="parChTrans2D2">
+    <dgm:scene3d>
+      <a:camera prst="orthographicFront"/>
+      <a:lightRig rig="threePt" dir="t"/>
+    </dgm:scene3d>
+    <dgm:sp3d z="52400" extrusionH="381000" contourW="38100" prstMaterial="matte">
+      <a:contourClr>
+        <a:schemeClr val="lt1"/>
+      </a:contourClr>
+    </dgm:sp3d>
+    <dgm:txPr/>
+    <dgm:style>
+      <a:lnRef idx="0">
+        <a:scrgbClr r="0" g="0" b="0"/>
+      </a:lnRef>
+      <a:fillRef idx="1">
+        <a:scrgbClr r="0" g="0" b="0"/>
+      </a:fillRef>
+      <a:effectRef idx="0">
+        <a:scrgbClr r="0" g="0" b="0"/>
+      </a:effectRef>
+      <a:fontRef idx="minor">
+        <a:schemeClr val="lt1"/>
+      </a:fontRef>
+    </dgm:style>
+  </dgm:styleLbl>
+  <dgm:styleLbl name="parChTrans2D3">
+    <dgm:scene3d>
+      <a:camera prst="orthographicFront"/>
+      <a:lightRig rig="threePt" dir="t"/>
+    </dgm:scene3d>
+    <dgm:sp3d z="60000" prstMaterial="flat">
+      <a:bevelT w="120900" h="88900"/>
+      <a:bevelB w="88900" h="31750" prst="angle"/>
+    </dgm:sp3d>
+    <dgm:txPr/>
+    <dgm:style>
+      <a:lnRef idx="0">
+        <a:scrgbClr r="0" g="0" b="0"/>
+      </a:lnRef>
+      <a:fillRef idx="3">
+        <a:scrgbClr r="0" g="0" b="0"/>
+      </a:fillRef>
+      <a:effectRef idx="1">
+        <a:scrgbClr r="0" g="0" b="0"/>
+      </a:effectRef>
+      <a:fontRef idx="minor">
+        <a:schemeClr val="lt1"/>
+      </a:fontRef>
+    </dgm:style>
+  </dgm:styleLbl>
+  <dgm:styleLbl name="parChTrans2D4">
+    <dgm:scene3d>
+      <a:camera prst="orthographicFront"/>
+      <a:lightRig rig="threePt" dir="t"/>
+    </dgm:scene3d>
+    <dgm:sp3d z="60000" prstMaterial="flat">
+      <a:bevelT w="120900" h="88900"/>
+      <a:bevelB w="88900" h="31750" prst="angle"/>
+    </dgm:sp3d>
+    <dgm:txPr/>
+    <dgm:style>
+      <a:lnRef idx="0">
+        <a:scrgbClr r="0" g="0" b="0"/>
+      </a:lnRef>
+      <a:fillRef idx="3">
+        <a:scrgbClr r="0" g="0" b="0"/>
+      </a:fillRef>
+      <a:effectRef idx="1">
+        <a:scrgbClr r="0" g="0" b="0"/>
+      </a:effectRef>
+      <a:fontRef idx="minor">
+        <a:schemeClr val="lt1"/>
+      </a:fontRef>
+    </dgm:style>
+  </dgm:styleLbl>
+  <dgm:styleLbl name="parChTrans1D1">
+    <dgm:scene3d>
+      <a:camera prst="orthographicFront"/>
+      <a:lightRig rig="threePt" dir="t"/>
+    </dgm:scene3d>
+    <dgm:sp3d z="-40000" prstMaterial="matte"/>
+    <dgm:txPr/>
+    <dgm:style>
+      <a:lnRef idx="2">
+        <a:scrgbClr r="0" g="0" b="0"/>
+      </a:lnRef>
+      <a:fillRef idx="0">
+        <a:scrgbClr r="0" g="0" b="0"/>
+      </a:fillRef>
+      <a:effectRef idx="0">
+        <a:scrgbClr r="0" g="0" b="0"/>
+      </a:effectRef>
+      <a:fontRef idx="minor"/>
+    </dgm:style>
+  </dgm:styleLbl>
+  <dgm:styleLbl name="parChTrans1D2">
+    <dgm:scene3d>
+      <a:camera prst="orthographicFront"/>
+      <a:lightRig rig="threePt" dir="t"/>
+    </dgm:scene3d>
+    <dgm:sp3d z="-40000" prstMaterial="matte"/>
+    <dgm:txPr/>
+    <dgm:style>
+      <a:lnRef idx="2">
+        <a:scrgbClr r="0" g="0" b="0"/>
+      </a:lnRef>
+      <a:fillRef idx="0">
+        <a:scrgbClr r="0" g="0" b="0"/>
+      </a:fillRef>
+      <a:effectRef idx="0">
+        <a:scrgbClr r="0" g="0" b="0"/>
+      </a:effectRef>
+      <a:fontRef idx="minor"/>
+    </dgm:style>
+  </dgm:styleLbl>
+  <dgm:styleLbl name="parChTrans1D3">
+    <dgm:scene3d>
+      <a:camera prst="orthographicFront"/>
+      <a:lightRig rig="threePt" dir="t"/>
+    </dgm:scene3d>
+    <dgm:sp3d z="-40000" prstMaterial="matte"/>
+    <dgm:txPr/>
+    <dgm:style>
+      <a:lnRef idx="2">
+        <a:scrgbClr r="0" g="0" b="0"/>
+      </a:lnRef>
+      <a:fillRef idx="0">
+        <a:scrgbClr r="0" g="0" b="0"/>
+      </a:fillRef>
+      <a:effectRef idx="0">
+        <a:scrgbClr r="0" g="0" b="0"/>
+      </a:effectRef>
+      <a:fontRef idx="minor"/>
+    </dgm:style>
+  </dgm:styleLbl>
+  <dgm:styleLbl name="parChTrans1D4">
+    <dgm:scene3d>
+      <a:camera prst="orthographicFront"/>
+      <a:lightRig rig="threePt" dir="t"/>
+    </dgm:scene3d>
+    <dgm:sp3d z="-40000" prstMaterial="matte"/>
+    <dgm:txPr/>
+    <dgm:style>
+      <a:lnRef idx="2">
+        <a:scrgbClr r="0" g="0" b="0"/>
+      </a:lnRef>
+      <a:fillRef idx="0">
+        <a:scrgbClr r="0" g="0" b="0"/>
+      </a:fillRef>
+      <a:effectRef idx="0">
+        <a:scrgbClr r="0" g="0" b="0"/>
+      </a:effectRef>
+      <a:fontRef idx="minor"/>
+    </dgm:style>
+  </dgm:styleLbl>
+  <dgm:styleLbl name="fgAcc1">
+    <dgm:scene3d>
+      <a:camera prst="orthographicFront"/>
+      <a:lightRig rig="threePt" dir="t"/>
+    </dgm:scene3d>
+    <dgm:sp3d z="57150" extrusionH="63500" prstMaterial="matte"/>
+    <dgm:txPr/>
+    <dgm:style>
+      <a:lnRef idx="1">
+        <a:scrgbClr r="0" g="0" b="0"/>
+      </a:lnRef>
+      <a:fillRef idx="1">
+        <a:scrgbClr r="0" g="0" b="0"/>
+      </a:fillRef>
+      <a:effectRef idx="0">
+        <a:scrgbClr r="0" g="0" b="0"/>
+      </a:effectRef>
+      <a:fontRef idx="minor"/>
+    </dgm:style>
+  </dgm:styleLbl>
+  <dgm:styleLbl name="conFgAcc1">
+    <dgm:scene3d>
+      <a:camera prst="orthographicFront"/>
+      <a:lightRig rig="threePt" dir="t"/>
+    </dgm:scene3d>
+    <dgm:sp3d z="-60000" extrusionH="63500" prstMaterial="matte"/>
+    <dgm:txPr/>
+    <dgm:style>
+      <a:lnRef idx="1">
+        <a:scrgbClr r="0" g="0" b="0"/>
+      </a:lnRef>
+      <a:fillRef idx="1">
+        <a:scrgbClr r="0" g="0" b="0"/>
+      </a:fillRef>
+      <a:effectRef idx="0">
+        <a:scrgbClr r="0" g="0" b="0"/>
+      </a:effectRef>
+      <a:fontRef idx="minor"/>
+    </dgm:style>
+  </dgm:styleLbl>
+  <dgm:styleLbl name="alignAcc1">
+    <dgm:scene3d>
+      <a:camera prst="orthographicFront"/>
+      <a:lightRig rig="threePt" dir="t"/>
+    </dgm:scene3d>
+    <dgm:sp3d z="-60000" extrusionH="63500" prstMaterial="matte"/>
+    <dgm:txPr/>
+    <dgm:style>
+      <a:lnRef idx="1">
+        <a:scrgbClr r="0" g="0" b="0"/>
+      </a:lnRef>
+      <a:fillRef idx="1">
+        <a:scrgbClr r="0" g="0" b="0"/>
+      </a:fillRef>
+      <a:effectRef idx="0">
+        <a:scrgbClr r="0" g="0" b="0"/>
+      </a:effectRef>
+      <a:fontRef idx="minor"/>
+    </dgm:style>
+  </dgm:styleLbl>
+  <dgm:styleLbl name="trAlignAcc1">
+    <dgm:scene3d>
+      <a:camera prst="orthographicFront"/>
+      <a:lightRig rig="threePt" dir="t"/>
+    </dgm:scene3d>
+    <dgm:sp3d extrusionH="381000" prstMaterial="matte"/>
+    <dgm:txPr/>
+    <dgm:style>
+      <a:lnRef idx="1">
+        <a:scrgbClr r="0" g="0" b="0"/>
+      </a:lnRef>
+      <a:fillRef idx="1">
+        <a:scrgbClr r="0" g="0" b="0"/>
+      </a:fillRef>
+      <a:effectRef idx="0">
+        <a:scrgbClr r="0" g="0" b="0"/>
+      </a:effectRef>
+      <a:fontRef idx="minor"/>
+    </dgm:style>
+  </dgm:styleLbl>
+  <dgm:styleLbl name="bgAcc1">
+    <dgm:scene3d>
+      <a:camera prst="orthographicFront"/>
+      <a:lightRig rig="threePt" dir="t"/>
+    </dgm:scene3d>
+    <dgm:sp3d z="-400500" extrusionH="63500" prstMaterial="matte"/>
+    <dgm:txPr/>
+    <dgm:style>
+      <a:lnRef idx="1">
+        <a:scrgbClr r="0" g="0" b="0"/>
+      </a:lnRef>
+      <a:fillRef idx="1">
+        <a:scrgbClr r="0" g="0" b="0"/>
+      </a:fillRef>
+      <a:effectRef idx="0">
+        <a:scrgbClr r="0" g="0" b="0"/>
+      </a:effectRef>
+      <a:fontRef idx="minor"/>
+    </dgm:style>
+  </dgm:styleLbl>
+  <dgm:styleLbl name="solidFgAcc1">
+    <dgm:scene3d>
+      <a:camera prst="orthographicFront"/>
+      <a:lightRig rig="threePt" dir="t"/>
+    </dgm:scene3d>
+    <dgm:sp3d z="57150" extrusionH="12700" prstMaterial="flat">
+      <a:bevelT w="50800" h="50800"/>
+    </dgm:sp3d>
+    <dgm:txPr/>
+    <dgm:style>
+      <a:lnRef idx="1">
+        <a:scrgbClr r="0" g="0" b="0"/>
+      </a:lnRef>
+      <a:fillRef idx="1">
+        <a:scrgbClr r="0" g="0" b="0"/>
+      </a:fillRef>
+      <a:effectRef idx="2">
+        <a:scrgbClr r="0" g="0" b="0"/>
+      </a:effectRef>
+      <a:fontRef idx="minor"/>
+    </dgm:style>
+  </dgm:styleLbl>
+  <dgm:styleLbl name="solidAlignAcc1">
+    <dgm:scene3d>
+      <a:camera prst="orthographicFront"/>
+      <a:lightRig rig="threePt" dir="t"/>
+    </dgm:scene3d>
+    <dgm:sp3d extrusionH="12700" prstMaterial="flat">
+      <a:bevelT w="50800" h="50800"/>
+    </dgm:sp3d>
+    <dgm:txPr/>
+    <dgm:style>
+      <a:lnRef idx="1">
+        <a:scrgbClr r="0" g="0" b="0"/>
+      </a:lnRef>
+      <a:fillRef idx="1">
+        <a:scrgbClr r="0" g="0" b="0"/>
+      </a:fillRef>
+      <a:effectRef idx="2">
+        <a:scrgbClr r="0" g="0" b="0"/>
+      </a:effectRef>
+      <a:fontRef idx="minor"/>
+    </dgm:style>
+  </dgm:styleLbl>
+  <dgm:styleLbl name="solidBgAcc1">
+    <dgm:scene3d>
+      <a:camera prst="orthographicFront"/>
+      <a:lightRig rig="threePt" dir="t"/>
+    </dgm:scene3d>
+    <dgm:sp3d z="-63500" extrusionH="63500" prstMaterial="matte"/>
+    <dgm:txPr/>
+    <dgm:style>
+      <a:lnRef idx="1">
+        <a:scrgbClr r="0" g="0" b="0"/>
+      </a:lnRef>
+      <a:fillRef idx="1">
+        <a:scrgbClr r="0" g="0" b="0"/>
+      </a:fillRef>
+      <a:effectRef idx="0">
+        <a:scrgbClr r="0" g="0" b="0"/>
+      </a:effectRef>
+      <a:fontRef idx="minor"/>
+    </dgm:style>
+  </dgm:styleLbl>
+  <dgm:styleLbl name="fgAccFollowNode1">
+    <dgm:scene3d>
+      <a:camera prst="orthographicFront"/>
+      <a:lightRig rig="threePt" dir="t"/>
+    </dgm:scene3d>
+    <dgm:sp3d z="57150" extrusionH="63500" contourW="12700" prstMaterial="matte">
+      <a:contourClr>
+        <a:schemeClr val="dk1">
+          <a:tint val="20000"/>
+        </a:schemeClr>
+      </a:contourClr>
+    </dgm:sp3d>
+    <dgm:txPr/>
+    <dgm:style>
+      <a:lnRef idx="0">
+        <a:scrgbClr r="0" g="0" b="0"/>
+      </a:lnRef>
+      <a:fillRef idx="1">
+        <a:scrgbClr r="0" g="0" b="0"/>
+      </a:fillRef>
+      <a:effectRef idx="0">
+        <a:scrgbClr r="0" g="0" b="0"/>
+      </a:effectRef>
+      <a:fontRef idx="minor"/>
+    </dgm:style>
+  </dgm:styleLbl>
+  <dgm:styleLbl name="alignAccFollowNode1">
+    <dgm:scene3d>
+      <a:camera prst="orthographicFront"/>
+      <a:lightRig rig="threePt" dir="t"/>
+    </dgm:scene3d>
+    <dgm:sp3d extrusionH="381000" contourW="38100" prstMaterial="matte">
+      <a:contourClr>
+        <a:schemeClr val="lt1"/>
+      </a:contourClr>
+    </dgm:sp3d>
+    <dgm:txPr/>
+    <dgm:style>
+      <a:lnRef idx="0">
+        <a:scrgbClr r="0" g="0" b="0"/>
+      </a:lnRef>
+      <a:fillRef idx="1">
+        <a:scrgbClr r="0" g="0" b="0"/>
+      </a:fillRef>
+      <a:effectRef idx="0">
+        <a:scrgbClr r="0" g="0" b="0"/>
+      </a:effectRef>
+      <a:fontRef idx="minor"/>
+    </dgm:style>
+  </dgm:styleLbl>
+  <dgm:styleLbl name="bgAccFollowNode1">
+    <dgm:scene3d>
+      <a:camera prst="orthographicFront"/>
+      <a:lightRig rig="threePt" dir="t"/>
+    </dgm:scene3d>
+    <dgm:sp3d z="-400500" extrusionH="63500" contourW="12700" prstMaterial="matte">
+      <a:contourClr>
+        <a:schemeClr val="lt1"/>
+      </a:contourClr>
+    </dgm:sp3d>
+    <dgm:txPr/>
+    <dgm:style>
+      <a:lnRef idx="0">
+        <a:scrgbClr r="0" g="0" b="0"/>
+      </a:lnRef>
+      <a:fillRef idx="1">
+        <a:scrgbClr r="0" g="0" b="0"/>
+      </a:fillRef>
+      <a:effectRef idx="2">
+        <a:scrgbClr r="0" g="0" b="0"/>
+      </a:effectRef>
+      <a:fontRef idx="minor"/>
+    </dgm:style>
+  </dgm:styleLbl>
+  <dgm:styleLbl name="fgAcc0">
+    <dgm:scene3d>
+      <a:camera prst="orthographicFront"/>
+      <a:lightRig rig="threePt" dir="t"/>
+    </dgm:scene3d>
+    <dgm:sp3d z="57150" extrusionH="63500" prstMaterial="matte"/>
+    <dgm:txPr/>
+    <dgm:style>
+      <a:lnRef idx="1">
+        <a:scrgbClr r="0" g="0" b="0"/>
+      </a:lnRef>
+      <a:fillRef idx="1">
+        <a:scrgbClr r="0" g="0" b="0"/>
+      </a:fillRef>
+      <a:effectRef idx="0">
+        <a:scrgbClr r="0" g="0" b="0"/>
+      </a:effectRef>
+      <a:fontRef idx="minor"/>
+    </dgm:style>
+  </dgm:styleLbl>
+  <dgm:styleLbl name="fgAcc2">
+    <dgm:scene3d>
+      <a:camera prst="orthographicFront"/>
+      <a:lightRig rig="threePt" dir="t"/>
+    </dgm:scene3d>
+    <dgm:sp3d z="57150" extrusionH="63500" prstMaterial="matte"/>
+    <dgm:txPr/>
+    <dgm:style>
+      <a:lnRef idx="1">
+        <a:scrgbClr r="0" g="0" b="0"/>
+      </a:lnRef>
+      <a:fillRef idx="1">
+        <a:scrgbClr r="0" g="0" b="0"/>
+      </a:fillRef>
+      <a:effectRef idx="0">
+        <a:scrgbClr r="0" g="0" b="0"/>
+      </a:effectRef>
+      <a:fontRef idx="minor"/>
+    </dgm:style>
+  </dgm:styleLbl>
+  <dgm:styleLbl name="fgAcc3">
+    <dgm:scene3d>
+      <a:camera prst="orthographicFront"/>
+      <a:lightRig rig="threePt" dir="t"/>
+    </dgm:scene3d>
+    <dgm:sp3d z="57150" extrusionH="63500" prstMaterial="matte"/>
+    <dgm:txPr/>
+    <dgm:style>
+      <a:lnRef idx="1">
+        <a:scrgbClr r="0" g="0" b="0"/>
+      </a:lnRef>
+      <a:fillRef idx="1">
+        <a:scrgbClr r="0" g="0" b="0"/>
+      </a:fillRef>
+      <a:effectRef idx="0">
+        <a:scrgbClr r="0" g="0" b="0"/>
+      </a:effectRef>
+      <a:fontRef idx="minor"/>
+    </dgm:style>
+  </dgm:styleLbl>
+  <dgm:styleLbl name="fgAcc4">
+    <dgm:scene3d>
+      <a:camera prst="orthographicFront"/>
+      <a:lightRig rig="threePt" dir="t"/>
+    </dgm:scene3d>
+    <dgm:sp3d z="57150" extrusionH="63500" prstMaterial="matte"/>
+    <dgm:txPr/>
+    <dgm:style>
+      <a:lnRef idx="1">
+        <a:scrgbClr r="0" g="0" b="0"/>
+      </a:lnRef>
+      <a:fillRef idx="1">
+        <a:scrgbClr r="0" g="0" b="0"/>
+      </a:fillRef>
+      <a:effectRef idx="0">
+        <a:scrgbClr r="0" g="0" b="0"/>
+      </a:effectRef>
+      <a:fontRef idx="minor"/>
+    </dgm:style>
+  </dgm:styleLbl>
+  <dgm:styleLbl name="bgShp">
+    <dgm:scene3d>
+      <a:camera prst="orthographicFront"/>
+      <a:lightRig rig="threePt" dir="t"/>
+    </dgm:scene3d>
+    <dgm:sp3d z="-400500" extrusionH="63500" contourW="12700" prstMaterial="matte">
+      <a:contourClr>
+        <a:schemeClr val="lt1">
+          <a:tint val="50000"/>
+        </a:schemeClr>
+      </a:contourClr>
+    </dgm:sp3d>
+    <dgm:txPr/>
+    <dgm:style>
+      <a:lnRef idx="0">
+        <a:scrgbClr r="0" g="0" b="0"/>
+      </a:lnRef>
+      <a:fillRef idx="1">
+        <a:scrgbClr r="0" g="0" b="0"/>
+      </a:fillRef>
+      <a:effectRef idx="0">
+        <a:scrgbClr r="0" g="0" b="0"/>
+      </a:effectRef>
+      <a:fontRef idx="minor"/>
+    </dgm:style>
+  </dgm:styleLbl>
+  <dgm:styleLbl name="dkBgShp">
+    <dgm:scene3d>
+      <a:camera prst="orthographicFront"/>
+      <a:lightRig rig="threePt" dir="t"/>
+    </dgm:scene3d>
+    <dgm:sp3d extrusionH="381000" contourW="38100" prstMaterial="matte">
+      <a:contourClr>
+        <a:schemeClr val="lt1"/>
+      </a:contourClr>
+    </dgm:sp3d>
+    <dgm:txPr/>
+    <dgm:style>
+      <a:lnRef idx="0">
+        <a:scrgbClr r="0" g="0" b="0"/>
+      </a:lnRef>
+      <a:fillRef idx="1">
+        <a:scrgbClr r="0" g="0" b="0"/>
+      </a:fillRef>
+      <a:effectRef idx="0">
+        <a:scrgbClr r="0" g="0" b="0"/>
+      </a:effectRef>
+      <a:fontRef idx="minor">
+        <a:schemeClr val="lt1"/>
+      </a:fontRef>
+    </dgm:style>
+  </dgm:styleLbl>
+  <dgm:styleLbl name="trBgShp">
+    <dgm:scene3d>
+      <a:camera prst="orthographicFront"/>
+      <a:lightRig rig="threePt" dir="t"/>
+    </dgm:scene3d>
+    <dgm:sp3d z="-400500" prstMaterial="matte"/>
+    <dgm:txPr/>
+    <dgm:style>
+      <a:lnRef idx="0">
+        <a:scrgbClr r="0" g="0" b="0"/>
+      </a:lnRef>
+      <a:fillRef idx="1">
+        <a:scrgbClr r="0" g="0" b="0"/>
+      </a:fillRef>
+      <a:effectRef idx="0">
+        <a:scrgbClr r="0" g="0" b="0"/>
+      </a:effectRef>
+      <a:fontRef idx="minor"/>
+    </dgm:style>
+  </dgm:styleLbl>
+  <dgm:styleLbl name="fgShp">
+    <dgm:scene3d>
+      <a:camera prst="orthographicFront"/>
+      <a:lightRig rig="threePt" dir="t"/>
+    </dgm:scene3d>
+    <dgm:sp3d z="57150" extrusionH="63500" contourW="12700" prstMaterial="matte">
+      <a:contourClr>
+        <a:schemeClr val="lt1">
+          <a:tint val="50000"/>
+        </a:schemeClr>
+      </a:contourClr>
+    </dgm:sp3d>
+    <dgm:txPr/>
+    <dgm:style>
+      <a:lnRef idx="0">
+        <a:scrgbClr r="0" g="0" b="0"/>
+      </a:lnRef>
+      <a:fillRef idx="1">
+        <a:scrgbClr r="0" g="0" b="0"/>
+      </a:fillRef>
+      <a:effectRef idx="0">
+        <a:scrgbClr r="0" g="0" b="0"/>
+      </a:effectRef>
+      <a:fontRef idx="minor"/>
+    </dgm:style>
+  </dgm:styleLbl>
+  <dgm:styleLbl name="revTx">
+    <dgm:scene3d>
+      <a:camera prst="orthographicFront"/>
+      <a:lightRig rig="threePt" dir="t"/>
+    </dgm:scene3d>
+    <dgm:sp3d/>
+    <dgm:txPr/>
+    <dgm:style>
+      <a:lnRef idx="0">
+        <a:scrgbClr r="0" g="0" b="0"/>
+      </a:lnRef>
+      <a:fillRef idx="0">
+        <a:scrgbClr r="0" g="0" b="0"/>
+      </a:fillRef>
+      <a:effectRef idx="0">
+        <a:scrgbClr r="0" g="0" b="0"/>
+      </a:effectRef>
+      <a:fontRef idx="minor"/>
+    </dgm:style>
+  </dgm:styleLbl>
+</dgm:styleDef>
+</file>
+
+<file path=ppt/diagrams/quickStyle2.xml><?xml version="1.0" encoding="utf-8"?>
+<dgm:styleDef xmlns:dgm="http://schemas.openxmlformats.org/drawingml/2006/diagram" xmlns:a="http://schemas.openxmlformats.org/drawingml/2006/main" uniqueId="urn:microsoft.com/office/officeart/2005/8/quickstyle/3d5">
+  <dgm:title val=""/>
+  <dgm:desc val=""/>
+  <dgm:catLst>
+    <dgm:cat type="3D" pri="11500"/>
+  </dgm:catLst>
+  <dgm:scene3d>
+    <a:camera prst="isometricOffAxis2Left" zoom="95000"/>
+    <a:lightRig rig="flat" dir="t"/>
+  </dgm:scene3d>
+  <dgm:styleLbl name="node0">
+    <dgm:scene3d>
+      <a:camera prst="orthographicFront"/>
+      <a:lightRig rig="threePt" dir="t"/>
+    </dgm:scene3d>
+    <dgm:sp3d extrusionH="381000" contourW="38100" prstMaterial="matte">
+      <a:contourClr>
+        <a:schemeClr val="lt1"/>
+      </a:contourClr>
+    </dgm:sp3d>
+    <dgm:txPr/>
+    <dgm:style>
+      <a:lnRef idx="0">
+        <a:scrgbClr r="0" g="0" b="0"/>
+      </a:lnRef>
+      <a:fillRef idx="1">
+        <a:scrgbClr r="0" g="0" b="0"/>
+      </a:fillRef>
+      <a:effectRef idx="0">
+        <a:scrgbClr r="0" g="0" b="0"/>
+      </a:effectRef>
+      <a:fontRef idx="minor">
+        <a:schemeClr val="lt1"/>
+      </a:fontRef>
+    </dgm:style>
+  </dgm:styleLbl>
+  <dgm:styleLbl name="lnNode1">
+    <dgm:scene3d>
+      <a:camera prst="orthographicFront"/>
+      <a:lightRig rig="threePt" dir="t"/>
+    </dgm:scene3d>
+    <dgm:sp3d extrusionH="381000" contourW="38100" prstMaterial="matte">
+      <a:contourClr>
+        <a:schemeClr val="lt1"/>
+      </a:contourClr>
+    </dgm:sp3d>
+    <dgm:txPr/>
+    <dgm:style>
+      <a:lnRef idx="0">
+        <a:scrgbClr r="0" g="0" b="0"/>
+      </a:lnRef>
+      <a:fillRef idx="1">
+        <a:scrgbClr r="0" g="0" b="0"/>
+      </a:fillRef>
+      <a:effectRef idx="0">
+        <a:scrgbClr r="0" g="0" b="0"/>
+      </a:effectRef>
+      <a:fontRef idx="minor">
+        <a:schemeClr val="lt1"/>
+      </a:fontRef>
+    </dgm:style>
+  </dgm:styleLbl>
+  <dgm:styleLbl name="vennNode1">
+    <dgm:scene3d>
+      <a:camera prst="orthographicFront"/>
+      <a:lightRig rig="threePt" dir="t"/>
+    </dgm:scene3d>
+    <dgm:sp3d extrusionH="381000" contourW="38100" prstMaterial="matte">
+      <a:contourClr>
+        <a:schemeClr val="lt1"/>
+      </a:contourClr>
+    </dgm:sp3d>
+    <dgm:txPr/>
+    <dgm:style>
+      <a:lnRef idx="0">
+        <a:scrgbClr r="0" g="0" b="0"/>
+      </a:lnRef>
+      <a:fillRef idx="1">
+        <a:scrgbClr r="0" g="0" b="0"/>
+      </a:fillRef>
+      <a:effectRef idx="0">
+        <a:scrgbClr r="0" g="0" b="0"/>
+      </a:effectRef>
+      <a:fontRef idx="minor">
+        <a:schemeClr val="tx1"/>
+      </a:fontRef>
+    </dgm:style>
+  </dgm:styleLbl>
+  <dgm:styleLbl name="alignNode1">
+    <dgm:scene3d>
+      <a:camera prst="orthographicFront"/>
+      <a:lightRig rig="threePt" dir="t"/>
+    </dgm:scene3d>
+    <dgm:sp3d extrusionH="381000" contourW="38100" prstMaterial="matte">
+      <a:contourClr>
+        <a:schemeClr val="lt1"/>
+      </a:contourClr>
+    </dgm:sp3d>
+    <dgm:txPr/>
+    <dgm:style>
+      <a:lnRef idx="1">
+        <a:scrgbClr r="0" g="0" b="0"/>
+      </a:lnRef>
+      <a:fillRef idx="1">
+        <a:scrgbClr r="0" g="0" b="0"/>
+      </a:fillRef>
+      <a:effectRef idx="0">
+        <a:scrgbClr r="0" g="0" b="0"/>
+      </a:effectRef>
+      <a:fontRef idx="minor">
+        <a:schemeClr val="lt1"/>
+      </a:fontRef>
+    </dgm:style>
+  </dgm:styleLbl>
+  <dgm:styleLbl name="node1">
+    <dgm:scene3d>
+      <a:camera prst="orthographicFront"/>
+      <a:lightRig rig="threePt" dir="t"/>
+    </dgm:scene3d>
+    <dgm:sp3d extrusionH="381000" contourW="38100" prstMaterial="matte">
+      <a:contourClr>
+        <a:schemeClr val="lt1"/>
+      </a:contourClr>
+    </dgm:sp3d>
+    <dgm:txPr/>
+    <dgm:style>
+      <a:lnRef idx="0">
+        <a:scrgbClr r="0" g="0" b="0"/>
+      </a:lnRef>
+      <a:fillRef idx="1">
+        <a:scrgbClr r="0" g="0" b="0"/>
+      </a:fillRef>
+      <a:effectRef idx="0">
+        <a:scrgbClr r="0" g="0" b="0"/>
+      </a:effectRef>
+      <a:fontRef idx="minor">
+        <a:schemeClr val="lt1"/>
+      </a:fontRef>
+    </dgm:style>
+  </dgm:styleLbl>
+  <dgm:styleLbl name="node2">
+    <dgm:scene3d>
+      <a:camera prst="orthographicFront"/>
+      <a:lightRig rig="threePt" dir="t"/>
+    </dgm:scene3d>
+    <dgm:sp3d extrusionH="381000" contourW="38100" prstMaterial="matte">
+      <a:contourClr>
+        <a:schemeClr val="lt1"/>
+      </a:contourClr>
+    </dgm:sp3d>
+    <dgm:txPr/>
+    <dgm:style>
+      <a:lnRef idx="0">
+        <a:scrgbClr r="0" g="0" b="0"/>
+      </a:lnRef>
+      <a:fillRef idx="1">
+        <a:scrgbClr r="0" g="0" b="0"/>
+      </a:fillRef>
+      <a:effectRef idx="0">
+        <a:scrgbClr r="0" g="0" b="0"/>
+      </a:effectRef>
+      <a:fontRef idx="minor">
+        <a:schemeClr val="lt1"/>
+      </a:fontRef>
+    </dgm:style>
+  </dgm:styleLbl>
+  <dgm:styleLbl name="node3">
+    <dgm:scene3d>
+      <a:camera prst="orthographicFront"/>
+      <a:lightRig rig="threePt" dir="t"/>
+    </dgm:scene3d>
+    <dgm:sp3d extrusionH="381000" contourW="38100" prstMaterial="matte">
+      <a:contourClr>
+        <a:schemeClr val="lt1"/>
+      </a:contourClr>
+    </dgm:sp3d>
+    <dgm:txPr/>
+    <dgm:style>
+      <a:lnRef idx="0">
+        <a:scrgbClr r="0" g="0" b="0"/>
+      </a:lnRef>
+      <a:fillRef idx="1">
+        <a:scrgbClr r="0" g="0" b="0"/>
+      </a:fillRef>
+      <a:effectRef idx="0">
+        <a:scrgbClr r="0" g="0" b="0"/>
+      </a:effectRef>
+      <a:fontRef idx="minor">
+        <a:schemeClr val="lt1"/>
+      </a:fontRef>
+    </dgm:style>
+  </dgm:styleLbl>
+  <dgm:styleLbl name="node4">
+    <dgm:scene3d>
+      <a:camera prst="orthographicFront"/>
+      <a:lightRig rig="threePt" dir="t"/>
+    </dgm:scene3d>
+    <dgm:sp3d extrusionH="381000" contourW="38100" prstMaterial="matte">
+      <a:contourClr>
+        <a:schemeClr val="lt1"/>
+      </a:contourClr>
+    </dgm:sp3d>
+    <dgm:txPr/>
+    <dgm:style>
+      <a:lnRef idx="0">
+        <a:scrgbClr r="0" g="0" b="0"/>
+      </a:lnRef>
+      <a:fillRef idx="1">
+        <a:scrgbClr r="0" g="0" b="0"/>
+      </a:fillRef>
+      <a:effectRef idx="0">
+        <a:scrgbClr r="0" g="0" b="0"/>
+      </a:effectRef>
+      <a:fontRef idx="minor">
+        <a:schemeClr val="lt1"/>
+      </a:fontRef>
+    </dgm:style>
+  </dgm:styleLbl>
+  <dgm:styleLbl name="fgImgPlace1">
+    <dgm:scene3d>
+      <a:camera prst="orthographicFront"/>
+      <a:lightRig rig="threePt" dir="t"/>
+    </dgm:scene3d>
+    <dgm:sp3d z="57150" extrusionH="63500" contourW="12700" prstMaterial="matte">
+      <a:contourClr>
+        <a:schemeClr val="lt1"/>
+      </a:contourClr>
+    </dgm:sp3d>
+    <dgm:txPr/>
+    <dgm:style>
+      <a:lnRef idx="0">
+        <a:scrgbClr r="0" g="0" b="0"/>
+      </a:lnRef>
+      <a:fillRef idx="1">
+        <a:scrgbClr r="0" g="0" b="0"/>
+      </a:fillRef>
+      <a:effectRef idx="0">
+        <a:scrgbClr r="0" g="0" b="0"/>
+      </a:effectRef>
+      <a:fontRef idx="minor"/>
+    </dgm:style>
+  </dgm:styleLbl>
+  <dgm:styleLbl name="alignImgPlace1">
+    <dgm:scene3d>
+      <a:camera prst="orthographicFront"/>
+      <a:lightRig rig="threePt" dir="t"/>
+    </dgm:scene3d>
+    <dgm:sp3d extrusionH="63500" contourW="12700" prstMaterial="matte">
+      <a:contourClr>
+        <a:schemeClr val="lt1"/>
+      </a:contourClr>
+    </dgm:sp3d>
+    <dgm:txPr/>
+    <dgm:style>
+      <a:lnRef idx="0">
+        <a:scrgbClr r="0" g="0" b="0"/>
+      </a:lnRef>
+      <a:fillRef idx="1">
+        <a:scrgbClr r="0" g="0" b="0"/>
+      </a:fillRef>
+      <a:effectRef idx="0">
+        <a:scrgbClr r="0" g="0" b="0"/>
+      </a:effectRef>
+      <a:fontRef idx="minor"/>
+    </dgm:style>
+  </dgm:styleLbl>
+  <dgm:styleLbl name="bgImgPlace1">
+    <dgm:scene3d>
+      <a:camera prst="orthographicFront"/>
+      <a:lightRig rig="threePt" dir="t"/>
+    </dgm:scene3d>
+    <dgm:sp3d z="-381000" extrusionH="63500" contourW="12700" prstMaterial="matte">
+      <a:contourClr>
+        <a:schemeClr val="lt1"/>
+      </a:contourClr>
+    </dgm:sp3d>
+    <dgm:txPr/>
+    <dgm:style>
+      <a:lnRef idx="0">
+        <a:scrgbClr r="0" g="0" b="0"/>
+      </a:lnRef>
+      <a:fillRef idx="1">
+        <a:scrgbClr r="0" g="0" b="0"/>
+      </a:fillRef>
+      <a:effectRef idx="0">
+        <a:scrgbClr r="0" g="0" b="0"/>
+      </a:effectRef>
+      <a:fontRef idx="minor"/>
+    </dgm:style>
+  </dgm:styleLbl>
+  <dgm:styleLbl name="sibTrans2D1">
+    <dgm:scene3d>
+      <a:camera prst="orthographicFront"/>
+      <a:lightRig rig="threePt" dir="t"/>
+    </dgm:scene3d>
+    <dgm:sp3d z="-52400" extrusionH="181000" contourW="38100" prstMaterial="matte">
+      <a:contourClr>
+        <a:schemeClr val="lt1"/>
+      </a:contourClr>
+    </dgm:sp3d>
+    <dgm:txPr/>
+    <dgm:style>
+      <a:lnRef idx="0">
+        <a:scrgbClr r="0" g="0" b="0"/>
+      </a:lnRef>
+      <a:fillRef idx="1">
+        <a:scrgbClr r="0" g="0" b="0"/>
+      </a:fillRef>
+      <a:effectRef idx="0">
+        <a:scrgbClr r="0" g="0" b="0"/>
+      </a:effectRef>
+      <a:fontRef idx="minor">
+        <a:schemeClr val="lt1"/>
+      </a:fontRef>
+    </dgm:style>
+  </dgm:styleLbl>
+  <dgm:styleLbl name="fgSibTrans2D1">
+    <dgm:scene3d>
+      <a:camera prst="orthographicFront"/>
+      <a:lightRig rig="threePt" dir="t"/>
+    </dgm:scene3d>
+    <dgm:sp3d z="57150" extrusionH="63500" contourW="12700" prstMaterial="matte">
+      <a:contourClr>
+        <a:schemeClr val="dk1">
+          <a:tint val="20000"/>
+        </a:schemeClr>
+      </a:contourClr>
+    </dgm:sp3d>
+    <dgm:txPr/>
+    <dgm:style>
+      <a:lnRef idx="0">
+        <a:scrgbClr r="0" g="0" b="0"/>
+      </a:lnRef>
+      <a:fillRef idx="1">
+        <a:scrgbClr r="0" g="0" b="0"/>
+      </a:fillRef>
+      <a:effectRef idx="0">
+        <a:scrgbClr r="0" g="0" b="0"/>
+      </a:effectRef>
+      <a:fontRef idx="minor">
+        <a:schemeClr val="lt1"/>
+      </a:fontRef>
+    </dgm:style>
+  </dgm:styleLbl>
+  <dgm:styleLbl name="bgSibTrans2D1">
+    <dgm:scene3d>
+      <a:camera prst="orthographicFront"/>
+      <a:lightRig rig="threePt" dir="t"/>
+    </dgm:scene3d>
+    <dgm:sp3d z="-381000" extrusionH="63500" contourW="12700" prstMaterial="matte">
+      <a:contourClr>
+        <a:schemeClr val="dk1">
+          <a:tint val="20000"/>
+        </a:schemeClr>
+      </a:contourClr>
+    </dgm:sp3d>
+    <dgm:txPr/>
+    <dgm:style>
+      <a:lnRef idx="0">
+        <a:scrgbClr r="0" g="0" b="0"/>
+      </a:lnRef>
+      <a:fillRef idx="1">
+        <a:scrgbClr r="0" g="0" b="0"/>
+      </a:fillRef>
+      <a:effectRef idx="0">
+        <a:scrgbClr r="0" g="0" b="0"/>
+      </a:effectRef>
+      <a:fontRef idx="minor">
+        <a:schemeClr val="lt1"/>
+      </a:fontRef>
+    </dgm:style>
+  </dgm:styleLbl>
+  <dgm:styleLbl name="sibTrans1D1">
+    <dgm:scene3d>
+      <a:camera prst="orthographicFront"/>
+      <a:lightRig rig="threePt" dir="t"/>
+    </dgm:scene3d>
+    <dgm:sp3d z="-40000" prstMaterial="matte"/>
+    <dgm:txPr/>
+    <dgm:style>
+      <a:lnRef idx="1">
+        <a:scrgbClr r="0" g="0" b="0"/>
+      </a:lnRef>
+      <a:fillRef idx="0">
+        <a:scrgbClr r="0" g="0" b="0"/>
+      </a:fillRef>
+      <a:effectRef idx="0">
+        <a:scrgbClr r="0" g="0" b="0"/>
+      </a:effectRef>
+      <a:fontRef idx="minor"/>
+    </dgm:style>
+  </dgm:styleLbl>
+  <dgm:styleLbl name="callout">
+    <dgm:scene3d>
+      <a:camera prst="orthographicFront"/>
+      <a:lightRig rig="threePt" dir="t"/>
+    </dgm:scene3d>
+    <dgm:sp3d z="127000" prstMaterial="matte"/>
+    <dgm:txPr/>
+    <dgm:style>
+      <a:lnRef idx="2">
+        <a:scrgbClr r="0" g="0" b="0"/>
+      </a:lnRef>
+      <a:fillRef idx="1">
+        <a:scrgbClr r="0" g="0" b="0"/>
+      </a:fillRef>
+      <a:effectRef idx="0">
+        <a:scrgbClr r="0" g="0" b="0"/>
+      </a:effectRef>
+      <a:fontRef idx="minor"/>
+    </dgm:style>
+  </dgm:styleLbl>
+  <dgm:styleLbl name="asst0">
+    <dgm:scene3d>
+      <a:camera prst="orthographicFront"/>
+      <a:lightRig rig="threePt" dir="t"/>
+    </dgm:scene3d>
+    <dgm:sp3d extrusionH="381000" contourW="38100" prstMaterial="matte">
+      <a:contourClr>
+        <a:schemeClr val="lt1"/>
+      </a:contourClr>
+    </dgm:sp3d>
+    <dgm:txPr/>
+    <dgm:style>
+      <a:lnRef idx="0">
+        <a:scrgbClr r="0" g="0" b="0"/>
+      </a:lnRef>
+      <a:fillRef idx="1">
+        <a:scrgbClr r="0" g="0" b="0"/>
+      </a:fillRef>
+      <a:effectRef idx="0">
+        <a:scrgbClr r="0" g="0" b="0"/>
+      </a:effectRef>
+      <a:fontRef idx="minor">
+        <a:schemeClr val="lt1"/>
+      </a:fontRef>
+    </dgm:style>
+  </dgm:styleLbl>
+  <dgm:styleLbl name="asst1">
+    <dgm:scene3d>
+      <a:camera prst="orthographicFront"/>
+      <a:lightRig rig="threePt" dir="t"/>
+    </dgm:scene3d>
+    <dgm:sp3d extrusionH="381000" contourW="38100" prstMaterial="matte">
+      <a:contourClr>
+        <a:schemeClr val="lt1"/>
+      </a:contourClr>
+    </dgm:sp3d>
+    <dgm:txPr/>
+    <dgm:style>
+      <a:lnRef idx="0">
+        <a:scrgbClr r="0" g="0" b="0"/>
+      </a:lnRef>
+      <a:fillRef idx="1">
+        <a:scrgbClr r="0" g="0" b="0"/>
+      </a:fillRef>
+      <a:effectRef idx="0">
+        <a:scrgbClr r="0" g="0" b="0"/>
+      </a:effectRef>
+      <a:fontRef idx="minor">
+        <a:schemeClr val="lt1"/>
+      </a:fontRef>
+    </dgm:style>
+  </dgm:styleLbl>
+  <dgm:styleLbl name="asst2">
+    <dgm:scene3d>
+      <a:camera prst="orthographicFront"/>
+      <a:lightRig rig="threePt" dir="t"/>
+    </dgm:scene3d>
+    <dgm:sp3d extrusionH="381000" contourW="38100" prstMaterial="matte">
+      <a:contourClr>
+        <a:schemeClr val="lt1"/>
+      </a:contourClr>
+    </dgm:sp3d>
+    <dgm:txPr/>
+    <dgm:style>
+      <a:lnRef idx="0">
+        <a:scrgbClr r="0" g="0" b="0"/>
+      </a:lnRef>
+      <a:fillRef idx="1">
+        <a:scrgbClr r="0" g="0" b="0"/>
+      </a:fillRef>
+      <a:effectRef idx="0">
+        <a:scrgbClr r="0" g="0" b="0"/>
+      </a:effectRef>
+      <a:fontRef idx="minor">
+        <a:schemeClr val="lt1"/>
+      </a:fontRef>
+    </dgm:style>
+  </dgm:styleLbl>
+  <dgm:styleLbl name="asst3">
+    <dgm:scene3d>
+      <a:camera prst="orthographicFront"/>
+      <a:lightRig rig="threePt" dir="t"/>
+    </dgm:scene3d>
+    <dgm:sp3d extrusionH="381000" contourW="38100" prstMaterial="matte">
+      <a:contourClr>
+        <a:schemeClr val="lt1"/>
+      </a:contourClr>
+    </dgm:sp3d>
+    <dgm:txPr/>
+    <dgm:style>
+      <a:lnRef idx="0">
+        <a:scrgbClr r="0" g="0" b="0"/>
+      </a:lnRef>
+      <a:fillRef idx="1">
+        <a:scrgbClr r="0" g="0" b="0"/>
+      </a:fillRef>
+      <a:effectRef idx="0">
+        <a:scrgbClr r="0" g="0" b="0"/>
+      </a:effectRef>
+      <a:fontRef idx="minor">
+        <a:schemeClr val="lt1"/>
+      </a:fontRef>
+    </dgm:style>
+  </dgm:styleLbl>
+  <dgm:styleLbl name="parChTrans2D1">
+    <dgm:scene3d>
+      <a:camera prst="orthographicFront"/>
+      <a:lightRig rig="threePt" dir="t"/>
+    </dgm:scene3d>
+    <dgm:sp3d z="52400" extrusionH="381000" contourW="38100" prstMaterial="matte">
+      <a:contourClr>
+        <a:schemeClr val="lt1"/>
+      </a:contourClr>
+    </dgm:sp3d>
+    <dgm:txPr/>
+    <dgm:style>
+      <a:lnRef idx="0">
+        <a:scrgbClr r="0" g="0" b="0"/>
+      </a:lnRef>
+      <a:fillRef idx="1">
+        <a:scrgbClr r="0" g="0" b="0"/>
+      </a:fillRef>
+      <a:effectRef idx="0">
+        <a:scrgbClr r="0" g="0" b="0"/>
+      </a:effectRef>
+      <a:fontRef idx="minor">
+        <a:schemeClr val="lt1"/>
+      </a:fontRef>
+    </dgm:style>
+  </dgm:styleLbl>
+  <dgm:styleLbl name="parChTrans2D2">
+    <dgm:scene3d>
+      <a:camera prst="orthographicFront"/>
+      <a:lightRig rig="threePt" dir="t"/>
+    </dgm:scene3d>
+    <dgm:sp3d z="52400" extrusionH="381000" contourW="38100" prstMaterial="matte">
+      <a:contourClr>
+        <a:schemeClr val="lt1"/>
+      </a:contourClr>
+    </dgm:sp3d>
+    <dgm:txPr/>
+    <dgm:style>
+      <a:lnRef idx="0">
+        <a:scrgbClr r="0" g="0" b="0"/>
+      </a:lnRef>
+      <a:fillRef idx="1">
+        <a:scrgbClr r="0" g="0" b="0"/>
+      </a:fillRef>
+      <a:effectRef idx="0">
+        <a:scrgbClr r="0" g="0" b="0"/>
+      </a:effectRef>
+      <a:fontRef idx="minor">
+        <a:schemeClr val="lt1"/>
+      </a:fontRef>
+    </dgm:style>
+  </dgm:styleLbl>
+  <dgm:styleLbl name="parChTrans2D3">
+    <dgm:scene3d>
+      <a:camera prst="orthographicFront"/>
+      <a:lightRig rig="threePt" dir="t"/>
+    </dgm:scene3d>
+    <dgm:sp3d z="60000" prstMaterial="flat">
+      <a:bevelT w="120900" h="88900"/>
+      <a:bevelB w="88900" h="31750" prst="angle"/>
+    </dgm:sp3d>
+    <dgm:txPr/>
+    <dgm:style>
+      <a:lnRef idx="0">
+        <a:scrgbClr r="0" g="0" b="0"/>
+      </a:lnRef>
+      <a:fillRef idx="3">
+        <a:scrgbClr r="0" g="0" b="0"/>
+      </a:fillRef>
+      <a:effectRef idx="1">
+        <a:scrgbClr r="0" g="0" b="0"/>
+      </a:effectRef>
+      <a:fontRef idx="minor">
+        <a:schemeClr val="lt1"/>
+      </a:fontRef>
+    </dgm:style>
+  </dgm:styleLbl>
+  <dgm:styleLbl name="parChTrans2D4">
+    <dgm:scene3d>
+      <a:camera prst="orthographicFront"/>
+      <a:lightRig rig="threePt" dir="t"/>
+    </dgm:scene3d>
+    <dgm:sp3d z="60000" prstMaterial="flat">
+      <a:bevelT w="120900" h="88900"/>
+      <a:bevelB w="88900" h="31750" prst="angle"/>
+    </dgm:sp3d>
+    <dgm:txPr/>
+    <dgm:style>
+      <a:lnRef idx="0">
+        <a:scrgbClr r="0" g="0" b="0"/>
+      </a:lnRef>
+      <a:fillRef idx="3">
+        <a:scrgbClr r="0" g="0" b="0"/>
+      </a:fillRef>
+      <a:effectRef idx="1">
+        <a:scrgbClr r="0" g="0" b="0"/>
+      </a:effectRef>
+      <a:fontRef idx="minor">
+        <a:schemeClr val="lt1"/>
+      </a:fontRef>
+    </dgm:style>
+  </dgm:styleLbl>
+  <dgm:styleLbl name="parChTrans1D1">
+    <dgm:scene3d>
+      <a:camera prst="orthographicFront"/>
+      <a:lightRig rig="threePt" dir="t"/>
+    </dgm:scene3d>
+    <dgm:sp3d z="-40000" prstMaterial="matte"/>
+    <dgm:txPr/>
+    <dgm:style>
+      <a:lnRef idx="2">
+        <a:scrgbClr r="0" g="0" b="0"/>
+      </a:lnRef>
+      <a:fillRef idx="0">
+        <a:scrgbClr r="0" g="0" b="0"/>
+      </a:fillRef>
+      <a:effectRef idx="0">
+        <a:scrgbClr r="0" g="0" b="0"/>
+      </a:effectRef>
+      <a:fontRef idx="minor"/>
+    </dgm:style>
+  </dgm:styleLbl>
+  <dgm:styleLbl name="parChTrans1D2">
+    <dgm:scene3d>
+      <a:camera prst="orthographicFront"/>
+      <a:lightRig rig="threePt" dir="t"/>
+    </dgm:scene3d>
+    <dgm:sp3d z="-40000" prstMaterial="matte"/>
+    <dgm:txPr/>
+    <dgm:style>
+      <a:lnRef idx="2">
+        <a:scrgbClr r="0" g="0" b="0"/>
+      </a:lnRef>
+      <a:fillRef idx="0">
+        <a:scrgbClr r="0" g="0" b="0"/>
+      </a:fillRef>
+      <a:effectRef idx="0">
+        <a:scrgbClr r="0" g="0" b="0"/>
+      </a:effectRef>
+      <a:fontRef idx="minor"/>
+    </dgm:style>
+  </dgm:styleLbl>
+  <dgm:styleLbl name="parChTrans1D3">
+    <dgm:scene3d>
+      <a:camera prst="orthographicFront"/>
+      <a:lightRig rig="threePt" dir="t"/>
+    </dgm:scene3d>
+    <dgm:sp3d z="-40000" prstMaterial="matte"/>
+    <dgm:txPr/>
+    <dgm:style>
+      <a:lnRef idx="2">
+        <a:scrgbClr r="0" g="0" b="0"/>
+      </a:lnRef>
+      <a:fillRef idx="0">
+        <a:scrgbClr r="0" g="0" b="0"/>
+      </a:fillRef>
+      <a:effectRef idx="0">
+        <a:scrgbClr r="0" g="0" b="0"/>
+      </a:effectRef>
+      <a:fontRef idx="minor"/>
+    </dgm:style>
+  </dgm:styleLbl>
+  <dgm:styleLbl name="parChTrans1D4">
+    <dgm:scene3d>
+      <a:camera prst="orthographicFront"/>
+      <a:lightRig rig="threePt" dir="t"/>
+    </dgm:scene3d>
+    <dgm:sp3d z="-40000" prstMaterial="matte"/>
+    <dgm:txPr/>
+    <dgm:style>
+      <a:lnRef idx="2">
+        <a:scrgbClr r="0" g="0" b="0"/>
+      </a:lnRef>
+      <a:fillRef idx="0">
+        <a:scrgbClr r="0" g="0" b="0"/>
+      </a:fillRef>
+      <a:effectRef idx="0">
+        <a:scrgbClr r="0" g="0" b="0"/>
+      </a:effectRef>
+      <a:fontRef idx="minor"/>
+    </dgm:style>
+  </dgm:styleLbl>
+  <dgm:styleLbl name="fgAcc1">
+    <dgm:scene3d>
+      <a:camera prst="orthographicFront"/>
+      <a:lightRig rig="threePt" dir="t"/>
+    </dgm:scene3d>
+    <dgm:sp3d z="57150" extrusionH="63500" prstMaterial="matte"/>
+    <dgm:txPr/>
+    <dgm:style>
+      <a:lnRef idx="1">
+        <a:scrgbClr r="0" g="0" b="0"/>
+      </a:lnRef>
+      <a:fillRef idx="1">
+        <a:scrgbClr r="0" g="0" b="0"/>
+      </a:fillRef>
+      <a:effectRef idx="0">
+        <a:scrgbClr r="0" g="0" b="0"/>
+      </a:effectRef>
+      <a:fontRef idx="minor"/>
+    </dgm:style>
+  </dgm:styleLbl>
+  <dgm:styleLbl name="conFgAcc1">
+    <dgm:scene3d>
+      <a:camera prst="orthographicFront"/>
+      <a:lightRig rig="threePt" dir="t"/>
+    </dgm:scene3d>
+    <dgm:sp3d z="-60000" extrusionH="63500" prstMaterial="matte"/>
+    <dgm:txPr/>
+    <dgm:style>
+      <a:lnRef idx="1">
+        <a:scrgbClr r="0" g="0" b="0"/>
+      </a:lnRef>
+      <a:fillRef idx="1">
+        <a:scrgbClr r="0" g="0" b="0"/>
+      </a:fillRef>
+      <a:effectRef idx="0">
+        <a:scrgbClr r="0" g="0" b="0"/>
+      </a:effectRef>
+      <a:fontRef idx="minor"/>
+    </dgm:style>
+  </dgm:styleLbl>
+  <dgm:styleLbl name="alignAcc1">
+    <dgm:scene3d>
+      <a:camera prst="orthographicFront"/>
+      <a:lightRig rig="threePt" dir="t"/>
+    </dgm:scene3d>
+    <dgm:sp3d z="-60000" extrusionH="63500" prstMaterial="matte"/>
+    <dgm:txPr/>
+    <dgm:style>
+      <a:lnRef idx="1">
+        <a:scrgbClr r="0" g="0" b="0"/>
+      </a:lnRef>
+      <a:fillRef idx="1">
+        <a:scrgbClr r="0" g="0" b="0"/>
+      </a:fillRef>
+      <a:effectRef idx="0">
+        <a:scrgbClr r="0" g="0" b="0"/>
+      </a:effectRef>
+      <a:fontRef idx="minor"/>
+    </dgm:style>
+  </dgm:styleLbl>
+  <dgm:styleLbl name="trAlignAcc1">
+    <dgm:scene3d>
+      <a:camera prst="orthographicFront"/>
+      <a:lightRig rig="threePt" dir="t"/>
+    </dgm:scene3d>
+    <dgm:sp3d extrusionH="381000" prstMaterial="matte"/>
+    <dgm:txPr/>
+    <dgm:style>
+      <a:lnRef idx="1">
+        <a:scrgbClr r="0" g="0" b="0"/>
+      </a:lnRef>
+      <a:fillRef idx="1">
+        <a:scrgbClr r="0" g="0" b="0"/>
+      </a:fillRef>
+      <a:effectRef idx="0">
+        <a:scrgbClr r="0" g="0" b="0"/>
+      </a:effectRef>
+      <a:fontRef idx="minor"/>
+    </dgm:style>
+  </dgm:styleLbl>
+  <dgm:styleLbl name="bgAcc1">
+    <dgm:scene3d>
+      <a:camera prst="orthographicFront"/>
+      <a:lightRig rig="threePt" dir="t"/>
+    </dgm:scene3d>
+    <dgm:sp3d z="-400500" extrusionH="63500" prstMaterial="matte"/>
+    <dgm:txPr/>
+    <dgm:style>
+      <a:lnRef idx="1">
+        <a:scrgbClr r="0" g="0" b="0"/>
+      </a:lnRef>
+      <a:fillRef idx="1">
+        <a:scrgbClr r="0" g="0" b="0"/>
+      </a:fillRef>
+      <a:effectRef idx="0">
+        <a:scrgbClr r="0" g="0" b="0"/>
+      </a:effectRef>
+      <a:fontRef idx="minor"/>
+    </dgm:style>
+  </dgm:styleLbl>
+  <dgm:styleLbl name="solidFgAcc1">
+    <dgm:scene3d>
+      <a:camera prst="orthographicFront"/>
+      <a:lightRig rig="threePt" dir="t"/>
+    </dgm:scene3d>
+    <dgm:sp3d z="57150" extrusionH="12700" prstMaterial="flat">
+      <a:bevelT w="50800" h="50800"/>
+    </dgm:sp3d>
+    <dgm:txPr/>
+    <dgm:style>
+      <a:lnRef idx="1">
+        <a:scrgbClr r="0" g="0" b="0"/>
+      </a:lnRef>
+      <a:fillRef idx="1">
+        <a:scrgbClr r="0" g="0" b="0"/>
+      </a:fillRef>
+      <a:effectRef idx="2">
+        <a:scrgbClr r="0" g="0" b="0"/>
+      </a:effectRef>
+      <a:fontRef idx="minor"/>
+    </dgm:style>
+  </dgm:styleLbl>
+  <dgm:styleLbl name="solidAlignAcc1">
+    <dgm:scene3d>
+      <a:camera prst="orthographicFront"/>
+      <a:lightRig rig="threePt" dir="t"/>
+    </dgm:scene3d>
+    <dgm:sp3d extrusionH="12700" prstMaterial="flat">
+      <a:bevelT w="50800" h="50800"/>
+    </dgm:sp3d>
+    <dgm:txPr/>
+    <dgm:style>
+      <a:lnRef idx="1">
+        <a:scrgbClr r="0" g="0" b="0"/>
+      </a:lnRef>
+      <a:fillRef idx="1">
+        <a:scrgbClr r="0" g="0" b="0"/>
+      </a:fillRef>
+      <a:effectRef idx="2">
+        <a:scrgbClr r="0" g="0" b="0"/>
+      </a:effectRef>
+      <a:fontRef idx="minor"/>
+    </dgm:style>
+  </dgm:styleLbl>
+  <dgm:styleLbl name="solidBgAcc1">
+    <dgm:scene3d>
+      <a:camera prst="orthographicFront"/>
+      <a:lightRig rig="threePt" dir="t"/>
+    </dgm:scene3d>
+    <dgm:sp3d z="-63500" extrusionH="63500" prstMaterial="matte"/>
+    <dgm:txPr/>
+    <dgm:style>
+      <a:lnRef idx="1">
+        <a:scrgbClr r="0" g="0" b="0"/>
+      </a:lnRef>
+      <a:fillRef idx="1">
+        <a:scrgbClr r="0" g="0" b="0"/>
+      </a:fillRef>
+      <a:effectRef idx="0">
+        <a:scrgbClr r="0" g="0" b="0"/>
+      </a:effectRef>
+      <a:fontRef idx="minor"/>
+    </dgm:style>
+  </dgm:styleLbl>
+  <dgm:styleLbl name="fgAccFollowNode1">
+    <dgm:scene3d>
+      <a:camera prst="orthographicFront"/>
+      <a:lightRig rig="threePt" dir="t"/>
+    </dgm:scene3d>
+    <dgm:sp3d z="57150" extrusionH="63500" contourW="12700" prstMaterial="matte">
+      <a:contourClr>
+        <a:schemeClr val="dk1">
+          <a:tint val="20000"/>
+        </a:schemeClr>
+      </a:contourClr>
+    </dgm:sp3d>
+    <dgm:txPr/>
+    <dgm:style>
+      <a:lnRef idx="0">
+        <a:scrgbClr r="0" g="0" b="0"/>
+      </a:lnRef>
+      <a:fillRef idx="1">
+        <a:scrgbClr r="0" g="0" b="0"/>
+      </a:fillRef>
+      <a:effectRef idx="0">
+        <a:scrgbClr r="0" g="0" b="0"/>
+      </a:effectRef>
+      <a:fontRef idx="minor"/>
+    </dgm:style>
+  </dgm:styleLbl>
+  <dgm:styleLbl name="alignAccFollowNode1">
+    <dgm:scene3d>
+      <a:camera prst="orthographicFront"/>
+      <a:lightRig rig="threePt" dir="t"/>
+    </dgm:scene3d>
+    <dgm:sp3d extrusionH="381000" contourW="38100" prstMaterial="matte">
+      <a:contourClr>
+        <a:schemeClr val="lt1"/>
+      </a:contourClr>
+    </dgm:sp3d>
+    <dgm:txPr/>
+    <dgm:style>
+      <a:lnRef idx="0">
+        <a:scrgbClr r="0" g="0" b="0"/>
+      </a:lnRef>
+      <a:fillRef idx="1">
+        <a:scrgbClr r="0" g="0" b="0"/>
+      </a:fillRef>
+      <a:effectRef idx="0">
+        <a:scrgbClr r="0" g="0" b="0"/>
+      </a:effectRef>
+      <a:fontRef idx="minor"/>
+    </dgm:style>
+  </dgm:styleLbl>
+  <dgm:styleLbl name="bgAccFollowNode1">
+    <dgm:scene3d>
+      <a:camera prst="orthographicFront"/>
+      <a:lightRig rig="threePt" dir="t"/>
+    </dgm:scene3d>
+    <dgm:sp3d z="-400500" extrusionH="63500" contourW="12700" prstMaterial="matte">
+      <a:contourClr>
+        <a:schemeClr val="lt1"/>
+      </a:contourClr>
+    </dgm:sp3d>
+    <dgm:txPr/>
+    <dgm:style>
+      <a:lnRef idx="0">
+        <a:scrgbClr r="0" g="0" b="0"/>
+      </a:lnRef>
+      <a:fillRef idx="1">
+        <a:scrgbClr r="0" g="0" b="0"/>
+      </a:fillRef>
+      <a:effectRef idx="2">
+        <a:scrgbClr r="0" g="0" b="0"/>
+      </a:effectRef>
+      <a:fontRef idx="minor"/>
+    </dgm:style>
+  </dgm:styleLbl>
+  <dgm:styleLbl name="fgAcc0">
+    <dgm:scene3d>
+      <a:camera prst="orthographicFront"/>
+      <a:lightRig rig="threePt" dir="t"/>
+    </dgm:scene3d>
+    <dgm:sp3d z="57150" extrusionH="63500" prstMaterial="matte"/>
+    <dgm:txPr/>
+    <dgm:style>
+      <a:lnRef idx="1">
+        <a:scrgbClr r="0" g="0" b="0"/>
+      </a:lnRef>
+      <a:fillRef idx="1">
+        <a:scrgbClr r="0" g="0" b="0"/>
+      </a:fillRef>
+      <a:effectRef idx="0">
+        <a:scrgbClr r="0" g="0" b="0"/>
+      </a:effectRef>
+      <a:fontRef idx="minor"/>
+    </dgm:style>
+  </dgm:styleLbl>
+  <dgm:styleLbl name="fgAcc2">
+    <dgm:scene3d>
+      <a:camera prst="orthographicFront"/>
+      <a:lightRig rig="threePt" dir="t"/>
+    </dgm:scene3d>
+    <dgm:sp3d z="57150" extrusionH="63500" prstMaterial="matte"/>
+    <dgm:txPr/>
+    <dgm:style>
+      <a:lnRef idx="1">
+        <a:scrgbClr r="0" g="0" b="0"/>
+      </a:lnRef>
+      <a:fillRef idx="1">
+        <a:scrgbClr r="0" g="0" b="0"/>
+      </a:fillRef>
+      <a:effectRef idx="0">
+        <a:scrgbClr r="0" g="0" b="0"/>
+      </a:effectRef>
+      <a:fontRef idx="minor"/>
+    </dgm:style>
+  </dgm:styleLbl>
+  <dgm:styleLbl name="fgAcc3">
+    <dgm:scene3d>
+      <a:camera prst="orthographicFront"/>
+      <a:lightRig rig="threePt" dir="t"/>
+    </dgm:scene3d>
+    <dgm:sp3d z="57150" extrusionH="63500" prstMaterial="matte"/>
+    <dgm:txPr/>
+    <dgm:style>
+      <a:lnRef idx="1">
+        <a:scrgbClr r="0" g="0" b="0"/>
+      </a:lnRef>
+      <a:fillRef idx="1">
+        <a:scrgbClr r="0" g="0" b="0"/>
+      </a:fillRef>
+      <a:effectRef idx="0">
+        <a:scrgbClr r="0" g="0" b="0"/>
+      </a:effectRef>
+      <a:fontRef idx="minor"/>
+    </dgm:style>
+  </dgm:styleLbl>
+  <dgm:styleLbl name="fgAcc4">
+    <dgm:scene3d>
+      <a:camera prst="orthographicFront"/>
+      <a:lightRig rig="threePt" dir="t"/>
+    </dgm:scene3d>
+    <dgm:sp3d z="57150" extrusionH="63500" prstMaterial="matte"/>
+    <dgm:txPr/>
+    <dgm:style>
+      <a:lnRef idx="1">
+        <a:scrgbClr r="0" g="0" b="0"/>
+      </a:lnRef>
+      <a:fillRef idx="1">
+        <a:scrgbClr r="0" g="0" b="0"/>
+      </a:fillRef>
+      <a:effectRef idx="0">
+        <a:scrgbClr r="0" g="0" b="0"/>
+      </a:effectRef>
+      <a:fontRef idx="minor"/>
+    </dgm:style>
+  </dgm:styleLbl>
+  <dgm:styleLbl name="bgShp">
+    <dgm:scene3d>
+      <a:camera prst="orthographicFront"/>
+      <a:lightRig rig="threePt" dir="t"/>
+    </dgm:scene3d>
+    <dgm:sp3d z="-400500" extrusionH="63500" contourW="12700" prstMaterial="matte">
+      <a:contourClr>
+        <a:schemeClr val="lt1">
+          <a:tint val="50000"/>
+        </a:schemeClr>
+      </a:contourClr>
+    </dgm:sp3d>
+    <dgm:txPr/>
+    <dgm:style>
+      <a:lnRef idx="0">
+        <a:scrgbClr r="0" g="0" b="0"/>
+      </a:lnRef>
+      <a:fillRef idx="1">
+        <a:scrgbClr r="0" g="0" b="0"/>
+      </a:fillRef>
+      <a:effectRef idx="0">
+        <a:scrgbClr r="0" g="0" b="0"/>
+      </a:effectRef>
+      <a:fontRef idx="minor"/>
+    </dgm:style>
+  </dgm:styleLbl>
+  <dgm:styleLbl name="dkBgShp">
+    <dgm:scene3d>
+      <a:camera prst="orthographicFront"/>
+      <a:lightRig rig="threePt" dir="t"/>
+    </dgm:scene3d>
+    <dgm:sp3d extrusionH="381000" contourW="38100" prstMaterial="matte">
+      <a:contourClr>
+        <a:schemeClr val="lt1"/>
+      </a:contourClr>
+    </dgm:sp3d>
+    <dgm:txPr/>
+    <dgm:style>
+      <a:lnRef idx="0">
+        <a:scrgbClr r="0" g="0" b="0"/>
+      </a:lnRef>
+      <a:fillRef idx="1">
+        <a:scrgbClr r="0" g="0" b="0"/>
+      </a:fillRef>
+      <a:effectRef idx="0">
+        <a:scrgbClr r="0" g="0" b="0"/>
+      </a:effectRef>
+      <a:fontRef idx="minor">
+        <a:schemeClr val="lt1"/>
+      </a:fontRef>
+    </dgm:style>
+  </dgm:styleLbl>
+  <dgm:styleLbl name="trBgShp">
+    <dgm:scene3d>
+      <a:camera prst="orthographicFront"/>
+      <a:lightRig rig="threePt" dir="t"/>
+    </dgm:scene3d>
+    <dgm:sp3d z="-400500" prstMaterial="matte"/>
+    <dgm:txPr/>
+    <dgm:style>
+      <a:lnRef idx="0">
+        <a:scrgbClr r="0" g="0" b="0"/>
+      </a:lnRef>
+      <a:fillRef idx="1">
+        <a:scrgbClr r="0" g="0" b="0"/>
+      </a:fillRef>
+      <a:effectRef idx="0">
+        <a:scrgbClr r="0" g="0" b="0"/>
+      </a:effectRef>
+      <a:fontRef idx="minor"/>
+    </dgm:style>
+  </dgm:styleLbl>
+  <dgm:styleLbl name="fgShp">
+    <dgm:scene3d>
+      <a:camera prst="orthographicFront"/>
+      <a:lightRig rig="threePt" dir="t"/>
+    </dgm:scene3d>
+    <dgm:sp3d z="57150" extrusionH="63500" contourW="12700" prstMaterial="matte">
+      <a:contourClr>
+        <a:schemeClr val="lt1">
+          <a:tint val="50000"/>
+        </a:schemeClr>
+      </a:contourClr>
+    </dgm:sp3d>
+    <dgm:txPr/>
+    <dgm:style>
+      <a:lnRef idx="0">
+        <a:scrgbClr r="0" g="0" b="0"/>
+      </a:lnRef>
+      <a:fillRef idx="1">
+        <a:scrgbClr r="0" g="0" b="0"/>
+      </a:fillRef>
+      <a:effectRef idx="0">
+        <a:scrgbClr r="0" g="0" b="0"/>
+      </a:effectRef>
+      <a:fontRef idx="minor"/>
+    </dgm:style>
+  </dgm:styleLbl>
+  <dgm:styleLbl name="revTx">
+    <dgm:scene3d>
+      <a:camera prst="orthographicFront"/>
+      <a:lightRig rig="threePt" dir="t"/>
+    </dgm:scene3d>
+    <dgm:sp3d/>
+    <dgm:txPr/>
+    <dgm:style>
+      <a:lnRef idx="0">
+        <a:scrgbClr r="0" g="0" b="0"/>
+      </a:lnRef>
+      <a:fillRef idx="0">
+        <a:scrgbClr r="0" g="0" b="0"/>
+      </a:fillRef>
+      <a:effectRef idx="0">
+        <a:scrgbClr r="0" g="0" b="0"/>
+      </a:effectRef>
+      <a:fontRef idx="minor"/>
+    </dgm:style>
+  </dgm:styleLbl>
+</dgm:styleDef>
+</file>
+
 <file path=ppt/handoutMasters/handoutMaster1.xml><?xml version="1.0" encoding="utf-8"?>
 <p:handoutMaster xmlns:a="http://schemas.openxmlformats.org/drawingml/2006/main" xmlns:r="http://schemas.openxmlformats.org/officeDocument/2006/relationships" xmlns:p="http://schemas.openxmlformats.org/presentationml/2006/main">
   <p:cSld>
@@ -223,7 +7037,7 @@
           <a:p>
             <a:fld id="{F4DF2165-45DD-4E6A-8D88-991CFCF20576}" type="datetimeFigureOut">
               <a:rPr lang="de-DE" smtClean="0"/>
-              <a:t>24.02.2023</a:t>
+              <a:t>25.02.23</a:t>
             </a:fld>
             <a:endParaRPr lang="de-DE" dirty="0"/>
           </a:p>
@@ -388,7 +7202,7 @@
           <a:p>
             <a:fld id="{DBB2A775-C49D-45BA-A919-7D687A0440E7}" type="datetimeFigureOut">
               <a:rPr lang="de-DE" smtClean="0"/>
-              <a:t>24.02.2023</a:t>
+              <a:t>25.02.23</a:t>
             </a:fld>
             <a:endParaRPr lang="de-DE"/>
           </a:p>
@@ -814,7 +7628,7 @@
           <a:p>
             <a:fld id="{2D6A0D67-EDAE-48EC-829F-B147F9799060}" type="slidenum">
               <a:rPr lang="de-DE" smtClean="0"/>
-              <a:t>14</a:t>
+              <a:t>15</a:t>
             </a:fld>
             <a:endParaRPr lang="de-DE"/>
           </a:p>
@@ -903,7 +7717,7 @@
           <a:p>
             <a:fld id="{2D6A0D67-EDAE-48EC-829F-B147F9799060}" type="slidenum">
               <a:rPr lang="de-DE" smtClean="0"/>
-              <a:t>15</a:t>
+              <a:t>16</a:t>
             </a:fld>
             <a:endParaRPr lang="de-DE"/>
           </a:p>
@@ -992,7 +7806,7 @@
           <a:p>
             <a:fld id="{2D6A0D67-EDAE-48EC-829F-B147F9799060}" type="slidenum">
               <a:rPr lang="de-DE" smtClean="0"/>
-              <a:t>17</a:t>
+              <a:t>18</a:t>
             </a:fld>
             <a:endParaRPr lang="de-DE" dirty="0"/>
           </a:p>
@@ -1081,7 +7895,7 @@
           <a:p>
             <a:fld id="{2D6A0D67-EDAE-48EC-829F-B147F9799060}" type="slidenum">
               <a:rPr lang="de-DE" smtClean="0"/>
-              <a:t>18</a:t>
+              <a:t>19</a:t>
             </a:fld>
             <a:endParaRPr lang="de-DE"/>
           </a:p>
@@ -1170,7 +7984,7 @@
           <a:p>
             <a:fld id="{2D6A0D67-EDAE-48EC-829F-B147F9799060}" type="slidenum">
               <a:rPr lang="de-DE" smtClean="0"/>
-              <a:t>19</a:t>
+              <a:t>20</a:t>
             </a:fld>
             <a:endParaRPr lang="de-DE"/>
           </a:p>
@@ -1259,7 +8073,7 @@
           <a:p>
             <a:fld id="{2D6A0D67-EDAE-48EC-829F-B147F9799060}" type="slidenum">
               <a:rPr lang="de-DE" smtClean="0"/>
-              <a:t>20</a:t>
+              <a:t>21</a:t>
             </a:fld>
             <a:endParaRPr lang="de-DE"/>
           </a:p>
@@ -1351,7 +8165,7 @@
             <a:fld id="{890D2026-B054-4C01-8473-47B83C1FFE3E}" type="slidenum">
               <a:rPr lang="de-DE" smtClean="0"/>
               <a:pPr/>
-              <a:t>21</a:t>
+              <a:t>22</a:t>
             </a:fld>
             <a:endParaRPr lang="de-DE"/>
           </a:p>
@@ -1618,7 +8432,7 @@
           <a:p>
             <a:fld id="{2D6A0D67-EDAE-48EC-829F-B147F9799060}" type="slidenum">
               <a:rPr lang="de-DE" smtClean="0"/>
-              <a:t>4</a:t>
+              <a:t>5</a:t>
             </a:fld>
             <a:endParaRPr lang="de-DE"/>
           </a:p>
@@ -1707,7 +8521,7 @@
           <a:p>
             <a:fld id="{2D6A0D67-EDAE-48EC-829F-B147F9799060}" type="slidenum">
               <a:rPr lang="de-DE" smtClean="0"/>
-              <a:t>6</a:t>
+              <a:t>7</a:t>
             </a:fld>
             <a:endParaRPr lang="de-DE"/>
           </a:p>
@@ -1796,7 +8610,7 @@
           <a:p>
             <a:fld id="{2D6A0D67-EDAE-48EC-829F-B147F9799060}" type="slidenum">
               <a:rPr lang="de-DE" smtClean="0"/>
-              <a:t>8</a:t>
+              <a:t>9</a:t>
             </a:fld>
             <a:endParaRPr lang="de-DE"/>
           </a:p>
@@ -1885,7 +8699,7 @@
           <a:p>
             <a:fld id="{2D6A0D67-EDAE-48EC-829F-B147F9799060}" type="slidenum">
               <a:rPr lang="de-DE" smtClean="0"/>
-              <a:t>9</a:t>
+              <a:t>10</a:t>
             </a:fld>
             <a:endParaRPr lang="de-DE"/>
           </a:p>
@@ -1974,7 +8788,7 @@
           <a:p>
             <a:fld id="{2D6A0D67-EDAE-48EC-829F-B147F9799060}" type="slidenum">
               <a:rPr lang="de-DE" smtClean="0"/>
-              <a:t>10</a:t>
+              <a:t>11</a:t>
             </a:fld>
             <a:endParaRPr lang="de-DE"/>
           </a:p>
@@ -2063,7 +8877,7 @@
           <a:p>
             <a:fld id="{2D6A0D67-EDAE-48EC-829F-B147F9799060}" type="slidenum">
               <a:rPr lang="de-DE" smtClean="0"/>
-              <a:t>11</a:t>
+              <a:t>12</a:t>
             </a:fld>
             <a:endParaRPr lang="de-DE"/>
           </a:p>
@@ -2418,7 +9232,7 @@
                 <a:cs typeface="Open Sans" panose="020B0606030504020204" pitchFamily="34" charset="0"/>
               </a:rPr>
               <a:pPr algn="r"/>
-              <a:t>Friday, February 24, 2023</a:t>
+              <a:t>Saturday, February 25, 2023</a:t>
             </a:fld>
             <a:endParaRPr lang="de-DE" sz="1000" dirty="0">
               <a:latin typeface="Open Sans" panose="020B0606030504020204" pitchFamily="34" charset="0"/>
@@ -4715,16 +11529,21 @@
             <p:ph type="ctrTitle"/>
           </p:nvPr>
         </p:nvSpPr>
-        <p:spPr/>
+        <p:spPr>
+          <a:xfrm>
+            <a:off x="540804" y="2424223"/>
+            <a:ext cx="7617519" cy="1007599"/>
+          </a:xfrm>
+        </p:spPr>
         <p:txBody>
           <a:bodyPr/>
           <a:lstStyle/>
           <a:p>
             <a:r>
-              <a:rPr lang="de" dirty="0"/>
+              <a:rPr lang="de" sz="2400" dirty="0"/>
               <a:t>Untersuchung des Einflusses von Ausreißern auf die Prognosegenauigkeit von Feinstaubkonzentrationen</a:t>
             </a:r>
-            <a:endParaRPr lang="de-DE" dirty="0"/>
+            <a:endParaRPr lang="de-DE" sz="2400" dirty="0"/>
           </a:p>
         </p:txBody>
       </p:sp>
@@ -4738,7 +11557,12 @@
             <p:ph type="subTitle" idx="1"/>
           </p:nvPr>
         </p:nvSpPr>
-        <p:spPr/>
+        <p:spPr>
+          <a:xfrm>
+            <a:off x="547201" y="3366150"/>
+            <a:ext cx="6840000" cy="392040"/>
+          </a:xfrm>
+        </p:spPr>
         <p:txBody>
           <a:bodyPr/>
           <a:lstStyle/>
@@ -4769,8 +11593,8 @@
         </p:nvSpPr>
         <p:spPr>
           <a:xfrm>
-            <a:off x="0" y="2206625"/>
-            <a:ext cx="4348163" cy="180975"/>
+            <a:off x="535459" y="1815061"/>
+            <a:ext cx="4646141" cy="430224"/>
           </a:xfrm>
           <a:prstGeom prst="rect">
             <a:avLst/>
@@ -4781,10 +11605,10 @@
           <a:lstStyle/>
           <a:p>
             <a:r>
-              <a:rPr lang="de-DE" dirty="0"/>
+              <a:rPr lang="de-DE" sz="1800" dirty="0"/>
               <a:t>TU Dresden / Database Research Group</a:t>
             </a:r>
-            <a:endParaRPr lang="en-DE"/>
+            <a:endParaRPr lang="en-DE" sz="1800"/>
           </a:p>
         </p:txBody>
       </p:sp>
@@ -4806,8 +11630,8 @@
         </p:nvSpPr>
         <p:spPr>
           <a:xfrm>
-            <a:off x="0" y="1951038"/>
-            <a:ext cx="4348163" cy="179387"/>
+            <a:off x="535459" y="1501808"/>
+            <a:ext cx="4348163" cy="430224"/>
           </a:xfrm>
           <a:prstGeom prst="rect">
             <a:avLst/>
@@ -4818,10 +11642,10 @@
           <a:lstStyle/>
           <a:p>
             <a:r>
-              <a:rPr lang="de-DE" dirty="0"/>
+              <a:rPr lang="de-DE" sz="1800" dirty="0"/>
               <a:t>Davin Ahn</a:t>
             </a:r>
-            <a:endParaRPr lang="en-DE" dirty="0"/>
+            <a:endParaRPr lang="en-DE" sz="1800" dirty="0"/>
           </a:p>
         </p:txBody>
       </p:sp>
@@ -4839,6 +11663,640 @@
 </file>
 
 <file path=ppt/slides/slide10.xml><?xml version="1.0" encoding="utf-8"?>
+<p:sld xmlns:a="http://schemas.openxmlformats.org/drawingml/2006/main" xmlns:r="http://schemas.openxmlformats.org/officeDocument/2006/relationships" xmlns:p="http://schemas.openxmlformats.org/presentationml/2006/main">
+  <p:cSld>
+    <p:spTree>
+      <p:nvGrpSpPr>
+        <p:cNvPr id="1" name=""/>
+        <p:cNvGrpSpPr/>
+        <p:nvPr/>
+      </p:nvGrpSpPr>
+      <p:grpSpPr>
+        <a:xfrm>
+          <a:off x="0" y="0"/>
+          <a:ext cx="0" cy="0"/>
+          <a:chOff x="0" y="0"/>
+          <a:chExt cx="0" cy="0"/>
+        </a:xfrm>
+      </p:grpSpPr>
+      <p:sp>
+        <p:nvSpPr>
+          <p:cNvPr id="2" name="Titel 1"/>
+          <p:cNvSpPr>
+            <a:spLocks noGrp="1"/>
+          </p:cNvSpPr>
+          <p:nvPr>
+            <p:ph type="title"/>
+          </p:nvPr>
+        </p:nvSpPr>
+        <p:spPr/>
+        <p:txBody>
+          <a:bodyPr/>
+          <a:lstStyle/>
+          <a:p>
+            <a:r>
+              <a:rPr lang="de-DE" altLang="ko-KR" dirty="0"/>
+              <a:t>4. Methoden</a:t>
+            </a:r>
+            <a:endParaRPr lang="de-DE" noProof="0" dirty="0"/>
+          </a:p>
+        </p:txBody>
+      </p:sp>
+      <p:grpSp>
+        <p:nvGrpSpPr>
+          <p:cNvPr id="4" name="그룹 3">
+            <a:extLst>
+              <a:ext uri="{FF2B5EF4-FFF2-40B4-BE49-F238E27FC236}">
+                <a16:creationId xmlns:a16="http://schemas.microsoft.com/office/drawing/2014/main" id="{92318CDB-E5E6-604F-BD8C-98B4A0ED96A3}"/>
+              </a:ext>
+            </a:extLst>
+          </p:cNvPr>
+          <p:cNvGrpSpPr/>
+          <p:nvPr/>
+        </p:nvGrpSpPr>
+        <p:grpSpPr>
+          <a:xfrm>
+            <a:off x="2333657" y="1102222"/>
+            <a:ext cx="6034061" cy="4185308"/>
+            <a:chOff x="5527963" y="1604356"/>
+            <a:chExt cx="5414622" cy="3839969"/>
+          </a:xfrm>
+        </p:grpSpPr>
+        <p:grpSp>
+          <p:nvGrpSpPr>
+            <p:cNvPr id="5" name="그룹 4">
+              <a:extLst>
+                <a:ext uri="{FF2B5EF4-FFF2-40B4-BE49-F238E27FC236}">
+                  <a16:creationId xmlns:a16="http://schemas.microsoft.com/office/drawing/2014/main" id="{52024E0B-1A69-F24E-9953-69975A9219E0}"/>
+                </a:ext>
+              </a:extLst>
+            </p:cNvPr>
+            <p:cNvGrpSpPr/>
+            <p:nvPr/>
+          </p:nvGrpSpPr>
+          <p:grpSpPr>
+            <a:xfrm>
+              <a:off x="5527963" y="1604356"/>
+              <a:ext cx="5414622" cy="3839969"/>
+              <a:chOff x="1472162" y="205273"/>
+              <a:chExt cx="10094687" cy="5681134"/>
+            </a:xfrm>
+          </p:grpSpPr>
+          <p:graphicFrame>
+            <p:nvGraphicFramePr>
+              <p:cNvPr id="10" name="다이어그램 9">
+                <a:extLst>
+                  <a:ext uri="{FF2B5EF4-FFF2-40B4-BE49-F238E27FC236}">
+                    <a16:creationId xmlns:a16="http://schemas.microsoft.com/office/drawing/2014/main" id="{746B4AB1-12F7-FC40-9418-94403CA34A75}"/>
+                  </a:ext>
+                </a:extLst>
+              </p:cNvPr>
+              <p:cNvGraphicFramePr/>
+              <p:nvPr>
+                <p:extLst>
+                  <p:ext uri="{D42A27DB-BD31-4B8C-83A1-F6EECF244321}">
+                    <p14:modId xmlns:p14="http://schemas.microsoft.com/office/powerpoint/2010/main" val="96801629"/>
+                  </p:ext>
+                </p:extLst>
+              </p:nvPr>
+            </p:nvGraphicFramePr>
+            <p:xfrm>
+              <a:off x="1472162" y="467740"/>
+              <a:ext cx="10094687" cy="5418667"/>
+            </p:xfrm>
+            <a:graphic>
+              <a:graphicData uri="http://schemas.openxmlformats.org/drawingml/2006/diagram">
+                <dgm:relIds xmlns:dgm="http://schemas.openxmlformats.org/drawingml/2006/diagram" xmlns:r="http://schemas.openxmlformats.org/officeDocument/2006/relationships" r:dm="rId3" r:lo="rId4" r:qs="rId5" r:cs="rId6"/>
+              </a:graphicData>
+            </a:graphic>
+          </p:graphicFrame>
+          <p:sp>
+            <p:nvSpPr>
+              <p:cNvPr id="11" name="직사각형 10">
+                <a:extLst>
+                  <a:ext uri="{FF2B5EF4-FFF2-40B4-BE49-F238E27FC236}">
+                    <a16:creationId xmlns:a16="http://schemas.microsoft.com/office/drawing/2014/main" id="{E3C45703-5309-1E41-AACA-48FEDEE49C0D}"/>
+                  </a:ext>
+                </a:extLst>
+              </p:cNvPr>
+              <p:cNvSpPr/>
+              <p:nvPr/>
+            </p:nvSpPr>
+            <p:spPr>
+              <a:xfrm>
+                <a:off x="1651517" y="205273"/>
+                <a:ext cx="5047861" cy="5255500"/>
+              </a:xfrm>
+              <a:prstGeom prst="rect">
+                <a:avLst/>
+              </a:prstGeom>
+              <a:solidFill>
+                <a:schemeClr val="bg1"/>
+              </a:solidFill>
+              <a:ln>
+                <a:solidFill>
+                  <a:schemeClr val="bg1"/>
+                </a:solidFill>
+              </a:ln>
+            </p:spPr>
+            <p:style>
+              <a:lnRef idx="2">
+                <a:schemeClr val="accent1">
+                  <a:shade val="50000"/>
+                </a:schemeClr>
+              </a:lnRef>
+              <a:fillRef idx="1">
+                <a:schemeClr val="accent1"/>
+              </a:fillRef>
+              <a:effectRef idx="0">
+                <a:schemeClr val="accent1"/>
+              </a:effectRef>
+              <a:fontRef idx="minor">
+                <a:schemeClr val="lt1"/>
+              </a:fontRef>
+            </p:style>
+            <p:txBody>
+              <a:bodyPr rtlCol="0" anchor="ctr"/>
+              <a:lstStyle/>
+              <a:p>
+                <a:pPr algn="ctr"/>
+                <a:endParaRPr lang="ko-KR" altLang="en-US"/>
+              </a:p>
+            </p:txBody>
+          </p:sp>
+        </p:grpSp>
+        <p:grpSp>
+          <p:nvGrpSpPr>
+            <p:cNvPr id="6" name="그룹 5">
+              <a:extLst>
+                <a:ext uri="{FF2B5EF4-FFF2-40B4-BE49-F238E27FC236}">
+                  <a16:creationId xmlns:a16="http://schemas.microsoft.com/office/drawing/2014/main" id="{08A5332F-012F-4340-B570-A3025D525839}"/>
+                </a:ext>
+              </a:extLst>
+            </p:cNvPr>
+            <p:cNvGrpSpPr/>
+            <p:nvPr/>
+          </p:nvGrpSpPr>
+          <p:grpSpPr>
+            <a:xfrm>
+              <a:off x="7575711" y="3250276"/>
+              <a:ext cx="756045" cy="1207385"/>
+              <a:chOff x="4135536" y="3461428"/>
+              <a:chExt cx="1076131" cy="2093513"/>
+            </a:xfrm>
+          </p:grpSpPr>
+          <p:cxnSp>
+            <p:nvCxnSpPr>
+              <p:cNvPr id="7" name="연결선: 구부러짐 11">
+                <a:extLst>
+                  <a:ext uri="{FF2B5EF4-FFF2-40B4-BE49-F238E27FC236}">
+                    <a16:creationId xmlns:a16="http://schemas.microsoft.com/office/drawing/2014/main" id="{C3B3C379-B94A-964E-B1B1-5A3025C54685}"/>
+                  </a:ext>
+                </a:extLst>
+              </p:cNvPr>
+              <p:cNvCxnSpPr>
+                <a:cxnSpLocks/>
+              </p:cNvCxnSpPr>
+              <p:nvPr/>
+            </p:nvCxnSpPr>
+            <p:spPr>
+              <a:xfrm flipV="1">
+                <a:off x="4135536" y="3461428"/>
+                <a:ext cx="1063690" cy="1015827"/>
+              </a:xfrm>
+              <a:prstGeom prst="curvedConnector3">
+                <a:avLst/>
+              </a:prstGeom>
+              <a:ln w="31750">
+                <a:solidFill>
+                  <a:srgbClr val="02305A"/>
+                </a:solidFill>
+                <a:tailEnd type="triangle"/>
+              </a:ln>
+            </p:spPr>
+            <p:style>
+              <a:lnRef idx="1">
+                <a:schemeClr val="dk1"/>
+              </a:lnRef>
+              <a:fillRef idx="0">
+                <a:schemeClr val="dk1"/>
+              </a:fillRef>
+              <a:effectRef idx="0">
+                <a:schemeClr val="dk1"/>
+              </a:effectRef>
+              <a:fontRef idx="minor">
+                <a:schemeClr val="tx1"/>
+              </a:fontRef>
+            </p:style>
+          </p:cxnSp>
+          <p:cxnSp>
+            <p:nvCxnSpPr>
+              <p:cNvPr id="9" name="연결선: 구부러짐 12">
+                <a:extLst>
+                  <a:ext uri="{FF2B5EF4-FFF2-40B4-BE49-F238E27FC236}">
+                    <a16:creationId xmlns:a16="http://schemas.microsoft.com/office/drawing/2014/main" id="{149A6B6E-2FB7-CC45-9D6A-39B40BE0A729}"/>
+                  </a:ext>
+                </a:extLst>
+              </p:cNvPr>
+              <p:cNvCxnSpPr/>
+              <p:nvPr/>
+            </p:nvCxnSpPr>
+            <p:spPr>
+              <a:xfrm rot="10800000">
+                <a:off x="4138647" y="4883137"/>
+                <a:ext cx="1073020" cy="671804"/>
+              </a:xfrm>
+              <a:prstGeom prst="curvedConnector3">
+                <a:avLst/>
+              </a:prstGeom>
+              <a:ln w="31750">
+                <a:solidFill>
+                  <a:srgbClr val="02305A"/>
+                </a:solidFill>
+                <a:tailEnd type="triangle"/>
+              </a:ln>
+            </p:spPr>
+            <p:style>
+              <a:lnRef idx="1">
+                <a:schemeClr val="accent1"/>
+              </a:lnRef>
+              <a:fillRef idx="0">
+                <a:schemeClr val="accent1"/>
+              </a:fillRef>
+              <a:effectRef idx="0">
+                <a:schemeClr val="accent1"/>
+              </a:effectRef>
+              <a:fontRef idx="minor">
+                <a:schemeClr val="tx1"/>
+              </a:fontRef>
+            </p:style>
+          </p:cxnSp>
+        </p:grpSp>
+      </p:grpSp>
+      <p:grpSp>
+        <p:nvGrpSpPr>
+          <p:cNvPr id="12" name="그룹 11">
+            <a:extLst>
+              <a:ext uri="{FF2B5EF4-FFF2-40B4-BE49-F238E27FC236}">
+                <a16:creationId xmlns:a16="http://schemas.microsoft.com/office/drawing/2014/main" id="{40D97B8C-318D-574D-8F25-9C79F7382384}"/>
+              </a:ext>
+            </a:extLst>
+          </p:cNvPr>
+          <p:cNvGrpSpPr/>
+          <p:nvPr/>
+        </p:nvGrpSpPr>
+        <p:grpSpPr>
+          <a:xfrm>
+            <a:off x="-539318" y="832021"/>
+            <a:ext cx="6232829" cy="3995352"/>
+            <a:chOff x="2032000" y="719666"/>
+            <a:chExt cx="8128000" cy="5418667"/>
+          </a:xfrm>
+        </p:grpSpPr>
+        <p:graphicFrame>
+          <p:nvGraphicFramePr>
+            <p:cNvPr id="13" name="다이어그램 12">
+              <a:extLst>
+                <a:ext uri="{FF2B5EF4-FFF2-40B4-BE49-F238E27FC236}">
+                  <a16:creationId xmlns:a16="http://schemas.microsoft.com/office/drawing/2014/main" id="{BB3C3A38-1D5E-7C45-BF02-9B8BAFF6F167}"/>
+                </a:ext>
+              </a:extLst>
+            </p:cNvPr>
+            <p:cNvGraphicFramePr/>
+            <p:nvPr>
+              <p:extLst>
+                <p:ext uri="{D42A27DB-BD31-4B8C-83A1-F6EECF244321}">
+                  <p14:modId xmlns:p14="http://schemas.microsoft.com/office/powerpoint/2010/main" val="1467440257"/>
+                </p:ext>
+              </p:extLst>
+            </p:nvPr>
+          </p:nvGraphicFramePr>
+          <p:xfrm>
+            <a:off x="2032000" y="719666"/>
+            <a:ext cx="8128000" cy="5418667"/>
+          </p:xfrm>
+          <a:graphic>
+            <a:graphicData uri="http://schemas.openxmlformats.org/drawingml/2006/diagram">
+              <dgm:relIds xmlns:dgm="http://schemas.openxmlformats.org/drawingml/2006/diagram" xmlns:r="http://schemas.openxmlformats.org/officeDocument/2006/relationships" r:dm="rId8" r:lo="rId9" r:qs="rId10" r:cs="rId11"/>
+            </a:graphicData>
+          </a:graphic>
+        </p:graphicFrame>
+        <p:sp>
+          <p:nvSpPr>
+            <p:cNvPr id="14" name="원호 17">
+              <a:extLst>
+                <a:ext uri="{FF2B5EF4-FFF2-40B4-BE49-F238E27FC236}">
+                  <a16:creationId xmlns:a16="http://schemas.microsoft.com/office/drawing/2014/main" id="{943E9264-C1F7-C74E-8E43-6CED1AB7FF7B}"/>
+                </a:ext>
+              </a:extLst>
+            </p:cNvPr>
+            <p:cNvSpPr/>
+            <p:nvPr/>
+          </p:nvSpPr>
+          <p:spPr>
+            <a:xfrm>
+              <a:off x="4560594" y="3998169"/>
+              <a:ext cx="1672255" cy="1492898"/>
+            </a:xfrm>
+            <a:prstGeom prst="arc">
+              <a:avLst>
+                <a:gd name="adj1" fmla="val 16389479"/>
+                <a:gd name="adj2" fmla="val 0"/>
+              </a:avLst>
+            </a:prstGeom>
+            <a:ln w="31750">
+              <a:solidFill>
+                <a:srgbClr val="02305A"/>
+              </a:solidFill>
+              <a:prstDash val="lgDash"/>
+            </a:ln>
+          </p:spPr>
+          <p:style>
+            <a:lnRef idx="1">
+              <a:schemeClr val="accent1"/>
+            </a:lnRef>
+            <a:fillRef idx="0">
+              <a:schemeClr val="accent1"/>
+            </a:fillRef>
+            <a:effectRef idx="0">
+              <a:schemeClr val="accent1"/>
+            </a:effectRef>
+            <a:fontRef idx="minor">
+              <a:schemeClr val="tx1"/>
+            </a:fontRef>
+          </p:style>
+          <p:txBody>
+            <a:bodyPr rtlCol="0" anchor="ctr"/>
+            <a:lstStyle/>
+            <a:p>
+              <a:pPr algn="ctr"/>
+              <a:endParaRPr lang="ko-KR" altLang="en-US"/>
+            </a:p>
+          </p:txBody>
+        </p:sp>
+        <p:cxnSp>
+          <p:nvCxnSpPr>
+            <p:cNvPr id="15" name="직선 연결선 18">
+              <a:extLst>
+                <a:ext uri="{FF2B5EF4-FFF2-40B4-BE49-F238E27FC236}">
+                  <a16:creationId xmlns:a16="http://schemas.microsoft.com/office/drawing/2014/main" id="{148BF5DA-E3E3-944A-BCEB-C621F4EFF07D}"/>
+                </a:ext>
+              </a:extLst>
+            </p:cNvPr>
+            <p:cNvCxnSpPr>
+              <a:cxnSpLocks/>
+            </p:cNvCxnSpPr>
+            <p:nvPr/>
+          </p:nvCxnSpPr>
+          <p:spPr>
+            <a:xfrm>
+              <a:off x="6170548" y="4651214"/>
+              <a:ext cx="62301" cy="100012"/>
+            </a:xfrm>
+            <a:prstGeom prst="line">
+              <a:avLst/>
+            </a:prstGeom>
+            <a:ln w="31750">
+              <a:solidFill>
+                <a:srgbClr val="02305A"/>
+              </a:solidFill>
+            </a:ln>
+          </p:spPr>
+          <p:style>
+            <a:lnRef idx="1">
+              <a:schemeClr val="accent1"/>
+            </a:lnRef>
+            <a:fillRef idx="0">
+              <a:schemeClr val="accent1"/>
+            </a:fillRef>
+            <a:effectRef idx="0">
+              <a:schemeClr val="accent1"/>
+            </a:effectRef>
+            <a:fontRef idx="minor">
+              <a:schemeClr val="tx1"/>
+            </a:fontRef>
+          </p:style>
+        </p:cxnSp>
+        <p:cxnSp>
+          <p:nvCxnSpPr>
+            <p:cNvPr id="16" name="직선 연결선 19">
+              <a:extLst>
+                <a:ext uri="{FF2B5EF4-FFF2-40B4-BE49-F238E27FC236}">
+                  <a16:creationId xmlns:a16="http://schemas.microsoft.com/office/drawing/2014/main" id="{2320354B-50DE-C343-884E-30EE34DFBC19}"/>
+                </a:ext>
+              </a:extLst>
+            </p:cNvPr>
+            <p:cNvCxnSpPr>
+              <a:cxnSpLocks/>
+            </p:cNvCxnSpPr>
+            <p:nvPr/>
+          </p:nvCxnSpPr>
+          <p:spPr>
+            <a:xfrm flipH="1">
+              <a:off x="6226856" y="4660739"/>
+              <a:ext cx="67516" cy="92868"/>
+            </a:xfrm>
+            <a:prstGeom prst="line">
+              <a:avLst/>
+            </a:prstGeom>
+            <a:ln w="31750">
+              <a:solidFill>
+                <a:srgbClr val="02305A"/>
+              </a:solidFill>
+            </a:ln>
+          </p:spPr>
+          <p:style>
+            <a:lnRef idx="1">
+              <a:schemeClr val="accent1"/>
+            </a:lnRef>
+            <a:fillRef idx="0">
+              <a:schemeClr val="accent1"/>
+            </a:fillRef>
+            <a:effectRef idx="0">
+              <a:schemeClr val="accent1"/>
+            </a:effectRef>
+            <a:fontRef idx="minor">
+              <a:schemeClr val="tx1"/>
+            </a:fontRef>
+          </p:style>
+        </p:cxnSp>
+        <p:sp>
+          <p:nvSpPr>
+            <p:cNvPr id="17" name="타원 16">
+              <a:extLst>
+                <a:ext uri="{FF2B5EF4-FFF2-40B4-BE49-F238E27FC236}">
+                  <a16:creationId xmlns:a16="http://schemas.microsoft.com/office/drawing/2014/main" id="{6A74A957-7051-004B-897C-BF081D288562}"/>
+                </a:ext>
+              </a:extLst>
+            </p:cNvPr>
+            <p:cNvSpPr/>
+            <p:nvPr/>
+          </p:nvSpPr>
+          <p:spPr>
+            <a:xfrm>
+              <a:off x="6220249" y="4733170"/>
+              <a:ext cx="25200" cy="25200"/>
+            </a:xfrm>
+            <a:prstGeom prst="ellipse">
+              <a:avLst/>
+            </a:prstGeom>
+            <a:solidFill>
+              <a:srgbClr val="02305A"/>
+            </a:solidFill>
+            <a:ln>
+              <a:solidFill>
+                <a:srgbClr val="02305A"/>
+              </a:solidFill>
+            </a:ln>
+          </p:spPr>
+          <p:style>
+            <a:lnRef idx="2">
+              <a:schemeClr val="accent1">
+                <a:shade val="50000"/>
+              </a:schemeClr>
+            </a:lnRef>
+            <a:fillRef idx="1">
+              <a:schemeClr val="accent1"/>
+            </a:fillRef>
+            <a:effectRef idx="0">
+              <a:schemeClr val="accent1"/>
+            </a:effectRef>
+            <a:fontRef idx="minor">
+              <a:schemeClr val="lt1"/>
+            </a:fontRef>
+          </p:style>
+          <p:txBody>
+            <a:bodyPr rtlCol="0" anchor="ctr"/>
+            <a:lstStyle/>
+            <a:p>
+              <a:pPr algn="ctr"/>
+              <a:endParaRPr lang="ko-KR" altLang="en-US"/>
+            </a:p>
+          </p:txBody>
+        </p:sp>
+        <p:sp>
+          <p:nvSpPr>
+            <p:cNvPr id="18" name="타원 17">
+              <a:extLst>
+                <a:ext uri="{FF2B5EF4-FFF2-40B4-BE49-F238E27FC236}">
+                  <a16:creationId xmlns:a16="http://schemas.microsoft.com/office/drawing/2014/main" id="{BE08D663-4207-8A4D-9E08-C87242B00C71}"/>
+                </a:ext>
+              </a:extLst>
+            </p:cNvPr>
+            <p:cNvSpPr/>
+            <p:nvPr/>
+          </p:nvSpPr>
+          <p:spPr>
+            <a:xfrm>
+              <a:off x="6163396" y="4647558"/>
+              <a:ext cx="21600" cy="21600"/>
+            </a:xfrm>
+            <a:prstGeom prst="ellipse">
+              <a:avLst/>
+            </a:prstGeom>
+            <a:solidFill>
+              <a:srgbClr val="02305A"/>
+            </a:solidFill>
+            <a:ln>
+              <a:solidFill>
+                <a:srgbClr val="02305A"/>
+              </a:solidFill>
+            </a:ln>
+          </p:spPr>
+          <p:style>
+            <a:lnRef idx="2">
+              <a:schemeClr val="accent1">
+                <a:shade val="50000"/>
+              </a:schemeClr>
+            </a:lnRef>
+            <a:fillRef idx="1">
+              <a:schemeClr val="accent1"/>
+            </a:fillRef>
+            <a:effectRef idx="0">
+              <a:schemeClr val="accent1"/>
+            </a:effectRef>
+            <a:fontRef idx="minor">
+              <a:schemeClr val="lt1"/>
+            </a:fontRef>
+          </p:style>
+          <p:txBody>
+            <a:bodyPr rtlCol="0" anchor="ctr"/>
+            <a:lstStyle/>
+            <a:p>
+              <a:pPr algn="ctr"/>
+              <a:endParaRPr lang="ko-KR" altLang="en-US"/>
+            </a:p>
+          </p:txBody>
+        </p:sp>
+        <p:sp>
+          <p:nvSpPr>
+            <p:cNvPr id="19" name="타원 18">
+              <a:extLst>
+                <a:ext uri="{FF2B5EF4-FFF2-40B4-BE49-F238E27FC236}">
+                  <a16:creationId xmlns:a16="http://schemas.microsoft.com/office/drawing/2014/main" id="{C677F0D1-FBD4-BD41-97CD-39BEA6173C80}"/>
+                </a:ext>
+              </a:extLst>
+            </p:cNvPr>
+            <p:cNvSpPr/>
+            <p:nvPr/>
+          </p:nvSpPr>
+          <p:spPr>
+            <a:xfrm>
+              <a:off x="6279379" y="4655976"/>
+              <a:ext cx="21600" cy="21600"/>
+            </a:xfrm>
+            <a:prstGeom prst="ellipse">
+              <a:avLst/>
+            </a:prstGeom>
+            <a:solidFill>
+              <a:srgbClr val="02305A"/>
+            </a:solidFill>
+            <a:ln>
+              <a:solidFill>
+                <a:srgbClr val="02305A"/>
+              </a:solidFill>
+            </a:ln>
+          </p:spPr>
+          <p:style>
+            <a:lnRef idx="2">
+              <a:schemeClr val="accent1">
+                <a:shade val="50000"/>
+              </a:schemeClr>
+            </a:lnRef>
+            <a:fillRef idx="1">
+              <a:schemeClr val="accent1"/>
+            </a:fillRef>
+            <a:effectRef idx="0">
+              <a:schemeClr val="accent1"/>
+            </a:effectRef>
+            <a:fontRef idx="minor">
+              <a:schemeClr val="lt1"/>
+            </a:fontRef>
+          </p:style>
+          <p:txBody>
+            <a:bodyPr rtlCol="0" anchor="ctr"/>
+            <a:lstStyle/>
+            <a:p>
+              <a:pPr algn="ctr"/>
+              <a:endParaRPr lang="ko-KR" altLang="en-US"/>
+            </a:p>
+          </p:txBody>
+        </p:sp>
+      </p:grpSp>
+    </p:spTree>
+    <p:extLst>
+      <p:ext uri="{BB962C8B-B14F-4D97-AF65-F5344CB8AC3E}">
+        <p14:creationId xmlns:p14="http://schemas.microsoft.com/office/powerpoint/2010/main" val="590788187"/>
+      </p:ext>
+    </p:extLst>
+  </p:cSld>
+  <p:clrMapOvr>
+    <a:masterClrMapping/>
+  </p:clrMapOvr>
+</p:sld>
+</file>
+
+<file path=ppt/slides/slide11.xml><?xml version="1.0" encoding="utf-8"?>
 <p:sld xmlns:a="http://schemas.openxmlformats.org/drawingml/2006/main" xmlns:r="http://schemas.openxmlformats.org/officeDocument/2006/relationships" xmlns:p="http://schemas.openxmlformats.org/presentationml/2006/main">
   <p:cSld>
     <p:spTree>
@@ -7138,7 +14596,7 @@
 </p:sld>
 </file>
 
-<file path=ppt/slides/slide11.xml><?xml version="1.0" encoding="utf-8"?>
+<file path=ppt/slides/slide12.xml><?xml version="1.0" encoding="utf-8"?>
 <p:sld xmlns:a="http://schemas.openxmlformats.org/drawingml/2006/main" xmlns:r="http://schemas.openxmlformats.org/officeDocument/2006/relationships" xmlns:p="http://schemas.openxmlformats.org/presentationml/2006/main">
   <p:cSld>
     <p:spTree>
@@ -7191,7 +14649,7 @@
 </p:sld>
 </file>
 
-<file path=ppt/slides/slide12.xml><?xml version="1.0" encoding="utf-8"?>
+<file path=ppt/slides/slide13.xml><?xml version="1.0" encoding="utf-8"?>
 <p:sld xmlns:a="http://schemas.openxmlformats.org/drawingml/2006/main" xmlns:r="http://schemas.openxmlformats.org/officeDocument/2006/relationships" xmlns:p="http://schemas.openxmlformats.org/presentationml/2006/main">
   <p:cSld>
     <p:spTree>
@@ -8144,7 +15602,7 @@
 </p:sld>
 </file>
 
-<file path=ppt/slides/slide13.xml><?xml version="1.0" encoding="utf-8"?>
+<file path=ppt/slides/slide14.xml><?xml version="1.0" encoding="utf-8"?>
 <p:sld xmlns:a="http://schemas.openxmlformats.org/drawingml/2006/main" xmlns:r="http://schemas.openxmlformats.org/officeDocument/2006/relationships" xmlns:p="http://schemas.openxmlformats.org/presentationml/2006/main">
   <p:cSld>
     <p:spTree>
@@ -8351,7 +15809,7 @@
 </p:sld>
 </file>
 
-<file path=ppt/slides/slide14.xml><?xml version="1.0" encoding="utf-8"?>
+<file path=ppt/slides/slide15.xml><?xml version="1.0" encoding="utf-8"?>
 <p:sld xmlns:a="http://schemas.openxmlformats.org/drawingml/2006/main" xmlns:r="http://schemas.openxmlformats.org/officeDocument/2006/relationships" xmlns:p="http://schemas.openxmlformats.org/presentationml/2006/main">
   <p:cSld>
     <p:spTree>
@@ -8404,7 +15862,7 @@
 </p:sld>
 </file>
 
-<file path=ppt/slides/slide15.xml><?xml version="1.0" encoding="utf-8"?>
+<file path=ppt/slides/slide16.xml><?xml version="1.0" encoding="utf-8"?>
 <p:sld xmlns:a="http://schemas.openxmlformats.org/drawingml/2006/main" xmlns:r="http://schemas.openxmlformats.org/officeDocument/2006/relationships" xmlns:p="http://schemas.openxmlformats.org/presentationml/2006/main">
   <p:cSld>
     <p:spTree>
@@ -8900,7 +16358,7 @@
 </p:sld>
 </file>
 
-<file path=ppt/slides/slide16.xml><?xml version="1.0" encoding="utf-8"?>
+<file path=ppt/slides/slide17.xml><?xml version="1.0" encoding="utf-8"?>
 <p:sld xmlns:a="http://schemas.openxmlformats.org/drawingml/2006/main" xmlns:r="http://schemas.openxmlformats.org/officeDocument/2006/relationships" xmlns:p="http://schemas.openxmlformats.org/presentationml/2006/main">
   <p:cSld>
     <p:spTree>
@@ -8975,7 +16433,7 @@
 </p:sld>
 </file>
 
-<file path=ppt/slides/slide17.xml><?xml version="1.0" encoding="utf-8"?>
+<file path=ppt/slides/slide18.xml><?xml version="1.0" encoding="utf-8"?>
 <p:sld xmlns:a="http://schemas.openxmlformats.org/drawingml/2006/main" xmlns:r="http://schemas.openxmlformats.org/officeDocument/2006/relationships" xmlns:p="http://schemas.openxmlformats.org/presentationml/2006/main">
   <p:cSld>
     <p:spTree>
@@ -9353,7 +16811,7 @@
 </p:sld>
 </file>
 
-<file path=ppt/slides/slide18.xml><?xml version="1.0" encoding="utf-8"?>
+<file path=ppt/slides/slide19.xml><?xml version="1.0" encoding="utf-8"?>
 <p:sld xmlns:a="http://schemas.openxmlformats.org/drawingml/2006/main" xmlns:r="http://schemas.openxmlformats.org/officeDocument/2006/relationships" xmlns:p="http://schemas.openxmlformats.org/presentationml/2006/main">
   <p:cSld>
     <p:spTree>
@@ -9844,7 +17302,155 @@
 </p:sld>
 </file>
 
-<file path=ppt/slides/slide19.xml><?xml version="1.0" encoding="utf-8"?>
+<file path=ppt/slides/slide2.xml><?xml version="1.0" encoding="utf-8"?>
+<p:sld xmlns:a="http://schemas.openxmlformats.org/drawingml/2006/main" xmlns:r="http://schemas.openxmlformats.org/officeDocument/2006/relationships" xmlns:p="http://schemas.openxmlformats.org/presentationml/2006/main">
+  <p:cSld>
+    <p:spTree>
+      <p:nvGrpSpPr>
+        <p:cNvPr id="1" name=""/>
+        <p:cNvGrpSpPr/>
+        <p:nvPr/>
+      </p:nvGrpSpPr>
+      <p:grpSpPr>
+        <a:xfrm>
+          <a:off x="0" y="0"/>
+          <a:ext cx="0" cy="0"/>
+          <a:chOff x="0" y="0"/>
+          <a:chExt cx="0" cy="0"/>
+        </a:xfrm>
+      </p:grpSpPr>
+      <p:sp>
+        <p:nvSpPr>
+          <p:cNvPr id="2" name="Titel 1"/>
+          <p:cNvSpPr>
+            <a:spLocks noGrp="1"/>
+          </p:cNvSpPr>
+          <p:nvPr>
+            <p:ph type="title"/>
+          </p:nvPr>
+        </p:nvSpPr>
+        <p:spPr>
+          <a:xfrm>
+            <a:off x="792000" y="2008907"/>
+            <a:ext cx="7560000" cy="1698120"/>
+          </a:xfrm>
+        </p:spPr>
+        <p:txBody>
+          <a:bodyPr/>
+          <a:lstStyle/>
+          <a:p>
+            <a:r>
+              <a:rPr lang="de-DE" altLang="ko-KR" sz="2000" dirty="0"/>
+              <a:t>1. Einleitung</a:t>
+            </a:r>
+            <a:br>
+              <a:rPr lang="de-DE" altLang="ko-KR" sz="2000" dirty="0"/>
+            </a:br>
+            <a:r>
+              <a:rPr lang="de-DE" altLang="ko-KR" sz="2000" dirty="0"/>
+              <a:t>2. Vorbetrachtungen</a:t>
+            </a:r>
+            <a:br>
+              <a:rPr lang="de-DE" altLang="ko-KR" sz="2000" dirty="0"/>
+            </a:br>
+            <a:r>
+              <a:rPr lang="de-DE" altLang="ko-KR" sz="2000" dirty="0"/>
+              <a:t>3. Literaturüberblick</a:t>
+            </a:r>
+            <a:br>
+              <a:rPr lang="de-DE" altLang="ko-KR" sz="2000" dirty="0"/>
+            </a:br>
+            <a:r>
+              <a:rPr lang="de-DE" altLang="ko-KR" sz="2000" dirty="0"/>
+              <a:t>4. Methoden</a:t>
+            </a:r>
+            <a:br>
+              <a:rPr lang="de-DE" altLang="ko-KR" sz="2000" dirty="0"/>
+            </a:br>
+            <a:r>
+              <a:rPr lang="de-DE" altLang="ko-KR" sz="2000" dirty="0"/>
+              <a:t>5. Ergebnisse &amp; Diskussion</a:t>
+            </a:r>
+            <a:br>
+              <a:rPr lang="de-DE" altLang="ko-KR" sz="2000" dirty="0"/>
+            </a:br>
+            <a:r>
+              <a:rPr lang="de-DE" altLang="ko-KR" sz="2000" dirty="0"/>
+              <a:t>6. Fazit &amp; Ausblick</a:t>
+            </a:r>
+            <a:endParaRPr lang="de-DE" sz="2000" noProof="0" dirty="0"/>
+          </a:p>
+        </p:txBody>
+      </p:sp>
+      <p:sp>
+        <p:nvSpPr>
+          <p:cNvPr id="3" name="Titel 1">
+            <a:extLst>
+              <a:ext uri="{FF2B5EF4-FFF2-40B4-BE49-F238E27FC236}">
+                <a16:creationId xmlns:a16="http://schemas.microsoft.com/office/drawing/2014/main" id="{51BD27C3-D04B-D34B-8CFD-1C8F8023BF59}"/>
+              </a:ext>
+            </a:extLst>
+          </p:cNvPr>
+          <p:cNvSpPr txBox="1">
+            <a:spLocks/>
+          </p:cNvSpPr>
+          <p:nvPr/>
+        </p:nvSpPr>
+        <p:spPr>
+          <a:xfrm>
+            <a:off x="180000" y="254870"/>
+            <a:ext cx="3947157" cy="432000"/>
+          </a:xfrm>
+          <a:prstGeom prst="rect">
+            <a:avLst/>
+          </a:prstGeom>
+          <a:ln>
+            <a:noFill/>
+          </a:ln>
+        </p:spPr>
+        <p:txBody>
+          <a:bodyPr anchor="t"/>
+          <a:lstStyle>
+            <a:lvl1pPr algn="l" defTabSz="685800" rtl="0" eaLnBrk="1" latinLnBrk="1" hangingPunct="1">
+              <a:lnSpc>
+                <a:spcPct val="90000"/>
+              </a:lnSpc>
+              <a:spcBef>
+                <a:spcPct val="0"/>
+              </a:spcBef>
+              <a:buNone/>
+              <a:defRPr sz="2400" b="1" kern="1200">
+                <a:solidFill>
+                  <a:srgbClr val="1F75BB"/>
+                </a:solidFill>
+                <a:latin typeface="Open Sans" panose="020B0606030504020204" pitchFamily="34" charset="0"/>
+                <a:ea typeface="Open Sans" panose="020B0606030504020204" pitchFamily="34" charset="0"/>
+                <a:cs typeface="Open Sans" panose="020B0606030504020204" pitchFamily="34" charset="0"/>
+              </a:defRPr>
+            </a:lvl1pPr>
+          </a:lstStyle>
+          <a:p>
+            <a:r>
+              <a:rPr lang="de-DE" dirty="0"/>
+              <a:t>Agenda</a:t>
+            </a:r>
+          </a:p>
+        </p:txBody>
+      </p:sp>
+    </p:spTree>
+    <p:extLst>
+      <p:ext uri="{BB962C8B-B14F-4D97-AF65-F5344CB8AC3E}">
+        <p14:creationId xmlns:p14="http://schemas.microsoft.com/office/powerpoint/2010/main" val="3696160132"/>
+      </p:ext>
+    </p:extLst>
+  </p:cSld>
+  <p:clrMapOvr>
+    <a:masterClrMapping/>
+  </p:clrMapOvr>
+</p:sld>
+</file>
+
+<file path=ppt/slides/slide20.xml><?xml version="1.0" encoding="utf-8"?>
 <p:sld xmlns:a="http://schemas.openxmlformats.org/drawingml/2006/main" xmlns:r="http://schemas.openxmlformats.org/officeDocument/2006/relationships" xmlns:p="http://schemas.openxmlformats.org/presentationml/2006/main">
   <p:cSld>
     <p:spTree>
@@ -11513,155 +19119,7 @@
 </p:sld>
 </file>
 
-<file path=ppt/slides/slide2.xml><?xml version="1.0" encoding="utf-8"?>
-<p:sld xmlns:a="http://schemas.openxmlformats.org/drawingml/2006/main" xmlns:r="http://schemas.openxmlformats.org/officeDocument/2006/relationships" xmlns:p="http://schemas.openxmlformats.org/presentationml/2006/main">
-  <p:cSld>
-    <p:spTree>
-      <p:nvGrpSpPr>
-        <p:cNvPr id="1" name=""/>
-        <p:cNvGrpSpPr/>
-        <p:nvPr/>
-      </p:nvGrpSpPr>
-      <p:grpSpPr>
-        <a:xfrm>
-          <a:off x="0" y="0"/>
-          <a:ext cx="0" cy="0"/>
-          <a:chOff x="0" y="0"/>
-          <a:chExt cx="0" cy="0"/>
-        </a:xfrm>
-      </p:grpSpPr>
-      <p:sp>
-        <p:nvSpPr>
-          <p:cNvPr id="2" name="Titel 1"/>
-          <p:cNvSpPr>
-            <a:spLocks noGrp="1"/>
-          </p:cNvSpPr>
-          <p:nvPr>
-            <p:ph type="title"/>
-          </p:nvPr>
-        </p:nvSpPr>
-        <p:spPr>
-          <a:xfrm>
-            <a:off x="792000" y="2008907"/>
-            <a:ext cx="7560000" cy="2045983"/>
-          </a:xfrm>
-        </p:spPr>
-        <p:txBody>
-          <a:bodyPr/>
-          <a:lstStyle/>
-          <a:p>
-            <a:r>
-              <a:rPr lang="de-DE" altLang="ko-KR" sz="2000" dirty="0"/>
-              <a:t>1. Einleitung</a:t>
-            </a:r>
-            <a:br>
-              <a:rPr lang="de-DE" altLang="ko-KR" sz="2000" dirty="0"/>
-            </a:br>
-            <a:r>
-              <a:rPr lang="de-DE" altLang="ko-KR" sz="2000" dirty="0"/>
-              <a:t>2. Vorbetrachtungen</a:t>
-            </a:r>
-            <a:br>
-              <a:rPr lang="de-DE" altLang="ko-KR" sz="2000" dirty="0"/>
-            </a:br>
-            <a:r>
-              <a:rPr lang="de-DE" altLang="ko-KR" sz="2000" dirty="0"/>
-              <a:t>3. Literaturüberblick</a:t>
-            </a:r>
-            <a:br>
-              <a:rPr lang="de-DE" altLang="ko-KR" sz="2000" dirty="0"/>
-            </a:br>
-            <a:r>
-              <a:rPr lang="de-DE" altLang="ko-KR" sz="2000" dirty="0"/>
-              <a:t>4. Methoden</a:t>
-            </a:r>
-            <a:br>
-              <a:rPr lang="de-DE" altLang="ko-KR" sz="2000" dirty="0"/>
-            </a:br>
-            <a:r>
-              <a:rPr lang="de-DE" altLang="ko-KR" sz="2000" dirty="0"/>
-              <a:t>5. Ergebnisse &amp; Diskussion</a:t>
-            </a:r>
-            <a:br>
-              <a:rPr lang="de-DE" altLang="ko-KR" sz="2000" dirty="0"/>
-            </a:br>
-            <a:r>
-              <a:rPr lang="de-DE" altLang="ko-KR" sz="2000" dirty="0"/>
-              <a:t>6. Fazit &amp; Ausblick</a:t>
-            </a:r>
-            <a:endParaRPr lang="de-DE" sz="2000" noProof="0" dirty="0"/>
-          </a:p>
-        </p:txBody>
-      </p:sp>
-      <p:sp>
-        <p:nvSpPr>
-          <p:cNvPr id="3" name="Titel 1">
-            <a:extLst>
-              <a:ext uri="{FF2B5EF4-FFF2-40B4-BE49-F238E27FC236}">
-                <a16:creationId xmlns:a16="http://schemas.microsoft.com/office/drawing/2014/main" id="{51BD27C3-D04B-D34B-8CFD-1C8F8023BF59}"/>
-              </a:ext>
-            </a:extLst>
-          </p:cNvPr>
-          <p:cNvSpPr txBox="1">
-            <a:spLocks/>
-          </p:cNvSpPr>
-          <p:nvPr/>
-        </p:nvSpPr>
-        <p:spPr>
-          <a:xfrm>
-            <a:off x="180000" y="254870"/>
-            <a:ext cx="3947157" cy="432000"/>
-          </a:xfrm>
-          <a:prstGeom prst="rect">
-            <a:avLst/>
-          </a:prstGeom>
-          <a:ln>
-            <a:noFill/>
-          </a:ln>
-        </p:spPr>
-        <p:txBody>
-          <a:bodyPr anchor="t"/>
-          <a:lstStyle>
-            <a:lvl1pPr algn="l" defTabSz="685800" rtl="0" eaLnBrk="1" latinLnBrk="1" hangingPunct="1">
-              <a:lnSpc>
-                <a:spcPct val="90000"/>
-              </a:lnSpc>
-              <a:spcBef>
-                <a:spcPct val="0"/>
-              </a:spcBef>
-              <a:buNone/>
-              <a:defRPr sz="2400" b="1" kern="1200">
-                <a:solidFill>
-                  <a:srgbClr val="1F75BB"/>
-                </a:solidFill>
-                <a:latin typeface="Open Sans" panose="020B0606030504020204" pitchFamily="34" charset="0"/>
-                <a:ea typeface="Open Sans" panose="020B0606030504020204" pitchFamily="34" charset="0"/>
-                <a:cs typeface="Open Sans" panose="020B0606030504020204" pitchFamily="34" charset="0"/>
-              </a:defRPr>
-            </a:lvl1pPr>
-          </a:lstStyle>
-          <a:p>
-            <a:r>
-              <a:rPr lang="de-DE" dirty="0"/>
-              <a:t>Agenda</a:t>
-            </a:r>
-          </a:p>
-        </p:txBody>
-      </p:sp>
-    </p:spTree>
-    <p:extLst>
-      <p:ext uri="{BB962C8B-B14F-4D97-AF65-F5344CB8AC3E}">
-        <p14:creationId xmlns:p14="http://schemas.microsoft.com/office/powerpoint/2010/main" val="3696160132"/>
-      </p:ext>
-    </p:extLst>
-  </p:cSld>
-  <p:clrMapOvr>
-    <a:masterClrMapping/>
-  </p:clrMapOvr>
-</p:sld>
-</file>
-
-<file path=ppt/slides/slide20.xml><?xml version="1.0" encoding="utf-8"?>
+<file path=ppt/slides/slide21.xml><?xml version="1.0" encoding="utf-8"?>
 <p:sld xmlns:a="http://schemas.openxmlformats.org/drawingml/2006/main" xmlns:r="http://schemas.openxmlformats.org/officeDocument/2006/relationships" xmlns:p="http://schemas.openxmlformats.org/presentationml/2006/main">
   <p:cSld>
     <p:spTree>
@@ -11708,7 +19166,7 @@
 </p:sld>
 </file>
 
-<file path=ppt/slides/slide21.xml><?xml version="1.0" encoding="utf-8"?>
+<file path=ppt/slides/slide22.xml><?xml version="1.0" encoding="utf-8"?>
 <p:sld xmlns:a="http://schemas.openxmlformats.org/drawingml/2006/main" xmlns:r="http://schemas.openxmlformats.org/officeDocument/2006/relationships" xmlns:p="http://schemas.openxmlformats.org/presentationml/2006/main">
   <p:cSld>
     <p:spTree>
@@ -13438,6 +20896,135 @@
           <a:chExt cx="0" cy="0"/>
         </a:xfrm>
       </p:grpSpPr>
+      <p:sp>
+        <p:nvSpPr>
+          <p:cNvPr id="2" name="제목 1">
+            <a:extLst>
+              <a:ext uri="{FF2B5EF4-FFF2-40B4-BE49-F238E27FC236}">
+                <a16:creationId xmlns:a16="http://schemas.microsoft.com/office/drawing/2014/main" id="{B19566F6-C6DB-3E4F-B0B7-E6D3B636455C}"/>
+              </a:ext>
+            </a:extLst>
+          </p:cNvPr>
+          <p:cNvSpPr>
+            <a:spLocks noGrp="1"/>
+          </p:cNvSpPr>
+          <p:nvPr>
+            <p:ph type="title"/>
+          </p:nvPr>
+        </p:nvSpPr>
+        <p:spPr/>
+        <p:txBody>
+          <a:bodyPr/>
+          <a:lstStyle/>
+          <a:p>
+            <a:r>
+              <a:rPr kumimoji="1" lang="de-DE" altLang="ko-KR" dirty="0"/>
+              <a:t>Einleitung</a:t>
+            </a:r>
+            <a:endParaRPr kumimoji="1" lang="ko-KR" altLang="en-US" dirty="0"/>
+          </a:p>
+        </p:txBody>
+      </p:sp>
+      <p:sp>
+        <p:nvSpPr>
+          <p:cNvPr id="3" name="내용 개체 틀 2">
+            <a:extLst>
+              <a:ext uri="{FF2B5EF4-FFF2-40B4-BE49-F238E27FC236}">
+                <a16:creationId xmlns:a16="http://schemas.microsoft.com/office/drawing/2014/main" id="{59F81791-44A6-4340-8EE7-EB20C8986336}"/>
+              </a:ext>
+            </a:extLst>
+          </p:cNvPr>
+          <p:cNvSpPr>
+            <a:spLocks noGrp="1"/>
+          </p:cNvSpPr>
+          <p:nvPr>
+            <p:ph idx="1"/>
+          </p:nvPr>
+        </p:nvSpPr>
+        <p:spPr/>
+        <p:txBody>
+          <a:bodyPr/>
+          <a:lstStyle/>
+          <a:p>
+            <a:r>
+              <a:rPr kumimoji="1" lang="de-DE" altLang="ko-KR" dirty="0"/>
+              <a:t>Zweck dieser Arbeit</a:t>
+            </a:r>
+          </a:p>
+          <a:p>
+            <a:endParaRPr kumimoji="1" lang="de-DE" altLang="ko-KR" dirty="0"/>
+          </a:p>
+          <a:p>
+            <a:r>
+              <a:rPr kumimoji="1" lang="de-DE" altLang="ko-KR" dirty="0"/>
+              <a:t>Erhöhen des Bedarfs von </a:t>
+            </a:r>
+            <a:r>
+              <a:rPr kumimoji="1" lang="de-DE" altLang="ko-KR" dirty="0" err="1"/>
+              <a:t>Monitering</a:t>
+            </a:r>
+            <a:r>
+              <a:rPr kumimoji="1" lang="de-DE" altLang="ko-KR" dirty="0"/>
+              <a:t> bei der </a:t>
+            </a:r>
+          </a:p>
+        </p:txBody>
+      </p:sp>
+      <p:sp>
+        <p:nvSpPr>
+          <p:cNvPr id="4" name="내용 개체 틀 3">
+            <a:extLst>
+              <a:ext uri="{FF2B5EF4-FFF2-40B4-BE49-F238E27FC236}">
+                <a16:creationId xmlns:a16="http://schemas.microsoft.com/office/drawing/2014/main" id="{FDEB8833-D729-0E4A-AFDC-5BC47C6E9FA3}"/>
+              </a:ext>
+            </a:extLst>
+          </p:cNvPr>
+          <p:cNvSpPr>
+            <a:spLocks noGrp="1"/>
+          </p:cNvSpPr>
+          <p:nvPr>
+            <p:ph idx="10"/>
+          </p:nvPr>
+        </p:nvSpPr>
+        <p:spPr/>
+        <p:txBody>
+          <a:bodyPr/>
+          <a:lstStyle/>
+          <a:p>
+            <a:endParaRPr kumimoji="1" lang="ko-KR" altLang="en-US"/>
+          </a:p>
+        </p:txBody>
+      </p:sp>
+    </p:spTree>
+    <p:extLst>
+      <p:ext uri="{BB962C8B-B14F-4D97-AF65-F5344CB8AC3E}">
+        <p14:creationId xmlns:p14="http://schemas.microsoft.com/office/powerpoint/2010/main" val="1707657437"/>
+      </p:ext>
+    </p:extLst>
+  </p:cSld>
+  <p:clrMapOvr>
+    <a:masterClrMapping/>
+  </p:clrMapOvr>
+</p:sld>
+</file>
+
+<file path=ppt/slides/slide5.xml><?xml version="1.0" encoding="utf-8"?>
+<p:sld xmlns:a="http://schemas.openxmlformats.org/drawingml/2006/main" xmlns:r="http://schemas.openxmlformats.org/officeDocument/2006/relationships" xmlns:p="http://schemas.openxmlformats.org/presentationml/2006/main">
+  <p:cSld>
+    <p:spTree>
+      <p:nvGrpSpPr>
+        <p:cNvPr id="1" name=""/>
+        <p:cNvGrpSpPr/>
+        <p:nvPr/>
+      </p:nvGrpSpPr>
+      <p:grpSpPr>
+        <a:xfrm>
+          <a:off x="0" y="0"/>
+          <a:ext cx="0" cy="0"/>
+          <a:chOff x="0" y="0"/>
+          <a:chExt cx="0" cy="0"/>
+        </a:xfrm>
+      </p:grpSpPr>
       <p:pic>
         <p:nvPicPr>
           <p:cNvPr id="9" name="Grafik 8"/>
@@ -13483,7 +21070,7 @@
           <a:p>
             <a:r>
               <a:rPr lang="de-DE" noProof="0" dirty="0"/>
-              <a:t>Motivation Datenintegration</a:t>
+              <a:t>Einleitung</a:t>
             </a:r>
           </a:p>
         </p:txBody>
@@ -13542,7 +21129,52 @@
                   <a:schemeClr val="tx1"/>
                 </a:solidFill>
               </a:rPr>
-              <a:t> erhöht sich, Low-Cost-Sensor, UmweltMessen kommt häufig Ausreißer</a:t>
+              <a:t> erhöht sich</a:t>
+            </a:r>
+          </a:p>
+          <a:p>
+            <a:pPr marL="81000" indent="0">
+              <a:buNone/>
+            </a:pPr>
+            <a:r>
+              <a:rPr lang="de-DE" dirty="0">
+                <a:solidFill>
+                  <a:schemeClr val="tx1"/>
+                </a:solidFill>
+              </a:rPr>
+              <a:t>Aus Low-</a:t>
+            </a:r>
+            <a:r>
+              <a:rPr lang="de-DE" dirty="0" err="1">
+                <a:solidFill>
+                  <a:schemeClr val="tx1"/>
+                </a:solidFill>
+              </a:rPr>
+              <a:t>Cost</a:t>
+            </a:r>
+            <a:r>
+              <a:rPr lang="de-DE" dirty="0">
+                <a:solidFill>
+                  <a:schemeClr val="tx1"/>
+                </a:solidFill>
+              </a:rPr>
+              <a:t>-Sensor, </a:t>
+            </a:r>
+            <a:r>
+              <a:rPr lang="de-DE" dirty="0" err="1">
+                <a:solidFill>
+                  <a:schemeClr val="tx1"/>
+                </a:solidFill>
+              </a:rPr>
+              <a:t>UmweltMessen</a:t>
+            </a:r>
+            <a:r>
+              <a:rPr lang="de-DE" dirty="0">
+                <a:solidFill>
+                  <a:schemeClr val="tx1"/>
+                </a:solidFill>
+              </a:rPr>
+              <a:t> kommt häufig Ausreißer</a:t>
             </a:r>
           </a:p>
           <a:p>
@@ -13645,7 +21277,7 @@
 </p:sld>
 </file>
 
-<file path=ppt/slides/slide5.xml><?xml version="1.0" encoding="utf-8"?>
+<file path=ppt/slides/slide6.xml><?xml version="1.0" encoding="utf-8"?>
 <p:sld xmlns:a="http://schemas.openxmlformats.org/drawingml/2006/main" xmlns:r="http://schemas.openxmlformats.org/officeDocument/2006/relationships" xmlns:p="http://schemas.openxmlformats.org/presentationml/2006/main">
   <p:cSld>
     <p:spTree>
@@ -13791,7 +21423,7 @@
 </p:sld>
 </file>
 
-<file path=ppt/slides/slide6.xml><?xml version="1.0" encoding="utf-8"?>
+<file path=ppt/slides/slide7.xml><?xml version="1.0" encoding="utf-8"?>
 <p:sld xmlns:a="http://schemas.openxmlformats.org/drawingml/2006/main" xmlns:r="http://schemas.openxmlformats.org/officeDocument/2006/relationships" xmlns:p="http://schemas.openxmlformats.org/presentationml/2006/main">
   <p:cSld>
     <p:spTree>
@@ -13844,7 +21476,7 @@
 </p:sld>
 </file>
 
-<file path=ppt/slides/slide7.xml><?xml version="1.0" encoding="utf-8"?>
+<file path=ppt/slides/slide8.xml><?xml version="1.0" encoding="utf-8"?>
 <p:sld xmlns:a="http://schemas.openxmlformats.org/drawingml/2006/main" xmlns:r="http://schemas.openxmlformats.org/officeDocument/2006/relationships" xmlns:p="http://schemas.openxmlformats.org/presentationml/2006/main">
   <p:cSld>
     <p:spTree>
@@ -15371,59 +23003,6 @@
 </p:sld>
 </file>
 
-<file path=ppt/slides/slide8.xml><?xml version="1.0" encoding="utf-8"?>
-<p:sld xmlns:a="http://schemas.openxmlformats.org/drawingml/2006/main" xmlns:r="http://schemas.openxmlformats.org/officeDocument/2006/relationships" xmlns:p="http://schemas.openxmlformats.org/presentationml/2006/main">
-  <p:cSld>
-    <p:spTree>
-      <p:nvGrpSpPr>
-        <p:cNvPr id="1" name=""/>
-        <p:cNvGrpSpPr/>
-        <p:nvPr/>
-      </p:nvGrpSpPr>
-      <p:grpSpPr>
-        <a:xfrm>
-          <a:off x="0" y="0"/>
-          <a:ext cx="0" cy="0"/>
-          <a:chOff x="0" y="0"/>
-          <a:chExt cx="0" cy="0"/>
-        </a:xfrm>
-      </p:grpSpPr>
-      <p:sp>
-        <p:nvSpPr>
-          <p:cNvPr id="2" name="Titel 1"/>
-          <p:cNvSpPr>
-            <a:spLocks noGrp="1"/>
-          </p:cNvSpPr>
-          <p:nvPr>
-            <p:ph type="title"/>
-          </p:nvPr>
-        </p:nvSpPr>
-        <p:spPr/>
-        <p:txBody>
-          <a:bodyPr/>
-          <a:lstStyle/>
-          <a:p>
-            <a:r>
-              <a:rPr lang="de-DE" altLang="ko-KR" dirty="0"/>
-              <a:t>4. Methoden</a:t>
-            </a:r>
-            <a:endParaRPr lang="de-DE" noProof="0" dirty="0"/>
-          </a:p>
-        </p:txBody>
-      </p:sp>
-    </p:spTree>
-    <p:extLst>
-      <p:ext uri="{BB962C8B-B14F-4D97-AF65-F5344CB8AC3E}">
-        <p14:creationId xmlns:p14="http://schemas.microsoft.com/office/powerpoint/2010/main" val="3430434355"/>
-      </p:ext>
-    </p:extLst>
-  </p:cSld>
-  <p:clrMapOvr>
-    <a:masterClrMapping/>
-  </p:clrMapOvr>
-</p:sld>
-</file>
-
 <file path=ppt/slides/slide9.xml><?xml version="1.0" encoding="utf-8"?>
 <p:sld xmlns:a="http://schemas.openxmlformats.org/drawingml/2006/main" xmlns:r="http://schemas.openxmlformats.org/officeDocument/2006/relationships" xmlns:p="http://schemas.openxmlformats.org/presentationml/2006/main">
   <p:cSld>
@@ -15464,46 +23043,10 @@
           </a:p>
         </p:txBody>
       </p:sp>
-      <p:pic>
-        <p:nvPicPr>
-          <p:cNvPr id="8" name="그림 7">
-            <a:extLst>
-              <a:ext uri="{FF2B5EF4-FFF2-40B4-BE49-F238E27FC236}">
-                <a16:creationId xmlns:a16="http://schemas.microsoft.com/office/drawing/2014/main" id="{7DDD0B63-A09B-8681-A8EA-7A7D2005C320}"/>
-              </a:ext>
-            </a:extLst>
-          </p:cNvPr>
-          <p:cNvPicPr>
-            <a:picLocks noChangeAspect="1"/>
-          </p:cNvPicPr>
-          <p:nvPr/>
-        </p:nvPicPr>
-        <p:blipFill>
-          <a:blip r:embed="rId3">
-            <a:extLst>
-              <a:ext uri="{28A0092B-C50C-407E-A947-70E740481C1C}">
-                <a14:useLocalDpi xmlns:a14="http://schemas.microsoft.com/office/drawing/2010/main" val="0"/>
-              </a:ext>
-            </a:extLst>
-          </a:blip>
-          <a:stretch>
-            <a:fillRect/>
-          </a:stretch>
-        </p:blipFill>
-        <p:spPr>
-          <a:xfrm>
-            <a:off x="1037419" y="685430"/>
-            <a:ext cx="7069162" cy="4069443"/>
-          </a:xfrm>
-          <a:prstGeom prst="rect">
-            <a:avLst/>
-          </a:prstGeom>
-        </p:spPr>
-      </p:pic>
     </p:spTree>
     <p:extLst>
       <p:ext uri="{BB962C8B-B14F-4D97-AF65-F5344CB8AC3E}">
-        <p14:creationId xmlns:p14="http://schemas.microsoft.com/office/powerpoint/2010/main" val="590788187"/>
+        <p14:creationId xmlns:p14="http://schemas.microsoft.com/office/powerpoint/2010/main" val="3430434355"/>
       </p:ext>
     </p:extLst>
   </p:cSld>

--- a/Kolloquium/Kolloquium.pptx
+++ b/Kolloquium/Kolloquium.pptx
@@ -11695,7 +11695,7 @@
           <p:nvPr>
             <p:extLst>
               <p:ext uri="{D42A27DB-BD31-4B8C-83A1-F6EECF244321}">
-                <p14:modId xmlns:p14="http://schemas.microsoft.com/office/powerpoint/2010/main" val="1578476429"/>
+                <p14:modId xmlns:p14="http://schemas.microsoft.com/office/powerpoint/2010/main" val="24770369"/>
               </p:ext>
             </p:extLst>
           </p:nvPr>
@@ -11791,17 +11791,6 @@
                     <a:p>
                       <a:pPr algn="ctr" latinLnBrk="1"/>
                       <a:r>
-                        <a:rPr lang="de-DE" altLang="ko-KR" sz="1200" dirty="0" err="1">
-                          <a:solidFill>
-                            <a:schemeClr val="bg1"/>
-                          </a:solidFill>
-                          <a:latin typeface="Open Sans" pitchFamily="2" charset="0"/>
-                          <a:ea typeface="Open Sans" pitchFamily="2" charset="0"/>
-                          <a:cs typeface="Open Sans" pitchFamily="2" charset="0"/>
-                        </a:rPr>
-                        <a:t>verwendte</a:t>
-                      </a:r>
-                      <a:r>
                         <a:rPr lang="de-DE" altLang="ko-KR" sz="1200" dirty="0">
                           <a:solidFill>
                             <a:schemeClr val="bg1"/>
@@ -11810,7 +11799,7 @@
                           <a:ea typeface="Open Sans" pitchFamily="2" charset="0"/>
                           <a:cs typeface="Open Sans" pitchFamily="2" charset="0"/>
                         </a:rPr>
-                        <a:t> Algorithmen</a:t>
+                        <a:t>verwandte Algorithmen</a:t>
                       </a:r>
                       <a:endParaRPr lang="ko-KR" altLang="en-US" sz="1200" dirty="0">
                         <a:solidFill>
@@ -12257,14 +12246,14 @@
                     <a:bodyPr/>
                     <a:lstStyle/>
                     <a:p>
-                      <a:pPr algn="ctr" latinLnBrk="1"/>
+                      <a:pPr algn="r" latinLnBrk="1"/>
                       <a:r>
                         <a:rPr lang="de-DE" altLang="ko-KR" sz="1200" dirty="0">
                           <a:latin typeface="Open Sans" pitchFamily="2" charset="0"/>
                           <a:ea typeface="Open Sans" pitchFamily="2" charset="0"/>
                           <a:cs typeface="Open Sans" pitchFamily="2" charset="0"/>
                         </a:rPr>
-                        <a:t>Statistikbasiert</a:t>
+                        <a:t>Statistik-basiert</a:t>
                       </a:r>
                       <a:endParaRPr lang="ko-KR" altLang="en-US" sz="1200" dirty="0">
                         <a:latin typeface="Open Sans" pitchFamily="2" charset="0"/>
@@ -12682,14 +12671,14 @@
                     <a:bodyPr/>
                     <a:lstStyle/>
                     <a:p>
-                      <a:pPr algn="ctr" latinLnBrk="1"/>
+                      <a:pPr algn="r" latinLnBrk="1"/>
                       <a:r>
                         <a:rPr lang="de-DE" altLang="ko-KR" sz="1200" dirty="0">
                           <a:latin typeface="Open Sans" pitchFamily="2" charset="0"/>
                           <a:ea typeface="Open Sans" pitchFamily="2" charset="0"/>
                           <a:cs typeface="Open Sans" pitchFamily="2" charset="0"/>
                         </a:rPr>
-                        <a:t>Cluster(Distanz) basiert</a:t>
+                        <a:t>Cluster(Distanz)-basiert</a:t>
                       </a:r>
                       <a:endParaRPr lang="ko-KR" altLang="en-US" sz="1200" dirty="0">
                         <a:latin typeface="Open Sans" pitchFamily="2" charset="0"/>
@@ -13002,14 +12991,14 @@
                     <a:bodyPr/>
                     <a:lstStyle/>
                     <a:p>
-                      <a:pPr algn="ctr" latinLnBrk="1"/>
+                      <a:pPr algn="r" latinLnBrk="1"/>
                       <a:r>
                         <a:rPr lang="de-DE" altLang="ko-KR" sz="1200" dirty="0">
                           <a:latin typeface="Open Sans" pitchFamily="2" charset="0"/>
                           <a:ea typeface="Open Sans" pitchFamily="2" charset="0"/>
                           <a:cs typeface="Open Sans" pitchFamily="2" charset="0"/>
                         </a:rPr>
-                        <a:t>Dichtebasiert</a:t>
+                        <a:t>Dichte-basiert</a:t>
                       </a:r>
                       <a:endParaRPr lang="ko-KR" altLang="en-US" sz="1200" dirty="0">
                         <a:latin typeface="Open Sans" pitchFamily="2" charset="0"/>
@@ -14280,7 +14269,7 @@
                 </a:solidFill>
                 <a:latin typeface="Muli SemiBold" panose="00000700000000000000" pitchFamily="2" charset="0"/>
               </a:rPr>
-              <a:t>Statistikbasiert</a:t>
+              <a:t>Statistik-basiert</a:t>
             </a:r>
             <a:endParaRPr lang="de-DE" sz="1200" dirty="0">
               <a:solidFill>
@@ -14345,7 +14334,7 @@
                 </a:solidFill>
                 <a:latin typeface="Muli SemiBold" panose="00000700000000000000" pitchFamily="2" charset="0"/>
               </a:rPr>
-              <a:t>Dichtebasiert</a:t>
+              <a:t>Dichte-basiert</a:t>
             </a:r>
             <a:endParaRPr lang="de-DE" sz="1200" dirty="0">
               <a:solidFill>
@@ -14576,7 +14565,7 @@
                 </a:solidFill>
                 <a:latin typeface="Muli SemiBold" panose="00000700000000000000" pitchFamily="2" charset="0"/>
               </a:rPr>
-              <a:t>Clusterbasiert</a:t>
+              <a:t>Cluster-basiert</a:t>
             </a:r>
             <a:endParaRPr lang="de-DE" sz="1200" dirty="0">
               <a:solidFill>
@@ -18757,6 +18746,29 @@
           <a:chExt cx="0" cy="0"/>
         </a:xfrm>
       </p:grpSpPr>
+      <p:pic>
+        <p:nvPicPr>
+          <p:cNvPr id="9" name="Grafik 8"/>
+          <p:cNvPicPr>
+            <a:picLocks noChangeAspect="1"/>
+          </p:cNvPicPr>
+          <p:nvPr/>
+        </p:nvPicPr>
+        <p:blipFill rotWithShape="1">
+          <a:blip r:embed="rId3"/>
+          <a:srcRect t="4370" b="7437"/>
+          <a:stretch/>
+        </p:blipFill>
+        <p:spPr>
+          <a:xfrm>
+            <a:off x="3251303" y="3142012"/>
+            <a:ext cx="3408697" cy="1555751"/>
+          </a:xfrm>
+          <a:prstGeom prst="rect">
+            <a:avLst/>
+          </a:prstGeom>
+        </p:spPr>
+      </p:pic>
       <p:sp>
         <p:nvSpPr>
           <p:cNvPr id="2" name="Titel 1"/>
@@ -19059,29 +19071,6 @@
           </a:p>
         </p:txBody>
       </p:sp>
-      <p:pic>
-        <p:nvPicPr>
-          <p:cNvPr id="9" name="Grafik 8"/>
-          <p:cNvPicPr>
-            <a:picLocks noChangeAspect="1"/>
-          </p:cNvPicPr>
-          <p:nvPr/>
-        </p:nvPicPr>
-        <p:blipFill rotWithShape="1">
-          <a:blip r:embed="rId3"/>
-          <a:srcRect t="4370" b="7437"/>
-          <a:stretch/>
-        </p:blipFill>
-        <p:spPr>
-          <a:xfrm>
-            <a:off x="3251303" y="3142012"/>
-            <a:ext cx="3408697" cy="1555751"/>
-          </a:xfrm>
-          <a:prstGeom prst="rect">
-            <a:avLst/>
-          </a:prstGeom>
-        </p:spPr>
-      </p:pic>
     </p:spTree>
     <p:extLst>
       <p:ext uri="{BB962C8B-B14F-4D97-AF65-F5344CB8AC3E}">

--- a/Kolloquium/Kolloquium.pptx
+++ b/Kolloquium/Kolloquium.pptx
@@ -885,991 +885,30 @@
 </dgm:colorsDef>
 </file>
 
-<file path=ppt/diagrams/colors2.xml><?xml version="1.0" encoding="utf-8"?>
-<dgm:colorsDef xmlns:dgm="http://schemas.openxmlformats.org/drawingml/2006/diagram" xmlns:a="http://schemas.openxmlformats.org/drawingml/2006/main" uniqueId="urn:microsoft.com/office/officeart/2005/8/colors/accent1_2">
-  <dgm:title val=""/>
-  <dgm:desc val=""/>
-  <dgm:catLst>
-    <dgm:cat type="accent1" pri="11200"/>
-  </dgm:catLst>
-  <dgm:styleLbl name="node0">
-    <dgm:fillClrLst meth="repeat">
-      <a:schemeClr val="accent1"/>
-    </dgm:fillClrLst>
-    <dgm:linClrLst meth="repeat">
-      <a:schemeClr val="lt1"/>
-    </dgm:linClrLst>
-    <dgm:effectClrLst/>
-    <dgm:txLinClrLst/>
-    <dgm:txFillClrLst/>
-    <dgm:txEffectClrLst/>
-  </dgm:styleLbl>
-  <dgm:styleLbl name="alignNode1">
-    <dgm:fillClrLst meth="repeat">
-      <a:schemeClr val="accent1"/>
-    </dgm:fillClrLst>
-    <dgm:linClrLst meth="repeat">
-      <a:schemeClr val="accent1"/>
-    </dgm:linClrLst>
-    <dgm:effectClrLst/>
-    <dgm:txLinClrLst/>
-    <dgm:txFillClrLst/>
-    <dgm:txEffectClrLst/>
-  </dgm:styleLbl>
-  <dgm:styleLbl name="node1">
-    <dgm:fillClrLst meth="repeat">
-      <a:schemeClr val="accent1"/>
-    </dgm:fillClrLst>
-    <dgm:linClrLst meth="repeat">
-      <a:schemeClr val="lt1"/>
-    </dgm:linClrLst>
-    <dgm:effectClrLst/>
-    <dgm:txLinClrLst/>
-    <dgm:txFillClrLst/>
-    <dgm:txEffectClrLst/>
-  </dgm:styleLbl>
-  <dgm:styleLbl name="lnNode1">
-    <dgm:fillClrLst meth="repeat">
-      <a:schemeClr val="accent1"/>
-    </dgm:fillClrLst>
-    <dgm:linClrLst meth="repeat">
-      <a:schemeClr val="lt1"/>
-    </dgm:linClrLst>
-    <dgm:effectClrLst/>
-    <dgm:txLinClrLst/>
-    <dgm:txFillClrLst/>
-    <dgm:txEffectClrLst/>
-  </dgm:styleLbl>
-  <dgm:styleLbl name="vennNode1">
-    <dgm:fillClrLst meth="repeat">
-      <a:schemeClr val="accent1">
-        <a:alpha val="50000"/>
-      </a:schemeClr>
-    </dgm:fillClrLst>
-    <dgm:linClrLst meth="repeat">
-      <a:schemeClr val="lt1"/>
-    </dgm:linClrLst>
-    <dgm:effectClrLst/>
-    <dgm:txLinClrLst/>
-    <dgm:txFillClrLst/>
-    <dgm:txEffectClrLst/>
-  </dgm:styleLbl>
-  <dgm:styleLbl name="node2">
-    <dgm:fillClrLst meth="repeat">
-      <a:schemeClr val="accent1"/>
-    </dgm:fillClrLst>
-    <dgm:linClrLst meth="repeat">
-      <a:schemeClr val="lt1"/>
-    </dgm:linClrLst>
-    <dgm:effectClrLst/>
-    <dgm:txLinClrLst/>
-    <dgm:txFillClrLst/>
-    <dgm:txEffectClrLst/>
-  </dgm:styleLbl>
-  <dgm:styleLbl name="node3">
-    <dgm:fillClrLst meth="repeat">
-      <a:schemeClr val="accent1"/>
-    </dgm:fillClrLst>
-    <dgm:linClrLst meth="repeat">
-      <a:schemeClr val="lt1"/>
-    </dgm:linClrLst>
-    <dgm:effectClrLst/>
-    <dgm:txLinClrLst/>
-    <dgm:txFillClrLst/>
-    <dgm:txEffectClrLst/>
-  </dgm:styleLbl>
-  <dgm:styleLbl name="node4">
-    <dgm:fillClrLst meth="repeat">
-      <a:schemeClr val="accent1"/>
-    </dgm:fillClrLst>
-    <dgm:linClrLst meth="repeat">
-      <a:schemeClr val="lt1"/>
-    </dgm:linClrLst>
-    <dgm:effectClrLst/>
-    <dgm:txLinClrLst/>
-    <dgm:txFillClrLst/>
-    <dgm:txEffectClrLst/>
-  </dgm:styleLbl>
-  <dgm:styleLbl name="fgImgPlace1">
-    <dgm:fillClrLst meth="repeat">
-      <a:schemeClr val="accent1">
-        <a:tint val="50000"/>
-      </a:schemeClr>
-    </dgm:fillClrLst>
-    <dgm:linClrLst meth="repeat">
-      <a:schemeClr val="lt1"/>
-    </dgm:linClrLst>
-    <dgm:effectClrLst/>
-    <dgm:txLinClrLst/>
-    <dgm:txFillClrLst meth="repeat">
-      <a:schemeClr val="lt1"/>
-    </dgm:txFillClrLst>
-    <dgm:txEffectClrLst/>
-  </dgm:styleLbl>
-  <dgm:styleLbl name="alignImgPlace1">
-    <dgm:fillClrLst meth="repeat">
-      <a:schemeClr val="accent1">
-        <a:tint val="50000"/>
-      </a:schemeClr>
-    </dgm:fillClrLst>
-    <dgm:linClrLst meth="repeat">
-      <a:schemeClr val="lt1"/>
-    </dgm:linClrLst>
-    <dgm:effectClrLst/>
-    <dgm:txLinClrLst/>
-    <dgm:txFillClrLst meth="repeat">
-      <a:schemeClr val="lt1"/>
-    </dgm:txFillClrLst>
-    <dgm:txEffectClrLst/>
-  </dgm:styleLbl>
-  <dgm:styleLbl name="bgImgPlace1">
-    <dgm:fillClrLst meth="repeat">
-      <a:schemeClr val="accent1">
-        <a:tint val="50000"/>
-      </a:schemeClr>
-    </dgm:fillClrLst>
-    <dgm:linClrLst meth="repeat">
-      <a:schemeClr val="lt1"/>
-    </dgm:linClrLst>
-    <dgm:effectClrLst/>
-    <dgm:txLinClrLst/>
-    <dgm:txFillClrLst meth="repeat">
-      <a:schemeClr val="lt1"/>
-    </dgm:txFillClrLst>
-    <dgm:txEffectClrLst/>
-  </dgm:styleLbl>
-  <dgm:styleLbl name="sibTrans2D1">
-    <dgm:fillClrLst meth="repeat">
-      <a:schemeClr val="accent1">
-        <a:tint val="60000"/>
-      </a:schemeClr>
-    </dgm:fillClrLst>
-    <dgm:linClrLst meth="repeat">
-      <a:schemeClr val="accent1">
-        <a:tint val="60000"/>
-      </a:schemeClr>
-    </dgm:linClrLst>
-    <dgm:effectClrLst/>
-    <dgm:txLinClrLst/>
-    <dgm:txFillClrLst/>
-    <dgm:txEffectClrLst/>
-  </dgm:styleLbl>
-  <dgm:styleLbl name="fgSibTrans2D1">
-    <dgm:fillClrLst meth="repeat">
-      <a:schemeClr val="accent1">
-        <a:tint val="60000"/>
-      </a:schemeClr>
-    </dgm:fillClrLst>
-    <dgm:linClrLst meth="repeat">
-      <a:schemeClr val="accent1">
-        <a:tint val="60000"/>
-      </a:schemeClr>
-    </dgm:linClrLst>
-    <dgm:effectClrLst/>
-    <dgm:txLinClrLst/>
-    <dgm:txFillClrLst/>
-    <dgm:txEffectClrLst/>
-  </dgm:styleLbl>
-  <dgm:styleLbl name="bgSibTrans2D1">
-    <dgm:fillClrLst meth="repeat">
-      <a:schemeClr val="accent1">
-        <a:tint val="60000"/>
-      </a:schemeClr>
-    </dgm:fillClrLst>
-    <dgm:linClrLst meth="repeat">
-      <a:schemeClr val="accent1">
-        <a:tint val="60000"/>
-      </a:schemeClr>
-    </dgm:linClrLst>
-    <dgm:effectClrLst/>
-    <dgm:txLinClrLst/>
-    <dgm:txFillClrLst/>
-    <dgm:txEffectClrLst/>
-  </dgm:styleLbl>
-  <dgm:styleLbl name="sibTrans1D1">
-    <dgm:fillClrLst meth="repeat">
-      <a:schemeClr val="accent1"/>
-    </dgm:fillClrLst>
-    <dgm:linClrLst meth="repeat">
-      <a:schemeClr val="accent1"/>
-    </dgm:linClrLst>
-    <dgm:effectClrLst/>
-    <dgm:txLinClrLst/>
-    <dgm:txFillClrLst meth="repeat">
-      <a:schemeClr val="tx1"/>
-    </dgm:txFillClrLst>
-    <dgm:txEffectClrLst/>
-  </dgm:styleLbl>
-  <dgm:styleLbl name="callout">
-    <dgm:fillClrLst meth="repeat">
-      <a:schemeClr val="accent1"/>
-    </dgm:fillClrLst>
-    <dgm:linClrLst meth="repeat">
-      <a:schemeClr val="accent1">
-        <a:tint val="50000"/>
-      </a:schemeClr>
-    </dgm:linClrLst>
-    <dgm:effectClrLst/>
-    <dgm:txLinClrLst/>
-    <dgm:txFillClrLst meth="repeat">
-      <a:schemeClr val="tx1"/>
-    </dgm:txFillClrLst>
-    <dgm:txEffectClrLst/>
-  </dgm:styleLbl>
-  <dgm:styleLbl name="asst0">
-    <dgm:fillClrLst meth="repeat">
-      <a:schemeClr val="accent1"/>
-    </dgm:fillClrLst>
-    <dgm:linClrLst meth="repeat">
-      <a:schemeClr val="lt1"/>
-    </dgm:linClrLst>
-    <dgm:effectClrLst/>
-    <dgm:txLinClrLst/>
-    <dgm:txFillClrLst/>
-    <dgm:txEffectClrLst/>
-  </dgm:styleLbl>
-  <dgm:styleLbl name="asst1">
-    <dgm:fillClrLst meth="repeat">
-      <a:schemeClr val="accent1"/>
-    </dgm:fillClrLst>
-    <dgm:linClrLst meth="repeat">
-      <a:schemeClr val="lt1"/>
-    </dgm:linClrLst>
-    <dgm:effectClrLst/>
-    <dgm:txLinClrLst/>
-    <dgm:txFillClrLst/>
-    <dgm:txEffectClrLst/>
-  </dgm:styleLbl>
-  <dgm:styleLbl name="asst2">
-    <dgm:fillClrLst meth="repeat">
-      <a:schemeClr val="accent1"/>
-    </dgm:fillClrLst>
-    <dgm:linClrLst meth="repeat">
-      <a:schemeClr val="lt1"/>
-    </dgm:linClrLst>
-    <dgm:effectClrLst/>
-    <dgm:txLinClrLst/>
-    <dgm:txFillClrLst/>
-    <dgm:txEffectClrLst/>
-  </dgm:styleLbl>
-  <dgm:styleLbl name="asst3">
-    <dgm:fillClrLst meth="repeat">
-      <a:schemeClr val="accent1"/>
-    </dgm:fillClrLst>
-    <dgm:linClrLst meth="repeat">
-      <a:schemeClr val="lt1"/>
-    </dgm:linClrLst>
-    <dgm:effectClrLst/>
-    <dgm:txLinClrLst/>
-    <dgm:txFillClrLst/>
-    <dgm:txEffectClrLst/>
-  </dgm:styleLbl>
-  <dgm:styleLbl name="asst4">
-    <dgm:fillClrLst meth="repeat">
-      <a:schemeClr val="accent1"/>
-    </dgm:fillClrLst>
-    <dgm:linClrLst meth="repeat">
-      <a:schemeClr val="lt1"/>
-    </dgm:linClrLst>
-    <dgm:effectClrLst/>
-    <dgm:txLinClrLst/>
-    <dgm:txFillClrLst/>
-    <dgm:txEffectClrLst/>
-  </dgm:styleLbl>
-  <dgm:styleLbl name="parChTrans2D1">
-    <dgm:fillClrLst meth="repeat">
-      <a:schemeClr val="accent1">
-        <a:tint val="60000"/>
-      </a:schemeClr>
-    </dgm:fillClrLst>
-    <dgm:linClrLst meth="repeat">
-      <a:schemeClr val="accent1">
-        <a:tint val="60000"/>
-      </a:schemeClr>
-    </dgm:linClrLst>
-    <dgm:effectClrLst/>
-    <dgm:txLinClrLst/>
-    <dgm:txFillClrLst meth="repeat">
-      <a:schemeClr val="lt1"/>
-    </dgm:txFillClrLst>
-    <dgm:txEffectClrLst/>
-  </dgm:styleLbl>
-  <dgm:styleLbl name="parChTrans2D2">
-    <dgm:fillClrLst meth="repeat">
-      <a:schemeClr val="accent1"/>
-    </dgm:fillClrLst>
-    <dgm:linClrLst meth="repeat">
-      <a:schemeClr val="accent1"/>
-    </dgm:linClrLst>
-    <dgm:effectClrLst/>
-    <dgm:txLinClrLst/>
-    <dgm:txFillClrLst meth="repeat">
-      <a:schemeClr val="lt1"/>
-    </dgm:txFillClrLst>
-    <dgm:txEffectClrLst/>
-  </dgm:styleLbl>
-  <dgm:styleLbl name="parChTrans2D3">
-    <dgm:fillClrLst meth="repeat">
-      <a:schemeClr val="accent1"/>
-    </dgm:fillClrLst>
-    <dgm:linClrLst meth="repeat">
-      <a:schemeClr val="accent1"/>
-    </dgm:linClrLst>
-    <dgm:effectClrLst/>
-    <dgm:txLinClrLst/>
-    <dgm:txFillClrLst meth="repeat">
-      <a:schemeClr val="lt1"/>
-    </dgm:txFillClrLst>
-    <dgm:txEffectClrLst/>
-  </dgm:styleLbl>
-  <dgm:styleLbl name="parChTrans2D4">
-    <dgm:fillClrLst meth="repeat">
-      <a:schemeClr val="accent1"/>
-    </dgm:fillClrLst>
-    <dgm:linClrLst meth="repeat">
-      <a:schemeClr val="accent1"/>
-    </dgm:linClrLst>
-    <dgm:effectClrLst/>
-    <dgm:txLinClrLst/>
-    <dgm:txFillClrLst meth="repeat">
-      <a:schemeClr val="lt1"/>
-    </dgm:txFillClrLst>
-    <dgm:txEffectClrLst/>
-  </dgm:styleLbl>
-  <dgm:styleLbl name="parChTrans1D1">
-    <dgm:fillClrLst meth="repeat">
-      <a:schemeClr val="accent1"/>
-    </dgm:fillClrLst>
-    <dgm:linClrLst meth="repeat">
-      <a:schemeClr val="accent1">
-        <a:shade val="60000"/>
-      </a:schemeClr>
-    </dgm:linClrLst>
-    <dgm:effectClrLst/>
-    <dgm:txLinClrLst/>
-    <dgm:txFillClrLst meth="repeat">
-      <a:schemeClr val="tx1"/>
-    </dgm:txFillClrLst>
-    <dgm:txEffectClrLst/>
-  </dgm:styleLbl>
-  <dgm:styleLbl name="parChTrans1D2">
-    <dgm:fillClrLst meth="repeat">
-      <a:schemeClr val="accent1"/>
-    </dgm:fillClrLst>
-    <dgm:linClrLst meth="repeat">
-      <a:schemeClr val="accent1">
-        <a:shade val="60000"/>
-      </a:schemeClr>
-    </dgm:linClrLst>
-    <dgm:effectClrLst/>
-    <dgm:txLinClrLst/>
-    <dgm:txFillClrLst meth="repeat">
-      <a:schemeClr val="tx1"/>
-    </dgm:txFillClrLst>
-    <dgm:txEffectClrLst/>
-  </dgm:styleLbl>
-  <dgm:styleLbl name="parChTrans1D3">
-    <dgm:fillClrLst meth="repeat">
-      <a:schemeClr val="accent1"/>
-    </dgm:fillClrLst>
-    <dgm:linClrLst meth="repeat">
-      <a:schemeClr val="accent1">
-        <a:shade val="80000"/>
-      </a:schemeClr>
-    </dgm:linClrLst>
-    <dgm:effectClrLst/>
-    <dgm:txLinClrLst/>
-    <dgm:txFillClrLst meth="repeat">
-      <a:schemeClr val="tx1"/>
-    </dgm:txFillClrLst>
-    <dgm:txEffectClrLst/>
-  </dgm:styleLbl>
-  <dgm:styleLbl name="parChTrans1D4">
-    <dgm:fillClrLst meth="repeat">
-      <a:schemeClr val="accent1"/>
-    </dgm:fillClrLst>
-    <dgm:linClrLst meth="repeat">
-      <a:schemeClr val="accent1">
-        <a:shade val="80000"/>
-      </a:schemeClr>
-    </dgm:linClrLst>
-    <dgm:effectClrLst/>
-    <dgm:txLinClrLst/>
-    <dgm:txFillClrLst meth="repeat">
-      <a:schemeClr val="tx1"/>
-    </dgm:txFillClrLst>
-    <dgm:txEffectClrLst/>
-  </dgm:styleLbl>
-  <dgm:styleLbl name="fgAcc1">
-    <dgm:fillClrLst meth="repeat">
-      <a:schemeClr val="lt1">
-        <a:alpha val="90000"/>
-      </a:schemeClr>
-    </dgm:fillClrLst>
-    <dgm:linClrLst meth="repeat">
-      <a:schemeClr val="accent1"/>
-    </dgm:linClrLst>
-    <dgm:effectClrLst/>
-    <dgm:txLinClrLst/>
-    <dgm:txFillClrLst meth="repeat">
-      <a:schemeClr val="dk1"/>
-    </dgm:txFillClrLst>
-    <dgm:txEffectClrLst/>
-  </dgm:styleLbl>
-  <dgm:styleLbl name="conFgAcc1">
-    <dgm:fillClrLst meth="repeat">
-      <a:schemeClr val="lt1">
-        <a:alpha val="90000"/>
-      </a:schemeClr>
-    </dgm:fillClrLst>
-    <dgm:linClrLst meth="repeat">
-      <a:schemeClr val="accent1"/>
-    </dgm:linClrLst>
-    <dgm:effectClrLst/>
-    <dgm:txLinClrLst/>
-    <dgm:txFillClrLst meth="repeat">
-      <a:schemeClr val="dk1"/>
-    </dgm:txFillClrLst>
-    <dgm:txEffectClrLst/>
-  </dgm:styleLbl>
-  <dgm:styleLbl name="alignAcc1">
-    <dgm:fillClrLst meth="repeat">
-      <a:schemeClr val="lt1">
-        <a:alpha val="90000"/>
-      </a:schemeClr>
-    </dgm:fillClrLst>
-    <dgm:linClrLst meth="repeat">
-      <a:schemeClr val="accent1"/>
-    </dgm:linClrLst>
-    <dgm:effectClrLst/>
-    <dgm:txLinClrLst/>
-    <dgm:txFillClrLst meth="repeat">
-      <a:schemeClr val="dk1"/>
-    </dgm:txFillClrLst>
-    <dgm:txEffectClrLst/>
-  </dgm:styleLbl>
-  <dgm:styleLbl name="trAlignAcc1">
-    <dgm:fillClrLst meth="repeat">
-      <a:schemeClr val="lt1">
-        <a:alpha val="40000"/>
-      </a:schemeClr>
-    </dgm:fillClrLst>
-    <dgm:linClrLst meth="repeat">
-      <a:schemeClr val="accent1"/>
-    </dgm:linClrLst>
-    <dgm:effectClrLst/>
-    <dgm:txLinClrLst/>
-    <dgm:txFillClrLst meth="repeat">
-      <a:schemeClr val="dk1"/>
-    </dgm:txFillClrLst>
-    <dgm:txEffectClrLst/>
-  </dgm:styleLbl>
-  <dgm:styleLbl name="bgAcc1">
-    <dgm:fillClrLst meth="repeat">
-      <a:schemeClr val="lt1">
-        <a:alpha val="90000"/>
-      </a:schemeClr>
-    </dgm:fillClrLst>
-    <dgm:linClrLst meth="repeat">
-      <a:schemeClr val="accent1"/>
-    </dgm:linClrLst>
-    <dgm:effectClrLst/>
-    <dgm:txLinClrLst/>
-    <dgm:txFillClrLst meth="repeat">
-      <a:schemeClr val="dk1"/>
-    </dgm:txFillClrLst>
-    <dgm:txEffectClrLst/>
-  </dgm:styleLbl>
-  <dgm:styleLbl name="solidFgAcc1">
-    <dgm:fillClrLst meth="repeat">
-      <a:schemeClr val="lt1"/>
-    </dgm:fillClrLst>
-    <dgm:linClrLst meth="repeat">
-      <a:schemeClr val="accent1"/>
-    </dgm:linClrLst>
-    <dgm:effectClrLst/>
-    <dgm:txLinClrLst/>
-    <dgm:txFillClrLst meth="repeat">
-      <a:schemeClr val="dk1"/>
-    </dgm:txFillClrLst>
-    <dgm:txEffectClrLst/>
-  </dgm:styleLbl>
-  <dgm:styleLbl name="solidAlignAcc1">
-    <dgm:fillClrLst meth="repeat">
-      <a:schemeClr val="lt1"/>
-    </dgm:fillClrLst>
-    <dgm:linClrLst meth="repeat">
-      <a:schemeClr val="accent1"/>
-    </dgm:linClrLst>
-    <dgm:effectClrLst/>
-    <dgm:txLinClrLst/>
-    <dgm:txFillClrLst meth="repeat">
-      <a:schemeClr val="dk1"/>
-    </dgm:txFillClrLst>
-    <dgm:txEffectClrLst/>
-  </dgm:styleLbl>
-  <dgm:styleLbl name="solidBgAcc1">
-    <dgm:fillClrLst meth="repeat">
-      <a:schemeClr val="lt1"/>
-    </dgm:fillClrLst>
-    <dgm:linClrLst meth="repeat">
-      <a:schemeClr val="accent1"/>
-    </dgm:linClrLst>
-    <dgm:effectClrLst/>
-    <dgm:txLinClrLst/>
-    <dgm:txFillClrLst meth="repeat">
-      <a:schemeClr val="dk1"/>
-    </dgm:txFillClrLst>
-    <dgm:txEffectClrLst/>
-  </dgm:styleLbl>
-  <dgm:styleLbl name="fgAccFollowNode1">
-    <dgm:fillClrLst meth="repeat">
-      <a:schemeClr val="accent1">
-        <a:alpha val="90000"/>
-        <a:tint val="40000"/>
-      </a:schemeClr>
-    </dgm:fillClrLst>
-    <dgm:linClrLst meth="repeat">
-      <a:schemeClr val="accent1">
-        <a:alpha val="90000"/>
-        <a:tint val="40000"/>
-      </a:schemeClr>
-    </dgm:linClrLst>
-    <dgm:effectClrLst/>
-    <dgm:txLinClrLst/>
-    <dgm:txFillClrLst meth="repeat">
-      <a:schemeClr val="dk1"/>
-    </dgm:txFillClrLst>
-    <dgm:txEffectClrLst/>
-  </dgm:styleLbl>
-  <dgm:styleLbl name="alignAccFollowNode1">
-    <dgm:fillClrLst meth="repeat">
-      <a:schemeClr val="accent1">
-        <a:alpha val="90000"/>
-        <a:tint val="40000"/>
-      </a:schemeClr>
-    </dgm:fillClrLst>
-    <dgm:linClrLst meth="repeat">
-      <a:schemeClr val="accent1">
-        <a:alpha val="90000"/>
-        <a:tint val="40000"/>
-      </a:schemeClr>
-    </dgm:linClrLst>
-    <dgm:effectClrLst/>
-    <dgm:txLinClrLst/>
-    <dgm:txFillClrLst meth="repeat">
-      <a:schemeClr val="dk1"/>
-    </dgm:txFillClrLst>
-    <dgm:txEffectClrLst/>
-  </dgm:styleLbl>
-  <dgm:styleLbl name="bgAccFollowNode1">
-    <dgm:fillClrLst meth="repeat">
-      <a:schemeClr val="accent1">
-        <a:alpha val="90000"/>
-        <a:tint val="40000"/>
-      </a:schemeClr>
-    </dgm:fillClrLst>
-    <dgm:linClrLst meth="repeat">
-      <a:schemeClr val="accent1">
-        <a:alpha val="90000"/>
-        <a:tint val="40000"/>
-      </a:schemeClr>
-    </dgm:linClrLst>
-    <dgm:effectClrLst/>
-    <dgm:txLinClrLst/>
-    <dgm:txFillClrLst meth="repeat">
-      <a:schemeClr val="dk1"/>
-    </dgm:txFillClrLst>
-    <dgm:txEffectClrLst/>
-  </dgm:styleLbl>
-  <dgm:styleLbl name="fgAcc0">
-    <dgm:fillClrLst meth="repeat">
-      <a:schemeClr val="lt1">
-        <a:alpha val="90000"/>
-      </a:schemeClr>
-    </dgm:fillClrLst>
-    <dgm:linClrLst meth="repeat">
-      <a:schemeClr val="accent1"/>
-    </dgm:linClrLst>
-    <dgm:effectClrLst/>
-    <dgm:txLinClrLst/>
-    <dgm:txFillClrLst meth="repeat">
-      <a:schemeClr val="dk1"/>
-    </dgm:txFillClrLst>
-    <dgm:txEffectClrLst/>
-  </dgm:styleLbl>
-  <dgm:styleLbl name="fgAcc2">
-    <dgm:fillClrLst meth="repeat">
-      <a:schemeClr val="lt1">
-        <a:alpha val="90000"/>
-      </a:schemeClr>
-    </dgm:fillClrLst>
-    <dgm:linClrLst meth="repeat">
-      <a:schemeClr val="accent1"/>
-    </dgm:linClrLst>
-    <dgm:effectClrLst/>
-    <dgm:txLinClrLst/>
-    <dgm:txFillClrLst meth="repeat">
-      <a:schemeClr val="dk1"/>
-    </dgm:txFillClrLst>
-    <dgm:txEffectClrLst/>
-  </dgm:styleLbl>
-  <dgm:styleLbl name="fgAcc3">
-    <dgm:fillClrLst meth="repeat">
-      <a:schemeClr val="lt1">
-        <a:alpha val="90000"/>
-      </a:schemeClr>
-    </dgm:fillClrLst>
-    <dgm:linClrLst meth="repeat">
-      <a:schemeClr val="accent1"/>
-    </dgm:linClrLst>
-    <dgm:effectClrLst/>
-    <dgm:txLinClrLst/>
-    <dgm:txFillClrLst meth="repeat">
-      <a:schemeClr val="dk1"/>
-    </dgm:txFillClrLst>
-    <dgm:txEffectClrLst/>
-  </dgm:styleLbl>
-  <dgm:styleLbl name="fgAcc4">
-    <dgm:fillClrLst meth="repeat">
-      <a:schemeClr val="lt1">
-        <a:alpha val="90000"/>
-      </a:schemeClr>
-    </dgm:fillClrLst>
-    <dgm:linClrLst meth="repeat">
-      <a:schemeClr val="accent1"/>
-    </dgm:linClrLst>
-    <dgm:effectClrLst/>
-    <dgm:txLinClrLst/>
-    <dgm:txFillClrLst meth="repeat">
-      <a:schemeClr val="dk1"/>
-    </dgm:txFillClrLst>
-    <dgm:txEffectClrLst/>
-  </dgm:styleLbl>
-  <dgm:styleLbl name="bgShp">
-    <dgm:fillClrLst meth="repeat">
-      <a:schemeClr val="accent1">
-        <a:tint val="40000"/>
-      </a:schemeClr>
-    </dgm:fillClrLst>
-    <dgm:linClrLst meth="repeat">
-      <a:schemeClr val="accent1"/>
-    </dgm:linClrLst>
-    <dgm:effectClrLst/>
-    <dgm:txLinClrLst/>
-    <dgm:txFillClrLst meth="repeat">
-      <a:schemeClr val="dk1"/>
-    </dgm:txFillClrLst>
-    <dgm:txEffectClrLst/>
-  </dgm:styleLbl>
-  <dgm:styleLbl name="dkBgShp">
-    <dgm:fillClrLst meth="repeat">
-      <a:schemeClr val="accent1">
-        <a:shade val="80000"/>
-      </a:schemeClr>
-    </dgm:fillClrLst>
-    <dgm:linClrLst meth="repeat">
-      <a:schemeClr val="accent1"/>
-    </dgm:linClrLst>
-    <dgm:effectClrLst/>
-    <dgm:txLinClrLst/>
-    <dgm:txFillClrLst meth="repeat">
-      <a:schemeClr val="lt1"/>
-    </dgm:txFillClrLst>
-    <dgm:txEffectClrLst/>
-  </dgm:styleLbl>
-  <dgm:styleLbl name="trBgShp">
-    <dgm:fillClrLst meth="repeat">
-      <a:schemeClr val="accent1">
-        <a:tint val="50000"/>
-        <a:alpha val="40000"/>
-      </a:schemeClr>
-    </dgm:fillClrLst>
-    <dgm:linClrLst meth="repeat">
-      <a:schemeClr val="accent1"/>
-    </dgm:linClrLst>
-    <dgm:effectClrLst/>
-    <dgm:txLinClrLst/>
-    <dgm:txFillClrLst meth="repeat">
-      <a:schemeClr val="lt1"/>
-    </dgm:txFillClrLst>
-    <dgm:txEffectClrLst/>
-  </dgm:styleLbl>
-  <dgm:styleLbl name="fgShp">
-    <dgm:fillClrLst meth="repeat">
-      <a:schemeClr val="accent1">
-        <a:tint val="60000"/>
-      </a:schemeClr>
-    </dgm:fillClrLst>
-    <dgm:linClrLst meth="repeat">
-      <a:schemeClr val="lt1"/>
-    </dgm:linClrLst>
-    <dgm:effectClrLst/>
-    <dgm:txLinClrLst/>
-    <dgm:txFillClrLst meth="repeat">
-      <a:schemeClr val="dk1"/>
-    </dgm:txFillClrLst>
-    <dgm:txEffectClrLst/>
-  </dgm:styleLbl>
-  <dgm:styleLbl name="revTx">
-    <dgm:fillClrLst meth="repeat">
-      <a:schemeClr val="lt1">
-        <a:alpha val="0"/>
-      </a:schemeClr>
-    </dgm:fillClrLst>
-    <dgm:linClrLst meth="repeat">
-      <a:schemeClr val="dk1">
-        <a:alpha val="0"/>
-      </a:schemeClr>
-    </dgm:linClrLst>
-    <dgm:effectClrLst/>
-    <dgm:txLinClrLst/>
-    <dgm:txFillClrLst meth="repeat">
-      <a:schemeClr val="tx1"/>
-    </dgm:txFillClrLst>
-    <dgm:txEffectClrLst/>
-  </dgm:styleLbl>
-</dgm:colorsDef>
-</file>
-
 <file path=ppt/diagrams/data1.xml><?xml version="1.0" encoding="utf-8"?>
 <dgm:dataModel xmlns:dgm="http://schemas.openxmlformats.org/drawingml/2006/diagram" xmlns:a="http://schemas.openxmlformats.org/drawingml/2006/main">
   <dgm:ptLst>
-    <dgm:pt modelId="{35305242-E757-421D-BAF2-45B468B325E9}" type="doc">
-      <dgm:prSet loTypeId="urn:microsoft.com/office/officeart/2005/8/layout/cycle5" loCatId="cycle" qsTypeId="urn:microsoft.com/office/officeart/2005/8/quickstyle/3d5" qsCatId="3D" csTypeId="urn:microsoft.com/office/officeart/2005/8/colors/accent1_2" csCatId="accent1" phldr="1"/>
+    <dgm:pt modelId="{DF2F1D5C-668D-F94C-A065-3CEE40D2FF1D}" type="doc">
+      <dgm:prSet loTypeId="urn:microsoft.com/office/officeart/2005/8/layout/chevron1" loCatId="" qsTypeId="urn:microsoft.com/office/officeart/2005/8/quickstyle/simple1" qsCatId="simple" csTypeId="urn:microsoft.com/office/officeart/2005/8/colors/accent1_2" csCatId="accent1" phldr="1"/>
+      <dgm:spPr/>
+    </dgm:pt>
+    <dgm:pt modelId="{C6A1D55D-8F7A-DB44-BE35-4D3A748B4FA1}">
+      <dgm:prSet phldrT="[텍스트]"/>
       <dgm:spPr/>
       <dgm:t>
         <a:bodyPr/>
         <a:lstStyle/>
         <a:p>
           <a:pPr latinLnBrk="1"/>
-          <a:endParaRPr lang="ko-KR" altLang="en-US"/>
+          <a:r>
+            <a:rPr lang="de-DE" dirty="0"/>
+            <a:t>den Einfluss von Ausreißern</a:t>
+          </a:r>
+          <a:endParaRPr lang="ko-KR" altLang="en-US" dirty="0"/>
         </a:p>
       </dgm:t>
     </dgm:pt>
-    <dgm:pt modelId="{E5B08DCA-9889-456D-9E61-346B6482CC8F}">
-      <dgm:prSet phldrT="[텍스트]"/>
-      <dgm:spPr>
-        <a:solidFill>
-          <a:srgbClr val="02305A"/>
-        </a:solidFill>
-      </dgm:spPr>
-      <dgm:t>
-        <a:bodyPr/>
-        <a:lstStyle/>
-        <a:p>
-          <a:pPr latinLnBrk="1"/>
-          <a:r>
-            <a:rPr lang="en-US" altLang="ko-KR" dirty="0" err="1">
-              <a:latin typeface="Palatino Linotype" panose="02040502050505030304" pitchFamily="18" charset="0"/>
-            </a:rPr>
-            <a:t>Entfernen</a:t>
-          </a:r>
-          <a:r>
-            <a:rPr lang="en-US" altLang="ko-KR" dirty="0">
-              <a:latin typeface="Palatino Linotype" panose="02040502050505030304" pitchFamily="18" charset="0"/>
-            </a:rPr>
-            <a:t> un</a:t>
-          </a:r>
-          <a:r>
-            <a:rPr lang="de-DE" altLang="ko-KR" dirty="0">
-              <a:latin typeface="Palatino Linotype" panose="02040502050505030304" pitchFamily="18" charset="0"/>
-            </a:rPr>
-            <a:t>vollständiger </a:t>
-          </a:r>
-          <a:r>
-            <a:rPr lang="en-US" altLang="ko-KR" dirty="0" err="1">
-              <a:latin typeface="Palatino Linotype" panose="02040502050505030304" pitchFamily="18" charset="0"/>
-            </a:rPr>
-            <a:t>Daten</a:t>
-          </a:r>
-          <a:endParaRPr lang="ko-KR" altLang="en-US" dirty="0">
-            <a:latin typeface="Palatino Linotype" panose="02040502050505030304" pitchFamily="18" charset="0"/>
-          </a:endParaRPr>
-        </a:p>
-      </dgm:t>
-    </dgm:pt>
-    <dgm:pt modelId="{CD8DDBEA-EDB4-4667-B7E8-417DD02EC9DF}" type="parTrans" cxnId="{B062EC1E-C72D-418F-8E79-23B9F34B0200}">
-      <dgm:prSet/>
-      <dgm:spPr/>
-      <dgm:t>
-        <a:bodyPr/>
-        <a:lstStyle/>
-        <a:p>
-          <a:pPr latinLnBrk="1"/>
-          <a:endParaRPr lang="ko-KR" altLang="en-US">
-            <a:latin typeface="Palatino Linotype" panose="02040502050505030304" pitchFamily="18" charset="0"/>
-          </a:endParaRPr>
-        </a:p>
-      </dgm:t>
-    </dgm:pt>
-    <dgm:pt modelId="{B072B0CC-9B9A-4E62-93DB-B80E4BBEA298}" type="sibTrans" cxnId="{B062EC1E-C72D-418F-8E79-23B9F34B0200}">
-      <dgm:prSet/>
-      <dgm:spPr>
-        <a:ln w="31750">
-          <a:solidFill>
-            <a:srgbClr val="02305A"/>
-          </a:solidFill>
-        </a:ln>
-      </dgm:spPr>
-      <dgm:t>
-        <a:bodyPr/>
-        <a:lstStyle/>
-        <a:p>
-          <a:pPr latinLnBrk="1"/>
-          <a:endParaRPr lang="ko-KR" altLang="en-US">
-            <a:latin typeface="Palatino Linotype" panose="02040502050505030304" pitchFamily="18" charset="0"/>
-          </a:endParaRPr>
-        </a:p>
-      </dgm:t>
-    </dgm:pt>
-    <dgm:pt modelId="{943DBB35-2D60-4CA2-B62D-E86A5903155C}">
-      <dgm:prSet phldrT="[텍스트]"/>
-      <dgm:spPr>
-        <a:solidFill>
-          <a:srgbClr val="02305A"/>
-        </a:solidFill>
-      </dgm:spPr>
-      <dgm:t>
-        <a:bodyPr/>
-        <a:lstStyle/>
-        <a:p>
-          <a:pPr latinLnBrk="1"/>
-          <a:r>
-            <a:rPr lang="en-US" altLang="ko-KR" dirty="0" err="1">
-              <a:latin typeface="Palatino Linotype" panose="02040502050505030304" pitchFamily="18" charset="0"/>
-            </a:rPr>
-            <a:t>Entfernen</a:t>
-          </a:r>
-          <a:r>
-            <a:rPr lang="en-US" altLang="ko-KR" dirty="0">
-              <a:latin typeface="Palatino Linotype" panose="02040502050505030304" pitchFamily="18" charset="0"/>
-            </a:rPr>
-            <a:t> der </a:t>
-          </a:r>
-          <a:r>
-            <a:rPr lang="en-US" altLang="ko-KR" dirty="0" err="1">
-              <a:latin typeface="Palatino Linotype" panose="02040502050505030304" pitchFamily="18" charset="0"/>
-            </a:rPr>
-            <a:t>Anomaliedaten</a:t>
-          </a:r>
-          <a:endParaRPr lang="ko-KR" altLang="en-US" dirty="0">
-            <a:latin typeface="Palatino Linotype" panose="02040502050505030304" pitchFamily="18" charset="0"/>
-          </a:endParaRPr>
-        </a:p>
-      </dgm:t>
-    </dgm:pt>
-    <dgm:pt modelId="{828EB966-251A-411B-B5B4-24B4CDA92845}" type="parTrans" cxnId="{B2295D5B-4522-475C-ABE2-F89FB98ABA24}">
-      <dgm:prSet/>
-      <dgm:spPr/>
-      <dgm:t>
-        <a:bodyPr/>
-        <a:lstStyle/>
-        <a:p>
-          <a:pPr latinLnBrk="1"/>
-          <a:endParaRPr lang="ko-KR" altLang="en-US">
-            <a:latin typeface="Palatino Linotype" panose="02040502050505030304" pitchFamily="18" charset="0"/>
-          </a:endParaRPr>
-        </a:p>
-      </dgm:t>
-    </dgm:pt>
-    <dgm:pt modelId="{0CA6A66E-448E-4344-8665-762578B40DB9}" type="sibTrans" cxnId="{B2295D5B-4522-475C-ABE2-F89FB98ABA24}">
-      <dgm:prSet/>
-      <dgm:spPr>
-        <a:ln w="31750">
-          <a:solidFill>
-            <a:srgbClr val="02305A"/>
-          </a:solidFill>
-        </a:ln>
-      </dgm:spPr>
-      <dgm:t>
-        <a:bodyPr/>
-        <a:lstStyle/>
-        <a:p>
-          <a:pPr latinLnBrk="1"/>
-          <a:endParaRPr lang="ko-KR" altLang="en-US">
-            <a:latin typeface="Palatino Linotype" panose="02040502050505030304" pitchFamily="18" charset="0"/>
-          </a:endParaRPr>
-        </a:p>
-      </dgm:t>
-    </dgm:pt>
-    <dgm:pt modelId="{F5D95043-689D-478E-9DCF-79145D74A373}">
-      <dgm:prSet phldrT="[텍스트]"/>
-      <dgm:spPr>
-        <a:solidFill>
-          <a:srgbClr val="02305A"/>
-        </a:solidFill>
-      </dgm:spPr>
-      <dgm:t>
-        <a:bodyPr/>
-        <a:lstStyle/>
-        <a:p>
-          <a:pPr latinLnBrk="1"/>
-          <a:r>
-            <a:rPr lang="en-US" altLang="ko-KR" dirty="0" err="1">
-              <a:latin typeface="Palatino Linotype" panose="02040502050505030304" pitchFamily="18" charset="0"/>
-            </a:rPr>
-            <a:t>Datenbereinigung</a:t>
-          </a:r>
-          <a:endParaRPr lang="ko-KR" altLang="en-US" dirty="0">
-            <a:latin typeface="Palatino Linotype" panose="02040502050505030304" pitchFamily="18" charset="0"/>
-          </a:endParaRPr>
-        </a:p>
-      </dgm:t>
-    </dgm:pt>
-    <dgm:pt modelId="{6A51A49F-DFF8-4941-9A4B-530614140811}" type="parTrans" cxnId="{C8CD27DF-48D9-4D1A-8FCE-4938E4851E01}">
-      <dgm:prSet/>
-      <dgm:spPr/>
-      <dgm:t>
-        <a:bodyPr/>
-        <a:lstStyle/>
-        <a:p>
-          <a:pPr latinLnBrk="1"/>
-          <a:endParaRPr lang="ko-KR" altLang="en-US">
-            <a:latin typeface="Palatino Linotype" panose="02040502050505030304" pitchFamily="18" charset="0"/>
-          </a:endParaRPr>
-        </a:p>
-      </dgm:t>
-    </dgm:pt>
-    <dgm:pt modelId="{DAF9ED51-E79A-40B2-BFF2-535FAF081D56}" type="sibTrans" cxnId="{C8CD27DF-48D9-4D1A-8FCE-4938E4851E01}">
-      <dgm:prSet/>
-      <dgm:spPr>
-        <a:ln w="31750">
-          <a:solidFill>
-            <a:srgbClr val="02305A"/>
-          </a:solidFill>
-        </a:ln>
-      </dgm:spPr>
-      <dgm:t>
-        <a:bodyPr/>
-        <a:lstStyle/>
-        <a:p>
-          <a:pPr latinLnBrk="1"/>
-          <a:endParaRPr lang="ko-KR" altLang="en-US">
-            <a:latin typeface="Palatino Linotype" panose="02040502050505030304" pitchFamily="18" charset="0"/>
-          </a:endParaRPr>
-        </a:p>
-      </dgm:t>
-    </dgm:pt>
-    <dgm:pt modelId="{899F3441-5998-473E-B363-F6E1896B47B8}">
-      <dgm:prSet phldrT="[텍스트]"/>
-      <dgm:spPr>
-        <a:solidFill>
-          <a:srgbClr val="02305A"/>
-        </a:solidFill>
-      </dgm:spPr>
-      <dgm:t>
-        <a:bodyPr/>
-        <a:lstStyle/>
-        <a:p>
-          <a:pPr latinLnBrk="1"/>
-          <a:endParaRPr lang="ko-KR" altLang="en-US" dirty="0">
-            <a:latin typeface="Palatino Linotype" panose="02040502050505030304" pitchFamily="18" charset="0"/>
-          </a:endParaRPr>
-        </a:p>
-      </dgm:t>
-    </dgm:pt>
-    <dgm:pt modelId="{C75FB8E3-441B-4D5D-8BA9-2E18E04B675A}" type="parTrans" cxnId="{4EE91C7A-C1D9-4235-9066-46F215F0DDCD}">
+    <dgm:pt modelId="{10E0FFDD-6000-F343-8C4C-CCF93E4605CB}" type="parTrans" cxnId="{494AB41B-E9F3-4F4C-B119-E6C3E7EA2EA3}">
       <dgm:prSet/>
       <dgm:spPr/>
       <dgm:t>
@@ -1881,7 +920,7 @@
         </a:p>
       </dgm:t>
     </dgm:pt>
-    <dgm:pt modelId="{F4170429-8D3F-4969-B91E-AC3A9153E859}" type="sibTrans" cxnId="{4EE91C7A-C1D9-4235-9066-46F215F0DDCD}">
+    <dgm:pt modelId="{8C002892-EAB3-364B-9616-AB7A4CE626F5}" type="sibTrans" cxnId="{494AB41B-E9F3-4F4C-B119-E6C3E7EA2EA3}">
       <dgm:prSet/>
       <dgm:spPr/>
       <dgm:t>
@@ -1893,25 +932,23 @@
         </a:p>
       </dgm:t>
     </dgm:pt>
-    <dgm:pt modelId="{1AAF8DAA-7FE7-4DC3-9FA9-BAB5A193E67F}">
+    <dgm:pt modelId="{2164DF4A-BA9E-134A-993A-EE6146D9357C}">
       <dgm:prSet phldrT="[텍스트]"/>
-      <dgm:spPr>
-        <a:solidFill>
-          <a:srgbClr val="02305A"/>
-        </a:solidFill>
-      </dgm:spPr>
+      <dgm:spPr/>
       <dgm:t>
         <a:bodyPr/>
         <a:lstStyle/>
         <a:p>
           <a:pPr latinLnBrk="1"/>
-          <a:endParaRPr lang="ko-KR" altLang="en-US" dirty="0">
-            <a:latin typeface="Palatino Linotype" panose="02040502050505030304" pitchFamily="18" charset="0"/>
-          </a:endParaRPr>
+          <a:r>
+            <a:rPr lang="de-DE" dirty="0"/>
+            <a:t>die Entwicklung vertieftes Verständnisses für verschiedene Algorithmen</a:t>
+          </a:r>
+          <a:endParaRPr lang="ko-KR" altLang="en-US" dirty="0"/>
         </a:p>
       </dgm:t>
     </dgm:pt>
-    <dgm:pt modelId="{2D089053-4A6A-4EF4-A57F-70BE7ED4C760}" type="parTrans" cxnId="{6C06A5F5-F8C9-45D8-9120-38C367953ECD}">
+    <dgm:pt modelId="{348F404F-388A-3640-95B1-F2AD82D18C8A}" type="parTrans" cxnId="{4B61F844-96CB-1E43-917A-20BAC917F37E}">
       <dgm:prSet/>
       <dgm:spPr/>
       <dgm:t>
@@ -1923,7 +960,7 @@
         </a:p>
       </dgm:t>
     </dgm:pt>
-    <dgm:pt modelId="{CD6DF016-4216-4364-96C6-05726CE2C1DF}" type="sibTrans" cxnId="{6C06A5F5-F8C9-45D8-9120-38C367953ECD}">
+    <dgm:pt modelId="{552DCDF6-7D1C-D848-8D3C-528AA1145A39}" type="sibTrans" cxnId="{4B61F844-96CB-1E43-917A-20BAC917F37E}">
       <dgm:prSet/>
       <dgm:spPr/>
       <dgm:t>
@@ -1935,43 +972,23 @@
         </a:p>
       </dgm:t>
     </dgm:pt>
-    <dgm:pt modelId="{0D6D388D-C498-4788-9FB9-1355F25229E7}">
+    <dgm:pt modelId="{760C26BF-B032-D042-8772-A8D040DE1C30}">
       <dgm:prSet phldrT="[텍스트]"/>
-      <dgm:spPr>
-        <a:solidFill>
-          <a:srgbClr val="02305A"/>
-        </a:solidFill>
-      </dgm:spPr>
+      <dgm:spPr/>
       <dgm:t>
         <a:bodyPr/>
         <a:lstStyle/>
         <a:p>
           <a:pPr latinLnBrk="1"/>
-          <a:endParaRPr lang="ko-KR" altLang="en-US" dirty="0">
-            <a:latin typeface="Palatino Linotype" panose="02040502050505030304" pitchFamily="18" charset="0"/>
-          </a:endParaRPr>
+          <a:r>
+            <a:rPr lang="de-DE" dirty="0"/>
+            <a:t>den Beitrag zur Empfehlung in einer konkreten Forschungssituation</a:t>
+          </a:r>
+          <a:endParaRPr lang="ko-KR" altLang="en-US" dirty="0"/>
         </a:p>
       </dgm:t>
     </dgm:pt>
-    <dgm:pt modelId="{E9C01E1F-9381-4218-9BCB-964ACD067E5A}" type="sibTrans" cxnId="{BE3987B2-F1E0-4CDE-8CFB-8C574F8E7022}">
-      <dgm:prSet/>
-      <dgm:spPr>
-        <a:ln w="31750">
-          <a:solidFill>
-            <a:srgbClr val="02305A"/>
-          </a:solidFill>
-        </a:ln>
-      </dgm:spPr>
-      <dgm:t>
-        <a:bodyPr/>
-        <a:lstStyle/>
-        <a:p>
-          <a:pPr latinLnBrk="1"/>
-          <a:endParaRPr lang="ko-KR" altLang="en-US"/>
-        </a:p>
-      </dgm:t>
-    </dgm:pt>
-    <dgm:pt modelId="{B6F53765-BB1B-4471-BF3C-76300C4F60F4}" type="parTrans" cxnId="{BE3987B2-F1E0-4CDE-8CFB-8C574F8E7022}">
+    <dgm:pt modelId="{819E6B36-5E6A-EB40-BE74-9AE98605E90B}" type="parTrans" cxnId="{F544D301-5323-D146-BC57-29AE727304DB}">
       <dgm:prSet/>
       <dgm:spPr/>
       <dgm:t>
@@ -1983,170 +1000,8 @@
         </a:p>
       </dgm:t>
     </dgm:pt>
-    <dgm:pt modelId="{2791ACC9-839D-4390-9778-661963D0C19E}" type="pres">
-      <dgm:prSet presAssocID="{35305242-E757-421D-BAF2-45B468B325E9}" presName="cycle" presStyleCnt="0">
-        <dgm:presLayoutVars>
-          <dgm:dir/>
-          <dgm:resizeHandles val="exact"/>
-        </dgm:presLayoutVars>
-      </dgm:prSet>
-      <dgm:spPr/>
-    </dgm:pt>
-    <dgm:pt modelId="{58B9514E-A927-4294-9ED4-5204981A04BA}" type="pres">
-      <dgm:prSet presAssocID="{0D6D388D-C498-4788-9FB9-1355F25229E7}" presName="node" presStyleLbl="node1" presStyleIdx="0" presStyleCnt="6" custRadScaleRad="176158" custRadScaleInc="-334874">
-        <dgm:presLayoutVars>
-          <dgm:bulletEnabled val="1"/>
-        </dgm:presLayoutVars>
-      </dgm:prSet>
-      <dgm:spPr/>
-    </dgm:pt>
-    <dgm:pt modelId="{6B147270-2AC8-4609-8D19-8399E0A07558}" type="pres">
-      <dgm:prSet presAssocID="{0D6D388D-C498-4788-9FB9-1355F25229E7}" presName="spNode" presStyleCnt="0"/>
-      <dgm:spPr/>
-    </dgm:pt>
-    <dgm:pt modelId="{FFAFAA70-DFC4-41DD-A721-E46A991CD4CF}" type="pres">
-      <dgm:prSet presAssocID="{E9C01E1F-9381-4218-9BCB-964ACD067E5A}" presName="sibTrans" presStyleLbl="sibTrans1D1" presStyleIdx="0" presStyleCnt="6"/>
-      <dgm:spPr/>
-    </dgm:pt>
-    <dgm:pt modelId="{FFC3AABA-57E9-4119-BBC3-F94F75C20B7F}" type="pres">
-      <dgm:prSet presAssocID="{E5B08DCA-9889-456D-9E61-346B6482CC8F}" presName="node" presStyleLbl="node1" presStyleIdx="1" presStyleCnt="6" custRadScaleRad="59854" custRadScaleInc="-38977">
-        <dgm:presLayoutVars>
-          <dgm:bulletEnabled val="1"/>
-        </dgm:presLayoutVars>
-      </dgm:prSet>
-      <dgm:spPr/>
-    </dgm:pt>
-    <dgm:pt modelId="{07CE22B9-08D1-468D-B226-BA2DF1262DC1}" type="pres">
-      <dgm:prSet presAssocID="{E5B08DCA-9889-456D-9E61-346B6482CC8F}" presName="spNode" presStyleCnt="0"/>
-      <dgm:spPr/>
-    </dgm:pt>
-    <dgm:pt modelId="{AB69BEC0-8296-4D79-8B4D-DB7A3D892A19}" type="pres">
-      <dgm:prSet presAssocID="{B072B0CC-9B9A-4E62-93DB-B80E4BBEA298}" presName="sibTrans" presStyleLbl="sibTrans1D1" presStyleIdx="1" presStyleCnt="6"/>
-      <dgm:spPr/>
-    </dgm:pt>
-    <dgm:pt modelId="{F4B42199-956C-4331-A5D5-288FFCE16D9D}" type="pres">
-      <dgm:prSet presAssocID="{943DBB35-2D60-4CA2-B62D-E86A5903155C}" presName="node" presStyleLbl="node1" presStyleIdx="2" presStyleCnt="6" custRadScaleRad="167315" custRadScaleInc="-130680">
-        <dgm:presLayoutVars>
-          <dgm:bulletEnabled val="1"/>
-        </dgm:presLayoutVars>
-      </dgm:prSet>
-      <dgm:spPr/>
-    </dgm:pt>
-    <dgm:pt modelId="{3359BA0B-045A-4EE0-8C08-F2DECADAFDD0}" type="pres">
-      <dgm:prSet presAssocID="{943DBB35-2D60-4CA2-B62D-E86A5903155C}" presName="spNode" presStyleCnt="0"/>
-      <dgm:spPr/>
-    </dgm:pt>
-    <dgm:pt modelId="{C159BF99-BD07-4B95-8A2A-D194A7218805}" type="pres">
-      <dgm:prSet presAssocID="{0CA6A66E-448E-4344-8665-762578B40DB9}" presName="sibTrans" presStyleLbl="sibTrans1D1" presStyleIdx="2" presStyleCnt="6"/>
-      <dgm:spPr/>
-    </dgm:pt>
-    <dgm:pt modelId="{6229E11A-BD8F-4F8A-9E9B-01489C72DD44}" type="pres">
-      <dgm:prSet presAssocID="{F5D95043-689D-478E-9DCF-79145D74A373}" presName="node" presStyleLbl="node1" presStyleIdx="3" presStyleCnt="6" custRadScaleRad="77683" custRadScaleInc="-177444">
-        <dgm:presLayoutVars>
-          <dgm:bulletEnabled val="1"/>
-        </dgm:presLayoutVars>
-      </dgm:prSet>
-      <dgm:spPr/>
-    </dgm:pt>
-    <dgm:pt modelId="{BE741CC4-FC56-413E-983D-FC466FAF8513}" type="pres">
-      <dgm:prSet presAssocID="{F5D95043-689D-478E-9DCF-79145D74A373}" presName="spNode" presStyleCnt="0"/>
-      <dgm:spPr/>
-    </dgm:pt>
-    <dgm:pt modelId="{0221D519-0CFD-49D5-BC99-48CB878A440E}" type="pres">
-      <dgm:prSet presAssocID="{DAF9ED51-E79A-40B2-BFF2-535FAF081D56}" presName="sibTrans" presStyleLbl="sibTrans1D1" presStyleIdx="3" presStyleCnt="6"/>
-      <dgm:spPr/>
-    </dgm:pt>
-    <dgm:pt modelId="{14588959-D302-4E7F-B6C8-EB4E855A7744}" type="pres">
-      <dgm:prSet presAssocID="{1AAF8DAA-7FE7-4DC3-9FA9-BAB5A193E67F}" presName="node" presStyleLbl="node1" presStyleIdx="4" presStyleCnt="6" custRadScaleRad="149750" custRadScaleInc="-9028">
-        <dgm:presLayoutVars>
-          <dgm:bulletEnabled val="1"/>
-        </dgm:presLayoutVars>
-      </dgm:prSet>
-      <dgm:spPr/>
-    </dgm:pt>
-    <dgm:pt modelId="{86991239-61AC-483A-99C8-DA35D443711D}" type="pres">
-      <dgm:prSet presAssocID="{1AAF8DAA-7FE7-4DC3-9FA9-BAB5A193E67F}" presName="spNode" presStyleCnt="0"/>
-      <dgm:spPr/>
-    </dgm:pt>
-    <dgm:pt modelId="{6D6B942E-1335-4BEB-B49A-3C30485E26C2}" type="pres">
-      <dgm:prSet presAssocID="{CD6DF016-4216-4364-96C6-05726CE2C1DF}" presName="sibTrans" presStyleLbl="sibTrans1D1" presStyleIdx="4" presStyleCnt="6"/>
-      <dgm:spPr/>
-    </dgm:pt>
-    <dgm:pt modelId="{B14FDCCB-8168-4FF2-8E4D-ED10492710C3}" type="pres">
-      <dgm:prSet presAssocID="{899F3441-5998-473E-B363-F6E1896B47B8}" presName="node" presStyleLbl="node1" presStyleIdx="5" presStyleCnt="6" custRadScaleRad="202013" custRadScaleInc="-150593">
-        <dgm:presLayoutVars>
-          <dgm:bulletEnabled val="1"/>
-        </dgm:presLayoutVars>
-      </dgm:prSet>
-      <dgm:spPr/>
-    </dgm:pt>
-    <dgm:pt modelId="{5E0586B0-98E1-4D7B-80E4-758DE8082D62}" type="pres">
-      <dgm:prSet presAssocID="{899F3441-5998-473E-B363-F6E1896B47B8}" presName="spNode" presStyleCnt="0"/>
-      <dgm:spPr/>
-    </dgm:pt>
-    <dgm:pt modelId="{62F3254E-0DB5-4746-920C-7EFFC84C3055}" type="pres">
-      <dgm:prSet presAssocID="{F4170429-8D3F-4969-B91E-AC3A9153E859}" presName="sibTrans" presStyleLbl="sibTrans1D1" presStyleIdx="5" presStyleCnt="6"/>
-      <dgm:spPr/>
-    </dgm:pt>
-  </dgm:ptLst>
-  <dgm:cxnLst>
-    <dgm:cxn modelId="{3B71F216-BE0B-47A5-8C1D-0B102150A688}" type="presOf" srcId="{DAF9ED51-E79A-40B2-BFF2-535FAF081D56}" destId="{0221D519-0CFD-49D5-BC99-48CB878A440E}" srcOrd="0" destOrd="0" presId="urn:microsoft.com/office/officeart/2005/8/layout/cycle5"/>
-    <dgm:cxn modelId="{B062EC1E-C72D-418F-8E79-23B9F34B0200}" srcId="{35305242-E757-421D-BAF2-45B468B325E9}" destId="{E5B08DCA-9889-456D-9E61-346B6482CC8F}" srcOrd="1" destOrd="0" parTransId="{CD8DDBEA-EDB4-4667-B7E8-417DD02EC9DF}" sibTransId="{B072B0CC-9B9A-4E62-93DB-B80E4BBEA298}"/>
-    <dgm:cxn modelId="{33138A2D-BB5E-413D-ACE9-0456A98EED8A}" type="presOf" srcId="{B072B0CC-9B9A-4E62-93DB-B80E4BBEA298}" destId="{AB69BEC0-8296-4D79-8B4D-DB7A3D892A19}" srcOrd="0" destOrd="0" presId="urn:microsoft.com/office/officeart/2005/8/layout/cycle5"/>
-    <dgm:cxn modelId="{BD688D3B-1A81-4A74-91BF-8EB766FA57FB}" type="presOf" srcId="{35305242-E757-421D-BAF2-45B468B325E9}" destId="{2791ACC9-839D-4390-9778-661963D0C19E}" srcOrd="0" destOrd="0" presId="urn:microsoft.com/office/officeart/2005/8/layout/cycle5"/>
-    <dgm:cxn modelId="{B2295D5B-4522-475C-ABE2-F89FB98ABA24}" srcId="{35305242-E757-421D-BAF2-45B468B325E9}" destId="{943DBB35-2D60-4CA2-B62D-E86A5903155C}" srcOrd="2" destOrd="0" parTransId="{828EB966-251A-411B-B5B4-24B4CDA92845}" sibTransId="{0CA6A66E-448E-4344-8665-762578B40DB9}"/>
-    <dgm:cxn modelId="{EB883867-8C80-4BF1-94BE-05ADC620D347}" type="presOf" srcId="{F5D95043-689D-478E-9DCF-79145D74A373}" destId="{6229E11A-BD8F-4F8A-9E9B-01489C72DD44}" srcOrd="0" destOrd="0" presId="urn:microsoft.com/office/officeart/2005/8/layout/cycle5"/>
-    <dgm:cxn modelId="{28CA1569-4A48-40B5-9621-38265996D2B8}" type="presOf" srcId="{943DBB35-2D60-4CA2-B62D-E86A5903155C}" destId="{F4B42199-956C-4331-A5D5-288FFCE16D9D}" srcOrd="0" destOrd="0" presId="urn:microsoft.com/office/officeart/2005/8/layout/cycle5"/>
-    <dgm:cxn modelId="{E00FEF70-93AE-433F-BE20-FA1E3B39FBBA}" type="presOf" srcId="{E9C01E1F-9381-4218-9BCB-964ACD067E5A}" destId="{FFAFAA70-DFC4-41DD-A721-E46A991CD4CF}" srcOrd="0" destOrd="0" presId="urn:microsoft.com/office/officeart/2005/8/layout/cycle5"/>
-    <dgm:cxn modelId="{730B9F74-8CC9-474E-BE9B-4CF3A31DC7DD}" type="presOf" srcId="{899F3441-5998-473E-B363-F6E1896B47B8}" destId="{B14FDCCB-8168-4FF2-8E4D-ED10492710C3}" srcOrd="0" destOrd="0" presId="urn:microsoft.com/office/officeart/2005/8/layout/cycle5"/>
-    <dgm:cxn modelId="{4EE91C7A-C1D9-4235-9066-46F215F0DDCD}" srcId="{35305242-E757-421D-BAF2-45B468B325E9}" destId="{899F3441-5998-473E-B363-F6E1896B47B8}" srcOrd="5" destOrd="0" parTransId="{C75FB8E3-441B-4D5D-8BA9-2E18E04B675A}" sibTransId="{F4170429-8D3F-4969-B91E-AC3A9153E859}"/>
-    <dgm:cxn modelId="{9758237F-A067-4D49-9914-AD5EE995A5B5}" type="presOf" srcId="{1AAF8DAA-7FE7-4DC3-9FA9-BAB5A193E67F}" destId="{14588959-D302-4E7F-B6C8-EB4E855A7744}" srcOrd="0" destOrd="0" presId="urn:microsoft.com/office/officeart/2005/8/layout/cycle5"/>
-    <dgm:cxn modelId="{BE3987B2-F1E0-4CDE-8CFB-8C574F8E7022}" srcId="{35305242-E757-421D-BAF2-45B468B325E9}" destId="{0D6D388D-C498-4788-9FB9-1355F25229E7}" srcOrd="0" destOrd="0" parTransId="{B6F53765-BB1B-4471-BF3C-76300C4F60F4}" sibTransId="{E9C01E1F-9381-4218-9BCB-964ACD067E5A}"/>
-    <dgm:cxn modelId="{9EB9FBBE-362B-4BC0-82E9-49C70E0708AB}" type="presOf" srcId="{CD6DF016-4216-4364-96C6-05726CE2C1DF}" destId="{6D6B942E-1335-4BEB-B49A-3C30485E26C2}" srcOrd="0" destOrd="0" presId="urn:microsoft.com/office/officeart/2005/8/layout/cycle5"/>
-    <dgm:cxn modelId="{EFE2AFD4-8434-4D13-A304-A9981E5C137C}" type="presOf" srcId="{F4170429-8D3F-4969-B91E-AC3A9153E859}" destId="{62F3254E-0DB5-4746-920C-7EFFC84C3055}" srcOrd="0" destOrd="0" presId="urn:microsoft.com/office/officeart/2005/8/layout/cycle5"/>
-    <dgm:cxn modelId="{C8CD27DF-48D9-4D1A-8FCE-4938E4851E01}" srcId="{35305242-E757-421D-BAF2-45B468B325E9}" destId="{F5D95043-689D-478E-9DCF-79145D74A373}" srcOrd="3" destOrd="0" parTransId="{6A51A49F-DFF8-4941-9A4B-530614140811}" sibTransId="{DAF9ED51-E79A-40B2-BFF2-535FAF081D56}"/>
-    <dgm:cxn modelId="{B23B09E7-94E8-4D29-97A4-71D3813C4299}" type="presOf" srcId="{0D6D388D-C498-4788-9FB9-1355F25229E7}" destId="{58B9514E-A927-4294-9ED4-5204981A04BA}" srcOrd="0" destOrd="0" presId="urn:microsoft.com/office/officeart/2005/8/layout/cycle5"/>
-    <dgm:cxn modelId="{509AD1F0-FD38-47C8-A570-3F9F501B7457}" type="presOf" srcId="{0CA6A66E-448E-4344-8665-762578B40DB9}" destId="{C159BF99-BD07-4B95-8A2A-D194A7218805}" srcOrd="0" destOrd="0" presId="urn:microsoft.com/office/officeart/2005/8/layout/cycle5"/>
-    <dgm:cxn modelId="{6C06A5F5-F8C9-45D8-9120-38C367953ECD}" srcId="{35305242-E757-421D-BAF2-45B468B325E9}" destId="{1AAF8DAA-7FE7-4DC3-9FA9-BAB5A193E67F}" srcOrd="4" destOrd="0" parTransId="{2D089053-4A6A-4EF4-A57F-70BE7ED4C760}" sibTransId="{CD6DF016-4216-4364-96C6-05726CE2C1DF}"/>
-    <dgm:cxn modelId="{200005FB-9491-49C9-8E3F-4D58F42165C2}" type="presOf" srcId="{E5B08DCA-9889-456D-9E61-346B6482CC8F}" destId="{FFC3AABA-57E9-4119-BBC3-F94F75C20B7F}" srcOrd="0" destOrd="0" presId="urn:microsoft.com/office/officeart/2005/8/layout/cycle5"/>
-    <dgm:cxn modelId="{169CD9A2-C6C9-4862-AE25-6DD7B31590DE}" type="presParOf" srcId="{2791ACC9-839D-4390-9778-661963D0C19E}" destId="{58B9514E-A927-4294-9ED4-5204981A04BA}" srcOrd="0" destOrd="0" presId="urn:microsoft.com/office/officeart/2005/8/layout/cycle5"/>
-    <dgm:cxn modelId="{D8BFF1A6-37AF-4A33-94BF-4BF4DE0C8B52}" type="presParOf" srcId="{2791ACC9-839D-4390-9778-661963D0C19E}" destId="{6B147270-2AC8-4609-8D19-8399E0A07558}" srcOrd="1" destOrd="0" presId="urn:microsoft.com/office/officeart/2005/8/layout/cycle5"/>
-    <dgm:cxn modelId="{A190D987-27DA-4DC8-B870-695CB327B538}" type="presParOf" srcId="{2791ACC9-839D-4390-9778-661963D0C19E}" destId="{FFAFAA70-DFC4-41DD-A721-E46A991CD4CF}" srcOrd="2" destOrd="0" presId="urn:microsoft.com/office/officeart/2005/8/layout/cycle5"/>
-    <dgm:cxn modelId="{D6FEB55F-057D-4102-87B0-ED607C7913E1}" type="presParOf" srcId="{2791ACC9-839D-4390-9778-661963D0C19E}" destId="{FFC3AABA-57E9-4119-BBC3-F94F75C20B7F}" srcOrd="3" destOrd="0" presId="urn:microsoft.com/office/officeart/2005/8/layout/cycle5"/>
-    <dgm:cxn modelId="{84E27AEF-1193-4E44-B0D3-849BFF5140CD}" type="presParOf" srcId="{2791ACC9-839D-4390-9778-661963D0C19E}" destId="{07CE22B9-08D1-468D-B226-BA2DF1262DC1}" srcOrd="4" destOrd="0" presId="urn:microsoft.com/office/officeart/2005/8/layout/cycle5"/>
-    <dgm:cxn modelId="{4BC3EA0B-64BE-4AC7-A079-AAFDE5B06693}" type="presParOf" srcId="{2791ACC9-839D-4390-9778-661963D0C19E}" destId="{AB69BEC0-8296-4D79-8B4D-DB7A3D892A19}" srcOrd="5" destOrd="0" presId="urn:microsoft.com/office/officeart/2005/8/layout/cycle5"/>
-    <dgm:cxn modelId="{756540AC-D92E-4702-B3B0-717F04EFEDD1}" type="presParOf" srcId="{2791ACC9-839D-4390-9778-661963D0C19E}" destId="{F4B42199-956C-4331-A5D5-288FFCE16D9D}" srcOrd="6" destOrd="0" presId="urn:microsoft.com/office/officeart/2005/8/layout/cycle5"/>
-    <dgm:cxn modelId="{0DF74DA8-D79E-4F73-92FD-B8433006FD5F}" type="presParOf" srcId="{2791ACC9-839D-4390-9778-661963D0C19E}" destId="{3359BA0B-045A-4EE0-8C08-F2DECADAFDD0}" srcOrd="7" destOrd="0" presId="urn:microsoft.com/office/officeart/2005/8/layout/cycle5"/>
-    <dgm:cxn modelId="{8890863F-8C77-4C6F-BD04-D65BBBDDCC78}" type="presParOf" srcId="{2791ACC9-839D-4390-9778-661963D0C19E}" destId="{C159BF99-BD07-4B95-8A2A-D194A7218805}" srcOrd="8" destOrd="0" presId="urn:microsoft.com/office/officeart/2005/8/layout/cycle5"/>
-    <dgm:cxn modelId="{33458729-1C72-4B0E-B6F6-C48D825D873A}" type="presParOf" srcId="{2791ACC9-839D-4390-9778-661963D0C19E}" destId="{6229E11A-BD8F-4F8A-9E9B-01489C72DD44}" srcOrd="9" destOrd="0" presId="urn:microsoft.com/office/officeart/2005/8/layout/cycle5"/>
-    <dgm:cxn modelId="{7D4CD2A9-5D7A-462A-9CFB-47ED9E54C38F}" type="presParOf" srcId="{2791ACC9-839D-4390-9778-661963D0C19E}" destId="{BE741CC4-FC56-413E-983D-FC466FAF8513}" srcOrd="10" destOrd="0" presId="urn:microsoft.com/office/officeart/2005/8/layout/cycle5"/>
-    <dgm:cxn modelId="{B672BF79-6A24-4C7B-9273-D2E6604DE73B}" type="presParOf" srcId="{2791ACC9-839D-4390-9778-661963D0C19E}" destId="{0221D519-0CFD-49D5-BC99-48CB878A440E}" srcOrd="11" destOrd="0" presId="urn:microsoft.com/office/officeart/2005/8/layout/cycle5"/>
-    <dgm:cxn modelId="{CF4E03B1-D75C-44E3-9930-BA94072DCB82}" type="presParOf" srcId="{2791ACC9-839D-4390-9778-661963D0C19E}" destId="{14588959-D302-4E7F-B6C8-EB4E855A7744}" srcOrd="12" destOrd="0" presId="urn:microsoft.com/office/officeart/2005/8/layout/cycle5"/>
-    <dgm:cxn modelId="{C6A40CBB-D649-46AF-B45C-DF46105F69EA}" type="presParOf" srcId="{2791ACC9-839D-4390-9778-661963D0C19E}" destId="{86991239-61AC-483A-99C8-DA35D443711D}" srcOrd="13" destOrd="0" presId="urn:microsoft.com/office/officeart/2005/8/layout/cycle5"/>
-    <dgm:cxn modelId="{05F130D2-ADB8-4EBA-BA09-68508226630F}" type="presParOf" srcId="{2791ACC9-839D-4390-9778-661963D0C19E}" destId="{6D6B942E-1335-4BEB-B49A-3C30485E26C2}" srcOrd="14" destOrd="0" presId="urn:microsoft.com/office/officeart/2005/8/layout/cycle5"/>
-    <dgm:cxn modelId="{C54230F6-8C25-4ADB-AB34-64DEECE62EE1}" type="presParOf" srcId="{2791ACC9-839D-4390-9778-661963D0C19E}" destId="{B14FDCCB-8168-4FF2-8E4D-ED10492710C3}" srcOrd="15" destOrd="0" presId="urn:microsoft.com/office/officeart/2005/8/layout/cycle5"/>
-    <dgm:cxn modelId="{5ADE2605-0488-4101-B22E-B14B81E4AA63}" type="presParOf" srcId="{2791ACC9-839D-4390-9778-661963D0C19E}" destId="{5E0586B0-98E1-4D7B-80E4-758DE8082D62}" srcOrd="16" destOrd="0" presId="urn:microsoft.com/office/officeart/2005/8/layout/cycle5"/>
-    <dgm:cxn modelId="{89C00879-5757-4C55-A77B-227C0D229EFC}" type="presParOf" srcId="{2791ACC9-839D-4390-9778-661963D0C19E}" destId="{62F3254E-0DB5-4746-920C-7EFFC84C3055}" srcOrd="17" destOrd="0" presId="urn:microsoft.com/office/officeart/2005/8/layout/cycle5"/>
-  </dgm:cxnLst>
-  <dgm:bg/>
-  <dgm:whole>
-    <a:ln>
-      <a:noFill/>
-    </a:ln>
-  </dgm:whole>
-  <dgm:extLst>
-    <a:ext uri="http://schemas.microsoft.com/office/drawing/2008/diagram">
-      <dsp:dataModelExt xmlns:dsp="http://schemas.microsoft.com/office/drawing/2008/diagram" relId="rId7" minVer="http://schemas.openxmlformats.org/drawingml/2006/diagram"/>
-    </a:ext>
-  </dgm:extLst>
-</dgm:dataModel>
-</file>
-
-<file path=ppt/diagrams/data2.xml><?xml version="1.0" encoding="utf-8"?>
-<dgm:dataModel xmlns:dgm="http://schemas.openxmlformats.org/drawingml/2006/diagram" xmlns:a="http://schemas.openxmlformats.org/drawingml/2006/main">
-  <dgm:ptLst>
-    <dgm:pt modelId="{35305242-E757-421D-BAF2-45B468B325E9}" type="doc">
-      <dgm:prSet loTypeId="urn:microsoft.com/office/officeart/2005/8/layout/cycle5" loCatId="cycle" qsTypeId="urn:microsoft.com/office/officeart/2005/8/quickstyle/3d5" qsCatId="3D" csTypeId="urn:microsoft.com/office/officeart/2005/8/colors/accent1_2" csCatId="accent1" phldr="1"/>
+    <dgm:pt modelId="{87D40DE3-7F2C-274F-980A-D19F0BA906DB}" type="sibTrans" cxnId="{F544D301-5323-D146-BC57-29AE727304DB}">
+      <dgm:prSet/>
       <dgm:spPr/>
       <dgm:t>
         <a:bodyPr/>
@@ -2157,539 +1012,74 @@
         </a:p>
       </dgm:t>
     </dgm:pt>
-    <dgm:pt modelId="{E5B08DCA-9889-456D-9E61-346B6482CC8F}">
-      <dgm:prSet phldrT="[텍스트]"/>
-      <dgm:spPr>
-        <a:solidFill>
-          <a:srgbClr val="02305A"/>
-        </a:solidFill>
-      </dgm:spPr>
-      <dgm:t>
-        <a:bodyPr/>
-        <a:lstStyle/>
-        <a:p>
-          <a:pPr latinLnBrk="1"/>
-          <a:r>
-            <a:rPr lang="en-US" altLang="ko-KR" dirty="0" err="1">
-              <a:latin typeface="Palatino Linotype" panose="02040502050505030304" pitchFamily="18" charset="0"/>
-            </a:rPr>
-            <a:t>Datenbeschaffung</a:t>
-          </a:r>
-          <a:endParaRPr lang="ko-KR" altLang="en-US" dirty="0">
-            <a:latin typeface="Palatino Linotype" panose="02040502050505030304" pitchFamily="18" charset="0"/>
-          </a:endParaRPr>
-        </a:p>
-      </dgm:t>
-    </dgm:pt>
-    <dgm:pt modelId="{CD8DDBEA-EDB4-4667-B7E8-417DD02EC9DF}" type="parTrans" cxnId="{B062EC1E-C72D-418F-8E79-23B9F34B0200}">
-      <dgm:prSet/>
-      <dgm:spPr/>
-      <dgm:t>
-        <a:bodyPr/>
-        <a:lstStyle/>
-        <a:p>
-          <a:pPr latinLnBrk="1"/>
-          <a:endParaRPr lang="ko-KR" altLang="en-US">
-            <a:latin typeface="Palatino Linotype" panose="02040502050505030304" pitchFamily="18" charset="0"/>
-          </a:endParaRPr>
-        </a:p>
-      </dgm:t>
-    </dgm:pt>
-    <dgm:pt modelId="{B072B0CC-9B9A-4E62-93DB-B80E4BBEA298}" type="sibTrans" cxnId="{B062EC1E-C72D-418F-8E79-23B9F34B0200}">
-      <dgm:prSet/>
-      <dgm:spPr>
-        <a:ln w="31750">
-          <a:solidFill>
-            <a:srgbClr val="02305A"/>
-          </a:solidFill>
-        </a:ln>
-      </dgm:spPr>
-      <dgm:t>
-        <a:bodyPr/>
-        <a:lstStyle/>
-        <a:p>
-          <a:pPr latinLnBrk="1"/>
-          <a:endParaRPr lang="ko-KR" altLang="en-US">
-            <a:latin typeface="Palatino Linotype" panose="02040502050505030304" pitchFamily="18" charset="0"/>
-          </a:endParaRPr>
-        </a:p>
-      </dgm:t>
-    </dgm:pt>
-    <dgm:pt modelId="{943DBB35-2D60-4CA2-B62D-E86A5903155C}">
-      <dgm:prSet phldrT="[텍스트]"/>
-      <dgm:spPr>
-        <a:solidFill>
-          <a:srgbClr val="02305A"/>
-        </a:solidFill>
-      </dgm:spPr>
-      <dgm:t>
-        <a:bodyPr/>
-        <a:lstStyle/>
-        <a:p>
-          <a:pPr latinLnBrk="1"/>
-          <a:r>
-            <a:rPr lang="en-US" altLang="ko-KR" dirty="0" err="1">
-              <a:latin typeface="Palatino Linotype" panose="02040502050505030304" pitchFamily="18" charset="0"/>
-            </a:rPr>
-            <a:t>Inspektion</a:t>
-          </a:r>
-          <a:r>
-            <a:rPr lang="en-US" altLang="ko-KR" dirty="0">
-              <a:latin typeface="Palatino Linotype" panose="02040502050505030304" pitchFamily="18" charset="0"/>
-            </a:rPr>
-            <a:t> und </a:t>
-          </a:r>
-          <a:r>
-            <a:rPr lang="en-US" altLang="ko-KR" dirty="0" err="1">
-              <a:latin typeface="Palatino Linotype" panose="02040502050505030304" pitchFamily="18" charset="0"/>
-            </a:rPr>
-            <a:t>Erkundung</a:t>
-          </a:r>
-          <a:endParaRPr lang="ko-KR" altLang="en-US" dirty="0">
-            <a:latin typeface="Palatino Linotype" panose="02040502050505030304" pitchFamily="18" charset="0"/>
-          </a:endParaRPr>
-        </a:p>
-      </dgm:t>
-    </dgm:pt>
-    <dgm:pt modelId="{828EB966-251A-411B-B5B4-24B4CDA92845}" type="parTrans" cxnId="{B2295D5B-4522-475C-ABE2-F89FB98ABA24}">
-      <dgm:prSet/>
-      <dgm:spPr/>
-      <dgm:t>
-        <a:bodyPr/>
-        <a:lstStyle/>
-        <a:p>
-          <a:pPr latinLnBrk="1"/>
-          <a:endParaRPr lang="ko-KR" altLang="en-US">
-            <a:latin typeface="Palatino Linotype" panose="02040502050505030304" pitchFamily="18" charset="0"/>
-          </a:endParaRPr>
-        </a:p>
-      </dgm:t>
-    </dgm:pt>
-    <dgm:pt modelId="{0CA6A66E-448E-4344-8665-762578B40DB9}" type="sibTrans" cxnId="{B2295D5B-4522-475C-ABE2-F89FB98ABA24}">
-      <dgm:prSet/>
-      <dgm:spPr>
-        <a:ln w="31750">
-          <a:solidFill>
-            <a:srgbClr val="02305A"/>
-          </a:solidFill>
-        </a:ln>
-      </dgm:spPr>
-      <dgm:t>
-        <a:bodyPr/>
-        <a:lstStyle/>
-        <a:p>
-          <a:pPr latinLnBrk="1"/>
-          <a:endParaRPr lang="ko-KR" altLang="en-US">
-            <a:latin typeface="Palatino Linotype" panose="02040502050505030304" pitchFamily="18" charset="0"/>
-          </a:endParaRPr>
-        </a:p>
-      </dgm:t>
-    </dgm:pt>
-    <dgm:pt modelId="{F5D95043-689D-478E-9DCF-79145D74A373}">
-      <dgm:prSet phldrT="[텍스트]"/>
-      <dgm:spPr>
-        <a:solidFill>
-          <a:srgbClr val="02305A"/>
-        </a:solidFill>
-      </dgm:spPr>
-      <dgm:t>
-        <a:bodyPr/>
-        <a:lstStyle/>
-        <a:p>
-          <a:pPr latinLnBrk="1"/>
-          <a:r>
-            <a:rPr lang="en-US" altLang="ko-KR" dirty="0" err="1">
-              <a:latin typeface="Palatino Linotype" panose="02040502050505030304" pitchFamily="18" charset="0"/>
-            </a:rPr>
-            <a:t>Vorverarbeitung</a:t>
-          </a:r>
-          <a:r>
-            <a:rPr lang="en-US" altLang="ko-KR" dirty="0">
-              <a:latin typeface="Palatino Linotype" panose="02040502050505030304" pitchFamily="18" charset="0"/>
-            </a:rPr>
-            <a:t> und </a:t>
-          </a:r>
-          <a:r>
-            <a:rPr lang="en-US" altLang="ko-KR" dirty="0" err="1">
-              <a:latin typeface="Palatino Linotype" panose="02040502050505030304" pitchFamily="18" charset="0"/>
-            </a:rPr>
-            <a:t>Bereinigung</a:t>
-          </a:r>
-          <a:endParaRPr lang="ko-KR" altLang="en-US" dirty="0">
-            <a:latin typeface="Palatino Linotype" panose="02040502050505030304" pitchFamily="18" charset="0"/>
-          </a:endParaRPr>
-        </a:p>
-      </dgm:t>
-    </dgm:pt>
-    <dgm:pt modelId="{6A51A49F-DFF8-4941-9A4B-530614140811}" type="parTrans" cxnId="{C8CD27DF-48D9-4D1A-8FCE-4938E4851E01}">
-      <dgm:prSet/>
-      <dgm:spPr/>
-      <dgm:t>
-        <a:bodyPr/>
-        <a:lstStyle/>
-        <a:p>
-          <a:pPr latinLnBrk="1"/>
-          <a:endParaRPr lang="ko-KR" altLang="en-US">
-            <a:latin typeface="Palatino Linotype" panose="02040502050505030304" pitchFamily="18" charset="0"/>
-          </a:endParaRPr>
-        </a:p>
-      </dgm:t>
-    </dgm:pt>
-    <dgm:pt modelId="{DAF9ED51-E79A-40B2-BFF2-535FAF081D56}" type="sibTrans" cxnId="{C8CD27DF-48D9-4D1A-8FCE-4938E4851E01}">
-      <dgm:prSet/>
-      <dgm:spPr>
-        <a:ln w="31750">
-          <a:solidFill>
-            <a:srgbClr val="02305A"/>
-          </a:solidFill>
-        </a:ln>
-      </dgm:spPr>
-      <dgm:t>
-        <a:bodyPr/>
-        <a:lstStyle/>
-        <a:p>
-          <a:pPr latinLnBrk="1"/>
-          <a:endParaRPr lang="ko-KR" altLang="en-US">
-            <a:latin typeface="Palatino Linotype" panose="02040502050505030304" pitchFamily="18" charset="0"/>
-          </a:endParaRPr>
-        </a:p>
-      </dgm:t>
-    </dgm:pt>
-    <dgm:pt modelId="{1D200A8A-9290-4098-B108-D85A6A3686B3}">
-      <dgm:prSet phldrT="[텍스트]"/>
-      <dgm:spPr>
-        <a:solidFill>
-          <a:srgbClr val="02305A"/>
-        </a:solidFill>
-      </dgm:spPr>
-      <dgm:t>
-        <a:bodyPr/>
-        <a:lstStyle/>
-        <a:p>
-          <a:pPr latinLnBrk="1"/>
-          <a:r>
-            <a:rPr lang="en-US" altLang="ko-KR" dirty="0" err="1">
-              <a:latin typeface="Palatino Linotype" panose="02040502050505030304" pitchFamily="18" charset="0"/>
-            </a:rPr>
-            <a:t>Modellierung</a:t>
-          </a:r>
-          <a:r>
-            <a:rPr lang="en-US" altLang="ko-KR" dirty="0">
-              <a:latin typeface="Palatino Linotype" panose="02040502050505030304" pitchFamily="18" charset="0"/>
-            </a:rPr>
-            <a:t> und Training</a:t>
-          </a:r>
-          <a:endParaRPr lang="ko-KR" altLang="en-US" dirty="0">
-            <a:latin typeface="Palatino Linotype" panose="02040502050505030304" pitchFamily="18" charset="0"/>
-          </a:endParaRPr>
-        </a:p>
-      </dgm:t>
-    </dgm:pt>
-    <dgm:pt modelId="{05926FB4-0148-454F-8EDE-4A287AA53285}" type="parTrans" cxnId="{A0F45D4A-AD12-4F6A-A650-2234E73FCF48}">
-      <dgm:prSet/>
-      <dgm:spPr/>
-      <dgm:t>
-        <a:bodyPr/>
-        <a:lstStyle/>
-        <a:p>
-          <a:pPr latinLnBrk="1"/>
-          <a:endParaRPr lang="ko-KR" altLang="en-US">
-            <a:latin typeface="Palatino Linotype" panose="02040502050505030304" pitchFamily="18" charset="0"/>
-          </a:endParaRPr>
-        </a:p>
-      </dgm:t>
-    </dgm:pt>
-    <dgm:pt modelId="{6FA6D2BD-F96B-4F63-B50C-72841BD322CF}" type="sibTrans" cxnId="{A0F45D4A-AD12-4F6A-A650-2234E73FCF48}">
-      <dgm:prSet/>
-      <dgm:spPr>
-        <a:ln w="31750">
-          <a:solidFill>
-            <a:srgbClr val="02305A"/>
-          </a:solidFill>
-        </a:ln>
-      </dgm:spPr>
-      <dgm:t>
-        <a:bodyPr/>
-        <a:lstStyle/>
-        <a:p>
-          <a:pPr latinLnBrk="1"/>
-          <a:endParaRPr lang="ko-KR" altLang="en-US">
-            <a:latin typeface="Palatino Linotype" panose="02040502050505030304" pitchFamily="18" charset="0"/>
-          </a:endParaRPr>
-        </a:p>
-      </dgm:t>
-    </dgm:pt>
-    <dgm:pt modelId="{644997BA-8EC5-47D7-89C6-4327BA742021}">
-      <dgm:prSet phldrT="[텍스트]"/>
-      <dgm:spPr>
-        <a:solidFill>
-          <a:srgbClr val="02305A"/>
-        </a:solidFill>
-      </dgm:spPr>
-      <dgm:t>
-        <a:bodyPr/>
-        <a:lstStyle/>
-        <a:p>
-          <a:pPr latinLnBrk="1"/>
-          <a:r>
-            <a:rPr lang="en-US" altLang="ko-KR" dirty="0">
-              <a:latin typeface="Palatino Linotype" panose="02040502050505030304" pitchFamily="18" charset="0"/>
-            </a:rPr>
-            <a:t>Evaluation</a:t>
-          </a:r>
-          <a:endParaRPr lang="ko-KR" altLang="en-US" dirty="0">
-            <a:latin typeface="Palatino Linotype" panose="02040502050505030304" pitchFamily="18" charset="0"/>
-          </a:endParaRPr>
-        </a:p>
-      </dgm:t>
-    </dgm:pt>
-    <dgm:pt modelId="{CB74BFEB-D6CA-4B6D-9BD3-83DDB9C07422}" type="parTrans" cxnId="{B170C329-42E4-4EB8-BC25-435BC73B7CC5}">
-      <dgm:prSet/>
-      <dgm:spPr/>
-      <dgm:t>
-        <a:bodyPr/>
-        <a:lstStyle/>
-        <a:p>
-          <a:pPr latinLnBrk="1"/>
-          <a:endParaRPr lang="ko-KR" altLang="en-US">
-            <a:latin typeface="Palatino Linotype" panose="02040502050505030304" pitchFamily="18" charset="0"/>
-          </a:endParaRPr>
-        </a:p>
-      </dgm:t>
-    </dgm:pt>
-    <dgm:pt modelId="{49A5E209-A81F-48D1-B516-7A5A647DFB3D}" type="sibTrans" cxnId="{B170C329-42E4-4EB8-BC25-435BC73B7CC5}">
-      <dgm:prSet/>
-      <dgm:spPr>
-        <a:ln w="31750">
-          <a:solidFill>
-            <a:srgbClr val="02305A"/>
-          </a:solidFill>
-        </a:ln>
-      </dgm:spPr>
-      <dgm:t>
-        <a:bodyPr/>
-        <a:lstStyle/>
-        <a:p>
-          <a:pPr latinLnBrk="1"/>
-          <a:endParaRPr lang="ko-KR" altLang="en-US">
-            <a:latin typeface="Palatino Linotype" panose="02040502050505030304" pitchFamily="18" charset="0"/>
-          </a:endParaRPr>
-        </a:p>
-      </dgm:t>
-    </dgm:pt>
-    <dgm:pt modelId="{05BD9468-C5A9-4679-9A7A-7638A3950E36}">
-      <dgm:prSet phldrT="[텍스트]"/>
-      <dgm:spPr>
-        <a:solidFill>
-          <a:srgbClr val="02305A"/>
-        </a:solidFill>
-      </dgm:spPr>
-      <dgm:t>
-        <a:bodyPr/>
-        <a:lstStyle/>
-        <a:p>
-          <a:pPr latinLnBrk="1"/>
-          <a:r>
-            <a:rPr lang="en-US" altLang="ko-KR" dirty="0" err="1">
-              <a:latin typeface="Palatino Linotype" panose="02040502050505030304" pitchFamily="18" charset="0"/>
-            </a:rPr>
-            <a:t>Bereitstellung</a:t>
-          </a:r>
-          <a:endParaRPr lang="ko-KR" altLang="en-US" dirty="0">
-            <a:latin typeface="Palatino Linotype" panose="02040502050505030304" pitchFamily="18" charset="0"/>
-          </a:endParaRPr>
-        </a:p>
-      </dgm:t>
-    </dgm:pt>
-    <dgm:pt modelId="{53DCF15C-0C88-443B-BC9E-E641CE62AF27}" type="parTrans" cxnId="{34854B60-8B20-4E5E-91A0-8641F29AA65C}">
-      <dgm:prSet/>
-      <dgm:spPr/>
-      <dgm:t>
-        <a:bodyPr/>
-        <a:lstStyle/>
-        <a:p>
-          <a:pPr latinLnBrk="1"/>
-          <a:endParaRPr lang="ko-KR" altLang="en-US">
-            <a:latin typeface="Palatino Linotype" panose="02040502050505030304" pitchFamily="18" charset="0"/>
-          </a:endParaRPr>
-        </a:p>
-      </dgm:t>
-    </dgm:pt>
-    <dgm:pt modelId="{AAFCD113-FA77-4480-9B6C-0FA7148F9CC2}" type="sibTrans" cxnId="{34854B60-8B20-4E5E-91A0-8641F29AA65C}">
-      <dgm:prSet/>
-      <dgm:spPr>
-        <a:ln w="31750">
-          <a:solidFill>
-            <a:srgbClr val="02305A"/>
-          </a:solidFill>
-          <a:prstDash val="dash"/>
-        </a:ln>
-      </dgm:spPr>
-      <dgm:t>
-        <a:bodyPr/>
-        <a:lstStyle/>
-        <a:p>
-          <a:pPr latinLnBrk="1"/>
-          <a:endParaRPr lang="ko-KR" altLang="en-US">
-            <a:latin typeface="Palatino Linotype" panose="02040502050505030304" pitchFamily="18" charset="0"/>
-          </a:endParaRPr>
-        </a:p>
-      </dgm:t>
-    </dgm:pt>
-    <dgm:pt modelId="{2791ACC9-839D-4390-9778-661963D0C19E}" type="pres">
-      <dgm:prSet presAssocID="{35305242-E757-421D-BAF2-45B468B325E9}" presName="cycle" presStyleCnt="0">
+    <dgm:pt modelId="{89DE4DB9-7D87-8748-9434-2F7DFBAC7FF9}" type="pres">
+      <dgm:prSet presAssocID="{DF2F1D5C-668D-F94C-A065-3CEE40D2FF1D}" presName="Name0" presStyleCnt="0">
         <dgm:presLayoutVars>
           <dgm:dir/>
+          <dgm:animLvl val="lvl"/>
           <dgm:resizeHandles val="exact"/>
         </dgm:presLayoutVars>
       </dgm:prSet>
       <dgm:spPr/>
     </dgm:pt>
-    <dgm:pt modelId="{FFC3AABA-57E9-4119-BBC3-F94F75C20B7F}" type="pres">
-      <dgm:prSet presAssocID="{E5B08DCA-9889-456D-9E61-346B6482CC8F}" presName="node" presStyleLbl="node1" presStyleIdx="0" presStyleCnt="6">
+    <dgm:pt modelId="{9FE66D5B-0C6F-3948-AC95-6ACB228B1AC0}" type="pres">
+      <dgm:prSet presAssocID="{C6A1D55D-8F7A-DB44-BE35-4D3A748B4FA1}" presName="parTxOnly" presStyleLbl="node1" presStyleIdx="0" presStyleCnt="3">
         <dgm:presLayoutVars>
+          <dgm:chMax val="0"/>
+          <dgm:chPref val="0"/>
           <dgm:bulletEnabled val="1"/>
         </dgm:presLayoutVars>
       </dgm:prSet>
       <dgm:spPr/>
     </dgm:pt>
-    <dgm:pt modelId="{07CE22B9-08D1-468D-B226-BA2DF1262DC1}" type="pres">
-      <dgm:prSet presAssocID="{E5B08DCA-9889-456D-9E61-346B6482CC8F}" presName="spNode" presStyleCnt="0"/>
+    <dgm:pt modelId="{C941874D-E4D2-A145-9CF3-308BFF4B3104}" type="pres">
+      <dgm:prSet presAssocID="{8C002892-EAB3-364B-9616-AB7A4CE626F5}" presName="parTxOnlySpace" presStyleCnt="0"/>
       <dgm:spPr/>
     </dgm:pt>
-    <dgm:pt modelId="{AB69BEC0-8296-4D79-8B4D-DB7A3D892A19}" type="pres">
-      <dgm:prSet presAssocID="{B072B0CC-9B9A-4E62-93DB-B80E4BBEA298}" presName="sibTrans" presStyleLbl="sibTrans1D1" presStyleIdx="0" presStyleCnt="6"/>
-      <dgm:spPr/>
-    </dgm:pt>
-    <dgm:pt modelId="{F4B42199-956C-4331-A5D5-288FFCE16D9D}" type="pres">
-      <dgm:prSet presAssocID="{943DBB35-2D60-4CA2-B62D-E86A5903155C}" presName="node" presStyleLbl="node1" presStyleIdx="1" presStyleCnt="6">
+    <dgm:pt modelId="{50094A88-C3A3-EF4F-9CE9-F25AB8FF13D9}" type="pres">
+      <dgm:prSet presAssocID="{2164DF4A-BA9E-134A-993A-EE6146D9357C}" presName="parTxOnly" presStyleLbl="node1" presStyleIdx="1" presStyleCnt="3">
         <dgm:presLayoutVars>
+          <dgm:chMax val="0"/>
+          <dgm:chPref val="0"/>
           <dgm:bulletEnabled val="1"/>
         </dgm:presLayoutVars>
       </dgm:prSet>
       <dgm:spPr/>
     </dgm:pt>
-    <dgm:pt modelId="{3359BA0B-045A-4EE0-8C08-F2DECADAFDD0}" type="pres">
-      <dgm:prSet presAssocID="{943DBB35-2D60-4CA2-B62D-E86A5903155C}" presName="spNode" presStyleCnt="0"/>
+    <dgm:pt modelId="{794B932A-5138-094A-A5B4-9ECD88530DC7}" type="pres">
+      <dgm:prSet presAssocID="{552DCDF6-7D1C-D848-8D3C-528AA1145A39}" presName="parTxOnlySpace" presStyleCnt="0"/>
       <dgm:spPr/>
     </dgm:pt>
-    <dgm:pt modelId="{C159BF99-BD07-4B95-8A2A-D194A7218805}" type="pres">
-      <dgm:prSet presAssocID="{0CA6A66E-448E-4344-8665-762578B40DB9}" presName="sibTrans" presStyleLbl="sibTrans1D1" presStyleIdx="1" presStyleCnt="6"/>
-      <dgm:spPr/>
-    </dgm:pt>
-    <dgm:pt modelId="{6229E11A-BD8F-4F8A-9E9B-01489C72DD44}" type="pres">
-      <dgm:prSet presAssocID="{F5D95043-689D-478E-9DCF-79145D74A373}" presName="node" presStyleLbl="node1" presStyleIdx="2" presStyleCnt="6">
+    <dgm:pt modelId="{766F0C04-25AE-3246-84B0-58671BF52B0F}" type="pres">
+      <dgm:prSet presAssocID="{760C26BF-B032-D042-8772-A8D040DE1C30}" presName="parTxOnly" presStyleLbl="node1" presStyleIdx="2" presStyleCnt="3">
         <dgm:presLayoutVars>
+          <dgm:chMax val="0"/>
+          <dgm:chPref val="0"/>
           <dgm:bulletEnabled val="1"/>
         </dgm:presLayoutVars>
       </dgm:prSet>
       <dgm:spPr/>
     </dgm:pt>
-    <dgm:pt modelId="{BE741CC4-FC56-413E-983D-FC466FAF8513}" type="pres">
-      <dgm:prSet presAssocID="{F5D95043-689D-478E-9DCF-79145D74A373}" presName="spNode" presStyleCnt="0"/>
-      <dgm:spPr/>
-    </dgm:pt>
-    <dgm:pt modelId="{0221D519-0CFD-49D5-BC99-48CB878A440E}" type="pres">
-      <dgm:prSet presAssocID="{DAF9ED51-E79A-40B2-BFF2-535FAF081D56}" presName="sibTrans" presStyleLbl="sibTrans1D1" presStyleIdx="2" presStyleCnt="6"/>
-      <dgm:spPr/>
-    </dgm:pt>
-    <dgm:pt modelId="{AB5D372E-2FFE-41FC-AE98-A72B3E11EE33}" type="pres">
-      <dgm:prSet presAssocID="{1D200A8A-9290-4098-B108-D85A6A3686B3}" presName="node" presStyleLbl="node1" presStyleIdx="3" presStyleCnt="6">
-        <dgm:presLayoutVars>
-          <dgm:bulletEnabled val="1"/>
-        </dgm:presLayoutVars>
-      </dgm:prSet>
-      <dgm:spPr/>
-    </dgm:pt>
-    <dgm:pt modelId="{C004A9B1-90DF-4C5E-B897-B4978DD57584}" type="pres">
-      <dgm:prSet presAssocID="{1D200A8A-9290-4098-B108-D85A6A3686B3}" presName="spNode" presStyleCnt="0"/>
-      <dgm:spPr/>
-    </dgm:pt>
-    <dgm:pt modelId="{D9D73B21-DA7C-4588-8386-F3AE54FCB942}" type="pres">
-      <dgm:prSet presAssocID="{6FA6D2BD-F96B-4F63-B50C-72841BD322CF}" presName="sibTrans" presStyleLbl="sibTrans1D1" presStyleIdx="3" presStyleCnt="6"/>
-      <dgm:spPr/>
-    </dgm:pt>
-    <dgm:pt modelId="{759280D0-A7DA-4338-AB52-9B8E3A59B047}" type="pres">
-      <dgm:prSet presAssocID="{644997BA-8EC5-47D7-89C6-4327BA742021}" presName="node" presStyleLbl="node1" presStyleIdx="4" presStyleCnt="6">
-        <dgm:presLayoutVars>
-          <dgm:bulletEnabled val="1"/>
-        </dgm:presLayoutVars>
-      </dgm:prSet>
-      <dgm:spPr/>
-    </dgm:pt>
-    <dgm:pt modelId="{0918E3B3-ABE0-457F-B9FC-F7BEE44D05EB}" type="pres">
-      <dgm:prSet presAssocID="{644997BA-8EC5-47D7-89C6-4327BA742021}" presName="spNode" presStyleCnt="0"/>
-      <dgm:spPr/>
-    </dgm:pt>
-    <dgm:pt modelId="{9BBE3379-52E1-40EA-9B00-1AE573351B0D}" type="pres">
-      <dgm:prSet presAssocID="{49A5E209-A81F-48D1-B516-7A5A647DFB3D}" presName="sibTrans" presStyleLbl="sibTrans1D1" presStyleIdx="4" presStyleCnt="6"/>
-      <dgm:spPr/>
-    </dgm:pt>
-    <dgm:pt modelId="{AC1BDEDB-8721-4AB1-A5AA-95E1A8492529}" type="pres">
-      <dgm:prSet presAssocID="{05BD9468-C5A9-4679-9A7A-7638A3950E36}" presName="node" presStyleLbl="node1" presStyleIdx="5" presStyleCnt="6">
-        <dgm:presLayoutVars>
-          <dgm:bulletEnabled val="1"/>
-        </dgm:presLayoutVars>
-      </dgm:prSet>
-      <dgm:spPr/>
-    </dgm:pt>
-    <dgm:pt modelId="{02344566-566B-4FAF-A374-EA464C70AB52}" type="pres">
-      <dgm:prSet presAssocID="{05BD9468-C5A9-4679-9A7A-7638A3950E36}" presName="spNode" presStyleCnt="0"/>
-      <dgm:spPr/>
-    </dgm:pt>
-    <dgm:pt modelId="{E86061B7-3097-4D3B-ADDA-DB94833CB3C9}" type="pres">
-      <dgm:prSet presAssocID="{AAFCD113-FA77-4480-9B6C-0FA7148F9CC2}" presName="sibTrans" presStyleLbl="sibTrans1D1" presStyleIdx="5" presStyleCnt="6"/>
-      <dgm:spPr/>
-    </dgm:pt>
   </dgm:ptLst>
   <dgm:cxnLst>
-    <dgm:cxn modelId="{3B71F216-BE0B-47A5-8C1D-0B102150A688}" type="presOf" srcId="{DAF9ED51-E79A-40B2-BFF2-535FAF081D56}" destId="{0221D519-0CFD-49D5-BC99-48CB878A440E}" srcOrd="0" destOrd="0" presId="urn:microsoft.com/office/officeart/2005/8/layout/cycle5"/>
-    <dgm:cxn modelId="{B062EC1E-C72D-418F-8E79-23B9F34B0200}" srcId="{35305242-E757-421D-BAF2-45B468B325E9}" destId="{E5B08DCA-9889-456D-9E61-346B6482CC8F}" srcOrd="0" destOrd="0" parTransId="{CD8DDBEA-EDB4-4667-B7E8-417DD02EC9DF}" sibTransId="{B072B0CC-9B9A-4E62-93DB-B80E4BBEA298}"/>
-    <dgm:cxn modelId="{B170C329-42E4-4EB8-BC25-435BC73B7CC5}" srcId="{35305242-E757-421D-BAF2-45B468B325E9}" destId="{644997BA-8EC5-47D7-89C6-4327BA742021}" srcOrd="4" destOrd="0" parTransId="{CB74BFEB-D6CA-4B6D-9BD3-83DDB9C07422}" sibTransId="{49A5E209-A81F-48D1-B516-7A5A647DFB3D}"/>
-    <dgm:cxn modelId="{33138A2D-BB5E-413D-ACE9-0456A98EED8A}" type="presOf" srcId="{B072B0CC-9B9A-4E62-93DB-B80E4BBEA298}" destId="{AB69BEC0-8296-4D79-8B4D-DB7A3D892A19}" srcOrd="0" destOrd="0" presId="urn:microsoft.com/office/officeart/2005/8/layout/cycle5"/>
-    <dgm:cxn modelId="{BD688D3B-1A81-4A74-91BF-8EB766FA57FB}" type="presOf" srcId="{35305242-E757-421D-BAF2-45B468B325E9}" destId="{2791ACC9-839D-4390-9778-661963D0C19E}" srcOrd="0" destOrd="0" presId="urn:microsoft.com/office/officeart/2005/8/layout/cycle5"/>
-    <dgm:cxn modelId="{A0F45D4A-AD12-4F6A-A650-2234E73FCF48}" srcId="{35305242-E757-421D-BAF2-45B468B325E9}" destId="{1D200A8A-9290-4098-B108-D85A6A3686B3}" srcOrd="3" destOrd="0" parTransId="{05926FB4-0148-454F-8EDE-4A287AA53285}" sibTransId="{6FA6D2BD-F96B-4F63-B50C-72841BD322CF}"/>
-    <dgm:cxn modelId="{0A3BE856-E1E3-4F30-94D1-7AA7CBD3A90F}" type="presOf" srcId="{AAFCD113-FA77-4480-9B6C-0FA7148F9CC2}" destId="{E86061B7-3097-4D3B-ADDA-DB94833CB3C9}" srcOrd="0" destOrd="0" presId="urn:microsoft.com/office/officeart/2005/8/layout/cycle5"/>
-    <dgm:cxn modelId="{B2295D5B-4522-475C-ABE2-F89FB98ABA24}" srcId="{35305242-E757-421D-BAF2-45B468B325E9}" destId="{943DBB35-2D60-4CA2-B62D-E86A5903155C}" srcOrd="1" destOrd="0" parTransId="{828EB966-251A-411B-B5B4-24B4CDA92845}" sibTransId="{0CA6A66E-448E-4344-8665-762578B40DB9}"/>
-    <dgm:cxn modelId="{34854B60-8B20-4E5E-91A0-8641F29AA65C}" srcId="{35305242-E757-421D-BAF2-45B468B325E9}" destId="{05BD9468-C5A9-4679-9A7A-7638A3950E36}" srcOrd="5" destOrd="0" parTransId="{53DCF15C-0C88-443B-BC9E-E641CE62AF27}" sibTransId="{AAFCD113-FA77-4480-9B6C-0FA7148F9CC2}"/>
-    <dgm:cxn modelId="{DC6BB465-1BE7-4085-B26E-6A9C55287F3E}" type="presOf" srcId="{1D200A8A-9290-4098-B108-D85A6A3686B3}" destId="{AB5D372E-2FFE-41FC-AE98-A72B3E11EE33}" srcOrd="0" destOrd="0" presId="urn:microsoft.com/office/officeart/2005/8/layout/cycle5"/>
-    <dgm:cxn modelId="{EB883867-8C80-4BF1-94BE-05ADC620D347}" type="presOf" srcId="{F5D95043-689D-478E-9DCF-79145D74A373}" destId="{6229E11A-BD8F-4F8A-9E9B-01489C72DD44}" srcOrd="0" destOrd="0" presId="urn:microsoft.com/office/officeart/2005/8/layout/cycle5"/>
-    <dgm:cxn modelId="{28CA1569-4A48-40B5-9621-38265996D2B8}" type="presOf" srcId="{943DBB35-2D60-4CA2-B62D-E86A5903155C}" destId="{F4B42199-956C-4331-A5D5-288FFCE16D9D}" srcOrd="0" destOrd="0" presId="urn:microsoft.com/office/officeart/2005/8/layout/cycle5"/>
-    <dgm:cxn modelId="{B60B7D81-4825-4188-AE97-B6AE96BCAF06}" type="presOf" srcId="{05BD9468-C5A9-4679-9A7A-7638A3950E36}" destId="{AC1BDEDB-8721-4AB1-A5AA-95E1A8492529}" srcOrd="0" destOrd="0" presId="urn:microsoft.com/office/officeart/2005/8/layout/cycle5"/>
-    <dgm:cxn modelId="{85B9CE8F-4C22-4FDB-A26F-171CABAA7280}" type="presOf" srcId="{644997BA-8EC5-47D7-89C6-4327BA742021}" destId="{759280D0-A7DA-4338-AB52-9B8E3A59B047}" srcOrd="0" destOrd="0" presId="urn:microsoft.com/office/officeart/2005/8/layout/cycle5"/>
-    <dgm:cxn modelId="{E99AD3B0-4A0A-461E-B984-63A0EA12D668}" type="presOf" srcId="{6FA6D2BD-F96B-4F63-B50C-72841BD322CF}" destId="{D9D73B21-DA7C-4588-8386-F3AE54FCB942}" srcOrd="0" destOrd="0" presId="urn:microsoft.com/office/officeart/2005/8/layout/cycle5"/>
-    <dgm:cxn modelId="{010DF6B9-D7E5-437D-BC6B-090B62CEE663}" type="presOf" srcId="{49A5E209-A81F-48D1-B516-7A5A647DFB3D}" destId="{9BBE3379-52E1-40EA-9B00-1AE573351B0D}" srcOrd="0" destOrd="0" presId="urn:microsoft.com/office/officeart/2005/8/layout/cycle5"/>
-    <dgm:cxn modelId="{C8CD27DF-48D9-4D1A-8FCE-4938E4851E01}" srcId="{35305242-E757-421D-BAF2-45B468B325E9}" destId="{F5D95043-689D-478E-9DCF-79145D74A373}" srcOrd="2" destOrd="0" parTransId="{6A51A49F-DFF8-4941-9A4B-530614140811}" sibTransId="{DAF9ED51-E79A-40B2-BFF2-535FAF081D56}"/>
-    <dgm:cxn modelId="{509AD1F0-FD38-47C8-A570-3F9F501B7457}" type="presOf" srcId="{0CA6A66E-448E-4344-8665-762578B40DB9}" destId="{C159BF99-BD07-4B95-8A2A-D194A7218805}" srcOrd="0" destOrd="0" presId="urn:microsoft.com/office/officeart/2005/8/layout/cycle5"/>
-    <dgm:cxn modelId="{200005FB-9491-49C9-8E3F-4D58F42165C2}" type="presOf" srcId="{E5B08DCA-9889-456D-9E61-346B6482CC8F}" destId="{FFC3AABA-57E9-4119-BBC3-F94F75C20B7F}" srcOrd="0" destOrd="0" presId="urn:microsoft.com/office/officeart/2005/8/layout/cycle5"/>
-    <dgm:cxn modelId="{D6FEB55F-057D-4102-87B0-ED607C7913E1}" type="presParOf" srcId="{2791ACC9-839D-4390-9778-661963D0C19E}" destId="{FFC3AABA-57E9-4119-BBC3-F94F75C20B7F}" srcOrd="0" destOrd="0" presId="urn:microsoft.com/office/officeart/2005/8/layout/cycle5"/>
-    <dgm:cxn modelId="{84E27AEF-1193-4E44-B0D3-849BFF5140CD}" type="presParOf" srcId="{2791ACC9-839D-4390-9778-661963D0C19E}" destId="{07CE22B9-08D1-468D-B226-BA2DF1262DC1}" srcOrd="1" destOrd="0" presId="urn:microsoft.com/office/officeart/2005/8/layout/cycle5"/>
-    <dgm:cxn modelId="{4BC3EA0B-64BE-4AC7-A079-AAFDE5B06693}" type="presParOf" srcId="{2791ACC9-839D-4390-9778-661963D0C19E}" destId="{AB69BEC0-8296-4D79-8B4D-DB7A3D892A19}" srcOrd="2" destOrd="0" presId="urn:microsoft.com/office/officeart/2005/8/layout/cycle5"/>
-    <dgm:cxn modelId="{756540AC-D92E-4702-B3B0-717F04EFEDD1}" type="presParOf" srcId="{2791ACC9-839D-4390-9778-661963D0C19E}" destId="{F4B42199-956C-4331-A5D5-288FFCE16D9D}" srcOrd="3" destOrd="0" presId="urn:microsoft.com/office/officeart/2005/8/layout/cycle5"/>
-    <dgm:cxn modelId="{0DF74DA8-D79E-4F73-92FD-B8433006FD5F}" type="presParOf" srcId="{2791ACC9-839D-4390-9778-661963D0C19E}" destId="{3359BA0B-045A-4EE0-8C08-F2DECADAFDD0}" srcOrd="4" destOrd="0" presId="urn:microsoft.com/office/officeart/2005/8/layout/cycle5"/>
-    <dgm:cxn modelId="{8890863F-8C77-4C6F-BD04-D65BBBDDCC78}" type="presParOf" srcId="{2791ACC9-839D-4390-9778-661963D0C19E}" destId="{C159BF99-BD07-4B95-8A2A-D194A7218805}" srcOrd="5" destOrd="0" presId="urn:microsoft.com/office/officeart/2005/8/layout/cycle5"/>
-    <dgm:cxn modelId="{33458729-1C72-4B0E-B6F6-C48D825D873A}" type="presParOf" srcId="{2791ACC9-839D-4390-9778-661963D0C19E}" destId="{6229E11A-BD8F-4F8A-9E9B-01489C72DD44}" srcOrd="6" destOrd="0" presId="urn:microsoft.com/office/officeart/2005/8/layout/cycle5"/>
-    <dgm:cxn modelId="{7D4CD2A9-5D7A-462A-9CFB-47ED9E54C38F}" type="presParOf" srcId="{2791ACC9-839D-4390-9778-661963D0C19E}" destId="{BE741CC4-FC56-413E-983D-FC466FAF8513}" srcOrd="7" destOrd="0" presId="urn:microsoft.com/office/officeart/2005/8/layout/cycle5"/>
-    <dgm:cxn modelId="{B672BF79-6A24-4C7B-9273-D2E6604DE73B}" type="presParOf" srcId="{2791ACC9-839D-4390-9778-661963D0C19E}" destId="{0221D519-0CFD-49D5-BC99-48CB878A440E}" srcOrd="8" destOrd="0" presId="urn:microsoft.com/office/officeart/2005/8/layout/cycle5"/>
-    <dgm:cxn modelId="{F7195FAB-BE5C-4804-B516-00AE289C39BA}" type="presParOf" srcId="{2791ACC9-839D-4390-9778-661963D0C19E}" destId="{AB5D372E-2FFE-41FC-AE98-A72B3E11EE33}" srcOrd="9" destOrd="0" presId="urn:microsoft.com/office/officeart/2005/8/layout/cycle5"/>
-    <dgm:cxn modelId="{E106726E-C652-4646-915D-30B600334F75}" type="presParOf" srcId="{2791ACC9-839D-4390-9778-661963D0C19E}" destId="{C004A9B1-90DF-4C5E-B897-B4978DD57584}" srcOrd="10" destOrd="0" presId="urn:microsoft.com/office/officeart/2005/8/layout/cycle5"/>
-    <dgm:cxn modelId="{555ABEE8-34EE-40A4-9E28-DCF09BCD8A8A}" type="presParOf" srcId="{2791ACC9-839D-4390-9778-661963D0C19E}" destId="{D9D73B21-DA7C-4588-8386-F3AE54FCB942}" srcOrd="11" destOrd="0" presId="urn:microsoft.com/office/officeart/2005/8/layout/cycle5"/>
-    <dgm:cxn modelId="{8AD48B5C-CDC8-4623-A7E1-D4D492582B85}" type="presParOf" srcId="{2791ACC9-839D-4390-9778-661963D0C19E}" destId="{759280D0-A7DA-4338-AB52-9B8E3A59B047}" srcOrd="12" destOrd="0" presId="urn:microsoft.com/office/officeart/2005/8/layout/cycle5"/>
-    <dgm:cxn modelId="{6780F9D4-5E02-4627-B30E-2AE74B6125C1}" type="presParOf" srcId="{2791ACC9-839D-4390-9778-661963D0C19E}" destId="{0918E3B3-ABE0-457F-B9FC-F7BEE44D05EB}" srcOrd="13" destOrd="0" presId="urn:microsoft.com/office/officeart/2005/8/layout/cycle5"/>
-    <dgm:cxn modelId="{B3B7728E-2894-4A56-9C50-B42AD503B1B9}" type="presParOf" srcId="{2791ACC9-839D-4390-9778-661963D0C19E}" destId="{9BBE3379-52E1-40EA-9B00-1AE573351B0D}" srcOrd="14" destOrd="0" presId="urn:microsoft.com/office/officeart/2005/8/layout/cycle5"/>
-    <dgm:cxn modelId="{EB218344-2DB5-4BD8-8FEF-9FBCFDB73A28}" type="presParOf" srcId="{2791ACC9-839D-4390-9778-661963D0C19E}" destId="{AC1BDEDB-8721-4AB1-A5AA-95E1A8492529}" srcOrd="15" destOrd="0" presId="urn:microsoft.com/office/officeart/2005/8/layout/cycle5"/>
-    <dgm:cxn modelId="{D2C08B4E-7887-4DCB-AEA7-8395BF49EF7F}" type="presParOf" srcId="{2791ACC9-839D-4390-9778-661963D0C19E}" destId="{02344566-566B-4FAF-A374-EA464C70AB52}" srcOrd="16" destOrd="0" presId="urn:microsoft.com/office/officeart/2005/8/layout/cycle5"/>
-    <dgm:cxn modelId="{DB01088F-3406-49BD-B40E-A8EF246E475C}" type="presParOf" srcId="{2791ACC9-839D-4390-9778-661963D0C19E}" destId="{E86061B7-3097-4D3B-ADDA-DB94833CB3C9}" srcOrd="17" destOrd="0" presId="urn:microsoft.com/office/officeart/2005/8/layout/cycle5"/>
+    <dgm:cxn modelId="{F544D301-5323-D146-BC57-29AE727304DB}" srcId="{DF2F1D5C-668D-F94C-A065-3CEE40D2FF1D}" destId="{760C26BF-B032-D042-8772-A8D040DE1C30}" srcOrd="2" destOrd="0" parTransId="{819E6B36-5E6A-EB40-BE74-9AE98605E90B}" sibTransId="{87D40DE3-7F2C-274F-980A-D19F0BA906DB}"/>
+    <dgm:cxn modelId="{494AB41B-E9F3-4F4C-B119-E6C3E7EA2EA3}" srcId="{DF2F1D5C-668D-F94C-A065-3CEE40D2FF1D}" destId="{C6A1D55D-8F7A-DB44-BE35-4D3A748B4FA1}" srcOrd="0" destOrd="0" parTransId="{10E0FFDD-6000-F343-8C4C-CCF93E4605CB}" sibTransId="{8C002892-EAB3-364B-9616-AB7A4CE626F5}"/>
+    <dgm:cxn modelId="{4B61F844-96CB-1E43-917A-20BAC917F37E}" srcId="{DF2F1D5C-668D-F94C-A065-3CEE40D2FF1D}" destId="{2164DF4A-BA9E-134A-993A-EE6146D9357C}" srcOrd="1" destOrd="0" parTransId="{348F404F-388A-3640-95B1-F2AD82D18C8A}" sibTransId="{552DCDF6-7D1C-D848-8D3C-528AA1145A39}"/>
+    <dgm:cxn modelId="{C947996D-FA36-C548-8032-6C4C43E478DC}" type="presOf" srcId="{2164DF4A-BA9E-134A-993A-EE6146D9357C}" destId="{50094A88-C3A3-EF4F-9CE9-F25AB8FF13D9}" srcOrd="0" destOrd="0" presId="urn:microsoft.com/office/officeart/2005/8/layout/chevron1"/>
+    <dgm:cxn modelId="{63691592-1C42-774B-9C37-5774B725D714}" type="presOf" srcId="{DF2F1D5C-668D-F94C-A065-3CEE40D2FF1D}" destId="{89DE4DB9-7D87-8748-9434-2F7DFBAC7FF9}" srcOrd="0" destOrd="0" presId="urn:microsoft.com/office/officeart/2005/8/layout/chevron1"/>
+    <dgm:cxn modelId="{32F99FCA-1CD9-9C41-AFAD-78DDEBE8A762}" type="presOf" srcId="{760C26BF-B032-D042-8772-A8D040DE1C30}" destId="{766F0C04-25AE-3246-84B0-58671BF52B0F}" srcOrd="0" destOrd="0" presId="urn:microsoft.com/office/officeart/2005/8/layout/chevron1"/>
+    <dgm:cxn modelId="{56BF81F3-0D91-9141-BB7A-7BB4B335C5F5}" type="presOf" srcId="{C6A1D55D-8F7A-DB44-BE35-4D3A748B4FA1}" destId="{9FE66D5B-0C6F-3948-AC95-6ACB228B1AC0}" srcOrd="0" destOrd="0" presId="urn:microsoft.com/office/officeart/2005/8/layout/chevron1"/>
+    <dgm:cxn modelId="{08E8F0B6-44B5-054E-8A87-365AE14CCF25}" type="presParOf" srcId="{89DE4DB9-7D87-8748-9434-2F7DFBAC7FF9}" destId="{9FE66D5B-0C6F-3948-AC95-6ACB228B1AC0}" srcOrd="0" destOrd="0" presId="urn:microsoft.com/office/officeart/2005/8/layout/chevron1"/>
+    <dgm:cxn modelId="{323EF972-7955-094A-A702-859D67E6D90A}" type="presParOf" srcId="{89DE4DB9-7D87-8748-9434-2F7DFBAC7FF9}" destId="{C941874D-E4D2-A145-9CF3-308BFF4B3104}" srcOrd="1" destOrd="0" presId="urn:microsoft.com/office/officeart/2005/8/layout/chevron1"/>
+    <dgm:cxn modelId="{0C223EBD-FF5C-934C-B1B9-F58CF27E5EE8}" type="presParOf" srcId="{89DE4DB9-7D87-8748-9434-2F7DFBAC7FF9}" destId="{50094A88-C3A3-EF4F-9CE9-F25AB8FF13D9}" srcOrd="2" destOrd="0" presId="urn:microsoft.com/office/officeart/2005/8/layout/chevron1"/>
+    <dgm:cxn modelId="{8BAEB0D0-D765-404A-BC6D-E5DC38DD3B5F}" type="presParOf" srcId="{89DE4DB9-7D87-8748-9434-2F7DFBAC7FF9}" destId="{794B932A-5138-094A-A5B4-9ECD88530DC7}" srcOrd="3" destOrd="0" presId="urn:microsoft.com/office/officeart/2005/8/layout/chevron1"/>
+    <dgm:cxn modelId="{E762B4DF-D590-6B4C-86B9-E05AB2EFFCB2}" type="presParOf" srcId="{89DE4DB9-7D87-8748-9434-2F7DFBAC7FF9}" destId="{766F0C04-25AE-3246-84B0-58671BF52B0F}" srcOrd="4" destOrd="0" presId="urn:microsoft.com/office/officeart/2005/8/layout/chevron1"/>
   </dgm:cxnLst>
   <dgm:bg/>
-  <dgm:whole>
-    <a:ln>
-      <a:noFill/>
-    </a:ln>
-  </dgm:whole>
+  <dgm:whole/>
   <dgm:extLst>
     <a:ext uri="http://schemas.microsoft.com/office/drawing/2008/diagram">
-      <dsp:dataModelExt xmlns:dsp="http://schemas.microsoft.com/office/drawing/2008/diagram" relId="rId12" minVer="http://schemas.openxmlformats.org/drawingml/2006/diagram"/>
+      <dsp:dataModelExt xmlns:dsp="http://schemas.microsoft.com/office/drawing/2008/diagram" relId="rId7" minVer="http://schemas.openxmlformats.org/drawingml/2006/diagram"/>
     </a:ext>
   </dgm:extLst>
 </dgm:dataModel>
@@ -2703,34 +1093,43 @@
       <dsp:cNvGrpSpPr/>
     </dsp:nvGrpSpPr>
     <dsp:grpSpPr/>
-    <dsp:sp modelId="{58B9514E-A927-4294-9ED4-5204981A04BA}">
+    <dsp:sp modelId="{9FE66D5B-0C6F-3948-AC95-6ACB228B1AC0}">
       <dsp:nvSpPr>
         <dsp:cNvPr id="0" name=""/>
         <dsp:cNvSpPr/>
       </dsp:nvSpPr>
       <dsp:spPr>
         <a:xfrm>
-          <a:off x="0" y="513799"/>
-          <a:ext cx="1073933" cy="698056"/>
+          <a:off x="2256" y="1219638"/>
+          <a:ext cx="2749504" cy="1099801"/>
         </a:xfrm>
-        <a:prstGeom prst="roundRect">
+        <a:prstGeom prst="chevron">
           <a:avLst/>
         </a:prstGeom>
         <a:solidFill>
-          <a:srgbClr val="02305A"/>
+          <a:schemeClr val="accent1">
+            <a:hueOff val="0"/>
+            <a:satOff val="0"/>
+            <a:lumOff val="0"/>
+            <a:alphaOff val="0"/>
+          </a:schemeClr>
         </a:solidFill>
-        <a:ln>
-          <a:noFill/>
+        <a:ln w="12700" cap="flat" cmpd="sng" algn="ctr">
+          <a:solidFill>
+            <a:schemeClr val="lt1">
+              <a:hueOff val="0"/>
+              <a:satOff val="0"/>
+              <a:lumOff val="0"/>
+              <a:alphaOff val="0"/>
+            </a:schemeClr>
+          </a:solidFill>
+          <a:prstDash val="solid"/>
+          <a:miter lim="800000"/>
         </a:ln>
         <a:effectLst/>
-        <a:sp3d extrusionH="381000" contourW="38100" prstMaterial="matte">
-          <a:contourClr>
-            <a:schemeClr val="lt1"/>
-          </a:contourClr>
-        </a:sp3d>
       </dsp:spPr>
       <dsp:style>
-        <a:lnRef idx="0">
+        <a:lnRef idx="2">
           <a:scrgbClr r="0" g="0" b="0"/>
         </a:lnRef>
         <a:fillRef idx="1">
@@ -2744,12 +1143,12 @@
         </a:fontRef>
       </dsp:style>
       <dsp:txBody>
-        <a:bodyPr spcFirstLastPara="0" vert="horz" wrap="square" lIns="34290" tIns="34290" rIns="34290" bIns="34290" numCol="1" spcCol="1270" anchor="ctr" anchorCtr="0">
+        <a:bodyPr spcFirstLastPara="0" vert="horz" wrap="square" lIns="64008" tIns="21336" rIns="21336" bIns="21336" numCol="1" spcCol="1270" anchor="ctr" anchorCtr="0">
           <a:noAutofit/>
         </a:bodyPr>
         <a:lstStyle/>
         <a:p>
-          <a:pPr marL="0" lvl="0" indent="0" algn="ctr" defTabSz="400050" latinLnBrk="1">
+          <a:pPr marL="0" lvl="0" indent="0" algn="ctr" defTabSz="711200" latinLnBrk="1">
             <a:lnSpc>
               <a:spcPct val="90000"/>
             </a:lnSpc>
@@ -2761,94 +1160,55 @@
             </a:spcAft>
             <a:buNone/>
           </a:pPr>
-          <a:endParaRPr lang="ko-KR" altLang="en-US" sz="900" kern="1200" dirty="0">
-            <a:latin typeface="Palatino Linotype" panose="02040502050505030304" pitchFamily="18" charset="0"/>
-          </a:endParaRPr>
+          <a:r>
+            <a:rPr lang="de-DE" sz="1600" kern="1200" dirty="0"/>
+            <a:t>den Einfluss von Ausreißern</a:t>
+          </a:r>
+          <a:endParaRPr lang="ko-KR" altLang="en-US" sz="1600" kern="1200" dirty="0"/>
         </a:p>
       </dsp:txBody>
       <dsp:txXfrm>
-        <a:off x="34076" y="547875"/>
-        <a:ext cx="1005781" cy="629904"/>
+        <a:off x="552157" y="1219638"/>
+        <a:ext cx="1649703" cy="1099801"/>
       </dsp:txXfrm>
     </dsp:sp>
-    <dsp:sp modelId="{FFAFAA70-DFC4-41DD-A721-E46A991CD4CF}">
+    <dsp:sp modelId="{50094A88-C3A3-EF4F-9CE9-F25AB8FF13D9}">
       <dsp:nvSpPr>
         <dsp:cNvPr id="0" name=""/>
         <dsp:cNvSpPr/>
       </dsp:nvSpPr>
       <dsp:spPr>
         <a:xfrm>
-          <a:off x="145873" y="124866"/>
-          <a:ext cx="3289167" cy="3289167"/>
+          <a:off x="2476811" y="1219638"/>
+          <a:ext cx="2749504" cy="1099801"/>
         </a:xfrm>
-        <a:custGeom>
+        <a:prstGeom prst="chevron">
           <a:avLst/>
-          <a:gdLst/>
-          <a:ahLst/>
-          <a:cxnLst/>
-          <a:rect l="0" t="0" r="0" b="0"/>
-          <a:pathLst>
-            <a:path>
-              <a:moveTo>
-                <a:pt x="1024228" y="121489"/>
-              </a:moveTo>
-              <a:arcTo wR="1644583" hR="1644583" stAng="14870339" swAng="4074568"/>
-            </a:path>
-          </a:pathLst>
-        </a:custGeom>
-        <a:noFill/>
-        <a:ln w="31750" cap="flat" cmpd="sng" algn="ctr">
+        </a:prstGeom>
+        <a:solidFill>
+          <a:schemeClr val="accent1">
+            <a:hueOff val="0"/>
+            <a:satOff val="0"/>
+            <a:lumOff val="0"/>
+            <a:alphaOff val="0"/>
+          </a:schemeClr>
+        </a:solidFill>
+        <a:ln w="12700" cap="flat" cmpd="sng" algn="ctr">
           <a:solidFill>
-            <a:srgbClr val="02305A"/>
+            <a:schemeClr val="lt1">
+              <a:hueOff val="0"/>
+              <a:satOff val="0"/>
+              <a:lumOff val="0"/>
+              <a:alphaOff val="0"/>
+            </a:schemeClr>
           </a:solidFill>
           <a:prstDash val="solid"/>
           <a:miter lim="800000"/>
-          <a:tailEnd type="arrow"/>
         </a:ln>
         <a:effectLst/>
-        <a:sp3d z="-40000" prstMaterial="matte"/>
       </dsp:spPr>
       <dsp:style>
-        <a:lnRef idx="1">
-          <a:scrgbClr r="0" g="0" b="0"/>
-        </a:lnRef>
-        <a:fillRef idx="0">
-          <a:scrgbClr r="0" g="0" b="0"/>
-        </a:fillRef>
-        <a:effectRef idx="0">
-          <a:scrgbClr r="0" g="0" b="0"/>
-        </a:effectRef>
-        <a:fontRef idx="minor"/>
-      </dsp:style>
-    </dsp:sp>
-    <dsp:sp modelId="{FFC3AABA-57E9-4119-BBC3-F94F75C20B7F}">
-      <dsp:nvSpPr>
-        <dsp:cNvPr id="0" name=""/>
-        <dsp:cNvSpPr/>
-      </dsp:nvSpPr>
-      <dsp:spPr>
-        <a:xfrm>
-          <a:off x="3257900" y="1043693"/>
-          <a:ext cx="1073933" cy="698056"/>
-        </a:xfrm>
-        <a:prstGeom prst="roundRect">
-          <a:avLst/>
-        </a:prstGeom>
-        <a:solidFill>
-          <a:srgbClr val="02305A"/>
-        </a:solidFill>
-        <a:ln>
-          <a:noFill/>
-        </a:ln>
-        <a:effectLst/>
-        <a:sp3d extrusionH="381000" contourW="38100" prstMaterial="matte">
-          <a:contourClr>
-            <a:schemeClr val="lt1"/>
-          </a:contourClr>
-        </a:sp3d>
-      </dsp:spPr>
-      <dsp:style>
-        <a:lnRef idx="0">
+        <a:lnRef idx="2">
           <a:scrgbClr r="0" g="0" b="0"/>
         </a:lnRef>
         <a:fillRef idx="1">
@@ -2862,12 +1222,12 @@
         </a:fontRef>
       </dsp:style>
       <dsp:txBody>
-        <a:bodyPr spcFirstLastPara="0" vert="horz" wrap="square" lIns="34290" tIns="34290" rIns="34290" bIns="34290" numCol="1" spcCol="1270" anchor="ctr" anchorCtr="0">
+        <a:bodyPr spcFirstLastPara="0" vert="horz" wrap="square" lIns="64008" tIns="21336" rIns="21336" bIns="21336" numCol="1" spcCol="1270" anchor="ctr" anchorCtr="0">
           <a:noAutofit/>
         </a:bodyPr>
         <a:lstStyle/>
         <a:p>
-          <a:pPr marL="0" lvl="0" indent="0" algn="ctr" defTabSz="400050" latinLnBrk="1">
+          <a:pPr marL="0" lvl="0" indent="0" algn="ctr" defTabSz="711200" latinLnBrk="1">
             <a:lnSpc>
               <a:spcPct val="90000"/>
             </a:lnSpc>
@@ -2880,117 +1240,54 @@
             <a:buNone/>
           </a:pPr>
           <a:r>
-            <a:rPr lang="en-US" altLang="ko-KR" sz="900" kern="1200" dirty="0" err="1">
-              <a:latin typeface="Palatino Linotype" panose="02040502050505030304" pitchFamily="18" charset="0"/>
-            </a:rPr>
-            <a:t>Entfernen</a:t>
+            <a:rPr lang="de-DE" sz="1600" kern="1200" dirty="0"/>
+            <a:t>die Entwicklung vertieftes Verständnisses für verschiedene Algorithmen</a:t>
           </a:r>
-          <a:r>
-            <a:rPr lang="en-US" altLang="ko-KR" sz="900" kern="1200" dirty="0">
-              <a:latin typeface="Palatino Linotype" panose="02040502050505030304" pitchFamily="18" charset="0"/>
-            </a:rPr>
-            <a:t> un</a:t>
-          </a:r>
-          <a:r>
-            <a:rPr lang="de-DE" altLang="ko-KR" sz="900" kern="1200" dirty="0">
-              <a:latin typeface="Palatino Linotype" panose="02040502050505030304" pitchFamily="18" charset="0"/>
-            </a:rPr>
-            <a:t>vollständiger </a:t>
-          </a:r>
-          <a:r>
-            <a:rPr lang="en-US" altLang="ko-KR" sz="900" kern="1200" dirty="0" err="1">
-              <a:latin typeface="Palatino Linotype" panose="02040502050505030304" pitchFamily="18" charset="0"/>
-            </a:rPr>
-            <a:t>Daten</a:t>
-          </a:r>
-          <a:endParaRPr lang="ko-KR" altLang="en-US" sz="900" kern="1200" dirty="0">
-            <a:latin typeface="Palatino Linotype" panose="02040502050505030304" pitchFamily="18" charset="0"/>
-          </a:endParaRPr>
+          <a:endParaRPr lang="ko-KR" altLang="en-US" sz="1600" kern="1200" dirty="0"/>
         </a:p>
       </dsp:txBody>
       <dsp:txXfrm>
-        <a:off x="3291976" y="1077769"/>
-        <a:ext cx="1005781" cy="629904"/>
+        <a:off x="3026712" y="1219638"/>
+        <a:ext cx="1649703" cy="1099801"/>
       </dsp:txXfrm>
     </dsp:sp>
-    <dsp:sp modelId="{AB69BEC0-8296-4D79-8B4D-DB7A3D892A19}">
+    <dsp:sp modelId="{766F0C04-25AE-3246-84B0-58671BF52B0F}">
       <dsp:nvSpPr>
         <dsp:cNvPr id="0" name=""/>
         <dsp:cNvSpPr/>
       </dsp:nvSpPr>
       <dsp:spPr>
         <a:xfrm>
-          <a:off x="3002731" y="1594886"/>
-          <a:ext cx="3289167" cy="3289167"/>
+          <a:off x="4951365" y="1219638"/>
+          <a:ext cx="2749504" cy="1099801"/>
         </a:xfrm>
-        <a:custGeom>
+        <a:prstGeom prst="chevron">
           <a:avLst/>
-          <a:gdLst/>
-          <a:ahLst/>
-          <a:cxnLst/>
-          <a:rect l="0" t="0" r="0" b="0"/>
-          <a:pathLst>
-            <a:path>
-              <a:moveTo>
-                <a:pt x="1254693" y="46885"/>
-              </a:moveTo>
-              <a:arcTo wR="1644583" hR="1644583" stAng="15377160" swAng="2052279"/>
-            </a:path>
-          </a:pathLst>
-        </a:custGeom>
-        <a:noFill/>
-        <a:ln w="31750" cap="flat" cmpd="sng" algn="ctr">
+        </a:prstGeom>
+        <a:solidFill>
+          <a:schemeClr val="accent1">
+            <a:hueOff val="0"/>
+            <a:satOff val="0"/>
+            <a:lumOff val="0"/>
+            <a:alphaOff val="0"/>
+          </a:schemeClr>
+        </a:solidFill>
+        <a:ln w="12700" cap="flat" cmpd="sng" algn="ctr">
           <a:solidFill>
-            <a:srgbClr val="02305A"/>
+            <a:schemeClr val="lt1">
+              <a:hueOff val="0"/>
+              <a:satOff val="0"/>
+              <a:lumOff val="0"/>
+              <a:alphaOff val="0"/>
+            </a:schemeClr>
           </a:solidFill>
           <a:prstDash val="solid"/>
           <a:miter lim="800000"/>
-          <a:tailEnd type="arrow"/>
         </a:ln>
         <a:effectLst/>
-        <a:sp3d z="-40000" prstMaterial="matte"/>
       </dsp:spPr>
       <dsp:style>
-        <a:lnRef idx="1">
-          <a:scrgbClr r="0" g="0" b="0"/>
-        </a:lnRef>
-        <a:fillRef idx="0">
-          <a:scrgbClr r="0" g="0" b="0"/>
-        </a:fillRef>
-        <a:effectRef idx="0">
-          <a:scrgbClr r="0" g="0" b="0"/>
-        </a:effectRef>
-        <a:fontRef idx="minor"/>
-      </dsp:style>
-    </dsp:sp>
-    <dsp:sp modelId="{F4B42199-956C-4331-A5D5-288FFCE16D9D}">
-      <dsp:nvSpPr>
-        <dsp:cNvPr id="0" name=""/>
-        <dsp:cNvSpPr/>
-      </dsp:nvSpPr>
-      <dsp:spPr>
-        <a:xfrm>
-          <a:off x="4960127" y="1832374"/>
-          <a:ext cx="1073933" cy="698056"/>
-        </a:xfrm>
-        <a:prstGeom prst="roundRect">
-          <a:avLst/>
-        </a:prstGeom>
-        <a:solidFill>
-          <a:srgbClr val="02305A"/>
-        </a:solidFill>
-        <a:ln>
-          <a:noFill/>
-        </a:ln>
-        <a:effectLst/>
-        <a:sp3d extrusionH="381000" contourW="38100" prstMaterial="matte">
-          <a:contourClr>
-            <a:schemeClr val="lt1"/>
-          </a:contourClr>
-        </a:sp3d>
-      </dsp:spPr>
-      <dsp:style>
-        <a:lnRef idx="0">
+        <a:lnRef idx="2">
           <a:scrgbClr r="0" g="0" b="0"/>
         </a:lnRef>
         <a:fillRef idx="1">
@@ -3004,12 +1301,12 @@
         </a:fontRef>
       </dsp:style>
       <dsp:txBody>
-        <a:bodyPr spcFirstLastPara="0" vert="horz" wrap="square" lIns="34290" tIns="34290" rIns="34290" bIns="34290" numCol="1" spcCol="1270" anchor="ctr" anchorCtr="0">
+        <a:bodyPr spcFirstLastPara="0" vert="horz" wrap="square" lIns="64008" tIns="21336" rIns="21336" bIns="21336" numCol="1" spcCol="1270" anchor="ctr" anchorCtr="0">
           <a:noAutofit/>
         </a:bodyPr>
         <a:lstStyle/>
         <a:p>
-          <a:pPr marL="0" lvl="0" indent="0" algn="ctr" defTabSz="400050" latinLnBrk="1">
+          <a:pPr marL="0" lvl="0" indent="0" algn="ctr" defTabSz="711200" latinLnBrk="1">
             <a:lnSpc>
               <a:spcPct val="90000"/>
             </a:lnSpc>
@@ -3022,1277 +1319,31 @@
             <a:buNone/>
           </a:pPr>
           <a:r>
-            <a:rPr lang="en-US" altLang="ko-KR" sz="900" kern="1200" dirty="0" err="1">
-              <a:latin typeface="Palatino Linotype" panose="02040502050505030304" pitchFamily="18" charset="0"/>
-            </a:rPr>
-            <a:t>Entfernen</a:t>
+            <a:rPr lang="de-DE" sz="1600" kern="1200" dirty="0"/>
+            <a:t>den Beitrag zur Empfehlung in einer konkreten Forschungssituation</a:t>
           </a:r>
-          <a:r>
-            <a:rPr lang="en-US" altLang="ko-KR" sz="900" kern="1200" dirty="0">
-              <a:latin typeface="Palatino Linotype" panose="02040502050505030304" pitchFamily="18" charset="0"/>
-            </a:rPr>
-            <a:t> der </a:t>
-          </a:r>
-          <a:r>
-            <a:rPr lang="en-US" altLang="ko-KR" sz="900" kern="1200" dirty="0" err="1">
-              <a:latin typeface="Palatino Linotype" panose="02040502050505030304" pitchFamily="18" charset="0"/>
-            </a:rPr>
-            <a:t>Anomaliedaten</a:t>
-          </a:r>
-          <a:endParaRPr lang="ko-KR" altLang="en-US" sz="900" kern="1200" dirty="0">
-            <a:latin typeface="Palatino Linotype" panose="02040502050505030304" pitchFamily="18" charset="0"/>
-          </a:endParaRPr>
+          <a:endParaRPr lang="ko-KR" altLang="en-US" sz="1600" kern="1200" dirty="0"/>
         </a:p>
       </dsp:txBody>
       <dsp:txXfrm>
-        <a:off x="4994203" y="1866450"/>
-        <a:ext cx="1005781" cy="629904"/>
+        <a:off x="5501266" y="1219638"/>
+        <a:ext cx="1649703" cy="1099801"/>
       </dsp:txXfrm>
-    </dsp:sp>
-    <dsp:sp modelId="{C159BF99-BD07-4B95-8A2A-D194A7218805}">
-      <dsp:nvSpPr>
-        <dsp:cNvPr id="0" name=""/>
-        <dsp:cNvSpPr/>
-      </dsp:nvSpPr>
-      <dsp:spPr>
-        <a:xfrm>
-          <a:off x="2952054" y="-522483"/>
-          <a:ext cx="3289167" cy="3289167"/>
-        </a:xfrm>
-        <a:custGeom>
-          <a:avLst/>
-          <a:gdLst/>
-          <a:ahLst/>
-          <a:cxnLst/>
-          <a:rect l="0" t="0" r="0" b="0"/>
-          <a:pathLst>
-            <a:path>
-              <a:moveTo>
-                <a:pt x="2249752" y="3173775"/>
-              </a:moveTo>
-              <a:arcTo wR="1644583" hR="1644583" stAng="4104546" swAng="1798766"/>
-            </a:path>
-          </a:pathLst>
-        </a:custGeom>
-        <a:noFill/>
-        <a:ln w="31750" cap="flat" cmpd="sng" algn="ctr">
-          <a:solidFill>
-            <a:srgbClr val="02305A"/>
-          </a:solidFill>
-          <a:prstDash val="solid"/>
-          <a:miter lim="800000"/>
-          <a:tailEnd type="arrow"/>
-        </a:ln>
-        <a:effectLst/>
-        <a:sp3d z="-40000" prstMaterial="matte"/>
-      </dsp:spPr>
-      <dsp:style>
-        <a:lnRef idx="1">
-          <a:scrgbClr r="0" g="0" b="0"/>
-        </a:lnRef>
-        <a:fillRef idx="0">
-          <a:scrgbClr r="0" g="0" b="0"/>
-        </a:fillRef>
-        <a:effectRef idx="0">
-          <a:scrgbClr r="0" g="0" b="0"/>
-        </a:effectRef>
-        <a:fontRef idx="minor"/>
-      </dsp:style>
-    </dsp:sp>
-    <dsp:sp modelId="{6229E11A-BD8F-4F8A-9E9B-01489C72DD44}">
-      <dsp:nvSpPr>
-        <dsp:cNvPr id="0" name=""/>
-        <dsp:cNvSpPr/>
-      </dsp:nvSpPr>
-      <dsp:spPr>
-        <a:xfrm>
-          <a:off x="3221744" y="2687173"/>
-          <a:ext cx="1073933" cy="698056"/>
-        </a:xfrm>
-        <a:prstGeom prst="roundRect">
-          <a:avLst/>
-        </a:prstGeom>
-        <a:solidFill>
-          <a:srgbClr val="02305A"/>
-        </a:solidFill>
-        <a:ln>
-          <a:noFill/>
-        </a:ln>
-        <a:effectLst/>
-        <a:sp3d extrusionH="381000" contourW="38100" prstMaterial="matte">
-          <a:contourClr>
-            <a:schemeClr val="lt1"/>
-          </a:contourClr>
-        </a:sp3d>
-      </dsp:spPr>
-      <dsp:style>
-        <a:lnRef idx="0">
-          <a:scrgbClr r="0" g="0" b="0"/>
-        </a:lnRef>
-        <a:fillRef idx="1">
-          <a:scrgbClr r="0" g="0" b="0"/>
-        </a:fillRef>
-        <a:effectRef idx="0">
-          <a:scrgbClr r="0" g="0" b="0"/>
-        </a:effectRef>
-        <a:fontRef idx="minor">
-          <a:schemeClr val="lt1"/>
-        </a:fontRef>
-      </dsp:style>
-      <dsp:txBody>
-        <a:bodyPr spcFirstLastPara="0" vert="horz" wrap="square" lIns="34290" tIns="34290" rIns="34290" bIns="34290" numCol="1" spcCol="1270" anchor="ctr" anchorCtr="0">
-          <a:noAutofit/>
-        </a:bodyPr>
-        <a:lstStyle/>
-        <a:p>
-          <a:pPr marL="0" lvl="0" indent="0" algn="ctr" defTabSz="400050" latinLnBrk="1">
-            <a:lnSpc>
-              <a:spcPct val="90000"/>
-            </a:lnSpc>
-            <a:spcBef>
-              <a:spcPct val="0"/>
-            </a:spcBef>
-            <a:spcAft>
-              <a:spcPct val="35000"/>
-            </a:spcAft>
-            <a:buNone/>
-          </a:pPr>
-          <a:r>
-            <a:rPr lang="en-US" altLang="ko-KR" sz="900" kern="1200" dirty="0" err="1">
-              <a:latin typeface="Palatino Linotype" panose="02040502050505030304" pitchFamily="18" charset="0"/>
-            </a:rPr>
-            <a:t>Datenbereinigung</a:t>
-          </a:r>
-          <a:endParaRPr lang="ko-KR" altLang="en-US" sz="900" kern="1200" dirty="0">
-            <a:latin typeface="Palatino Linotype" panose="02040502050505030304" pitchFamily="18" charset="0"/>
-          </a:endParaRPr>
-        </a:p>
-      </dsp:txBody>
-      <dsp:txXfrm>
-        <a:off x="3255820" y="2721249"/>
-        <a:ext cx="1005781" cy="629904"/>
-      </dsp:txXfrm>
-    </dsp:sp>
-    <dsp:sp modelId="{0221D519-0CFD-49D5-BC99-48CB878A440E}">
-      <dsp:nvSpPr>
-        <dsp:cNvPr id="0" name=""/>
-        <dsp:cNvSpPr/>
-      </dsp:nvSpPr>
-      <dsp:spPr>
-        <a:xfrm>
-          <a:off x="321386" y="550518"/>
-          <a:ext cx="3289167" cy="3289167"/>
-        </a:xfrm>
-        <a:custGeom>
-          <a:avLst/>
-          <a:gdLst/>
-          <a:ahLst/>
-          <a:cxnLst/>
-          <a:rect l="0" t="0" r="0" b="0"/>
-          <a:pathLst>
-            <a:path>
-              <a:moveTo>
-                <a:pt x="2595944" y="2986063"/>
-              </a:moveTo>
-              <a:arcTo wR="1644583" hR="1644583" stAng="3279373" swAng="2953039"/>
-            </a:path>
-          </a:pathLst>
-        </a:custGeom>
-        <a:noFill/>
-        <a:ln w="31750" cap="flat" cmpd="sng" algn="ctr">
-          <a:solidFill>
-            <a:srgbClr val="02305A"/>
-          </a:solidFill>
-          <a:prstDash val="solid"/>
-          <a:miter lim="800000"/>
-          <a:tailEnd type="arrow"/>
-        </a:ln>
-        <a:effectLst/>
-        <a:sp3d z="-40000" prstMaterial="matte"/>
-      </dsp:spPr>
-      <dsp:style>
-        <a:lnRef idx="1">
-          <a:scrgbClr r="0" g="0" b="0"/>
-        </a:lnRef>
-        <a:fillRef idx="0">
-          <a:scrgbClr r="0" g="0" b="0"/>
-        </a:fillRef>
-        <a:effectRef idx="0">
-          <a:scrgbClr r="0" g="0" b="0"/>
-        </a:effectRef>
-        <a:fontRef idx="minor"/>
-      </dsp:style>
-    </dsp:sp>
-    <dsp:sp modelId="{14588959-D302-4E7F-B6C8-EB4E855A7744}">
-      <dsp:nvSpPr>
-        <dsp:cNvPr id="0" name=""/>
-        <dsp:cNvSpPr/>
-      </dsp:nvSpPr>
-      <dsp:spPr>
-        <a:xfrm>
-          <a:off x="387105" y="2944918"/>
-          <a:ext cx="1073933" cy="698056"/>
-        </a:xfrm>
-        <a:prstGeom prst="roundRect">
-          <a:avLst/>
-        </a:prstGeom>
-        <a:solidFill>
-          <a:srgbClr val="02305A"/>
-        </a:solidFill>
-        <a:ln>
-          <a:noFill/>
-        </a:ln>
-        <a:effectLst/>
-        <a:sp3d extrusionH="381000" contourW="38100" prstMaterial="matte">
-          <a:contourClr>
-            <a:schemeClr val="lt1"/>
-          </a:contourClr>
-        </a:sp3d>
-      </dsp:spPr>
-      <dsp:style>
-        <a:lnRef idx="0">
-          <a:scrgbClr r="0" g="0" b="0"/>
-        </a:lnRef>
-        <a:fillRef idx="1">
-          <a:scrgbClr r="0" g="0" b="0"/>
-        </a:fillRef>
-        <a:effectRef idx="0">
-          <a:scrgbClr r="0" g="0" b="0"/>
-        </a:effectRef>
-        <a:fontRef idx="minor">
-          <a:schemeClr val="lt1"/>
-        </a:fontRef>
-      </dsp:style>
-      <dsp:txBody>
-        <a:bodyPr spcFirstLastPara="0" vert="horz" wrap="square" lIns="34290" tIns="34290" rIns="34290" bIns="34290" numCol="1" spcCol="1270" anchor="ctr" anchorCtr="0">
-          <a:noAutofit/>
-        </a:bodyPr>
-        <a:lstStyle/>
-        <a:p>
-          <a:pPr marL="0" lvl="0" indent="0" algn="ctr" defTabSz="400050" latinLnBrk="1">
-            <a:lnSpc>
-              <a:spcPct val="90000"/>
-            </a:lnSpc>
-            <a:spcBef>
-              <a:spcPct val="0"/>
-            </a:spcBef>
-            <a:spcAft>
-              <a:spcPct val="35000"/>
-            </a:spcAft>
-            <a:buNone/>
-          </a:pPr>
-          <a:endParaRPr lang="ko-KR" altLang="en-US" sz="900" kern="1200" dirty="0">
-            <a:latin typeface="Palatino Linotype" panose="02040502050505030304" pitchFamily="18" charset="0"/>
-          </a:endParaRPr>
-        </a:p>
-      </dsp:txBody>
-      <dsp:txXfrm>
-        <a:off x="421181" y="2978994"/>
-        <a:ext cx="1005781" cy="629904"/>
-      </dsp:txXfrm>
-    </dsp:sp>
-    <dsp:sp modelId="{6D6B942E-1335-4BEB-B49A-3C30485E26C2}">
-      <dsp:nvSpPr>
-        <dsp:cNvPr id="0" name=""/>
-        <dsp:cNvSpPr/>
-      </dsp:nvSpPr>
-      <dsp:spPr>
-        <a:xfrm>
-          <a:off x="553090" y="530439"/>
-          <a:ext cx="3289167" cy="3289167"/>
-        </a:xfrm>
-        <a:custGeom>
-          <a:avLst/>
-          <a:gdLst/>
-          <a:ahLst/>
-          <a:cxnLst/>
-          <a:rect l="0" t="0" r="0" b="0"/>
-          <a:pathLst>
-            <a:path>
-              <a:moveTo>
-                <a:pt x="137451" y="2302770"/>
-              </a:moveTo>
-              <a:arcTo wR="1644583" hR="1644583" stAng="9384504" swAng="785770"/>
-            </a:path>
-          </a:pathLst>
-        </a:custGeom>
-        <a:noFill/>
-        <a:ln w="6350" cap="flat" cmpd="sng" algn="ctr">
-          <a:solidFill>
-            <a:schemeClr val="accent1">
-              <a:hueOff val="0"/>
-              <a:satOff val="0"/>
-              <a:lumOff val="0"/>
-              <a:alphaOff val="0"/>
-            </a:schemeClr>
-          </a:solidFill>
-          <a:prstDash val="solid"/>
-          <a:miter lim="800000"/>
-          <a:tailEnd type="arrow"/>
-        </a:ln>
-        <a:effectLst/>
-        <a:sp3d z="-40000" prstMaterial="matte"/>
-      </dsp:spPr>
-      <dsp:style>
-        <a:lnRef idx="1">
-          <a:scrgbClr r="0" g="0" b="0"/>
-        </a:lnRef>
-        <a:fillRef idx="0">
-          <a:scrgbClr r="0" g="0" b="0"/>
-        </a:fillRef>
-        <a:effectRef idx="0">
-          <a:scrgbClr r="0" g="0" b="0"/>
-        </a:effectRef>
-        <a:fontRef idx="minor"/>
-      </dsp:style>
-    </dsp:sp>
-    <dsp:sp modelId="{B14FDCCB-8168-4FF2-8E4D-ED10492710C3}">
-      <dsp:nvSpPr>
-        <dsp:cNvPr id="0" name=""/>
-        <dsp:cNvSpPr/>
-      </dsp:nvSpPr>
-      <dsp:spPr>
-        <a:xfrm>
-          <a:off x="0" y="1653822"/>
-          <a:ext cx="1073933" cy="698056"/>
-        </a:xfrm>
-        <a:prstGeom prst="roundRect">
-          <a:avLst/>
-        </a:prstGeom>
-        <a:solidFill>
-          <a:srgbClr val="02305A"/>
-        </a:solidFill>
-        <a:ln>
-          <a:noFill/>
-        </a:ln>
-        <a:effectLst/>
-        <a:sp3d extrusionH="381000" contourW="38100" prstMaterial="matte">
-          <a:contourClr>
-            <a:schemeClr val="lt1"/>
-          </a:contourClr>
-        </a:sp3d>
-      </dsp:spPr>
-      <dsp:style>
-        <a:lnRef idx="0">
-          <a:scrgbClr r="0" g="0" b="0"/>
-        </a:lnRef>
-        <a:fillRef idx="1">
-          <a:scrgbClr r="0" g="0" b="0"/>
-        </a:fillRef>
-        <a:effectRef idx="0">
-          <a:scrgbClr r="0" g="0" b="0"/>
-        </a:effectRef>
-        <a:fontRef idx="minor">
-          <a:schemeClr val="lt1"/>
-        </a:fontRef>
-      </dsp:style>
-      <dsp:txBody>
-        <a:bodyPr spcFirstLastPara="0" vert="horz" wrap="square" lIns="34290" tIns="34290" rIns="34290" bIns="34290" numCol="1" spcCol="1270" anchor="ctr" anchorCtr="0">
-          <a:noAutofit/>
-        </a:bodyPr>
-        <a:lstStyle/>
-        <a:p>
-          <a:pPr marL="0" lvl="0" indent="0" algn="ctr" defTabSz="400050" latinLnBrk="1">
-            <a:lnSpc>
-              <a:spcPct val="90000"/>
-            </a:lnSpc>
-            <a:spcBef>
-              <a:spcPct val="0"/>
-            </a:spcBef>
-            <a:spcAft>
-              <a:spcPct val="35000"/>
-            </a:spcAft>
-            <a:buNone/>
-          </a:pPr>
-          <a:endParaRPr lang="ko-KR" altLang="en-US" sz="900" kern="1200" dirty="0">
-            <a:latin typeface="Palatino Linotype" panose="02040502050505030304" pitchFamily="18" charset="0"/>
-          </a:endParaRPr>
-        </a:p>
-      </dsp:txBody>
-      <dsp:txXfrm>
-        <a:off x="34076" y="1687898"/>
-        <a:ext cx="1005781" cy="629904"/>
-      </dsp:txXfrm>
-    </dsp:sp>
-    <dsp:sp modelId="{62F3254E-0DB5-4746-920C-7EFFC84C3055}">
-      <dsp:nvSpPr>
-        <dsp:cNvPr id="0" name=""/>
-        <dsp:cNvSpPr/>
-      </dsp:nvSpPr>
-      <dsp:spPr>
-        <a:xfrm>
-          <a:off x="374470" y="-750878"/>
-          <a:ext cx="3289167" cy="3289167"/>
-        </a:xfrm>
-        <a:custGeom>
-          <a:avLst/>
-          <a:gdLst/>
-          <a:ahLst/>
-          <a:cxnLst/>
-          <a:rect l="0" t="0" r="0" b="0"/>
-          <a:pathLst>
-            <a:path>
-              <a:moveTo>
-                <a:pt x="145291" y="2320438"/>
-              </a:moveTo>
-              <a:arcTo wR="1644583" hR="1644583" stAng="9344098" swAng="590815"/>
-            </a:path>
-          </a:pathLst>
-        </a:custGeom>
-        <a:noFill/>
-        <a:ln w="6350" cap="flat" cmpd="sng" algn="ctr">
-          <a:solidFill>
-            <a:schemeClr val="accent1">
-              <a:hueOff val="0"/>
-              <a:satOff val="0"/>
-              <a:lumOff val="0"/>
-              <a:alphaOff val="0"/>
-            </a:schemeClr>
-          </a:solidFill>
-          <a:prstDash val="solid"/>
-          <a:miter lim="800000"/>
-          <a:tailEnd type="arrow"/>
-        </a:ln>
-        <a:effectLst/>
-        <a:sp3d z="-40000" prstMaterial="matte"/>
-      </dsp:spPr>
-      <dsp:style>
-        <a:lnRef idx="1">
-          <a:scrgbClr r="0" g="0" b="0"/>
-        </a:lnRef>
-        <a:fillRef idx="0">
-          <a:scrgbClr r="0" g="0" b="0"/>
-        </a:fillRef>
-        <a:effectRef idx="0">
-          <a:scrgbClr r="0" g="0" b="0"/>
-        </a:effectRef>
-        <a:fontRef idx="minor"/>
-      </dsp:style>
-    </dsp:sp>
-  </dsp:spTree>
-</dsp:drawing>
-</file>
-
-<file path=ppt/diagrams/drawing2.xml><?xml version="1.0" encoding="utf-8"?>
-<dsp:drawing xmlns:dgm="http://schemas.openxmlformats.org/drawingml/2006/diagram" xmlns:dsp="http://schemas.microsoft.com/office/drawing/2008/diagram" xmlns:a="http://schemas.openxmlformats.org/drawingml/2006/main">
-  <dsp:spTree>
-    <dsp:nvGrpSpPr>
-      <dsp:cNvPr id="0" name=""/>
-      <dsp:cNvGrpSpPr/>
-    </dsp:nvGrpSpPr>
-    <dsp:grpSpPr/>
-    <dsp:sp modelId="{FFC3AABA-57E9-4119-BBC3-F94F75C20B7F}">
-      <dsp:nvSpPr>
-        <dsp:cNvPr id="0" name=""/>
-        <dsp:cNvSpPr/>
-      </dsp:nvSpPr>
-      <dsp:spPr>
-        <a:xfrm>
-          <a:off x="2579259" y="1920"/>
-          <a:ext cx="1074310" cy="698302"/>
-        </a:xfrm>
-        <a:prstGeom prst="roundRect">
-          <a:avLst/>
-        </a:prstGeom>
-        <a:solidFill>
-          <a:srgbClr val="02305A"/>
-        </a:solidFill>
-        <a:ln>
-          <a:noFill/>
-        </a:ln>
-        <a:effectLst/>
-        <a:sp3d extrusionH="381000" contourW="38100" prstMaterial="matte">
-          <a:contourClr>
-            <a:schemeClr val="lt1"/>
-          </a:contourClr>
-        </a:sp3d>
-      </dsp:spPr>
-      <dsp:style>
-        <a:lnRef idx="0">
-          <a:scrgbClr r="0" g="0" b="0"/>
-        </a:lnRef>
-        <a:fillRef idx="1">
-          <a:scrgbClr r="0" g="0" b="0"/>
-        </a:fillRef>
-        <a:effectRef idx="0">
-          <a:scrgbClr r="0" g="0" b="0"/>
-        </a:effectRef>
-        <a:fontRef idx="minor">
-          <a:schemeClr val="lt1"/>
-        </a:fontRef>
-      </dsp:style>
-      <dsp:txBody>
-        <a:bodyPr spcFirstLastPara="0" vert="horz" wrap="square" lIns="34290" tIns="34290" rIns="34290" bIns="34290" numCol="1" spcCol="1270" anchor="ctr" anchorCtr="0">
-          <a:noAutofit/>
-        </a:bodyPr>
-        <a:lstStyle/>
-        <a:p>
-          <a:pPr marL="0" lvl="0" indent="0" algn="ctr" defTabSz="400050" latinLnBrk="1">
-            <a:lnSpc>
-              <a:spcPct val="90000"/>
-            </a:lnSpc>
-            <a:spcBef>
-              <a:spcPct val="0"/>
-            </a:spcBef>
-            <a:spcAft>
-              <a:spcPct val="35000"/>
-            </a:spcAft>
-            <a:buNone/>
-          </a:pPr>
-          <a:r>
-            <a:rPr lang="en-US" altLang="ko-KR" sz="900" kern="1200" dirty="0" err="1">
-              <a:latin typeface="Palatino Linotype" panose="02040502050505030304" pitchFamily="18" charset="0"/>
-            </a:rPr>
-            <a:t>Datenbeschaffung</a:t>
-          </a:r>
-          <a:endParaRPr lang="ko-KR" altLang="en-US" sz="900" kern="1200" dirty="0">
-            <a:latin typeface="Palatino Linotype" panose="02040502050505030304" pitchFamily="18" charset="0"/>
-          </a:endParaRPr>
-        </a:p>
-      </dsp:txBody>
-      <dsp:txXfrm>
-        <a:off x="2613347" y="36008"/>
-        <a:ext cx="1006134" cy="630126"/>
-      </dsp:txXfrm>
-    </dsp:sp>
-    <dsp:sp modelId="{AB69BEC0-8296-4D79-8B4D-DB7A3D892A19}">
-      <dsp:nvSpPr>
-        <dsp:cNvPr id="0" name=""/>
-        <dsp:cNvSpPr/>
-      </dsp:nvSpPr>
-      <dsp:spPr>
-        <a:xfrm>
-          <a:off x="1469810" y="351071"/>
-          <a:ext cx="3293208" cy="3293208"/>
-        </a:xfrm>
-        <a:custGeom>
-          <a:avLst/>
-          <a:gdLst/>
-          <a:ahLst/>
-          <a:cxnLst/>
-          <a:rect l="0" t="0" r="0" b="0"/>
-          <a:pathLst>
-            <a:path>
-              <a:moveTo>
-                <a:pt x="2319200" y="143633"/>
-              </a:moveTo>
-              <a:arcTo wR="1646604" hR="1646604" stAng="17646543" swAng="925201"/>
-            </a:path>
-          </a:pathLst>
-        </a:custGeom>
-        <a:noFill/>
-        <a:ln w="31750" cap="flat" cmpd="sng" algn="ctr">
-          <a:solidFill>
-            <a:srgbClr val="02305A"/>
-          </a:solidFill>
-          <a:prstDash val="solid"/>
-          <a:miter lim="800000"/>
-          <a:tailEnd type="arrow"/>
-        </a:ln>
-        <a:effectLst/>
-        <a:sp3d z="-40000" prstMaterial="matte"/>
-      </dsp:spPr>
-      <dsp:style>
-        <a:lnRef idx="1">
-          <a:scrgbClr r="0" g="0" b="0"/>
-        </a:lnRef>
-        <a:fillRef idx="0">
-          <a:scrgbClr r="0" g="0" b="0"/>
-        </a:fillRef>
-        <a:effectRef idx="0">
-          <a:scrgbClr r="0" g="0" b="0"/>
-        </a:effectRef>
-        <a:fontRef idx="minor"/>
-      </dsp:style>
-    </dsp:sp>
-    <dsp:sp modelId="{F4B42199-956C-4331-A5D5-288FFCE16D9D}">
-      <dsp:nvSpPr>
-        <dsp:cNvPr id="0" name=""/>
-        <dsp:cNvSpPr/>
-      </dsp:nvSpPr>
-      <dsp:spPr>
-        <a:xfrm>
-          <a:off x="4005260" y="825222"/>
-          <a:ext cx="1074310" cy="698302"/>
-        </a:xfrm>
-        <a:prstGeom prst="roundRect">
-          <a:avLst/>
-        </a:prstGeom>
-        <a:solidFill>
-          <a:srgbClr val="02305A"/>
-        </a:solidFill>
-        <a:ln>
-          <a:noFill/>
-        </a:ln>
-        <a:effectLst/>
-        <a:sp3d extrusionH="381000" contourW="38100" prstMaterial="matte">
-          <a:contourClr>
-            <a:schemeClr val="lt1"/>
-          </a:contourClr>
-        </a:sp3d>
-      </dsp:spPr>
-      <dsp:style>
-        <a:lnRef idx="0">
-          <a:scrgbClr r="0" g="0" b="0"/>
-        </a:lnRef>
-        <a:fillRef idx="1">
-          <a:scrgbClr r="0" g="0" b="0"/>
-        </a:fillRef>
-        <a:effectRef idx="0">
-          <a:scrgbClr r="0" g="0" b="0"/>
-        </a:effectRef>
-        <a:fontRef idx="minor">
-          <a:schemeClr val="lt1"/>
-        </a:fontRef>
-      </dsp:style>
-      <dsp:txBody>
-        <a:bodyPr spcFirstLastPara="0" vert="horz" wrap="square" lIns="34290" tIns="34290" rIns="34290" bIns="34290" numCol="1" spcCol="1270" anchor="ctr" anchorCtr="0">
-          <a:noAutofit/>
-        </a:bodyPr>
-        <a:lstStyle/>
-        <a:p>
-          <a:pPr marL="0" lvl="0" indent="0" algn="ctr" defTabSz="400050" latinLnBrk="1">
-            <a:lnSpc>
-              <a:spcPct val="90000"/>
-            </a:lnSpc>
-            <a:spcBef>
-              <a:spcPct val="0"/>
-            </a:spcBef>
-            <a:spcAft>
-              <a:spcPct val="35000"/>
-            </a:spcAft>
-            <a:buNone/>
-          </a:pPr>
-          <a:r>
-            <a:rPr lang="en-US" altLang="ko-KR" sz="900" kern="1200" dirty="0" err="1">
-              <a:latin typeface="Palatino Linotype" panose="02040502050505030304" pitchFamily="18" charset="0"/>
-            </a:rPr>
-            <a:t>Inspektion</a:t>
-          </a:r>
-          <a:r>
-            <a:rPr lang="en-US" altLang="ko-KR" sz="900" kern="1200" dirty="0">
-              <a:latin typeface="Palatino Linotype" panose="02040502050505030304" pitchFamily="18" charset="0"/>
-            </a:rPr>
-            <a:t> und </a:t>
-          </a:r>
-          <a:r>
-            <a:rPr lang="en-US" altLang="ko-KR" sz="900" kern="1200" dirty="0" err="1">
-              <a:latin typeface="Palatino Linotype" panose="02040502050505030304" pitchFamily="18" charset="0"/>
-            </a:rPr>
-            <a:t>Erkundung</a:t>
-          </a:r>
-          <a:endParaRPr lang="ko-KR" altLang="en-US" sz="900" kern="1200" dirty="0">
-            <a:latin typeface="Palatino Linotype" panose="02040502050505030304" pitchFamily="18" charset="0"/>
-          </a:endParaRPr>
-        </a:p>
-      </dsp:txBody>
-      <dsp:txXfrm>
-        <a:off x="4039348" y="859310"/>
-        <a:ext cx="1006134" cy="630126"/>
-      </dsp:txXfrm>
-    </dsp:sp>
-    <dsp:sp modelId="{C159BF99-BD07-4B95-8A2A-D194A7218805}">
-      <dsp:nvSpPr>
-        <dsp:cNvPr id="0" name=""/>
-        <dsp:cNvSpPr/>
-      </dsp:nvSpPr>
-      <dsp:spPr>
-        <a:xfrm>
-          <a:off x="1469810" y="351071"/>
-          <a:ext cx="3293208" cy="3293208"/>
-        </a:xfrm>
-        <a:custGeom>
-          <a:avLst/>
-          <a:gdLst/>
-          <a:ahLst/>
-          <a:cxnLst/>
-          <a:rect l="0" t="0" r="0" b="0"/>
-          <a:pathLst>
-            <a:path>
-              <a:moveTo>
-                <a:pt x="3267508" y="1356820"/>
-              </a:moveTo>
-              <a:arcTo wR="1646604" hR="1646604" stAng="20991828" swAng="1216343"/>
-            </a:path>
-          </a:pathLst>
-        </a:custGeom>
-        <a:noFill/>
-        <a:ln w="31750" cap="flat" cmpd="sng" algn="ctr">
-          <a:solidFill>
-            <a:srgbClr val="02305A"/>
-          </a:solidFill>
-          <a:prstDash val="solid"/>
-          <a:miter lim="800000"/>
-          <a:tailEnd type="arrow"/>
-        </a:ln>
-        <a:effectLst/>
-        <a:sp3d z="-40000" prstMaterial="matte"/>
-      </dsp:spPr>
-      <dsp:style>
-        <a:lnRef idx="1">
-          <a:scrgbClr r="0" g="0" b="0"/>
-        </a:lnRef>
-        <a:fillRef idx="0">
-          <a:scrgbClr r="0" g="0" b="0"/>
-        </a:fillRef>
-        <a:effectRef idx="0">
-          <a:scrgbClr r="0" g="0" b="0"/>
-        </a:effectRef>
-        <a:fontRef idx="minor"/>
-      </dsp:style>
-    </dsp:sp>
-    <dsp:sp modelId="{6229E11A-BD8F-4F8A-9E9B-01489C72DD44}">
-      <dsp:nvSpPr>
-        <dsp:cNvPr id="0" name=""/>
-        <dsp:cNvSpPr/>
-      </dsp:nvSpPr>
-      <dsp:spPr>
-        <a:xfrm>
-          <a:off x="4005260" y="2471827"/>
-          <a:ext cx="1074310" cy="698302"/>
-        </a:xfrm>
-        <a:prstGeom prst="roundRect">
-          <a:avLst/>
-        </a:prstGeom>
-        <a:solidFill>
-          <a:srgbClr val="02305A"/>
-        </a:solidFill>
-        <a:ln>
-          <a:noFill/>
-        </a:ln>
-        <a:effectLst/>
-        <a:sp3d extrusionH="381000" contourW="38100" prstMaterial="matte">
-          <a:contourClr>
-            <a:schemeClr val="lt1"/>
-          </a:contourClr>
-        </a:sp3d>
-      </dsp:spPr>
-      <dsp:style>
-        <a:lnRef idx="0">
-          <a:scrgbClr r="0" g="0" b="0"/>
-        </a:lnRef>
-        <a:fillRef idx="1">
-          <a:scrgbClr r="0" g="0" b="0"/>
-        </a:fillRef>
-        <a:effectRef idx="0">
-          <a:scrgbClr r="0" g="0" b="0"/>
-        </a:effectRef>
-        <a:fontRef idx="minor">
-          <a:schemeClr val="lt1"/>
-        </a:fontRef>
-      </dsp:style>
-      <dsp:txBody>
-        <a:bodyPr spcFirstLastPara="0" vert="horz" wrap="square" lIns="34290" tIns="34290" rIns="34290" bIns="34290" numCol="1" spcCol="1270" anchor="ctr" anchorCtr="0">
-          <a:noAutofit/>
-        </a:bodyPr>
-        <a:lstStyle/>
-        <a:p>
-          <a:pPr marL="0" lvl="0" indent="0" algn="ctr" defTabSz="400050" latinLnBrk="1">
-            <a:lnSpc>
-              <a:spcPct val="90000"/>
-            </a:lnSpc>
-            <a:spcBef>
-              <a:spcPct val="0"/>
-            </a:spcBef>
-            <a:spcAft>
-              <a:spcPct val="35000"/>
-            </a:spcAft>
-            <a:buNone/>
-          </a:pPr>
-          <a:r>
-            <a:rPr lang="en-US" altLang="ko-KR" sz="900" kern="1200" dirty="0" err="1">
-              <a:latin typeface="Palatino Linotype" panose="02040502050505030304" pitchFamily="18" charset="0"/>
-            </a:rPr>
-            <a:t>Vorverarbeitung</a:t>
-          </a:r>
-          <a:r>
-            <a:rPr lang="en-US" altLang="ko-KR" sz="900" kern="1200" dirty="0">
-              <a:latin typeface="Palatino Linotype" panose="02040502050505030304" pitchFamily="18" charset="0"/>
-            </a:rPr>
-            <a:t> und </a:t>
-          </a:r>
-          <a:r>
-            <a:rPr lang="en-US" altLang="ko-KR" sz="900" kern="1200" dirty="0" err="1">
-              <a:latin typeface="Palatino Linotype" panose="02040502050505030304" pitchFamily="18" charset="0"/>
-            </a:rPr>
-            <a:t>Bereinigung</a:t>
-          </a:r>
-          <a:endParaRPr lang="ko-KR" altLang="en-US" sz="900" kern="1200" dirty="0">
-            <a:latin typeface="Palatino Linotype" panose="02040502050505030304" pitchFamily="18" charset="0"/>
-          </a:endParaRPr>
-        </a:p>
-      </dsp:txBody>
-      <dsp:txXfrm>
-        <a:off x="4039348" y="2505915"/>
-        <a:ext cx="1006134" cy="630126"/>
-      </dsp:txXfrm>
-    </dsp:sp>
-    <dsp:sp modelId="{0221D519-0CFD-49D5-BC99-48CB878A440E}">
-      <dsp:nvSpPr>
-        <dsp:cNvPr id="0" name=""/>
-        <dsp:cNvSpPr/>
-      </dsp:nvSpPr>
-      <dsp:spPr>
-        <a:xfrm>
-          <a:off x="1469810" y="351071"/>
-          <a:ext cx="3293208" cy="3293208"/>
-        </a:xfrm>
-        <a:custGeom>
-          <a:avLst/>
-          <a:gdLst/>
-          <a:ahLst/>
-          <a:cxnLst/>
-          <a:rect l="0" t="0" r="0" b="0"/>
-          <a:pathLst>
-            <a:path>
-              <a:moveTo>
-                <a:pt x="2694617" y="2916633"/>
-              </a:moveTo>
-              <a:arcTo wR="1646604" hR="1646604" stAng="3028256" swAng="925201"/>
-            </a:path>
-          </a:pathLst>
-        </a:custGeom>
-        <a:noFill/>
-        <a:ln w="31750" cap="flat" cmpd="sng" algn="ctr">
-          <a:solidFill>
-            <a:srgbClr val="02305A"/>
-          </a:solidFill>
-          <a:prstDash val="solid"/>
-          <a:miter lim="800000"/>
-          <a:tailEnd type="arrow"/>
-        </a:ln>
-        <a:effectLst/>
-        <a:sp3d z="-40000" prstMaterial="matte"/>
-      </dsp:spPr>
-      <dsp:style>
-        <a:lnRef idx="1">
-          <a:scrgbClr r="0" g="0" b="0"/>
-        </a:lnRef>
-        <a:fillRef idx="0">
-          <a:scrgbClr r="0" g="0" b="0"/>
-        </a:fillRef>
-        <a:effectRef idx="0">
-          <a:scrgbClr r="0" g="0" b="0"/>
-        </a:effectRef>
-        <a:fontRef idx="minor"/>
-      </dsp:style>
-    </dsp:sp>
-    <dsp:sp modelId="{AB5D372E-2FFE-41FC-AE98-A72B3E11EE33}">
-      <dsp:nvSpPr>
-        <dsp:cNvPr id="0" name=""/>
-        <dsp:cNvSpPr/>
-      </dsp:nvSpPr>
-      <dsp:spPr>
-        <a:xfrm>
-          <a:off x="2579259" y="3295129"/>
-          <a:ext cx="1074310" cy="698302"/>
-        </a:xfrm>
-        <a:prstGeom prst="roundRect">
-          <a:avLst/>
-        </a:prstGeom>
-        <a:solidFill>
-          <a:srgbClr val="02305A"/>
-        </a:solidFill>
-        <a:ln>
-          <a:noFill/>
-        </a:ln>
-        <a:effectLst/>
-        <a:sp3d extrusionH="381000" contourW="38100" prstMaterial="matte">
-          <a:contourClr>
-            <a:schemeClr val="lt1"/>
-          </a:contourClr>
-        </a:sp3d>
-      </dsp:spPr>
-      <dsp:style>
-        <a:lnRef idx="0">
-          <a:scrgbClr r="0" g="0" b="0"/>
-        </a:lnRef>
-        <a:fillRef idx="1">
-          <a:scrgbClr r="0" g="0" b="0"/>
-        </a:fillRef>
-        <a:effectRef idx="0">
-          <a:scrgbClr r="0" g="0" b="0"/>
-        </a:effectRef>
-        <a:fontRef idx="minor">
-          <a:schemeClr val="lt1"/>
-        </a:fontRef>
-      </dsp:style>
-      <dsp:txBody>
-        <a:bodyPr spcFirstLastPara="0" vert="horz" wrap="square" lIns="34290" tIns="34290" rIns="34290" bIns="34290" numCol="1" spcCol="1270" anchor="ctr" anchorCtr="0">
-          <a:noAutofit/>
-        </a:bodyPr>
-        <a:lstStyle/>
-        <a:p>
-          <a:pPr marL="0" lvl="0" indent="0" algn="ctr" defTabSz="400050" latinLnBrk="1">
-            <a:lnSpc>
-              <a:spcPct val="90000"/>
-            </a:lnSpc>
-            <a:spcBef>
-              <a:spcPct val="0"/>
-            </a:spcBef>
-            <a:spcAft>
-              <a:spcPct val="35000"/>
-            </a:spcAft>
-            <a:buNone/>
-          </a:pPr>
-          <a:r>
-            <a:rPr lang="en-US" altLang="ko-KR" sz="900" kern="1200" dirty="0" err="1">
-              <a:latin typeface="Palatino Linotype" panose="02040502050505030304" pitchFamily="18" charset="0"/>
-            </a:rPr>
-            <a:t>Modellierung</a:t>
-          </a:r>
-          <a:r>
-            <a:rPr lang="en-US" altLang="ko-KR" sz="900" kern="1200" dirty="0">
-              <a:latin typeface="Palatino Linotype" panose="02040502050505030304" pitchFamily="18" charset="0"/>
-            </a:rPr>
-            <a:t> und Training</a:t>
-          </a:r>
-          <a:endParaRPr lang="ko-KR" altLang="en-US" sz="900" kern="1200" dirty="0">
-            <a:latin typeface="Palatino Linotype" panose="02040502050505030304" pitchFamily="18" charset="0"/>
-          </a:endParaRPr>
-        </a:p>
-      </dsp:txBody>
-      <dsp:txXfrm>
-        <a:off x="2613347" y="3329217"/>
-        <a:ext cx="1006134" cy="630126"/>
-      </dsp:txXfrm>
-    </dsp:sp>
-    <dsp:sp modelId="{D9D73B21-DA7C-4588-8386-F3AE54FCB942}">
-      <dsp:nvSpPr>
-        <dsp:cNvPr id="0" name=""/>
-        <dsp:cNvSpPr/>
-      </dsp:nvSpPr>
-      <dsp:spPr>
-        <a:xfrm>
-          <a:off x="1469810" y="351071"/>
-          <a:ext cx="3293208" cy="3293208"/>
-        </a:xfrm>
-        <a:custGeom>
-          <a:avLst/>
-          <a:gdLst/>
-          <a:ahLst/>
-          <a:cxnLst/>
-          <a:rect l="0" t="0" r="0" b="0"/>
-          <a:pathLst>
-            <a:path>
-              <a:moveTo>
-                <a:pt x="974008" y="3149574"/>
-              </a:moveTo>
-              <a:arcTo wR="1646604" hR="1646604" stAng="6846543" swAng="925201"/>
-            </a:path>
-          </a:pathLst>
-        </a:custGeom>
-        <a:noFill/>
-        <a:ln w="31750" cap="flat" cmpd="sng" algn="ctr">
-          <a:solidFill>
-            <a:srgbClr val="02305A"/>
-          </a:solidFill>
-          <a:prstDash val="solid"/>
-          <a:miter lim="800000"/>
-          <a:tailEnd type="arrow"/>
-        </a:ln>
-        <a:effectLst/>
-        <a:sp3d z="-40000" prstMaterial="matte"/>
-      </dsp:spPr>
-      <dsp:style>
-        <a:lnRef idx="1">
-          <a:scrgbClr r="0" g="0" b="0"/>
-        </a:lnRef>
-        <a:fillRef idx="0">
-          <a:scrgbClr r="0" g="0" b="0"/>
-        </a:fillRef>
-        <a:effectRef idx="0">
-          <a:scrgbClr r="0" g="0" b="0"/>
-        </a:effectRef>
-        <a:fontRef idx="minor"/>
-      </dsp:style>
-    </dsp:sp>
-    <dsp:sp modelId="{759280D0-A7DA-4338-AB52-9B8E3A59B047}">
-      <dsp:nvSpPr>
-        <dsp:cNvPr id="0" name=""/>
-        <dsp:cNvSpPr/>
-      </dsp:nvSpPr>
-      <dsp:spPr>
-        <a:xfrm>
-          <a:off x="1153257" y="2471827"/>
-          <a:ext cx="1074310" cy="698302"/>
-        </a:xfrm>
-        <a:prstGeom prst="roundRect">
-          <a:avLst/>
-        </a:prstGeom>
-        <a:solidFill>
-          <a:srgbClr val="02305A"/>
-        </a:solidFill>
-        <a:ln>
-          <a:noFill/>
-        </a:ln>
-        <a:effectLst/>
-        <a:sp3d extrusionH="381000" contourW="38100" prstMaterial="matte">
-          <a:contourClr>
-            <a:schemeClr val="lt1"/>
-          </a:contourClr>
-        </a:sp3d>
-      </dsp:spPr>
-      <dsp:style>
-        <a:lnRef idx="0">
-          <a:scrgbClr r="0" g="0" b="0"/>
-        </a:lnRef>
-        <a:fillRef idx="1">
-          <a:scrgbClr r="0" g="0" b="0"/>
-        </a:fillRef>
-        <a:effectRef idx="0">
-          <a:scrgbClr r="0" g="0" b="0"/>
-        </a:effectRef>
-        <a:fontRef idx="minor">
-          <a:schemeClr val="lt1"/>
-        </a:fontRef>
-      </dsp:style>
-      <dsp:txBody>
-        <a:bodyPr spcFirstLastPara="0" vert="horz" wrap="square" lIns="34290" tIns="34290" rIns="34290" bIns="34290" numCol="1" spcCol="1270" anchor="ctr" anchorCtr="0">
-          <a:noAutofit/>
-        </a:bodyPr>
-        <a:lstStyle/>
-        <a:p>
-          <a:pPr marL="0" lvl="0" indent="0" algn="ctr" defTabSz="400050" latinLnBrk="1">
-            <a:lnSpc>
-              <a:spcPct val="90000"/>
-            </a:lnSpc>
-            <a:spcBef>
-              <a:spcPct val="0"/>
-            </a:spcBef>
-            <a:spcAft>
-              <a:spcPct val="35000"/>
-            </a:spcAft>
-            <a:buNone/>
-          </a:pPr>
-          <a:r>
-            <a:rPr lang="en-US" altLang="ko-KR" sz="900" kern="1200" dirty="0">
-              <a:latin typeface="Palatino Linotype" panose="02040502050505030304" pitchFamily="18" charset="0"/>
-            </a:rPr>
-            <a:t>Evaluation</a:t>
-          </a:r>
-          <a:endParaRPr lang="ko-KR" altLang="en-US" sz="900" kern="1200" dirty="0">
-            <a:latin typeface="Palatino Linotype" panose="02040502050505030304" pitchFamily="18" charset="0"/>
-          </a:endParaRPr>
-        </a:p>
-      </dsp:txBody>
-      <dsp:txXfrm>
-        <a:off x="1187345" y="2505915"/>
-        <a:ext cx="1006134" cy="630126"/>
-      </dsp:txXfrm>
-    </dsp:sp>
-    <dsp:sp modelId="{9BBE3379-52E1-40EA-9B00-1AE573351B0D}">
-      <dsp:nvSpPr>
-        <dsp:cNvPr id="0" name=""/>
-        <dsp:cNvSpPr/>
-      </dsp:nvSpPr>
-      <dsp:spPr>
-        <a:xfrm>
-          <a:off x="1469810" y="351071"/>
-          <a:ext cx="3293208" cy="3293208"/>
-        </a:xfrm>
-        <a:custGeom>
-          <a:avLst/>
-          <a:gdLst/>
-          <a:ahLst/>
-          <a:cxnLst/>
-          <a:rect l="0" t="0" r="0" b="0"/>
-          <a:pathLst>
-            <a:path>
-              <a:moveTo>
-                <a:pt x="25699" y="1936387"/>
-              </a:moveTo>
-              <a:arcTo wR="1646604" hR="1646604" stAng="10191828" swAng="1216343"/>
-            </a:path>
-          </a:pathLst>
-        </a:custGeom>
-        <a:noFill/>
-        <a:ln w="31750" cap="flat" cmpd="sng" algn="ctr">
-          <a:solidFill>
-            <a:srgbClr val="02305A"/>
-          </a:solidFill>
-          <a:prstDash val="solid"/>
-          <a:miter lim="800000"/>
-          <a:tailEnd type="arrow"/>
-        </a:ln>
-        <a:effectLst/>
-        <a:sp3d z="-40000" prstMaterial="matte"/>
-      </dsp:spPr>
-      <dsp:style>
-        <a:lnRef idx="1">
-          <a:scrgbClr r="0" g="0" b="0"/>
-        </a:lnRef>
-        <a:fillRef idx="0">
-          <a:scrgbClr r="0" g="0" b="0"/>
-        </a:fillRef>
-        <a:effectRef idx="0">
-          <a:scrgbClr r="0" g="0" b="0"/>
-        </a:effectRef>
-        <a:fontRef idx="minor"/>
-      </dsp:style>
-    </dsp:sp>
-    <dsp:sp modelId="{AC1BDEDB-8721-4AB1-A5AA-95E1A8492529}">
-      <dsp:nvSpPr>
-        <dsp:cNvPr id="0" name=""/>
-        <dsp:cNvSpPr/>
-      </dsp:nvSpPr>
-      <dsp:spPr>
-        <a:xfrm>
-          <a:off x="1153257" y="825222"/>
-          <a:ext cx="1074310" cy="698302"/>
-        </a:xfrm>
-        <a:prstGeom prst="roundRect">
-          <a:avLst/>
-        </a:prstGeom>
-        <a:solidFill>
-          <a:srgbClr val="02305A"/>
-        </a:solidFill>
-        <a:ln>
-          <a:noFill/>
-        </a:ln>
-        <a:effectLst/>
-        <a:sp3d extrusionH="381000" contourW="38100" prstMaterial="matte">
-          <a:contourClr>
-            <a:schemeClr val="lt1"/>
-          </a:contourClr>
-        </a:sp3d>
-      </dsp:spPr>
-      <dsp:style>
-        <a:lnRef idx="0">
-          <a:scrgbClr r="0" g="0" b="0"/>
-        </a:lnRef>
-        <a:fillRef idx="1">
-          <a:scrgbClr r="0" g="0" b="0"/>
-        </a:fillRef>
-        <a:effectRef idx="0">
-          <a:scrgbClr r="0" g="0" b="0"/>
-        </a:effectRef>
-        <a:fontRef idx="minor">
-          <a:schemeClr val="lt1"/>
-        </a:fontRef>
-      </dsp:style>
-      <dsp:txBody>
-        <a:bodyPr spcFirstLastPara="0" vert="horz" wrap="square" lIns="34290" tIns="34290" rIns="34290" bIns="34290" numCol="1" spcCol="1270" anchor="ctr" anchorCtr="0">
-          <a:noAutofit/>
-        </a:bodyPr>
-        <a:lstStyle/>
-        <a:p>
-          <a:pPr marL="0" lvl="0" indent="0" algn="ctr" defTabSz="400050" latinLnBrk="1">
-            <a:lnSpc>
-              <a:spcPct val="90000"/>
-            </a:lnSpc>
-            <a:spcBef>
-              <a:spcPct val="0"/>
-            </a:spcBef>
-            <a:spcAft>
-              <a:spcPct val="35000"/>
-            </a:spcAft>
-            <a:buNone/>
-          </a:pPr>
-          <a:r>
-            <a:rPr lang="en-US" altLang="ko-KR" sz="900" kern="1200" dirty="0" err="1">
-              <a:latin typeface="Palatino Linotype" panose="02040502050505030304" pitchFamily="18" charset="0"/>
-            </a:rPr>
-            <a:t>Bereitstellung</a:t>
-          </a:r>
-          <a:endParaRPr lang="ko-KR" altLang="en-US" sz="900" kern="1200" dirty="0">
-            <a:latin typeface="Palatino Linotype" panose="02040502050505030304" pitchFamily="18" charset="0"/>
-          </a:endParaRPr>
-        </a:p>
-      </dsp:txBody>
-      <dsp:txXfrm>
-        <a:off x="1187345" y="859310"/>
-        <a:ext cx="1006134" cy="630126"/>
-      </dsp:txXfrm>
-    </dsp:sp>
-    <dsp:sp modelId="{E86061B7-3097-4D3B-ADDA-DB94833CB3C9}">
-      <dsp:nvSpPr>
-        <dsp:cNvPr id="0" name=""/>
-        <dsp:cNvSpPr/>
-      </dsp:nvSpPr>
-      <dsp:spPr>
-        <a:xfrm>
-          <a:off x="1469810" y="351071"/>
-          <a:ext cx="3293208" cy="3293208"/>
-        </a:xfrm>
-        <a:custGeom>
-          <a:avLst/>
-          <a:gdLst/>
-          <a:ahLst/>
-          <a:cxnLst/>
-          <a:rect l="0" t="0" r="0" b="0"/>
-          <a:pathLst>
-            <a:path>
-              <a:moveTo>
-                <a:pt x="598590" y="376575"/>
-              </a:moveTo>
-              <a:arcTo wR="1646604" hR="1646604" stAng="13828256" swAng="925201"/>
-            </a:path>
-          </a:pathLst>
-        </a:custGeom>
-        <a:noFill/>
-        <a:ln w="31750" cap="flat" cmpd="sng" algn="ctr">
-          <a:solidFill>
-            <a:srgbClr val="02305A"/>
-          </a:solidFill>
-          <a:prstDash val="dash"/>
-          <a:miter lim="800000"/>
-          <a:tailEnd type="arrow"/>
-        </a:ln>
-        <a:effectLst/>
-        <a:sp3d z="-40000" prstMaterial="matte"/>
-      </dsp:spPr>
-      <dsp:style>
-        <a:lnRef idx="1">
-          <a:scrgbClr r="0" g="0" b="0"/>
-        </a:lnRef>
-        <a:fillRef idx="0">
-          <a:scrgbClr r="0" g="0" b="0"/>
-        </a:fillRef>
-        <a:effectRef idx="0">
-          <a:scrgbClr r="0" g="0" b="0"/>
-        </a:effectRef>
-        <a:fontRef idx="minor"/>
-      </dsp:style>
     </dsp:sp>
   </dsp:spTree>
 </dsp:drawing>
 </file>
 
 <file path=ppt/diagrams/layout1.xml><?xml version="1.0" encoding="utf-8"?>
-<dgm:layoutDef xmlns:dgm="http://schemas.openxmlformats.org/drawingml/2006/diagram" xmlns:a="http://schemas.openxmlformats.org/drawingml/2006/main" uniqueId="urn:microsoft.com/office/officeart/2005/8/layout/cycle5">
+<dgm:layoutDef xmlns:dgm="http://schemas.openxmlformats.org/drawingml/2006/diagram" xmlns:a="http://schemas.openxmlformats.org/drawingml/2006/main" uniqueId="urn:microsoft.com/office/officeart/2005/8/layout/chevron1">
   <dgm:title val=""/>
   <dgm:desc val=""/>
   <dgm:catLst>
-    <dgm:cat type="cycle" pri="3000"/>
+    <dgm:cat type="process" pri="9000"/>
   </dgm:catLst>
-  <dgm:sampData>
+  <dgm:sampData useDef="1">
     <dgm:dataModel>
-      <dgm:ptLst>
-        <dgm:pt modelId="0" type="doc"/>
-        <dgm:pt modelId="1">
-          <dgm:prSet phldr="1"/>
-        </dgm:pt>
-        <dgm:pt modelId="2">
-          <dgm:prSet phldr="1"/>
-        </dgm:pt>
-        <dgm:pt modelId="3">
-          <dgm:prSet phldr="1"/>
-        </dgm:pt>
-        <dgm:pt modelId="4">
-          <dgm:prSet phldr="1"/>
-        </dgm:pt>
-        <dgm:pt modelId="5">
-          <dgm:prSet phldr="1"/>
-        </dgm:pt>
-      </dgm:ptLst>
-      <dgm:cxnLst>
-        <dgm:cxn modelId="6" srcId="0" destId="1" srcOrd="0" destOrd="0"/>
-        <dgm:cxn modelId="7" srcId="0" destId="2" srcOrd="1" destOrd="0"/>
-        <dgm:cxn modelId="8" srcId="0" destId="3" srcOrd="2" destOrd="0"/>
-        <dgm:cxn modelId="9" srcId="0" destId="4" srcOrd="3" destOrd="0"/>
-        <dgm:cxn modelId="10" srcId="0" destId="5" srcOrd="4" destOrd="0"/>
-      </dgm:cxnLst>
+      <dgm:ptLst/>
       <dgm:bg/>
       <dgm:whole/>
     </dgm:dataModel>
@@ -4303,12 +1354,10 @@
         <dgm:pt modelId="0" type="doc"/>
         <dgm:pt modelId="1"/>
         <dgm:pt modelId="2"/>
-        <dgm:pt modelId="3"/>
       </dgm:ptLst>
       <dgm:cxnLst>
-        <dgm:cxn modelId="4" srcId="0" destId="1" srcOrd="0" destOrd="0"/>
-        <dgm:cxn modelId="5" srcId="0" destId="2" srcOrd="1" destOrd="0"/>
-        <dgm:cxn modelId="6" srcId="0" destId="3" srcOrd="2" destOrd="0"/>
+        <dgm:cxn modelId="3" srcId="0" destId="1" srcOrd="0" destOrd="0"/>
+        <dgm:cxn modelId="4" srcId="0" destId="2" srcOrd="1" destOrd="0"/>
       </dgm:cxnLst>
       <dgm:bg/>
       <dgm:whole/>
@@ -4322,383 +1371,272 @@
         <dgm:pt modelId="2"/>
         <dgm:pt modelId="3"/>
         <dgm:pt modelId="4"/>
-        <dgm:pt modelId="5"/>
-        <dgm:pt modelId="6"/>
       </dgm:ptLst>
       <dgm:cxnLst>
-        <dgm:cxn modelId="7" srcId="0" destId="1" srcOrd="0" destOrd="0"/>
-        <dgm:cxn modelId="8" srcId="0" destId="2" srcOrd="1" destOrd="0"/>
-        <dgm:cxn modelId="9" srcId="0" destId="3" srcOrd="2" destOrd="0"/>
-        <dgm:cxn modelId="10" srcId="0" destId="4" srcOrd="3" destOrd="0"/>
-        <dgm:cxn modelId="11" srcId="0" destId="5" srcOrd="4" destOrd="0"/>
-        <dgm:cxn modelId="12" srcId="0" destId="6" srcOrd="5" destOrd="0"/>
+        <dgm:cxn modelId="5" srcId="0" destId="1" srcOrd="0" destOrd="0"/>
+        <dgm:cxn modelId="6" srcId="0" destId="2" srcOrd="1" destOrd="0"/>
+        <dgm:cxn modelId="7" srcId="0" destId="3" srcOrd="2" destOrd="0"/>
+        <dgm:cxn modelId="8" srcId="0" destId="4" srcOrd="3" destOrd="0"/>
       </dgm:cxnLst>
       <dgm:bg/>
       <dgm:whole/>
     </dgm:dataModel>
   </dgm:clrData>
-  <dgm:layoutNode name="cycle">
+  <dgm:layoutNode name="Name0">
     <dgm:varLst>
       <dgm:dir/>
+      <dgm:animLvl val="lvl"/>
       <dgm:resizeHandles val="exact"/>
     </dgm:varLst>
-    <dgm:choose name="Name0">
-      <dgm:if name="Name1" func="var" arg="dir" op="equ" val="norm">
-        <dgm:choose name="Name2">
-          <dgm:if name="Name3" axis="ch" ptType="node" func="cnt" op="gt" val="2">
-            <dgm:alg type="cycle">
-              <dgm:param type="stAng" val="0"/>
-              <dgm:param type="spanAng" val="360"/>
-            </dgm:alg>
-          </dgm:if>
-          <dgm:else name="Name4">
-            <dgm:alg type="cycle">
-              <dgm:param type="stAng" val="-90"/>
-              <dgm:param type="spanAng" val="360"/>
-            </dgm:alg>
-          </dgm:else>
-        </dgm:choose>
+    <dgm:choose name="Name1">
+      <dgm:if name="Name2" func="var" arg="dir" op="equ" val="norm">
+        <dgm:alg type="lin"/>
       </dgm:if>
-      <dgm:else name="Name5">
-        <dgm:choose name="Name6">
-          <dgm:if name="Name7" axis="ch" ptType="node" func="cnt" op="gt" val="2">
-            <dgm:alg type="cycle">
-              <dgm:param type="stAng" val="0"/>
-              <dgm:param type="spanAng" val="-360"/>
-            </dgm:alg>
-          </dgm:if>
-          <dgm:else name="Name8">
-            <dgm:alg type="cycle">
-              <dgm:param type="stAng" val="90"/>
-              <dgm:param type="spanAng" val="-360"/>
-            </dgm:alg>
-          </dgm:else>
-        </dgm:choose>
+      <dgm:else name="Name3">
+        <dgm:alg type="lin">
+          <dgm:param type="linDir" val="fromR"/>
+        </dgm:alg>
       </dgm:else>
     </dgm:choose>
     <dgm:shape xmlns:r="http://schemas.openxmlformats.org/officeDocument/2006/relationships" r:blip="">
       <dgm:adjLst/>
     </dgm:shape>
     <dgm:presOf/>
-    <dgm:choose name="Name9">
-      <dgm:if name="Name10" func="var" arg="dir" op="equ" val="norm">
+    <dgm:choose name="Name4">
+      <dgm:if name="Name5" axis="des" func="maxDepth" op="gte" val="2">
         <dgm:constrLst>
-          <dgm:constr type="w" for="ch" forName="node" refType="w"/>
-          <dgm:constr type="w" for="ch" ptType="sibTrans" refType="w" refFor="ch" refForName="node" op="equ" fact="0.3"/>
-          <dgm:constr type="diam" for="ch" ptType="sibTrans" refType="diam" op="equ"/>
-          <dgm:constr type="sibSp" refType="w" refFor="ch" refForName="node" op="equ" fact="0.15"/>
-          <dgm:constr type="w" for="ch" forName="spNode" refType="sibSp" fact="1.6"/>
-          <dgm:constr type="primFontSz" for="ch" forName="node" op="equ" val="65"/>
-        </dgm:constrLst>
-      </dgm:if>
-      <dgm:else name="Name11">
-        <dgm:constrLst>
-          <dgm:constr type="w" for="ch" forName="node" refType="w"/>
-          <dgm:constr type="w" for="ch" ptType="sibTrans" refType="w" refFor="ch" refForName="node" op="equ" fact="0.3"/>
-          <dgm:constr type="diam" for="ch" ptType="sibTrans" refType="diam" fact="-1"/>
-          <dgm:constr type="diam" for="ch" refType="diam" op="equ" fact="-1"/>
-          <dgm:constr type="sibSp" refType="w" refFor="ch" refForName="node" op="equ" fact="0.15"/>
-          <dgm:constr type="w" for="ch" forName="spNode" refType="sibSp" fact="1.6"/>
-          <dgm:constr type="primFontSz" for="ch" forName="node" op="equ" val="65"/>
-        </dgm:constrLst>
-      </dgm:else>
-    </dgm:choose>
-    <dgm:ruleLst/>
-    <dgm:forEach name="Name12" axis="ch" ptType="node">
-      <dgm:layoutNode name="node">
-        <dgm:varLst>
-          <dgm:bulletEnabled val="1"/>
-        </dgm:varLst>
-        <dgm:alg type="tx"/>
-        <dgm:shape xmlns:r="http://schemas.openxmlformats.org/officeDocument/2006/relationships" type="roundRect" r:blip="">
-          <dgm:adjLst/>
-        </dgm:shape>
-        <dgm:presOf axis="desOrSelf" ptType="node"/>
-        <dgm:constrLst>
-          <dgm:constr type="h" refType="w" fact="0.65"/>
-          <dgm:constr type="tMarg" refType="primFontSz" fact="0.3"/>
-          <dgm:constr type="bMarg" refType="primFontSz" fact="0.3"/>
-          <dgm:constr type="lMarg" refType="primFontSz" fact="0.3"/>
-          <dgm:constr type="rMarg" refType="primFontSz" fact="0.3"/>
+          <dgm:constr type="h" for="ch" forName="composite" refType="h"/>
+          <dgm:constr type="w" for="ch" forName="composite" refType="w"/>
+          <dgm:constr type="w" for="des" forName="parTx"/>
+          <dgm:constr type="h" for="des" forName="parTx" op="equ"/>
+          <dgm:constr type="w" for="des" forName="desTx"/>
+          <dgm:constr type="h" for="des" forName="desTx" op="equ"/>
+          <dgm:constr type="primFontSz" for="des" forName="parTx" val="65"/>
+          <dgm:constr type="secFontSz" for="des" forName="desTx" refType="primFontSz" refFor="des" refForName="parTx" op="equ"/>
+          <dgm:constr type="h" for="des" forName="parTx" refType="primFontSz" refFor="des" refForName="parTx" fact="1.5"/>
+          <dgm:constr type="h" for="des" forName="desTx" refType="primFontSz" refFor="des" refForName="parTx" fact="0.5"/>
+          <dgm:constr type="w" for="ch" forName="space" op="equ" val="-6"/>
         </dgm:constrLst>
         <dgm:ruleLst>
-          <dgm:rule type="primFontSz" val="5" fact="NaN" max="NaN"/>
+          <dgm:rule type="w" for="ch" forName="composite" val="0" fact="NaN" max="NaN"/>
+          <dgm:rule type="primFontSz" for="des" forName="parTx" val="5" fact="NaN" max="NaN"/>
         </dgm:ruleLst>
-      </dgm:layoutNode>
-      <dgm:choose name="Name13">
-        <dgm:if name="Name14" axis="par ch" ptType="doc node" func="cnt" op="gt" val="1">
-          <dgm:layoutNode name="spNode">
-            <dgm:alg type="sp"/>
+        <dgm:forEach name="Name6" axis="ch" ptType="node">
+          <dgm:layoutNode name="composite">
+            <dgm:alg type="composite"/>
             <dgm:shape xmlns:r="http://schemas.openxmlformats.org/officeDocument/2006/relationships" r:blip="">
               <dgm:adjLst/>
             </dgm:shape>
             <dgm:presOf/>
-            <dgm:constrLst>
-              <dgm:constr type="h" refType="w"/>
-            </dgm:constrLst>
-            <dgm:ruleLst/>
+            <dgm:choose name="Name7">
+              <dgm:if name="Name8" func="var" arg="dir" op="equ" val="norm">
+                <dgm:constrLst>
+                  <dgm:constr type="l" for="ch" forName="parTx"/>
+                  <dgm:constr type="w" for="ch" forName="parTx" refType="w"/>
+                  <dgm:constr type="t" for="ch" forName="parTx"/>
+                  <dgm:constr type="l" for="ch" forName="desTx"/>
+                  <dgm:constr type="w" for="ch" forName="desTx" refType="w" refFor="ch" refForName="parTx" fact="0.8"/>
+                  <dgm:constr type="t" for="ch" forName="desTx" refType="h" refFor="ch" refForName="parTx" fact="1.125"/>
+                </dgm:constrLst>
+              </dgm:if>
+              <dgm:else name="Name9">
+                <dgm:constrLst>
+                  <dgm:constr type="l" for="ch" forName="parTx"/>
+                  <dgm:constr type="w" for="ch" forName="parTx" refType="w"/>
+                  <dgm:constr type="t" for="ch" forName="parTx"/>
+                  <dgm:constr type="l" for="ch" forName="desTx" refType="w" fact="0.2"/>
+                  <dgm:constr type="w" for="ch" forName="desTx" refType="w" refFor="ch" refForName="parTx" fact="0.8"/>
+                  <dgm:constr type="t" for="ch" forName="desTx" refType="h" refFor="ch" refForName="parTx" fact="1.125"/>
+                </dgm:constrLst>
+              </dgm:else>
+            </dgm:choose>
+            <dgm:ruleLst>
+              <dgm:rule type="h" val="INF" fact="NaN" max="NaN"/>
+            </dgm:ruleLst>
+            <dgm:layoutNode name="parTx">
+              <dgm:varLst>
+                <dgm:chMax val="0"/>
+                <dgm:chPref val="0"/>
+                <dgm:bulletEnabled val="1"/>
+              </dgm:varLst>
+              <dgm:alg type="tx"/>
+              <dgm:choose name="Name10">
+                <dgm:if name="Name11" func="var" arg="dir" op="equ" val="norm">
+                  <dgm:shape xmlns:r="http://schemas.openxmlformats.org/officeDocument/2006/relationships" type="chevron" r:blip="">
+                    <dgm:adjLst/>
+                  </dgm:shape>
+                </dgm:if>
+                <dgm:else name="Name12">
+                  <dgm:shape xmlns:r="http://schemas.openxmlformats.org/officeDocument/2006/relationships" rot="180" type="chevron" r:blip="">
+                    <dgm:adjLst/>
+                  </dgm:shape>
+                </dgm:else>
+              </dgm:choose>
+              <dgm:presOf axis="self" ptType="node"/>
+              <dgm:choose name="Name13">
+                <dgm:if name="Name14" func="var" arg="dir" op="equ" val="norm">
+                  <dgm:constrLst>
+                    <dgm:constr type="h" refType="w" op="lte" fact="0.4"/>
+                    <dgm:constr type="h"/>
+                    <dgm:constr type="tMarg" refType="primFontSz" fact="0.105"/>
+                    <dgm:constr type="bMarg" refType="primFontSz" fact="0.105"/>
+                    <dgm:constr type="lMarg" refType="primFontSz" fact="0.315"/>
+                    <dgm:constr type="rMarg" refType="primFontSz" fact="0.105"/>
+                  </dgm:constrLst>
+                </dgm:if>
+                <dgm:else name="Name15">
+                  <dgm:constrLst>
+                    <dgm:constr type="h" refType="w" op="lte" fact="0.4"/>
+                    <dgm:constr type="h"/>
+                    <dgm:constr type="tMarg" refType="primFontSz" fact="0.105"/>
+                    <dgm:constr type="bMarg" refType="primFontSz" fact="0.105"/>
+                    <dgm:constr type="lMarg" refType="primFontSz" fact="0.105"/>
+                    <dgm:constr type="rMarg" refType="primFontSz" fact="0.315"/>
+                  </dgm:constrLst>
+                </dgm:else>
+              </dgm:choose>
+              <dgm:ruleLst>
+                <dgm:rule type="h" val="INF" fact="NaN" max="NaN"/>
+              </dgm:ruleLst>
+            </dgm:layoutNode>
+            <dgm:layoutNode name="desTx" styleLbl="revTx">
+              <dgm:varLst>
+                <dgm:bulletEnabled val="1"/>
+              </dgm:varLst>
+              <dgm:alg type="tx">
+                <dgm:param type="stBulletLvl" val="1"/>
+              </dgm:alg>
+              <dgm:choose name="Name16">
+                <dgm:if name="Name17" axis="ch" ptType="node" func="cnt" op="gte" val="1">
+                  <dgm:shape xmlns:r="http://schemas.openxmlformats.org/officeDocument/2006/relationships" type="rect" r:blip="">
+                    <dgm:adjLst/>
+                  </dgm:shape>
+                </dgm:if>
+                <dgm:else name="Name18">
+                  <dgm:shape xmlns:r="http://schemas.openxmlformats.org/officeDocument/2006/relationships" type="rect" r:blip="" hideGeom="1">
+                    <dgm:adjLst/>
+                  </dgm:shape>
+                </dgm:else>
+              </dgm:choose>
+              <dgm:presOf axis="des" ptType="node"/>
+              <dgm:constrLst>
+                <dgm:constr type="secFontSz" val="65"/>
+                <dgm:constr type="primFontSz" refType="secFontSz"/>
+                <dgm:constr type="h"/>
+                <dgm:constr type="tMarg"/>
+                <dgm:constr type="bMarg"/>
+                <dgm:constr type="rMarg"/>
+                <dgm:constr type="lMarg"/>
+              </dgm:constrLst>
+              <dgm:ruleLst>
+                <dgm:rule type="h" val="INF" fact="NaN" max="NaN"/>
+              </dgm:ruleLst>
+            </dgm:layoutNode>
           </dgm:layoutNode>
-          <dgm:forEach name="Name15" axis="followSib" ptType="sibTrans" hideLastTrans="0" cnt="1">
-            <dgm:layoutNode name="sibTrans">
-              <dgm:alg type="conn">
-                <dgm:param type="dim" val="1D"/>
-                <dgm:param type="connRout" val="curve"/>
-                <dgm:param type="begPts" val="radial"/>
-                <dgm:param type="endPts" val="radial"/>
-              </dgm:alg>
-              <dgm:shape xmlns:r="http://schemas.openxmlformats.org/officeDocument/2006/relationships" type="conn" r:blip="">
+          <dgm:forEach name="Name19" axis="followSib" ptType="sibTrans" cnt="1">
+            <dgm:layoutNode name="space">
+              <dgm:alg type="sp"/>
+              <dgm:shape xmlns:r="http://schemas.openxmlformats.org/officeDocument/2006/relationships" r:blip="">
                 <dgm:adjLst/>
               </dgm:shape>
-              <dgm:presOf axis="self"/>
-              <dgm:constrLst>
-                <dgm:constr type="h" refType="w" fact="0.65"/>
-                <dgm:constr type="connDist"/>
-                <dgm:constr type="begPad" refType="connDist" fact="0.2"/>
-                <dgm:constr type="endPad" refType="connDist" fact="0.2"/>
-              </dgm:constrLst>
+              <dgm:presOf/>
+              <dgm:constrLst/>
               <dgm:ruleLst/>
             </dgm:layoutNode>
           </dgm:forEach>
-        </dgm:if>
-        <dgm:else name="Name16"/>
-      </dgm:choose>
-    </dgm:forEach>
-  </dgm:layoutNode>
-</dgm:layoutDef>
-</file>
-
-<file path=ppt/diagrams/layout2.xml><?xml version="1.0" encoding="utf-8"?>
-<dgm:layoutDef xmlns:dgm="http://schemas.openxmlformats.org/drawingml/2006/diagram" xmlns:a="http://schemas.openxmlformats.org/drawingml/2006/main" uniqueId="urn:microsoft.com/office/officeart/2005/8/layout/cycle5">
-  <dgm:title val=""/>
-  <dgm:desc val=""/>
-  <dgm:catLst>
-    <dgm:cat type="cycle" pri="3000"/>
-  </dgm:catLst>
-  <dgm:sampData>
-    <dgm:dataModel>
-      <dgm:ptLst>
-        <dgm:pt modelId="0" type="doc"/>
-        <dgm:pt modelId="1">
-          <dgm:prSet phldr="1"/>
-        </dgm:pt>
-        <dgm:pt modelId="2">
-          <dgm:prSet phldr="1"/>
-        </dgm:pt>
-        <dgm:pt modelId="3">
-          <dgm:prSet phldr="1"/>
-        </dgm:pt>
-        <dgm:pt modelId="4">
-          <dgm:prSet phldr="1"/>
-        </dgm:pt>
-        <dgm:pt modelId="5">
-          <dgm:prSet phldr="1"/>
-        </dgm:pt>
-      </dgm:ptLst>
-      <dgm:cxnLst>
-        <dgm:cxn modelId="6" srcId="0" destId="1" srcOrd="0" destOrd="0"/>
-        <dgm:cxn modelId="7" srcId="0" destId="2" srcOrd="1" destOrd="0"/>
-        <dgm:cxn modelId="8" srcId="0" destId="3" srcOrd="2" destOrd="0"/>
-        <dgm:cxn modelId="9" srcId="0" destId="4" srcOrd="3" destOrd="0"/>
-        <dgm:cxn modelId="10" srcId="0" destId="5" srcOrd="4" destOrd="0"/>
-      </dgm:cxnLst>
-      <dgm:bg/>
-      <dgm:whole/>
-    </dgm:dataModel>
-  </dgm:sampData>
-  <dgm:styleData>
-    <dgm:dataModel>
-      <dgm:ptLst>
-        <dgm:pt modelId="0" type="doc"/>
-        <dgm:pt modelId="1"/>
-        <dgm:pt modelId="2"/>
-        <dgm:pt modelId="3"/>
-      </dgm:ptLst>
-      <dgm:cxnLst>
-        <dgm:cxn modelId="4" srcId="0" destId="1" srcOrd="0" destOrd="0"/>
-        <dgm:cxn modelId="5" srcId="0" destId="2" srcOrd="1" destOrd="0"/>
-        <dgm:cxn modelId="6" srcId="0" destId="3" srcOrd="2" destOrd="0"/>
-      </dgm:cxnLst>
-      <dgm:bg/>
-      <dgm:whole/>
-    </dgm:dataModel>
-  </dgm:styleData>
-  <dgm:clrData>
-    <dgm:dataModel>
-      <dgm:ptLst>
-        <dgm:pt modelId="0" type="doc"/>
-        <dgm:pt modelId="1"/>
-        <dgm:pt modelId="2"/>
-        <dgm:pt modelId="3"/>
-        <dgm:pt modelId="4"/>
-        <dgm:pt modelId="5"/>
-        <dgm:pt modelId="6"/>
-      </dgm:ptLst>
-      <dgm:cxnLst>
-        <dgm:cxn modelId="7" srcId="0" destId="1" srcOrd="0" destOrd="0"/>
-        <dgm:cxn modelId="8" srcId="0" destId="2" srcOrd="1" destOrd="0"/>
-        <dgm:cxn modelId="9" srcId="0" destId="3" srcOrd="2" destOrd="0"/>
-        <dgm:cxn modelId="10" srcId="0" destId="4" srcOrd="3" destOrd="0"/>
-        <dgm:cxn modelId="11" srcId="0" destId="5" srcOrd="4" destOrd="0"/>
-        <dgm:cxn modelId="12" srcId="0" destId="6" srcOrd="5" destOrd="0"/>
-      </dgm:cxnLst>
-      <dgm:bg/>
-      <dgm:whole/>
-    </dgm:dataModel>
-  </dgm:clrData>
-  <dgm:layoutNode name="cycle">
-    <dgm:varLst>
-      <dgm:dir/>
-      <dgm:resizeHandles val="exact"/>
-    </dgm:varLst>
-    <dgm:choose name="Name0">
-      <dgm:if name="Name1" func="var" arg="dir" op="equ" val="norm">
-        <dgm:choose name="Name2">
-          <dgm:if name="Name3" axis="ch" ptType="node" func="cnt" op="gt" val="2">
-            <dgm:alg type="cycle">
-              <dgm:param type="stAng" val="0"/>
-              <dgm:param type="spanAng" val="360"/>
-            </dgm:alg>
-          </dgm:if>
-          <dgm:else name="Name4">
-            <dgm:alg type="cycle">
-              <dgm:param type="stAng" val="-90"/>
-              <dgm:param type="spanAng" val="360"/>
-            </dgm:alg>
-          </dgm:else>
-        </dgm:choose>
+        </dgm:forEach>
       </dgm:if>
-      <dgm:else name="Name5">
-        <dgm:choose name="Name6">
-          <dgm:if name="Name7" axis="ch" ptType="node" func="cnt" op="gt" val="2">
-            <dgm:alg type="cycle">
-              <dgm:param type="stAng" val="0"/>
-              <dgm:param type="spanAng" val="-360"/>
-            </dgm:alg>
-          </dgm:if>
-          <dgm:else name="Name8">
-            <dgm:alg type="cycle">
-              <dgm:param type="stAng" val="90"/>
-              <dgm:param type="spanAng" val="-360"/>
-            </dgm:alg>
-          </dgm:else>
-        </dgm:choose>
-      </dgm:else>
-    </dgm:choose>
-    <dgm:shape xmlns:r="http://schemas.openxmlformats.org/officeDocument/2006/relationships" r:blip="">
-      <dgm:adjLst/>
-    </dgm:shape>
-    <dgm:presOf/>
-    <dgm:choose name="Name9">
-      <dgm:if name="Name10" func="var" arg="dir" op="equ" val="norm">
+      <dgm:else name="Name20">
         <dgm:constrLst>
-          <dgm:constr type="w" for="ch" forName="node" refType="w"/>
-          <dgm:constr type="w" for="ch" ptType="sibTrans" refType="w" refFor="ch" refForName="node" op="equ" fact="0.3"/>
-          <dgm:constr type="diam" for="ch" ptType="sibTrans" refType="diam" op="equ"/>
-          <dgm:constr type="sibSp" refType="w" refFor="ch" refForName="node" op="equ" fact="0.15"/>
-          <dgm:constr type="w" for="ch" forName="spNode" refType="sibSp" fact="1.6"/>
-          <dgm:constr type="primFontSz" for="ch" forName="node" op="equ" val="65"/>
+          <dgm:constr type="w" for="ch" forName="parTxOnly" refType="w"/>
+          <dgm:constr type="h" for="des" forName="parTxOnly" op="equ"/>
+          <dgm:constr type="primFontSz" for="des" forName="parTxOnly" op="equ" val="65"/>
+          <dgm:constr type="w" for="ch" forName="parTxOnlySpace" refType="w" refFor="ch" refForName="parTxOnly" fact="-0.1"/>
         </dgm:constrLst>
-      </dgm:if>
-      <dgm:else name="Name11">
-        <dgm:constrLst>
-          <dgm:constr type="w" for="ch" forName="node" refType="w"/>
-          <dgm:constr type="w" for="ch" ptType="sibTrans" refType="w" refFor="ch" refForName="node" op="equ" fact="0.3"/>
-          <dgm:constr type="diam" for="ch" ptType="sibTrans" refType="diam" fact="-1"/>
-          <dgm:constr type="diam" for="ch" refType="diam" op="equ" fact="-1"/>
-          <dgm:constr type="sibSp" refType="w" refFor="ch" refForName="node" op="equ" fact="0.15"/>
-          <dgm:constr type="w" for="ch" forName="spNode" refType="sibSp" fact="1.6"/>
-          <dgm:constr type="primFontSz" for="ch" forName="node" op="equ" val="65"/>
-        </dgm:constrLst>
-      </dgm:else>
-    </dgm:choose>
-    <dgm:ruleLst/>
-    <dgm:forEach name="Name12" axis="ch" ptType="node">
-      <dgm:layoutNode name="node">
-        <dgm:varLst>
-          <dgm:bulletEnabled val="1"/>
-        </dgm:varLst>
-        <dgm:alg type="tx"/>
-        <dgm:shape xmlns:r="http://schemas.openxmlformats.org/officeDocument/2006/relationships" type="roundRect" r:blip="">
-          <dgm:adjLst/>
-        </dgm:shape>
-        <dgm:presOf axis="desOrSelf" ptType="node"/>
-        <dgm:constrLst>
-          <dgm:constr type="h" refType="w" fact="0.65"/>
-          <dgm:constr type="tMarg" refType="primFontSz" fact="0.3"/>
-          <dgm:constr type="bMarg" refType="primFontSz" fact="0.3"/>
-          <dgm:constr type="lMarg" refType="primFontSz" fact="0.3"/>
-          <dgm:constr type="rMarg" refType="primFontSz" fact="0.3"/>
-        </dgm:constrLst>
-        <dgm:ruleLst>
-          <dgm:rule type="primFontSz" val="5" fact="NaN" max="NaN"/>
-        </dgm:ruleLst>
-      </dgm:layoutNode>
-      <dgm:choose name="Name13">
-        <dgm:if name="Name14" axis="par ch" ptType="doc node" func="cnt" op="gt" val="1">
-          <dgm:layoutNode name="spNode">
-            <dgm:alg type="sp"/>
-            <dgm:shape xmlns:r="http://schemas.openxmlformats.org/officeDocument/2006/relationships" r:blip="">
-              <dgm:adjLst/>
-            </dgm:shape>
-            <dgm:presOf/>
-            <dgm:constrLst>
-              <dgm:constr type="h" refType="w"/>
-            </dgm:constrLst>
-            <dgm:ruleLst/>
+        <dgm:ruleLst/>
+        <dgm:forEach name="Name21" axis="ch" ptType="node">
+          <dgm:layoutNode name="parTxOnly">
+            <dgm:varLst>
+              <dgm:chMax val="0"/>
+              <dgm:chPref val="0"/>
+              <dgm:bulletEnabled val="1"/>
+            </dgm:varLst>
+            <dgm:alg type="tx"/>
+            <dgm:choose name="Name22">
+              <dgm:if name="Name23" func="var" arg="dir" op="equ" val="norm">
+                <dgm:shape xmlns:r="http://schemas.openxmlformats.org/officeDocument/2006/relationships" type="chevron" r:blip="">
+                  <dgm:adjLst/>
+                </dgm:shape>
+              </dgm:if>
+              <dgm:else name="Name24">
+                <dgm:shape xmlns:r="http://schemas.openxmlformats.org/officeDocument/2006/relationships" rot="180" type="chevron" r:blip="">
+                  <dgm:adjLst/>
+                </dgm:shape>
+              </dgm:else>
+            </dgm:choose>
+            <dgm:presOf axis="self" ptType="node"/>
+            <dgm:choose name="Name25">
+              <dgm:if name="Name26" func="var" arg="dir" op="equ" val="norm">
+                <dgm:constrLst>
+                  <dgm:constr type="h" refType="w" op="equ" fact="0.4"/>
+                  <dgm:constr type="tMarg" refType="primFontSz" fact="0.105"/>
+                  <dgm:constr type="bMarg" refType="primFontSz" fact="0.105"/>
+                  <dgm:constr type="lMarg" refType="primFontSz" fact="0.315"/>
+                  <dgm:constr type="rMarg" refType="primFontSz" fact="0.105"/>
+                </dgm:constrLst>
+              </dgm:if>
+              <dgm:else name="Name27">
+                <dgm:constrLst>
+                  <dgm:constr type="h" refType="w" op="equ" fact="0.4"/>
+                  <dgm:constr type="tMarg" refType="primFontSz" fact="0.105"/>
+                  <dgm:constr type="bMarg" refType="primFontSz" fact="0.105"/>
+                  <dgm:constr type="lMarg" refType="primFontSz" fact="0.105"/>
+                  <dgm:constr type="rMarg" refType="primFontSz" fact="0.315"/>
+                </dgm:constrLst>
+              </dgm:else>
+            </dgm:choose>
+            <dgm:ruleLst>
+              <dgm:rule type="primFontSz" val="5" fact="NaN" max="NaN"/>
+            </dgm:ruleLst>
           </dgm:layoutNode>
-          <dgm:forEach name="Name15" axis="followSib" ptType="sibTrans" hideLastTrans="0" cnt="1">
-            <dgm:layoutNode name="sibTrans">
-              <dgm:alg type="conn">
-                <dgm:param type="dim" val="1D"/>
-                <dgm:param type="connRout" val="curve"/>
-                <dgm:param type="begPts" val="radial"/>
-                <dgm:param type="endPts" val="radial"/>
-              </dgm:alg>
-              <dgm:shape xmlns:r="http://schemas.openxmlformats.org/officeDocument/2006/relationships" type="conn" r:blip="">
+          <dgm:forEach name="Name28" axis="followSib" ptType="sibTrans" cnt="1">
+            <dgm:layoutNode name="parTxOnlySpace">
+              <dgm:alg type="sp"/>
+              <dgm:shape xmlns:r="http://schemas.openxmlformats.org/officeDocument/2006/relationships" r:blip="">
                 <dgm:adjLst/>
               </dgm:shape>
-              <dgm:presOf axis="self"/>
-              <dgm:constrLst>
-                <dgm:constr type="h" refType="w" fact="0.65"/>
-                <dgm:constr type="connDist"/>
-                <dgm:constr type="begPad" refType="connDist" fact="0.2"/>
-                <dgm:constr type="endPad" refType="connDist" fact="0.2"/>
-              </dgm:constrLst>
+              <dgm:presOf/>
+              <dgm:constrLst/>
               <dgm:ruleLst/>
             </dgm:layoutNode>
           </dgm:forEach>
-        </dgm:if>
-        <dgm:else name="Name16"/>
-      </dgm:choose>
-    </dgm:forEach>
+        </dgm:forEach>
+      </dgm:else>
+    </dgm:choose>
   </dgm:layoutNode>
 </dgm:layoutDef>
 </file>
 
 <file path=ppt/diagrams/quickStyle1.xml><?xml version="1.0" encoding="utf-8"?>
-<dgm:styleDef xmlns:dgm="http://schemas.openxmlformats.org/drawingml/2006/diagram" xmlns:a="http://schemas.openxmlformats.org/drawingml/2006/main" uniqueId="urn:microsoft.com/office/officeart/2005/8/quickstyle/3d5">
+<dgm:styleDef xmlns:dgm="http://schemas.openxmlformats.org/drawingml/2006/diagram" xmlns:a="http://schemas.openxmlformats.org/drawingml/2006/main" uniqueId="urn:microsoft.com/office/officeart/2005/8/quickstyle/simple1">
   <dgm:title val=""/>
   <dgm:desc val=""/>
   <dgm:catLst>
-    <dgm:cat type="3D" pri="11500"/>
+    <dgm:cat type="simple" pri="10100"/>
   </dgm:catLst>
   <dgm:scene3d>
-    <a:camera prst="isometricOffAxis2Left" zoom="95000"/>
-    <a:lightRig rig="flat" dir="t"/>
+    <a:camera prst="orthographicFront"/>
+    <a:lightRig rig="threePt" dir="t"/>
   </dgm:scene3d>
   <dgm:styleLbl name="node0">
     <dgm:scene3d>
       <a:camera prst="orthographicFront"/>
       <a:lightRig rig="threePt" dir="t"/>
     </dgm:scene3d>
-    <dgm:sp3d extrusionH="381000" contourW="38100" prstMaterial="matte">
-      <a:contourClr>
-        <a:schemeClr val="lt1"/>
-      </a:contourClr>
-    </dgm:sp3d>
+    <dgm:sp3d/>
     <dgm:txPr/>
     <dgm:style>
-      <a:lnRef idx="0">
+      <a:lnRef idx="2">
         <a:scrgbClr r="0" g="0" b="0"/>
       </a:lnRef>
       <a:fillRef idx="1">
@@ -4717,14 +1655,10 @@
       <a:camera prst="orthographicFront"/>
       <a:lightRig rig="threePt" dir="t"/>
     </dgm:scene3d>
-    <dgm:sp3d extrusionH="381000" contourW="38100" prstMaterial="matte">
-      <a:contourClr>
-        <a:schemeClr val="lt1"/>
-      </a:contourClr>
-    </dgm:sp3d>
+    <dgm:sp3d/>
     <dgm:txPr/>
     <dgm:style>
-      <a:lnRef idx="0">
+      <a:lnRef idx="2">
         <a:scrgbClr r="0" g="0" b="0"/>
       </a:lnRef>
       <a:fillRef idx="1">
@@ -4743,14 +1677,10 @@
       <a:camera prst="orthographicFront"/>
       <a:lightRig rig="threePt" dir="t"/>
     </dgm:scene3d>
-    <dgm:sp3d extrusionH="381000" contourW="38100" prstMaterial="matte">
-      <a:contourClr>
-        <a:schemeClr val="lt1"/>
-      </a:contourClr>
-    </dgm:sp3d>
+    <dgm:sp3d/>
     <dgm:txPr/>
     <dgm:style>
-      <a:lnRef idx="0">
+      <a:lnRef idx="2">
         <a:scrgbClr r="0" g="0" b="0"/>
       </a:lnRef>
       <a:fillRef idx="1">
@@ -4769,14 +1699,10 @@
       <a:camera prst="orthographicFront"/>
       <a:lightRig rig="threePt" dir="t"/>
     </dgm:scene3d>
-    <dgm:sp3d extrusionH="381000" contourW="38100" prstMaterial="matte">
-      <a:contourClr>
-        <a:schemeClr val="lt1"/>
-      </a:contourClr>
-    </dgm:sp3d>
+    <dgm:sp3d/>
     <dgm:txPr/>
     <dgm:style>
-      <a:lnRef idx="1">
+      <a:lnRef idx="2">
         <a:scrgbClr r="0" g="0" b="0"/>
       </a:lnRef>
       <a:fillRef idx="1">
@@ -4795,14 +1721,10 @@
       <a:camera prst="orthographicFront"/>
       <a:lightRig rig="threePt" dir="t"/>
     </dgm:scene3d>
-    <dgm:sp3d extrusionH="381000" contourW="38100" prstMaterial="matte">
-      <a:contourClr>
-        <a:schemeClr val="lt1"/>
-      </a:contourClr>
-    </dgm:sp3d>
+    <dgm:sp3d/>
     <dgm:txPr/>
     <dgm:style>
-      <a:lnRef idx="0">
+      <a:lnRef idx="2">
         <a:scrgbClr r="0" g="0" b="0"/>
       </a:lnRef>
       <a:fillRef idx="1">
@@ -4821,14 +1743,10 @@
       <a:camera prst="orthographicFront"/>
       <a:lightRig rig="threePt" dir="t"/>
     </dgm:scene3d>
-    <dgm:sp3d extrusionH="381000" contourW="38100" prstMaterial="matte">
-      <a:contourClr>
-        <a:schemeClr val="lt1"/>
-      </a:contourClr>
-    </dgm:sp3d>
+    <dgm:sp3d/>
     <dgm:txPr/>
     <dgm:style>
-      <a:lnRef idx="0">
+      <a:lnRef idx="2">
         <a:scrgbClr r="0" g="0" b="0"/>
       </a:lnRef>
       <a:fillRef idx="1">
@@ -4847,14 +1765,10 @@
       <a:camera prst="orthographicFront"/>
       <a:lightRig rig="threePt" dir="t"/>
     </dgm:scene3d>
-    <dgm:sp3d extrusionH="381000" contourW="38100" prstMaterial="matte">
-      <a:contourClr>
-        <a:schemeClr val="lt1"/>
-      </a:contourClr>
-    </dgm:sp3d>
+    <dgm:sp3d/>
     <dgm:txPr/>
     <dgm:style>
-      <a:lnRef idx="0">
+      <a:lnRef idx="2">
         <a:scrgbClr r="0" g="0" b="0"/>
       </a:lnRef>
       <a:fillRef idx="1">
@@ -4873,14 +1787,10 @@
       <a:camera prst="orthographicFront"/>
       <a:lightRig rig="threePt" dir="t"/>
     </dgm:scene3d>
-    <dgm:sp3d extrusionH="381000" contourW="38100" prstMaterial="matte">
-      <a:contourClr>
-        <a:schemeClr val="lt1"/>
-      </a:contourClr>
-    </dgm:sp3d>
+    <dgm:sp3d/>
     <dgm:txPr/>
     <dgm:style>
-      <a:lnRef idx="0">
+      <a:lnRef idx="2">
         <a:scrgbClr r="0" g="0" b="0"/>
       </a:lnRef>
       <a:fillRef idx="1">
@@ -4899,14 +1809,10 @@
       <a:camera prst="orthographicFront"/>
       <a:lightRig rig="threePt" dir="t"/>
     </dgm:scene3d>
-    <dgm:sp3d z="57150" extrusionH="63500" contourW="12700" prstMaterial="matte">
-      <a:contourClr>
-        <a:schemeClr val="lt1"/>
-      </a:contourClr>
-    </dgm:sp3d>
+    <dgm:sp3d/>
     <dgm:txPr/>
     <dgm:style>
-      <a:lnRef idx="0">
+      <a:lnRef idx="2">
         <a:scrgbClr r="0" g="0" b="0"/>
       </a:lnRef>
       <a:fillRef idx="1">
@@ -4923,14 +1829,10 @@
       <a:camera prst="orthographicFront"/>
       <a:lightRig rig="threePt" dir="t"/>
     </dgm:scene3d>
-    <dgm:sp3d extrusionH="63500" contourW="12700" prstMaterial="matte">
-      <a:contourClr>
-        <a:schemeClr val="lt1"/>
-      </a:contourClr>
-    </dgm:sp3d>
+    <dgm:sp3d/>
     <dgm:txPr/>
     <dgm:style>
-      <a:lnRef idx="0">
+      <a:lnRef idx="2">
         <a:scrgbClr r="0" g="0" b="0"/>
       </a:lnRef>
       <a:fillRef idx="1">
@@ -4947,14 +1849,10 @@
       <a:camera prst="orthographicFront"/>
       <a:lightRig rig="threePt" dir="t"/>
     </dgm:scene3d>
-    <dgm:sp3d z="-381000" extrusionH="63500" contourW="12700" prstMaterial="matte">
-      <a:contourClr>
-        <a:schemeClr val="lt1"/>
-      </a:contourClr>
-    </dgm:sp3d>
+    <dgm:sp3d/>
     <dgm:txPr/>
     <dgm:style>
-      <a:lnRef idx="0">
+      <a:lnRef idx="2">
         <a:scrgbClr r="0" g="0" b="0"/>
       </a:lnRef>
       <a:fillRef idx="1">
@@ -4971,11 +1869,7 @@
       <a:camera prst="orthographicFront"/>
       <a:lightRig rig="threePt" dir="t"/>
     </dgm:scene3d>
-    <dgm:sp3d z="-52400" extrusionH="181000" contourW="38100" prstMaterial="matte">
-      <a:contourClr>
-        <a:schemeClr val="lt1"/>
-      </a:contourClr>
-    </dgm:sp3d>
+    <dgm:sp3d/>
     <dgm:txPr/>
     <dgm:style>
       <a:lnRef idx="0">
@@ -4997,13 +1891,7 @@
       <a:camera prst="orthographicFront"/>
       <a:lightRig rig="threePt" dir="t"/>
     </dgm:scene3d>
-    <dgm:sp3d z="57150" extrusionH="63500" contourW="12700" prstMaterial="matte">
-      <a:contourClr>
-        <a:schemeClr val="dk1">
-          <a:tint val="20000"/>
-        </a:schemeClr>
-      </a:contourClr>
-    </dgm:sp3d>
+    <dgm:sp3d/>
     <dgm:txPr/>
     <dgm:style>
       <a:lnRef idx="0">
@@ -5025,13 +1913,7 @@
       <a:camera prst="orthographicFront"/>
       <a:lightRig rig="threePt" dir="t"/>
     </dgm:scene3d>
-    <dgm:sp3d z="-381000" extrusionH="63500" contourW="12700" prstMaterial="matte">
-      <a:contourClr>
-        <a:schemeClr val="dk1">
-          <a:tint val="20000"/>
-        </a:schemeClr>
-      </a:contourClr>
-    </dgm:sp3d>
+    <dgm:sp3d/>
     <dgm:txPr/>
     <dgm:style>
       <a:lnRef idx="0">
@@ -5053,7 +1935,7 @@
       <a:camera prst="orthographicFront"/>
       <a:lightRig rig="threePt" dir="t"/>
     </dgm:scene3d>
-    <dgm:sp3d z="-40000" prstMaterial="matte"/>
+    <dgm:sp3d/>
     <dgm:txPr/>
     <dgm:style>
       <a:lnRef idx="1">
@@ -5073,7 +1955,7 @@
       <a:camera prst="orthographicFront"/>
       <a:lightRig rig="threePt" dir="t"/>
     </dgm:scene3d>
-    <dgm:sp3d z="127000" prstMaterial="matte"/>
+    <dgm:sp3d/>
     <dgm:txPr/>
     <dgm:style>
       <a:lnRef idx="2">
@@ -5093,14 +1975,10 @@
       <a:camera prst="orthographicFront"/>
       <a:lightRig rig="threePt" dir="t"/>
     </dgm:scene3d>
-    <dgm:sp3d extrusionH="381000" contourW="38100" prstMaterial="matte">
-      <a:contourClr>
-        <a:schemeClr val="lt1"/>
-      </a:contourClr>
-    </dgm:sp3d>
+    <dgm:sp3d/>
     <dgm:txPr/>
     <dgm:style>
-      <a:lnRef idx="0">
+      <a:lnRef idx="2">
         <a:scrgbClr r="0" g="0" b="0"/>
       </a:lnRef>
       <a:fillRef idx="1">
@@ -5119,14 +1997,10 @@
       <a:camera prst="orthographicFront"/>
       <a:lightRig rig="threePt" dir="t"/>
     </dgm:scene3d>
-    <dgm:sp3d extrusionH="381000" contourW="38100" prstMaterial="matte">
-      <a:contourClr>
-        <a:schemeClr val="lt1"/>
-      </a:contourClr>
-    </dgm:sp3d>
+    <dgm:sp3d/>
     <dgm:txPr/>
     <dgm:style>
-      <a:lnRef idx="0">
+      <a:lnRef idx="2">
         <a:scrgbClr r="0" g="0" b="0"/>
       </a:lnRef>
       <a:fillRef idx="1">
@@ -5145,14 +2019,10 @@
       <a:camera prst="orthographicFront"/>
       <a:lightRig rig="threePt" dir="t"/>
     </dgm:scene3d>
-    <dgm:sp3d extrusionH="381000" contourW="38100" prstMaterial="matte">
-      <a:contourClr>
-        <a:schemeClr val="lt1"/>
-      </a:contourClr>
-    </dgm:sp3d>
+    <dgm:sp3d/>
     <dgm:txPr/>
     <dgm:style>
-      <a:lnRef idx="0">
+      <a:lnRef idx="2">
         <a:scrgbClr r="0" g="0" b="0"/>
       </a:lnRef>
       <a:fillRef idx="1">
@@ -5171,14 +2041,32 @@
       <a:camera prst="orthographicFront"/>
       <a:lightRig rig="threePt" dir="t"/>
     </dgm:scene3d>
-    <dgm:sp3d extrusionH="381000" contourW="38100" prstMaterial="matte">
-      <a:contourClr>
-        <a:schemeClr val="lt1"/>
-      </a:contourClr>
-    </dgm:sp3d>
+    <dgm:sp3d/>
     <dgm:txPr/>
     <dgm:style>
-      <a:lnRef idx="0">
+      <a:lnRef idx="2">
+        <a:scrgbClr r="0" g="0" b="0"/>
+      </a:lnRef>
+      <a:fillRef idx="1">
+        <a:scrgbClr r="0" g="0" b="0"/>
+      </a:fillRef>
+      <a:effectRef idx="0">
+        <a:scrgbClr r="0" g="0" b="0"/>
+      </a:effectRef>
+      <a:fontRef idx="minor">
+        <a:schemeClr val="lt1"/>
+      </a:fontRef>
+    </dgm:style>
+  </dgm:styleLbl>
+  <dgm:styleLbl name="asst4">
+    <dgm:scene3d>
+      <a:camera prst="orthographicFront"/>
+      <a:lightRig rig="threePt" dir="t"/>
+    </dgm:scene3d>
+    <dgm:sp3d/>
+    <dgm:txPr/>
+    <dgm:style>
+      <a:lnRef idx="2">
         <a:scrgbClr r="0" g="0" b="0"/>
       </a:lnRef>
       <a:fillRef idx="1">
@@ -5197,14 +2085,10 @@
       <a:camera prst="orthographicFront"/>
       <a:lightRig rig="threePt" dir="t"/>
     </dgm:scene3d>
-    <dgm:sp3d z="52400" extrusionH="381000" contourW="38100" prstMaterial="matte">
-      <a:contourClr>
-        <a:schemeClr val="lt1"/>
-      </a:contourClr>
-    </dgm:sp3d>
+    <dgm:sp3d/>
     <dgm:txPr/>
     <dgm:style>
-      <a:lnRef idx="0">
+      <a:lnRef idx="2">
         <a:scrgbClr r="0" g="0" b="0"/>
       </a:lnRef>
       <a:fillRef idx="1">
@@ -5223,14 +2107,10 @@
       <a:camera prst="orthographicFront"/>
       <a:lightRig rig="threePt" dir="t"/>
     </dgm:scene3d>
-    <dgm:sp3d z="52400" extrusionH="381000" contourW="38100" prstMaterial="matte">
-      <a:contourClr>
-        <a:schemeClr val="lt1"/>
-      </a:contourClr>
-    </dgm:sp3d>
+    <dgm:sp3d/>
     <dgm:txPr/>
     <dgm:style>
-      <a:lnRef idx="0">
+      <a:lnRef idx="2">
         <a:scrgbClr r="0" g="0" b="0"/>
       </a:lnRef>
       <a:fillRef idx="1">
@@ -5249,19 +2129,16 @@
       <a:camera prst="orthographicFront"/>
       <a:lightRig rig="threePt" dir="t"/>
     </dgm:scene3d>
-    <dgm:sp3d z="60000" prstMaterial="flat">
-      <a:bevelT w="120900" h="88900"/>
-      <a:bevelB w="88900" h="31750" prst="angle"/>
-    </dgm:sp3d>
+    <dgm:sp3d/>
     <dgm:txPr/>
     <dgm:style>
-      <a:lnRef idx="0">
+      <a:lnRef idx="2">
         <a:scrgbClr r="0" g="0" b="0"/>
       </a:lnRef>
-      <a:fillRef idx="3">
+      <a:fillRef idx="1">
         <a:scrgbClr r="0" g="0" b="0"/>
       </a:fillRef>
-      <a:effectRef idx="1">
+      <a:effectRef idx="0">
         <a:scrgbClr r="0" g="0" b="0"/>
       </a:effectRef>
       <a:fontRef idx="minor">
@@ -5274,19 +2151,16 @@
       <a:camera prst="orthographicFront"/>
       <a:lightRig rig="threePt" dir="t"/>
     </dgm:scene3d>
-    <dgm:sp3d z="60000" prstMaterial="flat">
-      <a:bevelT w="120900" h="88900"/>
-      <a:bevelB w="88900" h="31750" prst="angle"/>
-    </dgm:sp3d>
+    <dgm:sp3d/>
     <dgm:txPr/>
     <dgm:style>
-      <a:lnRef idx="0">
+      <a:lnRef idx="2">
         <a:scrgbClr r="0" g="0" b="0"/>
       </a:lnRef>
-      <a:fillRef idx="3">
+      <a:fillRef idx="1">
         <a:scrgbClr r="0" g="0" b="0"/>
       </a:fillRef>
-      <a:effectRef idx="1">
+      <a:effectRef idx="0">
         <a:scrgbClr r="0" g="0" b="0"/>
       </a:effectRef>
       <a:fontRef idx="minor">
@@ -5299,7 +2173,7 @@
       <a:camera prst="orthographicFront"/>
       <a:lightRig rig="threePt" dir="t"/>
     </dgm:scene3d>
-    <dgm:sp3d z="-40000" prstMaterial="matte"/>
+    <dgm:sp3d/>
     <dgm:txPr/>
     <dgm:style>
       <a:lnRef idx="2">
@@ -5319,7 +2193,7 @@
       <a:camera prst="orthographicFront"/>
       <a:lightRig rig="threePt" dir="t"/>
     </dgm:scene3d>
-    <dgm:sp3d z="-40000" prstMaterial="matte"/>
+    <dgm:sp3d/>
     <dgm:txPr/>
     <dgm:style>
       <a:lnRef idx="2">
@@ -5339,7 +2213,7 @@
       <a:camera prst="orthographicFront"/>
       <a:lightRig rig="threePt" dir="t"/>
     </dgm:scene3d>
-    <dgm:sp3d z="-40000" prstMaterial="matte"/>
+    <dgm:sp3d/>
     <dgm:txPr/>
     <dgm:style>
       <a:lnRef idx="2">
@@ -5359,7 +2233,7 @@
       <a:camera prst="orthographicFront"/>
       <a:lightRig rig="threePt" dir="t"/>
     </dgm:scene3d>
-    <dgm:sp3d z="-40000" prstMaterial="matte"/>
+    <dgm:sp3d/>
     <dgm:txPr/>
     <dgm:style>
       <a:lnRef idx="2">
@@ -5379,10 +2253,10 @@
       <a:camera prst="orthographicFront"/>
       <a:lightRig rig="threePt" dir="t"/>
     </dgm:scene3d>
-    <dgm:sp3d z="57150" extrusionH="63500" prstMaterial="matte"/>
+    <dgm:sp3d/>
     <dgm:txPr/>
     <dgm:style>
-      <a:lnRef idx="1">
+      <a:lnRef idx="2">
         <a:scrgbClr r="0" g="0" b="0"/>
       </a:lnRef>
       <a:fillRef idx="1">
@@ -5399,10 +2273,10 @@
       <a:camera prst="orthographicFront"/>
       <a:lightRig rig="threePt" dir="t"/>
     </dgm:scene3d>
-    <dgm:sp3d z="-60000" extrusionH="63500" prstMaterial="matte"/>
+    <dgm:sp3d/>
     <dgm:txPr/>
     <dgm:style>
-      <a:lnRef idx="1">
+      <a:lnRef idx="2">
         <a:scrgbClr r="0" g="0" b="0"/>
       </a:lnRef>
       <a:fillRef idx="1">
@@ -5419,10 +2293,10 @@
       <a:camera prst="orthographicFront"/>
       <a:lightRig rig="threePt" dir="t"/>
     </dgm:scene3d>
-    <dgm:sp3d z="-60000" extrusionH="63500" prstMaterial="matte"/>
+    <dgm:sp3d/>
     <dgm:txPr/>
     <dgm:style>
-      <a:lnRef idx="1">
+      <a:lnRef idx="2">
         <a:scrgbClr r="0" g="0" b="0"/>
       </a:lnRef>
       <a:fillRef idx="1">
@@ -5439,7 +2313,7 @@
       <a:camera prst="orthographicFront"/>
       <a:lightRig rig="threePt" dir="t"/>
     </dgm:scene3d>
-    <dgm:sp3d extrusionH="381000" prstMaterial="matte"/>
+    <dgm:sp3d/>
     <dgm:txPr/>
     <dgm:style>
       <a:lnRef idx="1">
@@ -5459,10 +2333,10 @@
       <a:camera prst="orthographicFront"/>
       <a:lightRig rig="threePt" dir="t"/>
     </dgm:scene3d>
-    <dgm:sp3d z="-400500" extrusionH="63500" prstMaterial="matte"/>
+    <dgm:sp3d/>
     <dgm:txPr/>
     <dgm:style>
-      <a:lnRef idx="1">
+      <a:lnRef idx="2">
         <a:scrgbClr r="0" g="0" b="0"/>
       </a:lnRef>
       <a:fillRef idx="1">
@@ -5479,18 +2353,16 @@
       <a:camera prst="orthographicFront"/>
       <a:lightRig rig="threePt" dir="t"/>
     </dgm:scene3d>
-    <dgm:sp3d z="57150" extrusionH="12700" prstMaterial="flat">
-      <a:bevelT w="50800" h="50800"/>
-    </dgm:sp3d>
+    <dgm:sp3d/>
     <dgm:txPr/>
     <dgm:style>
-      <a:lnRef idx="1">
+      <a:lnRef idx="2">
         <a:scrgbClr r="0" g="0" b="0"/>
       </a:lnRef>
       <a:fillRef idx="1">
         <a:scrgbClr r="0" g="0" b="0"/>
       </a:fillRef>
-      <a:effectRef idx="2">
+      <a:effectRef idx="0">
         <a:scrgbClr r="0" g="0" b="0"/>
       </a:effectRef>
       <a:fontRef idx="minor"/>
@@ -5501,18 +2373,16 @@
       <a:camera prst="orthographicFront"/>
       <a:lightRig rig="threePt" dir="t"/>
     </dgm:scene3d>
-    <dgm:sp3d extrusionH="12700" prstMaterial="flat">
-      <a:bevelT w="50800" h="50800"/>
-    </dgm:sp3d>
+    <dgm:sp3d/>
     <dgm:txPr/>
     <dgm:style>
-      <a:lnRef idx="1">
+      <a:lnRef idx="2">
         <a:scrgbClr r="0" g="0" b="0"/>
       </a:lnRef>
       <a:fillRef idx="1">
         <a:scrgbClr r="0" g="0" b="0"/>
       </a:fillRef>
-      <a:effectRef idx="2">
+      <a:effectRef idx="0">
         <a:scrgbClr r="0" g="0" b="0"/>
       </a:effectRef>
       <a:fontRef idx="minor"/>
@@ -5523,10 +2393,10 @@
       <a:camera prst="orthographicFront"/>
       <a:lightRig rig="threePt" dir="t"/>
     </dgm:scene3d>
-    <dgm:sp3d z="-63500" extrusionH="63500" prstMaterial="matte"/>
+    <dgm:sp3d/>
     <dgm:txPr/>
     <dgm:style>
-      <a:lnRef idx="1">
+      <a:lnRef idx="2">
         <a:scrgbClr r="0" g="0" b="0"/>
       </a:lnRef>
       <a:fillRef idx="1">
@@ -5543,16 +2413,10 @@
       <a:camera prst="orthographicFront"/>
       <a:lightRig rig="threePt" dir="t"/>
     </dgm:scene3d>
-    <dgm:sp3d z="57150" extrusionH="63500" contourW="12700" prstMaterial="matte">
-      <a:contourClr>
-        <a:schemeClr val="dk1">
-          <a:tint val="20000"/>
-        </a:schemeClr>
-      </a:contourClr>
-    </dgm:sp3d>
+    <dgm:sp3d/>
     <dgm:txPr/>
     <dgm:style>
-      <a:lnRef idx="0">
+      <a:lnRef idx="2">
         <a:scrgbClr r="0" g="0" b="0"/>
       </a:lnRef>
       <a:fillRef idx="1">
@@ -5569,14 +2433,10 @@
       <a:camera prst="orthographicFront"/>
       <a:lightRig rig="threePt" dir="t"/>
     </dgm:scene3d>
-    <dgm:sp3d extrusionH="381000" contourW="38100" prstMaterial="matte">
-      <a:contourClr>
-        <a:schemeClr val="lt1"/>
-      </a:contourClr>
-    </dgm:sp3d>
+    <dgm:sp3d/>
     <dgm:txPr/>
     <dgm:style>
-      <a:lnRef idx="0">
+      <a:lnRef idx="2">
         <a:scrgbClr r="0" g="0" b="0"/>
       </a:lnRef>
       <a:fillRef idx="1">
@@ -5593,20 +2453,16 @@
       <a:camera prst="orthographicFront"/>
       <a:lightRig rig="threePt" dir="t"/>
     </dgm:scene3d>
-    <dgm:sp3d z="-400500" extrusionH="63500" contourW="12700" prstMaterial="matte">
-      <a:contourClr>
-        <a:schemeClr val="lt1"/>
-      </a:contourClr>
-    </dgm:sp3d>
+    <dgm:sp3d/>
     <dgm:txPr/>
     <dgm:style>
-      <a:lnRef idx="0">
+      <a:lnRef idx="2">
         <a:scrgbClr r="0" g="0" b="0"/>
       </a:lnRef>
       <a:fillRef idx="1">
         <a:scrgbClr r="0" g="0" b="0"/>
       </a:fillRef>
-      <a:effectRef idx="2">
+      <a:effectRef idx="0">
         <a:scrgbClr r="0" g="0" b="0"/>
       </a:effectRef>
       <a:fontRef idx="minor"/>
@@ -5617,10 +2473,10 @@
       <a:camera prst="orthographicFront"/>
       <a:lightRig rig="threePt" dir="t"/>
     </dgm:scene3d>
-    <dgm:sp3d z="57150" extrusionH="63500" prstMaterial="matte"/>
+    <dgm:sp3d/>
     <dgm:txPr/>
     <dgm:style>
-      <a:lnRef idx="1">
+      <a:lnRef idx="2">
         <a:scrgbClr r="0" g="0" b="0"/>
       </a:lnRef>
       <a:fillRef idx="1">
@@ -5637,10 +2493,10 @@
       <a:camera prst="orthographicFront"/>
       <a:lightRig rig="threePt" dir="t"/>
     </dgm:scene3d>
-    <dgm:sp3d z="57150" extrusionH="63500" prstMaterial="matte"/>
+    <dgm:sp3d/>
     <dgm:txPr/>
     <dgm:style>
-      <a:lnRef idx="1">
+      <a:lnRef idx="2">
         <a:scrgbClr r="0" g="0" b="0"/>
       </a:lnRef>
       <a:fillRef idx="1">
@@ -5657,10 +2513,10 @@
       <a:camera prst="orthographicFront"/>
       <a:lightRig rig="threePt" dir="t"/>
     </dgm:scene3d>
-    <dgm:sp3d z="57150" extrusionH="63500" prstMaterial="matte"/>
+    <dgm:sp3d/>
     <dgm:txPr/>
     <dgm:style>
-      <a:lnRef idx="1">
+      <a:lnRef idx="2">
         <a:scrgbClr r="0" g="0" b="0"/>
       </a:lnRef>
       <a:fillRef idx="1">
@@ -5677,10 +2533,10 @@
       <a:camera prst="orthographicFront"/>
       <a:lightRig rig="threePt" dir="t"/>
     </dgm:scene3d>
-    <dgm:sp3d z="57150" extrusionH="63500" prstMaterial="matte"/>
+    <dgm:sp3d/>
     <dgm:txPr/>
     <dgm:style>
-      <a:lnRef idx="1">
+      <a:lnRef idx="2">
         <a:scrgbClr r="0" g="0" b="0"/>
       </a:lnRef>
       <a:fillRef idx="1">
@@ -5697,13 +2553,7 @@
       <a:camera prst="orthographicFront"/>
       <a:lightRig rig="threePt" dir="t"/>
     </dgm:scene3d>
-    <dgm:sp3d z="-400500" extrusionH="63500" contourW="12700" prstMaterial="matte">
-      <a:contourClr>
-        <a:schemeClr val="lt1">
-          <a:tint val="50000"/>
-        </a:schemeClr>
-      </a:contourClr>
-    </dgm:sp3d>
+    <dgm:sp3d/>
     <dgm:txPr/>
     <dgm:style>
       <a:lnRef idx="0">
@@ -5723,11 +2573,7 @@
       <a:camera prst="orthographicFront"/>
       <a:lightRig rig="threePt" dir="t"/>
     </dgm:scene3d>
-    <dgm:sp3d extrusionH="381000" contourW="38100" prstMaterial="matte">
-      <a:contourClr>
-        <a:schemeClr val="lt1"/>
-      </a:contourClr>
-    </dgm:sp3d>
+    <dgm:sp3d/>
     <dgm:txPr/>
     <dgm:style>
       <a:lnRef idx="0">
@@ -5739,9 +2585,7 @@
       <a:effectRef idx="0">
         <a:scrgbClr r="0" g="0" b="0"/>
       </a:effectRef>
-      <a:fontRef idx="minor">
-        <a:schemeClr val="lt1"/>
-      </a:fontRef>
+      <a:fontRef idx="minor"/>
     </dgm:style>
   </dgm:styleLbl>
   <dgm:styleLbl name="trBgShp">
@@ -5749,7 +2593,7 @@
       <a:camera prst="orthographicFront"/>
       <a:lightRig rig="threePt" dir="t"/>
     </dgm:scene3d>
-    <dgm:sp3d z="-400500" prstMaterial="matte"/>
+    <dgm:sp3d/>
     <dgm:txPr/>
     <dgm:style>
       <a:lnRef idx="0">
@@ -5769,1154 +2613,10 @@
       <a:camera prst="orthographicFront"/>
       <a:lightRig rig="threePt" dir="t"/>
     </dgm:scene3d>
-    <dgm:sp3d z="57150" extrusionH="63500" contourW="12700" prstMaterial="matte">
-      <a:contourClr>
-        <a:schemeClr val="lt1">
-          <a:tint val="50000"/>
-        </a:schemeClr>
-      </a:contourClr>
-    </dgm:sp3d>
-    <dgm:txPr/>
-    <dgm:style>
-      <a:lnRef idx="0">
-        <a:scrgbClr r="0" g="0" b="0"/>
-      </a:lnRef>
-      <a:fillRef idx="1">
-        <a:scrgbClr r="0" g="0" b="0"/>
-      </a:fillRef>
-      <a:effectRef idx="0">
-        <a:scrgbClr r="0" g="0" b="0"/>
-      </a:effectRef>
-      <a:fontRef idx="minor"/>
-    </dgm:style>
-  </dgm:styleLbl>
-  <dgm:styleLbl name="revTx">
-    <dgm:scene3d>
-      <a:camera prst="orthographicFront"/>
-      <a:lightRig rig="threePt" dir="t"/>
-    </dgm:scene3d>
     <dgm:sp3d/>
     <dgm:txPr/>
     <dgm:style>
-      <a:lnRef idx="0">
-        <a:scrgbClr r="0" g="0" b="0"/>
-      </a:lnRef>
-      <a:fillRef idx="0">
-        <a:scrgbClr r="0" g="0" b="0"/>
-      </a:fillRef>
-      <a:effectRef idx="0">
-        <a:scrgbClr r="0" g="0" b="0"/>
-      </a:effectRef>
-      <a:fontRef idx="minor"/>
-    </dgm:style>
-  </dgm:styleLbl>
-</dgm:styleDef>
-</file>
-
-<file path=ppt/diagrams/quickStyle2.xml><?xml version="1.0" encoding="utf-8"?>
-<dgm:styleDef xmlns:dgm="http://schemas.openxmlformats.org/drawingml/2006/diagram" xmlns:a="http://schemas.openxmlformats.org/drawingml/2006/main" uniqueId="urn:microsoft.com/office/officeart/2005/8/quickstyle/3d5">
-  <dgm:title val=""/>
-  <dgm:desc val=""/>
-  <dgm:catLst>
-    <dgm:cat type="3D" pri="11500"/>
-  </dgm:catLst>
-  <dgm:scene3d>
-    <a:camera prst="isometricOffAxis2Left" zoom="95000"/>
-    <a:lightRig rig="flat" dir="t"/>
-  </dgm:scene3d>
-  <dgm:styleLbl name="node0">
-    <dgm:scene3d>
-      <a:camera prst="orthographicFront"/>
-      <a:lightRig rig="threePt" dir="t"/>
-    </dgm:scene3d>
-    <dgm:sp3d extrusionH="381000" contourW="38100" prstMaterial="matte">
-      <a:contourClr>
-        <a:schemeClr val="lt1"/>
-      </a:contourClr>
-    </dgm:sp3d>
-    <dgm:txPr/>
-    <dgm:style>
-      <a:lnRef idx="0">
-        <a:scrgbClr r="0" g="0" b="0"/>
-      </a:lnRef>
-      <a:fillRef idx="1">
-        <a:scrgbClr r="0" g="0" b="0"/>
-      </a:fillRef>
-      <a:effectRef idx="0">
-        <a:scrgbClr r="0" g="0" b="0"/>
-      </a:effectRef>
-      <a:fontRef idx="minor">
-        <a:schemeClr val="lt1"/>
-      </a:fontRef>
-    </dgm:style>
-  </dgm:styleLbl>
-  <dgm:styleLbl name="lnNode1">
-    <dgm:scene3d>
-      <a:camera prst="orthographicFront"/>
-      <a:lightRig rig="threePt" dir="t"/>
-    </dgm:scene3d>
-    <dgm:sp3d extrusionH="381000" contourW="38100" prstMaterial="matte">
-      <a:contourClr>
-        <a:schemeClr val="lt1"/>
-      </a:contourClr>
-    </dgm:sp3d>
-    <dgm:txPr/>
-    <dgm:style>
-      <a:lnRef idx="0">
-        <a:scrgbClr r="0" g="0" b="0"/>
-      </a:lnRef>
-      <a:fillRef idx="1">
-        <a:scrgbClr r="0" g="0" b="0"/>
-      </a:fillRef>
-      <a:effectRef idx="0">
-        <a:scrgbClr r="0" g="0" b="0"/>
-      </a:effectRef>
-      <a:fontRef idx="minor">
-        <a:schemeClr val="lt1"/>
-      </a:fontRef>
-    </dgm:style>
-  </dgm:styleLbl>
-  <dgm:styleLbl name="vennNode1">
-    <dgm:scene3d>
-      <a:camera prst="orthographicFront"/>
-      <a:lightRig rig="threePt" dir="t"/>
-    </dgm:scene3d>
-    <dgm:sp3d extrusionH="381000" contourW="38100" prstMaterial="matte">
-      <a:contourClr>
-        <a:schemeClr val="lt1"/>
-      </a:contourClr>
-    </dgm:sp3d>
-    <dgm:txPr/>
-    <dgm:style>
-      <a:lnRef idx="0">
-        <a:scrgbClr r="0" g="0" b="0"/>
-      </a:lnRef>
-      <a:fillRef idx="1">
-        <a:scrgbClr r="0" g="0" b="0"/>
-      </a:fillRef>
-      <a:effectRef idx="0">
-        <a:scrgbClr r="0" g="0" b="0"/>
-      </a:effectRef>
-      <a:fontRef idx="minor">
-        <a:schemeClr val="tx1"/>
-      </a:fontRef>
-    </dgm:style>
-  </dgm:styleLbl>
-  <dgm:styleLbl name="alignNode1">
-    <dgm:scene3d>
-      <a:camera prst="orthographicFront"/>
-      <a:lightRig rig="threePt" dir="t"/>
-    </dgm:scene3d>
-    <dgm:sp3d extrusionH="381000" contourW="38100" prstMaterial="matte">
-      <a:contourClr>
-        <a:schemeClr val="lt1"/>
-      </a:contourClr>
-    </dgm:sp3d>
-    <dgm:txPr/>
-    <dgm:style>
-      <a:lnRef idx="1">
-        <a:scrgbClr r="0" g="0" b="0"/>
-      </a:lnRef>
-      <a:fillRef idx="1">
-        <a:scrgbClr r="0" g="0" b="0"/>
-      </a:fillRef>
-      <a:effectRef idx="0">
-        <a:scrgbClr r="0" g="0" b="0"/>
-      </a:effectRef>
-      <a:fontRef idx="minor">
-        <a:schemeClr val="lt1"/>
-      </a:fontRef>
-    </dgm:style>
-  </dgm:styleLbl>
-  <dgm:styleLbl name="node1">
-    <dgm:scene3d>
-      <a:camera prst="orthographicFront"/>
-      <a:lightRig rig="threePt" dir="t"/>
-    </dgm:scene3d>
-    <dgm:sp3d extrusionH="381000" contourW="38100" prstMaterial="matte">
-      <a:contourClr>
-        <a:schemeClr val="lt1"/>
-      </a:contourClr>
-    </dgm:sp3d>
-    <dgm:txPr/>
-    <dgm:style>
-      <a:lnRef idx="0">
-        <a:scrgbClr r="0" g="0" b="0"/>
-      </a:lnRef>
-      <a:fillRef idx="1">
-        <a:scrgbClr r="0" g="0" b="0"/>
-      </a:fillRef>
-      <a:effectRef idx="0">
-        <a:scrgbClr r="0" g="0" b="0"/>
-      </a:effectRef>
-      <a:fontRef idx="minor">
-        <a:schemeClr val="lt1"/>
-      </a:fontRef>
-    </dgm:style>
-  </dgm:styleLbl>
-  <dgm:styleLbl name="node2">
-    <dgm:scene3d>
-      <a:camera prst="orthographicFront"/>
-      <a:lightRig rig="threePt" dir="t"/>
-    </dgm:scene3d>
-    <dgm:sp3d extrusionH="381000" contourW="38100" prstMaterial="matte">
-      <a:contourClr>
-        <a:schemeClr val="lt1"/>
-      </a:contourClr>
-    </dgm:sp3d>
-    <dgm:txPr/>
-    <dgm:style>
-      <a:lnRef idx="0">
-        <a:scrgbClr r="0" g="0" b="0"/>
-      </a:lnRef>
-      <a:fillRef idx="1">
-        <a:scrgbClr r="0" g="0" b="0"/>
-      </a:fillRef>
-      <a:effectRef idx="0">
-        <a:scrgbClr r="0" g="0" b="0"/>
-      </a:effectRef>
-      <a:fontRef idx="minor">
-        <a:schemeClr val="lt1"/>
-      </a:fontRef>
-    </dgm:style>
-  </dgm:styleLbl>
-  <dgm:styleLbl name="node3">
-    <dgm:scene3d>
-      <a:camera prst="orthographicFront"/>
-      <a:lightRig rig="threePt" dir="t"/>
-    </dgm:scene3d>
-    <dgm:sp3d extrusionH="381000" contourW="38100" prstMaterial="matte">
-      <a:contourClr>
-        <a:schemeClr val="lt1"/>
-      </a:contourClr>
-    </dgm:sp3d>
-    <dgm:txPr/>
-    <dgm:style>
-      <a:lnRef idx="0">
-        <a:scrgbClr r="0" g="0" b="0"/>
-      </a:lnRef>
-      <a:fillRef idx="1">
-        <a:scrgbClr r="0" g="0" b="0"/>
-      </a:fillRef>
-      <a:effectRef idx="0">
-        <a:scrgbClr r="0" g="0" b="0"/>
-      </a:effectRef>
-      <a:fontRef idx="minor">
-        <a:schemeClr val="lt1"/>
-      </a:fontRef>
-    </dgm:style>
-  </dgm:styleLbl>
-  <dgm:styleLbl name="node4">
-    <dgm:scene3d>
-      <a:camera prst="orthographicFront"/>
-      <a:lightRig rig="threePt" dir="t"/>
-    </dgm:scene3d>
-    <dgm:sp3d extrusionH="381000" contourW="38100" prstMaterial="matte">
-      <a:contourClr>
-        <a:schemeClr val="lt1"/>
-      </a:contourClr>
-    </dgm:sp3d>
-    <dgm:txPr/>
-    <dgm:style>
-      <a:lnRef idx="0">
-        <a:scrgbClr r="0" g="0" b="0"/>
-      </a:lnRef>
-      <a:fillRef idx="1">
-        <a:scrgbClr r="0" g="0" b="0"/>
-      </a:fillRef>
-      <a:effectRef idx="0">
-        <a:scrgbClr r="0" g="0" b="0"/>
-      </a:effectRef>
-      <a:fontRef idx="minor">
-        <a:schemeClr val="lt1"/>
-      </a:fontRef>
-    </dgm:style>
-  </dgm:styleLbl>
-  <dgm:styleLbl name="fgImgPlace1">
-    <dgm:scene3d>
-      <a:camera prst="orthographicFront"/>
-      <a:lightRig rig="threePt" dir="t"/>
-    </dgm:scene3d>
-    <dgm:sp3d z="57150" extrusionH="63500" contourW="12700" prstMaterial="matte">
-      <a:contourClr>
-        <a:schemeClr val="lt1"/>
-      </a:contourClr>
-    </dgm:sp3d>
-    <dgm:txPr/>
-    <dgm:style>
-      <a:lnRef idx="0">
-        <a:scrgbClr r="0" g="0" b="0"/>
-      </a:lnRef>
-      <a:fillRef idx="1">
-        <a:scrgbClr r="0" g="0" b="0"/>
-      </a:fillRef>
-      <a:effectRef idx="0">
-        <a:scrgbClr r="0" g="0" b="0"/>
-      </a:effectRef>
-      <a:fontRef idx="minor"/>
-    </dgm:style>
-  </dgm:styleLbl>
-  <dgm:styleLbl name="alignImgPlace1">
-    <dgm:scene3d>
-      <a:camera prst="orthographicFront"/>
-      <a:lightRig rig="threePt" dir="t"/>
-    </dgm:scene3d>
-    <dgm:sp3d extrusionH="63500" contourW="12700" prstMaterial="matte">
-      <a:contourClr>
-        <a:schemeClr val="lt1"/>
-      </a:contourClr>
-    </dgm:sp3d>
-    <dgm:txPr/>
-    <dgm:style>
-      <a:lnRef idx="0">
-        <a:scrgbClr r="0" g="0" b="0"/>
-      </a:lnRef>
-      <a:fillRef idx="1">
-        <a:scrgbClr r="0" g="0" b="0"/>
-      </a:fillRef>
-      <a:effectRef idx="0">
-        <a:scrgbClr r="0" g="0" b="0"/>
-      </a:effectRef>
-      <a:fontRef idx="minor"/>
-    </dgm:style>
-  </dgm:styleLbl>
-  <dgm:styleLbl name="bgImgPlace1">
-    <dgm:scene3d>
-      <a:camera prst="orthographicFront"/>
-      <a:lightRig rig="threePt" dir="t"/>
-    </dgm:scene3d>
-    <dgm:sp3d z="-381000" extrusionH="63500" contourW="12700" prstMaterial="matte">
-      <a:contourClr>
-        <a:schemeClr val="lt1"/>
-      </a:contourClr>
-    </dgm:sp3d>
-    <dgm:txPr/>
-    <dgm:style>
-      <a:lnRef idx="0">
-        <a:scrgbClr r="0" g="0" b="0"/>
-      </a:lnRef>
-      <a:fillRef idx="1">
-        <a:scrgbClr r="0" g="0" b="0"/>
-      </a:fillRef>
-      <a:effectRef idx="0">
-        <a:scrgbClr r="0" g="0" b="0"/>
-      </a:effectRef>
-      <a:fontRef idx="minor"/>
-    </dgm:style>
-  </dgm:styleLbl>
-  <dgm:styleLbl name="sibTrans2D1">
-    <dgm:scene3d>
-      <a:camera prst="orthographicFront"/>
-      <a:lightRig rig="threePt" dir="t"/>
-    </dgm:scene3d>
-    <dgm:sp3d z="-52400" extrusionH="181000" contourW="38100" prstMaterial="matte">
-      <a:contourClr>
-        <a:schemeClr val="lt1"/>
-      </a:contourClr>
-    </dgm:sp3d>
-    <dgm:txPr/>
-    <dgm:style>
-      <a:lnRef idx="0">
-        <a:scrgbClr r="0" g="0" b="0"/>
-      </a:lnRef>
-      <a:fillRef idx="1">
-        <a:scrgbClr r="0" g="0" b="0"/>
-      </a:fillRef>
-      <a:effectRef idx="0">
-        <a:scrgbClr r="0" g="0" b="0"/>
-      </a:effectRef>
-      <a:fontRef idx="minor">
-        <a:schemeClr val="lt1"/>
-      </a:fontRef>
-    </dgm:style>
-  </dgm:styleLbl>
-  <dgm:styleLbl name="fgSibTrans2D1">
-    <dgm:scene3d>
-      <a:camera prst="orthographicFront"/>
-      <a:lightRig rig="threePt" dir="t"/>
-    </dgm:scene3d>
-    <dgm:sp3d z="57150" extrusionH="63500" contourW="12700" prstMaterial="matte">
-      <a:contourClr>
-        <a:schemeClr val="dk1">
-          <a:tint val="20000"/>
-        </a:schemeClr>
-      </a:contourClr>
-    </dgm:sp3d>
-    <dgm:txPr/>
-    <dgm:style>
-      <a:lnRef idx="0">
-        <a:scrgbClr r="0" g="0" b="0"/>
-      </a:lnRef>
-      <a:fillRef idx="1">
-        <a:scrgbClr r="0" g="0" b="0"/>
-      </a:fillRef>
-      <a:effectRef idx="0">
-        <a:scrgbClr r="0" g="0" b="0"/>
-      </a:effectRef>
-      <a:fontRef idx="minor">
-        <a:schemeClr val="lt1"/>
-      </a:fontRef>
-    </dgm:style>
-  </dgm:styleLbl>
-  <dgm:styleLbl name="bgSibTrans2D1">
-    <dgm:scene3d>
-      <a:camera prst="orthographicFront"/>
-      <a:lightRig rig="threePt" dir="t"/>
-    </dgm:scene3d>
-    <dgm:sp3d z="-381000" extrusionH="63500" contourW="12700" prstMaterial="matte">
-      <a:contourClr>
-        <a:schemeClr val="dk1">
-          <a:tint val="20000"/>
-        </a:schemeClr>
-      </a:contourClr>
-    </dgm:sp3d>
-    <dgm:txPr/>
-    <dgm:style>
-      <a:lnRef idx="0">
-        <a:scrgbClr r="0" g="0" b="0"/>
-      </a:lnRef>
-      <a:fillRef idx="1">
-        <a:scrgbClr r="0" g="0" b="0"/>
-      </a:fillRef>
-      <a:effectRef idx="0">
-        <a:scrgbClr r="0" g="0" b="0"/>
-      </a:effectRef>
-      <a:fontRef idx="minor">
-        <a:schemeClr val="lt1"/>
-      </a:fontRef>
-    </dgm:style>
-  </dgm:styleLbl>
-  <dgm:styleLbl name="sibTrans1D1">
-    <dgm:scene3d>
-      <a:camera prst="orthographicFront"/>
-      <a:lightRig rig="threePt" dir="t"/>
-    </dgm:scene3d>
-    <dgm:sp3d z="-40000" prstMaterial="matte"/>
-    <dgm:txPr/>
-    <dgm:style>
-      <a:lnRef idx="1">
-        <a:scrgbClr r="0" g="0" b="0"/>
-      </a:lnRef>
-      <a:fillRef idx="0">
-        <a:scrgbClr r="0" g="0" b="0"/>
-      </a:fillRef>
-      <a:effectRef idx="0">
-        <a:scrgbClr r="0" g="0" b="0"/>
-      </a:effectRef>
-      <a:fontRef idx="minor"/>
-    </dgm:style>
-  </dgm:styleLbl>
-  <dgm:styleLbl name="callout">
-    <dgm:scene3d>
-      <a:camera prst="orthographicFront"/>
-      <a:lightRig rig="threePt" dir="t"/>
-    </dgm:scene3d>
-    <dgm:sp3d z="127000" prstMaterial="matte"/>
-    <dgm:txPr/>
-    <dgm:style>
       <a:lnRef idx="2">
-        <a:scrgbClr r="0" g="0" b="0"/>
-      </a:lnRef>
-      <a:fillRef idx="1">
-        <a:scrgbClr r="0" g="0" b="0"/>
-      </a:fillRef>
-      <a:effectRef idx="0">
-        <a:scrgbClr r="0" g="0" b="0"/>
-      </a:effectRef>
-      <a:fontRef idx="minor"/>
-    </dgm:style>
-  </dgm:styleLbl>
-  <dgm:styleLbl name="asst0">
-    <dgm:scene3d>
-      <a:camera prst="orthographicFront"/>
-      <a:lightRig rig="threePt" dir="t"/>
-    </dgm:scene3d>
-    <dgm:sp3d extrusionH="381000" contourW="38100" prstMaterial="matte">
-      <a:contourClr>
-        <a:schemeClr val="lt1"/>
-      </a:contourClr>
-    </dgm:sp3d>
-    <dgm:txPr/>
-    <dgm:style>
-      <a:lnRef idx="0">
-        <a:scrgbClr r="0" g="0" b="0"/>
-      </a:lnRef>
-      <a:fillRef idx="1">
-        <a:scrgbClr r="0" g="0" b="0"/>
-      </a:fillRef>
-      <a:effectRef idx="0">
-        <a:scrgbClr r="0" g="0" b="0"/>
-      </a:effectRef>
-      <a:fontRef idx="minor">
-        <a:schemeClr val="lt1"/>
-      </a:fontRef>
-    </dgm:style>
-  </dgm:styleLbl>
-  <dgm:styleLbl name="asst1">
-    <dgm:scene3d>
-      <a:camera prst="orthographicFront"/>
-      <a:lightRig rig="threePt" dir="t"/>
-    </dgm:scene3d>
-    <dgm:sp3d extrusionH="381000" contourW="38100" prstMaterial="matte">
-      <a:contourClr>
-        <a:schemeClr val="lt1"/>
-      </a:contourClr>
-    </dgm:sp3d>
-    <dgm:txPr/>
-    <dgm:style>
-      <a:lnRef idx="0">
-        <a:scrgbClr r="0" g="0" b="0"/>
-      </a:lnRef>
-      <a:fillRef idx="1">
-        <a:scrgbClr r="0" g="0" b="0"/>
-      </a:fillRef>
-      <a:effectRef idx="0">
-        <a:scrgbClr r="0" g="0" b="0"/>
-      </a:effectRef>
-      <a:fontRef idx="minor">
-        <a:schemeClr val="lt1"/>
-      </a:fontRef>
-    </dgm:style>
-  </dgm:styleLbl>
-  <dgm:styleLbl name="asst2">
-    <dgm:scene3d>
-      <a:camera prst="orthographicFront"/>
-      <a:lightRig rig="threePt" dir="t"/>
-    </dgm:scene3d>
-    <dgm:sp3d extrusionH="381000" contourW="38100" prstMaterial="matte">
-      <a:contourClr>
-        <a:schemeClr val="lt1"/>
-      </a:contourClr>
-    </dgm:sp3d>
-    <dgm:txPr/>
-    <dgm:style>
-      <a:lnRef idx="0">
-        <a:scrgbClr r="0" g="0" b="0"/>
-      </a:lnRef>
-      <a:fillRef idx="1">
-        <a:scrgbClr r="0" g="0" b="0"/>
-      </a:fillRef>
-      <a:effectRef idx="0">
-        <a:scrgbClr r="0" g="0" b="0"/>
-      </a:effectRef>
-      <a:fontRef idx="minor">
-        <a:schemeClr val="lt1"/>
-      </a:fontRef>
-    </dgm:style>
-  </dgm:styleLbl>
-  <dgm:styleLbl name="asst3">
-    <dgm:scene3d>
-      <a:camera prst="orthographicFront"/>
-      <a:lightRig rig="threePt" dir="t"/>
-    </dgm:scene3d>
-    <dgm:sp3d extrusionH="381000" contourW="38100" prstMaterial="matte">
-      <a:contourClr>
-        <a:schemeClr val="lt1"/>
-      </a:contourClr>
-    </dgm:sp3d>
-    <dgm:txPr/>
-    <dgm:style>
-      <a:lnRef idx="0">
-        <a:scrgbClr r="0" g="0" b="0"/>
-      </a:lnRef>
-      <a:fillRef idx="1">
-        <a:scrgbClr r="0" g="0" b="0"/>
-      </a:fillRef>
-      <a:effectRef idx="0">
-        <a:scrgbClr r="0" g="0" b="0"/>
-      </a:effectRef>
-      <a:fontRef idx="minor">
-        <a:schemeClr val="lt1"/>
-      </a:fontRef>
-    </dgm:style>
-  </dgm:styleLbl>
-  <dgm:styleLbl name="parChTrans2D1">
-    <dgm:scene3d>
-      <a:camera prst="orthographicFront"/>
-      <a:lightRig rig="threePt" dir="t"/>
-    </dgm:scene3d>
-    <dgm:sp3d z="52400" extrusionH="381000" contourW="38100" prstMaterial="matte">
-      <a:contourClr>
-        <a:schemeClr val="lt1"/>
-      </a:contourClr>
-    </dgm:sp3d>
-    <dgm:txPr/>
-    <dgm:style>
-      <a:lnRef idx="0">
-        <a:scrgbClr r="0" g="0" b="0"/>
-      </a:lnRef>
-      <a:fillRef idx="1">
-        <a:scrgbClr r="0" g="0" b="0"/>
-      </a:fillRef>
-      <a:effectRef idx="0">
-        <a:scrgbClr r="0" g="0" b="0"/>
-      </a:effectRef>
-      <a:fontRef idx="minor">
-        <a:schemeClr val="lt1"/>
-      </a:fontRef>
-    </dgm:style>
-  </dgm:styleLbl>
-  <dgm:styleLbl name="parChTrans2D2">
-    <dgm:scene3d>
-      <a:camera prst="orthographicFront"/>
-      <a:lightRig rig="threePt" dir="t"/>
-    </dgm:scene3d>
-    <dgm:sp3d z="52400" extrusionH="381000" contourW="38100" prstMaterial="matte">
-      <a:contourClr>
-        <a:schemeClr val="lt1"/>
-      </a:contourClr>
-    </dgm:sp3d>
-    <dgm:txPr/>
-    <dgm:style>
-      <a:lnRef idx="0">
-        <a:scrgbClr r="0" g="0" b="0"/>
-      </a:lnRef>
-      <a:fillRef idx="1">
-        <a:scrgbClr r="0" g="0" b="0"/>
-      </a:fillRef>
-      <a:effectRef idx="0">
-        <a:scrgbClr r="0" g="0" b="0"/>
-      </a:effectRef>
-      <a:fontRef idx="minor">
-        <a:schemeClr val="lt1"/>
-      </a:fontRef>
-    </dgm:style>
-  </dgm:styleLbl>
-  <dgm:styleLbl name="parChTrans2D3">
-    <dgm:scene3d>
-      <a:camera prst="orthographicFront"/>
-      <a:lightRig rig="threePt" dir="t"/>
-    </dgm:scene3d>
-    <dgm:sp3d z="60000" prstMaterial="flat">
-      <a:bevelT w="120900" h="88900"/>
-      <a:bevelB w="88900" h="31750" prst="angle"/>
-    </dgm:sp3d>
-    <dgm:txPr/>
-    <dgm:style>
-      <a:lnRef idx="0">
-        <a:scrgbClr r="0" g="0" b="0"/>
-      </a:lnRef>
-      <a:fillRef idx="3">
-        <a:scrgbClr r="0" g="0" b="0"/>
-      </a:fillRef>
-      <a:effectRef idx="1">
-        <a:scrgbClr r="0" g="0" b="0"/>
-      </a:effectRef>
-      <a:fontRef idx="minor">
-        <a:schemeClr val="lt1"/>
-      </a:fontRef>
-    </dgm:style>
-  </dgm:styleLbl>
-  <dgm:styleLbl name="parChTrans2D4">
-    <dgm:scene3d>
-      <a:camera prst="orthographicFront"/>
-      <a:lightRig rig="threePt" dir="t"/>
-    </dgm:scene3d>
-    <dgm:sp3d z="60000" prstMaterial="flat">
-      <a:bevelT w="120900" h="88900"/>
-      <a:bevelB w="88900" h="31750" prst="angle"/>
-    </dgm:sp3d>
-    <dgm:txPr/>
-    <dgm:style>
-      <a:lnRef idx="0">
-        <a:scrgbClr r="0" g="0" b="0"/>
-      </a:lnRef>
-      <a:fillRef idx="3">
-        <a:scrgbClr r="0" g="0" b="0"/>
-      </a:fillRef>
-      <a:effectRef idx="1">
-        <a:scrgbClr r="0" g="0" b="0"/>
-      </a:effectRef>
-      <a:fontRef idx="minor">
-        <a:schemeClr val="lt1"/>
-      </a:fontRef>
-    </dgm:style>
-  </dgm:styleLbl>
-  <dgm:styleLbl name="parChTrans1D1">
-    <dgm:scene3d>
-      <a:camera prst="orthographicFront"/>
-      <a:lightRig rig="threePt" dir="t"/>
-    </dgm:scene3d>
-    <dgm:sp3d z="-40000" prstMaterial="matte"/>
-    <dgm:txPr/>
-    <dgm:style>
-      <a:lnRef idx="2">
-        <a:scrgbClr r="0" g="0" b="0"/>
-      </a:lnRef>
-      <a:fillRef idx="0">
-        <a:scrgbClr r="0" g="0" b="0"/>
-      </a:fillRef>
-      <a:effectRef idx="0">
-        <a:scrgbClr r="0" g="0" b="0"/>
-      </a:effectRef>
-      <a:fontRef idx="minor"/>
-    </dgm:style>
-  </dgm:styleLbl>
-  <dgm:styleLbl name="parChTrans1D2">
-    <dgm:scene3d>
-      <a:camera prst="orthographicFront"/>
-      <a:lightRig rig="threePt" dir="t"/>
-    </dgm:scene3d>
-    <dgm:sp3d z="-40000" prstMaterial="matte"/>
-    <dgm:txPr/>
-    <dgm:style>
-      <a:lnRef idx="2">
-        <a:scrgbClr r="0" g="0" b="0"/>
-      </a:lnRef>
-      <a:fillRef idx="0">
-        <a:scrgbClr r="0" g="0" b="0"/>
-      </a:fillRef>
-      <a:effectRef idx="0">
-        <a:scrgbClr r="0" g="0" b="0"/>
-      </a:effectRef>
-      <a:fontRef idx="minor"/>
-    </dgm:style>
-  </dgm:styleLbl>
-  <dgm:styleLbl name="parChTrans1D3">
-    <dgm:scene3d>
-      <a:camera prst="orthographicFront"/>
-      <a:lightRig rig="threePt" dir="t"/>
-    </dgm:scene3d>
-    <dgm:sp3d z="-40000" prstMaterial="matte"/>
-    <dgm:txPr/>
-    <dgm:style>
-      <a:lnRef idx="2">
-        <a:scrgbClr r="0" g="0" b="0"/>
-      </a:lnRef>
-      <a:fillRef idx="0">
-        <a:scrgbClr r="0" g="0" b="0"/>
-      </a:fillRef>
-      <a:effectRef idx="0">
-        <a:scrgbClr r="0" g="0" b="0"/>
-      </a:effectRef>
-      <a:fontRef idx="minor"/>
-    </dgm:style>
-  </dgm:styleLbl>
-  <dgm:styleLbl name="parChTrans1D4">
-    <dgm:scene3d>
-      <a:camera prst="orthographicFront"/>
-      <a:lightRig rig="threePt" dir="t"/>
-    </dgm:scene3d>
-    <dgm:sp3d z="-40000" prstMaterial="matte"/>
-    <dgm:txPr/>
-    <dgm:style>
-      <a:lnRef idx="2">
-        <a:scrgbClr r="0" g="0" b="0"/>
-      </a:lnRef>
-      <a:fillRef idx="0">
-        <a:scrgbClr r="0" g="0" b="0"/>
-      </a:fillRef>
-      <a:effectRef idx="0">
-        <a:scrgbClr r="0" g="0" b="0"/>
-      </a:effectRef>
-      <a:fontRef idx="minor"/>
-    </dgm:style>
-  </dgm:styleLbl>
-  <dgm:styleLbl name="fgAcc1">
-    <dgm:scene3d>
-      <a:camera prst="orthographicFront"/>
-      <a:lightRig rig="threePt" dir="t"/>
-    </dgm:scene3d>
-    <dgm:sp3d z="57150" extrusionH="63500" prstMaterial="matte"/>
-    <dgm:txPr/>
-    <dgm:style>
-      <a:lnRef idx="1">
-        <a:scrgbClr r="0" g="0" b="0"/>
-      </a:lnRef>
-      <a:fillRef idx="1">
-        <a:scrgbClr r="0" g="0" b="0"/>
-      </a:fillRef>
-      <a:effectRef idx="0">
-        <a:scrgbClr r="0" g="0" b="0"/>
-      </a:effectRef>
-      <a:fontRef idx="minor"/>
-    </dgm:style>
-  </dgm:styleLbl>
-  <dgm:styleLbl name="conFgAcc1">
-    <dgm:scene3d>
-      <a:camera prst="orthographicFront"/>
-      <a:lightRig rig="threePt" dir="t"/>
-    </dgm:scene3d>
-    <dgm:sp3d z="-60000" extrusionH="63500" prstMaterial="matte"/>
-    <dgm:txPr/>
-    <dgm:style>
-      <a:lnRef idx="1">
-        <a:scrgbClr r="0" g="0" b="0"/>
-      </a:lnRef>
-      <a:fillRef idx="1">
-        <a:scrgbClr r="0" g="0" b="0"/>
-      </a:fillRef>
-      <a:effectRef idx="0">
-        <a:scrgbClr r="0" g="0" b="0"/>
-      </a:effectRef>
-      <a:fontRef idx="minor"/>
-    </dgm:style>
-  </dgm:styleLbl>
-  <dgm:styleLbl name="alignAcc1">
-    <dgm:scene3d>
-      <a:camera prst="orthographicFront"/>
-      <a:lightRig rig="threePt" dir="t"/>
-    </dgm:scene3d>
-    <dgm:sp3d z="-60000" extrusionH="63500" prstMaterial="matte"/>
-    <dgm:txPr/>
-    <dgm:style>
-      <a:lnRef idx="1">
-        <a:scrgbClr r="0" g="0" b="0"/>
-      </a:lnRef>
-      <a:fillRef idx="1">
-        <a:scrgbClr r="0" g="0" b="0"/>
-      </a:fillRef>
-      <a:effectRef idx="0">
-        <a:scrgbClr r="0" g="0" b="0"/>
-      </a:effectRef>
-      <a:fontRef idx="minor"/>
-    </dgm:style>
-  </dgm:styleLbl>
-  <dgm:styleLbl name="trAlignAcc1">
-    <dgm:scene3d>
-      <a:camera prst="orthographicFront"/>
-      <a:lightRig rig="threePt" dir="t"/>
-    </dgm:scene3d>
-    <dgm:sp3d extrusionH="381000" prstMaterial="matte"/>
-    <dgm:txPr/>
-    <dgm:style>
-      <a:lnRef idx="1">
-        <a:scrgbClr r="0" g="0" b="0"/>
-      </a:lnRef>
-      <a:fillRef idx="1">
-        <a:scrgbClr r="0" g="0" b="0"/>
-      </a:fillRef>
-      <a:effectRef idx="0">
-        <a:scrgbClr r="0" g="0" b="0"/>
-      </a:effectRef>
-      <a:fontRef idx="minor"/>
-    </dgm:style>
-  </dgm:styleLbl>
-  <dgm:styleLbl name="bgAcc1">
-    <dgm:scene3d>
-      <a:camera prst="orthographicFront"/>
-      <a:lightRig rig="threePt" dir="t"/>
-    </dgm:scene3d>
-    <dgm:sp3d z="-400500" extrusionH="63500" prstMaterial="matte"/>
-    <dgm:txPr/>
-    <dgm:style>
-      <a:lnRef idx="1">
-        <a:scrgbClr r="0" g="0" b="0"/>
-      </a:lnRef>
-      <a:fillRef idx="1">
-        <a:scrgbClr r="0" g="0" b="0"/>
-      </a:fillRef>
-      <a:effectRef idx="0">
-        <a:scrgbClr r="0" g="0" b="0"/>
-      </a:effectRef>
-      <a:fontRef idx="minor"/>
-    </dgm:style>
-  </dgm:styleLbl>
-  <dgm:styleLbl name="solidFgAcc1">
-    <dgm:scene3d>
-      <a:camera prst="orthographicFront"/>
-      <a:lightRig rig="threePt" dir="t"/>
-    </dgm:scene3d>
-    <dgm:sp3d z="57150" extrusionH="12700" prstMaterial="flat">
-      <a:bevelT w="50800" h="50800"/>
-    </dgm:sp3d>
-    <dgm:txPr/>
-    <dgm:style>
-      <a:lnRef idx="1">
-        <a:scrgbClr r="0" g="0" b="0"/>
-      </a:lnRef>
-      <a:fillRef idx="1">
-        <a:scrgbClr r="0" g="0" b="0"/>
-      </a:fillRef>
-      <a:effectRef idx="2">
-        <a:scrgbClr r="0" g="0" b="0"/>
-      </a:effectRef>
-      <a:fontRef idx="minor"/>
-    </dgm:style>
-  </dgm:styleLbl>
-  <dgm:styleLbl name="solidAlignAcc1">
-    <dgm:scene3d>
-      <a:camera prst="orthographicFront"/>
-      <a:lightRig rig="threePt" dir="t"/>
-    </dgm:scene3d>
-    <dgm:sp3d extrusionH="12700" prstMaterial="flat">
-      <a:bevelT w="50800" h="50800"/>
-    </dgm:sp3d>
-    <dgm:txPr/>
-    <dgm:style>
-      <a:lnRef idx="1">
-        <a:scrgbClr r="0" g="0" b="0"/>
-      </a:lnRef>
-      <a:fillRef idx="1">
-        <a:scrgbClr r="0" g="0" b="0"/>
-      </a:fillRef>
-      <a:effectRef idx="2">
-        <a:scrgbClr r="0" g="0" b="0"/>
-      </a:effectRef>
-      <a:fontRef idx="minor"/>
-    </dgm:style>
-  </dgm:styleLbl>
-  <dgm:styleLbl name="solidBgAcc1">
-    <dgm:scene3d>
-      <a:camera prst="orthographicFront"/>
-      <a:lightRig rig="threePt" dir="t"/>
-    </dgm:scene3d>
-    <dgm:sp3d z="-63500" extrusionH="63500" prstMaterial="matte"/>
-    <dgm:txPr/>
-    <dgm:style>
-      <a:lnRef idx="1">
-        <a:scrgbClr r="0" g="0" b="0"/>
-      </a:lnRef>
-      <a:fillRef idx="1">
-        <a:scrgbClr r="0" g="0" b="0"/>
-      </a:fillRef>
-      <a:effectRef idx="0">
-        <a:scrgbClr r="0" g="0" b="0"/>
-      </a:effectRef>
-      <a:fontRef idx="minor"/>
-    </dgm:style>
-  </dgm:styleLbl>
-  <dgm:styleLbl name="fgAccFollowNode1">
-    <dgm:scene3d>
-      <a:camera prst="orthographicFront"/>
-      <a:lightRig rig="threePt" dir="t"/>
-    </dgm:scene3d>
-    <dgm:sp3d z="57150" extrusionH="63500" contourW="12700" prstMaterial="matte">
-      <a:contourClr>
-        <a:schemeClr val="dk1">
-          <a:tint val="20000"/>
-        </a:schemeClr>
-      </a:contourClr>
-    </dgm:sp3d>
-    <dgm:txPr/>
-    <dgm:style>
-      <a:lnRef idx="0">
-        <a:scrgbClr r="0" g="0" b="0"/>
-      </a:lnRef>
-      <a:fillRef idx="1">
-        <a:scrgbClr r="0" g="0" b="0"/>
-      </a:fillRef>
-      <a:effectRef idx="0">
-        <a:scrgbClr r="0" g="0" b="0"/>
-      </a:effectRef>
-      <a:fontRef idx="minor"/>
-    </dgm:style>
-  </dgm:styleLbl>
-  <dgm:styleLbl name="alignAccFollowNode1">
-    <dgm:scene3d>
-      <a:camera prst="orthographicFront"/>
-      <a:lightRig rig="threePt" dir="t"/>
-    </dgm:scene3d>
-    <dgm:sp3d extrusionH="381000" contourW="38100" prstMaterial="matte">
-      <a:contourClr>
-        <a:schemeClr val="lt1"/>
-      </a:contourClr>
-    </dgm:sp3d>
-    <dgm:txPr/>
-    <dgm:style>
-      <a:lnRef idx="0">
-        <a:scrgbClr r="0" g="0" b="0"/>
-      </a:lnRef>
-      <a:fillRef idx="1">
-        <a:scrgbClr r="0" g="0" b="0"/>
-      </a:fillRef>
-      <a:effectRef idx="0">
-        <a:scrgbClr r="0" g="0" b="0"/>
-      </a:effectRef>
-      <a:fontRef idx="minor"/>
-    </dgm:style>
-  </dgm:styleLbl>
-  <dgm:styleLbl name="bgAccFollowNode1">
-    <dgm:scene3d>
-      <a:camera prst="orthographicFront"/>
-      <a:lightRig rig="threePt" dir="t"/>
-    </dgm:scene3d>
-    <dgm:sp3d z="-400500" extrusionH="63500" contourW="12700" prstMaterial="matte">
-      <a:contourClr>
-        <a:schemeClr val="lt1"/>
-      </a:contourClr>
-    </dgm:sp3d>
-    <dgm:txPr/>
-    <dgm:style>
-      <a:lnRef idx="0">
-        <a:scrgbClr r="0" g="0" b="0"/>
-      </a:lnRef>
-      <a:fillRef idx="1">
-        <a:scrgbClr r="0" g="0" b="0"/>
-      </a:fillRef>
-      <a:effectRef idx="2">
-        <a:scrgbClr r="0" g="0" b="0"/>
-      </a:effectRef>
-      <a:fontRef idx="minor"/>
-    </dgm:style>
-  </dgm:styleLbl>
-  <dgm:styleLbl name="fgAcc0">
-    <dgm:scene3d>
-      <a:camera prst="orthographicFront"/>
-      <a:lightRig rig="threePt" dir="t"/>
-    </dgm:scene3d>
-    <dgm:sp3d z="57150" extrusionH="63500" prstMaterial="matte"/>
-    <dgm:txPr/>
-    <dgm:style>
-      <a:lnRef idx="1">
-        <a:scrgbClr r="0" g="0" b="0"/>
-      </a:lnRef>
-      <a:fillRef idx="1">
-        <a:scrgbClr r="0" g="0" b="0"/>
-      </a:fillRef>
-      <a:effectRef idx="0">
-        <a:scrgbClr r="0" g="0" b="0"/>
-      </a:effectRef>
-      <a:fontRef idx="minor"/>
-    </dgm:style>
-  </dgm:styleLbl>
-  <dgm:styleLbl name="fgAcc2">
-    <dgm:scene3d>
-      <a:camera prst="orthographicFront"/>
-      <a:lightRig rig="threePt" dir="t"/>
-    </dgm:scene3d>
-    <dgm:sp3d z="57150" extrusionH="63500" prstMaterial="matte"/>
-    <dgm:txPr/>
-    <dgm:style>
-      <a:lnRef idx="1">
-        <a:scrgbClr r="0" g="0" b="0"/>
-      </a:lnRef>
-      <a:fillRef idx="1">
-        <a:scrgbClr r="0" g="0" b="0"/>
-      </a:fillRef>
-      <a:effectRef idx="0">
-        <a:scrgbClr r="0" g="0" b="0"/>
-      </a:effectRef>
-      <a:fontRef idx="minor"/>
-    </dgm:style>
-  </dgm:styleLbl>
-  <dgm:styleLbl name="fgAcc3">
-    <dgm:scene3d>
-      <a:camera prst="orthographicFront"/>
-      <a:lightRig rig="threePt" dir="t"/>
-    </dgm:scene3d>
-    <dgm:sp3d z="57150" extrusionH="63500" prstMaterial="matte"/>
-    <dgm:txPr/>
-    <dgm:style>
-      <a:lnRef idx="1">
-        <a:scrgbClr r="0" g="0" b="0"/>
-      </a:lnRef>
-      <a:fillRef idx="1">
-        <a:scrgbClr r="0" g="0" b="0"/>
-      </a:fillRef>
-      <a:effectRef idx="0">
-        <a:scrgbClr r="0" g="0" b="0"/>
-      </a:effectRef>
-      <a:fontRef idx="minor"/>
-    </dgm:style>
-  </dgm:styleLbl>
-  <dgm:styleLbl name="fgAcc4">
-    <dgm:scene3d>
-      <a:camera prst="orthographicFront"/>
-      <a:lightRig rig="threePt" dir="t"/>
-    </dgm:scene3d>
-    <dgm:sp3d z="57150" extrusionH="63500" prstMaterial="matte"/>
-    <dgm:txPr/>
-    <dgm:style>
-      <a:lnRef idx="1">
-        <a:scrgbClr r="0" g="0" b="0"/>
-      </a:lnRef>
-      <a:fillRef idx="1">
-        <a:scrgbClr r="0" g="0" b="0"/>
-      </a:fillRef>
-      <a:effectRef idx="0">
-        <a:scrgbClr r="0" g="0" b="0"/>
-      </a:effectRef>
-      <a:fontRef idx="minor"/>
-    </dgm:style>
-  </dgm:styleLbl>
-  <dgm:styleLbl name="bgShp">
-    <dgm:scene3d>
-      <a:camera prst="orthographicFront"/>
-      <a:lightRig rig="threePt" dir="t"/>
-    </dgm:scene3d>
-    <dgm:sp3d z="-400500" extrusionH="63500" contourW="12700" prstMaterial="matte">
-      <a:contourClr>
-        <a:schemeClr val="lt1">
-          <a:tint val="50000"/>
-        </a:schemeClr>
-      </a:contourClr>
-    </dgm:sp3d>
-    <dgm:txPr/>
-    <dgm:style>
-      <a:lnRef idx="0">
-        <a:scrgbClr r="0" g="0" b="0"/>
-      </a:lnRef>
-      <a:fillRef idx="1">
-        <a:scrgbClr r="0" g="0" b="0"/>
-      </a:fillRef>
-      <a:effectRef idx="0">
-        <a:scrgbClr r="0" g="0" b="0"/>
-      </a:effectRef>
-      <a:fontRef idx="minor"/>
-    </dgm:style>
-  </dgm:styleLbl>
-  <dgm:styleLbl name="dkBgShp">
-    <dgm:scene3d>
-      <a:camera prst="orthographicFront"/>
-      <a:lightRig rig="threePt" dir="t"/>
-    </dgm:scene3d>
-    <dgm:sp3d extrusionH="381000" contourW="38100" prstMaterial="matte">
-      <a:contourClr>
-        <a:schemeClr val="lt1"/>
-      </a:contourClr>
-    </dgm:sp3d>
-    <dgm:txPr/>
-    <dgm:style>
-      <a:lnRef idx="0">
-        <a:scrgbClr r="0" g="0" b="0"/>
-      </a:lnRef>
-      <a:fillRef idx="1">
-        <a:scrgbClr r="0" g="0" b="0"/>
-      </a:fillRef>
-      <a:effectRef idx="0">
-        <a:scrgbClr r="0" g="0" b="0"/>
-      </a:effectRef>
-      <a:fontRef idx="minor">
-        <a:schemeClr val="lt1"/>
-      </a:fontRef>
-    </dgm:style>
-  </dgm:styleLbl>
-  <dgm:styleLbl name="trBgShp">
-    <dgm:scene3d>
-      <a:camera prst="orthographicFront"/>
-      <a:lightRig rig="threePt" dir="t"/>
-    </dgm:scene3d>
-    <dgm:sp3d z="-400500" prstMaterial="matte"/>
-    <dgm:txPr/>
-    <dgm:style>
-      <a:lnRef idx="0">
-        <a:scrgbClr r="0" g="0" b="0"/>
-      </a:lnRef>
-      <a:fillRef idx="1">
-        <a:scrgbClr r="0" g="0" b="0"/>
-      </a:fillRef>
-      <a:effectRef idx="0">
-        <a:scrgbClr r="0" g="0" b="0"/>
-      </a:effectRef>
-      <a:fontRef idx="minor"/>
-    </dgm:style>
-  </dgm:styleLbl>
-  <dgm:styleLbl name="fgShp">
-    <dgm:scene3d>
-      <a:camera prst="orthographicFront"/>
-      <a:lightRig rig="threePt" dir="t"/>
-    </dgm:scene3d>
-    <dgm:sp3d z="57150" extrusionH="63500" contourW="12700" prstMaterial="matte">
-      <a:contourClr>
-        <a:schemeClr val="lt1">
-          <a:tint val="50000"/>
-        </a:schemeClr>
-      </a:contourClr>
-    </dgm:sp3d>
-    <dgm:txPr/>
-    <dgm:style>
-      <a:lnRef idx="0">
         <a:scrgbClr r="0" g="0" b="0"/>
       </a:lnRef>
       <a:fillRef idx="1">
@@ -7033,7 +2733,7 @@
           <a:p>
             <a:fld id="{F4DF2165-45DD-4E6A-8D88-991CFCF20576}" type="datetimeFigureOut">
               <a:rPr lang="de-DE" smtClean="0"/>
-              <a:t>02.03.23</a:t>
+              <a:t>03.03.23</a:t>
             </a:fld>
             <a:endParaRPr lang="de-DE" dirty="0"/>
           </a:p>
@@ -7198,7 +2898,7 @@
           <a:p>
             <a:fld id="{DBB2A775-C49D-45BA-A919-7D687A0440E7}" type="datetimeFigureOut">
               <a:rPr lang="de-DE" smtClean="0"/>
-              <a:t>02.03.23</a:t>
+              <a:t>03.03.23</a:t>
             </a:fld>
             <a:endParaRPr lang="de-DE"/>
           </a:p>
@@ -7624,6 +3324,184 @@
           <a:p>
             <a:fld id="{2D6A0D67-EDAE-48EC-829F-B147F9799060}" type="slidenum">
               <a:rPr lang="de-DE" smtClean="0"/>
+              <a:t>10</a:t>
+            </a:fld>
+            <a:endParaRPr lang="de-DE"/>
+          </a:p>
+        </p:txBody>
+      </p:sp>
+    </p:spTree>
+    <p:extLst>
+      <p:ext uri="{BB962C8B-B14F-4D97-AF65-F5344CB8AC3E}">
+        <p14:creationId xmlns:p14="http://schemas.microsoft.com/office/powerpoint/2010/main" val="54642564"/>
+      </p:ext>
+    </p:extLst>
+  </p:cSld>
+  <p:clrMapOvr>
+    <a:masterClrMapping/>
+  </p:clrMapOvr>
+</p:notes>
+</file>
+
+<file path=ppt/notesSlides/notesSlide11.xml><?xml version="1.0" encoding="utf-8"?>
+<p:notes xmlns:a="http://schemas.openxmlformats.org/drawingml/2006/main" xmlns:r="http://schemas.openxmlformats.org/officeDocument/2006/relationships" xmlns:p="http://schemas.openxmlformats.org/presentationml/2006/main">
+  <p:cSld>
+    <p:spTree>
+      <p:nvGrpSpPr>
+        <p:cNvPr id="1" name=""/>
+        <p:cNvGrpSpPr/>
+        <p:nvPr/>
+      </p:nvGrpSpPr>
+      <p:grpSpPr>
+        <a:xfrm>
+          <a:off x="0" y="0"/>
+          <a:ext cx="0" cy="0"/>
+          <a:chOff x="0" y="0"/>
+          <a:chExt cx="0" cy="0"/>
+        </a:xfrm>
+      </p:grpSpPr>
+      <p:sp>
+        <p:nvSpPr>
+          <p:cNvPr id="2" name="Folienbildplatzhalter 1"/>
+          <p:cNvSpPr>
+            <a:spLocks noGrp="1" noRot="1" noChangeAspect="1"/>
+          </p:cNvSpPr>
+          <p:nvPr>
+            <p:ph type="sldImg"/>
+          </p:nvPr>
+        </p:nvSpPr>
+        <p:spPr>
+          <a:xfrm>
+            <a:off x="511175" y="1049338"/>
+            <a:ext cx="5924550" cy="3333750"/>
+          </a:xfrm>
+        </p:spPr>
+      </p:sp>
+      <p:sp>
+        <p:nvSpPr>
+          <p:cNvPr id="3" name="Notizenplatzhalter 2"/>
+          <p:cNvSpPr>
+            <a:spLocks noGrp="1"/>
+          </p:cNvSpPr>
+          <p:nvPr>
+            <p:ph type="body" idx="1"/>
+          </p:nvPr>
+        </p:nvSpPr>
+        <p:spPr/>
+        <p:txBody>
+          <a:bodyPr/>
+          <a:lstStyle/>
+          <a:p>
+            <a:endParaRPr lang="de-DE"/>
+          </a:p>
+        </p:txBody>
+      </p:sp>
+      <p:sp>
+        <p:nvSpPr>
+          <p:cNvPr id="4" name="Foliennummernplatzhalter 3"/>
+          <p:cNvSpPr>
+            <a:spLocks noGrp="1"/>
+          </p:cNvSpPr>
+          <p:nvPr>
+            <p:ph type="sldNum" sz="quarter" idx="10"/>
+          </p:nvPr>
+        </p:nvSpPr>
+        <p:spPr/>
+        <p:txBody>
+          <a:bodyPr/>
+          <a:lstStyle/>
+          <a:p>
+            <a:fld id="{2D6A0D67-EDAE-48EC-829F-B147F9799060}" type="slidenum">
+              <a:rPr lang="de-DE" smtClean="0"/>
+              <a:t>12</a:t>
+            </a:fld>
+            <a:endParaRPr lang="de-DE"/>
+          </a:p>
+        </p:txBody>
+      </p:sp>
+    </p:spTree>
+    <p:extLst>
+      <p:ext uri="{BB962C8B-B14F-4D97-AF65-F5344CB8AC3E}">
+        <p14:creationId xmlns:p14="http://schemas.microsoft.com/office/powerpoint/2010/main" val="3520414386"/>
+      </p:ext>
+    </p:extLst>
+  </p:cSld>
+  <p:clrMapOvr>
+    <a:masterClrMapping/>
+  </p:clrMapOvr>
+</p:notes>
+</file>
+
+<file path=ppt/notesSlides/notesSlide12.xml><?xml version="1.0" encoding="utf-8"?>
+<p:notes xmlns:a="http://schemas.openxmlformats.org/drawingml/2006/main" xmlns:r="http://schemas.openxmlformats.org/officeDocument/2006/relationships" xmlns:p="http://schemas.openxmlformats.org/presentationml/2006/main">
+  <p:cSld>
+    <p:spTree>
+      <p:nvGrpSpPr>
+        <p:cNvPr id="1" name=""/>
+        <p:cNvGrpSpPr/>
+        <p:nvPr/>
+      </p:nvGrpSpPr>
+      <p:grpSpPr>
+        <a:xfrm>
+          <a:off x="0" y="0"/>
+          <a:ext cx="0" cy="0"/>
+          <a:chOff x="0" y="0"/>
+          <a:chExt cx="0" cy="0"/>
+        </a:xfrm>
+      </p:grpSpPr>
+      <p:sp>
+        <p:nvSpPr>
+          <p:cNvPr id="2" name="Folienbildplatzhalter 1"/>
+          <p:cNvSpPr>
+            <a:spLocks noGrp="1" noRot="1" noChangeAspect="1"/>
+          </p:cNvSpPr>
+          <p:nvPr>
+            <p:ph type="sldImg"/>
+          </p:nvPr>
+        </p:nvSpPr>
+        <p:spPr>
+          <a:xfrm>
+            <a:off x="511175" y="1049338"/>
+            <a:ext cx="5924550" cy="3333750"/>
+          </a:xfrm>
+        </p:spPr>
+      </p:sp>
+      <p:sp>
+        <p:nvSpPr>
+          <p:cNvPr id="3" name="Notizenplatzhalter 2"/>
+          <p:cNvSpPr>
+            <a:spLocks noGrp="1"/>
+          </p:cNvSpPr>
+          <p:nvPr>
+            <p:ph type="body" idx="1"/>
+          </p:nvPr>
+        </p:nvSpPr>
+        <p:spPr/>
+        <p:txBody>
+          <a:bodyPr/>
+          <a:lstStyle/>
+          <a:p>
+            <a:endParaRPr lang="de-DE"/>
+          </a:p>
+        </p:txBody>
+      </p:sp>
+      <p:sp>
+        <p:nvSpPr>
+          <p:cNvPr id="4" name="Foliennummernplatzhalter 3"/>
+          <p:cNvSpPr>
+            <a:spLocks noGrp="1"/>
+          </p:cNvSpPr>
+          <p:nvPr>
+            <p:ph type="sldNum" sz="quarter" idx="10"/>
+          </p:nvPr>
+        </p:nvSpPr>
+        <p:spPr/>
+        <p:txBody>
+          <a:bodyPr/>
+          <a:lstStyle/>
+          <a:p>
+            <a:fld id="{2D6A0D67-EDAE-48EC-829F-B147F9799060}" type="slidenum">
+              <a:rPr lang="de-DE" smtClean="0"/>
               <a:t>16</a:t>
             </a:fld>
             <a:endParaRPr lang="de-DE"/>
@@ -7643,7 +3521,7 @@
 </p:notes>
 </file>
 
-<file path=ppt/notesSlides/notesSlide11.xml><?xml version="1.0" encoding="utf-8"?>
+<file path=ppt/notesSlides/notesSlide13.xml><?xml version="1.0" encoding="utf-8"?>
 <p:notes xmlns:a="http://schemas.openxmlformats.org/drawingml/2006/main" xmlns:r="http://schemas.openxmlformats.org/officeDocument/2006/relationships" xmlns:p="http://schemas.openxmlformats.org/presentationml/2006/main">
   <p:cSld>
     <p:spTree>
@@ -8118,15 +3996,574 @@
           <a:bodyPr/>
           <a:lstStyle/>
           <a:p>
+            <a:pPr marL="0" marR="0" lvl="0" indent="0" algn="l" defTabSz="685800" rtl="0" eaLnBrk="1" fontAlgn="auto" latinLnBrk="0" hangingPunct="1">
+              <a:lnSpc>
+                <a:spcPct val="100000"/>
+              </a:lnSpc>
+              <a:spcBef>
+                <a:spcPts val="0"/>
+              </a:spcBef>
+              <a:spcAft>
+                <a:spcPts val="0"/>
+              </a:spcAft>
+              <a:buClrTx/>
+              <a:buSzTx/>
+              <a:buFontTx/>
+              <a:buNone/>
+              <a:tabLst/>
+              <a:defRPr/>
+            </a:pPr>
+            <a:r>
+              <a:rPr lang="de-DE" altLang="ko-KR" dirty="0"/>
+              <a:t>den Einfluss von Ausreißern </a:t>
+            </a:r>
+            <a:r>
+              <a:rPr lang="de" altLang="ko-KR" dirty="0"/>
+              <a:t>auf die Prognosegenauigkeit von Feinstaubkonzentrationen</a:t>
+            </a:r>
+          </a:p>
+          <a:p>
+            <a:pPr marL="0" marR="0" lvl="0" indent="0" algn="l" defTabSz="685800" rtl="0" eaLnBrk="1" fontAlgn="auto" latinLnBrk="0" hangingPunct="1">
+              <a:lnSpc>
+                <a:spcPct val="100000"/>
+              </a:lnSpc>
+              <a:spcBef>
+                <a:spcPts val="0"/>
+              </a:spcBef>
+              <a:spcAft>
+                <a:spcPts val="0"/>
+              </a:spcAft>
+              <a:buClrTx/>
+              <a:buSzTx/>
+              <a:buFontTx/>
+              <a:buNone/>
+              <a:tabLst/>
+              <a:defRPr/>
+            </a:pPr>
+            <a:endParaRPr lang="de" altLang="ko-KR" sz="900" kern="1200" dirty="0">
+              <a:solidFill>
+                <a:schemeClr val="tx1"/>
+              </a:solidFill>
+              <a:effectLst/>
+              <a:latin typeface="+mn-lt"/>
+              <a:ea typeface="+mn-ea"/>
+              <a:cs typeface="+mn-cs"/>
+            </a:endParaRPr>
+          </a:p>
+          <a:p>
+            <a:pPr marL="0" marR="0" lvl="0" indent="0" algn="l" defTabSz="685800" rtl="0" eaLnBrk="1" fontAlgn="auto" latinLnBrk="0" hangingPunct="1">
+              <a:lnSpc>
+                <a:spcPct val="100000"/>
+              </a:lnSpc>
+              <a:spcBef>
+                <a:spcPts val="0"/>
+              </a:spcBef>
+              <a:spcAft>
+                <a:spcPts val="0"/>
+              </a:spcAft>
+              <a:buClrTx/>
+              <a:buSzTx/>
+              <a:buFontTx/>
+              <a:buNone/>
+              <a:tabLst/>
+              <a:defRPr/>
+            </a:pPr>
+            <a:r>
+              <a:rPr lang="de" altLang="ko-KR" sz="900" kern="1200" dirty="0">
+                <a:solidFill>
+                  <a:schemeClr val="tx1"/>
+                </a:solidFill>
+                <a:effectLst/>
+                <a:latin typeface="+mn-lt"/>
+                <a:ea typeface="+mn-ea"/>
+                <a:cs typeface="+mn-cs"/>
+              </a:rPr>
+              <a:t>ein vertieftes </a:t>
+            </a:r>
+            <a:r>
+              <a:rPr lang="de" altLang="ko-KR" sz="900" kern="1200" dirty="0" err="1">
+                <a:solidFill>
+                  <a:schemeClr val="tx1"/>
+                </a:solidFill>
+                <a:effectLst/>
+                <a:latin typeface="+mn-lt"/>
+                <a:ea typeface="+mn-ea"/>
+                <a:cs typeface="+mn-cs"/>
+              </a:rPr>
+              <a:t>Verständnis</a:t>
+            </a:r>
+            <a:r>
+              <a:rPr lang="de" altLang="ko-KR" sz="900" kern="1200" dirty="0">
+                <a:solidFill>
+                  <a:schemeClr val="tx1"/>
+                </a:solidFill>
+                <a:effectLst/>
+                <a:latin typeface="+mn-lt"/>
+                <a:ea typeface="+mn-ea"/>
+                <a:cs typeface="+mn-cs"/>
+              </a:rPr>
+              <a:t> </a:t>
+            </a:r>
+            <a:r>
+              <a:rPr lang="de" altLang="ko-KR" sz="900" kern="1200" dirty="0" err="1">
+                <a:solidFill>
+                  <a:schemeClr val="tx1"/>
+                </a:solidFill>
+                <a:effectLst/>
+                <a:latin typeface="+mn-lt"/>
+                <a:ea typeface="+mn-ea"/>
+                <a:cs typeface="+mn-cs"/>
+              </a:rPr>
+              <a:t>für</a:t>
+            </a:r>
+            <a:r>
+              <a:rPr lang="de" altLang="ko-KR" sz="900" kern="1200" dirty="0">
+                <a:solidFill>
+                  <a:schemeClr val="tx1"/>
+                </a:solidFill>
+                <a:effectLst/>
+                <a:latin typeface="+mn-lt"/>
+                <a:ea typeface="+mn-ea"/>
+                <a:cs typeface="+mn-cs"/>
+              </a:rPr>
+              <a:t> die verschiedenen Algorithmen zur </a:t>
+            </a:r>
+            <a:r>
+              <a:rPr lang="de" altLang="ko-KR" sz="900" kern="1200" dirty="0" err="1">
+                <a:solidFill>
+                  <a:schemeClr val="tx1"/>
+                </a:solidFill>
+                <a:effectLst/>
+                <a:latin typeface="+mn-lt"/>
+                <a:ea typeface="+mn-ea"/>
+                <a:cs typeface="+mn-cs"/>
+              </a:rPr>
+              <a:t>Ausreißererkennung</a:t>
+            </a:r>
+            <a:r>
+              <a:rPr lang="de" altLang="ko-KR" sz="900" kern="1200" dirty="0">
+                <a:solidFill>
+                  <a:schemeClr val="tx1"/>
+                </a:solidFill>
+                <a:effectLst/>
+                <a:latin typeface="+mn-lt"/>
+                <a:ea typeface="+mn-ea"/>
+                <a:cs typeface="+mn-cs"/>
+              </a:rPr>
+              <a:t> zu entwickeln, wie z. B. deren </a:t>
+            </a:r>
+            <a:r>
+              <a:rPr lang="de" altLang="ko-KR" sz="900" kern="1200" dirty="0" err="1">
+                <a:solidFill>
+                  <a:schemeClr val="tx1"/>
+                </a:solidFill>
+                <a:effectLst/>
+                <a:latin typeface="+mn-lt"/>
+                <a:ea typeface="+mn-ea"/>
+                <a:cs typeface="+mn-cs"/>
+              </a:rPr>
+              <a:t>Stärken</a:t>
+            </a:r>
+            <a:r>
+              <a:rPr lang="de" altLang="ko-KR" sz="900" kern="1200" dirty="0">
+                <a:solidFill>
+                  <a:schemeClr val="tx1"/>
+                </a:solidFill>
+                <a:effectLst/>
+                <a:latin typeface="+mn-lt"/>
+                <a:ea typeface="+mn-ea"/>
+                <a:cs typeface="+mn-cs"/>
+              </a:rPr>
+              <a:t> und </a:t>
+            </a:r>
+            <a:r>
+              <a:rPr lang="de" altLang="ko-KR" sz="900" kern="1200" dirty="0" err="1">
+                <a:solidFill>
+                  <a:schemeClr val="tx1"/>
+                </a:solidFill>
+                <a:effectLst/>
+                <a:latin typeface="+mn-lt"/>
+                <a:ea typeface="+mn-ea"/>
+                <a:cs typeface="+mn-cs"/>
+              </a:rPr>
+              <a:t>Schwächen</a:t>
+            </a:r>
+            <a:r>
+              <a:rPr lang="de" altLang="ko-KR" sz="900" kern="1200" dirty="0">
+                <a:solidFill>
+                  <a:schemeClr val="tx1"/>
+                </a:solidFill>
+                <a:effectLst/>
+                <a:latin typeface="+mn-lt"/>
+                <a:ea typeface="+mn-ea"/>
+                <a:cs typeface="+mn-cs"/>
+              </a:rPr>
+              <a:t> zu identifizieren. </a:t>
+            </a:r>
+            <a:r>
+              <a:rPr lang="de" altLang="ko-KR" sz="900" kern="1200" dirty="0" err="1">
+                <a:solidFill>
+                  <a:schemeClr val="tx1"/>
+                </a:solidFill>
+                <a:effectLst/>
+                <a:latin typeface="+mn-lt"/>
+                <a:ea typeface="+mn-ea"/>
+                <a:cs typeface="+mn-cs"/>
+              </a:rPr>
+              <a:t>Darüber</a:t>
+            </a:r>
+            <a:r>
+              <a:rPr lang="de" altLang="ko-KR" sz="900" kern="1200" dirty="0">
+                <a:solidFill>
+                  <a:schemeClr val="tx1"/>
+                </a:solidFill>
+                <a:effectLst/>
+                <a:latin typeface="+mn-lt"/>
+                <a:ea typeface="+mn-ea"/>
+                <a:cs typeface="+mn-cs"/>
+              </a:rPr>
+              <a:t> hinaus kann eine </a:t>
+            </a:r>
+            <a:r>
+              <a:rPr lang="de" altLang="ko-KR" sz="900" kern="1200" dirty="0" err="1">
+                <a:solidFill>
+                  <a:schemeClr val="tx1"/>
+                </a:solidFill>
+                <a:effectLst/>
+                <a:latin typeface="+mn-lt"/>
+                <a:ea typeface="+mn-ea"/>
+                <a:cs typeface="+mn-cs"/>
+              </a:rPr>
+              <a:t>gründliche</a:t>
+            </a:r>
+            <a:r>
+              <a:rPr lang="de" altLang="ko-KR" sz="900" kern="1200" dirty="0">
+                <a:solidFill>
+                  <a:schemeClr val="tx1"/>
+                </a:solidFill>
+                <a:effectLst/>
+                <a:latin typeface="+mn-lt"/>
+                <a:ea typeface="+mn-ea"/>
+                <a:cs typeface="+mn-cs"/>
+              </a:rPr>
+              <a:t> Analyse der vorhandenen Algorithmen dazu beitragen, in einer konkreten </a:t>
+            </a:r>
+            <a:r>
+              <a:rPr lang="de" altLang="ko-KR" sz="900" kern="1200" dirty="0" err="1">
+                <a:solidFill>
+                  <a:schemeClr val="tx1"/>
+                </a:solidFill>
+                <a:effectLst/>
+                <a:latin typeface="+mn-lt"/>
+                <a:ea typeface="+mn-ea"/>
+                <a:cs typeface="+mn-cs"/>
+              </a:rPr>
+              <a:t>Forschungssituat</a:t>
+            </a:r>
+            <a:r>
+              <a:rPr kumimoji="1" lang="de-DE" altLang="ko-KR" dirty="0" err="1"/>
+              <a:t>ion</a:t>
+            </a:r>
             <a:r>
               <a:rPr kumimoji="1" lang="de-DE" altLang="ko-KR" dirty="0"/>
-              <a:t>Der </a:t>
-            </a:r>
-            <a:r>
-              <a:rPr kumimoji="1" lang="de-DE" altLang="ko-KR"/>
-              <a:t>Unterschied zwischen den</a:t>
-            </a:r>
-            <a:endParaRPr kumimoji="1" lang="ko-KR" altLang="en-US"/>
+              <a:t> </a:t>
+            </a:r>
+            <a:r>
+              <a:rPr lang="de" altLang="ko-KR" sz="900" kern="1200" dirty="0">
+                <a:solidFill>
+                  <a:schemeClr val="tx1"/>
+                </a:solidFill>
+                <a:effectLst/>
+                <a:latin typeface="+mn-lt"/>
+                <a:ea typeface="+mn-ea"/>
+                <a:cs typeface="+mn-cs"/>
+              </a:rPr>
+              <a:t>eine Empfehlung </a:t>
+            </a:r>
+            <a:r>
+              <a:rPr lang="de" altLang="ko-KR" sz="900" kern="1200" dirty="0" err="1">
+                <a:solidFill>
+                  <a:schemeClr val="tx1"/>
+                </a:solidFill>
+                <a:effectLst/>
+                <a:latin typeface="+mn-lt"/>
+                <a:ea typeface="+mn-ea"/>
+                <a:cs typeface="+mn-cs"/>
+              </a:rPr>
+              <a:t>für</a:t>
+            </a:r>
+            <a:r>
+              <a:rPr lang="de" altLang="ko-KR" sz="900" kern="1200" dirty="0">
+                <a:solidFill>
+                  <a:schemeClr val="tx1"/>
+                </a:solidFill>
+                <a:effectLst/>
+                <a:latin typeface="+mn-lt"/>
+                <a:ea typeface="+mn-ea"/>
+                <a:cs typeface="+mn-cs"/>
+              </a:rPr>
+              <a:t> den besten Algorithmus abzugeben. </a:t>
+            </a:r>
+            <a:endParaRPr lang="de" altLang="ko-KR" dirty="0">
+              <a:effectLst/>
+            </a:endParaRPr>
+          </a:p>
+        </p:txBody>
+      </p:sp>
+      <p:sp>
+        <p:nvSpPr>
+          <p:cNvPr id="4" name="슬라이드 번호 개체 틀 3"/>
+          <p:cNvSpPr>
+            <a:spLocks noGrp="1"/>
+          </p:cNvSpPr>
+          <p:nvPr>
+            <p:ph type="sldNum" sz="quarter" idx="5"/>
+          </p:nvPr>
+        </p:nvSpPr>
+        <p:spPr/>
+        <p:txBody>
+          <a:bodyPr/>
+          <a:lstStyle/>
+          <a:p>
+            <a:fld id="{2D6A0D67-EDAE-48EC-829F-B147F9799060}" type="slidenum">
+              <a:rPr lang="de-DE" smtClean="0"/>
+              <a:t>5</a:t>
+            </a:fld>
+            <a:endParaRPr lang="de-DE"/>
+          </a:p>
+        </p:txBody>
+      </p:sp>
+    </p:spTree>
+    <p:extLst>
+      <p:ext uri="{BB962C8B-B14F-4D97-AF65-F5344CB8AC3E}">
+        <p14:creationId xmlns:p14="http://schemas.microsoft.com/office/powerpoint/2010/main" val="875635221"/>
+      </p:ext>
+    </p:extLst>
+  </p:cSld>
+  <p:clrMapOvr>
+    <a:masterClrMapping/>
+  </p:clrMapOvr>
+</p:notes>
+</file>
+
+<file path=ppt/notesSlides/notesSlide6.xml><?xml version="1.0" encoding="utf-8"?>
+<p:notes xmlns:a="http://schemas.openxmlformats.org/drawingml/2006/main" xmlns:r="http://schemas.openxmlformats.org/officeDocument/2006/relationships" xmlns:p="http://schemas.openxmlformats.org/presentationml/2006/main">
+  <p:cSld>
+    <p:spTree>
+      <p:nvGrpSpPr>
+        <p:cNvPr id="1" name=""/>
+        <p:cNvGrpSpPr/>
+        <p:nvPr/>
+      </p:nvGrpSpPr>
+      <p:grpSpPr>
+        <a:xfrm>
+          <a:off x="0" y="0"/>
+          <a:ext cx="0" cy="0"/>
+          <a:chOff x="0" y="0"/>
+          <a:chExt cx="0" cy="0"/>
+        </a:xfrm>
+      </p:grpSpPr>
+      <p:sp>
+        <p:nvSpPr>
+          <p:cNvPr id="2" name="슬라이드 이미지 개체 틀 1"/>
+          <p:cNvSpPr>
+            <a:spLocks noGrp="1" noRot="1" noChangeAspect="1"/>
+          </p:cNvSpPr>
+          <p:nvPr>
+            <p:ph type="sldImg"/>
+          </p:nvPr>
+        </p:nvSpPr>
+        <p:spPr>
+          <a:xfrm>
+            <a:off x="511175" y="1049338"/>
+            <a:ext cx="5924550" cy="3333750"/>
+          </a:xfrm>
+        </p:spPr>
+      </p:sp>
+      <p:sp>
+        <p:nvSpPr>
+          <p:cNvPr id="3" name="슬라이드 노트 개체 틀 2"/>
+          <p:cNvSpPr>
+            <a:spLocks noGrp="1"/>
+          </p:cNvSpPr>
+          <p:nvPr>
+            <p:ph type="body" idx="1"/>
+          </p:nvPr>
+        </p:nvSpPr>
+        <p:spPr/>
+        <p:txBody>
+          <a:bodyPr/>
+          <a:lstStyle/>
+          <a:p>
+            <a:r>
+              <a:rPr kumimoji="1" lang="ko-KR" altLang="en-US" dirty="0"/>
+              <a:t>시계열데이터는 일반적인 데이터와는 다른 특성을 한가지 더 갖고 있는데 그것은 </a:t>
+            </a:r>
+            <a:r>
+              <a:rPr kumimoji="1" lang="ko-KR" altLang="en-US" dirty="0" err="1"/>
+              <a:t>시간순으로</a:t>
+            </a:r>
+            <a:r>
+              <a:rPr kumimoji="1" lang="ko-KR" altLang="en-US" dirty="0"/>
+              <a:t> 정렬되어 있고 전후 데이터와 상관관계를 갖고 있다는 것이다</a:t>
+            </a:r>
+            <a:r>
+              <a:rPr kumimoji="1" lang="en-US" altLang="ko-KR" dirty="0"/>
+              <a:t>.</a:t>
+            </a:r>
+          </a:p>
+          <a:p>
+            <a:endParaRPr kumimoji="1" lang="en-US" altLang="ko-KR" dirty="0"/>
+          </a:p>
+          <a:p>
+            <a:r>
+              <a:rPr lang="de" altLang="ko-KR" sz="900" kern="1200" dirty="0">
+                <a:solidFill>
+                  <a:schemeClr val="tx1"/>
+                </a:solidFill>
+                <a:effectLst/>
+                <a:latin typeface="+mn-lt"/>
+                <a:ea typeface="+mn-ea"/>
+                <a:cs typeface="+mn-cs"/>
+              </a:rPr>
+              <a:t>Da Zeitreihendaten </a:t>
+            </a:r>
+            <a:r>
+              <a:rPr lang="de" altLang="ko-KR" sz="900" kern="1200" dirty="0" err="1">
+                <a:solidFill>
+                  <a:schemeClr val="tx1"/>
+                </a:solidFill>
+                <a:effectLst/>
+                <a:latin typeface="+mn-lt"/>
+                <a:ea typeface="+mn-ea"/>
+                <a:cs typeface="+mn-cs"/>
+              </a:rPr>
+              <a:t>zeitabhängig</a:t>
+            </a:r>
+            <a:r>
+              <a:rPr lang="de" altLang="ko-KR" sz="900" kern="1200" dirty="0">
+                <a:solidFill>
+                  <a:schemeClr val="tx1"/>
+                </a:solidFill>
+                <a:effectLst/>
+                <a:latin typeface="+mn-lt"/>
+                <a:ea typeface="+mn-ea"/>
+                <a:cs typeface="+mn-cs"/>
+              </a:rPr>
+              <a:t> sind, gibt es ein zeitliches Muster. Traditionell werden </a:t>
+            </a:r>
+            <a:r>
+              <a:rPr lang="de" altLang="ko-KR" sz="900" kern="1200" dirty="0" err="1">
+                <a:solidFill>
+                  <a:schemeClr val="tx1"/>
+                </a:solidFill>
+                <a:effectLst/>
+                <a:latin typeface="+mn-lt"/>
+                <a:ea typeface="+mn-ea"/>
+                <a:cs typeface="+mn-cs"/>
+              </a:rPr>
+              <a:t>Zeitrei</a:t>
+            </a:r>
+            <a:r>
+              <a:rPr lang="de" altLang="ko-KR" sz="900" kern="1200" dirty="0">
+                <a:solidFill>
+                  <a:schemeClr val="tx1"/>
+                </a:solidFill>
+                <a:effectLst/>
+                <a:latin typeface="+mn-lt"/>
+                <a:ea typeface="+mn-ea"/>
+                <a:cs typeface="+mn-cs"/>
+              </a:rPr>
+              <a:t>- </a:t>
+            </a:r>
+            <a:endParaRPr lang="de" altLang="ko-KR" dirty="0">
+              <a:effectLst/>
+            </a:endParaRPr>
+          </a:p>
+          <a:p>
+            <a:r>
+              <a:rPr lang="de" altLang="ko-KR" sz="900" kern="1200" dirty="0" err="1">
+                <a:solidFill>
+                  <a:schemeClr val="tx1"/>
+                </a:solidFill>
+                <a:effectLst/>
+                <a:latin typeface="+mn-lt"/>
+                <a:ea typeface="+mn-ea"/>
+                <a:cs typeface="+mn-cs"/>
+              </a:rPr>
+              <a:t>hendaten</a:t>
+            </a:r>
+            <a:r>
+              <a:rPr lang="de" altLang="ko-KR" sz="900" kern="1200" dirty="0">
+                <a:solidFill>
+                  <a:schemeClr val="tx1"/>
+                </a:solidFill>
+                <a:effectLst/>
+                <a:latin typeface="+mn-lt"/>
+                <a:ea typeface="+mn-ea"/>
+                <a:cs typeface="+mn-cs"/>
+              </a:rPr>
+              <a:t> in Trend, </a:t>
+            </a:r>
+            <a:r>
+              <a:rPr lang="de" altLang="ko-KR" sz="900" kern="1200" dirty="0" err="1">
+                <a:solidFill>
+                  <a:schemeClr val="tx1"/>
+                </a:solidFill>
+                <a:effectLst/>
+                <a:latin typeface="+mn-lt"/>
+                <a:ea typeface="+mn-ea"/>
+                <a:cs typeface="+mn-cs"/>
+              </a:rPr>
+              <a:t>Saisonalität</a:t>
+            </a:r>
+            <a:r>
+              <a:rPr lang="de" altLang="ko-KR" sz="900" kern="1200" dirty="0">
+                <a:solidFill>
+                  <a:schemeClr val="tx1"/>
+                </a:solidFill>
+                <a:effectLst/>
+                <a:latin typeface="+mn-lt"/>
+                <a:ea typeface="+mn-ea"/>
+                <a:cs typeface="+mn-cs"/>
+              </a:rPr>
+              <a:t>, Zyklus und </a:t>
+            </a:r>
+            <a:r>
+              <a:rPr lang="de" altLang="ko-KR" sz="900" kern="1200" dirty="0" err="1">
+                <a:solidFill>
+                  <a:schemeClr val="tx1"/>
+                </a:solidFill>
+                <a:effectLst/>
+                <a:latin typeface="+mn-lt"/>
+                <a:ea typeface="+mn-ea"/>
+                <a:cs typeface="+mn-cs"/>
+              </a:rPr>
+              <a:t>zufällige</a:t>
+            </a:r>
+            <a:r>
+              <a:rPr lang="de" altLang="ko-KR" sz="900" kern="1200" dirty="0">
+                <a:solidFill>
+                  <a:schemeClr val="tx1"/>
+                </a:solidFill>
+                <a:effectLst/>
+                <a:latin typeface="+mn-lt"/>
+                <a:ea typeface="+mn-ea"/>
+                <a:cs typeface="+mn-cs"/>
+              </a:rPr>
+              <a:t> Schwankung kategorisiert. </a:t>
+            </a:r>
+            <a:endParaRPr kumimoji="1" lang="de-DE" altLang="ko-KR" dirty="0"/>
+          </a:p>
+          <a:p>
+            <a:endParaRPr kumimoji="1" lang="de-DE" altLang="ko-KR" dirty="0"/>
+          </a:p>
+          <a:p>
+            <a:r>
+              <a:rPr kumimoji="1" lang="de-DE" altLang="ko-KR" dirty="0"/>
+              <a:t>Der Unterschied zwischen den</a:t>
+            </a:r>
+            <a:endParaRPr kumimoji="1" lang="ko-KR" altLang="en-US" dirty="0"/>
           </a:p>
         </p:txBody>
       </p:sp>
@@ -8166,7 +4603,281 @@
 </p:notes>
 </file>
 
-<file path=ppt/notesSlides/notesSlide6.xml><?xml version="1.0" encoding="utf-8"?>
+<file path=ppt/notesSlides/notesSlide7.xml><?xml version="1.0" encoding="utf-8"?>
+<p:notes xmlns:a="http://schemas.openxmlformats.org/drawingml/2006/main" xmlns:r="http://schemas.openxmlformats.org/officeDocument/2006/relationships" xmlns:p="http://schemas.openxmlformats.org/presentationml/2006/main">
+  <p:cSld>
+    <p:spTree>
+      <p:nvGrpSpPr>
+        <p:cNvPr id="1" name=""/>
+        <p:cNvGrpSpPr/>
+        <p:nvPr/>
+      </p:nvGrpSpPr>
+      <p:grpSpPr>
+        <a:xfrm>
+          <a:off x="0" y="0"/>
+          <a:ext cx="0" cy="0"/>
+          <a:chOff x="0" y="0"/>
+          <a:chExt cx="0" cy="0"/>
+        </a:xfrm>
+      </p:grpSpPr>
+      <p:sp>
+        <p:nvSpPr>
+          <p:cNvPr id="2" name="슬라이드 이미지 개체 틀 1"/>
+          <p:cNvSpPr>
+            <a:spLocks noGrp="1" noRot="1" noChangeAspect="1"/>
+          </p:cNvSpPr>
+          <p:nvPr>
+            <p:ph type="sldImg"/>
+          </p:nvPr>
+        </p:nvSpPr>
+        <p:spPr>
+          <a:xfrm>
+            <a:off x="511175" y="1049338"/>
+            <a:ext cx="5924550" cy="3333750"/>
+          </a:xfrm>
+        </p:spPr>
+      </p:sp>
+      <p:sp>
+        <p:nvSpPr>
+          <p:cNvPr id="3" name="슬라이드 노트 개체 틀 2"/>
+          <p:cNvSpPr>
+            <a:spLocks noGrp="1"/>
+          </p:cNvSpPr>
+          <p:nvPr>
+            <p:ph type="body" idx="1"/>
+          </p:nvPr>
+        </p:nvSpPr>
+        <p:spPr/>
+        <p:txBody>
+          <a:bodyPr/>
+          <a:lstStyle/>
+          <a:p>
+            <a:pPr marL="0" marR="0" lvl="0" indent="0" algn="l" defTabSz="685800" rtl="0" eaLnBrk="1" fontAlgn="auto" latinLnBrk="0" hangingPunct="1">
+              <a:lnSpc>
+                <a:spcPct val="100000"/>
+              </a:lnSpc>
+              <a:spcBef>
+                <a:spcPts val="0"/>
+              </a:spcBef>
+              <a:spcAft>
+                <a:spcPts val="0"/>
+              </a:spcAft>
+              <a:buClrTx/>
+              <a:buSzTx/>
+              <a:buFontTx/>
+              <a:buNone/>
+              <a:tabLst/>
+              <a:defRPr/>
+            </a:pPr>
+            <a:r>
+              <a:rPr lang="de" altLang="ko-KR" sz="900" kern="1200" dirty="0">
+                <a:solidFill>
+                  <a:schemeClr val="tx1"/>
+                </a:solidFill>
+                <a:effectLst/>
+                <a:latin typeface="+mn-lt"/>
+                <a:ea typeface="+mn-ea"/>
+                <a:cs typeface="+mn-cs"/>
+              </a:rPr>
+              <a:t>Die intuitive Definition einer Anomalie wäre „eine Beobachtung, die so stark von anderen Beobachtungen abweicht, dass der Verdacht erweckt wird, dass sie durch einen anderen Mechanismus erzeugt worden ist“. Anomalie wird mit verschiedenen Termini ausgedrückt, wie z. B. Neuheit, die als positiver Ausdruck im Wirtschaftsbereich verstanden wird, Anomalität, die als negativer Ausdruck bewertet wird, so etwa ein schlechtes Signal, und Ausreißer für etwas, was extrem weit außerhalb des Allgemeinen liegt. Daher können Anomalien für jeden Bereich und jedes Problem unterschiedlich definiert werden, was bedeutet, dass es keinen einzigen optimalen Algorithmus für die </a:t>
+            </a:r>
+            <a:r>
+              <a:rPr lang="de" altLang="ko-KR" sz="900" kern="1200" dirty="0" err="1">
+                <a:solidFill>
+                  <a:schemeClr val="tx1"/>
+                </a:solidFill>
+                <a:effectLst/>
+                <a:latin typeface="+mn-lt"/>
+                <a:ea typeface="+mn-ea"/>
+                <a:cs typeface="+mn-cs"/>
+              </a:rPr>
+              <a:t>Anomalieerkennung</a:t>
+            </a:r>
+            <a:r>
+              <a:rPr lang="de" altLang="ko-KR" sz="900" kern="1200" dirty="0">
+                <a:solidFill>
+                  <a:schemeClr val="tx1"/>
+                </a:solidFill>
+                <a:effectLst/>
+                <a:latin typeface="+mn-lt"/>
+                <a:ea typeface="+mn-ea"/>
+                <a:cs typeface="+mn-cs"/>
+              </a:rPr>
+              <a:t> gibt und dass je nach der definierten Anomalie unterschiedliche Algorithmen zur Problemlösung ausgewählt werden. Aus diesem Grund wird hier ein Ansatz zum Identifizieren von Anomalien beschrieben. </a:t>
+            </a:r>
+          </a:p>
+          <a:p>
+            <a:pPr marL="0" marR="0" lvl="0" indent="0" algn="l" defTabSz="685800" rtl="0" eaLnBrk="1" fontAlgn="auto" latinLnBrk="0" hangingPunct="1">
+              <a:lnSpc>
+                <a:spcPct val="100000"/>
+              </a:lnSpc>
+              <a:spcBef>
+                <a:spcPts val="0"/>
+              </a:spcBef>
+              <a:spcAft>
+                <a:spcPts val="0"/>
+              </a:spcAft>
+              <a:buClrTx/>
+              <a:buSzTx/>
+              <a:buFontTx/>
+              <a:buNone/>
+              <a:tabLst/>
+              <a:defRPr/>
+            </a:pPr>
+            <a:endParaRPr lang="de" altLang="ko-KR" sz="900" kern="1200" dirty="0">
+              <a:solidFill>
+                <a:schemeClr val="tx1"/>
+              </a:solidFill>
+              <a:effectLst/>
+              <a:latin typeface="+mn-lt"/>
+              <a:ea typeface="+mn-ea"/>
+              <a:cs typeface="+mn-cs"/>
+            </a:endParaRPr>
+          </a:p>
+          <a:p>
+            <a:pPr marL="0" marR="0" lvl="0" indent="0" algn="l" defTabSz="685800" rtl="0" eaLnBrk="1" fontAlgn="auto" latinLnBrk="0" hangingPunct="1">
+              <a:lnSpc>
+                <a:spcPct val="100000"/>
+              </a:lnSpc>
+              <a:spcBef>
+                <a:spcPts val="0"/>
+              </a:spcBef>
+              <a:spcAft>
+                <a:spcPts val="0"/>
+              </a:spcAft>
+              <a:buClrTx/>
+              <a:buSzTx/>
+              <a:buFontTx/>
+              <a:buNone/>
+              <a:tabLst/>
+              <a:defRPr/>
+            </a:pPr>
+            <a:r>
+              <a:rPr lang="de" altLang="ko-KR" sz="900" kern="1200" dirty="0">
+                <a:solidFill>
+                  <a:schemeClr val="tx1"/>
+                </a:solidFill>
+                <a:effectLst/>
+                <a:latin typeface="+mn-lt"/>
+                <a:ea typeface="+mn-ea"/>
+                <a:cs typeface="+mn-cs"/>
+              </a:rPr>
+              <a:t>Da es in der vorliegenden Arbeit um Feinstaubdaten geht, konzentriert sie sich auf Zeitreihendaten, und die </a:t>
+            </a:r>
+            <a:r>
+              <a:rPr lang="de" altLang="ko-KR" sz="900" kern="1200" dirty="0" err="1">
+                <a:solidFill>
+                  <a:schemeClr val="tx1"/>
+                </a:solidFill>
+                <a:effectLst/>
+                <a:latin typeface="+mn-lt"/>
+                <a:ea typeface="+mn-ea"/>
+                <a:cs typeface="+mn-cs"/>
+              </a:rPr>
+              <a:t>Ausreißererkennung</a:t>
+            </a:r>
+            <a:r>
+              <a:rPr lang="de" altLang="ko-KR" sz="900" kern="1200" dirty="0">
+                <a:solidFill>
+                  <a:schemeClr val="tx1"/>
+                </a:solidFill>
+                <a:effectLst/>
+                <a:latin typeface="+mn-lt"/>
+                <a:ea typeface="+mn-ea"/>
+                <a:cs typeface="+mn-cs"/>
+              </a:rPr>
+              <a:t> in Zeitreihendaten entspricht dem kontextabhängigen Ausreißer. Wie der Graph in Abbildung c zeigt, ist die Zeitabhängigkeit der wichtigste Punkt für Zeitreihendaten. Dies liegt daran, dass sie zusätzliche Informationen enthalten kann, die sich für eine Verbesserung des Erkennens von Ausreißer verwenden lassen. </a:t>
+            </a:r>
+            <a:endParaRPr lang="de" altLang="ko-KR" dirty="0">
+              <a:effectLst/>
+            </a:endParaRPr>
+          </a:p>
+          <a:p>
+            <a:pPr marL="0" marR="0" lvl="0" indent="0" algn="l" defTabSz="685800" rtl="0" eaLnBrk="1" fontAlgn="auto" latinLnBrk="0" hangingPunct="1">
+              <a:lnSpc>
+                <a:spcPct val="100000"/>
+              </a:lnSpc>
+              <a:spcBef>
+                <a:spcPts val="0"/>
+              </a:spcBef>
+              <a:spcAft>
+                <a:spcPts val="0"/>
+              </a:spcAft>
+              <a:buClrTx/>
+              <a:buSzTx/>
+              <a:buFontTx/>
+              <a:buNone/>
+              <a:tabLst/>
+              <a:defRPr/>
+            </a:pPr>
+            <a:endParaRPr lang="de" altLang="ko-KR" dirty="0">
+              <a:effectLst/>
+            </a:endParaRPr>
+          </a:p>
+          <a:p>
+            <a:pPr marL="0" marR="0" lvl="0" indent="0" algn="l" defTabSz="685800" rtl="0" eaLnBrk="1" fontAlgn="auto" latinLnBrk="0" hangingPunct="1">
+              <a:lnSpc>
+                <a:spcPct val="100000"/>
+              </a:lnSpc>
+              <a:spcBef>
+                <a:spcPts val="0"/>
+              </a:spcBef>
+              <a:spcAft>
+                <a:spcPts val="0"/>
+              </a:spcAft>
+              <a:buClrTx/>
+              <a:buSzTx/>
+              <a:buFontTx/>
+              <a:buNone/>
+              <a:tabLst/>
+              <a:defRPr/>
+            </a:pPr>
+            <a:endParaRPr lang="de" altLang="ko-KR" dirty="0">
+              <a:effectLst/>
+            </a:endParaRPr>
+          </a:p>
+          <a:p>
+            <a:endParaRPr kumimoji="1" lang="ko-KR" altLang="en-US" dirty="0"/>
+          </a:p>
+        </p:txBody>
+      </p:sp>
+      <p:sp>
+        <p:nvSpPr>
+          <p:cNvPr id="4" name="슬라이드 번호 개체 틀 3"/>
+          <p:cNvSpPr>
+            <a:spLocks noGrp="1"/>
+          </p:cNvSpPr>
+          <p:nvPr>
+            <p:ph type="sldNum" sz="quarter" idx="5"/>
+          </p:nvPr>
+        </p:nvSpPr>
+        <p:spPr/>
+        <p:txBody>
+          <a:bodyPr/>
+          <a:lstStyle/>
+          <a:p>
+            <a:fld id="{2D6A0D67-EDAE-48EC-829F-B147F9799060}" type="slidenum">
+              <a:rPr lang="de-DE" smtClean="0"/>
+              <a:t>7</a:t>
+            </a:fld>
+            <a:endParaRPr lang="de-DE"/>
+          </a:p>
+        </p:txBody>
+      </p:sp>
+    </p:spTree>
+    <p:extLst>
+      <p:ext uri="{BB962C8B-B14F-4D97-AF65-F5344CB8AC3E}">
+        <p14:creationId xmlns:p14="http://schemas.microsoft.com/office/powerpoint/2010/main" val="3734628591"/>
+      </p:ext>
+    </p:extLst>
+  </p:cSld>
+  <p:clrMapOvr>
+    <a:masterClrMapping/>
+  </p:clrMapOvr>
+</p:notes>
+</file>
+
+<file path=ppt/notesSlides/notesSlide8.xml><?xml version="1.0" encoding="utf-8"?>
 <p:notes xmlns:a="http://schemas.openxmlformats.org/drawingml/2006/main" xmlns:r="http://schemas.openxmlformats.org/officeDocument/2006/relationships" xmlns:p="http://schemas.openxmlformats.org/presentationml/2006/main">
   <p:cSld>
     <p:spTree>
@@ -8255,184 +4966,6 @@
 </p:notes>
 </file>
 
-<file path=ppt/notesSlides/notesSlide7.xml><?xml version="1.0" encoding="utf-8"?>
-<p:notes xmlns:a="http://schemas.openxmlformats.org/drawingml/2006/main" xmlns:r="http://schemas.openxmlformats.org/officeDocument/2006/relationships" xmlns:p="http://schemas.openxmlformats.org/presentationml/2006/main">
-  <p:cSld>
-    <p:spTree>
-      <p:nvGrpSpPr>
-        <p:cNvPr id="1" name=""/>
-        <p:cNvGrpSpPr/>
-        <p:nvPr/>
-      </p:nvGrpSpPr>
-      <p:grpSpPr>
-        <a:xfrm>
-          <a:off x="0" y="0"/>
-          <a:ext cx="0" cy="0"/>
-          <a:chOff x="0" y="0"/>
-          <a:chExt cx="0" cy="0"/>
-        </a:xfrm>
-      </p:grpSpPr>
-      <p:sp>
-        <p:nvSpPr>
-          <p:cNvPr id="2" name="Folienbildplatzhalter 1"/>
-          <p:cNvSpPr>
-            <a:spLocks noGrp="1" noRot="1" noChangeAspect="1"/>
-          </p:cNvSpPr>
-          <p:nvPr>
-            <p:ph type="sldImg"/>
-          </p:nvPr>
-        </p:nvSpPr>
-        <p:spPr>
-          <a:xfrm>
-            <a:off x="511175" y="1049338"/>
-            <a:ext cx="5924550" cy="3333750"/>
-          </a:xfrm>
-        </p:spPr>
-      </p:sp>
-      <p:sp>
-        <p:nvSpPr>
-          <p:cNvPr id="3" name="Notizenplatzhalter 2"/>
-          <p:cNvSpPr>
-            <a:spLocks noGrp="1"/>
-          </p:cNvSpPr>
-          <p:nvPr>
-            <p:ph type="body" idx="1"/>
-          </p:nvPr>
-        </p:nvSpPr>
-        <p:spPr/>
-        <p:txBody>
-          <a:bodyPr/>
-          <a:lstStyle/>
-          <a:p>
-            <a:endParaRPr lang="de-DE"/>
-          </a:p>
-        </p:txBody>
-      </p:sp>
-      <p:sp>
-        <p:nvSpPr>
-          <p:cNvPr id="4" name="Foliennummernplatzhalter 3"/>
-          <p:cNvSpPr>
-            <a:spLocks noGrp="1"/>
-          </p:cNvSpPr>
-          <p:nvPr>
-            <p:ph type="sldNum" sz="quarter" idx="10"/>
-          </p:nvPr>
-        </p:nvSpPr>
-        <p:spPr/>
-        <p:txBody>
-          <a:bodyPr/>
-          <a:lstStyle/>
-          <a:p>
-            <a:fld id="{2D6A0D67-EDAE-48EC-829F-B147F9799060}" type="slidenum">
-              <a:rPr lang="de-DE" smtClean="0"/>
-              <a:t>9</a:t>
-            </a:fld>
-            <a:endParaRPr lang="de-DE"/>
-          </a:p>
-        </p:txBody>
-      </p:sp>
-    </p:spTree>
-    <p:extLst>
-      <p:ext uri="{BB962C8B-B14F-4D97-AF65-F5344CB8AC3E}">
-        <p14:creationId xmlns:p14="http://schemas.microsoft.com/office/powerpoint/2010/main" val="2107528470"/>
-      </p:ext>
-    </p:extLst>
-  </p:cSld>
-  <p:clrMapOvr>
-    <a:masterClrMapping/>
-  </p:clrMapOvr>
-</p:notes>
-</file>
-
-<file path=ppt/notesSlides/notesSlide8.xml><?xml version="1.0" encoding="utf-8"?>
-<p:notes xmlns:a="http://schemas.openxmlformats.org/drawingml/2006/main" xmlns:r="http://schemas.openxmlformats.org/officeDocument/2006/relationships" xmlns:p="http://schemas.openxmlformats.org/presentationml/2006/main">
-  <p:cSld>
-    <p:spTree>
-      <p:nvGrpSpPr>
-        <p:cNvPr id="1" name=""/>
-        <p:cNvGrpSpPr/>
-        <p:nvPr/>
-      </p:nvGrpSpPr>
-      <p:grpSpPr>
-        <a:xfrm>
-          <a:off x="0" y="0"/>
-          <a:ext cx="0" cy="0"/>
-          <a:chOff x="0" y="0"/>
-          <a:chExt cx="0" cy="0"/>
-        </a:xfrm>
-      </p:grpSpPr>
-      <p:sp>
-        <p:nvSpPr>
-          <p:cNvPr id="2" name="Folienbildplatzhalter 1"/>
-          <p:cNvSpPr>
-            <a:spLocks noGrp="1" noRot="1" noChangeAspect="1"/>
-          </p:cNvSpPr>
-          <p:nvPr>
-            <p:ph type="sldImg"/>
-          </p:nvPr>
-        </p:nvSpPr>
-        <p:spPr>
-          <a:xfrm>
-            <a:off x="511175" y="1049338"/>
-            <a:ext cx="5924550" cy="3333750"/>
-          </a:xfrm>
-        </p:spPr>
-      </p:sp>
-      <p:sp>
-        <p:nvSpPr>
-          <p:cNvPr id="3" name="Notizenplatzhalter 2"/>
-          <p:cNvSpPr>
-            <a:spLocks noGrp="1"/>
-          </p:cNvSpPr>
-          <p:nvPr>
-            <p:ph type="body" idx="1"/>
-          </p:nvPr>
-        </p:nvSpPr>
-        <p:spPr/>
-        <p:txBody>
-          <a:bodyPr/>
-          <a:lstStyle/>
-          <a:p>
-            <a:endParaRPr lang="de-DE"/>
-          </a:p>
-        </p:txBody>
-      </p:sp>
-      <p:sp>
-        <p:nvSpPr>
-          <p:cNvPr id="4" name="Foliennummernplatzhalter 3"/>
-          <p:cNvSpPr>
-            <a:spLocks noGrp="1"/>
-          </p:cNvSpPr>
-          <p:nvPr>
-            <p:ph type="sldNum" sz="quarter" idx="10"/>
-          </p:nvPr>
-        </p:nvSpPr>
-        <p:spPr/>
-        <p:txBody>
-          <a:bodyPr/>
-          <a:lstStyle/>
-          <a:p>
-            <a:fld id="{2D6A0D67-EDAE-48EC-829F-B147F9799060}" type="slidenum">
-              <a:rPr lang="de-DE" smtClean="0"/>
-              <a:t>10</a:t>
-            </a:fld>
-            <a:endParaRPr lang="de-DE"/>
-          </a:p>
-        </p:txBody>
-      </p:sp>
-    </p:spTree>
-    <p:extLst>
-      <p:ext uri="{BB962C8B-B14F-4D97-AF65-F5344CB8AC3E}">
-        <p14:creationId xmlns:p14="http://schemas.microsoft.com/office/powerpoint/2010/main" val="54642564"/>
-      </p:ext>
-    </p:extLst>
-  </p:cSld>
-  <p:clrMapOvr>
-    <a:masterClrMapping/>
-  </p:clrMapOvr>
-</p:notes>
-</file>
-
 <file path=ppt/notesSlides/notesSlide9.xml><?xml version="1.0" encoding="utf-8"?>
 <p:notes xmlns:a="http://schemas.openxmlformats.org/drawingml/2006/main" xmlns:r="http://schemas.openxmlformats.org/officeDocument/2006/relationships" xmlns:p="http://schemas.openxmlformats.org/presentationml/2006/main">
   <p:cSld>
@@ -8482,7 +5015,7 @@
           <a:bodyPr/>
           <a:lstStyle/>
           <a:p>
-            <a:endParaRPr lang="de-DE"/>
+            <a:endParaRPr lang="de-DE" dirty="0"/>
           </a:p>
         </p:txBody>
       </p:sp>
@@ -8503,7 +5036,7 @@
           <a:p>
             <a:fld id="{2D6A0D67-EDAE-48EC-829F-B147F9799060}" type="slidenum">
               <a:rPr lang="de-DE" smtClean="0"/>
-              <a:t>12</a:t>
+              <a:t>9</a:t>
             </a:fld>
             <a:endParaRPr lang="de-DE"/>
           </a:p>
@@ -8512,7 +5045,7 @@
     </p:spTree>
     <p:extLst>
       <p:ext uri="{BB962C8B-B14F-4D97-AF65-F5344CB8AC3E}">
-        <p14:creationId xmlns:p14="http://schemas.microsoft.com/office/powerpoint/2010/main" val="3520414386"/>
+        <p14:creationId xmlns:p14="http://schemas.microsoft.com/office/powerpoint/2010/main" val="2107528470"/>
       </p:ext>
     </p:extLst>
   </p:cSld>
@@ -8858,7 +5391,7 @@
                 <a:cs typeface="Open Sans" panose="020B0606030504020204" pitchFamily="34" charset="0"/>
               </a:rPr>
               <a:pPr algn="r"/>
-              <a:t>Thursday, March 2, 2023</a:t>
+              <a:t>Friday, March 3, 2023</a:t>
             </a:fld>
             <a:endParaRPr lang="de-DE" sz="1000" dirty="0">
               <a:latin typeface="Open Sans" panose="020B0606030504020204" pitchFamily="34" charset="0"/>
@@ -19122,8 +15655,8 @@
         </p:blipFill>
         <p:spPr>
           <a:xfrm>
-            <a:off x="3230515" y="2418237"/>
-            <a:ext cx="5452931" cy="2127242"/>
+            <a:off x="2712027" y="2215970"/>
+            <a:ext cx="5971419" cy="2329509"/>
           </a:xfrm>
         </p:spPr>
       </p:pic>
@@ -19141,8 +15674,8 @@
         </p:nvSpPr>
         <p:spPr>
           <a:xfrm>
-            <a:off x="3175651" y="2418237"/>
-            <a:ext cx="1514012" cy="122024"/>
+            <a:off x="2692718" y="2215970"/>
+            <a:ext cx="1735282" cy="121985"/>
           </a:xfrm>
           <a:prstGeom prst="rect">
             <a:avLst/>
@@ -19221,7 +15754,7 @@
         <p:spPr>
           <a:xfrm>
             <a:off x="179999" y="918993"/>
-            <a:ext cx="4537473" cy="3626486"/>
+            <a:ext cx="8735401" cy="1621268"/>
           </a:xfrm>
         </p:spPr>
         <p:txBody>
@@ -19242,12 +15775,12 @@
               <a:buChar char="•"/>
             </a:pPr>
             <a:r>
-              <a:rPr lang="de-DE" dirty="0">
+              <a:rPr lang="de-DE" b="0" dirty="0">
                 <a:solidFill>
                   <a:schemeClr val="tx1"/>
                 </a:solidFill>
               </a:rPr>
-              <a:t>Zunahme des Umweltmonitoring-Bedarfs</a:t>
+              <a:t>Die Zunahme des Umweltmonitoring-Bedarfs</a:t>
             </a:r>
           </a:p>
           <a:p>
@@ -19256,22 +15789,47 @@
               <a:buChar char="•"/>
             </a:pPr>
             <a:r>
-              <a:rPr lang="de-DE" dirty="0">
+              <a:rPr lang="de-DE" b="0" dirty="0">
                 <a:solidFill>
                   <a:schemeClr val="tx1"/>
                 </a:solidFill>
               </a:rPr>
-              <a:t>Messung des Umweltelements durch</a:t>
-            </a:r>
-            <a:br>
-              <a:rPr lang="de-DE" dirty="0">
+              <a:t>Das Messen der</a:t>
+            </a:r>
+            <a:r>
+              <a:rPr lang="ko-KR" altLang="en-US" b="0" dirty="0">
                 <a:solidFill>
                   <a:schemeClr val="tx1"/>
                 </a:solidFill>
               </a:rPr>
-            </a:br>
-            <a:r>
-              <a:rPr lang="de-DE" dirty="0">
+              <a:t> </a:t>
+            </a:r>
+            <a:r>
+              <a:rPr lang="de-DE" altLang="ko-KR" b="0" dirty="0">
+                <a:solidFill>
+                  <a:schemeClr val="tx1"/>
+                </a:solidFill>
+              </a:rPr>
+              <a:t>Umweltstoffe</a:t>
+            </a:r>
+            <a:r>
+              <a:rPr lang="de-DE" b="0" dirty="0">
+                <a:solidFill>
+                  <a:schemeClr val="tx1"/>
+                </a:solidFill>
+              </a:rPr>
+              <a:t> durch</a:t>
+            </a:r>
+            <a:r>
+              <a:rPr lang="ko-KR" altLang="en-US" b="0" dirty="0">
+                <a:solidFill>
+                  <a:schemeClr val="tx1"/>
+                </a:solidFill>
+              </a:rPr>
+              <a:t> </a:t>
+            </a:r>
+            <a:r>
+              <a:rPr lang="de-DE" b="0" dirty="0">
                 <a:solidFill>
                   <a:schemeClr val="tx1"/>
                 </a:solidFill>
@@ -19279,7 +15837,7 @@
               <a:t>Low-</a:t>
             </a:r>
             <a:r>
-              <a:rPr lang="de-DE" dirty="0" err="1">
+              <a:rPr lang="de-DE" b="0" dirty="0" err="1">
                 <a:solidFill>
                   <a:schemeClr val="tx1"/>
                 </a:solidFill>
@@ -19287,12 +15845,12 @@
               <a:t>Cost</a:t>
             </a:r>
             <a:r>
-              <a:rPr lang="de-DE" dirty="0">
+              <a:rPr lang="de-DE" b="0" dirty="0">
                 <a:solidFill>
                   <a:schemeClr val="tx1"/>
                 </a:solidFill>
               </a:rPr>
-              <a:t>-Sensor verursacht häufig Ausreißer</a:t>
+              <a:t>-Sensoren verursacht häufig Ausreißer</a:t>
             </a:r>
           </a:p>
           <a:p>
@@ -19301,7 +15859,7 @@
               <a:buChar char="•"/>
             </a:pPr>
             <a:r>
-              <a:rPr lang="de-DE" altLang="ko-KR" dirty="0">
+              <a:rPr lang="de-DE" altLang="ko-KR" b="0" dirty="0">
                 <a:solidFill>
                   <a:schemeClr val="tx1"/>
                 </a:solidFill>
@@ -19338,8 +15896,8 @@
         </p:blipFill>
         <p:spPr>
           <a:xfrm>
-            <a:off x="7177930" y="4391966"/>
-            <a:ext cx="1505516" cy="153513"/>
+            <a:off x="7007355" y="4374573"/>
+            <a:ext cx="1676091" cy="170906"/>
           </a:xfrm>
           <a:prstGeom prst="rect">
             <a:avLst/>
@@ -19395,7 +15953,12 @@
             <p:ph type="title"/>
           </p:nvPr>
         </p:nvSpPr>
-        <p:spPr/>
+        <p:spPr>
+          <a:xfrm>
+            <a:off x="180000" y="254870"/>
+            <a:ext cx="1555282" cy="430560"/>
+          </a:xfrm>
+        </p:spPr>
         <p:txBody>
           <a:bodyPr/>
           <a:lstStyle/>
@@ -19424,7 +15987,12 @@
             <p:ph idx="1"/>
           </p:nvPr>
         </p:nvSpPr>
-        <p:spPr/>
+        <p:spPr>
+          <a:xfrm>
+            <a:off x="180000" y="918992"/>
+            <a:ext cx="8784000" cy="430560"/>
+          </a:xfrm>
+        </p:spPr>
         <p:txBody>
           <a:bodyPr/>
           <a:lstStyle/>
@@ -19436,54 +16004,38 @@
               <a:rPr lang="de-DE" dirty="0"/>
               <a:t>Die Arbeit antwortet</a:t>
             </a:r>
-          </a:p>
-          <a:p>
-            <a:pPr lvl="1">
-              <a:lnSpc>
-                <a:spcPct val="100000"/>
-              </a:lnSpc>
-            </a:pPr>
-            <a:r>
-              <a:rPr lang="de-DE" dirty="0"/>
-              <a:t>den Einfluss von Ausreißern </a:t>
-            </a:r>
-            <a:r>
-              <a:rPr lang="de" dirty="0"/>
-              <a:t>auf die Prognosegenauigkeit von Feinstaubkonzentrationen</a:t>
-            </a:r>
-          </a:p>
-          <a:p>
-            <a:pPr lvl="1">
-              <a:lnSpc>
-                <a:spcPct val="100000"/>
-              </a:lnSpc>
-            </a:pPr>
-            <a:r>
-              <a:rPr lang="de" dirty="0"/>
-              <a:t>…</a:t>
-            </a:r>
-          </a:p>
-          <a:p>
-            <a:pPr lvl="1">
-              <a:lnSpc>
-                <a:spcPct val="100000"/>
-              </a:lnSpc>
-            </a:pPr>
-            <a:r>
-              <a:rPr lang="de" dirty="0"/>
-              <a:t>…</a:t>
-            </a:r>
-          </a:p>
-          <a:p>
-            <a:pPr lvl="1">
-              <a:lnSpc>
-                <a:spcPct val="100000"/>
-              </a:lnSpc>
-            </a:pPr>
-            <a:endParaRPr lang="de-DE" dirty="0"/>
+            <a:endParaRPr lang="de" dirty="0"/>
           </a:p>
         </p:txBody>
       </p:sp>
+      <p:graphicFrame>
+        <p:nvGraphicFramePr>
+          <p:cNvPr id="3" name="다이어그램 2">
+            <a:extLst>
+              <a:ext uri="{FF2B5EF4-FFF2-40B4-BE49-F238E27FC236}">
+                <a16:creationId xmlns:a16="http://schemas.microsoft.com/office/drawing/2014/main" id="{22CC593F-5C84-1043-8E05-8314B4CBEAA1}"/>
+              </a:ext>
+            </a:extLst>
+          </p:cNvPr>
+          <p:cNvGraphicFramePr/>
+          <p:nvPr>
+            <p:extLst>
+              <p:ext uri="{D42A27DB-BD31-4B8C-83A1-F6EECF244321}">
+                <p14:modId xmlns:p14="http://schemas.microsoft.com/office/powerpoint/2010/main" val="3087165443"/>
+              </p:ext>
+            </p:extLst>
+          </p:nvPr>
+        </p:nvGraphicFramePr>
+        <p:xfrm>
+          <a:off x="720436" y="1174569"/>
+          <a:ext cx="7703127" cy="3539078"/>
+        </p:xfrm>
+        <a:graphic>
+          <a:graphicData uri="http://schemas.openxmlformats.org/drawingml/2006/diagram">
+            <dgm:relIds xmlns:dgm="http://schemas.openxmlformats.org/drawingml/2006/diagram" xmlns:r="http://schemas.openxmlformats.org/officeDocument/2006/relationships" r:dm="rId3" r:lo="rId4" r:qs="rId5" r:cs="rId6"/>
+          </a:graphicData>
+        </a:graphic>
+      </p:graphicFrame>
     </p:spTree>
     <p:extLst>
       <p:ext uri="{BB962C8B-B14F-4D97-AF65-F5344CB8AC3E}">
@@ -19533,7 +16085,7 @@
         <p:spPr>
           <a:xfrm>
             <a:off x="180000" y="254870"/>
-            <a:ext cx="6480000" cy="432000"/>
+            <a:ext cx="1991700" cy="432000"/>
           </a:xfrm>
         </p:spPr>
         <p:txBody>
@@ -19544,130 +16096,6 @@
               <a:rPr lang="de-DE" noProof="0" dirty="0"/>
               <a:t>Einleitung</a:t>
             </a:r>
-          </a:p>
-        </p:txBody>
-      </p:sp>
-      <p:pic>
-        <p:nvPicPr>
-          <p:cNvPr id="5" name="그림 4">
-            <a:extLst>
-              <a:ext uri="{FF2B5EF4-FFF2-40B4-BE49-F238E27FC236}">
-                <a16:creationId xmlns:a16="http://schemas.microsoft.com/office/drawing/2014/main" id="{6B02F597-AD8F-D84B-BA24-3324DC36E5BF}"/>
-              </a:ext>
-            </a:extLst>
-          </p:cNvPr>
-          <p:cNvPicPr>
-            <a:picLocks noChangeAspect="1"/>
-          </p:cNvPicPr>
-          <p:nvPr/>
-        </p:nvPicPr>
-        <p:blipFill rotWithShape="1">
-          <a:blip r:embed="rId3">
-            <a:extLst>
-              <a:ext uri="{28A0092B-C50C-407E-A947-70E740481C1C}">
-                <a14:useLocalDpi xmlns:a14="http://schemas.microsoft.com/office/drawing/2010/main" val="0"/>
-              </a:ext>
-            </a:extLst>
-          </a:blip>
-          <a:srcRect r="49086"/>
-          <a:stretch/>
-        </p:blipFill>
-        <p:spPr>
-          <a:xfrm>
-            <a:off x="3520051" y="918993"/>
-            <a:ext cx="5088096" cy="1453208"/>
-          </a:xfrm>
-          <a:prstGeom prst="rect">
-            <a:avLst/>
-          </a:prstGeom>
-        </p:spPr>
-      </p:pic>
-      <p:pic>
-        <p:nvPicPr>
-          <p:cNvPr id="6" name="그림 5">
-            <a:extLst>
-              <a:ext uri="{FF2B5EF4-FFF2-40B4-BE49-F238E27FC236}">
-                <a16:creationId xmlns:a16="http://schemas.microsoft.com/office/drawing/2014/main" id="{82909F06-32B6-B34D-9A10-F570E366D0A4}"/>
-              </a:ext>
-            </a:extLst>
-          </p:cNvPr>
-          <p:cNvPicPr>
-            <a:picLocks noChangeAspect="1"/>
-          </p:cNvPicPr>
-          <p:nvPr/>
-        </p:nvPicPr>
-        <p:blipFill rotWithShape="1">
-          <a:blip r:embed="rId3">
-            <a:extLst>
-              <a:ext uri="{28A0092B-C50C-407E-A947-70E740481C1C}">
-                <a14:useLocalDpi xmlns:a14="http://schemas.microsoft.com/office/drawing/2010/main" val="0"/>
-              </a:ext>
-            </a:extLst>
-          </a:blip>
-          <a:srcRect l="51039"/>
-          <a:stretch/>
-        </p:blipFill>
-        <p:spPr>
-          <a:xfrm>
-            <a:off x="3580444" y="2771300"/>
-            <a:ext cx="4967309" cy="1475319"/>
-          </a:xfrm>
-          <a:prstGeom prst="rect">
-            <a:avLst/>
-          </a:prstGeom>
-        </p:spPr>
-      </p:pic>
-      <p:sp>
-        <p:nvSpPr>
-          <p:cNvPr id="7" name="직사각형 6">
-            <a:extLst>
-              <a:ext uri="{FF2B5EF4-FFF2-40B4-BE49-F238E27FC236}">
-                <a16:creationId xmlns:a16="http://schemas.microsoft.com/office/drawing/2014/main" id="{CFD4CBA1-F364-0D4E-9B79-7B946CE893E7}"/>
-              </a:ext>
-            </a:extLst>
-          </p:cNvPr>
-          <p:cNvSpPr/>
-          <p:nvPr/>
-        </p:nvSpPr>
-        <p:spPr>
-          <a:xfrm>
-            <a:off x="3580444" y="3203467"/>
-            <a:ext cx="205946" cy="510746"/>
-          </a:xfrm>
-          <a:prstGeom prst="rect">
-            <a:avLst/>
-          </a:prstGeom>
-          <a:solidFill>
-            <a:schemeClr val="bg1"/>
-          </a:solidFill>
-          <a:ln>
-            <a:solidFill>
-              <a:schemeClr val="bg1"/>
-            </a:solidFill>
-          </a:ln>
-        </p:spPr>
-        <p:style>
-          <a:lnRef idx="2">
-            <a:schemeClr val="accent1">
-              <a:shade val="50000"/>
-            </a:schemeClr>
-          </a:lnRef>
-          <a:fillRef idx="1">
-            <a:schemeClr val="accent1"/>
-          </a:fillRef>
-          <a:effectRef idx="0">
-            <a:schemeClr val="accent1"/>
-          </a:effectRef>
-          <a:fontRef idx="minor">
-            <a:schemeClr val="lt1"/>
-          </a:fontRef>
-        </p:style>
-        <p:txBody>
-          <a:bodyPr rtlCol="0" anchor="ctr"/>
-          <a:lstStyle/>
-          <a:p>
-            <a:pPr algn="ctr"/>
-            <a:endParaRPr kumimoji="1" lang="ko-KR" altLang="en-US"/>
           </a:p>
         </p:txBody>
       </p:sp>
@@ -19690,7 +16118,7 @@
         <p:spPr>
           <a:xfrm>
             <a:off x="180000" y="918993"/>
-            <a:ext cx="4248000" cy="3626486"/>
+            <a:ext cx="2999618" cy="3626486"/>
           </a:xfrm>
         </p:spPr>
         <p:txBody>
@@ -19702,7 +16130,7 @@
             </a:pPr>
             <a:r>
               <a:rPr lang="de-DE" altLang="ko-KR" dirty="0"/>
-              <a:t>Zeitreihen</a:t>
+              <a:t>Zeitreihendaten</a:t>
             </a:r>
           </a:p>
           <a:p>
@@ -19711,25 +16139,355 @@
               <a:buChar char="•"/>
             </a:pPr>
             <a:r>
-              <a:rPr lang="ko-KR" altLang="en-US" dirty="0" err="1">
+              <a:rPr lang="de" altLang="ko-KR" b="0" dirty="0">
                 <a:solidFill>
                   <a:schemeClr val="tx1"/>
                 </a:solidFill>
               </a:rPr>
-              <a:t>주요단어만</a:t>
-            </a:r>
-            <a:r>
-              <a:rPr lang="ko-KR" altLang="en-US" dirty="0">
+              <a:t>Muster</a:t>
+            </a:r>
+          </a:p>
+          <a:p>
+            <a:pPr marL="725525" lvl="1" indent="-285750">
+              <a:buFont typeface="Arial" panose="020B0604020202020204" pitchFamily="34" charset="0"/>
+              <a:buChar char="•"/>
+            </a:pPr>
+            <a:r>
+              <a:rPr lang="de" altLang="ko-KR" b="0" dirty="0">
                 <a:solidFill>
                   <a:schemeClr val="tx1"/>
                 </a:solidFill>
               </a:rPr>
-              <a:t> </a:t>
-            </a:r>
-            <a:endParaRPr lang="de-DE" noProof="0" dirty="0"/>
+              <a:t>Trend</a:t>
+            </a:r>
+          </a:p>
+          <a:p>
+            <a:pPr marL="725525" lvl="1" indent="-285750">
+              <a:buFont typeface="Arial" panose="020B0604020202020204" pitchFamily="34" charset="0"/>
+              <a:buChar char="•"/>
+            </a:pPr>
+            <a:r>
+              <a:rPr lang="de" altLang="ko-KR" b="0" dirty="0" err="1">
+                <a:solidFill>
+                  <a:schemeClr val="tx1"/>
+                </a:solidFill>
+              </a:rPr>
+              <a:t>Saisonalität</a:t>
+            </a:r>
+            <a:endParaRPr lang="de" altLang="ko-KR" b="0" dirty="0">
+              <a:solidFill>
+                <a:schemeClr val="tx1"/>
+              </a:solidFill>
+            </a:endParaRPr>
+          </a:p>
+          <a:p>
+            <a:pPr marL="725525" lvl="1" indent="-285750">
+              <a:buFont typeface="Arial" panose="020B0604020202020204" pitchFamily="34" charset="0"/>
+              <a:buChar char="•"/>
+            </a:pPr>
+            <a:r>
+              <a:rPr lang="de" altLang="ko-KR" b="0" dirty="0">
+                <a:solidFill>
+                  <a:schemeClr val="tx1"/>
+                </a:solidFill>
+              </a:rPr>
+              <a:t>Zyklus</a:t>
+            </a:r>
+          </a:p>
+          <a:p>
+            <a:pPr marL="725525" lvl="1" indent="-285750">
+              <a:buFont typeface="Arial" panose="020B0604020202020204" pitchFamily="34" charset="0"/>
+              <a:buChar char="•"/>
+            </a:pPr>
+            <a:r>
+              <a:rPr lang="de" altLang="ko-KR" b="0" dirty="0">
+                <a:solidFill>
+                  <a:schemeClr val="tx1"/>
+                </a:solidFill>
+              </a:rPr>
+              <a:t>zufällige Schwankung</a:t>
+            </a:r>
+          </a:p>
+          <a:p>
+            <a:pPr marL="366750" indent="-285750">
+              <a:buFont typeface="Arial" panose="020B0604020202020204" pitchFamily="34" charset="0"/>
+              <a:buChar char="•"/>
+            </a:pPr>
+            <a:r>
+              <a:rPr lang="de" altLang="ko-KR" b="0" dirty="0">
+                <a:solidFill>
+                  <a:schemeClr val="tx1"/>
+                </a:solidFill>
+              </a:rPr>
+              <a:t>Merkmale</a:t>
+            </a:r>
+            <a:endParaRPr lang="de-DE" altLang="ko-KR" b="0" dirty="0">
+              <a:solidFill>
+                <a:schemeClr val="tx1"/>
+              </a:solidFill>
+            </a:endParaRPr>
+          </a:p>
+          <a:p>
+            <a:pPr marL="725525" lvl="1" indent="-285750">
+              <a:buFont typeface="Arial" panose="020B0604020202020204" pitchFamily="34" charset="0"/>
+              <a:buChar char="•"/>
+            </a:pPr>
+            <a:r>
+              <a:rPr lang="de-DE" altLang="ko-KR" b="0" dirty="0">
+                <a:solidFill>
+                  <a:schemeClr val="tx1"/>
+                </a:solidFill>
+              </a:rPr>
+              <a:t>N</a:t>
+            </a:r>
+            <a:r>
+              <a:rPr lang="de" altLang="ko-KR" b="0" dirty="0">
+                <a:solidFill>
+                  <a:schemeClr val="tx1"/>
+                </a:solidFill>
+              </a:rPr>
+              <a:t>ach Zeit sortiert</a:t>
+            </a:r>
+          </a:p>
+          <a:p>
+            <a:pPr marL="725525" lvl="1" indent="-285750">
+              <a:buFont typeface="Arial" panose="020B0604020202020204" pitchFamily="34" charset="0"/>
+              <a:buChar char="•"/>
+            </a:pPr>
+            <a:r>
+              <a:rPr lang="de" altLang="ko-KR" b="0" dirty="0">
+                <a:solidFill>
+                  <a:schemeClr val="tx1"/>
+                </a:solidFill>
+              </a:rPr>
+              <a:t>Miteinander korreliert</a:t>
+            </a:r>
+            <a:endParaRPr lang="de-DE" b="0" noProof="0" dirty="0"/>
           </a:p>
         </p:txBody>
       </p:sp>
+      <p:grpSp>
+        <p:nvGrpSpPr>
+          <p:cNvPr id="13" name="그룹 12">
+            <a:extLst>
+              <a:ext uri="{FF2B5EF4-FFF2-40B4-BE49-F238E27FC236}">
+                <a16:creationId xmlns:a16="http://schemas.microsoft.com/office/drawing/2014/main" id="{E9659DC1-E409-8B48-B26F-788A77FC268F}"/>
+              </a:ext>
+            </a:extLst>
+          </p:cNvPr>
+          <p:cNvGrpSpPr/>
+          <p:nvPr/>
+        </p:nvGrpSpPr>
+        <p:grpSpPr>
+          <a:xfrm>
+            <a:off x="3179618" y="918993"/>
+            <a:ext cx="5872097" cy="3626486"/>
+            <a:chOff x="3424838" y="896882"/>
+            <a:chExt cx="5286282" cy="3041897"/>
+          </a:xfrm>
+        </p:grpSpPr>
+        <p:grpSp>
+          <p:nvGrpSpPr>
+            <p:cNvPr id="11" name="그룹 10">
+              <a:extLst>
+                <a:ext uri="{FF2B5EF4-FFF2-40B4-BE49-F238E27FC236}">
+                  <a16:creationId xmlns:a16="http://schemas.microsoft.com/office/drawing/2014/main" id="{DF4AA8EA-381F-0842-BC76-975BF5891D83}"/>
+                </a:ext>
+              </a:extLst>
+            </p:cNvPr>
+            <p:cNvGrpSpPr/>
+            <p:nvPr/>
+          </p:nvGrpSpPr>
+          <p:grpSpPr>
+            <a:xfrm>
+              <a:off x="3442634" y="896882"/>
+              <a:ext cx="5268486" cy="1475319"/>
+              <a:chOff x="3442634" y="896882"/>
+              <a:chExt cx="5268486" cy="1475319"/>
+            </a:xfrm>
+          </p:grpSpPr>
+          <p:pic>
+            <p:nvPicPr>
+              <p:cNvPr id="5" name="그림 4">
+                <a:extLst>
+                  <a:ext uri="{FF2B5EF4-FFF2-40B4-BE49-F238E27FC236}">
+                    <a16:creationId xmlns:a16="http://schemas.microsoft.com/office/drawing/2014/main" id="{6B02F597-AD8F-D84B-BA24-3324DC36E5BF}"/>
+                  </a:ext>
+                </a:extLst>
+              </p:cNvPr>
+              <p:cNvPicPr>
+                <a:picLocks noChangeAspect="1"/>
+              </p:cNvPicPr>
+              <p:nvPr/>
+            </p:nvPicPr>
+            <p:blipFill rotWithShape="1">
+              <a:blip r:embed="rId3">
+                <a:extLst>
+                  <a:ext uri="{28A0092B-C50C-407E-A947-70E740481C1C}">
+                    <a14:useLocalDpi xmlns:a14="http://schemas.microsoft.com/office/drawing/2010/main" val="0"/>
+                  </a:ext>
+                </a:extLst>
+              </a:blip>
+              <a:srcRect r="49086"/>
+              <a:stretch/>
+            </p:blipFill>
+            <p:spPr>
+              <a:xfrm>
+                <a:off x="3442634" y="896882"/>
+                <a:ext cx="5165513" cy="1475319"/>
+              </a:xfrm>
+              <a:prstGeom prst="rect">
+                <a:avLst/>
+              </a:prstGeom>
+            </p:spPr>
+          </p:pic>
+          <p:sp>
+            <p:nvSpPr>
+              <p:cNvPr id="7" name="직사각형 6">
+                <a:extLst>
+                  <a:ext uri="{FF2B5EF4-FFF2-40B4-BE49-F238E27FC236}">
+                    <a16:creationId xmlns:a16="http://schemas.microsoft.com/office/drawing/2014/main" id="{CFD4CBA1-F364-0D4E-9B79-7B946CE893E7}"/>
+                  </a:ext>
+                </a:extLst>
+              </p:cNvPr>
+              <p:cNvSpPr/>
+              <p:nvPr/>
+            </p:nvSpPr>
+            <p:spPr>
+              <a:xfrm>
+                <a:off x="8505174" y="1390224"/>
+                <a:ext cx="205946" cy="510746"/>
+              </a:xfrm>
+              <a:prstGeom prst="rect">
+                <a:avLst/>
+              </a:prstGeom>
+              <a:solidFill>
+                <a:schemeClr val="bg1"/>
+              </a:solidFill>
+              <a:ln>
+                <a:solidFill>
+                  <a:schemeClr val="bg1"/>
+                </a:solidFill>
+              </a:ln>
+            </p:spPr>
+            <p:style>
+              <a:lnRef idx="2">
+                <a:schemeClr val="accent1">
+                  <a:shade val="50000"/>
+                </a:schemeClr>
+              </a:lnRef>
+              <a:fillRef idx="1">
+                <a:schemeClr val="accent1"/>
+              </a:fillRef>
+              <a:effectRef idx="0">
+                <a:schemeClr val="accent1"/>
+              </a:effectRef>
+              <a:fontRef idx="minor">
+                <a:schemeClr val="lt1"/>
+              </a:fontRef>
+            </p:style>
+            <p:txBody>
+              <a:bodyPr rtlCol="0" anchor="ctr"/>
+              <a:lstStyle/>
+              <a:p>
+                <a:pPr algn="ctr"/>
+                <a:endParaRPr kumimoji="1" lang="ko-KR" altLang="en-US"/>
+              </a:p>
+            </p:txBody>
+          </p:sp>
+        </p:grpSp>
+        <p:grpSp>
+          <p:nvGrpSpPr>
+            <p:cNvPr id="12" name="그룹 11">
+              <a:extLst>
+                <a:ext uri="{FF2B5EF4-FFF2-40B4-BE49-F238E27FC236}">
+                  <a16:creationId xmlns:a16="http://schemas.microsoft.com/office/drawing/2014/main" id="{74541D57-F210-EF4A-82E6-338BE1E2943D}"/>
+                </a:ext>
+              </a:extLst>
+            </p:cNvPr>
+            <p:cNvGrpSpPr/>
+            <p:nvPr/>
+          </p:nvGrpSpPr>
+          <p:grpSpPr>
+            <a:xfrm>
+              <a:off x="3424838" y="2463460"/>
+              <a:ext cx="5062522" cy="1475319"/>
+              <a:chOff x="3424838" y="2463460"/>
+              <a:chExt cx="5062522" cy="1475319"/>
+            </a:xfrm>
+          </p:grpSpPr>
+          <p:pic>
+            <p:nvPicPr>
+              <p:cNvPr id="6" name="그림 5">
+                <a:extLst>
+                  <a:ext uri="{FF2B5EF4-FFF2-40B4-BE49-F238E27FC236}">
+                    <a16:creationId xmlns:a16="http://schemas.microsoft.com/office/drawing/2014/main" id="{82909F06-32B6-B34D-9A10-F570E366D0A4}"/>
+                  </a:ext>
+                </a:extLst>
+              </p:cNvPr>
+              <p:cNvPicPr>
+                <a:picLocks noChangeAspect="1"/>
+              </p:cNvPicPr>
+              <p:nvPr/>
+            </p:nvPicPr>
+            <p:blipFill rotWithShape="1">
+              <a:blip r:embed="rId3">
+                <a:extLst>
+                  <a:ext uri="{28A0092B-C50C-407E-A947-70E740481C1C}">
+                    <a14:useLocalDpi xmlns:a14="http://schemas.microsoft.com/office/drawing/2010/main" val="0"/>
+                  </a:ext>
+                </a:extLst>
+              </a:blip>
+              <a:srcRect l="51039"/>
+              <a:stretch/>
+            </p:blipFill>
+            <p:spPr>
+              <a:xfrm>
+                <a:off x="3520051" y="2463460"/>
+                <a:ext cx="4967309" cy="1475319"/>
+              </a:xfrm>
+              <a:prstGeom prst="rect">
+                <a:avLst/>
+              </a:prstGeom>
+            </p:spPr>
+          </p:pic>
+          <p:pic>
+            <p:nvPicPr>
+              <p:cNvPr id="4" name="그림 3">
+                <a:extLst>
+                  <a:ext uri="{FF2B5EF4-FFF2-40B4-BE49-F238E27FC236}">
+                    <a16:creationId xmlns:a16="http://schemas.microsoft.com/office/drawing/2014/main" id="{F2CAE0C6-7B87-D24E-ABDD-174330D7F3A1}"/>
+                  </a:ext>
+                </a:extLst>
+              </p:cNvPr>
+              <p:cNvPicPr>
+                <a:picLocks noChangeAspect="1"/>
+              </p:cNvPicPr>
+              <p:nvPr/>
+            </p:nvPicPr>
+            <p:blipFill rotWithShape="1">
+              <a:blip r:embed="rId4">
+                <a:extLst>
+                  <a:ext uri="{28A0092B-C50C-407E-A947-70E740481C1C}">
+                    <a14:useLocalDpi xmlns:a14="http://schemas.microsoft.com/office/drawing/2010/main" val="0"/>
+                  </a:ext>
+                </a:extLst>
+              </a:blip>
+              <a:srcRect l="50074" t="27524" r="48505"/>
+              <a:stretch/>
+            </p:blipFill>
+            <p:spPr>
+              <a:xfrm>
+                <a:off x="3424838" y="2932740"/>
+                <a:ext cx="129941" cy="963704"/>
+              </a:xfrm>
+              <a:prstGeom prst="rect">
+                <a:avLst/>
+              </a:prstGeom>
+            </p:spPr>
+          </p:pic>
+        </p:grpSp>
+      </p:grpSp>
     </p:spTree>
     <p:extLst>
       <p:ext uri="{BB962C8B-B14F-4D97-AF65-F5344CB8AC3E}">
@@ -19779,7 +16537,7 @@
         <p:spPr>
           <a:xfrm>
             <a:off x="180000" y="254870"/>
-            <a:ext cx="6480000" cy="432000"/>
+            <a:ext cx="2833364" cy="432000"/>
           </a:xfrm>
         </p:spPr>
         <p:txBody>
@@ -19793,48 +16551,97 @@
           </a:p>
         </p:txBody>
       </p:sp>
-      <p:pic>
-        <p:nvPicPr>
-          <p:cNvPr id="5" name="그림 4">
+      <p:sp>
+        <p:nvSpPr>
+          <p:cNvPr id="8" name="Inhaltsplatzhalter 2">
             <a:extLst>
               <a:ext uri="{FF2B5EF4-FFF2-40B4-BE49-F238E27FC236}">
-                <a16:creationId xmlns:a16="http://schemas.microsoft.com/office/drawing/2014/main" id="{D3DCB667-172C-7F41-9C0D-69352B276A00}"/>
+                <a16:creationId xmlns:a16="http://schemas.microsoft.com/office/drawing/2014/main" id="{3396D68C-5273-6F40-87C5-16F042D3E675}"/>
               </a:ext>
             </a:extLst>
           </p:cNvPr>
-          <p:cNvPicPr>
-            <a:picLocks noChangeAspect="1"/>
-          </p:cNvPicPr>
-          <p:nvPr/>
-        </p:nvPicPr>
-        <p:blipFill>
-          <a:blip r:embed="rId2">
-            <a:extLst>
-              <a:ext uri="{28A0092B-C50C-407E-A947-70E740481C1C}">
-                <a14:useLocalDpi xmlns:a14="http://schemas.microsoft.com/office/drawing/2010/main" val="0"/>
-              </a:ext>
-            </a:extLst>
-          </a:blip>
-          <a:stretch>
-            <a:fillRect/>
-          </a:stretch>
-        </p:blipFill>
+          <p:cNvSpPr>
+            <a:spLocks noGrp="1"/>
+          </p:cNvSpPr>
+          <p:nvPr>
+            <p:ph idx="1"/>
+          </p:nvPr>
+        </p:nvSpPr>
         <p:spPr>
           <a:xfrm>
-            <a:off x="6659999" y="866356"/>
-            <a:ext cx="2146249" cy="1827498"/>
+            <a:off x="180000" y="918993"/>
+            <a:ext cx="3955582" cy="3626486"/>
           </a:xfrm>
-          <a:prstGeom prst="rect">
-            <a:avLst/>
-          </a:prstGeom>
         </p:spPr>
-      </p:pic>
+        <p:txBody>
+          <a:bodyPr/>
+          <a:lstStyle/>
+          <a:p>
+            <a:pPr marL="81000" indent="0">
+              <a:buNone/>
+            </a:pPr>
+            <a:r>
+              <a:rPr lang="de-DE" altLang="ko-KR" dirty="0"/>
+              <a:t>Anomalien</a:t>
+            </a:r>
+          </a:p>
+          <a:p>
+            <a:pPr marL="366750" indent="-285750">
+              <a:buFont typeface="Arial" panose="020B0604020202020204" pitchFamily="34" charset="0"/>
+              <a:buChar char="•"/>
+            </a:pPr>
+            <a:r>
+              <a:rPr lang="de-DE" altLang="ko-KR" b="0" dirty="0">
+                <a:solidFill>
+                  <a:schemeClr val="tx1"/>
+                </a:solidFill>
+              </a:rPr>
+              <a:t>Punktausreißer</a:t>
+            </a:r>
+          </a:p>
+          <a:p>
+            <a:pPr marL="366750" indent="-285750">
+              <a:buFont typeface="Arial" panose="020B0604020202020204" pitchFamily="34" charset="0"/>
+              <a:buChar char="•"/>
+            </a:pPr>
+            <a:r>
+              <a:rPr lang="de-DE" b="0" noProof="0" dirty="0">
+                <a:solidFill>
+                  <a:schemeClr val="tx1"/>
+                </a:solidFill>
+              </a:rPr>
+              <a:t>Kollektive Ausreißer</a:t>
+            </a:r>
+          </a:p>
+          <a:p>
+            <a:pPr marL="366750" indent="-285750">
+              <a:buFont typeface="Arial" panose="020B0604020202020204" pitchFamily="34" charset="0"/>
+              <a:buChar char="•"/>
+            </a:pPr>
+            <a:r>
+              <a:rPr lang="de-DE" b="0" dirty="0">
+                <a:solidFill>
+                  <a:schemeClr val="tx1"/>
+                </a:solidFill>
+              </a:rPr>
+              <a:t>Kontextabhängige Ausreißer</a:t>
+            </a:r>
+          </a:p>
+          <a:p>
+            <a:pPr marL="725525" lvl="1" indent="-285750">
+              <a:buFont typeface="Arial" panose="020B0604020202020204" pitchFamily="34" charset="0"/>
+              <a:buChar char="•"/>
+            </a:pPr>
+            <a:endParaRPr lang="de-DE" dirty="0"/>
+          </a:p>
+        </p:txBody>
+      </p:sp>
       <p:pic>
         <p:nvPicPr>
-          <p:cNvPr id="7" name="그림 6">
+          <p:cNvPr id="10" name="그림 9">
             <a:extLst>
               <a:ext uri="{FF2B5EF4-FFF2-40B4-BE49-F238E27FC236}">
-                <a16:creationId xmlns:a16="http://schemas.microsoft.com/office/drawing/2014/main" id="{4836D23C-E8F6-BE45-9946-5ADAD71E2653}"/>
+                <a16:creationId xmlns:a16="http://schemas.microsoft.com/office/drawing/2014/main" id="{6C2A50D6-4421-7943-8D3D-AAF0EF88365D}"/>
               </a:ext>
             </a:extLst>
           </p:cNvPr>
@@ -19857,101 +16664,14 @@
         </p:blipFill>
         <p:spPr>
           <a:xfrm>
-            <a:off x="4501241" y="2732236"/>
-            <a:ext cx="4248000" cy="1320896"/>
+            <a:off x="4135582" y="802732"/>
+            <a:ext cx="4828418" cy="3857048"/>
           </a:xfrm>
           <a:prstGeom prst="rect">
             <a:avLst/>
           </a:prstGeom>
         </p:spPr>
       </p:pic>
-      <p:pic>
-        <p:nvPicPr>
-          <p:cNvPr id="9" name="그림 8">
-            <a:extLst>
-              <a:ext uri="{FF2B5EF4-FFF2-40B4-BE49-F238E27FC236}">
-                <a16:creationId xmlns:a16="http://schemas.microsoft.com/office/drawing/2014/main" id="{243DFD34-F664-CC4D-9B83-4AC727584ED1}"/>
-              </a:ext>
-            </a:extLst>
-          </p:cNvPr>
-          <p:cNvPicPr>
-            <a:picLocks noChangeAspect="1"/>
-          </p:cNvPicPr>
-          <p:nvPr/>
-        </p:nvPicPr>
-        <p:blipFill>
-          <a:blip r:embed="rId4">
-            <a:extLst>
-              <a:ext uri="{28A0092B-C50C-407E-A947-70E740481C1C}">
-                <a14:useLocalDpi xmlns:a14="http://schemas.microsoft.com/office/drawing/2010/main" val="0"/>
-              </a:ext>
-            </a:extLst>
-          </a:blip>
-          <a:stretch>
-            <a:fillRect/>
-          </a:stretch>
-        </p:blipFill>
-        <p:spPr>
-          <a:xfrm>
-            <a:off x="4501241" y="921739"/>
-            <a:ext cx="1940748" cy="1655250"/>
-          </a:xfrm>
-          <a:prstGeom prst="rect">
-            <a:avLst/>
-          </a:prstGeom>
-        </p:spPr>
-      </p:pic>
-      <p:sp>
-        <p:nvSpPr>
-          <p:cNvPr id="8" name="Inhaltsplatzhalter 2">
-            <a:extLst>
-              <a:ext uri="{FF2B5EF4-FFF2-40B4-BE49-F238E27FC236}">
-                <a16:creationId xmlns:a16="http://schemas.microsoft.com/office/drawing/2014/main" id="{3396D68C-5273-6F40-87C5-16F042D3E675}"/>
-              </a:ext>
-            </a:extLst>
-          </p:cNvPr>
-          <p:cNvSpPr>
-            <a:spLocks noGrp="1"/>
-          </p:cNvSpPr>
-          <p:nvPr>
-            <p:ph idx="1"/>
-          </p:nvPr>
-        </p:nvSpPr>
-        <p:spPr>
-          <a:xfrm>
-            <a:off x="180000" y="918993"/>
-            <a:ext cx="4248000" cy="3626486"/>
-          </a:xfrm>
-        </p:spPr>
-        <p:txBody>
-          <a:bodyPr/>
-          <a:lstStyle/>
-          <a:p>
-            <a:pPr marL="81000" indent="0">
-              <a:buNone/>
-            </a:pPr>
-            <a:r>
-              <a:rPr lang="de-DE" altLang="ko-KR" dirty="0"/>
-              <a:t>Anomalie</a:t>
-            </a:r>
-          </a:p>
-          <a:p>
-            <a:pPr marL="366750" indent="-285750">
-              <a:buFont typeface="Arial" panose="020B0604020202020204" pitchFamily="34" charset="0"/>
-              <a:buChar char="•"/>
-            </a:pPr>
-            <a:r>
-              <a:rPr lang="ko-KR" altLang="en-US" dirty="0" err="1">
-                <a:solidFill>
-                  <a:schemeClr val="tx1"/>
-                </a:solidFill>
-              </a:rPr>
-              <a:t>주요단어만</a:t>
-            </a:r>
-            <a:endParaRPr lang="de-DE" noProof="0" dirty="0"/>
-          </a:p>
-        </p:txBody>
-      </p:sp>
     </p:spTree>
     <p:extLst>
       <p:ext uri="{BB962C8B-B14F-4D97-AF65-F5344CB8AC3E}">
@@ -20035,6 +16755,42 @@
           <a:chExt cx="0" cy="0"/>
         </a:xfrm>
       </p:grpSpPr>
+      <p:pic>
+        <p:nvPicPr>
+          <p:cNvPr id="8" name="그림 7">
+            <a:extLst>
+              <a:ext uri="{FF2B5EF4-FFF2-40B4-BE49-F238E27FC236}">
+                <a16:creationId xmlns:a16="http://schemas.microsoft.com/office/drawing/2014/main" id="{4EFEB2B7-1064-F84D-9487-9042C670CA7A}"/>
+              </a:ext>
+            </a:extLst>
+          </p:cNvPr>
+          <p:cNvPicPr>
+            <a:picLocks noChangeAspect="1"/>
+          </p:cNvPicPr>
+          <p:nvPr/>
+        </p:nvPicPr>
+        <p:blipFill>
+          <a:blip r:embed="rId3">
+            <a:extLst>
+              <a:ext uri="{28A0092B-C50C-407E-A947-70E740481C1C}">
+                <a14:useLocalDpi xmlns:a14="http://schemas.microsoft.com/office/drawing/2010/main" val="0"/>
+              </a:ext>
+            </a:extLst>
+          </a:blip>
+          <a:stretch>
+            <a:fillRect/>
+          </a:stretch>
+        </p:blipFill>
+        <p:spPr>
+          <a:xfrm>
+            <a:off x="661852" y="858261"/>
+            <a:ext cx="7820295" cy="3747949"/>
+          </a:xfrm>
+          <a:prstGeom prst="rect">
+            <a:avLst/>
+          </a:prstGeom>
+        </p:spPr>
+      </p:pic>
       <p:sp>
         <p:nvSpPr>
           <p:cNvPr id="2" name="Titel 1"/>
@@ -20045,7 +16801,12 @@
             <p:ph type="title"/>
           </p:nvPr>
         </p:nvSpPr>
-        <p:spPr/>
+        <p:spPr>
+          <a:xfrm>
+            <a:off x="180000" y="254870"/>
+            <a:ext cx="1690364" cy="430560"/>
+          </a:xfrm>
+        </p:spPr>
         <p:txBody>
           <a:bodyPr/>
           <a:lstStyle/>
@@ -20058,621 +16819,211 @@
           </a:p>
         </p:txBody>
       </p:sp>
-      <p:grpSp>
-        <p:nvGrpSpPr>
-          <p:cNvPr id="4" name="그룹 3">
+      <p:sp>
+        <p:nvSpPr>
+          <p:cNvPr id="21" name="Inhaltsplatzhalter 2">
             <a:extLst>
               <a:ext uri="{FF2B5EF4-FFF2-40B4-BE49-F238E27FC236}">
-                <a16:creationId xmlns:a16="http://schemas.microsoft.com/office/drawing/2014/main" id="{92318CDB-E5E6-604F-BD8C-98B4A0ED96A3}"/>
+                <a16:creationId xmlns:a16="http://schemas.microsoft.com/office/drawing/2014/main" id="{CCFD0325-8FE4-014E-AA60-6A91ABD49330}"/>
               </a:ext>
             </a:extLst>
           </p:cNvPr>
-          <p:cNvGrpSpPr/>
-          <p:nvPr/>
-        </p:nvGrpSpPr>
-        <p:grpSpPr>
-          <a:xfrm>
-            <a:off x="2333657" y="1102222"/>
-            <a:ext cx="6034061" cy="4185308"/>
-            <a:chOff x="5527963" y="1604356"/>
-            <a:chExt cx="5414622" cy="3839969"/>
-          </a:xfrm>
-        </p:grpSpPr>
-        <p:grpSp>
-          <p:nvGrpSpPr>
-            <p:cNvPr id="5" name="그룹 4">
-              <a:extLst>
-                <a:ext uri="{FF2B5EF4-FFF2-40B4-BE49-F238E27FC236}">
-                  <a16:creationId xmlns:a16="http://schemas.microsoft.com/office/drawing/2014/main" id="{52024E0B-1A69-F24E-9953-69975A9219E0}"/>
-                </a:ext>
-              </a:extLst>
-            </p:cNvPr>
-            <p:cNvGrpSpPr/>
-            <p:nvPr/>
-          </p:nvGrpSpPr>
-          <p:grpSpPr>
-            <a:xfrm>
-              <a:off x="5527963" y="1604356"/>
-              <a:ext cx="5414622" cy="3839969"/>
-              <a:chOff x="1472162" y="205273"/>
-              <a:chExt cx="10094687" cy="5681134"/>
-            </a:xfrm>
-          </p:grpSpPr>
-          <p:graphicFrame>
-            <p:nvGraphicFramePr>
-              <p:cNvPr id="10" name="다이어그램 9">
-                <a:extLst>
-                  <a:ext uri="{FF2B5EF4-FFF2-40B4-BE49-F238E27FC236}">
-                    <a16:creationId xmlns:a16="http://schemas.microsoft.com/office/drawing/2014/main" id="{746B4AB1-12F7-FC40-9418-94403CA34A75}"/>
-                  </a:ext>
-                </a:extLst>
-              </p:cNvPr>
-              <p:cNvGraphicFramePr/>
-              <p:nvPr>
-                <p:extLst/>
-              </p:nvPr>
-            </p:nvGraphicFramePr>
-            <p:xfrm>
-              <a:off x="1472162" y="467740"/>
-              <a:ext cx="10094687" cy="5418667"/>
-            </p:xfrm>
-            <a:graphic>
-              <a:graphicData uri="http://schemas.openxmlformats.org/drawingml/2006/diagram">
-                <dgm:relIds xmlns:dgm="http://schemas.openxmlformats.org/drawingml/2006/diagram" xmlns:r="http://schemas.openxmlformats.org/officeDocument/2006/relationships" r:dm="rId3" r:lo="rId4" r:qs="rId5" r:cs="rId6"/>
-              </a:graphicData>
-            </a:graphic>
-          </p:graphicFrame>
-          <p:sp>
-            <p:nvSpPr>
-              <p:cNvPr id="11" name="직사각형 10">
-                <a:extLst>
-                  <a:ext uri="{FF2B5EF4-FFF2-40B4-BE49-F238E27FC236}">
-                    <a16:creationId xmlns:a16="http://schemas.microsoft.com/office/drawing/2014/main" id="{E3C45703-5309-1E41-AACA-48FEDEE49C0D}"/>
-                  </a:ext>
-                </a:extLst>
-              </p:cNvPr>
-              <p:cNvSpPr/>
-              <p:nvPr/>
-            </p:nvSpPr>
-            <p:spPr>
-              <a:xfrm>
-                <a:off x="1651517" y="205273"/>
-                <a:ext cx="5047861" cy="5255500"/>
-              </a:xfrm>
-              <a:prstGeom prst="rect">
-                <a:avLst/>
-              </a:prstGeom>
-              <a:solidFill>
-                <a:schemeClr val="bg1"/>
-              </a:solidFill>
-              <a:ln>
-                <a:solidFill>
-                  <a:schemeClr val="bg1"/>
-                </a:solidFill>
-              </a:ln>
-            </p:spPr>
-            <p:style>
-              <a:lnRef idx="2">
-                <a:schemeClr val="accent1">
-                  <a:shade val="50000"/>
-                </a:schemeClr>
-              </a:lnRef>
-              <a:fillRef idx="1">
-                <a:schemeClr val="accent1"/>
-              </a:fillRef>
-              <a:effectRef idx="0">
-                <a:schemeClr val="accent1"/>
-              </a:effectRef>
-              <a:fontRef idx="minor">
-                <a:schemeClr val="lt1"/>
-              </a:fontRef>
-            </p:style>
-            <p:txBody>
-              <a:bodyPr rtlCol="0" anchor="ctr"/>
-              <a:lstStyle/>
-              <a:p>
-                <a:pPr algn="ctr"/>
-                <a:endParaRPr lang="ko-KR" altLang="en-US"/>
-              </a:p>
-            </p:txBody>
-          </p:sp>
-        </p:grpSp>
-        <p:grpSp>
-          <p:nvGrpSpPr>
-            <p:cNvPr id="6" name="그룹 5">
-              <a:extLst>
-                <a:ext uri="{FF2B5EF4-FFF2-40B4-BE49-F238E27FC236}">
-                  <a16:creationId xmlns:a16="http://schemas.microsoft.com/office/drawing/2014/main" id="{08A5332F-012F-4340-B570-A3025D525839}"/>
-                </a:ext>
-              </a:extLst>
-            </p:cNvPr>
-            <p:cNvGrpSpPr/>
-            <p:nvPr/>
-          </p:nvGrpSpPr>
-          <p:grpSpPr>
-            <a:xfrm>
-              <a:off x="7575711" y="3250276"/>
-              <a:ext cx="756045" cy="1207385"/>
-              <a:chOff x="4135536" y="3461428"/>
-              <a:chExt cx="1076131" cy="2093513"/>
-            </a:xfrm>
-          </p:grpSpPr>
-          <p:cxnSp>
-            <p:nvCxnSpPr>
-              <p:cNvPr id="7" name="연결선: 구부러짐 11">
-                <a:extLst>
-                  <a:ext uri="{FF2B5EF4-FFF2-40B4-BE49-F238E27FC236}">
-                    <a16:creationId xmlns:a16="http://schemas.microsoft.com/office/drawing/2014/main" id="{C3B3C379-B94A-964E-B1B1-5A3025C54685}"/>
-                  </a:ext>
-                </a:extLst>
-              </p:cNvPr>
-              <p:cNvCxnSpPr>
-                <a:cxnSpLocks/>
-              </p:cNvCxnSpPr>
-              <p:nvPr/>
-            </p:nvCxnSpPr>
-            <p:spPr>
-              <a:xfrm flipV="1">
-                <a:off x="4135536" y="3461428"/>
-                <a:ext cx="1063690" cy="1015827"/>
-              </a:xfrm>
-              <a:prstGeom prst="curvedConnector3">
-                <a:avLst/>
-              </a:prstGeom>
-              <a:ln w="31750">
-                <a:solidFill>
-                  <a:srgbClr val="02305A"/>
-                </a:solidFill>
-                <a:tailEnd type="triangle"/>
-              </a:ln>
-            </p:spPr>
-            <p:style>
-              <a:lnRef idx="1">
-                <a:schemeClr val="dk1"/>
-              </a:lnRef>
-              <a:fillRef idx="0">
-                <a:schemeClr val="dk1"/>
-              </a:fillRef>
-              <a:effectRef idx="0">
-                <a:schemeClr val="dk1"/>
-              </a:effectRef>
-              <a:fontRef idx="minor">
-                <a:schemeClr val="tx1"/>
-              </a:fontRef>
-            </p:style>
-          </p:cxnSp>
-          <p:cxnSp>
-            <p:nvCxnSpPr>
-              <p:cNvPr id="9" name="연결선: 구부러짐 12">
-                <a:extLst>
-                  <a:ext uri="{FF2B5EF4-FFF2-40B4-BE49-F238E27FC236}">
-                    <a16:creationId xmlns:a16="http://schemas.microsoft.com/office/drawing/2014/main" id="{149A6B6E-2FB7-CC45-9D6A-39B40BE0A729}"/>
-                  </a:ext>
-                </a:extLst>
-              </p:cNvPr>
-              <p:cNvCxnSpPr/>
-              <p:nvPr/>
-            </p:nvCxnSpPr>
-            <p:spPr>
-              <a:xfrm rot="10800000">
-                <a:off x="4138647" y="4883137"/>
-                <a:ext cx="1073020" cy="671804"/>
-              </a:xfrm>
-              <a:prstGeom prst="curvedConnector3">
-                <a:avLst/>
-              </a:prstGeom>
-              <a:ln w="31750">
-                <a:solidFill>
-                  <a:srgbClr val="02305A"/>
-                </a:solidFill>
-                <a:tailEnd type="triangle"/>
-              </a:ln>
-            </p:spPr>
-            <p:style>
-              <a:lnRef idx="1">
-                <a:schemeClr val="accent1"/>
-              </a:lnRef>
-              <a:fillRef idx="0">
-                <a:schemeClr val="accent1"/>
-              </a:fillRef>
-              <a:effectRef idx="0">
-                <a:schemeClr val="accent1"/>
-              </a:effectRef>
-              <a:fontRef idx="minor">
-                <a:schemeClr val="tx1"/>
-              </a:fontRef>
-            </p:style>
-          </p:cxnSp>
-        </p:grpSp>
-      </p:grpSp>
-      <p:grpSp>
-        <p:nvGrpSpPr>
-          <p:cNvPr id="12" name="그룹 11">
-            <a:extLst>
-              <a:ext uri="{FF2B5EF4-FFF2-40B4-BE49-F238E27FC236}">
-                <a16:creationId xmlns:a16="http://schemas.microsoft.com/office/drawing/2014/main" id="{40D97B8C-318D-574D-8F25-9C79F7382384}"/>
-              </a:ext>
-            </a:extLst>
-          </p:cNvPr>
-          <p:cNvGrpSpPr/>
-          <p:nvPr/>
-        </p:nvGrpSpPr>
-        <p:grpSpPr>
-          <a:xfrm>
-            <a:off x="-539318" y="832021"/>
-            <a:ext cx="6232829" cy="3995352"/>
-            <a:chOff x="2032000" y="719666"/>
-            <a:chExt cx="8128000" cy="5418667"/>
-          </a:xfrm>
-        </p:grpSpPr>
-        <p:graphicFrame>
-          <p:nvGraphicFramePr>
-            <p:cNvPr id="13" name="다이어그램 12">
-              <a:extLst>
-                <a:ext uri="{FF2B5EF4-FFF2-40B4-BE49-F238E27FC236}">
-                  <a16:creationId xmlns:a16="http://schemas.microsoft.com/office/drawing/2014/main" id="{BB3C3A38-1D5E-7C45-BF02-9B8BAFF6F167}"/>
-                </a:ext>
-              </a:extLst>
-            </p:cNvPr>
-            <p:cNvGraphicFramePr/>
-            <p:nvPr>
-              <p:extLst/>
-            </p:nvPr>
-          </p:nvGraphicFramePr>
-          <p:xfrm>
-            <a:off x="2032000" y="719666"/>
-            <a:ext cx="8128000" cy="5418667"/>
-          </p:xfrm>
-          <a:graphic>
-            <a:graphicData uri="http://schemas.openxmlformats.org/drawingml/2006/diagram">
-              <dgm:relIds xmlns:dgm="http://schemas.openxmlformats.org/drawingml/2006/diagram" xmlns:r="http://schemas.openxmlformats.org/officeDocument/2006/relationships" r:dm="rId8" r:lo="rId9" r:qs="rId10" r:cs="rId11"/>
-            </a:graphicData>
-          </a:graphic>
-        </p:graphicFrame>
-        <p:sp>
-          <p:nvSpPr>
-            <p:cNvPr id="14" name="원호 17">
-              <a:extLst>
-                <a:ext uri="{FF2B5EF4-FFF2-40B4-BE49-F238E27FC236}">
-                  <a16:creationId xmlns:a16="http://schemas.microsoft.com/office/drawing/2014/main" id="{943E9264-C1F7-C74E-8E43-6CED1AB7FF7B}"/>
-                </a:ext>
-              </a:extLst>
-            </p:cNvPr>
-            <p:cNvSpPr/>
-            <p:nvPr/>
-          </p:nvSpPr>
-          <p:spPr>
-            <a:xfrm>
-              <a:off x="4560594" y="3998169"/>
-              <a:ext cx="1672255" cy="1492898"/>
-            </a:xfrm>
-            <a:prstGeom prst="arc">
-              <a:avLst>
-                <a:gd name="adj1" fmla="val 16389479"/>
-                <a:gd name="adj2" fmla="val 0"/>
-              </a:avLst>
-            </a:prstGeom>
-            <a:ln w="31750">
-              <a:solidFill>
-                <a:srgbClr val="02305A"/>
-              </a:solidFill>
-              <a:prstDash val="lgDash"/>
-            </a:ln>
-          </p:spPr>
-          <p:style>
-            <a:lnRef idx="1">
-              <a:schemeClr val="accent1"/>
-            </a:lnRef>
-            <a:fillRef idx="0">
-              <a:schemeClr val="accent1"/>
-            </a:fillRef>
-            <a:effectRef idx="0">
-              <a:schemeClr val="accent1"/>
-            </a:effectRef>
-            <a:fontRef idx="minor">
-              <a:schemeClr val="tx1"/>
-            </a:fontRef>
-          </p:style>
-          <p:txBody>
-            <a:bodyPr rtlCol="0" anchor="ctr"/>
-            <a:lstStyle/>
-            <a:p>
-              <a:pPr algn="ctr"/>
-              <a:endParaRPr lang="ko-KR" altLang="en-US"/>
-            </a:p>
-          </p:txBody>
-        </p:sp>
-        <p:cxnSp>
-          <p:nvCxnSpPr>
-            <p:cNvPr id="15" name="직선 연결선 18">
-              <a:extLst>
-                <a:ext uri="{FF2B5EF4-FFF2-40B4-BE49-F238E27FC236}">
-                  <a16:creationId xmlns:a16="http://schemas.microsoft.com/office/drawing/2014/main" id="{148BF5DA-E3E3-944A-BCEB-C621F4EFF07D}"/>
-                </a:ext>
-              </a:extLst>
-            </p:cNvPr>
-            <p:cNvCxnSpPr>
-              <a:cxnSpLocks/>
-            </p:cNvCxnSpPr>
-            <p:nvPr/>
-          </p:nvCxnSpPr>
-          <p:spPr>
-            <a:xfrm>
-              <a:off x="6170548" y="4651214"/>
-              <a:ext cx="62301" cy="100012"/>
-            </a:xfrm>
-            <a:prstGeom prst="line">
-              <a:avLst/>
-            </a:prstGeom>
-            <a:ln w="31750">
-              <a:solidFill>
-                <a:srgbClr val="02305A"/>
-              </a:solidFill>
-            </a:ln>
-          </p:spPr>
-          <p:style>
-            <a:lnRef idx="1">
-              <a:schemeClr val="accent1"/>
-            </a:lnRef>
-            <a:fillRef idx="0">
-              <a:schemeClr val="accent1"/>
-            </a:fillRef>
-            <a:effectRef idx="0">
-              <a:schemeClr val="accent1"/>
-            </a:effectRef>
-            <a:fontRef idx="minor">
-              <a:schemeClr val="tx1"/>
-            </a:fontRef>
-          </p:style>
-        </p:cxnSp>
-        <p:cxnSp>
-          <p:nvCxnSpPr>
-            <p:cNvPr id="16" name="직선 연결선 19">
-              <a:extLst>
-                <a:ext uri="{FF2B5EF4-FFF2-40B4-BE49-F238E27FC236}">
-                  <a16:creationId xmlns:a16="http://schemas.microsoft.com/office/drawing/2014/main" id="{2320354B-50DE-C343-884E-30EE34DFBC19}"/>
-                </a:ext>
-              </a:extLst>
-            </p:cNvPr>
-            <p:cNvCxnSpPr>
-              <a:cxnSpLocks/>
-            </p:cNvCxnSpPr>
-            <p:nvPr/>
-          </p:nvCxnSpPr>
-          <p:spPr>
-            <a:xfrm flipH="1">
-              <a:off x="6226856" y="4660739"/>
-              <a:ext cx="67516" cy="92868"/>
-            </a:xfrm>
-            <a:prstGeom prst="line">
-              <a:avLst/>
-            </a:prstGeom>
-            <a:ln w="31750">
-              <a:solidFill>
-                <a:srgbClr val="02305A"/>
-              </a:solidFill>
-            </a:ln>
-          </p:spPr>
-          <p:style>
-            <a:lnRef idx="1">
-              <a:schemeClr val="accent1"/>
-            </a:lnRef>
-            <a:fillRef idx="0">
-              <a:schemeClr val="accent1"/>
-            </a:fillRef>
-            <a:effectRef idx="0">
-              <a:schemeClr val="accent1"/>
-            </a:effectRef>
-            <a:fontRef idx="minor">
-              <a:schemeClr val="tx1"/>
-            </a:fontRef>
-          </p:style>
-        </p:cxnSp>
-        <p:sp>
-          <p:nvSpPr>
-            <p:cNvPr id="17" name="타원 16">
-              <a:extLst>
-                <a:ext uri="{FF2B5EF4-FFF2-40B4-BE49-F238E27FC236}">
-                  <a16:creationId xmlns:a16="http://schemas.microsoft.com/office/drawing/2014/main" id="{6A74A957-7051-004B-897C-BF081D288562}"/>
-                </a:ext>
-              </a:extLst>
-            </p:cNvPr>
-            <p:cNvSpPr/>
-            <p:nvPr/>
-          </p:nvSpPr>
-          <p:spPr>
-            <a:xfrm>
-              <a:off x="6220249" y="4733170"/>
-              <a:ext cx="25200" cy="25200"/>
-            </a:xfrm>
-            <a:prstGeom prst="ellipse">
-              <a:avLst/>
-            </a:prstGeom>
-            <a:solidFill>
-              <a:srgbClr val="02305A"/>
-            </a:solidFill>
-            <a:ln>
-              <a:solidFill>
-                <a:srgbClr val="02305A"/>
-              </a:solidFill>
-            </a:ln>
-          </p:spPr>
-          <p:style>
-            <a:lnRef idx="2">
-              <a:schemeClr val="accent1">
-                <a:shade val="50000"/>
-              </a:schemeClr>
-            </a:lnRef>
-            <a:fillRef idx="1">
-              <a:schemeClr val="accent1"/>
-            </a:fillRef>
-            <a:effectRef idx="0">
-              <a:schemeClr val="accent1"/>
-            </a:effectRef>
-            <a:fontRef idx="minor">
-              <a:schemeClr val="lt1"/>
-            </a:fontRef>
-          </p:style>
-          <p:txBody>
-            <a:bodyPr rtlCol="0" anchor="ctr"/>
-            <a:lstStyle/>
-            <a:p>
-              <a:pPr algn="ctr"/>
-              <a:endParaRPr lang="ko-KR" altLang="en-US"/>
-            </a:p>
-          </p:txBody>
-        </p:sp>
-        <p:sp>
-          <p:nvSpPr>
-            <p:cNvPr id="18" name="타원 17">
-              <a:extLst>
-                <a:ext uri="{FF2B5EF4-FFF2-40B4-BE49-F238E27FC236}">
-                  <a16:creationId xmlns:a16="http://schemas.microsoft.com/office/drawing/2014/main" id="{BE08D663-4207-8A4D-9E08-C87242B00C71}"/>
-                </a:ext>
-              </a:extLst>
-            </p:cNvPr>
-            <p:cNvSpPr/>
-            <p:nvPr/>
-          </p:nvSpPr>
-          <p:spPr>
-            <a:xfrm>
-              <a:off x="6163396" y="4647558"/>
-              <a:ext cx="21600" cy="21600"/>
-            </a:xfrm>
-            <a:prstGeom prst="ellipse">
-              <a:avLst/>
-            </a:prstGeom>
-            <a:solidFill>
-              <a:srgbClr val="02305A"/>
-            </a:solidFill>
-            <a:ln>
-              <a:solidFill>
-                <a:srgbClr val="02305A"/>
-              </a:solidFill>
-            </a:ln>
-          </p:spPr>
-          <p:style>
-            <a:lnRef idx="2">
-              <a:schemeClr val="accent1">
-                <a:shade val="50000"/>
-              </a:schemeClr>
-            </a:lnRef>
-            <a:fillRef idx="1">
-              <a:schemeClr val="accent1"/>
-            </a:fillRef>
-            <a:effectRef idx="0">
-              <a:schemeClr val="accent1"/>
-            </a:effectRef>
-            <a:fontRef idx="minor">
-              <a:schemeClr val="lt1"/>
-            </a:fontRef>
-          </p:style>
-          <p:txBody>
-            <a:bodyPr rtlCol="0" anchor="ctr"/>
-            <a:lstStyle/>
-            <a:p>
-              <a:pPr algn="ctr"/>
-              <a:endParaRPr lang="ko-KR" altLang="en-US"/>
-            </a:p>
-          </p:txBody>
-        </p:sp>
-        <p:sp>
-          <p:nvSpPr>
-            <p:cNvPr id="19" name="타원 18">
-              <a:extLst>
-                <a:ext uri="{FF2B5EF4-FFF2-40B4-BE49-F238E27FC236}">
-                  <a16:creationId xmlns:a16="http://schemas.microsoft.com/office/drawing/2014/main" id="{C677F0D1-FBD4-BD41-97CD-39BEA6173C80}"/>
-                </a:ext>
-              </a:extLst>
-            </p:cNvPr>
-            <p:cNvSpPr/>
-            <p:nvPr/>
-          </p:nvSpPr>
-          <p:spPr>
-            <a:xfrm>
-              <a:off x="6279379" y="4655976"/>
-              <a:ext cx="21600" cy="21600"/>
-            </a:xfrm>
-            <a:prstGeom prst="ellipse">
-              <a:avLst/>
-            </a:prstGeom>
-            <a:solidFill>
-              <a:srgbClr val="02305A"/>
-            </a:solidFill>
-            <a:ln>
-              <a:solidFill>
-                <a:srgbClr val="02305A"/>
-              </a:solidFill>
-            </a:ln>
-          </p:spPr>
-          <p:style>
-            <a:lnRef idx="2">
-              <a:schemeClr val="accent1">
-                <a:shade val="50000"/>
-              </a:schemeClr>
-            </a:lnRef>
-            <a:fillRef idx="1">
-              <a:schemeClr val="accent1"/>
-            </a:fillRef>
-            <a:effectRef idx="0">
-              <a:schemeClr val="accent1"/>
-            </a:effectRef>
-            <a:fontRef idx="minor">
-              <a:schemeClr val="lt1"/>
-            </a:fontRef>
-          </p:style>
-          <p:txBody>
-            <a:bodyPr rtlCol="0" anchor="ctr"/>
-            <a:lstStyle/>
-            <a:p>
-              <a:pPr algn="ctr"/>
-              <a:endParaRPr lang="ko-KR" altLang="en-US"/>
-            </a:p>
-          </p:txBody>
-        </p:sp>
-      </p:grpSp>
-      <p:sp>
-        <p:nvSpPr>
-          <p:cNvPr id="20" name="TextBox 19">
-            <a:extLst>
-              <a:ext uri="{FF2B5EF4-FFF2-40B4-BE49-F238E27FC236}">
-                <a16:creationId xmlns:a16="http://schemas.microsoft.com/office/drawing/2014/main" id="{D0B1453E-2947-3D4F-AF87-5DEBDAB86081}"/>
-              </a:ext>
-            </a:extLst>
-          </p:cNvPr>
-          <p:cNvSpPr txBox="1"/>
+          <p:cNvSpPr txBox="1">
+            <a:spLocks/>
+          </p:cNvSpPr>
           <p:nvPr/>
         </p:nvSpPr>
         <p:spPr>
           <a:xfrm>
-            <a:off x="4730747" y="871992"/>
-            <a:ext cx="1925527" cy="276999"/>
+            <a:off x="5022161" y="918993"/>
+            <a:ext cx="3955582" cy="3626486"/>
           </a:xfrm>
           <a:prstGeom prst="rect">
             <a:avLst/>
           </a:prstGeom>
-          <a:noFill/>
         </p:spPr>
         <p:txBody>
-          <a:bodyPr wrap="none" rtlCol="0">
-            <a:spAutoFit/>
-          </a:bodyPr>
-          <a:lstStyle/>
+          <a:bodyPr/>
+          <a:lstStyle>
+            <a:lvl1pPr marL="171450" indent="-171450" algn="l" defTabSz="685800" rtl="0" eaLnBrk="1" latinLnBrk="1" hangingPunct="1">
+              <a:lnSpc>
+                <a:spcPct val="90000"/>
+              </a:lnSpc>
+              <a:spcBef>
+                <a:spcPts val="750"/>
+              </a:spcBef>
+              <a:buFont typeface="Arial" panose="020B0604020202020204" pitchFamily="34" charset="0"/>
+              <a:buChar char="•"/>
+              <a:defRPr sz="2100" kern="1200">
+                <a:solidFill>
+                  <a:schemeClr val="tx1"/>
+                </a:solidFill>
+                <a:latin typeface="+mn-lt"/>
+                <a:ea typeface="+mn-ea"/>
+                <a:cs typeface="+mn-cs"/>
+              </a:defRPr>
+            </a:lvl1pPr>
+            <a:lvl2pPr marL="514350" indent="-171450" algn="l" defTabSz="685800" rtl="0" eaLnBrk="1" latinLnBrk="1" hangingPunct="1">
+              <a:lnSpc>
+                <a:spcPct val="90000"/>
+              </a:lnSpc>
+              <a:spcBef>
+                <a:spcPts val="375"/>
+              </a:spcBef>
+              <a:buFont typeface="Arial" panose="020B0604020202020204" pitchFamily="34" charset="0"/>
+              <a:buChar char="•"/>
+              <a:defRPr sz="1800" kern="1200">
+                <a:solidFill>
+                  <a:schemeClr val="tx1"/>
+                </a:solidFill>
+                <a:latin typeface="+mn-lt"/>
+                <a:ea typeface="+mn-ea"/>
+                <a:cs typeface="+mn-cs"/>
+              </a:defRPr>
+            </a:lvl2pPr>
+            <a:lvl3pPr marL="857250" indent="-171450" algn="l" defTabSz="685800" rtl="0" eaLnBrk="1" latinLnBrk="1" hangingPunct="1">
+              <a:lnSpc>
+                <a:spcPct val="90000"/>
+              </a:lnSpc>
+              <a:spcBef>
+                <a:spcPts val="375"/>
+              </a:spcBef>
+              <a:buFont typeface="Arial" panose="020B0604020202020204" pitchFamily="34" charset="0"/>
+              <a:buChar char="•"/>
+              <a:defRPr sz="1500" kern="1200">
+                <a:solidFill>
+                  <a:schemeClr val="tx1"/>
+                </a:solidFill>
+                <a:latin typeface="+mn-lt"/>
+                <a:ea typeface="+mn-ea"/>
+                <a:cs typeface="+mn-cs"/>
+              </a:defRPr>
+            </a:lvl3pPr>
+            <a:lvl4pPr marL="1200150" indent="-171450" algn="l" defTabSz="685800" rtl="0" eaLnBrk="1" latinLnBrk="1" hangingPunct="1">
+              <a:lnSpc>
+                <a:spcPct val="90000"/>
+              </a:lnSpc>
+              <a:spcBef>
+                <a:spcPts val="375"/>
+              </a:spcBef>
+              <a:buFont typeface="Arial" panose="020B0604020202020204" pitchFamily="34" charset="0"/>
+              <a:buChar char="•"/>
+              <a:defRPr sz="1350" kern="1200">
+                <a:solidFill>
+                  <a:schemeClr val="tx1"/>
+                </a:solidFill>
+                <a:latin typeface="+mn-lt"/>
+                <a:ea typeface="+mn-ea"/>
+                <a:cs typeface="+mn-cs"/>
+              </a:defRPr>
+            </a:lvl4pPr>
+            <a:lvl5pPr marL="1543050" indent="-171450" algn="l" defTabSz="685800" rtl="0" eaLnBrk="1" latinLnBrk="1" hangingPunct="1">
+              <a:lnSpc>
+                <a:spcPct val="90000"/>
+              </a:lnSpc>
+              <a:spcBef>
+                <a:spcPts val="375"/>
+              </a:spcBef>
+              <a:buFont typeface="Arial" panose="020B0604020202020204" pitchFamily="34" charset="0"/>
+              <a:buChar char="•"/>
+              <a:defRPr sz="1350" kern="1200">
+                <a:solidFill>
+                  <a:schemeClr val="tx1"/>
+                </a:solidFill>
+                <a:latin typeface="+mn-lt"/>
+                <a:ea typeface="+mn-ea"/>
+                <a:cs typeface="+mn-cs"/>
+              </a:defRPr>
+            </a:lvl5pPr>
+            <a:lvl6pPr marL="1885950" indent="-171450" algn="l" defTabSz="685800" rtl="0" eaLnBrk="1" latinLnBrk="1" hangingPunct="1">
+              <a:lnSpc>
+                <a:spcPct val="90000"/>
+              </a:lnSpc>
+              <a:spcBef>
+                <a:spcPts val="375"/>
+              </a:spcBef>
+              <a:buFont typeface="Arial" panose="020B0604020202020204" pitchFamily="34" charset="0"/>
+              <a:buChar char="•"/>
+              <a:defRPr sz="1350" kern="1200">
+                <a:solidFill>
+                  <a:schemeClr val="tx1"/>
+                </a:solidFill>
+                <a:latin typeface="+mn-lt"/>
+                <a:ea typeface="+mn-ea"/>
+                <a:cs typeface="+mn-cs"/>
+              </a:defRPr>
+            </a:lvl6pPr>
+            <a:lvl7pPr marL="2228850" indent="-171450" algn="l" defTabSz="685800" rtl="0" eaLnBrk="1" latinLnBrk="1" hangingPunct="1">
+              <a:lnSpc>
+                <a:spcPct val="90000"/>
+              </a:lnSpc>
+              <a:spcBef>
+                <a:spcPts val="375"/>
+              </a:spcBef>
+              <a:buFont typeface="Arial" panose="020B0604020202020204" pitchFamily="34" charset="0"/>
+              <a:buChar char="•"/>
+              <a:defRPr sz="1350" kern="1200">
+                <a:solidFill>
+                  <a:schemeClr val="tx1"/>
+                </a:solidFill>
+                <a:latin typeface="+mn-lt"/>
+                <a:ea typeface="+mn-ea"/>
+                <a:cs typeface="+mn-cs"/>
+              </a:defRPr>
+            </a:lvl7pPr>
+            <a:lvl8pPr marL="2571750" indent="-171450" algn="l" defTabSz="685800" rtl="0" eaLnBrk="1" latinLnBrk="1" hangingPunct="1">
+              <a:lnSpc>
+                <a:spcPct val="90000"/>
+              </a:lnSpc>
+              <a:spcBef>
+                <a:spcPts val="375"/>
+              </a:spcBef>
+              <a:buFont typeface="Arial" panose="020B0604020202020204" pitchFamily="34" charset="0"/>
+              <a:buChar char="•"/>
+              <a:defRPr sz="1350" kern="1200">
+                <a:solidFill>
+                  <a:schemeClr val="tx1"/>
+                </a:solidFill>
+                <a:latin typeface="+mn-lt"/>
+                <a:ea typeface="+mn-ea"/>
+                <a:cs typeface="+mn-cs"/>
+              </a:defRPr>
+            </a:lvl8pPr>
+            <a:lvl9pPr marL="2914650" indent="-171450" algn="l" defTabSz="685800" rtl="0" eaLnBrk="1" latinLnBrk="1" hangingPunct="1">
+              <a:lnSpc>
+                <a:spcPct val="90000"/>
+              </a:lnSpc>
+              <a:spcBef>
+                <a:spcPts val="375"/>
+              </a:spcBef>
+              <a:buFont typeface="Arial" panose="020B0604020202020204" pitchFamily="34" charset="0"/>
+              <a:buChar char="•"/>
+              <a:defRPr sz="1350" kern="1200">
+                <a:solidFill>
+                  <a:schemeClr val="tx1"/>
+                </a:solidFill>
+                <a:latin typeface="+mn-lt"/>
+                <a:ea typeface="+mn-ea"/>
+                <a:cs typeface="+mn-cs"/>
+              </a:defRPr>
+            </a:lvl9pPr>
+          </a:lstStyle>
           <a:p>
-            <a:pPr algn="l"/>
-            <a:r>
-              <a:rPr lang="de-DE" altLang="ko-KR" sz="1200" dirty="0">
-                <a:latin typeface="Open Sans" panose="020B0606030504020204" pitchFamily="34" charset="0"/>
-                <a:ea typeface="Open Sans" panose="020B0606030504020204" pitchFamily="34" charset="0"/>
-                <a:cs typeface="Open Sans" panose="020B0606030504020204" pitchFamily="34" charset="0"/>
+            <a:pPr marL="81000" indent="0">
+              <a:buFont typeface="Arial" panose="020B0604020202020204" pitchFamily="34" charset="0"/>
+              <a:buNone/>
+            </a:pPr>
+            <a:r>
+              <a:rPr lang="de-DE" altLang="ko-KR" sz="1500" b="1" dirty="0">
+                <a:solidFill>
+                  <a:srgbClr val="1F75BC"/>
+                </a:solidFill>
+                <a:latin typeface="Open Sans" pitchFamily="2" charset="0"/>
+                <a:ea typeface="Open Sans" pitchFamily="2" charset="0"/>
+                <a:cs typeface="Open Sans" pitchFamily="2" charset="0"/>
               </a:rPr>
-              <a:t>Modellierung der Feinst.</a:t>
-            </a:r>
-            <a:endParaRPr lang="ko-KR" altLang="en-US" sz="1200" dirty="0" err="1">
-              <a:latin typeface="Open Sans" panose="020B0606030504020204" pitchFamily="34" charset="0"/>
-              <a:ea typeface="Open Sans" panose="020B0606030504020204" pitchFamily="34" charset="0"/>
-              <a:cs typeface="Open Sans" panose="020B0606030504020204" pitchFamily="34" charset="0"/>
-            </a:endParaRPr>
+              <a:t>Modellierung der Feinstaubkonzentration</a:t>
+            </a:r>
           </a:p>
         </p:txBody>
       </p:sp>

--- a/Kolloquium/Kolloquium.pptx
+++ b/Kolloquium/Kolloquium.pptx
@@ -5,10 +5,10 @@
     <p:sldMasterId id="2147483663" r:id="rId1"/>
   </p:sldMasterIdLst>
   <p:notesMasterIdLst>
-    <p:notesMasterId r:id="rId20"/>
+    <p:notesMasterId r:id="rId22"/>
   </p:notesMasterIdLst>
   <p:handoutMasterIdLst>
-    <p:handoutMasterId r:id="rId21"/>
+    <p:handoutMasterId r:id="rId23"/>
   </p:handoutMasterIdLst>
   <p:sldIdLst>
     <p:sldId id="279" r:id="rId2"/>
@@ -24,11 +24,13 @@
     <p:sldId id="307" r:id="rId12"/>
     <p:sldId id="289" r:id="rId13"/>
     <p:sldId id="311" r:id="rId14"/>
-    <p:sldId id="301" r:id="rId15"/>
-    <p:sldId id="300" r:id="rId16"/>
-    <p:sldId id="291" r:id="rId17"/>
-    <p:sldId id="302" r:id="rId18"/>
-    <p:sldId id="304" r:id="rId19"/>
+    <p:sldId id="312" r:id="rId15"/>
+    <p:sldId id="313" r:id="rId16"/>
+    <p:sldId id="301" r:id="rId17"/>
+    <p:sldId id="300" r:id="rId18"/>
+    <p:sldId id="291" r:id="rId19"/>
+    <p:sldId id="302" r:id="rId20"/>
+    <p:sldId id="304" r:id="rId21"/>
   </p:sldIdLst>
   <p:sldSz cx="9144000" cy="5143500" type="screen16x9"/>
   <p:notesSz cx="6797675" cy="9874250"/>
@@ -2733,7 +2735,7 @@
           <a:p>
             <a:fld id="{F4DF2165-45DD-4E6A-8D88-991CFCF20576}" type="datetimeFigureOut">
               <a:rPr lang="de-DE" smtClean="0"/>
-              <a:t>03.03.23</a:t>
+              <a:t>06.03.23</a:t>
             </a:fld>
             <a:endParaRPr lang="de-DE" dirty="0"/>
           </a:p>
@@ -2898,7 +2900,7 @@
           <a:p>
             <a:fld id="{DBB2A775-C49D-45BA-A919-7D687A0440E7}" type="datetimeFigureOut">
               <a:rPr lang="de-DE" smtClean="0"/>
-              <a:t>03.03.23</a:t>
+              <a:t>06.03.23</a:t>
             </a:fld>
             <a:endParaRPr lang="de-DE"/>
           </a:p>
@@ -3303,7 +3305,106 @@
           <a:bodyPr/>
           <a:lstStyle/>
           <a:p>
-            <a:endParaRPr lang="de-DE"/>
+            <a:r>
+              <a:rPr lang="de-DE" dirty="0"/>
+              <a:t>In dieser vorliegenden Arbeit werden die fünf Algorithmen verwendet.</a:t>
+            </a:r>
+          </a:p>
+          <a:p>
+            <a:endParaRPr lang="de-DE" dirty="0"/>
+          </a:p>
+          <a:p>
+            <a:r>
+              <a:rPr lang="de-DE" dirty="0"/>
+              <a:t>Die Konzept der </a:t>
+            </a:r>
+            <a:r>
+              <a:rPr lang="de-DE" dirty="0" err="1"/>
+              <a:t>statistik</a:t>
+            </a:r>
+            <a:r>
+              <a:rPr lang="de-DE" dirty="0"/>
+              <a:t>…</a:t>
+            </a:r>
+          </a:p>
+          <a:p>
+            <a:pPr marL="0" marR="0" lvl="0" indent="0" algn="l" defTabSz="685800" rtl="0" eaLnBrk="1" fontAlgn="auto" latinLnBrk="0" hangingPunct="1">
+              <a:lnSpc>
+                <a:spcPct val="100000"/>
+              </a:lnSpc>
+              <a:spcBef>
+                <a:spcPts val="0"/>
+              </a:spcBef>
+              <a:spcAft>
+                <a:spcPts val="0"/>
+              </a:spcAft>
+              <a:buClrTx/>
+              <a:buSzTx/>
+              <a:buFontTx/>
+              <a:buNone/>
+              <a:tabLst/>
+              <a:defRPr/>
+            </a:pPr>
+            <a:endParaRPr lang="de-DE" altLang="ko-KR" dirty="0"/>
+          </a:p>
+          <a:p>
+            <a:pPr marL="0" marR="0" lvl="0" indent="0" algn="l" defTabSz="685800" rtl="0" eaLnBrk="1" fontAlgn="auto" latinLnBrk="0" hangingPunct="1">
+              <a:lnSpc>
+                <a:spcPct val="100000"/>
+              </a:lnSpc>
+              <a:spcBef>
+                <a:spcPts val="0"/>
+              </a:spcBef>
+              <a:spcAft>
+                <a:spcPts val="0"/>
+              </a:spcAft>
+              <a:buClrTx/>
+              <a:buSzTx/>
+              <a:buFontTx/>
+              <a:buNone/>
+              <a:tabLst/>
+              <a:defRPr/>
+            </a:pPr>
+            <a:r>
+              <a:rPr lang="de-DE" altLang="ko-KR" dirty="0"/>
+              <a:t>Die Konzept der </a:t>
+            </a:r>
+            <a:r>
+              <a:rPr lang="de-DE" altLang="ko-KR" dirty="0" err="1"/>
+              <a:t>cluster</a:t>
+            </a:r>
+            <a:r>
+              <a:rPr lang="de-DE" altLang="ko-KR" dirty="0"/>
+              <a:t>…</a:t>
+            </a:r>
+            <a:endParaRPr lang="de-DE" dirty="0"/>
+          </a:p>
+          <a:p>
+            <a:endParaRPr lang="de-DE" dirty="0"/>
+          </a:p>
+          <a:p>
+            <a:pPr marL="0" marR="0" lvl="0" indent="0" algn="l" defTabSz="685800" rtl="0" eaLnBrk="1" fontAlgn="auto" latinLnBrk="0" hangingPunct="1">
+              <a:lnSpc>
+                <a:spcPct val="100000"/>
+              </a:lnSpc>
+              <a:spcBef>
+                <a:spcPts val="0"/>
+              </a:spcBef>
+              <a:spcAft>
+                <a:spcPts val="0"/>
+              </a:spcAft>
+              <a:buClrTx/>
+              <a:buSzTx/>
+              <a:buFontTx/>
+              <a:buNone/>
+              <a:tabLst/>
+              <a:defRPr/>
+            </a:pPr>
+            <a:r>
+              <a:rPr lang="de-DE" altLang="ko-KR" dirty="0"/>
+              <a:t>Die Konzept der dichte…</a:t>
+            </a:r>
+            <a:endParaRPr lang="de-DE" dirty="0"/>
           </a:p>
         </p:txBody>
       </p:sp>
@@ -3362,7 +3463,7 @@
       </p:grpSpPr>
       <p:sp>
         <p:nvSpPr>
-          <p:cNvPr id="2" name="Folienbildplatzhalter 1"/>
+          <p:cNvPr id="2" name="슬라이드 이미지 개체 틀 1"/>
           <p:cNvSpPr>
             <a:spLocks noGrp="1" noRot="1" noChangeAspect="1"/>
           </p:cNvSpPr>
@@ -3379,7 +3480,7 @@
       </p:sp>
       <p:sp>
         <p:nvSpPr>
-          <p:cNvPr id="3" name="Notizenplatzhalter 2"/>
+          <p:cNvPr id="3" name="슬라이드 노트 개체 틀 2"/>
           <p:cNvSpPr>
             <a:spLocks noGrp="1"/>
           </p:cNvSpPr>
@@ -3392,18 +3493,99 @@
           <a:bodyPr/>
           <a:lstStyle/>
           <a:p>
-            <a:endParaRPr lang="de-DE"/>
+            <a:r>
+              <a:rPr kumimoji="1" lang="de-DE" altLang="ko-KR" dirty="0"/>
+              <a:t>Paper A verwendet </a:t>
+            </a:r>
+            <a:r>
+              <a:rPr kumimoji="1" lang="de-DE" altLang="ko-KR" dirty="0" err="1"/>
+              <a:t>statistik</a:t>
+            </a:r>
+            <a:r>
+              <a:rPr kumimoji="1" lang="de-DE" altLang="ko-KR" dirty="0"/>
+              <a:t>…</a:t>
+            </a:r>
+          </a:p>
+          <a:p>
+            <a:endParaRPr kumimoji="1" lang="de-DE" altLang="ko-KR" dirty="0"/>
+          </a:p>
+          <a:p>
+            <a:pPr marL="0" marR="0" lvl="0" indent="0" algn="l" defTabSz="685800" rtl="0" eaLnBrk="1" fontAlgn="auto" latinLnBrk="0" hangingPunct="1">
+              <a:lnSpc>
+                <a:spcPct val="100000"/>
+              </a:lnSpc>
+              <a:spcBef>
+                <a:spcPts val="0"/>
+              </a:spcBef>
+              <a:spcAft>
+                <a:spcPts val="0"/>
+              </a:spcAft>
+              <a:buClrTx/>
+              <a:buSzTx/>
+              <a:buFontTx/>
+              <a:buNone/>
+              <a:tabLst/>
+              <a:defRPr/>
+            </a:pPr>
+            <a:r>
+              <a:rPr kumimoji="1" lang="de-DE" altLang="ko-KR" dirty="0"/>
+              <a:t>Paper B verwendet </a:t>
+            </a:r>
+            <a:r>
+              <a:rPr kumimoji="1" lang="de-DE" altLang="ko-KR" dirty="0" err="1"/>
+              <a:t>cluster</a:t>
+            </a:r>
+            <a:r>
+              <a:rPr kumimoji="1" lang="de-DE" altLang="ko-KR" dirty="0"/>
+              <a:t>…</a:t>
+            </a:r>
+          </a:p>
+          <a:p>
+            <a:endParaRPr kumimoji="1" lang="de-DE" altLang="ko-KR" dirty="0"/>
+          </a:p>
+          <a:p>
+            <a:pPr marL="0" marR="0" lvl="0" indent="0" algn="l" defTabSz="685800" rtl="0" eaLnBrk="1" fontAlgn="auto" latinLnBrk="0" hangingPunct="1">
+              <a:lnSpc>
+                <a:spcPct val="100000"/>
+              </a:lnSpc>
+              <a:spcBef>
+                <a:spcPts val="0"/>
+              </a:spcBef>
+              <a:spcAft>
+                <a:spcPts val="0"/>
+              </a:spcAft>
+              <a:buClrTx/>
+              <a:buSzTx/>
+              <a:buFontTx/>
+              <a:buNone/>
+              <a:tabLst/>
+              <a:defRPr/>
+            </a:pPr>
+            <a:r>
+              <a:rPr kumimoji="1" lang="de-DE" altLang="ko-KR" dirty="0"/>
+              <a:t>Paper C verwendet dichte…</a:t>
+            </a:r>
+          </a:p>
+          <a:p>
+            <a:endParaRPr kumimoji="1" lang="de-DE" altLang="ko-KR" dirty="0"/>
+          </a:p>
+          <a:p>
+            <a:r>
+              <a:rPr kumimoji="1" lang="de-DE" altLang="ko-KR" dirty="0"/>
+              <a:t>In dieser Arbeit verwende ich…</a:t>
+            </a:r>
+            <a:endParaRPr kumimoji="1" lang="ko-KR" altLang="en-US" dirty="0"/>
           </a:p>
         </p:txBody>
       </p:sp>
       <p:sp>
         <p:nvSpPr>
-          <p:cNvPr id="4" name="Foliennummernplatzhalter 3"/>
+          <p:cNvPr id="4" name="슬라이드 번호 개체 틀 3"/>
           <p:cNvSpPr>
             <a:spLocks noGrp="1"/>
           </p:cNvSpPr>
           <p:nvPr>
-            <p:ph type="sldNum" sz="quarter" idx="10"/>
+            <p:ph type="sldNum" sz="quarter" idx="5"/>
           </p:nvPr>
         </p:nvSpPr>
         <p:spPr/>
@@ -3413,7 +3595,7 @@
           <a:p>
             <a:fld id="{2D6A0D67-EDAE-48EC-829F-B147F9799060}" type="slidenum">
               <a:rPr lang="de-DE" smtClean="0"/>
-              <a:t>12</a:t>
+              <a:t>11</a:t>
             </a:fld>
             <a:endParaRPr lang="de-DE"/>
           </a:p>
@@ -3422,7 +3604,7 @@
     </p:spTree>
     <p:extLst>
       <p:ext uri="{BB962C8B-B14F-4D97-AF65-F5344CB8AC3E}">
-        <p14:creationId xmlns:p14="http://schemas.microsoft.com/office/powerpoint/2010/main" val="3520414386"/>
+        <p14:creationId xmlns:p14="http://schemas.microsoft.com/office/powerpoint/2010/main" val="1563632422"/>
       </p:ext>
     </p:extLst>
   </p:cSld>
@@ -3481,7 +3663,22 @@
           <a:bodyPr/>
           <a:lstStyle/>
           <a:p>
-            <a:endParaRPr lang="de-DE"/>
+            <a:r>
+              <a:rPr lang="de-DE" dirty="0"/>
+              <a:t>Mit welchen Datensätzen</a:t>
+            </a:r>
+          </a:p>
+          <a:p>
+            <a:r>
+              <a:rPr lang="de-DE" dirty="0"/>
+              <a:t>Mit welcher Evaluationsmetrik</a:t>
+            </a:r>
+          </a:p>
+          <a:p>
+            <a:r>
+              <a:rPr lang="de-DE" dirty="0"/>
+              <a:t>Und Ergebnisse</a:t>
+            </a:r>
           </a:p>
         </p:txBody>
       </p:sp>
@@ -3502,7 +3699,7 @@
           <a:p>
             <a:fld id="{2D6A0D67-EDAE-48EC-829F-B147F9799060}" type="slidenum">
               <a:rPr lang="de-DE" smtClean="0"/>
-              <a:t>16</a:t>
+              <a:t>12</a:t>
             </a:fld>
             <a:endParaRPr lang="de-DE"/>
           </a:p>
@@ -3511,7 +3708,7 @@
     </p:spTree>
     <p:extLst>
       <p:ext uri="{BB962C8B-B14F-4D97-AF65-F5344CB8AC3E}">
-        <p14:creationId xmlns:p14="http://schemas.microsoft.com/office/powerpoint/2010/main" val="1569347426"/>
+        <p14:creationId xmlns:p14="http://schemas.microsoft.com/office/powerpoint/2010/main" val="3520414386"/>
       </p:ext>
     </p:extLst>
   </p:cSld>
@@ -3522,6 +3719,494 @@
 </file>
 
 <file path=ppt/notesSlides/notesSlide13.xml><?xml version="1.0" encoding="utf-8"?>
+<p:notes xmlns:a="http://schemas.openxmlformats.org/drawingml/2006/main" xmlns:r="http://schemas.openxmlformats.org/officeDocument/2006/relationships" xmlns:p="http://schemas.openxmlformats.org/presentationml/2006/main">
+  <p:cSld>
+    <p:spTree>
+      <p:nvGrpSpPr>
+        <p:cNvPr id="1" name=""/>
+        <p:cNvGrpSpPr/>
+        <p:nvPr/>
+      </p:nvGrpSpPr>
+      <p:grpSpPr>
+        <a:xfrm>
+          <a:off x="0" y="0"/>
+          <a:ext cx="0" cy="0"/>
+          <a:chOff x="0" y="0"/>
+          <a:chExt cx="0" cy="0"/>
+        </a:xfrm>
+      </p:grpSpPr>
+      <p:sp>
+        <p:nvSpPr>
+          <p:cNvPr id="2" name="슬라이드 이미지 개체 틀 1"/>
+          <p:cNvSpPr>
+            <a:spLocks noGrp="1" noRot="1" noChangeAspect="1"/>
+          </p:cNvSpPr>
+          <p:nvPr>
+            <p:ph type="sldImg"/>
+          </p:nvPr>
+        </p:nvSpPr>
+        <p:spPr>
+          <a:xfrm>
+            <a:off x="511175" y="1049338"/>
+            <a:ext cx="5924550" cy="3333750"/>
+          </a:xfrm>
+        </p:spPr>
+      </p:sp>
+      <p:sp>
+        <p:nvSpPr>
+          <p:cNvPr id="3" name="슬라이드 노트 개체 틀 2"/>
+          <p:cNvSpPr>
+            <a:spLocks noGrp="1"/>
+          </p:cNvSpPr>
+          <p:nvPr>
+            <p:ph type="body" idx="1"/>
+          </p:nvPr>
+        </p:nvSpPr>
+        <p:spPr/>
+        <p:txBody>
+          <a:bodyPr/>
+          <a:lstStyle/>
+          <a:p>
+            <a:r>
+              <a:rPr kumimoji="1" lang="de-DE" altLang="ko-KR" dirty="0"/>
+              <a:t>Die Datensätze sind aus DEUS-Projekt</a:t>
+            </a:r>
+          </a:p>
+          <a:p>
+            <a:endParaRPr kumimoji="1" lang="de-DE" altLang="ko-KR" dirty="0"/>
+          </a:p>
+          <a:p>
+            <a:endParaRPr kumimoji="1" lang="de-DE" altLang="ko-KR" dirty="0"/>
+          </a:p>
+          <a:p>
+            <a:endParaRPr kumimoji="1" lang="de-DE" altLang="ko-KR" dirty="0"/>
+          </a:p>
+        </p:txBody>
+      </p:sp>
+      <p:sp>
+        <p:nvSpPr>
+          <p:cNvPr id="4" name="슬라이드 번호 개체 틀 3"/>
+          <p:cNvSpPr>
+            <a:spLocks noGrp="1"/>
+          </p:cNvSpPr>
+          <p:nvPr>
+            <p:ph type="sldNum" sz="quarter" idx="5"/>
+          </p:nvPr>
+        </p:nvSpPr>
+        <p:spPr/>
+        <p:txBody>
+          <a:bodyPr/>
+          <a:lstStyle/>
+          <a:p>
+            <a:fld id="{2D6A0D67-EDAE-48EC-829F-B147F9799060}" type="slidenum">
+              <a:rPr lang="de-DE" smtClean="0"/>
+              <a:t>13</a:t>
+            </a:fld>
+            <a:endParaRPr lang="de-DE"/>
+          </a:p>
+        </p:txBody>
+      </p:sp>
+    </p:spTree>
+    <p:extLst>
+      <p:ext uri="{BB962C8B-B14F-4D97-AF65-F5344CB8AC3E}">
+        <p14:creationId xmlns:p14="http://schemas.microsoft.com/office/powerpoint/2010/main" val="4004178853"/>
+      </p:ext>
+    </p:extLst>
+  </p:cSld>
+  <p:clrMapOvr>
+    <a:masterClrMapping/>
+  </p:clrMapOvr>
+</p:notes>
+</file>
+
+<file path=ppt/notesSlides/notesSlide14.xml><?xml version="1.0" encoding="utf-8"?>
+<p:notes xmlns:a="http://schemas.openxmlformats.org/drawingml/2006/main" xmlns:r="http://schemas.openxmlformats.org/officeDocument/2006/relationships" xmlns:p="http://schemas.openxmlformats.org/presentationml/2006/main">
+  <p:cSld>
+    <p:spTree>
+      <p:nvGrpSpPr>
+        <p:cNvPr id="1" name=""/>
+        <p:cNvGrpSpPr/>
+        <p:nvPr/>
+      </p:nvGrpSpPr>
+      <p:grpSpPr>
+        <a:xfrm>
+          <a:off x="0" y="0"/>
+          <a:ext cx="0" cy="0"/>
+          <a:chOff x="0" y="0"/>
+          <a:chExt cx="0" cy="0"/>
+        </a:xfrm>
+      </p:grpSpPr>
+      <p:sp>
+        <p:nvSpPr>
+          <p:cNvPr id="2" name="슬라이드 이미지 개체 틀 1"/>
+          <p:cNvSpPr>
+            <a:spLocks noGrp="1" noRot="1" noChangeAspect="1"/>
+          </p:cNvSpPr>
+          <p:nvPr>
+            <p:ph type="sldImg"/>
+          </p:nvPr>
+        </p:nvSpPr>
+        <p:spPr>
+          <a:xfrm>
+            <a:off x="511175" y="1049338"/>
+            <a:ext cx="5924550" cy="3333750"/>
+          </a:xfrm>
+        </p:spPr>
+      </p:sp>
+      <p:sp>
+        <p:nvSpPr>
+          <p:cNvPr id="3" name="슬라이드 노트 개체 틀 2"/>
+          <p:cNvSpPr>
+            <a:spLocks noGrp="1"/>
+          </p:cNvSpPr>
+          <p:nvPr>
+            <p:ph type="body" idx="1"/>
+          </p:nvPr>
+        </p:nvSpPr>
+        <p:spPr/>
+        <p:txBody>
+          <a:bodyPr/>
+          <a:lstStyle/>
+          <a:p>
+            <a:r>
+              <a:rPr kumimoji="1" lang="de-DE" altLang="ko-KR" dirty="0"/>
+              <a:t>nur Vorteil</a:t>
+            </a:r>
+          </a:p>
+        </p:txBody>
+      </p:sp>
+      <p:sp>
+        <p:nvSpPr>
+          <p:cNvPr id="4" name="슬라이드 번호 개체 틀 3"/>
+          <p:cNvSpPr>
+            <a:spLocks noGrp="1"/>
+          </p:cNvSpPr>
+          <p:nvPr>
+            <p:ph type="sldNum" sz="quarter" idx="5"/>
+          </p:nvPr>
+        </p:nvSpPr>
+        <p:spPr/>
+        <p:txBody>
+          <a:bodyPr/>
+          <a:lstStyle/>
+          <a:p>
+            <a:fld id="{2D6A0D67-EDAE-48EC-829F-B147F9799060}" type="slidenum">
+              <a:rPr lang="de-DE" smtClean="0"/>
+              <a:t>14</a:t>
+            </a:fld>
+            <a:endParaRPr lang="de-DE"/>
+          </a:p>
+        </p:txBody>
+      </p:sp>
+    </p:spTree>
+    <p:extLst>
+      <p:ext uri="{BB962C8B-B14F-4D97-AF65-F5344CB8AC3E}">
+        <p14:creationId xmlns:p14="http://schemas.microsoft.com/office/powerpoint/2010/main" val="1249840220"/>
+      </p:ext>
+    </p:extLst>
+  </p:cSld>
+  <p:clrMapOvr>
+    <a:masterClrMapping/>
+  </p:clrMapOvr>
+</p:notes>
+</file>
+
+<file path=ppt/notesSlides/notesSlide15.xml><?xml version="1.0" encoding="utf-8"?>
+<p:notes xmlns:a="http://schemas.openxmlformats.org/drawingml/2006/main" xmlns:r="http://schemas.openxmlformats.org/officeDocument/2006/relationships" xmlns:p="http://schemas.openxmlformats.org/presentationml/2006/main">
+  <p:cSld>
+    <p:spTree>
+      <p:nvGrpSpPr>
+        <p:cNvPr id="1" name=""/>
+        <p:cNvGrpSpPr/>
+        <p:nvPr/>
+      </p:nvGrpSpPr>
+      <p:grpSpPr>
+        <a:xfrm>
+          <a:off x="0" y="0"/>
+          <a:ext cx="0" cy="0"/>
+          <a:chOff x="0" y="0"/>
+          <a:chExt cx="0" cy="0"/>
+        </a:xfrm>
+      </p:grpSpPr>
+      <p:sp>
+        <p:nvSpPr>
+          <p:cNvPr id="2" name="슬라이드 이미지 개체 틀 1"/>
+          <p:cNvSpPr>
+            <a:spLocks noGrp="1" noRot="1" noChangeAspect="1"/>
+          </p:cNvSpPr>
+          <p:nvPr>
+            <p:ph type="sldImg"/>
+          </p:nvPr>
+        </p:nvSpPr>
+        <p:spPr>
+          <a:xfrm>
+            <a:off x="511175" y="1049338"/>
+            <a:ext cx="5924550" cy="3333750"/>
+          </a:xfrm>
+        </p:spPr>
+      </p:sp>
+      <p:sp>
+        <p:nvSpPr>
+          <p:cNvPr id="3" name="슬라이드 노트 개체 틀 2"/>
+          <p:cNvSpPr>
+            <a:spLocks noGrp="1"/>
+          </p:cNvSpPr>
+          <p:nvPr>
+            <p:ph type="body" idx="1"/>
+          </p:nvPr>
+        </p:nvSpPr>
+        <p:spPr/>
+        <p:txBody>
+          <a:bodyPr/>
+          <a:lstStyle/>
+          <a:p>
+            <a:r>
+              <a:rPr kumimoji="1" lang="de-DE" altLang="ko-KR" dirty="0"/>
+              <a:t>Entwicklungsumgebung…</a:t>
+            </a:r>
+          </a:p>
+        </p:txBody>
+      </p:sp>
+      <p:sp>
+        <p:nvSpPr>
+          <p:cNvPr id="4" name="슬라이드 번호 개체 틀 3"/>
+          <p:cNvSpPr>
+            <a:spLocks noGrp="1"/>
+          </p:cNvSpPr>
+          <p:nvPr>
+            <p:ph type="sldNum" sz="quarter" idx="5"/>
+          </p:nvPr>
+        </p:nvSpPr>
+        <p:spPr/>
+        <p:txBody>
+          <a:bodyPr/>
+          <a:lstStyle/>
+          <a:p>
+            <a:fld id="{2D6A0D67-EDAE-48EC-829F-B147F9799060}" type="slidenum">
+              <a:rPr lang="de-DE" smtClean="0"/>
+              <a:t>15</a:t>
+            </a:fld>
+            <a:endParaRPr lang="de-DE"/>
+          </a:p>
+        </p:txBody>
+      </p:sp>
+    </p:spTree>
+    <p:extLst>
+      <p:ext uri="{BB962C8B-B14F-4D97-AF65-F5344CB8AC3E}">
+        <p14:creationId xmlns:p14="http://schemas.microsoft.com/office/powerpoint/2010/main" val="2549994198"/>
+      </p:ext>
+    </p:extLst>
+  </p:cSld>
+  <p:clrMapOvr>
+    <a:masterClrMapping/>
+  </p:clrMapOvr>
+</p:notes>
+</file>
+
+<file path=ppt/notesSlides/notesSlide16.xml><?xml version="1.0" encoding="utf-8"?>
+<p:notes xmlns:a="http://schemas.openxmlformats.org/drawingml/2006/main" xmlns:r="http://schemas.openxmlformats.org/officeDocument/2006/relationships" xmlns:p="http://schemas.openxmlformats.org/presentationml/2006/main">
+  <p:cSld>
+    <p:spTree>
+      <p:nvGrpSpPr>
+        <p:cNvPr id="1" name=""/>
+        <p:cNvGrpSpPr/>
+        <p:nvPr/>
+      </p:nvGrpSpPr>
+      <p:grpSpPr>
+        <a:xfrm>
+          <a:off x="0" y="0"/>
+          <a:ext cx="0" cy="0"/>
+          <a:chOff x="0" y="0"/>
+          <a:chExt cx="0" cy="0"/>
+        </a:xfrm>
+      </p:grpSpPr>
+      <p:sp>
+        <p:nvSpPr>
+          <p:cNvPr id="2" name="슬라이드 이미지 개체 틀 1"/>
+          <p:cNvSpPr>
+            <a:spLocks noGrp="1" noRot="1" noChangeAspect="1"/>
+          </p:cNvSpPr>
+          <p:nvPr>
+            <p:ph type="sldImg"/>
+          </p:nvPr>
+        </p:nvSpPr>
+        <p:spPr>
+          <a:xfrm>
+            <a:off x="511175" y="1049338"/>
+            <a:ext cx="5924550" cy="3333750"/>
+          </a:xfrm>
+        </p:spPr>
+      </p:sp>
+      <p:sp>
+        <p:nvSpPr>
+          <p:cNvPr id="3" name="슬라이드 노트 개체 틀 2"/>
+          <p:cNvSpPr>
+            <a:spLocks noGrp="1"/>
+          </p:cNvSpPr>
+          <p:nvPr>
+            <p:ph type="body" idx="1"/>
+          </p:nvPr>
+        </p:nvSpPr>
+        <p:spPr/>
+        <p:txBody>
+          <a:bodyPr/>
+          <a:lstStyle/>
+          <a:p>
+            <a:r>
+              <a:rPr kumimoji="1" lang="de-DE" altLang="ko-KR" dirty="0"/>
+              <a:t>Das Ziel dieser Arbeit ist…</a:t>
+            </a:r>
+          </a:p>
+          <a:p>
+            <a:endParaRPr kumimoji="1" lang="de-DE" altLang="ko-KR" dirty="0"/>
+          </a:p>
+          <a:p>
+            <a:r>
+              <a:rPr kumimoji="1" lang="de-DE" altLang="ko-KR" dirty="0"/>
+              <a:t>Deshalb haben wir mit der fünf Algorithmen…</a:t>
+            </a:r>
+          </a:p>
+          <a:p>
+            <a:endParaRPr kumimoji="1" lang="de-DE" altLang="ko-KR" dirty="0"/>
+          </a:p>
+          <a:p>
+            <a:r>
+              <a:rPr kumimoji="1" lang="de-DE" altLang="ko-KR" dirty="0"/>
+              <a:t>Die Ergebnisse zeigen …</a:t>
+            </a:r>
+          </a:p>
+        </p:txBody>
+      </p:sp>
+      <p:sp>
+        <p:nvSpPr>
+          <p:cNvPr id="4" name="슬라이드 번호 개체 틀 3"/>
+          <p:cNvSpPr>
+            <a:spLocks noGrp="1"/>
+          </p:cNvSpPr>
+          <p:nvPr>
+            <p:ph type="sldNum" sz="quarter" idx="5"/>
+          </p:nvPr>
+        </p:nvSpPr>
+        <p:spPr/>
+        <p:txBody>
+          <a:bodyPr/>
+          <a:lstStyle/>
+          <a:p>
+            <a:fld id="{2D6A0D67-EDAE-48EC-829F-B147F9799060}" type="slidenum">
+              <a:rPr lang="de-DE" smtClean="0"/>
+              <a:t>16</a:t>
+            </a:fld>
+            <a:endParaRPr lang="de-DE"/>
+          </a:p>
+        </p:txBody>
+      </p:sp>
+    </p:spTree>
+    <p:extLst>
+      <p:ext uri="{BB962C8B-B14F-4D97-AF65-F5344CB8AC3E}">
+        <p14:creationId xmlns:p14="http://schemas.microsoft.com/office/powerpoint/2010/main" val="2107420594"/>
+      </p:ext>
+    </p:extLst>
+  </p:cSld>
+  <p:clrMapOvr>
+    <a:masterClrMapping/>
+  </p:clrMapOvr>
+</p:notes>
+</file>
+
+<file path=ppt/notesSlides/notesSlide17.xml><?xml version="1.0" encoding="utf-8"?>
+<p:notes xmlns:a="http://schemas.openxmlformats.org/drawingml/2006/main" xmlns:r="http://schemas.openxmlformats.org/officeDocument/2006/relationships" xmlns:p="http://schemas.openxmlformats.org/presentationml/2006/main">
+  <p:cSld>
+    <p:spTree>
+      <p:nvGrpSpPr>
+        <p:cNvPr id="1" name=""/>
+        <p:cNvGrpSpPr/>
+        <p:nvPr/>
+      </p:nvGrpSpPr>
+      <p:grpSpPr>
+        <a:xfrm>
+          <a:off x="0" y="0"/>
+          <a:ext cx="0" cy="0"/>
+          <a:chOff x="0" y="0"/>
+          <a:chExt cx="0" cy="0"/>
+        </a:xfrm>
+      </p:grpSpPr>
+      <p:sp>
+        <p:nvSpPr>
+          <p:cNvPr id="2" name="슬라이드 이미지 개체 틀 1"/>
+          <p:cNvSpPr>
+            <a:spLocks noGrp="1" noRot="1" noChangeAspect="1"/>
+          </p:cNvSpPr>
+          <p:nvPr>
+            <p:ph type="sldImg"/>
+          </p:nvPr>
+        </p:nvSpPr>
+        <p:spPr>
+          <a:xfrm>
+            <a:off x="511175" y="1049338"/>
+            <a:ext cx="5924550" cy="3333750"/>
+          </a:xfrm>
+        </p:spPr>
+      </p:sp>
+      <p:sp>
+        <p:nvSpPr>
+          <p:cNvPr id="3" name="슬라이드 노트 개체 틀 2"/>
+          <p:cNvSpPr>
+            <a:spLocks noGrp="1"/>
+          </p:cNvSpPr>
+          <p:nvPr>
+            <p:ph type="body" idx="1"/>
+          </p:nvPr>
+        </p:nvSpPr>
+        <p:spPr/>
+        <p:txBody>
+          <a:bodyPr/>
+          <a:lstStyle/>
+          <a:p>
+            <a:r>
+              <a:rPr kumimoji="1" lang="de-DE" altLang="ko-KR" dirty="0"/>
+              <a:t>Mit der Visualisierung kann man intuitiv die Ergebnisse…</a:t>
+            </a:r>
+            <a:endParaRPr kumimoji="1" lang="ko-KR" altLang="en-US" dirty="0"/>
+          </a:p>
+        </p:txBody>
+      </p:sp>
+      <p:sp>
+        <p:nvSpPr>
+          <p:cNvPr id="4" name="슬라이드 번호 개체 틀 3"/>
+          <p:cNvSpPr>
+            <a:spLocks noGrp="1"/>
+          </p:cNvSpPr>
+          <p:nvPr>
+            <p:ph type="sldNum" sz="quarter" idx="5"/>
+          </p:nvPr>
+        </p:nvSpPr>
+        <p:spPr/>
+        <p:txBody>
+          <a:bodyPr/>
+          <a:lstStyle/>
+          <a:p>
+            <a:fld id="{2D6A0D67-EDAE-48EC-829F-B147F9799060}" type="slidenum">
+              <a:rPr lang="de-DE" smtClean="0"/>
+              <a:t>17</a:t>
+            </a:fld>
+            <a:endParaRPr lang="de-DE"/>
+          </a:p>
+        </p:txBody>
+      </p:sp>
+    </p:spTree>
+    <p:extLst>
+      <p:ext uri="{BB962C8B-B14F-4D97-AF65-F5344CB8AC3E}">
+        <p14:creationId xmlns:p14="http://schemas.microsoft.com/office/powerpoint/2010/main" val="3784108335"/>
+      </p:ext>
+    </p:extLst>
+  </p:cSld>
+  <p:clrMapOvr>
+    <a:masterClrMapping/>
+  </p:clrMapOvr>
+</p:notes>
+</file>
+
+<file path=ppt/notesSlides/notesSlide18.xml><?xml version="1.0" encoding="utf-8"?>
 <p:notes xmlns:a="http://schemas.openxmlformats.org/drawingml/2006/main" xmlns:r="http://schemas.openxmlformats.org/officeDocument/2006/relationships" xmlns:p="http://schemas.openxmlformats.org/presentationml/2006/main">
   <p:cSld>
     <p:spTree>
@@ -3591,7 +4276,96 @@
           <a:p>
             <a:fld id="{2D6A0D67-EDAE-48EC-829F-B147F9799060}" type="slidenum">
               <a:rPr lang="de-DE" smtClean="0"/>
-              <a:t>17</a:t>
+              <a:t>18</a:t>
+            </a:fld>
+            <a:endParaRPr lang="de-DE"/>
+          </a:p>
+        </p:txBody>
+      </p:sp>
+    </p:spTree>
+    <p:extLst>
+      <p:ext uri="{BB962C8B-B14F-4D97-AF65-F5344CB8AC3E}">
+        <p14:creationId xmlns:p14="http://schemas.microsoft.com/office/powerpoint/2010/main" val="1569347426"/>
+      </p:ext>
+    </p:extLst>
+  </p:cSld>
+  <p:clrMapOvr>
+    <a:masterClrMapping/>
+  </p:clrMapOvr>
+</p:notes>
+</file>
+
+<file path=ppt/notesSlides/notesSlide19.xml><?xml version="1.0" encoding="utf-8"?>
+<p:notes xmlns:a="http://schemas.openxmlformats.org/drawingml/2006/main" xmlns:r="http://schemas.openxmlformats.org/officeDocument/2006/relationships" xmlns:p="http://schemas.openxmlformats.org/presentationml/2006/main">
+  <p:cSld>
+    <p:spTree>
+      <p:nvGrpSpPr>
+        <p:cNvPr id="1" name=""/>
+        <p:cNvGrpSpPr/>
+        <p:nvPr/>
+      </p:nvGrpSpPr>
+      <p:grpSpPr>
+        <a:xfrm>
+          <a:off x="0" y="0"/>
+          <a:ext cx="0" cy="0"/>
+          <a:chOff x="0" y="0"/>
+          <a:chExt cx="0" cy="0"/>
+        </a:xfrm>
+      </p:grpSpPr>
+      <p:sp>
+        <p:nvSpPr>
+          <p:cNvPr id="2" name="Folienbildplatzhalter 1"/>
+          <p:cNvSpPr>
+            <a:spLocks noGrp="1" noRot="1" noChangeAspect="1"/>
+          </p:cNvSpPr>
+          <p:nvPr>
+            <p:ph type="sldImg"/>
+          </p:nvPr>
+        </p:nvSpPr>
+        <p:spPr>
+          <a:xfrm>
+            <a:off x="511175" y="1049338"/>
+            <a:ext cx="5924550" cy="3333750"/>
+          </a:xfrm>
+        </p:spPr>
+      </p:sp>
+      <p:sp>
+        <p:nvSpPr>
+          <p:cNvPr id="3" name="Notizenplatzhalter 2"/>
+          <p:cNvSpPr>
+            <a:spLocks noGrp="1"/>
+          </p:cNvSpPr>
+          <p:nvPr>
+            <p:ph type="body" idx="1"/>
+          </p:nvPr>
+        </p:nvSpPr>
+        <p:spPr/>
+        <p:txBody>
+          <a:bodyPr/>
+          <a:lstStyle/>
+          <a:p>
+            <a:endParaRPr lang="de-DE"/>
+          </a:p>
+        </p:txBody>
+      </p:sp>
+      <p:sp>
+        <p:nvSpPr>
+          <p:cNvPr id="4" name="Foliennummernplatzhalter 3"/>
+          <p:cNvSpPr>
+            <a:spLocks noGrp="1"/>
+          </p:cNvSpPr>
+          <p:nvPr>
+            <p:ph type="sldNum" sz="quarter" idx="10"/>
+          </p:nvPr>
+        </p:nvSpPr>
+        <p:spPr/>
+        <p:txBody>
+          <a:bodyPr/>
+          <a:lstStyle/>
+          <a:p>
+            <a:fld id="{2D6A0D67-EDAE-48EC-829F-B147F9799060}" type="slidenum">
+              <a:rPr lang="de-DE" smtClean="0"/>
+              <a:t>19</a:t>
             </a:fld>
             <a:endParaRPr lang="de-DE"/>
           </a:p>
@@ -3748,7 +4522,10 @@
           <a:bodyPr/>
           <a:lstStyle/>
           <a:p>
-            <a:endParaRPr lang="de-DE"/>
+            <a:r>
+              <a:rPr lang="de-DE" dirty="0"/>
+              <a:t>Was man durch die Arbeit erwartet und die Grundlagen</a:t>
+            </a:r>
           </a:p>
         </p:txBody>
       </p:sp>
@@ -3838,74 +4615,32 @@
           <a:lstStyle/>
           <a:p>
             <a:r>
-              <a:rPr lang="ko-KR" altLang="en-US" dirty="0">
+              <a:rPr lang="de" altLang="ko-KR" dirty="0">
                 <a:solidFill>
                   <a:schemeClr val="tx1"/>
                 </a:solidFill>
               </a:rPr>
-              <a:t>사람들은 환경문제에 관심이 많다</a:t>
-            </a:r>
-            <a:endParaRPr lang="de-DE" altLang="ko-KR" dirty="0">
-              <a:solidFill>
-                <a:schemeClr val="tx1"/>
-              </a:solidFill>
-            </a:endParaRPr>
-          </a:p>
-          <a:p>
-            <a:r>
-              <a:rPr lang="ko-KR" altLang="en-US" dirty="0">
+              <a:t>Leute interessiert sich für Umweltthemen</a:t>
+            </a:r>
+          </a:p>
+          <a:p>
+            <a:r>
+              <a:rPr lang="de" altLang="ko-KR" dirty="0">
                 <a:solidFill>
                   <a:schemeClr val="tx1"/>
                 </a:solidFill>
               </a:rPr>
-              <a:t>선진국 뿐만이 아니라 후진국에서도 저가형 센서를 이용하여 미세먼지농도를 예측 대비 할 수 있다</a:t>
-            </a:r>
-            <a:endParaRPr lang="de-DE" altLang="ko-KR" dirty="0">
-              <a:solidFill>
-                <a:schemeClr val="tx1"/>
-              </a:solidFill>
-            </a:endParaRPr>
-          </a:p>
-          <a:p>
-            <a:r>
-              <a:rPr lang="ko-KR" altLang="en-US" dirty="0">
+              <a:t>Nicht nur in Industrieländern, sondern auch in Entwicklungsländern kann die Feinstaubkonzentration mit kostengünstigen Sensoren vorhergesagt und aufbereitet werden. Aber daraus kommt die Ausreißer häufig</a:t>
+            </a:r>
+          </a:p>
+          <a:p>
+            <a:r>
+              <a:rPr lang="de" altLang="ko-KR" dirty="0">
                 <a:solidFill>
                   <a:schemeClr val="tx1"/>
                 </a:solidFill>
               </a:rPr>
-              <a:t>대부분이 관심을 갖는 사진</a:t>
-            </a:r>
-            <a:r>
-              <a:rPr lang="en-US" altLang="ko-KR" dirty="0">
-                <a:solidFill>
-                  <a:schemeClr val="tx1"/>
-                </a:solidFill>
-              </a:rPr>
-              <a:t>,</a:t>
-            </a:r>
-            <a:r>
-              <a:rPr lang="ko-KR" altLang="en-US" dirty="0">
-                <a:solidFill>
-                  <a:schemeClr val="tx1"/>
-                </a:solidFill>
-              </a:rPr>
-              <a:t> 영상 및 텍스트보다 중요하다</a:t>
-            </a:r>
-            <a:r>
-              <a:rPr lang="en-US" altLang="ko-KR" dirty="0">
-                <a:solidFill>
-                  <a:schemeClr val="tx1"/>
-                </a:solidFill>
-              </a:rPr>
-              <a:t> </a:t>
-            </a:r>
-            <a:r>
-              <a:rPr lang="de-DE" altLang="ko-KR" dirty="0">
-                <a:solidFill>
-                  <a:schemeClr val="tx1"/>
-                </a:solidFill>
-              </a:rPr>
-              <a:t>(Warum?)</a:t>
+              <a:t>Wichtiger als Fotos, Videos und Texte, für die die meiste Leute sich interessiert (Aber warum wichtiger?)</a:t>
             </a:r>
             <a:endParaRPr lang="de-DE" dirty="0"/>
           </a:p>
@@ -4015,7 +4750,7 @@
             </a:pPr>
             <a:r>
               <a:rPr lang="de-DE" altLang="ko-KR" dirty="0"/>
-              <a:t>den Einfluss von Ausreißern </a:t>
+              <a:t>1. den Einfluss von Ausreißern </a:t>
             </a:r>
             <a:r>
               <a:rPr lang="de" altLang="ko-KR" dirty="0"/>
@@ -4078,55 +4813,7 @@
                 <a:ea typeface="+mn-ea"/>
                 <a:cs typeface="+mn-cs"/>
               </a:rPr>
-              <a:t>ein vertieftes </a:t>
-            </a:r>
-            <a:r>
-              <a:rPr lang="de" altLang="ko-KR" sz="900" kern="1200" dirty="0" err="1">
-                <a:solidFill>
-                  <a:schemeClr val="tx1"/>
-                </a:solidFill>
-                <a:effectLst/>
-                <a:latin typeface="+mn-lt"/>
-                <a:ea typeface="+mn-ea"/>
-                <a:cs typeface="+mn-cs"/>
-              </a:rPr>
-              <a:t>Verständnis</a:t>
-            </a:r>
-            <a:r>
-              <a:rPr lang="de" altLang="ko-KR" sz="900" kern="1200" dirty="0">
-                <a:solidFill>
-                  <a:schemeClr val="tx1"/>
-                </a:solidFill>
-                <a:effectLst/>
-                <a:latin typeface="+mn-lt"/>
-                <a:ea typeface="+mn-ea"/>
-                <a:cs typeface="+mn-cs"/>
-              </a:rPr>
-              <a:t> </a:t>
-            </a:r>
-            <a:r>
-              <a:rPr lang="de" altLang="ko-KR" sz="900" kern="1200" dirty="0" err="1">
-                <a:solidFill>
-                  <a:schemeClr val="tx1"/>
-                </a:solidFill>
-                <a:effectLst/>
-                <a:latin typeface="+mn-lt"/>
-                <a:ea typeface="+mn-ea"/>
-                <a:cs typeface="+mn-cs"/>
-              </a:rPr>
-              <a:t>für</a:t>
-            </a:r>
-            <a:r>
-              <a:rPr lang="de" altLang="ko-KR" sz="900" kern="1200" dirty="0">
-                <a:solidFill>
-                  <a:schemeClr val="tx1"/>
-                </a:solidFill>
-                <a:effectLst/>
-                <a:latin typeface="+mn-lt"/>
-                <a:ea typeface="+mn-ea"/>
-                <a:cs typeface="+mn-cs"/>
-              </a:rPr>
-              <a:t> die verschiedenen Algorithmen zur </a:t>
+              <a:t>2. ein vertieftes Verständnis für die verschiedenen Algorithmen zur </a:t>
             </a:r>
             <a:r>
               <a:rPr lang="de" altLang="ko-KR" sz="900" kern="1200" dirty="0" err="1">
@@ -4150,20 +4837,55 @@
                 <a:ea typeface="+mn-ea"/>
                 <a:cs typeface="+mn-cs"/>
               </a:rPr>
-              <a:t> zu entwickeln, wie z. B. deren </a:t>
-            </a:r>
-            <a:r>
-              <a:rPr lang="de" altLang="ko-KR" sz="900" kern="1200" dirty="0" err="1">
-                <a:solidFill>
-                  <a:schemeClr val="tx1"/>
-                </a:solidFill>
-                <a:effectLst/>
-                <a:latin typeface="+mn-lt"/>
-                <a:ea typeface="+mn-ea"/>
-                <a:cs typeface="+mn-cs"/>
-              </a:rPr>
-              <a:t>Stärken</a:t>
-            </a:r>
+              <a:t> zu entwickeln, wie z. B. deren Stärken und Schwächen zu identifizieren.</a:t>
+            </a:r>
+          </a:p>
+          <a:p>
+            <a:pPr marL="0" marR="0" lvl="0" indent="0" algn="l" defTabSz="685800" rtl="0" eaLnBrk="1" fontAlgn="auto" latinLnBrk="0" hangingPunct="1">
+              <a:lnSpc>
+                <a:spcPct val="100000"/>
+              </a:lnSpc>
+              <a:spcBef>
+                <a:spcPts val="0"/>
+              </a:spcBef>
+              <a:spcAft>
+                <a:spcPts val="0"/>
+              </a:spcAft>
+              <a:buClrTx/>
+              <a:buSzTx/>
+              <a:buFontTx/>
+              <a:buNone/>
+              <a:tabLst/>
+              <a:defRPr/>
+            </a:pPr>
+            <a:endParaRPr lang="de" altLang="ko-KR" sz="900" kern="1200" dirty="0">
+              <a:solidFill>
+                <a:schemeClr val="tx1"/>
+              </a:solidFill>
+              <a:effectLst/>
+              <a:latin typeface="+mn-lt"/>
+              <a:ea typeface="+mn-ea"/>
+              <a:cs typeface="+mn-cs"/>
+            </a:endParaRPr>
+          </a:p>
+          <a:p>
+            <a:pPr marL="0" marR="0" lvl="0" indent="0" algn="l" defTabSz="685800" rtl="0" eaLnBrk="1" fontAlgn="auto" latinLnBrk="0" hangingPunct="1">
+              <a:lnSpc>
+                <a:spcPct val="100000"/>
+              </a:lnSpc>
+              <a:spcBef>
+                <a:spcPts val="0"/>
+              </a:spcBef>
+              <a:spcAft>
+                <a:spcPts val="0"/>
+              </a:spcAft>
+              <a:buClrTx/>
+              <a:buSzTx/>
+              <a:buFontTx/>
+              <a:buNone/>
+              <a:tabLst/>
+              <a:defRPr/>
+            </a:pPr>
             <a:r>
               <a:rPr lang="de" altLang="ko-KR" sz="900" kern="1200" dirty="0">
                 <a:solidFill>
@@ -4174,79 +4896,7 @@
                 <a:ea typeface="+mn-ea"/>
                 <a:cs typeface="+mn-cs"/>
               </a:rPr>
-              <a:t> und </a:t>
-            </a:r>
-            <a:r>
-              <a:rPr lang="de" altLang="ko-KR" sz="900" kern="1200" dirty="0" err="1">
-                <a:solidFill>
-                  <a:schemeClr val="tx1"/>
-                </a:solidFill>
-                <a:effectLst/>
-                <a:latin typeface="+mn-lt"/>
-                <a:ea typeface="+mn-ea"/>
-                <a:cs typeface="+mn-cs"/>
-              </a:rPr>
-              <a:t>Schwächen</a:t>
-            </a:r>
-            <a:r>
-              <a:rPr lang="de" altLang="ko-KR" sz="900" kern="1200" dirty="0">
-                <a:solidFill>
-                  <a:schemeClr val="tx1"/>
-                </a:solidFill>
-                <a:effectLst/>
-                <a:latin typeface="+mn-lt"/>
-                <a:ea typeface="+mn-ea"/>
-                <a:cs typeface="+mn-cs"/>
-              </a:rPr>
-              <a:t> zu identifizieren. </a:t>
-            </a:r>
-            <a:r>
-              <a:rPr lang="de" altLang="ko-KR" sz="900" kern="1200" dirty="0" err="1">
-                <a:solidFill>
-                  <a:schemeClr val="tx1"/>
-                </a:solidFill>
-                <a:effectLst/>
-                <a:latin typeface="+mn-lt"/>
-                <a:ea typeface="+mn-ea"/>
-                <a:cs typeface="+mn-cs"/>
-              </a:rPr>
-              <a:t>Darüber</a:t>
-            </a:r>
-            <a:r>
-              <a:rPr lang="de" altLang="ko-KR" sz="900" kern="1200" dirty="0">
-                <a:solidFill>
-                  <a:schemeClr val="tx1"/>
-                </a:solidFill>
-                <a:effectLst/>
-                <a:latin typeface="+mn-lt"/>
-                <a:ea typeface="+mn-ea"/>
-                <a:cs typeface="+mn-cs"/>
-              </a:rPr>
-              <a:t> hinaus kann eine </a:t>
-            </a:r>
-            <a:r>
-              <a:rPr lang="de" altLang="ko-KR" sz="900" kern="1200" dirty="0" err="1">
-                <a:solidFill>
-                  <a:schemeClr val="tx1"/>
-                </a:solidFill>
-                <a:effectLst/>
-                <a:latin typeface="+mn-lt"/>
-                <a:ea typeface="+mn-ea"/>
-                <a:cs typeface="+mn-cs"/>
-              </a:rPr>
-              <a:t>gründliche</a:t>
-            </a:r>
-            <a:r>
-              <a:rPr lang="de" altLang="ko-KR" sz="900" kern="1200" dirty="0">
-                <a:solidFill>
-                  <a:schemeClr val="tx1"/>
-                </a:solidFill>
-                <a:effectLst/>
-                <a:latin typeface="+mn-lt"/>
-                <a:ea typeface="+mn-ea"/>
-                <a:cs typeface="+mn-cs"/>
-              </a:rPr>
-              <a:t> Analyse der vorhandenen Algorithmen dazu beitragen, in einer konkreten </a:t>
+              <a:t>3. Darüber hinaus kann eine gründliche Analyse der vorhandenen Algorithmen dazu beitragen, in einer konkreten </a:t>
             </a:r>
             <a:r>
               <a:rPr lang="de" altLang="ko-KR" sz="900" kern="1200" dirty="0" err="1">
@@ -4278,31 +4928,7 @@
                 <a:ea typeface="+mn-ea"/>
                 <a:cs typeface="+mn-cs"/>
               </a:rPr>
-              <a:t>eine Empfehlung </a:t>
-            </a:r>
-            <a:r>
-              <a:rPr lang="de" altLang="ko-KR" sz="900" kern="1200" dirty="0" err="1">
-                <a:solidFill>
-                  <a:schemeClr val="tx1"/>
-                </a:solidFill>
-                <a:effectLst/>
-                <a:latin typeface="+mn-lt"/>
-                <a:ea typeface="+mn-ea"/>
-                <a:cs typeface="+mn-cs"/>
-              </a:rPr>
-              <a:t>für</a:t>
-            </a:r>
-            <a:r>
-              <a:rPr lang="de" altLang="ko-KR" sz="900" kern="1200" dirty="0">
-                <a:solidFill>
-                  <a:schemeClr val="tx1"/>
-                </a:solidFill>
-                <a:effectLst/>
-                <a:latin typeface="+mn-lt"/>
-                <a:ea typeface="+mn-ea"/>
-                <a:cs typeface="+mn-cs"/>
-              </a:rPr>
-              <a:t> den besten Algorithmus abzugeben. </a:t>
+              <a:t>eine Empfehlung für den besten Algorithmus abzugeben. </a:t>
             </a:r>
             <a:endParaRPr lang="de" altLang="ko-KR" dirty="0">
               <a:effectLst/>
@@ -4396,27 +5022,6 @@
           <a:lstStyle/>
           <a:p>
             <a:r>
-              <a:rPr kumimoji="1" lang="ko-KR" altLang="en-US" dirty="0"/>
-              <a:t>시계열데이터는 일반적인 데이터와는 다른 특성을 한가지 더 갖고 있는데 그것은 </a:t>
-            </a:r>
-            <a:r>
-              <a:rPr kumimoji="1" lang="ko-KR" altLang="en-US" dirty="0" err="1"/>
-              <a:t>시간순으로</a:t>
-            </a:r>
-            <a:r>
-              <a:rPr kumimoji="1" lang="ko-KR" altLang="en-US" dirty="0"/>
-              <a:t> 정렬되어 있고 전후 데이터와 상관관계를 갖고 있다는 것이다</a:t>
-            </a:r>
-            <a:r>
-              <a:rPr kumimoji="1" lang="en-US" altLang="ko-KR" dirty="0"/>
-              <a:t>.</a:t>
-            </a:r>
-          </a:p>
-          <a:p>
-            <a:endParaRPr kumimoji="1" lang="en-US" altLang="ko-KR" dirty="0"/>
-          </a:p>
-          <a:p>
-            <a:r>
               <a:rPr lang="de" altLang="ko-KR" sz="900" kern="1200" dirty="0">
                 <a:solidFill>
                   <a:schemeClr val="tx1"/>
@@ -4426,7 +5031,7 @@
                 <a:ea typeface="+mn-ea"/>
                 <a:cs typeface="+mn-cs"/>
               </a:rPr>
-              <a:t>Da Zeitreihendaten </a:t>
+              <a:t>Da Zeitreihendaten zeitabhängig sind, gibt es ein zeitliches Muster. Traditionell werden Zeitreihendaten in Trend, </a:t>
             </a:r>
             <a:r>
               <a:rPr lang="de" altLang="ko-KR" sz="900" kern="1200" dirty="0" err="1">
@@ -4438,7 +5043,7 @@
                 <a:ea typeface="+mn-ea"/>
                 <a:cs typeface="+mn-cs"/>
               </a:rPr>
-              <a:t>zeitabhängig</a:t>
+              <a:t>Saisonalität</a:t>
             </a:r>
             <a:r>
               <a:rPr lang="de" altLang="ko-KR" sz="900" kern="1200" dirty="0">
@@ -4450,7 +5055,30 @@
                 <a:ea typeface="+mn-ea"/>
                 <a:cs typeface="+mn-cs"/>
               </a:rPr>
-              <a:t> sind, gibt es ein zeitliches Muster. Traditionell werden </a:t>
+              <a:t>, Zyklus und zufällige Schwankung kategorisiert. </a:t>
+            </a:r>
+          </a:p>
+          <a:p>
+            <a:pPr marL="0" marR="0" lvl="0" indent="0" algn="l" defTabSz="685800" rtl="0" eaLnBrk="1" fontAlgn="auto" latinLnBrk="0" hangingPunct="1">
+              <a:lnSpc>
+                <a:spcPct val="100000"/>
+              </a:lnSpc>
+              <a:spcBef>
+                <a:spcPts val="0"/>
+              </a:spcBef>
+              <a:spcAft>
+                <a:spcPts val="0"/>
+              </a:spcAft>
+              <a:buClrTx/>
+              <a:buSzTx/>
+              <a:buFontTx/>
+              <a:buNone/>
+              <a:tabLst/>
+              <a:defRPr/>
+            </a:pPr>
+            <a:r>
+              <a:rPr kumimoji="1" lang="de-DE" altLang="ko-KR" dirty="0"/>
+              <a:t>Der Unterschied zwischen </a:t>
             </a:r>
             <a:r>
               <a:rPr lang="de" altLang="ko-KR" sz="900" kern="1200" dirty="0" err="1">
@@ -4462,7 +5090,7 @@
                 <a:ea typeface="+mn-ea"/>
                 <a:cs typeface="+mn-cs"/>
               </a:rPr>
-              <a:t>Zeitrei</a:t>
+              <a:t>Saisonalität</a:t>
             </a:r>
             <a:r>
               <a:rPr lang="de" altLang="ko-KR" sz="900" kern="1200" dirty="0">
@@ -4474,96 +5102,55 @@
                 <a:ea typeface="+mn-ea"/>
                 <a:cs typeface="+mn-cs"/>
               </a:rPr>
-              <a:t>- </a:t>
-            </a:r>
-            <a:endParaRPr lang="de" altLang="ko-KR" dirty="0">
+              <a:t> und Zyklus ist …</a:t>
+            </a:r>
+            <a:endParaRPr kumimoji="1" lang="de-DE" altLang="ko-KR" sz="900" kern="1200" dirty="0">
+              <a:solidFill>
+                <a:schemeClr val="tx1"/>
+              </a:solidFill>
               <a:effectLst/>
+              <a:latin typeface="+mn-lt"/>
+              <a:ea typeface="+mn-ea"/>
+              <a:cs typeface="+mn-cs"/>
             </a:endParaRPr>
           </a:p>
           <a:p>
-            <a:r>
-              <a:rPr lang="de" altLang="ko-KR" sz="900" kern="1200" dirty="0" err="1">
-                <a:solidFill>
-                  <a:schemeClr val="tx1"/>
-                </a:solidFill>
-                <a:effectLst/>
-                <a:latin typeface="+mn-lt"/>
-                <a:ea typeface="+mn-ea"/>
-                <a:cs typeface="+mn-cs"/>
-              </a:rPr>
-              <a:t>hendaten</a:t>
-            </a:r>
-            <a:r>
-              <a:rPr lang="de" altLang="ko-KR" sz="900" kern="1200" dirty="0">
-                <a:solidFill>
-                  <a:schemeClr val="tx1"/>
-                </a:solidFill>
-                <a:effectLst/>
-                <a:latin typeface="+mn-lt"/>
-                <a:ea typeface="+mn-ea"/>
-                <a:cs typeface="+mn-cs"/>
-              </a:rPr>
-              <a:t> in Trend, </a:t>
-            </a:r>
-            <a:r>
-              <a:rPr lang="de" altLang="ko-KR" sz="900" kern="1200" dirty="0" err="1">
-                <a:solidFill>
-                  <a:schemeClr val="tx1"/>
-                </a:solidFill>
-                <a:effectLst/>
-                <a:latin typeface="+mn-lt"/>
-                <a:ea typeface="+mn-ea"/>
-                <a:cs typeface="+mn-cs"/>
-              </a:rPr>
-              <a:t>Saisonalität</a:t>
-            </a:r>
-            <a:r>
-              <a:rPr lang="de" altLang="ko-KR" sz="900" kern="1200" dirty="0">
-                <a:solidFill>
-                  <a:schemeClr val="tx1"/>
-                </a:solidFill>
-                <a:effectLst/>
-                <a:latin typeface="+mn-lt"/>
-                <a:ea typeface="+mn-ea"/>
-                <a:cs typeface="+mn-cs"/>
-              </a:rPr>
-              <a:t>, Zyklus und </a:t>
-            </a:r>
-            <a:r>
-              <a:rPr lang="de" altLang="ko-KR" sz="900" kern="1200" dirty="0" err="1">
-                <a:solidFill>
-                  <a:schemeClr val="tx1"/>
-                </a:solidFill>
-                <a:effectLst/>
-                <a:latin typeface="+mn-lt"/>
-                <a:ea typeface="+mn-ea"/>
-                <a:cs typeface="+mn-cs"/>
-              </a:rPr>
-              <a:t>zufällige</a:t>
-            </a:r>
-            <a:r>
-              <a:rPr lang="de" altLang="ko-KR" sz="900" kern="1200" dirty="0">
-                <a:solidFill>
-                  <a:schemeClr val="tx1"/>
-                </a:solidFill>
-                <a:effectLst/>
-                <a:latin typeface="+mn-lt"/>
-                <a:ea typeface="+mn-ea"/>
-                <a:cs typeface="+mn-cs"/>
-              </a:rPr>
-              <a:t> Schwankung kategorisiert. </a:t>
-            </a:r>
+            <a:pPr marL="0" marR="0" lvl="0" indent="0" algn="l" defTabSz="685800" rtl="0" eaLnBrk="1" fontAlgn="auto" latinLnBrk="0" hangingPunct="1">
+              <a:lnSpc>
+                <a:spcPct val="100000"/>
+              </a:lnSpc>
+              <a:spcBef>
+                <a:spcPts val="0"/>
+              </a:spcBef>
+              <a:spcAft>
+                <a:spcPts val="0"/>
+              </a:spcAft>
+              <a:buClrTx/>
+              <a:buSzTx/>
+              <a:buFontTx/>
+              <a:buNone/>
+              <a:tabLst/>
+              <a:defRPr/>
+            </a:pPr>
+            <a:endParaRPr kumimoji="1" lang="de" altLang="ko-KR" sz="900" kern="1200" dirty="0">
+              <a:solidFill>
+                <a:schemeClr val="tx1"/>
+              </a:solidFill>
+              <a:effectLst/>
+              <a:latin typeface="+mn-lt"/>
+              <a:ea typeface="+mn-ea"/>
+              <a:cs typeface="+mn-cs"/>
+            </a:endParaRPr>
+          </a:p>
+          <a:p>
+            <a:r>
+              <a:rPr kumimoji="1" lang="de" altLang="ko-KR" dirty="0"/>
+              <a:t>Zeitreihendaten unterscheiden sich von allgemeinen Daten dadurch, dass sie in chronologischer Reihenfolge angeordnet sind und eine Korrelation zu den vorhergehenden Daten aufweisen.</a:t>
+            </a:r>
+            <a:endParaRPr kumimoji="1" lang="en-US" altLang="ko-KR" dirty="0"/>
+          </a:p>
+          <a:p>
             <a:endParaRPr kumimoji="1" lang="de-DE" altLang="ko-KR" dirty="0"/>
-          </a:p>
-          <a:p>
-            <a:endParaRPr kumimoji="1" lang="de-DE" altLang="ko-KR" dirty="0"/>
-          </a:p>
-          <a:p>
-            <a:r>
-              <a:rPr kumimoji="1" lang="de-DE" altLang="ko-KR" dirty="0"/>
-              <a:t>Der Unterschied zwischen den</a:t>
-            </a:r>
-            <a:endParaRPr kumimoji="1" lang="ko-KR" altLang="en-US" dirty="0"/>
           </a:p>
         </p:txBody>
       </p:sp>
@@ -4670,6 +5257,18 @@
               <a:defRPr/>
             </a:pPr>
             <a:r>
+              <a:rPr lang="de-DE" altLang="ko-KR" sz="900" kern="1200" dirty="0">
+                <a:solidFill>
+                  <a:schemeClr val="tx1"/>
+                </a:solidFill>
+                <a:effectLst/>
+                <a:latin typeface="+mn-lt"/>
+                <a:ea typeface="+mn-ea"/>
+                <a:cs typeface="+mn-cs"/>
+              </a:rPr>
+              <a:t>Die </a:t>
+            </a:r>
+            <a:r>
               <a:rPr lang="de" altLang="ko-KR" sz="900" kern="1200" dirty="0">
                 <a:solidFill>
                   <a:schemeClr val="tx1"/>
@@ -4679,31 +5278,7 @@
                 <a:ea typeface="+mn-ea"/>
                 <a:cs typeface="+mn-cs"/>
               </a:rPr>
-              <a:t>Die intuitive Definition einer Anomalie wäre „eine Beobachtung, die so stark von anderen Beobachtungen abweicht, dass der Verdacht erweckt wird, dass sie durch einen anderen Mechanismus erzeugt worden ist“. Anomalie wird mit verschiedenen Termini ausgedrückt, wie z. B. Neuheit, die als positiver Ausdruck im Wirtschaftsbereich verstanden wird, Anomalität, die als negativer Ausdruck bewertet wird, so etwa ein schlechtes Signal, und Ausreißer für etwas, was extrem weit außerhalb des Allgemeinen liegt. Daher können Anomalien für jeden Bereich und jedes Problem unterschiedlich definiert werden, was bedeutet, dass es keinen einzigen optimalen Algorithmus für die </a:t>
-            </a:r>
-            <a:r>
-              <a:rPr lang="de" altLang="ko-KR" sz="900" kern="1200" dirty="0" err="1">
-                <a:solidFill>
-                  <a:schemeClr val="tx1"/>
-                </a:solidFill>
-                <a:effectLst/>
-                <a:latin typeface="+mn-lt"/>
-                <a:ea typeface="+mn-ea"/>
-                <a:cs typeface="+mn-cs"/>
-              </a:rPr>
-              <a:t>Anomalieerkennung</a:t>
-            </a:r>
-            <a:r>
-              <a:rPr lang="de" altLang="ko-KR" sz="900" kern="1200" dirty="0">
-                <a:solidFill>
-                  <a:schemeClr val="tx1"/>
-                </a:solidFill>
-                <a:effectLst/>
-                <a:latin typeface="+mn-lt"/>
-                <a:ea typeface="+mn-ea"/>
-                <a:cs typeface="+mn-cs"/>
-              </a:rPr>
-              <a:t> gibt und dass je nach der definierten Anomalie unterschiedliche Algorithmen zur Problemlösung ausgewählt werden. Aus diesem Grund wird hier ein Ansatz zum Identifizieren von Anomalien beschrieben. </a:t>
+              <a:t>drei Typen der Ausreißer sind …</a:t>
             </a:r>
           </a:p>
           <a:p>
@@ -4786,52 +5361,32 @@
                 <a:ea typeface="+mn-ea"/>
                 <a:cs typeface="+mn-cs"/>
               </a:rPr>
-              <a:t> in Zeitreihendaten entspricht dem kontextabhängigen Ausreißer. Wie der Graph in Abbildung c zeigt, ist die Zeitabhängigkeit der wichtigste Punkt für Zeitreihendaten. Dies liegt daran, dass sie zusätzliche Informationen enthalten kann, die sich für eine Verbesserung des Erkennens von Ausreißer verwenden lassen. </a:t>
-            </a:r>
-            <a:endParaRPr lang="de" altLang="ko-KR" dirty="0">
-              <a:effectLst/>
-            </a:endParaRPr>
-          </a:p>
-          <a:p>
-            <a:pPr marL="0" marR="0" lvl="0" indent="0" algn="l" defTabSz="685800" rtl="0" eaLnBrk="1" fontAlgn="auto" latinLnBrk="0" hangingPunct="1">
-              <a:lnSpc>
-                <a:spcPct val="100000"/>
-              </a:lnSpc>
-              <a:spcBef>
-                <a:spcPts val="0"/>
-              </a:spcBef>
-              <a:spcAft>
-                <a:spcPts val="0"/>
-              </a:spcAft>
-              <a:buClrTx/>
-              <a:buSzTx/>
-              <a:buFontTx/>
-              <a:buNone/>
-              <a:tabLst/>
-              <a:defRPr/>
-            </a:pPr>
-            <a:endParaRPr lang="de" altLang="ko-KR" dirty="0">
-              <a:effectLst/>
-            </a:endParaRPr>
-          </a:p>
-          <a:p>
-            <a:pPr marL="0" marR="0" lvl="0" indent="0" algn="l" defTabSz="685800" rtl="0" eaLnBrk="1" fontAlgn="auto" latinLnBrk="0" hangingPunct="1">
-              <a:lnSpc>
-                <a:spcPct val="100000"/>
-              </a:lnSpc>
-              <a:spcBef>
-                <a:spcPts val="0"/>
-              </a:spcBef>
-              <a:spcAft>
-                <a:spcPts val="0"/>
-              </a:spcAft>
-              <a:buClrTx/>
-              <a:buSzTx/>
-              <a:buFontTx/>
-              <a:buNone/>
-              <a:tabLst/>
-              <a:defRPr/>
-            </a:pPr>
+              <a:t> in Zeitreihendaten entspricht dem kontextabhängigen Ausreißer. Wie der Graph in Abbildung c zeigt, ist die Zeitabhängigkeit der wichtigste Faktor für Zeitreihendaten. Dies liegt daran, dass sie zusätzliche Informationen enthalten kann, die sich für eine Verbesserung der </a:t>
+            </a:r>
+            <a:r>
+              <a:rPr lang="de" altLang="ko-KR" sz="900" kern="1200" dirty="0" err="1">
+                <a:solidFill>
+                  <a:schemeClr val="tx1"/>
+                </a:solidFill>
+                <a:effectLst/>
+                <a:latin typeface="+mn-lt"/>
+                <a:ea typeface="+mn-ea"/>
+                <a:cs typeface="+mn-cs"/>
+              </a:rPr>
+              <a:t>Ausreißererkennung</a:t>
+            </a:r>
+            <a:r>
+              <a:rPr lang="de" altLang="ko-KR" sz="900" kern="1200" dirty="0">
+                <a:solidFill>
+                  <a:schemeClr val="tx1"/>
+                </a:solidFill>
+                <a:effectLst/>
+                <a:latin typeface="+mn-lt"/>
+                <a:ea typeface="+mn-ea"/>
+                <a:cs typeface="+mn-cs"/>
+              </a:rPr>
+              <a:t> verwenden lassen.</a:t>
+            </a:r>
             <a:endParaRPr lang="de" altLang="ko-KR" dirty="0">
               <a:effectLst/>
             </a:endParaRPr>
@@ -4926,7 +5481,22 @@
           <a:bodyPr/>
           <a:lstStyle/>
           <a:p>
-            <a:endParaRPr lang="de-DE"/>
+            <a:r>
+              <a:rPr lang="de-DE" dirty="0"/>
+              <a:t>Worauf wir uns konzentrieren</a:t>
+            </a:r>
+          </a:p>
+          <a:p>
+            <a:r>
+              <a:rPr lang="de-DE" dirty="0"/>
+              <a:t>Die Methoden</a:t>
+            </a:r>
+          </a:p>
+          <a:p>
+            <a:r>
+              <a:rPr lang="de-DE" dirty="0"/>
+              <a:t>Der Unterschied</a:t>
+            </a:r>
           </a:p>
         </p:txBody>
       </p:sp>
@@ -5015,7 +5585,19 @@
           <a:bodyPr/>
           <a:lstStyle/>
           <a:p>
+            <a:r>
+              <a:rPr lang="de-DE" dirty="0"/>
+              <a:t>Die allgemeine Arbeitsablauf ist …</a:t>
+            </a:r>
+          </a:p>
+          <a:p>
             <a:endParaRPr lang="de-DE" dirty="0"/>
+          </a:p>
+          <a:p>
+            <a:r>
+              <a:rPr lang="de-DE" dirty="0"/>
+              <a:t>Wir konzentrieren uns aber auf …</a:t>
+            </a:r>
           </a:p>
         </p:txBody>
       </p:sp>
@@ -5391,7 +5973,7 @@
                 <a:cs typeface="Open Sans" panose="020B0606030504020204" pitchFamily="34" charset="0"/>
               </a:rPr>
               <a:pPr algn="r"/>
-              <a:t>Friday, March 3, 2023</a:t>
+              <a:t>Monday, March 6, 2023</a:t>
             </a:fld>
             <a:endParaRPr lang="de-DE" sz="1000" dirty="0">
               <a:latin typeface="Open Sans" panose="020B0606030504020204" pitchFamily="34" charset="0"/>
@@ -7493,7 +8075,7 @@
         <p:spPr>
           <a:xfrm>
             <a:off x="540804" y="2424223"/>
-            <a:ext cx="7617519" cy="1007599"/>
+            <a:ext cx="7617519" cy="703441"/>
           </a:xfrm>
         </p:spPr>
         <p:txBody>
@@ -7520,8 +8102,8 @@
         </p:nvSpPr>
         <p:spPr>
           <a:xfrm>
-            <a:off x="547201" y="3366150"/>
-            <a:ext cx="6840000" cy="392040"/>
+            <a:off x="547201" y="3366149"/>
+            <a:ext cx="6840000" cy="281059"/>
           </a:xfrm>
         </p:spPr>
         <p:txBody>
@@ -7533,9 +8115,6 @@
               <a:t>Bachelorarbeit, Davin Ahn</a:t>
             </a:r>
             <a:endParaRPr lang="en-DE" altLang="ko-KR"/>
-          </a:p>
-          <a:p>
-            <a:endParaRPr lang="de-DE" dirty="0"/>
           </a:p>
         </p:txBody>
       </p:sp>
@@ -7599,7 +8178,7 @@
         </p:nvSpPr>
         <p:spPr>
           <a:xfrm>
-            <a:off x="680407" y="2945044"/>
+            <a:off x="680407" y="3118668"/>
             <a:ext cx="2874955" cy="1274060"/>
           </a:xfrm>
           <a:prstGeom prst="rect">
@@ -7653,8 +8232,8 @@
         </p:nvSpPr>
         <p:spPr>
           <a:xfrm>
-            <a:off x="676424" y="2964722"/>
-            <a:ext cx="2874955" cy="1183081"/>
+            <a:off x="676424" y="3138346"/>
+            <a:ext cx="2874955" cy="276999"/>
           </a:xfrm>
           <a:prstGeom prst="rect">
             <a:avLst/>
@@ -7680,107 +8259,8 @@
                 </a:solidFill>
                 <a:latin typeface="Muli" panose="00000500000000000000" pitchFamily="2" charset="0"/>
               </a:rPr>
-              <a:t>Synonyms/Homonyms</a:t>
-            </a:r>
-          </a:p>
-          <a:p>
-            <a:pPr algn="ctr"/>
-            <a:endParaRPr lang="de-DE" sz="788" dirty="0">
-              <a:solidFill>
-                <a:srgbClr val="555555"/>
-              </a:solidFill>
-              <a:latin typeface="Muli" panose="00000500000000000000" pitchFamily="2" charset="0"/>
-            </a:endParaRPr>
-          </a:p>
-          <a:p>
-            <a:pPr algn="ctr"/>
-            <a:r>
-              <a:rPr lang="de-DE" sz="1200" dirty="0" err="1">
-                <a:solidFill>
-                  <a:srgbClr val="555555"/>
-                </a:solidFill>
-                <a:latin typeface="Muli" panose="00000500000000000000" pitchFamily="2" charset="0"/>
-              </a:rPr>
-              <a:t>Mappings</a:t>
-            </a:r>
-            <a:endParaRPr lang="de-DE" sz="1200" dirty="0">
-              <a:solidFill>
-                <a:srgbClr val="555555"/>
-              </a:solidFill>
-              <a:latin typeface="Muli" panose="00000500000000000000" pitchFamily="2" charset="0"/>
-            </a:endParaRPr>
-          </a:p>
-          <a:p>
-            <a:pPr algn="ctr"/>
-            <a:endParaRPr lang="de-DE" sz="750" dirty="0">
-              <a:solidFill>
-                <a:srgbClr val="555555"/>
-              </a:solidFill>
-              <a:latin typeface="Muli" panose="00000500000000000000" pitchFamily="2" charset="0"/>
-            </a:endParaRPr>
-          </a:p>
-          <a:p>
-            <a:pPr algn="ctr"/>
-            <a:r>
-              <a:rPr lang="de-DE" sz="1200" dirty="0">
-                <a:solidFill>
-                  <a:srgbClr val="555555"/>
-                </a:solidFill>
-                <a:latin typeface="Muli" panose="00000500000000000000" pitchFamily="2" charset="0"/>
-              </a:rPr>
-              <a:t>Union </a:t>
-            </a:r>
-            <a:r>
-              <a:rPr lang="de-DE" sz="1200" dirty="0" err="1">
-                <a:solidFill>
-                  <a:srgbClr val="555555"/>
-                </a:solidFill>
-                <a:latin typeface="Muli" panose="00000500000000000000" pitchFamily="2" charset="0"/>
-              </a:rPr>
-              <a:t>Types</a:t>
-            </a:r>
-            <a:endParaRPr lang="de-DE" sz="1200" dirty="0">
-              <a:solidFill>
-                <a:srgbClr val="555555"/>
-              </a:solidFill>
-              <a:latin typeface="Muli" panose="00000500000000000000" pitchFamily="2" charset="0"/>
-            </a:endParaRPr>
-          </a:p>
-          <a:p>
-            <a:pPr algn="ctr"/>
-            <a:endParaRPr lang="de-DE" sz="750" dirty="0">
-              <a:solidFill>
-                <a:srgbClr val="555555"/>
-              </a:solidFill>
-              <a:latin typeface="Muli" panose="00000500000000000000" pitchFamily="2" charset="0"/>
-            </a:endParaRPr>
-          </a:p>
-          <a:p>
-            <a:pPr algn="ctr"/>
-            <a:r>
-              <a:rPr lang="de-DE" sz="1200" dirty="0">
-                <a:solidFill>
-                  <a:srgbClr val="555555"/>
-                </a:solidFill>
-                <a:latin typeface="Muli" panose="00000500000000000000" pitchFamily="2" charset="0"/>
-              </a:rPr>
-              <a:t>Language </a:t>
-            </a:r>
-            <a:r>
-              <a:rPr lang="de-DE" sz="1200" dirty="0" err="1">
-                <a:solidFill>
-                  <a:srgbClr val="555555"/>
-                </a:solidFill>
-                <a:latin typeface="Muli" panose="00000500000000000000" pitchFamily="2" charset="0"/>
-              </a:rPr>
-              <a:t>Expressions</a:t>
-            </a:r>
-            <a:endParaRPr lang="de-DE" sz="1200" dirty="0">
-              <a:solidFill>
-                <a:srgbClr val="555555"/>
-              </a:solidFill>
-              <a:latin typeface="Muli" panose="00000500000000000000" pitchFamily="2" charset="0"/>
-            </a:endParaRPr>
+              <a:t>Konzept dieser Algorithmen</a:t>
+            </a:r>
           </a:p>
         </p:txBody>
       </p:sp>
@@ -7792,7 +8272,7 @@
         </p:nvSpPr>
         <p:spPr>
           <a:xfrm>
-            <a:off x="3641123" y="2945044"/>
+            <a:off x="3641123" y="3118668"/>
             <a:ext cx="1952368" cy="1274061"/>
           </a:xfrm>
           <a:prstGeom prst="rect">
@@ -7846,8 +8326,8 @@
         </p:nvSpPr>
         <p:spPr>
           <a:xfrm>
-            <a:off x="3641122" y="2964722"/>
-            <a:ext cx="1952367" cy="1015663"/>
+            <a:off x="3641122" y="3138346"/>
+            <a:ext cx="1952367" cy="276999"/>
           </a:xfrm>
           <a:prstGeom prst="rect">
             <a:avLst/>
@@ -7867,80 +8347,14 @@
           <a:p>
             <a:pPr algn="ctr"/>
             <a:r>
-              <a:rPr lang="de-DE" sz="1200" dirty="0">
+              <a:rPr lang="de-DE" altLang="ko-KR" sz="1200" dirty="0">
                 <a:solidFill>
                   <a:srgbClr val="555555"/>
                 </a:solidFill>
                 <a:latin typeface="Muli" panose="00000500000000000000" pitchFamily="2" charset="0"/>
               </a:rPr>
-              <a:t>Null Values</a:t>
-            </a:r>
-          </a:p>
-          <a:p>
-            <a:pPr algn="ctr"/>
-            <a:endParaRPr lang="de-DE" sz="1200" dirty="0">
-              <a:solidFill>
-                <a:srgbClr val="555555"/>
-              </a:solidFill>
-              <a:latin typeface="Muli" panose="00000500000000000000" pitchFamily="2" charset="0"/>
-            </a:endParaRPr>
-          </a:p>
-          <a:p>
-            <a:pPr algn="ctr"/>
-            <a:r>
-              <a:rPr lang="de-DE" sz="1200" dirty="0">
-                <a:solidFill>
-                  <a:srgbClr val="555555"/>
-                </a:solidFill>
-                <a:latin typeface="Muli" panose="00000500000000000000" pitchFamily="2" charset="0"/>
-              </a:rPr>
-              <a:t>Virtual Columns</a:t>
-            </a:r>
-          </a:p>
-          <a:p>
-            <a:pPr algn="ctr"/>
-            <a:endParaRPr lang="de-DE" sz="1200" dirty="0">
-              <a:solidFill>
-                <a:srgbClr val="555555"/>
-              </a:solidFill>
-              <a:latin typeface="Muli" panose="00000500000000000000" pitchFamily="2" charset="0"/>
-            </a:endParaRPr>
-          </a:p>
-          <a:p>
-            <a:pPr algn="ctr"/>
-            <a:r>
-              <a:rPr lang="de-DE" sz="1200" dirty="0" err="1">
-                <a:solidFill>
-                  <a:srgbClr val="555555"/>
-                </a:solidFill>
-                <a:latin typeface="Muli" panose="00000500000000000000" pitchFamily="2" charset="0"/>
-              </a:rPr>
-              <a:t>Semantic</a:t>
-            </a:r>
-            <a:r>
-              <a:rPr lang="de-DE" sz="1200" dirty="0">
-                <a:solidFill>
-                  <a:srgbClr val="555555"/>
-                </a:solidFill>
-                <a:latin typeface="Muli" panose="00000500000000000000" pitchFamily="2" charset="0"/>
-              </a:rPr>
-              <a:t> </a:t>
-            </a:r>
-            <a:r>
-              <a:rPr lang="de-DE" sz="1200" dirty="0" err="1">
-                <a:solidFill>
-                  <a:srgbClr val="555555"/>
-                </a:solidFill>
-                <a:latin typeface="Muli" panose="00000500000000000000" pitchFamily="2" charset="0"/>
-              </a:rPr>
-              <a:t>Incompatibility</a:t>
-            </a:r>
-            <a:endParaRPr lang="de-DE" sz="1200" dirty="0">
-              <a:solidFill>
-                <a:srgbClr val="555555"/>
-              </a:solidFill>
-              <a:latin typeface="Muli" panose="00000500000000000000" pitchFamily="2" charset="0"/>
-            </a:endParaRPr>
+              <a:t>Konzept dieser Algorithmen</a:t>
+            </a:r>
           </a:p>
         </p:txBody>
       </p:sp>
@@ -7952,7 +8366,7 @@
         </p:nvSpPr>
         <p:spPr>
           <a:xfrm>
-            <a:off x="5679250" y="2945043"/>
+            <a:off x="5679250" y="3118667"/>
             <a:ext cx="2877894" cy="1274062"/>
           </a:xfrm>
           <a:prstGeom prst="rect">
@@ -8006,8 +8420,8 @@
         </p:nvSpPr>
         <p:spPr>
           <a:xfrm>
-            <a:off x="5675267" y="2964722"/>
-            <a:ext cx="2874955" cy="646331"/>
+            <a:off x="5675267" y="3138346"/>
+            <a:ext cx="2874955" cy="276999"/>
           </a:xfrm>
           <a:prstGeom prst="rect">
             <a:avLst/>
@@ -8022,67 +8436,13 @@
           <a:p>
             <a:pPr algn="ctr"/>
             <a:r>
-              <a:rPr lang="de-DE" sz="1200" dirty="0">
+              <a:rPr lang="de-DE" altLang="ko-KR" sz="1200" dirty="0">
                 <a:solidFill>
                   <a:srgbClr val="555555"/>
                 </a:solidFill>
-                <a:latin typeface="+mj-lt"/>
+                <a:latin typeface="Muli" panose="00000500000000000000" pitchFamily="2" charset="0"/>
               </a:rPr>
-              <a:t>Same </a:t>
-            </a:r>
-            <a:r>
-              <a:rPr lang="de-DE" sz="1200" dirty="0" err="1">
-                <a:solidFill>
-                  <a:srgbClr val="555555"/>
-                </a:solidFill>
-                <a:latin typeface="+mj-lt"/>
-              </a:rPr>
-              <a:t>attribute</a:t>
-            </a:r>
-            <a:r>
-              <a:rPr lang="de-DE" sz="1200" dirty="0">
-                <a:solidFill>
-                  <a:srgbClr val="555555"/>
-                </a:solidFill>
-                <a:latin typeface="+mj-lt"/>
-              </a:rPr>
-              <a:t> in different </a:t>
-            </a:r>
-            <a:r>
-              <a:rPr lang="de-DE" sz="1200" dirty="0" err="1">
-                <a:solidFill>
-                  <a:srgbClr val="555555"/>
-                </a:solidFill>
-                <a:latin typeface="+mj-lt"/>
-              </a:rPr>
-              <a:t>structures</a:t>
-            </a:r>
-            <a:endParaRPr lang="de-DE" sz="1200" dirty="0">
-              <a:solidFill>
-                <a:srgbClr val="555555"/>
-              </a:solidFill>
-              <a:latin typeface="+mj-lt"/>
-            </a:endParaRPr>
-          </a:p>
-          <a:p>
-            <a:pPr algn="ctr"/>
-            <a:endParaRPr lang="de-DE" sz="1200" dirty="0">
-              <a:solidFill>
-                <a:srgbClr val="555555"/>
-              </a:solidFill>
-              <a:latin typeface="+mj-lt"/>
-            </a:endParaRPr>
-          </a:p>
-          <a:p>
-            <a:pPr algn="ctr"/>
-            <a:r>
-              <a:rPr lang="de-DE" sz="1200" dirty="0">
-                <a:solidFill>
-                  <a:srgbClr val="555555"/>
-                </a:solidFill>
-                <a:latin typeface="+mj-lt"/>
-              </a:rPr>
-              <a:t>Handling Sets</a:t>
+              <a:t>Konzept dieser Algorithmen</a:t>
             </a:r>
           </a:p>
         </p:txBody>
@@ -8095,7 +8455,7 @@
         </p:nvSpPr>
         <p:spPr>
           <a:xfrm>
-            <a:off x="1376655" y="4271552"/>
+            <a:off x="1376655" y="4445176"/>
             <a:ext cx="6819694" cy="323165"/>
           </a:xfrm>
           <a:prstGeom prst="rect">
@@ -8237,7 +8597,7 @@
         </p:nvSpPr>
         <p:spPr>
           <a:xfrm>
-            <a:off x="676424" y="1313722"/>
+            <a:off x="676424" y="1487346"/>
             <a:ext cx="7877370" cy="468000"/>
           </a:xfrm>
           <a:prstGeom prst="rect">
@@ -8310,7 +8670,7 @@
         </p:nvSpPr>
         <p:spPr>
           <a:xfrm>
-            <a:off x="676424" y="1843104"/>
+            <a:off x="676424" y="2016728"/>
             <a:ext cx="2882322" cy="468000"/>
           </a:xfrm>
           <a:prstGeom prst="rect">
@@ -8374,7 +8734,7 @@
         </p:nvSpPr>
         <p:spPr>
           <a:xfrm>
-            <a:off x="5675870" y="1843104"/>
+            <a:off x="5675870" y="2016728"/>
             <a:ext cx="2881274" cy="468000"/>
           </a:xfrm>
           <a:prstGeom prst="rect">
@@ -8439,7 +8799,7 @@
         </p:nvSpPr>
         <p:spPr>
           <a:xfrm>
-            <a:off x="3641123" y="2405044"/>
+            <a:off x="3641123" y="2578668"/>
             <a:ext cx="1952368" cy="468000"/>
           </a:xfrm>
           <a:prstGeom prst="rect">
@@ -8524,7 +8884,7 @@
         </p:nvSpPr>
         <p:spPr>
           <a:xfrm>
-            <a:off x="676424" y="2405044"/>
+            <a:off x="676424" y="2578668"/>
             <a:ext cx="1440700" cy="468000"/>
           </a:xfrm>
           <a:prstGeom prst="rect">
@@ -8603,7 +8963,7 @@
         </p:nvSpPr>
         <p:spPr>
           <a:xfrm>
-            <a:off x="3641124" y="1843104"/>
+            <a:off x="3641124" y="2016728"/>
             <a:ext cx="1952368" cy="468000"/>
           </a:xfrm>
           <a:prstGeom prst="rect">
@@ -8676,7 +9036,7 @@
         </p:nvSpPr>
         <p:spPr>
           <a:xfrm>
-            <a:off x="2114663" y="2405044"/>
+            <a:off x="2114663" y="2578668"/>
             <a:ext cx="1440700" cy="468000"/>
           </a:xfrm>
           <a:prstGeom prst="rect">
@@ -8755,7 +9115,7 @@
         </p:nvSpPr>
         <p:spPr>
           <a:xfrm>
-            <a:off x="5671283" y="2400473"/>
+            <a:off x="5671283" y="2574097"/>
             <a:ext cx="1440700" cy="468000"/>
           </a:xfrm>
           <a:prstGeom prst="rect">
@@ -8825,7 +9185,7 @@
         </p:nvSpPr>
         <p:spPr>
           <a:xfrm>
-            <a:off x="7109522" y="2400473"/>
+            <a:off x="7109522" y="2574097"/>
             <a:ext cx="1440700" cy="468000"/>
           </a:xfrm>
           <a:prstGeom prst="rect">
@@ -8881,6 +9241,43 @@
           </a:p>
         </p:txBody>
       </p:sp>
+      <p:sp>
+        <p:nvSpPr>
+          <p:cNvPr id="23" name="Inhaltsplatzhalter 2">
+            <a:extLst>
+              <a:ext uri="{FF2B5EF4-FFF2-40B4-BE49-F238E27FC236}">
+                <a16:creationId xmlns:a16="http://schemas.microsoft.com/office/drawing/2014/main" id="{04A8888C-93C5-A842-80FA-A8ADF4518375}"/>
+              </a:ext>
+            </a:extLst>
+          </p:cNvPr>
+          <p:cNvSpPr>
+            <a:spLocks noGrp="1"/>
+          </p:cNvSpPr>
+          <p:nvPr>
+            <p:ph idx="1"/>
+          </p:nvPr>
+        </p:nvSpPr>
+        <p:spPr>
+          <a:xfrm>
+            <a:off x="180000" y="918993"/>
+            <a:ext cx="3955582" cy="389759"/>
+          </a:xfrm>
+        </p:spPr>
+        <p:txBody>
+          <a:bodyPr/>
+          <a:lstStyle/>
+          <a:p>
+            <a:pPr marL="81000" indent="0">
+              <a:buNone/>
+            </a:pPr>
+            <a:r>
+              <a:rPr lang="de-DE" altLang="ko-KR" dirty="0"/>
+              <a:t>Verwandte Algorithmen</a:t>
+            </a:r>
+            <a:endParaRPr lang="de-DE" dirty="0"/>
+          </a:p>
+        </p:txBody>
+      </p:sp>
     </p:spTree>
     <p:extLst>
       <p:ext uri="{BB962C8B-B14F-4D97-AF65-F5344CB8AC3E}">
@@ -8891,955 +9288,6 @@
   <p:clrMapOvr>
     <a:masterClrMapping/>
   </p:clrMapOvr>
-  <p:timing>
-    <p:tnLst>
-      <p:par>
-        <p:cTn id="1" dur="indefinite" restart="never" nodeType="tmRoot">
-          <p:childTnLst>
-            <p:seq concurrent="1" nextAc="seek">
-              <p:cTn id="2" dur="indefinite" nodeType="mainSeq">
-                <p:childTnLst>
-                  <p:par>
-                    <p:cTn id="3" fill="hold">
-                      <p:stCondLst>
-                        <p:cond delay="indefinite"/>
-                      </p:stCondLst>
-                      <p:childTnLst>
-                        <p:par>
-                          <p:cTn id="4" fill="hold">
-                            <p:stCondLst>
-                              <p:cond delay="0"/>
-                            </p:stCondLst>
-                            <p:childTnLst>
-                              <p:par>
-                                <p:cTn id="5" presetID="47" presetClass="entr" presetSubtype="0" fill="hold" grpId="0" nodeType="clickEffect">
-                                  <p:stCondLst>
-                                    <p:cond delay="0"/>
-                                  </p:stCondLst>
-                                  <p:childTnLst>
-                                    <p:set>
-                                      <p:cBhvr>
-                                        <p:cTn id="6" dur="1" fill="hold">
-                                          <p:stCondLst>
-                                            <p:cond delay="0"/>
-                                          </p:stCondLst>
-                                        </p:cTn>
-                                        <p:tgtEl>
-                                          <p:spTgt spid="31"/>
-                                        </p:tgtEl>
-                                        <p:attrNameLst>
-                                          <p:attrName>style.visibility</p:attrName>
-                                        </p:attrNameLst>
-                                      </p:cBhvr>
-                                      <p:to>
-                                        <p:strVal val="visible"/>
-                                      </p:to>
-                                    </p:set>
-                                    <p:animEffect transition="in" filter="fade">
-                                      <p:cBhvr>
-                                        <p:cTn id="7" dur="500"/>
-                                        <p:tgtEl>
-                                          <p:spTgt spid="31"/>
-                                        </p:tgtEl>
-                                      </p:cBhvr>
-                                    </p:animEffect>
-                                    <p:anim calcmode="lin" valueType="num">
-                                      <p:cBhvr>
-                                        <p:cTn id="8" dur="500" fill="hold"/>
-                                        <p:tgtEl>
-                                          <p:spTgt spid="31"/>
-                                        </p:tgtEl>
-                                        <p:attrNameLst>
-                                          <p:attrName>ppt_x</p:attrName>
-                                        </p:attrNameLst>
-                                      </p:cBhvr>
-                                      <p:tavLst>
-                                        <p:tav tm="0">
-                                          <p:val>
-                                            <p:strVal val="#ppt_x"/>
-                                          </p:val>
-                                        </p:tav>
-                                        <p:tav tm="100000">
-                                          <p:val>
-                                            <p:strVal val="#ppt_x"/>
-                                          </p:val>
-                                        </p:tav>
-                                      </p:tavLst>
-                                    </p:anim>
-                                    <p:anim calcmode="lin" valueType="num">
-                                      <p:cBhvr>
-                                        <p:cTn id="9" dur="500" fill="hold"/>
-                                        <p:tgtEl>
-                                          <p:spTgt spid="31"/>
-                                        </p:tgtEl>
-                                        <p:attrNameLst>
-                                          <p:attrName>ppt_y</p:attrName>
-                                        </p:attrNameLst>
-                                      </p:cBhvr>
-                                      <p:tavLst>
-                                        <p:tav tm="0">
-                                          <p:val>
-                                            <p:strVal val="#ppt_y-.1"/>
-                                          </p:val>
-                                        </p:tav>
-                                        <p:tav tm="100000">
-                                          <p:val>
-                                            <p:strVal val="#ppt_y"/>
-                                          </p:val>
-                                        </p:tav>
-                                      </p:tavLst>
-                                    </p:anim>
-                                  </p:childTnLst>
-                                </p:cTn>
-                              </p:par>
-                              <p:par>
-                                <p:cTn id="10" presetID="47" presetClass="entr" presetSubtype="0" fill="hold" grpId="0" nodeType="withEffect">
-                                  <p:stCondLst>
-                                    <p:cond delay="0"/>
-                                  </p:stCondLst>
-                                  <p:childTnLst>
-                                    <p:set>
-                                      <p:cBhvr>
-                                        <p:cTn id="11" dur="1" fill="hold">
-                                          <p:stCondLst>
-                                            <p:cond delay="0"/>
-                                          </p:stCondLst>
-                                        </p:cTn>
-                                        <p:tgtEl>
-                                          <p:spTgt spid="32"/>
-                                        </p:tgtEl>
-                                        <p:attrNameLst>
-                                          <p:attrName>style.visibility</p:attrName>
-                                        </p:attrNameLst>
-                                      </p:cBhvr>
-                                      <p:to>
-                                        <p:strVal val="visible"/>
-                                      </p:to>
-                                    </p:set>
-                                    <p:animEffect transition="in" filter="fade">
-                                      <p:cBhvr>
-                                        <p:cTn id="12" dur="500"/>
-                                        <p:tgtEl>
-                                          <p:spTgt spid="32"/>
-                                        </p:tgtEl>
-                                      </p:cBhvr>
-                                    </p:animEffect>
-                                    <p:anim calcmode="lin" valueType="num">
-                                      <p:cBhvr>
-                                        <p:cTn id="13" dur="500" fill="hold"/>
-                                        <p:tgtEl>
-                                          <p:spTgt spid="32"/>
-                                        </p:tgtEl>
-                                        <p:attrNameLst>
-                                          <p:attrName>ppt_x</p:attrName>
-                                        </p:attrNameLst>
-                                      </p:cBhvr>
-                                      <p:tavLst>
-                                        <p:tav tm="0">
-                                          <p:val>
-                                            <p:strVal val="#ppt_x"/>
-                                          </p:val>
-                                        </p:tav>
-                                        <p:tav tm="100000">
-                                          <p:val>
-                                            <p:strVal val="#ppt_x"/>
-                                          </p:val>
-                                        </p:tav>
-                                      </p:tavLst>
-                                    </p:anim>
-                                    <p:anim calcmode="lin" valueType="num">
-                                      <p:cBhvr>
-                                        <p:cTn id="14" dur="500" fill="hold"/>
-                                        <p:tgtEl>
-                                          <p:spTgt spid="32"/>
-                                        </p:tgtEl>
-                                        <p:attrNameLst>
-                                          <p:attrName>ppt_y</p:attrName>
-                                        </p:attrNameLst>
-                                      </p:cBhvr>
-                                      <p:tavLst>
-                                        <p:tav tm="0">
-                                          <p:val>
-                                            <p:strVal val="#ppt_y-.1"/>
-                                          </p:val>
-                                        </p:tav>
-                                        <p:tav tm="100000">
-                                          <p:val>
-                                            <p:strVal val="#ppt_y"/>
-                                          </p:val>
-                                        </p:tav>
-                                      </p:tavLst>
-                                    </p:anim>
-                                  </p:childTnLst>
-                                </p:cTn>
-                              </p:par>
-                            </p:childTnLst>
-                          </p:cTn>
-                        </p:par>
-                      </p:childTnLst>
-                    </p:cTn>
-                  </p:par>
-                  <p:par>
-                    <p:cTn id="15" fill="hold">
-                      <p:stCondLst>
-                        <p:cond delay="indefinite"/>
-                      </p:stCondLst>
-                      <p:childTnLst>
-                        <p:par>
-                          <p:cTn id="16" fill="hold">
-                            <p:stCondLst>
-                              <p:cond delay="0"/>
-                            </p:stCondLst>
-                            <p:childTnLst>
-                              <p:par>
-                                <p:cTn id="17" presetID="47" presetClass="entr" presetSubtype="0" fill="hold" grpId="0" nodeType="clickEffect">
-                                  <p:stCondLst>
-                                    <p:cond delay="0"/>
-                                  </p:stCondLst>
-                                  <p:childTnLst>
-                                    <p:set>
-                                      <p:cBhvr>
-                                        <p:cTn id="18" dur="1" fill="hold">
-                                          <p:stCondLst>
-                                            <p:cond delay="0"/>
-                                          </p:stCondLst>
-                                        </p:cTn>
-                                        <p:tgtEl>
-                                          <p:spTgt spid="35"/>
-                                        </p:tgtEl>
-                                        <p:attrNameLst>
-                                          <p:attrName>style.visibility</p:attrName>
-                                        </p:attrNameLst>
-                                      </p:cBhvr>
-                                      <p:to>
-                                        <p:strVal val="visible"/>
-                                      </p:to>
-                                    </p:set>
-                                    <p:animEffect transition="in" filter="fade">
-                                      <p:cBhvr>
-                                        <p:cTn id="19" dur="500"/>
-                                        <p:tgtEl>
-                                          <p:spTgt spid="35"/>
-                                        </p:tgtEl>
-                                      </p:cBhvr>
-                                    </p:animEffect>
-                                    <p:anim calcmode="lin" valueType="num">
-                                      <p:cBhvr>
-                                        <p:cTn id="20" dur="500" fill="hold"/>
-                                        <p:tgtEl>
-                                          <p:spTgt spid="35"/>
-                                        </p:tgtEl>
-                                        <p:attrNameLst>
-                                          <p:attrName>ppt_x</p:attrName>
-                                        </p:attrNameLst>
-                                      </p:cBhvr>
-                                      <p:tavLst>
-                                        <p:tav tm="0">
-                                          <p:val>
-                                            <p:strVal val="#ppt_x"/>
-                                          </p:val>
-                                        </p:tav>
-                                        <p:tav tm="100000">
-                                          <p:val>
-                                            <p:strVal val="#ppt_x"/>
-                                          </p:val>
-                                        </p:tav>
-                                      </p:tavLst>
-                                    </p:anim>
-                                    <p:anim calcmode="lin" valueType="num">
-                                      <p:cBhvr>
-                                        <p:cTn id="21" dur="500" fill="hold"/>
-                                        <p:tgtEl>
-                                          <p:spTgt spid="35"/>
-                                        </p:tgtEl>
-                                        <p:attrNameLst>
-                                          <p:attrName>ppt_y</p:attrName>
-                                        </p:attrNameLst>
-                                      </p:cBhvr>
-                                      <p:tavLst>
-                                        <p:tav tm="0">
-                                          <p:val>
-                                            <p:strVal val="#ppt_y-.1"/>
-                                          </p:val>
-                                        </p:tav>
-                                        <p:tav tm="100000">
-                                          <p:val>
-                                            <p:strVal val="#ppt_y"/>
-                                          </p:val>
-                                        </p:tav>
-                                      </p:tavLst>
-                                    </p:anim>
-                                  </p:childTnLst>
-                                </p:cTn>
-                              </p:par>
-                              <p:par>
-                                <p:cTn id="22" presetID="26" presetClass="emph" presetSubtype="0" repeatCount="5000" fill="hold" grpId="1" nodeType="withEffect">
-                                  <p:stCondLst>
-                                    <p:cond delay="0"/>
-                                  </p:stCondLst>
-                                  <p:childTnLst>
-                                    <p:animEffect transition="out" filter="fade">
-                                      <p:cBhvr>
-                                        <p:cTn id="23" dur="1000" tmFilter="0, 0; .2, .5; .8, .5; 1, 0"/>
-                                        <p:tgtEl>
-                                          <p:spTgt spid="35"/>
-                                        </p:tgtEl>
-                                      </p:cBhvr>
-                                    </p:animEffect>
-                                    <p:animScale>
-                                      <p:cBhvr>
-                                        <p:cTn id="24" dur="500" autoRev="1" fill="hold"/>
-                                        <p:tgtEl>
-                                          <p:spTgt spid="35"/>
-                                        </p:tgtEl>
-                                      </p:cBhvr>
-                                      <p:by x="105000" y="105000"/>
-                                    </p:animScale>
-                                  </p:childTnLst>
-                                </p:cTn>
-                              </p:par>
-                            </p:childTnLst>
-                          </p:cTn>
-                        </p:par>
-                      </p:childTnLst>
-                    </p:cTn>
-                  </p:par>
-                  <p:par>
-                    <p:cTn id="25" fill="hold">
-                      <p:stCondLst>
-                        <p:cond delay="indefinite"/>
-                      </p:stCondLst>
-                      <p:childTnLst>
-                        <p:par>
-                          <p:cTn id="26" fill="hold">
-                            <p:stCondLst>
-                              <p:cond delay="0"/>
-                            </p:stCondLst>
-                            <p:childTnLst>
-                              <p:par>
-                                <p:cTn id="27" presetID="47" presetClass="entr" presetSubtype="0" fill="hold" grpId="0" nodeType="clickEffect">
-                                  <p:stCondLst>
-                                    <p:cond delay="0"/>
-                                  </p:stCondLst>
-                                  <p:childTnLst>
-                                    <p:set>
-                                      <p:cBhvr>
-                                        <p:cTn id="28" dur="1" fill="hold">
-                                          <p:stCondLst>
-                                            <p:cond delay="0"/>
-                                          </p:stCondLst>
-                                        </p:cTn>
-                                        <p:tgtEl>
-                                          <p:spTgt spid="21"/>
-                                        </p:tgtEl>
-                                        <p:attrNameLst>
-                                          <p:attrName>style.visibility</p:attrName>
-                                        </p:attrNameLst>
-                                      </p:cBhvr>
-                                      <p:to>
-                                        <p:strVal val="visible"/>
-                                      </p:to>
-                                    </p:set>
-                                    <p:animEffect transition="in" filter="fade">
-                                      <p:cBhvr>
-                                        <p:cTn id="29" dur="500"/>
-                                        <p:tgtEl>
-                                          <p:spTgt spid="21"/>
-                                        </p:tgtEl>
-                                      </p:cBhvr>
-                                    </p:animEffect>
-                                    <p:anim calcmode="lin" valueType="num">
-                                      <p:cBhvr>
-                                        <p:cTn id="30" dur="500" fill="hold"/>
-                                        <p:tgtEl>
-                                          <p:spTgt spid="21"/>
-                                        </p:tgtEl>
-                                        <p:attrNameLst>
-                                          <p:attrName>ppt_x</p:attrName>
-                                        </p:attrNameLst>
-                                      </p:cBhvr>
-                                      <p:tavLst>
-                                        <p:tav tm="0">
-                                          <p:val>
-                                            <p:strVal val="#ppt_x"/>
-                                          </p:val>
-                                        </p:tav>
-                                        <p:tav tm="100000">
-                                          <p:val>
-                                            <p:strVal val="#ppt_x"/>
-                                          </p:val>
-                                        </p:tav>
-                                      </p:tavLst>
-                                    </p:anim>
-                                    <p:anim calcmode="lin" valueType="num">
-                                      <p:cBhvr>
-                                        <p:cTn id="31" dur="500" fill="hold"/>
-                                        <p:tgtEl>
-                                          <p:spTgt spid="21"/>
-                                        </p:tgtEl>
-                                        <p:attrNameLst>
-                                          <p:attrName>ppt_y</p:attrName>
-                                        </p:attrNameLst>
-                                      </p:cBhvr>
-                                      <p:tavLst>
-                                        <p:tav tm="0">
-                                          <p:val>
-                                            <p:strVal val="#ppt_y-.1"/>
-                                          </p:val>
-                                        </p:tav>
-                                        <p:tav tm="100000">
-                                          <p:val>
-                                            <p:strVal val="#ppt_y"/>
-                                          </p:val>
-                                        </p:tav>
-                                      </p:tavLst>
-                                    </p:anim>
-                                  </p:childTnLst>
-                                </p:cTn>
-                              </p:par>
-                              <p:par>
-                                <p:cTn id="32" presetID="26" presetClass="emph" presetSubtype="0" repeatCount="5000" fill="hold" grpId="1" nodeType="withEffect">
-                                  <p:stCondLst>
-                                    <p:cond delay="0"/>
-                                  </p:stCondLst>
-                                  <p:childTnLst>
-                                    <p:animEffect transition="out" filter="fade">
-                                      <p:cBhvr>
-                                        <p:cTn id="33" dur="1000" tmFilter="0, 0; .2, .5; .8, .5; 1, 0"/>
-                                        <p:tgtEl>
-                                          <p:spTgt spid="21"/>
-                                        </p:tgtEl>
-                                      </p:cBhvr>
-                                    </p:animEffect>
-                                    <p:animScale>
-                                      <p:cBhvr>
-                                        <p:cTn id="34" dur="500" autoRev="1" fill="hold"/>
-                                        <p:tgtEl>
-                                          <p:spTgt spid="21"/>
-                                        </p:tgtEl>
-                                      </p:cBhvr>
-                                      <p:by x="105000" y="105000"/>
-                                    </p:animScale>
-                                  </p:childTnLst>
-                                </p:cTn>
-                              </p:par>
-                            </p:childTnLst>
-                          </p:cTn>
-                        </p:par>
-                      </p:childTnLst>
-                    </p:cTn>
-                  </p:par>
-                  <p:par>
-                    <p:cTn id="35" fill="hold">
-                      <p:stCondLst>
-                        <p:cond delay="indefinite"/>
-                      </p:stCondLst>
-                      <p:childTnLst>
-                        <p:par>
-                          <p:cTn id="36" fill="hold">
-                            <p:stCondLst>
-                              <p:cond delay="0"/>
-                            </p:stCondLst>
-                            <p:childTnLst>
-                              <p:par>
-                                <p:cTn id="37" presetID="47" presetClass="entr" presetSubtype="0" fill="hold" grpId="0" nodeType="clickEffect">
-                                  <p:stCondLst>
-                                    <p:cond delay="0"/>
-                                  </p:stCondLst>
-                                  <p:childTnLst>
-                                    <p:set>
-                                      <p:cBhvr>
-                                        <p:cTn id="38" dur="1" fill="hold">
-                                          <p:stCondLst>
-                                            <p:cond delay="0"/>
-                                          </p:stCondLst>
-                                        </p:cTn>
-                                        <p:tgtEl>
-                                          <p:spTgt spid="15"/>
-                                        </p:tgtEl>
-                                        <p:attrNameLst>
-                                          <p:attrName>style.visibility</p:attrName>
-                                        </p:attrNameLst>
-                                      </p:cBhvr>
-                                      <p:to>
-                                        <p:strVal val="visible"/>
-                                      </p:to>
-                                    </p:set>
-                                    <p:animEffect transition="in" filter="fade">
-                                      <p:cBhvr>
-                                        <p:cTn id="39" dur="500"/>
-                                        <p:tgtEl>
-                                          <p:spTgt spid="15"/>
-                                        </p:tgtEl>
-                                      </p:cBhvr>
-                                    </p:animEffect>
-                                    <p:anim calcmode="lin" valueType="num">
-                                      <p:cBhvr>
-                                        <p:cTn id="40" dur="500" fill="hold"/>
-                                        <p:tgtEl>
-                                          <p:spTgt spid="15"/>
-                                        </p:tgtEl>
-                                        <p:attrNameLst>
-                                          <p:attrName>ppt_x</p:attrName>
-                                        </p:attrNameLst>
-                                      </p:cBhvr>
-                                      <p:tavLst>
-                                        <p:tav tm="0">
-                                          <p:val>
-                                            <p:strVal val="#ppt_x"/>
-                                          </p:val>
-                                        </p:tav>
-                                        <p:tav tm="100000">
-                                          <p:val>
-                                            <p:strVal val="#ppt_x"/>
-                                          </p:val>
-                                        </p:tav>
-                                      </p:tavLst>
-                                    </p:anim>
-                                    <p:anim calcmode="lin" valueType="num">
-                                      <p:cBhvr>
-                                        <p:cTn id="41" dur="500" fill="hold"/>
-                                        <p:tgtEl>
-                                          <p:spTgt spid="15"/>
-                                        </p:tgtEl>
-                                        <p:attrNameLst>
-                                          <p:attrName>ppt_y</p:attrName>
-                                        </p:attrNameLst>
-                                      </p:cBhvr>
-                                      <p:tavLst>
-                                        <p:tav tm="0">
-                                          <p:val>
-                                            <p:strVal val="#ppt_y-.1"/>
-                                          </p:val>
-                                        </p:tav>
-                                        <p:tav tm="100000">
-                                          <p:val>
-                                            <p:strVal val="#ppt_y"/>
-                                          </p:val>
-                                        </p:tav>
-                                      </p:tavLst>
-                                    </p:anim>
-                                  </p:childTnLst>
-                                </p:cTn>
-                              </p:par>
-                            </p:childTnLst>
-                          </p:cTn>
-                        </p:par>
-                      </p:childTnLst>
-                    </p:cTn>
-                  </p:par>
-                  <p:par>
-                    <p:cTn id="42" fill="hold">
-                      <p:stCondLst>
-                        <p:cond delay="indefinite"/>
-                      </p:stCondLst>
-                      <p:childTnLst>
-                        <p:par>
-                          <p:cTn id="43" fill="hold">
-                            <p:stCondLst>
-                              <p:cond delay="0"/>
-                            </p:stCondLst>
-                            <p:childTnLst>
-                              <p:par>
-                                <p:cTn id="44" presetID="47" presetClass="entr" presetSubtype="0" fill="hold" grpId="0" nodeType="clickEffect">
-                                  <p:stCondLst>
-                                    <p:cond delay="0"/>
-                                  </p:stCondLst>
-                                  <p:childTnLst>
-                                    <p:set>
-                                      <p:cBhvr>
-                                        <p:cTn id="45" dur="1" fill="hold">
-                                          <p:stCondLst>
-                                            <p:cond delay="0"/>
-                                          </p:stCondLst>
-                                        </p:cTn>
-                                        <p:tgtEl>
-                                          <p:spTgt spid="16"/>
-                                        </p:tgtEl>
-                                        <p:attrNameLst>
-                                          <p:attrName>style.visibility</p:attrName>
-                                        </p:attrNameLst>
-                                      </p:cBhvr>
-                                      <p:to>
-                                        <p:strVal val="visible"/>
-                                      </p:to>
-                                    </p:set>
-                                    <p:animEffect transition="in" filter="fade">
-                                      <p:cBhvr>
-                                        <p:cTn id="46" dur="500"/>
-                                        <p:tgtEl>
-                                          <p:spTgt spid="16"/>
-                                        </p:tgtEl>
-                                      </p:cBhvr>
-                                    </p:animEffect>
-                                    <p:anim calcmode="lin" valueType="num">
-                                      <p:cBhvr>
-                                        <p:cTn id="47" dur="500" fill="hold"/>
-                                        <p:tgtEl>
-                                          <p:spTgt spid="16"/>
-                                        </p:tgtEl>
-                                        <p:attrNameLst>
-                                          <p:attrName>ppt_x</p:attrName>
-                                        </p:attrNameLst>
-                                      </p:cBhvr>
-                                      <p:tavLst>
-                                        <p:tav tm="0">
-                                          <p:val>
-                                            <p:strVal val="#ppt_x"/>
-                                          </p:val>
-                                        </p:tav>
-                                        <p:tav tm="100000">
-                                          <p:val>
-                                            <p:strVal val="#ppt_x"/>
-                                          </p:val>
-                                        </p:tav>
-                                      </p:tavLst>
-                                    </p:anim>
-                                    <p:anim calcmode="lin" valueType="num">
-                                      <p:cBhvr>
-                                        <p:cTn id="48" dur="500" fill="hold"/>
-                                        <p:tgtEl>
-                                          <p:spTgt spid="16"/>
-                                        </p:tgtEl>
-                                        <p:attrNameLst>
-                                          <p:attrName>ppt_y</p:attrName>
-                                        </p:attrNameLst>
-                                      </p:cBhvr>
-                                      <p:tavLst>
-                                        <p:tav tm="0">
-                                          <p:val>
-                                            <p:strVal val="#ppt_y-.1"/>
-                                          </p:val>
-                                        </p:tav>
-                                        <p:tav tm="100000">
-                                          <p:val>
-                                            <p:strVal val="#ppt_y"/>
-                                          </p:val>
-                                        </p:tav>
-                                      </p:tavLst>
-                                    </p:anim>
-                                  </p:childTnLst>
-                                </p:cTn>
-                              </p:par>
-                              <p:par>
-                                <p:cTn id="49" presetID="26" presetClass="emph" presetSubtype="0" repeatCount="5000" fill="hold" grpId="1" nodeType="withEffect">
-                                  <p:stCondLst>
-                                    <p:cond delay="0"/>
-                                  </p:stCondLst>
-                                  <p:childTnLst>
-                                    <p:animEffect transition="out" filter="fade">
-                                      <p:cBhvr>
-                                        <p:cTn id="50" dur="1000" tmFilter="0, 0; .2, .5; .8, .5; 1, 0"/>
-                                        <p:tgtEl>
-                                          <p:spTgt spid="16"/>
-                                        </p:tgtEl>
-                                      </p:cBhvr>
-                                    </p:animEffect>
-                                    <p:animScale>
-                                      <p:cBhvr>
-                                        <p:cTn id="51" dur="500" autoRev="1" fill="hold"/>
-                                        <p:tgtEl>
-                                          <p:spTgt spid="16"/>
-                                        </p:tgtEl>
-                                      </p:cBhvr>
-                                      <p:by x="105000" y="105000"/>
-                                    </p:animScale>
-                                  </p:childTnLst>
-                                </p:cTn>
-                              </p:par>
-                            </p:childTnLst>
-                          </p:cTn>
-                        </p:par>
-                      </p:childTnLst>
-                    </p:cTn>
-                  </p:par>
-                  <p:par>
-                    <p:cTn id="52" fill="hold">
-                      <p:stCondLst>
-                        <p:cond delay="indefinite"/>
-                      </p:stCondLst>
-                      <p:childTnLst>
-                        <p:par>
-                          <p:cTn id="53" fill="hold">
-                            <p:stCondLst>
-                              <p:cond delay="0"/>
-                            </p:stCondLst>
-                            <p:childTnLst>
-                              <p:par>
-                                <p:cTn id="54" presetID="47" presetClass="entr" presetSubtype="0" fill="hold" grpId="0" nodeType="clickEffect">
-                                  <p:stCondLst>
-                                    <p:cond delay="0"/>
-                                  </p:stCondLst>
-                                  <p:childTnLst>
-                                    <p:set>
-                                      <p:cBhvr>
-                                        <p:cTn id="55" dur="1" fill="hold">
-                                          <p:stCondLst>
-                                            <p:cond delay="0"/>
-                                          </p:stCondLst>
-                                        </p:cTn>
-                                        <p:tgtEl>
-                                          <p:spTgt spid="18"/>
-                                        </p:tgtEl>
-                                        <p:attrNameLst>
-                                          <p:attrName>style.visibility</p:attrName>
-                                        </p:attrNameLst>
-                                      </p:cBhvr>
-                                      <p:to>
-                                        <p:strVal val="visible"/>
-                                      </p:to>
-                                    </p:set>
-                                    <p:animEffect transition="in" filter="fade">
-                                      <p:cBhvr>
-                                        <p:cTn id="56" dur="500"/>
-                                        <p:tgtEl>
-                                          <p:spTgt spid="18"/>
-                                        </p:tgtEl>
-                                      </p:cBhvr>
-                                    </p:animEffect>
-                                    <p:anim calcmode="lin" valueType="num">
-                                      <p:cBhvr>
-                                        <p:cTn id="57" dur="500" fill="hold"/>
-                                        <p:tgtEl>
-                                          <p:spTgt spid="18"/>
-                                        </p:tgtEl>
-                                        <p:attrNameLst>
-                                          <p:attrName>ppt_x</p:attrName>
-                                        </p:attrNameLst>
-                                      </p:cBhvr>
-                                      <p:tavLst>
-                                        <p:tav tm="0">
-                                          <p:val>
-                                            <p:strVal val="#ppt_x"/>
-                                          </p:val>
-                                        </p:tav>
-                                        <p:tav tm="100000">
-                                          <p:val>
-                                            <p:strVal val="#ppt_x"/>
-                                          </p:val>
-                                        </p:tav>
-                                      </p:tavLst>
-                                    </p:anim>
-                                    <p:anim calcmode="lin" valueType="num">
-                                      <p:cBhvr>
-                                        <p:cTn id="58" dur="500" fill="hold"/>
-                                        <p:tgtEl>
-                                          <p:spTgt spid="18"/>
-                                        </p:tgtEl>
-                                        <p:attrNameLst>
-                                          <p:attrName>ppt_y</p:attrName>
-                                        </p:attrNameLst>
-                                      </p:cBhvr>
-                                      <p:tavLst>
-                                        <p:tav tm="0">
-                                          <p:val>
-                                            <p:strVal val="#ppt_y-.1"/>
-                                          </p:val>
-                                        </p:tav>
-                                        <p:tav tm="100000">
-                                          <p:val>
-                                            <p:strVal val="#ppt_y"/>
-                                          </p:val>
-                                        </p:tav>
-                                      </p:tavLst>
-                                    </p:anim>
-                                  </p:childTnLst>
-                                </p:cTn>
-                              </p:par>
-                              <p:par>
-                                <p:cTn id="59" presetID="26" presetClass="emph" presetSubtype="0" repeatCount="5000" fill="hold" grpId="1" nodeType="withEffect">
-                                  <p:stCondLst>
-                                    <p:cond delay="0"/>
-                                  </p:stCondLst>
-                                  <p:childTnLst>
-                                    <p:animEffect transition="out" filter="fade">
-                                      <p:cBhvr>
-                                        <p:cTn id="60" dur="1000" tmFilter="0, 0; .2, .5; .8, .5; 1, 0"/>
-                                        <p:tgtEl>
-                                          <p:spTgt spid="18"/>
-                                        </p:tgtEl>
-                                      </p:cBhvr>
-                                    </p:animEffect>
-                                    <p:animScale>
-                                      <p:cBhvr>
-                                        <p:cTn id="61" dur="500" autoRev="1" fill="hold"/>
-                                        <p:tgtEl>
-                                          <p:spTgt spid="18"/>
-                                        </p:tgtEl>
-                                      </p:cBhvr>
-                                      <p:by x="105000" y="105000"/>
-                                    </p:animScale>
-                                  </p:childTnLst>
-                                </p:cTn>
-                              </p:par>
-                            </p:childTnLst>
-                          </p:cTn>
-                        </p:par>
-                      </p:childTnLst>
-                    </p:cTn>
-                  </p:par>
-                  <p:par>
-                    <p:cTn id="62" fill="hold">
-                      <p:stCondLst>
-                        <p:cond delay="indefinite"/>
-                      </p:stCondLst>
-                      <p:childTnLst>
-                        <p:par>
-                          <p:cTn id="63" fill="hold">
-                            <p:stCondLst>
-                              <p:cond delay="0"/>
-                            </p:stCondLst>
-                            <p:childTnLst>
-                              <p:par>
-                                <p:cTn id="64" presetID="47" presetClass="entr" presetSubtype="0" fill="hold" grpId="0" nodeType="clickEffect">
-                                  <p:stCondLst>
-                                    <p:cond delay="0"/>
-                                  </p:stCondLst>
-                                  <p:childTnLst>
-                                    <p:set>
-                                      <p:cBhvr>
-                                        <p:cTn id="65" dur="1" fill="hold">
-                                          <p:stCondLst>
-                                            <p:cond delay="0"/>
-                                          </p:stCondLst>
-                                        </p:cTn>
-                                        <p:tgtEl>
-                                          <p:spTgt spid="20"/>
-                                        </p:tgtEl>
-                                        <p:attrNameLst>
-                                          <p:attrName>style.visibility</p:attrName>
-                                        </p:attrNameLst>
-                                      </p:cBhvr>
-                                      <p:to>
-                                        <p:strVal val="visible"/>
-                                      </p:to>
-                                    </p:set>
-                                    <p:animEffect transition="in" filter="fade">
-                                      <p:cBhvr>
-                                        <p:cTn id="66" dur="500"/>
-                                        <p:tgtEl>
-                                          <p:spTgt spid="20"/>
-                                        </p:tgtEl>
-                                      </p:cBhvr>
-                                    </p:animEffect>
-                                    <p:anim calcmode="lin" valueType="num">
-                                      <p:cBhvr>
-                                        <p:cTn id="67" dur="500" fill="hold"/>
-                                        <p:tgtEl>
-                                          <p:spTgt spid="20"/>
-                                        </p:tgtEl>
-                                        <p:attrNameLst>
-                                          <p:attrName>ppt_x</p:attrName>
-                                        </p:attrNameLst>
-                                      </p:cBhvr>
-                                      <p:tavLst>
-                                        <p:tav tm="0">
-                                          <p:val>
-                                            <p:strVal val="#ppt_x"/>
-                                          </p:val>
-                                        </p:tav>
-                                        <p:tav tm="100000">
-                                          <p:val>
-                                            <p:strVal val="#ppt_x"/>
-                                          </p:val>
-                                        </p:tav>
-                                      </p:tavLst>
-                                    </p:anim>
-                                    <p:anim calcmode="lin" valueType="num">
-                                      <p:cBhvr>
-                                        <p:cTn id="68" dur="500" fill="hold"/>
-                                        <p:tgtEl>
-                                          <p:spTgt spid="20"/>
-                                        </p:tgtEl>
-                                        <p:attrNameLst>
-                                          <p:attrName>ppt_y</p:attrName>
-                                        </p:attrNameLst>
-                                      </p:cBhvr>
-                                      <p:tavLst>
-                                        <p:tav tm="0">
-                                          <p:val>
-                                            <p:strVal val="#ppt_y-.1"/>
-                                          </p:val>
-                                        </p:tav>
-                                        <p:tav tm="100000">
-                                          <p:val>
-                                            <p:strVal val="#ppt_y"/>
-                                          </p:val>
-                                        </p:tav>
-                                      </p:tavLst>
-                                    </p:anim>
-                                  </p:childTnLst>
-                                </p:cTn>
-                              </p:par>
-                              <p:par>
-                                <p:cTn id="69" presetID="26" presetClass="emph" presetSubtype="0" repeatCount="5000" fill="hold" grpId="1" nodeType="withEffect">
-                                  <p:stCondLst>
-                                    <p:cond delay="0"/>
-                                  </p:stCondLst>
-                                  <p:childTnLst>
-                                    <p:animEffect transition="out" filter="fade">
-                                      <p:cBhvr>
-                                        <p:cTn id="70" dur="1000" tmFilter="0, 0; .2, .5; .8, .5; 1, 0"/>
-                                        <p:tgtEl>
-                                          <p:spTgt spid="20"/>
-                                        </p:tgtEl>
-                                      </p:cBhvr>
-                                    </p:animEffect>
-                                    <p:animScale>
-                                      <p:cBhvr>
-                                        <p:cTn id="71" dur="500" autoRev="1" fill="hold"/>
-                                        <p:tgtEl>
-                                          <p:spTgt spid="20"/>
-                                        </p:tgtEl>
-                                      </p:cBhvr>
-                                      <p:by x="105000" y="105000"/>
-                                    </p:animScale>
-                                  </p:childTnLst>
-                                </p:cTn>
-                              </p:par>
-                            </p:childTnLst>
-                          </p:cTn>
-                        </p:par>
-                      </p:childTnLst>
-                    </p:cTn>
-                  </p:par>
-                </p:childTnLst>
-              </p:cTn>
-              <p:prevCondLst>
-                <p:cond evt="onPrev" delay="0">
-                  <p:tgtEl>
-                    <p:sldTgt/>
-                  </p:tgtEl>
-                </p:cond>
-              </p:prevCondLst>
-              <p:nextCondLst>
-                <p:cond evt="onNext" delay="0">
-                  <p:tgtEl>
-                    <p:sldTgt/>
-                  </p:tgtEl>
-                </p:cond>
-              </p:nextCondLst>
-            </p:seq>
-          </p:childTnLst>
-        </p:cTn>
-      </p:par>
-    </p:tnLst>
-    <p:bldLst>
-      <p:bldP spid="31" grpId="0" animBg="1"/>
-      <p:bldP spid="32" grpId="0" animBg="1"/>
-      <p:bldP spid="35" grpId="0" animBg="1"/>
-      <p:bldP spid="35" grpId="1" animBg="1"/>
-      <p:bldP spid="21" grpId="0" animBg="1"/>
-      <p:bldP spid="21" grpId="1" animBg="1"/>
-      <p:bldP spid="15" grpId="0" animBg="1"/>
-      <p:bldP spid="16" grpId="0" animBg="1"/>
-      <p:bldP spid="16" grpId="1" animBg="1"/>
-      <p:bldP spid="18" grpId="0" animBg="1"/>
-      <p:bldP spid="18" grpId="1" animBg="1"/>
-      <p:bldP spid="20" grpId="0" animBg="1"/>
-      <p:bldP spid="20" grpId="1" animBg="1"/>
-    </p:bldLst>
-  </p:timing>
 </p:sld>
 </file>
 
@@ -9873,7 +9321,11 @@
             <a:graphicFrameLocks noGrp="1"/>
           </p:cNvGraphicFramePr>
           <p:nvPr>
-            <p:extLst/>
+            <p:extLst>
+              <p:ext uri="{D42A27DB-BD31-4B8C-83A1-F6EECF244321}">
+                <p14:modId xmlns:p14="http://schemas.microsoft.com/office/powerpoint/2010/main" val="3822763792"/>
+              </p:ext>
+            </p:extLst>
           </p:nvPr>
         </p:nvGraphicFramePr>
         <p:xfrm>
@@ -11571,8 +11023,45 @@
           <a:p>
             <a:r>
               <a:rPr lang="de-DE" noProof="0" dirty="0"/>
-              <a:t>Motivation Datenintegration</a:t>
-            </a:r>
+              <a:t>Methoden</a:t>
+            </a:r>
+          </a:p>
+        </p:txBody>
+      </p:sp>
+      <p:sp>
+        <p:nvSpPr>
+          <p:cNvPr id="4" name="Inhaltsplatzhalter 2">
+            <a:extLst>
+              <a:ext uri="{FF2B5EF4-FFF2-40B4-BE49-F238E27FC236}">
+                <a16:creationId xmlns:a16="http://schemas.microsoft.com/office/drawing/2014/main" id="{81261856-6ECA-624B-9BFE-427126654D3A}"/>
+              </a:ext>
+            </a:extLst>
+          </p:cNvPr>
+          <p:cNvSpPr>
+            <a:spLocks noGrp="1"/>
+          </p:cNvSpPr>
+          <p:nvPr>
+            <p:ph idx="1"/>
+          </p:nvPr>
+        </p:nvSpPr>
+        <p:spPr>
+          <a:xfrm>
+            <a:off x="180000" y="918993"/>
+            <a:ext cx="3955582" cy="432000"/>
+          </a:xfrm>
+        </p:spPr>
+        <p:txBody>
+          <a:bodyPr/>
+          <a:lstStyle/>
+          <a:p>
+            <a:pPr marL="81000" indent="0">
+              <a:buNone/>
+            </a:pPr>
+            <a:r>
+              <a:rPr lang="de-DE" altLang="ko-KR" dirty="0"/>
+              <a:t>Verwandte Arbeiten</a:t>
+            </a:r>
+            <a:endParaRPr lang="de-DE" dirty="0"/>
           </a:p>
         </p:txBody>
       </p:sp>
@@ -11675,25 +11164,65 @@
             <p:ph type="title"/>
           </p:nvPr>
         </p:nvSpPr>
-        <p:spPr/>
+        <p:spPr>
+          <a:xfrm>
+            <a:off x="180000" y="254870"/>
+            <a:ext cx="5025845" cy="432000"/>
+          </a:xfrm>
+        </p:spPr>
         <p:txBody>
           <a:bodyPr/>
           <a:lstStyle/>
           <a:p>
             <a:r>
               <a:rPr kumimoji="1" lang="de-DE" altLang="ko-KR" dirty="0"/>
-              <a:t>Datensätze, SMAPE, Versuchsaufbau</a:t>
+              <a:t>Ergebnisse &amp; Diskussion</a:t>
             </a:r>
             <a:endParaRPr kumimoji="1" lang="ko-KR" altLang="en-US" dirty="0"/>
           </a:p>
         </p:txBody>
       </p:sp>
+      <p:pic>
+        <p:nvPicPr>
+          <p:cNvPr id="9" name="내용 개체 틀 8">
+            <a:extLst>
+              <a:ext uri="{FF2B5EF4-FFF2-40B4-BE49-F238E27FC236}">
+                <a16:creationId xmlns:a16="http://schemas.microsoft.com/office/drawing/2014/main" id="{4B5DD013-5D46-E042-AA8B-61CE1015753C}"/>
+              </a:ext>
+            </a:extLst>
+          </p:cNvPr>
+          <p:cNvPicPr>
+            <a:picLocks noGrp="1" noChangeAspect="1"/>
+          </p:cNvPicPr>
+          <p:nvPr>
+            <p:ph idx="10"/>
+          </p:nvPr>
+        </p:nvPicPr>
+        <p:blipFill>
+          <a:blip r:embed="rId3">
+            <a:extLst>
+              <a:ext uri="{28A0092B-C50C-407E-A947-70E740481C1C}">
+                <a14:useLocalDpi xmlns:a14="http://schemas.microsoft.com/office/drawing/2010/main" val="0"/>
+              </a:ext>
+            </a:extLst>
+          </a:blip>
+          <a:stretch>
+            <a:fillRect/>
+          </a:stretch>
+        </p:blipFill>
+        <p:spPr>
+          <a:xfrm>
+            <a:off x="654433" y="2571750"/>
+            <a:ext cx="7835134" cy="2024337"/>
+          </a:xfrm>
+        </p:spPr>
+      </p:pic>
       <p:sp>
         <p:nvSpPr>
-          <p:cNvPr id="3" name="내용 개체 틀 2">
+          <p:cNvPr id="7" name="Inhaltsplatzhalter 2">
             <a:extLst>
               <a:ext uri="{FF2B5EF4-FFF2-40B4-BE49-F238E27FC236}">
-                <a16:creationId xmlns:a16="http://schemas.microsoft.com/office/drawing/2014/main" id="{F3D92A80-5BD6-B644-B476-94898CE6A89B}"/>
+                <a16:creationId xmlns:a16="http://schemas.microsoft.com/office/drawing/2014/main" id="{45CEE1B6-942B-BA43-B790-2BD347069E9E}"/>
               </a:ext>
             </a:extLst>
           </p:cNvPr>
@@ -11704,57 +11233,109 @@
             <p:ph idx="1"/>
           </p:nvPr>
         </p:nvSpPr>
-        <p:spPr/>
+        <p:spPr>
+          <a:xfrm>
+            <a:off x="418993" y="918993"/>
+            <a:ext cx="3238609" cy="1652757"/>
+          </a:xfrm>
+        </p:spPr>
         <p:txBody>
           <a:bodyPr/>
           <a:lstStyle/>
           <a:p>
-            <a:r>
-              <a:rPr kumimoji="1" lang="de-DE" altLang="ko-KR" dirty="0"/>
-              <a:t>Wie </a:t>
-            </a:r>
-            <a:r>
-              <a:rPr kumimoji="1" lang="de-DE" altLang="ko-KR" dirty="0" err="1"/>
-              <a:t>experimente</a:t>
-            </a:r>
-            <a:r>
-              <a:rPr kumimoji="1" lang="de-DE" altLang="ko-KR" dirty="0"/>
-              <a:t> ausgeführt</a:t>
-            </a:r>
-          </a:p>
-          <a:p>
-            <a:pPr marL="0" indent="0">
+            <a:pPr marL="81000" indent="0">
               <a:buNone/>
             </a:pPr>
-            <a:endParaRPr kumimoji="1" lang="ko-KR" altLang="en-US" dirty="0"/>
+            <a:r>
+              <a:rPr lang="de-DE" altLang="ko-KR" dirty="0"/>
+              <a:t>Datensätze</a:t>
+            </a:r>
+            <a:endParaRPr lang="de-DE" altLang="ko-KR" b="0" dirty="0">
+              <a:solidFill>
+                <a:schemeClr val="tx1"/>
+              </a:solidFill>
+            </a:endParaRPr>
+          </a:p>
+          <a:p>
+            <a:pPr marL="366750" indent="-285750">
+              <a:buFont typeface="Arial" panose="020B0604020202020204" pitchFamily="34" charset="0"/>
+              <a:buChar char="•"/>
+            </a:pPr>
+            <a:r>
+              <a:rPr lang="de-DE" altLang="ko-KR" b="0" dirty="0">
+                <a:solidFill>
+                  <a:schemeClr val="tx1"/>
+                </a:solidFill>
+              </a:rPr>
+              <a:t>DEUS-Projekt</a:t>
+            </a:r>
+          </a:p>
+          <a:p>
+            <a:pPr marL="366750" indent="-285750">
+              <a:buFont typeface="Arial" panose="020B0604020202020204" pitchFamily="34" charset="0"/>
+              <a:buChar char="•"/>
+            </a:pPr>
+            <a:r>
+              <a:rPr lang="de-DE" altLang="ko-KR" b="0" dirty="0">
+                <a:solidFill>
+                  <a:schemeClr val="tx1"/>
+                </a:solidFill>
+              </a:rPr>
+              <a:t>Allgemeine Information</a:t>
+            </a:r>
+          </a:p>
+          <a:p>
+            <a:pPr marL="366750" indent="-285750">
+              <a:buFont typeface="Arial" panose="020B0604020202020204" pitchFamily="34" charset="0"/>
+              <a:buChar char="•"/>
+            </a:pPr>
+            <a:r>
+              <a:rPr lang="de-DE" altLang="ko-KR" b="0" dirty="0">
+                <a:solidFill>
+                  <a:schemeClr val="tx1"/>
+                </a:solidFill>
+              </a:rPr>
+              <a:t>Korrelation</a:t>
+            </a:r>
           </a:p>
         </p:txBody>
       </p:sp>
-      <p:sp>
-        <p:nvSpPr>
-          <p:cNvPr id="4" name="내용 개체 틀 3">
+      <p:pic>
+        <p:nvPicPr>
+          <p:cNvPr id="11" name="그림 10">
             <a:extLst>
               <a:ext uri="{FF2B5EF4-FFF2-40B4-BE49-F238E27FC236}">
-                <a16:creationId xmlns:a16="http://schemas.microsoft.com/office/drawing/2014/main" id="{9BD66387-8CDC-3B43-B179-FBED18DC0EC9}"/>
+                <a16:creationId xmlns:a16="http://schemas.microsoft.com/office/drawing/2014/main" id="{4EFBFAA6-9833-0745-BC70-B1677A5BFC1E}"/>
               </a:ext>
             </a:extLst>
           </p:cNvPr>
-          <p:cNvSpPr>
-            <a:spLocks noGrp="1"/>
-          </p:cNvSpPr>
-          <p:nvPr>
-            <p:ph idx="10"/>
-          </p:nvPr>
-        </p:nvSpPr>
-        <p:spPr/>
-        <p:txBody>
-          <a:bodyPr/>
-          <a:lstStyle/>
-          <a:p>
-            <a:endParaRPr kumimoji="1" lang="ko-KR" altLang="en-US"/>
-          </a:p>
-        </p:txBody>
-      </p:sp>
+          <p:cNvPicPr>
+            <a:picLocks noChangeAspect="1"/>
+          </p:cNvPicPr>
+          <p:nvPr/>
+        </p:nvPicPr>
+        <p:blipFill>
+          <a:blip r:embed="rId4">
+            <a:extLst>
+              <a:ext uri="{28A0092B-C50C-407E-A947-70E740481C1C}">
+                <a14:useLocalDpi xmlns:a14="http://schemas.microsoft.com/office/drawing/2010/main" val="0"/>
+              </a:ext>
+            </a:extLst>
+          </a:blip>
+          <a:stretch>
+            <a:fillRect/>
+          </a:stretch>
+        </p:blipFill>
+        <p:spPr>
+          <a:xfrm>
+            <a:off x="3733621" y="1071393"/>
+            <a:ext cx="4808859" cy="1476579"/>
+          </a:xfrm>
+          <a:prstGeom prst="rect">
+            <a:avLst/>
+          </a:prstGeom>
+        </p:spPr>
+      </p:pic>
     </p:spTree>
     <p:extLst>
       <p:ext uri="{BB962C8B-B14F-4D97-AF65-F5344CB8AC3E}">
@@ -11769,6 +11350,1493 @@
 </file>
 
 <file path=ppt/slides/slide14.xml><?xml version="1.0" encoding="utf-8"?>
+<p:sld xmlns:a="http://schemas.openxmlformats.org/drawingml/2006/main" xmlns:r="http://schemas.openxmlformats.org/officeDocument/2006/relationships" xmlns:p="http://schemas.openxmlformats.org/presentationml/2006/main">
+  <p:cSld>
+    <p:spTree>
+      <p:nvGrpSpPr>
+        <p:cNvPr id="1" name=""/>
+        <p:cNvGrpSpPr/>
+        <p:nvPr/>
+      </p:nvGrpSpPr>
+      <p:grpSpPr>
+        <a:xfrm>
+          <a:off x="0" y="0"/>
+          <a:ext cx="0" cy="0"/>
+          <a:chOff x="0" y="0"/>
+          <a:chExt cx="0" cy="0"/>
+        </a:xfrm>
+      </p:grpSpPr>
+      <p:sp>
+        <p:nvSpPr>
+          <p:cNvPr id="2" name="제목 1">
+            <a:extLst>
+              <a:ext uri="{FF2B5EF4-FFF2-40B4-BE49-F238E27FC236}">
+                <a16:creationId xmlns:a16="http://schemas.microsoft.com/office/drawing/2014/main" id="{CE1F9983-1712-7F42-958F-B6C7C10FCF2A}"/>
+              </a:ext>
+            </a:extLst>
+          </p:cNvPr>
+          <p:cNvSpPr>
+            <a:spLocks noGrp="1"/>
+          </p:cNvSpPr>
+          <p:nvPr>
+            <p:ph type="title"/>
+          </p:nvPr>
+        </p:nvSpPr>
+        <p:spPr>
+          <a:xfrm>
+            <a:off x="180000" y="254870"/>
+            <a:ext cx="5025845" cy="432000"/>
+          </a:xfrm>
+        </p:spPr>
+        <p:txBody>
+          <a:bodyPr/>
+          <a:lstStyle/>
+          <a:p>
+            <a:r>
+              <a:rPr kumimoji="1" lang="de-DE" altLang="ko-KR" dirty="0"/>
+              <a:t>Ergebnisse &amp; Diskussion</a:t>
+            </a:r>
+            <a:endParaRPr kumimoji="1" lang="ko-KR" altLang="en-US" dirty="0"/>
+          </a:p>
+        </p:txBody>
+      </p:sp>
+      <p:pic>
+        <p:nvPicPr>
+          <p:cNvPr id="9" name="내용 개체 틀 8">
+            <a:extLst>
+              <a:ext uri="{FF2B5EF4-FFF2-40B4-BE49-F238E27FC236}">
+                <a16:creationId xmlns:a16="http://schemas.microsoft.com/office/drawing/2014/main" id="{5CF17832-37E0-324B-8A96-54921AEC8775}"/>
+              </a:ext>
+            </a:extLst>
+          </p:cNvPr>
+          <p:cNvPicPr>
+            <a:picLocks noGrp="1" noChangeAspect="1"/>
+          </p:cNvPicPr>
+          <p:nvPr>
+            <p:ph idx="10"/>
+          </p:nvPr>
+        </p:nvPicPr>
+        <p:blipFill>
+          <a:blip r:embed="rId3">
+            <a:extLst>
+              <a:ext uri="{28A0092B-C50C-407E-A947-70E740481C1C}">
+                <a14:useLocalDpi xmlns:a14="http://schemas.microsoft.com/office/drawing/2010/main" val="0"/>
+              </a:ext>
+            </a:extLst>
+          </a:blip>
+          <a:stretch>
+            <a:fillRect/>
+          </a:stretch>
+        </p:blipFill>
+        <p:spPr>
+          <a:xfrm>
+            <a:off x="1673752" y="2571750"/>
+            <a:ext cx="5796495" cy="1323253"/>
+          </a:xfrm>
+        </p:spPr>
+      </p:pic>
+      <mc:AlternateContent xmlns:mc="http://schemas.openxmlformats.org/markup-compatibility/2006" xmlns:a14="http://schemas.microsoft.com/office/drawing/2010/main">
+        <mc:Choice Requires="a14">
+          <p:sp>
+            <p:nvSpPr>
+              <p:cNvPr id="8" name="Inhaltsplatzhalter 2">
+                <a:extLst>
+                  <a:ext uri="{FF2B5EF4-FFF2-40B4-BE49-F238E27FC236}">
+                    <a16:creationId xmlns:a16="http://schemas.microsoft.com/office/drawing/2014/main" id="{B9DC1E30-27BD-5F4F-9BB3-3FB5AF6A549A}"/>
+                  </a:ext>
+                </a:extLst>
+              </p:cNvPr>
+              <p:cNvSpPr txBox="1">
+                <a:spLocks/>
+              </p:cNvSpPr>
+              <p:nvPr/>
+            </p:nvSpPr>
+            <p:spPr>
+              <a:xfrm>
+                <a:off x="418993" y="918993"/>
+                <a:ext cx="5025845" cy="1652757"/>
+              </a:xfrm>
+              <a:prstGeom prst="rect">
+                <a:avLst/>
+              </a:prstGeom>
+              <a:ln>
+                <a:noFill/>
+              </a:ln>
+            </p:spPr>
+            <p:txBody>
+              <a:bodyPr lIns="0"/>
+              <a:lstStyle>
+                <a:lvl1pPr marL="88900" indent="-88900" algn="l" defTabSz="685800" rtl="0" eaLnBrk="1" latinLnBrk="1" hangingPunct="1">
+                  <a:lnSpc>
+                    <a:spcPts val="2200"/>
+                  </a:lnSpc>
+                  <a:spcBef>
+                    <a:spcPts val="750"/>
+                  </a:spcBef>
+                  <a:buFont typeface="Muli" panose="00000500000000000000" pitchFamily="2" charset="0"/>
+                  <a:buChar char=" "/>
+                  <a:defRPr sz="1500" b="1" i="0" kern="1200" cap="none" baseline="0">
+                    <a:solidFill>
+                      <a:srgbClr val="1F75BB"/>
+                    </a:solidFill>
+                    <a:latin typeface="Open Sans" panose="020B0606030504020204" pitchFamily="34" charset="0"/>
+                    <a:ea typeface="Open Sans" panose="020B0606030504020204" pitchFamily="34" charset="0"/>
+                    <a:cs typeface="Open Sans" panose="020B0606030504020204" pitchFamily="34" charset="0"/>
+                  </a:defRPr>
+                </a:lvl1pPr>
+                <a:lvl2pPr marL="447675" indent="-179388" algn="l" defTabSz="685800" rtl="0" eaLnBrk="1" latinLnBrk="1" hangingPunct="1">
+                  <a:lnSpc>
+                    <a:spcPct val="90000"/>
+                  </a:lnSpc>
+                  <a:spcBef>
+                    <a:spcPts val="375"/>
+                  </a:spcBef>
+                  <a:buFont typeface="Arial" panose="020B0604020202020204" pitchFamily="34" charset="0"/>
+                  <a:buChar char="▪"/>
+                  <a:defRPr sz="1300" kern="1200">
+                    <a:solidFill>
+                      <a:schemeClr val="tx1"/>
+                    </a:solidFill>
+                    <a:latin typeface="Open Sans" panose="020B0606030504020204" pitchFamily="34" charset="0"/>
+                    <a:ea typeface="Open Sans" panose="020B0606030504020204" pitchFamily="34" charset="0"/>
+                    <a:cs typeface="Open Sans" panose="020B0606030504020204" pitchFamily="34" charset="0"/>
+                  </a:defRPr>
+                </a:lvl2pPr>
+                <a:lvl3pPr marL="627063" indent="-179388" algn="l" defTabSz="685800" rtl="0" eaLnBrk="1" latinLnBrk="1" hangingPunct="1">
+                  <a:lnSpc>
+                    <a:spcPct val="90000"/>
+                  </a:lnSpc>
+                  <a:spcBef>
+                    <a:spcPts val="375"/>
+                  </a:spcBef>
+                  <a:buFont typeface="Muli" panose="00000500000000000000" pitchFamily="2" charset="0"/>
+                  <a:buChar char="-"/>
+                  <a:tabLst>
+                    <a:tab pos="4124325" algn="l"/>
+                  </a:tabLst>
+                  <a:defRPr sz="1200" kern="1200">
+                    <a:solidFill>
+                      <a:schemeClr val="tx1"/>
+                    </a:solidFill>
+                    <a:latin typeface="Open Sans" panose="020B0606030504020204" pitchFamily="34" charset="0"/>
+                    <a:ea typeface="Open Sans" panose="020B0606030504020204" pitchFamily="34" charset="0"/>
+                    <a:cs typeface="Open Sans" panose="020B0606030504020204" pitchFamily="34" charset="0"/>
+                  </a:defRPr>
+                </a:lvl3pPr>
+                <a:lvl4pPr marL="1200150" indent="-171450" algn="l" defTabSz="685800" rtl="0" eaLnBrk="1" latinLnBrk="1" hangingPunct="1">
+                  <a:lnSpc>
+                    <a:spcPct val="90000"/>
+                  </a:lnSpc>
+                  <a:spcBef>
+                    <a:spcPts val="375"/>
+                  </a:spcBef>
+                  <a:buFont typeface="Arial" panose="020B0604020202020204" pitchFamily="34" charset="0"/>
+                  <a:buChar char="•"/>
+                  <a:defRPr sz="1200" kern="1200">
+                    <a:solidFill>
+                      <a:schemeClr val="tx1"/>
+                    </a:solidFill>
+                    <a:latin typeface="+mj-lt"/>
+                    <a:ea typeface="+mn-ea"/>
+                    <a:cs typeface="+mn-cs"/>
+                  </a:defRPr>
+                </a:lvl4pPr>
+                <a:lvl5pPr marL="1543050" indent="-171450" algn="l" defTabSz="685800" rtl="0" eaLnBrk="1" latinLnBrk="1" hangingPunct="1">
+                  <a:lnSpc>
+                    <a:spcPct val="90000"/>
+                  </a:lnSpc>
+                  <a:spcBef>
+                    <a:spcPts val="375"/>
+                  </a:spcBef>
+                  <a:buFont typeface="Arial" panose="020B0604020202020204" pitchFamily="34" charset="0"/>
+                  <a:buChar char="•"/>
+                  <a:defRPr sz="1200" kern="1200">
+                    <a:solidFill>
+                      <a:schemeClr val="tx1"/>
+                    </a:solidFill>
+                    <a:latin typeface="+mj-lt"/>
+                    <a:ea typeface="+mn-ea"/>
+                    <a:cs typeface="+mn-cs"/>
+                  </a:defRPr>
+                </a:lvl5pPr>
+                <a:lvl6pPr marL="1885950" indent="-171450" algn="l" defTabSz="685800" rtl="0" eaLnBrk="1" latinLnBrk="1" hangingPunct="1">
+                  <a:lnSpc>
+                    <a:spcPct val="90000"/>
+                  </a:lnSpc>
+                  <a:spcBef>
+                    <a:spcPts val="375"/>
+                  </a:spcBef>
+                  <a:buFont typeface="Arial" panose="020B0604020202020204" pitchFamily="34" charset="0"/>
+                  <a:buChar char="•"/>
+                  <a:defRPr sz="1200" kern="1200">
+                    <a:solidFill>
+                      <a:schemeClr val="tx1"/>
+                    </a:solidFill>
+                    <a:latin typeface="+mn-lt"/>
+                    <a:ea typeface="+mn-ea"/>
+                    <a:cs typeface="+mn-cs"/>
+                  </a:defRPr>
+                </a:lvl6pPr>
+                <a:lvl7pPr marL="2228850" indent="-171450" algn="l" defTabSz="685800" rtl="0" eaLnBrk="1" latinLnBrk="1" hangingPunct="1">
+                  <a:lnSpc>
+                    <a:spcPct val="90000"/>
+                  </a:lnSpc>
+                  <a:spcBef>
+                    <a:spcPts val="375"/>
+                  </a:spcBef>
+                  <a:buFont typeface="Arial" panose="020B0604020202020204" pitchFamily="34" charset="0"/>
+                  <a:buChar char="•"/>
+                  <a:defRPr sz="1200" kern="1200">
+                    <a:solidFill>
+                      <a:schemeClr val="tx1"/>
+                    </a:solidFill>
+                    <a:latin typeface="+mn-lt"/>
+                    <a:ea typeface="+mn-ea"/>
+                    <a:cs typeface="+mn-cs"/>
+                  </a:defRPr>
+                </a:lvl7pPr>
+                <a:lvl8pPr marL="2571750" indent="-171450" algn="l" defTabSz="685800" rtl="0" eaLnBrk="1" latinLnBrk="1" hangingPunct="1">
+                  <a:lnSpc>
+                    <a:spcPct val="90000"/>
+                  </a:lnSpc>
+                  <a:spcBef>
+                    <a:spcPts val="375"/>
+                  </a:spcBef>
+                  <a:buFont typeface="Arial" panose="020B0604020202020204" pitchFamily="34" charset="0"/>
+                  <a:buChar char="•"/>
+                  <a:defRPr sz="1200" kern="1200">
+                    <a:solidFill>
+                      <a:schemeClr val="tx1"/>
+                    </a:solidFill>
+                    <a:latin typeface="+mn-lt"/>
+                    <a:ea typeface="+mn-ea"/>
+                    <a:cs typeface="+mn-cs"/>
+                  </a:defRPr>
+                </a:lvl8pPr>
+                <a:lvl9pPr marL="2914650" indent="-171450" algn="l" defTabSz="685800" rtl="0" eaLnBrk="1" latinLnBrk="1" hangingPunct="1">
+                  <a:lnSpc>
+                    <a:spcPct val="90000"/>
+                  </a:lnSpc>
+                  <a:spcBef>
+                    <a:spcPts val="375"/>
+                  </a:spcBef>
+                  <a:buFont typeface="Arial" panose="020B0604020202020204" pitchFamily="34" charset="0"/>
+                  <a:buChar char="•"/>
+                  <a:defRPr sz="1200" kern="1200">
+                    <a:solidFill>
+                      <a:schemeClr val="tx1"/>
+                    </a:solidFill>
+                    <a:latin typeface="+mn-lt"/>
+                    <a:ea typeface="+mn-ea"/>
+                    <a:cs typeface="+mn-cs"/>
+                  </a:defRPr>
+                </a:lvl9pPr>
+              </a:lstStyle>
+              <a:p>
+                <a:pPr marL="81000" indent="0">
+                  <a:buNone/>
+                </a:pPr>
+                <a:r>
+                  <a:rPr lang="en" altLang="ko-KR" dirty="0"/>
+                  <a:t>Symmetric Mean Absolute Percentage Error (SMAPE)</a:t>
+                </a:r>
+              </a:p>
+              <a:p>
+                <a:pPr marL="366750" indent="-285750">
+                  <a:buFont typeface="Arial" panose="020B0604020202020204" pitchFamily="34" charset="0"/>
+                  <a:buChar char="•"/>
+                </a:pPr>
+                <a14:m>
+                  <m:oMath xmlns:m="http://schemas.openxmlformats.org/officeDocument/2006/math">
+                    <m:sSub>
+                      <m:sSubPr>
+                        <m:ctrlPr>
+                          <a:rPr lang="en" altLang="ko-KR" b="0" i="1" smtClean="0">
+                            <a:solidFill>
+                              <a:schemeClr val="tx1"/>
+                            </a:solidFill>
+                            <a:latin typeface="Cambria Math" panose="02040503050406030204" pitchFamily="18" charset="0"/>
+                          </a:rPr>
+                        </m:ctrlPr>
+                      </m:sSubPr>
+                      <m:e>
+                        <m:acc>
+                          <m:accPr>
+                            <m:chr m:val="̂"/>
+                            <m:ctrlPr>
+                              <a:rPr lang="en" altLang="ko-KR" b="0" i="1">
+                                <a:solidFill>
+                                  <a:schemeClr val="tx1"/>
+                                </a:solidFill>
+                                <a:latin typeface="Cambria Math" panose="02040503050406030204" pitchFamily="18" charset="0"/>
+                              </a:rPr>
+                            </m:ctrlPr>
+                          </m:accPr>
+                          <m:e>
+                            <m:r>
+                              <a:rPr lang="de-DE" altLang="ko-KR" b="0" i="1">
+                                <a:solidFill>
+                                  <a:schemeClr val="tx1"/>
+                                </a:solidFill>
+                                <a:latin typeface="Cambria Math" panose="02040503050406030204" pitchFamily="18" charset="0"/>
+                              </a:rPr>
+                              <m:t>𝑦</m:t>
+                            </m:r>
+                          </m:e>
+                        </m:acc>
+                      </m:e>
+                      <m:sub>
+                        <m:r>
+                          <a:rPr lang="de-DE" altLang="ko-KR" b="0" i="1" smtClean="0">
+                            <a:solidFill>
+                              <a:schemeClr val="tx1"/>
+                            </a:solidFill>
+                            <a:latin typeface="Cambria Math" panose="02040503050406030204" pitchFamily="18" charset="0"/>
+                          </a:rPr>
+                          <m:t>𝑖</m:t>
+                        </m:r>
+                      </m:sub>
+                    </m:sSub>
+                  </m:oMath>
+                </a14:m>
+                <a:r>
+                  <a:rPr lang="en" altLang="ko-KR" b="0" dirty="0">
+                    <a:solidFill>
+                      <a:schemeClr val="tx1"/>
+                    </a:solidFill>
+                  </a:rPr>
+                  <a:t> </a:t>
+                </a:r>
+                <a:r>
+                  <a:rPr lang="en" altLang="ko-KR" b="0" dirty="0" err="1">
+                    <a:solidFill>
+                      <a:schemeClr val="tx1"/>
+                    </a:solidFill>
+                  </a:rPr>
+                  <a:t>ist</a:t>
+                </a:r>
+                <a:r>
+                  <a:rPr lang="en" altLang="ko-KR" b="0" dirty="0">
+                    <a:solidFill>
+                      <a:schemeClr val="tx1"/>
+                    </a:solidFill>
+                  </a:rPr>
+                  <a:t> der </a:t>
+                </a:r>
+                <a:r>
+                  <a:rPr lang="en" altLang="ko-KR" b="0" dirty="0" err="1">
+                    <a:solidFill>
+                      <a:schemeClr val="tx1"/>
+                    </a:solidFill>
+                  </a:rPr>
+                  <a:t>tatsächliche</a:t>
+                </a:r>
+                <a:r>
+                  <a:rPr lang="en" altLang="ko-KR" b="0" dirty="0">
+                    <a:solidFill>
+                      <a:schemeClr val="tx1"/>
+                    </a:solidFill>
+                  </a:rPr>
+                  <a:t> Wert</a:t>
+                </a:r>
+              </a:p>
+              <a:p>
+                <a:pPr marL="366750" indent="-285750">
+                  <a:buFont typeface="Arial" panose="020B0604020202020204" pitchFamily="34" charset="0"/>
+                  <a:buChar char="•"/>
+                </a:pPr>
+                <a14:m>
+                  <m:oMath xmlns:m="http://schemas.openxmlformats.org/officeDocument/2006/math">
+                    <m:sSub>
+                      <m:sSubPr>
+                        <m:ctrlPr>
+                          <a:rPr lang="en" altLang="ko-KR" b="0" i="1" smtClean="0">
+                            <a:solidFill>
+                              <a:schemeClr val="tx1"/>
+                            </a:solidFill>
+                            <a:latin typeface="Cambria Math" panose="02040503050406030204" pitchFamily="18" charset="0"/>
+                          </a:rPr>
+                        </m:ctrlPr>
+                      </m:sSubPr>
+                      <m:e>
+                        <m:r>
+                          <a:rPr lang="de-DE" altLang="ko-KR" b="0" i="1" smtClean="0">
+                            <a:solidFill>
+                              <a:schemeClr val="tx1"/>
+                            </a:solidFill>
+                            <a:latin typeface="Cambria Math" panose="02040503050406030204" pitchFamily="18" charset="0"/>
+                          </a:rPr>
+                          <m:t>𝑦</m:t>
+                        </m:r>
+                      </m:e>
+                      <m:sub>
+                        <m:r>
+                          <a:rPr lang="de-DE" altLang="ko-KR" b="0" i="1" smtClean="0">
+                            <a:solidFill>
+                              <a:schemeClr val="tx1"/>
+                            </a:solidFill>
+                            <a:latin typeface="Cambria Math" panose="02040503050406030204" pitchFamily="18" charset="0"/>
+                          </a:rPr>
+                          <m:t>𝑖</m:t>
+                        </m:r>
+                      </m:sub>
+                    </m:sSub>
+                  </m:oMath>
+                </a14:m>
+                <a:r>
+                  <a:rPr lang="en" altLang="ko-KR" b="0" dirty="0">
+                    <a:solidFill>
+                      <a:schemeClr val="tx1"/>
+                    </a:solidFill>
+                  </a:rPr>
+                  <a:t> </a:t>
+                </a:r>
+                <a:r>
+                  <a:rPr lang="en" altLang="ko-KR" b="0" dirty="0" err="1">
+                    <a:solidFill>
+                      <a:schemeClr val="tx1"/>
+                    </a:solidFill>
+                  </a:rPr>
+                  <a:t>ist</a:t>
+                </a:r>
+                <a:r>
+                  <a:rPr lang="en" altLang="ko-KR" b="0" dirty="0">
+                    <a:solidFill>
+                      <a:schemeClr val="tx1"/>
+                    </a:solidFill>
+                  </a:rPr>
+                  <a:t> der </a:t>
+                </a:r>
+                <a:r>
+                  <a:rPr lang="en" altLang="ko-KR" b="0" dirty="0" err="1">
+                    <a:solidFill>
+                      <a:schemeClr val="tx1"/>
+                    </a:solidFill>
+                  </a:rPr>
+                  <a:t>vorhergesagte</a:t>
+                </a:r>
+                <a:r>
+                  <a:rPr lang="en" altLang="ko-KR" b="0" dirty="0">
+                    <a:solidFill>
+                      <a:schemeClr val="tx1"/>
+                    </a:solidFill>
+                  </a:rPr>
+                  <a:t> Wert</a:t>
+                </a:r>
+              </a:p>
+            </p:txBody>
+          </p:sp>
+        </mc:Choice>
+        <mc:Fallback xmlns="">
+          <p:sp>
+            <p:nvSpPr>
+              <p:cNvPr id="8" name="Inhaltsplatzhalter 2">
+                <a:extLst>
+                  <a:ext uri="{FF2B5EF4-FFF2-40B4-BE49-F238E27FC236}">
+                    <a16:creationId xmlns:a16="http://schemas.microsoft.com/office/drawing/2014/main" id="{B9DC1E30-27BD-5F4F-9BB3-3FB5AF6A549A}"/>
+                  </a:ext>
+                </a:extLst>
+              </p:cNvPr>
+              <p:cNvSpPr txBox="1">
+                <a:spLocks noRot="1" noChangeAspect="1" noMove="1" noResize="1" noEditPoints="1" noAdjustHandles="1" noChangeArrowheads="1" noChangeShapeType="1" noTextEdit="1"/>
+              </p:cNvSpPr>
+              <p:nvPr/>
+            </p:nvSpPr>
+            <p:spPr>
+              <a:xfrm>
+                <a:off x="418993" y="918993"/>
+                <a:ext cx="5025845" cy="1652757"/>
+              </a:xfrm>
+              <a:prstGeom prst="rect">
+                <a:avLst/>
+              </a:prstGeom>
+              <a:blipFill>
+                <a:blip r:embed="rId4"/>
+                <a:stretch>
+                  <a:fillRect l="-504"/>
+                </a:stretch>
+              </a:blipFill>
+              <a:ln>
+                <a:noFill/>
+              </a:ln>
+            </p:spPr>
+            <p:txBody>
+              <a:bodyPr/>
+              <a:lstStyle/>
+              <a:p>
+                <a:r>
+                  <a:rPr lang="ko-KR" altLang="en-US">
+                    <a:noFill/>
+                  </a:rPr>
+                  <a:t> </a:t>
+                </a:r>
+              </a:p>
+            </p:txBody>
+          </p:sp>
+        </mc:Fallback>
+      </mc:AlternateContent>
+      <mc:AlternateContent xmlns:mc="http://schemas.openxmlformats.org/markup-compatibility/2006" xmlns:a14="http://schemas.microsoft.com/office/drawing/2010/main">
+        <mc:Choice Requires="a14">
+          <p:sp>
+            <p:nvSpPr>
+              <p:cNvPr id="10" name="Inhaltsplatzhalter 2">
+                <a:extLst>
+                  <a:ext uri="{FF2B5EF4-FFF2-40B4-BE49-F238E27FC236}">
+                    <a16:creationId xmlns:a16="http://schemas.microsoft.com/office/drawing/2014/main" id="{D56240FE-7C77-734A-AF03-DA7E86F1ECFE}"/>
+                  </a:ext>
+                </a:extLst>
+              </p:cNvPr>
+              <p:cNvSpPr txBox="1">
+                <a:spLocks/>
+              </p:cNvSpPr>
+              <p:nvPr/>
+            </p:nvSpPr>
+            <p:spPr>
+              <a:xfrm>
+                <a:off x="3532800" y="918993"/>
+                <a:ext cx="5025845" cy="1652757"/>
+              </a:xfrm>
+              <a:prstGeom prst="rect">
+                <a:avLst/>
+              </a:prstGeom>
+              <a:ln>
+                <a:noFill/>
+              </a:ln>
+            </p:spPr>
+            <p:txBody>
+              <a:bodyPr lIns="0"/>
+              <a:lstStyle>
+                <a:lvl1pPr marL="88900" indent="-88900" algn="l" defTabSz="685800" rtl="0" eaLnBrk="1" latinLnBrk="1" hangingPunct="1">
+                  <a:lnSpc>
+                    <a:spcPts val="2200"/>
+                  </a:lnSpc>
+                  <a:spcBef>
+                    <a:spcPts val="750"/>
+                  </a:spcBef>
+                  <a:buFont typeface="Muli" panose="00000500000000000000" pitchFamily="2" charset="0"/>
+                  <a:buChar char=" "/>
+                  <a:defRPr sz="1500" b="1" i="0" kern="1200" cap="none" baseline="0">
+                    <a:solidFill>
+                      <a:srgbClr val="1F75BB"/>
+                    </a:solidFill>
+                    <a:latin typeface="Open Sans" panose="020B0606030504020204" pitchFamily="34" charset="0"/>
+                    <a:ea typeface="Open Sans" panose="020B0606030504020204" pitchFamily="34" charset="0"/>
+                    <a:cs typeface="Open Sans" panose="020B0606030504020204" pitchFamily="34" charset="0"/>
+                  </a:defRPr>
+                </a:lvl1pPr>
+                <a:lvl2pPr marL="447675" indent="-179388" algn="l" defTabSz="685800" rtl="0" eaLnBrk="1" latinLnBrk="1" hangingPunct="1">
+                  <a:lnSpc>
+                    <a:spcPct val="90000"/>
+                  </a:lnSpc>
+                  <a:spcBef>
+                    <a:spcPts val="375"/>
+                  </a:spcBef>
+                  <a:buFont typeface="Arial" panose="020B0604020202020204" pitchFamily="34" charset="0"/>
+                  <a:buChar char="▪"/>
+                  <a:defRPr sz="1300" kern="1200">
+                    <a:solidFill>
+                      <a:schemeClr val="tx1"/>
+                    </a:solidFill>
+                    <a:latin typeface="Open Sans" panose="020B0606030504020204" pitchFamily="34" charset="0"/>
+                    <a:ea typeface="Open Sans" panose="020B0606030504020204" pitchFamily="34" charset="0"/>
+                    <a:cs typeface="Open Sans" panose="020B0606030504020204" pitchFamily="34" charset="0"/>
+                  </a:defRPr>
+                </a:lvl2pPr>
+                <a:lvl3pPr marL="627063" indent="-179388" algn="l" defTabSz="685800" rtl="0" eaLnBrk="1" latinLnBrk="1" hangingPunct="1">
+                  <a:lnSpc>
+                    <a:spcPct val="90000"/>
+                  </a:lnSpc>
+                  <a:spcBef>
+                    <a:spcPts val="375"/>
+                  </a:spcBef>
+                  <a:buFont typeface="Muli" panose="00000500000000000000" pitchFamily="2" charset="0"/>
+                  <a:buChar char="-"/>
+                  <a:tabLst>
+                    <a:tab pos="4124325" algn="l"/>
+                  </a:tabLst>
+                  <a:defRPr sz="1200" kern="1200">
+                    <a:solidFill>
+                      <a:schemeClr val="tx1"/>
+                    </a:solidFill>
+                    <a:latin typeface="Open Sans" panose="020B0606030504020204" pitchFamily="34" charset="0"/>
+                    <a:ea typeface="Open Sans" panose="020B0606030504020204" pitchFamily="34" charset="0"/>
+                    <a:cs typeface="Open Sans" panose="020B0606030504020204" pitchFamily="34" charset="0"/>
+                  </a:defRPr>
+                </a:lvl3pPr>
+                <a:lvl4pPr marL="1200150" indent="-171450" algn="l" defTabSz="685800" rtl="0" eaLnBrk="1" latinLnBrk="1" hangingPunct="1">
+                  <a:lnSpc>
+                    <a:spcPct val="90000"/>
+                  </a:lnSpc>
+                  <a:spcBef>
+                    <a:spcPts val="375"/>
+                  </a:spcBef>
+                  <a:buFont typeface="Arial" panose="020B0604020202020204" pitchFamily="34" charset="0"/>
+                  <a:buChar char="•"/>
+                  <a:defRPr sz="1200" kern="1200">
+                    <a:solidFill>
+                      <a:schemeClr val="tx1"/>
+                    </a:solidFill>
+                    <a:latin typeface="+mj-lt"/>
+                    <a:ea typeface="+mn-ea"/>
+                    <a:cs typeface="+mn-cs"/>
+                  </a:defRPr>
+                </a:lvl4pPr>
+                <a:lvl5pPr marL="1543050" indent="-171450" algn="l" defTabSz="685800" rtl="0" eaLnBrk="1" latinLnBrk="1" hangingPunct="1">
+                  <a:lnSpc>
+                    <a:spcPct val="90000"/>
+                  </a:lnSpc>
+                  <a:spcBef>
+                    <a:spcPts val="375"/>
+                  </a:spcBef>
+                  <a:buFont typeface="Arial" panose="020B0604020202020204" pitchFamily="34" charset="0"/>
+                  <a:buChar char="•"/>
+                  <a:defRPr sz="1200" kern="1200">
+                    <a:solidFill>
+                      <a:schemeClr val="tx1"/>
+                    </a:solidFill>
+                    <a:latin typeface="+mj-lt"/>
+                    <a:ea typeface="+mn-ea"/>
+                    <a:cs typeface="+mn-cs"/>
+                  </a:defRPr>
+                </a:lvl5pPr>
+                <a:lvl6pPr marL="1885950" indent="-171450" algn="l" defTabSz="685800" rtl="0" eaLnBrk="1" latinLnBrk="1" hangingPunct="1">
+                  <a:lnSpc>
+                    <a:spcPct val="90000"/>
+                  </a:lnSpc>
+                  <a:spcBef>
+                    <a:spcPts val="375"/>
+                  </a:spcBef>
+                  <a:buFont typeface="Arial" panose="020B0604020202020204" pitchFamily="34" charset="0"/>
+                  <a:buChar char="•"/>
+                  <a:defRPr sz="1200" kern="1200">
+                    <a:solidFill>
+                      <a:schemeClr val="tx1"/>
+                    </a:solidFill>
+                    <a:latin typeface="+mn-lt"/>
+                    <a:ea typeface="+mn-ea"/>
+                    <a:cs typeface="+mn-cs"/>
+                  </a:defRPr>
+                </a:lvl6pPr>
+                <a:lvl7pPr marL="2228850" indent="-171450" algn="l" defTabSz="685800" rtl="0" eaLnBrk="1" latinLnBrk="1" hangingPunct="1">
+                  <a:lnSpc>
+                    <a:spcPct val="90000"/>
+                  </a:lnSpc>
+                  <a:spcBef>
+                    <a:spcPts val="375"/>
+                  </a:spcBef>
+                  <a:buFont typeface="Arial" panose="020B0604020202020204" pitchFamily="34" charset="0"/>
+                  <a:buChar char="•"/>
+                  <a:defRPr sz="1200" kern="1200">
+                    <a:solidFill>
+                      <a:schemeClr val="tx1"/>
+                    </a:solidFill>
+                    <a:latin typeface="+mn-lt"/>
+                    <a:ea typeface="+mn-ea"/>
+                    <a:cs typeface="+mn-cs"/>
+                  </a:defRPr>
+                </a:lvl7pPr>
+                <a:lvl8pPr marL="2571750" indent="-171450" algn="l" defTabSz="685800" rtl="0" eaLnBrk="1" latinLnBrk="1" hangingPunct="1">
+                  <a:lnSpc>
+                    <a:spcPct val="90000"/>
+                  </a:lnSpc>
+                  <a:spcBef>
+                    <a:spcPts val="375"/>
+                  </a:spcBef>
+                  <a:buFont typeface="Arial" panose="020B0604020202020204" pitchFamily="34" charset="0"/>
+                  <a:buChar char="•"/>
+                  <a:defRPr sz="1200" kern="1200">
+                    <a:solidFill>
+                      <a:schemeClr val="tx1"/>
+                    </a:solidFill>
+                    <a:latin typeface="+mn-lt"/>
+                    <a:ea typeface="+mn-ea"/>
+                    <a:cs typeface="+mn-cs"/>
+                  </a:defRPr>
+                </a:lvl8pPr>
+                <a:lvl9pPr marL="2914650" indent="-171450" algn="l" defTabSz="685800" rtl="0" eaLnBrk="1" latinLnBrk="1" hangingPunct="1">
+                  <a:lnSpc>
+                    <a:spcPct val="90000"/>
+                  </a:lnSpc>
+                  <a:spcBef>
+                    <a:spcPts val="375"/>
+                  </a:spcBef>
+                  <a:buFont typeface="Arial" panose="020B0604020202020204" pitchFamily="34" charset="0"/>
+                  <a:buChar char="•"/>
+                  <a:defRPr sz="1200" kern="1200">
+                    <a:solidFill>
+                      <a:schemeClr val="tx1"/>
+                    </a:solidFill>
+                    <a:latin typeface="+mn-lt"/>
+                    <a:ea typeface="+mn-ea"/>
+                    <a:cs typeface="+mn-cs"/>
+                  </a:defRPr>
+                </a:lvl9pPr>
+              </a:lstStyle>
+              <a:p>
+                <a:pPr marL="366750" indent="-285750">
+                  <a:buFont typeface="Arial" panose="020B0604020202020204" pitchFamily="34" charset="0"/>
+                  <a:buChar char="•"/>
+                </a:pPr>
+                <a:endParaRPr lang="de-DE" altLang="ko-KR" b="0" i="1" dirty="0">
+                  <a:solidFill>
+                    <a:schemeClr val="tx1"/>
+                  </a:solidFill>
+                  <a:latin typeface="Cambria Math" panose="02040503050406030204" pitchFamily="18" charset="0"/>
+                </a:endParaRPr>
+              </a:p>
+              <a:p>
+                <a:pPr marL="366750" indent="-285750">
+                  <a:buFont typeface="Arial" panose="020B0604020202020204" pitchFamily="34" charset="0"/>
+                  <a:buChar char="•"/>
+                </a:pPr>
+                <a14:m>
+                  <m:oMath xmlns:m="http://schemas.openxmlformats.org/officeDocument/2006/math">
+                    <m:r>
+                      <a:rPr lang="de-DE" altLang="ko-KR" b="0" i="1" smtClean="0">
+                        <a:solidFill>
+                          <a:schemeClr val="tx1"/>
+                        </a:solidFill>
+                        <a:latin typeface="Cambria Math" panose="02040503050406030204" pitchFamily="18" charset="0"/>
+                      </a:rPr>
+                      <m:t>𝑛</m:t>
+                    </m:r>
+                  </m:oMath>
+                </a14:m>
+                <a:r>
+                  <a:rPr lang="en" altLang="ko-KR" b="0" dirty="0">
+                    <a:solidFill>
+                      <a:schemeClr val="tx1"/>
+                    </a:solidFill>
+                  </a:rPr>
+                  <a:t>  ist die </a:t>
+                </a:r>
+                <a:r>
+                  <a:rPr lang="en" altLang="ko-KR" b="0" dirty="0" err="1">
+                    <a:solidFill>
+                      <a:schemeClr val="tx1"/>
+                    </a:solidFill>
+                  </a:rPr>
+                  <a:t>Anzahl</a:t>
+                </a:r>
+                <a:r>
+                  <a:rPr lang="en" altLang="ko-KR" b="0" dirty="0">
+                    <a:solidFill>
+                      <a:schemeClr val="tx1"/>
+                    </a:solidFill>
+                  </a:rPr>
+                  <a:t> von </a:t>
+                </a:r>
+                <a:r>
+                  <a:rPr lang="en" altLang="ko-KR" b="0" dirty="0" err="1">
+                    <a:solidFill>
+                      <a:schemeClr val="tx1"/>
+                    </a:solidFill>
+                  </a:rPr>
+                  <a:t>Daten</a:t>
+                </a:r>
+                <a:endParaRPr lang="en" altLang="ko-KR" b="0" dirty="0">
+                  <a:solidFill>
+                    <a:schemeClr val="tx1"/>
+                  </a:solidFill>
+                </a:endParaRPr>
+              </a:p>
+            </p:txBody>
+          </p:sp>
+        </mc:Choice>
+        <mc:Fallback xmlns="">
+          <p:sp>
+            <p:nvSpPr>
+              <p:cNvPr id="10" name="Inhaltsplatzhalter 2">
+                <a:extLst>
+                  <a:ext uri="{FF2B5EF4-FFF2-40B4-BE49-F238E27FC236}">
+                    <a16:creationId xmlns:a16="http://schemas.microsoft.com/office/drawing/2014/main" id="{D56240FE-7C77-734A-AF03-DA7E86F1ECFE}"/>
+                  </a:ext>
+                </a:extLst>
+              </p:cNvPr>
+              <p:cNvSpPr txBox="1">
+                <a:spLocks noRot="1" noChangeAspect="1" noMove="1" noResize="1" noEditPoints="1" noAdjustHandles="1" noChangeArrowheads="1" noChangeShapeType="1" noTextEdit="1"/>
+              </p:cNvSpPr>
+              <p:nvPr/>
+            </p:nvSpPr>
+            <p:spPr>
+              <a:xfrm>
+                <a:off x="3532800" y="918993"/>
+                <a:ext cx="5025845" cy="1652757"/>
+              </a:xfrm>
+              <a:prstGeom prst="rect">
+                <a:avLst/>
+              </a:prstGeom>
+              <a:blipFill>
+                <a:blip r:embed="rId5"/>
+                <a:stretch>
+                  <a:fillRect l="-252"/>
+                </a:stretch>
+              </a:blipFill>
+              <a:ln>
+                <a:noFill/>
+              </a:ln>
+            </p:spPr>
+            <p:txBody>
+              <a:bodyPr/>
+              <a:lstStyle/>
+              <a:p>
+                <a:r>
+                  <a:rPr lang="ko-KR" altLang="en-US">
+                    <a:noFill/>
+                  </a:rPr>
+                  <a:t> </a:t>
+                </a:r>
+              </a:p>
+            </p:txBody>
+          </p:sp>
+        </mc:Fallback>
+      </mc:AlternateContent>
+    </p:spTree>
+    <p:extLst>
+      <p:ext uri="{BB962C8B-B14F-4D97-AF65-F5344CB8AC3E}">
+        <p14:creationId xmlns:p14="http://schemas.microsoft.com/office/powerpoint/2010/main" val="1851429629"/>
+      </p:ext>
+    </p:extLst>
+  </p:cSld>
+  <p:clrMapOvr>
+    <a:masterClrMapping/>
+  </p:clrMapOvr>
+</p:sld>
+</file>
+
+<file path=ppt/slides/slide15.xml><?xml version="1.0" encoding="utf-8"?>
+<p:sld xmlns:a="http://schemas.openxmlformats.org/drawingml/2006/main" xmlns:r="http://schemas.openxmlformats.org/officeDocument/2006/relationships" xmlns:p="http://schemas.openxmlformats.org/presentationml/2006/main">
+  <p:cSld>
+    <p:spTree>
+      <p:nvGrpSpPr>
+        <p:cNvPr id="1" name=""/>
+        <p:cNvGrpSpPr/>
+        <p:nvPr/>
+      </p:nvGrpSpPr>
+      <p:grpSpPr>
+        <a:xfrm>
+          <a:off x="0" y="0"/>
+          <a:ext cx="0" cy="0"/>
+          <a:chOff x="0" y="0"/>
+          <a:chExt cx="0" cy="0"/>
+        </a:xfrm>
+      </p:grpSpPr>
+      <p:sp>
+        <p:nvSpPr>
+          <p:cNvPr id="2" name="제목 1">
+            <a:extLst>
+              <a:ext uri="{FF2B5EF4-FFF2-40B4-BE49-F238E27FC236}">
+                <a16:creationId xmlns:a16="http://schemas.microsoft.com/office/drawing/2014/main" id="{CE1F9983-1712-7F42-958F-B6C7C10FCF2A}"/>
+              </a:ext>
+            </a:extLst>
+          </p:cNvPr>
+          <p:cNvSpPr>
+            <a:spLocks noGrp="1"/>
+          </p:cNvSpPr>
+          <p:nvPr>
+            <p:ph type="title"/>
+          </p:nvPr>
+        </p:nvSpPr>
+        <p:spPr>
+          <a:xfrm>
+            <a:off x="180000" y="254870"/>
+            <a:ext cx="5025845" cy="432000"/>
+          </a:xfrm>
+        </p:spPr>
+        <p:txBody>
+          <a:bodyPr/>
+          <a:lstStyle/>
+          <a:p>
+            <a:r>
+              <a:rPr kumimoji="1" lang="de-DE" altLang="ko-KR" dirty="0"/>
+              <a:t>Ergebnisse &amp; Diskussion</a:t>
+            </a:r>
+            <a:endParaRPr kumimoji="1" lang="ko-KR" altLang="en-US" dirty="0"/>
+          </a:p>
+        </p:txBody>
+      </p:sp>
+      <p:graphicFrame>
+        <p:nvGraphicFramePr>
+          <p:cNvPr id="3" name="내용 개체 틀 2">
+            <a:extLst>
+              <a:ext uri="{FF2B5EF4-FFF2-40B4-BE49-F238E27FC236}">
+                <a16:creationId xmlns:a16="http://schemas.microsoft.com/office/drawing/2014/main" id="{F60E3930-81BE-0D48-8CE1-7331F51AE00F}"/>
+              </a:ext>
+            </a:extLst>
+          </p:cNvPr>
+          <p:cNvGraphicFramePr>
+            <a:graphicFrameLocks noGrp="1"/>
+          </p:cNvGraphicFramePr>
+          <p:nvPr>
+            <p:ph idx="10"/>
+            <p:extLst>
+              <p:ext uri="{D42A27DB-BD31-4B8C-83A1-F6EECF244321}">
+                <p14:modId xmlns:p14="http://schemas.microsoft.com/office/powerpoint/2010/main" val="3970949171"/>
+              </p:ext>
+            </p:extLst>
+          </p:nvPr>
+        </p:nvGraphicFramePr>
+        <p:xfrm>
+          <a:off x="4572000" y="1596390"/>
+          <a:ext cx="3525520" cy="1950720"/>
+        </p:xfrm>
+        <a:graphic>
+          <a:graphicData uri="http://schemas.openxmlformats.org/drawingml/2006/table">
+            <a:tbl>
+              <a:tblPr firstRow="1" bandRow="1">
+                <a:tableStyleId>{5C22544A-7EE6-4342-B048-85BDC9FD1C3A}</a:tableStyleId>
+              </a:tblPr>
+              <a:tblGrid>
+                <a:gridCol w="1046480">
+                  <a:extLst>
+                    <a:ext uri="{9D8B030D-6E8A-4147-A177-3AD203B41FA5}">
+                      <a16:colId xmlns:a16="http://schemas.microsoft.com/office/drawing/2014/main" val="1402511799"/>
+                    </a:ext>
+                  </a:extLst>
+                </a:gridCol>
+                <a:gridCol w="2479040">
+                  <a:extLst>
+                    <a:ext uri="{9D8B030D-6E8A-4147-A177-3AD203B41FA5}">
+                      <a16:colId xmlns:a16="http://schemas.microsoft.com/office/drawing/2014/main" val="1083579010"/>
+                    </a:ext>
+                  </a:extLst>
+                </a:gridCol>
+              </a:tblGrid>
+              <a:tr h="236131">
+                <a:tc>
+                  <a:txBody>
+                    <a:bodyPr/>
+                    <a:lstStyle/>
+                    <a:p>
+                      <a:pPr algn="r" latinLnBrk="1"/>
+                      <a:endParaRPr lang="ko-KR" altLang="en-US" sz="1400" dirty="0">
+                        <a:latin typeface="Open Sans" pitchFamily="2" charset="0"/>
+                        <a:cs typeface="Open Sans" pitchFamily="2" charset="0"/>
+                      </a:endParaRPr>
+                    </a:p>
+                  </a:txBody>
+                  <a:tcPr anchor="ctr"/>
+                </a:tc>
+                <a:tc>
+                  <a:txBody>
+                    <a:bodyPr/>
+                    <a:lstStyle/>
+                    <a:p>
+                      <a:pPr algn="ctr" latinLnBrk="1"/>
+                      <a:r>
+                        <a:rPr lang="de-DE" altLang="ko-KR" sz="1400" dirty="0">
+                          <a:latin typeface="Open Sans" pitchFamily="2" charset="0"/>
+                          <a:ea typeface="Open Sans" pitchFamily="2" charset="0"/>
+                          <a:cs typeface="Open Sans" pitchFamily="2" charset="0"/>
+                        </a:rPr>
+                        <a:t>Verwandte Umgebung</a:t>
+                      </a:r>
+                      <a:endParaRPr lang="ko-KR" altLang="en-US" sz="1400" dirty="0">
+                        <a:latin typeface="Open Sans" pitchFamily="2" charset="0"/>
+                        <a:cs typeface="Open Sans" pitchFamily="2" charset="0"/>
+                      </a:endParaRPr>
+                    </a:p>
+                  </a:txBody>
+                  <a:tcPr anchor="ctr"/>
+                </a:tc>
+                <a:extLst>
+                  <a:ext uri="{0D108BD9-81ED-4DB2-BD59-A6C34878D82A}">
+                    <a16:rowId xmlns:a16="http://schemas.microsoft.com/office/drawing/2014/main" val="4224328304"/>
+                  </a:ext>
+                </a:extLst>
+              </a:tr>
+              <a:tr h="390659">
+                <a:tc>
+                  <a:txBody>
+                    <a:bodyPr/>
+                    <a:lstStyle/>
+                    <a:p>
+                      <a:pPr algn="r" latinLnBrk="1"/>
+                      <a:r>
+                        <a:rPr lang="de-DE" altLang="ko-KR" sz="1400" dirty="0" err="1">
+                          <a:latin typeface="Open Sans" pitchFamily="2" charset="0"/>
+                          <a:ea typeface="Open Sans" pitchFamily="2" charset="0"/>
+                          <a:cs typeface="Open Sans" pitchFamily="2" charset="0"/>
+                        </a:rPr>
+                        <a:t>Jupyter</a:t>
+                      </a:r>
+                      <a:r>
+                        <a:rPr lang="de-DE" altLang="ko-KR" sz="1400" dirty="0">
+                          <a:latin typeface="Open Sans" pitchFamily="2" charset="0"/>
+                          <a:ea typeface="Open Sans" pitchFamily="2" charset="0"/>
+                          <a:cs typeface="Open Sans" pitchFamily="2" charset="0"/>
+                        </a:rPr>
+                        <a:t> Notebook</a:t>
+                      </a:r>
+                      <a:endParaRPr lang="ko-KR" altLang="en-US" sz="1400" dirty="0">
+                        <a:latin typeface="Open Sans" pitchFamily="2" charset="0"/>
+                        <a:cs typeface="Open Sans" pitchFamily="2" charset="0"/>
+                      </a:endParaRPr>
+                    </a:p>
+                  </a:txBody>
+                  <a:tcPr anchor="ctr"/>
+                </a:tc>
+                <a:tc>
+                  <a:txBody>
+                    <a:bodyPr/>
+                    <a:lstStyle/>
+                    <a:p>
+                      <a:pPr algn="l" latinLnBrk="1"/>
+                      <a:r>
+                        <a:rPr lang="pt" altLang="ko-KR" sz="1400" dirty="0">
+                          <a:latin typeface="Open Sans" pitchFamily="2" charset="0"/>
+                          <a:ea typeface="Open Sans" pitchFamily="2" charset="0"/>
+                          <a:cs typeface="Open Sans" pitchFamily="2" charset="0"/>
+                        </a:rPr>
+                        <a:t>Google </a:t>
+                      </a:r>
+                      <a:r>
+                        <a:rPr lang="pt" altLang="ko-KR" sz="1400" dirty="0" err="1">
+                          <a:latin typeface="Open Sans" pitchFamily="2" charset="0"/>
+                          <a:ea typeface="Open Sans" pitchFamily="2" charset="0"/>
+                          <a:cs typeface="Open Sans" pitchFamily="2" charset="0"/>
+                        </a:rPr>
+                        <a:t>Colab</a:t>
+                      </a:r>
+                      <a:endParaRPr lang="ko-KR" altLang="en-US" sz="1400" dirty="0">
+                        <a:latin typeface="Open Sans" pitchFamily="2" charset="0"/>
+                        <a:cs typeface="Open Sans" pitchFamily="2" charset="0"/>
+                      </a:endParaRPr>
+                    </a:p>
+                  </a:txBody>
+                  <a:tcPr anchor="ctr"/>
+                </a:tc>
+                <a:extLst>
+                  <a:ext uri="{0D108BD9-81ED-4DB2-BD59-A6C34878D82A}">
+                    <a16:rowId xmlns:a16="http://schemas.microsoft.com/office/drawing/2014/main" val="2745488614"/>
+                  </a:ext>
+                </a:extLst>
+              </a:tr>
+              <a:tr h="236131">
+                <a:tc>
+                  <a:txBody>
+                    <a:bodyPr/>
+                    <a:lstStyle/>
+                    <a:p>
+                      <a:pPr algn="r" latinLnBrk="1"/>
+                      <a:r>
+                        <a:rPr lang="de-DE" altLang="ko-KR" sz="1400" dirty="0">
+                          <a:latin typeface="Open Sans" pitchFamily="2" charset="0"/>
+                          <a:ea typeface="Open Sans" pitchFamily="2" charset="0"/>
+                          <a:cs typeface="Open Sans" pitchFamily="2" charset="0"/>
+                        </a:rPr>
+                        <a:t>CPU</a:t>
+                      </a:r>
+                      <a:endParaRPr lang="ko-KR" altLang="en-US" sz="1400" dirty="0">
+                        <a:latin typeface="Open Sans" pitchFamily="2" charset="0"/>
+                        <a:cs typeface="Open Sans" pitchFamily="2" charset="0"/>
+                      </a:endParaRPr>
+                    </a:p>
+                  </a:txBody>
+                  <a:tcPr anchor="ctr"/>
+                </a:tc>
+                <a:tc>
+                  <a:txBody>
+                    <a:bodyPr/>
+                    <a:lstStyle/>
+                    <a:p>
+                      <a:pPr algn="l" latinLnBrk="1"/>
+                      <a:r>
+                        <a:rPr lang="pt" altLang="ko-KR" sz="1400" dirty="0">
+                          <a:latin typeface="Open Sans" pitchFamily="2" charset="0"/>
+                          <a:ea typeface="Open Sans" pitchFamily="2" charset="0"/>
+                          <a:cs typeface="Open Sans" pitchFamily="2" charset="0"/>
+                        </a:rPr>
+                        <a:t>Intel(</a:t>
+                      </a:r>
+                      <a:r>
+                        <a:rPr lang="pt" altLang="ko-KR" sz="1400" dirty="0" err="1">
+                          <a:latin typeface="Open Sans" pitchFamily="2" charset="0"/>
+                          <a:ea typeface="Open Sans" pitchFamily="2" charset="0"/>
+                          <a:cs typeface="Open Sans" pitchFamily="2" charset="0"/>
+                        </a:rPr>
+                        <a:t>R</a:t>
+                      </a:r>
+                      <a:r>
+                        <a:rPr lang="pt" altLang="ko-KR" sz="1400" dirty="0">
+                          <a:latin typeface="Open Sans" pitchFamily="2" charset="0"/>
+                          <a:ea typeface="Open Sans" pitchFamily="2" charset="0"/>
+                          <a:cs typeface="Open Sans" pitchFamily="2" charset="0"/>
+                        </a:rPr>
+                        <a:t>) Xeon(</a:t>
+                      </a:r>
+                      <a:r>
+                        <a:rPr lang="pt" altLang="ko-KR" sz="1400" dirty="0" err="1">
+                          <a:latin typeface="Open Sans" pitchFamily="2" charset="0"/>
+                          <a:ea typeface="Open Sans" pitchFamily="2" charset="0"/>
+                          <a:cs typeface="Open Sans" pitchFamily="2" charset="0"/>
+                        </a:rPr>
+                        <a:t>R</a:t>
+                      </a:r>
+                      <a:r>
+                        <a:rPr lang="pt" altLang="ko-KR" sz="1400" dirty="0">
+                          <a:latin typeface="Open Sans" pitchFamily="2" charset="0"/>
+                          <a:ea typeface="Open Sans" pitchFamily="2" charset="0"/>
+                          <a:cs typeface="Open Sans" pitchFamily="2" charset="0"/>
+                        </a:rPr>
+                        <a:t>)</a:t>
+                      </a:r>
+                      <a:endParaRPr lang="ko-KR" altLang="en-US" sz="1400" dirty="0">
+                        <a:latin typeface="Open Sans" pitchFamily="2" charset="0"/>
+                        <a:cs typeface="Open Sans" pitchFamily="2" charset="0"/>
+                      </a:endParaRPr>
+                    </a:p>
+                  </a:txBody>
+                  <a:tcPr anchor="ctr"/>
+                </a:tc>
+                <a:extLst>
+                  <a:ext uri="{0D108BD9-81ED-4DB2-BD59-A6C34878D82A}">
+                    <a16:rowId xmlns:a16="http://schemas.microsoft.com/office/drawing/2014/main" val="4183717908"/>
+                  </a:ext>
+                </a:extLst>
+              </a:tr>
+              <a:tr h="236131">
+                <a:tc>
+                  <a:txBody>
+                    <a:bodyPr/>
+                    <a:lstStyle/>
+                    <a:p>
+                      <a:pPr algn="r" latinLnBrk="1"/>
+                      <a:r>
+                        <a:rPr lang="de-DE" altLang="ko-KR" sz="1400" dirty="0">
+                          <a:latin typeface="Open Sans" pitchFamily="2" charset="0"/>
+                          <a:ea typeface="Open Sans" pitchFamily="2" charset="0"/>
+                          <a:cs typeface="Open Sans" pitchFamily="2" charset="0"/>
+                        </a:rPr>
+                        <a:t>RAM</a:t>
+                      </a:r>
+                      <a:endParaRPr lang="ko-KR" altLang="en-US" sz="1400" dirty="0">
+                        <a:latin typeface="Open Sans" pitchFamily="2" charset="0"/>
+                        <a:cs typeface="Open Sans" pitchFamily="2" charset="0"/>
+                      </a:endParaRPr>
+                    </a:p>
+                  </a:txBody>
+                  <a:tcPr anchor="ctr"/>
+                </a:tc>
+                <a:tc>
+                  <a:txBody>
+                    <a:bodyPr/>
+                    <a:lstStyle/>
+                    <a:p>
+                      <a:pPr algn="l" latinLnBrk="1"/>
+                      <a:r>
+                        <a:rPr lang="pt" altLang="ko-KR" sz="1400" dirty="0">
+                          <a:latin typeface="Open Sans" pitchFamily="2" charset="0"/>
+                          <a:ea typeface="Open Sans" pitchFamily="2" charset="0"/>
+                          <a:cs typeface="Open Sans" pitchFamily="2" charset="0"/>
+                        </a:rPr>
+                        <a:t>12 GB</a:t>
+                      </a:r>
+                      <a:endParaRPr lang="ko-KR" altLang="en-US" sz="1400" dirty="0">
+                        <a:latin typeface="Open Sans" pitchFamily="2" charset="0"/>
+                        <a:cs typeface="Open Sans" pitchFamily="2" charset="0"/>
+                      </a:endParaRPr>
+                    </a:p>
+                  </a:txBody>
+                  <a:tcPr anchor="ctr"/>
+                </a:tc>
+                <a:extLst>
+                  <a:ext uri="{0D108BD9-81ED-4DB2-BD59-A6C34878D82A}">
+                    <a16:rowId xmlns:a16="http://schemas.microsoft.com/office/drawing/2014/main" val="2890812494"/>
+                  </a:ext>
+                </a:extLst>
+              </a:tr>
+              <a:tr h="390659">
+                <a:tc>
+                  <a:txBody>
+                    <a:bodyPr/>
+                    <a:lstStyle/>
+                    <a:p>
+                      <a:pPr algn="r" latinLnBrk="1"/>
+                      <a:r>
+                        <a:rPr lang="de-DE" altLang="ko-KR" sz="1400" dirty="0">
+                          <a:latin typeface="Open Sans" pitchFamily="2" charset="0"/>
+                          <a:ea typeface="Open Sans" pitchFamily="2" charset="0"/>
+                          <a:cs typeface="Open Sans" pitchFamily="2" charset="0"/>
+                        </a:rPr>
+                        <a:t>Python Version</a:t>
+                      </a:r>
+                      <a:endParaRPr lang="ko-KR" altLang="en-US" sz="1400" dirty="0">
+                        <a:latin typeface="Open Sans" pitchFamily="2" charset="0"/>
+                        <a:cs typeface="Open Sans" pitchFamily="2" charset="0"/>
+                      </a:endParaRPr>
+                    </a:p>
+                  </a:txBody>
+                  <a:tcPr anchor="ctr"/>
+                </a:tc>
+                <a:tc>
+                  <a:txBody>
+                    <a:bodyPr/>
+                    <a:lstStyle/>
+                    <a:p>
+                      <a:pPr algn="l" latinLnBrk="1"/>
+                      <a:r>
+                        <a:rPr lang="pt" altLang="ko-KR" sz="1400" dirty="0">
+                          <a:latin typeface="Open Sans" pitchFamily="2" charset="0"/>
+                          <a:ea typeface="Open Sans" pitchFamily="2" charset="0"/>
+                          <a:cs typeface="Open Sans" pitchFamily="2" charset="0"/>
+                        </a:rPr>
+                        <a:t>3.8.16</a:t>
+                      </a:r>
+                      <a:endParaRPr lang="ko-KR" altLang="en-US" sz="1400" dirty="0">
+                        <a:latin typeface="Open Sans" pitchFamily="2" charset="0"/>
+                        <a:cs typeface="Open Sans" pitchFamily="2" charset="0"/>
+                      </a:endParaRPr>
+                    </a:p>
+                  </a:txBody>
+                  <a:tcPr anchor="ctr"/>
+                </a:tc>
+                <a:extLst>
+                  <a:ext uri="{0D108BD9-81ED-4DB2-BD59-A6C34878D82A}">
+                    <a16:rowId xmlns:a16="http://schemas.microsoft.com/office/drawing/2014/main" val="271262875"/>
+                  </a:ext>
+                </a:extLst>
+              </a:tr>
+            </a:tbl>
+          </a:graphicData>
+        </a:graphic>
+      </p:graphicFrame>
+      <p:sp>
+        <p:nvSpPr>
+          <p:cNvPr id="8" name="Inhaltsplatzhalter 2">
+            <a:extLst>
+              <a:ext uri="{FF2B5EF4-FFF2-40B4-BE49-F238E27FC236}">
+                <a16:creationId xmlns:a16="http://schemas.microsoft.com/office/drawing/2014/main" id="{B9DC1E30-27BD-5F4F-9BB3-3FB5AF6A549A}"/>
+              </a:ext>
+            </a:extLst>
+          </p:cNvPr>
+          <p:cNvSpPr txBox="1">
+            <a:spLocks/>
+          </p:cNvSpPr>
+          <p:nvPr/>
+        </p:nvSpPr>
+        <p:spPr>
+          <a:xfrm>
+            <a:off x="418993" y="918993"/>
+            <a:ext cx="3238609" cy="1652757"/>
+          </a:xfrm>
+          <a:prstGeom prst="rect">
+            <a:avLst/>
+          </a:prstGeom>
+          <a:ln>
+            <a:noFill/>
+          </a:ln>
+        </p:spPr>
+        <p:txBody>
+          <a:bodyPr lIns="0"/>
+          <a:lstStyle>
+            <a:lvl1pPr marL="88900" indent="-88900" algn="l" defTabSz="685800" rtl="0" eaLnBrk="1" latinLnBrk="1" hangingPunct="1">
+              <a:lnSpc>
+                <a:spcPts val="2200"/>
+              </a:lnSpc>
+              <a:spcBef>
+                <a:spcPts val="750"/>
+              </a:spcBef>
+              <a:buFont typeface="Muli" panose="00000500000000000000" pitchFamily="2" charset="0"/>
+              <a:buChar char=" "/>
+              <a:defRPr sz="1500" b="1" i="0" kern="1200" cap="none" baseline="0">
+                <a:solidFill>
+                  <a:srgbClr val="1F75BB"/>
+                </a:solidFill>
+                <a:latin typeface="Open Sans" panose="020B0606030504020204" pitchFamily="34" charset="0"/>
+                <a:ea typeface="Open Sans" panose="020B0606030504020204" pitchFamily="34" charset="0"/>
+                <a:cs typeface="Open Sans" panose="020B0606030504020204" pitchFamily="34" charset="0"/>
+              </a:defRPr>
+            </a:lvl1pPr>
+            <a:lvl2pPr marL="447675" indent="-179388" algn="l" defTabSz="685800" rtl="0" eaLnBrk="1" latinLnBrk="1" hangingPunct="1">
+              <a:lnSpc>
+                <a:spcPct val="90000"/>
+              </a:lnSpc>
+              <a:spcBef>
+                <a:spcPts val="375"/>
+              </a:spcBef>
+              <a:buFont typeface="Arial" panose="020B0604020202020204" pitchFamily="34" charset="0"/>
+              <a:buChar char="▪"/>
+              <a:defRPr sz="1300" kern="1200">
+                <a:solidFill>
+                  <a:schemeClr val="tx1"/>
+                </a:solidFill>
+                <a:latin typeface="Open Sans" panose="020B0606030504020204" pitchFamily="34" charset="0"/>
+                <a:ea typeface="Open Sans" panose="020B0606030504020204" pitchFamily="34" charset="0"/>
+                <a:cs typeface="Open Sans" panose="020B0606030504020204" pitchFamily="34" charset="0"/>
+              </a:defRPr>
+            </a:lvl2pPr>
+            <a:lvl3pPr marL="627063" indent="-179388" algn="l" defTabSz="685800" rtl="0" eaLnBrk="1" latinLnBrk="1" hangingPunct="1">
+              <a:lnSpc>
+                <a:spcPct val="90000"/>
+              </a:lnSpc>
+              <a:spcBef>
+                <a:spcPts val="375"/>
+              </a:spcBef>
+              <a:buFont typeface="Muli" panose="00000500000000000000" pitchFamily="2" charset="0"/>
+              <a:buChar char="-"/>
+              <a:tabLst>
+                <a:tab pos="4124325" algn="l"/>
+              </a:tabLst>
+              <a:defRPr sz="1200" kern="1200">
+                <a:solidFill>
+                  <a:schemeClr val="tx1"/>
+                </a:solidFill>
+                <a:latin typeface="Open Sans" panose="020B0606030504020204" pitchFamily="34" charset="0"/>
+                <a:ea typeface="Open Sans" panose="020B0606030504020204" pitchFamily="34" charset="0"/>
+                <a:cs typeface="Open Sans" panose="020B0606030504020204" pitchFamily="34" charset="0"/>
+              </a:defRPr>
+            </a:lvl3pPr>
+            <a:lvl4pPr marL="1200150" indent="-171450" algn="l" defTabSz="685800" rtl="0" eaLnBrk="1" latinLnBrk="1" hangingPunct="1">
+              <a:lnSpc>
+                <a:spcPct val="90000"/>
+              </a:lnSpc>
+              <a:spcBef>
+                <a:spcPts val="375"/>
+              </a:spcBef>
+              <a:buFont typeface="Arial" panose="020B0604020202020204" pitchFamily="34" charset="0"/>
+              <a:buChar char="•"/>
+              <a:defRPr sz="1200" kern="1200">
+                <a:solidFill>
+                  <a:schemeClr val="tx1"/>
+                </a:solidFill>
+                <a:latin typeface="+mj-lt"/>
+                <a:ea typeface="+mn-ea"/>
+                <a:cs typeface="+mn-cs"/>
+              </a:defRPr>
+            </a:lvl4pPr>
+            <a:lvl5pPr marL="1543050" indent="-171450" algn="l" defTabSz="685800" rtl="0" eaLnBrk="1" latinLnBrk="1" hangingPunct="1">
+              <a:lnSpc>
+                <a:spcPct val="90000"/>
+              </a:lnSpc>
+              <a:spcBef>
+                <a:spcPts val="375"/>
+              </a:spcBef>
+              <a:buFont typeface="Arial" panose="020B0604020202020204" pitchFamily="34" charset="0"/>
+              <a:buChar char="•"/>
+              <a:defRPr sz="1200" kern="1200">
+                <a:solidFill>
+                  <a:schemeClr val="tx1"/>
+                </a:solidFill>
+                <a:latin typeface="+mj-lt"/>
+                <a:ea typeface="+mn-ea"/>
+                <a:cs typeface="+mn-cs"/>
+              </a:defRPr>
+            </a:lvl5pPr>
+            <a:lvl6pPr marL="1885950" indent="-171450" algn="l" defTabSz="685800" rtl="0" eaLnBrk="1" latinLnBrk="1" hangingPunct="1">
+              <a:lnSpc>
+                <a:spcPct val="90000"/>
+              </a:lnSpc>
+              <a:spcBef>
+                <a:spcPts val="375"/>
+              </a:spcBef>
+              <a:buFont typeface="Arial" panose="020B0604020202020204" pitchFamily="34" charset="0"/>
+              <a:buChar char="•"/>
+              <a:defRPr sz="1200" kern="1200">
+                <a:solidFill>
+                  <a:schemeClr val="tx1"/>
+                </a:solidFill>
+                <a:latin typeface="+mn-lt"/>
+                <a:ea typeface="+mn-ea"/>
+                <a:cs typeface="+mn-cs"/>
+              </a:defRPr>
+            </a:lvl6pPr>
+            <a:lvl7pPr marL="2228850" indent="-171450" algn="l" defTabSz="685800" rtl="0" eaLnBrk="1" latinLnBrk="1" hangingPunct="1">
+              <a:lnSpc>
+                <a:spcPct val="90000"/>
+              </a:lnSpc>
+              <a:spcBef>
+                <a:spcPts val="375"/>
+              </a:spcBef>
+              <a:buFont typeface="Arial" panose="020B0604020202020204" pitchFamily="34" charset="0"/>
+              <a:buChar char="•"/>
+              <a:defRPr sz="1200" kern="1200">
+                <a:solidFill>
+                  <a:schemeClr val="tx1"/>
+                </a:solidFill>
+                <a:latin typeface="+mn-lt"/>
+                <a:ea typeface="+mn-ea"/>
+                <a:cs typeface="+mn-cs"/>
+              </a:defRPr>
+            </a:lvl7pPr>
+            <a:lvl8pPr marL="2571750" indent="-171450" algn="l" defTabSz="685800" rtl="0" eaLnBrk="1" latinLnBrk="1" hangingPunct="1">
+              <a:lnSpc>
+                <a:spcPct val="90000"/>
+              </a:lnSpc>
+              <a:spcBef>
+                <a:spcPts val="375"/>
+              </a:spcBef>
+              <a:buFont typeface="Arial" panose="020B0604020202020204" pitchFamily="34" charset="0"/>
+              <a:buChar char="•"/>
+              <a:defRPr sz="1200" kern="1200">
+                <a:solidFill>
+                  <a:schemeClr val="tx1"/>
+                </a:solidFill>
+                <a:latin typeface="+mn-lt"/>
+                <a:ea typeface="+mn-ea"/>
+                <a:cs typeface="+mn-cs"/>
+              </a:defRPr>
+            </a:lvl8pPr>
+            <a:lvl9pPr marL="2914650" indent="-171450" algn="l" defTabSz="685800" rtl="0" eaLnBrk="1" latinLnBrk="1" hangingPunct="1">
+              <a:lnSpc>
+                <a:spcPct val="90000"/>
+              </a:lnSpc>
+              <a:spcBef>
+                <a:spcPts val="375"/>
+              </a:spcBef>
+              <a:buFont typeface="Arial" panose="020B0604020202020204" pitchFamily="34" charset="0"/>
+              <a:buChar char="•"/>
+              <a:defRPr sz="1200" kern="1200">
+                <a:solidFill>
+                  <a:schemeClr val="tx1"/>
+                </a:solidFill>
+                <a:latin typeface="+mn-lt"/>
+                <a:ea typeface="+mn-ea"/>
+                <a:cs typeface="+mn-cs"/>
+              </a:defRPr>
+            </a:lvl9pPr>
+          </a:lstStyle>
+          <a:p>
+            <a:pPr marL="81000" indent="0">
+              <a:buNone/>
+            </a:pPr>
+            <a:r>
+              <a:rPr kumimoji="1" lang="de-DE" altLang="ko-KR" dirty="0"/>
+              <a:t>Entwicklungsumgebung</a:t>
+            </a:r>
+            <a:endParaRPr lang="de-DE" altLang="ko-KR" b="0" dirty="0">
+              <a:solidFill>
+                <a:schemeClr val="tx1"/>
+              </a:solidFill>
+            </a:endParaRPr>
+          </a:p>
+          <a:p>
+            <a:pPr marL="366750" indent="-285750">
+              <a:buFont typeface="Arial" panose="020B0604020202020204" pitchFamily="34" charset="0"/>
+              <a:buChar char="•"/>
+            </a:pPr>
+            <a:endParaRPr lang="de-DE" altLang="ko-KR" b="0" dirty="0">
+              <a:solidFill>
+                <a:schemeClr val="tx1"/>
+              </a:solidFill>
+            </a:endParaRPr>
+          </a:p>
+        </p:txBody>
+      </p:sp>
+    </p:spTree>
+    <p:extLst>
+      <p:ext uri="{BB962C8B-B14F-4D97-AF65-F5344CB8AC3E}">
+        <p14:creationId xmlns:p14="http://schemas.microsoft.com/office/powerpoint/2010/main" val="3968415900"/>
+      </p:ext>
+    </p:extLst>
+  </p:cSld>
+  <p:clrMapOvr>
+    <a:masterClrMapping/>
+  </p:clrMapOvr>
+</p:sld>
+</file>
+
+<file path=ppt/slides/slide16.xml><?xml version="1.0" encoding="utf-8"?>
 <p:sld xmlns:a="http://schemas.openxmlformats.org/drawingml/2006/main" xmlns:r="http://schemas.openxmlformats.org/officeDocument/2006/relationships" xmlns:p="http://schemas.openxmlformats.org/presentationml/2006/main">
   <p:cSld>
     <p:spTree>
@@ -11833,14 +12901,14 @@
           <p:nvPr>
             <p:extLst>
               <p:ext uri="{D42A27DB-BD31-4B8C-83A1-F6EECF244321}">
-                <p14:modId xmlns:p14="http://schemas.microsoft.com/office/powerpoint/2010/main" val="2372837480"/>
+                <p14:modId xmlns:p14="http://schemas.microsoft.com/office/powerpoint/2010/main" val="1988210043"/>
               </p:ext>
             </p:extLst>
           </p:nvPr>
         </p:nvGraphicFramePr>
         <p:xfrm>
-          <a:off x="4085968" y="1300599"/>
-          <a:ext cx="4242486" cy="2937326"/>
+          <a:off x="4002840" y="918993"/>
+          <a:ext cx="4683959" cy="3736138"/>
         </p:xfrm>
         <a:graphic>
           <a:graphicData uri="http://schemas.openxmlformats.org/drawingml/2006/table">
@@ -11849,49 +12917,49 @@
                 <a:tableStyleId>{5C22544A-7EE6-4342-B048-85BDC9FD1C3A}</a:tableStyleId>
               </a:tblPr>
               <a:tblGrid>
-                <a:gridCol w="1013254">
+                <a:gridCol w="1118693">
                   <a:extLst>
                     <a:ext uri="{9D8B030D-6E8A-4147-A177-3AD203B41FA5}">
                       <a16:colId xmlns:a16="http://schemas.microsoft.com/office/drawing/2014/main" val="575220536"/>
                     </a:ext>
                   </a:extLst>
                 </a:gridCol>
-                <a:gridCol w="601362">
+                <a:gridCol w="663940">
                   <a:extLst>
                     <a:ext uri="{9D8B030D-6E8A-4147-A177-3AD203B41FA5}">
                       <a16:colId xmlns:a16="http://schemas.microsoft.com/office/drawing/2014/main" val="497884229"/>
                     </a:ext>
                   </a:extLst>
                 </a:gridCol>
-                <a:gridCol w="568411">
+                <a:gridCol w="627560">
                   <a:extLst>
                     <a:ext uri="{9D8B030D-6E8A-4147-A177-3AD203B41FA5}">
                       <a16:colId xmlns:a16="http://schemas.microsoft.com/office/drawing/2014/main" val="332010453"/>
                     </a:ext>
                   </a:extLst>
                 </a:gridCol>
-                <a:gridCol w="535459">
+                <a:gridCol w="591179">
                   <a:extLst>
                     <a:ext uri="{9D8B030D-6E8A-4147-A177-3AD203B41FA5}">
                       <a16:colId xmlns:a16="http://schemas.microsoft.com/office/drawing/2014/main" val="1995098783"/>
                     </a:ext>
                   </a:extLst>
                 </a:gridCol>
-                <a:gridCol w="521174">
+                <a:gridCol w="575407">
                   <a:extLst>
                     <a:ext uri="{9D8B030D-6E8A-4147-A177-3AD203B41FA5}">
                       <a16:colId xmlns:a16="http://schemas.microsoft.com/office/drawing/2014/main" val="1443277746"/>
                     </a:ext>
                   </a:extLst>
                 </a:gridCol>
-                <a:gridCol w="501413">
+                <a:gridCol w="553590">
                   <a:extLst>
                     <a:ext uri="{9D8B030D-6E8A-4147-A177-3AD203B41FA5}">
                       <a16:colId xmlns:a16="http://schemas.microsoft.com/office/drawing/2014/main" val="2221000555"/>
                     </a:ext>
                   </a:extLst>
                 </a:gridCol>
-                <a:gridCol w="501413">
+                <a:gridCol w="553590">
                   <a:extLst>
                     <a:ext uri="{9D8B030D-6E8A-4147-A177-3AD203B41FA5}">
                       <a16:colId xmlns:a16="http://schemas.microsoft.com/office/drawing/2014/main" val="1383604700"/>
@@ -11899,7 +12967,7 @@
                   </a:extLst>
                 </a:gridCol>
               </a:tblGrid>
-              <a:tr h="209809">
+              <a:tr h="266867">
                 <a:tc gridSpan="7">
                   <a:txBody>
                     <a:bodyPr/>
@@ -12043,7 +13111,7 @@
                   </a:ext>
                 </a:extLst>
               </a:tr>
-              <a:tr h="209809">
+              <a:tr h="266867">
                 <a:tc rowSpan="3">
                   <a:txBody>
                     <a:bodyPr/>
@@ -12280,7 +13348,7 @@
                   </a:ext>
                 </a:extLst>
               </a:tr>
-              <a:tr h="209809">
+              <a:tr h="266867">
                 <a:tc vMerge="1">
                   <a:txBody>
                     <a:bodyPr/>
@@ -12419,7 +13487,7 @@
                   </a:ext>
                 </a:extLst>
               </a:tr>
-              <a:tr h="209809">
+              <a:tr h="266867">
                 <a:tc vMerge="1">
                   <a:txBody>
                     <a:bodyPr/>
@@ -12621,7 +13689,7 @@
                   </a:ext>
                 </a:extLst>
               </a:tr>
-              <a:tr h="209809">
+              <a:tr h="266867">
                 <a:tc>
                   <a:txBody>
                     <a:bodyPr/>
@@ -12820,7 +13888,7 @@
                         </a:spcAft>
                       </a:pPr>
                       <a:r>
-                        <a:rPr lang="de-DE" altLang="ko-KR" sz="1100" b="0" kern="100" dirty="0">
+                        <a:rPr lang="de-DE" altLang="ko-KR" sz="1100" b="1" kern="100" dirty="0">
                           <a:effectLst/>
                           <a:latin typeface="Open Sans" pitchFamily="2" charset="0"/>
                           <a:ea typeface="Open Sans" pitchFamily="2" charset="0"/>
@@ -12828,7 +13896,7 @@
                         </a:rPr>
                         <a:t>0.00</a:t>
                       </a:r>
-                      <a:endParaRPr lang="ko-KR" sz="1100" b="0" kern="100" dirty="0">
+                      <a:endParaRPr lang="ko-KR" sz="1100" b="1" kern="100" dirty="0">
                         <a:effectLst/>
                         <a:latin typeface="Open Sans" pitchFamily="2" charset="0"/>
                         <a:ea typeface="맑은 고딕" panose="020B0503020000020004" pitchFamily="34" charset="-127"/>
@@ -12844,7 +13912,7 @@